--- a/Agile-Growth-Pathway.pptx
+++ b/Agile-Growth-Pathway.pptx
@@ -247,6 +247,803 @@
     </pc:docChg>
   </pc:docChgLst>
   <pc:docChgLst>
+    <pc:chgData name="Tom Hoyland" userId="736d7a3e-93c7-4109-90c5-e67b8b3e41b2" providerId="ADAL" clId="{A4D346AA-F248-6444-93C1-EF2F2E65C714}"/>
+    <pc:docChg chg="undo custSel addSld delSld modSld sldOrd">
+      <pc:chgData name="Tom Hoyland" userId="736d7a3e-93c7-4109-90c5-e67b8b3e41b2" providerId="ADAL" clId="{A4D346AA-F248-6444-93C1-EF2F2E65C714}" dt="2024-08-20T11:33:24.572" v="664" actId="404"/>
+      <pc:docMkLst>
+        <pc:docMk/>
+      </pc:docMkLst>
+      <pc:sldChg chg="addSp delSp modSp mod">
+        <pc:chgData name="Tom Hoyland" userId="736d7a3e-93c7-4109-90c5-e67b8b3e41b2" providerId="ADAL" clId="{A4D346AA-F248-6444-93C1-EF2F2E65C714}" dt="2024-08-20T10:35:24.927" v="523" actId="1076"/>
+        <pc:sldMkLst>
+          <pc:docMk/>
+          <pc:sldMk cId="215971509" sldId="258"/>
+        </pc:sldMkLst>
+        <pc:spChg chg="add del mod">
+          <ac:chgData name="Tom Hoyland" userId="736d7a3e-93c7-4109-90c5-e67b8b3e41b2" providerId="ADAL" clId="{A4D346AA-F248-6444-93C1-EF2F2E65C714}" dt="2024-08-20T10:35:16.759" v="521"/>
+          <ac:spMkLst>
+            <pc:docMk/>
+            <pc:sldMk cId="215971509" sldId="258"/>
+            <ac:spMk id="2" creationId="{13C5DC61-1188-B764-894D-18FA2653502D}"/>
+          </ac:spMkLst>
+        </pc:spChg>
+        <pc:graphicFrameChg chg="mod modGraphic">
+          <ac:chgData name="Tom Hoyland" userId="736d7a3e-93c7-4109-90c5-e67b8b3e41b2" providerId="ADAL" clId="{A4D346AA-F248-6444-93C1-EF2F2E65C714}" dt="2024-08-20T10:35:24.927" v="523" actId="1076"/>
+          <ac:graphicFrameMkLst>
+            <pc:docMk/>
+            <pc:sldMk cId="215971509" sldId="258"/>
+            <ac:graphicFrameMk id="4" creationId="{2C24AB31-CFE6-05B1-A05C-CB4B8F5125D5}"/>
+          </ac:graphicFrameMkLst>
+        </pc:graphicFrameChg>
+      </pc:sldChg>
+      <pc:sldChg chg="addSp delSp modSp del mod">
+        <pc:chgData name="Tom Hoyland" userId="736d7a3e-93c7-4109-90c5-e67b8b3e41b2" providerId="ADAL" clId="{A4D346AA-F248-6444-93C1-EF2F2E65C714}" dt="2024-08-20T11:32:51.918" v="598" actId="2696"/>
+        <pc:sldMkLst>
+          <pc:docMk/>
+          <pc:sldMk cId="1551894915" sldId="261"/>
+        </pc:sldMkLst>
+        <pc:spChg chg="del">
+          <ac:chgData name="Tom Hoyland" userId="736d7a3e-93c7-4109-90c5-e67b8b3e41b2" providerId="ADAL" clId="{A4D346AA-F248-6444-93C1-EF2F2E65C714}" dt="2024-08-20T11:32:39.566" v="595" actId="478"/>
+          <ac:spMkLst>
+            <pc:docMk/>
+            <pc:sldMk cId="1551894915" sldId="261"/>
+            <ac:spMk id="2" creationId="{60114F5B-200D-5E80-5596-D97099667249}"/>
+          </ac:spMkLst>
+        </pc:spChg>
+        <pc:spChg chg="add mod">
+          <ac:chgData name="Tom Hoyland" userId="736d7a3e-93c7-4109-90c5-e67b8b3e41b2" providerId="ADAL" clId="{A4D346AA-F248-6444-93C1-EF2F2E65C714}" dt="2024-08-20T11:32:39.566" v="595" actId="478"/>
+          <ac:spMkLst>
+            <pc:docMk/>
+            <pc:sldMk cId="1551894915" sldId="261"/>
+            <ac:spMk id="4" creationId="{D965E8EF-04AD-6DBB-D01A-5F2B61C6026F}"/>
+          </ac:spMkLst>
+        </pc:spChg>
+        <pc:spChg chg="del">
+          <ac:chgData name="Tom Hoyland" userId="736d7a3e-93c7-4109-90c5-e67b8b3e41b2" providerId="ADAL" clId="{A4D346AA-F248-6444-93C1-EF2F2E65C714}" dt="2024-08-20T11:32:39.566" v="595" actId="478"/>
+          <ac:spMkLst>
+            <pc:docMk/>
+            <pc:sldMk cId="1551894915" sldId="261"/>
+            <ac:spMk id="8" creationId="{8CDDB97D-A02F-8254-5432-E930CF01E0FC}"/>
+          </ac:spMkLst>
+        </pc:spChg>
+        <pc:spChg chg="del">
+          <ac:chgData name="Tom Hoyland" userId="736d7a3e-93c7-4109-90c5-e67b8b3e41b2" providerId="ADAL" clId="{A4D346AA-F248-6444-93C1-EF2F2E65C714}" dt="2024-08-20T11:32:39.566" v="595" actId="478"/>
+          <ac:spMkLst>
+            <pc:docMk/>
+            <pc:sldMk cId="1551894915" sldId="261"/>
+            <ac:spMk id="10" creationId="{C258F823-7B51-957A-9C20-93136D988928}"/>
+          </ac:spMkLst>
+        </pc:spChg>
+        <pc:spChg chg="del">
+          <ac:chgData name="Tom Hoyland" userId="736d7a3e-93c7-4109-90c5-e67b8b3e41b2" providerId="ADAL" clId="{A4D346AA-F248-6444-93C1-EF2F2E65C714}" dt="2024-08-20T11:32:39.566" v="595" actId="478"/>
+          <ac:spMkLst>
+            <pc:docMk/>
+            <pc:sldMk cId="1551894915" sldId="261"/>
+            <ac:spMk id="11" creationId="{706FB268-040E-2102-1308-B242A93B903A}"/>
+          </ac:spMkLst>
+        </pc:spChg>
+        <pc:spChg chg="del">
+          <ac:chgData name="Tom Hoyland" userId="736d7a3e-93c7-4109-90c5-e67b8b3e41b2" providerId="ADAL" clId="{A4D346AA-F248-6444-93C1-EF2F2E65C714}" dt="2024-08-20T11:32:39.566" v="595" actId="478"/>
+          <ac:spMkLst>
+            <pc:docMk/>
+            <pc:sldMk cId="1551894915" sldId="261"/>
+            <ac:spMk id="13" creationId="{380E85BC-FF65-970E-3CDA-C005D8E7882F}"/>
+          </ac:spMkLst>
+        </pc:spChg>
+        <pc:spChg chg="del">
+          <ac:chgData name="Tom Hoyland" userId="736d7a3e-93c7-4109-90c5-e67b8b3e41b2" providerId="ADAL" clId="{A4D346AA-F248-6444-93C1-EF2F2E65C714}" dt="2024-08-20T11:32:39.566" v="595" actId="478"/>
+          <ac:spMkLst>
+            <pc:docMk/>
+            <pc:sldMk cId="1551894915" sldId="261"/>
+            <ac:spMk id="14" creationId="{042E4238-C41B-D73B-C28B-0B462803692E}"/>
+          </ac:spMkLst>
+        </pc:spChg>
+        <pc:spChg chg="del">
+          <ac:chgData name="Tom Hoyland" userId="736d7a3e-93c7-4109-90c5-e67b8b3e41b2" providerId="ADAL" clId="{A4D346AA-F248-6444-93C1-EF2F2E65C714}" dt="2024-08-20T11:32:39.566" v="595" actId="478"/>
+          <ac:spMkLst>
+            <pc:docMk/>
+            <pc:sldMk cId="1551894915" sldId="261"/>
+            <ac:spMk id="16" creationId="{24D6D5B8-560A-7C70-9E81-B8EFB579F08E}"/>
+          </ac:spMkLst>
+        </pc:spChg>
+        <pc:spChg chg="del">
+          <ac:chgData name="Tom Hoyland" userId="736d7a3e-93c7-4109-90c5-e67b8b3e41b2" providerId="ADAL" clId="{A4D346AA-F248-6444-93C1-EF2F2E65C714}" dt="2024-08-20T11:32:39.566" v="595" actId="478"/>
+          <ac:spMkLst>
+            <pc:docMk/>
+            <pc:sldMk cId="1551894915" sldId="261"/>
+            <ac:spMk id="18" creationId="{F93BD877-DC0E-E976-9DE4-BE888B19CF0F}"/>
+          </ac:spMkLst>
+        </pc:spChg>
+        <pc:spChg chg="del">
+          <ac:chgData name="Tom Hoyland" userId="736d7a3e-93c7-4109-90c5-e67b8b3e41b2" providerId="ADAL" clId="{A4D346AA-F248-6444-93C1-EF2F2E65C714}" dt="2024-08-20T11:32:39.566" v="595" actId="478"/>
+          <ac:spMkLst>
+            <pc:docMk/>
+            <pc:sldMk cId="1551894915" sldId="261"/>
+            <ac:spMk id="28" creationId="{5ACB057E-5EA7-0F53-3026-546099232574}"/>
+          </ac:spMkLst>
+        </pc:spChg>
+        <pc:spChg chg="del">
+          <ac:chgData name="Tom Hoyland" userId="736d7a3e-93c7-4109-90c5-e67b8b3e41b2" providerId="ADAL" clId="{A4D346AA-F248-6444-93C1-EF2F2E65C714}" dt="2024-08-20T11:32:39.566" v="595" actId="478"/>
+          <ac:spMkLst>
+            <pc:docMk/>
+            <pc:sldMk cId="1551894915" sldId="261"/>
+            <ac:spMk id="29" creationId="{73641E73-F1C1-EAD9-8C93-D55E7BD2CDF8}"/>
+          </ac:spMkLst>
+        </pc:spChg>
+        <pc:spChg chg="del">
+          <ac:chgData name="Tom Hoyland" userId="736d7a3e-93c7-4109-90c5-e67b8b3e41b2" providerId="ADAL" clId="{A4D346AA-F248-6444-93C1-EF2F2E65C714}" dt="2024-08-20T11:32:39.566" v="595" actId="478"/>
+          <ac:spMkLst>
+            <pc:docMk/>
+            <pc:sldMk cId="1551894915" sldId="261"/>
+            <ac:spMk id="30" creationId="{0E4E77C7-934A-84F8-113F-232F677D364F}"/>
+          </ac:spMkLst>
+        </pc:spChg>
+        <pc:spChg chg="del">
+          <ac:chgData name="Tom Hoyland" userId="736d7a3e-93c7-4109-90c5-e67b8b3e41b2" providerId="ADAL" clId="{A4D346AA-F248-6444-93C1-EF2F2E65C714}" dt="2024-08-20T11:32:39.566" v="595" actId="478"/>
+          <ac:spMkLst>
+            <pc:docMk/>
+            <pc:sldMk cId="1551894915" sldId="261"/>
+            <ac:spMk id="31" creationId="{18DF7356-8B91-65DC-8FE8-32BFE8F1A09C}"/>
+          </ac:spMkLst>
+        </pc:spChg>
+        <pc:spChg chg="del">
+          <ac:chgData name="Tom Hoyland" userId="736d7a3e-93c7-4109-90c5-e67b8b3e41b2" providerId="ADAL" clId="{A4D346AA-F248-6444-93C1-EF2F2E65C714}" dt="2024-08-20T11:32:39.566" v="595" actId="478"/>
+          <ac:spMkLst>
+            <pc:docMk/>
+            <pc:sldMk cId="1551894915" sldId="261"/>
+            <ac:spMk id="32" creationId="{CE0A2A4C-DC20-3B09-E6C1-86C7406F3E22}"/>
+          </ac:spMkLst>
+        </pc:spChg>
+        <pc:spChg chg="del">
+          <ac:chgData name="Tom Hoyland" userId="736d7a3e-93c7-4109-90c5-e67b8b3e41b2" providerId="ADAL" clId="{A4D346AA-F248-6444-93C1-EF2F2E65C714}" dt="2024-08-20T11:32:39.566" v="595" actId="478"/>
+          <ac:spMkLst>
+            <pc:docMk/>
+            <pc:sldMk cId="1551894915" sldId="261"/>
+            <ac:spMk id="33" creationId="{B0CF220A-8F25-72EA-707D-3F51885CA3B4}"/>
+          </ac:spMkLst>
+        </pc:spChg>
+        <pc:spChg chg="del">
+          <ac:chgData name="Tom Hoyland" userId="736d7a3e-93c7-4109-90c5-e67b8b3e41b2" providerId="ADAL" clId="{A4D346AA-F248-6444-93C1-EF2F2E65C714}" dt="2024-08-20T11:32:39.566" v="595" actId="478"/>
+          <ac:spMkLst>
+            <pc:docMk/>
+            <pc:sldMk cId="1551894915" sldId="261"/>
+            <ac:spMk id="34" creationId="{FD091573-20FC-A6D7-6867-DCE7669E0934}"/>
+          </ac:spMkLst>
+        </pc:spChg>
+        <pc:spChg chg="del">
+          <ac:chgData name="Tom Hoyland" userId="736d7a3e-93c7-4109-90c5-e67b8b3e41b2" providerId="ADAL" clId="{A4D346AA-F248-6444-93C1-EF2F2E65C714}" dt="2024-08-20T11:32:39.566" v="595" actId="478"/>
+          <ac:spMkLst>
+            <pc:docMk/>
+            <pc:sldMk cId="1551894915" sldId="261"/>
+            <ac:spMk id="35" creationId="{14C3540D-164D-0502-B9B3-99DA425B4CAA}"/>
+          </ac:spMkLst>
+        </pc:spChg>
+        <pc:spChg chg="del">
+          <ac:chgData name="Tom Hoyland" userId="736d7a3e-93c7-4109-90c5-e67b8b3e41b2" providerId="ADAL" clId="{A4D346AA-F248-6444-93C1-EF2F2E65C714}" dt="2024-08-20T11:32:39.566" v="595" actId="478"/>
+          <ac:spMkLst>
+            <pc:docMk/>
+            <pc:sldMk cId="1551894915" sldId="261"/>
+            <ac:spMk id="36" creationId="{E590E56E-C5E5-6786-556B-9FF43F6C6253}"/>
+          </ac:spMkLst>
+        </pc:spChg>
+        <pc:picChg chg="del">
+          <ac:chgData name="Tom Hoyland" userId="736d7a3e-93c7-4109-90c5-e67b8b3e41b2" providerId="ADAL" clId="{A4D346AA-F248-6444-93C1-EF2F2E65C714}" dt="2024-08-20T11:32:39.566" v="595" actId="478"/>
+          <ac:picMkLst>
+            <pc:docMk/>
+            <pc:sldMk cId="1551894915" sldId="261"/>
+            <ac:picMk id="5" creationId="{62116002-A9FA-E0AB-8E6A-8CEE2DB576CB}"/>
+          </ac:picMkLst>
+        </pc:picChg>
+        <pc:picChg chg="del">
+          <ac:chgData name="Tom Hoyland" userId="736d7a3e-93c7-4109-90c5-e67b8b3e41b2" providerId="ADAL" clId="{A4D346AA-F248-6444-93C1-EF2F2E65C714}" dt="2024-08-20T11:32:39.566" v="595" actId="478"/>
+          <ac:picMkLst>
+            <pc:docMk/>
+            <pc:sldMk cId="1551894915" sldId="261"/>
+            <ac:picMk id="6" creationId="{06F97ED0-2646-B792-8B99-24400765AE9E}"/>
+          </ac:picMkLst>
+        </pc:picChg>
+        <pc:picChg chg="del">
+          <ac:chgData name="Tom Hoyland" userId="736d7a3e-93c7-4109-90c5-e67b8b3e41b2" providerId="ADAL" clId="{A4D346AA-F248-6444-93C1-EF2F2E65C714}" dt="2024-08-20T11:32:39.566" v="595" actId="478"/>
+          <ac:picMkLst>
+            <pc:docMk/>
+            <pc:sldMk cId="1551894915" sldId="261"/>
+            <ac:picMk id="7" creationId="{D006BE89-01FB-EFD8-A0B0-468CE5796739}"/>
+          </ac:picMkLst>
+        </pc:picChg>
+        <pc:picChg chg="del">
+          <ac:chgData name="Tom Hoyland" userId="736d7a3e-93c7-4109-90c5-e67b8b3e41b2" providerId="ADAL" clId="{A4D346AA-F248-6444-93C1-EF2F2E65C714}" dt="2024-08-20T11:32:39.566" v="595" actId="478"/>
+          <ac:picMkLst>
+            <pc:docMk/>
+            <pc:sldMk cId="1551894915" sldId="261"/>
+            <ac:picMk id="9" creationId="{08B66EBF-2D1E-6E8B-FCBD-479EDE455568}"/>
+          </ac:picMkLst>
+        </pc:picChg>
+        <pc:picChg chg="del">
+          <ac:chgData name="Tom Hoyland" userId="736d7a3e-93c7-4109-90c5-e67b8b3e41b2" providerId="ADAL" clId="{A4D346AA-F248-6444-93C1-EF2F2E65C714}" dt="2024-08-20T11:32:39.566" v="595" actId="478"/>
+          <ac:picMkLst>
+            <pc:docMk/>
+            <pc:sldMk cId="1551894915" sldId="261"/>
+            <ac:picMk id="12" creationId="{0AF8A365-1CA9-E91D-685E-C97FBF85A01F}"/>
+          </ac:picMkLst>
+        </pc:picChg>
+        <pc:picChg chg="del">
+          <ac:chgData name="Tom Hoyland" userId="736d7a3e-93c7-4109-90c5-e67b8b3e41b2" providerId="ADAL" clId="{A4D346AA-F248-6444-93C1-EF2F2E65C714}" dt="2024-08-20T11:32:39.566" v="595" actId="478"/>
+          <ac:picMkLst>
+            <pc:docMk/>
+            <pc:sldMk cId="1551894915" sldId="261"/>
+            <ac:picMk id="15" creationId="{C1E2E61F-6957-C476-802C-DAA4E8E3D8FC}"/>
+          </ac:picMkLst>
+        </pc:picChg>
+        <pc:picChg chg="del">
+          <ac:chgData name="Tom Hoyland" userId="736d7a3e-93c7-4109-90c5-e67b8b3e41b2" providerId="ADAL" clId="{A4D346AA-F248-6444-93C1-EF2F2E65C714}" dt="2024-08-20T11:32:39.566" v="595" actId="478"/>
+          <ac:picMkLst>
+            <pc:docMk/>
+            <pc:sldMk cId="1551894915" sldId="261"/>
+            <ac:picMk id="17" creationId="{0F35D7D0-03F8-0064-B5AC-20BCCD3C6C55}"/>
+          </ac:picMkLst>
+        </pc:picChg>
+        <pc:picChg chg="del">
+          <ac:chgData name="Tom Hoyland" userId="736d7a3e-93c7-4109-90c5-e67b8b3e41b2" providerId="ADAL" clId="{A4D346AA-F248-6444-93C1-EF2F2E65C714}" dt="2024-08-20T11:32:39.566" v="595" actId="478"/>
+          <ac:picMkLst>
+            <pc:docMk/>
+            <pc:sldMk cId="1551894915" sldId="261"/>
+            <ac:picMk id="21" creationId="{75F00680-C90D-0C50-BAEB-68DD9870452B}"/>
+          </ac:picMkLst>
+        </pc:picChg>
+      </pc:sldChg>
+      <pc:sldChg chg="addSp delSp modSp add mod ord">
+        <pc:chgData name="Tom Hoyland" userId="736d7a3e-93c7-4109-90c5-e67b8b3e41b2" providerId="ADAL" clId="{A4D346AA-F248-6444-93C1-EF2F2E65C714}" dt="2024-08-20T11:32:33.746" v="594" actId="20577"/>
+        <pc:sldMkLst>
+          <pc:docMk/>
+          <pc:sldMk cId="2712193479" sldId="271"/>
+        </pc:sldMkLst>
+        <pc:spChg chg="del">
+          <ac:chgData name="Tom Hoyland" userId="736d7a3e-93c7-4109-90c5-e67b8b3e41b2" providerId="ADAL" clId="{A4D346AA-F248-6444-93C1-EF2F2E65C714}" dt="2024-08-13T07:33:26.326" v="156" actId="478"/>
+          <ac:spMkLst>
+            <pc:docMk/>
+            <pc:sldMk cId="2712193479" sldId="271"/>
+            <ac:spMk id="2" creationId="{60114F5B-200D-5E80-5596-D97099667249}"/>
+          </ac:spMkLst>
+        </pc:spChg>
+        <pc:spChg chg="add mod">
+          <ac:chgData name="Tom Hoyland" userId="736d7a3e-93c7-4109-90c5-e67b8b3e41b2" providerId="ADAL" clId="{A4D346AA-F248-6444-93C1-EF2F2E65C714}" dt="2024-08-13T07:40:02.434" v="517" actId="1076"/>
+          <ac:spMkLst>
+            <pc:docMk/>
+            <pc:sldMk cId="2712193479" sldId="271"/>
+            <ac:spMk id="3" creationId="{43F9F6AE-A5AC-2E03-0D6A-B04BA76B49BC}"/>
+          </ac:spMkLst>
+        </pc:spChg>
+        <pc:spChg chg="add mod">
+          <ac:chgData name="Tom Hoyland" userId="736d7a3e-93c7-4109-90c5-e67b8b3e41b2" providerId="ADAL" clId="{A4D346AA-F248-6444-93C1-EF2F2E65C714}" dt="2024-08-13T07:40:02.434" v="517" actId="1076"/>
+          <ac:spMkLst>
+            <pc:docMk/>
+            <pc:sldMk cId="2712193479" sldId="271"/>
+            <ac:spMk id="4" creationId="{E151A129-60CE-5725-DCEC-DF20AB33301A}"/>
+          </ac:spMkLst>
+        </pc:spChg>
+        <pc:spChg chg="mod">
+          <ac:chgData name="Tom Hoyland" userId="736d7a3e-93c7-4109-90c5-e67b8b3e41b2" providerId="ADAL" clId="{A4D346AA-F248-6444-93C1-EF2F2E65C714}" dt="2024-08-20T11:32:22.457" v="585" actId="20577"/>
+          <ac:spMkLst>
+            <pc:docMk/>
+            <pc:sldMk cId="2712193479" sldId="271"/>
+            <ac:spMk id="8" creationId="{8CDDB97D-A02F-8254-5432-E930CF01E0FC}"/>
+          </ac:spMkLst>
+        </pc:spChg>
+        <pc:spChg chg="mod">
+          <ac:chgData name="Tom Hoyland" userId="736d7a3e-93c7-4109-90c5-e67b8b3e41b2" providerId="ADAL" clId="{A4D346AA-F248-6444-93C1-EF2F2E65C714}" dt="2024-08-20T11:32:20.806" v="584" actId="20577"/>
+          <ac:spMkLst>
+            <pc:docMk/>
+            <pc:sldMk cId="2712193479" sldId="271"/>
+            <ac:spMk id="10" creationId="{C258F823-7B51-957A-9C20-93136D988928}"/>
+          </ac:spMkLst>
+        </pc:spChg>
+        <pc:spChg chg="mod">
+          <ac:chgData name="Tom Hoyland" userId="736d7a3e-93c7-4109-90c5-e67b8b3e41b2" providerId="ADAL" clId="{A4D346AA-F248-6444-93C1-EF2F2E65C714}" dt="2024-08-20T11:32:25.812" v="587" actId="20577"/>
+          <ac:spMkLst>
+            <pc:docMk/>
+            <pc:sldMk cId="2712193479" sldId="271"/>
+            <ac:spMk id="11" creationId="{706FB268-040E-2102-1308-B242A93B903A}"/>
+          </ac:spMkLst>
+        </pc:spChg>
+        <pc:spChg chg="mod">
+          <ac:chgData name="Tom Hoyland" userId="736d7a3e-93c7-4109-90c5-e67b8b3e41b2" providerId="ADAL" clId="{A4D346AA-F248-6444-93C1-EF2F2E65C714}" dt="2024-08-20T11:32:29.695" v="592" actId="20577"/>
+          <ac:spMkLst>
+            <pc:docMk/>
+            <pc:sldMk cId="2712193479" sldId="271"/>
+            <ac:spMk id="13" creationId="{380E85BC-FF65-970E-3CDA-C005D8E7882F}"/>
+          </ac:spMkLst>
+        </pc:spChg>
+        <pc:spChg chg="mod">
+          <ac:chgData name="Tom Hoyland" userId="736d7a3e-93c7-4109-90c5-e67b8b3e41b2" providerId="ADAL" clId="{A4D346AA-F248-6444-93C1-EF2F2E65C714}" dt="2024-08-20T11:32:32.158" v="593" actId="20577"/>
+          <ac:spMkLst>
+            <pc:docMk/>
+            <pc:sldMk cId="2712193479" sldId="271"/>
+            <ac:spMk id="14" creationId="{042E4238-C41B-D73B-C28B-0B462803692E}"/>
+          </ac:spMkLst>
+        </pc:spChg>
+        <pc:spChg chg="mod">
+          <ac:chgData name="Tom Hoyland" userId="736d7a3e-93c7-4109-90c5-e67b8b3e41b2" providerId="ADAL" clId="{A4D346AA-F248-6444-93C1-EF2F2E65C714}" dt="2024-08-20T11:32:24.083" v="586" actId="20577"/>
+          <ac:spMkLst>
+            <pc:docMk/>
+            <pc:sldMk cId="2712193479" sldId="271"/>
+            <ac:spMk id="16" creationId="{24D6D5B8-560A-7C70-9E81-B8EFB579F08E}"/>
+          </ac:spMkLst>
+        </pc:spChg>
+        <pc:spChg chg="mod">
+          <ac:chgData name="Tom Hoyland" userId="736d7a3e-93c7-4109-90c5-e67b8b3e41b2" providerId="ADAL" clId="{A4D346AA-F248-6444-93C1-EF2F2E65C714}" dt="2024-08-20T11:32:19.042" v="583" actId="20577"/>
+          <ac:spMkLst>
+            <pc:docMk/>
+            <pc:sldMk cId="2712193479" sldId="271"/>
+            <ac:spMk id="18" creationId="{F93BD877-DC0E-E976-9DE4-BE888B19CF0F}"/>
+          </ac:spMkLst>
+        </pc:spChg>
+        <pc:spChg chg="add mod">
+          <ac:chgData name="Tom Hoyland" userId="736d7a3e-93c7-4109-90c5-e67b8b3e41b2" providerId="ADAL" clId="{A4D346AA-F248-6444-93C1-EF2F2E65C714}" dt="2024-08-13T07:40:02.434" v="517" actId="1076"/>
+          <ac:spMkLst>
+            <pc:docMk/>
+            <pc:sldMk cId="2712193479" sldId="271"/>
+            <ac:spMk id="19" creationId="{9BC32168-0734-E7F4-DDAC-4419BE1ED0AC}"/>
+          </ac:spMkLst>
+        </pc:spChg>
+        <pc:spChg chg="add mod">
+          <ac:chgData name="Tom Hoyland" userId="736d7a3e-93c7-4109-90c5-e67b8b3e41b2" providerId="ADAL" clId="{A4D346AA-F248-6444-93C1-EF2F2E65C714}" dt="2024-08-13T07:40:02.434" v="517" actId="1076"/>
+          <ac:spMkLst>
+            <pc:docMk/>
+            <pc:sldMk cId="2712193479" sldId="271"/>
+            <ac:spMk id="20" creationId="{69D48872-11CB-3A33-9C96-131727D0AB45}"/>
+          </ac:spMkLst>
+        </pc:spChg>
+        <pc:spChg chg="add del mod">
+          <ac:chgData name="Tom Hoyland" userId="736d7a3e-93c7-4109-90c5-e67b8b3e41b2" providerId="ADAL" clId="{A4D346AA-F248-6444-93C1-EF2F2E65C714}" dt="2024-08-13T07:33:28.075" v="157" actId="478"/>
+          <ac:spMkLst>
+            <pc:docMk/>
+            <pc:sldMk cId="2712193479" sldId="271"/>
+            <ac:spMk id="23" creationId="{97374FD9-56B1-BD38-01AD-42A8332B8E26}"/>
+          </ac:spMkLst>
+        </pc:spChg>
+        <pc:spChg chg="add mod">
+          <ac:chgData name="Tom Hoyland" userId="736d7a3e-93c7-4109-90c5-e67b8b3e41b2" providerId="ADAL" clId="{A4D346AA-F248-6444-93C1-EF2F2E65C714}" dt="2024-08-13T07:40:02.434" v="517" actId="1076"/>
+          <ac:spMkLst>
+            <pc:docMk/>
+            <pc:sldMk cId="2712193479" sldId="271"/>
+            <ac:spMk id="24" creationId="{16C484F4-FF4B-D129-FAEA-02E2EC8CFE4D}"/>
+          </ac:spMkLst>
+        </pc:spChg>
+        <pc:spChg chg="add mod">
+          <ac:chgData name="Tom Hoyland" userId="736d7a3e-93c7-4109-90c5-e67b8b3e41b2" providerId="ADAL" clId="{A4D346AA-F248-6444-93C1-EF2F2E65C714}" dt="2024-08-13T07:40:02.434" v="517" actId="1076"/>
+          <ac:spMkLst>
+            <pc:docMk/>
+            <pc:sldMk cId="2712193479" sldId="271"/>
+            <ac:spMk id="25" creationId="{5772F33A-FAA4-6619-FC37-5A0C0D431A17}"/>
+          </ac:spMkLst>
+        </pc:spChg>
+        <pc:spChg chg="add mod">
+          <ac:chgData name="Tom Hoyland" userId="736d7a3e-93c7-4109-90c5-e67b8b3e41b2" providerId="ADAL" clId="{A4D346AA-F248-6444-93C1-EF2F2E65C714}" dt="2024-08-13T07:40:02.434" v="517" actId="1076"/>
+          <ac:spMkLst>
+            <pc:docMk/>
+            <pc:sldMk cId="2712193479" sldId="271"/>
+            <ac:spMk id="26" creationId="{8DB1EDB7-0892-A3F2-FB78-D990F034BD8D}"/>
+          </ac:spMkLst>
+        </pc:spChg>
+        <pc:spChg chg="add mod">
+          <ac:chgData name="Tom Hoyland" userId="736d7a3e-93c7-4109-90c5-e67b8b3e41b2" providerId="ADAL" clId="{A4D346AA-F248-6444-93C1-EF2F2E65C714}" dt="2024-08-13T07:40:02.434" v="517" actId="1076"/>
+          <ac:spMkLst>
+            <pc:docMk/>
+            <pc:sldMk cId="2712193479" sldId="271"/>
+            <ac:spMk id="27" creationId="{A82AA132-2F6D-308A-92C4-44C23B119428}"/>
+          </ac:spMkLst>
+        </pc:spChg>
+        <pc:spChg chg="mod">
+          <ac:chgData name="Tom Hoyland" userId="736d7a3e-93c7-4109-90c5-e67b8b3e41b2" providerId="ADAL" clId="{A4D346AA-F248-6444-93C1-EF2F2E65C714}" dt="2024-08-20T11:32:33.746" v="594" actId="20577"/>
+          <ac:spMkLst>
+            <pc:docMk/>
+            <pc:sldMk cId="2712193479" sldId="271"/>
+            <ac:spMk id="28" creationId="{5ACB057E-5EA7-0F53-3026-546099232574}"/>
+          </ac:spMkLst>
+        </pc:spChg>
+        <pc:spChg chg="mod">
+          <ac:chgData name="Tom Hoyland" userId="736d7a3e-93c7-4109-90c5-e67b8b3e41b2" providerId="ADAL" clId="{A4D346AA-F248-6444-93C1-EF2F2E65C714}" dt="2024-08-13T07:40:02.434" v="517" actId="1076"/>
+          <ac:spMkLst>
+            <pc:docMk/>
+            <pc:sldMk cId="2712193479" sldId="271"/>
+            <ac:spMk id="29" creationId="{73641E73-F1C1-EAD9-8C93-D55E7BD2CDF8}"/>
+          </ac:spMkLst>
+        </pc:spChg>
+        <pc:spChg chg="mod">
+          <ac:chgData name="Tom Hoyland" userId="736d7a3e-93c7-4109-90c5-e67b8b3e41b2" providerId="ADAL" clId="{A4D346AA-F248-6444-93C1-EF2F2E65C714}" dt="2024-08-13T07:40:02.434" v="517" actId="1076"/>
+          <ac:spMkLst>
+            <pc:docMk/>
+            <pc:sldMk cId="2712193479" sldId="271"/>
+            <ac:spMk id="30" creationId="{0E4E77C7-934A-84F8-113F-232F677D364F}"/>
+          </ac:spMkLst>
+        </pc:spChg>
+        <pc:spChg chg="mod">
+          <ac:chgData name="Tom Hoyland" userId="736d7a3e-93c7-4109-90c5-e67b8b3e41b2" providerId="ADAL" clId="{A4D346AA-F248-6444-93C1-EF2F2E65C714}" dt="2024-08-13T07:40:02.434" v="517" actId="1076"/>
+          <ac:spMkLst>
+            <pc:docMk/>
+            <pc:sldMk cId="2712193479" sldId="271"/>
+            <ac:spMk id="31" creationId="{18DF7356-8B91-65DC-8FE8-32BFE8F1A09C}"/>
+          </ac:spMkLst>
+        </pc:spChg>
+        <pc:spChg chg="mod">
+          <ac:chgData name="Tom Hoyland" userId="736d7a3e-93c7-4109-90c5-e67b8b3e41b2" providerId="ADAL" clId="{A4D346AA-F248-6444-93C1-EF2F2E65C714}" dt="2024-08-13T07:40:02.434" v="517" actId="1076"/>
+          <ac:spMkLst>
+            <pc:docMk/>
+            <pc:sldMk cId="2712193479" sldId="271"/>
+            <ac:spMk id="32" creationId="{CE0A2A4C-DC20-3B09-E6C1-86C7406F3E22}"/>
+          </ac:spMkLst>
+        </pc:spChg>
+        <pc:spChg chg="mod">
+          <ac:chgData name="Tom Hoyland" userId="736d7a3e-93c7-4109-90c5-e67b8b3e41b2" providerId="ADAL" clId="{A4D346AA-F248-6444-93C1-EF2F2E65C714}" dt="2024-08-13T07:40:02.434" v="517" actId="1076"/>
+          <ac:spMkLst>
+            <pc:docMk/>
+            <pc:sldMk cId="2712193479" sldId="271"/>
+            <ac:spMk id="33" creationId="{B0CF220A-8F25-72EA-707D-3F51885CA3B4}"/>
+          </ac:spMkLst>
+        </pc:spChg>
+        <pc:spChg chg="mod">
+          <ac:chgData name="Tom Hoyland" userId="736d7a3e-93c7-4109-90c5-e67b8b3e41b2" providerId="ADAL" clId="{A4D346AA-F248-6444-93C1-EF2F2E65C714}" dt="2024-08-13T07:40:02.434" v="517" actId="1076"/>
+          <ac:spMkLst>
+            <pc:docMk/>
+            <pc:sldMk cId="2712193479" sldId="271"/>
+            <ac:spMk id="34" creationId="{FD091573-20FC-A6D7-6867-DCE7669E0934}"/>
+          </ac:spMkLst>
+        </pc:spChg>
+        <pc:spChg chg="mod">
+          <ac:chgData name="Tom Hoyland" userId="736d7a3e-93c7-4109-90c5-e67b8b3e41b2" providerId="ADAL" clId="{A4D346AA-F248-6444-93C1-EF2F2E65C714}" dt="2024-08-13T07:40:02.434" v="517" actId="1076"/>
+          <ac:spMkLst>
+            <pc:docMk/>
+            <pc:sldMk cId="2712193479" sldId="271"/>
+            <ac:spMk id="35" creationId="{14C3540D-164D-0502-B9B3-99DA425B4CAA}"/>
+          </ac:spMkLst>
+        </pc:spChg>
+        <pc:spChg chg="mod">
+          <ac:chgData name="Tom Hoyland" userId="736d7a3e-93c7-4109-90c5-e67b8b3e41b2" providerId="ADAL" clId="{A4D346AA-F248-6444-93C1-EF2F2E65C714}" dt="2024-08-13T07:40:02.434" v="517" actId="1076"/>
+          <ac:spMkLst>
+            <pc:docMk/>
+            <pc:sldMk cId="2712193479" sldId="271"/>
+            <ac:spMk id="36" creationId="{E590E56E-C5E5-6786-556B-9FF43F6C6253}"/>
+          </ac:spMkLst>
+        </pc:spChg>
+        <pc:picChg chg="mod">
+          <ac:chgData name="Tom Hoyland" userId="736d7a3e-93c7-4109-90c5-e67b8b3e41b2" providerId="ADAL" clId="{A4D346AA-F248-6444-93C1-EF2F2E65C714}" dt="2024-08-13T07:40:02.434" v="517" actId="1076"/>
+          <ac:picMkLst>
+            <pc:docMk/>
+            <pc:sldMk cId="2712193479" sldId="271"/>
+            <ac:picMk id="5" creationId="{62116002-A9FA-E0AB-8E6A-8CEE2DB576CB}"/>
+          </ac:picMkLst>
+        </pc:picChg>
+        <pc:picChg chg="mod">
+          <ac:chgData name="Tom Hoyland" userId="736d7a3e-93c7-4109-90c5-e67b8b3e41b2" providerId="ADAL" clId="{A4D346AA-F248-6444-93C1-EF2F2E65C714}" dt="2024-08-13T07:40:02.434" v="517" actId="1076"/>
+          <ac:picMkLst>
+            <pc:docMk/>
+            <pc:sldMk cId="2712193479" sldId="271"/>
+            <ac:picMk id="6" creationId="{06F97ED0-2646-B792-8B99-24400765AE9E}"/>
+          </ac:picMkLst>
+        </pc:picChg>
+        <pc:picChg chg="mod">
+          <ac:chgData name="Tom Hoyland" userId="736d7a3e-93c7-4109-90c5-e67b8b3e41b2" providerId="ADAL" clId="{A4D346AA-F248-6444-93C1-EF2F2E65C714}" dt="2024-08-13T07:40:02.434" v="517" actId="1076"/>
+          <ac:picMkLst>
+            <pc:docMk/>
+            <pc:sldMk cId="2712193479" sldId="271"/>
+            <ac:picMk id="7" creationId="{D006BE89-01FB-EFD8-A0B0-468CE5796739}"/>
+          </ac:picMkLst>
+        </pc:picChg>
+        <pc:picChg chg="mod">
+          <ac:chgData name="Tom Hoyland" userId="736d7a3e-93c7-4109-90c5-e67b8b3e41b2" providerId="ADAL" clId="{A4D346AA-F248-6444-93C1-EF2F2E65C714}" dt="2024-08-13T07:40:02.434" v="517" actId="1076"/>
+          <ac:picMkLst>
+            <pc:docMk/>
+            <pc:sldMk cId="2712193479" sldId="271"/>
+            <ac:picMk id="9" creationId="{08B66EBF-2D1E-6E8B-FCBD-479EDE455568}"/>
+          </ac:picMkLst>
+        </pc:picChg>
+        <pc:picChg chg="mod">
+          <ac:chgData name="Tom Hoyland" userId="736d7a3e-93c7-4109-90c5-e67b8b3e41b2" providerId="ADAL" clId="{A4D346AA-F248-6444-93C1-EF2F2E65C714}" dt="2024-08-13T07:40:02.434" v="517" actId="1076"/>
+          <ac:picMkLst>
+            <pc:docMk/>
+            <pc:sldMk cId="2712193479" sldId="271"/>
+            <ac:picMk id="12" creationId="{0AF8A365-1CA9-E91D-685E-C97FBF85A01F}"/>
+          </ac:picMkLst>
+        </pc:picChg>
+        <pc:picChg chg="mod">
+          <ac:chgData name="Tom Hoyland" userId="736d7a3e-93c7-4109-90c5-e67b8b3e41b2" providerId="ADAL" clId="{A4D346AA-F248-6444-93C1-EF2F2E65C714}" dt="2024-08-13T07:40:02.434" v="517" actId="1076"/>
+          <ac:picMkLst>
+            <pc:docMk/>
+            <pc:sldMk cId="2712193479" sldId="271"/>
+            <ac:picMk id="15" creationId="{C1E2E61F-6957-C476-802C-DAA4E8E3D8FC}"/>
+          </ac:picMkLst>
+        </pc:picChg>
+        <pc:picChg chg="mod">
+          <ac:chgData name="Tom Hoyland" userId="736d7a3e-93c7-4109-90c5-e67b8b3e41b2" providerId="ADAL" clId="{A4D346AA-F248-6444-93C1-EF2F2E65C714}" dt="2024-08-13T07:40:02.434" v="517" actId="1076"/>
+          <ac:picMkLst>
+            <pc:docMk/>
+            <pc:sldMk cId="2712193479" sldId="271"/>
+            <ac:picMk id="17" creationId="{0F35D7D0-03F8-0064-B5AC-20BCCD3C6C55}"/>
+          </ac:picMkLst>
+        </pc:picChg>
+        <pc:picChg chg="mod">
+          <ac:chgData name="Tom Hoyland" userId="736d7a3e-93c7-4109-90c5-e67b8b3e41b2" providerId="ADAL" clId="{A4D346AA-F248-6444-93C1-EF2F2E65C714}" dt="2024-08-13T07:40:02.434" v="517" actId="1076"/>
+          <ac:picMkLst>
+            <pc:docMk/>
+            <pc:sldMk cId="2712193479" sldId="271"/>
+            <ac:picMk id="21" creationId="{75F00680-C90D-0C50-BAEB-68DD9870452B}"/>
+          </ac:picMkLst>
+        </pc:picChg>
+      </pc:sldChg>
+      <pc:sldChg chg="addSp modSp add mod ord">
+        <pc:chgData name="Tom Hoyland" userId="736d7a3e-93c7-4109-90c5-e67b8b3e41b2" providerId="ADAL" clId="{A4D346AA-F248-6444-93C1-EF2F2E65C714}" dt="2024-08-20T11:33:24.572" v="664" actId="404"/>
+        <pc:sldMkLst>
+          <pc:docMk/>
+          <pc:sldMk cId="248048730" sldId="272"/>
+        </pc:sldMkLst>
+        <pc:spChg chg="add mod">
+          <ac:chgData name="Tom Hoyland" userId="736d7a3e-93c7-4109-90c5-e67b8b3e41b2" providerId="ADAL" clId="{A4D346AA-F248-6444-93C1-EF2F2E65C714}" dt="2024-08-20T11:33:24.572" v="664" actId="404"/>
+          <ac:spMkLst>
+            <pc:docMk/>
+            <pc:sldMk cId="248048730" sldId="272"/>
+            <ac:spMk id="2" creationId="{DE49AD4B-7FB7-DB4B-1892-2174BDB55FDC}"/>
+          </ac:spMkLst>
+        </pc:spChg>
+        <pc:spChg chg="mod">
+          <ac:chgData name="Tom Hoyland" userId="736d7a3e-93c7-4109-90c5-e67b8b3e41b2" providerId="ADAL" clId="{A4D346AA-F248-6444-93C1-EF2F2E65C714}" dt="2024-08-20T11:33:03.837" v="628" actId="1036"/>
+          <ac:spMkLst>
+            <pc:docMk/>
+            <pc:sldMk cId="248048730" sldId="272"/>
+            <ac:spMk id="3" creationId="{213F28A4-07ED-C70E-C1A5-0B32C5A7DD8D}"/>
+          </ac:spMkLst>
+        </pc:spChg>
+        <pc:spChg chg="mod">
+          <ac:chgData name="Tom Hoyland" userId="736d7a3e-93c7-4109-90c5-e67b8b3e41b2" providerId="ADAL" clId="{A4D346AA-F248-6444-93C1-EF2F2E65C714}" dt="2024-08-20T11:33:03.837" v="628" actId="1036"/>
+          <ac:spMkLst>
+            <pc:docMk/>
+            <pc:sldMk cId="248048730" sldId="272"/>
+            <ac:spMk id="4" creationId="{DD555481-A9B5-D5E1-1F1B-EF8ED78D5CD8}"/>
+          </ac:spMkLst>
+        </pc:spChg>
+        <pc:spChg chg="mod">
+          <ac:chgData name="Tom Hoyland" userId="736d7a3e-93c7-4109-90c5-e67b8b3e41b2" providerId="ADAL" clId="{A4D346AA-F248-6444-93C1-EF2F2E65C714}" dt="2024-08-20T11:33:03.837" v="628" actId="1036"/>
+          <ac:spMkLst>
+            <pc:docMk/>
+            <pc:sldMk cId="248048730" sldId="272"/>
+            <ac:spMk id="8" creationId="{AEAF102F-143D-76EF-DF6D-8B165519A4A4}"/>
+          </ac:spMkLst>
+        </pc:spChg>
+        <pc:spChg chg="mod">
+          <ac:chgData name="Tom Hoyland" userId="736d7a3e-93c7-4109-90c5-e67b8b3e41b2" providerId="ADAL" clId="{A4D346AA-F248-6444-93C1-EF2F2E65C714}" dt="2024-08-20T11:33:03.837" v="628" actId="1036"/>
+          <ac:spMkLst>
+            <pc:docMk/>
+            <pc:sldMk cId="248048730" sldId="272"/>
+            <ac:spMk id="10" creationId="{4AFC90E1-B3DD-B446-A88F-D3102C4BE49F}"/>
+          </ac:spMkLst>
+        </pc:spChg>
+        <pc:spChg chg="mod">
+          <ac:chgData name="Tom Hoyland" userId="736d7a3e-93c7-4109-90c5-e67b8b3e41b2" providerId="ADAL" clId="{A4D346AA-F248-6444-93C1-EF2F2E65C714}" dt="2024-08-20T11:33:03.837" v="628" actId="1036"/>
+          <ac:spMkLst>
+            <pc:docMk/>
+            <pc:sldMk cId="248048730" sldId="272"/>
+            <ac:spMk id="11" creationId="{06C0DA98-AF63-8C25-12CC-42A79D849F04}"/>
+          </ac:spMkLst>
+        </pc:spChg>
+        <pc:spChg chg="mod">
+          <ac:chgData name="Tom Hoyland" userId="736d7a3e-93c7-4109-90c5-e67b8b3e41b2" providerId="ADAL" clId="{A4D346AA-F248-6444-93C1-EF2F2E65C714}" dt="2024-08-20T11:33:03.837" v="628" actId="1036"/>
+          <ac:spMkLst>
+            <pc:docMk/>
+            <pc:sldMk cId="248048730" sldId="272"/>
+            <ac:spMk id="13" creationId="{6D7F7EC6-1E57-62EB-8CD1-03BE4F5ADDED}"/>
+          </ac:spMkLst>
+        </pc:spChg>
+        <pc:spChg chg="mod">
+          <ac:chgData name="Tom Hoyland" userId="736d7a3e-93c7-4109-90c5-e67b8b3e41b2" providerId="ADAL" clId="{A4D346AA-F248-6444-93C1-EF2F2E65C714}" dt="2024-08-20T11:33:03.837" v="628" actId="1036"/>
+          <ac:spMkLst>
+            <pc:docMk/>
+            <pc:sldMk cId="248048730" sldId="272"/>
+            <ac:spMk id="14" creationId="{C264D8AC-B086-B921-85C6-5AF1DD6AD8DE}"/>
+          </ac:spMkLst>
+        </pc:spChg>
+        <pc:spChg chg="mod">
+          <ac:chgData name="Tom Hoyland" userId="736d7a3e-93c7-4109-90c5-e67b8b3e41b2" providerId="ADAL" clId="{A4D346AA-F248-6444-93C1-EF2F2E65C714}" dt="2024-08-20T11:33:03.837" v="628" actId="1036"/>
+          <ac:spMkLst>
+            <pc:docMk/>
+            <pc:sldMk cId="248048730" sldId="272"/>
+            <ac:spMk id="16" creationId="{E4800468-3CA0-2964-AA62-A3AA15AEBB24}"/>
+          </ac:spMkLst>
+        </pc:spChg>
+        <pc:spChg chg="mod">
+          <ac:chgData name="Tom Hoyland" userId="736d7a3e-93c7-4109-90c5-e67b8b3e41b2" providerId="ADAL" clId="{A4D346AA-F248-6444-93C1-EF2F2E65C714}" dt="2024-08-20T11:33:03.837" v="628" actId="1036"/>
+          <ac:spMkLst>
+            <pc:docMk/>
+            <pc:sldMk cId="248048730" sldId="272"/>
+            <ac:spMk id="18" creationId="{63271C5F-2656-11FB-BDA0-F18F429D4AB8}"/>
+          </ac:spMkLst>
+        </pc:spChg>
+        <pc:spChg chg="mod">
+          <ac:chgData name="Tom Hoyland" userId="736d7a3e-93c7-4109-90c5-e67b8b3e41b2" providerId="ADAL" clId="{A4D346AA-F248-6444-93C1-EF2F2E65C714}" dt="2024-08-20T11:33:03.837" v="628" actId="1036"/>
+          <ac:spMkLst>
+            <pc:docMk/>
+            <pc:sldMk cId="248048730" sldId="272"/>
+            <ac:spMk id="19" creationId="{70929939-537B-C447-115E-FED5AF8357AE}"/>
+          </ac:spMkLst>
+        </pc:spChg>
+        <pc:spChg chg="mod">
+          <ac:chgData name="Tom Hoyland" userId="736d7a3e-93c7-4109-90c5-e67b8b3e41b2" providerId="ADAL" clId="{A4D346AA-F248-6444-93C1-EF2F2E65C714}" dt="2024-08-20T11:33:03.837" v="628" actId="1036"/>
+          <ac:spMkLst>
+            <pc:docMk/>
+            <pc:sldMk cId="248048730" sldId="272"/>
+            <ac:spMk id="20" creationId="{59B90136-C70C-1F8D-144A-B8DAA91E8BFF}"/>
+          </ac:spMkLst>
+        </pc:spChg>
+        <pc:spChg chg="mod">
+          <ac:chgData name="Tom Hoyland" userId="736d7a3e-93c7-4109-90c5-e67b8b3e41b2" providerId="ADAL" clId="{A4D346AA-F248-6444-93C1-EF2F2E65C714}" dt="2024-08-20T11:33:03.837" v="628" actId="1036"/>
+          <ac:spMkLst>
+            <pc:docMk/>
+            <pc:sldMk cId="248048730" sldId="272"/>
+            <ac:spMk id="24" creationId="{58A0E144-52CD-ECF3-042B-7992A86DA18B}"/>
+          </ac:spMkLst>
+        </pc:spChg>
+        <pc:spChg chg="mod">
+          <ac:chgData name="Tom Hoyland" userId="736d7a3e-93c7-4109-90c5-e67b8b3e41b2" providerId="ADAL" clId="{A4D346AA-F248-6444-93C1-EF2F2E65C714}" dt="2024-08-20T11:33:03.837" v="628" actId="1036"/>
+          <ac:spMkLst>
+            <pc:docMk/>
+            <pc:sldMk cId="248048730" sldId="272"/>
+            <ac:spMk id="25" creationId="{38DEAD3F-0B7F-2B20-993E-A2B1F014B1CD}"/>
+          </ac:spMkLst>
+        </pc:spChg>
+        <pc:spChg chg="mod">
+          <ac:chgData name="Tom Hoyland" userId="736d7a3e-93c7-4109-90c5-e67b8b3e41b2" providerId="ADAL" clId="{A4D346AA-F248-6444-93C1-EF2F2E65C714}" dt="2024-08-20T11:33:03.837" v="628" actId="1036"/>
+          <ac:spMkLst>
+            <pc:docMk/>
+            <pc:sldMk cId="248048730" sldId="272"/>
+            <ac:spMk id="26" creationId="{3A945144-0789-5A0E-FC67-42CABE016FCE}"/>
+          </ac:spMkLst>
+        </pc:spChg>
+        <pc:spChg chg="mod">
+          <ac:chgData name="Tom Hoyland" userId="736d7a3e-93c7-4109-90c5-e67b8b3e41b2" providerId="ADAL" clId="{A4D346AA-F248-6444-93C1-EF2F2E65C714}" dt="2024-08-20T11:33:03.837" v="628" actId="1036"/>
+          <ac:spMkLst>
+            <pc:docMk/>
+            <pc:sldMk cId="248048730" sldId="272"/>
+            <ac:spMk id="27" creationId="{CCBC6816-D39B-700B-F344-1B0D25A1449C}"/>
+          </ac:spMkLst>
+        </pc:spChg>
+        <pc:spChg chg="mod">
+          <ac:chgData name="Tom Hoyland" userId="736d7a3e-93c7-4109-90c5-e67b8b3e41b2" providerId="ADAL" clId="{A4D346AA-F248-6444-93C1-EF2F2E65C714}" dt="2024-08-20T11:33:03.837" v="628" actId="1036"/>
+          <ac:spMkLst>
+            <pc:docMk/>
+            <pc:sldMk cId="248048730" sldId="272"/>
+            <ac:spMk id="28" creationId="{5A0B0504-FBD2-ED5A-4F3B-787A8587C05A}"/>
+          </ac:spMkLst>
+        </pc:spChg>
+        <pc:spChg chg="mod">
+          <ac:chgData name="Tom Hoyland" userId="736d7a3e-93c7-4109-90c5-e67b8b3e41b2" providerId="ADAL" clId="{A4D346AA-F248-6444-93C1-EF2F2E65C714}" dt="2024-08-20T11:33:03.837" v="628" actId="1036"/>
+          <ac:spMkLst>
+            <pc:docMk/>
+            <pc:sldMk cId="248048730" sldId="272"/>
+            <ac:spMk id="29" creationId="{68B58E08-22AA-A82B-48BD-73CAD4C99992}"/>
+          </ac:spMkLst>
+        </pc:spChg>
+        <pc:spChg chg="mod">
+          <ac:chgData name="Tom Hoyland" userId="736d7a3e-93c7-4109-90c5-e67b8b3e41b2" providerId="ADAL" clId="{A4D346AA-F248-6444-93C1-EF2F2E65C714}" dt="2024-08-20T11:33:03.837" v="628" actId="1036"/>
+          <ac:spMkLst>
+            <pc:docMk/>
+            <pc:sldMk cId="248048730" sldId="272"/>
+            <ac:spMk id="30" creationId="{DEFE14F4-97D1-71EF-B066-BF208197EC0B}"/>
+          </ac:spMkLst>
+        </pc:spChg>
+        <pc:spChg chg="mod">
+          <ac:chgData name="Tom Hoyland" userId="736d7a3e-93c7-4109-90c5-e67b8b3e41b2" providerId="ADAL" clId="{A4D346AA-F248-6444-93C1-EF2F2E65C714}" dt="2024-08-20T11:33:03.837" v="628" actId="1036"/>
+          <ac:spMkLst>
+            <pc:docMk/>
+            <pc:sldMk cId="248048730" sldId="272"/>
+            <ac:spMk id="31" creationId="{8D8F7CEF-134A-D3DA-8445-5A753AB0F80F}"/>
+          </ac:spMkLst>
+        </pc:spChg>
+        <pc:spChg chg="mod">
+          <ac:chgData name="Tom Hoyland" userId="736d7a3e-93c7-4109-90c5-e67b8b3e41b2" providerId="ADAL" clId="{A4D346AA-F248-6444-93C1-EF2F2E65C714}" dt="2024-08-20T11:33:03.837" v="628" actId="1036"/>
+          <ac:spMkLst>
+            <pc:docMk/>
+            <pc:sldMk cId="248048730" sldId="272"/>
+            <ac:spMk id="32" creationId="{5057154F-7DCF-A223-0510-F25D7FD2EE6A}"/>
+          </ac:spMkLst>
+        </pc:spChg>
+        <pc:spChg chg="mod">
+          <ac:chgData name="Tom Hoyland" userId="736d7a3e-93c7-4109-90c5-e67b8b3e41b2" providerId="ADAL" clId="{A4D346AA-F248-6444-93C1-EF2F2E65C714}" dt="2024-08-20T11:33:03.837" v="628" actId="1036"/>
+          <ac:spMkLst>
+            <pc:docMk/>
+            <pc:sldMk cId="248048730" sldId="272"/>
+            <ac:spMk id="33" creationId="{E0D8722E-83A8-C310-122A-30EA2816860E}"/>
+          </ac:spMkLst>
+        </pc:spChg>
+        <pc:spChg chg="mod">
+          <ac:chgData name="Tom Hoyland" userId="736d7a3e-93c7-4109-90c5-e67b8b3e41b2" providerId="ADAL" clId="{A4D346AA-F248-6444-93C1-EF2F2E65C714}" dt="2024-08-20T11:33:03.837" v="628" actId="1036"/>
+          <ac:spMkLst>
+            <pc:docMk/>
+            <pc:sldMk cId="248048730" sldId="272"/>
+            <ac:spMk id="34" creationId="{27018EDB-C14A-2175-DA20-52AE83F8940E}"/>
+          </ac:spMkLst>
+        </pc:spChg>
+        <pc:spChg chg="mod">
+          <ac:chgData name="Tom Hoyland" userId="736d7a3e-93c7-4109-90c5-e67b8b3e41b2" providerId="ADAL" clId="{A4D346AA-F248-6444-93C1-EF2F2E65C714}" dt="2024-08-20T11:33:03.837" v="628" actId="1036"/>
+          <ac:spMkLst>
+            <pc:docMk/>
+            <pc:sldMk cId="248048730" sldId="272"/>
+            <ac:spMk id="35" creationId="{64BD6B3C-21B9-94EB-9163-4D7A83A4A297}"/>
+          </ac:spMkLst>
+        </pc:spChg>
+        <pc:spChg chg="mod">
+          <ac:chgData name="Tom Hoyland" userId="736d7a3e-93c7-4109-90c5-e67b8b3e41b2" providerId="ADAL" clId="{A4D346AA-F248-6444-93C1-EF2F2E65C714}" dt="2024-08-20T11:33:03.837" v="628" actId="1036"/>
+          <ac:spMkLst>
+            <pc:docMk/>
+            <pc:sldMk cId="248048730" sldId="272"/>
+            <ac:spMk id="36" creationId="{965DF994-D945-F5CF-02B0-6FD96B778267}"/>
+          </ac:spMkLst>
+        </pc:spChg>
+        <pc:picChg chg="mod">
+          <ac:chgData name="Tom Hoyland" userId="736d7a3e-93c7-4109-90c5-e67b8b3e41b2" providerId="ADAL" clId="{A4D346AA-F248-6444-93C1-EF2F2E65C714}" dt="2024-08-20T11:33:03.837" v="628" actId="1036"/>
+          <ac:picMkLst>
+            <pc:docMk/>
+            <pc:sldMk cId="248048730" sldId="272"/>
+            <ac:picMk id="5" creationId="{6322FBD9-FD8F-9C95-2729-127E6A05B844}"/>
+          </ac:picMkLst>
+        </pc:picChg>
+        <pc:picChg chg="mod">
+          <ac:chgData name="Tom Hoyland" userId="736d7a3e-93c7-4109-90c5-e67b8b3e41b2" providerId="ADAL" clId="{A4D346AA-F248-6444-93C1-EF2F2E65C714}" dt="2024-08-20T11:33:03.837" v="628" actId="1036"/>
+          <ac:picMkLst>
+            <pc:docMk/>
+            <pc:sldMk cId="248048730" sldId="272"/>
+            <ac:picMk id="6" creationId="{2BE0E3B7-67DB-7D22-62F7-F28225398F7E}"/>
+          </ac:picMkLst>
+        </pc:picChg>
+        <pc:picChg chg="mod">
+          <ac:chgData name="Tom Hoyland" userId="736d7a3e-93c7-4109-90c5-e67b8b3e41b2" providerId="ADAL" clId="{A4D346AA-F248-6444-93C1-EF2F2E65C714}" dt="2024-08-20T11:33:03.837" v="628" actId="1036"/>
+          <ac:picMkLst>
+            <pc:docMk/>
+            <pc:sldMk cId="248048730" sldId="272"/>
+            <ac:picMk id="7" creationId="{4025EFFD-6B77-7453-3202-61E018612DB9}"/>
+          </ac:picMkLst>
+        </pc:picChg>
+        <pc:picChg chg="mod">
+          <ac:chgData name="Tom Hoyland" userId="736d7a3e-93c7-4109-90c5-e67b8b3e41b2" providerId="ADAL" clId="{A4D346AA-F248-6444-93C1-EF2F2E65C714}" dt="2024-08-20T11:33:03.837" v="628" actId="1036"/>
+          <ac:picMkLst>
+            <pc:docMk/>
+            <pc:sldMk cId="248048730" sldId="272"/>
+            <ac:picMk id="9" creationId="{AFD2E46D-615E-B65D-1188-F2A6AB1738D7}"/>
+          </ac:picMkLst>
+        </pc:picChg>
+        <pc:picChg chg="mod">
+          <ac:chgData name="Tom Hoyland" userId="736d7a3e-93c7-4109-90c5-e67b8b3e41b2" providerId="ADAL" clId="{A4D346AA-F248-6444-93C1-EF2F2E65C714}" dt="2024-08-20T11:33:03.837" v="628" actId="1036"/>
+          <ac:picMkLst>
+            <pc:docMk/>
+            <pc:sldMk cId="248048730" sldId="272"/>
+            <ac:picMk id="12" creationId="{5C0C4BE6-1C53-E473-95EA-95C0F5CF1564}"/>
+          </ac:picMkLst>
+        </pc:picChg>
+        <pc:picChg chg="mod">
+          <ac:chgData name="Tom Hoyland" userId="736d7a3e-93c7-4109-90c5-e67b8b3e41b2" providerId="ADAL" clId="{A4D346AA-F248-6444-93C1-EF2F2E65C714}" dt="2024-08-20T11:33:03.837" v="628" actId="1036"/>
+          <ac:picMkLst>
+            <pc:docMk/>
+            <pc:sldMk cId="248048730" sldId="272"/>
+            <ac:picMk id="15" creationId="{1A85A53A-A4EB-808E-BCEA-EEBBAB52ECBA}"/>
+          </ac:picMkLst>
+        </pc:picChg>
+        <pc:picChg chg="mod">
+          <ac:chgData name="Tom Hoyland" userId="736d7a3e-93c7-4109-90c5-e67b8b3e41b2" providerId="ADAL" clId="{A4D346AA-F248-6444-93C1-EF2F2E65C714}" dt="2024-08-20T11:33:03.837" v="628" actId="1036"/>
+          <ac:picMkLst>
+            <pc:docMk/>
+            <pc:sldMk cId="248048730" sldId="272"/>
+            <ac:picMk id="17" creationId="{0FE1B1AD-E962-2850-8199-8B489F405D39}"/>
+          </ac:picMkLst>
+        </pc:picChg>
+        <pc:picChg chg="mod">
+          <ac:chgData name="Tom Hoyland" userId="736d7a3e-93c7-4109-90c5-e67b8b3e41b2" providerId="ADAL" clId="{A4D346AA-F248-6444-93C1-EF2F2E65C714}" dt="2024-08-20T11:33:03.837" v="628" actId="1036"/>
+          <ac:picMkLst>
+            <pc:docMk/>
+            <pc:sldMk cId="248048730" sldId="272"/>
+            <ac:picMk id="21" creationId="{177349E7-5A4C-46C5-B5B8-4980C12E809F}"/>
+          </ac:picMkLst>
+        </pc:picChg>
+      </pc:sldChg>
+    </pc:docChg>
+  </pc:docChgLst>
+  <pc:docChgLst>
     <pc:chgData name="Tom Hoyland" userId="S::tom.hoyland2@flutteruki.com::736d7a3e-93c7-4109-90c5-e67b8b3e41b2" providerId="AD" clId="Web-{F19ABF11-EF07-D527-F7BB-E1FE47E9926D}"/>
     <pc:docChg chg="modSld">
       <pc:chgData name="Tom Hoyland" userId="S::tom.hoyland2@flutteruki.com::736d7a3e-93c7-4109-90c5-e67b8b3e41b2" providerId="AD" clId="Web-{F19ABF11-EF07-D527-F7BB-E1FE47E9926D}" dt="2024-08-01T14:32:23.491" v="527"/>
@@ -279,803 +1076,6 @@
             </pc226:cmChg>
           </p:ext>
         </pc:extLst>
-      </pc:sldChg>
-    </pc:docChg>
-  </pc:docChgLst>
-  <pc:docChgLst>
-    <pc:chgData name="Tom Hoyland" userId="736d7a3e-93c7-4109-90c5-e67b8b3e41b2" providerId="ADAL" clId="{A4D346AA-F248-6444-93C1-EF2F2E65C714}"/>
-    <pc:docChg chg="undo custSel addSld delSld modSld sldOrd">
-      <pc:chgData name="Tom Hoyland" userId="736d7a3e-93c7-4109-90c5-e67b8b3e41b2" providerId="ADAL" clId="{A4D346AA-F248-6444-93C1-EF2F2E65C714}" dt="2024-08-20T11:33:24.572" v="664" actId="404"/>
-      <pc:docMkLst>
-        <pc:docMk/>
-      </pc:docMkLst>
-      <pc:sldChg chg="addSp delSp modSp mod">
-        <pc:chgData name="Tom Hoyland" userId="736d7a3e-93c7-4109-90c5-e67b8b3e41b2" providerId="ADAL" clId="{A4D346AA-F248-6444-93C1-EF2F2E65C714}" dt="2024-08-20T10:35:24.927" v="523" actId="1076"/>
-        <pc:sldMkLst>
-          <pc:docMk/>
-          <pc:sldMk cId="215971509" sldId="258"/>
-        </pc:sldMkLst>
-        <pc:spChg chg="add del mod">
-          <ac:chgData name="Tom Hoyland" userId="736d7a3e-93c7-4109-90c5-e67b8b3e41b2" providerId="ADAL" clId="{A4D346AA-F248-6444-93C1-EF2F2E65C714}" dt="2024-08-20T10:35:16.759" v="521"/>
-          <ac:spMkLst>
-            <pc:docMk/>
-            <pc:sldMk cId="215971509" sldId="258"/>
-            <ac:spMk id="2" creationId="{13C5DC61-1188-B764-894D-18FA2653502D}"/>
-          </ac:spMkLst>
-        </pc:spChg>
-        <pc:graphicFrameChg chg="mod modGraphic">
-          <ac:chgData name="Tom Hoyland" userId="736d7a3e-93c7-4109-90c5-e67b8b3e41b2" providerId="ADAL" clId="{A4D346AA-F248-6444-93C1-EF2F2E65C714}" dt="2024-08-20T10:35:24.927" v="523" actId="1076"/>
-          <ac:graphicFrameMkLst>
-            <pc:docMk/>
-            <pc:sldMk cId="215971509" sldId="258"/>
-            <ac:graphicFrameMk id="4" creationId="{2C24AB31-CFE6-05B1-A05C-CB4B8F5125D5}"/>
-          </ac:graphicFrameMkLst>
-        </pc:graphicFrameChg>
-      </pc:sldChg>
-      <pc:sldChg chg="addSp delSp modSp del mod">
-        <pc:chgData name="Tom Hoyland" userId="736d7a3e-93c7-4109-90c5-e67b8b3e41b2" providerId="ADAL" clId="{A4D346AA-F248-6444-93C1-EF2F2E65C714}" dt="2024-08-20T11:32:51.918" v="598" actId="2696"/>
-        <pc:sldMkLst>
-          <pc:docMk/>
-          <pc:sldMk cId="1551894915" sldId="261"/>
-        </pc:sldMkLst>
-        <pc:spChg chg="del">
-          <ac:chgData name="Tom Hoyland" userId="736d7a3e-93c7-4109-90c5-e67b8b3e41b2" providerId="ADAL" clId="{A4D346AA-F248-6444-93C1-EF2F2E65C714}" dt="2024-08-20T11:32:39.566" v="595" actId="478"/>
-          <ac:spMkLst>
-            <pc:docMk/>
-            <pc:sldMk cId="1551894915" sldId="261"/>
-            <ac:spMk id="2" creationId="{60114F5B-200D-5E80-5596-D97099667249}"/>
-          </ac:spMkLst>
-        </pc:spChg>
-        <pc:spChg chg="add mod">
-          <ac:chgData name="Tom Hoyland" userId="736d7a3e-93c7-4109-90c5-e67b8b3e41b2" providerId="ADAL" clId="{A4D346AA-F248-6444-93C1-EF2F2E65C714}" dt="2024-08-20T11:32:39.566" v="595" actId="478"/>
-          <ac:spMkLst>
-            <pc:docMk/>
-            <pc:sldMk cId="1551894915" sldId="261"/>
-            <ac:spMk id="4" creationId="{D965E8EF-04AD-6DBB-D01A-5F2B61C6026F}"/>
-          </ac:spMkLst>
-        </pc:spChg>
-        <pc:spChg chg="del">
-          <ac:chgData name="Tom Hoyland" userId="736d7a3e-93c7-4109-90c5-e67b8b3e41b2" providerId="ADAL" clId="{A4D346AA-F248-6444-93C1-EF2F2E65C714}" dt="2024-08-20T11:32:39.566" v="595" actId="478"/>
-          <ac:spMkLst>
-            <pc:docMk/>
-            <pc:sldMk cId="1551894915" sldId="261"/>
-            <ac:spMk id="8" creationId="{8CDDB97D-A02F-8254-5432-E930CF01E0FC}"/>
-          </ac:spMkLst>
-        </pc:spChg>
-        <pc:spChg chg="del">
-          <ac:chgData name="Tom Hoyland" userId="736d7a3e-93c7-4109-90c5-e67b8b3e41b2" providerId="ADAL" clId="{A4D346AA-F248-6444-93C1-EF2F2E65C714}" dt="2024-08-20T11:32:39.566" v="595" actId="478"/>
-          <ac:spMkLst>
-            <pc:docMk/>
-            <pc:sldMk cId="1551894915" sldId="261"/>
-            <ac:spMk id="10" creationId="{C258F823-7B51-957A-9C20-93136D988928}"/>
-          </ac:spMkLst>
-        </pc:spChg>
-        <pc:spChg chg="del">
-          <ac:chgData name="Tom Hoyland" userId="736d7a3e-93c7-4109-90c5-e67b8b3e41b2" providerId="ADAL" clId="{A4D346AA-F248-6444-93C1-EF2F2E65C714}" dt="2024-08-20T11:32:39.566" v="595" actId="478"/>
-          <ac:spMkLst>
-            <pc:docMk/>
-            <pc:sldMk cId="1551894915" sldId="261"/>
-            <ac:spMk id="11" creationId="{706FB268-040E-2102-1308-B242A93B903A}"/>
-          </ac:spMkLst>
-        </pc:spChg>
-        <pc:spChg chg="del">
-          <ac:chgData name="Tom Hoyland" userId="736d7a3e-93c7-4109-90c5-e67b8b3e41b2" providerId="ADAL" clId="{A4D346AA-F248-6444-93C1-EF2F2E65C714}" dt="2024-08-20T11:32:39.566" v="595" actId="478"/>
-          <ac:spMkLst>
-            <pc:docMk/>
-            <pc:sldMk cId="1551894915" sldId="261"/>
-            <ac:spMk id="13" creationId="{380E85BC-FF65-970E-3CDA-C005D8E7882F}"/>
-          </ac:spMkLst>
-        </pc:spChg>
-        <pc:spChg chg="del">
-          <ac:chgData name="Tom Hoyland" userId="736d7a3e-93c7-4109-90c5-e67b8b3e41b2" providerId="ADAL" clId="{A4D346AA-F248-6444-93C1-EF2F2E65C714}" dt="2024-08-20T11:32:39.566" v="595" actId="478"/>
-          <ac:spMkLst>
-            <pc:docMk/>
-            <pc:sldMk cId="1551894915" sldId="261"/>
-            <ac:spMk id="14" creationId="{042E4238-C41B-D73B-C28B-0B462803692E}"/>
-          </ac:spMkLst>
-        </pc:spChg>
-        <pc:spChg chg="del">
-          <ac:chgData name="Tom Hoyland" userId="736d7a3e-93c7-4109-90c5-e67b8b3e41b2" providerId="ADAL" clId="{A4D346AA-F248-6444-93C1-EF2F2E65C714}" dt="2024-08-20T11:32:39.566" v="595" actId="478"/>
-          <ac:spMkLst>
-            <pc:docMk/>
-            <pc:sldMk cId="1551894915" sldId="261"/>
-            <ac:spMk id="16" creationId="{24D6D5B8-560A-7C70-9E81-B8EFB579F08E}"/>
-          </ac:spMkLst>
-        </pc:spChg>
-        <pc:spChg chg="del">
-          <ac:chgData name="Tom Hoyland" userId="736d7a3e-93c7-4109-90c5-e67b8b3e41b2" providerId="ADAL" clId="{A4D346AA-F248-6444-93C1-EF2F2E65C714}" dt="2024-08-20T11:32:39.566" v="595" actId="478"/>
-          <ac:spMkLst>
-            <pc:docMk/>
-            <pc:sldMk cId="1551894915" sldId="261"/>
-            <ac:spMk id="18" creationId="{F93BD877-DC0E-E976-9DE4-BE888B19CF0F}"/>
-          </ac:spMkLst>
-        </pc:spChg>
-        <pc:spChg chg="del">
-          <ac:chgData name="Tom Hoyland" userId="736d7a3e-93c7-4109-90c5-e67b8b3e41b2" providerId="ADAL" clId="{A4D346AA-F248-6444-93C1-EF2F2E65C714}" dt="2024-08-20T11:32:39.566" v="595" actId="478"/>
-          <ac:spMkLst>
-            <pc:docMk/>
-            <pc:sldMk cId="1551894915" sldId="261"/>
-            <ac:spMk id="28" creationId="{5ACB057E-5EA7-0F53-3026-546099232574}"/>
-          </ac:spMkLst>
-        </pc:spChg>
-        <pc:spChg chg="del">
-          <ac:chgData name="Tom Hoyland" userId="736d7a3e-93c7-4109-90c5-e67b8b3e41b2" providerId="ADAL" clId="{A4D346AA-F248-6444-93C1-EF2F2E65C714}" dt="2024-08-20T11:32:39.566" v="595" actId="478"/>
-          <ac:spMkLst>
-            <pc:docMk/>
-            <pc:sldMk cId="1551894915" sldId="261"/>
-            <ac:spMk id="29" creationId="{73641E73-F1C1-EAD9-8C93-D55E7BD2CDF8}"/>
-          </ac:spMkLst>
-        </pc:spChg>
-        <pc:spChg chg="del">
-          <ac:chgData name="Tom Hoyland" userId="736d7a3e-93c7-4109-90c5-e67b8b3e41b2" providerId="ADAL" clId="{A4D346AA-F248-6444-93C1-EF2F2E65C714}" dt="2024-08-20T11:32:39.566" v="595" actId="478"/>
-          <ac:spMkLst>
-            <pc:docMk/>
-            <pc:sldMk cId="1551894915" sldId="261"/>
-            <ac:spMk id="30" creationId="{0E4E77C7-934A-84F8-113F-232F677D364F}"/>
-          </ac:spMkLst>
-        </pc:spChg>
-        <pc:spChg chg="del">
-          <ac:chgData name="Tom Hoyland" userId="736d7a3e-93c7-4109-90c5-e67b8b3e41b2" providerId="ADAL" clId="{A4D346AA-F248-6444-93C1-EF2F2E65C714}" dt="2024-08-20T11:32:39.566" v="595" actId="478"/>
-          <ac:spMkLst>
-            <pc:docMk/>
-            <pc:sldMk cId="1551894915" sldId="261"/>
-            <ac:spMk id="31" creationId="{18DF7356-8B91-65DC-8FE8-32BFE8F1A09C}"/>
-          </ac:spMkLst>
-        </pc:spChg>
-        <pc:spChg chg="del">
-          <ac:chgData name="Tom Hoyland" userId="736d7a3e-93c7-4109-90c5-e67b8b3e41b2" providerId="ADAL" clId="{A4D346AA-F248-6444-93C1-EF2F2E65C714}" dt="2024-08-20T11:32:39.566" v="595" actId="478"/>
-          <ac:spMkLst>
-            <pc:docMk/>
-            <pc:sldMk cId="1551894915" sldId="261"/>
-            <ac:spMk id="32" creationId="{CE0A2A4C-DC20-3B09-E6C1-86C7406F3E22}"/>
-          </ac:spMkLst>
-        </pc:spChg>
-        <pc:spChg chg="del">
-          <ac:chgData name="Tom Hoyland" userId="736d7a3e-93c7-4109-90c5-e67b8b3e41b2" providerId="ADAL" clId="{A4D346AA-F248-6444-93C1-EF2F2E65C714}" dt="2024-08-20T11:32:39.566" v="595" actId="478"/>
-          <ac:spMkLst>
-            <pc:docMk/>
-            <pc:sldMk cId="1551894915" sldId="261"/>
-            <ac:spMk id="33" creationId="{B0CF220A-8F25-72EA-707D-3F51885CA3B4}"/>
-          </ac:spMkLst>
-        </pc:spChg>
-        <pc:spChg chg="del">
-          <ac:chgData name="Tom Hoyland" userId="736d7a3e-93c7-4109-90c5-e67b8b3e41b2" providerId="ADAL" clId="{A4D346AA-F248-6444-93C1-EF2F2E65C714}" dt="2024-08-20T11:32:39.566" v="595" actId="478"/>
-          <ac:spMkLst>
-            <pc:docMk/>
-            <pc:sldMk cId="1551894915" sldId="261"/>
-            <ac:spMk id="34" creationId="{FD091573-20FC-A6D7-6867-DCE7669E0934}"/>
-          </ac:spMkLst>
-        </pc:spChg>
-        <pc:spChg chg="del">
-          <ac:chgData name="Tom Hoyland" userId="736d7a3e-93c7-4109-90c5-e67b8b3e41b2" providerId="ADAL" clId="{A4D346AA-F248-6444-93C1-EF2F2E65C714}" dt="2024-08-20T11:32:39.566" v="595" actId="478"/>
-          <ac:spMkLst>
-            <pc:docMk/>
-            <pc:sldMk cId="1551894915" sldId="261"/>
-            <ac:spMk id="35" creationId="{14C3540D-164D-0502-B9B3-99DA425B4CAA}"/>
-          </ac:spMkLst>
-        </pc:spChg>
-        <pc:spChg chg="del">
-          <ac:chgData name="Tom Hoyland" userId="736d7a3e-93c7-4109-90c5-e67b8b3e41b2" providerId="ADAL" clId="{A4D346AA-F248-6444-93C1-EF2F2E65C714}" dt="2024-08-20T11:32:39.566" v="595" actId="478"/>
-          <ac:spMkLst>
-            <pc:docMk/>
-            <pc:sldMk cId="1551894915" sldId="261"/>
-            <ac:spMk id="36" creationId="{E590E56E-C5E5-6786-556B-9FF43F6C6253}"/>
-          </ac:spMkLst>
-        </pc:spChg>
-        <pc:picChg chg="del">
-          <ac:chgData name="Tom Hoyland" userId="736d7a3e-93c7-4109-90c5-e67b8b3e41b2" providerId="ADAL" clId="{A4D346AA-F248-6444-93C1-EF2F2E65C714}" dt="2024-08-20T11:32:39.566" v="595" actId="478"/>
-          <ac:picMkLst>
-            <pc:docMk/>
-            <pc:sldMk cId="1551894915" sldId="261"/>
-            <ac:picMk id="5" creationId="{62116002-A9FA-E0AB-8E6A-8CEE2DB576CB}"/>
-          </ac:picMkLst>
-        </pc:picChg>
-        <pc:picChg chg="del">
-          <ac:chgData name="Tom Hoyland" userId="736d7a3e-93c7-4109-90c5-e67b8b3e41b2" providerId="ADAL" clId="{A4D346AA-F248-6444-93C1-EF2F2E65C714}" dt="2024-08-20T11:32:39.566" v="595" actId="478"/>
-          <ac:picMkLst>
-            <pc:docMk/>
-            <pc:sldMk cId="1551894915" sldId="261"/>
-            <ac:picMk id="6" creationId="{06F97ED0-2646-B792-8B99-24400765AE9E}"/>
-          </ac:picMkLst>
-        </pc:picChg>
-        <pc:picChg chg="del">
-          <ac:chgData name="Tom Hoyland" userId="736d7a3e-93c7-4109-90c5-e67b8b3e41b2" providerId="ADAL" clId="{A4D346AA-F248-6444-93C1-EF2F2E65C714}" dt="2024-08-20T11:32:39.566" v="595" actId="478"/>
-          <ac:picMkLst>
-            <pc:docMk/>
-            <pc:sldMk cId="1551894915" sldId="261"/>
-            <ac:picMk id="7" creationId="{D006BE89-01FB-EFD8-A0B0-468CE5796739}"/>
-          </ac:picMkLst>
-        </pc:picChg>
-        <pc:picChg chg="del">
-          <ac:chgData name="Tom Hoyland" userId="736d7a3e-93c7-4109-90c5-e67b8b3e41b2" providerId="ADAL" clId="{A4D346AA-F248-6444-93C1-EF2F2E65C714}" dt="2024-08-20T11:32:39.566" v="595" actId="478"/>
-          <ac:picMkLst>
-            <pc:docMk/>
-            <pc:sldMk cId="1551894915" sldId="261"/>
-            <ac:picMk id="9" creationId="{08B66EBF-2D1E-6E8B-FCBD-479EDE455568}"/>
-          </ac:picMkLst>
-        </pc:picChg>
-        <pc:picChg chg="del">
-          <ac:chgData name="Tom Hoyland" userId="736d7a3e-93c7-4109-90c5-e67b8b3e41b2" providerId="ADAL" clId="{A4D346AA-F248-6444-93C1-EF2F2E65C714}" dt="2024-08-20T11:32:39.566" v="595" actId="478"/>
-          <ac:picMkLst>
-            <pc:docMk/>
-            <pc:sldMk cId="1551894915" sldId="261"/>
-            <ac:picMk id="12" creationId="{0AF8A365-1CA9-E91D-685E-C97FBF85A01F}"/>
-          </ac:picMkLst>
-        </pc:picChg>
-        <pc:picChg chg="del">
-          <ac:chgData name="Tom Hoyland" userId="736d7a3e-93c7-4109-90c5-e67b8b3e41b2" providerId="ADAL" clId="{A4D346AA-F248-6444-93C1-EF2F2E65C714}" dt="2024-08-20T11:32:39.566" v="595" actId="478"/>
-          <ac:picMkLst>
-            <pc:docMk/>
-            <pc:sldMk cId="1551894915" sldId="261"/>
-            <ac:picMk id="15" creationId="{C1E2E61F-6957-C476-802C-DAA4E8E3D8FC}"/>
-          </ac:picMkLst>
-        </pc:picChg>
-        <pc:picChg chg="del">
-          <ac:chgData name="Tom Hoyland" userId="736d7a3e-93c7-4109-90c5-e67b8b3e41b2" providerId="ADAL" clId="{A4D346AA-F248-6444-93C1-EF2F2E65C714}" dt="2024-08-20T11:32:39.566" v="595" actId="478"/>
-          <ac:picMkLst>
-            <pc:docMk/>
-            <pc:sldMk cId="1551894915" sldId="261"/>
-            <ac:picMk id="17" creationId="{0F35D7D0-03F8-0064-B5AC-20BCCD3C6C55}"/>
-          </ac:picMkLst>
-        </pc:picChg>
-        <pc:picChg chg="del">
-          <ac:chgData name="Tom Hoyland" userId="736d7a3e-93c7-4109-90c5-e67b8b3e41b2" providerId="ADAL" clId="{A4D346AA-F248-6444-93C1-EF2F2E65C714}" dt="2024-08-20T11:32:39.566" v="595" actId="478"/>
-          <ac:picMkLst>
-            <pc:docMk/>
-            <pc:sldMk cId="1551894915" sldId="261"/>
-            <ac:picMk id="21" creationId="{75F00680-C90D-0C50-BAEB-68DD9870452B}"/>
-          </ac:picMkLst>
-        </pc:picChg>
-      </pc:sldChg>
-      <pc:sldChg chg="addSp delSp modSp add mod ord">
-        <pc:chgData name="Tom Hoyland" userId="736d7a3e-93c7-4109-90c5-e67b8b3e41b2" providerId="ADAL" clId="{A4D346AA-F248-6444-93C1-EF2F2E65C714}" dt="2024-08-20T11:32:33.746" v="594" actId="20577"/>
-        <pc:sldMkLst>
-          <pc:docMk/>
-          <pc:sldMk cId="2712193479" sldId="271"/>
-        </pc:sldMkLst>
-        <pc:spChg chg="del">
-          <ac:chgData name="Tom Hoyland" userId="736d7a3e-93c7-4109-90c5-e67b8b3e41b2" providerId="ADAL" clId="{A4D346AA-F248-6444-93C1-EF2F2E65C714}" dt="2024-08-13T07:33:26.326" v="156" actId="478"/>
-          <ac:spMkLst>
-            <pc:docMk/>
-            <pc:sldMk cId="2712193479" sldId="271"/>
-            <ac:spMk id="2" creationId="{60114F5B-200D-5E80-5596-D97099667249}"/>
-          </ac:spMkLst>
-        </pc:spChg>
-        <pc:spChg chg="add mod">
-          <ac:chgData name="Tom Hoyland" userId="736d7a3e-93c7-4109-90c5-e67b8b3e41b2" providerId="ADAL" clId="{A4D346AA-F248-6444-93C1-EF2F2E65C714}" dt="2024-08-13T07:40:02.434" v="517" actId="1076"/>
-          <ac:spMkLst>
-            <pc:docMk/>
-            <pc:sldMk cId="2712193479" sldId="271"/>
-            <ac:spMk id="3" creationId="{43F9F6AE-A5AC-2E03-0D6A-B04BA76B49BC}"/>
-          </ac:spMkLst>
-        </pc:spChg>
-        <pc:spChg chg="add mod">
-          <ac:chgData name="Tom Hoyland" userId="736d7a3e-93c7-4109-90c5-e67b8b3e41b2" providerId="ADAL" clId="{A4D346AA-F248-6444-93C1-EF2F2E65C714}" dt="2024-08-13T07:40:02.434" v="517" actId="1076"/>
-          <ac:spMkLst>
-            <pc:docMk/>
-            <pc:sldMk cId="2712193479" sldId="271"/>
-            <ac:spMk id="4" creationId="{E151A129-60CE-5725-DCEC-DF20AB33301A}"/>
-          </ac:spMkLst>
-        </pc:spChg>
-        <pc:spChg chg="mod">
-          <ac:chgData name="Tom Hoyland" userId="736d7a3e-93c7-4109-90c5-e67b8b3e41b2" providerId="ADAL" clId="{A4D346AA-F248-6444-93C1-EF2F2E65C714}" dt="2024-08-20T11:32:22.457" v="585" actId="20577"/>
-          <ac:spMkLst>
-            <pc:docMk/>
-            <pc:sldMk cId="2712193479" sldId="271"/>
-            <ac:spMk id="8" creationId="{8CDDB97D-A02F-8254-5432-E930CF01E0FC}"/>
-          </ac:spMkLst>
-        </pc:spChg>
-        <pc:spChg chg="mod">
-          <ac:chgData name="Tom Hoyland" userId="736d7a3e-93c7-4109-90c5-e67b8b3e41b2" providerId="ADAL" clId="{A4D346AA-F248-6444-93C1-EF2F2E65C714}" dt="2024-08-20T11:32:20.806" v="584" actId="20577"/>
-          <ac:spMkLst>
-            <pc:docMk/>
-            <pc:sldMk cId="2712193479" sldId="271"/>
-            <ac:spMk id="10" creationId="{C258F823-7B51-957A-9C20-93136D988928}"/>
-          </ac:spMkLst>
-        </pc:spChg>
-        <pc:spChg chg="mod">
-          <ac:chgData name="Tom Hoyland" userId="736d7a3e-93c7-4109-90c5-e67b8b3e41b2" providerId="ADAL" clId="{A4D346AA-F248-6444-93C1-EF2F2E65C714}" dt="2024-08-20T11:32:25.812" v="587" actId="20577"/>
-          <ac:spMkLst>
-            <pc:docMk/>
-            <pc:sldMk cId="2712193479" sldId="271"/>
-            <ac:spMk id="11" creationId="{706FB268-040E-2102-1308-B242A93B903A}"/>
-          </ac:spMkLst>
-        </pc:spChg>
-        <pc:spChg chg="mod">
-          <ac:chgData name="Tom Hoyland" userId="736d7a3e-93c7-4109-90c5-e67b8b3e41b2" providerId="ADAL" clId="{A4D346AA-F248-6444-93C1-EF2F2E65C714}" dt="2024-08-20T11:32:29.695" v="592" actId="20577"/>
-          <ac:spMkLst>
-            <pc:docMk/>
-            <pc:sldMk cId="2712193479" sldId="271"/>
-            <ac:spMk id="13" creationId="{380E85BC-FF65-970E-3CDA-C005D8E7882F}"/>
-          </ac:spMkLst>
-        </pc:spChg>
-        <pc:spChg chg="mod">
-          <ac:chgData name="Tom Hoyland" userId="736d7a3e-93c7-4109-90c5-e67b8b3e41b2" providerId="ADAL" clId="{A4D346AA-F248-6444-93C1-EF2F2E65C714}" dt="2024-08-20T11:32:32.158" v="593" actId="20577"/>
-          <ac:spMkLst>
-            <pc:docMk/>
-            <pc:sldMk cId="2712193479" sldId="271"/>
-            <ac:spMk id="14" creationId="{042E4238-C41B-D73B-C28B-0B462803692E}"/>
-          </ac:spMkLst>
-        </pc:spChg>
-        <pc:spChg chg="mod">
-          <ac:chgData name="Tom Hoyland" userId="736d7a3e-93c7-4109-90c5-e67b8b3e41b2" providerId="ADAL" clId="{A4D346AA-F248-6444-93C1-EF2F2E65C714}" dt="2024-08-20T11:32:24.083" v="586" actId="20577"/>
-          <ac:spMkLst>
-            <pc:docMk/>
-            <pc:sldMk cId="2712193479" sldId="271"/>
-            <ac:spMk id="16" creationId="{24D6D5B8-560A-7C70-9E81-B8EFB579F08E}"/>
-          </ac:spMkLst>
-        </pc:spChg>
-        <pc:spChg chg="mod">
-          <ac:chgData name="Tom Hoyland" userId="736d7a3e-93c7-4109-90c5-e67b8b3e41b2" providerId="ADAL" clId="{A4D346AA-F248-6444-93C1-EF2F2E65C714}" dt="2024-08-20T11:32:19.042" v="583" actId="20577"/>
-          <ac:spMkLst>
-            <pc:docMk/>
-            <pc:sldMk cId="2712193479" sldId="271"/>
-            <ac:spMk id="18" creationId="{F93BD877-DC0E-E976-9DE4-BE888B19CF0F}"/>
-          </ac:spMkLst>
-        </pc:spChg>
-        <pc:spChg chg="add mod">
-          <ac:chgData name="Tom Hoyland" userId="736d7a3e-93c7-4109-90c5-e67b8b3e41b2" providerId="ADAL" clId="{A4D346AA-F248-6444-93C1-EF2F2E65C714}" dt="2024-08-13T07:40:02.434" v="517" actId="1076"/>
-          <ac:spMkLst>
-            <pc:docMk/>
-            <pc:sldMk cId="2712193479" sldId="271"/>
-            <ac:spMk id="19" creationId="{9BC32168-0734-E7F4-DDAC-4419BE1ED0AC}"/>
-          </ac:spMkLst>
-        </pc:spChg>
-        <pc:spChg chg="add mod">
-          <ac:chgData name="Tom Hoyland" userId="736d7a3e-93c7-4109-90c5-e67b8b3e41b2" providerId="ADAL" clId="{A4D346AA-F248-6444-93C1-EF2F2E65C714}" dt="2024-08-13T07:40:02.434" v="517" actId="1076"/>
-          <ac:spMkLst>
-            <pc:docMk/>
-            <pc:sldMk cId="2712193479" sldId="271"/>
-            <ac:spMk id="20" creationId="{69D48872-11CB-3A33-9C96-131727D0AB45}"/>
-          </ac:spMkLst>
-        </pc:spChg>
-        <pc:spChg chg="add del mod">
-          <ac:chgData name="Tom Hoyland" userId="736d7a3e-93c7-4109-90c5-e67b8b3e41b2" providerId="ADAL" clId="{A4D346AA-F248-6444-93C1-EF2F2E65C714}" dt="2024-08-13T07:33:28.075" v="157" actId="478"/>
-          <ac:spMkLst>
-            <pc:docMk/>
-            <pc:sldMk cId="2712193479" sldId="271"/>
-            <ac:spMk id="23" creationId="{97374FD9-56B1-BD38-01AD-42A8332B8E26}"/>
-          </ac:spMkLst>
-        </pc:spChg>
-        <pc:spChg chg="add mod">
-          <ac:chgData name="Tom Hoyland" userId="736d7a3e-93c7-4109-90c5-e67b8b3e41b2" providerId="ADAL" clId="{A4D346AA-F248-6444-93C1-EF2F2E65C714}" dt="2024-08-13T07:40:02.434" v="517" actId="1076"/>
-          <ac:spMkLst>
-            <pc:docMk/>
-            <pc:sldMk cId="2712193479" sldId="271"/>
-            <ac:spMk id="24" creationId="{16C484F4-FF4B-D129-FAEA-02E2EC8CFE4D}"/>
-          </ac:spMkLst>
-        </pc:spChg>
-        <pc:spChg chg="add mod">
-          <ac:chgData name="Tom Hoyland" userId="736d7a3e-93c7-4109-90c5-e67b8b3e41b2" providerId="ADAL" clId="{A4D346AA-F248-6444-93C1-EF2F2E65C714}" dt="2024-08-13T07:40:02.434" v="517" actId="1076"/>
-          <ac:spMkLst>
-            <pc:docMk/>
-            <pc:sldMk cId="2712193479" sldId="271"/>
-            <ac:spMk id="25" creationId="{5772F33A-FAA4-6619-FC37-5A0C0D431A17}"/>
-          </ac:spMkLst>
-        </pc:spChg>
-        <pc:spChg chg="add mod">
-          <ac:chgData name="Tom Hoyland" userId="736d7a3e-93c7-4109-90c5-e67b8b3e41b2" providerId="ADAL" clId="{A4D346AA-F248-6444-93C1-EF2F2E65C714}" dt="2024-08-13T07:40:02.434" v="517" actId="1076"/>
-          <ac:spMkLst>
-            <pc:docMk/>
-            <pc:sldMk cId="2712193479" sldId="271"/>
-            <ac:spMk id="26" creationId="{8DB1EDB7-0892-A3F2-FB78-D990F034BD8D}"/>
-          </ac:spMkLst>
-        </pc:spChg>
-        <pc:spChg chg="add mod">
-          <ac:chgData name="Tom Hoyland" userId="736d7a3e-93c7-4109-90c5-e67b8b3e41b2" providerId="ADAL" clId="{A4D346AA-F248-6444-93C1-EF2F2E65C714}" dt="2024-08-13T07:40:02.434" v="517" actId="1076"/>
-          <ac:spMkLst>
-            <pc:docMk/>
-            <pc:sldMk cId="2712193479" sldId="271"/>
-            <ac:spMk id="27" creationId="{A82AA132-2F6D-308A-92C4-44C23B119428}"/>
-          </ac:spMkLst>
-        </pc:spChg>
-        <pc:spChg chg="mod">
-          <ac:chgData name="Tom Hoyland" userId="736d7a3e-93c7-4109-90c5-e67b8b3e41b2" providerId="ADAL" clId="{A4D346AA-F248-6444-93C1-EF2F2E65C714}" dt="2024-08-20T11:32:33.746" v="594" actId="20577"/>
-          <ac:spMkLst>
-            <pc:docMk/>
-            <pc:sldMk cId="2712193479" sldId="271"/>
-            <ac:spMk id="28" creationId="{5ACB057E-5EA7-0F53-3026-546099232574}"/>
-          </ac:spMkLst>
-        </pc:spChg>
-        <pc:spChg chg="mod">
-          <ac:chgData name="Tom Hoyland" userId="736d7a3e-93c7-4109-90c5-e67b8b3e41b2" providerId="ADAL" clId="{A4D346AA-F248-6444-93C1-EF2F2E65C714}" dt="2024-08-13T07:40:02.434" v="517" actId="1076"/>
-          <ac:spMkLst>
-            <pc:docMk/>
-            <pc:sldMk cId="2712193479" sldId="271"/>
-            <ac:spMk id="29" creationId="{73641E73-F1C1-EAD9-8C93-D55E7BD2CDF8}"/>
-          </ac:spMkLst>
-        </pc:spChg>
-        <pc:spChg chg="mod">
-          <ac:chgData name="Tom Hoyland" userId="736d7a3e-93c7-4109-90c5-e67b8b3e41b2" providerId="ADAL" clId="{A4D346AA-F248-6444-93C1-EF2F2E65C714}" dt="2024-08-13T07:40:02.434" v="517" actId="1076"/>
-          <ac:spMkLst>
-            <pc:docMk/>
-            <pc:sldMk cId="2712193479" sldId="271"/>
-            <ac:spMk id="30" creationId="{0E4E77C7-934A-84F8-113F-232F677D364F}"/>
-          </ac:spMkLst>
-        </pc:spChg>
-        <pc:spChg chg="mod">
-          <ac:chgData name="Tom Hoyland" userId="736d7a3e-93c7-4109-90c5-e67b8b3e41b2" providerId="ADAL" clId="{A4D346AA-F248-6444-93C1-EF2F2E65C714}" dt="2024-08-13T07:40:02.434" v="517" actId="1076"/>
-          <ac:spMkLst>
-            <pc:docMk/>
-            <pc:sldMk cId="2712193479" sldId="271"/>
-            <ac:spMk id="31" creationId="{18DF7356-8B91-65DC-8FE8-32BFE8F1A09C}"/>
-          </ac:spMkLst>
-        </pc:spChg>
-        <pc:spChg chg="mod">
-          <ac:chgData name="Tom Hoyland" userId="736d7a3e-93c7-4109-90c5-e67b8b3e41b2" providerId="ADAL" clId="{A4D346AA-F248-6444-93C1-EF2F2E65C714}" dt="2024-08-13T07:40:02.434" v="517" actId="1076"/>
-          <ac:spMkLst>
-            <pc:docMk/>
-            <pc:sldMk cId="2712193479" sldId="271"/>
-            <ac:spMk id="32" creationId="{CE0A2A4C-DC20-3B09-E6C1-86C7406F3E22}"/>
-          </ac:spMkLst>
-        </pc:spChg>
-        <pc:spChg chg="mod">
-          <ac:chgData name="Tom Hoyland" userId="736d7a3e-93c7-4109-90c5-e67b8b3e41b2" providerId="ADAL" clId="{A4D346AA-F248-6444-93C1-EF2F2E65C714}" dt="2024-08-13T07:40:02.434" v="517" actId="1076"/>
-          <ac:spMkLst>
-            <pc:docMk/>
-            <pc:sldMk cId="2712193479" sldId="271"/>
-            <ac:spMk id="33" creationId="{B0CF220A-8F25-72EA-707D-3F51885CA3B4}"/>
-          </ac:spMkLst>
-        </pc:spChg>
-        <pc:spChg chg="mod">
-          <ac:chgData name="Tom Hoyland" userId="736d7a3e-93c7-4109-90c5-e67b8b3e41b2" providerId="ADAL" clId="{A4D346AA-F248-6444-93C1-EF2F2E65C714}" dt="2024-08-13T07:40:02.434" v="517" actId="1076"/>
-          <ac:spMkLst>
-            <pc:docMk/>
-            <pc:sldMk cId="2712193479" sldId="271"/>
-            <ac:spMk id="34" creationId="{FD091573-20FC-A6D7-6867-DCE7669E0934}"/>
-          </ac:spMkLst>
-        </pc:spChg>
-        <pc:spChg chg="mod">
-          <ac:chgData name="Tom Hoyland" userId="736d7a3e-93c7-4109-90c5-e67b8b3e41b2" providerId="ADAL" clId="{A4D346AA-F248-6444-93C1-EF2F2E65C714}" dt="2024-08-13T07:40:02.434" v="517" actId="1076"/>
-          <ac:spMkLst>
-            <pc:docMk/>
-            <pc:sldMk cId="2712193479" sldId="271"/>
-            <ac:spMk id="35" creationId="{14C3540D-164D-0502-B9B3-99DA425B4CAA}"/>
-          </ac:spMkLst>
-        </pc:spChg>
-        <pc:spChg chg="mod">
-          <ac:chgData name="Tom Hoyland" userId="736d7a3e-93c7-4109-90c5-e67b8b3e41b2" providerId="ADAL" clId="{A4D346AA-F248-6444-93C1-EF2F2E65C714}" dt="2024-08-13T07:40:02.434" v="517" actId="1076"/>
-          <ac:spMkLst>
-            <pc:docMk/>
-            <pc:sldMk cId="2712193479" sldId="271"/>
-            <ac:spMk id="36" creationId="{E590E56E-C5E5-6786-556B-9FF43F6C6253}"/>
-          </ac:spMkLst>
-        </pc:spChg>
-        <pc:picChg chg="mod">
-          <ac:chgData name="Tom Hoyland" userId="736d7a3e-93c7-4109-90c5-e67b8b3e41b2" providerId="ADAL" clId="{A4D346AA-F248-6444-93C1-EF2F2E65C714}" dt="2024-08-13T07:40:02.434" v="517" actId="1076"/>
-          <ac:picMkLst>
-            <pc:docMk/>
-            <pc:sldMk cId="2712193479" sldId="271"/>
-            <ac:picMk id="5" creationId="{62116002-A9FA-E0AB-8E6A-8CEE2DB576CB}"/>
-          </ac:picMkLst>
-        </pc:picChg>
-        <pc:picChg chg="mod">
-          <ac:chgData name="Tom Hoyland" userId="736d7a3e-93c7-4109-90c5-e67b8b3e41b2" providerId="ADAL" clId="{A4D346AA-F248-6444-93C1-EF2F2E65C714}" dt="2024-08-13T07:40:02.434" v="517" actId="1076"/>
-          <ac:picMkLst>
-            <pc:docMk/>
-            <pc:sldMk cId="2712193479" sldId="271"/>
-            <ac:picMk id="6" creationId="{06F97ED0-2646-B792-8B99-24400765AE9E}"/>
-          </ac:picMkLst>
-        </pc:picChg>
-        <pc:picChg chg="mod">
-          <ac:chgData name="Tom Hoyland" userId="736d7a3e-93c7-4109-90c5-e67b8b3e41b2" providerId="ADAL" clId="{A4D346AA-F248-6444-93C1-EF2F2E65C714}" dt="2024-08-13T07:40:02.434" v="517" actId="1076"/>
-          <ac:picMkLst>
-            <pc:docMk/>
-            <pc:sldMk cId="2712193479" sldId="271"/>
-            <ac:picMk id="7" creationId="{D006BE89-01FB-EFD8-A0B0-468CE5796739}"/>
-          </ac:picMkLst>
-        </pc:picChg>
-        <pc:picChg chg="mod">
-          <ac:chgData name="Tom Hoyland" userId="736d7a3e-93c7-4109-90c5-e67b8b3e41b2" providerId="ADAL" clId="{A4D346AA-F248-6444-93C1-EF2F2E65C714}" dt="2024-08-13T07:40:02.434" v="517" actId="1076"/>
-          <ac:picMkLst>
-            <pc:docMk/>
-            <pc:sldMk cId="2712193479" sldId="271"/>
-            <ac:picMk id="9" creationId="{08B66EBF-2D1E-6E8B-FCBD-479EDE455568}"/>
-          </ac:picMkLst>
-        </pc:picChg>
-        <pc:picChg chg="mod">
-          <ac:chgData name="Tom Hoyland" userId="736d7a3e-93c7-4109-90c5-e67b8b3e41b2" providerId="ADAL" clId="{A4D346AA-F248-6444-93C1-EF2F2E65C714}" dt="2024-08-13T07:40:02.434" v="517" actId="1076"/>
-          <ac:picMkLst>
-            <pc:docMk/>
-            <pc:sldMk cId="2712193479" sldId="271"/>
-            <ac:picMk id="12" creationId="{0AF8A365-1CA9-E91D-685E-C97FBF85A01F}"/>
-          </ac:picMkLst>
-        </pc:picChg>
-        <pc:picChg chg="mod">
-          <ac:chgData name="Tom Hoyland" userId="736d7a3e-93c7-4109-90c5-e67b8b3e41b2" providerId="ADAL" clId="{A4D346AA-F248-6444-93C1-EF2F2E65C714}" dt="2024-08-13T07:40:02.434" v="517" actId="1076"/>
-          <ac:picMkLst>
-            <pc:docMk/>
-            <pc:sldMk cId="2712193479" sldId="271"/>
-            <ac:picMk id="15" creationId="{C1E2E61F-6957-C476-802C-DAA4E8E3D8FC}"/>
-          </ac:picMkLst>
-        </pc:picChg>
-        <pc:picChg chg="mod">
-          <ac:chgData name="Tom Hoyland" userId="736d7a3e-93c7-4109-90c5-e67b8b3e41b2" providerId="ADAL" clId="{A4D346AA-F248-6444-93C1-EF2F2E65C714}" dt="2024-08-13T07:40:02.434" v="517" actId="1076"/>
-          <ac:picMkLst>
-            <pc:docMk/>
-            <pc:sldMk cId="2712193479" sldId="271"/>
-            <ac:picMk id="17" creationId="{0F35D7D0-03F8-0064-B5AC-20BCCD3C6C55}"/>
-          </ac:picMkLst>
-        </pc:picChg>
-        <pc:picChg chg="mod">
-          <ac:chgData name="Tom Hoyland" userId="736d7a3e-93c7-4109-90c5-e67b8b3e41b2" providerId="ADAL" clId="{A4D346AA-F248-6444-93C1-EF2F2E65C714}" dt="2024-08-13T07:40:02.434" v="517" actId="1076"/>
-          <ac:picMkLst>
-            <pc:docMk/>
-            <pc:sldMk cId="2712193479" sldId="271"/>
-            <ac:picMk id="21" creationId="{75F00680-C90D-0C50-BAEB-68DD9870452B}"/>
-          </ac:picMkLst>
-        </pc:picChg>
-      </pc:sldChg>
-      <pc:sldChg chg="addSp modSp add mod ord">
-        <pc:chgData name="Tom Hoyland" userId="736d7a3e-93c7-4109-90c5-e67b8b3e41b2" providerId="ADAL" clId="{A4D346AA-F248-6444-93C1-EF2F2E65C714}" dt="2024-08-20T11:33:24.572" v="664" actId="404"/>
-        <pc:sldMkLst>
-          <pc:docMk/>
-          <pc:sldMk cId="248048730" sldId="272"/>
-        </pc:sldMkLst>
-        <pc:spChg chg="add mod">
-          <ac:chgData name="Tom Hoyland" userId="736d7a3e-93c7-4109-90c5-e67b8b3e41b2" providerId="ADAL" clId="{A4D346AA-F248-6444-93C1-EF2F2E65C714}" dt="2024-08-20T11:33:24.572" v="664" actId="404"/>
-          <ac:spMkLst>
-            <pc:docMk/>
-            <pc:sldMk cId="248048730" sldId="272"/>
-            <ac:spMk id="2" creationId="{DE49AD4B-7FB7-DB4B-1892-2174BDB55FDC}"/>
-          </ac:spMkLst>
-        </pc:spChg>
-        <pc:spChg chg="mod">
-          <ac:chgData name="Tom Hoyland" userId="736d7a3e-93c7-4109-90c5-e67b8b3e41b2" providerId="ADAL" clId="{A4D346AA-F248-6444-93C1-EF2F2E65C714}" dt="2024-08-20T11:33:03.837" v="628" actId="1036"/>
-          <ac:spMkLst>
-            <pc:docMk/>
-            <pc:sldMk cId="248048730" sldId="272"/>
-            <ac:spMk id="3" creationId="{213F28A4-07ED-C70E-C1A5-0B32C5A7DD8D}"/>
-          </ac:spMkLst>
-        </pc:spChg>
-        <pc:spChg chg="mod">
-          <ac:chgData name="Tom Hoyland" userId="736d7a3e-93c7-4109-90c5-e67b8b3e41b2" providerId="ADAL" clId="{A4D346AA-F248-6444-93C1-EF2F2E65C714}" dt="2024-08-20T11:33:03.837" v="628" actId="1036"/>
-          <ac:spMkLst>
-            <pc:docMk/>
-            <pc:sldMk cId="248048730" sldId="272"/>
-            <ac:spMk id="4" creationId="{DD555481-A9B5-D5E1-1F1B-EF8ED78D5CD8}"/>
-          </ac:spMkLst>
-        </pc:spChg>
-        <pc:spChg chg="mod">
-          <ac:chgData name="Tom Hoyland" userId="736d7a3e-93c7-4109-90c5-e67b8b3e41b2" providerId="ADAL" clId="{A4D346AA-F248-6444-93C1-EF2F2E65C714}" dt="2024-08-20T11:33:03.837" v="628" actId="1036"/>
-          <ac:spMkLst>
-            <pc:docMk/>
-            <pc:sldMk cId="248048730" sldId="272"/>
-            <ac:spMk id="8" creationId="{AEAF102F-143D-76EF-DF6D-8B165519A4A4}"/>
-          </ac:spMkLst>
-        </pc:spChg>
-        <pc:spChg chg="mod">
-          <ac:chgData name="Tom Hoyland" userId="736d7a3e-93c7-4109-90c5-e67b8b3e41b2" providerId="ADAL" clId="{A4D346AA-F248-6444-93C1-EF2F2E65C714}" dt="2024-08-20T11:33:03.837" v="628" actId="1036"/>
-          <ac:spMkLst>
-            <pc:docMk/>
-            <pc:sldMk cId="248048730" sldId="272"/>
-            <ac:spMk id="10" creationId="{4AFC90E1-B3DD-B446-A88F-D3102C4BE49F}"/>
-          </ac:spMkLst>
-        </pc:spChg>
-        <pc:spChg chg="mod">
-          <ac:chgData name="Tom Hoyland" userId="736d7a3e-93c7-4109-90c5-e67b8b3e41b2" providerId="ADAL" clId="{A4D346AA-F248-6444-93C1-EF2F2E65C714}" dt="2024-08-20T11:33:03.837" v="628" actId="1036"/>
-          <ac:spMkLst>
-            <pc:docMk/>
-            <pc:sldMk cId="248048730" sldId="272"/>
-            <ac:spMk id="11" creationId="{06C0DA98-AF63-8C25-12CC-42A79D849F04}"/>
-          </ac:spMkLst>
-        </pc:spChg>
-        <pc:spChg chg="mod">
-          <ac:chgData name="Tom Hoyland" userId="736d7a3e-93c7-4109-90c5-e67b8b3e41b2" providerId="ADAL" clId="{A4D346AA-F248-6444-93C1-EF2F2E65C714}" dt="2024-08-20T11:33:03.837" v="628" actId="1036"/>
-          <ac:spMkLst>
-            <pc:docMk/>
-            <pc:sldMk cId="248048730" sldId="272"/>
-            <ac:spMk id="13" creationId="{6D7F7EC6-1E57-62EB-8CD1-03BE4F5ADDED}"/>
-          </ac:spMkLst>
-        </pc:spChg>
-        <pc:spChg chg="mod">
-          <ac:chgData name="Tom Hoyland" userId="736d7a3e-93c7-4109-90c5-e67b8b3e41b2" providerId="ADAL" clId="{A4D346AA-F248-6444-93C1-EF2F2E65C714}" dt="2024-08-20T11:33:03.837" v="628" actId="1036"/>
-          <ac:spMkLst>
-            <pc:docMk/>
-            <pc:sldMk cId="248048730" sldId="272"/>
-            <ac:spMk id="14" creationId="{C264D8AC-B086-B921-85C6-5AF1DD6AD8DE}"/>
-          </ac:spMkLst>
-        </pc:spChg>
-        <pc:spChg chg="mod">
-          <ac:chgData name="Tom Hoyland" userId="736d7a3e-93c7-4109-90c5-e67b8b3e41b2" providerId="ADAL" clId="{A4D346AA-F248-6444-93C1-EF2F2E65C714}" dt="2024-08-20T11:33:03.837" v="628" actId="1036"/>
-          <ac:spMkLst>
-            <pc:docMk/>
-            <pc:sldMk cId="248048730" sldId="272"/>
-            <ac:spMk id="16" creationId="{E4800468-3CA0-2964-AA62-A3AA15AEBB24}"/>
-          </ac:spMkLst>
-        </pc:spChg>
-        <pc:spChg chg="mod">
-          <ac:chgData name="Tom Hoyland" userId="736d7a3e-93c7-4109-90c5-e67b8b3e41b2" providerId="ADAL" clId="{A4D346AA-F248-6444-93C1-EF2F2E65C714}" dt="2024-08-20T11:33:03.837" v="628" actId="1036"/>
-          <ac:spMkLst>
-            <pc:docMk/>
-            <pc:sldMk cId="248048730" sldId="272"/>
-            <ac:spMk id="18" creationId="{63271C5F-2656-11FB-BDA0-F18F429D4AB8}"/>
-          </ac:spMkLst>
-        </pc:spChg>
-        <pc:spChg chg="mod">
-          <ac:chgData name="Tom Hoyland" userId="736d7a3e-93c7-4109-90c5-e67b8b3e41b2" providerId="ADAL" clId="{A4D346AA-F248-6444-93C1-EF2F2E65C714}" dt="2024-08-20T11:33:03.837" v="628" actId="1036"/>
-          <ac:spMkLst>
-            <pc:docMk/>
-            <pc:sldMk cId="248048730" sldId="272"/>
-            <ac:spMk id="19" creationId="{70929939-537B-C447-115E-FED5AF8357AE}"/>
-          </ac:spMkLst>
-        </pc:spChg>
-        <pc:spChg chg="mod">
-          <ac:chgData name="Tom Hoyland" userId="736d7a3e-93c7-4109-90c5-e67b8b3e41b2" providerId="ADAL" clId="{A4D346AA-F248-6444-93C1-EF2F2E65C714}" dt="2024-08-20T11:33:03.837" v="628" actId="1036"/>
-          <ac:spMkLst>
-            <pc:docMk/>
-            <pc:sldMk cId="248048730" sldId="272"/>
-            <ac:spMk id="20" creationId="{59B90136-C70C-1F8D-144A-B8DAA91E8BFF}"/>
-          </ac:spMkLst>
-        </pc:spChg>
-        <pc:spChg chg="mod">
-          <ac:chgData name="Tom Hoyland" userId="736d7a3e-93c7-4109-90c5-e67b8b3e41b2" providerId="ADAL" clId="{A4D346AA-F248-6444-93C1-EF2F2E65C714}" dt="2024-08-20T11:33:03.837" v="628" actId="1036"/>
-          <ac:spMkLst>
-            <pc:docMk/>
-            <pc:sldMk cId="248048730" sldId="272"/>
-            <ac:spMk id="24" creationId="{58A0E144-52CD-ECF3-042B-7992A86DA18B}"/>
-          </ac:spMkLst>
-        </pc:spChg>
-        <pc:spChg chg="mod">
-          <ac:chgData name="Tom Hoyland" userId="736d7a3e-93c7-4109-90c5-e67b8b3e41b2" providerId="ADAL" clId="{A4D346AA-F248-6444-93C1-EF2F2E65C714}" dt="2024-08-20T11:33:03.837" v="628" actId="1036"/>
-          <ac:spMkLst>
-            <pc:docMk/>
-            <pc:sldMk cId="248048730" sldId="272"/>
-            <ac:spMk id="25" creationId="{38DEAD3F-0B7F-2B20-993E-A2B1F014B1CD}"/>
-          </ac:spMkLst>
-        </pc:spChg>
-        <pc:spChg chg="mod">
-          <ac:chgData name="Tom Hoyland" userId="736d7a3e-93c7-4109-90c5-e67b8b3e41b2" providerId="ADAL" clId="{A4D346AA-F248-6444-93C1-EF2F2E65C714}" dt="2024-08-20T11:33:03.837" v="628" actId="1036"/>
-          <ac:spMkLst>
-            <pc:docMk/>
-            <pc:sldMk cId="248048730" sldId="272"/>
-            <ac:spMk id="26" creationId="{3A945144-0789-5A0E-FC67-42CABE016FCE}"/>
-          </ac:spMkLst>
-        </pc:spChg>
-        <pc:spChg chg="mod">
-          <ac:chgData name="Tom Hoyland" userId="736d7a3e-93c7-4109-90c5-e67b8b3e41b2" providerId="ADAL" clId="{A4D346AA-F248-6444-93C1-EF2F2E65C714}" dt="2024-08-20T11:33:03.837" v="628" actId="1036"/>
-          <ac:spMkLst>
-            <pc:docMk/>
-            <pc:sldMk cId="248048730" sldId="272"/>
-            <ac:spMk id="27" creationId="{CCBC6816-D39B-700B-F344-1B0D25A1449C}"/>
-          </ac:spMkLst>
-        </pc:spChg>
-        <pc:spChg chg="mod">
-          <ac:chgData name="Tom Hoyland" userId="736d7a3e-93c7-4109-90c5-e67b8b3e41b2" providerId="ADAL" clId="{A4D346AA-F248-6444-93C1-EF2F2E65C714}" dt="2024-08-20T11:33:03.837" v="628" actId="1036"/>
-          <ac:spMkLst>
-            <pc:docMk/>
-            <pc:sldMk cId="248048730" sldId="272"/>
-            <ac:spMk id="28" creationId="{5A0B0504-FBD2-ED5A-4F3B-787A8587C05A}"/>
-          </ac:spMkLst>
-        </pc:spChg>
-        <pc:spChg chg="mod">
-          <ac:chgData name="Tom Hoyland" userId="736d7a3e-93c7-4109-90c5-e67b8b3e41b2" providerId="ADAL" clId="{A4D346AA-F248-6444-93C1-EF2F2E65C714}" dt="2024-08-20T11:33:03.837" v="628" actId="1036"/>
-          <ac:spMkLst>
-            <pc:docMk/>
-            <pc:sldMk cId="248048730" sldId="272"/>
-            <ac:spMk id="29" creationId="{68B58E08-22AA-A82B-48BD-73CAD4C99992}"/>
-          </ac:spMkLst>
-        </pc:spChg>
-        <pc:spChg chg="mod">
-          <ac:chgData name="Tom Hoyland" userId="736d7a3e-93c7-4109-90c5-e67b8b3e41b2" providerId="ADAL" clId="{A4D346AA-F248-6444-93C1-EF2F2E65C714}" dt="2024-08-20T11:33:03.837" v="628" actId="1036"/>
-          <ac:spMkLst>
-            <pc:docMk/>
-            <pc:sldMk cId="248048730" sldId="272"/>
-            <ac:spMk id="30" creationId="{DEFE14F4-97D1-71EF-B066-BF208197EC0B}"/>
-          </ac:spMkLst>
-        </pc:spChg>
-        <pc:spChg chg="mod">
-          <ac:chgData name="Tom Hoyland" userId="736d7a3e-93c7-4109-90c5-e67b8b3e41b2" providerId="ADAL" clId="{A4D346AA-F248-6444-93C1-EF2F2E65C714}" dt="2024-08-20T11:33:03.837" v="628" actId="1036"/>
-          <ac:spMkLst>
-            <pc:docMk/>
-            <pc:sldMk cId="248048730" sldId="272"/>
-            <ac:spMk id="31" creationId="{8D8F7CEF-134A-D3DA-8445-5A753AB0F80F}"/>
-          </ac:spMkLst>
-        </pc:spChg>
-        <pc:spChg chg="mod">
-          <ac:chgData name="Tom Hoyland" userId="736d7a3e-93c7-4109-90c5-e67b8b3e41b2" providerId="ADAL" clId="{A4D346AA-F248-6444-93C1-EF2F2E65C714}" dt="2024-08-20T11:33:03.837" v="628" actId="1036"/>
-          <ac:spMkLst>
-            <pc:docMk/>
-            <pc:sldMk cId="248048730" sldId="272"/>
-            <ac:spMk id="32" creationId="{5057154F-7DCF-A223-0510-F25D7FD2EE6A}"/>
-          </ac:spMkLst>
-        </pc:spChg>
-        <pc:spChg chg="mod">
-          <ac:chgData name="Tom Hoyland" userId="736d7a3e-93c7-4109-90c5-e67b8b3e41b2" providerId="ADAL" clId="{A4D346AA-F248-6444-93C1-EF2F2E65C714}" dt="2024-08-20T11:33:03.837" v="628" actId="1036"/>
-          <ac:spMkLst>
-            <pc:docMk/>
-            <pc:sldMk cId="248048730" sldId="272"/>
-            <ac:spMk id="33" creationId="{E0D8722E-83A8-C310-122A-30EA2816860E}"/>
-          </ac:spMkLst>
-        </pc:spChg>
-        <pc:spChg chg="mod">
-          <ac:chgData name="Tom Hoyland" userId="736d7a3e-93c7-4109-90c5-e67b8b3e41b2" providerId="ADAL" clId="{A4D346AA-F248-6444-93C1-EF2F2E65C714}" dt="2024-08-20T11:33:03.837" v="628" actId="1036"/>
-          <ac:spMkLst>
-            <pc:docMk/>
-            <pc:sldMk cId="248048730" sldId="272"/>
-            <ac:spMk id="34" creationId="{27018EDB-C14A-2175-DA20-52AE83F8940E}"/>
-          </ac:spMkLst>
-        </pc:spChg>
-        <pc:spChg chg="mod">
-          <ac:chgData name="Tom Hoyland" userId="736d7a3e-93c7-4109-90c5-e67b8b3e41b2" providerId="ADAL" clId="{A4D346AA-F248-6444-93C1-EF2F2E65C714}" dt="2024-08-20T11:33:03.837" v="628" actId="1036"/>
-          <ac:spMkLst>
-            <pc:docMk/>
-            <pc:sldMk cId="248048730" sldId="272"/>
-            <ac:spMk id="35" creationId="{64BD6B3C-21B9-94EB-9163-4D7A83A4A297}"/>
-          </ac:spMkLst>
-        </pc:spChg>
-        <pc:spChg chg="mod">
-          <ac:chgData name="Tom Hoyland" userId="736d7a3e-93c7-4109-90c5-e67b8b3e41b2" providerId="ADAL" clId="{A4D346AA-F248-6444-93C1-EF2F2E65C714}" dt="2024-08-20T11:33:03.837" v="628" actId="1036"/>
-          <ac:spMkLst>
-            <pc:docMk/>
-            <pc:sldMk cId="248048730" sldId="272"/>
-            <ac:spMk id="36" creationId="{965DF994-D945-F5CF-02B0-6FD96B778267}"/>
-          </ac:spMkLst>
-        </pc:spChg>
-        <pc:picChg chg="mod">
-          <ac:chgData name="Tom Hoyland" userId="736d7a3e-93c7-4109-90c5-e67b8b3e41b2" providerId="ADAL" clId="{A4D346AA-F248-6444-93C1-EF2F2E65C714}" dt="2024-08-20T11:33:03.837" v="628" actId="1036"/>
-          <ac:picMkLst>
-            <pc:docMk/>
-            <pc:sldMk cId="248048730" sldId="272"/>
-            <ac:picMk id="5" creationId="{6322FBD9-FD8F-9C95-2729-127E6A05B844}"/>
-          </ac:picMkLst>
-        </pc:picChg>
-        <pc:picChg chg="mod">
-          <ac:chgData name="Tom Hoyland" userId="736d7a3e-93c7-4109-90c5-e67b8b3e41b2" providerId="ADAL" clId="{A4D346AA-F248-6444-93C1-EF2F2E65C714}" dt="2024-08-20T11:33:03.837" v="628" actId="1036"/>
-          <ac:picMkLst>
-            <pc:docMk/>
-            <pc:sldMk cId="248048730" sldId="272"/>
-            <ac:picMk id="6" creationId="{2BE0E3B7-67DB-7D22-62F7-F28225398F7E}"/>
-          </ac:picMkLst>
-        </pc:picChg>
-        <pc:picChg chg="mod">
-          <ac:chgData name="Tom Hoyland" userId="736d7a3e-93c7-4109-90c5-e67b8b3e41b2" providerId="ADAL" clId="{A4D346AA-F248-6444-93C1-EF2F2E65C714}" dt="2024-08-20T11:33:03.837" v="628" actId="1036"/>
-          <ac:picMkLst>
-            <pc:docMk/>
-            <pc:sldMk cId="248048730" sldId="272"/>
-            <ac:picMk id="7" creationId="{4025EFFD-6B77-7453-3202-61E018612DB9}"/>
-          </ac:picMkLst>
-        </pc:picChg>
-        <pc:picChg chg="mod">
-          <ac:chgData name="Tom Hoyland" userId="736d7a3e-93c7-4109-90c5-e67b8b3e41b2" providerId="ADAL" clId="{A4D346AA-F248-6444-93C1-EF2F2E65C714}" dt="2024-08-20T11:33:03.837" v="628" actId="1036"/>
-          <ac:picMkLst>
-            <pc:docMk/>
-            <pc:sldMk cId="248048730" sldId="272"/>
-            <ac:picMk id="9" creationId="{AFD2E46D-615E-B65D-1188-F2A6AB1738D7}"/>
-          </ac:picMkLst>
-        </pc:picChg>
-        <pc:picChg chg="mod">
-          <ac:chgData name="Tom Hoyland" userId="736d7a3e-93c7-4109-90c5-e67b8b3e41b2" providerId="ADAL" clId="{A4D346AA-F248-6444-93C1-EF2F2E65C714}" dt="2024-08-20T11:33:03.837" v="628" actId="1036"/>
-          <ac:picMkLst>
-            <pc:docMk/>
-            <pc:sldMk cId="248048730" sldId="272"/>
-            <ac:picMk id="12" creationId="{5C0C4BE6-1C53-E473-95EA-95C0F5CF1564}"/>
-          </ac:picMkLst>
-        </pc:picChg>
-        <pc:picChg chg="mod">
-          <ac:chgData name="Tom Hoyland" userId="736d7a3e-93c7-4109-90c5-e67b8b3e41b2" providerId="ADAL" clId="{A4D346AA-F248-6444-93C1-EF2F2E65C714}" dt="2024-08-20T11:33:03.837" v="628" actId="1036"/>
-          <ac:picMkLst>
-            <pc:docMk/>
-            <pc:sldMk cId="248048730" sldId="272"/>
-            <ac:picMk id="15" creationId="{1A85A53A-A4EB-808E-BCEA-EEBBAB52ECBA}"/>
-          </ac:picMkLst>
-        </pc:picChg>
-        <pc:picChg chg="mod">
-          <ac:chgData name="Tom Hoyland" userId="736d7a3e-93c7-4109-90c5-e67b8b3e41b2" providerId="ADAL" clId="{A4D346AA-F248-6444-93C1-EF2F2E65C714}" dt="2024-08-20T11:33:03.837" v="628" actId="1036"/>
-          <ac:picMkLst>
-            <pc:docMk/>
-            <pc:sldMk cId="248048730" sldId="272"/>
-            <ac:picMk id="17" creationId="{0FE1B1AD-E962-2850-8199-8B489F405D39}"/>
-          </ac:picMkLst>
-        </pc:picChg>
-        <pc:picChg chg="mod">
-          <ac:chgData name="Tom Hoyland" userId="736d7a3e-93c7-4109-90c5-e67b8b3e41b2" providerId="ADAL" clId="{A4D346AA-F248-6444-93C1-EF2F2E65C714}" dt="2024-08-20T11:33:03.837" v="628" actId="1036"/>
-          <ac:picMkLst>
-            <pc:docMk/>
-            <pc:sldMk cId="248048730" sldId="272"/>
-            <ac:picMk id="21" creationId="{177349E7-5A4C-46C5-B5B8-4980C12E809F}"/>
-          </ac:picMkLst>
-        </pc:picChg>
       </pc:sldChg>
     </pc:docChg>
   </pc:docChgLst>
@@ -7066,7 +7066,7 @@
                 <a:latin typeface="Arial" panose="020B0604020202020204" pitchFamily="34" charset="0"/>
                 <a:cs typeface="Arial" panose="020B0604020202020204" pitchFamily="34" charset="0"/>
               </a:rPr>
-              <a:t>Author: Tom Hoyland | Version 1.0</a:t>
+              <a:t>Author: Tom Hoyland | Version 1.1</a:t>
             </a:r>
           </a:p>
         </p:txBody>
@@ -7444,7 +7444,7 @@
                 <a:latin typeface="Arial" panose="020B0604020202020204" pitchFamily="34" charset="0"/>
                 <a:cs typeface="Arial" panose="020B0604020202020204" pitchFamily="34" charset="0"/>
               </a:rPr>
-              <a:t>Author: Tom Hoyland | Version 1.0</a:t>
+              <a:t>Author: Tom Hoyland | Version 1.1</a:t>
             </a:r>
           </a:p>
         </p:txBody>
@@ -7834,7 +7834,7 @@
                 <a:latin typeface="Arial" panose="020B0604020202020204" pitchFamily="34" charset="0"/>
                 <a:cs typeface="Arial" panose="020B0604020202020204" pitchFamily="34" charset="0"/>
               </a:rPr>
-              <a:t>Author: Tom Hoyland | Version 1.0</a:t>
+              <a:t>Author: Tom Hoyland | Version 1.1</a:t>
             </a:r>
           </a:p>
         </p:txBody>
@@ -8120,7 +8120,7 @@
                 <a:latin typeface="Arial" panose="020B0604020202020204" pitchFamily="34" charset="0"/>
                 <a:cs typeface="Arial" panose="020B0604020202020204" pitchFamily="34" charset="0"/>
               </a:rPr>
-              <a:t>Author: Tom Hoyland | Version 1.0</a:t>
+              <a:t>Author: Tom Hoyland | Version 1.1</a:t>
             </a:r>
           </a:p>
         </p:txBody>
@@ -8461,7 +8461,7 @@
                 <a:latin typeface="Arial" panose="020B0604020202020204" pitchFamily="34" charset="0"/>
                 <a:cs typeface="Arial" panose="020B0604020202020204" pitchFamily="34" charset="0"/>
               </a:rPr>
-              <a:t>Author: Tom Hoyland | Version 1.0</a:t>
+              <a:t>Author: Tom Hoyland | Version 1.1</a:t>
             </a:r>
           </a:p>
         </p:txBody>
@@ -12170,7 +12170,7 @@
                 <a:latin typeface="Arial" panose="020B0604020202020204" pitchFamily="34" charset="0"/>
                 <a:cs typeface="Arial" panose="020B0604020202020204" pitchFamily="34" charset="0"/>
               </a:rPr>
-              <a:t>Author: Tom Hoyland | Version 1.0</a:t>
+              <a:t>Author: Tom Hoyland | Version 1.1</a:t>
             </a:r>
           </a:p>
         </p:txBody>
@@ -12527,7 +12527,7 @@
                 <a:latin typeface="Arial" panose="020B0604020202020204" pitchFamily="34" charset="0"/>
                 <a:cs typeface="Arial" panose="020B0604020202020204" pitchFamily="34" charset="0"/>
               </a:rPr>
-              <a:t>Author: Tom Hoyland | Version 1.0</a:t>
+              <a:t>Author: Tom Hoyland | Version 1.1</a:t>
             </a:r>
           </a:p>
         </p:txBody>
@@ -12709,7 +12709,7 @@
             </a:pPr>
             <a:r>
               <a:rPr lang="en-GB" sz="2000" dirty="0"/>
-              <a:t>We’ve developed a career growth pack and pathway for Agile Practitioners and Agile Practitioner People Managers, based on an industry-recognised competency model to support professional development. The pack is complemented by tools and templates proven effective across various teams and organisations.</a:t>
+              <a:t>At Generic Inc, we’ve developed a career growth pack and pathway for Agile Practitioners and People Managers, based on an industry-recognised competency model to support professional development. The pack is complemented by tools and templates proven effective across various teams and organisations.</a:t>
             </a:r>
           </a:p>
           <a:p>
@@ -12724,7 +12724,7 @@
             </a:pPr>
             <a:r>
               <a:rPr lang="en-GB" sz="2000" dirty="0"/>
-              <a:t>This resource is designed to be lightweight and user-friendly, supporting colleagues at all experience levels in enhancing self-awareness and identifying the skills and resources needed to grow as agile professionals at Generic Inc.</a:t>
+              <a:t>This resource is designed to be lightweight and user-friendly, supporting colleagues at all experience levels in enhancing self-awareness and identifying the skills and resources needed to grow as agile professionals at our company and beyond.</a:t>
             </a:r>
           </a:p>
           <a:p>
@@ -12853,7 +12853,7 @@
                 <a:latin typeface="Arial" panose="020B0604020202020204" pitchFamily="34" charset="0"/>
                 <a:cs typeface="Arial" panose="020B0604020202020204" pitchFamily="34" charset="0"/>
               </a:rPr>
-              <a:t>Author: Tom Hoyland | Version 1.0</a:t>
+              <a:t>Author: Tom Hoyland | Version 1.1</a:t>
             </a:r>
           </a:p>
         </p:txBody>
@@ -13040,663 +13040,42 @@
               <a:buNone/>
             </a:pPr>
             <a:r>
-              <a:rPr lang="en-GB" sz="1800" dirty="0"/>
-              <a:t>The Agile Practitioner career path includes multiple levels, allowing practitioners to develop their expertise or expand their scope through people management responsibilities. </a:t>
+              <a:rPr lang="en-GB" sz="2000" dirty="0"/>
+              <a:t>Generic Inc. consists of multiple divisions with agile delivery colleagues distributed throughout. Within each division, the Agile Practitioner career path is standardised and includes multiple levels, allowing colleagues to either deepen their expertise or expand their scope through people management responsibilities.</a:t>
             </a:r>
           </a:p>
           <a:p>
             <a:pPr marL="0" indent="0">
               <a:buNone/>
             </a:pPr>
-            <a:r>
-              <a:rPr lang="en-GB" sz="1800" dirty="0"/>
-              <a:t>Practitioners may enter at different levels depending on their experience, with pathways available to either advance in practice or transition into management.</a:t>
-            </a:r>
+            <a:endParaRPr lang="en-GB" sz="2000" dirty="0"/>
           </a:p>
           <a:p>
             <a:pPr marL="0" indent="0">
               <a:buNone/>
             </a:pPr>
-            <a:endParaRPr lang="en-GB" sz="1800" dirty="0"/>
+            <a:r>
+              <a:rPr lang="en-GB" sz="2000" dirty="0"/>
+              <a:t>Colleagues may enter at different levels depending on their experience, with pathways available to advance in practice or transition into people management and leadership.</a:t>
+            </a:r>
+          </a:p>
+          <a:p>
+            <a:pPr marL="0" indent="0">
+              <a:buNone/>
+            </a:pPr>
+            <a:endParaRPr lang="en-GB" sz="2000" dirty="0"/>
+          </a:p>
+          <a:p>
+            <a:pPr marL="0" indent="0">
+              <a:buNone/>
+            </a:pPr>
+            <a:r>
+              <a:rPr lang="en-GB" sz="2000" dirty="0"/>
+              <a:t>Each division is typically led by a Head of Practice, who oversees the development of both Practitioners and People Managers, ensuring alignment across teams and maintaining a high standard of agile delivery. </a:t>
+            </a:r>
           </a:p>
         </p:txBody>
       </p:sp>
-      <p:sp>
-        <p:nvSpPr>
-          <p:cNvPr id="10" name="Rectangle 9">
-            <a:extLst>
-              <a:ext uri="{FF2B5EF4-FFF2-40B4-BE49-F238E27FC236}">
-                <a16:creationId xmlns:a16="http://schemas.microsoft.com/office/drawing/2014/main" id="{923235BA-5D7F-C063-79E1-9807C69196CB}"/>
-              </a:ext>
-            </a:extLst>
-          </p:cNvPr>
-          <p:cNvSpPr/>
-          <p:nvPr/>
-        </p:nvSpPr>
-        <p:spPr>
-          <a:xfrm>
-            <a:off x="1134533" y="4094428"/>
-            <a:ext cx="1507067" cy="765439"/>
-          </a:xfrm>
-          <a:prstGeom prst="rect">
-            <a:avLst/>
-          </a:prstGeom>
-          <a:noFill/>
-          <a:ln w="38100">
-            <a:solidFill>
-              <a:schemeClr val="tx1"/>
-            </a:solidFill>
-          </a:ln>
-        </p:spPr>
-        <p:style>
-          <a:lnRef idx="2">
-            <a:schemeClr val="accent1">
-              <a:shade val="15000"/>
-            </a:schemeClr>
-          </a:lnRef>
-          <a:fillRef idx="1">
-            <a:schemeClr val="accent1"/>
-          </a:fillRef>
-          <a:effectRef idx="0">
-            <a:schemeClr val="accent1"/>
-          </a:effectRef>
-          <a:fontRef idx="minor">
-            <a:schemeClr val="lt1"/>
-          </a:fontRef>
-        </p:style>
-        <p:txBody>
-          <a:bodyPr rtlCol="0" anchor="ctr"/>
-          <a:lstStyle/>
-          <a:p>
-            <a:pPr algn="ctr"/>
-            <a:r>
-              <a:rPr lang="en-GB" sz="1200" dirty="0">
-                <a:solidFill>
-                  <a:schemeClr val="tx1"/>
-                </a:solidFill>
-              </a:rPr>
-              <a:t>Associate Agile Practitioner</a:t>
-            </a:r>
-          </a:p>
-        </p:txBody>
-      </p:sp>
-      <p:sp>
-        <p:nvSpPr>
-          <p:cNvPr id="12" name="Rectangle 11">
-            <a:extLst>
-              <a:ext uri="{FF2B5EF4-FFF2-40B4-BE49-F238E27FC236}">
-                <a16:creationId xmlns:a16="http://schemas.microsoft.com/office/drawing/2014/main" id="{86BCCFBF-3394-9284-7E97-8311B4BBE49D}"/>
-              </a:ext>
-            </a:extLst>
-          </p:cNvPr>
-          <p:cNvSpPr/>
-          <p:nvPr/>
-        </p:nvSpPr>
-        <p:spPr>
-          <a:xfrm>
-            <a:off x="3234267" y="4094428"/>
-            <a:ext cx="1507067" cy="765439"/>
-          </a:xfrm>
-          <a:prstGeom prst="rect">
-            <a:avLst/>
-          </a:prstGeom>
-          <a:noFill/>
-          <a:ln w="38100">
-            <a:solidFill>
-              <a:schemeClr val="tx1"/>
-            </a:solidFill>
-          </a:ln>
-        </p:spPr>
-        <p:style>
-          <a:lnRef idx="2">
-            <a:schemeClr val="accent1">
-              <a:shade val="15000"/>
-            </a:schemeClr>
-          </a:lnRef>
-          <a:fillRef idx="1">
-            <a:schemeClr val="accent1"/>
-          </a:fillRef>
-          <a:effectRef idx="0">
-            <a:schemeClr val="accent1"/>
-          </a:effectRef>
-          <a:fontRef idx="minor">
-            <a:schemeClr val="lt1"/>
-          </a:fontRef>
-        </p:style>
-        <p:txBody>
-          <a:bodyPr rtlCol="0" anchor="ctr"/>
-          <a:lstStyle/>
-          <a:p>
-            <a:pPr algn="ctr"/>
-            <a:r>
-              <a:rPr lang="en-GB" sz="1200" dirty="0">
-                <a:solidFill>
-                  <a:schemeClr val="tx1"/>
-                </a:solidFill>
-              </a:rPr>
-              <a:t>Agile Practitioner</a:t>
-            </a:r>
-          </a:p>
-        </p:txBody>
-      </p:sp>
-      <p:sp>
-        <p:nvSpPr>
-          <p:cNvPr id="16" name="Rectangle 15">
-            <a:extLst>
-              <a:ext uri="{FF2B5EF4-FFF2-40B4-BE49-F238E27FC236}">
-                <a16:creationId xmlns:a16="http://schemas.microsoft.com/office/drawing/2014/main" id="{25F17A31-831D-D540-E974-AC90ADD08CAC}"/>
-              </a:ext>
-            </a:extLst>
-          </p:cNvPr>
-          <p:cNvSpPr/>
-          <p:nvPr/>
-        </p:nvSpPr>
-        <p:spPr>
-          <a:xfrm>
-            <a:off x="5334001" y="4094428"/>
-            <a:ext cx="1507067" cy="765439"/>
-          </a:xfrm>
-          <a:prstGeom prst="rect">
-            <a:avLst/>
-          </a:prstGeom>
-          <a:noFill/>
-          <a:ln w="38100">
-            <a:solidFill>
-              <a:schemeClr val="tx1"/>
-            </a:solidFill>
-          </a:ln>
-        </p:spPr>
-        <p:style>
-          <a:lnRef idx="2">
-            <a:schemeClr val="accent1">
-              <a:shade val="15000"/>
-            </a:schemeClr>
-          </a:lnRef>
-          <a:fillRef idx="1">
-            <a:schemeClr val="accent1"/>
-          </a:fillRef>
-          <a:effectRef idx="0">
-            <a:schemeClr val="accent1"/>
-          </a:effectRef>
-          <a:fontRef idx="minor">
-            <a:schemeClr val="lt1"/>
-          </a:fontRef>
-        </p:style>
-        <p:txBody>
-          <a:bodyPr rtlCol="0" anchor="ctr"/>
-          <a:lstStyle/>
-          <a:p>
-            <a:pPr algn="ctr"/>
-            <a:r>
-              <a:rPr lang="en-GB" sz="1200" dirty="0">
-                <a:solidFill>
-                  <a:schemeClr val="tx1"/>
-                </a:solidFill>
-              </a:rPr>
-              <a:t>Senior Agile Practitioner</a:t>
-            </a:r>
-          </a:p>
-        </p:txBody>
-      </p:sp>
-      <p:sp>
-        <p:nvSpPr>
-          <p:cNvPr id="18" name="Rectangle 17">
-            <a:extLst>
-              <a:ext uri="{FF2B5EF4-FFF2-40B4-BE49-F238E27FC236}">
-                <a16:creationId xmlns:a16="http://schemas.microsoft.com/office/drawing/2014/main" id="{D0CDEF37-F694-7FD1-BF9B-617E55A373A9}"/>
-              </a:ext>
-            </a:extLst>
-          </p:cNvPr>
-          <p:cNvSpPr/>
-          <p:nvPr/>
-        </p:nvSpPr>
-        <p:spPr>
-          <a:xfrm>
-            <a:off x="7433734" y="4546988"/>
-            <a:ext cx="1507067" cy="765439"/>
-          </a:xfrm>
-          <a:prstGeom prst="rect">
-            <a:avLst/>
-          </a:prstGeom>
-          <a:noFill/>
-          <a:ln w="38100">
-            <a:solidFill>
-              <a:schemeClr val="tx1"/>
-            </a:solidFill>
-          </a:ln>
-        </p:spPr>
-        <p:style>
-          <a:lnRef idx="2">
-            <a:schemeClr val="accent1">
-              <a:shade val="15000"/>
-            </a:schemeClr>
-          </a:lnRef>
-          <a:fillRef idx="1">
-            <a:schemeClr val="accent1"/>
-          </a:fillRef>
-          <a:effectRef idx="0">
-            <a:schemeClr val="accent1"/>
-          </a:effectRef>
-          <a:fontRef idx="minor">
-            <a:schemeClr val="lt1"/>
-          </a:fontRef>
-        </p:style>
-        <p:txBody>
-          <a:bodyPr rtlCol="0" anchor="ctr"/>
-          <a:lstStyle/>
-          <a:p>
-            <a:pPr algn="ctr"/>
-            <a:r>
-              <a:rPr lang="en-GB" sz="1200" dirty="0">
-                <a:solidFill>
-                  <a:schemeClr val="tx1"/>
-                </a:solidFill>
-              </a:rPr>
-              <a:t>Principal Agile Practitioner</a:t>
-            </a:r>
-          </a:p>
-        </p:txBody>
-      </p:sp>
-      <p:sp>
-        <p:nvSpPr>
-          <p:cNvPr id="19" name="Rectangle 18">
-            <a:extLst>
-              <a:ext uri="{FF2B5EF4-FFF2-40B4-BE49-F238E27FC236}">
-                <a16:creationId xmlns:a16="http://schemas.microsoft.com/office/drawing/2014/main" id="{1BD4CE55-B18F-E6F9-33AC-10131F16787B}"/>
-              </a:ext>
-            </a:extLst>
-          </p:cNvPr>
-          <p:cNvSpPr/>
-          <p:nvPr/>
-        </p:nvSpPr>
-        <p:spPr>
-          <a:xfrm>
-            <a:off x="7433734" y="3565244"/>
-            <a:ext cx="1507067" cy="765439"/>
-          </a:xfrm>
-          <a:prstGeom prst="rect">
-            <a:avLst/>
-          </a:prstGeom>
-          <a:noFill/>
-          <a:ln w="38100">
-            <a:solidFill>
-              <a:schemeClr val="tx1"/>
-            </a:solidFill>
-          </a:ln>
-        </p:spPr>
-        <p:style>
-          <a:lnRef idx="2">
-            <a:schemeClr val="accent1">
-              <a:shade val="15000"/>
-            </a:schemeClr>
-          </a:lnRef>
-          <a:fillRef idx="1">
-            <a:schemeClr val="accent1"/>
-          </a:fillRef>
-          <a:effectRef idx="0">
-            <a:schemeClr val="accent1"/>
-          </a:effectRef>
-          <a:fontRef idx="minor">
-            <a:schemeClr val="lt1"/>
-          </a:fontRef>
-        </p:style>
-        <p:txBody>
-          <a:bodyPr rtlCol="0" anchor="ctr"/>
-          <a:lstStyle/>
-          <a:p>
-            <a:pPr algn="ctr"/>
-            <a:r>
-              <a:rPr lang="en-GB" sz="1200" dirty="0">
-                <a:solidFill>
-                  <a:schemeClr val="tx1"/>
-                </a:solidFill>
-              </a:rPr>
-              <a:t>Agile Practitioner People Manager</a:t>
-            </a:r>
-          </a:p>
-        </p:txBody>
-      </p:sp>
-      <p:sp>
-        <p:nvSpPr>
-          <p:cNvPr id="20" name="Rectangle 19">
-            <a:extLst>
-              <a:ext uri="{FF2B5EF4-FFF2-40B4-BE49-F238E27FC236}">
-                <a16:creationId xmlns:a16="http://schemas.microsoft.com/office/drawing/2014/main" id="{49732947-0407-58D0-44FF-7C698822FB16}"/>
-              </a:ext>
-            </a:extLst>
-          </p:cNvPr>
-          <p:cNvSpPr/>
-          <p:nvPr/>
-        </p:nvSpPr>
-        <p:spPr>
-          <a:xfrm>
-            <a:off x="9533469" y="4105128"/>
-            <a:ext cx="1507067" cy="765439"/>
-          </a:xfrm>
-          <a:prstGeom prst="rect">
-            <a:avLst/>
-          </a:prstGeom>
-          <a:noFill/>
-          <a:ln w="38100">
-            <a:solidFill>
-              <a:schemeClr val="tx1"/>
-            </a:solidFill>
-          </a:ln>
-        </p:spPr>
-        <p:style>
-          <a:lnRef idx="2">
-            <a:schemeClr val="accent1">
-              <a:shade val="15000"/>
-            </a:schemeClr>
-          </a:lnRef>
-          <a:fillRef idx="1">
-            <a:schemeClr val="accent1"/>
-          </a:fillRef>
-          <a:effectRef idx="0">
-            <a:schemeClr val="accent1"/>
-          </a:effectRef>
-          <a:fontRef idx="minor">
-            <a:schemeClr val="lt1"/>
-          </a:fontRef>
-        </p:style>
-        <p:txBody>
-          <a:bodyPr rtlCol="0" anchor="ctr"/>
-          <a:lstStyle/>
-          <a:p>
-            <a:pPr algn="ctr"/>
-            <a:r>
-              <a:rPr lang="en-GB" sz="1200" dirty="0">
-                <a:solidFill>
-                  <a:schemeClr val="tx1"/>
-                </a:solidFill>
-              </a:rPr>
-              <a:t>Head of Practice</a:t>
-            </a:r>
-          </a:p>
-        </p:txBody>
-      </p:sp>
-      <p:cxnSp>
-        <p:nvCxnSpPr>
-          <p:cNvPr id="22" name="Straight Arrow Connector 21">
-            <a:extLst>
-              <a:ext uri="{FF2B5EF4-FFF2-40B4-BE49-F238E27FC236}">
-                <a16:creationId xmlns:a16="http://schemas.microsoft.com/office/drawing/2014/main" id="{88AB0237-3712-F51B-97A8-FB172745C834}"/>
-              </a:ext>
-            </a:extLst>
-          </p:cNvPr>
-          <p:cNvCxnSpPr>
-            <a:stCxn id="10" idx="3"/>
-            <a:endCxn id="12" idx="1"/>
-          </p:cNvCxnSpPr>
-          <p:nvPr/>
-        </p:nvCxnSpPr>
-        <p:spPr>
-          <a:xfrm>
-            <a:off x="2641600" y="4477148"/>
-            <a:ext cx="592667" cy="0"/>
-          </a:xfrm>
-          <a:prstGeom prst="straightConnector1">
-            <a:avLst/>
-          </a:prstGeom>
-          <a:ln w="38100">
-            <a:solidFill>
-              <a:schemeClr val="tx1"/>
-            </a:solidFill>
-            <a:tailEnd type="triangle"/>
-          </a:ln>
-        </p:spPr>
-        <p:style>
-          <a:lnRef idx="2">
-            <a:schemeClr val="accent1"/>
-          </a:lnRef>
-          <a:fillRef idx="0">
-            <a:schemeClr val="accent1"/>
-          </a:fillRef>
-          <a:effectRef idx="1">
-            <a:schemeClr val="accent1"/>
-          </a:effectRef>
-          <a:fontRef idx="minor">
-            <a:schemeClr val="tx1"/>
-          </a:fontRef>
-        </p:style>
-      </p:cxnSp>
-      <p:cxnSp>
-        <p:nvCxnSpPr>
-          <p:cNvPr id="24" name="Straight Arrow Connector 23">
-            <a:extLst>
-              <a:ext uri="{FF2B5EF4-FFF2-40B4-BE49-F238E27FC236}">
-                <a16:creationId xmlns:a16="http://schemas.microsoft.com/office/drawing/2014/main" id="{199D694F-EE6D-8962-F6B2-B3CF6A8CEF9F}"/>
-              </a:ext>
-            </a:extLst>
-          </p:cNvPr>
-          <p:cNvCxnSpPr>
-            <a:stCxn id="12" idx="3"/>
-            <a:endCxn id="16" idx="1"/>
-          </p:cNvCxnSpPr>
-          <p:nvPr/>
-        </p:nvCxnSpPr>
-        <p:spPr>
-          <a:xfrm>
-            <a:off x="4741334" y="4477148"/>
-            <a:ext cx="592667" cy="0"/>
-          </a:xfrm>
-          <a:prstGeom prst="straightConnector1">
-            <a:avLst/>
-          </a:prstGeom>
-          <a:ln w="38100">
-            <a:solidFill>
-              <a:schemeClr val="tx1"/>
-            </a:solidFill>
-            <a:tailEnd type="triangle"/>
-          </a:ln>
-        </p:spPr>
-        <p:style>
-          <a:lnRef idx="2">
-            <a:schemeClr val="accent1"/>
-          </a:lnRef>
-          <a:fillRef idx="0">
-            <a:schemeClr val="accent1"/>
-          </a:fillRef>
-          <a:effectRef idx="1">
-            <a:schemeClr val="accent1"/>
-          </a:effectRef>
-          <a:fontRef idx="minor">
-            <a:schemeClr val="tx1"/>
-          </a:fontRef>
-        </p:style>
-      </p:cxnSp>
-      <p:cxnSp>
-        <p:nvCxnSpPr>
-          <p:cNvPr id="34" name="Curved Connector 33">
-            <a:extLst>
-              <a:ext uri="{FF2B5EF4-FFF2-40B4-BE49-F238E27FC236}">
-                <a16:creationId xmlns:a16="http://schemas.microsoft.com/office/drawing/2014/main" id="{486BEE5F-90D9-4B77-D470-07A1C201E0E2}"/>
-              </a:ext>
-            </a:extLst>
-          </p:cNvPr>
-          <p:cNvCxnSpPr>
-            <a:cxnSpLocks/>
-            <a:stCxn id="16" idx="3"/>
-            <a:endCxn id="19" idx="1"/>
-          </p:cNvCxnSpPr>
-          <p:nvPr/>
-        </p:nvCxnSpPr>
-        <p:spPr>
-          <a:xfrm flipV="1">
-            <a:off x="6841068" y="3947964"/>
-            <a:ext cx="592666" cy="529184"/>
-          </a:xfrm>
-          <a:prstGeom prst="curvedConnector3">
-            <a:avLst>
-              <a:gd name="adj1" fmla="val 50000"/>
-            </a:avLst>
-          </a:prstGeom>
-          <a:ln w="38100">
-            <a:solidFill>
-              <a:schemeClr val="tx1"/>
-            </a:solidFill>
-            <a:tailEnd type="triangle"/>
-          </a:ln>
-        </p:spPr>
-        <p:style>
-          <a:lnRef idx="2">
-            <a:schemeClr val="accent1"/>
-          </a:lnRef>
-          <a:fillRef idx="0">
-            <a:schemeClr val="accent1"/>
-          </a:fillRef>
-          <a:effectRef idx="1">
-            <a:schemeClr val="accent1"/>
-          </a:effectRef>
-          <a:fontRef idx="minor">
-            <a:schemeClr val="tx1"/>
-          </a:fontRef>
-        </p:style>
-      </p:cxnSp>
-      <p:cxnSp>
-        <p:nvCxnSpPr>
-          <p:cNvPr id="37" name="Curved Connector 36">
-            <a:extLst>
-              <a:ext uri="{FF2B5EF4-FFF2-40B4-BE49-F238E27FC236}">
-                <a16:creationId xmlns:a16="http://schemas.microsoft.com/office/drawing/2014/main" id="{4C7797EC-E2D0-5286-75DC-F05B299BF80D}"/>
-              </a:ext>
-            </a:extLst>
-          </p:cNvPr>
-          <p:cNvCxnSpPr>
-            <a:cxnSpLocks/>
-            <a:stCxn id="16" idx="3"/>
-            <a:endCxn id="18" idx="1"/>
-          </p:cNvCxnSpPr>
-          <p:nvPr/>
-        </p:nvCxnSpPr>
-        <p:spPr>
-          <a:xfrm>
-            <a:off x="6841068" y="4477148"/>
-            <a:ext cx="592666" cy="452560"/>
-          </a:xfrm>
-          <a:prstGeom prst="curvedConnector3">
-            <a:avLst>
-              <a:gd name="adj1" fmla="val 50000"/>
-            </a:avLst>
-          </a:prstGeom>
-          <a:ln w="38100">
-            <a:solidFill>
-              <a:schemeClr val="tx1"/>
-            </a:solidFill>
-            <a:tailEnd type="triangle"/>
-          </a:ln>
-        </p:spPr>
-        <p:style>
-          <a:lnRef idx="2">
-            <a:schemeClr val="accent1"/>
-          </a:lnRef>
-          <a:fillRef idx="0">
-            <a:schemeClr val="accent1"/>
-          </a:fillRef>
-          <a:effectRef idx="1">
-            <a:schemeClr val="accent1"/>
-          </a:effectRef>
-          <a:fontRef idx="minor">
-            <a:schemeClr val="tx1"/>
-          </a:fontRef>
-        </p:style>
-      </p:cxnSp>
-      <p:cxnSp>
-        <p:nvCxnSpPr>
-          <p:cNvPr id="40" name="Curved Connector 39">
-            <a:extLst>
-              <a:ext uri="{FF2B5EF4-FFF2-40B4-BE49-F238E27FC236}">
-                <a16:creationId xmlns:a16="http://schemas.microsoft.com/office/drawing/2014/main" id="{E23B2461-BEC5-ED0C-C306-AE6CF931A6A9}"/>
-              </a:ext>
-            </a:extLst>
-          </p:cNvPr>
-          <p:cNvCxnSpPr>
-            <a:cxnSpLocks/>
-            <a:stCxn id="19" idx="3"/>
-            <a:endCxn id="20" idx="1"/>
-          </p:cNvCxnSpPr>
-          <p:nvPr/>
-        </p:nvCxnSpPr>
-        <p:spPr>
-          <a:xfrm>
-            <a:off x="8940801" y="3947964"/>
-            <a:ext cx="592668" cy="539884"/>
-          </a:xfrm>
-          <a:prstGeom prst="curvedConnector3">
-            <a:avLst>
-              <a:gd name="adj1" fmla="val 50000"/>
-            </a:avLst>
-          </a:prstGeom>
-          <a:ln w="38100">
-            <a:solidFill>
-              <a:schemeClr val="tx1"/>
-            </a:solidFill>
-            <a:tailEnd type="triangle"/>
-          </a:ln>
-        </p:spPr>
-        <p:style>
-          <a:lnRef idx="2">
-            <a:schemeClr val="accent1"/>
-          </a:lnRef>
-          <a:fillRef idx="0">
-            <a:schemeClr val="accent1"/>
-          </a:fillRef>
-          <a:effectRef idx="1">
-            <a:schemeClr val="accent1"/>
-          </a:effectRef>
-          <a:fontRef idx="minor">
-            <a:schemeClr val="tx1"/>
-          </a:fontRef>
-        </p:style>
-      </p:cxnSp>
-      <p:cxnSp>
-        <p:nvCxnSpPr>
-          <p:cNvPr id="43" name="Curved Connector 42">
-            <a:extLst>
-              <a:ext uri="{FF2B5EF4-FFF2-40B4-BE49-F238E27FC236}">
-                <a16:creationId xmlns:a16="http://schemas.microsoft.com/office/drawing/2014/main" id="{218E6C9D-FDDC-C45B-1C1C-086E1781BEE6}"/>
-              </a:ext>
-            </a:extLst>
-          </p:cNvPr>
-          <p:cNvCxnSpPr>
-            <a:cxnSpLocks/>
-            <a:stCxn id="18" idx="3"/>
-            <a:endCxn id="20" idx="1"/>
-          </p:cNvCxnSpPr>
-          <p:nvPr/>
-        </p:nvCxnSpPr>
-        <p:spPr>
-          <a:xfrm flipV="1">
-            <a:off x="8940801" y="4487848"/>
-            <a:ext cx="592668" cy="441860"/>
-          </a:xfrm>
-          <a:prstGeom prst="curvedConnector3">
-            <a:avLst>
-              <a:gd name="adj1" fmla="val 50000"/>
-            </a:avLst>
-          </a:prstGeom>
-          <a:ln w="38100">
-            <a:solidFill>
-              <a:schemeClr val="tx1"/>
-            </a:solidFill>
-            <a:tailEnd type="triangle"/>
-          </a:ln>
-        </p:spPr>
-        <p:style>
-          <a:lnRef idx="2">
-            <a:schemeClr val="accent1"/>
-          </a:lnRef>
-          <a:fillRef idx="0">
-            <a:schemeClr val="accent1"/>
-          </a:fillRef>
-          <a:effectRef idx="1">
-            <a:schemeClr val="accent1"/>
-          </a:effectRef>
-          <a:fontRef idx="minor">
-            <a:schemeClr val="tx1"/>
-          </a:fontRef>
-        </p:style>
-      </p:cxnSp>
       <p:sp>
         <p:nvSpPr>
           <p:cNvPr id="46" name="Rectangle 45">
@@ -13786,7 +13165,7 @@
                 <a:latin typeface="Arial" panose="020B0604020202020204" pitchFamily="34" charset="0"/>
                 <a:cs typeface="Arial" panose="020B0604020202020204" pitchFamily="34" charset="0"/>
               </a:rPr>
-              <a:t>Author: Tom Hoyland | Version 1.0</a:t>
+              <a:t>Author: Tom Hoyland | Version 1.1</a:t>
             </a:r>
           </a:p>
         </p:txBody>
@@ -14119,7 +13498,7 @@
                 <a:latin typeface="Arial" panose="020B0604020202020204" pitchFamily="34" charset="0"/>
                 <a:cs typeface="Arial" panose="020B0604020202020204" pitchFamily="34" charset="0"/>
               </a:rPr>
-              <a:t>Author: Tom Hoyland | Version 1.0</a:t>
+              <a:t>Author: Tom Hoyland | Version 1.1</a:t>
             </a:r>
           </a:p>
         </p:txBody>
@@ -14330,36 +13709,6 @@
               <a:t>Practitioners interested in leadership can transition to the Agile Practitioner People Manager role, with opportunities to manage teams, ultimately progressing towards the Head of Practice role.</a:t>
             </a:r>
           </a:p>
-          <a:p>
-            <a:pPr marL="0" indent="0">
-              <a:buNone/>
-            </a:pPr>
-            <a:endParaRPr lang="en-GB" sz="1800" dirty="0"/>
-          </a:p>
-          <a:p>
-            <a:pPr marL="0" indent="0">
-              <a:buNone/>
-            </a:pPr>
-            <a:r>
-              <a:rPr lang="en-GB" sz="1800" dirty="0"/>
-              <a:t>Each division is typically led by a Head of Practice, who oversees the development of both practitioners and people managers, ensuring alignment across teams and maintaining a high standard of agile delivery. </a:t>
-            </a:r>
-          </a:p>
-          <a:p>
-            <a:pPr marL="0" indent="0">
-              <a:buNone/>
-            </a:pPr>
-            <a:r>
-              <a:rPr lang="en-GB" sz="1800" dirty="0"/>
-              <a:t>This career journey is supported by the Agile Growth Pathway, which offers tailored resources and guidance to aid practitioners, people managers, and Heads Practice in talent development, skill enhancement, and leadership readiness.</a:t>
-            </a:r>
-          </a:p>
-          <a:p>
-            <a:pPr marL="0" indent="0">
-              <a:buNone/>
-            </a:pPr>
-            <a:endParaRPr lang="en-GB" sz="1800" b="1" dirty="0"/>
-          </a:p>
         </p:txBody>
       </p:sp>
       <p:sp>
@@ -14451,7 +13800,7 @@
                 <a:latin typeface="Arial" panose="020B0604020202020204" pitchFamily="34" charset="0"/>
                 <a:cs typeface="Arial" panose="020B0604020202020204" pitchFamily="34" charset="0"/>
               </a:rPr>
-              <a:t>Author: Tom Hoyland | Version 1.0</a:t>
+              <a:t>Author: Tom Hoyland | Version 1.1</a:t>
             </a:r>
           </a:p>
         </p:txBody>
@@ -14545,6 +13894,642 @@
           </a:p>
         </p:txBody>
       </p:sp>
+      <p:sp>
+        <p:nvSpPr>
+          <p:cNvPr id="4" name="Rectangle 3">
+            <a:extLst>
+              <a:ext uri="{FF2B5EF4-FFF2-40B4-BE49-F238E27FC236}">
+                <a16:creationId xmlns:a16="http://schemas.microsoft.com/office/drawing/2014/main" id="{B37D792C-14B2-93DA-D5A2-83691EB931D2}"/>
+              </a:ext>
+            </a:extLst>
+          </p:cNvPr>
+          <p:cNvSpPr/>
+          <p:nvPr/>
+        </p:nvSpPr>
+        <p:spPr>
+          <a:xfrm>
+            <a:off x="1134533" y="4344800"/>
+            <a:ext cx="1507067" cy="765439"/>
+          </a:xfrm>
+          <a:prstGeom prst="rect">
+            <a:avLst/>
+          </a:prstGeom>
+          <a:noFill/>
+          <a:ln w="38100">
+            <a:solidFill>
+              <a:schemeClr val="tx1"/>
+            </a:solidFill>
+          </a:ln>
+        </p:spPr>
+        <p:style>
+          <a:lnRef idx="2">
+            <a:schemeClr val="accent1">
+              <a:shade val="15000"/>
+            </a:schemeClr>
+          </a:lnRef>
+          <a:fillRef idx="1">
+            <a:schemeClr val="accent1"/>
+          </a:fillRef>
+          <a:effectRef idx="0">
+            <a:schemeClr val="accent1"/>
+          </a:effectRef>
+          <a:fontRef idx="minor">
+            <a:schemeClr val="lt1"/>
+          </a:fontRef>
+        </p:style>
+        <p:txBody>
+          <a:bodyPr rtlCol="0" anchor="ctr"/>
+          <a:lstStyle/>
+          <a:p>
+            <a:pPr algn="ctr"/>
+            <a:r>
+              <a:rPr lang="en-GB" sz="1200" dirty="0">
+                <a:solidFill>
+                  <a:schemeClr val="tx1"/>
+                </a:solidFill>
+              </a:rPr>
+              <a:t>Associate Agile Practitioner</a:t>
+            </a:r>
+          </a:p>
+        </p:txBody>
+      </p:sp>
+      <p:sp>
+        <p:nvSpPr>
+          <p:cNvPr id="5" name="Rectangle 4">
+            <a:extLst>
+              <a:ext uri="{FF2B5EF4-FFF2-40B4-BE49-F238E27FC236}">
+                <a16:creationId xmlns:a16="http://schemas.microsoft.com/office/drawing/2014/main" id="{8BC1C645-9DFD-71AE-D726-2D28001C736D}"/>
+              </a:ext>
+            </a:extLst>
+          </p:cNvPr>
+          <p:cNvSpPr/>
+          <p:nvPr/>
+        </p:nvSpPr>
+        <p:spPr>
+          <a:xfrm>
+            <a:off x="3234267" y="4344800"/>
+            <a:ext cx="1507067" cy="765439"/>
+          </a:xfrm>
+          <a:prstGeom prst="rect">
+            <a:avLst/>
+          </a:prstGeom>
+          <a:noFill/>
+          <a:ln w="38100">
+            <a:solidFill>
+              <a:schemeClr val="tx1"/>
+            </a:solidFill>
+          </a:ln>
+        </p:spPr>
+        <p:style>
+          <a:lnRef idx="2">
+            <a:schemeClr val="accent1">
+              <a:shade val="15000"/>
+            </a:schemeClr>
+          </a:lnRef>
+          <a:fillRef idx="1">
+            <a:schemeClr val="accent1"/>
+          </a:fillRef>
+          <a:effectRef idx="0">
+            <a:schemeClr val="accent1"/>
+          </a:effectRef>
+          <a:fontRef idx="minor">
+            <a:schemeClr val="lt1"/>
+          </a:fontRef>
+        </p:style>
+        <p:txBody>
+          <a:bodyPr rtlCol="0" anchor="ctr"/>
+          <a:lstStyle/>
+          <a:p>
+            <a:pPr algn="ctr"/>
+            <a:r>
+              <a:rPr lang="en-GB" sz="1200" dirty="0">
+                <a:solidFill>
+                  <a:schemeClr val="tx1"/>
+                </a:solidFill>
+              </a:rPr>
+              <a:t>Agile Practitioner</a:t>
+            </a:r>
+          </a:p>
+        </p:txBody>
+      </p:sp>
+      <p:sp>
+        <p:nvSpPr>
+          <p:cNvPr id="10" name="Rectangle 9">
+            <a:extLst>
+              <a:ext uri="{FF2B5EF4-FFF2-40B4-BE49-F238E27FC236}">
+                <a16:creationId xmlns:a16="http://schemas.microsoft.com/office/drawing/2014/main" id="{97516A5A-D072-AE43-E41A-FA36C9197F27}"/>
+              </a:ext>
+            </a:extLst>
+          </p:cNvPr>
+          <p:cNvSpPr/>
+          <p:nvPr/>
+        </p:nvSpPr>
+        <p:spPr>
+          <a:xfrm>
+            <a:off x="5334001" y="4344800"/>
+            <a:ext cx="1507067" cy="765439"/>
+          </a:xfrm>
+          <a:prstGeom prst="rect">
+            <a:avLst/>
+          </a:prstGeom>
+          <a:noFill/>
+          <a:ln w="38100">
+            <a:solidFill>
+              <a:schemeClr val="tx1"/>
+            </a:solidFill>
+          </a:ln>
+        </p:spPr>
+        <p:style>
+          <a:lnRef idx="2">
+            <a:schemeClr val="accent1">
+              <a:shade val="15000"/>
+            </a:schemeClr>
+          </a:lnRef>
+          <a:fillRef idx="1">
+            <a:schemeClr val="accent1"/>
+          </a:fillRef>
+          <a:effectRef idx="0">
+            <a:schemeClr val="accent1"/>
+          </a:effectRef>
+          <a:fontRef idx="minor">
+            <a:schemeClr val="lt1"/>
+          </a:fontRef>
+        </p:style>
+        <p:txBody>
+          <a:bodyPr rtlCol="0" anchor="ctr"/>
+          <a:lstStyle/>
+          <a:p>
+            <a:pPr algn="ctr"/>
+            <a:r>
+              <a:rPr lang="en-GB" sz="1200" dirty="0">
+                <a:solidFill>
+                  <a:schemeClr val="tx1"/>
+                </a:solidFill>
+              </a:rPr>
+              <a:t>Senior Agile Practitioner</a:t>
+            </a:r>
+          </a:p>
+        </p:txBody>
+      </p:sp>
+      <p:sp>
+        <p:nvSpPr>
+          <p:cNvPr id="11" name="Rectangle 10">
+            <a:extLst>
+              <a:ext uri="{FF2B5EF4-FFF2-40B4-BE49-F238E27FC236}">
+                <a16:creationId xmlns:a16="http://schemas.microsoft.com/office/drawing/2014/main" id="{DB6A7EE8-BBC5-7942-AD83-74707C9B478E}"/>
+              </a:ext>
+            </a:extLst>
+          </p:cNvPr>
+          <p:cNvSpPr/>
+          <p:nvPr/>
+        </p:nvSpPr>
+        <p:spPr>
+          <a:xfrm>
+            <a:off x="7433734" y="4797360"/>
+            <a:ext cx="1507067" cy="765439"/>
+          </a:xfrm>
+          <a:prstGeom prst="rect">
+            <a:avLst/>
+          </a:prstGeom>
+          <a:noFill/>
+          <a:ln w="38100">
+            <a:solidFill>
+              <a:schemeClr val="tx1"/>
+            </a:solidFill>
+          </a:ln>
+        </p:spPr>
+        <p:style>
+          <a:lnRef idx="2">
+            <a:schemeClr val="accent1">
+              <a:shade val="15000"/>
+            </a:schemeClr>
+          </a:lnRef>
+          <a:fillRef idx="1">
+            <a:schemeClr val="accent1"/>
+          </a:fillRef>
+          <a:effectRef idx="0">
+            <a:schemeClr val="accent1"/>
+          </a:effectRef>
+          <a:fontRef idx="minor">
+            <a:schemeClr val="lt1"/>
+          </a:fontRef>
+        </p:style>
+        <p:txBody>
+          <a:bodyPr rtlCol="0" anchor="ctr"/>
+          <a:lstStyle/>
+          <a:p>
+            <a:pPr algn="ctr"/>
+            <a:r>
+              <a:rPr lang="en-GB" sz="1200" dirty="0">
+                <a:solidFill>
+                  <a:schemeClr val="tx1"/>
+                </a:solidFill>
+              </a:rPr>
+              <a:t>Principal Agile Practitioner</a:t>
+            </a:r>
+          </a:p>
+        </p:txBody>
+      </p:sp>
+      <p:sp>
+        <p:nvSpPr>
+          <p:cNvPr id="12" name="Rectangle 11">
+            <a:extLst>
+              <a:ext uri="{FF2B5EF4-FFF2-40B4-BE49-F238E27FC236}">
+                <a16:creationId xmlns:a16="http://schemas.microsoft.com/office/drawing/2014/main" id="{620E5AFC-F87B-3F0B-4F2E-4706F99B69E7}"/>
+              </a:ext>
+            </a:extLst>
+          </p:cNvPr>
+          <p:cNvSpPr/>
+          <p:nvPr/>
+        </p:nvSpPr>
+        <p:spPr>
+          <a:xfrm>
+            <a:off x="7433734" y="3815616"/>
+            <a:ext cx="1507067" cy="765439"/>
+          </a:xfrm>
+          <a:prstGeom prst="rect">
+            <a:avLst/>
+          </a:prstGeom>
+          <a:noFill/>
+          <a:ln w="38100">
+            <a:solidFill>
+              <a:schemeClr val="tx1"/>
+            </a:solidFill>
+          </a:ln>
+        </p:spPr>
+        <p:style>
+          <a:lnRef idx="2">
+            <a:schemeClr val="accent1">
+              <a:shade val="15000"/>
+            </a:schemeClr>
+          </a:lnRef>
+          <a:fillRef idx="1">
+            <a:schemeClr val="accent1"/>
+          </a:fillRef>
+          <a:effectRef idx="0">
+            <a:schemeClr val="accent1"/>
+          </a:effectRef>
+          <a:fontRef idx="minor">
+            <a:schemeClr val="lt1"/>
+          </a:fontRef>
+        </p:style>
+        <p:txBody>
+          <a:bodyPr rtlCol="0" anchor="ctr"/>
+          <a:lstStyle/>
+          <a:p>
+            <a:pPr algn="ctr"/>
+            <a:r>
+              <a:rPr lang="en-GB" sz="1200" dirty="0">
+                <a:solidFill>
+                  <a:schemeClr val="tx1"/>
+                </a:solidFill>
+              </a:rPr>
+              <a:t>Agile Practitioner People Manager</a:t>
+            </a:r>
+          </a:p>
+        </p:txBody>
+      </p:sp>
+      <p:sp>
+        <p:nvSpPr>
+          <p:cNvPr id="13" name="Rectangle 12">
+            <a:extLst>
+              <a:ext uri="{FF2B5EF4-FFF2-40B4-BE49-F238E27FC236}">
+                <a16:creationId xmlns:a16="http://schemas.microsoft.com/office/drawing/2014/main" id="{AB8928E8-1DC0-CC44-D1C0-C6312EB5DB27}"/>
+              </a:ext>
+            </a:extLst>
+          </p:cNvPr>
+          <p:cNvSpPr/>
+          <p:nvPr/>
+        </p:nvSpPr>
+        <p:spPr>
+          <a:xfrm>
+            <a:off x="9533469" y="4355500"/>
+            <a:ext cx="1507067" cy="765439"/>
+          </a:xfrm>
+          <a:prstGeom prst="rect">
+            <a:avLst/>
+          </a:prstGeom>
+          <a:noFill/>
+          <a:ln w="38100">
+            <a:solidFill>
+              <a:schemeClr val="tx1"/>
+            </a:solidFill>
+          </a:ln>
+        </p:spPr>
+        <p:style>
+          <a:lnRef idx="2">
+            <a:schemeClr val="accent1">
+              <a:shade val="15000"/>
+            </a:schemeClr>
+          </a:lnRef>
+          <a:fillRef idx="1">
+            <a:schemeClr val="accent1"/>
+          </a:fillRef>
+          <a:effectRef idx="0">
+            <a:schemeClr val="accent1"/>
+          </a:effectRef>
+          <a:fontRef idx="minor">
+            <a:schemeClr val="lt1"/>
+          </a:fontRef>
+        </p:style>
+        <p:txBody>
+          <a:bodyPr rtlCol="0" anchor="ctr"/>
+          <a:lstStyle/>
+          <a:p>
+            <a:pPr algn="ctr"/>
+            <a:r>
+              <a:rPr lang="en-GB" sz="1200" dirty="0">
+                <a:solidFill>
+                  <a:schemeClr val="tx1"/>
+                </a:solidFill>
+              </a:rPr>
+              <a:t>Head of Practice</a:t>
+            </a:r>
+          </a:p>
+        </p:txBody>
+      </p:sp>
+      <p:cxnSp>
+        <p:nvCxnSpPr>
+          <p:cNvPr id="14" name="Straight Arrow Connector 13">
+            <a:extLst>
+              <a:ext uri="{FF2B5EF4-FFF2-40B4-BE49-F238E27FC236}">
+                <a16:creationId xmlns:a16="http://schemas.microsoft.com/office/drawing/2014/main" id="{57756F3C-9C99-560A-C8EA-DE7B6FC73883}"/>
+              </a:ext>
+            </a:extLst>
+          </p:cNvPr>
+          <p:cNvCxnSpPr>
+            <a:stCxn id="4" idx="3"/>
+            <a:endCxn id="5" idx="1"/>
+          </p:cNvCxnSpPr>
+          <p:nvPr/>
+        </p:nvCxnSpPr>
+        <p:spPr>
+          <a:xfrm>
+            <a:off x="2641600" y="4727520"/>
+            <a:ext cx="592667" cy="0"/>
+          </a:xfrm>
+          <a:prstGeom prst="straightConnector1">
+            <a:avLst/>
+          </a:prstGeom>
+          <a:ln w="38100">
+            <a:solidFill>
+              <a:schemeClr val="tx1"/>
+            </a:solidFill>
+            <a:tailEnd type="triangle"/>
+          </a:ln>
+        </p:spPr>
+        <p:style>
+          <a:lnRef idx="2">
+            <a:schemeClr val="accent1"/>
+          </a:lnRef>
+          <a:fillRef idx="0">
+            <a:schemeClr val="accent1"/>
+          </a:fillRef>
+          <a:effectRef idx="1">
+            <a:schemeClr val="accent1"/>
+          </a:effectRef>
+          <a:fontRef idx="minor">
+            <a:schemeClr val="tx1"/>
+          </a:fontRef>
+        </p:style>
+      </p:cxnSp>
+      <p:cxnSp>
+        <p:nvCxnSpPr>
+          <p:cNvPr id="15" name="Straight Arrow Connector 14">
+            <a:extLst>
+              <a:ext uri="{FF2B5EF4-FFF2-40B4-BE49-F238E27FC236}">
+                <a16:creationId xmlns:a16="http://schemas.microsoft.com/office/drawing/2014/main" id="{3EAB4E48-7542-EB8B-A210-53D3E9BA1E5F}"/>
+              </a:ext>
+            </a:extLst>
+          </p:cNvPr>
+          <p:cNvCxnSpPr>
+            <a:stCxn id="5" idx="3"/>
+            <a:endCxn id="10" idx="1"/>
+          </p:cNvCxnSpPr>
+          <p:nvPr/>
+        </p:nvCxnSpPr>
+        <p:spPr>
+          <a:xfrm>
+            <a:off x="4741334" y="4727520"/>
+            <a:ext cx="592667" cy="0"/>
+          </a:xfrm>
+          <a:prstGeom prst="straightConnector1">
+            <a:avLst/>
+          </a:prstGeom>
+          <a:ln w="38100">
+            <a:solidFill>
+              <a:schemeClr val="tx1"/>
+            </a:solidFill>
+            <a:tailEnd type="triangle"/>
+          </a:ln>
+        </p:spPr>
+        <p:style>
+          <a:lnRef idx="2">
+            <a:schemeClr val="accent1"/>
+          </a:lnRef>
+          <a:fillRef idx="0">
+            <a:schemeClr val="accent1"/>
+          </a:fillRef>
+          <a:effectRef idx="1">
+            <a:schemeClr val="accent1"/>
+          </a:effectRef>
+          <a:fontRef idx="minor">
+            <a:schemeClr val="tx1"/>
+          </a:fontRef>
+        </p:style>
+      </p:cxnSp>
+      <p:cxnSp>
+        <p:nvCxnSpPr>
+          <p:cNvPr id="16" name="Curved Connector 15">
+            <a:extLst>
+              <a:ext uri="{FF2B5EF4-FFF2-40B4-BE49-F238E27FC236}">
+                <a16:creationId xmlns:a16="http://schemas.microsoft.com/office/drawing/2014/main" id="{F4A0A698-9BA9-32F1-C95A-72498B6C69F7}"/>
+              </a:ext>
+            </a:extLst>
+          </p:cNvPr>
+          <p:cNvCxnSpPr>
+            <a:cxnSpLocks/>
+            <a:stCxn id="10" idx="3"/>
+            <a:endCxn id="12" idx="1"/>
+          </p:cNvCxnSpPr>
+          <p:nvPr/>
+        </p:nvCxnSpPr>
+        <p:spPr>
+          <a:xfrm flipV="1">
+            <a:off x="6841068" y="4198336"/>
+            <a:ext cx="592666" cy="529184"/>
+          </a:xfrm>
+          <a:prstGeom prst="curvedConnector3">
+            <a:avLst>
+              <a:gd name="adj1" fmla="val 50000"/>
+            </a:avLst>
+          </a:prstGeom>
+          <a:ln w="38100">
+            <a:solidFill>
+              <a:schemeClr val="tx1"/>
+            </a:solidFill>
+            <a:tailEnd type="triangle"/>
+          </a:ln>
+        </p:spPr>
+        <p:style>
+          <a:lnRef idx="2">
+            <a:schemeClr val="accent1"/>
+          </a:lnRef>
+          <a:fillRef idx="0">
+            <a:schemeClr val="accent1"/>
+          </a:fillRef>
+          <a:effectRef idx="1">
+            <a:schemeClr val="accent1"/>
+          </a:effectRef>
+          <a:fontRef idx="minor">
+            <a:schemeClr val="tx1"/>
+          </a:fontRef>
+        </p:style>
+      </p:cxnSp>
+      <p:cxnSp>
+        <p:nvCxnSpPr>
+          <p:cNvPr id="17" name="Curved Connector 16">
+            <a:extLst>
+              <a:ext uri="{FF2B5EF4-FFF2-40B4-BE49-F238E27FC236}">
+                <a16:creationId xmlns:a16="http://schemas.microsoft.com/office/drawing/2014/main" id="{DF651272-122A-BBD6-6F71-BE276C2394A8}"/>
+              </a:ext>
+            </a:extLst>
+          </p:cNvPr>
+          <p:cNvCxnSpPr>
+            <a:cxnSpLocks/>
+            <a:stCxn id="10" idx="3"/>
+            <a:endCxn id="11" idx="1"/>
+          </p:cNvCxnSpPr>
+          <p:nvPr/>
+        </p:nvCxnSpPr>
+        <p:spPr>
+          <a:xfrm>
+            <a:off x="6841068" y="4727520"/>
+            <a:ext cx="592666" cy="452560"/>
+          </a:xfrm>
+          <a:prstGeom prst="curvedConnector3">
+            <a:avLst>
+              <a:gd name="adj1" fmla="val 50000"/>
+            </a:avLst>
+          </a:prstGeom>
+          <a:ln w="38100">
+            <a:solidFill>
+              <a:schemeClr val="tx1"/>
+            </a:solidFill>
+            <a:tailEnd type="triangle"/>
+          </a:ln>
+        </p:spPr>
+        <p:style>
+          <a:lnRef idx="2">
+            <a:schemeClr val="accent1"/>
+          </a:lnRef>
+          <a:fillRef idx="0">
+            <a:schemeClr val="accent1"/>
+          </a:fillRef>
+          <a:effectRef idx="1">
+            <a:schemeClr val="accent1"/>
+          </a:effectRef>
+          <a:fontRef idx="minor">
+            <a:schemeClr val="tx1"/>
+          </a:fontRef>
+        </p:style>
+      </p:cxnSp>
+      <p:cxnSp>
+        <p:nvCxnSpPr>
+          <p:cNvPr id="18" name="Curved Connector 17">
+            <a:extLst>
+              <a:ext uri="{FF2B5EF4-FFF2-40B4-BE49-F238E27FC236}">
+                <a16:creationId xmlns:a16="http://schemas.microsoft.com/office/drawing/2014/main" id="{6B929966-46E1-28C5-2948-C4F3C2861DC6}"/>
+              </a:ext>
+            </a:extLst>
+          </p:cNvPr>
+          <p:cNvCxnSpPr>
+            <a:cxnSpLocks/>
+            <a:stCxn id="12" idx="3"/>
+            <a:endCxn id="13" idx="1"/>
+          </p:cNvCxnSpPr>
+          <p:nvPr/>
+        </p:nvCxnSpPr>
+        <p:spPr>
+          <a:xfrm>
+            <a:off x="8940801" y="4198336"/>
+            <a:ext cx="592668" cy="539884"/>
+          </a:xfrm>
+          <a:prstGeom prst="curvedConnector3">
+            <a:avLst>
+              <a:gd name="adj1" fmla="val 50000"/>
+            </a:avLst>
+          </a:prstGeom>
+          <a:ln w="38100">
+            <a:solidFill>
+              <a:schemeClr val="tx1"/>
+            </a:solidFill>
+            <a:tailEnd type="triangle"/>
+          </a:ln>
+        </p:spPr>
+        <p:style>
+          <a:lnRef idx="2">
+            <a:schemeClr val="accent1"/>
+          </a:lnRef>
+          <a:fillRef idx="0">
+            <a:schemeClr val="accent1"/>
+          </a:fillRef>
+          <a:effectRef idx="1">
+            <a:schemeClr val="accent1"/>
+          </a:effectRef>
+          <a:fontRef idx="minor">
+            <a:schemeClr val="tx1"/>
+          </a:fontRef>
+        </p:style>
+      </p:cxnSp>
+      <p:cxnSp>
+        <p:nvCxnSpPr>
+          <p:cNvPr id="19" name="Curved Connector 18">
+            <a:extLst>
+              <a:ext uri="{FF2B5EF4-FFF2-40B4-BE49-F238E27FC236}">
+                <a16:creationId xmlns:a16="http://schemas.microsoft.com/office/drawing/2014/main" id="{7E13C2A8-6F40-14B9-37FC-4C77BB6B7907}"/>
+              </a:ext>
+            </a:extLst>
+          </p:cNvPr>
+          <p:cNvCxnSpPr>
+            <a:cxnSpLocks/>
+            <a:stCxn id="11" idx="3"/>
+            <a:endCxn id="13" idx="1"/>
+          </p:cNvCxnSpPr>
+          <p:nvPr/>
+        </p:nvCxnSpPr>
+        <p:spPr>
+          <a:xfrm flipV="1">
+            <a:off x="8940801" y="4738220"/>
+            <a:ext cx="592668" cy="441860"/>
+          </a:xfrm>
+          <a:prstGeom prst="curvedConnector3">
+            <a:avLst>
+              <a:gd name="adj1" fmla="val 50000"/>
+            </a:avLst>
+          </a:prstGeom>
+          <a:ln w="38100">
+            <a:solidFill>
+              <a:schemeClr val="tx1"/>
+            </a:solidFill>
+            <a:tailEnd type="triangle"/>
+          </a:ln>
+        </p:spPr>
+        <p:style>
+          <a:lnRef idx="2">
+            <a:schemeClr val="accent1"/>
+          </a:lnRef>
+          <a:fillRef idx="0">
+            <a:schemeClr val="accent1"/>
+          </a:fillRef>
+          <a:effectRef idx="1">
+            <a:schemeClr val="accent1"/>
+          </a:effectRef>
+          <a:fontRef idx="minor">
+            <a:schemeClr val="tx1"/>
+          </a:fontRef>
+        </p:style>
+      </p:cxnSp>
     </p:spTree>
     <p:extLst>
       <p:ext uri="{BB962C8B-B14F-4D97-AF65-F5344CB8AC3E}">
@@ -14792,7 +14777,7 @@
                 <a:latin typeface="Arial" panose="020B0604020202020204" pitchFamily="34" charset="0"/>
                 <a:cs typeface="Arial" panose="020B0604020202020204" pitchFamily="34" charset="0"/>
               </a:rPr>
-              <a:t>Author: Tom Hoyland | Version 1.0</a:t>
+              <a:t>Author: Tom Hoyland | Version 1.1</a:t>
             </a:r>
           </a:p>
         </p:txBody>
@@ -15384,7 +15369,7 @@
                 <a:latin typeface="Arial" panose="020B0604020202020204" pitchFamily="34" charset="0"/>
                 <a:cs typeface="Arial" panose="020B0604020202020204" pitchFamily="34" charset="0"/>
               </a:rPr>
-              <a:t>Author: Tom Hoyland | Version 1.0</a:t>
+              <a:t>Author: Tom Hoyland | Version 1.1</a:t>
             </a:r>
           </a:p>
         </p:txBody>
@@ -15690,7 +15675,7 @@
                 <a:latin typeface="Arial" panose="020B0604020202020204" pitchFamily="34" charset="0"/>
                 <a:cs typeface="Arial" panose="020B0604020202020204" pitchFamily="34" charset="0"/>
               </a:rPr>
-              <a:t>Author: Tom Hoyland | Version 1.0</a:t>
+              <a:t>Author: Tom Hoyland | Version 1.1</a:t>
             </a:r>
           </a:p>
         </p:txBody>
@@ -17793,7 +17778,7 @@
                 <a:latin typeface="Arial" panose="020B0604020202020204" pitchFamily="34" charset="0"/>
                 <a:cs typeface="Arial" panose="020B0604020202020204" pitchFamily="34" charset="0"/>
               </a:rPr>
-              <a:t>Author: Tom Hoyland | Version 1.0</a:t>
+              <a:t>Author: Tom Hoyland | Version 1.1</a:t>
             </a:r>
           </a:p>
         </p:txBody>

--- a/Agile-Growth-Pathway.pptx
+++ b/Agile-Growth-Pathway.pptx
@@ -247,803 +247,6 @@
     </pc:docChg>
   </pc:docChgLst>
   <pc:docChgLst>
-    <pc:chgData name="Tom Hoyland" userId="736d7a3e-93c7-4109-90c5-e67b8b3e41b2" providerId="ADAL" clId="{A4D346AA-F248-6444-93C1-EF2F2E65C714}"/>
-    <pc:docChg chg="undo custSel addSld delSld modSld sldOrd">
-      <pc:chgData name="Tom Hoyland" userId="736d7a3e-93c7-4109-90c5-e67b8b3e41b2" providerId="ADAL" clId="{A4D346AA-F248-6444-93C1-EF2F2E65C714}" dt="2024-08-20T11:33:24.572" v="664" actId="404"/>
-      <pc:docMkLst>
-        <pc:docMk/>
-      </pc:docMkLst>
-      <pc:sldChg chg="addSp delSp modSp mod">
-        <pc:chgData name="Tom Hoyland" userId="736d7a3e-93c7-4109-90c5-e67b8b3e41b2" providerId="ADAL" clId="{A4D346AA-F248-6444-93C1-EF2F2E65C714}" dt="2024-08-20T10:35:24.927" v="523" actId="1076"/>
-        <pc:sldMkLst>
-          <pc:docMk/>
-          <pc:sldMk cId="215971509" sldId="258"/>
-        </pc:sldMkLst>
-        <pc:spChg chg="add del mod">
-          <ac:chgData name="Tom Hoyland" userId="736d7a3e-93c7-4109-90c5-e67b8b3e41b2" providerId="ADAL" clId="{A4D346AA-F248-6444-93C1-EF2F2E65C714}" dt="2024-08-20T10:35:16.759" v="521"/>
-          <ac:spMkLst>
-            <pc:docMk/>
-            <pc:sldMk cId="215971509" sldId="258"/>
-            <ac:spMk id="2" creationId="{13C5DC61-1188-B764-894D-18FA2653502D}"/>
-          </ac:spMkLst>
-        </pc:spChg>
-        <pc:graphicFrameChg chg="mod modGraphic">
-          <ac:chgData name="Tom Hoyland" userId="736d7a3e-93c7-4109-90c5-e67b8b3e41b2" providerId="ADAL" clId="{A4D346AA-F248-6444-93C1-EF2F2E65C714}" dt="2024-08-20T10:35:24.927" v="523" actId="1076"/>
-          <ac:graphicFrameMkLst>
-            <pc:docMk/>
-            <pc:sldMk cId="215971509" sldId="258"/>
-            <ac:graphicFrameMk id="4" creationId="{2C24AB31-CFE6-05B1-A05C-CB4B8F5125D5}"/>
-          </ac:graphicFrameMkLst>
-        </pc:graphicFrameChg>
-      </pc:sldChg>
-      <pc:sldChg chg="addSp delSp modSp del mod">
-        <pc:chgData name="Tom Hoyland" userId="736d7a3e-93c7-4109-90c5-e67b8b3e41b2" providerId="ADAL" clId="{A4D346AA-F248-6444-93C1-EF2F2E65C714}" dt="2024-08-20T11:32:51.918" v="598" actId="2696"/>
-        <pc:sldMkLst>
-          <pc:docMk/>
-          <pc:sldMk cId="1551894915" sldId="261"/>
-        </pc:sldMkLst>
-        <pc:spChg chg="del">
-          <ac:chgData name="Tom Hoyland" userId="736d7a3e-93c7-4109-90c5-e67b8b3e41b2" providerId="ADAL" clId="{A4D346AA-F248-6444-93C1-EF2F2E65C714}" dt="2024-08-20T11:32:39.566" v="595" actId="478"/>
-          <ac:spMkLst>
-            <pc:docMk/>
-            <pc:sldMk cId="1551894915" sldId="261"/>
-            <ac:spMk id="2" creationId="{60114F5B-200D-5E80-5596-D97099667249}"/>
-          </ac:spMkLst>
-        </pc:spChg>
-        <pc:spChg chg="add mod">
-          <ac:chgData name="Tom Hoyland" userId="736d7a3e-93c7-4109-90c5-e67b8b3e41b2" providerId="ADAL" clId="{A4D346AA-F248-6444-93C1-EF2F2E65C714}" dt="2024-08-20T11:32:39.566" v="595" actId="478"/>
-          <ac:spMkLst>
-            <pc:docMk/>
-            <pc:sldMk cId="1551894915" sldId="261"/>
-            <ac:spMk id="4" creationId="{D965E8EF-04AD-6DBB-D01A-5F2B61C6026F}"/>
-          </ac:spMkLst>
-        </pc:spChg>
-        <pc:spChg chg="del">
-          <ac:chgData name="Tom Hoyland" userId="736d7a3e-93c7-4109-90c5-e67b8b3e41b2" providerId="ADAL" clId="{A4D346AA-F248-6444-93C1-EF2F2E65C714}" dt="2024-08-20T11:32:39.566" v="595" actId="478"/>
-          <ac:spMkLst>
-            <pc:docMk/>
-            <pc:sldMk cId="1551894915" sldId="261"/>
-            <ac:spMk id="8" creationId="{8CDDB97D-A02F-8254-5432-E930CF01E0FC}"/>
-          </ac:spMkLst>
-        </pc:spChg>
-        <pc:spChg chg="del">
-          <ac:chgData name="Tom Hoyland" userId="736d7a3e-93c7-4109-90c5-e67b8b3e41b2" providerId="ADAL" clId="{A4D346AA-F248-6444-93C1-EF2F2E65C714}" dt="2024-08-20T11:32:39.566" v="595" actId="478"/>
-          <ac:spMkLst>
-            <pc:docMk/>
-            <pc:sldMk cId="1551894915" sldId="261"/>
-            <ac:spMk id="10" creationId="{C258F823-7B51-957A-9C20-93136D988928}"/>
-          </ac:spMkLst>
-        </pc:spChg>
-        <pc:spChg chg="del">
-          <ac:chgData name="Tom Hoyland" userId="736d7a3e-93c7-4109-90c5-e67b8b3e41b2" providerId="ADAL" clId="{A4D346AA-F248-6444-93C1-EF2F2E65C714}" dt="2024-08-20T11:32:39.566" v="595" actId="478"/>
-          <ac:spMkLst>
-            <pc:docMk/>
-            <pc:sldMk cId="1551894915" sldId="261"/>
-            <ac:spMk id="11" creationId="{706FB268-040E-2102-1308-B242A93B903A}"/>
-          </ac:spMkLst>
-        </pc:spChg>
-        <pc:spChg chg="del">
-          <ac:chgData name="Tom Hoyland" userId="736d7a3e-93c7-4109-90c5-e67b8b3e41b2" providerId="ADAL" clId="{A4D346AA-F248-6444-93C1-EF2F2E65C714}" dt="2024-08-20T11:32:39.566" v="595" actId="478"/>
-          <ac:spMkLst>
-            <pc:docMk/>
-            <pc:sldMk cId="1551894915" sldId="261"/>
-            <ac:spMk id="13" creationId="{380E85BC-FF65-970E-3CDA-C005D8E7882F}"/>
-          </ac:spMkLst>
-        </pc:spChg>
-        <pc:spChg chg="del">
-          <ac:chgData name="Tom Hoyland" userId="736d7a3e-93c7-4109-90c5-e67b8b3e41b2" providerId="ADAL" clId="{A4D346AA-F248-6444-93C1-EF2F2E65C714}" dt="2024-08-20T11:32:39.566" v="595" actId="478"/>
-          <ac:spMkLst>
-            <pc:docMk/>
-            <pc:sldMk cId="1551894915" sldId="261"/>
-            <ac:spMk id="14" creationId="{042E4238-C41B-D73B-C28B-0B462803692E}"/>
-          </ac:spMkLst>
-        </pc:spChg>
-        <pc:spChg chg="del">
-          <ac:chgData name="Tom Hoyland" userId="736d7a3e-93c7-4109-90c5-e67b8b3e41b2" providerId="ADAL" clId="{A4D346AA-F248-6444-93C1-EF2F2E65C714}" dt="2024-08-20T11:32:39.566" v="595" actId="478"/>
-          <ac:spMkLst>
-            <pc:docMk/>
-            <pc:sldMk cId="1551894915" sldId="261"/>
-            <ac:spMk id="16" creationId="{24D6D5B8-560A-7C70-9E81-B8EFB579F08E}"/>
-          </ac:spMkLst>
-        </pc:spChg>
-        <pc:spChg chg="del">
-          <ac:chgData name="Tom Hoyland" userId="736d7a3e-93c7-4109-90c5-e67b8b3e41b2" providerId="ADAL" clId="{A4D346AA-F248-6444-93C1-EF2F2E65C714}" dt="2024-08-20T11:32:39.566" v="595" actId="478"/>
-          <ac:spMkLst>
-            <pc:docMk/>
-            <pc:sldMk cId="1551894915" sldId="261"/>
-            <ac:spMk id="18" creationId="{F93BD877-DC0E-E976-9DE4-BE888B19CF0F}"/>
-          </ac:spMkLst>
-        </pc:spChg>
-        <pc:spChg chg="del">
-          <ac:chgData name="Tom Hoyland" userId="736d7a3e-93c7-4109-90c5-e67b8b3e41b2" providerId="ADAL" clId="{A4D346AA-F248-6444-93C1-EF2F2E65C714}" dt="2024-08-20T11:32:39.566" v="595" actId="478"/>
-          <ac:spMkLst>
-            <pc:docMk/>
-            <pc:sldMk cId="1551894915" sldId="261"/>
-            <ac:spMk id="28" creationId="{5ACB057E-5EA7-0F53-3026-546099232574}"/>
-          </ac:spMkLst>
-        </pc:spChg>
-        <pc:spChg chg="del">
-          <ac:chgData name="Tom Hoyland" userId="736d7a3e-93c7-4109-90c5-e67b8b3e41b2" providerId="ADAL" clId="{A4D346AA-F248-6444-93C1-EF2F2E65C714}" dt="2024-08-20T11:32:39.566" v="595" actId="478"/>
-          <ac:spMkLst>
-            <pc:docMk/>
-            <pc:sldMk cId="1551894915" sldId="261"/>
-            <ac:spMk id="29" creationId="{73641E73-F1C1-EAD9-8C93-D55E7BD2CDF8}"/>
-          </ac:spMkLst>
-        </pc:spChg>
-        <pc:spChg chg="del">
-          <ac:chgData name="Tom Hoyland" userId="736d7a3e-93c7-4109-90c5-e67b8b3e41b2" providerId="ADAL" clId="{A4D346AA-F248-6444-93C1-EF2F2E65C714}" dt="2024-08-20T11:32:39.566" v="595" actId="478"/>
-          <ac:spMkLst>
-            <pc:docMk/>
-            <pc:sldMk cId="1551894915" sldId="261"/>
-            <ac:spMk id="30" creationId="{0E4E77C7-934A-84F8-113F-232F677D364F}"/>
-          </ac:spMkLst>
-        </pc:spChg>
-        <pc:spChg chg="del">
-          <ac:chgData name="Tom Hoyland" userId="736d7a3e-93c7-4109-90c5-e67b8b3e41b2" providerId="ADAL" clId="{A4D346AA-F248-6444-93C1-EF2F2E65C714}" dt="2024-08-20T11:32:39.566" v="595" actId="478"/>
-          <ac:spMkLst>
-            <pc:docMk/>
-            <pc:sldMk cId="1551894915" sldId="261"/>
-            <ac:spMk id="31" creationId="{18DF7356-8B91-65DC-8FE8-32BFE8F1A09C}"/>
-          </ac:spMkLst>
-        </pc:spChg>
-        <pc:spChg chg="del">
-          <ac:chgData name="Tom Hoyland" userId="736d7a3e-93c7-4109-90c5-e67b8b3e41b2" providerId="ADAL" clId="{A4D346AA-F248-6444-93C1-EF2F2E65C714}" dt="2024-08-20T11:32:39.566" v="595" actId="478"/>
-          <ac:spMkLst>
-            <pc:docMk/>
-            <pc:sldMk cId="1551894915" sldId="261"/>
-            <ac:spMk id="32" creationId="{CE0A2A4C-DC20-3B09-E6C1-86C7406F3E22}"/>
-          </ac:spMkLst>
-        </pc:spChg>
-        <pc:spChg chg="del">
-          <ac:chgData name="Tom Hoyland" userId="736d7a3e-93c7-4109-90c5-e67b8b3e41b2" providerId="ADAL" clId="{A4D346AA-F248-6444-93C1-EF2F2E65C714}" dt="2024-08-20T11:32:39.566" v="595" actId="478"/>
-          <ac:spMkLst>
-            <pc:docMk/>
-            <pc:sldMk cId="1551894915" sldId="261"/>
-            <ac:spMk id="33" creationId="{B0CF220A-8F25-72EA-707D-3F51885CA3B4}"/>
-          </ac:spMkLst>
-        </pc:spChg>
-        <pc:spChg chg="del">
-          <ac:chgData name="Tom Hoyland" userId="736d7a3e-93c7-4109-90c5-e67b8b3e41b2" providerId="ADAL" clId="{A4D346AA-F248-6444-93C1-EF2F2E65C714}" dt="2024-08-20T11:32:39.566" v="595" actId="478"/>
-          <ac:spMkLst>
-            <pc:docMk/>
-            <pc:sldMk cId="1551894915" sldId="261"/>
-            <ac:spMk id="34" creationId="{FD091573-20FC-A6D7-6867-DCE7669E0934}"/>
-          </ac:spMkLst>
-        </pc:spChg>
-        <pc:spChg chg="del">
-          <ac:chgData name="Tom Hoyland" userId="736d7a3e-93c7-4109-90c5-e67b8b3e41b2" providerId="ADAL" clId="{A4D346AA-F248-6444-93C1-EF2F2E65C714}" dt="2024-08-20T11:32:39.566" v="595" actId="478"/>
-          <ac:spMkLst>
-            <pc:docMk/>
-            <pc:sldMk cId="1551894915" sldId="261"/>
-            <ac:spMk id="35" creationId="{14C3540D-164D-0502-B9B3-99DA425B4CAA}"/>
-          </ac:spMkLst>
-        </pc:spChg>
-        <pc:spChg chg="del">
-          <ac:chgData name="Tom Hoyland" userId="736d7a3e-93c7-4109-90c5-e67b8b3e41b2" providerId="ADAL" clId="{A4D346AA-F248-6444-93C1-EF2F2E65C714}" dt="2024-08-20T11:32:39.566" v="595" actId="478"/>
-          <ac:spMkLst>
-            <pc:docMk/>
-            <pc:sldMk cId="1551894915" sldId="261"/>
-            <ac:spMk id="36" creationId="{E590E56E-C5E5-6786-556B-9FF43F6C6253}"/>
-          </ac:spMkLst>
-        </pc:spChg>
-        <pc:picChg chg="del">
-          <ac:chgData name="Tom Hoyland" userId="736d7a3e-93c7-4109-90c5-e67b8b3e41b2" providerId="ADAL" clId="{A4D346AA-F248-6444-93C1-EF2F2E65C714}" dt="2024-08-20T11:32:39.566" v="595" actId="478"/>
-          <ac:picMkLst>
-            <pc:docMk/>
-            <pc:sldMk cId="1551894915" sldId="261"/>
-            <ac:picMk id="5" creationId="{62116002-A9FA-E0AB-8E6A-8CEE2DB576CB}"/>
-          </ac:picMkLst>
-        </pc:picChg>
-        <pc:picChg chg="del">
-          <ac:chgData name="Tom Hoyland" userId="736d7a3e-93c7-4109-90c5-e67b8b3e41b2" providerId="ADAL" clId="{A4D346AA-F248-6444-93C1-EF2F2E65C714}" dt="2024-08-20T11:32:39.566" v="595" actId="478"/>
-          <ac:picMkLst>
-            <pc:docMk/>
-            <pc:sldMk cId="1551894915" sldId="261"/>
-            <ac:picMk id="6" creationId="{06F97ED0-2646-B792-8B99-24400765AE9E}"/>
-          </ac:picMkLst>
-        </pc:picChg>
-        <pc:picChg chg="del">
-          <ac:chgData name="Tom Hoyland" userId="736d7a3e-93c7-4109-90c5-e67b8b3e41b2" providerId="ADAL" clId="{A4D346AA-F248-6444-93C1-EF2F2E65C714}" dt="2024-08-20T11:32:39.566" v="595" actId="478"/>
-          <ac:picMkLst>
-            <pc:docMk/>
-            <pc:sldMk cId="1551894915" sldId="261"/>
-            <ac:picMk id="7" creationId="{D006BE89-01FB-EFD8-A0B0-468CE5796739}"/>
-          </ac:picMkLst>
-        </pc:picChg>
-        <pc:picChg chg="del">
-          <ac:chgData name="Tom Hoyland" userId="736d7a3e-93c7-4109-90c5-e67b8b3e41b2" providerId="ADAL" clId="{A4D346AA-F248-6444-93C1-EF2F2E65C714}" dt="2024-08-20T11:32:39.566" v="595" actId="478"/>
-          <ac:picMkLst>
-            <pc:docMk/>
-            <pc:sldMk cId="1551894915" sldId="261"/>
-            <ac:picMk id="9" creationId="{08B66EBF-2D1E-6E8B-FCBD-479EDE455568}"/>
-          </ac:picMkLst>
-        </pc:picChg>
-        <pc:picChg chg="del">
-          <ac:chgData name="Tom Hoyland" userId="736d7a3e-93c7-4109-90c5-e67b8b3e41b2" providerId="ADAL" clId="{A4D346AA-F248-6444-93C1-EF2F2E65C714}" dt="2024-08-20T11:32:39.566" v="595" actId="478"/>
-          <ac:picMkLst>
-            <pc:docMk/>
-            <pc:sldMk cId="1551894915" sldId="261"/>
-            <ac:picMk id="12" creationId="{0AF8A365-1CA9-E91D-685E-C97FBF85A01F}"/>
-          </ac:picMkLst>
-        </pc:picChg>
-        <pc:picChg chg="del">
-          <ac:chgData name="Tom Hoyland" userId="736d7a3e-93c7-4109-90c5-e67b8b3e41b2" providerId="ADAL" clId="{A4D346AA-F248-6444-93C1-EF2F2E65C714}" dt="2024-08-20T11:32:39.566" v="595" actId="478"/>
-          <ac:picMkLst>
-            <pc:docMk/>
-            <pc:sldMk cId="1551894915" sldId="261"/>
-            <ac:picMk id="15" creationId="{C1E2E61F-6957-C476-802C-DAA4E8E3D8FC}"/>
-          </ac:picMkLst>
-        </pc:picChg>
-        <pc:picChg chg="del">
-          <ac:chgData name="Tom Hoyland" userId="736d7a3e-93c7-4109-90c5-e67b8b3e41b2" providerId="ADAL" clId="{A4D346AA-F248-6444-93C1-EF2F2E65C714}" dt="2024-08-20T11:32:39.566" v="595" actId="478"/>
-          <ac:picMkLst>
-            <pc:docMk/>
-            <pc:sldMk cId="1551894915" sldId="261"/>
-            <ac:picMk id="17" creationId="{0F35D7D0-03F8-0064-B5AC-20BCCD3C6C55}"/>
-          </ac:picMkLst>
-        </pc:picChg>
-        <pc:picChg chg="del">
-          <ac:chgData name="Tom Hoyland" userId="736d7a3e-93c7-4109-90c5-e67b8b3e41b2" providerId="ADAL" clId="{A4D346AA-F248-6444-93C1-EF2F2E65C714}" dt="2024-08-20T11:32:39.566" v="595" actId="478"/>
-          <ac:picMkLst>
-            <pc:docMk/>
-            <pc:sldMk cId="1551894915" sldId="261"/>
-            <ac:picMk id="21" creationId="{75F00680-C90D-0C50-BAEB-68DD9870452B}"/>
-          </ac:picMkLst>
-        </pc:picChg>
-      </pc:sldChg>
-      <pc:sldChg chg="addSp delSp modSp add mod ord">
-        <pc:chgData name="Tom Hoyland" userId="736d7a3e-93c7-4109-90c5-e67b8b3e41b2" providerId="ADAL" clId="{A4D346AA-F248-6444-93C1-EF2F2E65C714}" dt="2024-08-20T11:32:33.746" v="594" actId="20577"/>
-        <pc:sldMkLst>
-          <pc:docMk/>
-          <pc:sldMk cId="2712193479" sldId="271"/>
-        </pc:sldMkLst>
-        <pc:spChg chg="del">
-          <ac:chgData name="Tom Hoyland" userId="736d7a3e-93c7-4109-90c5-e67b8b3e41b2" providerId="ADAL" clId="{A4D346AA-F248-6444-93C1-EF2F2E65C714}" dt="2024-08-13T07:33:26.326" v="156" actId="478"/>
-          <ac:spMkLst>
-            <pc:docMk/>
-            <pc:sldMk cId="2712193479" sldId="271"/>
-            <ac:spMk id="2" creationId="{60114F5B-200D-5E80-5596-D97099667249}"/>
-          </ac:spMkLst>
-        </pc:spChg>
-        <pc:spChg chg="add mod">
-          <ac:chgData name="Tom Hoyland" userId="736d7a3e-93c7-4109-90c5-e67b8b3e41b2" providerId="ADAL" clId="{A4D346AA-F248-6444-93C1-EF2F2E65C714}" dt="2024-08-13T07:40:02.434" v="517" actId="1076"/>
-          <ac:spMkLst>
-            <pc:docMk/>
-            <pc:sldMk cId="2712193479" sldId="271"/>
-            <ac:spMk id="3" creationId="{43F9F6AE-A5AC-2E03-0D6A-B04BA76B49BC}"/>
-          </ac:spMkLst>
-        </pc:spChg>
-        <pc:spChg chg="add mod">
-          <ac:chgData name="Tom Hoyland" userId="736d7a3e-93c7-4109-90c5-e67b8b3e41b2" providerId="ADAL" clId="{A4D346AA-F248-6444-93C1-EF2F2E65C714}" dt="2024-08-13T07:40:02.434" v="517" actId="1076"/>
-          <ac:spMkLst>
-            <pc:docMk/>
-            <pc:sldMk cId="2712193479" sldId="271"/>
-            <ac:spMk id="4" creationId="{E151A129-60CE-5725-DCEC-DF20AB33301A}"/>
-          </ac:spMkLst>
-        </pc:spChg>
-        <pc:spChg chg="mod">
-          <ac:chgData name="Tom Hoyland" userId="736d7a3e-93c7-4109-90c5-e67b8b3e41b2" providerId="ADAL" clId="{A4D346AA-F248-6444-93C1-EF2F2E65C714}" dt="2024-08-20T11:32:22.457" v="585" actId="20577"/>
-          <ac:spMkLst>
-            <pc:docMk/>
-            <pc:sldMk cId="2712193479" sldId="271"/>
-            <ac:spMk id="8" creationId="{8CDDB97D-A02F-8254-5432-E930CF01E0FC}"/>
-          </ac:spMkLst>
-        </pc:spChg>
-        <pc:spChg chg="mod">
-          <ac:chgData name="Tom Hoyland" userId="736d7a3e-93c7-4109-90c5-e67b8b3e41b2" providerId="ADAL" clId="{A4D346AA-F248-6444-93C1-EF2F2E65C714}" dt="2024-08-20T11:32:20.806" v="584" actId="20577"/>
-          <ac:spMkLst>
-            <pc:docMk/>
-            <pc:sldMk cId="2712193479" sldId="271"/>
-            <ac:spMk id="10" creationId="{C258F823-7B51-957A-9C20-93136D988928}"/>
-          </ac:spMkLst>
-        </pc:spChg>
-        <pc:spChg chg="mod">
-          <ac:chgData name="Tom Hoyland" userId="736d7a3e-93c7-4109-90c5-e67b8b3e41b2" providerId="ADAL" clId="{A4D346AA-F248-6444-93C1-EF2F2E65C714}" dt="2024-08-20T11:32:25.812" v="587" actId="20577"/>
-          <ac:spMkLst>
-            <pc:docMk/>
-            <pc:sldMk cId="2712193479" sldId="271"/>
-            <ac:spMk id="11" creationId="{706FB268-040E-2102-1308-B242A93B903A}"/>
-          </ac:spMkLst>
-        </pc:spChg>
-        <pc:spChg chg="mod">
-          <ac:chgData name="Tom Hoyland" userId="736d7a3e-93c7-4109-90c5-e67b8b3e41b2" providerId="ADAL" clId="{A4D346AA-F248-6444-93C1-EF2F2E65C714}" dt="2024-08-20T11:32:29.695" v="592" actId="20577"/>
-          <ac:spMkLst>
-            <pc:docMk/>
-            <pc:sldMk cId="2712193479" sldId="271"/>
-            <ac:spMk id="13" creationId="{380E85BC-FF65-970E-3CDA-C005D8E7882F}"/>
-          </ac:spMkLst>
-        </pc:spChg>
-        <pc:spChg chg="mod">
-          <ac:chgData name="Tom Hoyland" userId="736d7a3e-93c7-4109-90c5-e67b8b3e41b2" providerId="ADAL" clId="{A4D346AA-F248-6444-93C1-EF2F2E65C714}" dt="2024-08-20T11:32:32.158" v="593" actId="20577"/>
-          <ac:spMkLst>
-            <pc:docMk/>
-            <pc:sldMk cId="2712193479" sldId="271"/>
-            <ac:spMk id="14" creationId="{042E4238-C41B-D73B-C28B-0B462803692E}"/>
-          </ac:spMkLst>
-        </pc:spChg>
-        <pc:spChg chg="mod">
-          <ac:chgData name="Tom Hoyland" userId="736d7a3e-93c7-4109-90c5-e67b8b3e41b2" providerId="ADAL" clId="{A4D346AA-F248-6444-93C1-EF2F2E65C714}" dt="2024-08-20T11:32:24.083" v="586" actId="20577"/>
-          <ac:spMkLst>
-            <pc:docMk/>
-            <pc:sldMk cId="2712193479" sldId="271"/>
-            <ac:spMk id="16" creationId="{24D6D5B8-560A-7C70-9E81-B8EFB579F08E}"/>
-          </ac:spMkLst>
-        </pc:spChg>
-        <pc:spChg chg="mod">
-          <ac:chgData name="Tom Hoyland" userId="736d7a3e-93c7-4109-90c5-e67b8b3e41b2" providerId="ADAL" clId="{A4D346AA-F248-6444-93C1-EF2F2E65C714}" dt="2024-08-20T11:32:19.042" v="583" actId="20577"/>
-          <ac:spMkLst>
-            <pc:docMk/>
-            <pc:sldMk cId="2712193479" sldId="271"/>
-            <ac:spMk id="18" creationId="{F93BD877-DC0E-E976-9DE4-BE888B19CF0F}"/>
-          </ac:spMkLst>
-        </pc:spChg>
-        <pc:spChg chg="add mod">
-          <ac:chgData name="Tom Hoyland" userId="736d7a3e-93c7-4109-90c5-e67b8b3e41b2" providerId="ADAL" clId="{A4D346AA-F248-6444-93C1-EF2F2E65C714}" dt="2024-08-13T07:40:02.434" v="517" actId="1076"/>
-          <ac:spMkLst>
-            <pc:docMk/>
-            <pc:sldMk cId="2712193479" sldId="271"/>
-            <ac:spMk id="19" creationId="{9BC32168-0734-E7F4-DDAC-4419BE1ED0AC}"/>
-          </ac:spMkLst>
-        </pc:spChg>
-        <pc:spChg chg="add mod">
-          <ac:chgData name="Tom Hoyland" userId="736d7a3e-93c7-4109-90c5-e67b8b3e41b2" providerId="ADAL" clId="{A4D346AA-F248-6444-93C1-EF2F2E65C714}" dt="2024-08-13T07:40:02.434" v="517" actId="1076"/>
-          <ac:spMkLst>
-            <pc:docMk/>
-            <pc:sldMk cId="2712193479" sldId="271"/>
-            <ac:spMk id="20" creationId="{69D48872-11CB-3A33-9C96-131727D0AB45}"/>
-          </ac:spMkLst>
-        </pc:spChg>
-        <pc:spChg chg="add del mod">
-          <ac:chgData name="Tom Hoyland" userId="736d7a3e-93c7-4109-90c5-e67b8b3e41b2" providerId="ADAL" clId="{A4D346AA-F248-6444-93C1-EF2F2E65C714}" dt="2024-08-13T07:33:28.075" v="157" actId="478"/>
-          <ac:spMkLst>
-            <pc:docMk/>
-            <pc:sldMk cId="2712193479" sldId="271"/>
-            <ac:spMk id="23" creationId="{97374FD9-56B1-BD38-01AD-42A8332B8E26}"/>
-          </ac:spMkLst>
-        </pc:spChg>
-        <pc:spChg chg="add mod">
-          <ac:chgData name="Tom Hoyland" userId="736d7a3e-93c7-4109-90c5-e67b8b3e41b2" providerId="ADAL" clId="{A4D346AA-F248-6444-93C1-EF2F2E65C714}" dt="2024-08-13T07:40:02.434" v="517" actId="1076"/>
-          <ac:spMkLst>
-            <pc:docMk/>
-            <pc:sldMk cId="2712193479" sldId="271"/>
-            <ac:spMk id="24" creationId="{16C484F4-FF4B-D129-FAEA-02E2EC8CFE4D}"/>
-          </ac:spMkLst>
-        </pc:spChg>
-        <pc:spChg chg="add mod">
-          <ac:chgData name="Tom Hoyland" userId="736d7a3e-93c7-4109-90c5-e67b8b3e41b2" providerId="ADAL" clId="{A4D346AA-F248-6444-93C1-EF2F2E65C714}" dt="2024-08-13T07:40:02.434" v="517" actId="1076"/>
-          <ac:spMkLst>
-            <pc:docMk/>
-            <pc:sldMk cId="2712193479" sldId="271"/>
-            <ac:spMk id="25" creationId="{5772F33A-FAA4-6619-FC37-5A0C0D431A17}"/>
-          </ac:spMkLst>
-        </pc:spChg>
-        <pc:spChg chg="add mod">
-          <ac:chgData name="Tom Hoyland" userId="736d7a3e-93c7-4109-90c5-e67b8b3e41b2" providerId="ADAL" clId="{A4D346AA-F248-6444-93C1-EF2F2E65C714}" dt="2024-08-13T07:40:02.434" v="517" actId="1076"/>
-          <ac:spMkLst>
-            <pc:docMk/>
-            <pc:sldMk cId="2712193479" sldId="271"/>
-            <ac:spMk id="26" creationId="{8DB1EDB7-0892-A3F2-FB78-D990F034BD8D}"/>
-          </ac:spMkLst>
-        </pc:spChg>
-        <pc:spChg chg="add mod">
-          <ac:chgData name="Tom Hoyland" userId="736d7a3e-93c7-4109-90c5-e67b8b3e41b2" providerId="ADAL" clId="{A4D346AA-F248-6444-93C1-EF2F2E65C714}" dt="2024-08-13T07:40:02.434" v="517" actId="1076"/>
-          <ac:spMkLst>
-            <pc:docMk/>
-            <pc:sldMk cId="2712193479" sldId="271"/>
-            <ac:spMk id="27" creationId="{A82AA132-2F6D-308A-92C4-44C23B119428}"/>
-          </ac:spMkLst>
-        </pc:spChg>
-        <pc:spChg chg="mod">
-          <ac:chgData name="Tom Hoyland" userId="736d7a3e-93c7-4109-90c5-e67b8b3e41b2" providerId="ADAL" clId="{A4D346AA-F248-6444-93C1-EF2F2E65C714}" dt="2024-08-20T11:32:33.746" v="594" actId="20577"/>
-          <ac:spMkLst>
-            <pc:docMk/>
-            <pc:sldMk cId="2712193479" sldId="271"/>
-            <ac:spMk id="28" creationId="{5ACB057E-5EA7-0F53-3026-546099232574}"/>
-          </ac:spMkLst>
-        </pc:spChg>
-        <pc:spChg chg="mod">
-          <ac:chgData name="Tom Hoyland" userId="736d7a3e-93c7-4109-90c5-e67b8b3e41b2" providerId="ADAL" clId="{A4D346AA-F248-6444-93C1-EF2F2E65C714}" dt="2024-08-13T07:40:02.434" v="517" actId="1076"/>
-          <ac:spMkLst>
-            <pc:docMk/>
-            <pc:sldMk cId="2712193479" sldId="271"/>
-            <ac:spMk id="29" creationId="{73641E73-F1C1-EAD9-8C93-D55E7BD2CDF8}"/>
-          </ac:spMkLst>
-        </pc:spChg>
-        <pc:spChg chg="mod">
-          <ac:chgData name="Tom Hoyland" userId="736d7a3e-93c7-4109-90c5-e67b8b3e41b2" providerId="ADAL" clId="{A4D346AA-F248-6444-93C1-EF2F2E65C714}" dt="2024-08-13T07:40:02.434" v="517" actId="1076"/>
-          <ac:spMkLst>
-            <pc:docMk/>
-            <pc:sldMk cId="2712193479" sldId="271"/>
-            <ac:spMk id="30" creationId="{0E4E77C7-934A-84F8-113F-232F677D364F}"/>
-          </ac:spMkLst>
-        </pc:spChg>
-        <pc:spChg chg="mod">
-          <ac:chgData name="Tom Hoyland" userId="736d7a3e-93c7-4109-90c5-e67b8b3e41b2" providerId="ADAL" clId="{A4D346AA-F248-6444-93C1-EF2F2E65C714}" dt="2024-08-13T07:40:02.434" v="517" actId="1076"/>
-          <ac:spMkLst>
-            <pc:docMk/>
-            <pc:sldMk cId="2712193479" sldId="271"/>
-            <ac:spMk id="31" creationId="{18DF7356-8B91-65DC-8FE8-32BFE8F1A09C}"/>
-          </ac:spMkLst>
-        </pc:spChg>
-        <pc:spChg chg="mod">
-          <ac:chgData name="Tom Hoyland" userId="736d7a3e-93c7-4109-90c5-e67b8b3e41b2" providerId="ADAL" clId="{A4D346AA-F248-6444-93C1-EF2F2E65C714}" dt="2024-08-13T07:40:02.434" v="517" actId="1076"/>
-          <ac:spMkLst>
-            <pc:docMk/>
-            <pc:sldMk cId="2712193479" sldId="271"/>
-            <ac:spMk id="32" creationId="{CE0A2A4C-DC20-3B09-E6C1-86C7406F3E22}"/>
-          </ac:spMkLst>
-        </pc:spChg>
-        <pc:spChg chg="mod">
-          <ac:chgData name="Tom Hoyland" userId="736d7a3e-93c7-4109-90c5-e67b8b3e41b2" providerId="ADAL" clId="{A4D346AA-F248-6444-93C1-EF2F2E65C714}" dt="2024-08-13T07:40:02.434" v="517" actId="1076"/>
-          <ac:spMkLst>
-            <pc:docMk/>
-            <pc:sldMk cId="2712193479" sldId="271"/>
-            <ac:spMk id="33" creationId="{B0CF220A-8F25-72EA-707D-3F51885CA3B4}"/>
-          </ac:spMkLst>
-        </pc:spChg>
-        <pc:spChg chg="mod">
-          <ac:chgData name="Tom Hoyland" userId="736d7a3e-93c7-4109-90c5-e67b8b3e41b2" providerId="ADAL" clId="{A4D346AA-F248-6444-93C1-EF2F2E65C714}" dt="2024-08-13T07:40:02.434" v="517" actId="1076"/>
-          <ac:spMkLst>
-            <pc:docMk/>
-            <pc:sldMk cId="2712193479" sldId="271"/>
-            <ac:spMk id="34" creationId="{FD091573-20FC-A6D7-6867-DCE7669E0934}"/>
-          </ac:spMkLst>
-        </pc:spChg>
-        <pc:spChg chg="mod">
-          <ac:chgData name="Tom Hoyland" userId="736d7a3e-93c7-4109-90c5-e67b8b3e41b2" providerId="ADAL" clId="{A4D346AA-F248-6444-93C1-EF2F2E65C714}" dt="2024-08-13T07:40:02.434" v="517" actId="1076"/>
-          <ac:spMkLst>
-            <pc:docMk/>
-            <pc:sldMk cId="2712193479" sldId="271"/>
-            <ac:spMk id="35" creationId="{14C3540D-164D-0502-B9B3-99DA425B4CAA}"/>
-          </ac:spMkLst>
-        </pc:spChg>
-        <pc:spChg chg="mod">
-          <ac:chgData name="Tom Hoyland" userId="736d7a3e-93c7-4109-90c5-e67b8b3e41b2" providerId="ADAL" clId="{A4D346AA-F248-6444-93C1-EF2F2E65C714}" dt="2024-08-13T07:40:02.434" v="517" actId="1076"/>
-          <ac:spMkLst>
-            <pc:docMk/>
-            <pc:sldMk cId="2712193479" sldId="271"/>
-            <ac:spMk id="36" creationId="{E590E56E-C5E5-6786-556B-9FF43F6C6253}"/>
-          </ac:spMkLst>
-        </pc:spChg>
-        <pc:picChg chg="mod">
-          <ac:chgData name="Tom Hoyland" userId="736d7a3e-93c7-4109-90c5-e67b8b3e41b2" providerId="ADAL" clId="{A4D346AA-F248-6444-93C1-EF2F2E65C714}" dt="2024-08-13T07:40:02.434" v="517" actId="1076"/>
-          <ac:picMkLst>
-            <pc:docMk/>
-            <pc:sldMk cId="2712193479" sldId="271"/>
-            <ac:picMk id="5" creationId="{62116002-A9FA-E0AB-8E6A-8CEE2DB576CB}"/>
-          </ac:picMkLst>
-        </pc:picChg>
-        <pc:picChg chg="mod">
-          <ac:chgData name="Tom Hoyland" userId="736d7a3e-93c7-4109-90c5-e67b8b3e41b2" providerId="ADAL" clId="{A4D346AA-F248-6444-93C1-EF2F2E65C714}" dt="2024-08-13T07:40:02.434" v="517" actId="1076"/>
-          <ac:picMkLst>
-            <pc:docMk/>
-            <pc:sldMk cId="2712193479" sldId="271"/>
-            <ac:picMk id="6" creationId="{06F97ED0-2646-B792-8B99-24400765AE9E}"/>
-          </ac:picMkLst>
-        </pc:picChg>
-        <pc:picChg chg="mod">
-          <ac:chgData name="Tom Hoyland" userId="736d7a3e-93c7-4109-90c5-e67b8b3e41b2" providerId="ADAL" clId="{A4D346AA-F248-6444-93C1-EF2F2E65C714}" dt="2024-08-13T07:40:02.434" v="517" actId="1076"/>
-          <ac:picMkLst>
-            <pc:docMk/>
-            <pc:sldMk cId="2712193479" sldId="271"/>
-            <ac:picMk id="7" creationId="{D006BE89-01FB-EFD8-A0B0-468CE5796739}"/>
-          </ac:picMkLst>
-        </pc:picChg>
-        <pc:picChg chg="mod">
-          <ac:chgData name="Tom Hoyland" userId="736d7a3e-93c7-4109-90c5-e67b8b3e41b2" providerId="ADAL" clId="{A4D346AA-F248-6444-93C1-EF2F2E65C714}" dt="2024-08-13T07:40:02.434" v="517" actId="1076"/>
-          <ac:picMkLst>
-            <pc:docMk/>
-            <pc:sldMk cId="2712193479" sldId="271"/>
-            <ac:picMk id="9" creationId="{08B66EBF-2D1E-6E8B-FCBD-479EDE455568}"/>
-          </ac:picMkLst>
-        </pc:picChg>
-        <pc:picChg chg="mod">
-          <ac:chgData name="Tom Hoyland" userId="736d7a3e-93c7-4109-90c5-e67b8b3e41b2" providerId="ADAL" clId="{A4D346AA-F248-6444-93C1-EF2F2E65C714}" dt="2024-08-13T07:40:02.434" v="517" actId="1076"/>
-          <ac:picMkLst>
-            <pc:docMk/>
-            <pc:sldMk cId="2712193479" sldId="271"/>
-            <ac:picMk id="12" creationId="{0AF8A365-1CA9-E91D-685E-C97FBF85A01F}"/>
-          </ac:picMkLst>
-        </pc:picChg>
-        <pc:picChg chg="mod">
-          <ac:chgData name="Tom Hoyland" userId="736d7a3e-93c7-4109-90c5-e67b8b3e41b2" providerId="ADAL" clId="{A4D346AA-F248-6444-93C1-EF2F2E65C714}" dt="2024-08-13T07:40:02.434" v="517" actId="1076"/>
-          <ac:picMkLst>
-            <pc:docMk/>
-            <pc:sldMk cId="2712193479" sldId="271"/>
-            <ac:picMk id="15" creationId="{C1E2E61F-6957-C476-802C-DAA4E8E3D8FC}"/>
-          </ac:picMkLst>
-        </pc:picChg>
-        <pc:picChg chg="mod">
-          <ac:chgData name="Tom Hoyland" userId="736d7a3e-93c7-4109-90c5-e67b8b3e41b2" providerId="ADAL" clId="{A4D346AA-F248-6444-93C1-EF2F2E65C714}" dt="2024-08-13T07:40:02.434" v="517" actId="1076"/>
-          <ac:picMkLst>
-            <pc:docMk/>
-            <pc:sldMk cId="2712193479" sldId="271"/>
-            <ac:picMk id="17" creationId="{0F35D7D0-03F8-0064-B5AC-20BCCD3C6C55}"/>
-          </ac:picMkLst>
-        </pc:picChg>
-        <pc:picChg chg="mod">
-          <ac:chgData name="Tom Hoyland" userId="736d7a3e-93c7-4109-90c5-e67b8b3e41b2" providerId="ADAL" clId="{A4D346AA-F248-6444-93C1-EF2F2E65C714}" dt="2024-08-13T07:40:02.434" v="517" actId="1076"/>
-          <ac:picMkLst>
-            <pc:docMk/>
-            <pc:sldMk cId="2712193479" sldId="271"/>
-            <ac:picMk id="21" creationId="{75F00680-C90D-0C50-BAEB-68DD9870452B}"/>
-          </ac:picMkLst>
-        </pc:picChg>
-      </pc:sldChg>
-      <pc:sldChg chg="addSp modSp add mod ord">
-        <pc:chgData name="Tom Hoyland" userId="736d7a3e-93c7-4109-90c5-e67b8b3e41b2" providerId="ADAL" clId="{A4D346AA-F248-6444-93C1-EF2F2E65C714}" dt="2024-08-20T11:33:24.572" v="664" actId="404"/>
-        <pc:sldMkLst>
-          <pc:docMk/>
-          <pc:sldMk cId="248048730" sldId="272"/>
-        </pc:sldMkLst>
-        <pc:spChg chg="add mod">
-          <ac:chgData name="Tom Hoyland" userId="736d7a3e-93c7-4109-90c5-e67b8b3e41b2" providerId="ADAL" clId="{A4D346AA-F248-6444-93C1-EF2F2E65C714}" dt="2024-08-20T11:33:24.572" v="664" actId="404"/>
-          <ac:spMkLst>
-            <pc:docMk/>
-            <pc:sldMk cId="248048730" sldId="272"/>
-            <ac:spMk id="2" creationId="{DE49AD4B-7FB7-DB4B-1892-2174BDB55FDC}"/>
-          </ac:spMkLst>
-        </pc:spChg>
-        <pc:spChg chg="mod">
-          <ac:chgData name="Tom Hoyland" userId="736d7a3e-93c7-4109-90c5-e67b8b3e41b2" providerId="ADAL" clId="{A4D346AA-F248-6444-93C1-EF2F2E65C714}" dt="2024-08-20T11:33:03.837" v="628" actId="1036"/>
-          <ac:spMkLst>
-            <pc:docMk/>
-            <pc:sldMk cId="248048730" sldId="272"/>
-            <ac:spMk id="3" creationId="{213F28A4-07ED-C70E-C1A5-0B32C5A7DD8D}"/>
-          </ac:spMkLst>
-        </pc:spChg>
-        <pc:spChg chg="mod">
-          <ac:chgData name="Tom Hoyland" userId="736d7a3e-93c7-4109-90c5-e67b8b3e41b2" providerId="ADAL" clId="{A4D346AA-F248-6444-93C1-EF2F2E65C714}" dt="2024-08-20T11:33:03.837" v="628" actId="1036"/>
-          <ac:spMkLst>
-            <pc:docMk/>
-            <pc:sldMk cId="248048730" sldId="272"/>
-            <ac:spMk id="4" creationId="{DD555481-A9B5-D5E1-1F1B-EF8ED78D5CD8}"/>
-          </ac:spMkLst>
-        </pc:spChg>
-        <pc:spChg chg="mod">
-          <ac:chgData name="Tom Hoyland" userId="736d7a3e-93c7-4109-90c5-e67b8b3e41b2" providerId="ADAL" clId="{A4D346AA-F248-6444-93C1-EF2F2E65C714}" dt="2024-08-20T11:33:03.837" v="628" actId="1036"/>
-          <ac:spMkLst>
-            <pc:docMk/>
-            <pc:sldMk cId="248048730" sldId="272"/>
-            <ac:spMk id="8" creationId="{AEAF102F-143D-76EF-DF6D-8B165519A4A4}"/>
-          </ac:spMkLst>
-        </pc:spChg>
-        <pc:spChg chg="mod">
-          <ac:chgData name="Tom Hoyland" userId="736d7a3e-93c7-4109-90c5-e67b8b3e41b2" providerId="ADAL" clId="{A4D346AA-F248-6444-93C1-EF2F2E65C714}" dt="2024-08-20T11:33:03.837" v="628" actId="1036"/>
-          <ac:spMkLst>
-            <pc:docMk/>
-            <pc:sldMk cId="248048730" sldId="272"/>
-            <ac:spMk id="10" creationId="{4AFC90E1-B3DD-B446-A88F-D3102C4BE49F}"/>
-          </ac:spMkLst>
-        </pc:spChg>
-        <pc:spChg chg="mod">
-          <ac:chgData name="Tom Hoyland" userId="736d7a3e-93c7-4109-90c5-e67b8b3e41b2" providerId="ADAL" clId="{A4D346AA-F248-6444-93C1-EF2F2E65C714}" dt="2024-08-20T11:33:03.837" v="628" actId="1036"/>
-          <ac:spMkLst>
-            <pc:docMk/>
-            <pc:sldMk cId="248048730" sldId="272"/>
-            <ac:spMk id="11" creationId="{06C0DA98-AF63-8C25-12CC-42A79D849F04}"/>
-          </ac:spMkLst>
-        </pc:spChg>
-        <pc:spChg chg="mod">
-          <ac:chgData name="Tom Hoyland" userId="736d7a3e-93c7-4109-90c5-e67b8b3e41b2" providerId="ADAL" clId="{A4D346AA-F248-6444-93C1-EF2F2E65C714}" dt="2024-08-20T11:33:03.837" v="628" actId="1036"/>
-          <ac:spMkLst>
-            <pc:docMk/>
-            <pc:sldMk cId="248048730" sldId="272"/>
-            <ac:spMk id="13" creationId="{6D7F7EC6-1E57-62EB-8CD1-03BE4F5ADDED}"/>
-          </ac:spMkLst>
-        </pc:spChg>
-        <pc:spChg chg="mod">
-          <ac:chgData name="Tom Hoyland" userId="736d7a3e-93c7-4109-90c5-e67b8b3e41b2" providerId="ADAL" clId="{A4D346AA-F248-6444-93C1-EF2F2E65C714}" dt="2024-08-20T11:33:03.837" v="628" actId="1036"/>
-          <ac:spMkLst>
-            <pc:docMk/>
-            <pc:sldMk cId="248048730" sldId="272"/>
-            <ac:spMk id="14" creationId="{C264D8AC-B086-B921-85C6-5AF1DD6AD8DE}"/>
-          </ac:spMkLst>
-        </pc:spChg>
-        <pc:spChg chg="mod">
-          <ac:chgData name="Tom Hoyland" userId="736d7a3e-93c7-4109-90c5-e67b8b3e41b2" providerId="ADAL" clId="{A4D346AA-F248-6444-93C1-EF2F2E65C714}" dt="2024-08-20T11:33:03.837" v="628" actId="1036"/>
-          <ac:spMkLst>
-            <pc:docMk/>
-            <pc:sldMk cId="248048730" sldId="272"/>
-            <ac:spMk id="16" creationId="{E4800468-3CA0-2964-AA62-A3AA15AEBB24}"/>
-          </ac:spMkLst>
-        </pc:spChg>
-        <pc:spChg chg="mod">
-          <ac:chgData name="Tom Hoyland" userId="736d7a3e-93c7-4109-90c5-e67b8b3e41b2" providerId="ADAL" clId="{A4D346AA-F248-6444-93C1-EF2F2E65C714}" dt="2024-08-20T11:33:03.837" v="628" actId="1036"/>
-          <ac:spMkLst>
-            <pc:docMk/>
-            <pc:sldMk cId="248048730" sldId="272"/>
-            <ac:spMk id="18" creationId="{63271C5F-2656-11FB-BDA0-F18F429D4AB8}"/>
-          </ac:spMkLst>
-        </pc:spChg>
-        <pc:spChg chg="mod">
-          <ac:chgData name="Tom Hoyland" userId="736d7a3e-93c7-4109-90c5-e67b8b3e41b2" providerId="ADAL" clId="{A4D346AA-F248-6444-93C1-EF2F2E65C714}" dt="2024-08-20T11:33:03.837" v="628" actId="1036"/>
-          <ac:spMkLst>
-            <pc:docMk/>
-            <pc:sldMk cId="248048730" sldId="272"/>
-            <ac:spMk id="19" creationId="{70929939-537B-C447-115E-FED5AF8357AE}"/>
-          </ac:spMkLst>
-        </pc:spChg>
-        <pc:spChg chg="mod">
-          <ac:chgData name="Tom Hoyland" userId="736d7a3e-93c7-4109-90c5-e67b8b3e41b2" providerId="ADAL" clId="{A4D346AA-F248-6444-93C1-EF2F2E65C714}" dt="2024-08-20T11:33:03.837" v="628" actId="1036"/>
-          <ac:spMkLst>
-            <pc:docMk/>
-            <pc:sldMk cId="248048730" sldId="272"/>
-            <ac:spMk id="20" creationId="{59B90136-C70C-1F8D-144A-B8DAA91E8BFF}"/>
-          </ac:spMkLst>
-        </pc:spChg>
-        <pc:spChg chg="mod">
-          <ac:chgData name="Tom Hoyland" userId="736d7a3e-93c7-4109-90c5-e67b8b3e41b2" providerId="ADAL" clId="{A4D346AA-F248-6444-93C1-EF2F2E65C714}" dt="2024-08-20T11:33:03.837" v="628" actId="1036"/>
-          <ac:spMkLst>
-            <pc:docMk/>
-            <pc:sldMk cId="248048730" sldId="272"/>
-            <ac:spMk id="24" creationId="{58A0E144-52CD-ECF3-042B-7992A86DA18B}"/>
-          </ac:spMkLst>
-        </pc:spChg>
-        <pc:spChg chg="mod">
-          <ac:chgData name="Tom Hoyland" userId="736d7a3e-93c7-4109-90c5-e67b8b3e41b2" providerId="ADAL" clId="{A4D346AA-F248-6444-93C1-EF2F2E65C714}" dt="2024-08-20T11:33:03.837" v="628" actId="1036"/>
-          <ac:spMkLst>
-            <pc:docMk/>
-            <pc:sldMk cId="248048730" sldId="272"/>
-            <ac:spMk id="25" creationId="{38DEAD3F-0B7F-2B20-993E-A2B1F014B1CD}"/>
-          </ac:spMkLst>
-        </pc:spChg>
-        <pc:spChg chg="mod">
-          <ac:chgData name="Tom Hoyland" userId="736d7a3e-93c7-4109-90c5-e67b8b3e41b2" providerId="ADAL" clId="{A4D346AA-F248-6444-93C1-EF2F2E65C714}" dt="2024-08-20T11:33:03.837" v="628" actId="1036"/>
-          <ac:spMkLst>
-            <pc:docMk/>
-            <pc:sldMk cId="248048730" sldId="272"/>
-            <ac:spMk id="26" creationId="{3A945144-0789-5A0E-FC67-42CABE016FCE}"/>
-          </ac:spMkLst>
-        </pc:spChg>
-        <pc:spChg chg="mod">
-          <ac:chgData name="Tom Hoyland" userId="736d7a3e-93c7-4109-90c5-e67b8b3e41b2" providerId="ADAL" clId="{A4D346AA-F248-6444-93C1-EF2F2E65C714}" dt="2024-08-20T11:33:03.837" v="628" actId="1036"/>
-          <ac:spMkLst>
-            <pc:docMk/>
-            <pc:sldMk cId="248048730" sldId="272"/>
-            <ac:spMk id="27" creationId="{CCBC6816-D39B-700B-F344-1B0D25A1449C}"/>
-          </ac:spMkLst>
-        </pc:spChg>
-        <pc:spChg chg="mod">
-          <ac:chgData name="Tom Hoyland" userId="736d7a3e-93c7-4109-90c5-e67b8b3e41b2" providerId="ADAL" clId="{A4D346AA-F248-6444-93C1-EF2F2E65C714}" dt="2024-08-20T11:33:03.837" v="628" actId="1036"/>
-          <ac:spMkLst>
-            <pc:docMk/>
-            <pc:sldMk cId="248048730" sldId="272"/>
-            <ac:spMk id="28" creationId="{5A0B0504-FBD2-ED5A-4F3B-787A8587C05A}"/>
-          </ac:spMkLst>
-        </pc:spChg>
-        <pc:spChg chg="mod">
-          <ac:chgData name="Tom Hoyland" userId="736d7a3e-93c7-4109-90c5-e67b8b3e41b2" providerId="ADAL" clId="{A4D346AA-F248-6444-93C1-EF2F2E65C714}" dt="2024-08-20T11:33:03.837" v="628" actId="1036"/>
-          <ac:spMkLst>
-            <pc:docMk/>
-            <pc:sldMk cId="248048730" sldId="272"/>
-            <ac:spMk id="29" creationId="{68B58E08-22AA-A82B-48BD-73CAD4C99992}"/>
-          </ac:spMkLst>
-        </pc:spChg>
-        <pc:spChg chg="mod">
-          <ac:chgData name="Tom Hoyland" userId="736d7a3e-93c7-4109-90c5-e67b8b3e41b2" providerId="ADAL" clId="{A4D346AA-F248-6444-93C1-EF2F2E65C714}" dt="2024-08-20T11:33:03.837" v="628" actId="1036"/>
-          <ac:spMkLst>
-            <pc:docMk/>
-            <pc:sldMk cId="248048730" sldId="272"/>
-            <ac:spMk id="30" creationId="{DEFE14F4-97D1-71EF-B066-BF208197EC0B}"/>
-          </ac:spMkLst>
-        </pc:spChg>
-        <pc:spChg chg="mod">
-          <ac:chgData name="Tom Hoyland" userId="736d7a3e-93c7-4109-90c5-e67b8b3e41b2" providerId="ADAL" clId="{A4D346AA-F248-6444-93C1-EF2F2E65C714}" dt="2024-08-20T11:33:03.837" v="628" actId="1036"/>
-          <ac:spMkLst>
-            <pc:docMk/>
-            <pc:sldMk cId="248048730" sldId="272"/>
-            <ac:spMk id="31" creationId="{8D8F7CEF-134A-D3DA-8445-5A753AB0F80F}"/>
-          </ac:spMkLst>
-        </pc:spChg>
-        <pc:spChg chg="mod">
-          <ac:chgData name="Tom Hoyland" userId="736d7a3e-93c7-4109-90c5-e67b8b3e41b2" providerId="ADAL" clId="{A4D346AA-F248-6444-93C1-EF2F2E65C714}" dt="2024-08-20T11:33:03.837" v="628" actId="1036"/>
-          <ac:spMkLst>
-            <pc:docMk/>
-            <pc:sldMk cId="248048730" sldId="272"/>
-            <ac:spMk id="32" creationId="{5057154F-7DCF-A223-0510-F25D7FD2EE6A}"/>
-          </ac:spMkLst>
-        </pc:spChg>
-        <pc:spChg chg="mod">
-          <ac:chgData name="Tom Hoyland" userId="736d7a3e-93c7-4109-90c5-e67b8b3e41b2" providerId="ADAL" clId="{A4D346AA-F248-6444-93C1-EF2F2E65C714}" dt="2024-08-20T11:33:03.837" v="628" actId="1036"/>
-          <ac:spMkLst>
-            <pc:docMk/>
-            <pc:sldMk cId="248048730" sldId="272"/>
-            <ac:spMk id="33" creationId="{E0D8722E-83A8-C310-122A-30EA2816860E}"/>
-          </ac:spMkLst>
-        </pc:spChg>
-        <pc:spChg chg="mod">
-          <ac:chgData name="Tom Hoyland" userId="736d7a3e-93c7-4109-90c5-e67b8b3e41b2" providerId="ADAL" clId="{A4D346AA-F248-6444-93C1-EF2F2E65C714}" dt="2024-08-20T11:33:03.837" v="628" actId="1036"/>
-          <ac:spMkLst>
-            <pc:docMk/>
-            <pc:sldMk cId="248048730" sldId="272"/>
-            <ac:spMk id="34" creationId="{27018EDB-C14A-2175-DA20-52AE83F8940E}"/>
-          </ac:spMkLst>
-        </pc:spChg>
-        <pc:spChg chg="mod">
-          <ac:chgData name="Tom Hoyland" userId="736d7a3e-93c7-4109-90c5-e67b8b3e41b2" providerId="ADAL" clId="{A4D346AA-F248-6444-93C1-EF2F2E65C714}" dt="2024-08-20T11:33:03.837" v="628" actId="1036"/>
-          <ac:spMkLst>
-            <pc:docMk/>
-            <pc:sldMk cId="248048730" sldId="272"/>
-            <ac:spMk id="35" creationId="{64BD6B3C-21B9-94EB-9163-4D7A83A4A297}"/>
-          </ac:spMkLst>
-        </pc:spChg>
-        <pc:spChg chg="mod">
-          <ac:chgData name="Tom Hoyland" userId="736d7a3e-93c7-4109-90c5-e67b8b3e41b2" providerId="ADAL" clId="{A4D346AA-F248-6444-93C1-EF2F2E65C714}" dt="2024-08-20T11:33:03.837" v="628" actId="1036"/>
-          <ac:spMkLst>
-            <pc:docMk/>
-            <pc:sldMk cId="248048730" sldId="272"/>
-            <ac:spMk id="36" creationId="{965DF994-D945-F5CF-02B0-6FD96B778267}"/>
-          </ac:spMkLst>
-        </pc:spChg>
-        <pc:picChg chg="mod">
-          <ac:chgData name="Tom Hoyland" userId="736d7a3e-93c7-4109-90c5-e67b8b3e41b2" providerId="ADAL" clId="{A4D346AA-F248-6444-93C1-EF2F2E65C714}" dt="2024-08-20T11:33:03.837" v="628" actId="1036"/>
-          <ac:picMkLst>
-            <pc:docMk/>
-            <pc:sldMk cId="248048730" sldId="272"/>
-            <ac:picMk id="5" creationId="{6322FBD9-FD8F-9C95-2729-127E6A05B844}"/>
-          </ac:picMkLst>
-        </pc:picChg>
-        <pc:picChg chg="mod">
-          <ac:chgData name="Tom Hoyland" userId="736d7a3e-93c7-4109-90c5-e67b8b3e41b2" providerId="ADAL" clId="{A4D346AA-F248-6444-93C1-EF2F2E65C714}" dt="2024-08-20T11:33:03.837" v="628" actId="1036"/>
-          <ac:picMkLst>
-            <pc:docMk/>
-            <pc:sldMk cId="248048730" sldId="272"/>
-            <ac:picMk id="6" creationId="{2BE0E3B7-67DB-7D22-62F7-F28225398F7E}"/>
-          </ac:picMkLst>
-        </pc:picChg>
-        <pc:picChg chg="mod">
-          <ac:chgData name="Tom Hoyland" userId="736d7a3e-93c7-4109-90c5-e67b8b3e41b2" providerId="ADAL" clId="{A4D346AA-F248-6444-93C1-EF2F2E65C714}" dt="2024-08-20T11:33:03.837" v="628" actId="1036"/>
-          <ac:picMkLst>
-            <pc:docMk/>
-            <pc:sldMk cId="248048730" sldId="272"/>
-            <ac:picMk id="7" creationId="{4025EFFD-6B77-7453-3202-61E018612DB9}"/>
-          </ac:picMkLst>
-        </pc:picChg>
-        <pc:picChg chg="mod">
-          <ac:chgData name="Tom Hoyland" userId="736d7a3e-93c7-4109-90c5-e67b8b3e41b2" providerId="ADAL" clId="{A4D346AA-F248-6444-93C1-EF2F2E65C714}" dt="2024-08-20T11:33:03.837" v="628" actId="1036"/>
-          <ac:picMkLst>
-            <pc:docMk/>
-            <pc:sldMk cId="248048730" sldId="272"/>
-            <ac:picMk id="9" creationId="{AFD2E46D-615E-B65D-1188-F2A6AB1738D7}"/>
-          </ac:picMkLst>
-        </pc:picChg>
-        <pc:picChg chg="mod">
-          <ac:chgData name="Tom Hoyland" userId="736d7a3e-93c7-4109-90c5-e67b8b3e41b2" providerId="ADAL" clId="{A4D346AA-F248-6444-93C1-EF2F2E65C714}" dt="2024-08-20T11:33:03.837" v="628" actId="1036"/>
-          <ac:picMkLst>
-            <pc:docMk/>
-            <pc:sldMk cId="248048730" sldId="272"/>
-            <ac:picMk id="12" creationId="{5C0C4BE6-1C53-E473-95EA-95C0F5CF1564}"/>
-          </ac:picMkLst>
-        </pc:picChg>
-        <pc:picChg chg="mod">
-          <ac:chgData name="Tom Hoyland" userId="736d7a3e-93c7-4109-90c5-e67b8b3e41b2" providerId="ADAL" clId="{A4D346AA-F248-6444-93C1-EF2F2E65C714}" dt="2024-08-20T11:33:03.837" v="628" actId="1036"/>
-          <ac:picMkLst>
-            <pc:docMk/>
-            <pc:sldMk cId="248048730" sldId="272"/>
-            <ac:picMk id="15" creationId="{1A85A53A-A4EB-808E-BCEA-EEBBAB52ECBA}"/>
-          </ac:picMkLst>
-        </pc:picChg>
-        <pc:picChg chg="mod">
-          <ac:chgData name="Tom Hoyland" userId="736d7a3e-93c7-4109-90c5-e67b8b3e41b2" providerId="ADAL" clId="{A4D346AA-F248-6444-93C1-EF2F2E65C714}" dt="2024-08-20T11:33:03.837" v="628" actId="1036"/>
-          <ac:picMkLst>
-            <pc:docMk/>
-            <pc:sldMk cId="248048730" sldId="272"/>
-            <ac:picMk id="17" creationId="{0FE1B1AD-E962-2850-8199-8B489F405D39}"/>
-          </ac:picMkLst>
-        </pc:picChg>
-        <pc:picChg chg="mod">
-          <ac:chgData name="Tom Hoyland" userId="736d7a3e-93c7-4109-90c5-e67b8b3e41b2" providerId="ADAL" clId="{A4D346AA-F248-6444-93C1-EF2F2E65C714}" dt="2024-08-20T11:33:03.837" v="628" actId="1036"/>
-          <ac:picMkLst>
-            <pc:docMk/>
-            <pc:sldMk cId="248048730" sldId="272"/>
-            <ac:picMk id="21" creationId="{177349E7-5A4C-46C5-B5B8-4980C12E809F}"/>
-          </ac:picMkLst>
-        </pc:picChg>
-      </pc:sldChg>
-    </pc:docChg>
-  </pc:docChgLst>
-  <pc:docChgLst>
     <pc:chgData name="Tom Hoyland" userId="S::tom.hoyland2@flutteruki.com::736d7a3e-93c7-4109-90c5-e67b8b3e41b2" providerId="AD" clId="Web-{F19ABF11-EF07-D527-F7BB-E1FE47E9926D}"/>
     <pc:docChg chg="modSld">
       <pc:chgData name="Tom Hoyland" userId="S::tom.hoyland2@flutteruki.com::736d7a3e-93c7-4109-90c5-e67b8b3e41b2" providerId="AD" clId="Web-{F19ABF11-EF07-D527-F7BB-E1FE47E9926D}" dt="2024-08-01T14:32:23.491" v="527"/>
@@ -1076,6 +279,803 @@
             </pc226:cmChg>
           </p:ext>
         </pc:extLst>
+      </pc:sldChg>
+    </pc:docChg>
+  </pc:docChgLst>
+  <pc:docChgLst>
+    <pc:chgData name="Tom Hoyland" userId="736d7a3e-93c7-4109-90c5-e67b8b3e41b2" providerId="ADAL" clId="{A4D346AA-F248-6444-93C1-EF2F2E65C714}"/>
+    <pc:docChg chg="undo custSel addSld delSld modSld sldOrd">
+      <pc:chgData name="Tom Hoyland" userId="736d7a3e-93c7-4109-90c5-e67b8b3e41b2" providerId="ADAL" clId="{A4D346AA-F248-6444-93C1-EF2F2E65C714}" dt="2024-08-20T11:33:24.572" v="664" actId="404"/>
+      <pc:docMkLst>
+        <pc:docMk/>
+      </pc:docMkLst>
+      <pc:sldChg chg="addSp delSp modSp mod">
+        <pc:chgData name="Tom Hoyland" userId="736d7a3e-93c7-4109-90c5-e67b8b3e41b2" providerId="ADAL" clId="{A4D346AA-F248-6444-93C1-EF2F2E65C714}" dt="2024-08-20T10:35:24.927" v="523" actId="1076"/>
+        <pc:sldMkLst>
+          <pc:docMk/>
+          <pc:sldMk cId="215971509" sldId="258"/>
+        </pc:sldMkLst>
+        <pc:spChg chg="add del mod">
+          <ac:chgData name="Tom Hoyland" userId="736d7a3e-93c7-4109-90c5-e67b8b3e41b2" providerId="ADAL" clId="{A4D346AA-F248-6444-93C1-EF2F2E65C714}" dt="2024-08-20T10:35:16.759" v="521"/>
+          <ac:spMkLst>
+            <pc:docMk/>
+            <pc:sldMk cId="215971509" sldId="258"/>
+            <ac:spMk id="2" creationId="{13C5DC61-1188-B764-894D-18FA2653502D}"/>
+          </ac:spMkLst>
+        </pc:spChg>
+        <pc:graphicFrameChg chg="mod modGraphic">
+          <ac:chgData name="Tom Hoyland" userId="736d7a3e-93c7-4109-90c5-e67b8b3e41b2" providerId="ADAL" clId="{A4D346AA-F248-6444-93C1-EF2F2E65C714}" dt="2024-08-20T10:35:24.927" v="523" actId="1076"/>
+          <ac:graphicFrameMkLst>
+            <pc:docMk/>
+            <pc:sldMk cId="215971509" sldId="258"/>
+            <ac:graphicFrameMk id="4" creationId="{2C24AB31-CFE6-05B1-A05C-CB4B8F5125D5}"/>
+          </ac:graphicFrameMkLst>
+        </pc:graphicFrameChg>
+      </pc:sldChg>
+      <pc:sldChg chg="addSp delSp modSp del mod">
+        <pc:chgData name="Tom Hoyland" userId="736d7a3e-93c7-4109-90c5-e67b8b3e41b2" providerId="ADAL" clId="{A4D346AA-F248-6444-93C1-EF2F2E65C714}" dt="2024-08-20T11:32:51.918" v="598" actId="2696"/>
+        <pc:sldMkLst>
+          <pc:docMk/>
+          <pc:sldMk cId="1551894915" sldId="261"/>
+        </pc:sldMkLst>
+        <pc:spChg chg="del">
+          <ac:chgData name="Tom Hoyland" userId="736d7a3e-93c7-4109-90c5-e67b8b3e41b2" providerId="ADAL" clId="{A4D346AA-F248-6444-93C1-EF2F2E65C714}" dt="2024-08-20T11:32:39.566" v="595" actId="478"/>
+          <ac:spMkLst>
+            <pc:docMk/>
+            <pc:sldMk cId="1551894915" sldId="261"/>
+            <ac:spMk id="2" creationId="{60114F5B-200D-5E80-5596-D97099667249}"/>
+          </ac:spMkLst>
+        </pc:spChg>
+        <pc:spChg chg="add mod">
+          <ac:chgData name="Tom Hoyland" userId="736d7a3e-93c7-4109-90c5-e67b8b3e41b2" providerId="ADAL" clId="{A4D346AA-F248-6444-93C1-EF2F2E65C714}" dt="2024-08-20T11:32:39.566" v="595" actId="478"/>
+          <ac:spMkLst>
+            <pc:docMk/>
+            <pc:sldMk cId="1551894915" sldId="261"/>
+            <ac:spMk id="4" creationId="{D965E8EF-04AD-6DBB-D01A-5F2B61C6026F}"/>
+          </ac:spMkLst>
+        </pc:spChg>
+        <pc:spChg chg="del">
+          <ac:chgData name="Tom Hoyland" userId="736d7a3e-93c7-4109-90c5-e67b8b3e41b2" providerId="ADAL" clId="{A4D346AA-F248-6444-93C1-EF2F2E65C714}" dt="2024-08-20T11:32:39.566" v="595" actId="478"/>
+          <ac:spMkLst>
+            <pc:docMk/>
+            <pc:sldMk cId="1551894915" sldId="261"/>
+            <ac:spMk id="8" creationId="{8CDDB97D-A02F-8254-5432-E930CF01E0FC}"/>
+          </ac:spMkLst>
+        </pc:spChg>
+        <pc:spChg chg="del">
+          <ac:chgData name="Tom Hoyland" userId="736d7a3e-93c7-4109-90c5-e67b8b3e41b2" providerId="ADAL" clId="{A4D346AA-F248-6444-93C1-EF2F2E65C714}" dt="2024-08-20T11:32:39.566" v="595" actId="478"/>
+          <ac:spMkLst>
+            <pc:docMk/>
+            <pc:sldMk cId="1551894915" sldId="261"/>
+            <ac:spMk id="10" creationId="{C258F823-7B51-957A-9C20-93136D988928}"/>
+          </ac:spMkLst>
+        </pc:spChg>
+        <pc:spChg chg="del">
+          <ac:chgData name="Tom Hoyland" userId="736d7a3e-93c7-4109-90c5-e67b8b3e41b2" providerId="ADAL" clId="{A4D346AA-F248-6444-93C1-EF2F2E65C714}" dt="2024-08-20T11:32:39.566" v="595" actId="478"/>
+          <ac:spMkLst>
+            <pc:docMk/>
+            <pc:sldMk cId="1551894915" sldId="261"/>
+            <ac:spMk id="11" creationId="{706FB268-040E-2102-1308-B242A93B903A}"/>
+          </ac:spMkLst>
+        </pc:spChg>
+        <pc:spChg chg="del">
+          <ac:chgData name="Tom Hoyland" userId="736d7a3e-93c7-4109-90c5-e67b8b3e41b2" providerId="ADAL" clId="{A4D346AA-F248-6444-93C1-EF2F2E65C714}" dt="2024-08-20T11:32:39.566" v="595" actId="478"/>
+          <ac:spMkLst>
+            <pc:docMk/>
+            <pc:sldMk cId="1551894915" sldId="261"/>
+            <ac:spMk id="13" creationId="{380E85BC-FF65-970E-3CDA-C005D8E7882F}"/>
+          </ac:spMkLst>
+        </pc:spChg>
+        <pc:spChg chg="del">
+          <ac:chgData name="Tom Hoyland" userId="736d7a3e-93c7-4109-90c5-e67b8b3e41b2" providerId="ADAL" clId="{A4D346AA-F248-6444-93C1-EF2F2E65C714}" dt="2024-08-20T11:32:39.566" v="595" actId="478"/>
+          <ac:spMkLst>
+            <pc:docMk/>
+            <pc:sldMk cId="1551894915" sldId="261"/>
+            <ac:spMk id="14" creationId="{042E4238-C41B-D73B-C28B-0B462803692E}"/>
+          </ac:spMkLst>
+        </pc:spChg>
+        <pc:spChg chg="del">
+          <ac:chgData name="Tom Hoyland" userId="736d7a3e-93c7-4109-90c5-e67b8b3e41b2" providerId="ADAL" clId="{A4D346AA-F248-6444-93C1-EF2F2E65C714}" dt="2024-08-20T11:32:39.566" v="595" actId="478"/>
+          <ac:spMkLst>
+            <pc:docMk/>
+            <pc:sldMk cId="1551894915" sldId="261"/>
+            <ac:spMk id="16" creationId="{24D6D5B8-560A-7C70-9E81-B8EFB579F08E}"/>
+          </ac:spMkLst>
+        </pc:spChg>
+        <pc:spChg chg="del">
+          <ac:chgData name="Tom Hoyland" userId="736d7a3e-93c7-4109-90c5-e67b8b3e41b2" providerId="ADAL" clId="{A4D346AA-F248-6444-93C1-EF2F2E65C714}" dt="2024-08-20T11:32:39.566" v="595" actId="478"/>
+          <ac:spMkLst>
+            <pc:docMk/>
+            <pc:sldMk cId="1551894915" sldId="261"/>
+            <ac:spMk id="18" creationId="{F93BD877-DC0E-E976-9DE4-BE888B19CF0F}"/>
+          </ac:spMkLst>
+        </pc:spChg>
+        <pc:spChg chg="del">
+          <ac:chgData name="Tom Hoyland" userId="736d7a3e-93c7-4109-90c5-e67b8b3e41b2" providerId="ADAL" clId="{A4D346AA-F248-6444-93C1-EF2F2E65C714}" dt="2024-08-20T11:32:39.566" v="595" actId="478"/>
+          <ac:spMkLst>
+            <pc:docMk/>
+            <pc:sldMk cId="1551894915" sldId="261"/>
+            <ac:spMk id="28" creationId="{5ACB057E-5EA7-0F53-3026-546099232574}"/>
+          </ac:spMkLst>
+        </pc:spChg>
+        <pc:spChg chg="del">
+          <ac:chgData name="Tom Hoyland" userId="736d7a3e-93c7-4109-90c5-e67b8b3e41b2" providerId="ADAL" clId="{A4D346AA-F248-6444-93C1-EF2F2E65C714}" dt="2024-08-20T11:32:39.566" v="595" actId="478"/>
+          <ac:spMkLst>
+            <pc:docMk/>
+            <pc:sldMk cId="1551894915" sldId="261"/>
+            <ac:spMk id="29" creationId="{73641E73-F1C1-EAD9-8C93-D55E7BD2CDF8}"/>
+          </ac:spMkLst>
+        </pc:spChg>
+        <pc:spChg chg="del">
+          <ac:chgData name="Tom Hoyland" userId="736d7a3e-93c7-4109-90c5-e67b8b3e41b2" providerId="ADAL" clId="{A4D346AA-F248-6444-93C1-EF2F2E65C714}" dt="2024-08-20T11:32:39.566" v="595" actId="478"/>
+          <ac:spMkLst>
+            <pc:docMk/>
+            <pc:sldMk cId="1551894915" sldId="261"/>
+            <ac:spMk id="30" creationId="{0E4E77C7-934A-84F8-113F-232F677D364F}"/>
+          </ac:spMkLst>
+        </pc:spChg>
+        <pc:spChg chg="del">
+          <ac:chgData name="Tom Hoyland" userId="736d7a3e-93c7-4109-90c5-e67b8b3e41b2" providerId="ADAL" clId="{A4D346AA-F248-6444-93C1-EF2F2E65C714}" dt="2024-08-20T11:32:39.566" v="595" actId="478"/>
+          <ac:spMkLst>
+            <pc:docMk/>
+            <pc:sldMk cId="1551894915" sldId="261"/>
+            <ac:spMk id="31" creationId="{18DF7356-8B91-65DC-8FE8-32BFE8F1A09C}"/>
+          </ac:spMkLst>
+        </pc:spChg>
+        <pc:spChg chg="del">
+          <ac:chgData name="Tom Hoyland" userId="736d7a3e-93c7-4109-90c5-e67b8b3e41b2" providerId="ADAL" clId="{A4D346AA-F248-6444-93C1-EF2F2E65C714}" dt="2024-08-20T11:32:39.566" v="595" actId="478"/>
+          <ac:spMkLst>
+            <pc:docMk/>
+            <pc:sldMk cId="1551894915" sldId="261"/>
+            <ac:spMk id="32" creationId="{CE0A2A4C-DC20-3B09-E6C1-86C7406F3E22}"/>
+          </ac:spMkLst>
+        </pc:spChg>
+        <pc:spChg chg="del">
+          <ac:chgData name="Tom Hoyland" userId="736d7a3e-93c7-4109-90c5-e67b8b3e41b2" providerId="ADAL" clId="{A4D346AA-F248-6444-93C1-EF2F2E65C714}" dt="2024-08-20T11:32:39.566" v="595" actId="478"/>
+          <ac:spMkLst>
+            <pc:docMk/>
+            <pc:sldMk cId="1551894915" sldId="261"/>
+            <ac:spMk id="33" creationId="{B0CF220A-8F25-72EA-707D-3F51885CA3B4}"/>
+          </ac:spMkLst>
+        </pc:spChg>
+        <pc:spChg chg="del">
+          <ac:chgData name="Tom Hoyland" userId="736d7a3e-93c7-4109-90c5-e67b8b3e41b2" providerId="ADAL" clId="{A4D346AA-F248-6444-93C1-EF2F2E65C714}" dt="2024-08-20T11:32:39.566" v="595" actId="478"/>
+          <ac:spMkLst>
+            <pc:docMk/>
+            <pc:sldMk cId="1551894915" sldId="261"/>
+            <ac:spMk id="34" creationId="{FD091573-20FC-A6D7-6867-DCE7669E0934}"/>
+          </ac:spMkLst>
+        </pc:spChg>
+        <pc:spChg chg="del">
+          <ac:chgData name="Tom Hoyland" userId="736d7a3e-93c7-4109-90c5-e67b8b3e41b2" providerId="ADAL" clId="{A4D346AA-F248-6444-93C1-EF2F2E65C714}" dt="2024-08-20T11:32:39.566" v="595" actId="478"/>
+          <ac:spMkLst>
+            <pc:docMk/>
+            <pc:sldMk cId="1551894915" sldId="261"/>
+            <ac:spMk id="35" creationId="{14C3540D-164D-0502-B9B3-99DA425B4CAA}"/>
+          </ac:spMkLst>
+        </pc:spChg>
+        <pc:spChg chg="del">
+          <ac:chgData name="Tom Hoyland" userId="736d7a3e-93c7-4109-90c5-e67b8b3e41b2" providerId="ADAL" clId="{A4D346AA-F248-6444-93C1-EF2F2E65C714}" dt="2024-08-20T11:32:39.566" v="595" actId="478"/>
+          <ac:spMkLst>
+            <pc:docMk/>
+            <pc:sldMk cId="1551894915" sldId="261"/>
+            <ac:spMk id="36" creationId="{E590E56E-C5E5-6786-556B-9FF43F6C6253}"/>
+          </ac:spMkLst>
+        </pc:spChg>
+        <pc:picChg chg="del">
+          <ac:chgData name="Tom Hoyland" userId="736d7a3e-93c7-4109-90c5-e67b8b3e41b2" providerId="ADAL" clId="{A4D346AA-F248-6444-93C1-EF2F2E65C714}" dt="2024-08-20T11:32:39.566" v="595" actId="478"/>
+          <ac:picMkLst>
+            <pc:docMk/>
+            <pc:sldMk cId="1551894915" sldId="261"/>
+            <ac:picMk id="5" creationId="{62116002-A9FA-E0AB-8E6A-8CEE2DB576CB}"/>
+          </ac:picMkLst>
+        </pc:picChg>
+        <pc:picChg chg="del">
+          <ac:chgData name="Tom Hoyland" userId="736d7a3e-93c7-4109-90c5-e67b8b3e41b2" providerId="ADAL" clId="{A4D346AA-F248-6444-93C1-EF2F2E65C714}" dt="2024-08-20T11:32:39.566" v="595" actId="478"/>
+          <ac:picMkLst>
+            <pc:docMk/>
+            <pc:sldMk cId="1551894915" sldId="261"/>
+            <ac:picMk id="6" creationId="{06F97ED0-2646-B792-8B99-24400765AE9E}"/>
+          </ac:picMkLst>
+        </pc:picChg>
+        <pc:picChg chg="del">
+          <ac:chgData name="Tom Hoyland" userId="736d7a3e-93c7-4109-90c5-e67b8b3e41b2" providerId="ADAL" clId="{A4D346AA-F248-6444-93C1-EF2F2E65C714}" dt="2024-08-20T11:32:39.566" v="595" actId="478"/>
+          <ac:picMkLst>
+            <pc:docMk/>
+            <pc:sldMk cId="1551894915" sldId="261"/>
+            <ac:picMk id="7" creationId="{D006BE89-01FB-EFD8-A0B0-468CE5796739}"/>
+          </ac:picMkLst>
+        </pc:picChg>
+        <pc:picChg chg="del">
+          <ac:chgData name="Tom Hoyland" userId="736d7a3e-93c7-4109-90c5-e67b8b3e41b2" providerId="ADAL" clId="{A4D346AA-F248-6444-93C1-EF2F2E65C714}" dt="2024-08-20T11:32:39.566" v="595" actId="478"/>
+          <ac:picMkLst>
+            <pc:docMk/>
+            <pc:sldMk cId="1551894915" sldId="261"/>
+            <ac:picMk id="9" creationId="{08B66EBF-2D1E-6E8B-FCBD-479EDE455568}"/>
+          </ac:picMkLst>
+        </pc:picChg>
+        <pc:picChg chg="del">
+          <ac:chgData name="Tom Hoyland" userId="736d7a3e-93c7-4109-90c5-e67b8b3e41b2" providerId="ADAL" clId="{A4D346AA-F248-6444-93C1-EF2F2E65C714}" dt="2024-08-20T11:32:39.566" v="595" actId="478"/>
+          <ac:picMkLst>
+            <pc:docMk/>
+            <pc:sldMk cId="1551894915" sldId="261"/>
+            <ac:picMk id="12" creationId="{0AF8A365-1CA9-E91D-685E-C97FBF85A01F}"/>
+          </ac:picMkLst>
+        </pc:picChg>
+        <pc:picChg chg="del">
+          <ac:chgData name="Tom Hoyland" userId="736d7a3e-93c7-4109-90c5-e67b8b3e41b2" providerId="ADAL" clId="{A4D346AA-F248-6444-93C1-EF2F2E65C714}" dt="2024-08-20T11:32:39.566" v="595" actId="478"/>
+          <ac:picMkLst>
+            <pc:docMk/>
+            <pc:sldMk cId="1551894915" sldId="261"/>
+            <ac:picMk id="15" creationId="{C1E2E61F-6957-C476-802C-DAA4E8E3D8FC}"/>
+          </ac:picMkLst>
+        </pc:picChg>
+        <pc:picChg chg="del">
+          <ac:chgData name="Tom Hoyland" userId="736d7a3e-93c7-4109-90c5-e67b8b3e41b2" providerId="ADAL" clId="{A4D346AA-F248-6444-93C1-EF2F2E65C714}" dt="2024-08-20T11:32:39.566" v="595" actId="478"/>
+          <ac:picMkLst>
+            <pc:docMk/>
+            <pc:sldMk cId="1551894915" sldId="261"/>
+            <ac:picMk id="17" creationId="{0F35D7D0-03F8-0064-B5AC-20BCCD3C6C55}"/>
+          </ac:picMkLst>
+        </pc:picChg>
+        <pc:picChg chg="del">
+          <ac:chgData name="Tom Hoyland" userId="736d7a3e-93c7-4109-90c5-e67b8b3e41b2" providerId="ADAL" clId="{A4D346AA-F248-6444-93C1-EF2F2E65C714}" dt="2024-08-20T11:32:39.566" v="595" actId="478"/>
+          <ac:picMkLst>
+            <pc:docMk/>
+            <pc:sldMk cId="1551894915" sldId="261"/>
+            <ac:picMk id="21" creationId="{75F00680-C90D-0C50-BAEB-68DD9870452B}"/>
+          </ac:picMkLst>
+        </pc:picChg>
+      </pc:sldChg>
+      <pc:sldChg chg="addSp delSp modSp add mod ord">
+        <pc:chgData name="Tom Hoyland" userId="736d7a3e-93c7-4109-90c5-e67b8b3e41b2" providerId="ADAL" clId="{A4D346AA-F248-6444-93C1-EF2F2E65C714}" dt="2024-08-20T11:32:33.746" v="594" actId="20577"/>
+        <pc:sldMkLst>
+          <pc:docMk/>
+          <pc:sldMk cId="2712193479" sldId="271"/>
+        </pc:sldMkLst>
+        <pc:spChg chg="del">
+          <ac:chgData name="Tom Hoyland" userId="736d7a3e-93c7-4109-90c5-e67b8b3e41b2" providerId="ADAL" clId="{A4D346AA-F248-6444-93C1-EF2F2E65C714}" dt="2024-08-13T07:33:26.326" v="156" actId="478"/>
+          <ac:spMkLst>
+            <pc:docMk/>
+            <pc:sldMk cId="2712193479" sldId="271"/>
+            <ac:spMk id="2" creationId="{60114F5B-200D-5E80-5596-D97099667249}"/>
+          </ac:spMkLst>
+        </pc:spChg>
+        <pc:spChg chg="add mod">
+          <ac:chgData name="Tom Hoyland" userId="736d7a3e-93c7-4109-90c5-e67b8b3e41b2" providerId="ADAL" clId="{A4D346AA-F248-6444-93C1-EF2F2E65C714}" dt="2024-08-13T07:40:02.434" v="517" actId="1076"/>
+          <ac:spMkLst>
+            <pc:docMk/>
+            <pc:sldMk cId="2712193479" sldId="271"/>
+            <ac:spMk id="3" creationId="{43F9F6AE-A5AC-2E03-0D6A-B04BA76B49BC}"/>
+          </ac:spMkLst>
+        </pc:spChg>
+        <pc:spChg chg="add mod">
+          <ac:chgData name="Tom Hoyland" userId="736d7a3e-93c7-4109-90c5-e67b8b3e41b2" providerId="ADAL" clId="{A4D346AA-F248-6444-93C1-EF2F2E65C714}" dt="2024-08-13T07:40:02.434" v="517" actId="1076"/>
+          <ac:spMkLst>
+            <pc:docMk/>
+            <pc:sldMk cId="2712193479" sldId="271"/>
+            <ac:spMk id="4" creationId="{E151A129-60CE-5725-DCEC-DF20AB33301A}"/>
+          </ac:spMkLst>
+        </pc:spChg>
+        <pc:spChg chg="mod">
+          <ac:chgData name="Tom Hoyland" userId="736d7a3e-93c7-4109-90c5-e67b8b3e41b2" providerId="ADAL" clId="{A4D346AA-F248-6444-93C1-EF2F2E65C714}" dt="2024-08-20T11:32:22.457" v="585" actId="20577"/>
+          <ac:spMkLst>
+            <pc:docMk/>
+            <pc:sldMk cId="2712193479" sldId="271"/>
+            <ac:spMk id="8" creationId="{8CDDB97D-A02F-8254-5432-E930CF01E0FC}"/>
+          </ac:spMkLst>
+        </pc:spChg>
+        <pc:spChg chg="mod">
+          <ac:chgData name="Tom Hoyland" userId="736d7a3e-93c7-4109-90c5-e67b8b3e41b2" providerId="ADAL" clId="{A4D346AA-F248-6444-93C1-EF2F2E65C714}" dt="2024-08-20T11:32:20.806" v="584" actId="20577"/>
+          <ac:spMkLst>
+            <pc:docMk/>
+            <pc:sldMk cId="2712193479" sldId="271"/>
+            <ac:spMk id="10" creationId="{C258F823-7B51-957A-9C20-93136D988928}"/>
+          </ac:spMkLst>
+        </pc:spChg>
+        <pc:spChg chg="mod">
+          <ac:chgData name="Tom Hoyland" userId="736d7a3e-93c7-4109-90c5-e67b8b3e41b2" providerId="ADAL" clId="{A4D346AA-F248-6444-93C1-EF2F2E65C714}" dt="2024-08-20T11:32:25.812" v="587" actId="20577"/>
+          <ac:spMkLst>
+            <pc:docMk/>
+            <pc:sldMk cId="2712193479" sldId="271"/>
+            <ac:spMk id="11" creationId="{706FB268-040E-2102-1308-B242A93B903A}"/>
+          </ac:spMkLst>
+        </pc:spChg>
+        <pc:spChg chg="mod">
+          <ac:chgData name="Tom Hoyland" userId="736d7a3e-93c7-4109-90c5-e67b8b3e41b2" providerId="ADAL" clId="{A4D346AA-F248-6444-93C1-EF2F2E65C714}" dt="2024-08-20T11:32:29.695" v="592" actId="20577"/>
+          <ac:spMkLst>
+            <pc:docMk/>
+            <pc:sldMk cId="2712193479" sldId="271"/>
+            <ac:spMk id="13" creationId="{380E85BC-FF65-970E-3CDA-C005D8E7882F}"/>
+          </ac:spMkLst>
+        </pc:spChg>
+        <pc:spChg chg="mod">
+          <ac:chgData name="Tom Hoyland" userId="736d7a3e-93c7-4109-90c5-e67b8b3e41b2" providerId="ADAL" clId="{A4D346AA-F248-6444-93C1-EF2F2E65C714}" dt="2024-08-20T11:32:32.158" v="593" actId="20577"/>
+          <ac:spMkLst>
+            <pc:docMk/>
+            <pc:sldMk cId="2712193479" sldId="271"/>
+            <ac:spMk id="14" creationId="{042E4238-C41B-D73B-C28B-0B462803692E}"/>
+          </ac:spMkLst>
+        </pc:spChg>
+        <pc:spChg chg="mod">
+          <ac:chgData name="Tom Hoyland" userId="736d7a3e-93c7-4109-90c5-e67b8b3e41b2" providerId="ADAL" clId="{A4D346AA-F248-6444-93C1-EF2F2E65C714}" dt="2024-08-20T11:32:24.083" v="586" actId="20577"/>
+          <ac:spMkLst>
+            <pc:docMk/>
+            <pc:sldMk cId="2712193479" sldId="271"/>
+            <ac:spMk id="16" creationId="{24D6D5B8-560A-7C70-9E81-B8EFB579F08E}"/>
+          </ac:spMkLst>
+        </pc:spChg>
+        <pc:spChg chg="mod">
+          <ac:chgData name="Tom Hoyland" userId="736d7a3e-93c7-4109-90c5-e67b8b3e41b2" providerId="ADAL" clId="{A4D346AA-F248-6444-93C1-EF2F2E65C714}" dt="2024-08-20T11:32:19.042" v="583" actId="20577"/>
+          <ac:spMkLst>
+            <pc:docMk/>
+            <pc:sldMk cId="2712193479" sldId="271"/>
+            <ac:spMk id="18" creationId="{F93BD877-DC0E-E976-9DE4-BE888B19CF0F}"/>
+          </ac:spMkLst>
+        </pc:spChg>
+        <pc:spChg chg="add mod">
+          <ac:chgData name="Tom Hoyland" userId="736d7a3e-93c7-4109-90c5-e67b8b3e41b2" providerId="ADAL" clId="{A4D346AA-F248-6444-93C1-EF2F2E65C714}" dt="2024-08-13T07:40:02.434" v="517" actId="1076"/>
+          <ac:spMkLst>
+            <pc:docMk/>
+            <pc:sldMk cId="2712193479" sldId="271"/>
+            <ac:spMk id="19" creationId="{9BC32168-0734-E7F4-DDAC-4419BE1ED0AC}"/>
+          </ac:spMkLst>
+        </pc:spChg>
+        <pc:spChg chg="add mod">
+          <ac:chgData name="Tom Hoyland" userId="736d7a3e-93c7-4109-90c5-e67b8b3e41b2" providerId="ADAL" clId="{A4D346AA-F248-6444-93C1-EF2F2E65C714}" dt="2024-08-13T07:40:02.434" v="517" actId="1076"/>
+          <ac:spMkLst>
+            <pc:docMk/>
+            <pc:sldMk cId="2712193479" sldId="271"/>
+            <ac:spMk id="20" creationId="{69D48872-11CB-3A33-9C96-131727D0AB45}"/>
+          </ac:spMkLst>
+        </pc:spChg>
+        <pc:spChg chg="add del mod">
+          <ac:chgData name="Tom Hoyland" userId="736d7a3e-93c7-4109-90c5-e67b8b3e41b2" providerId="ADAL" clId="{A4D346AA-F248-6444-93C1-EF2F2E65C714}" dt="2024-08-13T07:33:28.075" v="157" actId="478"/>
+          <ac:spMkLst>
+            <pc:docMk/>
+            <pc:sldMk cId="2712193479" sldId="271"/>
+            <ac:spMk id="23" creationId="{97374FD9-56B1-BD38-01AD-42A8332B8E26}"/>
+          </ac:spMkLst>
+        </pc:spChg>
+        <pc:spChg chg="add mod">
+          <ac:chgData name="Tom Hoyland" userId="736d7a3e-93c7-4109-90c5-e67b8b3e41b2" providerId="ADAL" clId="{A4D346AA-F248-6444-93C1-EF2F2E65C714}" dt="2024-08-13T07:40:02.434" v="517" actId="1076"/>
+          <ac:spMkLst>
+            <pc:docMk/>
+            <pc:sldMk cId="2712193479" sldId="271"/>
+            <ac:spMk id="24" creationId="{16C484F4-FF4B-D129-FAEA-02E2EC8CFE4D}"/>
+          </ac:spMkLst>
+        </pc:spChg>
+        <pc:spChg chg="add mod">
+          <ac:chgData name="Tom Hoyland" userId="736d7a3e-93c7-4109-90c5-e67b8b3e41b2" providerId="ADAL" clId="{A4D346AA-F248-6444-93C1-EF2F2E65C714}" dt="2024-08-13T07:40:02.434" v="517" actId="1076"/>
+          <ac:spMkLst>
+            <pc:docMk/>
+            <pc:sldMk cId="2712193479" sldId="271"/>
+            <ac:spMk id="25" creationId="{5772F33A-FAA4-6619-FC37-5A0C0D431A17}"/>
+          </ac:spMkLst>
+        </pc:spChg>
+        <pc:spChg chg="add mod">
+          <ac:chgData name="Tom Hoyland" userId="736d7a3e-93c7-4109-90c5-e67b8b3e41b2" providerId="ADAL" clId="{A4D346AA-F248-6444-93C1-EF2F2E65C714}" dt="2024-08-13T07:40:02.434" v="517" actId="1076"/>
+          <ac:spMkLst>
+            <pc:docMk/>
+            <pc:sldMk cId="2712193479" sldId="271"/>
+            <ac:spMk id="26" creationId="{8DB1EDB7-0892-A3F2-FB78-D990F034BD8D}"/>
+          </ac:spMkLst>
+        </pc:spChg>
+        <pc:spChg chg="add mod">
+          <ac:chgData name="Tom Hoyland" userId="736d7a3e-93c7-4109-90c5-e67b8b3e41b2" providerId="ADAL" clId="{A4D346AA-F248-6444-93C1-EF2F2E65C714}" dt="2024-08-13T07:40:02.434" v="517" actId="1076"/>
+          <ac:spMkLst>
+            <pc:docMk/>
+            <pc:sldMk cId="2712193479" sldId="271"/>
+            <ac:spMk id="27" creationId="{A82AA132-2F6D-308A-92C4-44C23B119428}"/>
+          </ac:spMkLst>
+        </pc:spChg>
+        <pc:spChg chg="mod">
+          <ac:chgData name="Tom Hoyland" userId="736d7a3e-93c7-4109-90c5-e67b8b3e41b2" providerId="ADAL" clId="{A4D346AA-F248-6444-93C1-EF2F2E65C714}" dt="2024-08-20T11:32:33.746" v="594" actId="20577"/>
+          <ac:spMkLst>
+            <pc:docMk/>
+            <pc:sldMk cId="2712193479" sldId="271"/>
+            <ac:spMk id="28" creationId="{5ACB057E-5EA7-0F53-3026-546099232574}"/>
+          </ac:spMkLst>
+        </pc:spChg>
+        <pc:spChg chg="mod">
+          <ac:chgData name="Tom Hoyland" userId="736d7a3e-93c7-4109-90c5-e67b8b3e41b2" providerId="ADAL" clId="{A4D346AA-F248-6444-93C1-EF2F2E65C714}" dt="2024-08-13T07:40:02.434" v="517" actId="1076"/>
+          <ac:spMkLst>
+            <pc:docMk/>
+            <pc:sldMk cId="2712193479" sldId="271"/>
+            <ac:spMk id="29" creationId="{73641E73-F1C1-EAD9-8C93-D55E7BD2CDF8}"/>
+          </ac:spMkLst>
+        </pc:spChg>
+        <pc:spChg chg="mod">
+          <ac:chgData name="Tom Hoyland" userId="736d7a3e-93c7-4109-90c5-e67b8b3e41b2" providerId="ADAL" clId="{A4D346AA-F248-6444-93C1-EF2F2E65C714}" dt="2024-08-13T07:40:02.434" v="517" actId="1076"/>
+          <ac:spMkLst>
+            <pc:docMk/>
+            <pc:sldMk cId="2712193479" sldId="271"/>
+            <ac:spMk id="30" creationId="{0E4E77C7-934A-84F8-113F-232F677D364F}"/>
+          </ac:spMkLst>
+        </pc:spChg>
+        <pc:spChg chg="mod">
+          <ac:chgData name="Tom Hoyland" userId="736d7a3e-93c7-4109-90c5-e67b8b3e41b2" providerId="ADAL" clId="{A4D346AA-F248-6444-93C1-EF2F2E65C714}" dt="2024-08-13T07:40:02.434" v="517" actId="1076"/>
+          <ac:spMkLst>
+            <pc:docMk/>
+            <pc:sldMk cId="2712193479" sldId="271"/>
+            <ac:spMk id="31" creationId="{18DF7356-8B91-65DC-8FE8-32BFE8F1A09C}"/>
+          </ac:spMkLst>
+        </pc:spChg>
+        <pc:spChg chg="mod">
+          <ac:chgData name="Tom Hoyland" userId="736d7a3e-93c7-4109-90c5-e67b8b3e41b2" providerId="ADAL" clId="{A4D346AA-F248-6444-93C1-EF2F2E65C714}" dt="2024-08-13T07:40:02.434" v="517" actId="1076"/>
+          <ac:spMkLst>
+            <pc:docMk/>
+            <pc:sldMk cId="2712193479" sldId="271"/>
+            <ac:spMk id="32" creationId="{CE0A2A4C-DC20-3B09-E6C1-86C7406F3E22}"/>
+          </ac:spMkLst>
+        </pc:spChg>
+        <pc:spChg chg="mod">
+          <ac:chgData name="Tom Hoyland" userId="736d7a3e-93c7-4109-90c5-e67b8b3e41b2" providerId="ADAL" clId="{A4D346AA-F248-6444-93C1-EF2F2E65C714}" dt="2024-08-13T07:40:02.434" v="517" actId="1076"/>
+          <ac:spMkLst>
+            <pc:docMk/>
+            <pc:sldMk cId="2712193479" sldId="271"/>
+            <ac:spMk id="33" creationId="{B0CF220A-8F25-72EA-707D-3F51885CA3B4}"/>
+          </ac:spMkLst>
+        </pc:spChg>
+        <pc:spChg chg="mod">
+          <ac:chgData name="Tom Hoyland" userId="736d7a3e-93c7-4109-90c5-e67b8b3e41b2" providerId="ADAL" clId="{A4D346AA-F248-6444-93C1-EF2F2E65C714}" dt="2024-08-13T07:40:02.434" v="517" actId="1076"/>
+          <ac:spMkLst>
+            <pc:docMk/>
+            <pc:sldMk cId="2712193479" sldId="271"/>
+            <ac:spMk id="34" creationId="{FD091573-20FC-A6D7-6867-DCE7669E0934}"/>
+          </ac:spMkLst>
+        </pc:spChg>
+        <pc:spChg chg="mod">
+          <ac:chgData name="Tom Hoyland" userId="736d7a3e-93c7-4109-90c5-e67b8b3e41b2" providerId="ADAL" clId="{A4D346AA-F248-6444-93C1-EF2F2E65C714}" dt="2024-08-13T07:40:02.434" v="517" actId="1076"/>
+          <ac:spMkLst>
+            <pc:docMk/>
+            <pc:sldMk cId="2712193479" sldId="271"/>
+            <ac:spMk id="35" creationId="{14C3540D-164D-0502-B9B3-99DA425B4CAA}"/>
+          </ac:spMkLst>
+        </pc:spChg>
+        <pc:spChg chg="mod">
+          <ac:chgData name="Tom Hoyland" userId="736d7a3e-93c7-4109-90c5-e67b8b3e41b2" providerId="ADAL" clId="{A4D346AA-F248-6444-93C1-EF2F2E65C714}" dt="2024-08-13T07:40:02.434" v="517" actId="1076"/>
+          <ac:spMkLst>
+            <pc:docMk/>
+            <pc:sldMk cId="2712193479" sldId="271"/>
+            <ac:spMk id="36" creationId="{E590E56E-C5E5-6786-556B-9FF43F6C6253}"/>
+          </ac:spMkLst>
+        </pc:spChg>
+        <pc:picChg chg="mod">
+          <ac:chgData name="Tom Hoyland" userId="736d7a3e-93c7-4109-90c5-e67b8b3e41b2" providerId="ADAL" clId="{A4D346AA-F248-6444-93C1-EF2F2E65C714}" dt="2024-08-13T07:40:02.434" v="517" actId="1076"/>
+          <ac:picMkLst>
+            <pc:docMk/>
+            <pc:sldMk cId="2712193479" sldId="271"/>
+            <ac:picMk id="5" creationId="{62116002-A9FA-E0AB-8E6A-8CEE2DB576CB}"/>
+          </ac:picMkLst>
+        </pc:picChg>
+        <pc:picChg chg="mod">
+          <ac:chgData name="Tom Hoyland" userId="736d7a3e-93c7-4109-90c5-e67b8b3e41b2" providerId="ADAL" clId="{A4D346AA-F248-6444-93C1-EF2F2E65C714}" dt="2024-08-13T07:40:02.434" v="517" actId="1076"/>
+          <ac:picMkLst>
+            <pc:docMk/>
+            <pc:sldMk cId="2712193479" sldId="271"/>
+            <ac:picMk id="6" creationId="{06F97ED0-2646-B792-8B99-24400765AE9E}"/>
+          </ac:picMkLst>
+        </pc:picChg>
+        <pc:picChg chg="mod">
+          <ac:chgData name="Tom Hoyland" userId="736d7a3e-93c7-4109-90c5-e67b8b3e41b2" providerId="ADAL" clId="{A4D346AA-F248-6444-93C1-EF2F2E65C714}" dt="2024-08-13T07:40:02.434" v="517" actId="1076"/>
+          <ac:picMkLst>
+            <pc:docMk/>
+            <pc:sldMk cId="2712193479" sldId="271"/>
+            <ac:picMk id="7" creationId="{D006BE89-01FB-EFD8-A0B0-468CE5796739}"/>
+          </ac:picMkLst>
+        </pc:picChg>
+        <pc:picChg chg="mod">
+          <ac:chgData name="Tom Hoyland" userId="736d7a3e-93c7-4109-90c5-e67b8b3e41b2" providerId="ADAL" clId="{A4D346AA-F248-6444-93C1-EF2F2E65C714}" dt="2024-08-13T07:40:02.434" v="517" actId="1076"/>
+          <ac:picMkLst>
+            <pc:docMk/>
+            <pc:sldMk cId="2712193479" sldId="271"/>
+            <ac:picMk id="9" creationId="{08B66EBF-2D1E-6E8B-FCBD-479EDE455568}"/>
+          </ac:picMkLst>
+        </pc:picChg>
+        <pc:picChg chg="mod">
+          <ac:chgData name="Tom Hoyland" userId="736d7a3e-93c7-4109-90c5-e67b8b3e41b2" providerId="ADAL" clId="{A4D346AA-F248-6444-93C1-EF2F2E65C714}" dt="2024-08-13T07:40:02.434" v="517" actId="1076"/>
+          <ac:picMkLst>
+            <pc:docMk/>
+            <pc:sldMk cId="2712193479" sldId="271"/>
+            <ac:picMk id="12" creationId="{0AF8A365-1CA9-E91D-685E-C97FBF85A01F}"/>
+          </ac:picMkLst>
+        </pc:picChg>
+        <pc:picChg chg="mod">
+          <ac:chgData name="Tom Hoyland" userId="736d7a3e-93c7-4109-90c5-e67b8b3e41b2" providerId="ADAL" clId="{A4D346AA-F248-6444-93C1-EF2F2E65C714}" dt="2024-08-13T07:40:02.434" v="517" actId="1076"/>
+          <ac:picMkLst>
+            <pc:docMk/>
+            <pc:sldMk cId="2712193479" sldId="271"/>
+            <ac:picMk id="15" creationId="{C1E2E61F-6957-C476-802C-DAA4E8E3D8FC}"/>
+          </ac:picMkLst>
+        </pc:picChg>
+        <pc:picChg chg="mod">
+          <ac:chgData name="Tom Hoyland" userId="736d7a3e-93c7-4109-90c5-e67b8b3e41b2" providerId="ADAL" clId="{A4D346AA-F248-6444-93C1-EF2F2E65C714}" dt="2024-08-13T07:40:02.434" v="517" actId="1076"/>
+          <ac:picMkLst>
+            <pc:docMk/>
+            <pc:sldMk cId="2712193479" sldId="271"/>
+            <ac:picMk id="17" creationId="{0F35D7D0-03F8-0064-B5AC-20BCCD3C6C55}"/>
+          </ac:picMkLst>
+        </pc:picChg>
+        <pc:picChg chg="mod">
+          <ac:chgData name="Tom Hoyland" userId="736d7a3e-93c7-4109-90c5-e67b8b3e41b2" providerId="ADAL" clId="{A4D346AA-F248-6444-93C1-EF2F2E65C714}" dt="2024-08-13T07:40:02.434" v="517" actId="1076"/>
+          <ac:picMkLst>
+            <pc:docMk/>
+            <pc:sldMk cId="2712193479" sldId="271"/>
+            <ac:picMk id="21" creationId="{75F00680-C90D-0C50-BAEB-68DD9870452B}"/>
+          </ac:picMkLst>
+        </pc:picChg>
+      </pc:sldChg>
+      <pc:sldChg chg="addSp modSp add mod ord">
+        <pc:chgData name="Tom Hoyland" userId="736d7a3e-93c7-4109-90c5-e67b8b3e41b2" providerId="ADAL" clId="{A4D346AA-F248-6444-93C1-EF2F2E65C714}" dt="2024-08-20T11:33:24.572" v="664" actId="404"/>
+        <pc:sldMkLst>
+          <pc:docMk/>
+          <pc:sldMk cId="248048730" sldId="272"/>
+        </pc:sldMkLst>
+        <pc:spChg chg="add mod">
+          <ac:chgData name="Tom Hoyland" userId="736d7a3e-93c7-4109-90c5-e67b8b3e41b2" providerId="ADAL" clId="{A4D346AA-F248-6444-93C1-EF2F2E65C714}" dt="2024-08-20T11:33:24.572" v="664" actId="404"/>
+          <ac:spMkLst>
+            <pc:docMk/>
+            <pc:sldMk cId="248048730" sldId="272"/>
+            <ac:spMk id="2" creationId="{DE49AD4B-7FB7-DB4B-1892-2174BDB55FDC}"/>
+          </ac:spMkLst>
+        </pc:spChg>
+        <pc:spChg chg="mod">
+          <ac:chgData name="Tom Hoyland" userId="736d7a3e-93c7-4109-90c5-e67b8b3e41b2" providerId="ADAL" clId="{A4D346AA-F248-6444-93C1-EF2F2E65C714}" dt="2024-08-20T11:33:03.837" v="628" actId="1036"/>
+          <ac:spMkLst>
+            <pc:docMk/>
+            <pc:sldMk cId="248048730" sldId="272"/>
+            <ac:spMk id="3" creationId="{213F28A4-07ED-C70E-C1A5-0B32C5A7DD8D}"/>
+          </ac:spMkLst>
+        </pc:spChg>
+        <pc:spChg chg="mod">
+          <ac:chgData name="Tom Hoyland" userId="736d7a3e-93c7-4109-90c5-e67b8b3e41b2" providerId="ADAL" clId="{A4D346AA-F248-6444-93C1-EF2F2E65C714}" dt="2024-08-20T11:33:03.837" v="628" actId="1036"/>
+          <ac:spMkLst>
+            <pc:docMk/>
+            <pc:sldMk cId="248048730" sldId="272"/>
+            <ac:spMk id="4" creationId="{DD555481-A9B5-D5E1-1F1B-EF8ED78D5CD8}"/>
+          </ac:spMkLst>
+        </pc:spChg>
+        <pc:spChg chg="mod">
+          <ac:chgData name="Tom Hoyland" userId="736d7a3e-93c7-4109-90c5-e67b8b3e41b2" providerId="ADAL" clId="{A4D346AA-F248-6444-93C1-EF2F2E65C714}" dt="2024-08-20T11:33:03.837" v="628" actId="1036"/>
+          <ac:spMkLst>
+            <pc:docMk/>
+            <pc:sldMk cId="248048730" sldId="272"/>
+            <ac:spMk id="8" creationId="{AEAF102F-143D-76EF-DF6D-8B165519A4A4}"/>
+          </ac:spMkLst>
+        </pc:spChg>
+        <pc:spChg chg="mod">
+          <ac:chgData name="Tom Hoyland" userId="736d7a3e-93c7-4109-90c5-e67b8b3e41b2" providerId="ADAL" clId="{A4D346AA-F248-6444-93C1-EF2F2E65C714}" dt="2024-08-20T11:33:03.837" v="628" actId="1036"/>
+          <ac:spMkLst>
+            <pc:docMk/>
+            <pc:sldMk cId="248048730" sldId="272"/>
+            <ac:spMk id="10" creationId="{4AFC90E1-B3DD-B446-A88F-D3102C4BE49F}"/>
+          </ac:spMkLst>
+        </pc:spChg>
+        <pc:spChg chg="mod">
+          <ac:chgData name="Tom Hoyland" userId="736d7a3e-93c7-4109-90c5-e67b8b3e41b2" providerId="ADAL" clId="{A4D346AA-F248-6444-93C1-EF2F2E65C714}" dt="2024-08-20T11:33:03.837" v="628" actId="1036"/>
+          <ac:spMkLst>
+            <pc:docMk/>
+            <pc:sldMk cId="248048730" sldId="272"/>
+            <ac:spMk id="11" creationId="{06C0DA98-AF63-8C25-12CC-42A79D849F04}"/>
+          </ac:spMkLst>
+        </pc:spChg>
+        <pc:spChg chg="mod">
+          <ac:chgData name="Tom Hoyland" userId="736d7a3e-93c7-4109-90c5-e67b8b3e41b2" providerId="ADAL" clId="{A4D346AA-F248-6444-93C1-EF2F2E65C714}" dt="2024-08-20T11:33:03.837" v="628" actId="1036"/>
+          <ac:spMkLst>
+            <pc:docMk/>
+            <pc:sldMk cId="248048730" sldId="272"/>
+            <ac:spMk id="13" creationId="{6D7F7EC6-1E57-62EB-8CD1-03BE4F5ADDED}"/>
+          </ac:spMkLst>
+        </pc:spChg>
+        <pc:spChg chg="mod">
+          <ac:chgData name="Tom Hoyland" userId="736d7a3e-93c7-4109-90c5-e67b8b3e41b2" providerId="ADAL" clId="{A4D346AA-F248-6444-93C1-EF2F2E65C714}" dt="2024-08-20T11:33:03.837" v="628" actId="1036"/>
+          <ac:spMkLst>
+            <pc:docMk/>
+            <pc:sldMk cId="248048730" sldId="272"/>
+            <ac:spMk id="14" creationId="{C264D8AC-B086-B921-85C6-5AF1DD6AD8DE}"/>
+          </ac:spMkLst>
+        </pc:spChg>
+        <pc:spChg chg="mod">
+          <ac:chgData name="Tom Hoyland" userId="736d7a3e-93c7-4109-90c5-e67b8b3e41b2" providerId="ADAL" clId="{A4D346AA-F248-6444-93C1-EF2F2E65C714}" dt="2024-08-20T11:33:03.837" v="628" actId="1036"/>
+          <ac:spMkLst>
+            <pc:docMk/>
+            <pc:sldMk cId="248048730" sldId="272"/>
+            <ac:spMk id="16" creationId="{E4800468-3CA0-2964-AA62-A3AA15AEBB24}"/>
+          </ac:spMkLst>
+        </pc:spChg>
+        <pc:spChg chg="mod">
+          <ac:chgData name="Tom Hoyland" userId="736d7a3e-93c7-4109-90c5-e67b8b3e41b2" providerId="ADAL" clId="{A4D346AA-F248-6444-93C1-EF2F2E65C714}" dt="2024-08-20T11:33:03.837" v="628" actId="1036"/>
+          <ac:spMkLst>
+            <pc:docMk/>
+            <pc:sldMk cId="248048730" sldId="272"/>
+            <ac:spMk id="18" creationId="{63271C5F-2656-11FB-BDA0-F18F429D4AB8}"/>
+          </ac:spMkLst>
+        </pc:spChg>
+        <pc:spChg chg="mod">
+          <ac:chgData name="Tom Hoyland" userId="736d7a3e-93c7-4109-90c5-e67b8b3e41b2" providerId="ADAL" clId="{A4D346AA-F248-6444-93C1-EF2F2E65C714}" dt="2024-08-20T11:33:03.837" v="628" actId="1036"/>
+          <ac:spMkLst>
+            <pc:docMk/>
+            <pc:sldMk cId="248048730" sldId="272"/>
+            <ac:spMk id="19" creationId="{70929939-537B-C447-115E-FED5AF8357AE}"/>
+          </ac:spMkLst>
+        </pc:spChg>
+        <pc:spChg chg="mod">
+          <ac:chgData name="Tom Hoyland" userId="736d7a3e-93c7-4109-90c5-e67b8b3e41b2" providerId="ADAL" clId="{A4D346AA-F248-6444-93C1-EF2F2E65C714}" dt="2024-08-20T11:33:03.837" v="628" actId="1036"/>
+          <ac:spMkLst>
+            <pc:docMk/>
+            <pc:sldMk cId="248048730" sldId="272"/>
+            <ac:spMk id="20" creationId="{59B90136-C70C-1F8D-144A-B8DAA91E8BFF}"/>
+          </ac:spMkLst>
+        </pc:spChg>
+        <pc:spChg chg="mod">
+          <ac:chgData name="Tom Hoyland" userId="736d7a3e-93c7-4109-90c5-e67b8b3e41b2" providerId="ADAL" clId="{A4D346AA-F248-6444-93C1-EF2F2E65C714}" dt="2024-08-20T11:33:03.837" v="628" actId="1036"/>
+          <ac:spMkLst>
+            <pc:docMk/>
+            <pc:sldMk cId="248048730" sldId="272"/>
+            <ac:spMk id="24" creationId="{58A0E144-52CD-ECF3-042B-7992A86DA18B}"/>
+          </ac:spMkLst>
+        </pc:spChg>
+        <pc:spChg chg="mod">
+          <ac:chgData name="Tom Hoyland" userId="736d7a3e-93c7-4109-90c5-e67b8b3e41b2" providerId="ADAL" clId="{A4D346AA-F248-6444-93C1-EF2F2E65C714}" dt="2024-08-20T11:33:03.837" v="628" actId="1036"/>
+          <ac:spMkLst>
+            <pc:docMk/>
+            <pc:sldMk cId="248048730" sldId="272"/>
+            <ac:spMk id="25" creationId="{38DEAD3F-0B7F-2B20-993E-A2B1F014B1CD}"/>
+          </ac:spMkLst>
+        </pc:spChg>
+        <pc:spChg chg="mod">
+          <ac:chgData name="Tom Hoyland" userId="736d7a3e-93c7-4109-90c5-e67b8b3e41b2" providerId="ADAL" clId="{A4D346AA-F248-6444-93C1-EF2F2E65C714}" dt="2024-08-20T11:33:03.837" v="628" actId="1036"/>
+          <ac:spMkLst>
+            <pc:docMk/>
+            <pc:sldMk cId="248048730" sldId="272"/>
+            <ac:spMk id="26" creationId="{3A945144-0789-5A0E-FC67-42CABE016FCE}"/>
+          </ac:spMkLst>
+        </pc:spChg>
+        <pc:spChg chg="mod">
+          <ac:chgData name="Tom Hoyland" userId="736d7a3e-93c7-4109-90c5-e67b8b3e41b2" providerId="ADAL" clId="{A4D346AA-F248-6444-93C1-EF2F2E65C714}" dt="2024-08-20T11:33:03.837" v="628" actId="1036"/>
+          <ac:spMkLst>
+            <pc:docMk/>
+            <pc:sldMk cId="248048730" sldId="272"/>
+            <ac:spMk id="27" creationId="{CCBC6816-D39B-700B-F344-1B0D25A1449C}"/>
+          </ac:spMkLst>
+        </pc:spChg>
+        <pc:spChg chg="mod">
+          <ac:chgData name="Tom Hoyland" userId="736d7a3e-93c7-4109-90c5-e67b8b3e41b2" providerId="ADAL" clId="{A4D346AA-F248-6444-93C1-EF2F2E65C714}" dt="2024-08-20T11:33:03.837" v="628" actId="1036"/>
+          <ac:spMkLst>
+            <pc:docMk/>
+            <pc:sldMk cId="248048730" sldId="272"/>
+            <ac:spMk id="28" creationId="{5A0B0504-FBD2-ED5A-4F3B-787A8587C05A}"/>
+          </ac:spMkLst>
+        </pc:spChg>
+        <pc:spChg chg="mod">
+          <ac:chgData name="Tom Hoyland" userId="736d7a3e-93c7-4109-90c5-e67b8b3e41b2" providerId="ADAL" clId="{A4D346AA-F248-6444-93C1-EF2F2E65C714}" dt="2024-08-20T11:33:03.837" v="628" actId="1036"/>
+          <ac:spMkLst>
+            <pc:docMk/>
+            <pc:sldMk cId="248048730" sldId="272"/>
+            <ac:spMk id="29" creationId="{68B58E08-22AA-A82B-48BD-73CAD4C99992}"/>
+          </ac:spMkLst>
+        </pc:spChg>
+        <pc:spChg chg="mod">
+          <ac:chgData name="Tom Hoyland" userId="736d7a3e-93c7-4109-90c5-e67b8b3e41b2" providerId="ADAL" clId="{A4D346AA-F248-6444-93C1-EF2F2E65C714}" dt="2024-08-20T11:33:03.837" v="628" actId="1036"/>
+          <ac:spMkLst>
+            <pc:docMk/>
+            <pc:sldMk cId="248048730" sldId="272"/>
+            <ac:spMk id="30" creationId="{DEFE14F4-97D1-71EF-B066-BF208197EC0B}"/>
+          </ac:spMkLst>
+        </pc:spChg>
+        <pc:spChg chg="mod">
+          <ac:chgData name="Tom Hoyland" userId="736d7a3e-93c7-4109-90c5-e67b8b3e41b2" providerId="ADAL" clId="{A4D346AA-F248-6444-93C1-EF2F2E65C714}" dt="2024-08-20T11:33:03.837" v="628" actId="1036"/>
+          <ac:spMkLst>
+            <pc:docMk/>
+            <pc:sldMk cId="248048730" sldId="272"/>
+            <ac:spMk id="31" creationId="{8D8F7CEF-134A-D3DA-8445-5A753AB0F80F}"/>
+          </ac:spMkLst>
+        </pc:spChg>
+        <pc:spChg chg="mod">
+          <ac:chgData name="Tom Hoyland" userId="736d7a3e-93c7-4109-90c5-e67b8b3e41b2" providerId="ADAL" clId="{A4D346AA-F248-6444-93C1-EF2F2E65C714}" dt="2024-08-20T11:33:03.837" v="628" actId="1036"/>
+          <ac:spMkLst>
+            <pc:docMk/>
+            <pc:sldMk cId="248048730" sldId="272"/>
+            <ac:spMk id="32" creationId="{5057154F-7DCF-A223-0510-F25D7FD2EE6A}"/>
+          </ac:spMkLst>
+        </pc:spChg>
+        <pc:spChg chg="mod">
+          <ac:chgData name="Tom Hoyland" userId="736d7a3e-93c7-4109-90c5-e67b8b3e41b2" providerId="ADAL" clId="{A4D346AA-F248-6444-93C1-EF2F2E65C714}" dt="2024-08-20T11:33:03.837" v="628" actId="1036"/>
+          <ac:spMkLst>
+            <pc:docMk/>
+            <pc:sldMk cId="248048730" sldId="272"/>
+            <ac:spMk id="33" creationId="{E0D8722E-83A8-C310-122A-30EA2816860E}"/>
+          </ac:spMkLst>
+        </pc:spChg>
+        <pc:spChg chg="mod">
+          <ac:chgData name="Tom Hoyland" userId="736d7a3e-93c7-4109-90c5-e67b8b3e41b2" providerId="ADAL" clId="{A4D346AA-F248-6444-93C1-EF2F2E65C714}" dt="2024-08-20T11:33:03.837" v="628" actId="1036"/>
+          <ac:spMkLst>
+            <pc:docMk/>
+            <pc:sldMk cId="248048730" sldId="272"/>
+            <ac:spMk id="34" creationId="{27018EDB-C14A-2175-DA20-52AE83F8940E}"/>
+          </ac:spMkLst>
+        </pc:spChg>
+        <pc:spChg chg="mod">
+          <ac:chgData name="Tom Hoyland" userId="736d7a3e-93c7-4109-90c5-e67b8b3e41b2" providerId="ADAL" clId="{A4D346AA-F248-6444-93C1-EF2F2E65C714}" dt="2024-08-20T11:33:03.837" v="628" actId="1036"/>
+          <ac:spMkLst>
+            <pc:docMk/>
+            <pc:sldMk cId="248048730" sldId="272"/>
+            <ac:spMk id="35" creationId="{64BD6B3C-21B9-94EB-9163-4D7A83A4A297}"/>
+          </ac:spMkLst>
+        </pc:spChg>
+        <pc:spChg chg="mod">
+          <ac:chgData name="Tom Hoyland" userId="736d7a3e-93c7-4109-90c5-e67b8b3e41b2" providerId="ADAL" clId="{A4D346AA-F248-6444-93C1-EF2F2E65C714}" dt="2024-08-20T11:33:03.837" v="628" actId="1036"/>
+          <ac:spMkLst>
+            <pc:docMk/>
+            <pc:sldMk cId="248048730" sldId="272"/>
+            <ac:spMk id="36" creationId="{965DF994-D945-F5CF-02B0-6FD96B778267}"/>
+          </ac:spMkLst>
+        </pc:spChg>
+        <pc:picChg chg="mod">
+          <ac:chgData name="Tom Hoyland" userId="736d7a3e-93c7-4109-90c5-e67b8b3e41b2" providerId="ADAL" clId="{A4D346AA-F248-6444-93C1-EF2F2E65C714}" dt="2024-08-20T11:33:03.837" v="628" actId="1036"/>
+          <ac:picMkLst>
+            <pc:docMk/>
+            <pc:sldMk cId="248048730" sldId="272"/>
+            <ac:picMk id="5" creationId="{6322FBD9-FD8F-9C95-2729-127E6A05B844}"/>
+          </ac:picMkLst>
+        </pc:picChg>
+        <pc:picChg chg="mod">
+          <ac:chgData name="Tom Hoyland" userId="736d7a3e-93c7-4109-90c5-e67b8b3e41b2" providerId="ADAL" clId="{A4D346AA-F248-6444-93C1-EF2F2E65C714}" dt="2024-08-20T11:33:03.837" v="628" actId="1036"/>
+          <ac:picMkLst>
+            <pc:docMk/>
+            <pc:sldMk cId="248048730" sldId="272"/>
+            <ac:picMk id="6" creationId="{2BE0E3B7-67DB-7D22-62F7-F28225398F7E}"/>
+          </ac:picMkLst>
+        </pc:picChg>
+        <pc:picChg chg="mod">
+          <ac:chgData name="Tom Hoyland" userId="736d7a3e-93c7-4109-90c5-e67b8b3e41b2" providerId="ADAL" clId="{A4D346AA-F248-6444-93C1-EF2F2E65C714}" dt="2024-08-20T11:33:03.837" v="628" actId="1036"/>
+          <ac:picMkLst>
+            <pc:docMk/>
+            <pc:sldMk cId="248048730" sldId="272"/>
+            <ac:picMk id="7" creationId="{4025EFFD-6B77-7453-3202-61E018612DB9}"/>
+          </ac:picMkLst>
+        </pc:picChg>
+        <pc:picChg chg="mod">
+          <ac:chgData name="Tom Hoyland" userId="736d7a3e-93c7-4109-90c5-e67b8b3e41b2" providerId="ADAL" clId="{A4D346AA-F248-6444-93C1-EF2F2E65C714}" dt="2024-08-20T11:33:03.837" v="628" actId="1036"/>
+          <ac:picMkLst>
+            <pc:docMk/>
+            <pc:sldMk cId="248048730" sldId="272"/>
+            <ac:picMk id="9" creationId="{AFD2E46D-615E-B65D-1188-F2A6AB1738D7}"/>
+          </ac:picMkLst>
+        </pc:picChg>
+        <pc:picChg chg="mod">
+          <ac:chgData name="Tom Hoyland" userId="736d7a3e-93c7-4109-90c5-e67b8b3e41b2" providerId="ADAL" clId="{A4D346AA-F248-6444-93C1-EF2F2E65C714}" dt="2024-08-20T11:33:03.837" v="628" actId="1036"/>
+          <ac:picMkLst>
+            <pc:docMk/>
+            <pc:sldMk cId="248048730" sldId="272"/>
+            <ac:picMk id="12" creationId="{5C0C4BE6-1C53-E473-95EA-95C0F5CF1564}"/>
+          </ac:picMkLst>
+        </pc:picChg>
+        <pc:picChg chg="mod">
+          <ac:chgData name="Tom Hoyland" userId="736d7a3e-93c7-4109-90c5-e67b8b3e41b2" providerId="ADAL" clId="{A4D346AA-F248-6444-93C1-EF2F2E65C714}" dt="2024-08-20T11:33:03.837" v="628" actId="1036"/>
+          <ac:picMkLst>
+            <pc:docMk/>
+            <pc:sldMk cId="248048730" sldId="272"/>
+            <ac:picMk id="15" creationId="{1A85A53A-A4EB-808E-BCEA-EEBBAB52ECBA}"/>
+          </ac:picMkLst>
+        </pc:picChg>
+        <pc:picChg chg="mod">
+          <ac:chgData name="Tom Hoyland" userId="736d7a3e-93c7-4109-90c5-e67b8b3e41b2" providerId="ADAL" clId="{A4D346AA-F248-6444-93C1-EF2F2E65C714}" dt="2024-08-20T11:33:03.837" v="628" actId="1036"/>
+          <ac:picMkLst>
+            <pc:docMk/>
+            <pc:sldMk cId="248048730" sldId="272"/>
+            <ac:picMk id="17" creationId="{0FE1B1AD-E962-2850-8199-8B489F405D39}"/>
+          </ac:picMkLst>
+        </pc:picChg>
+        <pc:picChg chg="mod">
+          <ac:chgData name="Tom Hoyland" userId="736d7a3e-93c7-4109-90c5-e67b8b3e41b2" providerId="ADAL" clId="{A4D346AA-F248-6444-93C1-EF2F2E65C714}" dt="2024-08-20T11:33:03.837" v="628" actId="1036"/>
+          <ac:picMkLst>
+            <pc:docMk/>
+            <pc:sldMk cId="248048730" sldId="272"/>
+            <ac:picMk id="21" creationId="{177349E7-5A4C-46C5-B5B8-4980C12E809F}"/>
+          </ac:picMkLst>
+        </pc:picChg>
       </pc:sldChg>
     </pc:docChg>
   </pc:docChgLst>
@@ -3250,7 +3250,7 @@
           <a:p>
             <a:fld id="{5C06DD1F-C8BB-C544-8951-53B94EFC2F92}" type="datetimeFigureOut">
               <a:rPr lang="en-GB" smtClean="0"/>
-              <a:t>09/11/2024</a:t>
+              <a:t>10/11/2024</a:t>
             </a:fld>
             <a:endParaRPr lang="en-GB" dirty="0"/>
           </a:p>
@@ -3772,7 +3772,7 @@
           <a:p>
             <a:fld id="{C2607E07-18ED-174A-9B6F-CAD87D1E6349}" type="datetimeFigureOut">
               <a:rPr lang="en-GB" smtClean="0"/>
-              <a:t>09/11/2024</a:t>
+              <a:t>10/11/2024</a:t>
             </a:fld>
             <a:endParaRPr lang="en-GB" dirty="0"/>
           </a:p>
@@ -3970,7 +3970,7 @@
           <a:p>
             <a:fld id="{C2607E07-18ED-174A-9B6F-CAD87D1E6349}" type="datetimeFigureOut">
               <a:rPr lang="en-GB" smtClean="0"/>
-              <a:t>09/11/2024</a:t>
+              <a:t>10/11/2024</a:t>
             </a:fld>
             <a:endParaRPr lang="en-GB" dirty="0"/>
           </a:p>
@@ -4178,7 +4178,7 @@
           <a:p>
             <a:fld id="{C2607E07-18ED-174A-9B6F-CAD87D1E6349}" type="datetimeFigureOut">
               <a:rPr lang="en-GB" smtClean="0"/>
-              <a:t>09/11/2024</a:t>
+              <a:t>10/11/2024</a:t>
             </a:fld>
             <a:endParaRPr lang="en-GB" dirty="0"/>
           </a:p>
@@ -4376,7 +4376,7 @@
           <a:p>
             <a:fld id="{C2607E07-18ED-174A-9B6F-CAD87D1E6349}" type="datetimeFigureOut">
               <a:rPr lang="en-GB" smtClean="0"/>
-              <a:t>09/11/2024</a:t>
+              <a:t>10/11/2024</a:t>
             </a:fld>
             <a:endParaRPr lang="en-GB" dirty="0"/>
           </a:p>
@@ -4651,7 +4651,7 @@
           <a:p>
             <a:fld id="{C2607E07-18ED-174A-9B6F-CAD87D1E6349}" type="datetimeFigureOut">
               <a:rPr lang="en-GB" smtClean="0"/>
-              <a:t>09/11/2024</a:t>
+              <a:t>10/11/2024</a:t>
             </a:fld>
             <a:endParaRPr lang="en-GB" dirty="0"/>
           </a:p>
@@ -4916,7 +4916,7 @@
           <a:p>
             <a:fld id="{C2607E07-18ED-174A-9B6F-CAD87D1E6349}" type="datetimeFigureOut">
               <a:rPr lang="en-GB" smtClean="0"/>
-              <a:t>09/11/2024</a:t>
+              <a:t>10/11/2024</a:t>
             </a:fld>
             <a:endParaRPr lang="en-GB" dirty="0"/>
           </a:p>
@@ -5328,7 +5328,7 @@
           <a:p>
             <a:fld id="{C2607E07-18ED-174A-9B6F-CAD87D1E6349}" type="datetimeFigureOut">
               <a:rPr lang="en-GB" smtClean="0"/>
-              <a:t>09/11/2024</a:t>
+              <a:t>10/11/2024</a:t>
             </a:fld>
             <a:endParaRPr lang="en-GB" dirty="0"/>
           </a:p>
@@ -5469,7 +5469,7 @@
           <a:p>
             <a:fld id="{C2607E07-18ED-174A-9B6F-CAD87D1E6349}" type="datetimeFigureOut">
               <a:rPr lang="en-GB" smtClean="0"/>
-              <a:t>09/11/2024</a:t>
+              <a:t>10/11/2024</a:t>
             </a:fld>
             <a:endParaRPr lang="en-GB" dirty="0"/>
           </a:p>
@@ -5582,7 +5582,7 @@
           <a:p>
             <a:fld id="{C2607E07-18ED-174A-9B6F-CAD87D1E6349}" type="datetimeFigureOut">
               <a:rPr lang="en-GB" smtClean="0"/>
-              <a:t>09/11/2024</a:t>
+              <a:t>10/11/2024</a:t>
             </a:fld>
             <a:endParaRPr lang="en-GB" dirty="0"/>
           </a:p>
@@ -5893,7 +5893,7 @@
           <a:p>
             <a:fld id="{C2607E07-18ED-174A-9B6F-CAD87D1E6349}" type="datetimeFigureOut">
               <a:rPr lang="en-GB" smtClean="0"/>
-              <a:t>09/11/2024</a:t>
+              <a:t>10/11/2024</a:t>
             </a:fld>
             <a:endParaRPr lang="en-GB" dirty="0"/>
           </a:p>
@@ -6181,7 +6181,7 @@
           <a:p>
             <a:fld id="{C2607E07-18ED-174A-9B6F-CAD87D1E6349}" type="datetimeFigureOut">
               <a:rPr lang="en-GB" smtClean="0"/>
-              <a:t>09/11/2024</a:t>
+              <a:t>10/11/2024</a:t>
             </a:fld>
             <a:endParaRPr lang="en-GB" dirty="0"/>
           </a:p>
@@ -6422,7 +6422,7 @@
           <a:p>
             <a:fld id="{C2607E07-18ED-174A-9B6F-CAD87D1E6349}" type="datetimeFigureOut">
               <a:rPr lang="en-GB" smtClean="0"/>
-              <a:t>09/11/2024</a:t>
+              <a:t>10/11/2024</a:t>
             </a:fld>
             <a:endParaRPr lang="en-GB" dirty="0"/>
           </a:p>
@@ -7066,7 +7066,7 @@
                 <a:latin typeface="Arial" panose="020B0604020202020204" pitchFamily="34" charset="0"/>
                 <a:cs typeface="Arial" panose="020B0604020202020204" pitchFamily="34" charset="0"/>
               </a:rPr>
-              <a:t>Author: Tom Hoyland | Version 1.1</a:t>
+              <a:t>Author: Tom Hoyland | Version 1.2</a:t>
             </a:r>
           </a:p>
         </p:txBody>
@@ -7444,7 +7444,7 @@
                 <a:latin typeface="Arial" panose="020B0604020202020204" pitchFamily="34" charset="0"/>
                 <a:cs typeface="Arial" panose="020B0604020202020204" pitchFamily="34" charset="0"/>
               </a:rPr>
-              <a:t>Author: Tom Hoyland | Version 1.1</a:t>
+              <a:t>Author: Tom Hoyland | Version 1.2</a:t>
             </a:r>
           </a:p>
         </p:txBody>
@@ -7834,7 +7834,7 @@
                 <a:latin typeface="Arial" panose="020B0604020202020204" pitchFamily="34" charset="0"/>
                 <a:cs typeface="Arial" panose="020B0604020202020204" pitchFamily="34" charset="0"/>
               </a:rPr>
-              <a:t>Author: Tom Hoyland | Version 1.1</a:t>
+              <a:t>Author: Tom Hoyland | Version 1.2</a:t>
             </a:r>
           </a:p>
         </p:txBody>
@@ -7976,18 +7976,13 @@
         </p:nvSpPr>
         <p:spPr/>
         <p:txBody>
-          <a:bodyPr>
+          <a:bodyPr vert="horz" lIns="91440" tIns="45720" rIns="91440" bIns="45720" rtlCol="0" anchor="ctr">
             <a:noAutofit/>
           </a:bodyPr>
           <a:lstStyle/>
           <a:p>
-            <a:pPr>
-              <a:lnSpc>
-                <a:spcPct val="100000"/>
-              </a:lnSpc>
-            </a:pPr>
-            <a:r>
-              <a:rPr lang="en-GB" sz="4400" b="1" dirty="0"/>
+            <a:r>
+              <a:rPr lang="en-GB" b="1" dirty="0"/>
               <a:t>6. Origin Story – How We Got Here</a:t>
             </a:r>
           </a:p>
@@ -8120,7 +8115,7 @@
                 <a:latin typeface="Arial" panose="020B0604020202020204" pitchFamily="34" charset="0"/>
                 <a:cs typeface="Arial" panose="020B0604020202020204" pitchFamily="34" charset="0"/>
               </a:rPr>
-              <a:t>Author: Tom Hoyland | Version 1.1</a:t>
+              <a:t>Author: Tom Hoyland | Version 1.2</a:t>
             </a:r>
           </a:p>
         </p:txBody>
@@ -8461,7 +8456,7 @@
                 <a:latin typeface="Arial" panose="020B0604020202020204" pitchFamily="34" charset="0"/>
                 <a:cs typeface="Arial" panose="020B0604020202020204" pitchFamily="34" charset="0"/>
               </a:rPr>
-              <a:t>Author: Tom Hoyland | Version 1.1</a:t>
+              <a:t>Author: Tom Hoyland | Version 1.2</a:t>
             </a:r>
           </a:p>
         </p:txBody>
@@ -8601,23 +8596,23 @@
             <p:ph idx="1"/>
             <p:extLst>
               <p:ext uri="{D42A27DB-BD31-4B8C-83A1-F6EECF244321}">
-                <p14:modId xmlns:p14="http://schemas.microsoft.com/office/powerpoint/2010/main" val="1766532219"/>
+                <p14:modId xmlns:p14="http://schemas.microsoft.com/office/powerpoint/2010/main" val="2793035806"/>
               </p:ext>
             </p:extLst>
           </p:nvPr>
         </p:nvGraphicFramePr>
         <p:xfrm>
-          <a:off x="177311" y="456036"/>
-          <a:ext cx="11782101" cy="5999850"/>
+          <a:off x="177311" y="375418"/>
+          <a:ext cx="11787619" cy="6130162"/>
         </p:xfrm>
         <a:graphic>
           <a:graphicData uri="http://schemas.openxmlformats.org/drawingml/2006/table">
             <a:tbl>
               <a:tblPr>
-                <a:tableStyleId>{16D9F66E-5EB9-4882-86FB-DCBF35E3C3E4}</a:tableStyleId>
+                <a:tableStyleId>{073A0DAA-6AF3-43AB-8588-CEC1D06C72B9}</a:tableStyleId>
               </a:tblPr>
               <a:tblGrid>
-                <a:gridCol w="224882">
+                <a:gridCol w="230400">
                   <a:extLst>
                     <a:ext uri="{9D8B030D-6E8A-4147-A177-3AD203B41FA5}">
                       <a16:colId xmlns:a16="http://schemas.microsoft.com/office/drawing/2014/main" val="3034779421"/>
@@ -8667,7 +8662,7 @@
                   </a:extLst>
                 </a:gridCol>
               </a:tblGrid>
-              <a:tr h="142390">
+              <a:tr h="204890">
                 <a:tc>
                   <a:txBody>
                     <a:bodyPr/>
@@ -8679,31 +8674,12 @@
                           <a:srgbClr val="000000"/>
                         </a:solidFill>
                         <a:effectLst/>
-                        <a:latin typeface="+mn-lt"/>
+                        <a:latin typeface="Arial" panose="020B0604020202020204" pitchFamily="34" charset="0"/>
+                        <a:cs typeface="Arial" panose="020B0604020202020204" pitchFamily="34" charset="0"/>
                       </a:endParaRPr>
                     </a:p>
                   </a:txBody>
                   <a:tcPr marL="866" marR="866" marT="866" marB="0">
-                    <a:lnL w="12700" cmpd="sng">
-                      <a:noFill/>
-                    </a:lnL>
-                    <a:lnR w="12700" cmpd="sng">
-                      <a:noFill/>
-                    </a:lnR>
-                    <a:lnT w="12700" cmpd="sng">
-                      <a:noFill/>
-                    </a:lnT>
-                    <a:lnB w="12700" cmpd="sng">
-                      <a:noFill/>
-                    </a:lnB>
-                    <a:lnTlToBr w="12700" cmpd="sng">
-                      <a:noFill/>
-                      <a:prstDash val="solid"/>
-                    </a:lnTlToBr>
-                    <a:lnBlToTr w="12700" cmpd="sng">
-                      <a:noFill/>
-                      <a:prstDash val="solid"/>
-                    </a:lnBlToTr>
                     <a:noFill/>
                   </a:tcPr>
                 </a:tc>
@@ -8718,33 +8694,22 @@
                           <a:schemeClr val="dk1"/>
                         </a:solidFill>
                         <a:effectLst/>
-                        <a:latin typeface="+mn-lt"/>
+                        <a:latin typeface="Arial" panose="020B0604020202020204" pitchFamily="34" charset="0"/>
                         <a:ea typeface="+mn-ea"/>
-                        <a:cs typeface="+mn-cs"/>
+                        <a:cs typeface="Arial" panose="020B0604020202020204" pitchFamily="34" charset="0"/>
                       </a:endParaRPr>
                     </a:p>
                   </a:txBody>
-                  <a:tcPr marL="866" marR="866" marT="866" marB="0">
-                    <a:lnL w="12700" cmpd="sng">
-                      <a:noFill/>
-                    </a:lnL>
-                    <a:lnR w="12700" cmpd="sng">
-                      <a:noFill/>
+                  <a:tcPr marL="866" marR="866" marT="866" marB="0" anchor="ctr">
+                    <a:lnR w="12700" cap="flat" cmpd="sng" algn="ctr">
+                      <a:solidFill>
+                        <a:schemeClr val="tx1"/>
+                      </a:solidFill>
+                      <a:prstDash val="solid"/>
+                      <a:round/>
+                      <a:headEnd type="none" w="med" len="med"/>
+                      <a:tailEnd type="none" w="med" len="med"/>
                     </a:lnR>
-                    <a:lnT w="12700" cmpd="sng">
-                      <a:noFill/>
-                    </a:lnT>
-                    <a:lnB w="12700" cmpd="sng">
-                      <a:noFill/>
-                    </a:lnB>
-                    <a:lnTlToBr w="12700" cmpd="sng">
-                      <a:noFill/>
-                      <a:prstDash val="solid"/>
-                    </a:lnTlToBr>
-                    <a:lnBlToTr w="12700" cmpd="sng">
-                      <a:noFill/>
-                      <a:prstDash val="solid"/>
-                    </a:lnBlToTr>
                     <a:noFill/>
                   </a:tcPr>
                 </a:tc>
@@ -8757,31 +8722,62 @@
                       <a:r>
                         <a:rPr lang="en-GB" sz="900" b="1" u="none" strike="noStrike" kern="1200" dirty="0">
                           <a:solidFill>
-                            <a:schemeClr val="bg1"/>
+                            <a:sysClr val="windowText" lastClr="000000"/>
                           </a:solidFill>
                           <a:effectLst/>
-                          <a:latin typeface="+mn-lt"/>
+                          <a:latin typeface="Arial" panose="020B0604020202020204" pitchFamily="34" charset="0"/>
+                          <a:cs typeface="Arial" panose="020B0604020202020204" pitchFamily="34" charset="0"/>
                         </a:rPr>
                         <a:t>Role</a:t>
                       </a:r>
                       <a:endParaRPr lang="en-GB" sz="900" b="1" u="none" strike="noStrike" kern="1200" dirty="0">
                         <a:solidFill>
-                          <a:schemeClr val="bg1"/>
+                          <a:sysClr val="windowText" lastClr="000000"/>
                         </a:solidFill>
                         <a:effectLst/>
-                        <a:latin typeface="+mn-lt"/>
+                        <a:latin typeface="Arial" panose="020B0604020202020204" pitchFamily="34" charset="0"/>
                         <a:ea typeface="+mn-ea"/>
-                        <a:cs typeface="+mn-cs"/>
+                        <a:cs typeface="Arial" panose="020B0604020202020204" pitchFamily="34" charset="0"/>
                       </a:endParaRPr>
                     </a:p>
                   </a:txBody>
-                  <a:tcPr marL="866" marR="866" marT="866" marB="0">
-                    <a:lnL w="12700" cmpd="sng">
-                      <a:noFill/>
+                  <a:tcPr marL="866" marR="866" marT="866" marB="0" anchor="ctr">
+                    <a:lnL w="12700" cap="flat" cmpd="sng" algn="ctr">
+                      <a:solidFill>
+                        <a:schemeClr val="tx1"/>
+                      </a:solidFill>
+                      <a:prstDash val="solid"/>
+                      <a:round/>
+                      <a:headEnd type="none" w="med" len="med"/>
+                      <a:tailEnd type="none" w="med" len="med"/>
                     </a:lnL>
-                    <a:solidFill>
-                      <a:schemeClr val="accent3"/>
-                    </a:solidFill>
+                    <a:lnR w="12700" cap="flat" cmpd="sng" algn="ctr">
+                      <a:solidFill>
+                        <a:schemeClr val="tx1"/>
+                      </a:solidFill>
+                      <a:prstDash val="solid"/>
+                      <a:round/>
+                      <a:headEnd type="none" w="med" len="med"/>
+                      <a:tailEnd type="none" w="med" len="med"/>
+                    </a:lnR>
+                    <a:lnT w="12700" cap="flat" cmpd="sng" algn="ctr">
+                      <a:solidFill>
+                        <a:schemeClr val="tx1"/>
+                      </a:solidFill>
+                      <a:prstDash val="solid"/>
+                      <a:round/>
+                      <a:headEnd type="none" w="med" len="med"/>
+                      <a:tailEnd type="none" w="med" len="med"/>
+                    </a:lnT>
+                    <a:lnB w="12700" cap="flat" cmpd="sng" algn="ctr">
+                      <a:solidFill>
+                        <a:schemeClr val="tx1"/>
+                      </a:solidFill>
+                      <a:prstDash val="solid"/>
+                      <a:round/>
+                      <a:headEnd type="none" w="med" len="med"/>
+                      <a:tailEnd type="none" w="med" len="med"/>
+                    </a:lnB>
                   </a:tcPr>
                 </a:tc>
                 <a:tc hMerge="1">
@@ -8866,7 +8862,7 @@
                   </a:ext>
                 </a:extLst>
               </a:tr>
-              <a:tr h="142390">
+              <a:tr h="204890">
                 <a:tc>
                   <a:txBody>
                     <a:bodyPr/>
@@ -8878,35 +8874,21 @@
                           <a:srgbClr val="000000"/>
                         </a:solidFill>
                         <a:effectLst/>
-                        <a:latin typeface="+mn-lt"/>
+                        <a:latin typeface="Arial" panose="020B0604020202020204" pitchFamily="34" charset="0"/>
+                        <a:cs typeface="Arial" panose="020B0604020202020204" pitchFamily="34" charset="0"/>
                       </a:endParaRPr>
                     </a:p>
                   </a:txBody>
                   <a:tcPr marL="866" marR="866" marT="866" marB="0">
-                    <a:lnL w="12700" cap="flat" cmpd="sng" algn="ctr">
-                      <a:noFill/>
-                      <a:prstDash val="solid"/>
-                      <a:round/>
-                      <a:headEnd type="none" w="med" len="med"/>
-                      <a:tailEnd type="none" w="med" len="med"/>
-                    </a:lnL>
-                    <a:lnR w="12700" cmpd="sng">
-                      <a:noFill/>
-                    </a:lnR>
-                    <a:lnT w="12700" cmpd="sng">
-                      <a:noFill/>
-                    </a:lnT>
-                    <a:lnB w="12700" cmpd="sng">
-                      <a:noFill/>
+                    <a:lnB w="12700" cap="flat" cmpd="sng" algn="ctr">
+                      <a:solidFill>
+                        <a:schemeClr val="tx1"/>
+                      </a:solidFill>
+                      <a:prstDash val="solid"/>
+                      <a:round/>
+                      <a:headEnd type="none" w="med" len="med"/>
+                      <a:tailEnd type="none" w="med" len="med"/>
                     </a:lnB>
-                    <a:lnTlToBr w="12700" cmpd="sng">
-                      <a:noFill/>
-                      <a:prstDash val="solid"/>
-                    </a:lnTlToBr>
-                    <a:lnBlToTr w="12700" cmpd="sng">
-                      <a:noFill/>
-                      <a:prstDash val="solid"/>
-                    </a:lnBlToTr>
                     <a:noFill/>
                   </a:tcPr>
                 </a:tc>
@@ -8921,33 +8903,31 @@
                           <a:schemeClr val="dk1"/>
                         </a:solidFill>
                         <a:effectLst/>
-                        <a:latin typeface="+mn-lt"/>
+                        <a:latin typeface="Arial" panose="020B0604020202020204" pitchFamily="34" charset="0"/>
                         <a:ea typeface="+mn-ea"/>
-                        <a:cs typeface="+mn-cs"/>
+                        <a:cs typeface="Arial" panose="020B0604020202020204" pitchFamily="34" charset="0"/>
                       </a:endParaRPr>
                     </a:p>
                   </a:txBody>
-                  <a:tcPr marL="866" marR="866" marT="866" marB="0">
-                    <a:lnL w="12700" cmpd="sng">
-                      <a:noFill/>
-                    </a:lnL>
-                    <a:lnR w="12700" cmpd="sng">
-                      <a:noFill/>
+                  <a:tcPr marL="866" marR="866" marT="866" marB="0" anchor="ctr">
+                    <a:lnR w="12700" cap="flat" cmpd="sng" algn="ctr">
+                      <a:solidFill>
+                        <a:schemeClr val="tx1"/>
+                      </a:solidFill>
+                      <a:prstDash val="solid"/>
+                      <a:round/>
+                      <a:headEnd type="none" w="med" len="med"/>
+                      <a:tailEnd type="none" w="med" len="med"/>
                     </a:lnR>
-                    <a:lnT w="12700" cmpd="sng">
-                      <a:noFill/>
-                    </a:lnT>
-                    <a:lnB w="12700" cmpd="sng">
-                      <a:noFill/>
+                    <a:lnB w="12700" cap="flat" cmpd="sng" algn="ctr">
+                      <a:solidFill>
+                        <a:schemeClr val="tx1"/>
+                      </a:solidFill>
+                      <a:prstDash val="solid"/>
+                      <a:round/>
+                      <a:headEnd type="none" w="med" len="med"/>
+                      <a:tailEnd type="none" w="med" len="med"/>
                     </a:lnB>
-                    <a:lnTlToBr w="12700" cmpd="sng">
-                      <a:noFill/>
-                      <a:prstDash val="solid"/>
-                    </a:lnTlToBr>
-                    <a:lnBlToTr w="12700" cmpd="sng">
-                      <a:noFill/>
-                      <a:prstDash val="solid"/>
-                    </a:lnBlToTr>
                     <a:noFill/>
                   </a:tcPr>
                 </a:tc>
@@ -8960,22 +8940,53 @@
                       <a:r>
                         <a:rPr lang="en-GB" sz="900" b="1" u="none" strike="noStrike" kern="1200" dirty="0">
                           <a:solidFill>
-                            <a:schemeClr val="bg1"/>
+                            <a:sysClr val="windowText" lastClr="000000"/>
                           </a:solidFill>
                           <a:effectLst/>
-                          <a:latin typeface="+mn-lt"/>
+                          <a:latin typeface="Arial" panose="020B0604020202020204" pitchFamily="34" charset="0"/>
+                          <a:cs typeface="Arial" panose="020B0604020202020204" pitchFamily="34" charset="0"/>
                         </a:rPr>
                         <a:t>Agile Practitioner People Manager</a:t>
                       </a:r>
                     </a:p>
                   </a:txBody>
-                  <a:tcPr marL="866" marR="866" marT="866" marB="0">
-                    <a:lnL w="12700" cmpd="sng">
-                      <a:noFill/>
+                  <a:tcPr marL="866" marR="866" marT="866" marB="0" anchor="ctr">
+                    <a:lnL w="12700" cap="flat" cmpd="sng" algn="ctr">
+                      <a:solidFill>
+                        <a:schemeClr val="tx1"/>
+                      </a:solidFill>
+                      <a:prstDash val="solid"/>
+                      <a:round/>
+                      <a:headEnd type="none" w="med" len="med"/>
+                      <a:tailEnd type="none" w="med" len="med"/>
                     </a:lnL>
-                    <a:solidFill>
-                      <a:schemeClr val="accent3"/>
-                    </a:solidFill>
+                    <a:lnR w="12700" cap="flat" cmpd="sng" algn="ctr">
+                      <a:solidFill>
+                        <a:schemeClr val="tx1"/>
+                      </a:solidFill>
+                      <a:prstDash val="solid"/>
+                      <a:round/>
+                      <a:headEnd type="none" w="med" len="med"/>
+                      <a:tailEnd type="none" w="med" len="med"/>
+                    </a:lnR>
+                    <a:lnT w="12700" cap="flat" cmpd="sng" algn="ctr">
+                      <a:solidFill>
+                        <a:schemeClr val="tx1"/>
+                      </a:solidFill>
+                      <a:prstDash val="solid"/>
+                      <a:round/>
+                      <a:headEnd type="none" w="med" len="med"/>
+                      <a:tailEnd type="none" w="med" len="med"/>
+                    </a:lnT>
+                    <a:lnB w="12700" cap="flat" cmpd="sng" algn="ctr">
+                      <a:solidFill>
+                        <a:schemeClr val="tx1"/>
+                      </a:solidFill>
+                      <a:prstDash val="solid"/>
+                      <a:round/>
+                      <a:headEnd type="none" w="med" len="med"/>
+                      <a:tailEnd type="none" w="med" len="med"/>
+                    </a:lnB>
                   </a:tcPr>
                 </a:tc>
                 <a:tc>
@@ -8987,28 +8998,62 @@
                       <a:r>
                         <a:rPr lang="en-GB" sz="900" b="1" u="none" strike="noStrike" kern="1200" dirty="0">
                           <a:solidFill>
-                            <a:schemeClr val="bg1"/>
+                            <a:sysClr val="windowText" lastClr="000000"/>
                           </a:solidFill>
                           <a:effectLst/>
-                          <a:latin typeface="+mn-lt"/>
+                          <a:latin typeface="Arial" panose="020B0604020202020204" pitchFamily="34" charset="0"/>
+                          <a:cs typeface="Arial" panose="020B0604020202020204" pitchFamily="34" charset="0"/>
                         </a:rPr>
                         <a:t>Principal Agile Practitioner</a:t>
                       </a:r>
                       <a:endParaRPr lang="en-GB" sz="900" b="1" u="none" strike="noStrike" kern="1200" dirty="0">
                         <a:solidFill>
-                          <a:schemeClr val="bg1"/>
+                          <a:sysClr val="windowText" lastClr="000000"/>
                         </a:solidFill>
                         <a:effectLst/>
-                        <a:latin typeface="+mn-lt"/>
+                        <a:latin typeface="Arial" panose="020B0604020202020204" pitchFamily="34" charset="0"/>
                         <a:ea typeface="+mn-ea"/>
-                        <a:cs typeface="+mn-cs"/>
+                        <a:cs typeface="Arial" panose="020B0604020202020204" pitchFamily="34" charset="0"/>
                       </a:endParaRPr>
                     </a:p>
                   </a:txBody>
-                  <a:tcPr marL="866" marR="866" marT="866" marB="0">
-                    <a:solidFill>
-                      <a:schemeClr val="accent3"/>
-                    </a:solidFill>
+                  <a:tcPr marL="866" marR="866" marT="866" marB="0" anchor="ctr">
+                    <a:lnL w="12700" cap="flat" cmpd="sng" algn="ctr">
+                      <a:solidFill>
+                        <a:schemeClr val="tx1"/>
+                      </a:solidFill>
+                      <a:prstDash val="solid"/>
+                      <a:round/>
+                      <a:headEnd type="none" w="med" len="med"/>
+                      <a:tailEnd type="none" w="med" len="med"/>
+                    </a:lnL>
+                    <a:lnR w="12700" cap="flat" cmpd="sng" algn="ctr">
+                      <a:solidFill>
+                        <a:schemeClr val="tx1"/>
+                      </a:solidFill>
+                      <a:prstDash val="solid"/>
+                      <a:round/>
+                      <a:headEnd type="none" w="med" len="med"/>
+                      <a:tailEnd type="none" w="med" len="med"/>
+                    </a:lnR>
+                    <a:lnT w="12700" cap="flat" cmpd="sng" algn="ctr">
+                      <a:solidFill>
+                        <a:schemeClr val="tx1"/>
+                      </a:solidFill>
+                      <a:prstDash val="solid"/>
+                      <a:round/>
+                      <a:headEnd type="none" w="med" len="med"/>
+                      <a:tailEnd type="none" w="med" len="med"/>
+                    </a:lnT>
+                    <a:lnB w="12700" cap="flat" cmpd="sng" algn="ctr">
+                      <a:solidFill>
+                        <a:schemeClr val="tx1"/>
+                      </a:solidFill>
+                      <a:prstDash val="solid"/>
+                      <a:round/>
+                      <a:headEnd type="none" w="med" len="med"/>
+                      <a:tailEnd type="none" w="med" len="med"/>
+                    </a:lnB>
                   </a:tcPr>
                 </a:tc>
                 <a:tc>
@@ -9020,28 +9065,62 @@
                       <a:r>
                         <a:rPr lang="en-GB" sz="900" b="1" u="none" strike="noStrike" kern="1200" dirty="0">
                           <a:solidFill>
-                            <a:schemeClr val="bg1"/>
+                            <a:sysClr val="windowText" lastClr="000000"/>
                           </a:solidFill>
                           <a:effectLst/>
-                          <a:latin typeface="+mn-lt"/>
+                          <a:latin typeface="Arial" panose="020B0604020202020204" pitchFamily="34" charset="0"/>
+                          <a:cs typeface="Arial" panose="020B0604020202020204" pitchFamily="34" charset="0"/>
                         </a:rPr>
                         <a:t>Senior Agile Practitioner</a:t>
                       </a:r>
                       <a:endParaRPr lang="en-GB" sz="900" b="1" u="none" strike="noStrike" kern="1200" dirty="0">
                         <a:solidFill>
-                          <a:schemeClr val="bg1"/>
+                          <a:sysClr val="windowText" lastClr="000000"/>
                         </a:solidFill>
                         <a:effectLst/>
-                        <a:latin typeface="+mn-lt"/>
+                        <a:latin typeface="Arial" panose="020B0604020202020204" pitchFamily="34" charset="0"/>
                         <a:ea typeface="+mn-ea"/>
-                        <a:cs typeface="+mn-cs"/>
+                        <a:cs typeface="Arial" panose="020B0604020202020204" pitchFamily="34" charset="0"/>
                       </a:endParaRPr>
                     </a:p>
                   </a:txBody>
-                  <a:tcPr marL="866" marR="866" marT="866" marB="0">
-                    <a:solidFill>
-                      <a:schemeClr val="accent3"/>
-                    </a:solidFill>
+                  <a:tcPr marL="866" marR="866" marT="866" marB="0" anchor="ctr">
+                    <a:lnL w="12700" cap="flat" cmpd="sng" algn="ctr">
+                      <a:solidFill>
+                        <a:schemeClr val="tx1"/>
+                      </a:solidFill>
+                      <a:prstDash val="solid"/>
+                      <a:round/>
+                      <a:headEnd type="none" w="med" len="med"/>
+                      <a:tailEnd type="none" w="med" len="med"/>
+                    </a:lnL>
+                    <a:lnR w="12700" cap="flat" cmpd="sng" algn="ctr">
+                      <a:solidFill>
+                        <a:schemeClr val="tx1"/>
+                      </a:solidFill>
+                      <a:prstDash val="solid"/>
+                      <a:round/>
+                      <a:headEnd type="none" w="med" len="med"/>
+                      <a:tailEnd type="none" w="med" len="med"/>
+                    </a:lnR>
+                    <a:lnT w="12700" cap="flat" cmpd="sng" algn="ctr">
+                      <a:solidFill>
+                        <a:schemeClr val="tx1"/>
+                      </a:solidFill>
+                      <a:prstDash val="solid"/>
+                      <a:round/>
+                      <a:headEnd type="none" w="med" len="med"/>
+                      <a:tailEnd type="none" w="med" len="med"/>
+                    </a:lnT>
+                    <a:lnB w="12700" cap="flat" cmpd="sng" algn="ctr">
+                      <a:solidFill>
+                        <a:schemeClr val="tx1"/>
+                      </a:solidFill>
+                      <a:prstDash val="solid"/>
+                      <a:round/>
+                      <a:headEnd type="none" w="med" len="med"/>
+                      <a:tailEnd type="none" w="med" len="med"/>
+                    </a:lnB>
                   </a:tcPr>
                 </a:tc>
                 <a:tc>
@@ -9053,28 +9132,62 @@
                       <a:r>
                         <a:rPr lang="en-GB" sz="900" b="1" u="none" strike="noStrike" kern="1200" dirty="0">
                           <a:solidFill>
-                            <a:schemeClr val="bg1"/>
+                            <a:sysClr val="windowText" lastClr="000000"/>
                           </a:solidFill>
                           <a:effectLst/>
-                          <a:latin typeface="+mn-lt"/>
+                          <a:latin typeface="Arial" panose="020B0604020202020204" pitchFamily="34" charset="0"/>
+                          <a:cs typeface="Arial" panose="020B0604020202020204" pitchFamily="34" charset="0"/>
                         </a:rPr>
                         <a:t>Agile Practitioner</a:t>
                       </a:r>
                       <a:endParaRPr lang="en-GB" sz="900" b="1" u="none" strike="noStrike" kern="1200" dirty="0">
                         <a:solidFill>
-                          <a:schemeClr val="bg1"/>
+                          <a:sysClr val="windowText" lastClr="000000"/>
                         </a:solidFill>
                         <a:effectLst/>
-                        <a:latin typeface="+mn-lt"/>
+                        <a:latin typeface="Arial" panose="020B0604020202020204" pitchFamily="34" charset="0"/>
                         <a:ea typeface="+mn-ea"/>
-                        <a:cs typeface="+mn-cs"/>
+                        <a:cs typeface="Arial" panose="020B0604020202020204" pitchFamily="34" charset="0"/>
                       </a:endParaRPr>
                     </a:p>
                   </a:txBody>
-                  <a:tcPr marL="866" marR="866" marT="866" marB="0">
-                    <a:solidFill>
-                      <a:schemeClr val="accent3"/>
-                    </a:solidFill>
+                  <a:tcPr marL="866" marR="866" marT="866" marB="0" anchor="ctr">
+                    <a:lnL w="12700" cap="flat" cmpd="sng" algn="ctr">
+                      <a:solidFill>
+                        <a:schemeClr val="tx1"/>
+                      </a:solidFill>
+                      <a:prstDash val="solid"/>
+                      <a:round/>
+                      <a:headEnd type="none" w="med" len="med"/>
+                      <a:tailEnd type="none" w="med" len="med"/>
+                    </a:lnL>
+                    <a:lnR w="12700" cap="flat" cmpd="sng" algn="ctr">
+                      <a:solidFill>
+                        <a:schemeClr val="tx1"/>
+                      </a:solidFill>
+                      <a:prstDash val="solid"/>
+                      <a:round/>
+                      <a:headEnd type="none" w="med" len="med"/>
+                      <a:tailEnd type="none" w="med" len="med"/>
+                    </a:lnR>
+                    <a:lnT w="12700" cap="flat" cmpd="sng" algn="ctr">
+                      <a:solidFill>
+                        <a:schemeClr val="tx1"/>
+                      </a:solidFill>
+                      <a:prstDash val="solid"/>
+                      <a:round/>
+                      <a:headEnd type="none" w="med" len="med"/>
+                      <a:tailEnd type="none" w="med" len="med"/>
+                    </a:lnT>
+                    <a:lnB w="12700" cap="flat" cmpd="sng" algn="ctr">
+                      <a:solidFill>
+                        <a:schemeClr val="tx1"/>
+                      </a:solidFill>
+                      <a:prstDash val="solid"/>
+                      <a:round/>
+                      <a:headEnd type="none" w="med" len="med"/>
+                      <a:tailEnd type="none" w="med" len="med"/>
+                    </a:lnB>
                   </a:tcPr>
                 </a:tc>
                 <a:tc>
@@ -9086,28 +9199,62 @@
                       <a:r>
                         <a:rPr lang="en-GB" sz="900" b="1" u="none" strike="noStrike" kern="1200" dirty="0">
                           <a:solidFill>
-                            <a:schemeClr val="bg1"/>
+                            <a:sysClr val="windowText" lastClr="000000"/>
                           </a:solidFill>
                           <a:effectLst/>
-                          <a:latin typeface="+mn-lt"/>
+                          <a:latin typeface="Arial" panose="020B0604020202020204" pitchFamily="34" charset="0"/>
+                          <a:cs typeface="Arial" panose="020B0604020202020204" pitchFamily="34" charset="0"/>
                         </a:rPr>
                         <a:t>Associate Agile Practitioner</a:t>
                       </a:r>
                       <a:endParaRPr lang="en-GB" sz="900" b="1" u="none" strike="noStrike" kern="1200" dirty="0">
                         <a:solidFill>
-                          <a:schemeClr val="bg1"/>
+                          <a:sysClr val="windowText" lastClr="000000"/>
                         </a:solidFill>
                         <a:effectLst/>
-                        <a:latin typeface="+mn-lt"/>
+                        <a:latin typeface="Arial" panose="020B0604020202020204" pitchFamily="34" charset="0"/>
                         <a:ea typeface="+mn-ea"/>
-                        <a:cs typeface="+mn-cs"/>
+                        <a:cs typeface="Arial" panose="020B0604020202020204" pitchFamily="34" charset="0"/>
                       </a:endParaRPr>
                     </a:p>
                   </a:txBody>
-                  <a:tcPr marL="866" marR="866" marT="866" marB="0">
-                    <a:solidFill>
-                      <a:schemeClr val="accent3"/>
-                    </a:solidFill>
+                  <a:tcPr marL="866" marR="866" marT="866" marB="0" anchor="ctr">
+                    <a:lnL w="12700" cap="flat" cmpd="sng" algn="ctr">
+                      <a:solidFill>
+                        <a:schemeClr val="tx1"/>
+                      </a:solidFill>
+                      <a:prstDash val="solid"/>
+                      <a:round/>
+                      <a:headEnd type="none" w="med" len="med"/>
+                      <a:tailEnd type="none" w="med" len="med"/>
+                    </a:lnL>
+                    <a:lnR w="12700" cap="flat" cmpd="sng" algn="ctr">
+                      <a:solidFill>
+                        <a:schemeClr val="tx1"/>
+                      </a:solidFill>
+                      <a:prstDash val="solid"/>
+                      <a:round/>
+                      <a:headEnd type="none" w="med" len="med"/>
+                      <a:tailEnd type="none" w="med" len="med"/>
+                    </a:lnR>
+                    <a:lnT w="12700" cap="flat" cmpd="sng" algn="ctr">
+                      <a:solidFill>
+                        <a:schemeClr val="tx1"/>
+                      </a:solidFill>
+                      <a:prstDash val="solid"/>
+                      <a:round/>
+                      <a:headEnd type="none" w="med" len="med"/>
+                      <a:tailEnd type="none" w="med" len="med"/>
+                    </a:lnT>
+                    <a:lnB w="12700" cap="flat" cmpd="sng" algn="ctr">
+                      <a:solidFill>
+                        <a:schemeClr val="tx1"/>
+                      </a:solidFill>
+                      <a:prstDash val="solid"/>
+                      <a:round/>
+                      <a:headEnd type="none" w="med" len="med"/>
+                      <a:tailEnd type="none" w="med" len="med"/>
+                    </a:lnB>
                   </a:tcPr>
                 </a:tc>
                 <a:extLst>
@@ -9116,7 +9263,7 @@
                   </a:ext>
                 </a:extLst>
               </a:tr>
-              <a:tr h="645489">
+              <a:tr h="635598">
                 <a:tc rowSpan="9">
                   <a:txBody>
                     <a:bodyPr/>
@@ -9126,31 +9273,62 @@
                       <a:r>
                         <a:rPr lang="en-GB" sz="900" b="1" u="none" strike="noStrike" kern="1200" dirty="0">
                           <a:solidFill>
-                            <a:schemeClr val="bg1"/>
+                            <a:sysClr val="windowText" lastClr="000000"/>
                           </a:solidFill>
                           <a:effectLst/>
-                          <a:latin typeface="+mn-lt"/>
+                          <a:latin typeface="Arial" panose="020B0604020202020204" pitchFamily="34" charset="0"/>
+                          <a:cs typeface="Arial" panose="020B0604020202020204" pitchFamily="34" charset="0"/>
                         </a:rPr>
                         <a:t>Agile Coaching Growth Wheel Stance</a:t>
                       </a:r>
                       <a:endParaRPr lang="en-GB" sz="900" b="1" u="none" strike="noStrike" kern="1200" dirty="0">
                         <a:solidFill>
-                          <a:schemeClr val="bg1"/>
+                          <a:sysClr val="windowText" lastClr="000000"/>
                         </a:solidFill>
                         <a:effectLst/>
-                        <a:latin typeface="+mn-lt"/>
+                        <a:latin typeface="Arial" panose="020B0604020202020204" pitchFamily="34" charset="0"/>
                         <a:ea typeface="+mn-ea"/>
-                        <a:cs typeface="+mn-cs"/>
+                        <a:cs typeface="Arial" panose="020B0604020202020204" pitchFamily="34" charset="0"/>
                       </a:endParaRPr>
                     </a:p>
                   </a:txBody>
                   <a:tcPr marL="866" marR="866" marT="866" marB="0" vert="vert270" anchor="ctr">
-                    <a:lnT w="12700" cmpd="sng">
-                      <a:noFill/>
+                    <a:lnL w="12700" cap="flat" cmpd="sng" algn="ctr">
+                      <a:solidFill>
+                        <a:schemeClr val="tx1"/>
+                      </a:solidFill>
+                      <a:prstDash val="solid"/>
+                      <a:round/>
+                      <a:headEnd type="none" w="med" len="med"/>
+                      <a:tailEnd type="none" w="med" len="med"/>
+                    </a:lnL>
+                    <a:lnR w="12700" cap="flat" cmpd="sng" algn="ctr">
+                      <a:solidFill>
+                        <a:schemeClr val="tx1"/>
+                      </a:solidFill>
+                      <a:prstDash val="solid"/>
+                      <a:round/>
+                      <a:headEnd type="none" w="med" len="med"/>
+                      <a:tailEnd type="none" w="med" len="med"/>
+                    </a:lnR>
+                    <a:lnT w="12700" cap="flat" cmpd="sng" algn="ctr">
+                      <a:solidFill>
+                        <a:schemeClr val="tx1"/>
+                      </a:solidFill>
+                      <a:prstDash val="solid"/>
+                      <a:round/>
+                      <a:headEnd type="none" w="med" len="med"/>
+                      <a:tailEnd type="none" w="med" len="med"/>
                     </a:lnT>
-                    <a:solidFill>
-                      <a:schemeClr val="accent3"/>
-                    </a:solidFill>
+                    <a:lnB w="12700" cap="flat" cmpd="sng" algn="ctr">
+                      <a:solidFill>
+                        <a:schemeClr val="tx1"/>
+                      </a:solidFill>
+                      <a:prstDash val="solid"/>
+                      <a:round/>
+                      <a:headEnd type="none" w="med" len="med"/>
+                      <a:tailEnd type="none" w="med" len="med"/>
+                    </a:lnB>
                   </a:tcPr>
                 </a:tc>
                 <a:tc>
@@ -9162,29 +9340,61 @@
                       <a:r>
                         <a:rPr lang="en-GB" sz="900" b="1" u="none" strike="noStrike" dirty="0">
                           <a:solidFill>
-                            <a:schemeClr val="bg1"/>
+                            <a:sysClr val="windowText" lastClr="000000"/>
                           </a:solidFill>
                           <a:effectLst/>
-                          <a:latin typeface="+mn-lt"/>
+                          <a:latin typeface="Arial" panose="020B0604020202020204" pitchFamily="34" charset="0"/>
+                          <a:cs typeface="Arial" panose="020B0604020202020204" pitchFamily="34" charset="0"/>
                         </a:rPr>
                         <a:t>Self-Mastery</a:t>
                       </a:r>
                       <a:endParaRPr lang="en-GB" sz="900" b="1" i="0" u="none" strike="noStrike" dirty="0">
                         <a:solidFill>
-                          <a:schemeClr val="bg1"/>
+                          <a:sysClr val="windowText" lastClr="000000"/>
                         </a:solidFill>
                         <a:effectLst/>
-                        <a:latin typeface="+mn-lt"/>
+                        <a:latin typeface="Arial" panose="020B0604020202020204" pitchFamily="34" charset="0"/>
+                        <a:cs typeface="Arial" panose="020B0604020202020204" pitchFamily="34" charset="0"/>
                       </a:endParaRPr>
                     </a:p>
                   </a:txBody>
                   <a:tcPr marL="866" marR="866" marT="866" marB="0" anchor="ctr">
-                    <a:lnT w="12700" cmpd="sng">
-                      <a:noFill/>
+                    <a:lnL w="12700" cap="flat" cmpd="sng" algn="ctr">
+                      <a:solidFill>
+                        <a:schemeClr val="tx1"/>
+                      </a:solidFill>
+                      <a:prstDash val="solid"/>
+                      <a:round/>
+                      <a:headEnd type="none" w="med" len="med"/>
+                      <a:tailEnd type="none" w="med" len="med"/>
+                    </a:lnL>
+                    <a:lnR w="12700" cap="flat" cmpd="sng" algn="ctr">
+                      <a:solidFill>
+                        <a:schemeClr val="tx1"/>
+                      </a:solidFill>
+                      <a:prstDash val="solid"/>
+                      <a:round/>
+                      <a:headEnd type="none" w="med" len="med"/>
+                      <a:tailEnd type="none" w="med" len="med"/>
+                    </a:lnR>
+                    <a:lnT w="12700" cap="flat" cmpd="sng" algn="ctr">
+                      <a:solidFill>
+                        <a:schemeClr val="tx1"/>
+                      </a:solidFill>
+                      <a:prstDash val="solid"/>
+                      <a:round/>
+                      <a:headEnd type="none" w="med" len="med"/>
+                      <a:tailEnd type="none" w="med" len="med"/>
                     </a:lnT>
-                    <a:solidFill>
-                      <a:schemeClr val="accent3"/>
-                    </a:solidFill>
+                    <a:lnB w="12700" cap="flat" cmpd="sng" algn="ctr">
+                      <a:solidFill>
+                        <a:schemeClr val="tx1"/>
+                      </a:solidFill>
+                      <a:prstDash val="solid"/>
+                      <a:round/>
+                      <a:headEnd type="none" w="med" len="med"/>
+                      <a:tailEnd type="none" w="med" len="med"/>
+                    </a:lnB>
                   </a:tcPr>
                 </a:tc>
                 <a:tc>
@@ -9194,18 +9404,19 @@
                     <a:p>
                       <a:pPr marL="243450" indent="-171450" algn="l" defTabSz="914400" rtl="0" eaLnBrk="1" fontAlgn="b" latinLnBrk="0" hangingPunct="1">
                         <a:spcAft>
-                          <a:spcPts val="600"/>
+                          <a:spcPts val="200"/>
                         </a:spcAft>
                         <a:buFont typeface="Arial" panose="020B0604020202020204" pitchFamily="34" charset="0"/>
                         <a:buChar char="•"/>
                       </a:pPr>
                       <a:r>
-                        <a:rPr lang="en-GB" sz="600" u="none" strike="noStrike" kern="1200" dirty="0">
+                        <a:rPr lang="en-GB" sz="550" u="none" strike="noStrike" kern="1200" dirty="0">
                           <a:solidFill>
-                            <a:schemeClr val="dk1"/>
+                            <a:sysClr val="windowText" lastClr="000000"/>
                           </a:solidFill>
                           <a:effectLst/>
-                          <a:latin typeface="+mn-lt"/>
+                          <a:latin typeface="Arial" panose="020B0604020202020204" pitchFamily="34" charset="0"/>
+                          <a:cs typeface="Arial" panose="020B0604020202020204" pitchFamily="34" charset="0"/>
                         </a:rPr>
                         <a:t>Practices self-awareness and self-care, balancing personal well-being with professional responsibilities.</a:t>
                       </a:r>
@@ -9213,33 +9424,72 @@
                     <a:p>
                       <a:pPr marL="243450" indent="-171450" algn="l" defTabSz="914400" rtl="0" eaLnBrk="1" fontAlgn="b" latinLnBrk="0" hangingPunct="1">
                         <a:spcAft>
-                          <a:spcPts val="600"/>
+                          <a:spcPts val="200"/>
                         </a:spcAft>
                         <a:buFont typeface="Arial" panose="020B0604020202020204" pitchFamily="34" charset="0"/>
                         <a:buChar char="•"/>
                       </a:pPr>
                       <a:r>
-                        <a:rPr lang="en-GB" sz="600" u="none" strike="noStrike" kern="1200" dirty="0">
+                        <a:rPr lang="en-GB" sz="550" u="none" strike="noStrike" kern="1200" dirty="0">
                           <a:solidFill>
-                            <a:schemeClr val="dk1"/>
+                            <a:sysClr val="windowText" lastClr="000000"/>
                           </a:solidFill>
                           <a:effectLst/>
-                          <a:latin typeface="+mn-lt"/>
+                          <a:latin typeface="Arial" panose="020B0604020202020204" pitchFamily="34" charset="0"/>
+                          <a:cs typeface="Arial" panose="020B0604020202020204" pitchFamily="34" charset="0"/>
                         </a:rPr>
                         <a:t>Demonstrates emotional intelligence in leadership roles, creating a supportive and inclusive work environment.</a:t>
                       </a:r>
-                      <a:endParaRPr lang="en-GB" sz="600" u="none" strike="noStrike" kern="1200" dirty="0">
+                      <a:endParaRPr lang="en-GB" sz="550" u="none" strike="noStrike" kern="1200" dirty="0">
                         <a:solidFill>
-                          <a:schemeClr val="dk1"/>
+                          <a:sysClr val="windowText" lastClr="000000"/>
                         </a:solidFill>
                         <a:effectLst/>
-                        <a:latin typeface="+mn-lt"/>
+                        <a:latin typeface="Arial" panose="020B0604020202020204" pitchFamily="34" charset="0"/>
                         <a:ea typeface="+mn-ea"/>
-                        <a:cs typeface="+mn-cs"/>
+                        <a:cs typeface="Arial" panose="020B0604020202020204" pitchFamily="34" charset="0"/>
                       </a:endParaRPr>
                     </a:p>
                   </a:txBody>
-                  <a:tcPr marL="866" marR="866" marT="866" marB="0" anchor="ctr"/>
+                  <a:tcPr marL="866" marR="866" marT="866" marB="0" anchor="ctr">
+                    <a:lnL w="12700" cap="flat" cmpd="sng" algn="ctr">
+                      <a:solidFill>
+                        <a:schemeClr val="tx1"/>
+                      </a:solidFill>
+                      <a:prstDash val="solid"/>
+                      <a:round/>
+                      <a:headEnd type="none" w="med" len="med"/>
+                      <a:tailEnd type="none" w="med" len="med"/>
+                    </a:lnL>
+                    <a:lnR w="12700" cap="flat" cmpd="sng" algn="ctr">
+                      <a:solidFill>
+                        <a:schemeClr val="tx1"/>
+                      </a:solidFill>
+                      <a:prstDash val="solid"/>
+                      <a:round/>
+                      <a:headEnd type="none" w="med" len="med"/>
+                      <a:tailEnd type="none" w="med" len="med"/>
+                    </a:lnR>
+                    <a:lnT w="12700" cap="flat" cmpd="sng" algn="ctr">
+                      <a:solidFill>
+                        <a:schemeClr val="tx1"/>
+                      </a:solidFill>
+                      <a:prstDash val="solid"/>
+                      <a:round/>
+                      <a:headEnd type="none" w="med" len="med"/>
+                      <a:tailEnd type="none" w="med" len="med"/>
+                    </a:lnT>
+                    <a:lnB w="12700" cap="flat" cmpd="sng" algn="ctr">
+                      <a:solidFill>
+                        <a:schemeClr val="tx1"/>
+                      </a:solidFill>
+                      <a:prstDash val="solid"/>
+                      <a:round/>
+                      <a:headEnd type="none" w="med" len="med"/>
+                      <a:tailEnd type="none" w="med" len="med"/>
+                    </a:lnB>
+                    <a:noFill/>
+                  </a:tcPr>
                 </a:tc>
                 <a:tc>
                   <a:txBody>
@@ -9248,52 +9498,92 @@
                     <a:p>
                       <a:pPr marL="243450" indent="-171450" algn="l" defTabSz="914400" rtl="0" eaLnBrk="1" fontAlgn="b" latinLnBrk="0" hangingPunct="1">
                         <a:spcAft>
-                          <a:spcPts val="600"/>
+                          <a:spcPts val="200"/>
                         </a:spcAft>
                         <a:buFont typeface="Arial" panose="020B0604020202020204" pitchFamily="34" charset="0"/>
                         <a:buChar char="•"/>
                       </a:pPr>
                       <a:r>
-                        <a:rPr lang="en-GB" sz="600" u="none" strike="noStrike" kern="1200" dirty="0">
+                        <a:rPr lang="en-GB" sz="550" u="none" strike="noStrike" kern="1200" dirty="0">
                           <a:solidFill>
-                            <a:schemeClr val="dk1"/>
+                            <a:sysClr val="windowText" lastClr="000000"/>
                           </a:solidFill>
                           <a:effectLst/>
-                          <a:latin typeface="+mn-lt"/>
+                          <a:latin typeface="Arial" panose="020B0604020202020204" pitchFamily="34" charset="0"/>
+                          <a:cs typeface="Arial" panose="020B0604020202020204" pitchFamily="34" charset="0"/>
                         </a:rPr>
-                        <a:t>Prioritizes self-mastery, fostering a culture of learning and reflection across the organization.</a:t>
+                        <a:t>Prioritizes self-mastery, fostering a culture of learning   and reflection across the organization.</a:t>
                       </a:r>
                     </a:p>
                     <a:p>
                       <a:pPr marL="243450" indent="-171450" algn="l" defTabSz="914400" rtl="0" eaLnBrk="1" fontAlgn="b" latinLnBrk="0" hangingPunct="1">
                         <a:spcAft>
-                          <a:spcPts val="600"/>
+                          <a:spcPts val="200"/>
                         </a:spcAft>
                         <a:buFont typeface="Arial" panose="020B0604020202020204" pitchFamily="34" charset="0"/>
                         <a:buChar char="•"/>
                       </a:pPr>
                       <a:r>
-                        <a:rPr lang="en-GB" sz="600" u="none" strike="noStrike" kern="1200" dirty="0">
+                        <a:rPr lang="en-GB" sz="550" u="none" strike="noStrike" kern="1200" dirty="0">
                           <a:solidFill>
-                            <a:schemeClr val="dk1"/>
+                            <a:sysClr val="windowText" lastClr="000000"/>
                           </a:solidFill>
                           <a:effectLst/>
-                          <a:latin typeface="+mn-lt"/>
+                          <a:latin typeface="Arial" panose="020B0604020202020204" pitchFamily="34" charset="0"/>
+                          <a:cs typeface="Arial" panose="020B0604020202020204" pitchFamily="34" charset="0"/>
                         </a:rPr>
                         <a:t>Leads by example, demonstrating resilience and adaptability in navigating complex and transformative initiatives and deliveries.</a:t>
                       </a:r>
-                      <a:endParaRPr lang="en-GB" sz="600" u="none" strike="noStrike" kern="1200" dirty="0">
+                      <a:endParaRPr lang="en-GB" sz="550" u="none" strike="noStrike" kern="1200" dirty="0">
                         <a:solidFill>
-                          <a:schemeClr val="dk1"/>
+                          <a:sysClr val="windowText" lastClr="000000"/>
                         </a:solidFill>
                         <a:effectLst/>
-                        <a:latin typeface="+mn-lt"/>
+                        <a:latin typeface="Arial" panose="020B0604020202020204" pitchFamily="34" charset="0"/>
                         <a:ea typeface="+mn-ea"/>
-                        <a:cs typeface="+mn-cs"/>
+                        <a:cs typeface="Arial" panose="020B0604020202020204" pitchFamily="34" charset="0"/>
                       </a:endParaRPr>
                     </a:p>
                   </a:txBody>
-                  <a:tcPr marL="866" marR="866" marT="866" marB="0" anchor="ctr"/>
+                  <a:tcPr marL="866" marR="866" marT="866" marB="0" anchor="ctr">
+                    <a:lnL w="12700" cap="flat" cmpd="sng" algn="ctr">
+                      <a:solidFill>
+                        <a:schemeClr val="tx1"/>
+                      </a:solidFill>
+                      <a:prstDash val="solid"/>
+                      <a:round/>
+                      <a:headEnd type="none" w="med" len="med"/>
+                      <a:tailEnd type="none" w="med" len="med"/>
+                    </a:lnL>
+                    <a:lnR w="12700" cap="flat" cmpd="sng" algn="ctr">
+                      <a:solidFill>
+                        <a:schemeClr val="tx1"/>
+                      </a:solidFill>
+                      <a:prstDash val="solid"/>
+                      <a:round/>
+                      <a:headEnd type="none" w="med" len="med"/>
+                      <a:tailEnd type="none" w="med" len="med"/>
+                    </a:lnR>
+                    <a:lnT w="12700" cap="flat" cmpd="sng" algn="ctr">
+                      <a:solidFill>
+                        <a:schemeClr val="tx1"/>
+                      </a:solidFill>
+                      <a:prstDash val="solid"/>
+                      <a:round/>
+                      <a:headEnd type="none" w="med" len="med"/>
+                      <a:tailEnd type="none" w="med" len="med"/>
+                    </a:lnT>
+                    <a:lnB w="12700" cap="flat" cmpd="sng" algn="ctr">
+                      <a:solidFill>
+                        <a:schemeClr val="tx1"/>
+                      </a:solidFill>
+                      <a:prstDash val="solid"/>
+                      <a:round/>
+                      <a:headEnd type="none" w="med" len="med"/>
+                      <a:tailEnd type="none" w="med" len="med"/>
+                    </a:lnB>
+                    <a:noFill/>
+                  </a:tcPr>
                 </a:tc>
                 <a:tc>
                   <a:txBody>
@@ -9302,18 +9592,19 @@
                     <a:p>
                       <a:pPr marL="243450" indent="-171450" algn="l" defTabSz="914400" rtl="0" eaLnBrk="1" fontAlgn="b" latinLnBrk="0" hangingPunct="1">
                         <a:spcAft>
-                          <a:spcPts val="600"/>
+                          <a:spcPts val="200"/>
                         </a:spcAft>
                         <a:buFont typeface="Arial" panose="020B0604020202020204" pitchFamily="34" charset="0"/>
                         <a:buChar char="•"/>
                       </a:pPr>
                       <a:r>
-                        <a:rPr lang="en-GB" sz="600" u="none" strike="noStrike" kern="1200" dirty="0">
+                        <a:rPr lang="en-GB" sz="550" u="none" strike="noStrike" kern="1200" dirty="0">
                           <a:solidFill>
-                            <a:schemeClr val="dk1"/>
+                            <a:sysClr val="windowText" lastClr="000000"/>
                           </a:solidFill>
                           <a:effectLst/>
-                          <a:latin typeface="+mn-lt"/>
+                          <a:latin typeface="Arial" panose="020B0604020202020204" pitchFamily="34" charset="0"/>
+                          <a:cs typeface="Arial" panose="020B0604020202020204" pitchFamily="34" charset="0"/>
                         </a:rPr>
                         <a:t>Embodies self-mastery, demonstrating emotional and social intelligence in leadership and coaching roles.</a:t>
                       </a:r>
@@ -9321,33 +9612,72 @@
                     <a:p>
                       <a:pPr marL="243450" indent="-171450" algn="l" defTabSz="914400" rtl="0" eaLnBrk="1" fontAlgn="b" latinLnBrk="0" hangingPunct="1">
                         <a:spcAft>
-                          <a:spcPts val="600"/>
+                          <a:spcPts val="200"/>
                         </a:spcAft>
                         <a:buFont typeface="Arial" panose="020B0604020202020204" pitchFamily="34" charset="0"/>
                         <a:buChar char="•"/>
                       </a:pPr>
                       <a:r>
-                        <a:rPr lang="en-GB" sz="600" u="none" strike="noStrike" kern="1200" dirty="0">
+                        <a:rPr lang="en-GB" sz="550" u="none" strike="noStrike" kern="1200" dirty="0">
                           <a:solidFill>
-                            <a:schemeClr val="dk1"/>
+                            <a:sysClr val="windowText" lastClr="000000"/>
                           </a:solidFill>
                           <a:effectLst/>
-                          <a:latin typeface="+mn-lt"/>
+                          <a:latin typeface="Arial" panose="020B0604020202020204" pitchFamily="34" charset="0"/>
+                          <a:cs typeface="Arial" panose="020B0604020202020204" pitchFamily="34" charset="0"/>
                         </a:rPr>
                         <a:t>Invests in personal growth and well-being, serving as a role model for continuous learning and development.</a:t>
                       </a:r>
-                      <a:endParaRPr lang="en-GB" sz="600" u="none" strike="noStrike" kern="1200" dirty="0">
+                      <a:endParaRPr lang="en-GB" sz="550" u="none" strike="noStrike" kern="1200" dirty="0">
                         <a:solidFill>
-                          <a:schemeClr val="dk1"/>
+                          <a:sysClr val="windowText" lastClr="000000"/>
                         </a:solidFill>
                         <a:effectLst/>
-                        <a:latin typeface="+mn-lt"/>
+                        <a:latin typeface="Arial" panose="020B0604020202020204" pitchFamily="34" charset="0"/>
                         <a:ea typeface="+mn-ea"/>
-                        <a:cs typeface="+mn-cs"/>
+                        <a:cs typeface="Arial" panose="020B0604020202020204" pitchFamily="34" charset="0"/>
                       </a:endParaRPr>
                     </a:p>
                   </a:txBody>
-                  <a:tcPr marL="866" marR="866" marT="866" marB="0" anchor="ctr"/>
+                  <a:tcPr marL="866" marR="866" marT="866" marB="0" anchor="ctr">
+                    <a:lnL w="12700" cap="flat" cmpd="sng" algn="ctr">
+                      <a:solidFill>
+                        <a:schemeClr val="tx1"/>
+                      </a:solidFill>
+                      <a:prstDash val="solid"/>
+                      <a:round/>
+                      <a:headEnd type="none" w="med" len="med"/>
+                      <a:tailEnd type="none" w="med" len="med"/>
+                    </a:lnL>
+                    <a:lnR w="12700" cap="flat" cmpd="sng" algn="ctr">
+                      <a:solidFill>
+                        <a:schemeClr val="tx1"/>
+                      </a:solidFill>
+                      <a:prstDash val="solid"/>
+                      <a:round/>
+                      <a:headEnd type="none" w="med" len="med"/>
+                      <a:tailEnd type="none" w="med" len="med"/>
+                    </a:lnR>
+                    <a:lnT w="12700" cap="flat" cmpd="sng" algn="ctr">
+                      <a:solidFill>
+                        <a:schemeClr val="tx1"/>
+                      </a:solidFill>
+                      <a:prstDash val="solid"/>
+                      <a:round/>
+                      <a:headEnd type="none" w="med" len="med"/>
+                      <a:tailEnd type="none" w="med" len="med"/>
+                    </a:lnT>
+                    <a:lnB w="12700" cap="flat" cmpd="sng" algn="ctr">
+                      <a:solidFill>
+                        <a:schemeClr val="tx1"/>
+                      </a:solidFill>
+                      <a:prstDash val="solid"/>
+                      <a:round/>
+                      <a:headEnd type="none" w="med" len="med"/>
+                      <a:tailEnd type="none" w="med" len="med"/>
+                    </a:lnB>
+                    <a:noFill/>
+                  </a:tcPr>
                 </a:tc>
                 <a:tc>
                   <a:txBody>
@@ -9356,18 +9686,19 @@
                     <a:p>
                       <a:pPr marL="243450" indent="-171450" algn="l" defTabSz="914400" rtl="0" eaLnBrk="1" fontAlgn="b" latinLnBrk="0" hangingPunct="1">
                         <a:spcAft>
-                          <a:spcPts val="600"/>
+                          <a:spcPts val="200"/>
                         </a:spcAft>
                         <a:buFont typeface="Arial" panose="020B0604020202020204" pitchFamily="34" charset="0"/>
                         <a:buChar char="•"/>
                       </a:pPr>
                       <a:r>
-                        <a:rPr lang="en-GB" sz="600" u="none" strike="noStrike" kern="1200" dirty="0">
+                        <a:rPr lang="en-GB" sz="550" u="none" strike="noStrike" kern="1200" dirty="0">
                           <a:solidFill>
-                            <a:schemeClr val="dk1"/>
+                            <a:sysClr val="windowText" lastClr="000000"/>
                           </a:solidFill>
                           <a:effectLst/>
-                          <a:latin typeface="+mn-lt"/>
+                          <a:latin typeface="Arial" panose="020B0604020202020204" pitchFamily="34" charset="0"/>
+                          <a:cs typeface="Arial" panose="020B0604020202020204" pitchFamily="34" charset="0"/>
                         </a:rPr>
                         <a:t>Practices self-awareness and reflection, continually learning and growing as an Agile practitioner.</a:t>
                       </a:r>
@@ -9375,33 +9706,72 @@
                     <a:p>
                       <a:pPr marL="243450" indent="-171450" algn="l" defTabSz="914400" rtl="0" eaLnBrk="1" fontAlgn="b" latinLnBrk="0" hangingPunct="1">
                         <a:spcAft>
-                          <a:spcPts val="600"/>
+                          <a:spcPts val="200"/>
                         </a:spcAft>
                         <a:buFont typeface="Arial" panose="020B0604020202020204" pitchFamily="34" charset="0"/>
                         <a:buChar char="•"/>
                       </a:pPr>
                       <a:r>
-                        <a:rPr lang="en-GB" sz="600" u="none" strike="noStrike" kern="1200" dirty="0">
+                        <a:rPr lang="en-GB" sz="550" u="none" strike="noStrike" kern="1200" dirty="0">
                           <a:solidFill>
-                            <a:schemeClr val="dk1"/>
+                            <a:sysClr val="windowText" lastClr="000000"/>
                           </a:solidFill>
                           <a:effectLst/>
-                          <a:latin typeface="+mn-lt"/>
+                          <a:latin typeface="Arial" panose="020B0604020202020204" pitchFamily="34" charset="0"/>
+                          <a:cs typeface="Arial" panose="020B0604020202020204" pitchFamily="34" charset="0"/>
                         </a:rPr>
-                        <a:t>Focuses on emotional intelligence and social awareness to effectively navigate team dynamics and challenges.</a:t>
+                        <a:t>Focuses on emotional intelligence and social awareness  to effectively navigate team dynamics and challenges.</a:t>
                       </a:r>
-                      <a:endParaRPr lang="en-GB" sz="600" u="none" strike="noStrike" kern="1200" dirty="0">
+                      <a:endParaRPr lang="en-GB" sz="550" u="none" strike="noStrike" kern="1200" dirty="0">
                         <a:solidFill>
-                          <a:schemeClr val="dk1"/>
+                          <a:sysClr val="windowText" lastClr="000000"/>
                         </a:solidFill>
                         <a:effectLst/>
-                        <a:latin typeface="+mn-lt"/>
+                        <a:latin typeface="Arial" panose="020B0604020202020204" pitchFamily="34" charset="0"/>
                         <a:ea typeface="+mn-ea"/>
-                        <a:cs typeface="+mn-cs"/>
+                        <a:cs typeface="Arial" panose="020B0604020202020204" pitchFamily="34" charset="0"/>
                       </a:endParaRPr>
                     </a:p>
                   </a:txBody>
-                  <a:tcPr marL="866" marR="866" marT="866" marB="0" anchor="ctr"/>
+                  <a:tcPr marL="866" marR="866" marT="866" marB="0" anchor="ctr">
+                    <a:lnL w="12700" cap="flat" cmpd="sng" algn="ctr">
+                      <a:solidFill>
+                        <a:schemeClr val="tx1"/>
+                      </a:solidFill>
+                      <a:prstDash val="solid"/>
+                      <a:round/>
+                      <a:headEnd type="none" w="med" len="med"/>
+                      <a:tailEnd type="none" w="med" len="med"/>
+                    </a:lnL>
+                    <a:lnR w="12700" cap="flat" cmpd="sng" algn="ctr">
+                      <a:solidFill>
+                        <a:schemeClr val="tx1"/>
+                      </a:solidFill>
+                      <a:prstDash val="solid"/>
+                      <a:round/>
+                      <a:headEnd type="none" w="med" len="med"/>
+                      <a:tailEnd type="none" w="med" len="med"/>
+                    </a:lnR>
+                    <a:lnT w="12700" cap="flat" cmpd="sng" algn="ctr">
+                      <a:solidFill>
+                        <a:schemeClr val="tx1"/>
+                      </a:solidFill>
+                      <a:prstDash val="solid"/>
+                      <a:round/>
+                      <a:headEnd type="none" w="med" len="med"/>
+                      <a:tailEnd type="none" w="med" len="med"/>
+                    </a:lnT>
+                    <a:lnB w="12700" cap="flat" cmpd="sng" algn="ctr">
+                      <a:solidFill>
+                        <a:schemeClr val="tx1"/>
+                      </a:solidFill>
+                      <a:prstDash val="solid"/>
+                      <a:round/>
+                      <a:headEnd type="none" w="med" len="med"/>
+                      <a:tailEnd type="none" w="med" len="med"/>
+                    </a:lnB>
+                    <a:noFill/>
+                  </a:tcPr>
                 </a:tc>
                 <a:tc>
                   <a:txBody>
@@ -9410,52 +9780,92 @@
                     <a:p>
                       <a:pPr marL="243450" indent="-171450" algn="l" defTabSz="914400" rtl="0" eaLnBrk="1" fontAlgn="b" latinLnBrk="0" hangingPunct="1">
                         <a:spcAft>
-                          <a:spcPts val="600"/>
+                          <a:spcPts val="200"/>
                         </a:spcAft>
                         <a:buFont typeface="Arial" panose="020B0604020202020204" pitchFamily="34" charset="0"/>
                         <a:buChar char="•"/>
                       </a:pPr>
                       <a:r>
-                        <a:rPr lang="en-GB" sz="600" u="none" strike="noStrike" kern="1200" dirty="0">
+                        <a:rPr lang="en-GB" sz="550" u="none" strike="noStrike" kern="1200" dirty="0">
                           <a:solidFill>
-                            <a:schemeClr val="dk1"/>
+                            <a:sysClr val="windowText" lastClr="000000"/>
                           </a:solidFill>
                           <a:effectLst/>
-                          <a:latin typeface="+mn-lt"/>
+                          <a:latin typeface="Arial" panose="020B0604020202020204" pitchFamily="34" charset="0"/>
+                          <a:cs typeface="Arial" panose="020B0604020202020204" pitchFamily="34" charset="0"/>
                         </a:rPr>
-                        <a:t>Focuses on personal growth and development, investing in learning opportunities and seeking mentorship.</a:t>
+                        <a:t>Focuses on personal growth and development, investing  in learning opportunities and seeking mentorship.</a:t>
                       </a:r>
                     </a:p>
                     <a:p>
                       <a:pPr marL="243450" indent="-171450" algn="l" defTabSz="914400" rtl="0" eaLnBrk="1" fontAlgn="b" latinLnBrk="0" hangingPunct="1">
                         <a:spcAft>
-                          <a:spcPts val="600"/>
+                          <a:spcPts val="200"/>
                         </a:spcAft>
                         <a:buFont typeface="Arial" panose="020B0604020202020204" pitchFamily="34" charset="0"/>
                         <a:buChar char="•"/>
                       </a:pPr>
                       <a:r>
-                        <a:rPr lang="en-GB" sz="600" u="none" strike="noStrike" kern="1200" dirty="0">
+                        <a:rPr lang="en-GB" sz="550" u="none" strike="noStrike" kern="1200" dirty="0">
                           <a:solidFill>
-                            <a:schemeClr val="dk1"/>
+                            <a:sysClr val="windowText" lastClr="000000"/>
                           </a:solidFill>
                           <a:effectLst/>
-                          <a:latin typeface="+mn-lt"/>
+                          <a:latin typeface="Arial" panose="020B0604020202020204" pitchFamily="34" charset="0"/>
+                          <a:cs typeface="Arial" panose="020B0604020202020204" pitchFamily="34" charset="0"/>
                         </a:rPr>
                         <a:t>Develops emotional and social intelligence to effectively contribute to team dynamics and initiative success.</a:t>
                       </a:r>
-                      <a:endParaRPr lang="en-GB" sz="600" u="none" strike="noStrike" kern="1200" dirty="0">
+                      <a:endParaRPr lang="en-GB" sz="550" u="none" strike="noStrike" kern="1200" dirty="0">
                         <a:solidFill>
-                          <a:schemeClr val="dk1"/>
+                          <a:sysClr val="windowText" lastClr="000000"/>
                         </a:solidFill>
                         <a:effectLst/>
-                        <a:latin typeface="+mn-lt"/>
+                        <a:latin typeface="Arial" panose="020B0604020202020204" pitchFamily="34" charset="0"/>
                         <a:ea typeface="+mn-ea"/>
-                        <a:cs typeface="+mn-cs"/>
+                        <a:cs typeface="Arial" panose="020B0604020202020204" pitchFamily="34" charset="0"/>
                       </a:endParaRPr>
                     </a:p>
                   </a:txBody>
-                  <a:tcPr marL="866" marR="866" marT="866" marB="0" anchor="ctr"/>
+                  <a:tcPr marL="866" marR="866" marT="866" marB="0" anchor="ctr">
+                    <a:lnL w="12700" cap="flat" cmpd="sng" algn="ctr">
+                      <a:solidFill>
+                        <a:schemeClr val="tx1"/>
+                      </a:solidFill>
+                      <a:prstDash val="solid"/>
+                      <a:round/>
+                      <a:headEnd type="none" w="med" len="med"/>
+                      <a:tailEnd type="none" w="med" len="med"/>
+                    </a:lnL>
+                    <a:lnR w="12700" cap="flat" cmpd="sng" algn="ctr">
+                      <a:solidFill>
+                        <a:schemeClr val="tx1"/>
+                      </a:solidFill>
+                      <a:prstDash val="solid"/>
+                      <a:round/>
+                      <a:headEnd type="none" w="med" len="med"/>
+                      <a:tailEnd type="none" w="med" len="med"/>
+                    </a:lnR>
+                    <a:lnT w="12700" cap="flat" cmpd="sng" algn="ctr">
+                      <a:solidFill>
+                        <a:schemeClr val="tx1"/>
+                      </a:solidFill>
+                      <a:prstDash val="solid"/>
+                      <a:round/>
+                      <a:headEnd type="none" w="med" len="med"/>
+                      <a:tailEnd type="none" w="med" len="med"/>
+                    </a:lnT>
+                    <a:lnB w="12700" cap="flat" cmpd="sng" algn="ctr">
+                      <a:solidFill>
+                        <a:schemeClr val="tx1"/>
+                      </a:solidFill>
+                      <a:prstDash val="solid"/>
+                      <a:round/>
+                      <a:headEnd type="none" w="med" len="med"/>
+                      <a:tailEnd type="none" w="med" len="med"/>
+                    </a:lnB>
+                    <a:noFill/>
+                  </a:tcPr>
                 </a:tc>
                 <a:extLst>
                   <a:ext uri="{0D108BD9-81ED-4DB2-BD59-A6C34878D82A}">
@@ -9463,7 +9873,7 @@
                   </a:ext>
                 </a:extLst>
               </a:tr>
-              <a:tr h="645489">
+              <a:tr h="635598">
                 <a:tc vMerge="1">
                   <a:txBody>
                     <a:bodyPr/>
@@ -9490,10 +9900,11 @@
                       <a:r>
                         <a:rPr lang="en-GB" sz="900" b="1" u="none" strike="noStrike" dirty="0">
                           <a:solidFill>
-                            <a:schemeClr val="bg1"/>
+                            <a:sysClr val="windowText" lastClr="000000"/>
                           </a:solidFill>
                           <a:effectLst/>
-                          <a:latin typeface="+mn-lt"/>
+                          <a:latin typeface="Arial" panose="020B0604020202020204" pitchFamily="34" charset="0"/>
+                          <a:cs typeface="Arial" panose="020B0604020202020204" pitchFamily="34" charset="0"/>
                         </a:rPr>
                         <a:t>Agile/Lean </a:t>
                       </a:r>
@@ -9503,26 +9914,61 @@
                       <a:r>
                         <a:rPr lang="en-GB" sz="900" b="1" u="none" strike="noStrike" dirty="0">
                           <a:solidFill>
-                            <a:schemeClr val="bg1"/>
+                            <a:sysClr val="windowText" lastClr="000000"/>
                           </a:solidFill>
                           <a:effectLst/>
-                          <a:latin typeface="+mn-lt"/>
+                          <a:latin typeface="Arial" panose="020B0604020202020204" pitchFamily="34" charset="0"/>
+                          <a:cs typeface="Arial" panose="020B0604020202020204" pitchFamily="34" charset="0"/>
                         </a:rPr>
                         <a:t>Practitioner</a:t>
                       </a:r>
                       <a:endParaRPr lang="en-GB" sz="900" b="1" i="0" u="none" strike="noStrike" dirty="0">
                         <a:solidFill>
-                          <a:schemeClr val="bg1"/>
+                          <a:sysClr val="windowText" lastClr="000000"/>
                         </a:solidFill>
                         <a:effectLst/>
-                        <a:latin typeface="+mn-lt"/>
+                        <a:latin typeface="Arial" panose="020B0604020202020204" pitchFamily="34" charset="0"/>
+                        <a:cs typeface="Arial" panose="020B0604020202020204" pitchFamily="34" charset="0"/>
                       </a:endParaRPr>
                     </a:p>
                   </a:txBody>
                   <a:tcPr marL="866" marR="866" marT="866" marB="0" anchor="ctr">
-                    <a:solidFill>
-                      <a:schemeClr val="accent3"/>
-                    </a:solidFill>
+                    <a:lnL w="12700" cap="flat" cmpd="sng" algn="ctr">
+                      <a:solidFill>
+                        <a:schemeClr val="tx1"/>
+                      </a:solidFill>
+                      <a:prstDash val="solid"/>
+                      <a:round/>
+                      <a:headEnd type="none" w="med" len="med"/>
+                      <a:tailEnd type="none" w="med" len="med"/>
+                    </a:lnL>
+                    <a:lnR w="12700" cap="flat" cmpd="sng" algn="ctr">
+                      <a:solidFill>
+                        <a:schemeClr val="tx1"/>
+                      </a:solidFill>
+                      <a:prstDash val="solid"/>
+                      <a:round/>
+                      <a:headEnd type="none" w="med" len="med"/>
+                      <a:tailEnd type="none" w="med" len="med"/>
+                    </a:lnR>
+                    <a:lnT w="12700" cap="flat" cmpd="sng" algn="ctr">
+                      <a:solidFill>
+                        <a:schemeClr val="tx1"/>
+                      </a:solidFill>
+                      <a:prstDash val="solid"/>
+                      <a:round/>
+                      <a:headEnd type="none" w="med" len="med"/>
+                      <a:tailEnd type="none" w="med" len="med"/>
+                    </a:lnT>
+                    <a:lnB w="12700" cap="flat" cmpd="sng" algn="ctr">
+                      <a:solidFill>
+                        <a:schemeClr val="tx1"/>
+                      </a:solidFill>
+                      <a:prstDash val="solid"/>
+                      <a:round/>
+                      <a:headEnd type="none" w="med" len="med"/>
+                      <a:tailEnd type="none" w="med" len="med"/>
+                    </a:lnB>
                   </a:tcPr>
                 </a:tc>
                 <a:tc>
@@ -9532,18 +9978,19 @@
                     <a:p>
                       <a:pPr marL="243450" indent="-171450" algn="l" defTabSz="914400" rtl="0" eaLnBrk="1" fontAlgn="b" latinLnBrk="0" hangingPunct="1">
                         <a:spcAft>
-                          <a:spcPts val="600"/>
+                          <a:spcPts val="200"/>
                         </a:spcAft>
                         <a:buFont typeface="Arial" panose="020B0604020202020204" pitchFamily="34" charset="0"/>
                         <a:buChar char="•"/>
                       </a:pPr>
                       <a:r>
-                        <a:rPr lang="en-GB" sz="600" u="none" strike="noStrike" kern="1200" dirty="0">
+                        <a:rPr lang="en-GB" sz="550" u="none" strike="noStrike" kern="1200" dirty="0">
                           <a:solidFill>
-                            <a:schemeClr val="dk1"/>
+                            <a:sysClr val="windowText" lastClr="000000"/>
                           </a:solidFill>
                           <a:effectLst/>
-                          <a:latin typeface="+mn-lt"/>
+                          <a:latin typeface="Arial" panose="020B0604020202020204" pitchFamily="34" charset="0"/>
+                          <a:cs typeface="Arial" panose="020B0604020202020204" pitchFamily="34" charset="0"/>
                         </a:rPr>
                         <a:t>Exhibits deep understanding and experience in Agile methods and frameworks, guiding teams in their implementation and execution.</a:t>
                       </a:r>
@@ -9551,33 +9998,71 @@
                     <a:p>
                       <a:pPr marL="243450" indent="-171450" algn="l" defTabSz="914400" rtl="0" eaLnBrk="1" fontAlgn="b" latinLnBrk="0" hangingPunct="1">
                         <a:spcAft>
-                          <a:spcPts val="600"/>
+                          <a:spcPts val="200"/>
                         </a:spcAft>
                         <a:buFont typeface="Arial" panose="020B0604020202020204" pitchFamily="34" charset="0"/>
                         <a:buChar char="•"/>
                       </a:pPr>
                       <a:r>
-                        <a:rPr lang="en-GB" sz="600" u="none" strike="noStrike" kern="1200" dirty="0">
+                        <a:rPr lang="en-GB" sz="550" u="none" strike="noStrike" kern="1200" dirty="0">
                           <a:solidFill>
-                            <a:schemeClr val="dk1"/>
+                            <a:sysClr val="windowText" lastClr="000000"/>
                           </a:solidFill>
                           <a:effectLst/>
-                          <a:latin typeface="+mn-lt"/>
+                          <a:latin typeface="Arial" panose="020B0604020202020204" pitchFamily="34" charset="0"/>
+                          <a:cs typeface="Arial" panose="020B0604020202020204" pitchFamily="34" charset="0"/>
                         </a:rPr>
                         <a:t>Provides expertise in Agile practices such as Scrum or Kanban, ensuring alignment with Agile principles and values.</a:t>
                       </a:r>
-                      <a:endParaRPr lang="en-GB" sz="600" u="none" strike="noStrike" kern="1200" dirty="0">
+                      <a:endParaRPr lang="en-GB" sz="550" u="none" strike="noStrike" kern="1200" dirty="0">
                         <a:solidFill>
-                          <a:schemeClr val="dk1"/>
+                          <a:sysClr val="windowText" lastClr="000000"/>
                         </a:solidFill>
                         <a:effectLst/>
-                        <a:latin typeface="+mn-lt"/>
+                        <a:latin typeface="Arial" panose="020B0604020202020204" pitchFamily="34" charset="0"/>
                         <a:ea typeface="+mn-ea"/>
-                        <a:cs typeface="+mn-cs"/>
+                        <a:cs typeface="Arial" panose="020B0604020202020204" pitchFamily="34" charset="0"/>
                       </a:endParaRPr>
                     </a:p>
                   </a:txBody>
-                  <a:tcPr marL="866" marR="866" marT="866" marB="0" anchor="ctr"/>
+                  <a:tcPr marL="866" marR="866" marT="866" marB="0" anchor="ctr">
+                    <a:lnL w="12700" cap="flat" cmpd="sng" algn="ctr">
+                      <a:solidFill>
+                        <a:schemeClr val="tx1"/>
+                      </a:solidFill>
+                      <a:prstDash val="solid"/>
+                      <a:round/>
+                      <a:headEnd type="none" w="med" len="med"/>
+                      <a:tailEnd type="none" w="med" len="med"/>
+                    </a:lnL>
+                    <a:lnR w="12700" cap="flat" cmpd="sng" algn="ctr">
+                      <a:solidFill>
+                        <a:schemeClr val="tx1"/>
+                      </a:solidFill>
+                      <a:prstDash val="solid"/>
+                      <a:round/>
+                      <a:headEnd type="none" w="med" len="med"/>
+                      <a:tailEnd type="none" w="med" len="med"/>
+                    </a:lnR>
+                    <a:lnT w="12700" cap="flat" cmpd="sng" algn="ctr">
+                      <a:solidFill>
+                        <a:schemeClr val="tx1"/>
+                      </a:solidFill>
+                      <a:prstDash val="solid"/>
+                      <a:round/>
+                      <a:headEnd type="none" w="med" len="med"/>
+                      <a:tailEnd type="none" w="med" len="med"/>
+                    </a:lnT>
+                    <a:lnB w="12700" cap="flat" cmpd="sng" algn="ctr">
+                      <a:solidFill>
+                        <a:schemeClr val="tx1"/>
+                      </a:solidFill>
+                      <a:prstDash val="solid"/>
+                      <a:round/>
+                      <a:headEnd type="none" w="med" len="med"/>
+                      <a:tailEnd type="none" w="med" len="med"/>
+                    </a:lnB>
+                  </a:tcPr>
                 </a:tc>
                 <a:tc>
                   <a:txBody>
@@ -9586,18 +10071,19 @@
                     <a:p>
                       <a:pPr marL="243450" indent="-171450" algn="l" defTabSz="914400" rtl="0" eaLnBrk="1" fontAlgn="b" latinLnBrk="0" hangingPunct="1">
                         <a:spcAft>
-                          <a:spcPts val="600"/>
+                          <a:spcPts val="200"/>
                         </a:spcAft>
                         <a:buFont typeface="Arial" panose="020B0604020202020204" pitchFamily="34" charset="0"/>
                         <a:buChar char="•"/>
                       </a:pPr>
                       <a:r>
-                        <a:rPr lang="en-GB" sz="600" u="none" strike="noStrike" kern="1200" dirty="0">
+                        <a:rPr lang="en-GB" sz="550" u="none" strike="noStrike" kern="1200" dirty="0">
                           <a:solidFill>
-                            <a:schemeClr val="dk1"/>
+                            <a:sysClr val="windowText" lastClr="000000"/>
                           </a:solidFill>
                           <a:effectLst/>
-                          <a:latin typeface="+mn-lt"/>
+                          <a:latin typeface="Arial" panose="020B0604020202020204" pitchFamily="34" charset="0"/>
+                          <a:cs typeface="Arial" panose="020B0604020202020204" pitchFamily="34" charset="0"/>
                         </a:rPr>
                         <a:t>Serves as a subject matter expert in Agile methods, providing guidance and support in their adoption and implementation.</a:t>
                       </a:r>
@@ -9605,33 +10091,71 @@
                     <a:p>
                       <a:pPr marL="243450" indent="-171450" algn="l" defTabSz="914400" rtl="0" eaLnBrk="1" fontAlgn="b" latinLnBrk="0" hangingPunct="1">
                         <a:spcAft>
-                          <a:spcPts val="600"/>
+                          <a:spcPts val="200"/>
                         </a:spcAft>
                         <a:buFont typeface="Arial" panose="020B0604020202020204" pitchFamily="34" charset="0"/>
                         <a:buChar char="•"/>
                       </a:pPr>
                       <a:r>
-                        <a:rPr lang="en-GB" sz="600" u="none" strike="noStrike" kern="1200" dirty="0">
+                        <a:rPr lang="en-GB" sz="550" u="none" strike="noStrike" kern="1200" dirty="0">
                           <a:solidFill>
-                            <a:schemeClr val="dk1"/>
+                            <a:sysClr val="windowText" lastClr="000000"/>
                           </a:solidFill>
                           <a:effectLst/>
-                          <a:latin typeface="+mn-lt"/>
+                          <a:latin typeface="Arial" panose="020B0604020202020204" pitchFamily="34" charset="0"/>
+                          <a:cs typeface="Arial" panose="020B0604020202020204" pitchFamily="34" charset="0"/>
                         </a:rPr>
-                        <a:t>Leads Agile transformation efforts, driving the organization towards Agile maturity and excellence.</a:t>
+                        <a:t>Leads Agile transformation efforts, driving the  organization towards Agile maturity and excellence.</a:t>
                       </a:r>
-                      <a:endParaRPr lang="en-GB" sz="600" u="none" strike="noStrike" kern="1200" dirty="0">
+                      <a:endParaRPr lang="en-GB" sz="550" u="none" strike="noStrike" kern="1200" dirty="0">
                         <a:solidFill>
-                          <a:schemeClr val="dk1"/>
+                          <a:sysClr val="windowText" lastClr="000000"/>
                         </a:solidFill>
                         <a:effectLst/>
-                        <a:latin typeface="+mn-lt"/>
+                        <a:latin typeface="Arial" panose="020B0604020202020204" pitchFamily="34" charset="0"/>
                         <a:ea typeface="+mn-ea"/>
-                        <a:cs typeface="+mn-cs"/>
+                        <a:cs typeface="Arial" panose="020B0604020202020204" pitchFamily="34" charset="0"/>
                       </a:endParaRPr>
                     </a:p>
                   </a:txBody>
-                  <a:tcPr marL="866" marR="866" marT="866" marB="0" anchor="ctr"/>
+                  <a:tcPr marL="866" marR="866" marT="866" marB="0" anchor="ctr">
+                    <a:lnL w="12700" cap="flat" cmpd="sng" algn="ctr">
+                      <a:solidFill>
+                        <a:schemeClr val="tx1"/>
+                      </a:solidFill>
+                      <a:prstDash val="solid"/>
+                      <a:round/>
+                      <a:headEnd type="none" w="med" len="med"/>
+                      <a:tailEnd type="none" w="med" len="med"/>
+                    </a:lnL>
+                    <a:lnR w="12700" cap="flat" cmpd="sng" algn="ctr">
+                      <a:solidFill>
+                        <a:schemeClr val="tx1"/>
+                      </a:solidFill>
+                      <a:prstDash val="solid"/>
+                      <a:round/>
+                      <a:headEnd type="none" w="med" len="med"/>
+                      <a:tailEnd type="none" w="med" len="med"/>
+                    </a:lnR>
+                    <a:lnT w="12700" cap="flat" cmpd="sng" algn="ctr">
+                      <a:solidFill>
+                        <a:schemeClr val="tx1"/>
+                      </a:solidFill>
+                      <a:prstDash val="solid"/>
+                      <a:round/>
+                      <a:headEnd type="none" w="med" len="med"/>
+                      <a:tailEnd type="none" w="med" len="med"/>
+                    </a:lnT>
+                    <a:lnB w="12700" cap="flat" cmpd="sng" algn="ctr">
+                      <a:solidFill>
+                        <a:schemeClr val="tx1"/>
+                      </a:solidFill>
+                      <a:prstDash val="solid"/>
+                      <a:round/>
+                      <a:headEnd type="none" w="med" len="med"/>
+                      <a:tailEnd type="none" w="med" len="med"/>
+                    </a:lnB>
+                  </a:tcPr>
                 </a:tc>
                 <a:tc>
                   <a:txBody>
@@ -9640,18 +10164,19 @@
                     <a:p>
                       <a:pPr marL="243450" indent="-171450" algn="l" defTabSz="914400" rtl="0" eaLnBrk="1" fontAlgn="b" latinLnBrk="0" hangingPunct="1">
                         <a:spcAft>
-                          <a:spcPts val="600"/>
+                          <a:spcPts val="200"/>
                         </a:spcAft>
                         <a:buFont typeface="Arial" panose="020B0604020202020204" pitchFamily="34" charset="0"/>
                         <a:buChar char="•"/>
                       </a:pPr>
                       <a:r>
-                        <a:rPr lang="en-GB" sz="600" u="none" strike="noStrike" kern="1200" dirty="0">
+                        <a:rPr lang="en-GB" sz="550" u="none" strike="noStrike" kern="1200" dirty="0">
                           <a:solidFill>
-                            <a:schemeClr val="dk1"/>
+                            <a:sysClr val="windowText" lastClr="000000"/>
                           </a:solidFill>
                           <a:effectLst/>
-                          <a:latin typeface="+mn-lt"/>
+                          <a:latin typeface="Arial" panose="020B0604020202020204" pitchFamily="34" charset="0"/>
+                          <a:cs typeface="Arial" panose="020B0604020202020204" pitchFamily="34" charset="0"/>
                         </a:rPr>
                         <a:t>Applies Agile principles and practices to oversee the successful delivery of software initiatives, ensuring alignment with Agile frameworks.</a:t>
                       </a:r>
@@ -9659,24 +10184,62 @@
                     <a:p>
                       <a:pPr marL="243450" indent="-171450" algn="l" defTabSz="914400" rtl="0" eaLnBrk="1" fontAlgn="b" latinLnBrk="0" hangingPunct="1">
                         <a:spcAft>
-                          <a:spcPts val="600"/>
+                          <a:spcPts val="200"/>
                         </a:spcAft>
                         <a:buFont typeface="Arial" panose="020B0604020202020204" pitchFamily="34" charset="0"/>
                         <a:buChar char="•"/>
                       </a:pPr>
                       <a:r>
-                        <a:rPr lang="en-GB" sz="600" u="none" strike="noStrike" kern="1200" dirty="0">
+                        <a:rPr lang="en-GB" sz="550" u="none" strike="noStrike" kern="1200" dirty="0">
                           <a:solidFill>
-                            <a:schemeClr val="dk1"/>
+                            <a:sysClr val="windowText" lastClr="000000"/>
                           </a:solidFill>
                           <a:effectLst/>
-                          <a:latin typeface="+mn-lt"/>
+                          <a:latin typeface="Arial" panose="020B0604020202020204" pitchFamily="34" charset="0"/>
+                          <a:cs typeface="Arial" panose="020B0604020202020204" pitchFamily="34" charset="0"/>
                         </a:rPr>
                         <a:t>Utilizes Agile methods such as Scrum or Kanban to optimize team performance and initiative outcomes.</a:t>
                       </a:r>
                     </a:p>
                   </a:txBody>
-                  <a:tcPr marL="866" marR="866" marT="866" marB="0" anchor="ctr"/>
+                  <a:tcPr marL="866" marR="866" marT="866" marB="0" anchor="ctr">
+                    <a:lnL w="12700" cap="flat" cmpd="sng" algn="ctr">
+                      <a:solidFill>
+                        <a:schemeClr val="tx1"/>
+                      </a:solidFill>
+                      <a:prstDash val="solid"/>
+                      <a:round/>
+                      <a:headEnd type="none" w="med" len="med"/>
+                      <a:tailEnd type="none" w="med" len="med"/>
+                    </a:lnL>
+                    <a:lnR w="12700" cap="flat" cmpd="sng" algn="ctr">
+                      <a:solidFill>
+                        <a:schemeClr val="tx1"/>
+                      </a:solidFill>
+                      <a:prstDash val="solid"/>
+                      <a:round/>
+                      <a:headEnd type="none" w="med" len="med"/>
+                      <a:tailEnd type="none" w="med" len="med"/>
+                    </a:lnR>
+                    <a:lnT w="12700" cap="flat" cmpd="sng" algn="ctr">
+                      <a:solidFill>
+                        <a:schemeClr val="tx1"/>
+                      </a:solidFill>
+                      <a:prstDash val="solid"/>
+                      <a:round/>
+                      <a:headEnd type="none" w="med" len="med"/>
+                      <a:tailEnd type="none" w="med" len="med"/>
+                    </a:lnT>
+                    <a:lnB w="12700" cap="flat" cmpd="sng" algn="ctr">
+                      <a:solidFill>
+                        <a:schemeClr val="tx1"/>
+                      </a:solidFill>
+                      <a:prstDash val="solid"/>
+                      <a:round/>
+                      <a:headEnd type="none" w="med" len="med"/>
+                      <a:tailEnd type="none" w="med" len="med"/>
+                    </a:lnB>
+                  </a:tcPr>
                 </a:tc>
                 <a:tc>
                   <a:txBody>
@@ -9685,18 +10248,19 @@
                     <a:p>
                       <a:pPr marL="243450" indent="-171450" algn="l" defTabSz="914400" rtl="0" eaLnBrk="1" fontAlgn="b" latinLnBrk="0" hangingPunct="1">
                         <a:spcAft>
-                          <a:spcPts val="600"/>
+                          <a:spcPts val="200"/>
                         </a:spcAft>
                         <a:buFont typeface="Arial" panose="020B0604020202020204" pitchFamily="34" charset="0"/>
                         <a:buChar char="•"/>
                       </a:pPr>
                       <a:r>
-                        <a:rPr lang="en-GB" sz="600" u="none" strike="noStrike" kern="1200" dirty="0">
+                        <a:rPr lang="en-GB" sz="550" u="none" strike="noStrike" kern="1200" dirty="0">
                           <a:solidFill>
-                            <a:schemeClr val="dk1"/>
+                            <a:sysClr val="windowText" lastClr="000000"/>
                           </a:solidFill>
                           <a:effectLst/>
-                          <a:latin typeface="+mn-lt"/>
+                          <a:latin typeface="Arial" panose="020B0604020202020204" pitchFamily="34" charset="0"/>
+                          <a:cs typeface="Arial" panose="020B0604020202020204" pitchFamily="34" charset="0"/>
                         </a:rPr>
                         <a:t>Demonstrates a foundational understanding of Agile principles and practices, contributing to the smooth execution of Agile methods.</a:t>
                       </a:r>
@@ -9704,33 +10268,71 @@
                     <a:p>
                       <a:pPr marL="243450" indent="-171450" algn="l" defTabSz="914400" rtl="0" eaLnBrk="1" fontAlgn="b" latinLnBrk="0" hangingPunct="1">
                         <a:spcAft>
-                          <a:spcPts val="600"/>
+                          <a:spcPts val="200"/>
                         </a:spcAft>
                         <a:buFont typeface="Arial" panose="020B0604020202020204" pitchFamily="34" charset="0"/>
                         <a:buChar char="•"/>
                       </a:pPr>
                       <a:r>
-                        <a:rPr lang="en-GB" sz="600" u="none" strike="noStrike" kern="1200" dirty="0">
+                        <a:rPr lang="en-GB" sz="550" u="none" strike="noStrike" kern="1200" dirty="0">
                           <a:solidFill>
-                            <a:schemeClr val="dk1"/>
+                            <a:sysClr val="windowText" lastClr="000000"/>
                           </a:solidFill>
                           <a:effectLst/>
-                          <a:latin typeface="+mn-lt"/>
+                          <a:latin typeface="Arial" panose="020B0604020202020204" pitchFamily="34" charset="0"/>
+                          <a:cs typeface="Arial" panose="020B0604020202020204" pitchFamily="34" charset="0"/>
                         </a:rPr>
                         <a:t>Works within a development team to ensure adherence to Agile frameworks and practices.</a:t>
                       </a:r>
-                      <a:endParaRPr lang="en-GB" sz="600" u="none" strike="noStrike" kern="1200" dirty="0">
+                      <a:endParaRPr lang="en-GB" sz="550" u="none" strike="noStrike" kern="1200" dirty="0">
                         <a:solidFill>
-                          <a:schemeClr val="dk1"/>
+                          <a:sysClr val="windowText" lastClr="000000"/>
                         </a:solidFill>
                         <a:effectLst/>
-                        <a:latin typeface="+mn-lt"/>
+                        <a:latin typeface="Arial" panose="020B0604020202020204" pitchFamily="34" charset="0"/>
                         <a:ea typeface="+mn-ea"/>
-                        <a:cs typeface="+mn-cs"/>
+                        <a:cs typeface="Arial" panose="020B0604020202020204" pitchFamily="34" charset="0"/>
                       </a:endParaRPr>
                     </a:p>
                   </a:txBody>
-                  <a:tcPr marL="866" marR="866" marT="866" marB="0" anchor="ctr"/>
+                  <a:tcPr marL="866" marR="866" marT="866" marB="0" anchor="ctr">
+                    <a:lnL w="12700" cap="flat" cmpd="sng" algn="ctr">
+                      <a:solidFill>
+                        <a:schemeClr val="tx1"/>
+                      </a:solidFill>
+                      <a:prstDash val="solid"/>
+                      <a:round/>
+                      <a:headEnd type="none" w="med" len="med"/>
+                      <a:tailEnd type="none" w="med" len="med"/>
+                    </a:lnL>
+                    <a:lnR w="12700" cap="flat" cmpd="sng" algn="ctr">
+                      <a:solidFill>
+                        <a:schemeClr val="tx1"/>
+                      </a:solidFill>
+                      <a:prstDash val="solid"/>
+                      <a:round/>
+                      <a:headEnd type="none" w="med" len="med"/>
+                      <a:tailEnd type="none" w="med" len="med"/>
+                    </a:lnR>
+                    <a:lnT w="12700" cap="flat" cmpd="sng" algn="ctr">
+                      <a:solidFill>
+                        <a:schemeClr val="tx1"/>
+                      </a:solidFill>
+                      <a:prstDash val="solid"/>
+                      <a:round/>
+                      <a:headEnd type="none" w="med" len="med"/>
+                      <a:tailEnd type="none" w="med" len="med"/>
+                    </a:lnT>
+                    <a:lnB w="12700" cap="flat" cmpd="sng" algn="ctr">
+                      <a:solidFill>
+                        <a:schemeClr val="tx1"/>
+                      </a:solidFill>
+                      <a:prstDash val="solid"/>
+                      <a:round/>
+                      <a:headEnd type="none" w="med" len="med"/>
+                      <a:tailEnd type="none" w="med" len="med"/>
+                    </a:lnB>
+                  </a:tcPr>
                 </a:tc>
                 <a:tc>
                   <a:txBody>
@@ -9739,18 +10341,19 @@
                     <a:p>
                       <a:pPr marL="243450" indent="-171450" algn="l" defTabSz="914400" rtl="0" eaLnBrk="1" fontAlgn="b" latinLnBrk="0" hangingPunct="1">
                         <a:spcAft>
-                          <a:spcPts val="600"/>
+                          <a:spcPts val="200"/>
                         </a:spcAft>
                         <a:buFont typeface="Arial" panose="020B0604020202020204" pitchFamily="34" charset="0"/>
                         <a:buChar char="•"/>
                       </a:pPr>
                       <a:r>
-                        <a:rPr lang="en-GB" sz="600" u="none" strike="noStrike" kern="1200" dirty="0">
+                        <a:rPr lang="en-GB" sz="550" u="none" strike="noStrike" kern="1200" dirty="0">
                           <a:solidFill>
-                            <a:schemeClr val="dk1"/>
+                            <a:sysClr val="windowText" lastClr="000000"/>
                           </a:solidFill>
                           <a:effectLst/>
-                          <a:latin typeface="+mn-lt"/>
+                          <a:latin typeface="Arial" panose="020B0604020202020204" pitchFamily="34" charset="0"/>
+                          <a:cs typeface="Arial" panose="020B0604020202020204" pitchFamily="34" charset="0"/>
                         </a:rPr>
                         <a:t>Develops a foundational understanding of Agile principles and practices, gaining valuable experience in Agile Delivery management.</a:t>
                       </a:r>
@@ -9758,33 +10361,71 @@
                     <a:p>
                       <a:pPr marL="243450" indent="-171450" algn="l" defTabSz="914400" rtl="0" eaLnBrk="1" fontAlgn="b" latinLnBrk="0" hangingPunct="1">
                         <a:spcAft>
-                          <a:spcPts val="600"/>
+                          <a:spcPts val="200"/>
                         </a:spcAft>
                         <a:buFont typeface="Arial" panose="020B0604020202020204" pitchFamily="34" charset="0"/>
                         <a:buChar char="•"/>
                       </a:pPr>
                       <a:r>
-                        <a:rPr lang="en-GB" sz="600" u="none" strike="noStrike" kern="1200" dirty="0">
+                        <a:rPr lang="en-GB" sz="550" u="none" strike="noStrike" kern="1200" dirty="0">
                           <a:solidFill>
-                            <a:schemeClr val="dk1"/>
+                            <a:sysClr val="windowText" lastClr="000000"/>
                           </a:solidFill>
                           <a:effectLst/>
-                          <a:latin typeface="+mn-lt"/>
+                          <a:latin typeface="Arial" panose="020B0604020202020204" pitchFamily="34" charset="0"/>
+                          <a:cs typeface="Arial" panose="020B0604020202020204" pitchFamily="34" charset="0"/>
                         </a:rPr>
                         <a:t>Supports Agile activities within the development team, contributing to the adoption and execution of Agile methods.</a:t>
                       </a:r>
-                      <a:endParaRPr lang="en-GB" sz="600" u="none" strike="noStrike" kern="1200" dirty="0">
+                      <a:endParaRPr lang="en-GB" sz="550" u="none" strike="noStrike" kern="1200" dirty="0">
                         <a:solidFill>
-                          <a:schemeClr val="dk1"/>
+                          <a:sysClr val="windowText" lastClr="000000"/>
                         </a:solidFill>
                         <a:effectLst/>
-                        <a:latin typeface="+mn-lt"/>
+                        <a:latin typeface="Arial" panose="020B0604020202020204" pitchFamily="34" charset="0"/>
                         <a:ea typeface="+mn-ea"/>
-                        <a:cs typeface="+mn-cs"/>
+                        <a:cs typeface="Arial" panose="020B0604020202020204" pitchFamily="34" charset="0"/>
                       </a:endParaRPr>
                     </a:p>
                   </a:txBody>
-                  <a:tcPr marL="866" marR="866" marT="866" marB="0" anchor="ctr"/>
+                  <a:tcPr marL="866" marR="866" marT="866" marB="0" anchor="ctr">
+                    <a:lnL w="12700" cap="flat" cmpd="sng" algn="ctr">
+                      <a:solidFill>
+                        <a:schemeClr val="tx1"/>
+                      </a:solidFill>
+                      <a:prstDash val="solid"/>
+                      <a:round/>
+                      <a:headEnd type="none" w="med" len="med"/>
+                      <a:tailEnd type="none" w="med" len="med"/>
+                    </a:lnL>
+                    <a:lnR w="12700" cap="flat" cmpd="sng" algn="ctr">
+                      <a:solidFill>
+                        <a:schemeClr val="tx1"/>
+                      </a:solidFill>
+                      <a:prstDash val="solid"/>
+                      <a:round/>
+                      <a:headEnd type="none" w="med" len="med"/>
+                      <a:tailEnd type="none" w="med" len="med"/>
+                    </a:lnR>
+                    <a:lnT w="12700" cap="flat" cmpd="sng" algn="ctr">
+                      <a:solidFill>
+                        <a:schemeClr val="tx1"/>
+                      </a:solidFill>
+                      <a:prstDash val="solid"/>
+                      <a:round/>
+                      <a:headEnd type="none" w="med" len="med"/>
+                      <a:tailEnd type="none" w="med" len="med"/>
+                    </a:lnT>
+                    <a:lnB w="12700" cap="flat" cmpd="sng" algn="ctr">
+                      <a:solidFill>
+                        <a:schemeClr val="tx1"/>
+                      </a:solidFill>
+                      <a:prstDash val="solid"/>
+                      <a:round/>
+                      <a:headEnd type="none" w="med" len="med"/>
+                      <a:tailEnd type="none" w="med" len="med"/>
+                    </a:lnB>
+                  </a:tcPr>
                 </a:tc>
                 <a:extLst>
                   <a:ext uri="{0D108BD9-81ED-4DB2-BD59-A6C34878D82A}">
@@ -9792,7 +10433,7 @@
                   </a:ext>
                 </a:extLst>
               </a:tr>
-              <a:tr h="551158">
+              <a:tr h="635598">
                 <a:tc vMerge="1">
                   <a:txBody>
                     <a:bodyPr/>
@@ -9819,26 +10460,61 @@
                       <a:r>
                         <a:rPr lang="en-GB" sz="900" b="1" u="none" strike="noStrike" dirty="0">
                           <a:solidFill>
-                            <a:schemeClr val="bg1"/>
+                            <a:sysClr val="windowText" lastClr="000000"/>
                           </a:solidFill>
                           <a:effectLst/>
-                          <a:latin typeface="+mn-lt"/>
+                          <a:latin typeface="Arial" panose="020B0604020202020204" pitchFamily="34" charset="0"/>
+                          <a:cs typeface="Arial" panose="020B0604020202020204" pitchFamily="34" charset="0"/>
                         </a:rPr>
                         <a:t>Serving</a:t>
                       </a:r>
                       <a:endParaRPr lang="en-GB" sz="900" b="1" i="0" u="none" strike="noStrike" dirty="0">
                         <a:solidFill>
-                          <a:schemeClr val="bg1"/>
+                          <a:sysClr val="windowText" lastClr="000000"/>
                         </a:solidFill>
                         <a:effectLst/>
-                        <a:latin typeface="+mn-lt"/>
+                        <a:latin typeface="Arial" panose="020B0604020202020204" pitchFamily="34" charset="0"/>
+                        <a:cs typeface="Arial" panose="020B0604020202020204" pitchFamily="34" charset="0"/>
                       </a:endParaRPr>
                     </a:p>
                   </a:txBody>
                   <a:tcPr marL="866" marR="866" marT="866" marB="0" anchor="ctr">
-                    <a:solidFill>
-                      <a:schemeClr val="accent3"/>
-                    </a:solidFill>
+                    <a:lnL w="12700" cap="flat" cmpd="sng" algn="ctr">
+                      <a:solidFill>
+                        <a:schemeClr val="tx1"/>
+                      </a:solidFill>
+                      <a:prstDash val="solid"/>
+                      <a:round/>
+                      <a:headEnd type="none" w="med" len="med"/>
+                      <a:tailEnd type="none" w="med" len="med"/>
+                    </a:lnL>
+                    <a:lnR w="12700" cap="flat" cmpd="sng" algn="ctr">
+                      <a:solidFill>
+                        <a:schemeClr val="tx1"/>
+                      </a:solidFill>
+                      <a:prstDash val="solid"/>
+                      <a:round/>
+                      <a:headEnd type="none" w="med" len="med"/>
+                      <a:tailEnd type="none" w="med" len="med"/>
+                    </a:lnR>
+                    <a:lnT w="12700" cap="flat" cmpd="sng" algn="ctr">
+                      <a:solidFill>
+                        <a:schemeClr val="tx1"/>
+                      </a:solidFill>
+                      <a:prstDash val="solid"/>
+                      <a:round/>
+                      <a:headEnd type="none" w="med" len="med"/>
+                      <a:tailEnd type="none" w="med" len="med"/>
+                    </a:lnT>
+                    <a:lnB w="12700" cap="flat" cmpd="sng" algn="ctr">
+                      <a:solidFill>
+                        <a:schemeClr val="tx1"/>
+                      </a:solidFill>
+                      <a:prstDash val="solid"/>
+                      <a:round/>
+                      <a:headEnd type="none" w="med" len="med"/>
+                      <a:tailEnd type="none" w="med" len="med"/>
+                    </a:lnB>
                   </a:tcPr>
                 </a:tc>
                 <a:tc>
@@ -9848,18 +10524,19 @@
                     <a:p>
                       <a:pPr marL="243450" indent="-171450" algn="l" defTabSz="914400" rtl="0" eaLnBrk="1" fontAlgn="b" latinLnBrk="0" hangingPunct="1">
                         <a:spcAft>
-                          <a:spcPts val="600"/>
+                          <a:spcPts val="200"/>
                         </a:spcAft>
                         <a:buFont typeface="Arial" panose="020B0604020202020204" pitchFamily="34" charset="0"/>
                         <a:buChar char="•"/>
                       </a:pPr>
                       <a:r>
-                        <a:rPr lang="en-GB" sz="600" u="none" strike="noStrike" kern="1200" dirty="0">
+                        <a:rPr lang="en-GB" sz="550" u="none" strike="noStrike" kern="1200" dirty="0">
                           <a:solidFill>
-                            <a:schemeClr val="dk1"/>
+                            <a:sysClr val="windowText" lastClr="000000"/>
                           </a:solidFill>
                           <a:effectLst/>
-                          <a:latin typeface="+mn-lt"/>
+                          <a:latin typeface="Arial" panose="020B0604020202020204" pitchFamily="34" charset="0"/>
+                          <a:cs typeface="Arial" panose="020B0604020202020204" pitchFamily="34" charset="0"/>
                         </a:rPr>
                         <a:t>Drives team agility and maximizes business outcomes, focusing on delivering value and fostering a culture of agility.</a:t>
                       </a:r>
@@ -9867,33 +10544,72 @@
                     <a:p>
                       <a:pPr marL="243450" indent="-171450" algn="l" defTabSz="914400" rtl="0" eaLnBrk="1" fontAlgn="b" latinLnBrk="0" hangingPunct="1">
                         <a:spcAft>
-                          <a:spcPts val="600"/>
+                          <a:spcPts val="200"/>
                         </a:spcAft>
                         <a:buFont typeface="Arial" panose="020B0604020202020204" pitchFamily="34" charset="0"/>
                         <a:buChar char="•"/>
                       </a:pPr>
                       <a:r>
-                        <a:rPr lang="en-GB" sz="600" u="none" strike="noStrike" kern="1200" dirty="0">
+                        <a:rPr lang="en-GB" sz="550" u="none" strike="noStrike" kern="1200" dirty="0">
                           <a:solidFill>
-                            <a:schemeClr val="dk1"/>
+                            <a:sysClr val="windowText" lastClr="000000"/>
                           </a:solidFill>
                           <a:effectLst/>
-                          <a:latin typeface="+mn-lt"/>
+                          <a:latin typeface="Arial" panose="020B0604020202020204" pitchFamily="34" charset="0"/>
+                          <a:cs typeface="Arial" panose="020B0604020202020204" pitchFamily="34" charset="0"/>
                         </a:rPr>
                         <a:t>Provides leadership and mentorship, promoting growth and excellence within the team.</a:t>
                       </a:r>
-                      <a:endParaRPr lang="en-GB" sz="600" u="none" strike="noStrike" kern="1200" dirty="0">
+                      <a:endParaRPr lang="en-GB" sz="550" u="none" strike="noStrike" kern="1200" dirty="0">
                         <a:solidFill>
-                          <a:schemeClr val="dk1"/>
+                          <a:sysClr val="windowText" lastClr="000000"/>
                         </a:solidFill>
                         <a:effectLst/>
-                        <a:latin typeface="+mn-lt"/>
+                        <a:latin typeface="Arial" panose="020B0604020202020204" pitchFamily="34" charset="0"/>
                         <a:ea typeface="+mn-ea"/>
-                        <a:cs typeface="+mn-cs"/>
+                        <a:cs typeface="Arial" panose="020B0604020202020204" pitchFamily="34" charset="0"/>
                       </a:endParaRPr>
                     </a:p>
                   </a:txBody>
-                  <a:tcPr marL="866" marR="866" marT="866" marB="0" anchor="ctr"/>
+                  <a:tcPr marL="866" marR="866" marT="866" marB="0" anchor="ctr">
+                    <a:lnL w="12700" cap="flat" cmpd="sng" algn="ctr">
+                      <a:solidFill>
+                        <a:schemeClr val="tx1"/>
+                      </a:solidFill>
+                      <a:prstDash val="solid"/>
+                      <a:round/>
+                      <a:headEnd type="none" w="med" len="med"/>
+                      <a:tailEnd type="none" w="med" len="med"/>
+                    </a:lnL>
+                    <a:lnR w="12700" cap="flat" cmpd="sng" algn="ctr">
+                      <a:solidFill>
+                        <a:schemeClr val="tx1"/>
+                      </a:solidFill>
+                      <a:prstDash val="solid"/>
+                      <a:round/>
+                      <a:headEnd type="none" w="med" len="med"/>
+                      <a:tailEnd type="none" w="med" len="med"/>
+                    </a:lnR>
+                    <a:lnT w="12700" cap="flat" cmpd="sng" algn="ctr">
+                      <a:solidFill>
+                        <a:schemeClr val="tx1"/>
+                      </a:solidFill>
+                      <a:prstDash val="solid"/>
+                      <a:round/>
+                      <a:headEnd type="none" w="med" len="med"/>
+                      <a:tailEnd type="none" w="med" len="med"/>
+                    </a:lnT>
+                    <a:lnB w="12700" cap="flat" cmpd="sng" algn="ctr">
+                      <a:solidFill>
+                        <a:schemeClr val="tx1"/>
+                      </a:solidFill>
+                      <a:prstDash val="solid"/>
+                      <a:round/>
+                      <a:headEnd type="none" w="med" len="med"/>
+                      <a:tailEnd type="none" w="med" len="med"/>
+                    </a:lnB>
+                    <a:noFill/>
+                  </a:tcPr>
                 </a:tc>
                 <a:tc>
                   <a:txBody>
@@ -9902,18 +10618,19 @@
                     <a:p>
                       <a:pPr marL="243450" indent="-171450" algn="l" defTabSz="914400" rtl="0" eaLnBrk="1" fontAlgn="b" latinLnBrk="0" hangingPunct="1">
                         <a:spcAft>
-                          <a:spcPts val="600"/>
+                          <a:spcPts val="200"/>
                         </a:spcAft>
                         <a:buFont typeface="Arial" panose="020B0604020202020204" pitchFamily="34" charset="0"/>
                         <a:buChar char="•"/>
                       </a:pPr>
                       <a:r>
-                        <a:rPr lang="en-GB" sz="600" u="none" strike="noStrike" kern="1200" dirty="0">
+                        <a:rPr lang="en-GB" sz="550" u="none" strike="noStrike" kern="1200" dirty="0">
                           <a:solidFill>
-                            <a:schemeClr val="dk1"/>
+                            <a:sysClr val="windowText" lastClr="000000"/>
                           </a:solidFill>
                           <a:effectLst/>
-                          <a:latin typeface="+mn-lt"/>
+                          <a:latin typeface="Arial" panose="020B0604020202020204" pitchFamily="34" charset="0"/>
+                          <a:cs typeface="Arial" panose="020B0604020202020204" pitchFamily="34" charset="0"/>
                         </a:rPr>
                         <a:t>Leads organizational Agile transformation efforts, driving adoption and success.</a:t>
                       </a:r>
@@ -9921,33 +10638,72 @@
                     <a:p>
                       <a:pPr marL="243450" indent="-171450" algn="l" defTabSz="914400" rtl="0" eaLnBrk="1" fontAlgn="b" latinLnBrk="0" hangingPunct="1">
                         <a:spcAft>
-                          <a:spcPts val="600"/>
+                          <a:spcPts val="200"/>
                         </a:spcAft>
                         <a:buFont typeface="Arial" panose="020B0604020202020204" pitchFamily="34" charset="0"/>
                         <a:buChar char="•"/>
                       </a:pPr>
                       <a:r>
-                        <a:rPr lang="en-GB" sz="600" u="none" strike="noStrike" kern="1200" dirty="0">
+                        <a:rPr lang="en-GB" sz="550" u="none" strike="noStrike" kern="1200" dirty="0">
                           <a:solidFill>
-                            <a:schemeClr val="dk1"/>
+                            <a:sysClr val="windowText" lastClr="000000"/>
                           </a:solidFill>
                           <a:effectLst/>
-                          <a:latin typeface="+mn-lt"/>
+                          <a:latin typeface="Arial" panose="020B0604020202020204" pitchFamily="34" charset="0"/>
+                          <a:cs typeface="Arial" panose="020B0604020202020204" pitchFamily="34" charset="0"/>
                         </a:rPr>
-                        <a:t>Fosters a culture of continuous improvement, serving as a champion for Agile principles and practices.</a:t>
+                        <a:t>Fosters a culture of continuous improvement, serving as   a champion for Agile principles and practices.</a:t>
                       </a:r>
-                      <a:endParaRPr lang="en-GB" sz="600" u="none" strike="noStrike" kern="1200" dirty="0">
+                      <a:endParaRPr lang="en-GB" sz="550" u="none" strike="noStrike" kern="1200" dirty="0">
                         <a:solidFill>
-                          <a:schemeClr val="dk1"/>
+                          <a:sysClr val="windowText" lastClr="000000"/>
                         </a:solidFill>
                         <a:effectLst/>
-                        <a:latin typeface="+mn-lt"/>
+                        <a:latin typeface="Arial" panose="020B0604020202020204" pitchFamily="34" charset="0"/>
                         <a:ea typeface="+mn-ea"/>
-                        <a:cs typeface="+mn-cs"/>
+                        <a:cs typeface="Arial" panose="020B0604020202020204" pitchFamily="34" charset="0"/>
                       </a:endParaRPr>
                     </a:p>
                   </a:txBody>
-                  <a:tcPr marL="866" marR="866" marT="866" marB="0" anchor="ctr"/>
+                  <a:tcPr marL="866" marR="866" marT="866" marB="0" anchor="ctr">
+                    <a:lnL w="12700" cap="flat" cmpd="sng" algn="ctr">
+                      <a:solidFill>
+                        <a:schemeClr val="tx1"/>
+                      </a:solidFill>
+                      <a:prstDash val="solid"/>
+                      <a:round/>
+                      <a:headEnd type="none" w="med" len="med"/>
+                      <a:tailEnd type="none" w="med" len="med"/>
+                    </a:lnL>
+                    <a:lnR w="12700" cap="flat" cmpd="sng" algn="ctr">
+                      <a:solidFill>
+                        <a:schemeClr val="tx1"/>
+                      </a:solidFill>
+                      <a:prstDash val="solid"/>
+                      <a:round/>
+                      <a:headEnd type="none" w="med" len="med"/>
+                      <a:tailEnd type="none" w="med" len="med"/>
+                    </a:lnR>
+                    <a:lnT w="12700" cap="flat" cmpd="sng" algn="ctr">
+                      <a:solidFill>
+                        <a:schemeClr val="tx1"/>
+                      </a:solidFill>
+                      <a:prstDash val="solid"/>
+                      <a:round/>
+                      <a:headEnd type="none" w="med" len="med"/>
+                      <a:tailEnd type="none" w="med" len="med"/>
+                    </a:lnT>
+                    <a:lnB w="12700" cap="flat" cmpd="sng" algn="ctr">
+                      <a:solidFill>
+                        <a:schemeClr val="tx1"/>
+                      </a:solidFill>
+                      <a:prstDash val="solid"/>
+                      <a:round/>
+                      <a:headEnd type="none" w="med" len="med"/>
+                      <a:tailEnd type="none" w="med" len="med"/>
+                    </a:lnB>
+                    <a:noFill/>
+                  </a:tcPr>
                 </a:tc>
                 <a:tc>
                   <a:txBody>
@@ -9956,18 +10712,19 @@
                     <a:p>
                       <a:pPr marL="243450" indent="-171450" algn="l" defTabSz="914400" rtl="0" eaLnBrk="1" fontAlgn="b" latinLnBrk="0" hangingPunct="1">
                         <a:spcAft>
-                          <a:spcPts val="600"/>
+                          <a:spcPts val="200"/>
                         </a:spcAft>
                         <a:buFont typeface="Arial" panose="020B0604020202020204" pitchFamily="34" charset="0"/>
                         <a:buChar char="•"/>
                       </a:pPr>
                       <a:r>
-                        <a:rPr lang="en-GB" sz="600" u="none" strike="noStrike" kern="1200" dirty="0">
+                        <a:rPr lang="en-GB" sz="550" u="none" strike="noStrike" kern="1200" dirty="0">
                           <a:solidFill>
-                            <a:schemeClr val="dk1"/>
+                            <a:sysClr val="windowText" lastClr="000000"/>
                           </a:solidFill>
                           <a:effectLst/>
-                          <a:latin typeface="+mn-lt"/>
+                          <a:latin typeface="Arial" panose="020B0604020202020204" pitchFamily="34" charset="0"/>
+                          <a:cs typeface="Arial" panose="020B0604020202020204" pitchFamily="34" charset="0"/>
                         </a:rPr>
                         <a:t>Serves as a role model for Agile practices, fostering a culture of collaboration and continuous improvement.</a:t>
                       </a:r>
@@ -9975,33 +10732,72 @@
                     <a:p>
                       <a:pPr marL="243450" indent="-171450" algn="l" defTabSz="914400" rtl="0" eaLnBrk="1" fontAlgn="b" latinLnBrk="0" hangingPunct="1">
                         <a:spcAft>
-                          <a:spcPts val="600"/>
+                          <a:spcPts val="200"/>
                         </a:spcAft>
                         <a:buFont typeface="Arial" panose="020B0604020202020204" pitchFamily="34" charset="0"/>
                         <a:buChar char="•"/>
                       </a:pPr>
                       <a:r>
-                        <a:rPr lang="en-GB" sz="600" u="none" strike="noStrike" kern="1200" dirty="0">
+                        <a:rPr lang="en-GB" sz="550" u="none" strike="noStrike" kern="1200" dirty="0">
                           <a:solidFill>
-                            <a:schemeClr val="dk1"/>
+                            <a:sysClr val="windowText" lastClr="000000"/>
                           </a:solidFill>
                           <a:effectLst/>
-                          <a:latin typeface="+mn-lt"/>
+                          <a:latin typeface="Arial" panose="020B0604020202020204" pitchFamily="34" charset="0"/>
+                          <a:cs typeface="Arial" panose="020B0604020202020204" pitchFamily="34" charset="0"/>
                         </a:rPr>
                         <a:t>Empowers Agile teams and promotes growth and well-being within the organization.</a:t>
                       </a:r>
-                      <a:endParaRPr lang="en-GB" sz="600" u="none" strike="noStrike" kern="1200" dirty="0">
+                      <a:endParaRPr lang="en-GB" sz="550" u="none" strike="noStrike" kern="1200" dirty="0">
                         <a:solidFill>
-                          <a:schemeClr val="dk1"/>
+                          <a:sysClr val="windowText" lastClr="000000"/>
                         </a:solidFill>
                         <a:effectLst/>
-                        <a:latin typeface="+mn-lt"/>
+                        <a:latin typeface="Arial" panose="020B0604020202020204" pitchFamily="34" charset="0"/>
                         <a:ea typeface="+mn-ea"/>
-                        <a:cs typeface="+mn-cs"/>
+                        <a:cs typeface="Arial" panose="020B0604020202020204" pitchFamily="34" charset="0"/>
                       </a:endParaRPr>
                     </a:p>
                   </a:txBody>
-                  <a:tcPr marL="866" marR="866" marT="866" marB="0" anchor="ctr"/>
+                  <a:tcPr marL="866" marR="866" marT="866" marB="0" anchor="ctr">
+                    <a:lnL w="12700" cap="flat" cmpd="sng" algn="ctr">
+                      <a:solidFill>
+                        <a:schemeClr val="tx1"/>
+                      </a:solidFill>
+                      <a:prstDash val="solid"/>
+                      <a:round/>
+                      <a:headEnd type="none" w="med" len="med"/>
+                      <a:tailEnd type="none" w="med" len="med"/>
+                    </a:lnL>
+                    <a:lnR w="12700" cap="flat" cmpd="sng" algn="ctr">
+                      <a:solidFill>
+                        <a:schemeClr val="tx1"/>
+                      </a:solidFill>
+                      <a:prstDash val="solid"/>
+                      <a:round/>
+                      <a:headEnd type="none" w="med" len="med"/>
+                      <a:tailEnd type="none" w="med" len="med"/>
+                    </a:lnR>
+                    <a:lnT w="12700" cap="flat" cmpd="sng" algn="ctr">
+                      <a:solidFill>
+                        <a:schemeClr val="tx1"/>
+                      </a:solidFill>
+                      <a:prstDash val="solid"/>
+                      <a:round/>
+                      <a:headEnd type="none" w="med" len="med"/>
+                      <a:tailEnd type="none" w="med" len="med"/>
+                    </a:lnT>
+                    <a:lnB w="12700" cap="flat" cmpd="sng" algn="ctr">
+                      <a:solidFill>
+                        <a:schemeClr val="tx1"/>
+                      </a:solidFill>
+                      <a:prstDash val="solid"/>
+                      <a:round/>
+                      <a:headEnd type="none" w="med" len="med"/>
+                      <a:tailEnd type="none" w="med" len="med"/>
+                    </a:lnB>
+                    <a:noFill/>
+                  </a:tcPr>
                 </a:tc>
                 <a:tc>
                   <a:txBody>
@@ -10010,18 +10806,19 @@
                     <a:p>
                       <a:pPr marL="243450" indent="-171450" algn="l" defTabSz="914400" rtl="0" eaLnBrk="1" fontAlgn="b" latinLnBrk="0" hangingPunct="1">
                         <a:spcAft>
-                          <a:spcPts val="600"/>
+                          <a:spcPts val="200"/>
                         </a:spcAft>
                         <a:buFont typeface="Arial" panose="020B0604020202020204" pitchFamily="34" charset="0"/>
                         <a:buChar char="•"/>
                       </a:pPr>
                       <a:r>
-                        <a:rPr lang="en-GB" sz="600" u="none" strike="noStrike" kern="1200" dirty="0">
+                        <a:rPr lang="en-GB" sz="550" u="none" strike="noStrike" kern="1200" dirty="0">
                           <a:solidFill>
-                            <a:schemeClr val="dk1"/>
+                            <a:sysClr val="windowText" lastClr="000000"/>
                           </a:solidFill>
                           <a:effectLst/>
-                          <a:latin typeface="+mn-lt"/>
+                          <a:latin typeface="Arial" panose="020B0604020202020204" pitchFamily="34" charset="0"/>
+                          <a:cs typeface="Arial" panose="020B0604020202020204" pitchFamily="34" charset="0"/>
                         </a:rPr>
                         <a:t>Operates as a Servant Leader, focusing on team growth, collaboration, and well-being.</a:t>
                       </a:r>
@@ -10029,33 +10826,72 @@
                     <a:p>
                       <a:pPr marL="243450" indent="-171450" algn="l" defTabSz="914400" rtl="0" eaLnBrk="1" fontAlgn="b" latinLnBrk="0" hangingPunct="1">
                         <a:spcAft>
-                          <a:spcPts val="600"/>
+                          <a:spcPts val="200"/>
                         </a:spcAft>
                         <a:buFont typeface="Arial" panose="020B0604020202020204" pitchFamily="34" charset="0"/>
                         <a:buChar char="•"/>
                       </a:pPr>
                       <a:r>
-                        <a:rPr lang="en-GB" sz="600" u="none" strike="noStrike" kern="1200" dirty="0">
+                        <a:rPr lang="en-GB" sz="550" u="none" strike="noStrike" kern="1200" dirty="0">
                           <a:solidFill>
-                            <a:schemeClr val="dk1"/>
+                            <a:sysClr val="windowText" lastClr="000000"/>
                           </a:solidFill>
                           <a:effectLst/>
-                          <a:latin typeface="+mn-lt"/>
+                          <a:latin typeface="Arial" panose="020B0604020202020204" pitchFamily="34" charset="0"/>
+                          <a:cs typeface="Arial" panose="020B0604020202020204" pitchFamily="34" charset="0"/>
                         </a:rPr>
                         <a:t>Provides support, guidance, and removes obstacles to facilitate the team's success.</a:t>
                       </a:r>
-                      <a:endParaRPr lang="en-GB" sz="600" u="none" strike="noStrike" kern="1200" dirty="0">
+                      <a:endParaRPr lang="en-GB" sz="550" u="none" strike="noStrike" kern="1200" dirty="0">
                         <a:solidFill>
-                          <a:schemeClr val="dk1"/>
+                          <a:sysClr val="windowText" lastClr="000000"/>
                         </a:solidFill>
                         <a:effectLst/>
-                        <a:latin typeface="+mn-lt"/>
+                        <a:latin typeface="Arial" panose="020B0604020202020204" pitchFamily="34" charset="0"/>
                         <a:ea typeface="+mn-ea"/>
-                        <a:cs typeface="+mn-cs"/>
+                        <a:cs typeface="Arial" panose="020B0604020202020204" pitchFamily="34" charset="0"/>
                       </a:endParaRPr>
                     </a:p>
                   </a:txBody>
-                  <a:tcPr marL="866" marR="866" marT="866" marB="0" anchor="ctr"/>
+                  <a:tcPr marL="866" marR="866" marT="866" marB="0" anchor="ctr">
+                    <a:lnL w="12700" cap="flat" cmpd="sng" algn="ctr">
+                      <a:solidFill>
+                        <a:schemeClr val="tx1"/>
+                      </a:solidFill>
+                      <a:prstDash val="solid"/>
+                      <a:round/>
+                      <a:headEnd type="none" w="med" len="med"/>
+                      <a:tailEnd type="none" w="med" len="med"/>
+                    </a:lnL>
+                    <a:lnR w="12700" cap="flat" cmpd="sng" algn="ctr">
+                      <a:solidFill>
+                        <a:schemeClr val="tx1"/>
+                      </a:solidFill>
+                      <a:prstDash val="solid"/>
+                      <a:round/>
+                      <a:headEnd type="none" w="med" len="med"/>
+                      <a:tailEnd type="none" w="med" len="med"/>
+                    </a:lnR>
+                    <a:lnT w="12700" cap="flat" cmpd="sng" algn="ctr">
+                      <a:solidFill>
+                        <a:schemeClr val="tx1"/>
+                      </a:solidFill>
+                      <a:prstDash val="solid"/>
+                      <a:round/>
+                      <a:headEnd type="none" w="med" len="med"/>
+                      <a:tailEnd type="none" w="med" len="med"/>
+                    </a:lnT>
+                    <a:lnB w="12700" cap="flat" cmpd="sng" algn="ctr">
+                      <a:solidFill>
+                        <a:schemeClr val="tx1"/>
+                      </a:solidFill>
+                      <a:prstDash val="solid"/>
+                      <a:round/>
+                      <a:headEnd type="none" w="med" len="med"/>
+                      <a:tailEnd type="none" w="med" len="med"/>
+                    </a:lnB>
+                    <a:noFill/>
+                  </a:tcPr>
                 </a:tc>
                 <a:tc>
                   <a:txBody>
@@ -10064,18 +10900,19 @@
                     <a:p>
                       <a:pPr marL="243450" indent="-171450" algn="l" defTabSz="914400" rtl="0" eaLnBrk="1" fontAlgn="b" latinLnBrk="0" hangingPunct="1">
                         <a:spcAft>
-                          <a:spcPts val="600"/>
+                          <a:spcPts val="200"/>
                         </a:spcAft>
                         <a:buFont typeface="Arial" panose="020B0604020202020204" pitchFamily="34" charset="0"/>
                         <a:buChar char="•"/>
                       </a:pPr>
                       <a:r>
-                        <a:rPr lang="en-GB" sz="600" u="none" strike="noStrike" kern="1200" dirty="0">
+                        <a:rPr lang="en-GB" sz="550" u="none" strike="noStrike" kern="1200" dirty="0">
                           <a:solidFill>
-                            <a:schemeClr val="dk1"/>
+                            <a:sysClr val="windowText" lastClr="000000"/>
                           </a:solidFill>
                           <a:effectLst/>
-                          <a:latin typeface="+mn-lt"/>
+                          <a:latin typeface="Arial" panose="020B0604020202020204" pitchFamily="34" charset="0"/>
+                          <a:cs typeface="Arial" panose="020B0604020202020204" pitchFamily="34" charset="0"/>
                         </a:rPr>
                         <a:t>Supports the development team in executing Agile methods, focusing on process improvement and team support.</a:t>
                       </a:r>
@@ -10083,33 +10920,72 @@
                     <a:p>
                       <a:pPr marL="243450" indent="-171450" algn="l" defTabSz="914400" rtl="0" eaLnBrk="1" fontAlgn="b" latinLnBrk="0" hangingPunct="1">
                         <a:spcAft>
-                          <a:spcPts val="600"/>
+                          <a:spcPts val="200"/>
                         </a:spcAft>
                         <a:buFont typeface="Arial" panose="020B0604020202020204" pitchFamily="34" charset="0"/>
                         <a:buChar char="•"/>
                       </a:pPr>
                       <a:r>
-                        <a:rPr lang="en-GB" sz="600" u="none" strike="noStrike" kern="1200" dirty="0">
+                        <a:rPr lang="en-GB" sz="550" u="none" strike="noStrike" kern="1200" dirty="0">
                           <a:solidFill>
-                            <a:schemeClr val="dk1"/>
+                            <a:sysClr val="windowText" lastClr="000000"/>
                           </a:solidFill>
                           <a:effectLst/>
-                          <a:latin typeface="+mn-lt"/>
+                          <a:latin typeface="Arial" panose="020B0604020202020204" pitchFamily="34" charset="0"/>
+                          <a:cs typeface="Arial" panose="020B0604020202020204" pitchFamily="34" charset="0"/>
                         </a:rPr>
                         <a:t>Contributes to fostering a positive and inclusive team environment.</a:t>
                       </a:r>
-                      <a:endParaRPr lang="en-GB" sz="600" u="none" strike="noStrike" kern="1200" dirty="0">
+                      <a:endParaRPr lang="en-GB" sz="550" u="none" strike="noStrike" kern="1200" dirty="0">
                         <a:solidFill>
-                          <a:schemeClr val="dk1"/>
+                          <a:sysClr val="windowText" lastClr="000000"/>
                         </a:solidFill>
                         <a:effectLst/>
-                        <a:latin typeface="+mn-lt"/>
+                        <a:latin typeface="Arial" panose="020B0604020202020204" pitchFamily="34" charset="0"/>
                         <a:ea typeface="+mn-ea"/>
-                        <a:cs typeface="+mn-cs"/>
+                        <a:cs typeface="Arial" panose="020B0604020202020204" pitchFamily="34" charset="0"/>
                       </a:endParaRPr>
                     </a:p>
                   </a:txBody>
-                  <a:tcPr marL="866" marR="866" marT="866" marB="0" anchor="ctr"/>
+                  <a:tcPr marL="866" marR="866" marT="866" marB="0" anchor="ctr">
+                    <a:lnL w="12700" cap="flat" cmpd="sng" algn="ctr">
+                      <a:solidFill>
+                        <a:schemeClr val="tx1"/>
+                      </a:solidFill>
+                      <a:prstDash val="solid"/>
+                      <a:round/>
+                      <a:headEnd type="none" w="med" len="med"/>
+                      <a:tailEnd type="none" w="med" len="med"/>
+                    </a:lnL>
+                    <a:lnR w="12700" cap="flat" cmpd="sng" algn="ctr">
+                      <a:solidFill>
+                        <a:schemeClr val="tx1"/>
+                      </a:solidFill>
+                      <a:prstDash val="solid"/>
+                      <a:round/>
+                      <a:headEnd type="none" w="med" len="med"/>
+                      <a:tailEnd type="none" w="med" len="med"/>
+                    </a:lnR>
+                    <a:lnT w="12700" cap="flat" cmpd="sng" algn="ctr">
+                      <a:solidFill>
+                        <a:schemeClr val="tx1"/>
+                      </a:solidFill>
+                      <a:prstDash val="solid"/>
+                      <a:round/>
+                      <a:headEnd type="none" w="med" len="med"/>
+                      <a:tailEnd type="none" w="med" len="med"/>
+                    </a:lnT>
+                    <a:lnB w="12700" cap="flat" cmpd="sng" algn="ctr">
+                      <a:solidFill>
+                        <a:schemeClr val="tx1"/>
+                      </a:solidFill>
+                      <a:prstDash val="solid"/>
+                      <a:round/>
+                      <a:headEnd type="none" w="med" len="med"/>
+                      <a:tailEnd type="none" w="med" len="med"/>
+                    </a:lnB>
+                    <a:noFill/>
+                  </a:tcPr>
                 </a:tc>
                 <a:extLst>
                   <a:ext uri="{0D108BD9-81ED-4DB2-BD59-A6C34878D82A}">
@@ -10117,7 +10993,7 @@
                   </a:ext>
                 </a:extLst>
               </a:tr>
-              <a:tr h="645489">
+              <a:tr h="635598">
                 <a:tc vMerge="1">
                   <a:txBody>
                     <a:bodyPr/>
@@ -10144,26 +11020,61 @@
                       <a:r>
                         <a:rPr lang="en-GB" sz="900" b="1" u="none" strike="noStrike" dirty="0">
                           <a:solidFill>
-                            <a:schemeClr val="bg1"/>
+                            <a:sysClr val="windowText" lastClr="000000"/>
                           </a:solidFill>
                           <a:effectLst/>
-                          <a:latin typeface="+mn-lt"/>
+                          <a:latin typeface="Arial" panose="020B0604020202020204" pitchFamily="34" charset="0"/>
+                          <a:cs typeface="Arial" panose="020B0604020202020204" pitchFamily="34" charset="0"/>
                         </a:rPr>
                         <a:t>Coaching</a:t>
                       </a:r>
                       <a:endParaRPr lang="en-GB" sz="900" b="1" i="0" u="none" strike="noStrike" dirty="0">
                         <a:solidFill>
-                          <a:schemeClr val="bg1"/>
+                          <a:sysClr val="windowText" lastClr="000000"/>
                         </a:solidFill>
                         <a:effectLst/>
-                        <a:latin typeface="+mn-lt"/>
+                        <a:latin typeface="Arial" panose="020B0604020202020204" pitchFamily="34" charset="0"/>
+                        <a:cs typeface="Arial" panose="020B0604020202020204" pitchFamily="34" charset="0"/>
                       </a:endParaRPr>
                     </a:p>
                   </a:txBody>
                   <a:tcPr marL="866" marR="866" marT="866" marB="0" anchor="ctr">
-                    <a:solidFill>
-                      <a:schemeClr val="accent3"/>
-                    </a:solidFill>
+                    <a:lnL w="12700" cap="flat" cmpd="sng" algn="ctr">
+                      <a:solidFill>
+                        <a:schemeClr val="tx1"/>
+                      </a:solidFill>
+                      <a:prstDash val="solid"/>
+                      <a:round/>
+                      <a:headEnd type="none" w="med" len="med"/>
+                      <a:tailEnd type="none" w="med" len="med"/>
+                    </a:lnL>
+                    <a:lnR w="12700" cap="flat" cmpd="sng" algn="ctr">
+                      <a:solidFill>
+                        <a:schemeClr val="tx1"/>
+                      </a:solidFill>
+                      <a:prstDash val="solid"/>
+                      <a:round/>
+                      <a:headEnd type="none" w="med" len="med"/>
+                      <a:tailEnd type="none" w="med" len="med"/>
+                    </a:lnR>
+                    <a:lnT w="12700" cap="flat" cmpd="sng" algn="ctr">
+                      <a:solidFill>
+                        <a:schemeClr val="tx1"/>
+                      </a:solidFill>
+                      <a:prstDash val="solid"/>
+                      <a:round/>
+                      <a:headEnd type="none" w="med" len="med"/>
+                      <a:tailEnd type="none" w="med" len="med"/>
+                    </a:lnT>
+                    <a:lnB w="12700" cap="flat" cmpd="sng" algn="ctr">
+                      <a:solidFill>
+                        <a:schemeClr val="tx1"/>
+                      </a:solidFill>
+                      <a:prstDash val="solid"/>
+                      <a:round/>
+                      <a:headEnd type="none" w="med" len="med"/>
+                      <a:tailEnd type="none" w="med" len="med"/>
+                    </a:lnB>
                   </a:tcPr>
                 </a:tc>
                 <a:tc>
@@ -10173,52 +11084,91 @@
                     <a:p>
                       <a:pPr marL="243450" indent="-171450" algn="l" defTabSz="914400" rtl="0" eaLnBrk="1" fontAlgn="b" latinLnBrk="0" hangingPunct="1">
                         <a:spcAft>
-                          <a:spcPts val="600"/>
+                          <a:spcPts val="200"/>
                         </a:spcAft>
                         <a:buFont typeface="Arial" panose="020B0604020202020204" pitchFamily="34" charset="0"/>
                         <a:buChar char="•"/>
                       </a:pPr>
                       <a:r>
-                        <a:rPr lang="en-GB" sz="600" u="none" strike="noStrike" kern="1200" dirty="0">
+                        <a:rPr lang="en-GB" sz="550" u="none" strike="noStrike" kern="1200" dirty="0">
                           <a:solidFill>
-                            <a:schemeClr val="dk1"/>
+                            <a:sysClr val="windowText" lastClr="000000"/>
                           </a:solidFill>
                           <a:effectLst/>
-                          <a:latin typeface="+mn-lt"/>
+                          <a:latin typeface="Arial" panose="020B0604020202020204" pitchFamily="34" charset="0"/>
+                          <a:cs typeface="Arial" panose="020B0604020202020204" pitchFamily="34" charset="0"/>
                         </a:rPr>
-                        <a:t>Acts as an advocate for change, providing expert coaching and mentorship to teams and stakeholders.</a:t>
+                        <a:t>Acts as an advocate for change, providing expert  coaching and mentorship to teams and stakeholders.</a:t>
                       </a:r>
                     </a:p>
                     <a:p>
                       <a:pPr marL="243450" indent="-171450" algn="l" defTabSz="914400" rtl="0" eaLnBrk="1" fontAlgn="b" latinLnBrk="0" hangingPunct="1">
                         <a:spcAft>
-                          <a:spcPts val="600"/>
+                          <a:spcPts val="200"/>
                         </a:spcAft>
                         <a:buFont typeface="Arial" panose="020B0604020202020204" pitchFamily="34" charset="0"/>
                         <a:buChar char="•"/>
                       </a:pPr>
                       <a:r>
-                        <a:rPr lang="en-GB" sz="600" u="none" strike="noStrike" kern="1200" dirty="0">
+                        <a:rPr lang="en-GB" sz="550" u="none" strike="noStrike" kern="1200" dirty="0">
                           <a:solidFill>
-                            <a:schemeClr val="dk1"/>
+                            <a:sysClr val="windowText" lastClr="000000"/>
                           </a:solidFill>
                           <a:effectLst/>
-                          <a:latin typeface="+mn-lt"/>
+                          <a:latin typeface="Arial" panose="020B0604020202020204" pitchFamily="34" charset="0"/>
+                          <a:cs typeface="Arial" panose="020B0604020202020204" pitchFamily="34" charset="0"/>
                         </a:rPr>
                         <a:t>Drives a culture of agility and innovation, fostering continuous improvement and delivering value to customers.</a:t>
                       </a:r>
-                      <a:endParaRPr lang="en-GB" sz="600" u="none" strike="noStrike" kern="1200" dirty="0">
+                      <a:endParaRPr lang="en-GB" sz="550" u="none" strike="noStrike" kern="1200" dirty="0">
                         <a:solidFill>
-                          <a:schemeClr val="dk1"/>
+                          <a:sysClr val="windowText" lastClr="000000"/>
                         </a:solidFill>
                         <a:effectLst/>
-                        <a:latin typeface="+mn-lt"/>
+                        <a:latin typeface="Arial" panose="020B0604020202020204" pitchFamily="34" charset="0"/>
                         <a:ea typeface="+mn-ea"/>
-                        <a:cs typeface="+mn-cs"/>
+                        <a:cs typeface="Arial" panose="020B0604020202020204" pitchFamily="34" charset="0"/>
                       </a:endParaRPr>
                     </a:p>
                   </a:txBody>
-                  <a:tcPr marL="866" marR="866" marT="866" marB="0" anchor="ctr"/>
+                  <a:tcPr marL="866" marR="866" marT="866" marB="0" anchor="ctr">
+                    <a:lnL w="12700" cap="flat" cmpd="sng" algn="ctr">
+                      <a:solidFill>
+                        <a:schemeClr val="tx1"/>
+                      </a:solidFill>
+                      <a:prstDash val="solid"/>
+                      <a:round/>
+                      <a:headEnd type="none" w="med" len="med"/>
+                      <a:tailEnd type="none" w="med" len="med"/>
+                    </a:lnL>
+                    <a:lnR w="12700" cap="flat" cmpd="sng" algn="ctr">
+                      <a:solidFill>
+                        <a:schemeClr val="tx1"/>
+                      </a:solidFill>
+                      <a:prstDash val="solid"/>
+                      <a:round/>
+                      <a:headEnd type="none" w="med" len="med"/>
+                      <a:tailEnd type="none" w="med" len="med"/>
+                    </a:lnR>
+                    <a:lnT w="12700" cap="flat" cmpd="sng" algn="ctr">
+                      <a:solidFill>
+                        <a:schemeClr val="tx1"/>
+                      </a:solidFill>
+                      <a:prstDash val="solid"/>
+                      <a:round/>
+                      <a:headEnd type="none" w="med" len="med"/>
+                      <a:tailEnd type="none" w="med" len="med"/>
+                    </a:lnT>
+                    <a:lnB w="12700" cap="flat" cmpd="sng" algn="ctr">
+                      <a:solidFill>
+                        <a:schemeClr val="tx1"/>
+                      </a:solidFill>
+                      <a:prstDash val="solid"/>
+                      <a:round/>
+                      <a:headEnd type="none" w="med" len="med"/>
+                      <a:tailEnd type="none" w="med" len="med"/>
+                    </a:lnB>
+                  </a:tcPr>
                 </a:tc>
                 <a:tc>
                   <a:txBody>
@@ -10227,52 +11177,91 @@
                     <a:p>
                       <a:pPr marL="243450" indent="-171450" algn="l" defTabSz="914400" rtl="0" eaLnBrk="1" fontAlgn="b" latinLnBrk="0" hangingPunct="1">
                         <a:spcAft>
-                          <a:spcPts val="600"/>
+                          <a:spcPts val="200"/>
                         </a:spcAft>
                         <a:buFont typeface="Arial" panose="020B0604020202020204" pitchFamily="34" charset="0"/>
                         <a:buChar char="•"/>
                       </a:pPr>
                       <a:r>
-                        <a:rPr lang="en-GB" sz="600" u="none" strike="noStrike" kern="1200" dirty="0">
+                        <a:rPr lang="en-GB" sz="550" u="none" strike="noStrike" kern="1200" dirty="0">
                           <a:solidFill>
-                            <a:schemeClr val="dk1"/>
+                            <a:sysClr val="windowText" lastClr="000000"/>
                           </a:solidFill>
                           <a:effectLst/>
-                          <a:latin typeface="+mn-lt"/>
+                          <a:latin typeface="Arial" panose="020B0604020202020204" pitchFamily="34" charset="0"/>
+                          <a:cs typeface="Arial" panose="020B0604020202020204" pitchFamily="34" charset="0"/>
                         </a:rPr>
-                        <a:t>Provides expert guidance, coaching, and leadership in the adoption and implementation of Agile methods.</a:t>
+                        <a:t>Provides expert guidance, coaching, and leadership in   the adoption and implementation of Agile methods.</a:t>
                       </a:r>
                     </a:p>
                     <a:p>
                       <a:pPr marL="243450" indent="-171450" algn="l" defTabSz="914400" rtl="0" eaLnBrk="1" fontAlgn="b" latinLnBrk="0" hangingPunct="1">
                         <a:spcAft>
-                          <a:spcPts val="600"/>
+                          <a:spcPts val="200"/>
                         </a:spcAft>
                         <a:buFont typeface="Arial" panose="020B0604020202020204" pitchFamily="34" charset="0"/>
                         <a:buChar char="•"/>
                       </a:pPr>
                       <a:r>
-                        <a:rPr lang="en-GB" sz="600" u="none" strike="noStrike" kern="1200" dirty="0">
+                        <a:rPr lang="en-GB" sz="550" u="none" strike="noStrike" kern="1200" dirty="0">
                           <a:solidFill>
-                            <a:schemeClr val="dk1"/>
+                            <a:sysClr val="windowText" lastClr="000000"/>
                           </a:solidFill>
                           <a:effectLst/>
-                          <a:latin typeface="+mn-lt"/>
+                          <a:latin typeface="Arial" panose="020B0604020202020204" pitchFamily="34" charset="0"/>
+                          <a:cs typeface="Arial" panose="020B0604020202020204" pitchFamily="34" charset="0"/>
                         </a:rPr>
                         <a:t>Mentors and coaches other Agile Delivery Leads, sharing knowledge and expertise to enhance their skills.</a:t>
                       </a:r>
-                      <a:endParaRPr lang="en-GB" sz="600" u="none" strike="noStrike" kern="1200" dirty="0">
+                      <a:endParaRPr lang="en-GB" sz="550" u="none" strike="noStrike" kern="1200" dirty="0">
                         <a:solidFill>
-                          <a:schemeClr val="dk1"/>
+                          <a:sysClr val="windowText" lastClr="000000"/>
                         </a:solidFill>
                         <a:effectLst/>
-                        <a:latin typeface="+mn-lt"/>
+                        <a:latin typeface="Arial" panose="020B0604020202020204" pitchFamily="34" charset="0"/>
                         <a:ea typeface="+mn-ea"/>
-                        <a:cs typeface="+mn-cs"/>
+                        <a:cs typeface="Arial" panose="020B0604020202020204" pitchFamily="34" charset="0"/>
                       </a:endParaRPr>
                     </a:p>
                   </a:txBody>
-                  <a:tcPr marL="866" marR="866" marT="866" marB="0" anchor="ctr"/>
+                  <a:tcPr marL="866" marR="866" marT="866" marB="0" anchor="ctr">
+                    <a:lnL w="12700" cap="flat" cmpd="sng" algn="ctr">
+                      <a:solidFill>
+                        <a:schemeClr val="tx1"/>
+                      </a:solidFill>
+                      <a:prstDash val="solid"/>
+                      <a:round/>
+                      <a:headEnd type="none" w="med" len="med"/>
+                      <a:tailEnd type="none" w="med" len="med"/>
+                    </a:lnL>
+                    <a:lnR w="12700" cap="flat" cmpd="sng" algn="ctr">
+                      <a:solidFill>
+                        <a:schemeClr val="tx1"/>
+                      </a:solidFill>
+                      <a:prstDash val="solid"/>
+                      <a:round/>
+                      <a:headEnd type="none" w="med" len="med"/>
+                      <a:tailEnd type="none" w="med" len="med"/>
+                    </a:lnR>
+                    <a:lnT w="12700" cap="flat" cmpd="sng" algn="ctr">
+                      <a:solidFill>
+                        <a:schemeClr val="tx1"/>
+                      </a:solidFill>
+                      <a:prstDash val="solid"/>
+                      <a:round/>
+                      <a:headEnd type="none" w="med" len="med"/>
+                      <a:tailEnd type="none" w="med" len="med"/>
+                    </a:lnT>
+                    <a:lnB w="12700" cap="flat" cmpd="sng" algn="ctr">
+                      <a:solidFill>
+                        <a:schemeClr val="tx1"/>
+                      </a:solidFill>
+                      <a:prstDash val="solid"/>
+                      <a:round/>
+                      <a:headEnd type="none" w="med" len="med"/>
+                      <a:tailEnd type="none" w="med" len="med"/>
+                    </a:lnB>
+                  </a:tcPr>
                 </a:tc>
                 <a:tc>
                   <a:txBody>
@@ -10281,18 +11270,19 @@
                     <a:p>
                       <a:pPr marL="243450" indent="-171450" algn="l" defTabSz="914400" rtl="0" eaLnBrk="1" fontAlgn="b" latinLnBrk="0" hangingPunct="1">
                         <a:spcAft>
-                          <a:spcPts val="600"/>
+                          <a:spcPts val="200"/>
                         </a:spcAft>
                         <a:buFont typeface="Arial" panose="020B0604020202020204" pitchFamily="34" charset="0"/>
                         <a:buChar char="•"/>
                       </a:pPr>
                       <a:r>
-                        <a:rPr lang="en-GB" sz="600" u="none" strike="noStrike" kern="1200" dirty="0">
+                        <a:rPr lang="en-GB" sz="550" u="none" strike="noStrike" kern="1200" dirty="0">
                           <a:solidFill>
-                            <a:schemeClr val="dk1"/>
+                            <a:sysClr val="windowText" lastClr="000000"/>
                           </a:solidFill>
                           <a:effectLst/>
-                          <a:latin typeface="+mn-lt"/>
+                          <a:latin typeface="Arial" panose="020B0604020202020204" pitchFamily="34" charset="0"/>
+                          <a:cs typeface="Arial" panose="020B0604020202020204" pitchFamily="34" charset="0"/>
                         </a:rPr>
                         <a:t>Provides guidance, coaching, and support to cross-functional teams, empowering them to embrace Agile practices.</a:t>
                       </a:r>
@@ -10300,33 +11290,71 @@
                     <a:p>
                       <a:pPr marL="243450" indent="-171450" algn="l" defTabSz="914400" rtl="0" eaLnBrk="1" fontAlgn="b" latinLnBrk="0" hangingPunct="1">
                         <a:spcAft>
-                          <a:spcPts val="600"/>
+                          <a:spcPts val="200"/>
                         </a:spcAft>
                         <a:buFont typeface="Arial" panose="020B0604020202020204" pitchFamily="34" charset="0"/>
                         <a:buChar char="•"/>
                       </a:pPr>
                       <a:r>
-                        <a:rPr lang="en-GB" sz="600" u="none" strike="noStrike" kern="1200" dirty="0">
+                        <a:rPr lang="en-GB" sz="550" u="none" strike="noStrike" kern="1200" dirty="0">
                           <a:solidFill>
-                            <a:schemeClr val="dk1"/>
+                            <a:sysClr val="windowText" lastClr="000000"/>
                           </a:solidFill>
                           <a:effectLst/>
-                          <a:latin typeface="+mn-lt"/>
+                          <a:latin typeface="Arial" panose="020B0604020202020204" pitchFamily="34" charset="0"/>
+                          <a:cs typeface="Arial" panose="020B0604020202020204" pitchFamily="34" charset="0"/>
                         </a:rPr>
                         <a:t>Leads Agile transformation initiatives, driving continuous improvement and fostering a culture of collaboration.</a:t>
                       </a:r>
-                      <a:endParaRPr lang="en-GB" sz="600" u="none" strike="noStrike" kern="1200" dirty="0">
+                      <a:endParaRPr lang="en-GB" sz="550" u="none" strike="noStrike" kern="1200" dirty="0">
                         <a:solidFill>
-                          <a:schemeClr val="dk1"/>
+                          <a:sysClr val="windowText" lastClr="000000"/>
                         </a:solidFill>
                         <a:effectLst/>
-                        <a:latin typeface="+mn-lt"/>
+                        <a:latin typeface="Arial" panose="020B0604020202020204" pitchFamily="34" charset="0"/>
                         <a:ea typeface="+mn-ea"/>
-                        <a:cs typeface="+mn-cs"/>
+                        <a:cs typeface="Arial" panose="020B0604020202020204" pitchFamily="34" charset="0"/>
                       </a:endParaRPr>
                     </a:p>
                   </a:txBody>
-                  <a:tcPr marL="866" marR="866" marT="866" marB="0" anchor="ctr"/>
+                  <a:tcPr marL="866" marR="866" marT="866" marB="0" anchor="ctr">
+                    <a:lnL w="12700" cap="flat" cmpd="sng" algn="ctr">
+                      <a:solidFill>
+                        <a:schemeClr val="tx1"/>
+                      </a:solidFill>
+                      <a:prstDash val="solid"/>
+                      <a:round/>
+                      <a:headEnd type="none" w="med" len="med"/>
+                      <a:tailEnd type="none" w="med" len="med"/>
+                    </a:lnL>
+                    <a:lnR w="12700" cap="flat" cmpd="sng" algn="ctr">
+                      <a:solidFill>
+                        <a:schemeClr val="tx1"/>
+                      </a:solidFill>
+                      <a:prstDash val="solid"/>
+                      <a:round/>
+                      <a:headEnd type="none" w="med" len="med"/>
+                      <a:tailEnd type="none" w="med" len="med"/>
+                    </a:lnR>
+                    <a:lnT w="12700" cap="flat" cmpd="sng" algn="ctr">
+                      <a:solidFill>
+                        <a:schemeClr val="tx1"/>
+                      </a:solidFill>
+                      <a:prstDash val="solid"/>
+                      <a:round/>
+                      <a:headEnd type="none" w="med" len="med"/>
+                      <a:tailEnd type="none" w="med" len="med"/>
+                    </a:lnT>
+                    <a:lnB w="12700" cap="flat" cmpd="sng" algn="ctr">
+                      <a:solidFill>
+                        <a:schemeClr val="tx1"/>
+                      </a:solidFill>
+                      <a:prstDash val="solid"/>
+                      <a:round/>
+                      <a:headEnd type="none" w="med" len="med"/>
+                      <a:tailEnd type="none" w="med" len="med"/>
+                    </a:lnB>
+                  </a:tcPr>
                 </a:tc>
                 <a:tc>
                   <a:txBody>
@@ -10335,18 +11363,19 @@
                     <a:p>
                       <a:pPr marL="243450" indent="-171450" algn="l" defTabSz="914400" rtl="0" eaLnBrk="1" fontAlgn="b" latinLnBrk="0" hangingPunct="1">
                         <a:spcAft>
-                          <a:spcPts val="600"/>
+                          <a:spcPts val="200"/>
                         </a:spcAft>
                         <a:buFont typeface="Arial" panose="020B0604020202020204" pitchFamily="34" charset="0"/>
                         <a:buChar char="•"/>
                       </a:pPr>
                       <a:r>
-                        <a:rPr lang="en-GB" sz="600" u="none" strike="noStrike" kern="1200" dirty="0">
+                        <a:rPr lang="en-GB" sz="550" u="none" strike="noStrike" kern="1200" dirty="0">
                           <a:solidFill>
-                            <a:schemeClr val="dk1"/>
+                            <a:sysClr val="windowText" lastClr="000000"/>
                           </a:solidFill>
                           <a:effectLst/>
-                          <a:latin typeface="+mn-lt"/>
+                          <a:latin typeface="Arial" panose="020B0604020202020204" pitchFamily="34" charset="0"/>
+                          <a:cs typeface="Arial" panose="020B0604020202020204" pitchFamily="34" charset="0"/>
                         </a:rPr>
                         <a:t>Coaches and mentors team members on Agile principles and practices.</a:t>
                       </a:r>
@@ -10354,33 +11383,71 @@
                     <a:p>
                       <a:pPr marL="243450" indent="-171450" algn="l" defTabSz="914400" rtl="0" eaLnBrk="1" fontAlgn="b" latinLnBrk="0" hangingPunct="1">
                         <a:spcAft>
-                          <a:spcPts val="600"/>
+                          <a:spcPts val="200"/>
                         </a:spcAft>
                         <a:buFont typeface="Arial" panose="020B0604020202020204" pitchFamily="34" charset="0"/>
                         <a:buChar char="•"/>
                       </a:pPr>
                       <a:r>
-                        <a:rPr lang="en-GB" sz="600" u="none" strike="noStrike" kern="1200" dirty="0">
+                        <a:rPr lang="en-GB" sz="550" u="none" strike="noStrike" kern="1200" dirty="0">
                           <a:solidFill>
-                            <a:schemeClr val="dk1"/>
+                            <a:sysClr val="windowText" lastClr="000000"/>
                           </a:solidFill>
                           <a:effectLst/>
-                          <a:latin typeface="+mn-lt"/>
+                          <a:latin typeface="Arial" panose="020B0604020202020204" pitchFamily="34" charset="0"/>
+                          <a:cs typeface="Arial" panose="020B0604020202020204" pitchFamily="34" charset="0"/>
                         </a:rPr>
                         <a:t>Guides the team in implementing Agile methods and removing obstacles.</a:t>
                       </a:r>
-                      <a:endParaRPr lang="en-GB" sz="600" u="none" strike="noStrike" kern="1200" dirty="0">
+                      <a:endParaRPr lang="en-GB" sz="550" u="none" strike="noStrike" kern="1200" dirty="0">
                         <a:solidFill>
-                          <a:schemeClr val="dk1"/>
+                          <a:sysClr val="windowText" lastClr="000000"/>
                         </a:solidFill>
                         <a:effectLst/>
-                        <a:latin typeface="+mn-lt"/>
+                        <a:latin typeface="Arial" panose="020B0604020202020204" pitchFamily="34" charset="0"/>
                         <a:ea typeface="+mn-ea"/>
-                        <a:cs typeface="+mn-cs"/>
+                        <a:cs typeface="Arial" panose="020B0604020202020204" pitchFamily="34" charset="0"/>
                       </a:endParaRPr>
                     </a:p>
                   </a:txBody>
-                  <a:tcPr marL="866" marR="866" marT="866" marB="0" anchor="ctr"/>
+                  <a:tcPr marL="866" marR="866" marT="866" marB="0" anchor="ctr">
+                    <a:lnL w="12700" cap="flat" cmpd="sng" algn="ctr">
+                      <a:solidFill>
+                        <a:schemeClr val="tx1"/>
+                      </a:solidFill>
+                      <a:prstDash val="solid"/>
+                      <a:round/>
+                      <a:headEnd type="none" w="med" len="med"/>
+                      <a:tailEnd type="none" w="med" len="med"/>
+                    </a:lnL>
+                    <a:lnR w="12700" cap="flat" cmpd="sng" algn="ctr">
+                      <a:solidFill>
+                        <a:schemeClr val="tx1"/>
+                      </a:solidFill>
+                      <a:prstDash val="solid"/>
+                      <a:round/>
+                      <a:headEnd type="none" w="med" len="med"/>
+                      <a:tailEnd type="none" w="med" len="med"/>
+                    </a:lnR>
+                    <a:lnT w="12700" cap="flat" cmpd="sng" algn="ctr">
+                      <a:solidFill>
+                        <a:schemeClr val="tx1"/>
+                      </a:solidFill>
+                      <a:prstDash val="solid"/>
+                      <a:round/>
+                      <a:headEnd type="none" w="med" len="med"/>
+                      <a:tailEnd type="none" w="med" len="med"/>
+                    </a:lnT>
+                    <a:lnB w="12700" cap="flat" cmpd="sng" algn="ctr">
+                      <a:solidFill>
+                        <a:schemeClr val="tx1"/>
+                      </a:solidFill>
+                      <a:prstDash val="solid"/>
+                      <a:round/>
+                      <a:headEnd type="none" w="med" len="med"/>
+                      <a:tailEnd type="none" w="med" len="med"/>
+                    </a:lnB>
+                  </a:tcPr>
                 </a:tc>
                 <a:tc>
                   <a:txBody>
@@ -10389,52 +11456,91 @@
                     <a:p>
                       <a:pPr marL="243450" indent="-171450" algn="l" defTabSz="914400" rtl="0" eaLnBrk="1" fontAlgn="b" latinLnBrk="0" hangingPunct="1">
                         <a:spcAft>
-                          <a:spcPts val="600"/>
+                          <a:spcPts val="200"/>
                         </a:spcAft>
                         <a:buFont typeface="Arial" panose="020B0604020202020204" pitchFamily="34" charset="0"/>
                         <a:buChar char="•"/>
                       </a:pPr>
                       <a:r>
-                        <a:rPr lang="en-GB" sz="600" u="none" strike="noStrike" kern="1200" dirty="0">
+                        <a:rPr lang="en-GB" sz="550" u="none" strike="noStrike" kern="1200" dirty="0">
                           <a:solidFill>
-                            <a:schemeClr val="dk1"/>
+                            <a:sysClr val="windowText" lastClr="000000"/>
                           </a:solidFill>
                           <a:effectLst/>
-                          <a:latin typeface="+mn-lt"/>
+                          <a:latin typeface="Arial" panose="020B0604020202020204" pitchFamily="34" charset="0"/>
+                          <a:cs typeface="Arial" panose="020B0604020202020204" pitchFamily="34" charset="0"/>
                         </a:rPr>
-                        <a:t>Takes part in training and learning opportunities related to Agile principles and methods.</a:t>
+                        <a:t>Takes part in training and learning opportunities related   to Agile principles and methods.</a:t>
                       </a:r>
                     </a:p>
                     <a:p>
                       <a:pPr marL="243450" indent="-171450" algn="l" defTabSz="914400" rtl="0" eaLnBrk="1" fontAlgn="b" latinLnBrk="0" hangingPunct="1">
                         <a:spcAft>
-                          <a:spcPts val="600"/>
+                          <a:spcPts val="200"/>
                         </a:spcAft>
                         <a:buFont typeface="Arial" panose="020B0604020202020204" pitchFamily="34" charset="0"/>
                         <a:buChar char="•"/>
                       </a:pPr>
                       <a:r>
-                        <a:rPr lang="en-GB" sz="600" u="none" strike="noStrike" kern="1200" dirty="0">
+                        <a:rPr lang="en-GB" sz="550" u="none" strike="noStrike" kern="1200" dirty="0">
                           <a:solidFill>
-                            <a:schemeClr val="dk1"/>
+                            <a:sysClr val="windowText" lastClr="000000"/>
                           </a:solidFill>
                           <a:effectLst/>
-                          <a:latin typeface="+mn-lt"/>
+                          <a:latin typeface="Arial" panose="020B0604020202020204" pitchFamily="34" charset="0"/>
+                          <a:cs typeface="Arial" panose="020B0604020202020204" pitchFamily="34" charset="0"/>
                         </a:rPr>
                         <a:t>Seeks mentorship from Senior Agile Delivery Leads to enhance understanding and proficiency in Agile Delivery.</a:t>
                       </a:r>
-                      <a:endParaRPr lang="en-GB" sz="600" u="none" strike="noStrike" kern="1200" dirty="0">
+                      <a:endParaRPr lang="en-GB" sz="550" u="none" strike="noStrike" kern="1200" dirty="0">
                         <a:solidFill>
-                          <a:schemeClr val="dk1"/>
+                          <a:sysClr val="windowText" lastClr="000000"/>
                         </a:solidFill>
                         <a:effectLst/>
-                        <a:latin typeface="+mn-lt"/>
+                        <a:latin typeface="Arial" panose="020B0604020202020204" pitchFamily="34" charset="0"/>
                         <a:ea typeface="+mn-ea"/>
-                        <a:cs typeface="+mn-cs"/>
+                        <a:cs typeface="Arial" panose="020B0604020202020204" pitchFamily="34" charset="0"/>
                       </a:endParaRPr>
                     </a:p>
                   </a:txBody>
-                  <a:tcPr marL="866" marR="866" marT="866" marB="0" anchor="ctr"/>
+                  <a:tcPr marL="866" marR="866" marT="866" marB="0" anchor="ctr">
+                    <a:lnL w="12700" cap="flat" cmpd="sng" algn="ctr">
+                      <a:solidFill>
+                        <a:schemeClr val="tx1"/>
+                      </a:solidFill>
+                      <a:prstDash val="solid"/>
+                      <a:round/>
+                      <a:headEnd type="none" w="med" len="med"/>
+                      <a:tailEnd type="none" w="med" len="med"/>
+                    </a:lnL>
+                    <a:lnR w="12700" cap="flat" cmpd="sng" algn="ctr">
+                      <a:solidFill>
+                        <a:schemeClr val="tx1"/>
+                      </a:solidFill>
+                      <a:prstDash val="solid"/>
+                      <a:round/>
+                      <a:headEnd type="none" w="med" len="med"/>
+                      <a:tailEnd type="none" w="med" len="med"/>
+                    </a:lnR>
+                    <a:lnT w="12700" cap="flat" cmpd="sng" algn="ctr">
+                      <a:solidFill>
+                        <a:schemeClr val="tx1"/>
+                      </a:solidFill>
+                      <a:prstDash val="solid"/>
+                      <a:round/>
+                      <a:headEnd type="none" w="med" len="med"/>
+                      <a:tailEnd type="none" w="med" len="med"/>
+                    </a:lnT>
+                    <a:lnB w="12700" cap="flat" cmpd="sng" algn="ctr">
+                      <a:solidFill>
+                        <a:schemeClr val="tx1"/>
+                      </a:solidFill>
+                      <a:prstDash val="solid"/>
+                      <a:round/>
+                      <a:headEnd type="none" w="med" len="med"/>
+                      <a:tailEnd type="none" w="med" len="med"/>
+                    </a:lnB>
+                  </a:tcPr>
                 </a:tc>
                 <a:extLst>
                   <a:ext uri="{0D108BD9-81ED-4DB2-BD59-A6C34878D82A}">
@@ -10442,7 +11548,7 @@
                   </a:ext>
                 </a:extLst>
               </a:tr>
-              <a:tr h="645489">
+              <a:tr h="635598">
                 <a:tc vMerge="1">
                   <a:txBody>
                     <a:bodyPr/>
@@ -10469,26 +11575,61 @@
                       <a:r>
                         <a:rPr lang="en-GB" sz="900" b="1" u="none" strike="noStrike" dirty="0">
                           <a:solidFill>
-                            <a:schemeClr val="bg1"/>
+                            <a:sysClr val="windowText" lastClr="000000"/>
                           </a:solidFill>
                           <a:effectLst/>
-                          <a:latin typeface="+mn-lt"/>
+                          <a:latin typeface="Arial" panose="020B0604020202020204" pitchFamily="34" charset="0"/>
+                          <a:cs typeface="Arial" panose="020B0604020202020204" pitchFamily="34" charset="0"/>
                         </a:rPr>
                         <a:t>Facilitating</a:t>
                       </a:r>
                       <a:endParaRPr lang="en-GB" sz="900" b="1" i="0" u="none" strike="noStrike" dirty="0">
                         <a:solidFill>
-                          <a:schemeClr val="bg1"/>
+                          <a:sysClr val="windowText" lastClr="000000"/>
                         </a:solidFill>
                         <a:effectLst/>
-                        <a:latin typeface="+mn-lt"/>
+                        <a:latin typeface="Arial" panose="020B0604020202020204" pitchFamily="34" charset="0"/>
+                        <a:cs typeface="Arial" panose="020B0604020202020204" pitchFamily="34" charset="0"/>
                       </a:endParaRPr>
                     </a:p>
                   </a:txBody>
                   <a:tcPr marL="866" marR="866" marT="866" marB="0" anchor="ctr">
-                    <a:solidFill>
-                      <a:schemeClr val="accent3"/>
-                    </a:solidFill>
+                    <a:lnL w="12700" cap="flat" cmpd="sng" algn="ctr">
+                      <a:solidFill>
+                        <a:schemeClr val="tx1"/>
+                      </a:solidFill>
+                      <a:prstDash val="solid"/>
+                      <a:round/>
+                      <a:headEnd type="none" w="med" len="med"/>
+                      <a:tailEnd type="none" w="med" len="med"/>
+                    </a:lnL>
+                    <a:lnR w="12700" cap="flat" cmpd="sng" algn="ctr">
+                      <a:solidFill>
+                        <a:schemeClr val="tx1"/>
+                      </a:solidFill>
+                      <a:prstDash val="solid"/>
+                      <a:round/>
+                      <a:headEnd type="none" w="med" len="med"/>
+                      <a:tailEnd type="none" w="med" len="med"/>
+                    </a:lnR>
+                    <a:lnT w="12700" cap="flat" cmpd="sng" algn="ctr">
+                      <a:solidFill>
+                        <a:schemeClr val="tx1"/>
+                      </a:solidFill>
+                      <a:prstDash val="solid"/>
+                      <a:round/>
+                      <a:headEnd type="none" w="med" len="med"/>
+                      <a:tailEnd type="none" w="med" len="med"/>
+                    </a:lnT>
+                    <a:lnB w="12700" cap="flat" cmpd="sng" algn="ctr">
+                      <a:solidFill>
+                        <a:schemeClr val="tx1"/>
+                      </a:solidFill>
+                      <a:prstDash val="solid"/>
+                      <a:round/>
+                      <a:headEnd type="none" w="med" len="med"/>
+                      <a:tailEnd type="none" w="med" len="med"/>
+                    </a:lnB>
                   </a:tcPr>
                 </a:tc>
                 <a:tc>
@@ -10498,52 +11639,92 @@
                     <a:p>
                       <a:pPr marL="243450" indent="-171450" algn="l" defTabSz="914400" rtl="0" eaLnBrk="1" fontAlgn="b" latinLnBrk="0" hangingPunct="1">
                         <a:spcAft>
-                          <a:spcPts val="600"/>
+                          <a:spcPts val="200"/>
                         </a:spcAft>
                         <a:buFont typeface="Arial" panose="020B0604020202020204" pitchFamily="34" charset="0"/>
                         <a:buChar char="•"/>
                       </a:pPr>
                       <a:r>
-                        <a:rPr lang="en-GB" sz="600" u="none" strike="noStrike" kern="1200" dirty="0">
+                        <a:rPr lang="en-GB" sz="550" u="none" strike="noStrike" kern="1200" dirty="0">
                           <a:solidFill>
-                            <a:schemeClr val="dk1"/>
+                            <a:sysClr val="windowText" lastClr="000000"/>
                           </a:solidFill>
                           <a:effectLst/>
-                          <a:latin typeface="+mn-lt"/>
+                          <a:latin typeface="Arial" panose="020B0604020202020204" pitchFamily="34" charset="0"/>
+                          <a:cs typeface="Arial" panose="020B0604020202020204" pitchFamily="34" charset="0"/>
                         </a:rPr>
-                        <a:t>Facilitates collaboration and knowledge transfer among team members and stakeholders, fostering a collaborative environment.</a:t>
+                        <a:t>Facilitates collaboration and knowledge transfer among team members and stakeholders, fostering a   collaborative environment.</a:t>
                       </a:r>
                     </a:p>
                     <a:p>
                       <a:pPr marL="243450" indent="-171450" algn="l" defTabSz="914400" rtl="0" eaLnBrk="1" fontAlgn="b" latinLnBrk="0" hangingPunct="1">
                         <a:spcAft>
-                          <a:spcPts val="600"/>
+                          <a:spcPts val="200"/>
                         </a:spcAft>
                         <a:buFont typeface="Arial" panose="020B0604020202020204" pitchFamily="34" charset="0"/>
                         <a:buChar char="•"/>
                       </a:pPr>
                       <a:r>
-                        <a:rPr lang="en-GB" sz="600" u="none" strike="noStrike" kern="1200" dirty="0">
+                        <a:rPr lang="en-GB" sz="550" u="none" strike="noStrike" kern="1200" dirty="0">
                           <a:solidFill>
-                            <a:schemeClr val="dk1"/>
+                            <a:sysClr val="windowText" lastClr="000000"/>
                           </a:solidFill>
                           <a:effectLst/>
-                          <a:latin typeface="+mn-lt"/>
+                          <a:latin typeface="Arial" panose="020B0604020202020204" pitchFamily="34" charset="0"/>
+                          <a:cs typeface="Arial" panose="020B0604020202020204" pitchFamily="34" charset="0"/>
                         </a:rPr>
                         <a:t>Organizes and facilitates workshops and knowledge-sharing sessions on Agile-related topics to promote continuous improvement.</a:t>
                       </a:r>
-                      <a:endParaRPr lang="en-GB" sz="600" u="none" strike="noStrike" kern="1200" dirty="0">
+                      <a:endParaRPr lang="en-GB" sz="550" u="none" strike="noStrike" kern="1200" dirty="0">
                         <a:solidFill>
-                          <a:schemeClr val="dk1"/>
+                          <a:sysClr val="windowText" lastClr="000000"/>
                         </a:solidFill>
                         <a:effectLst/>
-                        <a:latin typeface="+mn-lt"/>
+                        <a:latin typeface="Arial" panose="020B0604020202020204" pitchFamily="34" charset="0"/>
                         <a:ea typeface="+mn-ea"/>
-                        <a:cs typeface="+mn-cs"/>
+                        <a:cs typeface="Arial" panose="020B0604020202020204" pitchFamily="34" charset="0"/>
                       </a:endParaRPr>
                     </a:p>
                   </a:txBody>
-                  <a:tcPr marL="866" marR="866" marT="866" marB="0" anchor="ctr"/>
+                  <a:tcPr marL="866" marR="866" marT="866" marB="0" anchor="ctr">
+                    <a:lnL w="12700" cap="flat" cmpd="sng" algn="ctr">
+                      <a:solidFill>
+                        <a:schemeClr val="tx1"/>
+                      </a:solidFill>
+                      <a:prstDash val="solid"/>
+                      <a:round/>
+                      <a:headEnd type="none" w="med" len="med"/>
+                      <a:tailEnd type="none" w="med" len="med"/>
+                    </a:lnL>
+                    <a:lnR w="12700" cap="flat" cmpd="sng" algn="ctr">
+                      <a:solidFill>
+                        <a:schemeClr val="tx1"/>
+                      </a:solidFill>
+                      <a:prstDash val="solid"/>
+                      <a:round/>
+                      <a:headEnd type="none" w="med" len="med"/>
+                      <a:tailEnd type="none" w="med" len="med"/>
+                    </a:lnR>
+                    <a:lnT w="12700" cap="flat" cmpd="sng" algn="ctr">
+                      <a:solidFill>
+                        <a:schemeClr val="tx1"/>
+                      </a:solidFill>
+                      <a:prstDash val="solid"/>
+                      <a:round/>
+                      <a:headEnd type="none" w="med" len="med"/>
+                      <a:tailEnd type="none" w="med" len="med"/>
+                    </a:lnT>
+                    <a:lnB w="12700" cap="flat" cmpd="sng" algn="ctr">
+                      <a:solidFill>
+                        <a:schemeClr val="tx1"/>
+                      </a:solidFill>
+                      <a:prstDash val="solid"/>
+                      <a:round/>
+                      <a:headEnd type="none" w="med" len="med"/>
+                      <a:tailEnd type="none" w="med" len="med"/>
+                    </a:lnB>
+                    <a:noFill/>
+                  </a:tcPr>
                 </a:tc>
                 <a:tc>
                   <a:txBody>
@@ -10552,18 +11733,19 @@
                     <a:p>
                       <a:pPr marL="243450" indent="-171450" algn="l" defTabSz="914400" rtl="0" eaLnBrk="1" fontAlgn="b" latinLnBrk="0" hangingPunct="1">
                         <a:spcAft>
-                          <a:spcPts val="600"/>
+                          <a:spcPts val="200"/>
                         </a:spcAft>
                         <a:buFont typeface="Arial" panose="020B0604020202020204" pitchFamily="34" charset="0"/>
                         <a:buChar char="•"/>
                       </a:pPr>
                       <a:r>
-                        <a:rPr lang="en-GB" sz="600" u="none" strike="noStrike" kern="1200" dirty="0">
+                        <a:rPr lang="en-GB" sz="550" u="none" strike="noStrike" kern="1200" dirty="0">
                           <a:solidFill>
-                            <a:schemeClr val="dk1"/>
+                            <a:sysClr val="windowText" lastClr="000000"/>
                           </a:solidFill>
                           <a:effectLst/>
-                          <a:latin typeface="+mn-lt"/>
+                          <a:latin typeface="Arial" panose="020B0604020202020204" pitchFamily="34" charset="0"/>
+                          <a:cs typeface="Arial" panose="020B0604020202020204" pitchFamily="34" charset="0"/>
                         </a:rPr>
                         <a:t>Promotes collaboration, transparency, and continuous improvement through effective facilitation.</a:t>
                       </a:r>
@@ -10571,33 +11753,72 @@
                     <a:p>
                       <a:pPr marL="243450" indent="-171450" algn="l" defTabSz="914400" rtl="0" eaLnBrk="1" fontAlgn="b" latinLnBrk="0" hangingPunct="1">
                         <a:spcAft>
-                          <a:spcPts val="600"/>
+                          <a:spcPts val="200"/>
                         </a:spcAft>
                         <a:buFont typeface="Arial" panose="020B0604020202020204" pitchFamily="34" charset="0"/>
                         <a:buChar char="•"/>
                       </a:pPr>
                       <a:r>
-                        <a:rPr lang="en-GB" sz="600" u="none" strike="noStrike" kern="1200" dirty="0">
+                        <a:rPr lang="en-GB" sz="550" u="none" strike="noStrike" kern="1200" dirty="0">
                           <a:solidFill>
-                            <a:schemeClr val="dk1"/>
+                            <a:sysClr val="windowText" lastClr="000000"/>
                           </a:solidFill>
                           <a:effectLst/>
-                          <a:latin typeface="+mn-lt"/>
+                          <a:latin typeface="Arial" panose="020B0604020202020204" pitchFamily="34" charset="0"/>
+                          <a:cs typeface="Arial" panose="020B0604020202020204" pitchFamily="34" charset="0"/>
                         </a:rPr>
-                        <a:t>Facilitates the creation and nurturing of an Agile Delivery community of practice, fostering collaboration and peer-to-peer learning.</a:t>
+                        <a:t>Facilitates the creation and nurturing of an Agile Delivery community of practice, fostering collaboration and       peer-to-peer learning.</a:t>
                       </a:r>
-                      <a:endParaRPr lang="en-GB" sz="600" u="none" strike="noStrike" kern="1200" dirty="0">
+                      <a:endParaRPr lang="en-GB" sz="550" u="none" strike="noStrike" kern="1200" dirty="0">
                         <a:solidFill>
-                          <a:schemeClr val="dk1"/>
+                          <a:sysClr val="windowText" lastClr="000000"/>
                         </a:solidFill>
                         <a:effectLst/>
-                        <a:latin typeface="+mn-lt"/>
+                        <a:latin typeface="Arial" panose="020B0604020202020204" pitchFamily="34" charset="0"/>
                         <a:ea typeface="+mn-ea"/>
-                        <a:cs typeface="+mn-cs"/>
+                        <a:cs typeface="Arial" panose="020B0604020202020204" pitchFamily="34" charset="0"/>
                       </a:endParaRPr>
                     </a:p>
                   </a:txBody>
-                  <a:tcPr marL="866" marR="866" marT="866" marB="0" anchor="ctr"/>
+                  <a:tcPr marL="866" marR="866" marT="866" marB="0" anchor="ctr">
+                    <a:lnL w="12700" cap="flat" cmpd="sng" algn="ctr">
+                      <a:solidFill>
+                        <a:schemeClr val="tx1"/>
+                      </a:solidFill>
+                      <a:prstDash val="solid"/>
+                      <a:round/>
+                      <a:headEnd type="none" w="med" len="med"/>
+                      <a:tailEnd type="none" w="med" len="med"/>
+                    </a:lnL>
+                    <a:lnR w="12700" cap="flat" cmpd="sng" algn="ctr">
+                      <a:solidFill>
+                        <a:schemeClr val="tx1"/>
+                      </a:solidFill>
+                      <a:prstDash val="solid"/>
+                      <a:round/>
+                      <a:headEnd type="none" w="med" len="med"/>
+                      <a:tailEnd type="none" w="med" len="med"/>
+                    </a:lnR>
+                    <a:lnT w="12700" cap="flat" cmpd="sng" algn="ctr">
+                      <a:solidFill>
+                        <a:schemeClr val="tx1"/>
+                      </a:solidFill>
+                      <a:prstDash val="solid"/>
+                      <a:round/>
+                      <a:headEnd type="none" w="med" len="med"/>
+                      <a:tailEnd type="none" w="med" len="med"/>
+                    </a:lnT>
+                    <a:lnB w="12700" cap="flat" cmpd="sng" algn="ctr">
+                      <a:solidFill>
+                        <a:schemeClr val="tx1"/>
+                      </a:solidFill>
+                      <a:prstDash val="solid"/>
+                      <a:round/>
+                      <a:headEnd type="none" w="med" len="med"/>
+                      <a:tailEnd type="none" w="med" len="med"/>
+                    </a:lnB>
+                    <a:noFill/>
+                  </a:tcPr>
                 </a:tc>
                 <a:tc>
                   <a:txBody>
@@ -10606,18 +11827,19 @@
                     <a:p>
                       <a:pPr marL="243450" indent="-171450" algn="l" defTabSz="914400" rtl="0" eaLnBrk="1" fontAlgn="b" latinLnBrk="0" hangingPunct="1">
                         <a:spcAft>
-                          <a:spcPts val="600"/>
+                          <a:spcPts val="200"/>
                         </a:spcAft>
                         <a:buFont typeface="Arial" panose="020B0604020202020204" pitchFamily="34" charset="0"/>
                         <a:buChar char="•"/>
                       </a:pPr>
                       <a:r>
-                        <a:rPr lang="en-GB" sz="600" u="none" strike="noStrike" kern="1200" dirty="0">
+                        <a:rPr lang="en-GB" sz="550" u="none" strike="noStrike" kern="1200" dirty="0">
                           <a:solidFill>
-                            <a:schemeClr val="dk1"/>
+                            <a:sysClr val="windowText" lastClr="000000"/>
                           </a:solidFill>
                           <a:effectLst/>
-                          <a:latin typeface="+mn-lt"/>
+                          <a:latin typeface="Arial" panose="020B0604020202020204" pitchFamily="34" charset="0"/>
+                          <a:cs typeface="Arial" panose="020B0604020202020204" pitchFamily="34" charset="0"/>
                         </a:rPr>
                         <a:t>Facilitates effective communication and knowledge sharing among team members and stakeholders.</a:t>
                       </a:r>
@@ -10625,33 +11847,72 @@
                     <a:p>
                       <a:pPr marL="243450" indent="-171450" algn="l" defTabSz="914400" rtl="0" eaLnBrk="1" fontAlgn="b" latinLnBrk="0" hangingPunct="1">
                         <a:spcAft>
-                          <a:spcPts val="600"/>
+                          <a:spcPts val="200"/>
                         </a:spcAft>
                         <a:buFont typeface="Arial" panose="020B0604020202020204" pitchFamily="34" charset="0"/>
                         <a:buChar char="•"/>
                       </a:pPr>
                       <a:r>
-                        <a:rPr lang="en-GB" sz="600" u="none" strike="noStrike" kern="1200" dirty="0">
+                        <a:rPr lang="en-GB" sz="550" u="none" strike="noStrike" kern="1200" dirty="0">
                           <a:solidFill>
-                            <a:schemeClr val="dk1"/>
+                            <a:sysClr val="windowText" lastClr="000000"/>
                           </a:solidFill>
                           <a:effectLst/>
-                          <a:latin typeface="+mn-lt"/>
+                          <a:latin typeface="Arial" panose="020B0604020202020204" pitchFamily="34" charset="0"/>
+                          <a:cs typeface="Arial" panose="020B0604020202020204" pitchFamily="34" charset="0"/>
                         </a:rPr>
                         <a:t>Creates an environment conducive to innovation and continuous learning through effective facilitation.</a:t>
                       </a:r>
-                      <a:endParaRPr lang="en-GB" sz="600" u="none" strike="noStrike" kern="1200" dirty="0">
+                      <a:endParaRPr lang="en-GB" sz="550" u="none" strike="noStrike" kern="1200" dirty="0">
                         <a:solidFill>
-                          <a:schemeClr val="dk1"/>
+                          <a:sysClr val="windowText" lastClr="000000"/>
                         </a:solidFill>
                         <a:effectLst/>
-                        <a:latin typeface="+mn-lt"/>
+                        <a:latin typeface="Arial" panose="020B0604020202020204" pitchFamily="34" charset="0"/>
                         <a:ea typeface="+mn-ea"/>
-                        <a:cs typeface="+mn-cs"/>
+                        <a:cs typeface="Arial" panose="020B0604020202020204" pitchFamily="34" charset="0"/>
                       </a:endParaRPr>
                     </a:p>
                   </a:txBody>
-                  <a:tcPr marL="866" marR="866" marT="866" marB="0" anchor="ctr"/>
+                  <a:tcPr marL="866" marR="866" marT="866" marB="0" anchor="ctr">
+                    <a:lnL w="12700" cap="flat" cmpd="sng" algn="ctr">
+                      <a:solidFill>
+                        <a:schemeClr val="tx1"/>
+                      </a:solidFill>
+                      <a:prstDash val="solid"/>
+                      <a:round/>
+                      <a:headEnd type="none" w="med" len="med"/>
+                      <a:tailEnd type="none" w="med" len="med"/>
+                    </a:lnL>
+                    <a:lnR w="12700" cap="flat" cmpd="sng" algn="ctr">
+                      <a:solidFill>
+                        <a:schemeClr val="tx1"/>
+                      </a:solidFill>
+                      <a:prstDash val="solid"/>
+                      <a:round/>
+                      <a:headEnd type="none" w="med" len="med"/>
+                      <a:tailEnd type="none" w="med" len="med"/>
+                    </a:lnR>
+                    <a:lnT w="12700" cap="flat" cmpd="sng" algn="ctr">
+                      <a:solidFill>
+                        <a:schemeClr val="tx1"/>
+                      </a:solidFill>
+                      <a:prstDash val="solid"/>
+                      <a:round/>
+                      <a:headEnd type="none" w="med" len="med"/>
+                      <a:tailEnd type="none" w="med" len="med"/>
+                    </a:lnT>
+                    <a:lnB w="12700" cap="flat" cmpd="sng" algn="ctr">
+                      <a:solidFill>
+                        <a:schemeClr val="tx1"/>
+                      </a:solidFill>
+                      <a:prstDash val="solid"/>
+                      <a:round/>
+                      <a:headEnd type="none" w="med" len="med"/>
+                      <a:tailEnd type="none" w="med" len="med"/>
+                    </a:lnB>
+                    <a:noFill/>
+                  </a:tcPr>
                 </a:tc>
                 <a:tc>
                   <a:txBody>
@@ -10660,18 +11921,19 @@
                     <a:p>
                       <a:pPr marL="243450" indent="-171450" algn="l" defTabSz="914400" rtl="0" eaLnBrk="1" fontAlgn="b" latinLnBrk="0" hangingPunct="1">
                         <a:spcAft>
-                          <a:spcPts val="600"/>
+                          <a:spcPts val="200"/>
                         </a:spcAft>
                         <a:buFont typeface="Arial" panose="020B0604020202020204" pitchFamily="34" charset="0"/>
                         <a:buChar char="•"/>
                       </a:pPr>
                       <a:r>
-                        <a:rPr lang="en-GB" sz="600" u="none" strike="noStrike" kern="1200" dirty="0">
+                        <a:rPr lang="en-GB" sz="550" u="none" strike="noStrike" kern="1200" dirty="0">
                           <a:solidFill>
-                            <a:schemeClr val="dk1"/>
+                            <a:sysClr val="windowText" lastClr="000000"/>
                           </a:solidFill>
                           <a:effectLst/>
-                          <a:latin typeface="+mn-lt"/>
+                          <a:latin typeface="Arial" panose="020B0604020202020204" pitchFamily="34" charset="0"/>
+                          <a:cs typeface="Arial" panose="020B0604020202020204" pitchFamily="34" charset="0"/>
                         </a:rPr>
                         <a:t>Facilitates collaboration and communication within the development team, ensuring transparency and trust.</a:t>
                       </a:r>
@@ -10679,33 +11941,72 @@
                     <a:p>
                       <a:pPr marL="243450" indent="-171450" algn="l" defTabSz="914400" rtl="0" eaLnBrk="1" fontAlgn="b" latinLnBrk="0" hangingPunct="1">
                         <a:spcAft>
-                          <a:spcPts val="600"/>
+                          <a:spcPts val="200"/>
                         </a:spcAft>
                         <a:buFont typeface="Arial" panose="020B0604020202020204" pitchFamily="34" charset="0"/>
                         <a:buChar char="•"/>
                       </a:pPr>
                       <a:r>
-                        <a:rPr lang="en-GB" sz="600" u="none" strike="noStrike" kern="1200" dirty="0">
+                        <a:rPr lang="en-GB" sz="550" u="none" strike="noStrike" kern="1200" dirty="0">
                           <a:solidFill>
-                            <a:schemeClr val="dk1"/>
+                            <a:sysClr val="windowText" lastClr="000000"/>
                           </a:solidFill>
                           <a:effectLst/>
-                          <a:latin typeface="+mn-lt"/>
+                          <a:latin typeface="Arial" panose="020B0604020202020204" pitchFamily="34" charset="0"/>
+                          <a:cs typeface="Arial" panose="020B0604020202020204" pitchFamily="34" charset="0"/>
                         </a:rPr>
                         <a:t>Leads Agile events like daily syncs, sprint planning, and retrospectives to promote effective collaboration.</a:t>
                       </a:r>
-                      <a:endParaRPr lang="en-GB" sz="600" u="none" strike="noStrike" kern="1200" dirty="0">
+                      <a:endParaRPr lang="en-GB" sz="550" u="none" strike="noStrike" kern="1200" dirty="0">
                         <a:solidFill>
-                          <a:schemeClr val="dk1"/>
+                          <a:sysClr val="windowText" lastClr="000000"/>
                         </a:solidFill>
                         <a:effectLst/>
-                        <a:latin typeface="+mn-lt"/>
+                        <a:latin typeface="Arial" panose="020B0604020202020204" pitchFamily="34" charset="0"/>
                         <a:ea typeface="+mn-ea"/>
-                        <a:cs typeface="+mn-cs"/>
+                        <a:cs typeface="Arial" panose="020B0604020202020204" pitchFamily="34" charset="0"/>
                       </a:endParaRPr>
                     </a:p>
                   </a:txBody>
-                  <a:tcPr marL="866" marR="866" marT="866" marB="0" anchor="ctr"/>
+                  <a:tcPr marL="866" marR="866" marT="866" marB="0" anchor="ctr">
+                    <a:lnL w="12700" cap="flat" cmpd="sng" algn="ctr">
+                      <a:solidFill>
+                        <a:schemeClr val="tx1"/>
+                      </a:solidFill>
+                      <a:prstDash val="solid"/>
+                      <a:round/>
+                      <a:headEnd type="none" w="med" len="med"/>
+                      <a:tailEnd type="none" w="med" len="med"/>
+                    </a:lnL>
+                    <a:lnR w="12700" cap="flat" cmpd="sng" algn="ctr">
+                      <a:solidFill>
+                        <a:schemeClr val="tx1"/>
+                      </a:solidFill>
+                      <a:prstDash val="solid"/>
+                      <a:round/>
+                      <a:headEnd type="none" w="med" len="med"/>
+                      <a:tailEnd type="none" w="med" len="med"/>
+                    </a:lnR>
+                    <a:lnT w="12700" cap="flat" cmpd="sng" algn="ctr">
+                      <a:solidFill>
+                        <a:schemeClr val="tx1"/>
+                      </a:solidFill>
+                      <a:prstDash val="solid"/>
+                      <a:round/>
+                      <a:headEnd type="none" w="med" len="med"/>
+                      <a:tailEnd type="none" w="med" len="med"/>
+                    </a:lnT>
+                    <a:lnB w="12700" cap="flat" cmpd="sng" algn="ctr">
+                      <a:solidFill>
+                        <a:schemeClr val="tx1"/>
+                      </a:solidFill>
+                      <a:prstDash val="solid"/>
+                      <a:round/>
+                      <a:headEnd type="none" w="med" len="med"/>
+                      <a:tailEnd type="none" w="med" len="med"/>
+                    </a:lnB>
+                    <a:noFill/>
+                  </a:tcPr>
                 </a:tc>
                 <a:tc>
                   <a:txBody>
@@ -10714,18 +12015,19 @@
                     <a:p>
                       <a:pPr marL="243450" indent="-171450" algn="l" defTabSz="914400" rtl="0" eaLnBrk="1" fontAlgn="b" latinLnBrk="0" hangingPunct="1">
                         <a:spcAft>
-                          <a:spcPts val="600"/>
+                          <a:spcPts val="200"/>
                         </a:spcAft>
                         <a:buFont typeface="Arial" panose="020B0604020202020204" pitchFamily="34" charset="0"/>
                         <a:buChar char="•"/>
                       </a:pPr>
                       <a:r>
-                        <a:rPr lang="en-GB" sz="600" u="none" strike="noStrike" kern="1200" dirty="0">
+                        <a:rPr lang="en-GB" sz="550" u="none" strike="noStrike" kern="1200" dirty="0">
                           <a:solidFill>
-                            <a:schemeClr val="dk1"/>
+                            <a:sysClr val="windowText" lastClr="000000"/>
                           </a:solidFill>
                           <a:effectLst/>
-                          <a:latin typeface="+mn-lt"/>
+                          <a:latin typeface="Arial" panose="020B0604020202020204" pitchFamily="34" charset="0"/>
+                          <a:cs typeface="Arial" panose="020B0604020202020204" pitchFamily="34" charset="0"/>
                         </a:rPr>
                         <a:t>Assists in organizing and coordinating Agile activities within the development team, contributing to a culture of collaboration and teamwork.</a:t>
                       </a:r>
@@ -10733,33 +12035,72 @@
                     <a:p>
                       <a:pPr marL="243450" indent="-171450" algn="l" defTabSz="914400" rtl="0" eaLnBrk="1" fontAlgn="b" latinLnBrk="0" hangingPunct="1">
                         <a:spcAft>
-                          <a:spcPts val="600"/>
+                          <a:spcPts val="200"/>
                         </a:spcAft>
                         <a:buFont typeface="Arial" panose="020B0604020202020204" pitchFamily="34" charset="0"/>
                         <a:buChar char="•"/>
                       </a:pPr>
                       <a:r>
-                        <a:rPr lang="en-GB" sz="600" u="none" strike="noStrike" kern="1200" dirty="0">
+                        <a:rPr lang="en-GB" sz="550" u="none" strike="noStrike" kern="1200" dirty="0">
                           <a:solidFill>
-                            <a:schemeClr val="dk1"/>
+                            <a:sysClr val="windowText" lastClr="000000"/>
                           </a:solidFill>
                           <a:effectLst/>
-                          <a:latin typeface="+mn-lt"/>
+                          <a:latin typeface="Arial" panose="020B0604020202020204" pitchFamily="34" charset="0"/>
+                          <a:cs typeface="Arial" panose="020B0604020202020204" pitchFamily="34" charset="0"/>
                         </a:rPr>
                         <a:t>Facilitates Agile events and contributes to maintaining effective communication channels within the team.</a:t>
                       </a:r>
-                      <a:endParaRPr lang="en-GB" sz="600" u="none" strike="noStrike" kern="1200" dirty="0">
+                      <a:endParaRPr lang="en-GB" sz="550" u="none" strike="noStrike" kern="1200" dirty="0">
                         <a:solidFill>
-                          <a:schemeClr val="dk1"/>
+                          <a:sysClr val="windowText" lastClr="000000"/>
                         </a:solidFill>
                         <a:effectLst/>
-                        <a:latin typeface="+mn-lt"/>
+                        <a:latin typeface="Arial" panose="020B0604020202020204" pitchFamily="34" charset="0"/>
                         <a:ea typeface="+mn-ea"/>
-                        <a:cs typeface="+mn-cs"/>
+                        <a:cs typeface="Arial" panose="020B0604020202020204" pitchFamily="34" charset="0"/>
                       </a:endParaRPr>
                     </a:p>
                   </a:txBody>
-                  <a:tcPr marL="866" marR="866" marT="866" marB="0" anchor="ctr"/>
+                  <a:tcPr marL="866" marR="866" marT="866" marB="0" anchor="ctr">
+                    <a:lnL w="12700" cap="flat" cmpd="sng" algn="ctr">
+                      <a:solidFill>
+                        <a:schemeClr val="tx1"/>
+                      </a:solidFill>
+                      <a:prstDash val="solid"/>
+                      <a:round/>
+                      <a:headEnd type="none" w="med" len="med"/>
+                      <a:tailEnd type="none" w="med" len="med"/>
+                    </a:lnL>
+                    <a:lnR w="12700" cap="flat" cmpd="sng" algn="ctr">
+                      <a:solidFill>
+                        <a:schemeClr val="tx1"/>
+                      </a:solidFill>
+                      <a:prstDash val="solid"/>
+                      <a:round/>
+                      <a:headEnd type="none" w="med" len="med"/>
+                      <a:tailEnd type="none" w="med" len="med"/>
+                    </a:lnR>
+                    <a:lnT w="12700" cap="flat" cmpd="sng" algn="ctr">
+                      <a:solidFill>
+                        <a:schemeClr val="tx1"/>
+                      </a:solidFill>
+                      <a:prstDash val="solid"/>
+                      <a:round/>
+                      <a:headEnd type="none" w="med" len="med"/>
+                      <a:tailEnd type="none" w="med" len="med"/>
+                    </a:lnT>
+                    <a:lnB w="12700" cap="flat" cmpd="sng" algn="ctr">
+                      <a:solidFill>
+                        <a:schemeClr val="tx1"/>
+                      </a:solidFill>
+                      <a:prstDash val="solid"/>
+                      <a:round/>
+                      <a:headEnd type="none" w="med" len="med"/>
+                      <a:tailEnd type="none" w="med" len="med"/>
+                    </a:lnB>
+                    <a:noFill/>
+                  </a:tcPr>
                 </a:tc>
                 <a:extLst>
                   <a:ext uri="{0D108BD9-81ED-4DB2-BD59-A6C34878D82A}">
@@ -10767,7 +12108,7 @@
                   </a:ext>
                 </a:extLst>
               </a:tr>
-              <a:tr h="645489">
+              <a:tr h="635598">
                 <a:tc vMerge="1">
                   <a:txBody>
                     <a:bodyPr/>
@@ -10794,26 +12135,61 @@
                       <a:r>
                         <a:rPr lang="en-GB" sz="900" b="1" u="none" strike="noStrike" dirty="0">
                           <a:solidFill>
-                            <a:schemeClr val="bg1"/>
+                            <a:sysClr val="windowText" lastClr="000000"/>
                           </a:solidFill>
                           <a:effectLst/>
-                          <a:latin typeface="+mn-lt"/>
+                          <a:latin typeface="Arial" panose="020B0604020202020204" pitchFamily="34" charset="0"/>
+                          <a:cs typeface="Arial" panose="020B0604020202020204" pitchFamily="34" charset="0"/>
                         </a:rPr>
                         <a:t>Guiding Learning</a:t>
                       </a:r>
                       <a:endParaRPr lang="en-GB" sz="900" b="1" i="0" u="none" strike="noStrike" dirty="0">
                         <a:solidFill>
-                          <a:schemeClr val="bg1"/>
+                          <a:sysClr val="windowText" lastClr="000000"/>
                         </a:solidFill>
                         <a:effectLst/>
-                        <a:latin typeface="+mn-lt"/>
+                        <a:latin typeface="Arial" panose="020B0604020202020204" pitchFamily="34" charset="0"/>
+                        <a:cs typeface="Arial" panose="020B0604020202020204" pitchFamily="34" charset="0"/>
                       </a:endParaRPr>
                     </a:p>
                   </a:txBody>
                   <a:tcPr marL="866" marR="866" marT="866" marB="0" anchor="ctr">
-                    <a:solidFill>
-                      <a:schemeClr val="accent3"/>
-                    </a:solidFill>
+                    <a:lnL w="12700" cap="flat" cmpd="sng" algn="ctr">
+                      <a:solidFill>
+                        <a:schemeClr val="tx1"/>
+                      </a:solidFill>
+                      <a:prstDash val="solid"/>
+                      <a:round/>
+                      <a:headEnd type="none" w="med" len="med"/>
+                      <a:tailEnd type="none" w="med" len="med"/>
+                    </a:lnL>
+                    <a:lnR w="12700" cap="flat" cmpd="sng" algn="ctr">
+                      <a:solidFill>
+                        <a:schemeClr val="tx1"/>
+                      </a:solidFill>
+                      <a:prstDash val="solid"/>
+                      <a:round/>
+                      <a:headEnd type="none" w="med" len="med"/>
+                      <a:tailEnd type="none" w="med" len="med"/>
+                    </a:lnR>
+                    <a:lnT w="12700" cap="flat" cmpd="sng" algn="ctr">
+                      <a:solidFill>
+                        <a:schemeClr val="tx1"/>
+                      </a:solidFill>
+                      <a:prstDash val="solid"/>
+                      <a:round/>
+                      <a:headEnd type="none" w="med" len="med"/>
+                      <a:tailEnd type="none" w="med" len="med"/>
+                    </a:lnT>
+                    <a:lnB w="12700" cap="flat" cmpd="sng" algn="ctr">
+                      <a:solidFill>
+                        <a:schemeClr val="tx1"/>
+                      </a:solidFill>
+                      <a:prstDash val="solid"/>
+                      <a:round/>
+                      <a:headEnd type="none" w="med" len="med"/>
+                      <a:tailEnd type="none" w="med" len="med"/>
+                    </a:lnB>
                   </a:tcPr>
                 </a:tc>
                 <a:tc>
@@ -10823,52 +12199,91 @@
                     <a:p>
                       <a:pPr marL="243450" indent="-171450" algn="l" defTabSz="914400" rtl="0" eaLnBrk="1" fontAlgn="b" latinLnBrk="0" hangingPunct="1">
                         <a:spcAft>
-                          <a:spcPts val="600"/>
+                          <a:spcPts val="200"/>
                         </a:spcAft>
                         <a:buFont typeface="Arial" panose="020B0604020202020204" pitchFamily="34" charset="0"/>
                         <a:buChar char="•"/>
                       </a:pPr>
                       <a:r>
-                        <a:rPr lang="en-GB" sz="600" u="none" strike="noStrike" kern="1200" dirty="0">
+                        <a:rPr lang="en-GB" sz="550" u="none" strike="noStrike" kern="1200" dirty="0">
                           <a:solidFill>
-                            <a:schemeClr val="dk1"/>
+                            <a:sysClr val="windowText" lastClr="000000"/>
                           </a:solidFill>
                           <a:effectLst/>
-                          <a:latin typeface="+mn-lt"/>
+                          <a:latin typeface="Arial" panose="020B0604020202020204" pitchFamily="34" charset="0"/>
+                          <a:cs typeface="Arial" panose="020B0604020202020204" pitchFamily="34" charset="0"/>
                         </a:rPr>
-                        <a:t>Supports the development of high-performing Agile teams, providing guidance and resources to enhance skills and competencies.</a:t>
+                        <a:t>Supports the development of high-performing Agile  teams, providing guidance and resources to enhance  skills and competencies.</a:t>
                       </a:r>
                     </a:p>
                     <a:p>
                       <a:pPr marL="243450" indent="-171450" algn="l" defTabSz="914400" rtl="0" eaLnBrk="1" fontAlgn="b" latinLnBrk="0" hangingPunct="1">
                         <a:spcAft>
-                          <a:spcPts val="600"/>
+                          <a:spcPts val="200"/>
                         </a:spcAft>
                         <a:buFont typeface="Arial" panose="020B0604020202020204" pitchFamily="34" charset="0"/>
                         <a:buChar char="•"/>
                       </a:pPr>
                       <a:r>
-                        <a:rPr lang="en-GB" sz="600" u="none" strike="noStrike" kern="1200" dirty="0">
+                        <a:rPr lang="en-GB" sz="550" u="none" strike="noStrike" kern="1200" dirty="0">
                           <a:solidFill>
-                            <a:schemeClr val="dk1"/>
+                            <a:sysClr val="windowText" lastClr="000000"/>
                           </a:solidFill>
                           <a:effectLst/>
-                          <a:latin typeface="+mn-lt"/>
+                          <a:latin typeface="Arial" panose="020B0604020202020204" pitchFamily="34" charset="0"/>
+                          <a:cs typeface="Arial" panose="020B0604020202020204" pitchFamily="34" charset="0"/>
                         </a:rPr>
                         <a:t>Designs learning initiatives to address skill gaps and promote professional development within the team.</a:t>
                       </a:r>
-                      <a:endParaRPr lang="en-GB" sz="600" u="none" strike="noStrike" kern="1200" dirty="0">
+                      <a:endParaRPr lang="en-GB" sz="550" u="none" strike="noStrike" kern="1200" dirty="0">
                         <a:solidFill>
-                          <a:schemeClr val="dk1"/>
+                          <a:sysClr val="windowText" lastClr="000000"/>
                         </a:solidFill>
                         <a:effectLst/>
-                        <a:latin typeface="+mn-lt"/>
+                        <a:latin typeface="Arial" panose="020B0604020202020204" pitchFamily="34" charset="0"/>
                         <a:ea typeface="+mn-ea"/>
-                        <a:cs typeface="+mn-cs"/>
+                        <a:cs typeface="Arial" panose="020B0604020202020204" pitchFamily="34" charset="0"/>
                       </a:endParaRPr>
                     </a:p>
                   </a:txBody>
-                  <a:tcPr marL="866" marR="866" marT="866" marB="0" anchor="ctr"/>
+                  <a:tcPr marL="866" marR="866" marT="866" marB="0" anchor="ctr">
+                    <a:lnL w="12700" cap="flat" cmpd="sng" algn="ctr">
+                      <a:solidFill>
+                        <a:schemeClr val="tx1"/>
+                      </a:solidFill>
+                      <a:prstDash val="solid"/>
+                      <a:round/>
+                      <a:headEnd type="none" w="med" len="med"/>
+                      <a:tailEnd type="none" w="med" len="med"/>
+                    </a:lnL>
+                    <a:lnR w="12700" cap="flat" cmpd="sng" algn="ctr">
+                      <a:solidFill>
+                        <a:schemeClr val="tx1"/>
+                      </a:solidFill>
+                      <a:prstDash val="solid"/>
+                      <a:round/>
+                      <a:headEnd type="none" w="med" len="med"/>
+                      <a:tailEnd type="none" w="med" len="med"/>
+                    </a:lnR>
+                    <a:lnT w="12700" cap="flat" cmpd="sng" algn="ctr">
+                      <a:solidFill>
+                        <a:schemeClr val="tx1"/>
+                      </a:solidFill>
+                      <a:prstDash val="solid"/>
+                      <a:round/>
+                      <a:headEnd type="none" w="med" len="med"/>
+                      <a:tailEnd type="none" w="med" len="med"/>
+                    </a:lnT>
+                    <a:lnB w="12700" cap="flat" cmpd="sng" algn="ctr">
+                      <a:solidFill>
+                        <a:schemeClr val="tx1"/>
+                      </a:solidFill>
+                      <a:prstDash val="solid"/>
+                      <a:round/>
+                      <a:headEnd type="none" w="med" len="med"/>
+                      <a:tailEnd type="none" w="med" len="med"/>
+                    </a:lnB>
+                  </a:tcPr>
                 </a:tc>
                 <a:tc>
                   <a:txBody>
@@ -10877,18 +12292,19 @@
                     <a:p>
                       <a:pPr marL="243450" indent="-171450" algn="l" defTabSz="914400" rtl="0" eaLnBrk="1" fontAlgn="b" latinLnBrk="0" hangingPunct="1">
                         <a:spcAft>
-                          <a:spcPts val="600"/>
+                          <a:spcPts val="200"/>
                         </a:spcAft>
                         <a:buFont typeface="Arial" panose="020B0604020202020204" pitchFamily="34" charset="0"/>
                         <a:buChar char="•"/>
                       </a:pPr>
                       <a:r>
-                        <a:rPr lang="en-GB" sz="600" u="none" strike="noStrike" kern="1200" dirty="0">
+                        <a:rPr lang="en-GB" sz="550" u="none" strike="noStrike" kern="1200" dirty="0">
                           <a:solidFill>
-                            <a:schemeClr val="dk1"/>
+                            <a:sysClr val="windowText" lastClr="000000"/>
                           </a:solidFill>
                           <a:effectLst/>
-                          <a:latin typeface="+mn-lt"/>
+                          <a:latin typeface="Arial" panose="020B0604020202020204" pitchFamily="34" charset="0"/>
+                          <a:cs typeface="Arial" panose="020B0604020202020204" pitchFamily="34" charset="0"/>
                         </a:rPr>
                         <a:t>Empowers Agile teams to optimize their performance through mentorship, coaching, and skill development initiatives.</a:t>
                       </a:r>
@@ -10896,33 +12312,71 @@
                     <a:p>
                       <a:pPr marL="243450" indent="-171450" algn="l" defTabSz="914400" rtl="0" eaLnBrk="1" fontAlgn="b" latinLnBrk="0" hangingPunct="1">
                         <a:spcAft>
-                          <a:spcPts val="600"/>
+                          <a:spcPts val="200"/>
                         </a:spcAft>
                         <a:buFont typeface="Arial" panose="020B0604020202020204" pitchFamily="34" charset="0"/>
                         <a:buChar char="•"/>
                       </a:pPr>
                       <a:r>
-                        <a:rPr lang="en-GB" sz="600" u="none" strike="noStrike" kern="1200" dirty="0">
+                        <a:rPr lang="en-GB" sz="550" u="none" strike="noStrike" kern="1200" dirty="0">
                           <a:solidFill>
-                            <a:schemeClr val="dk1"/>
+                            <a:sysClr val="windowText" lastClr="000000"/>
                           </a:solidFill>
                           <a:effectLst/>
-                          <a:latin typeface="+mn-lt"/>
+                          <a:latin typeface="Arial" panose="020B0604020202020204" pitchFamily="34" charset="0"/>
+                          <a:cs typeface="Arial" panose="020B0604020202020204" pitchFamily="34" charset="0"/>
                         </a:rPr>
                         <a:t>Shares knowledge and expertise to enhance the team's capabilities and promote delivery excellence.</a:t>
                       </a:r>
-                      <a:endParaRPr lang="en-GB" sz="600" u="none" strike="noStrike" kern="1200" dirty="0">
+                      <a:endParaRPr lang="en-GB" sz="550" u="none" strike="noStrike" kern="1200" dirty="0">
                         <a:solidFill>
-                          <a:schemeClr val="dk1"/>
+                          <a:sysClr val="windowText" lastClr="000000"/>
                         </a:solidFill>
                         <a:effectLst/>
-                        <a:latin typeface="+mn-lt"/>
+                        <a:latin typeface="Arial" panose="020B0604020202020204" pitchFamily="34" charset="0"/>
                         <a:ea typeface="+mn-ea"/>
-                        <a:cs typeface="+mn-cs"/>
+                        <a:cs typeface="Arial" panose="020B0604020202020204" pitchFamily="34" charset="0"/>
                       </a:endParaRPr>
                     </a:p>
                   </a:txBody>
-                  <a:tcPr marL="866" marR="866" marT="866" marB="0" anchor="ctr"/>
+                  <a:tcPr marL="866" marR="866" marT="866" marB="0" anchor="ctr">
+                    <a:lnL w="12700" cap="flat" cmpd="sng" algn="ctr">
+                      <a:solidFill>
+                        <a:schemeClr val="tx1"/>
+                      </a:solidFill>
+                      <a:prstDash val="solid"/>
+                      <a:round/>
+                      <a:headEnd type="none" w="med" len="med"/>
+                      <a:tailEnd type="none" w="med" len="med"/>
+                    </a:lnL>
+                    <a:lnR w="12700" cap="flat" cmpd="sng" algn="ctr">
+                      <a:solidFill>
+                        <a:schemeClr val="tx1"/>
+                      </a:solidFill>
+                      <a:prstDash val="solid"/>
+                      <a:round/>
+                      <a:headEnd type="none" w="med" len="med"/>
+                      <a:tailEnd type="none" w="med" len="med"/>
+                    </a:lnR>
+                    <a:lnT w="12700" cap="flat" cmpd="sng" algn="ctr">
+                      <a:solidFill>
+                        <a:schemeClr val="tx1"/>
+                      </a:solidFill>
+                      <a:prstDash val="solid"/>
+                      <a:round/>
+                      <a:headEnd type="none" w="med" len="med"/>
+                      <a:tailEnd type="none" w="med" len="med"/>
+                    </a:lnT>
+                    <a:lnB w="12700" cap="flat" cmpd="sng" algn="ctr">
+                      <a:solidFill>
+                        <a:schemeClr val="tx1"/>
+                      </a:solidFill>
+                      <a:prstDash val="solid"/>
+                      <a:round/>
+                      <a:headEnd type="none" w="med" len="med"/>
+                      <a:tailEnd type="none" w="med" len="med"/>
+                    </a:lnB>
+                  </a:tcPr>
                 </a:tc>
                 <a:tc>
                   <a:txBody>
@@ -10931,18 +12385,19 @@
                     <a:p>
                       <a:pPr marL="243450" indent="-171450" algn="l" defTabSz="914400" rtl="0" eaLnBrk="1" fontAlgn="b" latinLnBrk="0" hangingPunct="1">
                         <a:spcAft>
-                          <a:spcPts val="600"/>
+                          <a:spcPts val="200"/>
                         </a:spcAft>
                         <a:buFont typeface="Arial" panose="020B0604020202020204" pitchFamily="34" charset="0"/>
                         <a:buChar char="•"/>
                       </a:pPr>
                       <a:r>
-                        <a:rPr lang="en-GB" sz="600" u="none" strike="noStrike" kern="1200" dirty="0">
+                        <a:rPr lang="en-GB" sz="550" u="none" strike="noStrike" kern="1200" dirty="0">
                           <a:solidFill>
-                            <a:schemeClr val="dk1"/>
+                            <a:sysClr val="windowText" lastClr="000000"/>
                           </a:solidFill>
                           <a:effectLst/>
-                          <a:latin typeface="+mn-lt"/>
+                          <a:latin typeface="Arial" panose="020B0604020202020204" pitchFamily="34" charset="0"/>
+                          <a:cs typeface="Arial" panose="020B0604020202020204" pitchFamily="34" charset="0"/>
                         </a:rPr>
                         <a:t>Mentors and develops Agile practitioners within the organization, providing training and coaching in Agile practices and techniques.</a:t>
                       </a:r>
@@ -10950,33 +12405,71 @@
                     <a:p>
                       <a:pPr marL="243450" indent="-171450" algn="l" defTabSz="914400" rtl="0" eaLnBrk="1" fontAlgn="b" latinLnBrk="0" hangingPunct="1">
                         <a:spcAft>
-                          <a:spcPts val="600"/>
+                          <a:spcPts val="200"/>
                         </a:spcAft>
                         <a:buFont typeface="Arial" panose="020B0604020202020204" pitchFamily="34" charset="0"/>
                         <a:buChar char="•"/>
                       </a:pPr>
                       <a:r>
-                        <a:rPr lang="en-GB" sz="600" u="none" strike="noStrike" kern="1200" dirty="0">
+                        <a:rPr lang="en-GB" sz="550" u="none" strike="noStrike" kern="1200" dirty="0">
                           <a:solidFill>
-                            <a:schemeClr val="dk1"/>
+                            <a:sysClr val="windowText" lastClr="000000"/>
                           </a:solidFill>
                           <a:effectLst/>
-                          <a:latin typeface="+mn-lt"/>
+                          <a:latin typeface="Arial" panose="020B0604020202020204" pitchFamily="34" charset="0"/>
+                          <a:cs typeface="Arial" panose="020B0604020202020204" pitchFamily="34" charset="0"/>
                         </a:rPr>
                         <a:t>Fosters a culture of continuous learning and growth, encouraging teams to expand their skills and capabilities.</a:t>
                       </a:r>
-                      <a:endParaRPr lang="en-GB" sz="600" u="none" strike="noStrike" kern="1200" dirty="0">
+                      <a:endParaRPr lang="en-GB" sz="550" u="none" strike="noStrike" kern="1200" dirty="0">
                         <a:solidFill>
-                          <a:schemeClr val="dk1"/>
+                          <a:sysClr val="windowText" lastClr="000000"/>
                         </a:solidFill>
                         <a:effectLst/>
-                        <a:latin typeface="+mn-lt"/>
+                        <a:latin typeface="Arial" panose="020B0604020202020204" pitchFamily="34" charset="0"/>
                         <a:ea typeface="+mn-ea"/>
-                        <a:cs typeface="+mn-cs"/>
+                        <a:cs typeface="Arial" panose="020B0604020202020204" pitchFamily="34" charset="0"/>
                       </a:endParaRPr>
                     </a:p>
                   </a:txBody>
-                  <a:tcPr marL="866" marR="866" marT="866" marB="0" anchor="ctr"/>
+                  <a:tcPr marL="866" marR="866" marT="866" marB="0" anchor="ctr">
+                    <a:lnL w="12700" cap="flat" cmpd="sng" algn="ctr">
+                      <a:solidFill>
+                        <a:schemeClr val="tx1"/>
+                      </a:solidFill>
+                      <a:prstDash val="solid"/>
+                      <a:round/>
+                      <a:headEnd type="none" w="med" len="med"/>
+                      <a:tailEnd type="none" w="med" len="med"/>
+                    </a:lnL>
+                    <a:lnR w="12700" cap="flat" cmpd="sng" algn="ctr">
+                      <a:solidFill>
+                        <a:schemeClr val="tx1"/>
+                      </a:solidFill>
+                      <a:prstDash val="solid"/>
+                      <a:round/>
+                      <a:headEnd type="none" w="med" len="med"/>
+                      <a:tailEnd type="none" w="med" len="med"/>
+                    </a:lnR>
+                    <a:lnT w="12700" cap="flat" cmpd="sng" algn="ctr">
+                      <a:solidFill>
+                        <a:schemeClr val="tx1"/>
+                      </a:solidFill>
+                      <a:prstDash val="solid"/>
+                      <a:round/>
+                      <a:headEnd type="none" w="med" len="med"/>
+                      <a:tailEnd type="none" w="med" len="med"/>
+                    </a:lnT>
+                    <a:lnB w="12700" cap="flat" cmpd="sng" algn="ctr">
+                      <a:solidFill>
+                        <a:schemeClr val="tx1"/>
+                      </a:solidFill>
+                      <a:prstDash val="solid"/>
+                      <a:round/>
+                      <a:headEnd type="none" w="med" len="med"/>
+                      <a:tailEnd type="none" w="med" len="med"/>
+                    </a:lnB>
+                  </a:tcPr>
                 </a:tc>
                 <a:tc>
                   <a:txBody>
@@ -10985,18 +12478,19 @@
                     <a:p>
                       <a:pPr marL="243450" indent="-171450" algn="l" defTabSz="914400" rtl="0" eaLnBrk="1" fontAlgn="b" latinLnBrk="0" hangingPunct="1">
                         <a:spcAft>
-                          <a:spcPts val="600"/>
+                          <a:spcPts val="200"/>
                         </a:spcAft>
                         <a:buFont typeface="Arial" panose="020B0604020202020204" pitchFamily="34" charset="0"/>
                         <a:buChar char="•"/>
                       </a:pPr>
                       <a:r>
-                        <a:rPr lang="en-GB" sz="600" u="none" strike="noStrike" kern="1200" dirty="0">
+                        <a:rPr lang="en-GB" sz="550" u="none" strike="noStrike" kern="1200" dirty="0">
                           <a:solidFill>
-                            <a:schemeClr val="dk1"/>
+                            <a:sysClr val="windowText" lastClr="000000"/>
                           </a:solidFill>
                           <a:effectLst/>
-                          <a:latin typeface="+mn-lt"/>
+                          <a:latin typeface="Arial" panose="020B0604020202020204" pitchFamily="34" charset="0"/>
+                          <a:cs typeface="Arial" panose="020B0604020202020204" pitchFamily="34" charset="0"/>
                         </a:rPr>
                         <a:t>Guides team members in learning Agile principles and practices, enabling them to develop competency and resourcefulness.</a:t>
                       </a:r>
@@ -11004,33 +12498,71 @@
                     <a:p>
                       <a:pPr marL="243450" indent="-171450" algn="l" defTabSz="914400" rtl="0" eaLnBrk="1" fontAlgn="b" latinLnBrk="0" hangingPunct="1">
                         <a:spcAft>
-                          <a:spcPts val="600"/>
+                          <a:spcPts val="200"/>
                         </a:spcAft>
                         <a:buFont typeface="Arial" panose="020B0604020202020204" pitchFamily="34" charset="0"/>
                         <a:buChar char="•"/>
                       </a:pPr>
                       <a:r>
-                        <a:rPr lang="en-GB" sz="600" u="none" strike="noStrike" kern="1200" dirty="0">
+                        <a:rPr lang="en-GB" sz="550" u="none" strike="noStrike" kern="1200" dirty="0">
                           <a:solidFill>
-                            <a:schemeClr val="dk1"/>
+                            <a:sysClr val="windowText" lastClr="000000"/>
                           </a:solidFill>
                           <a:effectLst/>
-                          <a:latin typeface="+mn-lt"/>
+                          <a:latin typeface="Arial" panose="020B0604020202020204" pitchFamily="34" charset="0"/>
+                          <a:cs typeface="Arial" panose="020B0604020202020204" pitchFamily="34" charset="0"/>
                         </a:rPr>
                         <a:t>Supports individual and team skill development, choosing effective learning methods to achieve learning objectives.</a:t>
                       </a:r>
-                      <a:endParaRPr lang="en-GB" sz="600" u="none" strike="noStrike" kern="1200" dirty="0">
+                      <a:endParaRPr lang="en-GB" sz="550" u="none" strike="noStrike" kern="1200" dirty="0">
                         <a:solidFill>
-                          <a:schemeClr val="dk1"/>
+                          <a:sysClr val="windowText" lastClr="000000"/>
                         </a:solidFill>
                         <a:effectLst/>
-                        <a:latin typeface="+mn-lt"/>
+                        <a:latin typeface="Arial" panose="020B0604020202020204" pitchFamily="34" charset="0"/>
                         <a:ea typeface="+mn-ea"/>
-                        <a:cs typeface="+mn-cs"/>
+                        <a:cs typeface="Arial" panose="020B0604020202020204" pitchFamily="34" charset="0"/>
                       </a:endParaRPr>
                     </a:p>
                   </a:txBody>
-                  <a:tcPr marL="866" marR="866" marT="866" marB="0" anchor="ctr"/>
+                  <a:tcPr marL="866" marR="866" marT="866" marB="0" anchor="ctr">
+                    <a:lnL w="12700" cap="flat" cmpd="sng" algn="ctr">
+                      <a:solidFill>
+                        <a:schemeClr val="tx1"/>
+                      </a:solidFill>
+                      <a:prstDash val="solid"/>
+                      <a:round/>
+                      <a:headEnd type="none" w="med" len="med"/>
+                      <a:tailEnd type="none" w="med" len="med"/>
+                    </a:lnL>
+                    <a:lnR w="12700" cap="flat" cmpd="sng" algn="ctr">
+                      <a:solidFill>
+                        <a:schemeClr val="tx1"/>
+                      </a:solidFill>
+                      <a:prstDash val="solid"/>
+                      <a:round/>
+                      <a:headEnd type="none" w="med" len="med"/>
+                      <a:tailEnd type="none" w="med" len="med"/>
+                    </a:lnR>
+                    <a:lnT w="12700" cap="flat" cmpd="sng" algn="ctr">
+                      <a:solidFill>
+                        <a:schemeClr val="tx1"/>
+                      </a:solidFill>
+                      <a:prstDash val="solid"/>
+                      <a:round/>
+                      <a:headEnd type="none" w="med" len="med"/>
+                      <a:tailEnd type="none" w="med" len="med"/>
+                    </a:lnT>
+                    <a:lnB w="12700" cap="flat" cmpd="sng" algn="ctr">
+                      <a:solidFill>
+                        <a:schemeClr val="tx1"/>
+                      </a:solidFill>
+                      <a:prstDash val="solid"/>
+                      <a:round/>
+                      <a:headEnd type="none" w="med" len="med"/>
+                      <a:tailEnd type="none" w="med" len="med"/>
+                    </a:lnB>
+                  </a:tcPr>
                 </a:tc>
                 <a:tc>
                   <a:txBody>
@@ -11039,33 +12571,71 @@
                     <a:p>
                       <a:pPr marL="243450" indent="-171450" algn="l" defTabSz="914400" rtl="0" eaLnBrk="1" fontAlgn="b" latinLnBrk="0" hangingPunct="1">
                         <a:spcAft>
-                          <a:spcPts val="600"/>
+                          <a:spcPts val="200"/>
                         </a:spcAft>
                         <a:buFont typeface="Arial" panose="020B0604020202020204" pitchFamily="34" charset="0"/>
                         <a:buChar char="•"/>
                       </a:pPr>
                       <a:r>
-                        <a:rPr lang="en-GB" sz="600" u="none" strike="noStrike" kern="1200" dirty="0">
+                        <a:rPr lang="en-GB" sz="550" u="none" strike="noStrike" kern="1200" dirty="0">
                           <a:solidFill>
-                            <a:schemeClr val="dk1"/>
+                            <a:sysClr val="windowText" lastClr="000000"/>
                           </a:solidFill>
                           <a:effectLst/>
-                          <a:latin typeface="+mn-lt"/>
+                          <a:latin typeface="Arial" panose="020B0604020202020204" pitchFamily="34" charset="0"/>
+                          <a:cs typeface="Arial" panose="020B0604020202020204" pitchFamily="34" charset="0"/>
                         </a:rPr>
                         <a:t>Takes part in training and learning opportunities related to Agile principles and methods, seeking mentorship to enhance learning and proficiency.</a:t>
                       </a:r>
-                      <a:endParaRPr lang="en-GB" sz="600" u="none" strike="noStrike" kern="1200" dirty="0">
+                      <a:endParaRPr lang="en-GB" sz="550" u="none" strike="noStrike" kern="1200" dirty="0">
                         <a:solidFill>
-                          <a:schemeClr val="dk1"/>
+                          <a:sysClr val="windowText" lastClr="000000"/>
                         </a:solidFill>
                         <a:effectLst/>
-                        <a:latin typeface="+mn-lt"/>
+                        <a:latin typeface="Arial" panose="020B0604020202020204" pitchFamily="34" charset="0"/>
                         <a:ea typeface="+mn-ea"/>
-                        <a:cs typeface="+mn-cs"/>
+                        <a:cs typeface="Arial" panose="020B0604020202020204" pitchFamily="34" charset="0"/>
                       </a:endParaRPr>
                     </a:p>
                   </a:txBody>
-                  <a:tcPr marL="866" marR="866" marT="866" marB="0" anchor="ctr"/>
+                  <a:tcPr marL="866" marR="866" marT="866" marB="0" anchor="ctr">
+                    <a:lnL w="12700" cap="flat" cmpd="sng" algn="ctr">
+                      <a:solidFill>
+                        <a:schemeClr val="tx1"/>
+                      </a:solidFill>
+                      <a:prstDash val="solid"/>
+                      <a:round/>
+                      <a:headEnd type="none" w="med" len="med"/>
+                      <a:tailEnd type="none" w="med" len="med"/>
+                    </a:lnL>
+                    <a:lnR w="12700" cap="flat" cmpd="sng" algn="ctr">
+                      <a:solidFill>
+                        <a:schemeClr val="tx1"/>
+                      </a:solidFill>
+                      <a:prstDash val="solid"/>
+                      <a:round/>
+                      <a:headEnd type="none" w="med" len="med"/>
+                      <a:tailEnd type="none" w="med" len="med"/>
+                    </a:lnR>
+                    <a:lnT w="12700" cap="flat" cmpd="sng" algn="ctr">
+                      <a:solidFill>
+                        <a:schemeClr val="tx1"/>
+                      </a:solidFill>
+                      <a:prstDash val="solid"/>
+                      <a:round/>
+                      <a:headEnd type="none" w="med" len="med"/>
+                      <a:tailEnd type="none" w="med" len="med"/>
+                    </a:lnT>
+                    <a:lnB w="12700" cap="flat" cmpd="sng" algn="ctr">
+                      <a:solidFill>
+                        <a:schemeClr val="tx1"/>
+                      </a:solidFill>
+                      <a:prstDash val="solid"/>
+                      <a:round/>
+                      <a:headEnd type="none" w="med" len="med"/>
+                      <a:tailEnd type="none" w="med" len="med"/>
+                    </a:lnB>
+                  </a:tcPr>
                 </a:tc>
                 <a:extLst>
                   <a:ext uri="{0D108BD9-81ED-4DB2-BD59-A6C34878D82A}">
@@ -11073,7 +12643,7 @@
                   </a:ext>
                 </a:extLst>
               </a:tr>
-              <a:tr h="645489">
+              <a:tr h="635598">
                 <a:tc vMerge="1">
                   <a:txBody>
                     <a:bodyPr/>
@@ -11100,26 +12670,61 @@
                       <a:r>
                         <a:rPr lang="en-GB" sz="900" b="1" u="none" strike="noStrike" dirty="0">
                           <a:solidFill>
-                            <a:schemeClr val="bg1"/>
+                            <a:sysClr val="windowText" lastClr="000000"/>
                           </a:solidFill>
                           <a:effectLst/>
-                          <a:latin typeface="+mn-lt"/>
+                          <a:latin typeface="Arial" panose="020B0604020202020204" pitchFamily="34" charset="0"/>
+                          <a:cs typeface="Arial" panose="020B0604020202020204" pitchFamily="34" charset="0"/>
                         </a:rPr>
                         <a:t>Advising</a:t>
                       </a:r>
                       <a:endParaRPr lang="en-GB" sz="900" b="1" i="0" u="none" strike="noStrike" dirty="0">
                         <a:solidFill>
-                          <a:schemeClr val="bg1"/>
+                          <a:sysClr val="windowText" lastClr="000000"/>
                         </a:solidFill>
                         <a:effectLst/>
-                        <a:latin typeface="+mn-lt"/>
+                        <a:latin typeface="Arial" panose="020B0604020202020204" pitchFamily="34" charset="0"/>
+                        <a:cs typeface="Arial" panose="020B0604020202020204" pitchFamily="34" charset="0"/>
                       </a:endParaRPr>
                     </a:p>
                   </a:txBody>
                   <a:tcPr marL="866" marR="866" marT="866" marB="0" anchor="ctr">
-                    <a:solidFill>
-                      <a:schemeClr val="accent3"/>
-                    </a:solidFill>
+                    <a:lnL w="12700" cap="flat" cmpd="sng" algn="ctr">
+                      <a:solidFill>
+                        <a:schemeClr val="tx1"/>
+                      </a:solidFill>
+                      <a:prstDash val="solid"/>
+                      <a:round/>
+                      <a:headEnd type="none" w="med" len="med"/>
+                      <a:tailEnd type="none" w="med" len="med"/>
+                    </a:lnL>
+                    <a:lnR w="12700" cap="flat" cmpd="sng" algn="ctr">
+                      <a:solidFill>
+                        <a:schemeClr val="tx1"/>
+                      </a:solidFill>
+                      <a:prstDash val="solid"/>
+                      <a:round/>
+                      <a:headEnd type="none" w="med" len="med"/>
+                      <a:tailEnd type="none" w="med" len="med"/>
+                    </a:lnR>
+                    <a:lnT w="12700" cap="flat" cmpd="sng" algn="ctr">
+                      <a:solidFill>
+                        <a:schemeClr val="tx1"/>
+                      </a:solidFill>
+                      <a:prstDash val="solid"/>
+                      <a:round/>
+                      <a:headEnd type="none" w="med" len="med"/>
+                      <a:tailEnd type="none" w="med" len="med"/>
+                    </a:lnT>
+                    <a:lnB w="12700" cap="flat" cmpd="sng" algn="ctr">
+                      <a:solidFill>
+                        <a:schemeClr val="tx1"/>
+                      </a:solidFill>
+                      <a:prstDash val="solid"/>
+                      <a:round/>
+                      <a:headEnd type="none" w="med" len="med"/>
+                      <a:tailEnd type="none" w="med" len="med"/>
+                    </a:lnB>
                   </a:tcPr>
                 </a:tc>
                 <a:tc>
@@ -11129,20 +12734,19 @@
                     <a:p>
                       <a:pPr marL="243450" indent="-171450" algn="l" defTabSz="914400" rtl="0" eaLnBrk="1" fontAlgn="b" latinLnBrk="0" hangingPunct="1">
                         <a:spcAft>
-                          <a:spcPts val="600"/>
+                          <a:spcPts val="200"/>
                         </a:spcAft>
                         <a:buFont typeface="Arial" panose="020B0604020202020204" pitchFamily="34" charset="0"/>
                         <a:buChar char="•"/>
                       </a:pPr>
                       <a:r>
-                        <a:rPr lang="en-GB" sz="600" u="none" strike="noStrike" kern="1200" dirty="0">
+                        <a:rPr lang="en-GB" sz="550" u="none" strike="noStrike" kern="1200" dirty="0">
                           <a:solidFill>
-                            <a:schemeClr val="dk1"/>
+                            <a:sysClr val="windowText" lastClr="000000"/>
                           </a:solidFill>
                           <a:effectLst/>
-                          <a:latin typeface="+mn-lt"/>
-                          <a:ea typeface="+mn-ea"/>
-                          <a:cs typeface="+mn-cs"/>
+                          <a:latin typeface="Arial" panose="020B0604020202020204" pitchFamily="34" charset="0"/>
+                          <a:cs typeface="Arial" panose="020B0604020202020204" pitchFamily="34" charset="0"/>
                         </a:rPr>
                         <a:t>Advises senior leadership on Agile adoption and transformation strategies, helping them understand the benefits and value of Agile methods.</a:t>
                       </a:r>
@@ -11150,26 +12754,72 @@
                     <a:p>
                       <a:pPr marL="243450" indent="-171450" algn="l" defTabSz="914400" rtl="0" eaLnBrk="1" fontAlgn="b" latinLnBrk="0" hangingPunct="1">
                         <a:spcAft>
-                          <a:spcPts val="600"/>
+                          <a:spcPts val="200"/>
                         </a:spcAft>
                         <a:buFont typeface="Arial" panose="020B0604020202020204" pitchFamily="34" charset="0"/>
                         <a:buChar char="•"/>
                       </a:pPr>
                       <a:r>
-                        <a:rPr lang="en-GB" sz="600" u="none" strike="noStrike" kern="1200" dirty="0">
+                        <a:rPr lang="en-GB" sz="550" u="none" strike="noStrike" kern="1200" dirty="0">
                           <a:solidFill>
-                            <a:schemeClr val="dk1"/>
+                            <a:sysClr val="windowText" lastClr="000000"/>
                           </a:solidFill>
                           <a:effectLst/>
-                          <a:latin typeface="+mn-lt"/>
-                          <a:ea typeface="+mn-ea"/>
-                          <a:cs typeface="+mn-cs"/>
+                          <a:latin typeface="Arial" panose="020B0604020202020204" pitchFamily="34" charset="0"/>
+                          <a:cs typeface="Arial" panose="020B0604020202020204" pitchFamily="34" charset="0"/>
                         </a:rPr>
                         <a:t>Builds trust and credibility with stakeholders, providing expert guidance and insights to support decision-making and drive organizational success.</a:t>
                       </a:r>
+                      <a:endParaRPr lang="en-GB" sz="550" u="none" strike="noStrike" kern="1200" dirty="0">
+                        <a:solidFill>
+                          <a:sysClr val="windowText" lastClr="000000"/>
+                        </a:solidFill>
+                        <a:effectLst/>
+                        <a:latin typeface="Arial" panose="020B0604020202020204" pitchFamily="34" charset="0"/>
+                        <a:ea typeface="+mn-ea"/>
+                        <a:cs typeface="Arial" panose="020B0604020202020204" pitchFamily="34" charset="0"/>
+                      </a:endParaRPr>
                     </a:p>
                   </a:txBody>
-                  <a:tcPr marL="866" marR="866" marT="866" marB="0" anchor="ctr"/>
+                  <a:tcPr marL="866" marR="866" marT="866" marB="0" anchor="ctr">
+                    <a:lnL w="12700" cap="flat" cmpd="sng" algn="ctr">
+                      <a:solidFill>
+                        <a:schemeClr val="tx1"/>
+                      </a:solidFill>
+                      <a:prstDash val="solid"/>
+                      <a:round/>
+                      <a:headEnd type="none" w="med" len="med"/>
+                      <a:tailEnd type="none" w="med" len="med"/>
+                    </a:lnL>
+                    <a:lnR w="12700" cap="flat" cmpd="sng" algn="ctr">
+                      <a:solidFill>
+                        <a:schemeClr val="tx1"/>
+                      </a:solidFill>
+                      <a:prstDash val="solid"/>
+                      <a:round/>
+                      <a:headEnd type="none" w="med" len="med"/>
+                      <a:tailEnd type="none" w="med" len="med"/>
+                    </a:lnR>
+                    <a:lnT w="12700" cap="flat" cmpd="sng" algn="ctr">
+                      <a:solidFill>
+                        <a:schemeClr val="tx1"/>
+                      </a:solidFill>
+                      <a:prstDash val="solid"/>
+                      <a:round/>
+                      <a:headEnd type="none" w="med" len="med"/>
+                      <a:tailEnd type="none" w="med" len="med"/>
+                    </a:lnT>
+                    <a:lnB w="12700" cap="flat" cmpd="sng" algn="ctr">
+                      <a:solidFill>
+                        <a:schemeClr val="tx1"/>
+                      </a:solidFill>
+                      <a:prstDash val="solid"/>
+                      <a:round/>
+                      <a:headEnd type="none" w="med" len="med"/>
+                      <a:tailEnd type="none" w="med" len="med"/>
+                    </a:lnB>
+                    <a:noFill/>
+                  </a:tcPr>
                 </a:tc>
                 <a:tc>
                   <a:txBody>
@@ -11178,20 +12828,19 @@
                     <a:p>
                       <a:pPr marL="243450" indent="-171450" algn="l" defTabSz="914400" rtl="0" eaLnBrk="1" fontAlgn="b" latinLnBrk="0" hangingPunct="1">
                         <a:spcAft>
-                          <a:spcPts val="600"/>
+                          <a:spcPts val="200"/>
                         </a:spcAft>
                         <a:buFont typeface="Arial" panose="020B0604020202020204" pitchFamily="34" charset="0"/>
                         <a:buChar char="•"/>
                       </a:pPr>
                       <a:r>
-                        <a:rPr lang="en-GB" sz="600" u="none" strike="noStrike" kern="1200" dirty="0">
+                        <a:rPr lang="en-GB" sz="550" u="none" strike="noStrike" kern="1200" dirty="0">
                           <a:solidFill>
-                            <a:schemeClr val="dk1"/>
+                            <a:sysClr val="windowText" lastClr="000000"/>
                           </a:solidFill>
                           <a:effectLst/>
-                          <a:latin typeface="+mn-lt"/>
-                          <a:ea typeface="+mn-ea"/>
-                          <a:cs typeface="+mn-cs"/>
+                          <a:latin typeface="Arial" panose="020B0604020202020204" pitchFamily="34" charset="0"/>
+                          <a:cs typeface="Arial" panose="020B0604020202020204" pitchFamily="34" charset="0"/>
                         </a:rPr>
                         <a:t>Guides organizational leaders in understanding the value of Agile methods and practices, helping them drive sustainable change.</a:t>
                       </a:r>
@@ -11199,26 +12848,72 @@
                     <a:p>
                       <a:pPr marL="243450" indent="-171450" algn="l" defTabSz="914400" rtl="0" eaLnBrk="1" fontAlgn="b" latinLnBrk="0" hangingPunct="1">
                         <a:spcAft>
-                          <a:spcPts val="600"/>
+                          <a:spcPts val="200"/>
                         </a:spcAft>
                         <a:buFont typeface="Arial" panose="020B0604020202020204" pitchFamily="34" charset="0"/>
                         <a:buChar char="•"/>
                       </a:pPr>
                       <a:r>
-                        <a:rPr lang="en-GB" sz="600" u="none" strike="noStrike" kern="1200" dirty="0">
+                        <a:rPr lang="en-GB" sz="550" u="none" strike="noStrike" kern="1200" dirty="0">
                           <a:solidFill>
-                            <a:schemeClr val="dk1"/>
+                            <a:sysClr val="windowText" lastClr="000000"/>
                           </a:solidFill>
                           <a:effectLst/>
-                          <a:latin typeface="+mn-lt"/>
-                          <a:ea typeface="+mn-ea"/>
-                          <a:cs typeface="+mn-cs"/>
+                          <a:latin typeface="Arial" panose="020B0604020202020204" pitchFamily="34" charset="0"/>
+                          <a:cs typeface="Arial" panose="020B0604020202020204" pitchFamily="34" charset="0"/>
                         </a:rPr>
                         <a:t>Acts as a trusted advisor, investing in the success of clients and fostering long-term relationships built on mutual trust and collaboration.</a:t>
                       </a:r>
+                      <a:endParaRPr lang="en-GB" sz="550" u="none" strike="noStrike" kern="1200" dirty="0">
+                        <a:solidFill>
+                          <a:sysClr val="windowText" lastClr="000000"/>
+                        </a:solidFill>
+                        <a:effectLst/>
+                        <a:latin typeface="Arial" panose="020B0604020202020204" pitchFamily="34" charset="0"/>
+                        <a:ea typeface="+mn-ea"/>
+                        <a:cs typeface="Arial" panose="020B0604020202020204" pitchFamily="34" charset="0"/>
+                      </a:endParaRPr>
                     </a:p>
                   </a:txBody>
-                  <a:tcPr marL="866" marR="866" marT="866" marB="0" anchor="ctr"/>
+                  <a:tcPr marL="866" marR="866" marT="866" marB="0" anchor="ctr">
+                    <a:lnL w="12700" cap="flat" cmpd="sng" algn="ctr">
+                      <a:solidFill>
+                        <a:schemeClr val="tx1"/>
+                      </a:solidFill>
+                      <a:prstDash val="solid"/>
+                      <a:round/>
+                      <a:headEnd type="none" w="med" len="med"/>
+                      <a:tailEnd type="none" w="med" len="med"/>
+                    </a:lnL>
+                    <a:lnR w="12700" cap="flat" cmpd="sng" algn="ctr">
+                      <a:solidFill>
+                        <a:schemeClr val="tx1"/>
+                      </a:solidFill>
+                      <a:prstDash val="solid"/>
+                      <a:round/>
+                      <a:headEnd type="none" w="med" len="med"/>
+                      <a:tailEnd type="none" w="med" len="med"/>
+                    </a:lnR>
+                    <a:lnT w="12700" cap="flat" cmpd="sng" algn="ctr">
+                      <a:solidFill>
+                        <a:schemeClr val="tx1"/>
+                      </a:solidFill>
+                      <a:prstDash val="solid"/>
+                      <a:round/>
+                      <a:headEnd type="none" w="med" len="med"/>
+                      <a:tailEnd type="none" w="med" len="med"/>
+                    </a:lnT>
+                    <a:lnB w="12700" cap="flat" cmpd="sng" algn="ctr">
+                      <a:solidFill>
+                        <a:schemeClr val="tx1"/>
+                      </a:solidFill>
+                      <a:prstDash val="solid"/>
+                      <a:round/>
+                      <a:headEnd type="none" w="med" len="med"/>
+                      <a:tailEnd type="none" w="med" len="med"/>
+                    </a:lnB>
+                    <a:noFill/>
+                  </a:tcPr>
                 </a:tc>
                 <a:tc>
                   <a:txBody>
@@ -11227,20 +12922,19 @@
                     <a:p>
                       <a:pPr marL="243450" indent="-171450" algn="l" defTabSz="914400" rtl="0" eaLnBrk="1" fontAlgn="b" latinLnBrk="0" hangingPunct="1">
                         <a:spcAft>
-                          <a:spcPts val="600"/>
+                          <a:spcPts val="200"/>
                         </a:spcAft>
                         <a:buFont typeface="Arial" panose="020B0604020202020204" pitchFamily="34" charset="0"/>
                         <a:buChar char="•"/>
                       </a:pPr>
                       <a:r>
-                        <a:rPr lang="en-GB" sz="600" u="none" strike="noStrike" kern="1200" dirty="0">
+                        <a:rPr lang="en-GB" sz="550" u="none" strike="noStrike" kern="1200" dirty="0">
                           <a:solidFill>
-                            <a:schemeClr val="dk1"/>
+                            <a:sysClr val="windowText" lastClr="000000"/>
                           </a:solidFill>
                           <a:effectLst/>
-                          <a:latin typeface="+mn-lt"/>
-                          <a:ea typeface="+mn-ea"/>
-                          <a:cs typeface="+mn-cs"/>
+                          <a:latin typeface="Arial" panose="020B0604020202020204" pitchFamily="34" charset="0"/>
+                          <a:cs typeface="Arial" panose="020B0604020202020204" pitchFamily="34" charset="0"/>
                         </a:rPr>
                         <a:t>Advises stakeholders on Agile transformation initiatives, guiding them toward a shared vision of organizational success.</a:t>
                       </a:r>
@@ -11248,26 +12942,72 @@
                     <a:p>
                       <a:pPr marL="243450" indent="-171450" algn="l" defTabSz="914400" rtl="0" eaLnBrk="1" fontAlgn="b" latinLnBrk="0" hangingPunct="1">
                         <a:spcAft>
-                          <a:spcPts val="600"/>
+                          <a:spcPts val="200"/>
                         </a:spcAft>
                         <a:buFont typeface="Arial" panose="020B0604020202020204" pitchFamily="34" charset="0"/>
                         <a:buChar char="•"/>
                       </a:pPr>
                       <a:r>
-                        <a:rPr lang="en-GB" sz="600" u="none" strike="noStrike" kern="1200" dirty="0">
+                        <a:rPr lang="en-GB" sz="550" u="none" strike="noStrike" kern="1200" dirty="0">
                           <a:solidFill>
-                            <a:schemeClr val="dk1"/>
+                            <a:sysClr val="windowText" lastClr="000000"/>
                           </a:solidFill>
                           <a:effectLst/>
-                          <a:latin typeface="+mn-lt"/>
-                          <a:ea typeface="+mn-ea"/>
-                          <a:cs typeface="+mn-cs"/>
+                          <a:latin typeface="Arial" panose="020B0604020202020204" pitchFamily="34" charset="0"/>
+                          <a:cs typeface="Arial" panose="020B0604020202020204" pitchFamily="34" charset="0"/>
                         </a:rPr>
                         <a:t>Builds long-term relationships with clients, providing ongoing support and guidance to ensure sustained success.</a:t>
                       </a:r>
+                      <a:endParaRPr lang="en-GB" sz="550" u="none" strike="noStrike" kern="1200" dirty="0">
+                        <a:solidFill>
+                          <a:sysClr val="windowText" lastClr="000000"/>
+                        </a:solidFill>
+                        <a:effectLst/>
+                        <a:latin typeface="Arial" panose="020B0604020202020204" pitchFamily="34" charset="0"/>
+                        <a:ea typeface="+mn-ea"/>
+                        <a:cs typeface="Arial" panose="020B0604020202020204" pitchFamily="34" charset="0"/>
+                      </a:endParaRPr>
                     </a:p>
                   </a:txBody>
-                  <a:tcPr marL="866" marR="866" marT="866" marB="0" anchor="ctr"/>
+                  <a:tcPr marL="866" marR="866" marT="866" marB="0" anchor="ctr">
+                    <a:lnL w="12700" cap="flat" cmpd="sng" algn="ctr">
+                      <a:solidFill>
+                        <a:schemeClr val="tx1"/>
+                      </a:solidFill>
+                      <a:prstDash val="solid"/>
+                      <a:round/>
+                      <a:headEnd type="none" w="med" len="med"/>
+                      <a:tailEnd type="none" w="med" len="med"/>
+                    </a:lnL>
+                    <a:lnR w="12700" cap="flat" cmpd="sng" algn="ctr">
+                      <a:solidFill>
+                        <a:schemeClr val="tx1"/>
+                      </a:solidFill>
+                      <a:prstDash val="solid"/>
+                      <a:round/>
+                      <a:headEnd type="none" w="med" len="med"/>
+                      <a:tailEnd type="none" w="med" len="med"/>
+                    </a:lnR>
+                    <a:lnT w="12700" cap="flat" cmpd="sng" algn="ctr">
+                      <a:solidFill>
+                        <a:schemeClr val="tx1"/>
+                      </a:solidFill>
+                      <a:prstDash val="solid"/>
+                      <a:round/>
+                      <a:headEnd type="none" w="med" len="med"/>
+                      <a:tailEnd type="none" w="med" len="med"/>
+                    </a:lnT>
+                    <a:lnB w="12700" cap="flat" cmpd="sng" algn="ctr">
+                      <a:solidFill>
+                        <a:schemeClr val="tx1"/>
+                      </a:solidFill>
+                      <a:prstDash val="solid"/>
+                      <a:round/>
+                      <a:headEnd type="none" w="med" len="med"/>
+                      <a:tailEnd type="none" w="med" len="med"/>
+                    </a:lnB>
+                    <a:noFill/>
+                  </a:tcPr>
                 </a:tc>
                 <a:tc>
                   <a:txBody>
@@ -11276,20 +13016,19 @@
                     <a:p>
                       <a:pPr marL="243450" indent="-171450" algn="l" defTabSz="914400" rtl="0" eaLnBrk="1" fontAlgn="b" latinLnBrk="0" hangingPunct="1">
                         <a:spcAft>
-                          <a:spcPts val="600"/>
+                          <a:spcPts val="200"/>
                         </a:spcAft>
                         <a:buFont typeface="Arial" panose="020B0604020202020204" pitchFamily="34" charset="0"/>
                         <a:buChar char="•"/>
                       </a:pPr>
                       <a:r>
-                        <a:rPr lang="en-GB" sz="600" u="none" strike="noStrike" kern="1200" dirty="0">
+                        <a:rPr lang="en-GB" sz="550" u="none" strike="noStrike" kern="1200" dirty="0">
                           <a:solidFill>
-                            <a:schemeClr val="dk1"/>
+                            <a:sysClr val="windowText" lastClr="000000"/>
                           </a:solidFill>
                           <a:effectLst/>
-                          <a:latin typeface="+mn-lt"/>
-                          <a:ea typeface="+mn-ea"/>
-                          <a:cs typeface="+mn-cs"/>
+                          <a:latin typeface="Arial" panose="020B0604020202020204" pitchFamily="34" charset="0"/>
+                          <a:cs typeface="Arial" panose="020B0604020202020204" pitchFamily="34" charset="0"/>
                         </a:rPr>
                         <a:t>Provides guidance and insights to stakeholders on the value of Agile methods and practices, helping them achieve sustainable success.</a:t>
                       </a:r>
@@ -11297,26 +13036,72 @@
                     <a:p>
                       <a:pPr marL="243450" indent="-171450" algn="l" defTabSz="914400" rtl="0" eaLnBrk="1" fontAlgn="b" latinLnBrk="0" hangingPunct="1">
                         <a:spcAft>
-                          <a:spcPts val="600"/>
+                          <a:spcPts val="200"/>
                         </a:spcAft>
                         <a:buFont typeface="Arial" panose="020B0604020202020204" pitchFamily="34" charset="0"/>
                         <a:buChar char="•"/>
                       </a:pPr>
                       <a:r>
-                        <a:rPr lang="en-GB" sz="600" u="none" strike="noStrike" kern="1200" dirty="0">
+                        <a:rPr lang="en-GB" sz="550" u="none" strike="noStrike" kern="1200" dirty="0">
                           <a:solidFill>
-                            <a:schemeClr val="dk1"/>
+                            <a:sysClr val="windowText" lastClr="000000"/>
                           </a:solidFill>
                           <a:effectLst/>
-                          <a:latin typeface="+mn-lt"/>
-                          <a:ea typeface="+mn-ea"/>
-                          <a:cs typeface="+mn-cs"/>
+                          <a:latin typeface="Arial" panose="020B0604020202020204" pitchFamily="34" charset="0"/>
+                          <a:cs typeface="Arial" panose="020B0604020202020204" pitchFamily="34" charset="0"/>
                         </a:rPr>
-                        <a:t>Shares experience and observations to guide clients toward a shared understanding of Agile principles and their benefits.</a:t>
+                        <a:t>Shares experience and observations to guide clients toward a shared understanding of Agile principles and  their benefits.</a:t>
                       </a:r>
+                      <a:endParaRPr lang="en-GB" sz="550" u="none" strike="noStrike" kern="1200" dirty="0">
+                        <a:solidFill>
+                          <a:sysClr val="windowText" lastClr="000000"/>
+                        </a:solidFill>
+                        <a:effectLst/>
+                        <a:latin typeface="Arial" panose="020B0604020202020204" pitchFamily="34" charset="0"/>
+                        <a:ea typeface="+mn-ea"/>
+                        <a:cs typeface="Arial" panose="020B0604020202020204" pitchFamily="34" charset="0"/>
+                      </a:endParaRPr>
                     </a:p>
                   </a:txBody>
-                  <a:tcPr marL="866" marR="866" marT="866" marB="0" anchor="ctr"/>
+                  <a:tcPr marL="866" marR="866" marT="866" marB="0" anchor="ctr">
+                    <a:lnL w="12700" cap="flat" cmpd="sng" algn="ctr">
+                      <a:solidFill>
+                        <a:schemeClr val="tx1"/>
+                      </a:solidFill>
+                      <a:prstDash val="solid"/>
+                      <a:round/>
+                      <a:headEnd type="none" w="med" len="med"/>
+                      <a:tailEnd type="none" w="med" len="med"/>
+                    </a:lnL>
+                    <a:lnR w="12700" cap="flat" cmpd="sng" algn="ctr">
+                      <a:solidFill>
+                        <a:schemeClr val="tx1"/>
+                      </a:solidFill>
+                      <a:prstDash val="solid"/>
+                      <a:round/>
+                      <a:headEnd type="none" w="med" len="med"/>
+                      <a:tailEnd type="none" w="med" len="med"/>
+                    </a:lnR>
+                    <a:lnT w="12700" cap="flat" cmpd="sng" algn="ctr">
+                      <a:solidFill>
+                        <a:schemeClr val="tx1"/>
+                      </a:solidFill>
+                      <a:prstDash val="solid"/>
+                      <a:round/>
+                      <a:headEnd type="none" w="med" len="med"/>
+                      <a:tailEnd type="none" w="med" len="med"/>
+                    </a:lnT>
+                    <a:lnB w="12700" cap="flat" cmpd="sng" algn="ctr">
+                      <a:solidFill>
+                        <a:schemeClr val="tx1"/>
+                      </a:solidFill>
+                      <a:prstDash val="solid"/>
+                      <a:round/>
+                      <a:headEnd type="none" w="med" len="med"/>
+                      <a:tailEnd type="none" w="med" len="med"/>
+                    </a:lnB>
+                    <a:noFill/>
+                  </a:tcPr>
                 </a:tc>
                 <a:tc>
                   <a:txBody>
@@ -11325,20 +13110,19 @@
                     <a:p>
                       <a:pPr marL="243450" indent="-171450" algn="l" defTabSz="914400" rtl="0" eaLnBrk="1" fontAlgn="b" latinLnBrk="0" hangingPunct="1">
                         <a:spcAft>
-                          <a:spcPts val="600"/>
+                          <a:spcPts val="200"/>
                         </a:spcAft>
                         <a:buFont typeface="Arial" panose="020B0604020202020204" pitchFamily="34" charset="0"/>
                         <a:buChar char="•"/>
                       </a:pPr>
                       <a:r>
-                        <a:rPr lang="en-GB" sz="600" u="none" strike="noStrike" kern="1200" dirty="0">
+                        <a:rPr lang="en-GB" sz="550" u="none" strike="noStrike" kern="1200" dirty="0">
                           <a:solidFill>
-                            <a:schemeClr val="dk1"/>
+                            <a:sysClr val="windowText" lastClr="000000"/>
                           </a:solidFill>
                           <a:effectLst/>
-                          <a:latin typeface="+mn-lt"/>
-                          <a:ea typeface="+mn-ea"/>
-                          <a:cs typeface="+mn-cs"/>
+                          <a:latin typeface="Arial" panose="020B0604020202020204" pitchFamily="34" charset="0"/>
+                          <a:cs typeface="Arial" panose="020B0604020202020204" pitchFamily="34" charset="0"/>
                         </a:rPr>
                         <a:t>Gains exposure to advising stakeholders on Agile principles and practices, contributing to the shared understanding of Agile values and benefits.</a:t>
                       </a:r>
@@ -11346,26 +13130,72 @@
                     <a:p>
                       <a:pPr marL="243450" indent="-171450" algn="l" defTabSz="914400" rtl="0" eaLnBrk="1" fontAlgn="b" latinLnBrk="0" hangingPunct="1">
                         <a:spcAft>
-                          <a:spcPts val="600"/>
+                          <a:spcPts val="200"/>
                         </a:spcAft>
                         <a:buFont typeface="Arial" panose="020B0604020202020204" pitchFamily="34" charset="0"/>
                         <a:buChar char="•"/>
                       </a:pPr>
                       <a:r>
-                        <a:rPr lang="en-GB" sz="600" u="none" strike="noStrike" kern="1200" dirty="0">
+                        <a:rPr lang="en-GB" sz="550" u="none" strike="noStrike" kern="1200" dirty="0">
                           <a:solidFill>
-                            <a:schemeClr val="dk1"/>
+                            <a:sysClr val="windowText" lastClr="000000"/>
                           </a:solidFill>
                           <a:effectLst/>
-                          <a:latin typeface="+mn-lt"/>
-                          <a:ea typeface="+mn-ea"/>
-                          <a:cs typeface="+mn-cs"/>
+                          <a:latin typeface="Arial" panose="020B0604020202020204" pitchFamily="34" charset="0"/>
+                          <a:cs typeface="Arial" panose="020B0604020202020204" pitchFamily="34" charset="0"/>
                         </a:rPr>
                         <a:t>Seeks opportunities to provide insights and observations to support clients in achieving sustainable success.</a:t>
                       </a:r>
+                      <a:endParaRPr lang="en-GB" sz="550" u="none" strike="noStrike" kern="1200" dirty="0">
+                        <a:solidFill>
+                          <a:sysClr val="windowText" lastClr="000000"/>
+                        </a:solidFill>
+                        <a:effectLst/>
+                        <a:latin typeface="Arial" panose="020B0604020202020204" pitchFamily="34" charset="0"/>
+                        <a:ea typeface="+mn-ea"/>
+                        <a:cs typeface="Arial" panose="020B0604020202020204" pitchFamily="34" charset="0"/>
+                      </a:endParaRPr>
                     </a:p>
                   </a:txBody>
-                  <a:tcPr marL="866" marR="866" marT="866" marB="0" anchor="ctr"/>
+                  <a:tcPr marL="866" marR="866" marT="866" marB="0" anchor="ctr">
+                    <a:lnL w="12700" cap="flat" cmpd="sng" algn="ctr">
+                      <a:solidFill>
+                        <a:schemeClr val="tx1"/>
+                      </a:solidFill>
+                      <a:prstDash val="solid"/>
+                      <a:round/>
+                      <a:headEnd type="none" w="med" len="med"/>
+                      <a:tailEnd type="none" w="med" len="med"/>
+                    </a:lnL>
+                    <a:lnR w="12700" cap="flat" cmpd="sng" algn="ctr">
+                      <a:solidFill>
+                        <a:schemeClr val="tx1"/>
+                      </a:solidFill>
+                      <a:prstDash val="solid"/>
+                      <a:round/>
+                      <a:headEnd type="none" w="med" len="med"/>
+                      <a:tailEnd type="none" w="med" len="med"/>
+                    </a:lnR>
+                    <a:lnT w="12700" cap="flat" cmpd="sng" algn="ctr">
+                      <a:solidFill>
+                        <a:schemeClr val="tx1"/>
+                      </a:solidFill>
+                      <a:prstDash val="solid"/>
+                      <a:round/>
+                      <a:headEnd type="none" w="med" len="med"/>
+                      <a:tailEnd type="none" w="med" len="med"/>
+                    </a:lnT>
+                    <a:lnB w="12700" cap="flat" cmpd="sng" algn="ctr">
+                      <a:solidFill>
+                        <a:schemeClr val="tx1"/>
+                      </a:solidFill>
+                      <a:prstDash val="solid"/>
+                      <a:round/>
+                      <a:headEnd type="none" w="med" len="med"/>
+                      <a:tailEnd type="none" w="med" len="med"/>
+                    </a:lnB>
+                    <a:noFill/>
+                  </a:tcPr>
                 </a:tc>
                 <a:extLst>
                   <a:ext uri="{0D108BD9-81ED-4DB2-BD59-A6C34878D82A}">
@@ -11373,7 +13203,7 @@
                   </a:ext>
                 </a:extLst>
               </a:tr>
-              <a:tr h="645489">
+              <a:tr h="635598">
                 <a:tc vMerge="1">
                   <a:txBody>
                     <a:bodyPr/>
@@ -11400,26 +13230,61 @@
                       <a:r>
                         <a:rPr lang="en-GB" sz="900" b="1" u="none" strike="noStrike" dirty="0">
                           <a:solidFill>
-                            <a:schemeClr val="bg1"/>
+                            <a:sysClr val="windowText" lastClr="000000"/>
                           </a:solidFill>
                           <a:effectLst/>
-                          <a:latin typeface="+mn-lt"/>
+                          <a:latin typeface="Arial" panose="020B0604020202020204" pitchFamily="34" charset="0"/>
+                          <a:cs typeface="Arial" panose="020B0604020202020204" pitchFamily="34" charset="0"/>
                         </a:rPr>
                         <a:t>Leading</a:t>
                       </a:r>
                       <a:endParaRPr lang="en-GB" sz="900" b="1" i="0" u="none" strike="noStrike" dirty="0">
                         <a:solidFill>
-                          <a:schemeClr val="bg1"/>
+                          <a:sysClr val="windowText" lastClr="000000"/>
                         </a:solidFill>
                         <a:effectLst/>
-                        <a:latin typeface="+mn-lt"/>
+                        <a:latin typeface="Arial" panose="020B0604020202020204" pitchFamily="34" charset="0"/>
+                        <a:cs typeface="Arial" panose="020B0604020202020204" pitchFamily="34" charset="0"/>
                       </a:endParaRPr>
                     </a:p>
                   </a:txBody>
                   <a:tcPr marL="866" marR="866" marT="866" marB="0" anchor="ctr">
-                    <a:solidFill>
-                      <a:schemeClr val="accent3"/>
-                    </a:solidFill>
+                    <a:lnL w="12700" cap="flat" cmpd="sng" algn="ctr">
+                      <a:solidFill>
+                        <a:schemeClr val="tx1"/>
+                      </a:solidFill>
+                      <a:prstDash val="solid"/>
+                      <a:round/>
+                      <a:headEnd type="none" w="med" len="med"/>
+                      <a:tailEnd type="none" w="med" len="med"/>
+                    </a:lnL>
+                    <a:lnR w="12700" cap="flat" cmpd="sng" algn="ctr">
+                      <a:solidFill>
+                        <a:schemeClr val="tx1"/>
+                      </a:solidFill>
+                      <a:prstDash val="solid"/>
+                      <a:round/>
+                      <a:headEnd type="none" w="med" len="med"/>
+                      <a:tailEnd type="none" w="med" len="med"/>
+                    </a:lnR>
+                    <a:lnT w="12700" cap="flat" cmpd="sng" algn="ctr">
+                      <a:solidFill>
+                        <a:schemeClr val="tx1"/>
+                      </a:solidFill>
+                      <a:prstDash val="solid"/>
+                      <a:round/>
+                      <a:headEnd type="none" w="med" len="med"/>
+                      <a:tailEnd type="none" w="med" len="med"/>
+                    </a:lnT>
+                    <a:lnB w="12700" cap="flat" cmpd="sng" algn="ctr">
+                      <a:solidFill>
+                        <a:schemeClr val="tx1"/>
+                      </a:solidFill>
+                      <a:prstDash val="solid"/>
+                      <a:round/>
+                      <a:headEnd type="none" w="med" len="med"/>
+                      <a:tailEnd type="none" w="med" len="med"/>
+                    </a:lnB>
                   </a:tcPr>
                 </a:tc>
                 <a:tc>
@@ -11429,18 +13294,19 @@
                     <a:p>
                       <a:pPr marL="243450" indent="-171450" algn="l" defTabSz="914400" rtl="0" eaLnBrk="1" fontAlgn="b" latinLnBrk="0" hangingPunct="1">
                         <a:spcAft>
-                          <a:spcPts val="600"/>
+                          <a:spcPts val="200"/>
                         </a:spcAft>
                         <a:buFont typeface="Arial" panose="020B0604020202020204" pitchFamily="34" charset="0"/>
                         <a:buChar char="•"/>
                       </a:pPr>
                       <a:r>
-                        <a:rPr lang="en-GB" sz="600" u="none" strike="noStrike" kern="1200" dirty="0">
+                        <a:rPr lang="en-GB" sz="550" u="none" strike="noStrike" kern="1200" dirty="0">
                           <a:solidFill>
-                            <a:schemeClr val="dk1"/>
+                            <a:sysClr val="windowText" lastClr="000000"/>
                           </a:solidFill>
                           <a:effectLst/>
-                          <a:latin typeface="+mn-lt"/>
+                          <a:latin typeface="Arial" panose="020B0604020202020204" pitchFamily="34" charset="0"/>
+                          <a:cs typeface="Arial" panose="020B0604020202020204" pitchFamily="34" charset="0"/>
                         </a:rPr>
                         <a:t>Leads Agile teams and portfolios, maximizing business outcomes and driving organizational change.</a:t>
                       </a:r>
@@ -11448,33 +13314,71 @@
                     <a:p>
                       <a:pPr marL="243450" indent="-171450" algn="l" defTabSz="914400" rtl="0" eaLnBrk="1" fontAlgn="b" latinLnBrk="0" hangingPunct="1">
                         <a:spcAft>
-                          <a:spcPts val="600"/>
+                          <a:spcPts val="200"/>
                         </a:spcAft>
                         <a:buFont typeface="Arial" panose="020B0604020202020204" pitchFamily="34" charset="0"/>
                         <a:buChar char="•"/>
                       </a:pPr>
                       <a:r>
-                        <a:rPr lang="en-GB" sz="600" u="none" strike="noStrike" kern="1200" dirty="0">
+                        <a:rPr lang="en-GB" sz="550" u="none" strike="noStrike" kern="1200" dirty="0">
                           <a:solidFill>
-                            <a:schemeClr val="dk1"/>
+                            <a:sysClr val="windowText" lastClr="000000"/>
                           </a:solidFill>
                           <a:effectLst/>
-                          <a:latin typeface="+mn-lt"/>
+                          <a:latin typeface="Arial" panose="020B0604020202020204" pitchFamily="34" charset="0"/>
+                          <a:cs typeface="Arial" panose="020B0604020202020204" pitchFamily="34" charset="0"/>
                         </a:rPr>
                         <a:t>Provides strategic direction and guidance, ensuring alignment with business objectives.</a:t>
                       </a:r>
-                      <a:endParaRPr lang="en-GB" sz="600" u="none" strike="noStrike" kern="1200" dirty="0">
+                      <a:endParaRPr lang="en-GB" sz="550" u="none" strike="noStrike" kern="1200" dirty="0">
                         <a:solidFill>
-                          <a:schemeClr val="dk1"/>
+                          <a:sysClr val="windowText" lastClr="000000"/>
                         </a:solidFill>
                         <a:effectLst/>
-                        <a:latin typeface="+mn-lt"/>
+                        <a:latin typeface="Arial" panose="020B0604020202020204" pitchFamily="34" charset="0"/>
                         <a:ea typeface="+mn-ea"/>
-                        <a:cs typeface="+mn-cs"/>
+                        <a:cs typeface="Arial" panose="020B0604020202020204" pitchFamily="34" charset="0"/>
                       </a:endParaRPr>
                     </a:p>
                   </a:txBody>
-                  <a:tcPr marL="866" marR="866" marT="866" marB="0" anchor="ctr"/>
+                  <a:tcPr marL="866" marR="866" marT="866" marB="0" anchor="ctr">
+                    <a:lnL w="12700" cap="flat" cmpd="sng" algn="ctr">
+                      <a:solidFill>
+                        <a:schemeClr val="tx1"/>
+                      </a:solidFill>
+                      <a:prstDash val="solid"/>
+                      <a:round/>
+                      <a:headEnd type="none" w="med" len="med"/>
+                      <a:tailEnd type="none" w="med" len="med"/>
+                    </a:lnL>
+                    <a:lnR w="12700" cap="flat" cmpd="sng" algn="ctr">
+                      <a:solidFill>
+                        <a:schemeClr val="tx1"/>
+                      </a:solidFill>
+                      <a:prstDash val="solid"/>
+                      <a:round/>
+                      <a:headEnd type="none" w="med" len="med"/>
+                      <a:tailEnd type="none" w="med" len="med"/>
+                    </a:lnR>
+                    <a:lnT w="12700" cap="flat" cmpd="sng" algn="ctr">
+                      <a:solidFill>
+                        <a:schemeClr val="tx1"/>
+                      </a:solidFill>
+                      <a:prstDash val="solid"/>
+                      <a:round/>
+                      <a:headEnd type="none" w="med" len="med"/>
+                      <a:tailEnd type="none" w="med" len="med"/>
+                    </a:lnT>
+                    <a:lnB w="12700" cap="flat" cmpd="sng" algn="ctr">
+                      <a:solidFill>
+                        <a:schemeClr val="tx1"/>
+                      </a:solidFill>
+                      <a:prstDash val="solid"/>
+                      <a:round/>
+                      <a:headEnd type="none" w="med" len="med"/>
+                      <a:tailEnd type="none" w="med" len="med"/>
+                    </a:lnB>
+                  </a:tcPr>
                 </a:tc>
                 <a:tc>
                   <a:txBody>
@@ -11483,18 +13387,19 @@
                     <a:p>
                       <a:pPr marL="243450" indent="-171450" algn="l" defTabSz="914400" rtl="0" eaLnBrk="1" fontAlgn="b" latinLnBrk="0" hangingPunct="1">
                         <a:spcAft>
-                          <a:spcPts val="600"/>
+                          <a:spcPts val="200"/>
                         </a:spcAft>
                         <a:buFont typeface="Arial" panose="020B0604020202020204" pitchFamily="34" charset="0"/>
                         <a:buChar char="•"/>
                       </a:pPr>
                       <a:r>
-                        <a:rPr lang="en-GB" sz="600" u="none" strike="noStrike" kern="1200" dirty="0">
+                        <a:rPr lang="en-GB" sz="550" u="none" strike="noStrike" kern="1200" dirty="0">
                           <a:solidFill>
-                            <a:schemeClr val="dk1"/>
+                            <a:sysClr val="windowText" lastClr="000000"/>
                           </a:solidFill>
                           <a:effectLst/>
-                          <a:latin typeface="+mn-lt"/>
+                          <a:latin typeface="Arial" panose="020B0604020202020204" pitchFamily="34" charset="0"/>
+                          <a:cs typeface="Arial" panose="020B0604020202020204" pitchFamily="34" charset="0"/>
                         </a:rPr>
                         <a:t>Leads the successful delivery of complex and transformative initiatives in an Agile environment.</a:t>
                       </a:r>
@@ -11502,33 +13407,71 @@
                     <a:p>
                       <a:pPr marL="243450" indent="-171450" algn="l" defTabSz="914400" rtl="0" eaLnBrk="1" fontAlgn="b" latinLnBrk="0" hangingPunct="1">
                         <a:spcAft>
-                          <a:spcPts val="600"/>
+                          <a:spcPts val="200"/>
                         </a:spcAft>
                         <a:buFont typeface="Arial" panose="020B0604020202020204" pitchFamily="34" charset="0"/>
                         <a:buChar char="•"/>
                       </a:pPr>
                       <a:r>
-                        <a:rPr lang="en-GB" sz="600" u="none" strike="noStrike" kern="1200" dirty="0">
+                        <a:rPr lang="en-GB" sz="550" u="none" strike="noStrike" kern="1200" dirty="0">
                           <a:solidFill>
-                            <a:schemeClr val="dk1"/>
+                            <a:sysClr val="windowText" lastClr="000000"/>
                           </a:solidFill>
                           <a:effectLst/>
-                          <a:latin typeface="+mn-lt"/>
+                          <a:latin typeface="Arial" panose="020B0604020202020204" pitchFamily="34" charset="0"/>
+                          <a:cs typeface="Arial" panose="020B0604020202020204" pitchFamily="34" charset="0"/>
                         </a:rPr>
                         <a:t>Catalyzes growth and innovation, driving sustainable change across the organization.</a:t>
                       </a:r>
-                      <a:endParaRPr lang="en-GB" sz="600" u="none" strike="noStrike" kern="1200" dirty="0">
+                      <a:endParaRPr lang="en-GB" sz="550" u="none" strike="noStrike" kern="1200" dirty="0">
                         <a:solidFill>
-                          <a:schemeClr val="dk1"/>
+                          <a:sysClr val="windowText" lastClr="000000"/>
                         </a:solidFill>
                         <a:effectLst/>
-                        <a:latin typeface="+mn-lt"/>
+                        <a:latin typeface="Arial" panose="020B0604020202020204" pitchFamily="34" charset="0"/>
                         <a:ea typeface="+mn-ea"/>
-                        <a:cs typeface="+mn-cs"/>
+                        <a:cs typeface="Arial" panose="020B0604020202020204" pitchFamily="34" charset="0"/>
                       </a:endParaRPr>
                     </a:p>
                   </a:txBody>
-                  <a:tcPr marL="866" marR="866" marT="866" marB="0" anchor="ctr"/>
+                  <a:tcPr marL="866" marR="866" marT="866" marB="0" anchor="ctr">
+                    <a:lnL w="12700" cap="flat" cmpd="sng" algn="ctr">
+                      <a:solidFill>
+                        <a:schemeClr val="tx1"/>
+                      </a:solidFill>
+                      <a:prstDash val="solid"/>
+                      <a:round/>
+                      <a:headEnd type="none" w="med" len="med"/>
+                      <a:tailEnd type="none" w="med" len="med"/>
+                    </a:lnL>
+                    <a:lnR w="12700" cap="flat" cmpd="sng" algn="ctr">
+                      <a:solidFill>
+                        <a:schemeClr val="tx1"/>
+                      </a:solidFill>
+                      <a:prstDash val="solid"/>
+                      <a:round/>
+                      <a:headEnd type="none" w="med" len="med"/>
+                      <a:tailEnd type="none" w="med" len="med"/>
+                    </a:lnR>
+                    <a:lnT w="12700" cap="flat" cmpd="sng" algn="ctr">
+                      <a:solidFill>
+                        <a:schemeClr val="tx1"/>
+                      </a:solidFill>
+                      <a:prstDash val="solid"/>
+                      <a:round/>
+                      <a:headEnd type="none" w="med" len="med"/>
+                      <a:tailEnd type="none" w="med" len="med"/>
+                    </a:lnT>
+                    <a:lnB w="12700" cap="flat" cmpd="sng" algn="ctr">
+                      <a:solidFill>
+                        <a:schemeClr val="tx1"/>
+                      </a:solidFill>
+                      <a:prstDash val="solid"/>
+                      <a:round/>
+                      <a:headEnd type="none" w="med" len="med"/>
+                      <a:tailEnd type="none" w="med" len="med"/>
+                    </a:lnB>
+                  </a:tcPr>
                 </a:tc>
                 <a:tc>
                   <a:txBody>
@@ -11537,52 +13480,91 @@
                     <a:p>
                       <a:pPr marL="243450" indent="-171450" algn="l" defTabSz="914400" rtl="0" eaLnBrk="1" fontAlgn="b" latinLnBrk="0" hangingPunct="1">
                         <a:spcAft>
-                          <a:spcPts val="600"/>
+                          <a:spcPts val="200"/>
                         </a:spcAft>
                         <a:buFont typeface="Arial" panose="020B0604020202020204" pitchFamily="34" charset="0"/>
                         <a:buChar char="•"/>
                       </a:pPr>
                       <a:r>
-                        <a:rPr lang="en-GB" sz="600" u="none" strike="noStrike" kern="1200" dirty="0">
+                        <a:rPr lang="en-GB" sz="550" u="none" strike="noStrike" kern="1200" dirty="0">
                           <a:solidFill>
-                            <a:schemeClr val="dk1"/>
+                            <a:sysClr val="windowText" lastClr="000000"/>
                           </a:solidFill>
                           <a:effectLst/>
-                          <a:latin typeface="+mn-lt"/>
+                          <a:latin typeface="Arial" panose="020B0604020202020204" pitchFamily="34" charset="0"/>
+                          <a:cs typeface="Arial" panose="020B0604020202020204" pitchFamily="34" charset="0"/>
                         </a:rPr>
-                        <a:t>Leads organizational Agile transformation efforts, fostering a culture of collaboration and continuous improvement.</a:t>
+                        <a:t>Leads organizational Agile transformation efforts,  fostering a culture of collaboration and continuous improvement.</a:t>
                       </a:r>
                     </a:p>
                     <a:p>
                       <a:pPr marL="243450" indent="-171450" algn="l" defTabSz="914400" rtl="0" eaLnBrk="1" fontAlgn="b" latinLnBrk="0" hangingPunct="1">
                         <a:spcAft>
-                          <a:spcPts val="600"/>
+                          <a:spcPts val="200"/>
                         </a:spcAft>
                         <a:buFont typeface="Arial" panose="020B0604020202020204" pitchFamily="34" charset="0"/>
                         <a:buChar char="•"/>
                       </a:pPr>
                       <a:r>
-                        <a:rPr lang="en-GB" sz="600" u="none" strike="noStrike" kern="1200" dirty="0">
+                        <a:rPr lang="en-GB" sz="550" u="none" strike="noStrike" kern="1200" dirty="0">
                           <a:solidFill>
-                            <a:schemeClr val="dk1"/>
+                            <a:sysClr val="windowText" lastClr="000000"/>
                           </a:solidFill>
                           <a:effectLst/>
-                          <a:latin typeface="+mn-lt"/>
+                          <a:latin typeface="Arial" panose="020B0604020202020204" pitchFamily="34" charset="0"/>
+                          <a:cs typeface="Arial" panose="020B0604020202020204" pitchFamily="34" charset="0"/>
                         </a:rPr>
                         <a:t>Inspires Agile teams to achieve initiative goals and deliver value to customers.</a:t>
                       </a:r>
-                      <a:endParaRPr lang="en-GB" sz="600" u="none" strike="noStrike" kern="1200" dirty="0">
+                      <a:endParaRPr lang="en-GB" sz="550" u="none" strike="noStrike" kern="1200" dirty="0">
                         <a:solidFill>
-                          <a:schemeClr val="dk1"/>
+                          <a:sysClr val="windowText" lastClr="000000"/>
                         </a:solidFill>
                         <a:effectLst/>
-                        <a:latin typeface="+mn-lt"/>
+                        <a:latin typeface="Arial" panose="020B0604020202020204" pitchFamily="34" charset="0"/>
                         <a:ea typeface="+mn-ea"/>
-                        <a:cs typeface="+mn-cs"/>
+                        <a:cs typeface="Arial" panose="020B0604020202020204" pitchFamily="34" charset="0"/>
                       </a:endParaRPr>
                     </a:p>
                   </a:txBody>
-                  <a:tcPr marL="866" marR="866" marT="866" marB="0" anchor="ctr"/>
+                  <a:tcPr marL="866" marR="866" marT="866" marB="0" anchor="ctr">
+                    <a:lnL w="12700" cap="flat" cmpd="sng" algn="ctr">
+                      <a:solidFill>
+                        <a:schemeClr val="tx1"/>
+                      </a:solidFill>
+                      <a:prstDash val="solid"/>
+                      <a:round/>
+                      <a:headEnd type="none" w="med" len="med"/>
+                      <a:tailEnd type="none" w="med" len="med"/>
+                    </a:lnL>
+                    <a:lnR w="12700" cap="flat" cmpd="sng" algn="ctr">
+                      <a:solidFill>
+                        <a:schemeClr val="tx1"/>
+                      </a:solidFill>
+                      <a:prstDash val="solid"/>
+                      <a:round/>
+                      <a:headEnd type="none" w="med" len="med"/>
+                      <a:tailEnd type="none" w="med" len="med"/>
+                    </a:lnR>
+                    <a:lnT w="12700" cap="flat" cmpd="sng" algn="ctr">
+                      <a:solidFill>
+                        <a:schemeClr val="tx1"/>
+                      </a:solidFill>
+                      <a:prstDash val="solid"/>
+                      <a:round/>
+                      <a:headEnd type="none" w="med" len="med"/>
+                      <a:tailEnd type="none" w="med" len="med"/>
+                    </a:lnT>
+                    <a:lnB w="12700" cap="flat" cmpd="sng" algn="ctr">
+                      <a:solidFill>
+                        <a:schemeClr val="tx1"/>
+                      </a:solidFill>
+                      <a:prstDash val="solid"/>
+                      <a:round/>
+                      <a:headEnd type="none" w="med" len="med"/>
+                      <a:tailEnd type="none" w="med" len="med"/>
+                    </a:lnB>
+                  </a:tcPr>
                 </a:tc>
                 <a:tc>
                   <a:txBody>
@@ -11591,52 +13573,91 @@
                     <a:p>
                       <a:pPr marL="243450" indent="-171450" algn="l" defTabSz="914400" rtl="0" eaLnBrk="1" fontAlgn="b" latinLnBrk="0" hangingPunct="1">
                         <a:spcAft>
-                          <a:spcPts val="600"/>
+                          <a:spcPts val="200"/>
                         </a:spcAft>
                         <a:buFont typeface="Arial" panose="020B0604020202020204" pitchFamily="34" charset="0"/>
                         <a:buChar char="•"/>
                       </a:pPr>
                       <a:r>
-                        <a:rPr lang="en-GB" sz="600" u="none" strike="noStrike" kern="1200" dirty="0">
+                        <a:rPr lang="en-GB" sz="550" u="none" strike="noStrike" kern="1200" dirty="0">
                           <a:solidFill>
-                            <a:schemeClr val="dk1"/>
+                            <a:sysClr val="windowText" lastClr="000000"/>
                           </a:solidFill>
                           <a:effectLst/>
-                          <a:latin typeface="+mn-lt"/>
+                          <a:latin typeface="Arial" panose="020B0604020202020204" pitchFamily="34" charset="0"/>
+                          <a:cs typeface="Arial" panose="020B0604020202020204" pitchFamily="34" charset="0"/>
                         </a:rPr>
-                        <a:t>Leads Agile teams and drives successful initiative delivery, inspiring others to embrace Agile principles.</a:t>
+                        <a:t>Leads Agile teams and drives successful initiative  delivery, inspiring others to embrace Agile principles.</a:t>
                       </a:r>
                     </a:p>
                     <a:p>
                       <a:pPr marL="243450" indent="-171450" algn="l" defTabSz="914400" rtl="0" eaLnBrk="1" fontAlgn="b" latinLnBrk="0" hangingPunct="1">
                         <a:spcAft>
-                          <a:spcPts val="600"/>
+                          <a:spcPts val="200"/>
                         </a:spcAft>
                         <a:buFont typeface="Arial" panose="020B0604020202020204" pitchFamily="34" charset="0"/>
                         <a:buChar char="•"/>
                       </a:pPr>
                       <a:r>
-                        <a:rPr lang="en-GB" sz="600" u="none" strike="noStrike" kern="1200" dirty="0">
+                        <a:rPr lang="en-GB" sz="550" u="none" strike="noStrike" kern="1200" dirty="0">
                           <a:solidFill>
-                            <a:schemeClr val="dk1"/>
+                            <a:sysClr val="windowText" lastClr="000000"/>
                           </a:solidFill>
                           <a:effectLst/>
-                          <a:latin typeface="+mn-lt"/>
+                          <a:latin typeface="Arial" panose="020B0604020202020204" pitchFamily="34" charset="0"/>
+                          <a:cs typeface="Arial" panose="020B0604020202020204" pitchFamily="34" charset="0"/>
                         </a:rPr>
                         <a:t>Provides leadership and guidance to ensure alignment with organizational goals and objectives.</a:t>
                       </a:r>
-                      <a:endParaRPr lang="en-GB" sz="600" u="none" strike="noStrike" kern="1200" dirty="0">
+                      <a:endParaRPr lang="en-GB" sz="550" u="none" strike="noStrike" kern="1200" dirty="0">
                         <a:solidFill>
-                          <a:schemeClr val="dk1"/>
+                          <a:sysClr val="windowText" lastClr="000000"/>
                         </a:solidFill>
                         <a:effectLst/>
-                        <a:latin typeface="+mn-lt"/>
+                        <a:latin typeface="Arial" panose="020B0604020202020204" pitchFamily="34" charset="0"/>
                         <a:ea typeface="+mn-ea"/>
-                        <a:cs typeface="+mn-cs"/>
+                        <a:cs typeface="Arial" panose="020B0604020202020204" pitchFamily="34" charset="0"/>
                       </a:endParaRPr>
                     </a:p>
                   </a:txBody>
-                  <a:tcPr marL="866" marR="866" marT="866" marB="0" anchor="ctr"/>
+                  <a:tcPr marL="866" marR="866" marT="866" marB="0" anchor="ctr">
+                    <a:lnL w="12700" cap="flat" cmpd="sng" algn="ctr">
+                      <a:solidFill>
+                        <a:schemeClr val="tx1"/>
+                      </a:solidFill>
+                      <a:prstDash val="solid"/>
+                      <a:round/>
+                      <a:headEnd type="none" w="med" len="med"/>
+                      <a:tailEnd type="none" w="med" len="med"/>
+                    </a:lnL>
+                    <a:lnR w="12700" cap="flat" cmpd="sng" algn="ctr">
+                      <a:solidFill>
+                        <a:schemeClr val="tx1"/>
+                      </a:solidFill>
+                      <a:prstDash val="solid"/>
+                      <a:round/>
+                      <a:headEnd type="none" w="med" len="med"/>
+                      <a:tailEnd type="none" w="med" len="med"/>
+                    </a:lnR>
+                    <a:lnT w="12700" cap="flat" cmpd="sng" algn="ctr">
+                      <a:solidFill>
+                        <a:schemeClr val="tx1"/>
+                      </a:solidFill>
+                      <a:prstDash val="solid"/>
+                      <a:round/>
+                      <a:headEnd type="none" w="med" len="med"/>
+                      <a:tailEnd type="none" w="med" len="med"/>
+                    </a:lnT>
+                    <a:lnB w="12700" cap="flat" cmpd="sng" algn="ctr">
+                      <a:solidFill>
+                        <a:schemeClr val="tx1"/>
+                      </a:solidFill>
+                      <a:prstDash val="solid"/>
+                      <a:round/>
+                      <a:headEnd type="none" w="med" len="med"/>
+                      <a:tailEnd type="none" w="med" len="med"/>
+                    </a:lnB>
+                  </a:tcPr>
                 </a:tc>
                 <a:tc>
                   <a:txBody>
@@ -11645,18 +13666,19 @@
                     <a:p>
                       <a:pPr marL="243450" indent="-171450" algn="l" defTabSz="914400" rtl="0" eaLnBrk="1" fontAlgn="b" latinLnBrk="0" hangingPunct="1">
                         <a:spcAft>
-                          <a:spcPts val="600"/>
+                          <a:spcPts val="200"/>
                         </a:spcAft>
                         <a:buFont typeface="Arial" panose="020B0604020202020204" pitchFamily="34" charset="0"/>
                         <a:buChar char="•"/>
                       </a:pPr>
                       <a:r>
-                        <a:rPr lang="en-GB" sz="600" u="none" strike="noStrike" kern="1200" dirty="0">
+                        <a:rPr lang="en-GB" sz="550" u="none" strike="noStrike" kern="1200" dirty="0">
                           <a:solidFill>
-                            <a:schemeClr val="dk1"/>
+                            <a:sysClr val="windowText" lastClr="000000"/>
                           </a:solidFill>
                           <a:effectLst/>
-                          <a:latin typeface="+mn-lt"/>
+                          <a:latin typeface="Arial" panose="020B0604020202020204" pitchFamily="34" charset="0"/>
+                          <a:cs typeface="Arial" panose="020B0604020202020204" pitchFamily="34" charset="0"/>
                         </a:rPr>
                         <a:t>Supports Agile Delivery management and contributes to the timely completion of initiative deliverables, gaining valuable experience in Agile leadership.</a:t>
                       </a:r>
@@ -11664,33 +13686,71 @@
                     <a:p>
                       <a:pPr marL="243450" indent="-171450" algn="l" defTabSz="914400" rtl="0" eaLnBrk="1" fontAlgn="b" latinLnBrk="0" hangingPunct="1">
                         <a:spcAft>
-                          <a:spcPts val="600"/>
+                          <a:spcPts val="200"/>
                         </a:spcAft>
                         <a:buFont typeface="Arial" panose="020B0604020202020204" pitchFamily="34" charset="0"/>
                         <a:buChar char="•"/>
                       </a:pPr>
                       <a:r>
-                        <a:rPr lang="en-GB" sz="600" u="none" strike="noStrike" kern="1200" dirty="0">
+                        <a:rPr lang="en-GB" sz="550" u="none" strike="noStrike" kern="1200" dirty="0">
                           <a:solidFill>
-                            <a:schemeClr val="dk1"/>
+                            <a:sysClr val="windowText" lastClr="000000"/>
                           </a:solidFill>
                           <a:effectLst/>
-                          <a:latin typeface="+mn-lt"/>
+                          <a:latin typeface="Arial" panose="020B0604020202020204" pitchFamily="34" charset="0"/>
+                          <a:cs typeface="Arial" panose="020B0604020202020204" pitchFamily="34" charset="0"/>
                         </a:rPr>
                         <a:t>Takes part in professional development activities to enhance leadership skills and proficiency in Agile Delivery.</a:t>
                       </a:r>
-                      <a:endParaRPr lang="en-GB" sz="600" u="none" strike="noStrike" kern="1200" dirty="0">
+                      <a:endParaRPr lang="en-GB" sz="550" u="none" strike="noStrike" kern="1200" dirty="0">
                         <a:solidFill>
-                          <a:schemeClr val="dk1"/>
+                          <a:sysClr val="windowText" lastClr="000000"/>
                         </a:solidFill>
                         <a:effectLst/>
-                        <a:latin typeface="+mn-lt"/>
+                        <a:latin typeface="Arial" panose="020B0604020202020204" pitchFamily="34" charset="0"/>
                         <a:ea typeface="+mn-ea"/>
-                        <a:cs typeface="+mn-cs"/>
+                        <a:cs typeface="Arial" panose="020B0604020202020204" pitchFamily="34" charset="0"/>
                       </a:endParaRPr>
                     </a:p>
                   </a:txBody>
-                  <a:tcPr marL="866" marR="866" marT="866" marB="0" anchor="ctr"/>
+                  <a:tcPr marL="866" marR="866" marT="866" marB="0" anchor="ctr">
+                    <a:lnL w="12700" cap="flat" cmpd="sng" algn="ctr">
+                      <a:solidFill>
+                        <a:schemeClr val="tx1"/>
+                      </a:solidFill>
+                      <a:prstDash val="solid"/>
+                      <a:round/>
+                      <a:headEnd type="none" w="med" len="med"/>
+                      <a:tailEnd type="none" w="med" len="med"/>
+                    </a:lnL>
+                    <a:lnR w="12700" cap="flat" cmpd="sng" algn="ctr">
+                      <a:solidFill>
+                        <a:schemeClr val="tx1"/>
+                      </a:solidFill>
+                      <a:prstDash val="solid"/>
+                      <a:round/>
+                      <a:headEnd type="none" w="med" len="med"/>
+                      <a:tailEnd type="none" w="med" len="med"/>
+                    </a:lnR>
+                    <a:lnT w="12700" cap="flat" cmpd="sng" algn="ctr">
+                      <a:solidFill>
+                        <a:schemeClr val="tx1"/>
+                      </a:solidFill>
+                      <a:prstDash val="solid"/>
+                      <a:round/>
+                      <a:headEnd type="none" w="med" len="med"/>
+                      <a:tailEnd type="none" w="med" len="med"/>
+                    </a:lnT>
+                    <a:lnB w="12700" cap="flat" cmpd="sng" algn="ctr">
+                      <a:solidFill>
+                        <a:schemeClr val="tx1"/>
+                      </a:solidFill>
+                      <a:prstDash val="solid"/>
+                      <a:round/>
+                      <a:headEnd type="none" w="med" len="med"/>
+                      <a:tailEnd type="none" w="med" len="med"/>
+                    </a:lnB>
+                  </a:tcPr>
                 </a:tc>
                 <a:extLst>
                   <a:ext uri="{0D108BD9-81ED-4DB2-BD59-A6C34878D82A}">
@@ -11698,7 +13758,7 @@
                   </a:ext>
                 </a:extLst>
               </a:tr>
-              <a:tr h="645489">
+              <a:tr h="635598">
                 <a:tc vMerge="1">
                   <a:txBody>
                     <a:bodyPr/>
@@ -11725,26 +13785,61 @@
                       <a:r>
                         <a:rPr lang="en-GB" sz="900" b="1" u="none" strike="noStrike" dirty="0">
                           <a:solidFill>
-                            <a:schemeClr val="bg1"/>
+                            <a:sysClr val="windowText" lastClr="000000"/>
                           </a:solidFill>
                           <a:effectLst/>
-                          <a:latin typeface="+mn-lt"/>
+                          <a:latin typeface="Arial" panose="020B0604020202020204" pitchFamily="34" charset="0"/>
+                          <a:cs typeface="Arial" panose="020B0604020202020204" pitchFamily="34" charset="0"/>
                         </a:rPr>
                         <a:t>Transforming</a:t>
                       </a:r>
                       <a:endParaRPr lang="en-GB" sz="900" b="1" i="0" u="none" strike="noStrike" dirty="0">
                         <a:solidFill>
-                          <a:schemeClr val="bg1"/>
+                          <a:sysClr val="windowText" lastClr="000000"/>
                         </a:solidFill>
                         <a:effectLst/>
-                        <a:latin typeface="+mn-lt"/>
+                        <a:latin typeface="Arial" panose="020B0604020202020204" pitchFamily="34" charset="0"/>
+                        <a:cs typeface="Arial" panose="020B0604020202020204" pitchFamily="34" charset="0"/>
                       </a:endParaRPr>
                     </a:p>
                   </a:txBody>
                   <a:tcPr marL="866" marR="866" marT="866" marB="0" anchor="ctr">
-                    <a:solidFill>
-                      <a:schemeClr val="accent3"/>
-                    </a:solidFill>
+                    <a:lnL w="12700" cap="flat" cmpd="sng" algn="ctr">
+                      <a:solidFill>
+                        <a:schemeClr val="tx1"/>
+                      </a:solidFill>
+                      <a:prstDash val="solid"/>
+                      <a:round/>
+                      <a:headEnd type="none" w="med" len="med"/>
+                      <a:tailEnd type="none" w="med" len="med"/>
+                    </a:lnL>
+                    <a:lnR w="12700" cap="flat" cmpd="sng" algn="ctr">
+                      <a:solidFill>
+                        <a:schemeClr val="tx1"/>
+                      </a:solidFill>
+                      <a:prstDash val="solid"/>
+                      <a:round/>
+                      <a:headEnd type="none" w="med" len="med"/>
+                      <a:tailEnd type="none" w="med" len="med"/>
+                    </a:lnR>
+                    <a:lnT w="12700" cap="flat" cmpd="sng" algn="ctr">
+                      <a:solidFill>
+                        <a:schemeClr val="tx1"/>
+                      </a:solidFill>
+                      <a:prstDash val="solid"/>
+                      <a:round/>
+                      <a:headEnd type="none" w="med" len="med"/>
+                      <a:tailEnd type="none" w="med" len="med"/>
+                    </a:lnT>
+                    <a:lnB w="12700" cap="flat" cmpd="sng" algn="ctr">
+                      <a:solidFill>
+                        <a:schemeClr val="tx1"/>
+                      </a:solidFill>
+                      <a:prstDash val="solid"/>
+                      <a:round/>
+                      <a:headEnd type="none" w="med" len="med"/>
+                      <a:tailEnd type="none" w="med" len="med"/>
+                    </a:lnB>
                   </a:tcPr>
                 </a:tc>
                 <a:tc>
@@ -11754,18 +13849,19 @@
                     <a:p>
                       <a:pPr marL="243450" indent="-171450" algn="l" defTabSz="914400" rtl="0" eaLnBrk="1" fontAlgn="b" latinLnBrk="0" hangingPunct="1">
                         <a:spcAft>
-                          <a:spcPts val="600"/>
+                          <a:spcPts val="200"/>
                         </a:spcAft>
                         <a:buFont typeface="Arial" panose="020B0604020202020204" pitchFamily="34" charset="0"/>
                         <a:buChar char="•"/>
                       </a:pPr>
                       <a:r>
-                        <a:rPr lang="en-GB" sz="600" u="none" strike="noStrike" kern="1200" dirty="0">
+                        <a:rPr lang="en-GB" sz="550" u="none" strike="noStrike" kern="1200" dirty="0">
                           <a:solidFill>
-                            <a:schemeClr val="dk1"/>
+                            <a:sysClr val="windowText" lastClr="000000"/>
                           </a:solidFill>
                           <a:effectLst/>
-                          <a:latin typeface="+mn-lt"/>
+                          <a:latin typeface="Arial" panose="020B0604020202020204" pitchFamily="34" charset="0"/>
+                          <a:cs typeface="Arial" panose="020B0604020202020204" pitchFamily="34" charset="0"/>
                         </a:rPr>
                         <a:t>Drives a culture of continuous improvement and innovation within Agile teams and across the organization.</a:t>
                       </a:r>
@@ -11773,33 +13869,72 @@
                     <a:p>
                       <a:pPr marL="243450" indent="-171450" algn="l" defTabSz="914400" rtl="0" eaLnBrk="1" fontAlgn="b" latinLnBrk="0" hangingPunct="1">
                         <a:spcAft>
-                          <a:spcPts val="600"/>
+                          <a:spcPts val="200"/>
                         </a:spcAft>
                         <a:buFont typeface="Arial" panose="020B0604020202020204" pitchFamily="34" charset="0"/>
                         <a:buChar char="•"/>
                       </a:pPr>
                       <a:r>
-                        <a:rPr lang="en-GB" sz="600" u="none" strike="noStrike" kern="1200" dirty="0">
+                        <a:rPr lang="en-GB" sz="550" u="none" strike="noStrike" kern="1200" dirty="0">
                           <a:solidFill>
-                            <a:schemeClr val="dk1"/>
+                            <a:sysClr val="windowText" lastClr="000000"/>
                           </a:solidFill>
                           <a:effectLst/>
-                          <a:latin typeface="+mn-lt"/>
+                          <a:latin typeface="Arial" panose="020B0604020202020204" pitchFamily="34" charset="0"/>
+                          <a:cs typeface="Arial" panose="020B0604020202020204" pitchFamily="34" charset="0"/>
                         </a:rPr>
                         <a:t>Leads change initiatives to optimize team performance and deliver value to customers.</a:t>
                       </a:r>
-                      <a:endParaRPr lang="en-GB" sz="600" u="none" strike="noStrike" kern="1200" dirty="0">
+                      <a:endParaRPr lang="en-GB" sz="550" u="none" strike="noStrike" kern="1200" dirty="0">
                         <a:solidFill>
-                          <a:schemeClr val="dk1"/>
+                          <a:sysClr val="windowText" lastClr="000000"/>
                         </a:solidFill>
                         <a:effectLst/>
-                        <a:latin typeface="+mn-lt"/>
+                        <a:latin typeface="Arial" panose="020B0604020202020204" pitchFamily="34" charset="0"/>
                         <a:ea typeface="+mn-ea"/>
-                        <a:cs typeface="+mn-cs"/>
+                        <a:cs typeface="Arial" panose="020B0604020202020204" pitchFamily="34" charset="0"/>
                       </a:endParaRPr>
                     </a:p>
                   </a:txBody>
-                  <a:tcPr marL="866" marR="866" marT="866" marB="0" anchor="ctr"/>
+                  <a:tcPr marL="866" marR="866" marT="866" marB="0" anchor="ctr">
+                    <a:lnL w="12700" cap="flat" cmpd="sng" algn="ctr">
+                      <a:solidFill>
+                        <a:schemeClr val="tx1"/>
+                      </a:solidFill>
+                      <a:prstDash val="solid"/>
+                      <a:round/>
+                      <a:headEnd type="none" w="med" len="med"/>
+                      <a:tailEnd type="none" w="med" len="med"/>
+                    </a:lnL>
+                    <a:lnR w="12700" cap="flat" cmpd="sng" algn="ctr">
+                      <a:solidFill>
+                        <a:schemeClr val="tx1"/>
+                      </a:solidFill>
+                      <a:prstDash val="solid"/>
+                      <a:round/>
+                      <a:headEnd type="none" w="med" len="med"/>
+                      <a:tailEnd type="none" w="med" len="med"/>
+                    </a:lnR>
+                    <a:lnT w="12700" cap="flat" cmpd="sng" algn="ctr">
+                      <a:solidFill>
+                        <a:schemeClr val="tx1"/>
+                      </a:solidFill>
+                      <a:prstDash val="solid"/>
+                      <a:round/>
+                      <a:headEnd type="none" w="med" len="med"/>
+                      <a:tailEnd type="none" w="med" len="med"/>
+                    </a:lnT>
+                    <a:lnB w="12700" cap="flat" cmpd="sng" algn="ctr">
+                      <a:solidFill>
+                        <a:schemeClr val="tx1"/>
+                      </a:solidFill>
+                      <a:prstDash val="solid"/>
+                      <a:round/>
+                      <a:headEnd type="none" w="med" len="med"/>
+                      <a:tailEnd type="none" w="med" len="med"/>
+                    </a:lnB>
+                    <a:noFill/>
+                  </a:tcPr>
                 </a:tc>
                 <a:tc>
                   <a:txBody>
@@ -11808,18 +13943,19 @@
                     <a:p>
                       <a:pPr marL="243450" indent="-171450" algn="l" defTabSz="914400" rtl="0" eaLnBrk="1" fontAlgn="b" latinLnBrk="0" hangingPunct="1">
                         <a:spcAft>
-                          <a:spcPts val="600"/>
+                          <a:spcPts val="200"/>
                         </a:spcAft>
                         <a:buFont typeface="Arial" panose="020B0604020202020204" pitchFamily="34" charset="0"/>
                         <a:buChar char="•"/>
                       </a:pPr>
                       <a:r>
-                        <a:rPr lang="en-GB" sz="600" u="none" strike="noStrike" kern="1200" dirty="0">
+                        <a:rPr lang="en-GB" sz="550" u="none" strike="noStrike" kern="1200" dirty="0">
                           <a:solidFill>
-                            <a:schemeClr val="dk1"/>
+                            <a:sysClr val="windowText" lastClr="000000"/>
                           </a:solidFill>
                           <a:effectLst/>
-                          <a:latin typeface="+mn-lt"/>
+                          <a:latin typeface="Arial" panose="020B0604020202020204" pitchFamily="34" charset="0"/>
+                          <a:cs typeface="Arial" panose="020B0604020202020204" pitchFamily="34" charset="0"/>
                         </a:rPr>
                         <a:t>Leads organizational Agile transformation efforts, driving adoption and success.</a:t>
                       </a:r>
@@ -11827,33 +13963,72 @@
                     <a:p>
                       <a:pPr marL="243450" indent="-171450" algn="l" defTabSz="914400" rtl="0" eaLnBrk="1" fontAlgn="b" latinLnBrk="0" hangingPunct="1">
                         <a:spcAft>
-                          <a:spcPts val="600"/>
+                          <a:spcPts val="200"/>
                         </a:spcAft>
                         <a:buFont typeface="Arial" panose="020B0604020202020204" pitchFamily="34" charset="0"/>
                         <a:buChar char="•"/>
                       </a:pPr>
                       <a:r>
-                        <a:rPr lang="en-GB" sz="600" u="none" strike="noStrike" kern="1200" dirty="0">
+                        <a:rPr lang="en-GB" sz="550" u="none" strike="noStrike" kern="1200" dirty="0">
                           <a:solidFill>
-                            <a:schemeClr val="dk1"/>
+                            <a:sysClr val="windowText" lastClr="000000"/>
                           </a:solidFill>
                           <a:effectLst/>
-                          <a:latin typeface="+mn-lt"/>
+                          <a:latin typeface="Arial" panose="020B0604020202020204" pitchFamily="34" charset="0"/>
+                          <a:cs typeface="Arial" panose="020B0604020202020204" pitchFamily="34" charset="0"/>
                         </a:rPr>
                         <a:t>Promotes a culture of agility and adaptability, guiding sustainable change for organizational effectiveness.</a:t>
                       </a:r>
-                      <a:endParaRPr lang="en-GB" sz="600" u="none" strike="noStrike" kern="1200" dirty="0">
+                      <a:endParaRPr lang="en-GB" sz="550" u="none" strike="noStrike" kern="1200" dirty="0">
                         <a:solidFill>
-                          <a:schemeClr val="dk1"/>
+                          <a:sysClr val="windowText" lastClr="000000"/>
                         </a:solidFill>
                         <a:effectLst/>
-                        <a:latin typeface="+mn-lt"/>
+                        <a:latin typeface="Arial" panose="020B0604020202020204" pitchFamily="34" charset="0"/>
                         <a:ea typeface="+mn-ea"/>
-                        <a:cs typeface="+mn-cs"/>
+                        <a:cs typeface="Arial" panose="020B0604020202020204" pitchFamily="34" charset="0"/>
                       </a:endParaRPr>
                     </a:p>
                   </a:txBody>
-                  <a:tcPr marL="866" marR="866" marT="866" marB="0" anchor="ctr"/>
+                  <a:tcPr marL="866" marR="866" marT="866" marB="0" anchor="ctr">
+                    <a:lnL w="12700" cap="flat" cmpd="sng" algn="ctr">
+                      <a:solidFill>
+                        <a:schemeClr val="tx1"/>
+                      </a:solidFill>
+                      <a:prstDash val="solid"/>
+                      <a:round/>
+                      <a:headEnd type="none" w="med" len="med"/>
+                      <a:tailEnd type="none" w="med" len="med"/>
+                    </a:lnL>
+                    <a:lnR w="12700" cap="flat" cmpd="sng" algn="ctr">
+                      <a:solidFill>
+                        <a:schemeClr val="tx1"/>
+                      </a:solidFill>
+                      <a:prstDash val="solid"/>
+                      <a:round/>
+                      <a:headEnd type="none" w="med" len="med"/>
+                      <a:tailEnd type="none" w="med" len="med"/>
+                    </a:lnR>
+                    <a:lnT w="12700" cap="flat" cmpd="sng" algn="ctr">
+                      <a:solidFill>
+                        <a:schemeClr val="tx1"/>
+                      </a:solidFill>
+                      <a:prstDash val="solid"/>
+                      <a:round/>
+                      <a:headEnd type="none" w="med" len="med"/>
+                      <a:tailEnd type="none" w="med" len="med"/>
+                    </a:lnT>
+                    <a:lnB w="12700" cap="flat" cmpd="sng" algn="ctr">
+                      <a:solidFill>
+                        <a:schemeClr val="tx1"/>
+                      </a:solidFill>
+                      <a:prstDash val="solid"/>
+                      <a:round/>
+                      <a:headEnd type="none" w="med" len="med"/>
+                      <a:tailEnd type="none" w="med" len="med"/>
+                    </a:lnB>
+                    <a:noFill/>
+                  </a:tcPr>
                 </a:tc>
                 <a:tc>
                   <a:txBody>
@@ -11862,18 +14037,19 @@
                     <a:p>
                       <a:pPr marL="243450" indent="-171450" algn="l" defTabSz="914400" rtl="0" eaLnBrk="1" fontAlgn="b" latinLnBrk="0" hangingPunct="1">
                         <a:spcAft>
-                          <a:spcPts val="600"/>
+                          <a:spcPts val="200"/>
                         </a:spcAft>
                         <a:buFont typeface="Arial" panose="020B0604020202020204" pitchFamily="34" charset="0"/>
                         <a:buChar char="•"/>
                       </a:pPr>
                       <a:r>
-                        <a:rPr lang="en-GB" sz="600" u="none" strike="noStrike" kern="1200" dirty="0">
+                        <a:rPr lang="en-GB" sz="550" u="none" strike="noStrike" kern="1200" dirty="0">
                           <a:solidFill>
-                            <a:schemeClr val="dk1"/>
+                            <a:sysClr val="windowText" lastClr="000000"/>
                           </a:solidFill>
                           <a:effectLst/>
-                          <a:latin typeface="+mn-lt"/>
+                          <a:latin typeface="Arial" panose="020B0604020202020204" pitchFamily="34" charset="0"/>
+                          <a:cs typeface="Arial" panose="020B0604020202020204" pitchFamily="34" charset="0"/>
                         </a:rPr>
                         <a:t>Drives Agile transformation at an organizational level, promoting Agile values and principles.</a:t>
                       </a:r>
@@ -11881,33 +14057,72 @@
                     <a:p>
                       <a:pPr marL="243450" indent="-171450" algn="l" defTabSz="914400" rtl="0" eaLnBrk="1" fontAlgn="b" latinLnBrk="0" hangingPunct="1">
                         <a:spcAft>
-                          <a:spcPts val="600"/>
+                          <a:spcPts val="200"/>
                         </a:spcAft>
                         <a:buFont typeface="Arial" panose="020B0604020202020204" pitchFamily="34" charset="0"/>
                         <a:buChar char="•"/>
                       </a:pPr>
                       <a:r>
-                        <a:rPr lang="en-GB" sz="600" u="none" strike="noStrike" kern="1200" dirty="0">
+                        <a:rPr lang="en-GB" sz="550" u="none" strike="noStrike" kern="1200" dirty="0">
                           <a:solidFill>
-                            <a:schemeClr val="dk1"/>
+                            <a:sysClr val="windowText" lastClr="000000"/>
                           </a:solidFill>
                           <a:effectLst/>
-                          <a:latin typeface="+mn-lt"/>
+                          <a:latin typeface="Arial" panose="020B0604020202020204" pitchFamily="34" charset="0"/>
+                          <a:cs typeface="Arial" panose="020B0604020202020204" pitchFamily="34" charset="0"/>
                         </a:rPr>
                         <a:t>Leads initiatives to enhance team productivity, collaboration, and delivery effectiveness.</a:t>
                       </a:r>
-                      <a:endParaRPr lang="en-GB" sz="600" u="none" strike="noStrike" kern="1200" dirty="0">
+                      <a:endParaRPr lang="en-GB" sz="550" u="none" strike="noStrike" kern="1200" dirty="0">
                         <a:solidFill>
-                          <a:schemeClr val="dk1"/>
+                          <a:sysClr val="windowText" lastClr="000000"/>
                         </a:solidFill>
                         <a:effectLst/>
-                        <a:latin typeface="+mn-lt"/>
+                        <a:latin typeface="Arial" panose="020B0604020202020204" pitchFamily="34" charset="0"/>
                         <a:ea typeface="+mn-ea"/>
-                        <a:cs typeface="+mn-cs"/>
+                        <a:cs typeface="Arial" panose="020B0604020202020204" pitchFamily="34" charset="0"/>
                       </a:endParaRPr>
                     </a:p>
                   </a:txBody>
-                  <a:tcPr marL="866" marR="866" marT="866" marB="0" anchor="ctr"/>
+                  <a:tcPr marL="866" marR="866" marT="866" marB="0" anchor="ctr">
+                    <a:lnL w="12700" cap="flat" cmpd="sng" algn="ctr">
+                      <a:solidFill>
+                        <a:schemeClr val="tx1"/>
+                      </a:solidFill>
+                      <a:prstDash val="solid"/>
+                      <a:round/>
+                      <a:headEnd type="none" w="med" len="med"/>
+                      <a:tailEnd type="none" w="med" len="med"/>
+                    </a:lnL>
+                    <a:lnR w="12700" cap="flat" cmpd="sng" algn="ctr">
+                      <a:solidFill>
+                        <a:schemeClr val="tx1"/>
+                      </a:solidFill>
+                      <a:prstDash val="solid"/>
+                      <a:round/>
+                      <a:headEnd type="none" w="med" len="med"/>
+                      <a:tailEnd type="none" w="med" len="med"/>
+                    </a:lnR>
+                    <a:lnT w="12700" cap="flat" cmpd="sng" algn="ctr">
+                      <a:solidFill>
+                        <a:schemeClr val="tx1"/>
+                      </a:solidFill>
+                      <a:prstDash val="solid"/>
+                      <a:round/>
+                      <a:headEnd type="none" w="med" len="med"/>
+                      <a:tailEnd type="none" w="med" len="med"/>
+                    </a:lnT>
+                    <a:lnB w="12700" cap="flat" cmpd="sng" algn="ctr">
+                      <a:solidFill>
+                        <a:schemeClr val="tx1"/>
+                      </a:solidFill>
+                      <a:prstDash val="solid"/>
+                      <a:round/>
+                      <a:headEnd type="none" w="med" len="med"/>
+                      <a:tailEnd type="none" w="med" len="med"/>
+                    </a:lnB>
+                    <a:noFill/>
+                  </a:tcPr>
                 </a:tc>
                 <a:tc>
                   <a:txBody>
@@ -11916,18 +14131,19 @@
                     <a:p>
                       <a:pPr marL="243450" indent="-171450" algn="l" defTabSz="914400" rtl="0" eaLnBrk="1" fontAlgn="b" latinLnBrk="0" hangingPunct="1">
                         <a:spcAft>
-                          <a:spcPts val="600"/>
+                          <a:spcPts val="200"/>
                         </a:spcAft>
                         <a:buFont typeface="Arial" panose="020B0604020202020204" pitchFamily="34" charset="0"/>
                         <a:buChar char="•"/>
                       </a:pPr>
                       <a:r>
-                        <a:rPr lang="en-GB" sz="600" u="none" strike="noStrike" kern="1200" dirty="0">
+                        <a:rPr lang="en-GB" sz="550" u="none" strike="noStrike" kern="1200" dirty="0">
                           <a:solidFill>
-                            <a:schemeClr val="dk1"/>
+                            <a:sysClr val="windowText" lastClr="000000"/>
                           </a:solidFill>
                           <a:effectLst/>
-                          <a:latin typeface="+mn-lt"/>
+                          <a:latin typeface="Arial" panose="020B0604020202020204" pitchFamily="34" charset="0"/>
+                          <a:cs typeface="Arial" panose="020B0604020202020204" pitchFamily="34" charset="0"/>
                         </a:rPr>
                         <a:t>Drives Agile transformation initiatives, promoting a culture of continuous improvement and adaptability.</a:t>
                       </a:r>
@@ -11935,33 +14151,72 @@
                     <a:p>
                       <a:pPr marL="243450" indent="-171450" algn="l" defTabSz="914400" rtl="0" eaLnBrk="1" fontAlgn="b" latinLnBrk="0" hangingPunct="1">
                         <a:spcAft>
-                          <a:spcPts val="600"/>
+                          <a:spcPts val="200"/>
                         </a:spcAft>
                         <a:buFont typeface="Arial" panose="020B0604020202020204" pitchFamily="34" charset="0"/>
                         <a:buChar char="•"/>
                       </a:pPr>
                       <a:r>
-                        <a:rPr lang="en-GB" sz="600" u="none" strike="noStrike" kern="1200" dirty="0">
+                        <a:rPr lang="en-GB" sz="550" u="none" strike="noStrike" kern="1200" dirty="0">
                           <a:solidFill>
-                            <a:schemeClr val="dk1"/>
+                            <a:sysClr val="windowText" lastClr="000000"/>
                           </a:solidFill>
                           <a:effectLst/>
-                          <a:latin typeface="+mn-lt"/>
+                          <a:latin typeface="Arial" panose="020B0604020202020204" pitchFamily="34" charset="0"/>
+                          <a:cs typeface="Arial" panose="020B0604020202020204" pitchFamily="34" charset="0"/>
                         </a:rPr>
                         <a:t>Guides teams in implementing Agile methods and practices to drive organizational change.</a:t>
                       </a:r>
-                      <a:endParaRPr lang="en-GB" sz="600" u="none" strike="noStrike" kern="1200" dirty="0">
+                      <a:endParaRPr lang="en-GB" sz="550" u="none" strike="noStrike" kern="1200" dirty="0">
                         <a:solidFill>
-                          <a:schemeClr val="dk1"/>
+                          <a:sysClr val="windowText" lastClr="000000"/>
                         </a:solidFill>
                         <a:effectLst/>
-                        <a:latin typeface="+mn-lt"/>
+                        <a:latin typeface="Arial" panose="020B0604020202020204" pitchFamily="34" charset="0"/>
                         <a:ea typeface="+mn-ea"/>
-                        <a:cs typeface="+mn-cs"/>
+                        <a:cs typeface="Arial" panose="020B0604020202020204" pitchFamily="34" charset="0"/>
                       </a:endParaRPr>
                     </a:p>
                   </a:txBody>
-                  <a:tcPr marL="866" marR="866" marT="866" marB="0" anchor="ctr"/>
+                  <a:tcPr marL="866" marR="866" marT="866" marB="0" anchor="ctr">
+                    <a:lnL w="12700" cap="flat" cmpd="sng" algn="ctr">
+                      <a:solidFill>
+                        <a:schemeClr val="tx1"/>
+                      </a:solidFill>
+                      <a:prstDash val="solid"/>
+                      <a:round/>
+                      <a:headEnd type="none" w="med" len="med"/>
+                      <a:tailEnd type="none" w="med" len="med"/>
+                    </a:lnL>
+                    <a:lnR w="12700" cap="flat" cmpd="sng" algn="ctr">
+                      <a:solidFill>
+                        <a:schemeClr val="tx1"/>
+                      </a:solidFill>
+                      <a:prstDash val="solid"/>
+                      <a:round/>
+                      <a:headEnd type="none" w="med" len="med"/>
+                      <a:tailEnd type="none" w="med" len="med"/>
+                    </a:lnR>
+                    <a:lnT w="12700" cap="flat" cmpd="sng" algn="ctr">
+                      <a:solidFill>
+                        <a:schemeClr val="tx1"/>
+                      </a:solidFill>
+                      <a:prstDash val="solid"/>
+                      <a:round/>
+                      <a:headEnd type="none" w="med" len="med"/>
+                      <a:tailEnd type="none" w="med" len="med"/>
+                    </a:lnT>
+                    <a:lnB w="12700" cap="flat" cmpd="sng" algn="ctr">
+                      <a:solidFill>
+                        <a:schemeClr val="tx1"/>
+                      </a:solidFill>
+                      <a:prstDash val="solid"/>
+                      <a:round/>
+                      <a:headEnd type="none" w="med" len="med"/>
+                      <a:tailEnd type="none" w="med" len="med"/>
+                    </a:lnB>
+                    <a:noFill/>
+                  </a:tcPr>
                 </a:tc>
                 <a:tc>
                   <a:txBody>
@@ -11970,52 +14225,92 @@
                     <a:p>
                       <a:pPr marL="243450" indent="-171450" algn="l" defTabSz="914400" rtl="0" eaLnBrk="1" fontAlgn="b" latinLnBrk="0" hangingPunct="1">
                         <a:spcAft>
-                          <a:spcPts val="600"/>
+                          <a:spcPts val="200"/>
                         </a:spcAft>
                         <a:buFont typeface="Arial" panose="020B0604020202020204" pitchFamily="34" charset="0"/>
                         <a:buChar char="•"/>
                       </a:pPr>
                       <a:r>
-                        <a:rPr lang="en-GB" sz="600" u="none" strike="noStrike" kern="1200" dirty="0">
+                        <a:rPr lang="en-GB" sz="550" u="none" strike="noStrike" kern="1200" dirty="0">
                           <a:solidFill>
-                            <a:schemeClr val="dk1"/>
+                            <a:sysClr val="windowText" lastClr="000000"/>
                           </a:solidFill>
                           <a:effectLst/>
-                          <a:latin typeface="+mn-lt"/>
+                          <a:latin typeface="Arial" panose="020B0604020202020204" pitchFamily="34" charset="0"/>
+                          <a:cs typeface="Arial" panose="020B0604020202020204" pitchFamily="34" charset="0"/>
                         </a:rPr>
-                        <a:t>Supports Agile transformation initiatives and contributes to process improvement within the development team.</a:t>
+                        <a:t>Supports Agile transformation initiatives and contributes   to process improvement within the development team.</a:t>
                       </a:r>
                     </a:p>
                     <a:p>
                       <a:pPr marL="243450" indent="-171450" algn="l" defTabSz="914400" rtl="0" eaLnBrk="1" fontAlgn="b" latinLnBrk="0" hangingPunct="1">
                         <a:spcAft>
-                          <a:spcPts val="600"/>
+                          <a:spcPts val="200"/>
                         </a:spcAft>
                         <a:buFont typeface="Arial" panose="020B0604020202020204" pitchFamily="34" charset="0"/>
                         <a:buChar char="•"/>
                       </a:pPr>
                       <a:r>
-                        <a:rPr lang="en-GB" sz="600" u="none" strike="noStrike" kern="1200" dirty="0">
+                        <a:rPr lang="en-GB" sz="550" u="none" strike="noStrike" kern="1200" dirty="0">
                           <a:solidFill>
-                            <a:schemeClr val="dk1"/>
+                            <a:sysClr val="windowText" lastClr="000000"/>
                           </a:solidFill>
                           <a:effectLst/>
-                          <a:latin typeface="+mn-lt"/>
+                          <a:latin typeface="Arial" panose="020B0604020202020204" pitchFamily="34" charset="0"/>
+                          <a:cs typeface="Arial" panose="020B0604020202020204" pitchFamily="34" charset="0"/>
                         </a:rPr>
                         <a:t>Participates in professional development activities to enhance skills in guiding sustainable change and organizational effectiveness.</a:t>
                       </a:r>
-                      <a:endParaRPr lang="en-GB" sz="600" u="none" strike="noStrike" kern="1200" dirty="0">
+                      <a:endParaRPr lang="en-GB" sz="550" u="none" strike="noStrike" kern="1200" dirty="0">
                         <a:solidFill>
-                          <a:schemeClr val="dk1"/>
+                          <a:sysClr val="windowText" lastClr="000000"/>
                         </a:solidFill>
                         <a:effectLst/>
-                        <a:latin typeface="+mn-lt"/>
+                        <a:latin typeface="Arial" panose="020B0604020202020204" pitchFamily="34" charset="0"/>
                         <a:ea typeface="+mn-ea"/>
-                        <a:cs typeface="+mn-cs"/>
+                        <a:cs typeface="Arial" panose="020B0604020202020204" pitchFamily="34" charset="0"/>
                       </a:endParaRPr>
                     </a:p>
                   </a:txBody>
-                  <a:tcPr marL="866" marR="866" marT="866" marB="0" anchor="ctr"/>
+                  <a:tcPr marL="866" marR="866" marT="866" marB="0" anchor="ctr">
+                    <a:lnL w="12700" cap="flat" cmpd="sng" algn="ctr">
+                      <a:solidFill>
+                        <a:schemeClr val="tx1"/>
+                      </a:solidFill>
+                      <a:prstDash val="solid"/>
+                      <a:round/>
+                      <a:headEnd type="none" w="med" len="med"/>
+                      <a:tailEnd type="none" w="med" len="med"/>
+                    </a:lnL>
+                    <a:lnR w="12700" cap="flat" cmpd="sng" algn="ctr">
+                      <a:solidFill>
+                        <a:schemeClr val="tx1"/>
+                      </a:solidFill>
+                      <a:prstDash val="solid"/>
+                      <a:round/>
+                      <a:headEnd type="none" w="med" len="med"/>
+                      <a:tailEnd type="none" w="med" len="med"/>
+                    </a:lnR>
+                    <a:lnT w="12700" cap="flat" cmpd="sng" algn="ctr">
+                      <a:solidFill>
+                        <a:schemeClr val="tx1"/>
+                      </a:solidFill>
+                      <a:prstDash val="solid"/>
+                      <a:round/>
+                      <a:headEnd type="none" w="med" len="med"/>
+                      <a:tailEnd type="none" w="med" len="med"/>
+                    </a:lnT>
+                    <a:lnB w="12700" cap="flat" cmpd="sng" algn="ctr">
+                      <a:solidFill>
+                        <a:schemeClr val="tx1"/>
+                      </a:solidFill>
+                      <a:prstDash val="solid"/>
+                      <a:round/>
+                      <a:headEnd type="none" w="med" len="med"/>
+                      <a:tailEnd type="none" w="med" len="med"/>
+                    </a:lnB>
+                    <a:noFill/>
+                  </a:tcPr>
                 </a:tc>
                 <a:extLst>
                   <a:ext uri="{0D108BD9-81ED-4DB2-BD59-A6C34878D82A}">
@@ -12170,7 +14465,7 @@
                 <a:latin typeface="Arial" panose="020B0604020202020204" pitchFamily="34" charset="0"/>
                 <a:cs typeface="Arial" panose="020B0604020202020204" pitchFamily="34" charset="0"/>
               </a:rPr>
-              <a:t>Author: Tom Hoyland | Version 1.1</a:t>
+              <a:t>Author: Tom Hoyland | Version 1.2</a:t>
             </a:r>
           </a:p>
         </p:txBody>
@@ -12527,7 +14822,7 @@
                 <a:latin typeface="Arial" panose="020B0604020202020204" pitchFamily="34" charset="0"/>
                 <a:cs typeface="Arial" panose="020B0604020202020204" pitchFamily="34" charset="0"/>
               </a:rPr>
-              <a:t>Author: Tom Hoyland | Version 1.1</a:t>
+              <a:t>Author: Tom Hoyland | Version 1.2</a:t>
             </a:r>
           </a:p>
         </p:txBody>
@@ -12853,7 +15148,7 @@
                 <a:latin typeface="Arial" panose="020B0604020202020204" pitchFamily="34" charset="0"/>
                 <a:cs typeface="Arial" panose="020B0604020202020204" pitchFamily="34" charset="0"/>
               </a:rPr>
-              <a:t>Author: Tom Hoyland | Version 1.1</a:t>
+              <a:t>Author: Tom Hoyland | Version 1.2</a:t>
             </a:r>
           </a:p>
         </p:txBody>
@@ -13165,7 +15460,7 @@
                 <a:latin typeface="Arial" panose="020B0604020202020204" pitchFamily="34" charset="0"/>
                 <a:cs typeface="Arial" panose="020B0604020202020204" pitchFamily="34" charset="0"/>
               </a:rPr>
-              <a:t>Author: Tom Hoyland | Version 1.1</a:t>
+              <a:t>Author: Tom Hoyland | Version 1.2</a:t>
             </a:r>
           </a:p>
         </p:txBody>
@@ -13498,7 +15793,7 @@
                 <a:latin typeface="Arial" panose="020B0604020202020204" pitchFamily="34" charset="0"/>
                 <a:cs typeface="Arial" panose="020B0604020202020204" pitchFamily="34" charset="0"/>
               </a:rPr>
-              <a:t>Author: Tom Hoyland | Version 1.1</a:t>
+              <a:t>Author: Tom Hoyland | Version 1.2</a:t>
             </a:r>
           </a:p>
         </p:txBody>
@@ -13800,7 +16095,7 @@
                 <a:latin typeface="Arial" panose="020B0604020202020204" pitchFamily="34" charset="0"/>
                 <a:cs typeface="Arial" panose="020B0604020202020204" pitchFamily="34" charset="0"/>
               </a:rPr>
-              <a:t>Author: Tom Hoyland | Version 1.1</a:t>
+              <a:t>Author: Tom Hoyland | Version 1.2</a:t>
             </a:r>
           </a:p>
         </p:txBody>
@@ -14777,7 +17072,7 @@
                 <a:latin typeface="Arial" panose="020B0604020202020204" pitchFamily="34" charset="0"/>
                 <a:cs typeface="Arial" panose="020B0604020202020204" pitchFamily="34" charset="0"/>
               </a:rPr>
-              <a:t>Author: Tom Hoyland | Version 1.1</a:t>
+              <a:t>Author: Tom Hoyland | Version 1.2</a:t>
             </a:r>
           </a:p>
         </p:txBody>
@@ -15369,7 +17664,7 @@
                 <a:latin typeface="Arial" panose="020B0604020202020204" pitchFamily="34" charset="0"/>
                 <a:cs typeface="Arial" panose="020B0604020202020204" pitchFamily="34" charset="0"/>
               </a:rPr>
-              <a:t>Author: Tom Hoyland | Version 1.1</a:t>
+              <a:t>Author: Tom Hoyland | Version 1.2</a:t>
             </a:r>
           </a:p>
         </p:txBody>
@@ -15675,7 +17970,7 @@
                 <a:latin typeface="Arial" panose="020B0604020202020204" pitchFamily="34" charset="0"/>
                 <a:cs typeface="Arial" panose="020B0604020202020204" pitchFamily="34" charset="0"/>
               </a:rPr>
-              <a:t>Author: Tom Hoyland | Version 1.1</a:t>
+              <a:t>Author: Tom Hoyland | Version 1.2</a:t>
             </a:r>
           </a:p>
         </p:txBody>
@@ -17132,36 +19427,6 @@
           </a:p>
         </p:txBody>
       </p:sp>
-      <p:pic>
-        <p:nvPicPr>
-          <p:cNvPr id="38" name="Picture 37">
-            <a:extLst>
-              <a:ext uri="{FF2B5EF4-FFF2-40B4-BE49-F238E27FC236}">
-                <a16:creationId xmlns:a16="http://schemas.microsoft.com/office/drawing/2014/main" id="{D196582E-49CC-FDBE-6CE4-6990B5A07C1D}"/>
-              </a:ext>
-            </a:extLst>
-          </p:cNvPr>
-          <p:cNvPicPr>
-            <a:picLocks noChangeAspect="1"/>
-          </p:cNvPicPr>
-          <p:nvPr/>
-        </p:nvPicPr>
-        <p:blipFill>
-          <a:blip r:embed="rId7"/>
-          <a:stretch>
-            <a:fillRect/>
-          </a:stretch>
-        </p:blipFill>
-        <p:spPr>
-          <a:xfrm>
-            <a:off x="3402422" y="886752"/>
-            <a:ext cx="2492021" cy="1280844"/>
-          </a:xfrm>
-          <a:prstGeom prst="rect">
-            <a:avLst/>
-          </a:prstGeom>
-        </p:spPr>
-      </p:pic>
       <p:sp>
         <p:nvSpPr>
           <p:cNvPr id="41" name="TextBox 40">
@@ -17205,10 +19470,10 @@
       </p:sp>
       <p:pic>
         <p:nvPicPr>
-          <p:cNvPr id="42" name="Picture 41">
+          <p:cNvPr id="45" name="Picture 44">
             <a:extLst>
               <a:ext uri="{FF2B5EF4-FFF2-40B4-BE49-F238E27FC236}">
-                <a16:creationId xmlns:a16="http://schemas.microsoft.com/office/drawing/2014/main" id="{619C7554-76D1-388E-6390-90E585E493E3}"/>
+                <a16:creationId xmlns:a16="http://schemas.microsoft.com/office/drawing/2014/main" id="{B8B131CC-9B6F-B1A9-9612-8509B435AAC4}"/>
               </a:ext>
             </a:extLst>
           </p:cNvPr>
@@ -17219,36 +19484,6 @@
         </p:nvPicPr>
         <p:blipFill>
           <a:blip r:embed="rId7"/>
-          <a:stretch>
-            <a:fillRect/>
-          </a:stretch>
-        </p:blipFill>
-        <p:spPr>
-          <a:xfrm>
-            <a:off x="9116589" y="3931708"/>
-            <a:ext cx="2492021" cy="1280844"/>
-          </a:xfrm>
-          <a:prstGeom prst="rect">
-            <a:avLst/>
-          </a:prstGeom>
-        </p:spPr>
-      </p:pic>
-      <p:pic>
-        <p:nvPicPr>
-          <p:cNvPr id="45" name="Picture 44">
-            <a:extLst>
-              <a:ext uri="{FF2B5EF4-FFF2-40B4-BE49-F238E27FC236}">
-                <a16:creationId xmlns:a16="http://schemas.microsoft.com/office/drawing/2014/main" id="{B8B131CC-9B6F-B1A9-9612-8509B435AAC4}"/>
-              </a:ext>
-            </a:extLst>
-          </p:cNvPr>
-          <p:cNvPicPr>
-            <a:picLocks noChangeAspect="1"/>
-          </p:cNvPicPr>
-          <p:nvPr/>
-        </p:nvPicPr>
-        <p:blipFill>
-          <a:blip r:embed="rId8"/>
           <a:stretch>
             <a:fillRect/>
           </a:stretch>
@@ -17425,7 +19660,7 @@
           <p:nvPr/>
         </p:nvPicPr>
         <p:blipFill>
-          <a:blip r:embed="rId8"/>
+          <a:blip r:embed="rId7"/>
           <a:stretch>
             <a:fillRect/>
           </a:stretch>
@@ -17508,7 +19743,7 @@
           <p:nvPr/>
         </p:nvPicPr>
         <p:blipFill>
-          <a:blip r:embed="rId9"/>
+          <a:blip r:embed="rId8"/>
           <a:stretch>
             <a:fillRect/>
           </a:stretch>
@@ -17591,7 +19826,7 @@
           <p:nvPr/>
         </p:nvPicPr>
         <p:blipFill>
-          <a:blip r:embed="rId10"/>
+          <a:blip r:embed="rId9"/>
           <a:stretch>
             <a:fillRect/>
           </a:stretch>
@@ -17621,7 +19856,7 @@
           <p:nvPr/>
         </p:nvPicPr>
         <p:blipFill>
-          <a:blip r:embed="rId11"/>
+          <a:blip r:embed="rId10"/>
           <a:stretch>
             <a:fillRect/>
           </a:stretch>
@@ -17778,7 +20013,7 @@
                 <a:latin typeface="Arial" panose="020B0604020202020204" pitchFamily="34" charset="0"/>
                 <a:cs typeface="Arial" panose="020B0604020202020204" pitchFamily="34" charset="0"/>
               </a:rPr>
-              <a:t>Author: Tom Hoyland | Version 1.1</a:t>
+              <a:t>Author: Tom Hoyland | Version 1.2</a:t>
             </a:r>
           </a:p>
         </p:txBody>
@@ -17798,7 +20033,7 @@
           <p:nvPr/>
         </p:nvPicPr>
         <p:blipFill>
-          <a:blip r:embed="rId12">
+          <a:blip r:embed="rId11">
             <a:extLst>
               <a:ext uri="{28A0092B-C50C-407E-A947-70E740481C1C}">
                 <a14:useLocalDpi xmlns:a14="http://schemas.microsoft.com/office/drawing/2010/main" val="0"/>
@@ -17872,6 +20107,64 @@
           </a:p>
         </p:txBody>
       </p:sp>
+      <p:pic>
+        <p:nvPicPr>
+          <p:cNvPr id="5" name="Picture 4">
+            <a:extLst>
+              <a:ext uri="{FF2B5EF4-FFF2-40B4-BE49-F238E27FC236}">
+                <a16:creationId xmlns:a16="http://schemas.microsoft.com/office/drawing/2014/main" id="{761F2DD1-5598-725E-3B3B-4D1A04AFF99E}"/>
+              </a:ext>
+            </a:extLst>
+          </p:cNvPr>
+          <p:cNvPicPr>
+            <a:picLocks noChangeAspect="1"/>
+          </p:cNvPicPr>
+          <p:nvPr/>
+        </p:nvPicPr>
+        <p:blipFill>
+          <a:blip r:embed="rId12"/>
+          <a:srcRect t="282"/>
+          <a:stretch/>
+        </p:blipFill>
+        <p:spPr>
+          <a:xfrm>
+            <a:off x="3408807" y="876299"/>
+            <a:ext cx="2472272" cy="1289085"/>
+          </a:xfrm>
+          <a:prstGeom prst="rect">
+            <a:avLst/>
+          </a:prstGeom>
+        </p:spPr>
+      </p:pic>
+      <p:pic>
+        <p:nvPicPr>
+          <p:cNvPr id="6" name="Picture 5">
+            <a:extLst>
+              <a:ext uri="{FF2B5EF4-FFF2-40B4-BE49-F238E27FC236}">
+                <a16:creationId xmlns:a16="http://schemas.microsoft.com/office/drawing/2014/main" id="{594F6003-ADE8-5CB0-998B-D392E793CE58}"/>
+              </a:ext>
+            </a:extLst>
+          </p:cNvPr>
+          <p:cNvPicPr>
+            <a:picLocks noChangeAspect="1"/>
+          </p:cNvPicPr>
+          <p:nvPr/>
+        </p:nvPicPr>
+        <p:blipFill>
+          <a:blip r:embed="rId12"/>
+          <a:srcRect t="282"/>
+          <a:stretch/>
+        </p:blipFill>
+        <p:spPr>
+          <a:xfrm>
+            <a:off x="9124285" y="3930056"/>
+            <a:ext cx="2472272" cy="1289085"/>
+          </a:xfrm>
+          <a:prstGeom prst="rect">
+            <a:avLst/>
+          </a:prstGeom>
+        </p:spPr>
+      </p:pic>
     </p:spTree>
     <p:extLst>
       <p:ext uri="{BB962C8B-B14F-4D97-AF65-F5344CB8AC3E}">

--- a/Agile-Growth-Pathway.pptx
+++ b/Agile-Growth-Pathway.pptx
@@ -247,6 +247,803 @@
     </pc:docChg>
   </pc:docChgLst>
   <pc:docChgLst>
+    <pc:chgData name="Tom Hoyland" userId="736d7a3e-93c7-4109-90c5-e67b8b3e41b2" providerId="ADAL" clId="{A4D346AA-F248-6444-93C1-EF2F2E65C714}"/>
+    <pc:docChg chg="undo custSel addSld delSld modSld sldOrd">
+      <pc:chgData name="Tom Hoyland" userId="736d7a3e-93c7-4109-90c5-e67b8b3e41b2" providerId="ADAL" clId="{A4D346AA-F248-6444-93C1-EF2F2E65C714}" dt="2024-08-20T11:33:24.572" v="664" actId="404"/>
+      <pc:docMkLst>
+        <pc:docMk/>
+      </pc:docMkLst>
+      <pc:sldChg chg="addSp delSp modSp mod">
+        <pc:chgData name="Tom Hoyland" userId="736d7a3e-93c7-4109-90c5-e67b8b3e41b2" providerId="ADAL" clId="{A4D346AA-F248-6444-93C1-EF2F2E65C714}" dt="2024-08-20T10:35:24.927" v="523" actId="1076"/>
+        <pc:sldMkLst>
+          <pc:docMk/>
+          <pc:sldMk cId="215971509" sldId="258"/>
+        </pc:sldMkLst>
+        <pc:spChg chg="add del mod">
+          <ac:chgData name="Tom Hoyland" userId="736d7a3e-93c7-4109-90c5-e67b8b3e41b2" providerId="ADAL" clId="{A4D346AA-F248-6444-93C1-EF2F2E65C714}" dt="2024-08-20T10:35:16.759" v="521"/>
+          <ac:spMkLst>
+            <pc:docMk/>
+            <pc:sldMk cId="215971509" sldId="258"/>
+            <ac:spMk id="2" creationId="{13C5DC61-1188-B764-894D-18FA2653502D}"/>
+          </ac:spMkLst>
+        </pc:spChg>
+        <pc:graphicFrameChg chg="mod modGraphic">
+          <ac:chgData name="Tom Hoyland" userId="736d7a3e-93c7-4109-90c5-e67b8b3e41b2" providerId="ADAL" clId="{A4D346AA-F248-6444-93C1-EF2F2E65C714}" dt="2024-08-20T10:35:24.927" v="523" actId="1076"/>
+          <ac:graphicFrameMkLst>
+            <pc:docMk/>
+            <pc:sldMk cId="215971509" sldId="258"/>
+            <ac:graphicFrameMk id="4" creationId="{2C24AB31-CFE6-05B1-A05C-CB4B8F5125D5}"/>
+          </ac:graphicFrameMkLst>
+        </pc:graphicFrameChg>
+      </pc:sldChg>
+      <pc:sldChg chg="addSp delSp modSp del mod">
+        <pc:chgData name="Tom Hoyland" userId="736d7a3e-93c7-4109-90c5-e67b8b3e41b2" providerId="ADAL" clId="{A4D346AA-F248-6444-93C1-EF2F2E65C714}" dt="2024-08-20T11:32:51.918" v="598" actId="2696"/>
+        <pc:sldMkLst>
+          <pc:docMk/>
+          <pc:sldMk cId="1551894915" sldId="261"/>
+        </pc:sldMkLst>
+        <pc:spChg chg="del">
+          <ac:chgData name="Tom Hoyland" userId="736d7a3e-93c7-4109-90c5-e67b8b3e41b2" providerId="ADAL" clId="{A4D346AA-F248-6444-93C1-EF2F2E65C714}" dt="2024-08-20T11:32:39.566" v="595" actId="478"/>
+          <ac:spMkLst>
+            <pc:docMk/>
+            <pc:sldMk cId="1551894915" sldId="261"/>
+            <ac:spMk id="2" creationId="{60114F5B-200D-5E80-5596-D97099667249}"/>
+          </ac:spMkLst>
+        </pc:spChg>
+        <pc:spChg chg="add mod">
+          <ac:chgData name="Tom Hoyland" userId="736d7a3e-93c7-4109-90c5-e67b8b3e41b2" providerId="ADAL" clId="{A4D346AA-F248-6444-93C1-EF2F2E65C714}" dt="2024-08-20T11:32:39.566" v="595" actId="478"/>
+          <ac:spMkLst>
+            <pc:docMk/>
+            <pc:sldMk cId="1551894915" sldId="261"/>
+            <ac:spMk id="4" creationId="{D965E8EF-04AD-6DBB-D01A-5F2B61C6026F}"/>
+          </ac:spMkLst>
+        </pc:spChg>
+        <pc:spChg chg="del">
+          <ac:chgData name="Tom Hoyland" userId="736d7a3e-93c7-4109-90c5-e67b8b3e41b2" providerId="ADAL" clId="{A4D346AA-F248-6444-93C1-EF2F2E65C714}" dt="2024-08-20T11:32:39.566" v="595" actId="478"/>
+          <ac:spMkLst>
+            <pc:docMk/>
+            <pc:sldMk cId="1551894915" sldId="261"/>
+            <ac:spMk id="8" creationId="{8CDDB97D-A02F-8254-5432-E930CF01E0FC}"/>
+          </ac:spMkLst>
+        </pc:spChg>
+        <pc:spChg chg="del">
+          <ac:chgData name="Tom Hoyland" userId="736d7a3e-93c7-4109-90c5-e67b8b3e41b2" providerId="ADAL" clId="{A4D346AA-F248-6444-93C1-EF2F2E65C714}" dt="2024-08-20T11:32:39.566" v="595" actId="478"/>
+          <ac:spMkLst>
+            <pc:docMk/>
+            <pc:sldMk cId="1551894915" sldId="261"/>
+            <ac:spMk id="10" creationId="{C258F823-7B51-957A-9C20-93136D988928}"/>
+          </ac:spMkLst>
+        </pc:spChg>
+        <pc:spChg chg="del">
+          <ac:chgData name="Tom Hoyland" userId="736d7a3e-93c7-4109-90c5-e67b8b3e41b2" providerId="ADAL" clId="{A4D346AA-F248-6444-93C1-EF2F2E65C714}" dt="2024-08-20T11:32:39.566" v="595" actId="478"/>
+          <ac:spMkLst>
+            <pc:docMk/>
+            <pc:sldMk cId="1551894915" sldId="261"/>
+            <ac:spMk id="11" creationId="{706FB268-040E-2102-1308-B242A93B903A}"/>
+          </ac:spMkLst>
+        </pc:spChg>
+        <pc:spChg chg="del">
+          <ac:chgData name="Tom Hoyland" userId="736d7a3e-93c7-4109-90c5-e67b8b3e41b2" providerId="ADAL" clId="{A4D346AA-F248-6444-93C1-EF2F2E65C714}" dt="2024-08-20T11:32:39.566" v="595" actId="478"/>
+          <ac:spMkLst>
+            <pc:docMk/>
+            <pc:sldMk cId="1551894915" sldId="261"/>
+            <ac:spMk id="13" creationId="{380E85BC-FF65-970E-3CDA-C005D8E7882F}"/>
+          </ac:spMkLst>
+        </pc:spChg>
+        <pc:spChg chg="del">
+          <ac:chgData name="Tom Hoyland" userId="736d7a3e-93c7-4109-90c5-e67b8b3e41b2" providerId="ADAL" clId="{A4D346AA-F248-6444-93C1-EF2F2E65C714}" dt="2024-08-20T11:32:39.566" v="595" actId="478"/>
+          <ac:spMkLst>
+            <pc:docMk/>
+            <pc:sldMk cId="1551894915" sldId="261"/>
+            <ac:spMk id="14" creationId="{042E4238-C41B-D73B-C28B-0B462803692E}"/>
+          </ac:spMkLst>
+        </pc:spChg>
+        <pc:spChg chg="del">
+          <ac:chgData name="Tom Hoyland" userId="736d7a3e-93c7-4109-90c5-e67b8b3e41b2" providerId="ADAL" clId="{A4D346AA-F248-6444-93C1-EF2F2E65C714}" dt="2024-08-20T11:32:39.566" v="595" actId="478"/>
+          <ac:spMkLst>
+            <pc:docMk/>
+            <pc:sldMk cId="1551894915" sldId="261"/>
+            <ac:spMk id="16" creationId="{24D6D5B8-560A-7C70-9E81-B8EFB579F08E}"/>
+          </ac:spMkLst>
+        </pc:spChg>
+        <pc:spChg chg="del">
+          <ac:chgData name="Tom Hoyland" userId="736d7a3e-93c7-4109-90c5-e67b8b3e41b2" providerId="ADAL" clId="{A4D346AA-F248-6444-93C1-EF2F2E65C714}" dt="2024-08-20T11:32:39.566" v="595" actId="478"/>
+          <ac:spMkLst>
+            <pc:docMk/>
+            <pc:sldMk cId="1551894915" sldId="261"/>
+            <ac:spMk id="18" creationId="{F93BD877-DC0E-E976-9DE4-BE888B19CF0F}"/>
+          </ac:spMkLst>
+        </pc:spChg>
+        <pc:spChg chg="del">
+          <ac:chgData name="Tom Hoyland" userId="736d7a3e-93c7-4109-90c5-e67b8b3e41b2" providerId="ADAL" clId="{A4D346AA-F248-6444-93C1-EF2F2E65C714}" dt="2024-08-20T11:32:39.566" v="595" actId="478"/>
+          <ac:spMkLst>
+            <pc:docMk/>
+            <pc:sldMk cId="1551894915" sldId="261"/>
+            <ac:spMk id="28" creationId="{5ACB057E-5EA7-0F53-3026-546099232574}"/>
+          </ac:spMkLst>
+        </pc:spChg>
+        <pc:spChg chg="del">
+          <ac:chgData name="Tom Hoyland" userId="736d7a3e-93c7-4109-90c5-e67b8b3e41b2" providerId="ADAL" clId="{A4D346AA-F248-6444-93C1-EF2F2E65C714}" dt="2024-08-20T11:32:39.566" v="595" actId="478"/>
+          <ac:spMkLst>
+            <pc:docMk/>
+            <pc:sldMk cId="1551894915" sldId="261"/>
+            <ac:spMk id="29" creationId="{73641E73-F1C1-EAD9-8C93-D55E7BD2CDF8}"/>
+          </ac:spMkLst>
+        </pc:spChg>
+        <pc:spChg chg="del">
+          <ac:chgData name="Tom Hoyland" userId="736d7a3e-93c7-4109-90c5-e67b8b3e41b2" providerId="ADAL" clId="{A4D346AA-F248-6444-93C1-EF2F2E65C714}" dt="2024-08-20T11:32:39.566" v="595" actId="478"/>
+          <ac:spMkLst>
+            <pc:docMk/>
+            <pc:sldMk cId="1551894915" sldId="261"/>
+            <ac:spMk id="30" creationId="{0E4E77C7-934A-84F8-113F-232F677D364F}"/>
+          </ac:spMkLst>
+        </pc:spChg>
+        <pc:spChg chg="del">
+          <ac:chgData name="Tom Hoyland" userId="736d7a3e-93c7-4109-90c5-e67b8b3e41b2" providerId="ADAL" clId="{A4D346AA-F248-6444-93C1-EF2F2E65C714}" dt="2024-08-20T11:32:39.566" v="595" actId="478"/>
+          <ac:spMkLst>
+            <pc:docMk/>
+            <pc:sldMk cId="1551894915" sldId="261"/>
+            <ac:spMk id="31" creationId="{18DF7356-8B91-65DC-8FE8-32BFE8F1A09C}"/>
+          </ac:spMkLst>
+        </pc:spChg>
+        <pc:spChg chg="del">
+          <ac:chgData name="Tom Hoyland" userId="736d7a3e-93c7-4109-90c5-e67b8b3e41b2" providerId="ADAL" clId="{A4D346AA-F248-6444-93C1-EF2F2E65C714}" dt="2024-08-20T11:32:39.566" v="595" actId="478"/>
+          <ac:spMkLst>
+            <pc:docMk/>
+            <pc:sldMk cId="1551894915" sldId="261"/>
+            <ac:spMk id="32" creationId="{CE0A2A4C-DC20-3B09-E6C1-86C7406F3E22}"/>
+          </ac:spMkLst>
+        </pc:spChg>
+        <pc:spChg chg="del">
+          <ac:chgData name="Tom Hoyland" userId="736d7a3e-93c7-4109-90c5-e67b8b3e41b2" providerId="ADAL" clId="{A4D346AA-F248-6444-93C1-EF2F2E65C714}" dt="2024-08-20T11:32:39.566" v="595" actId="478"/>
+          <ac:spMkLst>
+            <pc:docMk/>
+            <pc:sldMk cId="1551894915" sldId="261"/>
+            <ac:spMk id="33" creationId="{B0CF220A-8F25-72EA-707D-3F51885CA3B4}"/>
+          </ac:spMkLst>
+        </pc:spChg>
+        <pc:spChg chg="del">
+          <ac:chgData name="Tom Hoyland" userId="736d7a3e-93c7-4109-90c5-e67b8b3e41b2" providerId="ADAL" clId="{A4D346AA-F248-6444-93C1-EF2F2E65C714}" dt="2024-08-20T11:32:39.566" v="595" actId="478"/>
+          <ac:spMkLst>
+            <pc:docMk/>
+            <pc:sldMk cId="1551894915" sldId="261"/>
+            <ac:spMk id="34" creationId="{FD091573-20FC-A6D7-6867-DCE7669E0934}"/>
+          </ac:spMkLst>
+        </pc:spChg>
+        <pc:spChg chg="del">
+          <ac:chgData name="Tom Hoyland" userId="736d7a3e-93c7-4109-90c5-e67b8b3e41b2" providerId="ADAL" clId="{A4D346AA-F248-6444-93C1-EF2F2E65C714}" dt="2024-08-20T11:32:39.566" v="595" actId="478"/>
+          <ac:spMkLst>
+            <pc:docMk/>
+            <pc:sldMk cId="1551894915" sldId="261"/>
+            <ac:spMk id="35" creationId="{14C3540D-164D-0502-B9B3-99DA425B4CAA}"/>
+          </ac:spMkLst>
+        </pc:spChg>
+        <pc:spChg chg="del">
+          <ac:chgData name="Tom Hoyland" userId="736d7a3e-93c7-4109-90c5-e67b8b3e41b2" providerId="ADAL" clId="{A4D346AA-F248-6444-93C1-EF2F2E65C714}" dt="2024-08-20T11:32:39.566" v="595" actId="478"/>
+          <ac:spMkLst>
+            <pc:docMk/>
+            <pc:sldMk cId="1551894915" sldId="261"/>
+            <ac:spMk id="36" creationId="{E590E56E-C5E5-6786-556B-9FF43F6C6253}"/>
+          </ac:spMkLst>
+        </pc:spChg>
+        <pc:picChg chg="del">
+          <ac:chgData name="Tom Hoyland" userId="736d7a3e-93c7-4109-90c5-e67b8b3e41b2" providerId="ADAL" clId="{A4D346AA-F248-6444-93C1-EF2F2E65C714}" dt="2024-08-20T11:32:39.566" v="595" actId="478"/>
+          <ac:picMkLst>
+            <pc:docMk/>
+            <pc:sldMk cId="1551894915" sldId="261"/>
+            <ac:picMk id="5" creationId="{62116002-A9FA-E0AB-8E6A-8CEE2DB576CB}"/>
+          </ac:picMkLst>
+        </pc:picChg>
+        <pc:picChg chg="del">
+          <ac:chgData name="Tom Hoyland" userId="736d7a3e-93c7-4109-90c5-e67b8b3e41b2" providerId="ADAL" clId="{A4D346AA-F248-6444-93C1-EF2F2E65C714}" dt="2024-08-20T11:32:39.566" v="595" actId="478"/>
+          <ac:picMkLst>
+            <pc:docMk/>
+            <pc:sldMk cId="1551894915" sldId="261"/>
+            <ac:picMk id="6" creationId="{06F97ED0-2646-B792-8B99-24400765AE9E}"/>
+          </ac:picMkLst>
+        </pc:picChg>
+        <pc:picChg chg="del">
+          <ac:chgData name="Tom Hoyland" userId="736d7a3e-93c7-4109-90c5-e67b8b3e41b2" providerId="ADAL" clId="{A4D346AA-F248-6444-93C1-EF2F2E65C714}" dt="2024-08-20T11:32:39.566" v="595" actId="478"/>
+          <ac:picMkLst>
+            <pc:docMk/>
+            <pc:sldMk cId="1551894915" sldId="261"/>
+            <ac:picMk id="7" creationId="{D006BE89-01FB-EFD8-A0B0-468CE5796739}"/>
+          </ac:picMkLst>
+        </pc:picChg>
+        <pc:picChg chg="del">
+          <ac:chgData name="Tom Hoyland" userId="736d7a3e-93c7-4109-90c5-e67b8b3e41b2" providerId="ADAL" clId="{A4D346AA-F248-6444-93C1-EF2F2E65C714}" dt="2024-08-20T11:32:39.566" v="595" actId="478"/>
+          <ac:picMkLst>
+            <pc:docMk/>
+            <pc:sldMk cId="1551894915" sldId="261"/>
+            <ac:picMk id="9" creationId="{08B66EBF-2D1E-6E8B-FCBD-479EDE455568}"/>
+          </ac:picMkLst>
+        </pc:picChg>
+        <pc:picChg chg="del">
+          <ac:chgData name="Tom Hoyland" userId="736d7a3e-93c7-4109-90c5-e67b8b3e41b2" providerId="ADAL" clId="{A4D346AA-F248-6444-93C1-EF2F2E65C714}" dt="2024-08-20T11:32:39.566" v="595" actId="478"/>
+          <ac:picMkLst>
+            <pc:docMk/>
+            <pc:sldMk cId="1551894915" sldId="261"/>
+            <ac:picMk id="12" creationId="{0AF8A365-1CA9-E91D-685E-C97FBF85A01F}"/>
+          </ac:picMkLst>
+        </pc:picChg>
+        <pc:picChg chg="del">
+          <ac:chgData name="Tom Hoyland" userId="736d7a3e-93c7-4109-90c5-e67b8b3e41b2" providerId="ADAL" clId="{A4D346AA-F248-6444-93C1-EF2F2E65C714}" dt="2024-08-20T11:32:39.566" v="595" actId="478"/>
+          <ac:picMkLst>
+            <pc:docMk/>
+            <pc:sldMk cId="1551894915" sldId="261"/>
+            <ac:picMk id="15" creationId="{C1E2E61F-6957-C476-802C-DAA4E8E3D8FC}"/>
+          </ac:picMkLst>
+        </pc:picChg>
+        <pc:picChg chg="del">
+          <ac:chgData name="Tom Hoyland" userId="736d7a3e-93c7-4109-90c5-e67b8b3e41b2" providerId="ADAL" clId="{A4D346AA-F248-6444-93C1-EF2F2E65C714}" dt="2024-08-20T11:32:39.566" v="595" actId="478"/>
+          <ac:picMkLst>
+            <pc:docMk/>
+            <pc:sldMk cId="1551894915" sldId="261"/>
+            <ac:picMk id="17" creationId="{0F35D7D0-03F8-0064-B5AC-20BCCD3C6C55}"/>
+          </ac:picMkLst>
+        </pc:picChg>
+        <pc:picChg chg="del">
+          <ac:chgData name="Tom Hoyland" userId="736d7a3e-93c7-4109-90c5-e67b8b3e41b2" providerId="ADAL" clId="{A4D346AA-F248-6444-93C1-EF2F2E65C714}" dt="2024-08-20T11:32:39.566" v="595" actId="478"/>
+          <ac:picMkLst>
+            <pc:docMk/>
+            <pc:sldMk cId="1551894915" sldId="261"/>
+            <ac:picMk id="21" creationId="{75F00680-C90D-0C50-BAEB-68DD9870452B}"/>
+          </ac:picMkLst>
+        </pc:picChg>
+      </pc:sldChg>
+      <pc:sldChg chg="addSp delSp modSp add mod ord">
+        <pc:chgData name="Tom Hoyland" userId="736d7a3e-93c7-4109-90c5-e67b8b3e41b2" providerId="ADAL" clId="{A4D346AA-F248-6444-93C1-EF2F2E65C714}" dt="2024-08-20T11:32:33.746" v="594" actId="20577"/>
+        <pc:sldMkLst>
+          <pc:docMk/>
+          <pc:sldMk cId="2712193479" sldId="271"/>
+        </pc:sldMkLst>
+        <pc:spChg chg="del">
+          <ac:chgData name="Tom Hoyland" userId="736d7a3e-93c7-4109-90c5-e67b8b3e41b2" providerId="ADAL" clId="{A4D346AA-F248-6444-93C1-EF2F2E65C714}" dt="2024-08-13T07:33:26.326" v="156" actId="478"/>
+          <ac:spMkLst>
+            <pc:docMk/>
+            <pc:sldMk cId="2712193479" sldId="271"/>
+            <ac:spMk id="2" creationId="{60114F5B-200D-5E80-5596-D97099667249}"/>
+          </ac:spMkLst>
+        </pc:spChg>
+        <pc:spChg chg="add mod">
+          <ac:chgData name="Tom Hoyland" userId="736d7a3e-93c7-4109-90c5-e67b8b3e41b2" providerId="ADAL" clId="{A4D346AA-F248-6444-93C1-EF2F2E65C714}" dt="2024-08-13T07:40:02.434" v="517" actId="1076"/>
+          <ac:spMkLst>
+            <pc:docMk/>
+            <pc:sldMk cId="2712193479" sldId="271"/>
+            <ac:spMk id="3" creationId="{43F9F6AE-A5AC-2E03-0D6A-B04BA76B49BC}"/>
+          </ac:spMkLst>
+        </pc:spChg>
+        <pc:spChg chg="add mod">
+          <ac:chgData name="Tom Hoyland" userId="736d7a3e-93c7-4109-90c5-e67b8b3e41b2" providerId="ADAL" clId="{A4D346AA-F248-6444-93C1-EF2F2E65C714}" dt="2024-08-13T07:40:02.434" v="517" actId="1076"/>
+          <ac:spMkLst>
+            <pc:docMk/>
+            <pc:sldMk cId="2712193479" sldId="271"/>
+            <ac:spMk id="4" creationId="{E151A129-60CE-5725-DCEC-DF20AB33301A}"/>
+          </ac:spMkLst>
+        </pc:spChg>
+        <pc:spChg chg="mod">
+          <ac:chgData name="Tom Hoyland" userId="736d7a3e-93c7-4109-90c5-e67b8b3e41b2" providerId="ADAL" clId="{A4D346AA-F248-6444-93C1-EF2F2E65C714}" dt="2024-08-20T11:32:22.457" v="585" actId="20577"/>
+          <ac:spMkLst>
+            <pc:docMk/>
+            <pc:sldMk cId="2712193479" sldId="271"/>
+            <ac:spMk id="8" creationId="{8CDDB97D-A02F-8254-5432-E930CF01E0FC}"/>
+          </ac:spMkLst>
+        </pc:spChg>
+        <pc:spChg chg="mod">
+          <ac:chgData name="Tom Hoyland" userId="736d7a3e-93c7-4109-90c5-e67b8b3e41b2" providerId="ADAL" clId="{A4D346AA-F248-6444-93C1-EF2F2E65C714}" dt="2024-08-20T11:32:20.806" v="584" actId="20577"/>
+          <ac:spMkLst>
+            <pc:docMk/>
+            <pc:sldMk cId="2712193479" sldId="271"/>
+            <ac:spMk id="10" creationId="{C258F823-7B51-957A-9C20-93136D988928}"/>
+          </ac:spMkLst>
+        </pc:spChg>
+        <pc:spChg chg="mod">
+          <ac:chgData name="Tom Hoyland" userId="736d7a3e-93c7-4109-90c5-e67b8b3e41b2" providerId="ADAL" clId="{A4D346AA-F248-6444-93C1-EF2F2E65C714}" dt="2024-08-20T11:32:25.812" v="587" actId="20577"/>
+          <ac:spMkLst>
+            <pc:docMk/>
+            <pc:sldMk cId="2712193479" sldId="271"/>
+            <ac:spMk id="11" creationId="{706FB268-040E-2102-1308-B242A93B903A}"/>
+          </ac:spMkLst>
+        </pc:spChg>
+        <pc:spChg chg="mod">
+          <ac:chgData name="Tom Hoyland" userId="736d7a3e-93c7-4109-90c5-e67b8b3e41b2" providerId="ADAL" clId="{A4D346AA-F248-6444-93C1-EF2F2E65C714}" dt="2024-08-20T11:32:29.695" v="592" actId="20577"/>
+          <ac:spMkLst>
+            <pc:docMk/>
+            <pc:sldMk cId="2712193479" sldId="271"/>
+            <ac:spMk id="13" creationId="{380E85BC-FF65-970E-3CDA-C005D8E7882F}"/>
+          </ac:spMkLst>
+        </pc:spChg>
+        <pc:spChg chg="mod">
+          <ac:chgData name="Tom Hoyland" userId="736d7a3e-93c7-4109-90c5-e67b8b3e41b2" providerId="ADAL" clId="{A4D346AA-F248-6444-93C1-EF2F2E65C714}" dt="2024-08-20T11:32:32.158" v="593" actId="20577"/>
+          <ac:spMkLst>
+            <pc:docMk/>
+            <pc:sldMk cId="2712193479" sldId="271"/>
+            <ac:spMk id="14" creationId="{042E4238-C41B-D73B-C28B-0B462803692E}"/>
+          </ac:spMkLst>
+        </pc:spChg>
+        <pc:spChg chg="mod">
+          <ac:chgData name="Tom Hoyland" userId="736d7a3e-93c7-4109-90c5-e67b8b3e41b2" providerId="ADAL" clId="{A4D346AA-F248-6444-93C1-EF2F2E65C714}" dt="2024-08-20T11:32:24.083" v="586" actId="20577"/>
+          <ac:spMkLst>
+            <pc:docMk/>
+            <pc:sldMk cId="2712193479" sldId="271"/>
+            <ac:spMk id="16" creationId="{24D6D5B8-560A-7C70-9E81-B8EFB579F08E}"/>
+          </ac:spMkLst>
+        </pc:spChg>
+        <pc:spChg chg="mod">
+          <ac:chgData name="Tom Hoyland" userId="736d7a3e-93c7-4109-90c5-e67b8b3e41b2" providerId="ADAL" clId="{A4D346AA-F248-6444-93C1-EF2F2E65C714}" dt="2024-08-20T11:32:19.042" v="583" actId="20577"/>
+          <ac:spMkLst>
+            <pc:docMk/>
+            <pc:sldMk cId="2712193479" sldId="271"/>
+            <ac:spMk id="18" creationId="{F93BD877-DC0E-E976-9DE4-BE888B19CF0F}"/>
+          </ac:spMkLst>
+        </pc:spChg>
+        <pc:spChg chg="add mod">
+          <ac:chgData name="Tom Hoyland" userId="736d7a3e-93c7-4109-90c5-e67b8b3e41b2" providerId="ADAL" clId="{A4D346AA-F248-6444-93C1-EF2F2E65C714}" dt="2024-08-13T07:40:02.434" v="517" actId="1076"/>
+          <ac:spMkLst>
+            <pc:docMk/>
+            <pc:sldMk cId="2712193479" sldId="271"/>
+            <ac:spMk id="19" creationId="{9BC32168-0734-E7F4-DDAC-4419BE1ED0AC}"/>
+          </ac:spMkLst>
+        </pc:spChg>
+        <pc:spChg chg="add mod">
+          <ac:chgData name="Tom Hoyland" userId="736d7a3e-93c7-4109-90c5-e67b8b3e41b2" providerId="ADAL" clId="{A4D346AA-F248-6444-93C1-EF2F2E65C714}" dt="2024-08-13T07:40:02.434" v="517" actId="1076"/>
+          <ac:spMkLst>
+            <pc:docMk/>
+            <pc:sldMk cId="2712193479" sldId="271"/>
+            <ac:spMk id="20" creationId="{69D48872-11CB-3A33-9C96-131727D0AB45}"/>
+          </ac:spMkLst>
+        </pc:spChg>
+        <pc:spChg chg="add del mod">
+          <ac:chgData name="Tom Hoyland" userId="736d7a3e-93c7-4109-90c5-e67b8b3e41b2" providerId="ADAL" clId="{A4D346AA-F248-6444-93C1-EF2F2E65C714}" dt="2024-08-13T07:33:28.075" v="157" actId="478"/>
+          <ac:spMkLst>
+            <pc:docMk/>
+            <pc:sldMk cId="2712193479" sldId="271"/>
+            <ac:spMk id="23" creationId="{97374FD9-56B1-BD38-01AD-42A8332B8E26}"/>
+          </ac:spMkLst>
+        </pc:spChg>
+        <pc:spChg chg="add mod">
+          <ac:chgData name="Tom Hoyland" userId="736d7a3e-93c7-4109-90c5-e67b8b3e41b2" providerId="ADAL" clId="{A4D346AA-F248-6444-93C1-EF2F2E65C714}" dt="2024-08-13T07:40:02.434" v="517" actId="1076"/>
+          <ac:spMkLst>
+            <pc:docMk/>
+            <pc:sldMk cId="2712193479" sldId="271"/>
+            <ac:spMk id="24" creationId="{16C484F4-FF4B-D129-FAEA-02E2EC8CFE4D}"/>
+          </ac:spMkLst>
+        </pc:spChg>
+        <pc:spChg chg="add mod">
+          <ac:chgData name="Tom Hoyland" userId="736d7a3e-93c7-4109-90c5-e67b8b3e41b2" providerId="ADAL" clId="{A4D346AA-F248-6444-93C1-EF2F2E65C714}" dt="2024-08-13T07:40:02.434" v="517" actId="1076"/>
+          <ac:spMkLst>
+            <pc:docMk/>
+            <pc:sldMk cId="2712193479" sldId="271"/>
+            <ac:spMk id="25" creationId="{5772F33A-FAA4-6619-FC37-5A0C0D431A17}"/>
+          </ac:spMkLst>
+        </pc:spChg>
+        <pc:spChg chg="add mod">
+          <ac:chgData name="Tom Hoyland" userId="736d7a3e-93c7-4109-90c5-e67b8b3e41b2" providerId="ADAL" clId="{A4D346AA-F248-6444-93C1-EF2F2E65C714}" dt="2024-08-13T07:40:02.434" v="517" actId="1076"/>
+          <ac:spMkLst>
+            <pc:docMk/>
+            <pc:sldMk cId="2712193479" sldId="271"/>
+            <ac:spMk id="26" creationId="{8DB1EDB7-0892-A3F2-FB78-D990F034BD8D}"/>
+          </ac:spMkLst>
+        </pc:spChg>
+        <pc:spChg chg="add mod">
+          <ac:chgData name="Tom Hoyland" userId="736d7a3e-93c7-4109-90c5-e67b8b3e41b2" providerId="ADAL" clId="{A4D346AA-F248-6444-93C1-EF2F2E65C714}" dt="2024-08-13T07:40:02.434" v="517" actId="1076"/>
+          <ac:spMkLst>
+            <pc:docMk/>
+            <pc:sldMk cId="2712193479" sldId="271"/>
+            <ac:spMk id="27" creationId="{A82AA132-2F6D-308A-92C4-44C23B119428}"/>
+          </ac:spMkLst>
+        </pc:spChg>
+        <pc:spChg chg="mod">
+          <ac:chgData name="Tom Hoyland" userId="736d7a3e-93c7-4109-90c5-e67b8b3e41b2" providerId="ADAL" clId="{A4D346AA-F248-6444-93C1-EF2F2E65C714}" dt="2024-08-20T11:32:33.746" v="594" actId="20577"/>
+          <ac:spMkLst>
+            <pc:docMk/>
+            <pc:sldMk cId="2712193479" sldId="271"/>
+            <ac:spMk id="28" creationId="{5ACB057E-5EA7-0F53-3026-546099232574}"/>
+          </ac:spMkLst>
+        </pc:spChg>
+        <pc:spChg chg="mod">
+          <ac:chgData name="Tom Hoyland" userId="736d7a3e-93c7-4109-90c5-e67b8b3e41b2" providerId="ADAL" clId="{A4D346AA-F248-6444-93C1-EF2F2E65C714}" dt="2024-08-13T07:40:02.434" v="517" actId="1076"/>
+          <ac:spMkLst>
+            <pc:docMk/>
+            <pc:sldMk cId="2712193479" sldId="271"/>
+            <ac:spMk id="29" creationId="{73641E73-F1C1-EAD9-8C93-D55E7BD2CDF8}"/>
+          </ac:spMkLst>
+        </pc:spChg>
+        <pc:spChg chg="mod">
+          <ac:chgData name="Tom Hoyland" userId="736d7a3e-93c7-4109-90c5-e67b8b3e41b2" providerId="ADAL" clId="{A4D346AA-F248-6444-93C1-EF2F2E65C714}" dt="2024-08-13T07:40:02.434" v="517" actId="1076"/>
+          <ac:spMkLst>
+            <pc:docMk/>
+            <pc:sldMk cId="2712193479" sldId="271"/>
+            <ac:spMk id="30" creationId="{0E4E77C7-934A-84F8-113F-232F677D364F}"/>
+          </ac:spMkLst>
+        </pc:spChg>
+        <pc:spChg chg="mod">
+          <ac:chgData name="Tom Hoyland" userId="736d7a3e-93c7-4109-90c5-e67b8b3e41b2" providerId="ADAL" clId="{A4D346AA-F248-6444-93C1-EF2F2E65C714}" dt="2024-08-13T07:40:02.434" v="517" actId="1076"/>
+          <ac:spMkLst>
+            <pc:docMk/>
+            <pc:sldMk cId="2712193479" sldId="271"/>
+            <ac:spMk id="31" creationId="{18DF7356-8B91-65DC-8FE8-32BFE8F1A09C}"/>
+          </ac:spMkLst>
+        </pc:spChg>
+        <pc:spChg chg="mod">
+          <ac:chgData name="Tom Hoyland" userId="736d7a3e-93c7-4109-90c5-e67b8b3e41b2" providerId="ADAL" clId="{A4D346AA-F248-6444-93C1-EF2F2E65C714}" dt="2024-08-13T07:40:02.434" v="517" actId="1076"/>
+          <ac:spMkLst>
+            <pc:docMk/>
+            <pc:sldMk cId="2712193479" sldId="271"/>
+            <ac:spMk id="32" creationId="{CE0A2A4C-DC20-3B09-E6C1-86C7406F3E22}"/>
+          </ac:spMkLst>
+        </pc:spChg>
+        <pc:spChg chg="mod">
+          <ac:chgData name="Tom Hoyland" userId="736d7a3e-93c7-4109-90c5-e67b8b3e41b2" providerId="ADAL" clId="{A4D346AA-F248-6444-93C1-EF2F2E65C714}" dt="2024-08-13T07:40:02.434" v="517" actId="1076"/>
+          <ac:spMkLst>
+            <pc:docMk/>
+            <pc:sldMk cId="2712193479" sldId="271"/>
+            <ac:spMk id="33" creationId="{B0CF220A-8F25-72EA-707D-3F51885CA3B4}"/>
+          </ac:spMkLst>
+        </pc:spChg>
+        <pc:spChg chg="mod">
+          <ac:chgData name="Tom Hoyland" userId="736d7a3e-93c7-4109-90c5-e67b8b3e41b2" providerId="ADAL" clId="{A4D346AA-F248-6444-93C1-EF2F2E65C714}" dt="2024-08-13T07:40:02.434" v="517" actId="1076"/>
+          <ac:spMkLst>
+            <pc:docMk/>
+            <pc:sldMk cId="2712193479" sldId="271"/>
+            <ac:spMk id="34" creationId="{FD091573-20FC-A6D7-6867-DCE7669E0934}"/>
+          </ac:spMkLst>
+        </pc:spChg>
+        <pc:spChg chg="mod">
+          <ac:chgData name="Tom Hoyland" userId="736d7a3e-93c7-4109-90c5-e67b8b3e41b2" providerId="ADAL" clId="{A4D346AA-F248-6444-93C1-EF2F2E65C714}" dt="2024-08-13T07:40:02.434" v="517" actId="1076"/>
+          <ac:spMkLst>
+            <pc:docMk/>
+            <pc:sldMk cId="2712193479" sldId="271"/>
+            <ac:spMk id="35" creationId="{14C3540D-164D-0502-B9B3-99DA425B4CAA}"/>
+          </ac:spMkLst>
+        </pc:spChg>
+        <pc:spChg chg="mod">
+          <ac:chgData name="Tom Hoyland" userId="736d7a3e-93c7-4109-90c5-e67b8b3e41b2" providerId="ADAL" clId="{A4D346AA-F248-6444-93C1-EF2F2E65C714}" dt="2024-08-13T07:40:02.434" v="517" actId="1076"/>
+          <ac:spMkLst>
+            <pc:docMk/>
+            <pc:sldMk cId="2712193479" sldId="271"/>
+            <ac:spMk id="36" creationId="{E590E56E-C5E5-6786-556B-9FF43F6C6253}"/>
+          </ac:spMkLst>
+        </pc:spChg>
+        <pc:picChg chg="mod">
+          <ac:chgData name="Tom Hoyland" userId="736d7a3e-93c7-4109-90c5-e67b8b3e41b2" providerId="ADAL" clId="{A4D346AA-F248-6444-93C1-EF2F2E65C714}" dt="2024-08-13T07:40:02.434" v="517" actId="1076"/>
+          <ac:picMkLst>
+            <pc:docMk/>
+            <pc:sldMk cId="2712193479" sldId="271"/>
+            <ac:picMk id="5" creationId="{62116002-A9FA-E0AB-8E6A-8CEE2DB576CB}"/>
+          </ac:picMkLst>
+        </pc:picChg>
+        <pc:picChg chg="mod">
+          <ac:chgData name="Tom Hoyland" userId="736d7a3e-93c7-4109-90c5-e67b8b3e41b2" providerId="ADAL" clId="{A4D346AA-F248-6444-93C1-EF2F2E65C714}" dt="2024-08-13T07:40:02.434" v="517" actId="1076"/>
+          <ac:picMkLst>
+            <pc:docMk/>
+            <pc:sldMk cId="2712193479" sldId="271"/>
+            <ac:picMk id="6" creationId="{06F97ED0-2646-B792-8B99-24400765AE9E}"/>
+          </ac:picMkLst>
+        </pc:picChg>
+        <pc:picChg chg="mod">
+          <ac:chgData name="Tom Hoyland" userId="736d7a3e-93c7-4109-90c5-e67b8b3e41b2" providerId="ADAL" clId="{A4D346AA-F248-6444-93C1-EF2F2E65C714}" dt="2024-08-13T07:40:02.434" v="517" actId="1076"/>
+          <ac:picMkLst>
+            <pc:docMk/>
+            <pc:sldMk cId="2712193479" sldId="271"/>
+            <ac:picMk id="7" creationId="{D006BE89-01FB-EFD8-A0B0-468CE5796739}"/>
+          </ac:picMkLst>
+        </pc:picChg>
+        <pc:picChg chg="mod">
+          <ac:chgData name="Tom Hoyland" userId="736d7a3e-93c7-4109-90c5-e67b8b3e41b2" providerId="ADAL" clId="{A4D346AA-F248-6444-93C1-EF2F2E65C714}" dt="2024-08-13T07:40:02.434" v="517" actId="1076"/>
+          <ac:picMkLst>
+            <pc:docMk/>
+            <pc:sldMk cId="2712193479" sldId="271"/>
+            <ac:picMk id="9" creationId="{08B66EBF-2D1E-6E8B-FCBD-479EDE455568}"/>
+          </ac:picMkLst>
+        </pc:picChg>
+        <pc:picChg chg="mod">
+          <ac:chgData name="Tom Hoyland" userId="736d7a3e-93c7-4109-90c5-e67b8b3e41b2" providerId="ADAL" clId="{A4D346AA-F248-6444-93C1-EF2F2E65C714}" dt="2024-08-13T07:40:02.434" v="517" actId="1076"/>
+          <ac:picMkLst>
+            <pc:docMk/>
+            <pc:sldMk cId="2712193479" sldId="271"/>
+            <ac:picMk id="12" creationId="{0AF8A365-1CA9-E91D-685E-C97FBF85A01F}"/>
+          </ac:picMkLst>
+        </pc:picChg>
+        <pc:picChg chg="mod">
+          <ac:chgData name="Tom Hoyland" userId="736d7a3e-93c7-4109-90c5-e67b8b3e41b2" providerId="ADAL" clId="{A4D346AA-F248-6444-93C1-EF2F2E65C714}" dt="2024-08-13T07:40:02.434" v="517" actId="1076"/>
+          <ac:picMkLst>
+            <pc:docMk/>
+            <pc:sldMk cId="2712193479" sldId="271"/>
+            <ac:picMk id="15" creationId="{C1E2E61F-6957-C476-802C-DAA4E8E3D8FC}"/>
+          </ac:picMkLst>
+        </pc:picChg>
+        <pc:picChg chg="mod">
+          <ac:chgData name="Tom Hoyland" userId="736d7a3e-93c7-4109-90c5-e67b8b3e41b2" providerId="ADAL" clId="{A4D346AA-F248-6444-93C1-EF2F2E65C714}" dt="2024-08-13T07:40:02.434" v="517" actId="1076"/>
+          <ac:picMkLst>
+            <pc:docMk/>
+            <pc:sldMk cId="2712193479" sldId="271"/>
+            <ac:picMk id="17" creationId="{0F35D7D0-03F8-0064-B5AC-20BCCD3C6C55}"/>
+          </ac:picMkLst>
+        </pc:picChg>
+        <pc:picChg chg="mod">
+          <ac:chgData name="Tom Hoyland" userId="736d7a3e-93c7-4109-90c5-e67b8b3e41b2" providerId="ADAL" clId="{A4D346AA-F248-6444-93C1-EF2F2E65C714}" dt="2024-08-13T07:40:02.434" v="517" actId="1076"/>
+          <ac:picMkLst>
+            <pc:docMk/>
+            <pc:sldMk cId="2712193479" sldId="271"/>
+            <ac:picMk id="21" creationId="{75F00680-C90D-0C50-BAEB-68DD9870452B}"/>
+          </ac:picMkLst>
+        </pc:picChg>
+      </pc:sldChg>
+      <pc:sldChg chg="addSp modSp add mod ord">
+        <pc:chgData name="Tom Hoyland" userId="736d7a3e-93c7-4109-90c5-e67b8b3e41b2" providerId="ADAL" clId="{A4D346AA-F248-6444-93C1-EF2F2E65C714}" dt="2024-08-20T11:33:24.572" v="664" actId="404"/>
+        <pc:sldMkLst>
+          <pc:docMk/>
+          <pc:sldMk cId="248048730" sldId="272"/>
+        </pc:sldMkLst>
+        <pc:spChg chg="add mod">
+          <ac:chgData name="Tom Hoyland" userId="736d7a3e-93c7-4109-90c5-e67b8b3e41b2" providerId="ADAL" clId="{A4D346AA-F248-6444-93C1-EF2F2E65C714}" dt="2024-08-20T11:33:24.572" v="664" actId="404"/>
+          <ac:spMkLst>
+            <pc:docMk/>
+            <pc:sldMk cId="248048730" sldId="272"/>
+            <ac:spMk id="2" creationId="{DE49AD4B-7FB7-DB4B-1892-2174BDB55FDC}"/>
+          </ac:spMkLst>
+        </pc:spChg>
+        <pc:spChg chg="mod">
+          <ac:chgData name="Tom Hoyland" userId="736d7a3e-93c7-4109-90c5-e67b8b3e41b2" providerId="ADAL" clId="{A4D346AA-F248-6444-93C1-EF2F2E65C714}" dt="2024-08-20T11:33:03.837" v="628" actId="1036"/>
+          <ac:spMkLst>
+            <pc:docMk/>
+            <pc:sldMk cId="248048730" sldId="272"/>
+            <ac:spMk id="3" creationId="{213F28A4-07ED-C70E-C1A5-0B32C5A7DD8D}"/>
+          </ac:spMkLst>
+        </pc:spChg>
+        <pc:spChg chg="mod">
+          <ac:chgData name="Tom Hoyland" userId="736d7a3e-93c7-4109-90c5-e67b8b3e41b2" providerId="ADAL" clId="{A4D346AA-F248-6444-93C1-EF2F2E65C714}" dt="2024-08-20T11:33:03.837" v="628" actId="1036"/>
+          <ac:spMkLst>
+            <pc:docMk/>
+            <pc:sldMk cId="248048730" sldId="272"/>
+            <ac:spMk id="4" creationId="{DD555481-A9B5-D5E1-1F1B-EF8ED78D5CD8}"/>
+          </ac:spMkLst>
+        </pc:spChg>
+        <pc:spChg chg="mod">
+          <ac:chgData name="Tom Hoyland" userId="736d7a3e-93c7-4109-90c5-e67b8b3e41b2" providerId="ADAL" clId="{A4D346AA-F248-6444-93C1-EF2F2E65C714}" dt="2024-08-20T11:33:03.837" v="628" actId="1036"/>
+          <ac:spMkLst>
+            <pc:docMk/>
+            <pc:sldMk cId="248048730" sldId="272"/>
+            <ac:spMk id="8" creationId="{AEAF102F-143D-76EF-DF6D-8B165519A4A4}"/>
+          </ac:spMkLst>
+        </pc:spChg>
+        <pc:spChg chg="mod">
+          <ac:chgData name="Tom Hoyland" userId="736d7a3e-93c7-4109-90c5-e67b8b3e41b2" providerId="ADAL" clId="{A4D346AA-F248-6444-93C1-EF2F2E65C714}" dt="2024-08-20T11:33:03.837" v="628" actId="1036"/>
+          <ac:spMkLst>
+            <pc:docMk/>
+            <pc:sldMk cId="248048730" sldId="272"/>
+            <ac:spMk id="10" creationId="{4AFC90E1-B3DD-B446-A88F-D3102C4BE49F}"/>
+          </ac:spMkLst>
+        </pc:spChg>
+        <pc:spChg chg="mod">
+          <ac:chgData name="Tom Hoyland" userId="736d7a3e-93c7-4109-90c5-e67b8b3e41b2" providerId="ADAL" clId="{A4D346AA-F248-6444-93C1-EF2F2E65C714}" dt="2024-08-20T11:33:03.837" v="628" actId="1036"/>
+          <ac:spMkLst>
+            <pc:docMk/>
+            <pc:sldMk cId="248048730" sldId="272"/>
+            <ac:spMk id="11" creationId="{06C0DA98-AF63-8C25-12CC-42A79D849F04}"/>
+          </ac:spMkLst>
+        </pc:spChg>
+        <pc:spChg chg="mod">
+          <ac:chgData name="Tom Hoyland" userId="736d7a3e-93c7-4109-90c5-e67b8b3e41b2" providerId="ADAL" clId="{A4D346AA-F248-6444-93C1-EF2F2E65C714}" dt="2024-08-20T11:33:03.837" v="628" actId="1036"/>
+          <ac:spMkLst>
+            <pc:docMk/>
+            <pc:sldMk cId="248048730" sldId="272"/>
+            <ac:spMk id="13" creationId="{6D7F7EC6-1E57-62EB-8CD1-03BE4F5ADDED}"/>
+          </ac:spMkLst>
+        </pc:spChg>
+        <pc:spChg chg="mod">
+          <ac:chgData name="Tom Hoyland" userId="736d7a3e-93c7-4109-90c5-e67b8b3e41b2" providerId="ADAL" clId="{A4D346AA-F248-6444-93C1-EF2F2E65C714}" dt="2024-08-20T11:33:03.837" v="628" actId="1036"/>
+          <ac:spMkLst>
+            <pc:docMk/>
+            <pc:sldMk cId="248048730" sldId="272"/>
+            <ac:spMk id="14" creationId="{C264D8AC-B086-B921-85C6-5AF1DD6AD8DE}"/>
+          </ac:spMkLst>
+        </pc:spChg>
+        <pc:spChg chg="mod">
+          <ac:chgData name="Tom Hoyland" userId="736d7a3e-93c7-4109-90c5-e67b8b3e41b2" providerId="ADAL" clId="{A4D346AA-F248-6444-93C1-EF2F2E65C714}" dt="2024-08-20T11:33:03.837" v="628" actId="1036"/>
+          <ac:spMkLst>
+            <pc:docMk/>
+            <pc:sldMk cId="248048730" sldId="272"/>
+            <ac:spMk id="16" creationId="{E4800468-3CA0-2964-AA62-A3AA15AEBB24}"/>
+          </ac:spMkLst>
+        </pc:spChg>
+        <pc:spChg chg="mod">
+          <ac:chgData name="Tom Hoyland" userId="736d7a3e-93c7-4109-90c5-e67b8b3e41b2" providerId="ADAL" clId="{A4D346AA-F248-6444-93C1-EF2F2E65C714}" dt="2024-08-20T11:33:03.837" v="628" actId="1036"/>
+          <ac:spMkLst>
+            <pc:docMk/>
+            <pc:sldMk cId="248048730" sldId="272"/>
+            <ac:spMk id="18" creationId="{63271C5F-2656-11FB-BDA0-F18F429D4AB8}"/>
+          </ac:spMkLst>
+        </pc:spChg>
+        <pc:spChg chg="mod">
+          <ac:chgData name="Tom Hoyland" userId="736d7a3e-93c7-4109-90c5-e67b8b3e41b2" providerId="ADAL" clId="{A4D346AA-F248-6444-93C1-EF2F2E65C714}" dt="2024-08-20T11:33:03.837" v="628" actId="1036"/>
+          <ac:spMkLst>
+            <pc:docMk/>
+            <pc:sldMk cId="248048730" sldId="272"/>
+            <ac:spMk id="19" creationId="{70929939-537B-C447-115E-FED5AF8357AE}"/>
+          </ac:spMkLst>
+        </pc:spChg>
+        <pc:spChg chg="mod">
+          <ac:chgData name="Tom Hoyland" userId="736d7a3e-93c7-4109-90c5-e67b8b3e41b2" providerId="ADAL" clId="{A4D346AA-F248-6444-93C1-EF2F2E65C714}" dt="2024-08-20T11:33:03.837" v="628" actId="1036"/>
+          <ac:spMkLst>
+            <pc:docMk/>
+            <pc:sldMk cId="248048730" sldId="272"/>
+            <ac:spMk id="20" creationId="{59B90136-C70C-1F8D-144A-B8DAA91E8BFF}"/>
+          </ac:spMkLst>
+        </pc:spChg>
+        <pc:spChg chg="mod">
+          <ac:chgData name="Tom Hoyland" userId="736d7a3e-93c7-4109-90c5-e67b8b3e41b2" providerId="ADAL" clId="{A4D346AA-F248-6444-93C1-EF2F2E65C714}" dt="2024-08-20T11:33:03.837" v="628" actId="1036"/>
+          <ac:spMkLst>
+            <pc:docMk/>
+            <pc:sldMk cId="248048730" sldId="272"/>
+            <ac:spMk id="24" creationId="{58A0E144-52CD-ECF3-042B-7992A86DA18B}"/>
+          </ac:spMkLst>
+        </pc:spChg>
+        <pc:spChg chg="mod">
+          <ac:chgData name="Tom Hoyland" userId="736d7a3e-93c7-4109-90c5-e67b8b3e41b2" providerId="ADAL" clId="{A4D346AA-F248-6444-93C1-EF2F2E65C714}" dt="2024-08-20T11:33:03.837" v="628" actId="1036"/>
+          <ac:spMkLst>
+            <pc:docMk/>
+            <pc:sldMk cId="248048730" sldId="272"/>
+            <ac:spMk id="25" creationId="{38DEAD3F-0B7F-2B20-993E-A2B1F014B1CD}"/>
+          </ac:spMkLst>
+        </pc:spChg>
+        <pc:spChg chg="mod">
+          <ac:chgData name="Tom Hoyland" userId="736d7a3e-93c7-4109-90c5-e67b8b3e41b2" providerId="ADAL" clId="{A4D346AA-F248-6444-93C1-EF2F2E65C714}" dt="2024-08-20T11:33:03.837" v="628" actId="1036"/>
+          <ac:spMkLst>
+            <pc:docMk/>
+            <pc:sldMk cId="248048730" sldId="272"/>
+            <ac:spMk id="26" creationId="{3A945144-0789-5A0E-FC67-42CABE016FCE}"/>
+          </ac:spMkLst>
+        </pc:spChg>
+        <pc:spChg chg="mod">
+          <ac:chgData name="Tom Hoyland" userId="736d7a3e-93c7-4109-90c5-e67b8b3e41b2" providerId="ADAL" clId="{A4D346AA-F248-6444-93C1-EF2F2E65C714}" dt="2024-08-20T11:33:03.837" v="628" actId="1036"/>
+          <ac:spMkLst>
+            <pc:docMk/>
+            <pc:sldMk cId="248048730" sldId="272"/>
+            <ac:spMk id="27" creationId="{CCBC6816-D39B-700B-F344-1B0D25A1449C}"/>
+          </ac:spMkLst>
+        </pc:spChg>
+        <pc:spChg chg="mod">
+          <ac:chgData name="Tom Hoyland" userId="736d7a3e-93c7-4109-90c5-e67b8b3e41b2" providerId="ADAL" clId="{A4D346AA-F248-6444-93C1-EF2F2E65C714}" dt="2024-08-20T11:33:03.837" v="628" actId="1036"/>
+          <ac:spMkLst>
+            <pc:docMk/>
+            <pc:sldMk cId="248048730" sldId="272"/>
+            <ac:spMk id="28" creationId="{5A0B0504-FBD2-ED5A-4F3B-787A8587C05A}"/>
+          </ac:spMkLst>
+        </pc:spChg>
+        <pc:spChg chg="mod">
+          <ac:chgData name="Tom Hoyland" userId="736d7a3e-93c7-4109-90c5-e67b8b3e41b2" providerId="ADAL" clId="{A4D346AA-F248-6444-93C1-EF2F2E65C714}" dt="2024-08-20T11:33:03.837" v="628" actId="1036"/>
+          <ac:spMkLst>
+            <pc:docMk/>
+            <pc:sldMk cId="248048730" sldId="272"/>
+            <ac:spMk id="29" creationId="{68B58E08-22AA-A82B-48BD-73CAD4C99992}"/>
+          </ac:spMkLst>
+        </pc:spChg>
+        <pc:spChg chg="mod">
+          <ac:chgData name="Tom Hoyland" userId="736d7a3e-93c7-4109-90c5-e67b8b3e41b2" providerId="ADAL" clId="{A4D346AA-F248-6444-93C1-EF2F2E65C714}" dt="2024-08-20T11:33:03.837" v="628" actId="1036"/>
+          <ac:spMkLst>
+            <pc:docMk/>
+            <pc:sldMk cId="248048730" sldId="272"/>
+            <ac:spMk id="30" creationId="{DEFE14F4-97D1-71EF-B066-BF208197EC0B}"/>
+          </ac:spMkLst>
+        </pc:spChg>
+        <pc:spChg chg="mod">
+          <ac:chgData name="Tom Hoyland" userId="736d7a3e-93c7-4109-90c5-e67b8b3e41b2" providerId="ADAL" clId="{A4D346AA-F248-6444-93C1-EF2F2E65C714}" dt="2024-08-20T11:33:03.837" v="628" actId="1036"/>
+          <ac:spMkLst>
+            <pc:docMk/>
+            <pc:sldMk cId="248048730" sldId="272"/>
+            <ac:spMk id="31" creationId="{8D8F7CEF-134A-D3DA-8445-5A753AB0F80F}"/>
+          </ac:spMkLst>
+        </pc:spChg>
+        <pc:spChg chg="mod">
+          <ac:chgData name="Tom Hoyland" userId="736d7a3e-93c7-4109-90c5-e67b8b3e41b2" providerId="ADAL" clId="{A4D346AA-F248-6444-93C1-EF2F2E65C714}" dt="2024-08-20T11:33:03.837" v="628" actId="1036"/>
+          <ac:spMkLst>
+            <pc:docMk/>
+            <pc:sldMk cId="248048730" sldId="272"/>
+            <ac:spMk id="32" creationId="{5057154F-7DCF-A223-0510-F25D7FD2EE6A}"/>
+          </ac:spMkLst>
+        </pc:spChg>
+        <pc:spChg chg="mod">
+          <ac:chgData name="Tom Hoyland" userId="736d7a3e-93c7-4109-90c5-e67b8b3e41b2" providerId="ADAL" clId="{A4D346AA-F248-6444-93C1-EF2F2E65C714}" dt="2024-08-20T11:33:03.837" v="628" actId="1036"/>
+          <ac:spMkLst>
+            <pc:docMk/>
+            <pc:sldMk cId="248048730" sldId="272"/>
+            <ac:spMk id="33" creationId="{E0D8722E-83A8-C310-122A-30EA2816860E}"/>
+          </ac:spMkLst>
+        </pc:spChg>
+        <pc:spChg chg="mod">
+          <ac:chgData name="Tom Hoyland" userId="736d7a3e-93c7-4109-90c5-e67b8b3e41b2" providerId="ADAL" clId="{A4D346AA-F248-6444-93C1-EF2F2E65C714}" dt="2024-08-20T11:33:03.837" v="628" actId="1036"/>
+          <ac:spMkLst>
+            <pc:docMk/>
+            <pc:sldMk cId="248048730" sldId="272"/>
+            <ac:spMk id="34" creationId="{27018EDB-C14A-2175-DA20-52AE83F8940E}"/>
+          </ac:spMkLst>
+        </pc:spChg>
+        <pc:spChg chg="mod">
+          <ac:chgData name="Tom Hoyland" userId="736d7a3e-93c7-4109-90c5-e67b8b3e41b2" providerId="ADAL" clId="{A4D346AA-F248-6444-93C1-EF2F2E65C714}" dt="2024-08-20T11:33:03.837" v="628" actId="1036"/>
+          <ac:spMkLst>
+            <pc:docMk/>
+            <pc:sldMk cId="248048730" sldId="272"/>
+            <ac:spMk id="35" creationId="{64BD6B3C-21B9-94EB-9163-4D7A83A4A297}"/>
+          </ac:spMkLst>
+        </pc:spChg>
+        <pc:spChg chg="mod">
+          <ac:chgData name="Tom Hoyland" userId="736d7a3e-93c7-4109-90c5-e67b8b3e41b2" providerId="ADAL" clId="{A4D346AA-F248-6444-93C1-EF2F2E65C714}" dt="2024-08-20T11:33:03.837" v="628" actId="1036"/>
+          <ac:spMkLst>
+            <pc:docMk/>
+            <pc:sldMk cId="248048730" sldId="272"/>
+            <ac:spMk id="36" creationId="{965DF994-D945-F5CF-02B0-6FD96B778267}"/>
+          </ac:spMkLst>
+        </pc:spChg>
+        <pc:picChg chg="mod">
+          <ac:chgData name="Tom Hoyland" userId="736d7a3e-93c7-4109-90c5-e67b8b3e41b2" providerId="ADAL" clId="{A4D346AA-F248-6444-93C1-EF2F2E65C714}" dt="2024-08-20T11:33:03.837" v="628" actId="1036"/>
+          <ac:picMkLst>
+            <pc:docMk/>
+            <pc:sldMk cId="248048730" sldId="272"/>
+            <ac:picMk id="5" creationId="{6322FBD9-FD8F-9C95-2729-127E6A05B844}"/>
+          </ac:picMkLst>
+        </pc:picChg>
+        <pc:picChg chg="mod">
+          <ac:chgData name="Tom Hoyland" userId="736d7a3e-93c7-4109-90c5-e67b8b3e41b2" providerId="ADAL" clId="{A4D346AA-F248-6444-93C1-EF2F2E65C714}" dt="2024-08-20T11:33:03.837" v="628" actId="1036"/>
+          <ac:picMkLst>
+            <pc:docMk/>
+            <pc:sldMk cId="248048730" sldId="272"/>
+            <ac:picMk id="6" creationId="{2BE0E3B7-67DB-7D22-62F7-F28225398F7E}"/>
+          </ac:picMkLst>
+        </pc:picChg>
+        <pc:picChg chg="mod">
+          <ac:chgData name="Tom Hoyland" userId="736d7a3e-93c7-4109-90c5-e67b8b3e41b2" providerId="ADAL" clId="{A4D346AA-F248-6444-93C1-EF2F2E65C714}" dt="2024-08-20T11:33:03.837" v="628" actId="1036"/>
+          <ac:picMkLst>
+            <pc:docMk/>
+            <pc:sldMk cId="248048730" sldId="272"/>
+            <ac:picMk id="7" creationId="{4025EFFD-6B77-7453-3202-61E018612DB9}"/>
+          </ac:picMkLst>
+        </pc:picChg>
+        <pc:picChg chg="mod">
+          <ac:chgData name="Tom Hoyland" userId="736d7a3e-93c7-4109-90c5-e67b8b3e41b2" providerId="ADAL" clId="{A4D346AA-F248-6444-93C1-EF2F2E65C714}" dt="2024-08-20T11:33:03.837" v="628" actId="1036"/>
+          <ac:picMkLst>
+            <pc:docMk/>
+            <pc:sldMk cId="248048730" sldId="272"/>
+            <ac:picMk id="9" creationId="{AFD2E46D-615E-B65D-1188-F2A6AB1738D7}"/>
+          </ac:picMkLst>
+        </pc:picChg>
+        <pc:picChg chg="mod">
+          <ac:chgData name="Tom Hoyland" userId="736d7a3e-93c7-4109-90c5-e67b8b3e41b2" providerId="ADAL" clId="{A4D346AA-F248-6444-93C1-EF2F2E65C714}" dt="2024-08-20T11:33:03.837" v="628" actId="1036"/>
+          <ac:picMkLst>
+            <pc:docMk/>
+            <pc:sldMk cId="248048730" sldId="272"/>
+            <ac:picMk id="12" creationId="{5C0C4BE6-1C53-E473-95EA-95C0F5CF1564}"/>
+          </ac:picMkLst>
+        </pc:picChg>
+        <pc:picChg chg="mod">
+          <ac:chgData name="Tom Hoyland" userId="736d7a3e-93c7-4109-90c5-e67b8b3e41b2" providerId="ADAL" clId="{A4D346AA-F248-6444-93C1-EF2F2E65C714}" dt="2024-08-20T11:33:03.837" v="628" actId="1036"/>
+          <ac:picMkLst>
+            <pc:docMk/>
+            <pc:sldMk cId="248048730" sldId="272"/>
+            <ac:picMk id="15" creationId="{1A85A53A-A4EB-808E-BCEA-EEBBAB52ECBA}"/>
+          </ac:picMkLst>
+        </pc:picChg>
+        <pc:picChg chg="mod">
+          <ac:chgData name="Tom Hoyland" userId="736d7a3e-93c7-4109-90c5-e67b8b3e41b2" providerId="ADAL" clId="{A4D346AA-F248-6444-93C1-EF2F2E65C714}" dt="2024-08-20T11:33:03.837" v="628" actId="1036"/>
+          <ac:picMkLst>
+            <pc:docMk/>
+            <pc:sldMk cId="248048730" sldId="272"/>
+            <ac:picMk id="17" creationId="{0FE1B1AD-E962-2850-8199-8B489F405D39}"/>
+          </ac:picMkLst>
+        </pc:picChg>
+        <pc:picChg chg="mod">
+          <ac:chgData name="Tom Hoyland" userId="736d7a3e-93c7-4109-90c5-e67b8b3e41b2" providerId="ADAL" clId="{A4D346AA-F248-6444-93C1-EF2F2E65C714}" dt="2024-08-20T11:33:03.837" v="628" actId="1036"/>
+          <ac:picMkLst>
+            <pc:docMk/>
+            <pc:sldMk cId="248048730" sldId="272"/>
+            <ac:picMk id="21" creationId="{177349E7-5A4C-46C5-B5B8-4980C12E809F}"/>
+          </ac:picMkLst>
+        </pc:picChg>
+      </pc:sldChg>
+    </pc:docChg>
+  </pc:docChgLst>
+  <pc:docChgLst>
     <pc:chgData name="Tom Hoyland" userId="S::tom.hoyland2@flutteruki.com::736d7a3e-93c7-4109-90c5-e67b8b3e41b2" providerId="AD" clId="Web-{F19ABF11-EF07-D527-F7BB-E1FE47E9926D}"/>
     <pc:docChg chg="modSld">
       <pc:chgData name="Tom Hoyland" userId="S::tom.hoyland2@flutteruki.com::736d7a3e-93c7-4109-90c5-e67b8b3e41b2" providerId="AD" clId="Web-{F19ABF11-EF07-D527-F7BB-E1FE47E9926D}" dt="2024-08-01T14:32:23.491" v="527"/>
@@ -279,803 +1076,6 @@
             </pc226:cmChg>
           </p:ext>
         </pc:extLst>
-      </pc:sldChg>
-    </pc:docChg>
-  </pc:docChgLst>
-  <pc:docChgLst>
-    <pc:chgData name="Tom Hoyland" userId="736d7a3e-93c7-4109-90c5-e67b8b3e41b2" providerId="ADAL" clId="{A4D346AA-F248-6444-93C1-EF2F2E65C714}"/>
-    <pc:docChg chg="undo custSel addSld delSld modSld sldOrd">
-      <pc:chgData name="Tom Hoyland" userId="736d7a3e-93c7-4109-90c5-e67b8b3e41b2" providerId="ADAL" clId="{A4D346AA-F248-6444-93C1-EF2F2E65C714}" dt="2024-08-20T11:33:24.572" v="664" actId="404"/>
-      <pc:docMkLst>
-        <pc:docMk/>
-      </pc:docMkLst>
-      <pc:sldChg chg="addSp delSp modSp mod">
-        <pc:chgData name="Tom Hoyland" userId="736d7a3e-93c7-4109-90c5-e67b8b3e41b2" providerId="ADAL" clId="{A4D346AA-F248-6444-93C1-EF2F2E65C714}" dt="2024-08-20T10:35:24.927" v="523" actId="1076"/>
-        <pc:sldMkLst>
-          <pc:docMk/>
-          <pc:sldMk cId="215971509" sldId="258"/>
-        </pc:sldMkLst>
-        <pc:spChg chg="add del mod">
-          <ac:chgData name="Tom Hoyland" userId="736d7a3e-93c7-4109-90c5-e67b8b3e41b2" providerId="ADAL" clId="{A4D346AA-F248-6444-93C1-EF2F2E65C714}" dt="2024-08-20T10:35:16.759" v="521"/>
-          <ac:spMkLst>
-            <pc:docMk/>
-            <pc:sldMk cId="215971509" sldId="258"/>
-            <ac:spMk id="2" creationId="{13C5DC61-1188-B764-894D-18FA2653502D}"/>
-          </ac:spMkLst>
-        </pc:spChg>
-        <pc:graphicFrameChg chg="mod modGraphic">
-          <ac:chgData name="Tom Hoyland" userId="736d7a3e-93c7-4109-90c5-e67b8b3e41b2" providerId="ADAL" clId="{A4D346AA-F248-6444-93C1-EF2F2E65C714}" dt="2024-08-20T10:35:24.927" v="523" actId="1076"/>
-          <ac:graphicFrameMkLst>
-            <pc:docMk/>
-            <pc:sldMk cId="215971509" sldId="258"/>
-            <ac:graphicFrameMk id="4" creationId="{2C24AB31-CFE6-05B1-A05C-CB4B8F5125D5}"/>
-          </ac:graphicFrameMkLst>
-        </pc:graphicFrameChg>
-      </pc:sldChg>
-      <pc:sldChg chg="addSp delSp modSp del mod">
-        <pc:chgData name="Tom Hoyland" userId="736d7a3e-93c7-4109-90c5-e67b8b3e41b2" providerId="ADAL" clId="{A4D346AA-F248-6444-93C1-EF2F2E65C714}" dt="2024-08-20T11:32:51.918" v="598" actId="2696"/>
-        <pc:sldMkLst>
-          <pc:docMk/>
-          <pc:sldMk cId="1551894915" sldId="261"/>
-        </pc:sldMkLst>
-        <pc:spChg chg="del">
-          <ac:chgData name="Tom Hoyland" userId="736d7a3e-93c7-4109-90c5-e67b8b3e41b2" providerId="ADAL" clId="{A4D346AA-F248-6444-93C1-EF2F2E65C714}" dt="2024-08-20T11:32:39.566" v="595" actId="478"/>
-          <ac:spMkLst>
-            <pc:docMk/>
-            <pc:sldMk cId="1551894915" sldId="261"/>
-            <ac:spMk id="2" creationId="{60114F5B-200D-5E80-5596-D97099667249}"/>
-          </ac:spMkLst>
-        </pc:spChg>
-        <pc:spChg chg="add mod">
-          <ac:chgData name="Tom Hoyland" userId="736d7a3e-93c7-4109-90c5-e67b8b3e41b2" providerId="ADAL" clId="{A4D346AA-F248-6444-93C1-EF2F2E65C714}" dt="2024-08-20T11:32:39.566" v="595" actId="478"/>
-          <ac:spMkLst>
-            <pc:docMk/>
-            <pc:sldMk cId="1551894915" sldId="261"/>
-            <ac:spMk id="4" creationId="{D965E8EF-04AD-6DBB-D01A-5F2B61C6026F}"/>
-          </ac:spMkLst>
-        </pc:spChg>
-        <pc:spChg chg="del">
-          <ac:chgData name="Tom Hoyland" userId="736d7a3e-93c7-4109-90c5-e67b8b3e41b2" providerId="ADAL" clId="{A4D346AA-F248-6444-93C1-EF2F2E65C714}" dt="2024-08-20T11:32:39.566" v="595" actId="478"/>
-          <ac:spMkLst>
-            <pc:docMk/>
-            <pc:sldMk cId="1551894915" sldId="261"/>
-            <ac:spMk id="8" creationId="{8CDDB97D-A02F-8254-5432-E930CF01E0FC}"/>
-          </ac:spMkLst>
-        </pc:spChg>
-        <pc:spChg chg="del">
-          <ac:chgData name="Tom Hoyland" userId="736d7a3e-93c7-4109-90c5-e67b8b3e41b2" providerId="ADAL" clId="{A4D346AA-F248-6444-93C1-EF2F2E65C714}" dt="2024-08-20T11:32:39.566" v="595" actId="478"/>
-          <ac:spMkLst>
-            <pc:docMk/>
-            <pc:sldMk cId="1551894915" sldId="261"/>
-            <ac:spMk id="10" creationId="{C258F823-7B51-957A-9C20-93136D988928}"/>
-          </ac:spMkLst>
-        </pc:spChg>
-        <pc:spChg chg="del">
-          <ac:chgData name="Tom Hoyland" userId="736d7a3e-93c7-4109-90c5-e67b8b3e41b2" providerId="ADAL" clId="{A4D346AA-F248-6444-93C1-EF2F2E65C714}" dt="2024-08-20T11:32:39.566" v="595" actId="478"/>
-          <ac:spMkLst>
-            <pc:docMk/>
-            <pc:sldMk cId="1551894915" sldId="261"/>
-            <ac:spMk id="11" creationId="{706FB268-040E-2102-1308-B242A93B903A}"/>
-          </ac:spMkLst>
-        </pc:spChg>
-        <pc:spChg chg="del">
-          <ac:chgData name="Tom Hoyland" userId="736d7a3e-93c7-4109-90c5-e67b8b3e41b2" providerId="ADAL" clId="{A4D346AA-F248-6444-93C1-EF2F2E65C714}" dt="2024-08-20T11:32:39.566" v="595" actId="478"/>
-          <ac:spMkLst>
-            <pc:docMk/>
-            <pc:sldMk cId="1551894915" sldId="261"/>
-            <ac:spMk id="13" creationId="{380E85BC-FF65-970E-3CDA-C005D8E7882F}"/>
-          </ac:spMkLst>
-        </pc:spChg>
-        <pc:spChg chg="del">
-          <ac:chgData name="Tom Hoyland" userId="736d7a3e-93c7-4109-90c5-e67b8b3e41b2" providerId="ADAL" clId="{A4D346AA-F248-6444-93C1-EF2F2E65C714}" dt="2024-08-20T11:32:39.566" v="595" actId="478"/>
-          <ac:spMkLst>
-            <pc:docMk/>
-            <pc:sldMk cId="1551894915" sldId="261"/>
-            <ac:spMk id="14" creationId="{042E4238-C41B-D73B-C28B-0B462803692E}"/>
-          </ac:spMkLst>
-        </pc:spChg>
-        <pc:spChg chg="del">
-          <ac:chgData name="Tom Hoyland" userId="736d7a3e-93c7-4109-90c5-e67b8b3e41b2" providerId="ADAL" clId="{A4D346AA-F248-6444-93C1-EF2F2E65C714}" dt="2024-08-20T11:32:39.566" v="595" actId="478"/>
-          <ac:spMkLst>
-            <pc:docMk/>
-            <pc:sldMk cId="1551894915" sldId="261"/>
-            <ac:spMk id="16" creationId="{24D6D5B8-560A-7C70-9E81-B8EFB579F08E}"/>
-          </ac:spMkLst>
-        </pc:spChg>
-        <pc:spChg chg="del">
-          <ac:chgData name="Tom Hoyland" userId="736d7a3e-93c7-4109-90c5-e67b8b3e41b2" providerId="ADAL" clId="{A4D346AA-F248-6444-93C1-EF2F2E65C714}" dt="2024-08-20T11:32:39.566" v="595" actId="478"/>
-          <ac:spMkLst>
-            <pc:docMk/>
-            <pc:sldMk cId="1551894915" sldId="261"/>
-            <ac:spMk id="18" creationId="{F93BD877-DC0E-E976-9DE4-BE888B19CF0F}"/>
-          </ac:spMkLst>
-        </pc:spChg>
-        <pc:spChg chg="del">
-          <ac:chgData name="Tom Hoyland" userId="736d7a3e-93c7-4109-90c5-e67b8b3e41b2" providerId="ADAL" clId="{A4D346AA-F248-6444-93C1-EF2F2E65C714}" dt="2024-08-20T11:32:39.566" v="595" actId="478"/>
-          <ac:spMkLst>
-            <pc:docMk/>
-            <pc:sldMk cId="1551894915" sldId="261"/>
-            <ac:spMk id="28" creationId="{5ACB057E-5EA7-0F53-3026-546099232574}"/>
-          </ac:spMkLst>
-        </pc:spChg>
-        <pc:spChg chg="del">
-          <ac:chgData name="Tom Hoyland" userId="736d7a3e-93c7-4109-90c5-e67b8b3e41b2" providerId="ADAL" clId="{A4D346AA-F248-6444-93C1-EF2F2E65C714}" dt="2024-08-20T11:32:39.566" v="595" actId="478"/>
-          <ac:spMkLst>
-            <pc:docMk/>
-            <pc:sldMk cId="1551894915" sldId="261"/>
-            <ac:spMk id="29" creationId="{73641E73-F1C1-EAD9-8C93-D55E7BD2CDF8}"/>
-          </ac:spMkLst>
-        </pc:spChg>
-        <pc:spChg chg="del">
-          <ac:chgData name="Tom Hoyland" userId="736d7a3e-93c7-4109-90c5-e67b8b3e41b2" providerId="ADAL" clId="{A4D346AA-F248-6444-93C1-EF2F2E65C714}" dt="2024-08-20T11:32:39.566" v="595" actId="478"/>
-          <ac:spMkLst>
-            <pc:docMk/>
-            <pc:sldMk cId="1551894915" sldId="261"/>
-            <ac:spMk id="30" creationId="{0E4E77C7-934A-84F8-113F-232F677D364F}"/>
-          </ac:spMkLst>
-        </pc:spChg>
-        <pc:spChg chg="del">
-          <ac:chgData name="Tom Hoyland" userId="736d7a3e-93c7-4109-90c5-e67b8b3e41b2" providerId="ADAL" clId="{A4D346AA-F248-6444-93C1-EF2F2E65C714}" dt="2024-08-20T11:32:39.566" v="595" actId="478"/>
-          <ac:spMkLst>
-            <pc:docMk/>
-            <pc:sldMk cId="1551894915" sldId="261"/>
-            <ac:spMk id="31" creationId="{18DF7356-8B91-65DC-8FE8-32BFE8F1A09C}"/>
-          </ac:spMkLst>
-        </pc:spChg>
-        <pc:spChg chg="del">
-          <ac:chgData name="Tom Hoyland" userId="736d7a3e-93c7-4109-90c5-e67b8b3e41b2" providerId="ADAL" clId="{A4D346AA-F248-6444-93C1-EF2F2E65C714}" dt="2024-08-20T11:32:39.566" v="595" actId="478"/>
-          <ac:spMkLst>
-            <pc:docMk/>
-            <pc:sldMk cId="1551894915" sldId="261"/>
-            <ac:spMk id="32" creationId="{CE0A2A4C-DC20-3B09-E6C1-86C7406F3E22}"/>
-          </ac:spMkLst>
-        </pc:spChg>
-        <pc:spChg chg="del">
-          <ac:chgData name="Tom Hoyland" userId="736d7a3e-93c7-4109-90c5-e67b8b3e41b2" providerId="ADAL" clId="{A4D346AA-F248-6444-93C1-EF2F2E65C714}" dt="2024-08-20T11:32:39.566" v="595" actId="478"/>
-          <ac:spMkLst>
-            <pc:docMk/>
-            <pc:sldMk cId="1551894915" sldId="261"/>
-            <ac:spMk id="33" creationId="{B0CF220A-8F25-72EA-707D-3F51885CA3B4}"/>
-          </ac:spMkLst>
-        </pc:spChg>
-        <pc:spChg chg="del">
-          <ac:chgData name="Tom Hoyland" userId="736d7a3e-93c7-4109-90c5-e67b8b3e41b2" providerId="ADAL" clId="{A4D346AA-F248-6444-93C1-EF2F2E65C714}" dt="2024-08-20T11:32:39.566" v="595" actId="478"/>
-          <ac:spMkLst>
-            <pc:docMk/>
-            <pc:sldMk cId="1551894915" sldId="261"/>
-            <ac:spMk id="34" creationId="{FD091573-20FC-A6D7-6867-DCE7669E0934}"/>
-          </ac:spMkLst>
-        </pc:spChg>
-        <pc:spChg chg="del">
-          <ac:chgData name="Tom Hoyland" userId="736d7a3e-93c7-4109-90c5-e67b8b3e41b2" providerId="ADAL" clId="{A4D346AA-F248-6444-93C1-EF2F2E65C714}" dt="2024-08-20T11:32:39.566" v="595" actId="478"/>
-          <ac:spMkLst>
-            <pc:docMk/>
-            <pc:sldMk cId="1551894915" sldId="261"/>
-            <ac:spMk id="35" creationId="{14C3540D-164D-0502-B9B3-99DA425B4CAA}"/>
-          </ac:spMkLst>
-        </pc:spChg>
-        <pc:spChg chg="del">
-          <ac:chgData name="Tom Hoyland" userId="736d7a3e-93c7-4109-90c5-e67b8b3e41b2" providerId="ADAL" clId="{A4D346AA-F248-6444-93C1-EF2F2E65C714}" dt="2024-08-20T11:32:39.566" v="595" actId="478"/>
-          <ac:spMkLst>
-            <pc:docMk/>
-            <pc:sldMk cId="1551894915" sldId="261"/>
-            <ac:spMk id="36" creationId="{E590E56E-C5E5-6786-556B-9FF43F6C6253}"/>
-          </ac:spMkLst>
-        </pc:spChg>
-        <pc:picChg chg="del">
-          <ac:chgData name="Tom Hoyland" userId="736d7a3e-93c7-4109-90c5-e67b8b3e41b2" providerId="ADAL" clId="{A4D346AA-F248-6444-93C1-EF2F2E65C714}" dt="2024-08-20T11:32:39.566" v="595" actId="478"/>
-          <ac:picMkLst>
-            <pc:docMk/>
-            <pc:sldMk cId="1551894915" sldId="261"/>
-            <ac:picMk id="5" creationId="{62116002-A9FA-E0AB-8E6A-8CEE2DB576CB}"/>
-          </ac:picMkLst>
-        </pc:picChg>
-        <pc:picChg chg="del">
-          <ac:chgData name="Tom Hoyland" userId="736d7a3e-93c7-4109-90c5-e67b8b3e41b2" providerId="ADAL" clId="{A4D346AA-F248-6444-93C1-EF2F2E65C714}" dt="2024-08-20T11:32:39.566" v="595" actId="478"/>
-          <ac:picMkLst>
-            <pc:docMk/>
-            <pc:sldMk cId="1551894915" sldId="261"/>
-            <ac:picMk id="6" creationId="{06F97ED0-2646-B792-8B99-24400765AE9E}"/>
-          </ac:picMkLst>
-        </pc:picChg>
-        <pc:picChg chg="del">
-          <ac:chgData name="Tom Hoyland" userId="736d7a3e-93c7-4109-90c5-e67b8b3e41b2" providerId="ADAL" clId="{A4D346AA-F248-6444-93C1-EF2F2E65C714}" dt="2024-08-20T11:32:39.566" v="595" actId="478"/>
-          <ac:picMkLst>
-            <pc:docMk/>
-            <pc:sldMk cId="1551894915" sldId="261"/>
-            <ac:picMk id="7" creationId="{D006BE89-01FB-EFD8-A0B0-468CE5796739}"/>
-          </ac:picMkLst>
-        </pc:picChg>
-        <pc:picChg chg="del">
-          <ac:chgData name="Tom Hoyland" userId="736d7a3e-93c7-4109-90c5-e67b8b3e41b2" providerId="ADAL" clId="{A4D346AA-F248-6444-93C1-EF2F2E65C714}" dt="2024-08-20T11:32:39.566" v="595" actId="478"/>
-          <ac:picMkLst>
-            <pc:docMk/>
-            <pc:sldMk cId="1551894915" sldId="261"/>
-            <ac:picMk id="9" creationId="{08B66EBF-2D1E-6E8B-FCBD-479EDE455568}"/>
-          </ac:picMkLst>
-        </pc:picChg>
-        <pc:picChg chg="del">
-          <ac:chgData name="Tom Hoyland" userId="736d7a3e-93c7-4109-90c5-e67b8b3e41b2" providerId="ADAL" clId="{A4D346AA-F248-6444-93C1-EF2F2E65C714}" dt="2024-08-20T11:32:39.566" v="595" actId="478"/>
-          <ac:picMkLst>
-            <pc:docMk/>
-            <pc:sldMk cId="1551894915" sldId="261"/>
-            <ac:picMk id="12" creationId="{0AF8A365-1CA9-E91D-685E-C97FBF85A01F}"/>
-          </ac:picMkLst>
-        </pc:picChg>
-        <pc:picChg chg="del">
-          <ac:chgData name="Tom Hoyland" userId="736d7a3e-93c7-4109-90c5-e67b8b3e41b2" providerId="ADAL" clId="{A4D346AA-F248-6444-93C1-EF2F2E65C714}" dt="2024-08-20T11:32:39.566" v="595" actId="478"/>
-          <ac:picMkLst>
-            <pc:docMk/>
-            <pc:sldMk cId="1551894915" sldId="261"/>
-            <ac:picMk id="15" creationId="{C1E2E61F-6957-C476-802C-DAA4E8E3D8FC}"/>
-          </ac:picMkLst>
-        </pc:picChg>
-        <pc:picChg chg="del">
-          <ac:chgData name="Tom Hoyland" userId="736d7a3e-93c7-4109-90c5-e67b8b3e41b2" providerId="ADAL" clId="{A4D346AA-F248-6444-93C1-EF2F2E65C714}" dt="2024-08-20T11:32:39.566" v="595" actId="478"/>
-          <ac:picMkLst>
-            <pc:docMk/>
-            <pc:sldMk cId="1551894915" sldId="261"/>
-            <ac:picMk id="17" creationId="{0F35D7D0-03F8-0064-B5AC-20BCCD3C6C55}"/>
-          </ac:picMkLst>
-        </pc:picChg>
-        <pc:picChg chg="del">
-          <ac:chgData name="Tom Hoyland" userId="736d7a3e-93c7-4109-90c5-e67b8b3e41b2" providerId="ADAL" clId="{A4D346AA-F248-6444-93C1-EF2F2E65C714}" dt="2024-08-20T11:32:39.566" v="595" actId="478"/>
-          <ac:picMkLst>
-            <pc:docMk/>
-            <pc:sldMk cId="1551894915" sldId="261"/>
-            <ac:picMk id="21" creationId="{75F00680-C90D-0C50-BAEB-68DD9870452B}"/>
-          </ac:picMkLst>
-        </pc:picChg>
-      </pc:sldChg>
-      <pc:sldChg chg="addSp delSp modSp add mod ord">
-        <pc:chgData name="Tom Hoyland" userId="736d7a3e-93c7-4109-90c5-e67b8b3e41b2" providerId="ADAL" clId="{A4D346AA-F248-6444-93C1-EF2F2E65C714}" dt="2024-08-20T11:32:33.746" v="594" actId="20577"/>
-        <pc:sldMkLst>
-          <pc:docMk/>
-          <pc:sldMk cId="2712193479" sldId="271"/>
-        </pc:sldMkLst>
-        <pc:spChg chg="del">
-          <ac:chgData name="Tom Hoyland" userId="736d7a3e-93c7-4109-90c5-e67b8b3e41b2" providerId="ADAL" clId="{A4D346AA-F248-6444-93C1-EF2F2E65C714}" dt="2024-08-13T07:33:26.326" v="156" actId="478"/>
-          <ac:spMkLst>
-            <pc:docMk/>
-            <pc:sldMk cId="2712193479" sldId="271"/>
-            <ac:spMk id="2" creationId="{60114F5B-200D-5E80-5596-D97099667249}"/>
-          </ac:spMkLst>
-        </pc:spChg>
-        <pc:spChg chg="add mod">
-          <ac:chgData name="Tom Hoyland" userId="736d7a3e-93c7-4109-90c5-e67b8b3e41b2" providerId="ADAL" clId="{A4D346AA-F248-6444-93C1-EF2F2E65C714}" dt="2024-08-13T07:40:02.434" v="517" actId="1076"/>
-          <ac:spMkLst>
-            <pc:docMk/>
-            <pc:sldMk cId="2712193479" sldId="271"/>
-            <ac:spMk id="3" creationId="{43F9F6AE-A5AC-2E03-0D6A-B04BA76B49BC}"/>
-          </ac:spMkLst>
-        </pc:spChg>
-        <pc:spChg chg="add mod">
-          <ac:chgData name="Tom Hoyland" userId="736d7a3e-93c7-4109-90c5-e67b8b3e41b2" providerId="ADAL" clId="{A4D346AA-F248-6444-93C1-EF2F2E65C714}" dt="2024-08-13T07:40:02.434" v="517" actId="1076"/>
-          <ac:spMkLst>
-            <pc:docMk/>
-            <pc:sldMk cId="2712193479" sldId="271"/>
-            <ac:spMk id="4" creationId="{E151A129-60CE-5725-DCEC-DF20AB33301A}"/>
-          </ac:spMkLst>
-        </pc:spChg>
-        <pc:spChg chg="mod">
-          <ac:chgData name="Tom Hoyland" userId="736d7a3e-93c7-4109-90c5-e67b8b3e41b2" providerId="ADAL" clId="{A4D346AA-F248-6444-93C1-EF2F2E65C714}" dt="2024-08-20T11:32:22.457" v="585" actId="20577"/>
-          <ac:spMkLst>
-            <pc:docMk/>
-            <pc:sldMk cId="2712193479" sldId="271"/>
-            <ac:spMk id="8" creationId="{8CDDB97D-A02F-8254-5432-E930CF01E0FC}"/>
-          </ac:spMkLst>
-        </pc:spChg>
-        <pc:spChg chg="mod">
-          <ac:chgData name="Tom Hoyland" userId="736d7a3e-93c7-4109-90c5-e67b8b3e41b2" providerId="ADAL" clId="{A4D346AA-F248-6444-93C1-EF2F2E65C714}" dt="2024-08-20T11:32:20.806" v="584" actId="20577"/>
-          <ac:spMkLst>
-            <pc:docMk/>
-            <pc:sldMk cId="2712193479" sldId="271"/>
-            <ac:spMk id="10" creationId="{C258F823-7B51-957A-9C20-93136D988928}"/>
-          </ac:spMkLst>
-        </pc:spChg>
-        <pc:spChg chg="mod">
-          <ac:chgData name="Tom Hoyland" userId="736d7a3e-93c7-4109-90c5-e67b8b3e41b2" providerId="ADAL" clId="{A4D346AA-F248-6444-93C1-EF2F2E65C714}" dt="2024-08-20T11:32:25.812" v="587" actId="20577"/>
-          <ac:spMkLst>
-            <pc:docMk/>
-            <pc:sldMk cId="2712193479" sldId="271"/>
-            <ac:spMk id="11" creationId="{706FB268-040E-2102-1308-B242A93B903A}"/>
-          </ac:spMkLst>
-        </pc:spChg>
-        <pc:spChg chg="mod">
-          <ac:chgData name="Tom Hoyland" userId="736d7a3e-93c7-4109-90c5-e67b8b3e41b2" providerId="ADAL" clId="{A4D346AA-F248-6444-93C1-EF2F2E65C714}" dt="2024-08-20T11:32:29.695" v="592" actId="20577"/>
-          <ac:spMkLst>
-            <pc:docMk/>
-            <pc:sldMk cId="2712193479" sldId="271"/>
-            <ac:spMk id="13" creationId="{380E85BC-FF65-970E-3CDA-C005D8E7882F}"/>
-          </ac:spMkLst>
-        </pc:spChg>
-        <pc:spChg chg="mod">
-          <ac:chgData name="Tom Hoyland" userId="736d7a3e-93c7-4109-90c5-e67b8b3e41b2" providerId="ADAL" clId="{A4D346AA-F248-6444-93C1-EF2F2E65C714}" dt="2024-08-20T11:32:32.158" v="593" actId="20577"/>
-          <ac:spMkLst>
-            <pc:docMk/>
-            <pc:sldMk cId="2712193479" sldId="271"/>
-            <ac:spMk id="14" creationId="{042E4238-C41B-D73B-C28B-0B462803692E}"/>
-          </ac:spMkLst>
-        </pc:spChg>
-        <pc:spChg chg="mod">
-          <ac:chgData name="Tom Hoyland" userId="736d7a3e-93c7-4109-90c5-e67b8b3e41b2" providerId="ADAL" clId="{A4D346AA-F248-6444-93C1-EF2F2E65C714}" dt="2024-08-20T11:32:24.083" v="586" actId="20577"/>
-          <ac:spMkLst>
-            <pc:docMk/>
-            <pc:sldMk cId="2712193479" sldId="271"/>
-            <ac:spMk id="16" creationId="{24D6D5B8-560A-7C70-9E81-B8EFB579F08E}"/>
-          </ac:spMkLst>
-        </pc:spChg>
-        <pc:spChg chg="mod">
-          <ac:chgData name="Tom Hoyland" userId="736d7a3e-93c7-4109-90c5-e67b8b3e41b2" providerId="ADAL" clId="{A4D346AA-F248-6444-93C1-EF2F2E65C714}" dt="2024-08-20T11:32:19.042" v="583" actId="20577"/>
-          <ac:spMkLst>
-            <pc:docMk/>
-            <pc:sldMk cId="2712193479" sldId="271"/>
-            <ac:spMk id="18" creationId="{F93BD877-DC0E-E976-9DE4-BE888B19CF0F}"/>
-          </ac:spMkLst>
-        </pc:spChg>
-        <pc:spChg chg="add mod">
-          <ac:chgData name="Tom Hoyland" userId="736d7a3e-93c7-4109-90c5-e67b8b3e41b2" providerId="ADAL" clId="{A4D346AA-F248-6444-93C1-EF2F2E65C714}" dt="2024-08-13T07:40:02.434" v="517" actId="1076"/>
-          <ac:spMkLst>
-            <pc:docMk/>
-            <pc:sldMk cId="2712193479" sldId="271"/>
-            <ac:spMk id="19" creationId="{9BC32168-0734-E7F4-DDAC-4419BE1ED0AC}"/>
-          </ac:spMkLst>
-        </pc:spChg>
-        <pc:spChg chg="add mod">
-          <ac:chgData name="Tom Hoyland" userId="736d7a3e-93c7-4109-90c5-e67b8b3e41b2" providerId="ADAL" clId="{A4D346AA-F248-6444-93C1-EF2F2E65C714}" dt="2024-08-13T07:40:02.434" v="517" actId="1076"/>
-          <ac:spMkLst>
-            <pc:docMk/>
-            <pc:sldMk cId="2712193479" sldId="271"/>
-            <ac:spMk id="20" creationId="{69D48872-11CB-3A33-9C96-131727D0AB45}"/>
-          </ac:spMkLst>
-        </pc:spChg>
-        <pc:spChg chg="add del mod">
-          <ac:chgData name="Tom Hoyland" userId="736d7a3e-93c7-4109-90c5-e67b8b3e41b2" providerId="ADAL" clId="{A4D346AA-F248-6444-93C1-EF2F2E65C714}" dt="2024-08-13T07:33:28.075" v="157" actId="478"/>
-          <ac:spMkLst>
-            <pc:docMk/>
-            <pc:sldMk cId="2712193479" sldId="271"/>
-            <ac:spMk id="23" creationId="{97374FD9-56B1-BD38-01AD-42A8332B8E26}"/>
-          </ac:spMkLst>
-        </pc:spChg>
-        <pc:spChg chg="add mod">
-          <ac:chgData name="Tom Hoyland" userId="736d7a3e-93c7-4109-90c5-e67b8b3e41b2" providerId="ADAL" clId="{A4D346AA-F248-6444-93C1-EF2F2E65C714}" dt="2024-08-13T07:40:02.434" v="517" actId="1076"/>
-          <ac:spMkLst>
-            <pc:docMk/>
-            <pc:sldMk cId="2712193479" sldId="271"/>
-            <ac:spMk id="24" creationId="{16C484F4-FF4B-D129-FAEA-02E2EC8CFE4D}"/>
-          </ac:spMkLst>
-        </pc:spChg>
-        <pc:spChg chg="add mod">
-          <ac:chgData name="Tom Hoyland" userId="736d7a3e-93c7-4109-90c5-e67b8b3e41b2" providerId="ADAL" clId="{A4D346AA-F248-6444-93C1-EF2F2E65C714}" dt="2024-08-13T07:40:02.434" v="517" actId="1076"/>
-          <ac:spMkLst>
-            <pc:docMk/>
-            <pc:sldMk cId="2712193479" sldId="271"/>
-            <ac:spMk id="25" creationId="{5772F33A-FAA4-6619-FC37-5A0C0D431A17}"/>
-          </ac:spMkLst>
-        </pc:spChg>
-        <pc:spChg chg="add mod">
-          <ac:chgData name="Tom Hoyland" userId="736d7a3e-93c7-4109-90c5-e67b8b3e41b2" providerId="ADAL" clId="{A4D346AA-F248-6444-93C1-EF2F2E65C714}" dt="2024-08-13T07:40:02.434" v="517" actId="1076"/>
-          <ac:spMkLst>
-            <pc:docMk/>
-            <pc:sldMk cId="2712193479" sldId="271"/>
-            <ac:spMk id="26" creationId="{8DB1EDB7-0892-A3F2-FB78-D990F034BD8D}"/>
-          </ac:spMkLst>
-        </pc:spChg>
-        <pc:spChg chg="add mod">
-          <ac:chgData name="Tom Hoyland" userId="736d7a3e-93c7-4109-90c5-e67b8b3e41b2" providerId="ADAL" clId="{A4D346AA-F248-6444-93C1-EF2F2E65C714}" dt="2024-08-13T07:40:02.434" v="517" actId="1076"/>
-          <ac:spMkLst>
-            <pc:docMk/>
-            <pc:sldMk cId="2712193479" sldId="271"/>
-            <ac:spMk id="27" creationId="{A82AA132-2F6D-308A-92C4-44C23B119428}"/>
-          </ac:spMkLst>
-        </pc:spChg>
-        <pc:spChg chg="mod">
-          <ac:chgData name="Tom Hoyland" userId="736d7a3e-93c7-4109-90c5-e67b8b3e41b2" providerId="ADAL" clId="{A4D346AA-F248-6444-93C1-EF2F2E65C714}" dt="2024-08-20T11:32:33.746" v="594" actId="20577"/>
-          <ac:spMkLst>
-            <pc:docMk/>
-            <pc:sldMk cId="2712193479" sldId="271"/>
-            <ac:spMk id="28" creationId="{5ACB057E-5EA7-0F53-3026-546099232574}"/>
-          </ac:spMkLst>
-        </pc:spChg>
-        <pc:spChg chg="mod">
-          <ac:chgData name="Tom Hoyland" userId="736d7a3e-93c7-4109-90c5-e67b8b3e41b2" providerId="ADAL" clId="{A4D346AA-F248-6444-93C1-EF2F2E65C714}" dt="2024-08-13T07:40:02.434" v="517" actId="1076"/>
-          <ac:spMkLst>
-            <pc:docMk/>
-            <pc:sldMk cId="2712193479" sldId="271"/>
-            <ac:spMk id="29" creationId="{73641E73-F1C1-EAD9-8C93-D55E7BD2CDF8}"/>
-          </ac:spMkLst>
-        </pc:spChg>
-        <pc:spChg chg="mod">
-          <ac:chgData name="Tom Hoyland" userId="736d7a3e-93c7-4109-90c5-e67b8b3e41b2" providerId="ADAL" clId="{A4D346AA-F248-6444-93C1-EF2F2E65C714}" dt="2024-08-13T07:40:02.434" v="517" actId="1076"/>
-          <ac:spMkLst>
-            <pc:docMk/>
-            <pc:sldMk cId="2712193479" sldId="271"/>
-            <ac:spMk id="30" creationId="{0E4E77C7-934A-84F8-113F-232F677D364F}"/>
-          </ac:spMkLst>
-        </pc:spChg>
-        <pc:spChg chg="mod">
-          <ac:chgData name="Tom Hoyland" userId="736d7a3e-93c7-4109-90c5-e67b8b3e41b2" providerId="ADAL" clId="{A4D346AA-F248-6444-93C1-EF2F2E65C714}" dt="2024-08-13T07:40:02.434" v="517" actId="1076"/>
-          <ac:spMkLst>
-            <pc:docMk/>
-            <pc:sldMk cId="2712193479" sldId="271"/>
-            <ac:spMk id="31" creationId="{18DF7356-8B91-65DC-8FE8-32BFE8F1A09C}"/>
-          </ac:spMkLst>
-        </pc:spChg>
-        <pc:spChg chg="mod">
-          <ac:chgData name="Tom Hoyland" userId="736d7a3e-93c7-4109-90c5-e67b8b3e41b2" providerId="ADAL" clId="{A4D346AA-F248-6444-93C1-EF2F2E65C714}" dt="2024-08-13T07:40:02.434" v="517" actId="1076"/>
-          <ac:spMkLst>
-            <pc:docMk/>
-            <pc:sldMk cId="2712193479" sldId="271"/>
-            <ac:spMk id="32" creationId="{CE0A2A4C-DC20-3B09-E6C1-86C7406F3E22}"/>
-          </ac:spMkLst>
-        </pc:spChg>
-        <pc:spChg chg="mod">
-          <ac:chgData name="Tom Hoyland" userId="736d7a3e-93c7-4109-90c5-e67b8b3e41b2" providerId="ADAL" clId="{A4D346AA-F248-6444-93C1-EF2F2E65C714}" dt="2024-08-13T07:40:02.434" v="517" actId="1076"/>
-          <ac:spMkLst>
-            <pc:docMk/>
-            <pc:sldMk cId="2712193479" sldId="271"/>
-            <ac:spMk id="33" creationId="{B0CF220A-8F25-72EA-707D-3F51885CA3B4}"/>
-          </ac:spMkLst>
-        </pc:spChg>
-        <pc:spChg chg="mod">
-          <ac:chgData name="Tom Hoyland" userId="736d7a3e-93c7-4109-90c5-e67b8b3e41b2" providerId="ADAL" clId="{A4D346AA-F248-6444-93C1-EF2F2E65C714}" dt="2024-08-13T07:40:02.434" v="517" actId="1076"/>
-          <ac:spMkLst>
-            <pc:docMk/>
-            <pc:sldMk cId="2712193479" sldId="271"/>
-            <ac:spMk id="34" creationId="{FD091573-20FC-A6D7-6867-DCE7669E0934}"/>
-          </ac:spMkLst>
-        </pc:spChg>
-        <pc:spChg chg="mod">
-          <ac:chgData name="Tom Hoyland" userId="736d7a3e-93c7-4109-90c5-e67b8b3e41b2" providerId="ADAL" clId="{A4D346AA-F248-6444-93C1-EF2F2E65C714}" dt="2024-08-13T07:40:02.434" v="517" actId="1076"/>
-          <ac:spMkLst>
-            <pc:docMk/>
-            <pc:sldMk cId="2712193479" sldId="271"/>
-            <ac:spMk id="35" creationId="{14C3540D-164D-0502-B9B3-99DA425B4CAA}"/>
-          </ac:spMkLst>
-        </pc:spChg>
-        <pc:spChg chg="mod">
-          <ac:chgData name="Tom Hoyland" userId="736d7a3e-93c7-4109-90c5-e67b8b3e41b2" providerId="ADAL" clId="{A4D346AA-F248-6444-93C1-EF2F2E65C714}" dt="2024-08-13T07:40:02.434" v="517" actId="1076"/>
-          <ac:spMkLst>
-            <pc:docMk/>
-            <pc:sldMk cId="2712193479" sldId="271"/>
-            <ac:spMk id="36" creationId="{E590E56E-C5E5-6786-556B-9FF43F6C6253}"/>
-          </ac:spMkLst>
-        </pc:spChg>
-        <pc:picChg chg="mod">
-          <ac:chgData name="Tom Hoyland" userId="736d7a3e-93c7-4109-90c5-e67b8b3e41b2" providerId="ADAL" clId="{A4D346AA-F248-6444-93C1-EF2F2E65C714}" dt="2024-08-13T07:40:02.434" v="517" actId="1076"/>
-          <ac:picMkLst>
-            <pc:docMk/>
-            <pc:sldMk cId="2712193479" sldId="271"/>
-            <ac:picMk id="5" creationId="{62116002-A9FA-E0AB-8E6A-8CEE2DB576CB}"/>
-          </ac:picMkLst>
-        </pc:picChg>
-        <pc:picChg chg="mod">
-          <ac:chgData name="Tom Hoyland" userId="736d7a3e-93c7-4109-90c5-e67b8b3e41b2" providerId="ADAL" clId="{A4D346AA-F248-6444-93C1-EF2F2E65C714}" dt="2024-08-13T07:40:02.434" v="517" actId="1076"/>
-          <ac:picMkLst>
-            <pc:docMk/>
-            <pc:sldMk cId="2712193479" sldId="271"/>
-            <ac:picMk id="6" creationId="{06F97ED0-2646-B792-8B99-24400765AE9E}"/>
-          </ac:picMkLst>
-        </pc:picChg>
-        <pc:picChg chg="mod">
-          <ac:chgData name="Tom Hoyland" userId="736d7a3e-93c7-4109-90c5-e67b8b3e41b2" providerId="ADAL" clId="{A4D346AA-F248-6444-93C1-EF2F2E65C714}" dt="2024-08-13T07:40:02.434" v="517" actId="1076"/>
-          <ac:picMkLst>
-            <pc:docMk/>
-            <pc:sldMk cId="2712193479" sldId="271"/>
-            <ac:picMk id="7" creationId="{D006BE89-01FB-EFD8-A0B0-468CE5796739}"/>
-          </ac:picMkLst>
-        </pc:picChg>
-        <pc:picChg chg="mod">
-          <ac:chgData name="Tom Hoyland" userId="736d7a3e-93c7-4109-90c5-e67b8b3e41b2" providerId="ADAL" clId="{A4D346AA-F248-6444-93C1-EF2F2E65C714}" dt="2024-08-13T07:40:02.434" v="517" actId="1076"/>
-          <ac:picMkLst>
-            <pc:docMk/>
-            <pc:sldMk cId="2712193479" sldId="271"/>
-            <ac:picMk id="9" creationId="{08B66EBF-2D1E-6E8B-FCBD-479EDE455568}"/>
-          </ac:picMkLst>
-        </pc:picChg>
-        <pc:picChg chg="mod">
-          <ac:chgData name="Tom Hoyland" userId="736d7a3e-93c7-4109-90c5-e67b8b3e41b2" providerId="ADAL" clId="{A4D346AA-F248-6444-93C1-EF2F2E65C714}" dt="2024-08-13T07:40:02.434" v="517" actId="1076"/>
-          <ac:picMkLst>
-            <pc:docMk/>
-            <pc:sldMk cId="2712193479" sldId="271"/>
-            <ac:picMk id="12" creationId="{0AF8A365-1CA9-E91D-685E-C97FBF85A01F}"/>
-          </ac:picMkLst>
-        </pc:picChg>
-        <pc:picChg chg="mod">
-          <ac:chgData name="Tom Hoyland" userId="736d7a3e-93c7-4109-90c5-e67b8b3e41b2" providerId="ADAL" clId="{A4D346AA-F248-6444-93C1-EF2F2E65C714}" dt="2024-08-13T07:40:02.434" v="517" actId="1076"/>
-          <ac:picMkLst>
-            <pc:docMk/>
-            <pc:sldMk cId="2712193479" sldId="271"/>
-            <ac:picMk id="15" creationId="{C1E2E61F-6957-C476-802C-DAA4E8E3D8FC}"/>
-          </ac:picMkLst>
-        </pc:picChg>
-        <pc:picChg chg="mod">
-          <ac:chgData name="Tom Hoyland" userId="736d7a3e-93c7-4109-90c5-e67b8b3e41b2" providerId="ADAL" clId="{A4D346AA-F248-6444-93C1-EF2F2E65C714}" dt="2024-08-13T07:40:02.434" v="517" actId="1076"/>
-          <ac:picMkLst>
-            <pc:docMk/>
-            <pc:sldMk cId="2712193479" sldId="271"/>
-            <ac:picMk id="17" creationId="{0F35D7D0-03F8-0064-B5AC-20BCCD3C6C55}"/>
-          </ac:picMkLst>
-        </pc:picChg>
-        <pc:picChg chg="mod">
-          <ac:chgData name="Tom Hoyland" userId="736d7a3e-93c7-4109-90c5-e67b8b3e41b2" providerId="ADAL" clId="{A4D346AA-F248-6444-93C1-EF2F2E65C714}" dt="2024-08-13T07:40:02.434" v="517" actId="1076"/>
-          <ac:picMkLst>
-            <pc:docMk/>
-            <pc:sldMk cId="2712193479" sldId="271"/>
-            <ac:picMk id="21" creationId="{75F00680-C90D-0C50-BAEB-68DD9870452B}"/>
-          </ac:picMkLst>
-        </pc:picChg>
-      </pc:sldChg>
-      <pc:sldChg chg="addSp modSp add mod ord">
-        <pc:chgData name="Tom Hoyland" userId="736d7a3e-93c7-4109-90c5-e67b8b3e41b2" providerId="ADAL" clId="{A4D346AA-F248-6444-93C1-EF2F2E65C714}" dt="2024-08-20T11:33:24.572" v="664" actId="404"/>
-        <pc:sldMkLst>
-          <pc:docMk/>
-          <pc:sldMk cId="248048730" sldId="272"/>
-        </pc:sldMkLst>
-        <pc:spChg chg="add mod">
-          <ac:chgData name="Tom Hoyland" userId="736d7a3e-93c7-4109-90c5-e67b8b3e41b2" providerId="ADAL" clId="{A4D346AA-F248-6444-93C1-EF2F2E65C714}" dt="2024-08-20T11:33:24.572" v="664" actId="404"/>
-          <ac:spMkLst>
-            <pc:docMk/>
-            <pc:sldMk cId="248048730" sldId="272"/>
-            <ac:spMk id="2" creationId="{DE49AD4B-7FB7-DB4B-1892-2174BDB55FDC}"/>
-          </ac:spMkLst>
-        </pc:spChg>
-        <pc:spChg chg="mod">
-          <ac:chgData name="Tom Hoyland" userId="736d7a3e-93c7-4109-90c5-e67b8b3e41b2" providerId="ADAL" clId="{A4D346AA-F248-6444-93C1-EF2F2E65C714}" dt="2024-08-20T11:33:03.837" v="628" actId="1036"/>
-          <ac:spMkLst>
-            <pc:docMk/>
-            <pc:sldMk cId="248048730" sldId="272"/>
-            <ac:spMk id="3" creationId="{213F28A4-07ED-C70E-C1A5-0B32C5A7DD8D}"/>
-          </ac:spMkLst>
-        </pc:spChg>
-        <pc:spChg chg="mod">
-          <ac:chgData name="Tom Hoyland" userId="736d7a3e-93c7-4109-90c5-e67b8b3e41b2" providerId="ADAL" clId="{A4D346AA-F248-6444-93C1-EF2F2E65C714}" dt="2024-08-20T11:33:03.837" v="628" actId="1036"/>
-          <ac:spMkLst>
-            <pc:docMk/>
-            <pc:sldMk cId="248048730" sldId="272"/>
-            <ac:spMk id="4" creationId="{DD555481-A9B5-D5E1-1F1B-EF8ED78D5CD8}"/>
-          </ac:spMkLst>
-        </pc:spChg>
-        <pc:spChg chg="mod">
-          <ac:chgData name="Tom Hoyland" userId="736d7a3e-93c7-4109-90c5-e67b8b3e41b2" providerId="ADAL" clId="{A4D346AA-F248-6444-93C1-EF2F2E65C714}" dt="2024-08-20T11:33:03.837" v="628" actId="1036"/>
-          <ac:spMkLst>
-            <pc:docMk/>
-            <pc:sldMk cId="248048730" sldId="272"/>
-            <ac:spMk id="8" creationId="{AEAF102F-143D-76EF-DF6D-8B165519A4A4}"/>
-          </ac:spMkLst>
-        </pc:spChg>
-        <pc:spChg chg="mod">
-          <ac:chgData name="Tom Hoyland" userId="736d7a3e-93c7-4109-90c5-e67b8b3e41b2" providerId="ADAL" clId="{A4D346AA-F248-6444-93C1-EF2F2E65C714}" dt="2024-08-20T11:33:03.837" v="628" actId="1036"/>
-          <ac:spMkLst>
-            <pc:docMk/>
-            <pc:sldMk cId="248048730" sldId="272"/>
-            <ac:spMk id="10" creationId="{4AFC90E1-B3DD-B446-A88F-D3102C4BE49F}"/>
-          </ac:spMkLst>
-        </pc:spChg>
-        <pc:spChg chg="mod">
-          <ac:chgData name="Tom Hoyland" userId="736d7a3e-93c7-4109-90c5-e67b8b3e41b2" providerId="ADAL" clId="{A4D346AA-F248-6444-93C1-EF2F2E65C714}" dt="2024-08-20T11:33:03.837" v="628" actId="1036"/>
-          <ac:spMkLst>
-            <pc:docMk/>
-            <pc:sldMk cId="248048730" sldId="272"/>
-            <ac:spMk id="11" creationId="{06C0DA98-AF63-8C25-12CC-42A79D849F04}"/>
-          </ac:spMkLst>
-        </pc:spChg>
-        <pc:spChg chg="mod">
-          <ac:chgData name="Tom Hoyland" userId="736d7a3e-93c7-4109-90c5-e67b8b3e41b2" providerId="ADAL" clId="{A4D346AA-F248-6444-93C1-EF2F2E65C714}" dt="2024-08-20T11:33:03.837" v="628" actId="1036"/>
-          <ac:spMkLst>
-            <pc:docMk/>
-            <pc:sldMk cId="248048730" sldId="272"/>
-            <ac:spMk id="13" creationId="{6D7F7EC6-1E57-62EB-8CD1-03BE4F5ADDED}"/>
-          </ac:spMkLst>
-        </pc:spChg>
-        <pc:spChg chg="mod">
-          <ac:chgData name="Tom Hoyland" userId="736d7a3e-93c7-4109-90c5-e67b8b3e41b2" providerId="ADAL" clId="{A4D346AA-F248-6444-93C1-EF2F2E65C714}" dt="2024-08-20T11:33:03.837" v="628" actId="1036"/>
-          <ac:spMkLst>
-            <pc:docMk/>
-            <pc:sldMk cId="248048730" sldId="272"/>
-            <ac:spMk id="14" creationId="{C264D8AC-B086-B921-85C6-5AF1DD6AD8DE}"/>
-          </ac:spMkLst>
-        </pc:spChg>
-        <pc:spChg chg="mod">
-          <ac:chgData name="Tom Hoyland" userId="736d7a3e-93c7-4109-90c5-e67b8b3e41b2" providerId="ADAL" clId="{A4D346AA-F248-6444-93C1-EF2F2E65C714}" dt="2024-08-20T11:33:03.837" v="628" actId="1036"/>
-          <ac:spMkLst>
-            <pc:docMk/>
-            <pc:sldMk cId="248048730" sldId="272"/>
-            <ac:spMk id="16" creationId="{E4800468-3CA0-2964-AA62-A3AA15AEBB24}"/>
-          </ac:spMkLst>
-        </pc:spChg>
-        <pc:spChg chg="mod">
-          <ac:chgData name="Tom Hoyland" userId="736d7a3e-93c7-4109-90c5-e67b8b3e41b2" providerId="ADAL" clId="{A4D346AA-F248-6444-93C1-EF2F2E65C714}" dt="2024-08-20T11:33:03.837" v="628" actId="1036"/>
-          <ac:spMkLst>
-            <pc:docMk/>
-            <pc:sldMk cId="248048730" sldId="272"/>
-            <ac:spMk id="18" creationId="{63271C5F-2656-11FB-BDA0-F18F429D4AB8}"/>
-          </ac:spMkLst>
-        </pc:spChg>
-        <pc:spChg chg="mod">
-          <ac:chgData name="Tom Hoyland" userId="736d7a3e-93c7-4109-90c5-e67b8b3e41b2" providerId="ADAL" clId="{A4D346AA-F248-6444-93C1-EF2F2E65C714}" dt="2024-08-20T11:33:03.837" v="628" actId="1036"/>
-          <ac:spMkLst>
-            <pc:docMk/>
-            <pc:sldMk cId="248048730" sldId="272"/>
-            <ac:spMk id="19" creationId="{70929939-537B-C447-115E-FED5AF8357AE}"/>
-          </ac:spMkLst>
-        </pc:spChg>
-        <pc:spChg chg="mod">
-          <ac:chgData name="Tom Hoyland" userId="736d7a3e-93c7-4109-90c5-e67b8b3e41b2" providerId="ADAL" clId="{A4D346AA-F248-6444-93C1-EF2F2E65C714}" dt="2024-08-20T11:33:03.837" v="628" actId="1036"/>
-          <ac:spMkLst>
-            <pc:docMk/>
-            <pc:sldMk cId="248048730" sldId="272"/>
-            <ac:spMk id="20" creationId="{59B90136-C70C-1F8D-144A-B8DAA91E8BFF}"/>
-          </ac:spMkLst>
-        </pc:spChg>
-        <pc:spChg chg="mod">
-          <ac:chgData name="Tom Hoyland" userId="736d7a3e-93c7-4109-90c5-e67b8b3e41b2" providerId="ADAL" clId="{A4D346AA-F248-6444-93C1-EF2F2E65C714}" dt="2024-08-20T11:33:03.837" v="628" actId="1036"/>
-          <ac:spMkLst>
-            <pc:docMk/>
-            <pc:sldMk cId="248048730" sldId="272"/>
-            <ac:spMk id="24" creationId="{58A0E144-52CD-ECF3-042B-7992A86DA18B}"/>
-          </ac:spMkLst>
-        </pc:spChg>
-        <pc:spChg chg="mod">
-          <ac:chgData name="Tom Hoyland" userId="736d7a3e-93c7-4109-90c5-e67b8b3e41b2" providerId="ADAL" clId="{A4D346AA-F248-6444-93C1-EF2F2E65C714}" dt="2024-08-20T11:33:03.837" v="628" actId="1036"/>
-          <ac:spMkLst>
-            <pc:docMk/>
-            <pc:sldMk cId="248048730" sldId="272"/>
-            <ac:spMk id="25" creationId="{38DEAD3F-0B7F-2B20-993E-A2B1F014B1CD}"/>
-          </ac:spMkLst>
-        </pc:spChg>
-        <pc:spChg chg="mod">
-          <ac:chgData name="Tom Hoyland" userId="736d7a3e-93c7-4109-90c5-e67b8b3e41b2" providerId="ADAL" clId="{A4D346AA-F248-6444-93C1-EF2F2E65C714}" dt="2024-08-20T11:33:03.837" v="628" actId="1036"/>
-          <ac:spMkLst>
-            <pc:docMk/>
-            <pc:sldMk cId="248048730" sldId="272"/>
-            <ac:spMk id="26" creationId="{3A945144-0789-5A0E-FC67-42CABE016FCE}"/>
-          </ac:spMkLst>
-        </pc:spChg>
-        <pc:spChg chg="mod">
-          <ac:chgData name="Tom Hoyland" userId="736d7a3e-93c7-4109-90c5-e67b8b3e41b2" providerId="ADAL" clId="{A4D346AA-F248-6444-93C1-EF2F2E65C714}" dt="2024-08-20T11:33:03.837" v="628" actId="1036"/>
-          <ac:spMkLst>
-            <pc:docMk/>
-            <pc:sldMk cId="248048730" sldId="272"/>
-            <ac:spMk id="27" creationId="{CCBC6816-D39B-700B-F344-1B0D25A1449C}"/>
-          </ac:spMkLst>
-        </pc:spChg>
-        <pc:spChg chg="mod">
-          <ac:chgData name="Tom Hoyland" userId="736d7a3e-93c7-4109-90c5-e67b8b3e41b2" providerId="ADAL" clId="{A4D346AA-F248-6444-93C1-EF2F2E65C714}" dt="2024-08-20T11:33:03.837" v="628" actId="1036"/>
-          <ac:spMkLst>
-            <pc:docMk/>
-            <pc:sldMk cId="248048730" sldId="272"/>
-            <ac:spMk id="28" creationId="{5A0B0504-FBD2-ED5A-4F3B-787A8587C05A}"/>
-          </ac:spMkLst>
-        </pc:spChg>
-        <pc:spChg chg="mod">
-          <ac:chgData name="Tom Hoyland" userId="736d7a3e-93c7-4109-90c5-e67b8b3e41b2" providerId="ADAL" clId="{A4D346AA-F248-6444-93C1-EF2F2E65C714}" dt="2024-08-20T11:33:03.837" v="628" actId="1036"/>
-          <ac:spMkLst>
-            <pc:docMk/>
-            <pc:sldMk cId="248048730" sldId="272"/>
-            <ac:spMk id="29" creationId="{68B58E08-22AA-A82B-48BD-73CAD4C99992}"/>
-          </ac:spMkLst>
-        </pc:spChg>
-        <pc:spChg chg="mod">
-          <ac:chgData name="Tom Hoyland" userId="736d7a3e-93c7-4109-90c5-e67b8b3e41b2" providerId="ADAL" clId="{A4D346AA-F248-6444-93C1-EF2F2E65C714}" dt="2024-08-20T11:33:03.837" v="628" actId="1036"/>
-          <ac:spMkLst>
-            <pc:docMk/>
-            <pc:sldMk cId="248048730" sldId="272"/>
-            <ac:spMk id="30" creationId="{DEFE14F4-97D1-71EF-B066-BF208197EC0B}"/>
-          </ac:spMkLst>
-        </pc:spChg>
-        <pc:spChg chg="mod">
-          <ac:chgData name="Tom Hoyland" userId="736d7a3e-93c7-4109-90c5-e67b8b3e41b2" providerId="ADAL" clId="{A4D346AA-F248-6444-93C1-EF2F2E65C714}" dt="2024-08-20T11:33:03.837" v="628" actId="1036"/>
-          <ac:spMkLst>
-            <pc:docMk/>
-            <pc:sldMk cId="248048730" sldId="272"/>
-            <ac:spMk id="31" creationId="{8D8F7CEF-134A-D3DA-8445-5A753AB0F80F}"/>
-          </ac:spMkLst>
-        </pc:spChg>
-        <pc:spChg chg="mod">
-          <ac:chgData name="Tom Hoyland" userId="736d7a3e-93c7-4109-90c5-e67b8b3e41b2" providerId="ADAL" clId="{A4D346AA-F248-6444-93C1-EF2F2E65C714}" dt="2024-08-20T11:33:03.837" v="628" actId="1036"/>
-          <ac:spMkLst>
-            <pc:docMk/>
-            <pc:sldMk cId="248048730" sldId="272"/>
-            <ac:spMk id="32" creationId="{5057154F-7DCF-A223-0510-F25D7FD2EE6A}"/>
-          </ac:spMkLst>
-        </pc:spChg>
-        <pc:spChg chg="mod">
-          <ac:chgData name="Tom Hoyland" userId="736d7a3e-93c7-4109-90c5-e67b8b3e41b2" providerId="ADAL" clId="{A4D346AA-F248-6444-93C1-EF2F2E65C714}" dt="2024-08-20T11:33:03.837" v="628" actId="1036"/>
-          <ac:spMkLst>
-            <pc:docMk/>
-            <pc:sldMk cId="248048730" sldId="272"/>
-            <ac:spMk id="33" creationId="{E0D8722E-83A8-C310-122A-30EA2816860E}"/>
-          </ac:spMkLst>
-        </pc:spChg>
-        <pc:spChg chg="mod">
-          <ac:chgData name="Tom Hoyland" userId="736d7a3e-93c7-4109-90c5-e67b8b3e41b2" providerId="ADAL" clId="{A4D346AA-F248-6444-93C1-EF2F2E65C714}" dt="2024-08-20T11:33:03.837" v="628" actId="1036"/>
-          <ac:spMkLst>
-            <pc:docMk/>
-            <pc:sldMk cId="248048730" sldId="272"/>
-            <ac:spMk id="34" creationId="{27018EDB-C14A-2175-DA20-52AE83F8940E}"/>
-          </ac:spMkLst>
-        </pc:spChg>
-        <pc:spChg chg="mod">
-          <ac:chgData name="Tom Hoyland" userId="736d7a3e-93c7-4109-90c5-e67b8b3e41b2" providerId="ADAL" clId="{A4D346AA-F248-6444-93C1-EF2F2E65C714}" dt="2024-08-20T11:33:03.837" v="628" actId="1036"/>
-          <ac:spMkLst>
-            <pc:docMk/>
-            <pc:sldMk cId="248048730" sldId="272"/>
-            <ac:spMk id="35" creationId="{64BD6B3C-21B9-94EB-9163-4D7A83A4A297}"/>
-          </ac:spMkLst>
-        </pc:spChg>
-        <pc:spChg chg="mod">
-          <ac:chgData name="Tom Hoyland" userId="736d7a3e-93c7-4109-90c5-e67b8b3e41b2" providerId="ADAL" clId="{A4D346AA-F248-6444-93C1-EF2F2E65C714}" dt="2024-08-20T11:33:03.837" v="628" actId="1036"/>
-          <ac:spMkLst>
-            <pc:docMk/>
-            <pc:sldMk cId="248048730" sldId="272"/>
-            <ac:spMk id="36" creationId="{965DF994-D945-F5CF-02B0-6FD96B778267}"/>
-          </ac:spMkLst>
-        </pc:spChg>
-        <pc:picChg chg="mod">
-          <ac:chgData name="Tom Hoyland" userId="736d7a3e-93c7-4109-90c5-e67b8b3e41b2" providerId="ADAL" clId="{A4D346AA-F248-6444-93C1-EF2F2E65C714}" dt="2024-08-20T11:33:03.837" v="628" actId="1036"/>
-          <ac:picMkLst>
-            <pc:docMk/>
-            <pc:sldMk cId="248048730" sldId="272"/>
-            <ac:picMk id="5" creationId="{6322FBD9-FD8F-9C95-2729-127E6A05B844}"/>
-          </ac:picMkLst>
-        </pc:picChg>
-        <pc:picChg chg="mod">
-          <ac:chgData name="Tom Hoyland" userId="736d7a3e-93c7-4109-90c5-e67b8b3e41b2" providerId="ADAL" clId="{A4D346AA-F248-6444-93C1-EF2F2E65C714}" dt="2024-08-20T11:33:03.837" v="628" actId="1036"/>
-          <ac:picMkLst>
-            <pc:docMk/>
-            <pc:sldMk cId="248048730" sldId="272"/>
-            <ac:picMk id="6" creationId="{2BE0E3B7-67DB-7D22-62F7-F28225398F7E}"/>
-          </ac:picMkLst>
-        </pc:picChg>
-        <pc:picChg chg="mod">
-          <ac:chgData name="Tom Hoyland" userId="736d7a3e-93c7-4109-90c5-e67b8b3e41b2" providerId="ADAL" clId="{A4D346AA-F248-6444-93C1-EF2F2E65C714}" dt="2024-08-20T11:33:03.837" v="628" actId="1036"/>
-          <ac:picMkLst>
-            <pc:docMk/>
-            <pc:sldMk cId="248048730" sldId="272"/>
-            <ac:picMk id="7" creationId="{4025EFFD-6B77-7453-3202-61E018612DB9}"/>
-          </ac:picMkLst>
-        </pc:picChg>
-        <pc:picChg chg="mod">
-          <ac:chgData name="Tom Hoyland" userId="736d7a3e-93c7-4109-90c5-e67b8b3e41b2" providerId="ADAL" clId="{A4D346AA-F248-6444-93C1-EF2F2E65C714}" dt="2024-08-20T11:33:03.837" v="628" actId="1036"/>
-          <ac:picMkLst>
-            <pc:docMk/>
-            <pc:sldMk cId="248048730" sldId="272"/>
-            <ac:picMk id="9" creationId="{AFD2E46D-615E-B65D-1188-F2A6AB1738D7}"/>
-          </ac:picMkLst>
-        </pc:picChg>
-        <pc:picChg chg="mod">
-          <ac:chgData name="Tom Hoyland" userId="736d7a3e-93c7-4109-90c5-e67b8b3e41b2" providerId="ADAL" clId="{A4D346AA-F248-6444-93C1-EF2F2E65C714}" dt="2024-08-20T11:33:03.837" v="628" actId="1036"/>
-          <ac:picMkLst>
-            <pc:docMk/>
-            <pc:sldMk cId="248048730" sldId="272"/>
-            <ac:picMk id="12" creationId="{5C0C4BE6-1C53-E473-95EA-95C0F5CF1564}"/>
-          </ac:picMkLst>
-        </pc:picChg>
-        <pc:picChg chg="mod">
-          <ac:chgData name="Tom Hoyland" userId="736d7a3e-93c7-4109-90c5-e67b8b3e41b2" providerId="ADAL" clId="{A4D346AA-F248-6444-93C1-EF2F2E65C714}" dt="2024-08-20T11:33:03.837" v="628" actId="1036"/>
-          <ac:picMkLst>
-            <pc:docMk/>
-            <pc:sldMk cId="248048730" sldId="272"/>
-            <ac:picMk id="15" creationId="{1A85A53A-A4EB-808E-BCEA-EEBBAB52ECBA}"/>
-          </ac:picMkLst>
-        </pc:picChg>
-        <pc:picChg chg="mod">
-          <ac:chgData name="Tom Hoyland" userId="736d7a3e-93c7-4109-90c5-e67b8b3e41b2" providerId="ADAL" clId="{A4D346AA-F248-6444-93C1-EF2F2E65C714}" dt="2024-08-20T11:33:03.837" v="628" actId="1036"/>
-          <ac:picMkLst>
-            <pc:docMk/>
-            <pc:sldMk cId="248048730" sldId="272"/>
-            <ac:picMk id="17" creationId="{0FE1B1AD-E962-2850-8199-8B489F405D39}"/>
-          </ac:picMkLst>
-        </pc:picChg>
-        <pc:picChg chg="mod">
-          <ac:chgData name="Tom Hoyland" userId="736d7a3e-93c7-4109-90c5-e67b8b3e41b2" providerId="ADAL" clId="{A4D346AA-F248-6444-93C1-EF2F2E65C714}" dt="2024-08-20T11:33:03.837" v="628" actId="1036"/>
-          <ac:picMkLst>
-            <pc:docMk/>
-            <pc:sldMk cId="248048730" sldId="272"/>
-            <ac:picMk id="21" creationId="{177349E7-5A4C-46C5-B5B8-4980C12E809F}"/>
-          </ac:picMkLst>
-        </pc:picChg>
       </pc:sldChg>
     </pc:docChg>
   </pc:docChgLst>
@@ -3250,7 +3250,7 @@
           <a:p>
             <a:fld id="{5C06DD1F-C8BB-C544-8951-53B94EFC2F92}" type="datetimeFigureOut">
               <a:rPr lang="en-GB" smtClean="0"/>
-              <a:t>10/11/2024</a:t>
+              <a:t>12/11/2024</a:t>
             </a:fld>
             <a:endParaRPr lang="en-GB" dirty="0"/>
           </a:p>
@@ -3772,7 +3772,7 @@
           <a:p>
             <a:fld id="{C2607E07-18ED-174A-9B6F-CAD87D1E6349}" type="datetimeFigureOut">
               <a:rPr lang="en-GB" smtClean="0"/>
-              <a:t>10/11/2024</a:t>
+              <a:t>12/11/2024</a:t>
             </a:fld>
             <a:endParaRPr lang="en-GB" dirty="0"/>
           </a:p>
@@ -3970,7 +3970,7 @@
           <a:p>
             <a:fld id="{C2607E07-18ED-174A-9B6F-CAD87D1E6349}" type="datetimeFigureOut">
               <a:rPr lang="en-GB" smtClean="0"/>
-              <a:t>10/11/2024</a:t>
+              <a:t>12/11/2024</a:t>
             </a:fld>
             <a:endParaRPr lang="en-GB" dirty="0"/>
           </a:p>
@@ -4178,7 +4178,7 @@
           <a:p>
             <a:fld id="{C2607E07-18ED-174A-9B6F-CAD87D1E6349}" type="datetimeFigureOut">
               <a:rPr lang="en-GB" smtClean="0"/>
-              <a:t>10/11/2024</a:t>
+              <a:t>12/11/2024</a:t>
             </a:fld>
             <a:endParaRPr lang="en-GB" dirty="0"/>
           </a:p>
@@ -4376,7 +4376,7 @@
           <a:p>
             <a:fld id="{C2607E07-18ED-174A-9B6F-CAD87D1E6349}" type="datetimeFigureOut">
               <a:rPr lang="en-GB" smtClean="0"/>
-              <a:t>10/11/2024</a:t>
+              <a:t>12/11/2024</a:t>
             </a:fld>
             <a:endParaRPr lang="en-GB" dirty="0"/>
           </a:p>
@@ -4651,7 +4651,7 @@
           <a:p>
             <a:fld id="{C2607E07-18ED-174A-9B6F-CAD87D1E6349}" type="datetimeFigureOut">
               <a:rPr lang="en-GB" smtClean="0"/>
-              <a:t>10/11/2024</a:t>
+              <a:t>12/11/2024</a:t>
             </a:fld>
             <a:endParaRPr lang="en-GB" dirty="0"/>
           </a:p>
@@ -4916,7 +4916,7 @@
           <a:p>
             <a:fld id="{C2607E07-18ED-174A-9B6F-CAD87D1E6349}" type="datetimeFigureOut">
               <a:rPr lang="en-GB" smtClean="0"/>
-              <a:t>10/11/2024</a:t>
+              <a:t>12/11/2024</a:t>
             </a:fld>
             <a:endParaRPr lang="en-GB" dirty="0"/>
           </a:p>
@@ -5328,7 +5328,7 @@
           <a:p>
             <a:fld id="{C2607E07-18ED-174A-9B6F-CAD87D1E6349}" type="datetimeFigureOut">
               <a:rPr lang="en-GB" smtClean="0"/>
-              <a:t>10/11/2024</a:t>
+              <a:t>12/11/2024</a:t>
             </a:fld>
             <a:endParaRPr lang="en-GB" dirty="0"/>
           </a:p>
@@ -5469,7 +5469,7 @@
           <a:p>
             <a:fld id="{C2607E07-18ED-174A-9B6F-CAD87D1E6349}" type="datetimeFigureOut">
               <a:rPr lang="en-GB" smtClean="0"/>
-              <a:t>10/11/2024</a:t>
+              <a:t>12/11/2024</a:t>
             </a:fld>
             <a:endParaRPr lang="en-GB" dirty="0"/>
           </a:p>
@@ -5582,7 +5582,7 @@
           <a:p>
             <a:fld id="{C2607E07-18ED-174A-9B6F-CAD87D1E6349}" type="datetimeFigureOut">
               <a:rPr lang="en-GB" smtClean="0"/>
-              <a:t>10/11/2024</a:t>
+              <a:t>12/11/2024</a:t>
             </a:fld>
             <a:endParaRPr lang="en-GB" dirty="0"/>
           </a:p>
@@ -5893,7 +5893,7 @@
           <a:p>
             <a:fld id="{C2607E07-18ED-174A-9B6F-CAD87D1E6349}" type="datetimeFigureOut">
               <a:rPr lang="en-GB" smtClean="0"/>
-              <a:t>10/11/2024</a:t>
+              <a:t>12/11/2024</a:t>
             </a:fld>
             <a:endParaRPr lang="en-GB" dirty="0"/>
           </a:p>
@@ -6181,7 +6181,7 @@
           <a:p>
             <a:fld id="{C2607E07-18ED-174A-9B6F-CAD87D1E6349}" type="datetimeFigureOut">
               <a:rPr lang="en-GB" smtClean="0"/>
-              <a:t>10/11/2024</a:t>
+              <a:t>12/11/2024</a:t>
             </a:fld>
             <a:endParaRPr lang="en-GB" dirty="0"/>
           </a:p>
@@ -6422,7 +6422,7 @@
           <a:p>
             <a:fld id="{C2607E07-18ED-174A-9B6F-CAD87D1E6349}" type="datetimeFigureOut">
               <a:rPr lang="en-GB" smtClean="0"/>
-              <a:t>10/11/2024</a:t>
+              <a:t>12/11/2024</a:t>
             </a:fld>
             <a:endParaRPr lang="en-GB" dirty="0"/>
           </a:p>
@@ -6891,7 +6891,12 @@
             <p:ph idx="1"/>
           </p:nvPr>
         </p:nvSpPr>
-        <p:spPr/>
+        <p:spPr>
+          <a:xfrm>
+            <a:off x="838200" y="1825625"/>
+            <a:ext cx="5497945" cy="4351338"/>
+          </a:xfrm>
+        </p:spPr>
         <p:txBody>
           <a:bodyPr>
             <a:noAutofit/>
@@ -7066,7 +7071,7 @@
                 <a:latin typeface="Arial" panose="020B0604020202020204" pitchFamily="34" charset="0"/>
                 <a:cs typeface="Arial" panose="020B0604020202020204" pitchFamily="34" charset="0"/>
               </a:rPr>
-              <a:t>Author: Tom Hoyland | Version 1.2</a:t>
+              <a:t>Author: Tom Hoyland | Version 1.3</a:t>
             </a:r>
           </a:p>
         </p:txBody>
@@ -7156,6 +7161,132 @@
                 <a:cs typeface="Arial" panose="020B0604020202020204" pitchFamily="34" charset="0"/>
               </a:rPr>
               <a:t>Agile Growth Pathway</a:t>
+            </a:r>
+          </a:p>
+        </p:txBody>
+      </p:sp>
+      <p:sp>
+        <p:nvSpPr>
+          <p:cNvPr id="4" name="Rectangle 3">
+            <a:extLst>
+              <a:ext uri="{FF2B5EF4-FFF2-40B4-BE49-F238E27FC236}">
+                <a16:creationId xmlns:a16="http://schemas.microsoft.com/office/drawing/2014/main" id="{DF8543F0-AF1B-07AA-0708-3158091B2C7C}"/>
+              </a:ext>
+            </a:extLst>
+          </p:cNvPr>
+          <p:cNvSpPr/>
+          <p:nvPr/>
+        </p:nvSpPr>
+        <p:spPr>
+          <a:xfrm>
+            <a:off x="7389090" y="1801561"/>
+            <a:ext cx="3964709" cy="3069648"/>
+          </a:xfrm>
+          <a:prstGeom prst="rect">
+            <a:avLst/>
+          </a:prstGeom>
+          <a:solidFill>
+            <a:schemeClr val="accent4">
+              <a:lumMod val="40000"/>
+              <a:lumOff val="60000"/>
+            </a:schemeClr>
+          </a:solidFill>
+          <a:ln>
+            <a:noFill/>
+          </a:ln>
+        </p:spPr>
+        <p:style>
+          <a:lnRef idx="2">
+            <a:schemeClr val="accent1">
+              <a:shade val="15000"/>
+            </a:schemeClr>
+          </a:lnRef>
+          <a:fillRef idx="1">
+            <a:schemeClr val="accent1"/>
+          </a:fillRef>
+          <a:effectRef idx="0">
+            <a:schemeClr val="accent1"/>
+          </a:effectRef>
+          <a:fontRef idx="minor">
+            <a:schemeClr val="lt1"/>
+          </a:fontRef>
+        </p:style>
+        <p:txBody>
+          <a:bodyPr rtlCol="0" anchor="ctr"/>
+          <a:lstStyle/>
+          <a:p>
+            <a:pPr algn="ctr"/>
+            <a:endParaRPr lang="en-GB"/>
+          </a:p>
+        </p:txBody>
+      </p:sp>
+      <p:pic>
+        <p:nvPicPr>
+          <p:cNvPr id="6" name="Graphic 5" descr="Information with solid fill">
+            <a:extLst>
+              <a:ext uri="{FF2B5EF4-FFF2-40B4-BE49-F238E27FC236}">
+                <a16:creationId xmlns:a16="http://schemas.microsoft.com/office/drawing/2014/main" id="{C5891918-0D9A-F443-39AA-16BC0CB0E6FD}"/>
+              </a:ext>
+            </a:extLst>
+          </p:cNvPr>
+          <p:cNvPicPr>
+            <a:picLocks noChangeAspect="1"/>
+          </p:cNvPicPr>
+          <p:nvPr/>
+        </p:nvPicPr>
+        <p:blipFill>
+          <a:blip r:embed="rId3">
+            <a:extLst>
+              <a:ext uri="{96DAC541-7B7A-43D3-8B79-37D633B846F1}">
+                <asvg:svgBlip xmlns:asvg="http://schemas.microsoft.com/office/drawing/2016/SVG/main" r:embed="rId4"/>
+              </a:ext>
+            </a:extLst>
+          </a:blip>
+          <a:stretch>
+            <a:fillRect/>
+          </a:stretch>
+        </p:blipFill>
+        <p:spPr>
+          <a:xfrm>
+            <a:off x="10925754" y="1846047"/>
+            <a:ext cx="383310" cy="383310"/>
+          </a:xfrm>
+          <a:prstGeom prst="rect">
+            <a:avLst/>
+          </a:prstGeom>
+        </p:spPr>
+      </p:pic>
+      <p:sp>
+        <p:nvSpPr>
+          <p:cNvPr id="9" name="TextBox 8">
+            <a:extLst>
+              <a:ext uri="{FF2B5EF4-FFF2-40B4-BE49-F238E27FC236}">
+                <a16:creationId xmlns:a16="http://schemas.microsoft.com/office/drawing/2014/main" id="{48742807-1EED-A726-B9D4-852794CA1FAD}"/>
+              </a:ext>
+            </a:extLst>
+          </p:cNvPr>
+          <p:cNvSpPr txBox="1"/>
+          <p:nvPr/>
+        </p:nvSpPr>
+        <p:spPr>
+          <a:xfrm>
+            <a:off x="7538018" y="1948033"/>
+            <a:ext cx="3447896" cy="2800767"/>
+          </a:xfrm>
+          <a:prstGeom prst="rect">
+            <a:avLst/>
+          </a:prstGeom>
+          <a:noFill/>
+        </p:spPr>
+        <p:txBody>
+          <a:bodyPr wrap="square" rtlCol="0">
+            <a:spAutoFit/>
+          </a:bodyPr>
+          <a:lstStyle/>
+          <a:p>
+            <a:r>
+              <a:rPr lang="en-GB" sz="1600" i="1" dirty="0"/>
+              <a:t>While structured around a scenario at Generic Inc., the Agile Growth Pathway is designed as a flexible resource for all. Use it as a pathway to follow, a foundation to adapt, or inspiration to create something similar in your own teams, communities, or organisations. Feel free to adopt, adapt, or disassemble it to best support your unique goals in agile professional development.</a:t>
             </a:r>
           </a:p>
         </p:txBody>
@@ -7444,7 +7575,7 @@
                 <a:latin typeface="Arial" panose="020B0604020202020204" pitchFamily="34" charset="0"/>
                 <a:cs typeface="Arial" panose="020B0604020202020204" pitchFamily="34" charset="0"/>
               </a:rPr>
-              <a:t>Author: Tom Hoyland | Version 1.2</a:t>
+              <a:t>Author: Tom Hoyland | Version 1.3</a:t>
             </a:r>
           </a:p>
         </p:txBody>
@@ -7834,7 +7965,7 @@
                 <a:latin typeface="Arial" panose="020B0604020202020204" pitchFamily="34" charset="0"/>
                 <a:cs typeface="Arial" panose="020B0604020202020204" pitchFamily="34" charset="0"/>
               </a:rPr>
-              <a:t>Author: Tom Hoyland | Version 1.2</a:t>
+              <a:t>Author: Tom Hoyland | Version 1.3</a:t>
             </a:r>
           </a:p>
         </p:txBody>
@@ -8115,7 +8246,7 @@
                 <a:latin typeface="Arial" panose="020B0604020202020204" pitchFamily="34" charset="0"/>
                 <a:cs typeface="Arial" panose="020B0604020202020204" pitchFamily="34" charset="0"/>
               </a:rPr>
-              <a:t>Author: Tom Hoyland | Version 1.2</a:t>
+              <a:t>Author: Tom Hoyland | Version 1.3</a:t>
             </a:r>
           </a:p>
         </p:txBody>
@@ -8456,7 +8587,7 @@
                 <a:latin typeface="Arial" panose="020B0604020202020204" pitchFamily="34" charset="0"/>
                 <a:cs typeface="Arial" panose="020B0604020202020204" pitchFamily="34" charset="0"/>
               </a:rPr>
-              <a:t>Author: Tom Hoyland | Version 1.2</a:t>
+              <a:t>Author: Tom Hoyland | Version 1.3</a:t>
             </a:r>
           </a:p>
         </p:txBody>
@@ -14465,7 +14596,7 @@
                 <a:latin typeface="Arial" panose="020B0604020202020204" pitchFamily="34" charset="0"/>
                 <a:cs typeface="Arial" panose="020B0604020202020204" pitchFamily="34" charset="0"/>
               </a:rPr>
-              <a:t>Author: Tom Hoyland | Version 1.2</a:t>
+              <a:t>Author: Tom Hoyland | Version 1.3</a:t>
             </a:r>
           </a:p>
         </p:txBody>
@@ -14822,7 +14953,7 @@
                 <a:latin typeface="Arial" panose="020B0604020202020204" pitchFamily="34" charset="0"/>
                 <a:cs typeface="Arial" panose="020B0604020202020204" pitchFamily="34" charset="0"/>
               </a:rPr>
-              <a:t>Author: Tom Hoyland | Version 1.2</a:t>
+              <a:t>Author: Tom Hoyland | Version 1.3</a:t>
             </a:r>
           </a:p>
         </p:txBody>
@@ -15148,7 +15279,7 @@
                 <a:latin typeface="Arial" panose="020B0604020202020204" pitchFamily="34" charset="0"/>
                 <a:cs typeface="Arial" panose="020B0604020202020204" pitchFamily="34" charset="0"/>
               </a:rPr>
-              <a:t>Author: Tom Hoyland | Version 1.2</a:t>
+              <a:t>Author: Tom Hoyland | Version 1.3</a:t>
             </a:r>
           </a:p>
         </p:txBody>
@@ -15460,7 +15591,7 @@
                 <a:latin typeface="Arial" panose="020B0604020202020204" pitchFamily="34" charset="0"/>
                 <a:cs typeface="Arial" panose="020B0604020202020204" pitchFamily="34" charset="0"/>
               </a:rPr>
-              <a:t>Author: Tom Hoyland | Version 1.2</a:t>
+              <a:t>Author: Tom Hoyland | Version 1.3</a:t>
             </a:r>
           </a:p>
         </p:txBody>
@@ -15793,7 +15924,7 @@
                 <a:latin typeface="Arial" panose="020B0604020202020204" pitchFamily="34" charset="0"/>
                 <a:cs typeface="Arial" panose="020B0604020202020204" pitchFamily="34" charset="0"/>
               </a:rPr>
-              <a:t>Author: Tom Hoyland | Version 1.2</a:t>
+              <a:t>Author: Tom Hoyland | Version 1.3</a:t>
             </a:r>
           </a:p>
         </p:txBody>
@@ -16095,7 +16226,7 @@
                 <a:latin typeface="Arial" panose="020B0604020202020204" pitchFamily="34" charset="0"/>
                 <a:cs typeface="Arial" panose="020B0604020202020204" pitchFamily="34" charset="0"/>
               </a:rPr>
-              <a:t>Author: Tom Hoyland | Version 1.2</a:t>
+              <a:t>Author: Tom Hoyland | Version 1.3</a:t>
             </a:r>
           </a:p>
         </p:txBody>
@@ -17072,7 +17203,7 @@
                 <a:latin typeface="Arial" panose="020B0604020202020204" pitchFamily="34" charset="0"/>
                 <a:cs typeface="Arial" panose="020B0604020202020204" pitchFamily="34" charset="0"/>
               </a:rPr>
-              <a:t>Author: Tom Hoyland | Version 1.2</a:t>
+              <a:t>Author: Tom Hoyland | Version 1.3</a:t>
             </a:r>
           </a:p>
         </p:txBody>
@@ -17664,7 +17795,7 @@
                 <a:latin typeface="Arial" panose="020B0604020202020204" pitchFamily="34" charset="0"/>
                 <a:cs typeface="Arial" panose="020B0604020202020204" pitchFamily="34" charset="0"/>
               </a:rPr>
-              <a:t>Author: Tom Hoyland | Version 1.2</a:t>
+              <a:t>Author: Tom Hoyland | Version 1.3</a:t>
             </a:r>
           </a:p>
         </p:txBody>
@@ -17970,7 +18101,7 @@
                 <a:latin typeface="Arial" panose="020B0604020202020204" pitchFamily="34" charset="0"/>
                 <a:cs typeface="Arial" panose="020B0604020202020204" pitchFamily="34" charset="0"/>
               </a:rPr>
-              <a:t>Author: Tom Hoyland | Version 1.2</a:t>
+              <a:t>Author: Tom Hoyland | Version 1.3</a:t>
             </a:r>
           </a:p>
         </p:txBody>
@@ -20013,7 +20144,7 @@
                 <a:latin typeface="Arial" panose="020B0604020202020204" pitchFamily="34" charset="0"/>
                 <a:cs typeface="Arial" panose="020B0604020202020204" pitchFamily="34" charset="0"/>
               </a:rPr>
-              <a:t>Author: Tom Hoyland | Version 1.2</a:t>
+              <a:t>Author: Tom Hoyland | Version 1.3</a:t>
             </a:r>
           </a:p>
         </p:txBody>

--- a/Agile-Growth-Pathway.pptx
+++ b/Agile-Growth-Pathway.pptx
@@ -247,803 +247,6 @@
     </pc:docChg>
   </pc:docChgLst>
   <pc:docChgLst>
-    <pc:chgData name="Tom Hoyland" userId="736d7a3e-93c7-4109-90c5-e67b8b3e41b2" providerId="ADAL" clId="{A4D346AA-F248-6444-93C1-EF2F2E65C714}"/>
-    <pc:docChg chg="undo custSel addSld delSld modSld sldOrd">
-      <pc:chgData name="Tom Hoyland" userId="736d7a3e-93c7-4109-90c5-e67b8b3e41b2" providerId="ADAL" clId="{A4D346AA-F248-6444-93C1-EF2F2E65C714}" dt="2024-08-20T11:33:24.572" v="664" actId="404"/>
-      <pc:docMkLst>
-        <pc:docMk/>
-      </pc:docMkLst>
-      <pc:sldChg chg="addSp delSp modSp mod">
-        <pc:chgData name="Tom Hoyland" userId="736d7a3e-93c7-4109-90c5-e67b8b3e41b2" providerId="ADAL" clId="{A4D346AA-F248-6444-93C1-EF2F2E65C714}" dt="2024-08-20T10:35:24.927" v="523" actId="1076"/>
-        <pc:sldMkLst>
-          <pc:docMk/>
-          <pc:sldMk cId="215971509" sldId="258"/>
-        </pc:sldMkLst>
-        <pc:spChg chg="add del mod">
-          <ac:chgData name="Tom Hoyland" userId="736d7a3e-93c7-4109-90c5-e67b8b3e41b2" providerId="ADAL" clId="{A4D346AA-F248-6444-93C1-EF2F2E65C714}" dt="2024-08-20T10:35:16.759" v="521"/>
-          <ac:spMkLst>
-            <pc:docMk/>
-            <pc:sldMk cId="215971509" sldId="258"/>
-            <ac:spMk id="2" creationId="{13C5DC61-1188-B764-894D-18FA2653502D}"/>
-          </ac:spMkLst>
-        </pc:spChg>
-        <pc:graphicFrameChg chg="mod modGraphic">
-          <ac:chgData name="Tom Hoyland" userId="736d7a3e-93c7-4109-90c5-e67b8b3e41b2" providerId="ADAL" clId="{A4D346AA-F248-6444-93C1-EF2F2E65C714}" dt="2024-08-20T10:35:24.927" v="523" actId="1076"/>
-          <ac:graphicFrameMkLst>
-            <pc:docMk/>
-            <pc:sldMk cId="215971509" sldId="258"/>
-            <ac:graphicFrameMk id="4" creationId="{2C24AB31-CFE6-05B1-A05C-CB4B8F5125D5}"/>
-          </ac:graphicFrameMkLst>
-        </pc:graphicFrameChg>
-      </pc:sldChg>
-      <pc:sldChg chg="addSp delSp modSp del mod">
-        <pc:chgData name="Tom Hoyland" userId="736d7a3e-93c7-4109-90c5-e67b8b3e41b2" providerId="ADAL" clId="{A4D346AA-F248-6444-93C1-EF2F2E65C714}" dt="2024-08-20T11:32:51.918" v="598" actId="2696"/>
-        <pc:sldMkLst>
-          <pc:docMk/>
-          <pc:sldMk cId="1551894915" sldId="261"/>
-        </pc:sldMkLst>
-        <pc:spChg chg="del">
-          <ac:chgData name="Tom Hoyland" userId="736d7a3e-93c7-4109-90c5-e67b8b3e41b2" providerId="ADAL" clId="{A4D346AA-F248-6444-93C1-EF2F2E65C714}" dt="2024-08-20T11:32:39.566" v="595" actId="478"/>
-          <ac:spMkLst>
-            <pc:docMk/>
-            <pc:sldMk cId="1551894915" sldId="261"/>
-            <ac:spMk id="2" creationId="{60114F5B-200D-5E80-5596-D97099667249}"/>
-          </ac:spMkLst>
-        </pc:spChg>
-        <pc:spChg chg="add mod">
-          <ac:chgData name="Tom Hoyland" userId="736d7a3e-93c7-4109-90c5-e67b8b3e41b2" providerId="ADAL" clId="{A4D346AA-F248-6444-93C1-EF2F2E65C714}" dt="2024-08-20T11:32:39.566" v="595" actId="478"/>
-          <ac:spMkLst>
-            <pc:docMk/>
-            <pc:sldMk cId="1551894915" sldId="261"/>
-            <ac:spMk id="4" creationId="{D965E8EF-04AD-6DBB-D01A-5F2B61C6026F}"/>
-          </ac:spMkLst>
-        </pc:spChg>
-        <pc:spChg chg="del">
-          <ac:chgData name="Tom Hoyland" userId="736d7a3e-93c7-4109-90c5-e67b8b3e41b2" providerId="ADAL" clId="{A4D346AA-F248-6444-93C1-EF2F2E65C714}" dt="2024-08-20T11:32:39.566" v="595" actId="478"/>
-          <ac:spMkLst>
-            <pc:docMk/>
-            <pc:sldMk cId="1551894915" sldId="261"/>
-            <ac:spMk id="8" creationId="{8CDDB97D-A02F-8254-5432-E930CF01E0FC}"/>
-          </ac:spMkLst>
-        </pc:spChg>
-        <pc:spChg chg="del">
-          <ac:chgData name="Tom Hoyland" userId="736d7a3e-93c7-4109-90c5-e67b8b3e41b2" providerId="ADAL" clId="{A4D346AA-F248-6444-93C1-EF2F2E65C714}" dt="2024-08-20T11:32:39.566" v="595" actId="478"/>
-          <ac:spMkLst>
-            <pc:docMk/>
-            <pc:sldMk cId="1551894915" sldId="261"/>
-            <ac:spMk id="10" creationId="{C258F823-7B51-957A-9C20-93136D988928}"/>
-          </ac:spMkLst>
-        </pc:spChg>
-        <pc:spChg chg="del">
-          <ac:chgData name="Tom Hoyland" userId="736d7a3e-93c7-4109-90c5-e67b8b3e41b2" providerId="ADAL" clId="{A4D346AA-F248-6444-93C1-EF2F2E65C714}" dt="2024-08-20T11:32:39.566" v="595" actId="478"/>
-          <ac:spMkLst>
-            <pc:docMk/>
-            <pc:sldMk cId="1551894915" sldId="261"/>
-            <ac:spMk id="11" creationId="{706FB268-040E-2102-1308-B242A93B903A}"/>
-          </ac:spMkLst>
-        </pc:spChg>
-        <pc:spChg chg="del">
-          <ac:chgData name="Tom Hoyland" userId="736d7a3e-93c7-4109-90c5-e67b8b3e41b2" providerId="ADAL" clId="{A4D346AA-F248-6444-93C1-EF2F2E65C714}" dt="2024-08-20T11:32:39.566" v="595" actId="478"/>
-          <ac:spMkLst>
-            <pc:docMk/>
-            <pc:sldMk cId="1551894915" sldId="261"/>
-            <ac:spMk id="13" creationId="{380E85BC-FF65-970E-3CDA-C005D8E7882F}"/>
-          </ac:spMkLst>
-        </pc:spChg>
-        <pc:spChg chg="del">
-          <ac:chgData name="Tom Hoyland" userId="736d7a3e-93c7-4109-90c5-e67b8b3e41b2" providerId="ADAL" clId="{A4D346AA-F248-6444-93C1-EF2F2E65C714}" dt="2024-08-20T11:32:39.566" v="595" actId="478"/>
-          <ac:spMkLst>
-            <pc:docMk/>
-            <pc:sldMk cId="1551894915" sldId="261"/>
-            <ac:spMk id="14" creationId="{042E4238-C41B-D73B-C28B-0B462803692E}"/>
-          </ac:spMkLst>
-        </pc:spChg>
-        <pc:spChg chg="del">
-          <ac:chgData name="Tom Hoyland" userId="736d7a3e-93c7-4109-90c5-e67b8b3e41b2" providerId="ADAL" clId="{A4D346AA-F248-6444-93C1-EF2F2E65C714}" dt="2024-08-20T11:32:39.566" v="595" actId="478"/>
-          <ac:spMkLst>
-            <pc:docMk/>
-            <pc:sldMk cId="1551894915" sldId="261"/>
-            <ac:spMk id="16" creationId="{24D6D5B8-560A-7C70-9E81-B8EFB579F08E}"/>
-          </ac:spMkLst>
-        </pc:spChg>
-        <pc:spChg chg="del">
-          <ac:chgData name="Tom Hoyland" userId="736d7a3e-93c7-4109-90c5-e67b8b3e41b2" providerId="ADAL" clId="{A4D346AA-F248-6444-93C1-EF2F2E65C714}" dt="2024-08-20T11:32:39.566" v="595" actId="478"/>
-          <ac:spMkLst>
-            <pc:docMk/>
-            <pc:sldMk cId="1551894915" sldId="261"/>
-            <ac:spMk id="18" creationId="{F93BD877-DC0E-E976-9DE4-BE888B19CF0F}"/>
-          </ac:spMkLst>
-        </pc:spChg>
-        <pc:spChg chg="del">
-          <ac:chgData name="Tom Hoyland" userId="736d7a3e-93c7-4109-90c5-e67b8b3e41b2" providerId="ADAL" clId="{A4D346AA-F248-6444-93C1-EF2F2E65C714}" dt="2024-08-20T11:32:39.566" v="595" actId="478"/>
-          <ac:spMkLst>
-            <pc:docMk/>
-            <pc:sldMk cId="1551894915" sldId="261"/>
-            <ac:spMk id="28" creationId="{5ACB057E-5EA7-0F53-3026-546099232574}"/>
-          </ac:spMkLst>
-        </pc:spChg>
-        <pc:spChg chg="del">
-          <ac:chgData name="Tom Hoyland" userId="736d7a3e-93c7-4109-90c5-e67b8b3e41b2" providerId="ADAL" clId="{A4D346AA-F248-6444-93C1-EF2F2E65C714}" dt="2024-08-20T11:32:39.566" v="595" actId="478"/>
-          <ac:spMkLst>
-            <pc:docMk/>
-            <pc:sldMk cId="1551894915" sldId="261"/>
-            <ac:spMk id="29" creationId="{73641E73-F1C1-EAD9-8C93-D55E7BD2CDF8}"/>
-          </ac:spMkLst>
-        </pc:spChg>
-        <pc:spChg chg="del">
-          <ac:chgData name="Tom Hoyland" userId="736d7a3e-93c7-4109-90c5-e67b8b3e41b2" providerId="ADAL" clId="{A4D346AA-F248-6444-93C1-EF2F2E65C714}" dt="2024-08-20T11:32:39.566" v="595" actId="478"/>
-          <ac:spMkLst>
-            <pc:docMk/>
-            <pc:sldMk cId="1551894915" sldId="261"/>
-            <ac:spMk id="30" creationId="{0E4E77C7-934A-84F8-113F-232F677D364F}"/>
-          </ac:spMkLst>
-        </pc:spChg>
-        <pc:spChg chg="del">
-          <ac:chgData name="Tom Hoyland" userId="736d7a3e-93c7-4109-90c5-e67b8b3e41b2" providerId="ADAL" clId="{A4D346AA-F248-6444-93C1-EF2F2E65C714}" dt="2024-08-20T11:32:39.566" v="595" actId="478"/>
-          <ac:spMkLst>
-            <pc:docMk/>
-            <pc:sldMk cId="1551894915" sldId="261"/>
-            <ac:spMk id="31" creationId="{18DF7356-8B91-65DC-8FE8-32BFE8F1A09C}"/>
-          </ac:spMkLst>
-        </pc:spChg>
-        <pc:spChg chg="del">
-          <ac:chgData name="Tom Hoyland" userId="736d7a3e-93c7-4109-90c5-e67b8b3e41b2" providerId="ADAL" clId="{A4D346AA-F248-6444-93C1-EF2F2E65C714}" dt="2024-08-20T11:32:39.566" v="595" actId="478"/>
-          <ac:spMkLst>
-            <pc:docMk/>
-            <pc:sldMk cId="1551894915" sldId="261"/>
-            <ac:spMk id="32" creationId="{CE0A2A4C-DC20-3B09-E6C1-86C7406F3E22}"/>
-          </ac:spMkLst>
-        </pc:spChg>
-        <pc:spChg chg="del">
-          <ac:chgData name="Tom Hoyland" userId="736d7a3e-93c7-4109-90c5-e67b8b3e41b2" providerId="ADAL" clId="{A4D346AA-F248-6444-93C1-EF2F2E65C714}" dt="2024-08-20T11:32:39.566" v="595" actId="478"/>
-          <ac:spMkLst>
-            <pc:docMk/>
-            <pc:sldMk cId="1551894915" sldId="261"/>
-            <ac:spMk id="33" creationId="{B0CF220A-8F25-72EA-707D-3F51885CA3B4}"/>
-          </ac:spMkLst>
-        </pc:spChg>
-        <pc:spChg chg="del">
-          <ac:chgData name="Tom Hoyland" userId="736d7a3e-93c7-4109-90c5-e67b8b3e41b2" providerId="ADAL" clId="{A4D346AA-F248-6444-93C1-EF2F2E65C714}" dt="2024-08-20T11:32:39.566" v="595" actId="478"/>
-          <ac:spMkLst>
-            <pc:docMk/>
-            <pc:sldMk cId="1551894915" sldId="261"/>
-            <ac:spMk id="34" creationId="{FD091573-20FC-A6D7-6867-DCE7669E0934}"/>
-          </ac:spMkLst>
-        </pc:spChg>
-        <pc:spChg chg="del">
-          <ac:chgData name="Tom Hoyland" userId="736d7a3e-93c7-4109-90c5-e67b8b3e41b2" providerId="ADAL" clId="{A4D346AA-F248-6444-93C1-EF2F2E65C714}" dt="2024-08-20T11:32:39.566" v="595" actId="478"/>
-          <ac:spMkLst>
-            <pc:docMk/>
-            <pc:sldMk cId="1551894915" sldId="261"/>
-            <ac:spMk id="35" creationId="{14C3540D-164D-0502-B9B3-99DA425B4CAA}"/>
-          </ac:spMkLst>
-        </pc:spChg>
-        <pc:spChg chg="del">
-          <ac:chgData name="Tom Hoyland" userId="736d7a3e-93c7-4109-90c5-e67b8b3e41b2" providerId="ADAL" clId="{A4D346AA-F248-6444-93C1-EF2F2E65C714}" dt="2024-08-20T11:32:39.566" v="595" actId="478"/>
-          <ac:spMkLst>
-            <pc:docMk/>
-            <pc:sldMk cId="1551894915" sldId="261"/>
-            <ac:spMk id="36" creationId="{E590E56E-C5E5-6786-556B-9FF43F6C6253}"/>
-          </ac:spMkLst>
-        </pc:spChg>
-        <pc:picChg chg="del">
-          <ac:chgData name="Tom Hoyland" userId="736d7a3e-93c7-4109-90c5-e67b8b3e41b2" providerId="ADAL" clId="{A4D346AA-F248-6444-93C1-EF2F2E65C714}" dt="2024-08-20T11:32:39.566" v="595" actId="478"/>
-          <ac:picMkLst>
-            <pc:docMk/>
-            <pc:sldMk cId="1551894915" sldId="261"/>
-            <ac:picMk id="5" creationId="{62116002-A9FA-E0AB-8E6A-8CEE2DB576CB}"/>
-          </ac:picMkLst>
-        </pc:picChg>
-        <pc:picChg chg="del">
-          <ac:chgData name="Tom Hoyland" userId="736d7a3e-93c7-4109-90c5-e67b8b3e41b2" providerId="ADAL" clId="{A4D346AA-F248-6444-93C1-EF2F2E65C714}" dt="2024-08-20T11:32:39.566" v="595" actId="478"/>
-          <ac:picMkLst>
-            <pc:docMk/>
-            <pc:sldMk cId="1551894915" sldId="261"/>
-            <ac:picMk id="6" creationId="{06F97ED0-2646-B792-8B99-24400765AE9E}"/>
-          </ac:picMkLst>
-        </pc:picChg>
-        <pc:picChg chg="del">
-          <ac:chgData name="Tom Hoyland" userId="736d7a3e-93c7-4109-90c5-e67b8b3e41b2" providerId="ADAL" clId="{A4D346AA-F248-6444-93C1-EF2F2E65C714}" dt="2024-08-20T11:32:39.566" v="595" actId="478"/>
-          <ac:picMkLst>
-            <pc:docMk/>
-            <pc:sldMk cId="1551894915" sldId="261"/>
-            <ac:picMk id="7" creationId="{D006BE89-01FB-EFD8-A0B0-468CE5796739}"/>
-          </ac:picMkLst>
-        </pc:picChg>
-        <pc:picChg chg="del">
-          <ac:chgData name="Tom Hoyland" userId="736d7a3e-93c7-4109-90c5-e67b8b3e41b2" providerId="ADAL" clId="{A4D346AA-F248-6444-93C1-EF2F2E65C714}" dt="2024-08-20T11:32:39.566" v="595" actId="478"/>
-          <ac:picMkLst>
-            <pc:docMk/>
-            <pc:sldMk cId="1551894915" sldId="261"/>
-            <ac:picMk id="9" creationId="{08B66EBF-2D1E-6E8B-FCBD-479EDE455568}"/>
-          </ac:picMkLst>
-        </pc:picChg>
-        <pc:picChg chg="del">
-          <ac:chgData name="Tom Hoyland" userId="736d7a3e-93c7-4109-90c5-e67b8b3e41b2" providerId="ADAL" clId="{A4D346AA-F248-6444-93C1-EF2F2E65C714}" dt="2024-08-20T11:32:39.566" v="595" actId="478"/>
-          <ac:picMkLst>
-            <pc:docMk/>
-            <pc:sldMk cId="1551894915" sldId="261"/>
-            <ac:picMk id="12" creationId="{0AF8A365-1CA9-E91D-685E-C97FBF85A01F}"/>
-          </ac:picMkLst>
-        </pc:picChg>
-        <pc:picChg chg="del">
-          <ac:chgData name="Tom Hoyland" userId="736d7a3e-93c7-4109-90c5-e67b8b3e41b2" providerId="ADAL" clId="{A4D346AA-F248-6444-93C1-EF2F2E65C714}" dt="2024-08-20T11:32:39.566" v="595" actId="478"/>
-          <ac:picMkLst>
-            <pc:docMk/>
-            <pc:sldMk cId="1551894915" sldId="261"/>
-            <ac:picMk id="15" creationId="{C1E2E61F-6957-C476-802C-DAA4E8E3D8FC}"/>
-          </ac:picMkLst>
-        </pc:picChg>
-        <pc:picChg chg="del">
-          <ac:chgData name="Tom Hoyland" userId="736d7a3e-93c7-4109-90c5-e67b8b3e41b2" providerId="ADAL" clId="{A4D346AA-F248-6444-93C1-EF2F2E65C714}" dt="2024-08-20T11:32:39.566" v="595" actId="478"/>
-          <ac:picMkLst>
-            <pc:docMk/>
-            <pc:sldMk cId="1551894915" sldId="261"/>
-            <ac:picMk id="17" creationId="{0F35D7D0-03F8-0064-B5AC-20BCCD3C6C55}"/>
-          </ac:picMkLst>
-        </pc:picChg>
-        <pc:picChg chg="del">
-          <ac:chgData name="Tom Hoyland" userId="736d7a3e-93c7-4109-90c5-e67b8b3e41b2" providerId="ADAL" clId="{A4D346AA-F248-6444-93C1-EF2F2E65C714}" dt="2024-08-20T11:32:39.566" v="595" actId="478"/>
-          <ac:picMkLst>
-            <pc:docMk/>
-            <pc:sldMk cId="1551894915" sldId="261"/>
-            <ac:picMk id="21" creationId="{75F00680-C90D-0C50-BAEB-68DD9870452B}"/>
-          </ac:picMkLst>
-        </pc:picChg>
-      </pc:sldChg>
-      <pc:sldChg chg="addSp delSp modSp add mod ord">
-        <pc:chgData name="Tom Hoyland" userId="736d7a3e-93c7-4109-90c5-e67b8b3e41b2" providerId="ADAL" clId="{A4D346AA-F248-6444-93C1-EF2F2E65C714}" dt="2024-08-20T11:32:33.746" v="594" actId="20577"/>
-        <pc:sldMkLst>
-          <pc:docMk/>
-          <pc:sldMk cId="2712193479" sldId="271"/>
-        </pc:sldMkLst>
-        <pc:spChg chg="del">
-          <ac:chgData name="Tom Hoyland" userId="736d7a3e-93c7-4109-90c5-e67b8b3e41b2" providerId="ADAL" clId="{A4D346AA-F248-6444-93C1-EF2F2E65C714}" dt="2024-08-13T07:33:26.326" v="156" actId="478"/>
-          <ac:spMkLst>
-            <pc:docMk/>
-            <pc:sldMk cId="2712193479" sldId="271"/>
-            <ac:spMk id="2" creationId="{60114F5B-200D-5E80-5596-D97099667249}"/>
-          </ac:spMkLst>
-        </pc:spChg>
-        <pc:spChg chg="add mod">
-          <ac:chgData name="Tom Hoyland" userId="736d7a3e-93c7-4109-90c5-e67b8b3e41b2" providerId="ADAL" clId="{A4D346AA-F248-6444-93C1-EF2F2E65C714}" dt="2024-08-13T07:40:02.434" v="517" actId="1076"/>
-          <ac:spMkLst>
-            <pc:docMk/>
-            <pc:sldMk cId="2712193479" sldId="271"/>
-            <ac:spMk id="3" creationId="{43F9F6AE-A5AC-2E03-0D6A-B04BA76B49BC}"/>
-          </ac:spMkLst>
-        </pc:spChg>
-        <pc:spChg chg="add mod">
-          <ac:chgData name="Tom Hoyland" userId="736d7a3e-93c7-4109-90c5-e67b8b3e41b2" providerId="ADAL" clId="{A4D346AA-F248-6444-93C1-EF2F2E65C714}" dt="2024-08-13T07:40:02.434" v="517" actId="1076"/>
-          <ac:spMkLst>
-            <pc:docMk/>
-            <pc:sldMk cId="2712193479" sldId="271"/>
-            <ac:spMk id="4" creationId="{E151A129-60CE-5725-DCEC-DF20AB33301A}"/>
-          </ac:spMkLst>
-        </pc:spChg>
-        <pc:spChg chg="mod">
-          <ac:chgData name="Tom Hoyland" userId="736d7a3e-93c7-4109-90c5-e67b8b3e41b2" providerId="ADAL" clId="{A4D346AA-F248-6444-93C1-EF2F2E65C714}" dt="2024-08-20T11:32:22.457" v="585" actId="20577"/>
-          <ac:spMkLst>
-            <pc:docMk/>
-            <pc:sldMk cId="2712193479" sldId="271"/>
-            <ac:spMk id="8" creationId="{8CDDB97D-A02F-8254-5432-E930CF01E0FC}"/>
-          </ac:spMkLst>
-        </pc:spChg>
-        <pc:spChg chg="mod">
-          <ac:chgData name="Tom Hoyland" userId="736d7a3e-93c7-4109-90c5-e67b8b3e41b2" providerId="ADAL" clId="{A4D346AA-F248-6444-93C1-EF2F2E65C714}" dt="2024-08-20T11:32:20.806" v="584" actId="20577"/>
-          <ac:spMkLst>
-            <pc:docMk/>
-            <pc:sldMk cId="2712193479" sldId="271"/>
-            <ac:spMk id="10" creationId="{C258F823-7B51-957A-9C20-93136D988928}"/>
-          </ac:spMkLst>
-        </pc:spChg>
-        <pc:spChg chg="mod">
-          <ac:chgData name="Tom Hoyland" userId="736d7a3e-93c7-4109-90c5-e67b8b3e41b2" providerId="ADAL" clId="{A4D346AA-F248-6444-93C1-EF2F2E65C714}" dt="2024-08-20T11:32:25.812" v="587" actId="20577"/>
-          <ac:spMkLst>
-            <pc:docMk/>
-            <pc:sldMk cId="2712193479" sldId="271"/>
-            <ac:spMk id="11" creationId="{706FB268-040E-2102-1308-B242A93B903A}"/>
-          </ac:spMkLst>
-        </pc:spChg>
-        <pc:spChg chg="mod">
-          <ac:chgData name="Tom Hoyland" userId="736d7a3e-93c7-4109-90c5-e67b8b3e41b2" providerId="ADAL" clId="{A4D346AA-F248-6444-93C1-EF2F2E65C714}" dt="2024-08-20T11:32:29.695" v="592" actId="20577"/>
-          <ac:spMkLst>
-            <pc:docMk/>
-            <pc:sldMk cId="2712193479" sldId="271"/>
-            <ac:spMk id="13" creationId="{380E85BC-FF65-970E-3CDA-C005D8E7882F}"/>
-          </ac:spMkLst>
-        </pc:spChg>
-        <pc:spChg chg="mod">
-          <ac:chgData name="Tom Hoyland" userId="736d7a3e-93c7-4109-90c5-e67b8b3e41b2" providerId="ADAL" clId="{A4D346AA-F248-6444-93C1-EF2F2E65C714}" dt="2024-08-20T11:32:32.158" v="593" actId="20577"/>
-          <ac:spMkLst>
-            <pc:docMk/>
-            <pc:sldMk cId="2712193479" sldId="271"/>
-            <ac:spMk id="14" creationId="{042E4238-C41B-D73B-C28B-0B462803692E}"/>
-          </ac:spMkLst>
-        </pc:spChg>
-        <pc:spChg chg="mod">
-          <ac:chgData name="Tom Hoyland" userId="736d7a3e-93c7-4109-90c5-e67b8b3e41b2" providerId="ADAL" clId="{A4D346AA-F248-6444-93C1-EF2F2E65C714}" dt="2024-08-20T11:32:24.083" v="586" actId="20577"/>
-          <ac:spMkLst>
-            <pc:docMk/>
-            <pc:sldMk cId="2712193479" sldId="271"/>
-            <ac:spMk id="16" creationId="{24D6D5B8-560A-7C70-9E81-B8EFB579F08E}"/>
-          </ac:spMkLst>
-        </pc:spChg>
-        <pc:spChg chg="mod">
-          <ac:chgData name="Tom Hoyland" userId="736d7a3e-93c7-4109-90c5-e67b8b3e41b2" providerId="ADAL" clId="{A4D346AA-F248-6444-93C1-EF2F2E65C714}" dt="2024-08-20T11:32:19.042" v="583" actId="20577"/>
-          <ac:spMkLst>
-            <pc:docMk/>
-            <pc:sldMk cId="2712193479" sldId="271"/>
-            <ac:spMk id="18" creationId="{F93BD877-DC0E-E976-9DE4-BE888B19CF0F}"/>
-          </ac:spMkLst>
-        </pc:spChg>
-        <pc:spChg chg="add mod">
-          <ac:chgData name="Tom Hoyland" userId="736d7a3e-93c7-4109-90c5-e67b8b3e41b2" providerId="ADAL" clId="{A4D346AA-F248-6444-93C1-EF2F2E65C714}" dt="2024-08-13T07:40:02.434" v="517" actId="1076"/>
-          <ac:spMkLst>
-            <pc:docMk/>
-            <pc:sldMk cId="2712193479" sldId="271"/>
-            <ac:spMk id="19" creationId="{9BC32168-0734-E7F4-DDAC-4419BE1ED0AC}"/>
-          </ac:spMkLst>
-        </pc:spChg>
-        <pc:spChg chg="add mod">
-          <ac:chgData name="Tom Hoyland" userId="736d7a3e-93c7-4109-90c5-e67b8b3e41b2" providerId="ADAL" clId="{A4D346AA-F248-6444-93C1-EF2F2E65C714}" dt="2024-08-13T07:40:02.434" v="517" actId="1076"/>
-          <ac:spMkLst>
-            <pc:docMk/>
-            <pc:sldMk cId="2712193479" sldId="271"/>
-            <ac:spMk id="20" creationId="{69D48872-11CB-3A33-9C96-131727D0AB45}"/>
-          </ac:spMkLst>
-        </pc:spChg>
-        <pc:spChg chg="add del mod">
-          <ac:chgData name="Tom Hoyland" userId="736d7a3e-93c7-4109-90c5-e67b8b3e41b2" providerId="ADAL" clId="{A4D346AA-F248-6444-93C1-EF2F2E65C714}" dt="2024-08-13T07:33:28.075" v="157" actId="478"/>
-          <ac:spMkLst>
-            <pc:docMk/>
-            <pc:sldMk cId="2712193479" sldId="271"/>
-            <ac:spMk id="23" creationId="{97374FD9-56B1-BD38-01AD-42A8332B8E26}"/>
-          </ac:spMkLst>
-        </pc:spChg>
-        <pc:spChg chg="add mod">
-          <ac:chgData name="Tom Hoyland" userId="736d7a3e-93c7-4109-90c5-e67b8b3e41b2" providerId="ADAL" clId="{A4D346AA-F248-6444-93C1-EF2F2E65C714}" dt="2024-08-13T07:40:02.434" v="517" actId="1076"/>
-          <ac:spMkLst>
-            <pc:docMk/>
-            <pc:sldMk cId="2712193479" sldId="271"/>
-            <ac:spMk id="24" creationId="{16C484F4-FF4B-D129-FAEA-02E2EC8CFE4D}"/>
-          </ac:spMkLst>
-        </pc:spChg>
-        <pc:spChg chg="add mod">
-          <ac:chgData name="Tom Hoyland" userId="736d7a3e-93c7-4109-90c5-e67b8b3e41b2" providerId="ADAL" clId="{A4D346AA-F248-6444-93C1-EF2F2E65C714}" dt="2024-08-13T07:40:02.434" v="517" actId="1076"/>
-          <ac:spMkLst>
-            <pc:docMk/>
-            <pc:sldMk cId="2712193479" sldId="271"/>
-            <ac:spMk id="25" creationId="{5772F33A-FAA4-6619-FC37-5A0C0D431A17}"/>
-          </ac:spMkLst>
-        </pc:spChg>
-        <pc:spChg chg="add mod">
-          <ac:chgData name="Tom Hoyland" userId="736d7a3e-93c7-4109-90c5-e67b8b3e41b2" providerId="ADAL" clId="{A4D346AA-F248-6444-93C1-EF2F2E65C714}" dt="2024-08-13T07:40:02.434" v="517" actId="1076"/>
-          <ac:spMkLst>
-            <pc:docMk/>
-            <pc:sldMk cId="2712193479" sldId="271"/>
-            <ac:spMk id="26" creationId="{8DB1EDB7-0892-A3F2-FB78-D990F034BD8D}"/>
-          </ac:spMkLst>
-        </pc:spChg>
-        <pc:spChg chg="add mod">
-          <ac:chgData name="Tom Hoyland" userId="736d7a3e-93c7-4109-90c5-e67b8b3e41b2" providerId="ADAL" clId="{A4D346AA-F248-6444-93C1-EF2F2E65C714}" dt="2024-08-13T07:40:02.434" v="517" actId="1076"/>
-          <ac:spMkLst>
-            <pc:docMk/>
-            <pc:sldMk cId="2712193479" sldId="271"/>
-            <ac:spMk id="27" creationId="{A82AA132-2F6D-308A-92C4-44C23B119428}"/>
-          </ac:spMkLst>
-        </pc:spChg>
-        <pc:spChg chg="mod">
-          <ac:chgData name="Tom Hoyland" userId="736d7a3e-93c7-4109-90c5-e67b8b3e41b2" providerId="ADAL" clId="{A4D346AA-F248-6444-93C1-EF2F2E65C714}" dt="2024-08-20T11:32:33.746" v="594" actId="20577"/>
-          <ac:spMkLst>
-            <pc:docMk/>
-            <pc:sldMk cId="2712193479" sldId="271"/>
-            <ac:spMk id="28" creationId="{5ACB057E-5EA7-0F53-3026-546099232574}"/>
-          </ac:spMkLst>
-        </pc:spChg>
-        <pc:spChg chg="mod">
-          <ac:chgData name="Tom Hoyland" userId="736d7a3e-93c7-4109-90c5-e67b8b3e41b2" providerId="ADAL" clId="{A4D346AA-F248-6444-93C1-EF2F2E65C714}" dt="2024-08-13T07:40:02.434" v="517" actId="1076"/>
-          <ac:spMkLst>
-            <pc:docMk/>
-            <pc:sldMk cId="2712193479" sldId="271"/>
-            <ac:spMk id="29" creationId="{73641E73-F1C1-EAD9-8C93-D55E7BD2CDF8}"/>
-          </ac:spMkLst>
-        </pc:spChg>
-        <pc:spChg chg="mod">
-          <ac:chgData name="Tom Hoyland" userId="736d7a3e-93c7-4109-90c5-e67b8b3e41b2" providerId="ADAL" clId="{A4D346AA-F248-6444-93C1-EF2F2E65C714}" dt="2024-08-13T07:40:02.434" v="517" actId="1076"/>
-          <ac:spMkLst>
-            <pc:docMk/>
-            <pc:sldMk cId="2712193479" sldId="271"/>
-            <ac:spMk id="30" creationId="{0E4E77C7-934A-84F8-113F-232F677D364F}"/>
-          </ac:spMkLst>
-        </pc:spChg>
-        <pc:spChg chg="mod">
-          <ac:chgData name="Tom Hoyland" userId="736d7a3e-93c7-4109-90c5-e67b8b3e41b2" providerId="ADAL" clId="{A4D346AA-F248-6444-93C1-EF2F2E65C714}" dt="2024-08-13T07:40:02.434" v="517" actId="1076"/>
-          <ac:spMkLst>
-            <pc:docMk/>
-            <pc:sldMk cId="2712193479" sldId="271"/>
-            <ac:spMk id="31" creationId="{18DF7356-8B91-65DC-8FE8-32BFE8F1A09C}"/>
-          </ac:spMkLst>
-        </pc:spChg>
-        <pc:spChg chg="mod">
-          <ac:chgData name="Tom Hoyland" userId="736d7a3e-93c7-4109-90c5-e67b8b3e41b2" providerId="ADAL" clId="{A4D346AA-F248-6444-93C1-EF2F2E65C714}" dt="2024-08-13T07:40:02.434" v="517" actId="1076"/>
-          <ac:spMkLst>
-            <pc:docMk/>
-            <pc:sldMk cId="2712193479" sldId="271"/>
-            <ac:spMk id="32" creationId="{CE0A2A4C-DC20-3B09-E6C1-86C7406F3E22}"/>
-          </ac:spMkLst>
-        </pc:spChg>
-        <pc:spChg chg="mod">
-          <ac:chgData name="Tom Hoyland" userId="736d7a3e-93c7-4109-90c5-e67b8b3e41b2" providerId="ADAL" clId="{A4D346AA-F248-6444-93C1-EF2F2E65C714}" dt="2024-08-13T07:40:02.434" v="517" actId="1076"/>
-          <ac:spMkLst>
-            <pc:docMk/>
-            <pc:sldMk cId="2712193479" sldId="271"/>
-            <ac:spMk id="33" creationId="{B0CF220A-8F25-72EA-707D-3F51885CA3B4}"/>
-          </ac:spMkLst>
-        </pc:spChg>
-        <pc:spChg chg="mod">
-          <ac:chgData name="Tom Hoyland" userId="736d7a3e-93c7-4109-90c5-e67b8b3e41b2" providerId="ADAL" clId="{A4D346AA-F248-6444-93C1-EF2F2E65C714}" dt="2024-08-13T07:40:02.434" v="517" actId="1076"/>
-          <ac:spMkLst>
-            <pc:docMk/>
-            <pc:sldMk cId="2712193479" sldId="271"/>
-            <ac:spMk id="34" creationId="{FD091573-20FC-A6D7-6867-DCE7669E0934}"/>
-          </ac:spMkLst>
-        </pc:spChg>
-        <pc:spChg chg="mod">
-          <ac:chgData name="Tom Hoyland" userId="736d7a3e-93c7-4109-90c5-e67b8b3e41b2" providerId="ADAL" clId="{A4D346AA-F248-6444-93C1-EF2F2E65C714}" dt="2024-08-13T07:40:02.434" v="517" actId="1076"/>
-          <ac:spMkLst>
-            <pc:docMk/>
-            <pc:sldMk cId="2712193479" sldId="271"/>
-            <ac:spMk id="35" creationId="{14C3540D-164D-0502-B9B3-99DA425B4CAA}"/>
-          </ac:spMkLst>
-        </pc:spChg>
-        <pc:spChg chg="mod">
-          <ac:chgData name="Tom Hoyland" userId="736d7a3e-93c7-4109-90c5-e67b8b3e41b2" providerId="ADAL" clId="{A4D346AA-F248-6444-93C1-EF2F2E65C714}" dt="2024-08-13T07:40:02.434" v="517" actId="1076"/>
-          <ac:spMkLst>
-            <pc:docMk/>
-            <pc:sldMk cId="2712193479" sldId="271"/>
-            <ac:spMk id="36" creationId="{E590E56E-C5E5-6786-556B-9FF43F6C6253}"/>
-          </ac:spMkLst>
-        </pc:spChg>
-        <pc:picChg chg="mod">
-          <ac:chgData name="Tom Hoyland" userId="736d7a3e-93c7-4109-90c5-e67b8b3e41b2" providerId="ADAL" clId="{A4D346AA-F248-6444-93C1-EF2F2E65C714}" dt="2024-08-13T07:40:02.434" v="517" actId="1076"/>
-          <ac:picMkLst>
-            <pc:docMk/>
-            <pc:sldMk cId="2712193479" sldId="271"/>
-            <ac:picMk id="5" creationId="{62116002-A9FA-E0AB-8E6A-8CEE2DB576CB}"/>
-          </ac:picMkLst>
-        </pc:picChg>
-        <pc:picChg chg="mod">
-          <ac:chgData name="Tom Hoyland" userId="736d7a3e-93c7-4109-90c5-e67b8b3e41b2" providerId="ADAL" clId="{A4D346AA-F248-6444-93C1-EF2F2E65C714}" dt="2024-08-13T07:40:02.434" v="517" actId="1076"/>
-          <ac:picMkLst>
-            <pc:docMk/>
-            <pc:sldMk cId="2712193479" sldId="271"/>
-            <ac:picMk id="6" creationId="{06F97ED0-2646-B792-8B99-24400765AE9E}"/>
-          </ac:picMkLst>
-        </pc:picChg>
-        <pc:picChg chg="mod">
-          <ac:chgData name="Tom Hoyland" userId="736d7a3e-93c7-4109-90c5-e67b8b3e41b2" providerId="ADAL" clId="{A4D346AA-F248-6444-93C1-EF2F2E65C714}" dt="2024-08-13T07:40:02.434" v="517" actId="1076"/>
-          <ac:picMkLst>
-            <pc:docMk/>
-            <pc:sldMk cId="2712193479" sldId="271"/>
-            <ac:picMk id="7" creationId="{D006BE89-01FB-EFD8-A0B0-468CE5796739}"/>
-          </ac:picMkLst>
-        </pc:picChg>
-        <pc:picChg chg="mod">
-          <ac:chgData name="Tom Hoyland" userId="736d7a3e-93c7-4109-90c5-e67b8b3e41b2" providerId="ADAL" clId="{A4D346AA-F248-6444-93C1-EF2F2E65C714}" dt="2024-08-13T07:40:02.434" v="517" actId="1076"/>
-          <ac:picMkLst>
-            <pc:docMk/>
-            <pc:sldMk cId="2712193479" sldId="271"/>
-            <ac:picMk id="9" creationId="{08B66EBF-2D1E-6E8B-FCBD-479EDE455568}"/>
-          </ac:picMkLst>
-        </pc:picChg>
-        <pc:picChg chg="mod">
-          <ac:chgData name="Tom Hoyland" userId="736d7a3e-93c7-4109-90c5-e67b8b3e41b2" providerId="ADAL" clId="{A4D346AA-F248-6444-93C1-EF2F2E65C714}" dt="2024-08-13T07:40:02.434" v="517" actId="1076"/>
-          <ac:picMkLst>
-            <pc:docMk/>
-            <pc:sldMk cId="2712193479" sldId="271"/>
-            <ac:picMk id="12" creationId="{0AF8A365-1CA9-E91D-685E-C97FBF85A01F}"/>
-          </ac:picMkLst>
-        </pc:picChg>
-        <pc:picChg chg="mod">
-          <ac:chgData name="Tom Hoyland" userId="736d7a3e-93c7-4109-90c5-e67b8b3e41b2" providerId="ADAL" clId="{A4D346AA-F248-6444-93C1-EF2F2E65C714}" dt="2024-08-13T07:40:02.434" v="517" actId="1076"/>
-          <ac:picMkLst>
-            <pc:docMk/>
-            <pc:sldMk cId="2712193479" sldId="271"/>
-            <ac:picMk id="15" creationId="{C1E2E61F-6957-C476-802C-DAA4E8E3D8FC}"/>
-          </ac:picMkLst>
-        </pc:picChg>
-        <pc:picChg chg="mod">
-          <ac:chgData name="Tom Hoyland" userId="736d7a3e-93c7-4109-90c5-e67b8b3e41b2" providerId="ADAL" clId="{A4D346AA-F248-6444-93C1-EF2F2E65C714}" dt="2024-08-13T07:40:02.434" v="517" actId="1076"/>
-          <ac:picMkLst>
-            <pc:docMk/>
-            <pc:sldMk cId="2712193479" sldId="271"/>
-            <ac:picMk id="17" creationId="{0F35D7D0-03F8-0064-B5AC-20BCCD3C6C55}"/>
-          </ac:picMkLst>
-        </pc:picChg>
-        <pc:picChg chg="mod">
-          <ac:chgData name="Tom Hoyland" userId="736d7a3e-93c7-4109-90c5-e67b8b3e41b2" providerId="ADAL" clId="{A4D346AA-F248-6444-93C1-EF2F2E65C714}" dt="2024-08-13T07:40:02.434" v="517" actId="1076"/>
-          <ac:picMkLst>
-            <pc:docMk/>
-            <pc:sldMk cId="2712193479" sldId="271"/>
-            <ac:picMk id="21" creationId="{75F00680-C90D-0C50-BAEB-68DD9870452B}"/>
-          </ac:picMkLst>
-        </pc:picChg>
-      </pc:sldChg>
-      <pc:sldChg chg="addSp modSp add mod ord">
-        <pc:chgData name="Tom Hoyland" userId="736d7a3e-93c7-4109-90c5-e67b8b3e41b2" providerId="ADAL" clId="{A4D346AA-F248-6444-93C1-EF2F2E65C714}" dt="2024-08-20T11:33:24.572" v="664" actId="404"/>
-        <pc:sldMkLst>
-          <pc:docMk/>
-          <pc:sldMk cId="248048730" sldId="272"/>
-        </pc:sldMkLst>
-        <pc:spChg chg="add mod">
-          <ac:chgData name="Tom Hoyland" userId="736d7a3e-93c7-4109-90c5-e67b8b3e41b2" providerId="ADAL" clId="{A4D346AA-F248-6444-93C1-EF2F2E65C714}" dt="2024-08-20T11:33:24.572" v="664" actId="404"/>
-          <ac:spMkLst>
-            <pc:docMk/>
-            <pc:sldMk cId="248048730" sldId="272"/>
-            <ac:spMk id="2" creationId="{DE49AD4B-7FB7-DB4B-1892-2174BDB55FDC}"/>
-          </ac:spMkLst>
-        </pc:spChg>
-        <pc:spChg chg="mod">
-          <ac:chgData name="Tom Hoyland" userId="736d7a3e-93c7-4109-90c5-e67b8b3e41b2" providerId="ADAL" clId="{A4D346AA-F248-6444-93C1-EF2F2E65C714}" dt="2024-08-20T11:33:03.837" v="628" actId="1036"/>
-          <ac:spMkLst>
-            <pc:docMk/>
-            <pc:sldMk cId="248048730" sldId="272"/>
-            <ac:spMk id="3" creationId="{213F28A4-07ED-C70E-C1A5-0B32C5A7DD8D}"/>
-          </ac:spMkLst>
-        </pc:spChg>
-        <pc:spChg chg="mod">
-          <ac:chgData name="Tom Hoyland" userId="736d7a3e-93c7-4109-90c5-e67b8b3e41b2" providerId="ADAL" clId="{A4D346AA-F248-6444-93C1-EF2F2E65C714}" dt="2024-08-20T11:33:03.837" v="628" actId="1036"/>
-          <ac:spMkLst>
-            <pc:docMk/>
-            <pc:sldMk cId="248048730" sldId="272"/>
-            <ac:spMk id="4" creationId="{DD555481-A9B5-D5E1-1F1B-EF8ED78D5CD8}"/>
-          </ac:spMkLst>
-        </pc:spChg>
-        <pc:spChg chg="mod">
-          <ac:chgData name="Tom Hoyland" userId="736d7a3e-93c7-4109-90c5-e67b8b3e41b2" providerId="ADAL" clId="{A4D346AA-F248-6444-93C1-EF2F2E65C714}" dt="2024-08-20T11:33:03.837" v="628" actId="1036"/>
-          <ac:spMkLst>
-            <pc:docMk/>
-            <pc:sldMk cId="248048730" sldId="272"/>
-            <ac:spMk id="8" creationId="{AEAF102F-143D-76EF-DF6D-8B165519A4A4}"/>
-          </ac:spMkLst>
-        </pc:spChg>
-        <pc:spChg chg="mod">
-          <ac:chgData name="Tom Hoyland" userId="736d7a3e-93c7-4109-90c5-e67b8b3e41b2" providerId="ADAL" clId="{A4D346AA-F248-6444-93C1-EF2F2E65C714}" dt="2024-08-20T11:33:03.837" v="628" actId="1036"/>
-          <ac:spMkLst>
-            <pc:docMk/>
-            <pc:sldMk cId="248048730" sldId="272"/>
-            <ac:spMk id="10" creationId="{4AFC90E1-B3DD-B446-A88F-D3102C4BE49F}"/>
-          </ac:spMkLst>
-        </pc:spChg>
-        <pc:spChg chg="mod">
-          <ac:chgData name="Tom Hoyland" userId="736d7a3e-93c7-4109-90c5-e67b8b3e41b2" providerId="ADAL" clId="{A4D346AA-F248-6444-93C1-EF2F2E65C714}" dt="2024-08-20T11:33:03.837" v="628" actId="1036"/>
-          <ac:spMkLst>
-            <pc:docMk/>
-            <pc:sldMk cId="248048730" sldId="272"/>
-            <ac:spMk id="11" creationId="{06C0DA98-AF63-8C25-12CC-42A79D849F04}"/>
-          </ac:spMkLst>
-        </pc:spChg>
-        <pc:spChg chg="mod">
-          <ac:chgData name="Tom Hoyland" userId="736d7a3e-93c7-4109-90c5-e67b8b3e41b2" providerId="ADAL" clId="{A4D346AA-F248-6444-93C1-EF2F2E65C714}" dt="2024-08-20T11:33:03.837" v="628" actId="1036"/>
-          <ac:spMkLst>
-            <pc:docMk/>
-            <pc:sldMk cId="248048730" sldId="272"/>
-            <ac:spMk id="13" creationId="{6D7F7EC6-1E57-62EB-8CD1-03BE4F5ADDED}"/>
-          </ac:spMkLst>
-        </pc:spChg>
-        <pc:spChg chg="mod">
-          <ac:chgData name="Tom Hoyland" userId="736d7a3e-93c7-4109-90c5-e67b8b3e41b2" providerId="ADAL" clId="{A4D346AA-F248-6444-93C1-EF2F2E65C714}" dt="2024-08-20T11:33:03.837" v="628" actId="1036"/>
-          <ac:spMkLst>
-            <pc:docMk/>
-            <pc:sldMk cId="248048730" sldId="272"/>
-            <ac:spMk id="14" creationId="{C264D8AC-B086-B921-85C6-5AF1DD6AD8DE}"/>
-          </ac:spMkLst>
-        </pc:spChg>
-        <pc:spChg chg="mod">
-          <ac:chgData name="Tom Hoyland" userId="736d7a3e-93c7-4109-90c5-e67b8b3e41b2" providerId="ADAL" clId="{A4D346AA-F248-6444-93C1-EF2F2E65C714}" dt="2024-08-20T11:33:03.837" v="628" actId="1036"/>
-          <ac:spMkLst>
-            <pc:docMk/>
-            <pc:sldMk cId="248048730" sldId="272"/>
-            <ac:spMk id="16" creationId="{E4800468-3CA0-2964-AA62-A3AA15AEBB24}"/>
-          </ac:spMkLst>
-        </pc:spChg>
-        <pc:spChg chg="mod">
-          <ac:chgData name="Tom Hoyland" userId="736d7a3e-93c7-4109-90c5-e67b8b3e41b2" providerId="ADAL" clId="{A4D346AA-F248-6444-93C1-EF2F2E65C714}" dt="2024-08-20T11:33:03.837" v="628" actId="1036"/>
-          <ac:spMkLst>
-            <pc:docMk/>
-            <pc:sldMk cId="248048730" sldId="272"/>
-            <ac:spMk id="18" creationId="{63271C5F-2656-11FB-BDA0-F18F429D4AB8}"/>
-          </ac:spMkLst>
-        </pc:spChg>
-        <pc:spChg chg="mod">
-          <ac:chgData name="Tom Hoyland" userId="736d7a3e-93c7-4109-90c5-e67b8b3e41b2" providerId="ADAL" clId="{A4D346AA-F248-6444-93C1-EF2F2E65C714}" dt="2024-08-20T11:33:03.837" v="628" actId="1036"/>
-          <ac:spMkLst>
-            <pc:docMk/>
-            <pc:sldMk cId="248048730" sldId="272"/>
-            <ac:spMk id="19" creationId="{70929939-537B-C447-115E-FED5AF8357AE}"/>
-          </ac:spMkLst>
-        </pc:spChg>
-        <pc:spChg chg="mod">
-          <ac:chgData name="Tom Hoyland" userId="736d7a3e-93c7-4109-90c5-e67b8b3e41b2" providerId="ADAL" clId="{A4D346AA-F248-6444-93C1-EF2F2E65C714}" dt="2024-08-20T11:33:03.837" v="628" actId="1036"/>
-          <ac:spMkLst>
-            <pc:docMk/>
-            <pc:sldMk cId="248048730" sldId="272"/>
-            <ac:spMk id="20" creationId="{59B90136-C70C-1F8D-144A-B8DAA91E8BFF}"/>
-          </ac:spMkLst>
-        </pc:spChg>
-        <pc:spChg chg="mod">
-          <ac:chgData name="Tom Hoyland" userId="736d7a3e-93c7-4109-90c5-e67b8b3e41b2" providerId="ADAL" clId="{A4D346AA-F248-6444-93C1-EF2F2E65C714}" dt="2024-08-20T11:33:03.837" v="628" actId="1036"/>
-          <ac:spMkLst>
-            <pc:docMk/>
-            <pc:sldMk cId="248048730" sldId="272"/>
-            <ac:spMk id="24" creationId="{58A0E144-52CD-ECF3-042B-7992A86DA18B}"/>
-          </ac:spMkLst>
-        </pc:spChg>
-        <pc:spChg chg="mod">
-          <ac:chgData name="Tom Hoyland" userId="736d7a3e-93c7-4109-90c5-e67b8b3e41b2" providerId="ADAL" clId="{A4D346AA-F248-6444-93C1-EF2F2E65C714}" dt="2024-08-20T11:33:03.837" v="628" actId="1036"/>
-          <ac:spMkLst>
-            <pc:docMk/>
-            <pc:sldMk cId="248048730" sldId="272"/>
-            <ac:spMk id="25" creationId="{38DEAD3F-0B7F-2B20-993E-A2B1F014B1CD}"/>
-          </ac:spMkLst>
-        </pc:spChg>
-        <pc:spChg chg="mod">
-          <ac:chgData name="Tom Hoyland" userId="736d7a3e-93c7-4109-90c5-e67b8b3e41b2" providerId="ADAL" clId="{A4D346AA-F248-6444-93C1-EF2F2E65C714}" dt="2024-08-20T11:33:03.837" v="628" actId="1036"/>
-          <ac:spMkLst>
-            <pc:docMk/>
-            <pc:sldMk cId="248048730" sldId="272"/>
-            <ac:spMk id="26" creationId="{3A945144-0789-5A0E-FC67-42CABE016FCE}"/>
-          </ac:spMkLst>
-        </pc:spChg>
-        <pc:spChg chg="mod">
-          <ac:chgData name="Tom Hoyland" userId="736d7a3e-93c7-4109-90c5-e67b8b3e41b2" providerId="ADAL" clId="{A4D346AA-F248-6444-93C1-EF2F2E65C714}" dt="2024-08-20T11:33:03.837" v="628" actId="1036"/>
-          <ac:spMkLst>
-            <pc:docMk/>
-            <pc:sldMk cId="248048730" sldId="272"/>
-            <ac:spMk id="27" creationId="{CCBC6816-D39B-700B-F344-1B0D25A1449C}"/>
-          </ac:spMkLst>
-        </pc:spChg>
-        <pc:spChg chg="mod">
-          <ac:chgData name="Tom Hoyland" userId="736d7a3e-93c7-4109-90c5-e67b8b3e41b2" providerId="ADAL" clId="{A4D346AA-F248-6444-93C1-EF2F2E65C714}" dt="2024-08-20T11:33:03.837" v="628" actId="1036"/>
-          <ac:spMkLst>
-            <pc:docMk/>
-            <pc:sldMk cId="248048730" sldId="272"/>
-            <ac:spMk id="28" creationId="{5A0B0504-FBD2-ED5A-4F3B-787A8587C05A}"/>
-          </ac:spMkLst>
-        </pc:spChg>
-        <pc:spChg chg="mod">
-          <ac:chgData name="Tom Hoyland" userId="736d7a3e-93c7-4109-90c5-e67b8b3e41b2" providerId="ADAL" clId="{A4D346AA-F248-6444-93C1-EF2F2E65C714}" dt="2024-08-20T11:33:03.837" v="628" actId="1036"/>
-          <ac:spMkLst>
-            <pc:docMk/>
-            <pc:sldMk cId="248048730" sldId="272"/>
-            <ac:spMk id="29" creationId="{68B58E08-22AA-A82B-48BD-73CAD4C99992}"/>
-          </ac:spMkLst>
-        </pc:spChg>
-        <pc:spChg chg="mod">
-          <ac:chgData name="Tom Hoyland" userId="736d7a3e-93c7-4109-90c5-e67b8b3e41b2" providerId="ADAL" clId="{A4D346AA-F248-6444-93C1-EF2F2E65C714}" dt="2024-08-20T11:33:03.837" v="628" actId="1036"/>
-          <ac:spMkLst>
-            <pc:docMk/>
-            <pc:sldMk cId="248048730" sldId="272"/>
-            <ac:spMk id="30" creationId="{DEFE14F4-97D1-71EF-B066-BF208197EC0B}"/>
-          </ac:spMkLst>
-        </pc:spChg>
-        <pc:spChg chg="mod">
-          <ac:chgData name="Tom Hoyland" userId="736d7a3e-93c7-4109-90c5-e67b8b3e41b2" providerId="ADAL" clId="{A4D346AA-F248-6444-93C1-EF2F2E65C714}" dt="2024-08-20T11:33:03.837" v="628" actId="1036"/>
-          <ac:spMkLst>
-            <pc:docMk/>
-            <pc:sldMk cId="248048730" sldId="272"/>
-            <ac:spMk id="31" creationId="{8D8F7CEF-134A-D3DA-8445-5A753AB0F80F}"/>
-          </ac:spMkLst>
-        </pc:spChg>
-        <pc:spChg chg="mod">
-          <ac:chgData name="Tom Hoyland" userId="736d7a3e-93c7-4109-90c5-e67b8b3e41b2" providerId="ADAL" clId="{A4D346AA-F248-6444-93C1-EF2F2E65C714}" dt="2024-08-20T11:33:03.837" v="628" actId="1036"/>
-          <ac:spMkLst>
-            <pc:docMk/>
-            <pc:sldMk cId="248048730" sldId="272"/>
-            <ac:spMk id="32" creationId="{5057154F-7DCF-A223-0510-F25D7FD2EE6A}"/>
-          </ac:spMkLst>
-        </pc:spChg>
-        <pc:spChg chg="mod">
-          <ac:chgData name="Tom Hoyland" userId="736d7a3e-93c7-4109-90c5-e67b8b3e41b2" providerId="ADAL" clId="{A4D346AA-F248-6444-93C1-EF2F2E65C714}" dt="2024-08-20T11:33:03.837" v="628" actId="1036"/>
-          <ac:spMkLst>
-            <pc:docMk/>
-            <pc:sldMk cId="248048730" sldId="272"/>
-            <ac:spMk id="33" creationId="{E0D8722E-83A8-C310-122A-30EA2816860E}"/>
-          </ac:spMkLst>
-        </pc:spChg>
-        <pc:spChg chg="mod">
-          <ac:chgData name="Tom Hoyland" userId="736d7a3e-93c7-4109-90c5-e67b8b3e41b2" providerId="ADAL" clId="{A4D346AA-F248-6444-93C1-EF2F2E65C714}" dt="2024-08-20T11:33:03.837" v="628" actId="1036"/>
-          <ac:spMkLst>
-            <pc:docMk/>
-            <pc:sldMk cId="248048730" sldId="272"/>
-            <ac:spMk id="34" creationId="{27018EDB-C14A-2175-DA20-52AE83F8940E}"/>
-          </ac:spMkLst>
-        </pc:spChg>
-        <pc:spChg chg="mod">
-          <ac:chgData name="Tom Hoyland" userId="736d7a3e-93c7-4109-90c5-e67b8b3e41b2" providerId="ADAL" clId="{A4D346AA-F248-6444-93C1-EF2F2E65C714}" dt="2024-08-20T11:33:03.837" v="628" actId="1036"/>
-          <ac:spMkLst>
-            <pc:docMk/>
-            <pc:sldMk cId="248048730" sldId="272"/>
-            <ac:spMk id="35" creationId="{64BD6B3C-21B9-94EB-9163-4D7A83A4A297}"/>
-          </ac:spMkLst>
-        </pc:spChg>
-        <pc:spChg chg="mod">
-          <ac:chgData name="Tom Hoyland" userId="736d7a3e-93c7-4109-90c5-e67b8b3e41b2" providerId="ADAL" clId="{A4D346AA-F248-6444-93C1-EF2F2E65C714}" dt="2024-08-20T11:33:03.837" v="628" actId="1036"/>
-          <ac:spMkLst>
-            <pc:docMk/>
-            <pc:sldMk cId="248048730" sldId="272"/>
-            <ac:spMk id="36" creationId="{965DF994-D945-F5CF-02B0-6FD96B778267}"/>
-          </ac:spMkLst>
-        </pc:spChg>
-        <pc:picChg chg="mod">
-          <ac:chgData name="Tom Hoyland" userId="736d7a3e-93c7-4109-90c5-e67b8b3e41b2" providerId="ADAL" clId="{A4D346AA-F248-6444-93C1-EF2F2E65C714}" dt="2024-08-20T11:33:03.837" v="628" actId="1036"/>
-          <ac:picMkLst>
-            <pc:docMk/>
-            <pc:sldMk cId="248048730" sldId="272"/>
-            <ac:picMk id="5" creationId="{6322FBD9-FD8F-9C95-2729-127E6A05B844}"/>
-          </ac:picMkLst>
-        </pc:picChg>
-        <pc:picChg chg="mod">
-          <ac:chgData name="Tom Hoyland" userId="736d7a3e-93c7-4109-90c5-e67b8b3e41b2" providerId="ADAL" clId="{A4D346AA-F248-6444-93C1-EF2F2E65C714}" dt="2024-08-20T11:33:03.837" v="628" actId="1036"/>
-          <ac:picMkLst>
-            <pc:docMk/>
-            <pc:sldMk cId="248048730" sldId="272"/>
-            <ac:picMk id="6" creationId="{2BE0E3B7-67DB-7D22-62F7-F28225398F7E}"/>
-          </ac:picMkLst>
-        </pc:picChg>
-        <pc:picChg chg="mod">
-          <ac:chgData name="Tom Hoyland" userId="736d7a3e-93c7-4109-90c5-e67b8b3e41b2" providerId="ADAL" clId="{A4D346AA-F248-6444-93C1-EF2F2E65C714}" dt="2024-08-20T11:33:03.837" v="628" actId="1036"/>
-          <ac:picMkLst>
-            <pc:docMk/>
-            <pc:sldMk cId="248048730" sldId="272"/>
-            <ac:picMk id="7" creationId="{4025EFFD-6B77-7453-3202-61E018612DB9}"/>
-          </ac:picMkLst>
-        </pc:picChg>
-        <pc:picChg chg="mod">
-          <ac:chgData name="Tom Hoyland" userId="736d7a3e-93c7-4109-90c5-e67b8b3e41b2" providerId="ADAL" clId="{A4D346AA-F248-6444-93C1-EF2F2E65C714}" dt="2024-08-20T11:33:03.837" v="628" actId="1036"/>
-          <ac:picMkLst>
-            <pc:docMk/>
-            <pc:sldMk cId="248048730" sldId="272"/>
-            <ac:picMk id="9" creationId="{AFD2E46D-615E-B65D-1188-F2A6AB1738D7}"/>
-          </ac:picMkLst>
-        </pc:picChg>
-        <pc:picChg chg="mod">
-          <ac:chgData name="Tom Hoyland" userId="736d7a3e-93c7-4109-90c5-e67b8b3e41b2" providerId="ADAL" clId="{A4D346AA-F248-6444-93C1-EF2F2E65C714}" dt="2024-08-20T11:33:03.837" v="628" actId="1036"/>
-          <ac:picMkLst>
-            <pc:docMk/>
-            <pc:sldMk cId="248048730" sldId="272"/>
-            <ac:picMk id="12" creationId="{5C0C4BE6-1C53-E473-95EA-95C0F5CF1564}"/>
-          </ac:picMkLst>
-        </pc:picChg>
-        <pc:picChg chg="mod">
-          <ac:chgData name="Tom Hoyland" userId="736d7a3e-93c7-4109-90c5-e67b8b3e41b2" providerId="ADAL" clId="{A4D346AA-F248-6444-93C1-EF2F2E65C714}" dt="2024-08-20T11:33:03.837" v="628" actId="1036"/>
-          <ac:picMkLst>
-            <pc:docMk/>
-            <pc:sldMk cId="248048730" sldId="272"/>
-            <ac:picMk id="15" creationId="{1A85A53A-A4EB-808E-BCEA-EEBBAB52ECBA}"/>
-          </ac:picMkLst>
-        </pc:picChg>
-        <pc:picChg chg="mod">
-          <ac:chgData name="Tom Hoyland" userId="736d7a3e-93c7-4109-90c5-e67b8b3e41b2" providerId="ADAL" clId="{A4D346AA-F248-6444-93C1-EF2F2E65C714}" dt="2024-08-20T11:33:03.837" v="628" actId="1036"/>
-          <ac:picMkLst>
-            <pc:docMk/>
-            <pc:sldMk cId="248048730" sldId="272"/>
-            <ac:picMk id="17" creationId="{0FE1B1AD-E962-2850-8199-8B489F405D39}"/>
-          </ac:picMkLst>
-        </pc:picChg>
-        <pc:picChg chg="mod">
-          <ac:chgData name="Tom Hoyland" userId="736d7a3e-93c7-4109-90c5-e67b8b3e41b2" providerId="ADAL" clId="{A4D346AA-F248-6444-93C1-EF2F2E65C714}" dt="2024-08-20T11:33:03.837" v="628" actId="1036"/>
-          <ac:picMkLst>
-            <pc:docMk/>
-            <pc:sldMk cId="248048730" sldId="272"/>
-            <ac:picMk id="21" creationId="{177349E7-5A4C-46C5-B5B8-4980C12E809F}"/>
-          </ac:picMkLst>
-        </pc:picChg>
-      </pc:sldChg>
-    </pc:docChg>
-  </pc:docChgLst>
-  <pc:docChgLst>
     <pc:chgData name="Tom Hoyland" userId="S::tom.hoyland2@flutteruki.com::736d7a3e-93c7-4109-90c5-e67b8b3e41b2" providerId="AD" clId="Web-{F19ABF11-EF07-D527-F7BB-E1FE47E9926D}"/>
     <pc:docChg chg="modSld">
       <pc:chgData name="Tom Hoyland" userId="S::tom.hoyland2@flutteruki.com::736d7a3e-93c7-4109-90c5-e67b8b3e41b2" providerId="AD" clId="Web-{F19ABF11-EF07-D527-F7BB-E1FE47E9926D}" dt="2024-08-01T14:32:23.491" v="527"/>
@@ -1076,6 +279,803 @@
             </pc226:cmChg>
           </p:ext>
         </pc:extLst>
+      </pc:sldChg>
+    </pc:docChg>
+  </pc:docChgLst>
+  <pc:docChgLst>
+    <pc:chgData name="Tom Hoyland" userId="736d7a3e-93c7-4109-90c5-e67b8b3e41b2" providerId="ADAL" clId="{A4D346AA-F248-6444-93C1-EF2F2E65C714}"/>
+    <pc:docChg chg="undo custSel addSld delSld modSld sldOrd">
+      <pc:chgData name="Tom Hoyland" userId="736d7a3e-93c7-4109-90c5-e67b8b3e41b2" providerId="ADAL" clId="{A4D346AA-F248-6444-93C1-EF2F2E65C714}" dt="2024-08-20T11:33:24.572" v="664" actId="404"/>
+      <pc:docMkLst>
+        <pc:docMk/>
+      </pc:docMkLst>
+      <pc:sldChg chg="addSp delSp modSp mod">
+        <pc:chgData name="Tom Hoyland" userId="736d7a3e-93c7-4109-90c5-e67b8b3e41b2" providerId="ADAL" clId="{A4D346AA-F248-6444-93C1-EF2F2E65C714}" dt="2024-08-20T10:35:24.927" v="523" actId="1076"/>
+        <pc:sldMkLst>
+          <pc:docMk/>
+          <pc:sldMk cId="215971509" sldId="258"/>
+        </pc:sldMkLst>
+        <pc:spChg chg="add del mod">
+          <ac:chgData name="Tom Hoyland" userId="736d7a3e-93c7-4109-90c5-e67b8b3e41b2" providerId="ADAL" clId="{A4D346AA-F248-6444-93C1-EF2F2E65C714}" dt="2024-08-20T10:35:16.759" v="521"/>
+          <ac:spMkLst>
+            <pc:docMk/>
+            <pc:sldMk cId="215971509" sldId="258"/>
+            <ac:spMk id="2" creationId="{13C5DC61-1188-B764-894D-18FA2653502D}"/>
+          </ac:spMkLst>
+        </pc:spChg>
+        <pc:graphicFrameChg chg="mod modGraphic">
+          <ac:chgData name="Tom Hoyland" userId="736d7a3e-93c7-4109-90c5-e67b8b3e41b2" providerId="ADAL" clId="{A4D346AA-F248-6444-93C1-EF2F2E65C714}" dt="2024-08-20T10:35:24.927" v="523" actId="1076"/>
+          <ac:graphicFrameMkLst>
+            <pc:docMk/>
+            <pc:sldMk cId="215971509" sldId="258"/>
+            <ac:graphicFrameMk id="4" creationId="{2C24AB31-CFE6-05B1-A05C-CB4B8F5125D5}"/>
+          </ac:graphicFrameMkLst>
+        </pc:graphicFrameChg>
+      </pc:sldChg>
+      <pc:sldChg chg="addSp delSp modSp del mod">
+        <pc:chgData name="Tom Hoyland" userId="736d7a3e-93c7-4109-90c5-e67b8b3e41b2" providerId="ADAL" clId="{A4D346AA-F248-6444-93C1-EF2F2E65C714}" dt="2024-08-20T11:32:51.918" v="598" actId="2696"/>
+        <pc:sldMkLst>
+          <pc:docMk/>
+          <pc:sldMk cId="1551894915" sldId="261"/>
+        </pc:sldMkLst>
+        <pc:spChg chg="del">
+          <ac:chgData name="Tom Hoyland" userId="736d7a3e-93c7-4109-90c5-e67b8b3e41b2" providerId="ADAL" clId="{A4D346AA-F248-6444-93C1-EF2F2E65C714}" dt="2024-08-20T11:32:39.566" v="595" actId="478"/>
+          <ac:spMkLst>
+            <pc:docMk/>
+            <pc:sldMk cId="1551894915" sldId="261"/>
+            <ac:spMk id="2" creationId="{60114F5B-200D-5E80-5596-D97099667249}"/>
+          </ac:spMkLst>
+        </pc:spChg>
+        <pc:spChg chg="add mod">
+          <ac:chgData name="Tom Hoyland" userId="736d7a3e-93c7-4109-90c5-e67b8b3e41b2" providerId="ADAL" clId="{A4D346AA-F248-6444-93C1-EF2F2E65C714}" dt="2024-08-20T11:32:39.566" v="595" actId="478"/>
+          <ac:spMkLst>
+            <pc:docMk/>
+            <pc:sldMk cId="1551894915" sldId="261"/>
+            <ac:spMk id="4" creationId="{D965E8EF-04AD-6DBB-D01A-5F2B61C6026F}"/>
+          </ac:spMkLst>
+        </pc:spChg>
+        <pc:spChg chg="del">
+          <ac:chgData name="Tom Hoyland" userId="736d7a3e-93c7-4109-90c5-e67b8b3e41b2" providerId="ADAL" clId="{A4D346AA-F248-6444-93C1-EF2F2E65C714}" dt="2024-08-20T11:32:39.566" v="595" actId="478"/>
+          <ac:spMkLst>
+            <pc:docMk/>
+            <pc:sldMk cId="1551894915" sldId="261"/>
+            <ac:spMk id="8" creationId="{8CDDB97D-A02F-8254-5432-E930CF01E0FC}"/>
+          </ac:spMkLst>
+        </pc:spChg>
+        <pc:spChg chg="del">
+          <ac:chgData name="Tom Hoyland" userId="736d7a3e-93c7-4109-90c5-e67b8b3e41b2" providerId="ADAL" clId="{A4D346AA-F248-6444-93C1-EF2F2E65C714}" dt="2024-08-20T11:32:39.566" v="595" actId="478"/>
+          <ac:spMkLst>
+            <pc:docMk/>
+            <pc:sldMk cId="1551894915" sldId="261"/>
+            <ac:spMk id="10" creationId="{C258F823-7B51-957A-9C20-93136D988928}"/>
+          </ac:spMkLst>
+        </pc:spChg>
+        <pc:spChg chg="del">
+          <ac:chgData name="Tom Hoyland" userId="736d7a3e-93c7-4109-90c5-e67b8b3e41b2" providerId="ADAL" clId="{A4D346AA-F248-6444-93C1-EF2F2E65C714}" dt="2024-08-20T11:32:39.566" v="595" actId="478"/>
+          <ac:spMkLst>
+            <pc:docMk/>
+            <pc:sldMk cId="1551894915" sldId="261"/>
+            <ac:spMk id="11" creationId="{706FB268-040E-2102-1308-B242A93B903A}"/>
+          </ac:spMkLst>
+        </pc:spChg>
+        <pc:spChg chg="del">
+          <ac:chgData name="Tom Hoyland" userId="736d7a3e-93c7-4109-90c5-e67b8b3e41b2" providerId="ADAL" clId="{A4D346AA-F248-6444-93C1-EF2F2E65C714}" dt="2024-08-20T11:32:39.566" v="595" actId="478"/>
+          <ac:spMkLst>
+            <pc:docMk/>
+            <pc:sldMk cId="1551894915" sldId="261"/>
+            <ac:spMk id="13" creationId="{380E85BC-FF65-970E-3CDA-C005D8E7882F}"/>
+          </ac:spMkLst>
+        </pc:spChg>
+        <pc:spChg chg="del">
+          <ac:chgData name="Tom Hoyland" userId="736d7a3e-93c7-4109-90c5-e67b8b3e41b2" providerId="ADAL" clId="{A4D346AA-F248-6444-93C1-EF2F2E65C714}" dt="2024-08-20T11:32:39.566" v="595" actId="478"/>
+          <ac:spMkLst>
+            <pc:docMk/>
+            <pc:sldMk cId="1551894915" sldId="261"/>
+            <ac:spMk id="14" creationId="{042E4238-C41B-D73B-C28B-0B462803692E}"/>
+          </ac:spMkLst>
+        </pc:spChg>
+        <pc:spChg chg="del">
+          <ac:chgData name="Tom Hoyland" userId="736d7a3e-93c7-4109-90c5-e67b8b3e41b2" providerId="ADAL" clId="{A4D346AA-F248-6444-93C1-EF2F2E65C714}" dt="2024-08-20T11:32:39.566" v="595" actId="478"/>
+          <ac:spMkLst>
+            <pc:docMk/>
+            <pc:sldMk cId="1551894915" sldId="261"/>
+            <ac:spMk id="16" creationId="{24D6D5B8-560A-7C70-9E81-B8EFB579F08E}"/>
+          </ac:spMkLst>
+        </pc:spChg>
+        <pc:spChg chg="del">
+          <ac:chgData name="Tom Hoyland" userId="736d7a3e-93c7-4109-90c5-e67b8b3e41b2" providerId="ADAL" clId="{A4D346AA-F248-6444-93C1-EF2F2E65C714}" dt="2024-08-20T11:32:39.566" v="595" actId="478"/>
+          <ac:spMkLst>
+            <pc:docMk/>
+            <pc:sldMk cId="1551894915" sldId="261"/>
+            <ac:spMk id="18" creationId="{F93BD877-DC0E-E976-9DE4-BE888B19CF0F}"/>
+          </ac:spMkLst>
+        </pc:spChg>
+        <pc:spChg chg="del">
+          <ac:chgData name="Tom Hoyland" userId="736d7a3e-93c7-4109-90c5-e67b8b3e41b2" providerId="ADAL" clId="{A4D346AA-F248-6444-93C1-EF2F2E65C714}" dt="2024-08-20T11:32:39.566" v="595" actId="478"/>
+          <ac:spMkLst>
+            <pc:docMk/>
+            <pc:sldMk cId="1551894915" sldId="261"/>
+            <ac:spMk id="28" creationId="{5ACB057E-5EA7-0F53-3026-546099232574}"/>
+          </ac:spMkLst>
+        </pc:spChg>
+        <pc:spChg chg="del">
+          <ac:chgData name="Tom Hoyland" userId="736d7a3e-93c7-4109-90c5-e67b8b3e41b2" providerId="ADAL" clId="{A4D346AA-F248-6444-93C1-EF2F2E65C714}" dt="2024-08-20T11:32:39.566" v="595" actId="478"/>
+          <ac:spMkLst>
+            <pc:docMk/>
+            <pc:sldMk cId="1551894915" sldId="261"/>
+            <ac:spMk id="29" creationId="{73641E73-F1C1-EAD9-8C93-D55E7BD2CDF8}"/>
+          </ac:spMkLst>
+        </pc:spChg>
+        <pc:spChg chg="del">
+          <ac:chgData name="Tom Hoyland" userId="736d7a3e-93c7-4109-90c5-e67b8b3e41b2" providerId="ADAL" clId="{A4D346AA-F248-6444-93C1-EF2F2E65C714}" dt="2024-08-20T11:32:39.566" v="595" actId="478"/>
+          <ac:spMkLst>
+            <pc:docMk/>
+            <pc:sldMk cId="1551894915" sldId="261"/>
+            <ac:spMk id="30" creationId="{0E4E77C7-934A-84F8-113F-232F677D364F}"/>
+          </ac:spMkLst>
+        </pc:spChg>
+        <pc:spChg chg="del">
+          <ac:chgData name="Tom Hoyland" userId="736d7a3e-93c7-4109-90c5-e67b8b3e41b2" providerId="ADAL" clId="{A4D346AA-F248-6444-93C1-EF2F2E65C714}" dt="2024-08-20T11:32:39.566" v="595" actId="478"/>
+          <ac:spMkLst>
+            <pc:docMk/>
+            <pc:sldMk cId="1551894915" sldId="261"/>
+            <ac:spMk id="31" creationId="{18DF7356-8B91-65DC-8FE8-32BFE8F1A09C}"/>
+          </ac:spMkLst>
+        </pc:spChg>
+        <pc:spChg chg="del">
+          <ac:chgData name="Tom Hoyland" userId="736d7a3e-93c7-4109-90c5-e67b8b3e41b2" providerId="ADAL" clId="{A4D346AA-F248-6444-93C1-EF2F2E65C714}" dt="2024-08-20T11:32:39.566" v="595" actId="478"/>
+          <ac:spMkLst>
+            <pc:docMk/>
+            <pc:sldMk cId="1551894915" sldId="261"/>
+            <ac:spMk id="32" creationId="{CE0A2A4C-DC20-3B09-E6C1-86C7406F3E22}"/>
+          </ac:spMkLst>
+        </pc:spChg>
+        <pc:spChg chg="del">
+          <ac:chgData name="Tom Hoyland" userId="736d7a3e-93c7-4109-90c5-e67b8b3e41b2" providerId="ADAL" clId="{A4D346AA-F248-6444-93C1-EF2F2E65C714}" dt="2024-08-20T11:32:39.566" v="595" actId="478"/>
+          <ac:spMkLst>
+            <pc:docMk/>
+            <pc:sldMk cId="1551894915" sldId="261"/>
+            <ac:spMk id="33" creationId="{B0CF220A-8F25-72EA-707D-3F51885CA3B4}"/>
+          </ac:spMkLst>
+        </pc:spChg>
+        <pc:spChg chg="del">
+          <ac:chgData name="Tom Hoyland" userId="736d7a3e-93c7-4109-90c5-e67b8b3e41b2" providerId="ADAL" clId="{A4D346AA-F248-6444-93C1-EF2F2E65C714}" dt="2024-08-20T11:32:39.566" v="595" actId="478"/>
+          <ac:spMkLst>
+            <pc:docMk/>
+            <pc:sldMk cId="1551894915" sldId="261"/>
+            <ac:spMk id="34" creationId="{FD091573-20FC-A6D7-6867-DCE7669E0934}"/>
+          </ac:spMkLst>
+        </pc:spChg>
+        <pc:spChg chg="del">
+          <ac:chgData name="Tom Hoyland" userId="736d7a3e-93c7-4109-90c5-e67b8b3e41b2" providerId="ADAL" clId="{A4D346AA-F248-6444-93C1-EF2F2E65C714}" dt="2024-08-20T11:32:39.566" v="595" actId="478"/>
+          <ac:spMkLst>
+            <pc:docMk/>
+            <pc:sldMk cId="1551894915" sldId="261"/>
+            <ac:spMk id="35" creationId="{14C3540D-164D-0502-B9B3-99DA425B4CAA}"/>
+          </ac:spMkLst>
+        </pc:spChg>
+        <pc:spChg chg="del">
+          <ac:chgData name="Tom Hoyland" userId="736d7a3e-93c7-4109-90c5-e67b8b3e41b2" providerId="ADAL" clId="{A4D346AA-F248-6444-93C1-EF2F2E65C714}" dt="2024-08-20T11:32:39.566" v="595" actId="478"/>
+          <ac:spMkLst>
+            <pc:docMk/>
+            <pc:sldMk cId="1551894915" sldId="261"/>
+            <ac:spMk id="36" creationId="{E590E56E-C5E5-6786-556B-9FF43F6C6253}"/>
+          </ac:spMkLst>
+        </pc:spChg>
+        <pc:picChg chg="del">
+          <ac:chgData name="Tom Hoyland" userId="736d7a3e-93c7-4109-90c5-e67b8b3e41b2" providerId="ADAL" clId="{A4D346AA-F248-6444-93C1-EF2F2E65C714}" dt="2024-08-20T11:32:39.566" v="595" actId="478"/>
+          <ac:picMkLst>
+            <pc:docMk/>
+            <pc:sldMk cId="1551894915" sldId="261"/>
+            <ac:picMk id="5" creationId="{62116002-A9FA-E0AB-8E6A-8CEE2DB576CB}"/>
+          </ac:picMkLst>
+        </pc:picChg>
+        <pc:picChg chg="del">
+          <ac:chgData name="Tom Hoyland" userId="736d7a3e-93c7-4109-90c5-e67b8b3e41b2" providerId="ADAL" clId="{A4D346AA-F248-6444-93C1-EF2F2E65C714}" dt="2024-08-20T11:32:39.566" v="595" actId="478"/>
+          <ac:picMkLst>
+            <pc:docMk/>
+            <pc:sldMk cId="1551894915" sldId="261"/>
+            <ac:picMk id="6" creationId="{06F97ED0-2646-B792-8B99-24400765AE9E}"/>
+          </ac:picMkLst>
+        </pc:picChg>
+        <pc:picChg chg="del">
+          <ac:chgData name="Tom Hoyland" userId="736d7a3e-93c7-4109-90c5-e67b8b3e41b2" providerId="ADAL" clId="{A4D346AA-F248-6444-93C1-EF2F2E65C714}" dt="2024-08-20T11:32:39.566" v="595" actId="478"/>
+          <ac:picMkLst>
+            <pc:docMk/>
+            <pc:sldMk cId="1551894915" sldId="261"/>
+            <ac:picMk id="7" creationId="{D006BE89-01FB-EFD8-A0B0-468CE5796739}"/>
+          </ac:picMkLst>
+        </pc:picChg>
+        <pc:picChg chg="del">
+          <ac:chgData name="Tom Hoyland" userId="736d7a3e-93c7-4109-90c5-e67b8b3e41b2" providerId="ADAL" clId="{A4D346AA-F248-6444-93C1-EF2F2E65C714}" dt="2024-08-20T11:32:39.566" v="595" actId="478"/>
+          <ac:picMkLst>
+            <pc:docMk/>
+            <pc:sldMk cId="1551894915" sldId="261"/>
+            <ac:picMk id="9" creationId="{08B66EBF-2D1E-6E8B-FCBD-479EDE455568}"/>
+          </ac:picMkLst>
+        </pc:picChg>
+        <pc:picChg chg="del">
+          <ac:chgData name="Tom Hoyland" userId="736d7a3e-93c7-4109-90c5-e67b8b3e41b2" providerId="ADAL" clId="{A4D346AA-F248-6444-93C1-EF2F2E65C714}" dt="2024-08-20T11:32:39.566" v="595" actId="478"/>
+          <ac:picMkLst>
+            <pc:docMk/>
+            <pc:sldMk cId="1551894915" sldId="261"/>
+            <ac:picMk id="12" creationId="{0AF8A365-1CA9-E91D-685E-C97FBF85A01F}"/>
+          </ac:picMkLst>
+        </pc:picChg>
+        <pc:picChg chg="del">
+          <ac:chgData name="Tom Hoyland" userId="736d7a3e-93c7-4109-90c5-e67b8b3e41b2" providerId="ADAL" clId="{A4D346AA-F248-6444-93C1-EF2F2E65C714}" dt="2024-08-20T11:32:39.566" v="595" actId="478"/>
+          <ac:picMkLst>
+            <pc:docMk/>
+            <pc:sldMk cId="1551894915" sldId="261"/>
+            <ac:picMk id="15" creationId="{C1E2E61F-6957-C476-802C-DAA4E8E3D8FC}"/>
+          </ac:picMkLst>
+        </pc:picChg>
+        <pc:picChg chg="del">
+          <ac:chgData name="Tom Hoyland" userId="736d7a3e-93c7-4109-90c5-e67b8b3e41b2" providerId="ADAL" clId="{A4D346AA-F248-6444-93C1-EF2F2E65C714}" dt="2024-08-20T11:32:39.566" v="595" actId="478"/>
+          <ac:picMkLst>
+            <pc:docMk/>
+            <pc:sldMk cId="1551894915" sldId="261"/>
+            <ac:picMk id="17" creationId="{0F35D7D0-03F8-0064-B5AC-20BCCD3C6C55}"/>
+          </ac:picMkLst>
+        </pc:picChg>
+        <pc:picChg chg="del">
+          <ac:chgData name="Tom Hoyland" userId="736d7a3e-93c7-4109-90c5-e67b8b3e41b2" providerId="ADAL" clId="{A4D346AA-F248-6444-93C1-EF2F2E65C714}" dt="2024-08-20T11:32:39.566" v="595" actId="478"/>
+          <ac:picMkLst>
+            <pc:docMk/>
+            <pc:sldMk cId="1551894915" sldId="261"/>
+            <ac:picMk id="21" creationId="{75F00680-C90D-0C50-BAEB-68DD9870452B}"/>
+          </ac:picMkLst>
+        </pc:picChg>
+      </pc:sldChg>
+      <pc:sldChg chg="addSp delSp modSp add mod ord">
+        <pc:chgData name="Tom Hoyland" userId="736d7a3e-93c7-4109-90c5-e67b8b3e41b2" providerId="ADAL" clId="{A4D346AA-F248-6444-93C1-EF2F2E65C714}" dt="2024-08-20T11:32:33.746" v="594" actId="20577"/>
+        <pc:sldMkLst>
+          <pc:docMk/>
+          <pc:sldMk cId="2712193479" sldId="271"/>
+        </pc:sldMkLst>
+        <pc:spChg chg="del">
+          <ac:chgData name="Tom Hoyland" userId="736d7a3e-93c7-4109-90c5-e67b8b3e41b2" providerId="ADAL" clId="{A4D346AA-F248-6444-93C1-EF2F2E65C714}" dt="2024-08-13T07:33:26.326" v="156" actId="478"/>
+          <ac:spMkLst>
+            <pc:docMk/>
+            <pc:sldMk cId="2712193479" sldId="271"/>
+            <ac:spMk id="2" creationId="{60114F5B-200D-5E80-5596-D97099667249}"/>
+          </ac:spMkLst>
+        </pc:spChg>
+        <pc:spChg chg="add mod">
+          <ac:chgData name="Tom Hoyland" userId="736d7a3e-93c7-4109-90c5-e67b8b3e41b2" providerId="ADAL" clId="{A4D346AA-F248-6444-93C1-EF2F2E65C714}" dt="2024-08-13T07:40:02.434" v="517" actId="1076"/>
+          <ac:spMkLst>
+            <pc:docMk/>
+            <pc:sldMk cId="2712193479" sldId="271"/>
+            <ac:spMk id="3" creationId="{43F9F6AE-A5AC-2E03-0D6A-B04BA76B49BC}"/>
+          </ac:spMkLst>
+        </pc:spChg>
+        <pc:spChg chg="add mod">
+          <ac:chgData name="Tom Hoyland" userId="736d7a3e-93c7-4109-90c5-e67b8b3e41b2" providerId="ADAL" clId="{A4D346AA-F248-6444-93C1-EF2F2E65C714}" dt="2024-08-13T07:40:02.434" v="517" actId="1076"/>
+          <ac:spMkLst>
+            <pc:docMk/>
+            <pc:sldMk cId="2712193479" sldId="271"/>
+            <ac:spMk id="4" creationId="{E151A129-60CE-5725-DCEC-DF20AB33301A}"/>
+          </ac:spMkLst>
+        </pc:spChg>
+        <pc:spChg chg="mod">
+          <ac:chgData name="Tom Hoyland" userId="736d7a3e-93c7-4109-90c5-e67b8b3e41b2" providerId="ADAL" clId="{A4D346AA-F248-6444-93C1-EF2F2E65C714}" dt="2024-08-20T11:32:22.457" v="585" actId="20577"/>
+          <ac:spMkLst>
+            <pc:docMk/>
+            <pc:sldMk cId="2712193479" sldId="271"/>
+            <ac:spMk id="8" creationId="{8CDDB97D-A02F-8254-5432-E930CF01E0FC}"/>
+          </ac:spMkLst>
+        </pc:spChg>
+        <pc:spChg chg="mod">
+          <ac:chgData name="Tom Hoyland" userId="736d7a3e-93c7-4109-90c5-e67b8b3e41b2" providerId="ADAL" clId="{A4D346AA-F248-6444-93C1-EF2F2E65C714}" dt="2024-08-20T11:32:20.806" v="584" actId="20577"/>
+          <ac:spMkLst>
+            <pc:docMk/>
+            <pc:sldMk cId="2712193479" sldId="271"/>
+            <ac:spMk id="10" creationId="{C258F823-7B51-957A-9C20-93136D988928}"/>
+          </ac:spMkLst>
+        </pc:spChg>
+        <pc:spChg chg="mod">
+          <ac:chgData name="Tom Hoyland" userId="736d7a3e-93c7-4109-90c5-e67b8b3e41b2" providerId="ADAL" clId="{A4D346AA-F248-6444-93C1-EF2F2E65C714}" dt="2024-08-20T11:32:25.812" v="587" actId="20577"/>
+          <ac:spMkLst>
+            <pc:docMk/>
+            <pc:sldMk cId="2712193479" sldId="271"/>
+            <ac:spMk id="11" creationId="{706FB268-040E-2102-1308-B242A93B903A}"/>
+          </ac:spMkLst>
+        </pc:spChg>
+        <pc:spChg chg="mod">
+          <ac:chgData name="Tom Hoyland" userId="736d7a3e-93c7-4109-90c5-e67b8b3e41b2" providerId="ADAL" clId="{A4D346AA-F248-6444-93C1-EF2F2E65C714}" dt="2024-08-20T11:32:29.695" v="592" actId="20577"/>
+          <ac:spMkLst>
+            <pc:docMk/>
+            <pc:sldMk cId="2712193479" sldId="271"/>
+            <ac:spMk id="13" creationId="{380E85BC-FF65-970E-3CDA-C005D8E7882F}"/>
+          </ac:spMkLst>
+        </pc:spChg>
+        <pc:spChg chg="mod">
+          <ac:chgData name="Tom Hoyland" userId="736d7a3e-93c7-4109-90c5-e67b8b3e41b2" providerId="ADAL" clId="{A4D346AA-F248-6444-93C1-EF2F2E65C714}" dt="2024-08-20T11:32:32.158" v="593" actId="20577"/>
+          <ac:spMkLst>
+            <pc:docMk/>
+            <pc:sldMk cId="2712193479" sldId="271"/>
+            <ac:spMk id="14" creationId="{042E4238-C41B-D73B-C28B-0B462803692E}"/>
+          </ac:spMkLst>
+        </pc:spChg>
+        <pc:spChg chg="mod">
+          <ac:chgData name="Tom Hoyland" userId="736d7a3e-93c7-4109-90c5-e67b8b3e41b2" providerId="ADAL" clId="{A4D346AA-F248-6444-93C1-EF2F2E65C714}" dt="2024-08-20T11:32:24.083" v="586" actId="20577"/>
+          <ac:spMkLst>
+            <pc:docMk/>
+            <pc:sldMk cId="2712193479" sldId="271"/>
+            <ac:spMk id="16" creationId="{24D6D5B8-560A-7C70-9E81-B8EFB579F08E}"/>
+          </ac:spMkLst>
+        </pc:spChg>
+        <pc:spChg chg="mod">
+          <ac:chgData name="Tom Hoyland" userId="736d7a3e-93c7-4109-90c5-e67b8b3e41b2" providerId="ADAL" clId="{A4D346AA-F248-6444-93C1-EF2F2E65C714}" dt="2024-08-20T11:32:19.042" v="583" actId="20577"/>
+          <ac:spMkLst>
+            <pc:docMk/>
+            <pc:sldMk cId="2712193479" sldId="271"/>
+            <ac:spMk id="18" creationId="{F93BD877-DC0E-E976-9DE4-BE888B19CF0F}"/>
+          </ac:spMkLst>
+        </pc:spChg>
+        <pc:spChg chg="add mod">
+          <ac:chgData name="Tom Hoyland" userId="736d7a3e-93c7-4109-90c5-e67b8b3e41b2" providerId="ADAL" clId="{A4D346AA-F248-6444-93C1-EF2F2E65C714}" dt="2024-08-13T07:40:02.434" v="517" actId="1076"/>
+          <ac:spMkLst>
+            <pc:docMk/>
+            <pc:sldMk cId="2712193479" sldId="271"/>
+            <ac:spMk id="19" creationId="{9BC32168-0734-E7F4-DDAC-4419BE1ED0AC}"/>
+          </ac:spMkLst>
+        </pc:spChg>
+        <pc:spChg chg="add mod">
+          <ac:chgData name="Tom Hoyland" userId="736d7a3e-93c7-4109-90c5-e67b8b3e41b2" providerId="ADAL" clId="{A4D346AA-F248-6444-93C1-EF2F2E65C714}" dt="2024-08-13T07:40:02.434" v="517" actId="1076"/>
+          <ac:spMkLst>
+            <pc:docMk/>
+            <pc:sldMk cId="2712193479" sldId="271"/>
+            <ac:spMk id="20" creationId="{69D48872-11CB-3A33-9C96-131727D0AB45}"/>
+          </ac:spMkLst>
+        </pc:spChg>
+        <pc:spChg chg="add del mod">
+          <ac:chgData name="Tom Hoyland" userId="736d7a3e-93c7-4109-90c5-e67b8b3e41b2" providerId="ADAL" clId="{A4D346AA-F248-6444-93C1-EF2F2E65C714}" dt="2024-08-13T07:33:28.075" v="157" actId="478"/>
+          <ac:spMkLst>
+            <pc:docMk/>
+            <pc:sldMk cId="2712193479" sldId="271"/>
+            <ac:spMk id="23" creationId="{97374FD9-56B1-BD38-01AD-42A8332B8E26}"/>
+          </ac:spMkLst>
+        </pc:spChg>
+        <pc:spChg chg="add mod">
+          <ac:chgData name="Tom Hoyland" userId="736d7a3e-93c7-4109-90c5-e67b8b3e41b2" providerId="ADAL" clId="{A4D346AA-F248-6444-93C1-EF2F2E65C714}" dt="2024-08-13T07:40:02.434" v="517" actId="1076"/>
+          <ac:spMkLst>
+            <pc:docMk/>
+            <pc:sldMk cId="2712193479" sldId="271"/>
+            <ac:spMk id="24" creationId="{16C484F4-FF4B-D129-FAEA-02E2EC8CFE4D}"/>
+          </ac:spMkLst>
+        </pc:spChg>
+        <pc:spChg chg="add mod">
+          <ac:chgData name="Tom Hoyland" userId="736d7a3e-93c7-4109-90c5-e67b8b3e41b2" providerId="ADAL" clId="{A4D346AA-F248-6444-93C1-EF2F2E65C714}" dt="2024-08-13T07:40:02.434" v="517" actId="1076"/>
+          <ac:spMkLst>
+            <pc:docMk/>
+            <pc:sldMk cId="2712193479" sldId="271"/>
+            <ac:spMk id="25" creationId="{5772F33A-FAA4-6619-FC37-5A0C0D431A17}"/>
+          </ac:spMkLst>
+        </pc:spChg>
+        <pc:spChg chg="add mod">
+          <ac:chgData name="Tom Hoyland" userId="736d7a3e-93c7-4109-90c5-e67b8b3e41b2" providerId="ADAL" clId="{A4D346AA-F248-6444-93C1-EF2F2E65C714}" dt="2024-08-13T07:40:02.434" v="517" actId="1076"/>
+          <ac:spMkLst>
+            <pc:docMk/>
+            <pc:sldMk cId="2712193479" sldId="271"/>
+            <ac:spMk id="26" creationId="{8DB1EDB7-0892-A3F2-FB78-D990F034BD8D}"/>
+          </ac:spMkLst>
+        </pc:spChg>
+        <pc:spChg chg="add mod">
+          <ac:chgData name="Tom Hoyland" userId="736d7a3e-93c7-4109-90c5-e67b8b3e41b2" providerId="ADAL" clId="{A4D346AA-F248-6444-93C1-EF2F2E65C714}" dt="2024-08-13T07:40:02.434" v="517" actId="1076"/>
+          <ac:spMkLst>
+            <pc:docMk/>
+            <pc:sldMk cId="2712193479" sldId="271"/>
+            <ac:spMk id="27" creationId="{A82AA132-2F6D-308A-92C4-44C23B119428}"/>
+          </ac:spMkLst>
+        </pc:spChg>
+        <pc:spChg chg="mod">
+          <ac:chgData name="Tom Hoyland" userId="736d7a3e-93c7-4109-90c5-e67b8b3e41b2" providerId="ADAL" clId="{A4D346AA-F248-6444-93C1-EF2F2E65C714}" dt="2024-08-20T11:32:33.746" v="594" actId="20577"/>
+          <ac:spMkLst>
+            <pc:docMk/>
+            <pc:sldMk cId="2712193479" sldId="271"/>
+            <ac:spMk id="28" creationId="{5ACB057E-5EA7-0F53-3026-546099232574}"/>
+          </ac:spMkLst>
+        </pc:spChg>
+        <pc:spChg chg="mod">
+          <ac:chgData name="Tom Hoyland" userId="736d7a3e-93c7-4109-90c5-e67b8b3e41b2" providerId="ADAL" clId="{A4D346AA-F248-6444-93C1-EF2F2E65C714}" dt="2024-08-13T07:40:02.434" v="517" actId="1076"/>
+          <ac:spMkLst>
+            <pc:docMk/>
+            <pc:sldMk cId="2712193479" sldId="271"/>
+            <ac:spMk id="29" creationId="{73641E73-F1C1-EAD9-8C93-D55E7BD2CDF8}"/>
+          </ac:spMkLst>
+        </pc:spChg>
+        <pc:spChg chg="mod">
+          <ac:chgData name="Tom Hoyland" userId="736d7a3e-93c7-4109-90c5-e67b8b3e41b2" providerId="ADAL" clId="{A4D346AA-F248-6444-93C1-EF2F2E65C714}" dt="2024-08-13T07:40:02.434" v="517" actId="1076"/>
+          <ac:spMkLst>
+            <pc:docMk/>
+            <pc:sldMk cId="2712193479" sldId="271"/>
+            <ac:spMk id="30" creationId="{0E4E77C7-934A-84F8-113F-232F677D364F}"/>
+          </ac:spMkLst>
+        </pc:spChg>
+        <pc:spChg chg="mod">
+          <ac:chgData name="Tom Hoyland" userId="736d7a3e-93c7-4109-90c5-e67b8b3e41b2" providerId="ADAL" clId="{A4D346AA-F248-6444-93C1-EF2F2E65C714}" dt="2024-08-13T07:40:02.434" v="517" actId="1076"/>
+          <ac:spMkLst>
+            <pc:docMk/>
+            <pc:sldMk cId="2712193479" sldId="271"/>
+            <ac:spMk id="31" creationId="{18DF7356-8B91-65DC-8FE8-32BFE8F1A09C}"/>
+          </ac:spMkLst>
+        </pc:spChg>
+        <pc:spChg chg="mod">
+          <ac:chgData name="Tom Hoyland" userId="736d7a3e-93c7-4109-90c5-e67b8b3e41b2" providerId="ADAL" clId="{A4D346AA-F248-6444-93C1-EF2F2E65C714}" dt="2024-08-13T07:40:02.434" v="517" actId="1076"/>
+          <ac:spMkLst>
+            <pc:docMk/>
+            <pc:sldMk cId="2712193479" sldId="271"/>
+            <ac:spMk id="32" creationId="{CE0A2A4C-DC20-3B09-E6C1-86C7406F3E22}"/>
+          </ac:spMkLst>
+        </pc:spChg>
+        <pc:spChg chg="mod">
+          <ac:chgData name="Tom Hoyland" userId="736d7a3e-93c7-4109-90c5-e67b8b3e41b2" providerId="ADAL" clId="{A4D346AA-F248-6444-93C1-EF2F2E65C714}" dt="2024-08-13T07:40:02.434" v="517" actId="1076"/>
+          <ac:spMkLst>
+            <pc:docMk/>
+            <pc:sldMk cId="2712193479" sldId="271"/>
+            <ac:spMk id="33" creationId="{B0CF220A-8F25-72EA-707D-3F51885CA3B4}"/>
+          </ac:spMkLst>
+        </pc:spChg>
+        <pc:spChg chg="mod">
+          <ac:chgData name="Tom Hoyland" userId="736d7a3e-93c7-4109-90c5-e67b8b3e41b2" providerId="ADAL" clId="{A4D346AA-F248-6444-93C1-EF2F2E65C714}" dt="2024-08-13T07:40:02.434" v="517" actId="1076"/>
+          <ac:spMkLst>
+            <pc:docMk/>
+            <pc:sldMk cId="2712193479" sldId="271"/>
+            <ac:spMk id="34" creationId="{FD091573-20FC-A6D7-6867-DCE7669E0934}"/>
+          </ac:spMkLst>
+        </pc:spChg>
+        <pc:spChg chg="mod">
+          <ac:chgData name="Tom Hoyland" userId="736d7a3e-93c7-4109-90c5-e67b8b3e41b2" providerId="ADAL" clId="{A4D346AA-F248-6444-93C1-EF2F2E65C714}" dt="2024-08-13T07:40:02.434" v="517" actId="1076"/>
+          <ac:spMkLst>
+            <pc:docMk/>
+            <pc:sldMk cId="2712193479" sldId="271"/>
+            <ac:spMk id="35" creationId="{14C3540D-164D-0502-B9B3-99DA425B4CAA}"/>
+          </ac:spMkLst>
+        </pc:spChg>
+        <pc:spChg chg="mod">
+          <ac:chgData name="Tom Hoyland" userId="736d7a3e-93c7-4109-90c5-e67b8b3e41b2" providerId="ADAL" clId="{A4D346AA-F248-6444-93C1-EF2F2E65C714}" dt="2024-08-13T07:40:02.434" v="517" actId="1076"/>
+          <ac:spMkLst>
+            <pc:docMk/>
+            <pc:sldMk cId="2712193479" sldId="271"/>
+            <ac:spMk id="36" creationId="{E590E56E-C5E5-6786-556B-9FF43F6C6253}"/>
+          </ac:spMkLst>
+        </pc:spChg>
+        <pc:picChg chg="mod">
+          <ac:chgData name="Tom Hoyland" userId="736d7a3e-93c7-4109-90c5-e67b8b3e41b2" providerId="ADAL" clId="{A4D346AA-F248-6444-93C1-EF2F2E65C714}" dt="2024-08-13T07:40:02.434" v="517" actId="1076"/>
+          <ac:picMkLst>
+            <pc:docMk/>
+            <pc:sldMk cId="2712193479" sldId="271"/>
+            <ac:picMk id="5" creationId="{62116002-A9FA-E0AB-8E6A-8CEE2DB576CB}"/>
+          </ac:picMkLst>
+        </pc:picChg>
+        <pc:picChg chg="mod">
+          <ac:chgData name="Tom Hoyland" userId="736d7a3e-93c7-4109-90c5-e67b8b3e41b2" providerId="ADAL" clId="{A4D346AA-F248-6444-93C1-EF2F2E65C714}" dt="2024-08-13T07:40:02.434" v="517" actId="1076"/>
+          <ac:picMkLst>
+            <pc:docMk/>
+            <pc:sldMk cId="2712193479" sldId="271"/>
+            <ac:picMk id="6" creationId="{06F97ED0-2646-B792-8B99-24400765AE9E}"/>
+          </ac:picMkLst>
+        </pc:picChg>
+        <pc:picChg chg="mod">
+          <ac:chgData name="Tom Hoyland" userId="736d7a3e-93c7-4109-90c5-e67b8b3e41b2" providerId="ADAL" clId="{A4D346AA-F248-6444-93C1-EF2F2E65C714}" dt="2024-08-13T07:40:02.434" v="517" actId="1076"/>
+          <ac:picMkLst>
+            <pc:docMk/>
+            <pc:sldMk cId="2712193479" sldId="271"/>
+            <ac:picMk id="7" creationId="{D006BE89-01FB-EFD8-A0B0-468CE5796739}"/>
+          </ac:picMkLst>
+        </pc:picChg>
+        <pc:picChg chg="mod">
+          <ac:chgData name="Tom Hoyland" userId="736d7a3e-93c7-4109-90c5-e67b8b3e41b2" providerId="ADAL" clId="{A4D346AA-F248-6444-93C1-EF2F2E65C714}" dt="2024-08-13T07:40:02.434" v="517" actId="1076"/>
+          <ac:picMkLst>
+            <pc:docMk/>
+            <pc:sldMk cId="2712193479" sldId="271"/>
+            <ac:picMk id="9" creationId="{08B66EBF-2D1E-6E8B-FCBD-479EDE455568}"/>
+          </ac:picMkLst>
+        </pc:picChg>
+        <pc:picChg chg="mod">
+          <ac:chgData name="Tom Hoyland" userId="736d7a3e-93c7-4109-90c5-e67b8b3e41b2" providerId="ADAL" clId="{A4D346AA-F248-6444-93C1-EF2F2E65C714}" dt="2024-08-13T07:40:02.434" v="517" actId="1076"/>
+          <ac:picMkLst>
+            <pc:docMk/>
+            <pc:sldMk cId="2712193479" sldId="271"/>
+            <ac:picMk id="12" creationId="{0AF8A365-1CA9-E91D-685E-C97FBF85A01F}"/>
+          </ac:picMkLst>
+        </pc:picChg>
+        <pc:picChg chg="mod">
+          <ac:chgData name="Tom Hoyland" userId="736d7a3e-93c7-4109-90c5-e67b8b3e41b2" providerId="ADAL" clId="{A4D346AA-F248-6444-93C1-EF2F2E65C714}" dt="2024-08-13T07:40:02.434" v="517" actId="1076"/>
+          <ac:picMkLst>
+            <pc:docMk/>
+            <pc:sldMk cId="2712193479" sldId="271"/>
+            <ac:picMk id="15" creationId="{C1E2E61F-6957-C476-802C-DAA4E8E3D8FC}"/>
+          </ac:picMkLst>
+        </pc:picChg>
+        <pc:picChg chg="mod">
+          <ac:chgData name="Tom Hoyland" userId="736d7a3e-93c7-4109-90c5-e67b8b3e41b2" providerId="ADAL" clId="{A4D346AA-F248-6444-93C1-EF2F2E65C714}" dt="2024-08-13T07:40:02.434" v="517" actId="1076"/>
+          <ac:picMkLst>
+            <pc:docMk/>
+            <pc:sldMk cId="2712193479" sldId="271"/>
+            <ac:picMk id="17" creationId="{0F35D7D0-03F8-0064-B5AC-20BCCD3C6C55}"/>
+          </ac:picMkLst>
+        </pc:picChg>
+        <pc:picChg chg="mod">
+          <ac:chgData name="Tom Hoyland" userId="736d7a3e-93c7-4109-90c5-e67b8b3e41b2" providerId="ADAL" clId="{A4D346AA-F248-6444-93C1-EF2F2E65C714}" dt="2024-08-13T07:40:02.434" v="517" actId="1076"/>
+          <ac:picMkLst>
+            <pc:docMk/>
+            <pc:sldMk cId="2712193479" sldId="271"/>
+            <ac:picMk id="21" creationId="{75F00680-C90D-0C50-BAEB-68DD9870452B}"/>
+          </ac:picMkLst>
+        </pc:picChg>
+      </pc:sldChg>
+      <pc:sldChg chg="addSp modSp add mod ord">
+        <pc:chgData name="Tom Hoyland" userId="736d7a3e-93c7-4109-90c5-e67b8b3e41b2" providerId="ADAL" clId="{A4D346AA-F248-6444-93C1-EF2F2E65C714}" dt="2024-08-20T11:33:24.572" v="664" actId="404"/>
+        <pc:sldMkLst>
+          <pc:docMk/>
+          <pc:sldMk cId="248048730" sldId="272"/>
+        </pc:sldMkLst>
+        <pc:spChg chg="add mod">
+          <ac:chgData name="Tom Hoyland" userId="736d7a3e-93c7-4109-90c5-e67b8b3e41b2" providerId="ADAL" clId="{A4D346AA-F248-6444-93C1-EF2F2E65C714}" dt="2024-08-20T11:33:24.572" v="664" actId="404"/>
+          <ac:spMkLst>
+            <pc:docMk/>
+            <pc:sldMk cId="248048730" sldId="272"/>
+            <ac:spMk id="2" creationId="{DE49AD4B-7FB7-DB4B-1892-2174BDB55FDC}"/>
+          </ac:spMkLst>
+        </pc:spChg>
+        <pc:spChg chg="mod">
+          <ac:chgData name="Tom Hoyland" userId="736d7a3e-93c7-4109-90c5-e67b8b3e41b2" providerId="ADAL" clId="{A4D346AA-F248-6444-93C1-EF2F2E65C714}" dt="2024-08-20T11:33:03.837" v="628" actId="1036"/>
+          <ac:spMkLst>
+            <pc:docMk/>
+            <pc:sldMk cId="248048730" sldId="272"/>
+            <ac:spMk id="3" creationId="{213F28A4-07ED-C70E-C1A5-0B32C5A7DD8D}"/>
+          </ac:spMkLst>
+        </pc:spChg>
+        <pc:spChg chg="mod">
+          <ac:chgData name="Tom Hoyland" userId="736d7a3e-93c7-4109-90c5-e67b8b3e41b2" providerId="ADAL" clId="{A4D346AA-F248-6444-93C1-EF2F2E65C714}" dt="2024-08-20T11:33:03.837" v="628" actId="1036"/>
+          <ac:spMkLst>
+            <pc:docMk/>
+            <pc:sldMk cId="248048730" sldId="272"/>
+            <ac:spMk id="4" creationId="{DD555481-A9B5-D5E1-1F1B-EF8ED78D5CD8}"/>
+          </ac:spMkLst>
+        </pc:spChg>
+        <pc:spChg chg="mod">
+          <ac:chgData name="Tom Hoyland" userId="736d7a3e-93c7-4109-90c5-e67b8b3e41b2" providerId="ADAL" clId="{A4D346AA-F248-6444-93C1-EF2F2E65C714}" dt="2024-08-20T11:33:03.837" v="628" actId="1036"/>
+          <ac:spMkLst>
+            <pc:docMk/>
+            <pc:sldMk cId="248048730" sldId="272"/>
+            <ac:spMk id="8" creationId="{AEAF102F-143D-76EF-DF6D-8B165519A4A4}"/>
+          </ac:spMkLst>
+        </pc:spChg>
+        <pc:spChg chg="mod">
+          <ac:chgData name="Tom Hoyland" userId="736d7a3e-93c7-4109-90c5-e67b8b3e41b2" providerId="ADAL" clId="{A4D346AA-F248-6444-93C1-EF2F2E65C714}" dt="2024-08-20T11:33:03.837" v="628" actId="1036"/>
+          <ac:spMkLst>
+            <pc:docMk/>
+            <pc:sldMk cId="248048730" sldId="272"/>
+            <ac:spMk id="10" creationId="{4AFC90E1-B3DD-B446-A88F-D3102C4BE49F}"/>
+          </ac:spMkLst>
+        </pc:spChg>
+        <pc:spChg chg="mod">
+          <ac:chgData name="Tom Hoyland" userId="736d7a3e-93c7-4109-90c5-e67b8b3e41b2" providerId="ADAL" clId="{A4D346AA-F248-6444-93C1-EF2F2E65C714}" dt="2024-08-20T11:33:03.837" v="628" actId="1036"/>
+          <ac:spMkLst>
+            <pc:docMk/>
+            <pc:sldMk cId="248048730" sldId="272"/>
+            <ac:spMk id="11" creationId="{06C0DA98-AF63-8C25-12CC-42A79D849F04}"/>
+          </ac:spMkLst>
+        </pc:spChg>
+        <pc:spChg chg="mod">
+          <ac:chgData name="Tom Hoyland" userId="736d7a3e-93c7-4109-90c5-e67b8b3e41b2" providerId="ADAL" clId="{A4D346AA-F248-6444-93C1-EF2F2E65C714}" dt="2024-08-20T11:33:03.837" v="628" actId="1036"/>
+          <ac:spMkLst>
+            <pc:docMk/>
+            <pc:sldMk cId="248048730" sldId="272"/>
+            <ac:spMk id="13" creationId="{6D7F7EC6-1E57-62EB-8CD1-03BE4F5ADDED}"/>
+          </ac:spMkLst>
+        </pc:spChg>
+        <pc:spChg chg="mod">
+          <ac:chgData name="Tom Hoyland" userId="736d7a3e-93c7-4109-90c5-e67b8b3e41b2" providerId="ADAL" clId="{A4D346AA-F248-6444-93C1-EF2F2E65C714}" dt="2024-08-20T11:33:03.837" v="628" actId="1036"/>
+          <ac:spMkLst>
+            <pc:docMk/>
+            <pc:sldMk cId="248048730" sldId="272"/>
+            <ac:spMk id="14" creationId="{C264D8AC-B086-B921-85C6-5AF1DD6AD8DE}"/>
+          </ac:spMkLst>
+        </pc:spChg>
+        <pc:spChg chg="mod">
+          <ac:chgData name="Tom Hoyland" userId="736d7a3e-93c7-4109-90c5-e67b8b3e41b2" providerId="ADAL" clId="{A4D346AA-F248-6444-93C1-EF2F2E65C714}" dt="2024-08-20T11:33:03.837" v="628" actId="1036"/>
+          <ac:spMkLst>
+            <pc:docMk/>
+            <pc:sldMk cId="248048730" sldId="272"/>
+            <ac:spMk id="16" creationId="{E4800468-3CA0-2964-AA62-A3AA15AEBB24}"/>
+          </ac:spMkLst>
+        </pc:spChg>
+        <pc:spChg chg="mod">
+          <ac:chgData name="Tom Hoyland" userId="736d7a3e-93c7-4109-90c5-e67b8b3e41b2" providerId="ADAL" clId="{A4D346AA-F248-6444-93C1-EF2F2E65C714}" dt="2024-08-20T11:33:03.837" v="628" actId="1036"/>
+          <ac:spMkLst>
+            <pc:docMk/>
+            <pc:sldMk cId="248048730" sldId="272"/>
+            <ac:spMk id="18" creationId="{63271C5F-2656-11FB-BDA0-F18F429D4AB8}"/>
+          </ac:spMkLst>
+        </pc:spChg>
+        <pc:spChg chg="mod">
+          <ac:chgData name="Tom Hoyland" userId="736d7a3e-93c7-4109-90c5-e67b8b3e41b2" providerId="ADAL" clId="{A4D346AA-F248-6444-93C1-EF2F2E65C714}" dt="2024-08-20T11:33:03.837" v="628" actId="1036"/>
+          <ac:spMkLst>
+            <pc:docMk/>
+            <pc:sldMk cId="248048730" sldId="272"/>
+            <ac:spMk id="19" creationId="{70929939-537B-C447-115E-FED5AF8357AE}"/>
+          </ac:spMkLst>
+        </pc:spChg>
+        <pc:spChg chg="mod">
+          <ac:chgData name="Tom Hoyland" userId="736d7a3e-93c7-4109-90c5-e67b8b3e41b2" providerId="ADAL" clId="{A4D346AA-F248-6444-93C1-EF2F2E65C714}" dt="2024-08-20T11:33:03.837" v="628" actId="1036"/>
+          <ac:spMkLst>
+            <pc:docMk/>
+            <pc:sldMk cId="248048730" sldId="272"/>
+            <ac:spMk id="20" creationId="{59B90136-C70C-1F8D-144A-B8DAA91E8BFF}"/>
+          </ac:spMkLst>
+        </pc:spChg>
+        <pc:spChg chg="mod">
+          <ac:chgData name="Tom Hoyland" userId="736d7a3e-93c7-4109-90c5-e67b8b3e41b2" providerId="ADAL" clId="{A4D346AA-F248-6444-93C1-EF2F2E65C714}" dt="2024-08-20T11:33:03.837" v="628" actId="1036"/>
+          <ac:spMkLst>
+            <pc:docMk/>
+            <pc:sldMk cId="248048730" sldId="272"/>
+            <ac:spMk id="24" creationId="{58A0E144-52CD-ECF3-042B-7992A86DA18B}"/>
+          </ac:spMkLst>
+        </pc:spChg>
+        <pc:spChg chg="mod">
+          <ac:chgData name="Tom Hoyland" userId="736d7a3e-93c7-4109-90c5-e67b8b3e41b2" providerId="ADAL" clId="{A4D346AA-F248-6444-93C1-EF2F2E65C714}" dt="2024-08-20T11:33:03.837" v="628" actId="1036"/>
+          <ac:spMkLst>
+            <pc:docMk/>
+            <pc:sldMk cId="248048730" sldId="272"/>
+            <ac:spMk id="25" creationId="{38DEAD3F-0B7F-2B20-993E-A2B1F014B1CD}"/>
+          </ac:spMkLst>
+        </pc:spChg>
+        <pc:spChg chg="mod">
+          <ac:chgData name="Tom Hoyland" userId="736d7a3e-93c7-4109-90c5-e67b8b3e41b2" providerId="ADAL" clId="{A4D346AA-F248-6444-93C1-EF2F2E65C714}" dt="2024-08-20T11:33:03.837" v="628" actId="1036"/>
+          <ac:spMkLst>
+            <pc:docMk/>
+            <pc:sldMk cId="248048730" sldId="272"/>
+            <ac:spMk id="26" creationId="{3A945144-0789-5A0E-FC67-42CABE016FCE}"/>
+          </ac:spMkLst>
+        </pc:spChg>
+        <pc:spChg chg="mod">
+          <ac:chgData name="Tom Hoyland" userId="736d7a3e-93c7-4109-90c5-e67b8b3e41b2" providerId="ADAL" clId="{A4D346AA-F248-6444-93C1-EF2F2E65C714}" dt="2024-08-20T11:33:03.837" v="628" actId="1036"/>
+          <ac:spMkLst>
+            <pc:docMk/>
+            <pc:sldMk cId="248048730" sldId="272"/>
+            <ac:spMk id="27" creationId="{CCBC6816-D39B-700B-F344-1B0D25A1449C}"/>
+          </ac:spMkLst>
+        </pc:spChg>
+        <pc:spChg chg="mod">
+          <ac:chgData name="Tom Hoyland" userId="736d7a3e-93c7-4109-90c5-e67b8b3e41b2" providerId="ADAL" clId="{A4D346AA-F248-6444-93C1-EF2F2E65C714}" dt="2024-08-20T11:33:03.837" v="628" actId="1036"/>
+          <ac:spMkLst>
+            <pc:docMk/>
+            <pc:sldMk cId="248048730" sldId="272"/>
+            <ac:spMk id="28" creationId="{5A0B0504-FBD2-ED5A-4F3B-787A8587C05A}"/>
+          </ac:spMkLst>
+        </pc:spChg>
+        <pc:spChg chg="mod">
+          <ac:chgData name="Tom Hoyland" userId="736d7a3e-93c7-4109-90c5-e67b8b3e41b2" providerId="ADAL" clId="{A4D346AA-F248-6444-93C1-EF2F2E65C714}" dt="2024-08-20T11:33:03.837" v="628" actId="1036"/>
+          <ac:spMkLst>
+            <pc:docMk/>
+            <pc:sldMk cId="248048730" sldId="272"/>
+            <ac:spMk id="29" creationId="{68B58E08-22AA-A82B-48BD-73CAD4C99992}"/>
+          </ac:spMkLst>
+        </pc:spChg>
+        <pc:spChg chg="mod">
+          <ac:chgData name="Tom Hoyland" userId="736d7a3e-93c7-4109-90c5-e67b8b3e41b2" providerId="ADAL" clId="{A4D346AA-F248-6444-93C1-EF2F2E65C714}" dt="2024-08-20T11:33:03.837" v="628" actId="1036"/>
+          <ac:spMkLst>
+            <pc:docMk/>
+            <pc:sldMk cId="248048730" sldId="272"/>
+            <ac:spMk id="30" creationId="{DEFE14F4-97D1-71EF-B066-BF208197EC0B}"/>
+          </ac:spMkLst>
+        </pc:spChg>
+        <pc:spChg chg="mod">
+          <ac:chgData name="Tom Hoyland" userId="736d7a3e-93c7-4109-90c5-e67b8b3e41b2" providerId="ADAL" clId="{A4D346AA-F248-6444-93C1-EF2F2E65C714}" dt="2024-08-20T11:33:03.837" v="628" actId="1036"/>
+          <ac:spMkLst>
+            <pc:docMk/>
+            <pc:sldMk cId="248048730" sldId="272"/>
+            <ac:spMk id="31" creationId="{8D8F7CEF-134A-D3DA-8445-5A753AB0F80F}"/>
+          </ac:spMkLst>
+        </pc:spChg>
+        <pc:spChg chg="mod">
+          <ac:chgData name="Tom Hoyland" userId="736d7a3e-93c7-4109-90c5-e67b8b3e41b2" providerId="ADAL" clId="{A4D346AA-F248-6444-93C1-EF2F2E65C714}" dt="2024-08-20T11:33:03.837" v="628" actId="1036"/>
+          <ac:spMkLst>
+            <pc:docMk/>
+            <pc:sldMk cId="248048730" sldId="272"/>
+            <ac:spMk id="32" creationId="{5057154F-7DCF-A223-0510-F25D7FD2EE6A}"/>
+          </ac:spMkLst>
+        </pc:spChg>
+        <pc:spChg chg="mod">
+          <ac:chgData name="Tom Hoyland" userId="736d7a3e-93c7-4109-90c5-e67b8b3e41b2" providerId="ADAL" clId="{A4D346AA-F248-6444-93C1-EF2F2E65C714}" dt="2024-08-20T11:33:03.837" v="628" actId="1036"/>
+          <ac:spMkLst>
+            <pc:docMk/>
+            <pc:sldMk cId="248048730" sldId="272"/>
+            <ac:spMk id="33" creationId="{E0D8722E-83A8-C310-122A-30EA2816860E}"/>
+          </ac:spMkLst>
+        </pc:spChg>
+        <pc:spChg chg="mod">
+          <ac:chgData name="Tom Hoyland" userId="736d7a3e-93c7-4109-90c5-e67b8b3e41b2" providerId="ADAL" clId="{A4D346AA-F248-6444-93C1-EF2F2E65C714}" dt="2024-08-20T11:33:03.837" v="628" actId="1036"/>
+          <ac:spMkLst>
+            <pc:docMk/>
+            <pc:sldMk cId="248048730" sldId="272"/>
+            <ac:spMk id="34" creationId="{27018EDB-C14A-2175-DA20-52AE83F8940E}"/>
+          </ac:spMkLst>
+        </pc:spChg>
+        <pc:spChg chg="mod">
+          <ac:chgData name="Tom Hoyland" userId="736d7a3e-93c7-4109-90c5-e67b8b3e41b2" providerId="ADAL" clId="{A4D346AA-F248-6444-93C1-EF2F2E65C714}" dt="2024-08-20T11:33:03.837" v="628" actId="1036"/>
+          <ac:spMkLst>
+            <pc:docMk/>
+            <pc:sldMk cId="248048730" sldId="272"/>
+            <ac:spMk id="35" creationId="{64BD6B3C-21B9-94EB-9163-4D7A83A4A297}"/>
+          </ac:spMkLst>
+        </pc:spChg>
+        <pc:spChg chg="mod">
+          <ac:chgData name="Tom Hoyland" userId="736d7a3e-93c7-4109-90c5-e67b8b3e41b2" providerId="ADAL" clId="{A4D346AA-F248-6444-93C1-EF2F2E65C714}" dt="2024-08-20T11:33:03.837" v="628" actId="1036"/>
+          <ac:spMkLst>
+            <pc:docMk/>
+            <pc:sldMk cId="248048730" sldId="272"/>
+            <ac:spMk id="36" creationId="{965DF994-D945-F5CF-02B0-6FD96B778267}"/>
+          </ac:spMkLst>
+        </pc:spChg>
+        <pc:picChg chg="mod">
+          <ac:chgData name="Tom Hoyland" userId="736d7a3e-93c7-4109-90c5-e67b8b3e41b2" providerId="ADAL" clId="{A4D346AA-F248-6444-93C1-EF2F2E65C714}" dt="2024-08-20T11:33:03.837" v="628" actId="1036"/>
+          <ac:picMkLst>
+            <pc:docMk/>
+            <pc:sldMk cId="248048730" sldId="272"/>
+            <ac:picMk id="5" creationId="{6322FBD9-FD8F-9C95-2729-127E6A05B844}"/>
+          </ac:picMkLst>
+        </pc:picChg>
+        <pc:picChg chg="mod">
+          <ac:chgData name="Tom Hoyland" userId="736d7a3e-93c7-4109-90c5-e67b8b3e41b2" providerId="ADAL" clId="{A4D346AA-F248-6444-93C1-EF2F2E65C714}" dt="2024-08-20T11:33:03.837" v="628" actId="1036"/>
+          <ac:picMkLst>
+            <pc:docMk/>
+            <pc:sldMk cId="248048730" sldId="272"/>
+            <ac:picMk id="6" creationId="{2BE0E3B7-67DB-7D22-62F7-F28225398F7E}"/>
+          </ac:picMkLst>
+        </pc:picChg>
+        <pc:picChg chg="mod">
+          <ac:chgData name="Tom Hoyland" userId="736d7a3e-93c7-4109-90c5-e67b8b3e41b2" providerId="ADAL" clId="{A4D346AA-F248-6444-93C1-EF2F2E65C714}" dt="2024-08-20T11:33:03.837" v="628" actId="1036"/>
+          <ac:picMkLst>
+            <pc:docMk/>
+            <pc:sldMk cId="248048730" sldId="272"/>
+            <ac:picMk id="7" creationId="{4025EFFD-6B77-7453-3202-61E018612DB9}"/>
+          </ac:picMkLst>
+        </pc:picChg>
+        <pc:picChg chg="mod">
+          <ac:chgData name="Tom Hoyland" userId="736d7a3e-93c7-4109-90c5-e67b8b3e41b2" providerId="ADAL" clId="{A4D346AA-F248-6444-93C1-EF2F2E65C714}" dt="2024-08-20T11:33:03.837" v="628" actId="1036"/>
+          <ac:picMkLst>
+            <pc:docMk/>
+            <pc:sldMk cId="248048730" sldId="272"/>
+            <ac:picMk id="9" creationId="{AFD2E46D-615E-B65D-1188-F2A6AB1738D7}"/>
+          </ac:picMkLst>
+        </pc:picChg>
+        <pc:picChg chg="mod">
+          <ac:chgData name="Tom Hoyland" userId="736d7a3e-93c7-4109-90c5-e67b8b3e41b2" providerId="ADAL" clId="{A4D346AA-F248-6444-93C1-EF2F2E65C714}" dt="2024-08-20T11:33:03.837" v="628" actId="1036"/>
+          <ac:picMkLst>
+            <pc:docMk/>
+            <pc:sldMk cId="248048730" sldId="272"/>
+            <ac:picMk id="12" creationId="{5C0C4BE6-1C53-E473-95EA-95C0F5CF1564}"/>
+          </ac:picMkLst>
+        </pc:picChg>
+        <pc:picChg chg="mod">
+          <ac:chgData name="Tom Hoyland" userId="736d7a3e-93c7-4109-90c5-e67b8b3e41b2" providerId="ADAL" clId="{A4D346AA-F248-6444-93C1-EF2F2E65C714}" dt="2024-08-20T11:33:03.837" v="628" actId="1036"/>
+          <ac:picMkLst>
+            <pc:docMk/>
+            <pc:sldMk cId="248048730" sldId="272"/>
+            <ac:picMk id="15" creationId="{1A85A53A-A4EB-808E-BCEA-EEBBAB52ECBA}"/>
+          </ac:picMkLst>
+        </pc:picChg>
+        <pc:picChg chg="mod">
+          <ac:chgData name="Tom Hoyland" userId="736d7a3e-93c7-4109-90c5-e67b8b3e41b2" providerId="ADAL" clId="{A4D346AA-F248-6444-93C1-EF2F2E65C714}" dt="2024-08-20T11:33:03.837" v="628" actId="1036"/>
+          <ac:picMkLst>
+            <pc:docMk/>
+            <pc:sldMk cId="248048730" sldId="272"/>
+            <ac:picMk id="17" creationId="{0FE1B1AD-E962-2850-8199-8B489F405D39}"/>
+          </ac:picMkLst>
+        </pc:picChg>
+        <pc:picChg chg="mod">
+          <ac:chgData name="Tom Hoyland" userId="736d7a3e-93c7-4109-90c5-e67b8b3e41b2" providerId="ADAL" clId="{A4D346AA-F248-6444-93C1-EF2F2E65C714}" dt="2024-08-20T11:33:03.837" v="628" actId="1036"/>
+          <ac:picMkLst>
+            <pc:docMk/>
+            <pc:sldMk cId="248048730" sldId="272"/>
+            <ac:picMk id="21" creationId="{177349E7-5A4C-46C5-B5B8-4980C12E809F}"/>
+          </ac:picMkLst>
+        </pc:picChg>
       </pc:sldChg>
     </pc:docChg>
   </pc:docChgLst>
@@ -3250,7 +3250,7 @@
           <a:p>
             <a:fld id="{5C06DD1F-C8BB-C544-8951-53B94EFC2F92}" type="datetimeFigureOut">
               <a:rPr lang="en-GB" smtClean="0"/>
-              <a:t>12/11/2024</a:t>
+              <a:t>15/11/2024</a:t>
             </a:fld>
             <a:endParaRPr lang="en-GB" dirty="0"/>
           </a:p>
@@ -3772,7 +3772,7 @@
           <a:p>
             <a:fld id="{C2607E07-18ED-174A-9B6F-CAD87D1E6349}" type="datetimeFigureOut">
               <a:rPr lang="en-GB" smtClean="0"/>
-              <a:t>12/11/2024</a:t>
+              <a:t>15/11/2024</a:t>
             </a:fld>
             <a:endParaRPr lang="en-GB" dirty="0"/>
           </a:p>
@@ -3970,7 +3970,7 @@
           <a:p>
             <a:fld id="{C2607E07-18ED-174A-9B6F-CAD87D1E6349}" type="datetimeFigureOut">
               <a:rPr lang="en-GB" smtClean="0"/>
-              <a:t>12/11/2024</a:t>
+              <a:t>15/11/2024</a:t>
             </a:fld>
             <a:endParaRPr lang="en-GB" dirty="0"/>
           </a:p>
@@ -4178,7 +4178,7 @@
           <a:p>
             <a:fld id="{C2607E07-18ED-174A-9B6F-CAD87D1E6349}" type="datetimeFigureOut">
               <a:rPr lang="en-GB" smtClean="0"/>
-              <a:t>12/11/2024</a:t>
+              <a:t>15/11/2024</a:t>
             </a:fld>
             <a:endParaRPr lang="en-GB" dirty="0"/>
           </a:p>
@@ -4376,7 +4376,7 @@
           <a:p>
             <a:fld id="{C2607E07-18ED-174A-9B6F-CAD87D1E6349}" type="datetimeFigureOut">
               <a:rPr lang="en-GB" smtClean="0"/>
-              <a:t>12/11/2024</a:t>
+              <a:t>15/11/2024</a:t>
             </a:fld>
             <a:endParaRPr lang="en-GB" dirty="0"/>
           </a:p>
@@ -4651,7 +4651,7 @@
           <a:p>
             <a:fld id="{C2607E07-18ED-174A-9B6F-CAD87D1E6349}" type="datetimeFigureOut">
               <a:rPr lang="en-GB" smtClean="0"/>
-              <a:t>12/11/2024</a:t>
+              <a:t>15/11/2024</a:t>
             </a:fld>
             <a:endParaRPr lang="en-GB" dirty="0"/>
           </a:p>
@@ -4916,7 +4916,7 @@
           <a:p>
             <a:fld id="{C2607E07-18ED-174A-9B6F-CAD87D1E6349}" type="datetimeFigureOut">
               <a:rPr lang="en-GB" smtClean="0"/>
-              <a:t>12/11/2024</a:t>
+              <a:t>15/11/2024</a:t>
             </a:fld>
             <a:endParaRPr lang="en-GB" dirty="0"/>
           </a:p>
@@ -5328,7 +5328,7 @@
           <a:p>
             <a:fld id="{C2607E07-18ED-174A-9B6F-CAD87D1E6349}" type="datetimeFigureOut">
               <a:rPr lang="en-GB" smtClean="0"/>
-              <a:t>12/11/2024</a:t>
+              <a:t>15/11/2024</a:t>
             </a:fld>
             <a:endParaRPr lang="en-GB" dirty="0"/>
           </a:p>
@@ -5469,7 +5469,7 @@
           <a:p>
             <a:fld id="{C2607E07-18ED-174A-9B6F-CAD87D1E6349}" type="datetimeFigureOut">
               <a:rPr lang="en-GB" smtClean="0"/>
-              <a:t>12/11/2024</a:t>
+              <a:t>15/11/2024</a:t>
             </a:fld>
             <a:endParaRPr lang="en-GB" dirty="0"/>
           </a:p>
@@ -5582,7 +5582,7 @@
           <a:p>
             <a:fld id="{C2607E07-18ED-174A-9B6F-CAD87D1E6349}" type="datetimeFigureOut">
               <a:rPr lang="en-GB" smtClean="0"/>
-              <a:t>12/11/2024</a:t>
+              <a:t>15/11/2024</a:t>
             </a:fld>
             <a:endParaRPr lang="en-GB" dirty="0"/>
           </a:p>
@@ -5893,7 +5893,7 @@
           <a:p>
             <a:fld id="{C2607E07-18ED-174A-9B6F-CAD87D1E6349}" type="datetimeFigureOut">
               <a:rPr lang="en-GB" smtClean="0"/>
-              <a:t>12/11/2024</a:t>
+              <a:t>15/11/2024</a:t>
             </a:fld>
             <a:endParaRPr lang="en-GB" dirty="0"/>
           </a:p>
@@ -6181,7 +6181,7 @@
           <a:p>
             <a:fld id="{C2607E07-18ED-174A-9B6F-CAD87D1E6349}" type="datetimeFigureOut">
               <a:rPr lang="en-GB" smtClean="0"/>
-              <a:t>12/11/2024</a:t>
+              <a:t>15/11/2024</a:t>
             </a:fld>
             <a:endParaRPr lang="en-GB" dirty="0"/>
           </a:p>
@@ -6422,7 +6422,7 @@
           <a:p>
             <a:fld id="{C2607E07-18ED-174A-9B6F-CAD87D1E6349}" type="datetimeFigureOut">
               <a:rPr lang="en-GB" smtClean="0"/>
-              <a:t>12/11/2024</a:t>
+              <a:t>15/11/2024</a:t>
             </a:fld>
             <a:endParaRPr lang="en-GB" dirty="0"/>
           </a:p>
@@ -7071,7 +7071,7 @@
                 <a:latin typeface="Arial" panose="020B0604020202020204" pitchFamily="34" charset="0"/>
                 <a:cs typeface="Arial" panose="020B0604020202020204" pitchFamily="34" charset="0"/>
               </a:rPr>
-              <a:t>Author: Tom Hoyland | Version 1.3</a:t>
+              <a:t>Author: Tom Hoyland | Version 1.4</a:t>
             </a:r>
           </a:p>
         </p:txBody>
@@ -7575,7 +7575,7 @@
                 <a:latin typeface="Arial" panose="020B0604020202020204" pitchFamily="34" charset="0"/>
                 <a:cs typeface="Arial" panose="020B0604020202020204" pitchFamily="34" charset="0"/>
               </a:rPr>
-              <a:t>Author: Tom Hoyland | Version 1.3</a:t>
+              <a:t>Author: Tom Hoyland | Version 1.4</a:t>
             </a:r>
           </a:p>
         </p:txBody>
@@ -7965,7 +7965,7 @@
                 <a:latin typeface="Arial" panose="020B0604020202020204" pitchFamily="34" charset="0"/>
                 <a:cs typeface="Arial" panose="020B0604020202020204" pitchFamily="34" charset="0"/>
               </a:rPr>
-              <a:t>Author: Tom Hoyland | Version 1.3</a:t>
+              <a:t>Author: Tom Hoyland | Version 1.4</a:t>
             </a:r>
           </a:p>
         </p:txBody>
@@ -8246,7 +8246,7 @@
                 <a:latin typeface="Arial" panose="020B0604020202020204" pitchFamily="34" charset="0"/>
                 <a:cs typeface="Arial" panose="020B0604020202020204" pitchFamily="34" charset="0"/>
               </a:rPr>
-              <a:t>Author: Tom Hoyland | Version 1.3</a:t>
+              <a:t>Author: Tom Hoyland | Version 1.4</a:t>
             </a:r>
           </a:p>
         </p:txBody>
@@ -8444,7 +8444,7 @@
             </a:r>
             <a:r>
               <a:rPr lang="en-GB" sz="2000" dirty="0"/>
-              <a:t>We used AI to quickly compare and identify distinctions across roles within the Agile Practitioner to Agile Practitioner People Manager/Principal career levels to create a basic matrix.</a:t>
+              <a:t>We used AI to quickly compare and identify distinctions across roles within the Agile Practitioner to Agile Practitioner People Manager/Principal career levels to create a basic matrix. We made a conscious decision to exclude the Head of Practice role from this exercise. </a:t>
             </a:r>
           </a:p>
           <a:p>
@@ -8587,7 +8587,7 @@
                 <a:latin typeface="Arial" panose="020B0604020202020204" pitchFamily="34" charset="0"/>
                 <a:cs typeface="Arial" panose="020B0604020202020204" pitchFamily="34" charset="0"/>
               </a:rPr>
-              <a:t>Author: Tom Hoyland | Version 1.3</a:t>
+              <a:t>Author: Tom Hoyland | Version 1.4</a:t>
             </a:r>
           </a:p>
         </p:txBody>
@@ -8711,12 +8711,249 @@
           <a:chExt cx="0" cy="0"/>
         </a:xfrm>
       </p:grpSpPr>
+      <p:sp>
+        <p:nvSpPr>
+          <p:cNvPr id="6" name="Title 1">
+            <a:extLst>
+              <a:ext uri="{FF2B5EF4-FFF2-40B4-BE49-F238E27FC236}">
+                <a16:creationId xmlns:a16="http://schemas.microsoft.com/office/drawing/2014/main" id="{63CCE8B1-F747-83EC-69F7-F38A4170B8BD}"/>
+              </a:ext>
+            </a:extLst>
+          </p:cNvPr>
+          <p:cNvSpPr txBox="1">
+            <a:spLocks/>
+          </p:cNvSpPr>
+          <p:nvPr/>
+        </p:nvSpPr>
+        <p:spPr>
+          <a:xfrm>
+            <a:off x="383" y="55451"/>
+            <a:ext cx="11936202" cy="301236"/>
+          </a:xfrm>
+          <a:prstGeom prst="rect">
+            <a:avLst/>
+          </a:prstGeom>
+        </p:spPr>
+        <p:txBody>
+          <a:bodyPr vert="horz" lIns="91440" tIns="45720" rIns="91440" bIns="45720" rtlCol="0" anchor="ctr">
+            <a:noAutofit/>
+          </a:bodyPr>
+          <a:lstStyle>
+            <a:lvl1pPr algn="l" defTabSz="914400" rtl="0" eaLnBrk="1" latinLnBrk="0" hangingPunct="1">
+              <a:lnSpc>
+                <a:spcPct val="90000"/>
+              </a:lnSpc>
+              <a:spcBef>
+                <a:spcPct val="0"/>
+              </a:spcBef>
+              <a:buNone/>
+              <a:defRPr sz="4400" kern="1200">
+                <a:solidFill>
+                  <a:schemeClr val="tx1"/>
+                </a:solidFill>
+                <a:latin typeface="+mj-lt"/>
+                <a:ea typeface="+mj-ea"/>
+                <a:cs typeface="+mj-cs"/>
+              </a:defRPr>
+            </a:lvl1pPr>
+          </a:lstStyle>
+          <a:p>
+            <a:r>
+              <a:rPr lang="en-GB" sz="2400" b="1" dirty="0"/>
+              <a:t>6.2. Agile Practitioner Role &amp; Stance Matrix</a:t>
+            </a:r>
+          </a:p>
+        </p:txBody>
+      </p:sp>
+      <p:sp>
+        <p:nvSpPr>
+          <p:cNvPr id="9" name="Rectangle 8">
+            <a:extLst>
+              <a:ext uri="{FF2B5EF4-FFF2-40B4-BE49-F238E27FC236}">
+                <a16:creationId xmlns:a16="http://schemas.microsoft.com/office/drawing/2014/main" id="{E8194FA7-E05D-72CC-4D85-E72B48B75BF1}"/>
+              </a:ext>
+            </a:extLst>
+          </p:cNvPr>
+          <p:cNvSpPr/>
+          <p:nvPr/>
+        </p:nvSpPr>
+        <p:spPr>
+          <a:xfrm>
+            <a:off x="0" y="6608201"/>
+            <a:ext cx="12192000" cy="249799"/>
+          </a:xfrm>
+          <a:prstGeom prst="rect">
+            <a:avLst/>
+          </a:prstGeom>
+          <a:solidFill>
+            <a:schemeClr val="tx1"/>
+          </a:solidFill>
+          <a:ln>
+            <a:noFill/>
+          </a:ln>
+        </p:spPr>
+        <p:style>
+          <a:lnRef idx="2">
+            <a:schemeClr val="accent1">
+              <a:shade val="15000"/>
+            </a:schemeClr>
+          </a:lnRef>
+          <a:fillRef idx="1">
+            <a:schemeClr val="accent1"/>
+          </a:fillRef>
+          <a:effectRef idx="0">
+            <a:schemeClr val="accent1"/>
+          </a:effectRef>
+          <a:fontRef idx="minor">
+            <a:schemeClr val="lt1"/>
+          </a:fontRef>
+        </p:style>
+        <p:txBody>
+          <a:bodyPr rtlCol="0" anchor="ctr"/>
+          <a:lstStyle/>
+          <a:p>
+            <a:pPr algn="ctr"/>
+            <a:endParaRPr lang="en-US" dirty="0"/>
+          </a:p>
+        </p:txBody>
+      </p:sp>
+      <p:sp>
+        <p:nvSpPr>
+          <p:cNvPr id="10" name="TextBox 9">
+            <a:extLst>
+              <a:ext uri="{FF2B5EF4-FFF2-40B4-BE49-F238E27FC236}">
+                <a16:creationId xmlns:a16="http://schemas.microsoft.com/office/drawing/2014/main" id="{8335832A-623E-3159-4685-0F2C4D245266}"/>
+              </a:ext>
+            </a:extLst>
+          </p:cNvPr>
+          <p:cNvSpPr txBox="1"/>
+          <p:nvPr/>
+        </p:nvSpPr>
+        <p:spPr>
+          <a:xfrm>
+            <a:off x="10023435" y="6619097"/>
+            <a:ext cx="2139821" cy="215444"/>
+          </a:xfrm>
+          <a:prstGeom prst="rect">
+            <a:avLst/>
+          </a:prstGeom>
+          <a:noFill/>
+        </p:spPr>
+        <p:txBody>
+          <a:bodyPr wrap="square" anchor="ctr">
+            <a:spAutoFit/>
+          </a:bodyPr>
+          <a:lstStyle/>
+          <a:p>
+            <a:pPr algn="r"/>
+            <a:r>
+              <a:rPr lang="en-US" sz="800" dirty="0">
+                <a:solidFill>
+                  <a:schemeClr val="bg1"/>
+                </a:solidFill>
+                <a:latin typeface="Arial" panose="020B0604020202020204" pitchFamily="34" charset="0"/>
+                <a:cs typeface="Arial" panose="020B0604020202020204" pitchFamily="34" charset="0"/>
+              </a:rPr>
+              <a:t>Author: Tom Hoyland | Version 1.4</a:t>
+            </a:r>
+          </a:p>
+        </p:txBody>
+      </p:sp>
+      <p:pic>
+        <p:nvPicPr>
+          <p:cNvPr id="11" name="Picture 2">
+            <a:extLst>
+              <a:ext uri="{FF2B5EF4-FFF2-40B4-BE49-F238E27FC236}">
+                <a16:creationId xmlns:a16="http://schemas.microsoft.com/office/drawing/2014/main" id="{C36F4A50-54B3-A829-FBC0-AAFC1DFB2220}"/>
+              </a:ext>
+            </a:extLst>
+          </p:cNvPr>
+          <p:cNvPicPr>
+            <a:picLocks noChangeAspect="1" noChangeArrowheads="1"/>
+          </p:cNvPicPr>
+          <p:nvPr/>
+        </p:nvPicPr>
+        <p:blipFill>
+          <a:blip r:embed="rId2">
+            <a:extLst>
+              <a:ext uri="{28A0092B-C50C-407E-A947-70E740481C1C}">
+                <a14:useLocalDpi xmlns:a14="http://schemas.microsoft.com/office/drawing/2010/main" val="0"/>
+              </a:ext>
+            </a:extLst>
+          </a:blip>
+          <a:srcRect/>
+          <a:stretch>
+            <a:fillRect/>
+          </a:stretch>
+        </p:blipFill>
+        <p:spPr bwMode="auto">
+          <a:xfrm>
+            <a:off x="-6350" y="6604454"/>
+            <a:ext cx="713969" cy="249800"/>
+          </a:xfrm>
+          <a:prstGeom prst="rect">
+            <a:avLst/>
+          </a:prstGeom>
+          <a:noFill/>
+          <a:extLst>
+            <a:ext uri="{909E8E84-426E-40DD-AFC4-6F175D3DCCD1}">
+              <a14:hiddenFill xmlns:a14="http://schemas.microsoft.com/office/drawing/2010/main">
+                <a:solidFill>
+                  <a:srgbClr val="FFFFFF"/>
+                </a:solidFill>
+              </a14:hiddenFill>
+            </a:ext>
+          </a:extLst>
+        </p:spPr>
+      </p:pic>
+      <p:sp>
+        <p:nvSpPr>
+          <p:cNvPr id="12" name="TextBox 11">
+            <a:extLst>
+              <a:ext uri="{FF2B5EF4-FFF2-40B4-BE49-F238E27FC236}">
+                <a16:creationId xmlns:a16="http://schemas.microsoft.com/office/drawing/2014/main" id="{FE0B454C-9DAD-4098-153A-58EC0C7D496C}"/>
+              </a:ext>
+            </a:extLst>
+          </p:cNvPr>
+          <p:cNvSpPr txBox="1"/>
+          <p:nvPr/>
+        </p:nvSpPr>
+        <p:spPr>
+          <a:xfrm>
+            <a:off x="701972" y="6600546"/>
+            <a:ext cx="1511952" cy="253916"/>
+          </a:xfrm>
+          <a:prstGeom prst="rect">
+            <a:avLst/>
+          </a:prstGeom>
+          <a:noFill/>
+        </p:spPr>
+        <p:txBody>
+          <a:bodyPr wrap="none" rtlCol="0">
+            <a:spAutoFit/>
+          </a:bodyPr>
+          <a:lstStyle/>
+          <a:p>
+            <a:r>
+              <a:rPr lang="en-GB" sz="1050" dirty="0">
+                <a:solidFill>
+                  <a:schemeClr val="bg1"/>
+                </a:solidFill>
+                <a:latin typeface="Arial" panose="020B0604020202020204" pitchFamily="34" charset="0"/>
+                <a:ea typeface="Roboto" panose="02000000000000000000" pitchFamily="2" charset="0"/>
+                <a:cs typeface="Arial" panose="020B0604020202020204" pitchFamily="34" charset="0"/>
+              </a:rPr>
+              <a:t>Agile Growth Pathway</a:t>
+            </a:r>
+          </a:p>
+        </p:txBody>
+      </p:sp>
       <p:graphicFrame>
         <p:nvGraphicFramePr>
-          <p:cNvPr id="4" name="Content Placeholder 3">
+          <p:cNvPr id="7" name="Content Placeholder 3">
             <a:extLst>
               <a:ext uri="{FF2B5EF4-FFF2-40B4-BE49-F238E27FC236}">
-                <a16:creationId xmlns:a16="http://schemas.microsoft.com/office/drawing/2014/main" id="{2C24AB31-CFE6-05B1-A05C-CB4B8F5125D5}"/>
+                <a16:creationId xmlns:a16="http://schemas.microsoft.com/office/drawing/2014/main" id="{6039646C-8C42-9FF9-EF6C-C384F908B484}"/>
               </a:ext>
             </a:extLst>
           </p:cNvPr>
@@ -8727,7 +8964,7 @@
             <p:ph idx="1"/>
             <p:extLst>
               <p:ext uri="{D42A27DB-BD31-4B8C-83A1-F6EECF244321}">
-                <p14:modId xmlns:p14="http://schemas.microsoft.com/office/powerpoint/2010/main" val="2793035806"/>
+                <p14:modId xmlns:p14="http://schemas.microsoft.com/office/powerpoint/2010/main" val="680506717"/>
               </p:ext>
             </p:extLst>
           </p:nvPr>
@@ -9077,8 +9314,151 @@
                           <a:latin typeface="Arial" panose="020B0604020202020204" pitchFamily="34" charset="0"/>
                           <a:cs typeface="Arial" panose="020B0604020202020204" pitchFamily="34" charset="0"/>
                         </a:rPr>
-                        <a:t>Agile Practitioner People Manager</a:t>
+                        <a:t>Associate Agile Practitioner</a:t>
                       </a:r>
+                      <a:endParaRPr lang="en-GB" sz="900" b="1" u="none" strike="noStrike" kern="1200" dirty="0">
+                        <a:solidFill>
+                          <a:sysClr val="windowText" lastClr="000000"/>
+                        </a:solidFill>
+                        <a:effectLst/>
+                        <a:latin typeface="Arial" panose="020B0604020202020204" pitchFamily="34" charset="0"/>
+                        <a:ea typeface="+mn-ea"/>
+                        <a:cs typeface="Arial" panose="020B0604020202020204" pitchFamily="34" charset="0"/>
+                      </a:endParaRPr>
+                    </a:p>
+                  </a:txBody>
+                  <a:tcPr marL="866" marR="866" marT="866" marB="0" anchor="ctr">
+                    <a:lnL w="12700" cap="flat" cmpd="sng" algn="ctr">
+                      <a:solidFill>
+                        <a:schemeClr val="tx1"/>
+                      </a:solidFill>
+                      <a:prstDash val="solid"/>
+                      <a:round/>
+                      <a:headEnd type="none" w="med" len="med"/>
+                      <a:tailEnd type="none" w="med" len="med"/>
+                    </a:lnL>
+                    <a:lnR w="12700" cap="flat" cmpd="sng" algn="ctr">
+                      <a:solidFill>
+                        <a:schemeClr val="tx1"/>
+                      </a:solidFill>
+                      <a:prstDash val="solid"/>
+                      <a:round/>
+                      <a:headEnd type="none" w="med" len="med"/>
+                      <a:tailEnd type="none" w="med" len="med"/>
+                    </a:lnR>
+                    <a:lnT w="12700" cap="flat" cmpd="sng" algn="ctr">
+                      <a:solidFill>
+                        <a:schemeClr val="tx1"/>
+                      </a:solidFill>
+                      <a:prstDash val="solid"/>
+                      <a:round/>
+                      <a:headEnd type="none" w="med" len="med"/>
+                      <a:tailEnd type="none" w="med" len="med"/>
+                    </a:lnT>
+                    <a:lnB w="12700" cap="flat" cmpd="sng" algn="ctr">
+                      <a:solidFill>
+                        <a:schemeClr val="tx1"/>
+                      </a:solidFill>
+                      <a:prstDash val="solid"/>
+                      <a:round/>
+                      <a:headEnd type="none" w="med" len="med"/>
+                      <a:tailEnd type="none" w="med" len="med"/>
+                    </a:lnB>
+                  </a:tcPr>
+                </a:tc>
+                <a:tc>
+                  <a:txBody>
+                    <a:bodyPr/>
+                    <a:lstStyle/>
+                    <a:p>
+                      <a:pPr algn="ctr" fontAlgn="b"/>
+                      <a:r>
+                        <a:rPr lang="en-GB" sz="900" b="1" u="none" strike="noStrike" kern="1200" dirty="0">
+                          <a:solidFill>
+                            <a:sysClr val="windowText" lastClr="000000"/>
+                          </a:solidFill>
+                          <a:effectLst/>
+                          <a:latin typeface="Arial" panose="020B0604020202020204" pitchFamily="34" charset="0"/>
+                          <a:cs typeface="Arial" panose="020B0604020202020204" pitchFamily="34" charset="0"/>
+                        </a:rPr>
+                        <a:t>Agile Practitioner</a:t>
+                      </a:r>
+                      <a:endParaRPr lang="en-GB" sz="900" b="1" u="none" strike="noStrike" kern="1200" dirty="0">
+                        <a:solidFill>
+                          <a:sysClr val="windowText" lastClr="000000"/>
+                        </a:solidFill>
+                        <a:effectLst/>
+                        <a:latin typeface="Arial" panose="020B0604020202020204" pitchFamily="34" charset="0"/>
+                        <a:ea typeface="+mn-ea"/>
+                        <a:cs typeface="Arial" panose="020B0604020202020204" pitchFamily="34" charset="0"/>
+                      </a:endParaRPr>
+                    </a:p>
+                  </a:txBody>
+                  <a:tcPr marL="866" marR="866" marT="866" marB="0" anchor="ctr">
+                    <a:lnL w="12700" cap="flat" cmpd="sng" algn="ctr">
+                      <a:solidFill>
+                        <a:schemeClr val="tx1"/>
+                      </a:solidFill>
+                      <a:prstDash val="solid"/>
+                      <a:round/>
+                      <a:headEnd type="none" w="med" len="med"/>
+                      <a:tailEnd type="none" w="med" len="med"/>
+                    </a:lnL>
+                    <a:lnR w="12700" cap="flat" cmpd="sng" algn="ctr">
+                      <a:solidFill>
+                        <a:schemeClr val="tx1"/>
+                      </a:solidFill>
+                      <a:prstDash val="solid"/>
+                      <a:round/>
+                      <a:headEnd type="none" w="med" len="med"/>
+                      <a:tailEnd type="none" w="med" len="med"/>
+                    </a:lnR>
+                    <a:lnT w="12700" cap="flat" cmpd="sng" algn="ctr">
+                      <a:solidFill>
+                        <a:schemeClr val="tx1"/>
+                      </a:solidFill>
+                      <a:prstDash val="solid"/>
+                      <a:round/>
+                      <a:headEnd type="none" w="med" len="med"/>
+                      <a:tailEnd type="none" w="med" len="med"/>
+                    </a:lnT>
+                    <a:lnB w="12700" cap="flat" cmpd="sng" algn="ctr">
+                      <a:solidFill>
+                        <a:schemeClr val="tx1"/>
+                      </a:solidFill>
+                      <a:prstDash val="solid"/>
+                      <a:round/>
+                      <a:headEnd type="none" w="med" len="med"/>
+                      <a:tailEnd type="none" w="med" len="med"/>
+                    </a:lnB>
+                  </a:tcPr>
+                </a:tc>
+                <a:tc>
+                  <a:txBody>
+                    <a:bodyPr/>
+                    <a:lstStyle/>
+                    <a:p>
+                      <a:pPr algn="ctr" fontAlgn="b"/>
+                      <a:r>
+                        <a:rPr lang="en-GB" sz="900" b="1" u="none" strike="noStrike" kern="1200" dirty="0">
+                          <a:solidFill>
+                            <a:sysClr val="windowText" lastClr="000000"/>
+                          </a:solidFill>
+                          <a:effectLst/>
+                          <a:latin typeface="Arial" panose="020B0604020202020204" pitchFamily="34" charset="0"/>
+                          <a:cs typeface="Arial" panose="020B0604020202020204" pitchFamily="34" charset="0"/>
+                        </a:rPr>
+                        <a:t>Senior Agile Practitioner</a:t>
+                      </a:r>
+                      <a:endParaRPr lang="en-GB" sz="900" b="1" u="none" strike="noStrike" kern="1200" dirty="0">
+                        <a:solidFill>
+                          <a:sysClr val="windowText" lastClr="000000"/>
+                        </a:solidFill>
+                        <a:effectLst/>
+                        <a:latin typeface="Arial" panose="020B0604020202020204" pitchFamily="34" charset="0"/>
+                        <a:ea typeface="+mn-ea"/>
+                        <a:cs typeface="Arial" panose="020B0604020202020204" pitchFamily="34" charset="0"/>
+                      </a:endParaRPr>
                     </a:p>
                   </a:txBody>
                   <a:tcPr marL="866" marR="866" marT="866" marB="0" anchor="ctr">
@@ -9202,151 +9582,8 @@
                           <a:latin typeface="Arial" panose="020B0604020202020204" pitchFamily="34" charset="0"/>
                           <a:cs typeface="Arial" panose="020B0604020202020204" pitchFamily="34" charset="0"/>
                         </a:rPr>
-                        <a:t>Senior Agile Practitioner</a:t>
+                        <a:t>Agile Practitioner People Manager</a:t>
                       </a:r>
-                      <a:endParaRPr lang="en-GB" sz="900" b="1" u="none" strike="noStrike" kern="1200" dirty="0">
-                        <a:solidFill>
-                          <a:sysClr val="windowText" lastClr="000000"/>
-                        </a:solidFill>
-                        <a:effectLst/>
-                        <a:latin typeface="Arial" panose="020B0604020202020204" pitchFamily="34" charset="0"/>
-                        <a:ea typeface="+mn-ea"/>
-                        <a:cs typeface="Arial" panose="020B0604020202020204" pitchFamily="34" charset="0"/>
-                      </a:endParaRPr>
-                    </a:p>
-                  </a:txBody>
-                  <a:tcPr marL="866" marR="866" marT="866" marB="0" anchor="ctr">
-                    <a:lnL w="12700" cap="flat" cmpd="sng" algn="ctr">
-                      <a:solidFill>
-                        <a:schemeClr val="tx1"/>
-                      </a:solidFill>
-                      <a:prstDash val="solid"/>
-                      <a:round/>
-                      <a:headEnd type="none" w="med" len="med"/>
-                      <a:tailEnd type="none" w="med" len="med"/>
-                    </a:lnL>
-                    <a:lnR w="12700" cap="flat" cmpd="sng" algn="ctr">
-                      <a:solidFill>
-                        <a:schemeClr val="tx1"/>
-                      </a:solidFill>
-                      <a:prstDash val="solid"/>
-                      <a:round/>
-                      <a:headEnd type="none" w="med" len="med"/>
-                      <a:tailEnd type="none" w="med" len="med"/>
-                    </a:lnR>
-                    <a:lnT w="12700" cap="flat" cmpd="sng" algn="ctr">
-                      <a:solidFill>
-                        <a:schemeClr val="tx1"/>
-                      </a:solidFill>
-                      <a:prstDash val="solid"/>
-                      <a:round/>
-                      <a:headEnd type="none" w="med" len="med"/>
-                      <a:tailEnd type="none" w="med" len="med"/>
-                    </a:lnT>
-                    <a:lnB w="12700" cap="flat" cmpd="sng" algn="ctr">
-                      <a:solidFill>
-                        <a:schemeClr val="tx1"/>
-                      </a:solidFill>
-                      <a:prstDash val="solid"/>
-                      <a:round/>
-                      <a:headEnd type="none" w="med" len="med"/>
-                      <a:tailEnd type="none" w="med" len="med"/>
-                    </a:lnB>
-                  </a:tcPr>
-                </a:tc>
-                <a:tc>
-                  <a:txBody>
-                    <a:bodyPr/>
-                    <a:lstStyle/>
-                    <a:p>
-                      <a:pPr algn="ctr" fontAlgn="b"/>
-                      <a:r>
-                        <a:rPr lang="en-GB" sz="900" b="1" u="none" strike="noStrike" kern="1200" dirty="0">
-                          <a:solidFill>
-                            <a:sysClr val="windowText" lastClr="000000"/>
-                          </a:solidFill>
-                          <a:effectLst/>
-                          <a:latin typeface="Arial" panose="020B0604020202020204" pitchFamily="34" charset="0"/>
-                          <a:cs typeface="Arial" panose="020B0604020202020204" pitchFamily="34" charset="0"/>
-                        </a:rPr>
-                        <a:t>Agile Practitioner</a:t>
-                      </a:r>
-                      <a:endParaRPr lang="en-GB" sz="900" b="1" u="none" strike="noStrike" kern="1200" dirty="0">
-                        <a:solidFill>
-                          <a:sysClr val="windowText" lastClr="000000"/>
-                        </a:solidFill>
-                        <a:effectLst/>
-                        <a:latin typeface="Arial" panose="020B0604020202020204" pitchFamily="34" charset="0"/>
-                        <a:ea typeface="+mn-ea"/>
-                        <a:cs typeface="Arial" panose="020B0604020202020204" pitchFamily="34" charset="0"/>
-                      </a:endParaRPr>
-                    </a:p>
-                  </a:txBody>
-                  <a:tcPr marL="866" marR="866" marT="866" marB="0" anchor="ctr">
-                    <a:lnL w="12700" cap="flat" cmpd="sng" algn="ctr">
-                      <a:solidFill>
-                        <a:schemeClr val="tx1"/>
-                      </a:solidFill>
-                      <a:prstDash val="solid"/>
-                      <a:round/>
-                      <a:headEnd type="none" w="med" len="med"/>
-                      <a:tailEnd type="none" w="med" len="med"/>
-                    </a:lnL>
-                    <a:lnR w="12700" cap="flat" cmpd="sng" algn="ctr">
-                      <a:solidFill>
-                        <a:schemeClr val="tx1"/>
-                      </a:solidFill>
-                      <a:prstDash val="solid"/>
-                      <a:round/>
-                      <a:headEnd type="none" w="med" len="med"/>
-                      <a:tailEnd type="none" w="med" len="med"/>
-                    </a:lnR>
-                    <a:lnT w="12700" cap="flat" cmpd="sng" algn="ctr">
-                      <a:solidFill>
-                        <a:schemeClr val="tx1"/>
-                      </a:solidFill>
-                      <a:prstDash val="solid"/>
-                      <a:round/>
-                      <a:headEnd type="none" w="med" len="med"/>
-                      <a:tailEnd type="none" w="med" len="med"/>
-                    </a:lnT>
-                    <a:lnB w="12700" cap="flat" cmpd="sng" algn="ctr">
-                      <a:solidFill>
-                        <a:schemeClr val="tx1"/>
-                      </a:solidFill>
-                      <a:prstDash val="solid"/>
-                      <a:round/>
-                      <a:headEnd type="none" w="med" len="med"/>
-                      <a:tailEnd type="none" w="med" len="med"/>
-                    </a:lnB>
-                  </a:tcPr>
-                </a:tc>
-                <a:tc>
-                  <a:txBody>
-                    <a:bodyPr/>
-                    <a:lstStyle/>
-                    <a:p>
-                      <a:pPr algn="ctr" fontAlgn="b"/>
-                      <a:r>
-                        <a:rPr lang="en-GB" sz="900" b="1" u="none" strike="noStrike" kern="1200" dirty="0">
-                          <a:solidFill>
-                            <a:sysClr val="windowText" lastClr="000000"/>
-                          </a:solidFill>
-                          <a:effectLst/>
-                          <a:latin typeface="Arial" panose="020B0604020202020204" pitchFamily="34" charset="0"/>
-                          <a:cs typeface="Arial" panose="020B0604020202020204" pitchFamily="34" charset="0"/>
-                        </a:rPr>
-                        <a:t>Associate Agile Practitioner</a:t>
-                      </a:r>
-                      <a:endParaRPr lang="en-GB" sz="900" b="1" u="none" strike="noStrike" kern="1200" dirty="0">
-                        <a:solidFill>
-                          <a:sysClr val="windowText" lastClr="000000"/>
-                        </a:solidFill>
-                        <a:effectLst/>
-                        <a:latin typeface="Arial" panose="020B0604020202020204" pitchFamily="34" charset="0"/>
-                        <a:ea typeface="+mn-ea"/>
-                        <a:cs typeface="Arial" panose="020B0604020202020204" pitchFamily="34" charset="0"/>
-                      </a:endParaRPr>
                     </a:p>
                   </a:txBody>
                   <a:tcPr marL="866" marR="866" marT="866" marB="0" anchor="ctr">
@@ -9549,7 +9786,7 @@
                           <a:latin typeface="Arial" panose="020B0604020202020204" pitchFamily="34" charset="0"/>
                           <a:cs typeface="Arial" panose="020B0604020202020204" pitchFamily="34" charset="0"/>
                         </a:rPr>
-                        <a:t>Practices self-awareness and self-care, balancing personal well-being with professional responsibilities.</a:t>
+                        <a:t>Focuses on personal growth and development, investing  in learning opportunities and seeking mentorship.</a:t>
                       </a:r>
                     </a:p>
                     <a:p>
@@ -9569,7 +9806,195 @@
                           <a:latin typeface="Arial" panose="020B0604020202020204" pitchFamily="34" charset="0"/>
                           <a:cs typeface="Arial" panose="020B0604020202020204" pitchFamily="34" charset="0"/>
                         </a:rPr>
-                        <a:t>Demonstrates emotional intelligence in leadership roles, creating a supportive and inclusive work environment.</a:t>
+                        <a:t>Develops emotional and social intelligence to effectively contribute to team dynamics and initiative success.</a:t>
+                      </a:r>
+                      <a:endParaRPr lang="en-GB" sz="550" u="none" strike="noStrike" kern="1200" dirty="0">
+                        <a:solidFill>
+                          <a:sysClr val="windowText" lastClr="000000"/>
+                        </a:solidFill>
+                        <a:effectLst/>
+                        <a:latin typeface="Arial" panose="020B0604020202020204" pitchFamily="34" charset="0"/>
+                        <a:ea typeface="+mn-ea"/>
+                        <a:cs typeface="Arial" panose="020B0604020202020204" pitchFamily="34" charset="0"/>
+                      </a:endParaRPr>
+                    </a:p>
+                  </a:txBody>
+                  <a:tcPr marL="866" marR="866" marT="866" marB="0" anchor="ctr">
+                    <a:lnL w="12700" cap="flat" cmpd="sng" algn="ctr">
+                      <a:solidFill>
+                        <a:schemeClr val="tx1"/>
+                      </a:solidFill>
+                      <a:prstDash val="solid"/>
+                      <a:round/>
+                      <a:headEnd type="none" w="med" len="med"/>
+                      <a:tailEnd type="none" w="med" len="med"/>
+                    </a:lnL>
+                    <a:lnR w="12700" cap="flat" cmpd="sng" algn="ctr">
+                      <a:solidFill>
+                        <a:schemeClr val="tx1"/>
+                      </a:solidFill>
+                      <a:prstDash val="solid"/>
+                      <a:round/>
+                      <a:headEnd type="none" w="med" len="med"/>
+                      <a:tailEnd type="none" w="med" len="med"/>
+                    </a:lnR>
+                    <a:lnT w="12700" cap="flat" cmpd="sng" algn="ctr">
+                      <a:solidFill>
+                        <a:schemeClr val="tx1"/>
+                      </a:solidFill>
+                      <a:prstDash val="solid"/>
+                      <a:round/>
+                      <a:headEnd type="none" w="med" len="med"/>
+                      <a:tailEnd type="none" w="med" len="med"/>
+                    </a:lnT>
+                    <a:lnB w="12700" cap="flat" cmpd="sng" algn="ctr">
+                      <a:solidFill>
+                        <a:schemeClr val="tx1"/>
+                      </a:solidFill>
+                      <a:prstDash val="solid"/>
+                      <a:round/>
+                      <a:headEnd type="none" w="med" len="med"/>
+                      <a:tailEnd type="none" w="med" len="med"/>
+                    </a:lnB>
+                    <a:noFill/>
+                  </a:tcPr>
+                </a:tc>
+                <a:tc>
+                  <a:txBody>
+                    <a:bodyPr/>
+                    <a:lstStyle/>
+                    <a:p>
+                      <a:pPr marL="243450" indent="-171450" algn="l" defTabSz="914400" rtl="0" eaLnBrk="1" fontAlgn="b" latinLnBrk="0" hangingPunct="1">
+                        <a:spcAft>
+                          <a:spcPts val="200"/>
+                        </a:spcAft>
+                        <a:buFont typeface="Arial" panose="020B0604020202020204" pitchFamily="34" charset="0"/>
+                        <a:buChar char="•"/>
+                      </a:pPr>
+                      <a:r>
+                        <a:rPr lang="en-GB" sz="550" u="none" strike="noStrike" kern="1200" dirty="0">
+                          <a:solidFill>
+                            <a:sysClr val="windowText" lastClr="000000"/>
+                          </a:solidFill>
+                          <a:effectLst/>
+                          <a:latin typeface="Arial" panose="020B0604020202020204" pitchFamily="34" charset="0"/>
+                          <a:cs typeface="Arial" panose="020B0604020202020204" pitchFamily="34" charset="0"/>
+                        </a:rPr>
+                        <a:t>Practices self-awareness and reflection, continually learning and growing as an Agile practitioner.</a:t>
+                      </a:r>
+                    </a:p>
+                    <a:p>
+                      <a:pPr marL="243450" indent="-171450" algn="l" defTabSz="914400" rtl="0" eaLnBrk="1" fontAlgn="b" latinLnBrk="0" hangingPunct="1">
+                        <a:spcAft>
+                          <a:spcPts val="200"/>
+                        </a:spcAft>
+                        <a:buFont typeface="Arial" panose="020B0604020202020204" pitchFamily="34" charset="0"/>
+                        <a:buChar char="•"/>
+                      </a:pPr>
+                      <a:r>
+                        <a:rPr lang="en-GB" sz="550" u="none" strike="noStrike" kern="1200" dirty="0">
+                          <a:solidFill>
+                            <a:sysClr val="windowText" lastClr="000000"/>
+                          </a:solidFill>
+                          <a:effectLst/>
+                          <a:latin typeface="Arial" panose="020B0604020202020204" pitchFamily="34" charset="0"/>
+                          <a:cs typeface="Arial" panose="020B0604020202020204" pitchFamily="34" charset="0"/>
+                        </a:rPr>
+                        <a:t>Focuses on emotional intelligence and social awareness  to effectively navigate team dynamics and challenges.</a:t>
+                      </a:r>
+                      <a:endParaRPr lang="en-GB" sz="550" u="none" strike="noStrike" kern="1200" dirty="0">
+                        <a:solidFill>
+                          <a:sysClr val="windowText" lastClr="000000"/>
+                        </a:solidFill>
+                        <a:effectLst/>
+                        <a:latin typeface="Arial" panose="020B0604020202020204" pitchFamily="34" charset="0"/>
+                        <a:ea typeface="+mn-ea"/>
+                        <a:cs typeface="Arial" panose="020B0604020202020204" pitchFamily="34" charset="0"/>
+                      </a:endParaRPr>
+                    </a:p>
+                  </a:txBody>
+                  <a:tcPr marL="866" marR="866" marT="866" marB="0" anchor="ctr">
+                    <a:lnL w="12700" cap="flat" cmpd="sng" algn="ctr">
+                      <a:solidFill>
+                        <a:schemeClr val="tx1"/>
+                      </a:solidFill>
+                      <a:prstDash val="solid"/>
+                      <a:round/>
+                      <a:headEnd type="none" w="med" len="med"/>
+                      <a:tailEnd type="none" w="med" len="med"/>
+                    </a:lnL>
+                    <a:lnR w="12700" cap="flat" cmpd="sng" algn="ctr">
+                      <a:solidFill>
+                        <a:schemeClr val="tx1"/>
+                      </a:solidFill>
+                      <a:prstDash val="solid"/>
+                      <a:round/>
+                      <a:headEnd type="none" w="med" len="med"/>
+                      <a:tailEnd type="none" w="med" len="med"/>
+                    </a:lnR>
+                    <a:lnT w="12700" cap="flat" cmpd="sng" algn="ctr">
+                      <a:solidFill>
+                        <a:schemeClr val="tx1"/>
+                      </a:solidFill>
+                      <a:prstDash val="solid"/>
+                      <a:round/>
+                      <a:headEnd type="none" w="med" len="med"/>
+                      <a:tailEnd type="none" w="med" len="med"/>
+                    </a:lnT>
+                    <a:lnB w="12700" cap="flat" cmpd="sng" algn="ctr">
+                      <a:solidFill>
+                        <a:schemeClr val="tx1"/>
+                      </a:solidFill>
+                      <a:prstDash val="solid"/>
+                      <a:round/>
+                      <a:headEnd type="none" w="med" len="med"/>
+                      <a:tailEnd type="none" w="med" len="med"/>
+                    </a:lnB>
+                    <a:noFill/>
+                  </a:tcPr>
+                </a:tc>
+                <a:tc>
+                  <a:txBody>
+                    <a:bodyPr/>
+                    <a:lstStyle/>
+                    <a:p>
+                      <a:pPr marL="243450" indent="-171450" algn="l" defTabSz="914400" rtl="0" eaLnBrk="1" fontAlgn="b" latinLnBrk="0" hangingPunct="1">
+                        <a:spcAft>
+                          <a:spcPts val="200"/>
+                        </a:spcAft>
+                        <a:buFont typeface="Arial" panose="020B0604020202020204" pitchFamily="34" charset="0"/>
+                        <a:buChar char="•"/>
+                      </a:pPr>
+                      <a:r>
+                        <a:rPr lang="en-GB" sz="550" u="none" strike="noStrike" kern="1200" dirty="0">
+                          <a:solidFill>
+                            <a:sysClr val="windowText" lastClr="000000"/>
+                          </a:solidFill>
+                          <a:effectLst/>
+                          <a:latin typeface="Arial" panose="020B0604020202020204" pitchFamily="34" charset="0"/>
+                          <a:cs typeface="Arial" panose="020B0604020202020204" pitchFamily="34" charset="0"/>
+                        </a:rPr>
+                        <a:t>Embodies self-mastery, demonstrating emotional and social intelligence in leadership and coaching roles.</a:t>
+                      </a:r>
+                    </a:p>
+                    <a:p>
+                      <a:pPr marL="243450" indent="-171450" algn="l" defTabSz="914400" rtl="0" eaLnBrk="1" fontAlgn="b" latinLnBrk="0" hangingPunct="1">
+                        <a:spcAft>
+                          <a:spcPts val="200"/>
+                        </a:spcAft>
+                        <a:buFont typeface="Arial" panose="020B0604020202020204" pitchFamily="34" charset="0"/>
+                        <a:buChar char="•"/>
+                      </a:pPr>
+                      <a:r>
+                        <a:rPr lang="en-GB" sz="550" u="none" strike="noStrike" kern="1200" dirty="0">
+                          <a:solidFill>
+                            <a:sysClr val="windowText" lastClr="000000"/>
+                          </a:solidFill>
+                          <a:effectLst/>
+                          <a:latin typeface="Arial" panose="020B0604020202020204" pitchFamily="34" charset="0"/>
+                          <a:cs typeface="Arial" panose="020B0604020202020204" pitchFamily="34" charset="0"/>
+                        </a:rPr>
+                        <a:t>Invests in personal growth and well-being, serving as a role model for continuous learning and development.</a:t>
                       </a:r>
                       <a:endParaRPr lang="en-GB" sz="550" u="none" strike="noStrike" kern="1200" dirty="0">
                         <a:solidFill>
@@ -9737,7 +10162,7 @@
                           <a:latin typeface="Arial" panose="020B0604020202020204" pitchFamily="34" charset="0"/>
                           <a:cs typeface="Arial" panose="020B0604020202020204" pitchFamily="34" charset="0"/>
                         </a:rPr>
-                        <a:t>Embodies self-mastery, demonstrating emotional and social intelligence in leadership and coaching roles.</a:t>
+                        <a:t>Practices self-awareness and self-care, balancing personal well-being with professional responsibilities.</a:t>
                       </a:r>
                     </a:p>
                     <a:p>
@@ -9757,195 +10182,7 @@
                           <a:latin typeface="Arial" panose="020B0604020202020204" pitchFamily="34" charset="0"/>
                           <a:cs typeface="Arial" panose="020B0604020202020204" pitchFamily="34" charset="0"/>
                         </a:rPr>
-                        <a:t>Invests in personal growth and well-being, serving as a role model for continuous learning and development.</a:t>
-                      </a:r>
-                      <a:endParaRPr lang="en-GB" sz="550" u="none" strike="noStrike" kern="1200" dirty="0">
-                        <a:solidFill>
-                          <a:sysClr val="windowText" lastClr="000000"/>
-                        </a:solidFill>
-                        <a:effectLst/>
-                        <a:latin typeface="Arial" panose="020B0604020202020204" pitchFamily="34" charset="0"/>
-                        <a:ea typeface="+mn-ea"/>
-                        <a:cs typeface="Arial" panose="020B0604020202020204" pitchFamily="34" charset="0"/>
-                      </a:endParaRPr>
-                    </a:p>
-                  </a:txBody>
-                  <a:tcPr marL="866" marR="866" marT="866" marB="0" anchor="ctr">
-                    <a:lnL w="12700" cap="flat" cmpd="sng" algn="ctr">
-                      <a:solidFill>
-                        <a:schemeClr val="tx1"/>
-                      </a:solidFill>
-                      <a:prstDash val="solid"/>
-                      <a:round/>
-                      <a:headEnd type="none" w="med" len="med"/>
-                      <a:tailEnd type="none" w="med" len="med"/>
-                    </a:lnL>
-                    <a:lnR w="12700" cap="flat" cmpd="sng" algn="ctr">
-                      <a:solidFill>
-                        <a:schemeClr val="tx1"/>
-                      </a:solidFill>
-                      <a:prstDash val="solid"/>
-                      <a:round/>
-                      <a:headEnd type="none" w="med" len="med"/>
-                      <a:tailEnd type="none" w="med" len="med"/>
-                    </a:lnR>
-                    <a:lnT w="12700" cap="flat" cmpd="sng" algn="ctr">
-                      <a:solidFill>
-                        <a:schemeClr val="tx1"/>
-                      </a:solidFill>
-                      <a:prstDash val="solid"/>
-                      <a:round/>
-                      <a:headEnd type="none" w="med" len="med"/>
-                      <a:tailEnd type="none" w="med" len="med"/>
-                    </a:lnT>
-                    <a:lnB w="12700" cap="flat" cmpd="sng" algn="ctr">
-                      <a:solidFill>
-                        <a:schemeClr val="tx1"/>
-                      </a:solidFill>
-                      <a:prstDash val="solid"/>
-                      <a:round/>
-                      <a:headEnd type="none" w="med" len="med"/>
-                      <a:tailEnd type="none" w="med" len="med"/>
-                    </a:lnB>
-                    <a:noFill/>
-                  </a:tcPr>
-                </a:tc>
-                <a:tc>
-                  <a:txBody>
-                    <a:bodyPr/>
-                    <a:lstStyle/>
-                    <a:p>
-                      <a:pPr marL="243450" indent="-171450" algn="l" defTabSz="914400" rtl="0" eaLnBrk="1" fontAlgn="b" latinLnBrk="0" hangingPunct="1">
-                        <a:spcAft>
-                          <a:spcPts val="200"/>
-                        </a:spcAft>
-                        <a:buFont typeface="Arial" panose="020B0604020202020204" pitchFamily="34" charset="0"/>
-                        <a:buChar char="•"/>
-                      </a:pPr>
-                      <a:r>
-                        <a:rPr lang="en-GB" sz="550" u="none" strike="noStrike" kern="1200" dirty="0">
-                          <a:solidFill>
-                            <a:sysClr val="windowText" lastClr="000000"/>
-                          </a:solidFill>
-                          <a:effectLst/>
-                          <a:latin typeface="Arial" panose="020B0604020202020204" pitchFamily="34" charset="0"/>
-                          <a:cs typeface="Arial" panose="020B0604020202020204" pitchFamily="34" charset="0"/>
-                        </a:rPr>
-                        <a:t>Practices self-awareness and reflection, continually learning and growing as an Agile practitioner.</a:t>
-                      </a:r>
-                    </a:p>
-                    <a:p>
-                      <a:pPr marL="243450" indent="-171450" algn="l" defTabSz="914400" rtl="0" eaLnBrk="1" fontAlgn="b" latinLnBrk="0" hangingPunct="1">
-                        <a:spcAft>
-                          <a:spcPts val="200"/>
-                        </a:spcAft>
-                        <a:buFont typeface="Arial" panose="020B0604020202020204" pitchFamily="34" charset="0"/>
-                        <a:buChar char="•"/>
-                      </a:pPr>
-                      <a:r>
-                        <a:rPr lang="en-GB" sz="550" u="none" strike="noStrike" kern="1200" dirty="0">
-                          <a:solidFill>
-                            <a:sysClr val="windowText" lastClr="000000"/>
-                          </a:solidFill>
-                          <a:effectLst/>
-                          <a:latin typeface="Arial" panose="020B0604020202020204" pitchFamily="34" charset="0"/>
-                          <a:cs typeface="Arial" panose="020B0604020202020204" pitchFamily="34" charset="0"/>
-                        </a:rPr>
-                        <a:t>Focuses on emotional intelligence and social awareness  to effectively navigate team dynamics and challenges.</a:t>
-                      </a:r>
-                      <a:endParaRPr lang="en-GB" sz="550" u="none" strike="noStrike" kern="1200" dirty="0">
-                        <a:solidFill>
-                          <a:sysClr val="windowText" lastClr="000000"/>
-                        </a:solidFill>
-                        <a:effectLst/>
-                        <a:latin typeface="Arial" panose="020B0604020202020204" pitchFamily="34" charset="0"/>
-                        <a:ea typeface="+mn-ea"/>
-                        <a:cs typeface="Arial" panose="020B0604020202020204" pitchFamily="34" charset="0"/>
-                      </a:endParaRPr>
-                    </a:p>
-                  </a:txBody>
-                  <a:tcPr marL="866" marR="866" marT="866" marB="0" anchor="ctr">
-                    <a:lnL w="12700" cap="flat" cmpd="sng" algn="ctr">
-                      <a:solidFill>
-                        <a:schemeClr val="tx1"/>
-                      </a:solidFill>
-                      <a:prstDash val="solid"/>
-                      <a:round/>
-                      <a:headEnd type="none" w="med" len="med"/>
-                      <a:tailEnd type="none" w="med" len="med"/>
-                    </a:lnL>
-                    <a:lnR w="12700" cap="flat" cmpd="sng" algn="ctr">
-                      <a:solidFill>
-                        <a:schemeClr val="tx1"/>
-                      </a:solidFill>
-                      <a:prstDash val="solid"/>
-                      <a:round/>
-                      <a:headEnd type="none" w="med" len="med"/>
-                      <a:tailEnd type="none" w="med" len="med"/>
-                    </a:lnR>
-                    <a:lnT w="12700" cap="flat" cmpd="sng" algn="ctr">
-                      <a:solidFill>
-                        <a:schemeClr val="tx1"/>
-                      </a:solidFill>
-                      <a:prstDash val="solid"/>
-                      <a:round/>
-                      <a:headEnd type="none" w="med" len="med"/>
-                      <a:tailEnd type="none" w="med" len="med"/>
-                    </a:lnT>
-                    <a:lnB w="12700" cap="flat" cmpd="sng" algn="ctr">
-                      <a:solidFill>
-                        <a:schemeClr val="tx1"/>
-                      </a:solidFill>
-                      <a:prstDash val="solid"/>
-                      <a:round/>
-                      <a:headEnd type="none" w="med" len="med"/>
-                      <a:tailEnd type="none" w="med" len="med"/>
-                    </a:lnB>
-                    <a:noFill/>
-                  </a:tcPr>
-                </a:tc>
-                <a:tc>
-                  <a:txBody>
-                    <a:bodyPr/>
-                    <a:lstStyle/>
-                    <a:p>
-                      <a:pPr marL="243450" indent="-171450" algn="l" defTabSz="914400" rtl="0" eaLnBrk="1" fontAlgn="b" latinLnBrk="0" hangingPunct="1">
-                        <a:spcAft>
-                          <a:spcPts val="200"/>
-                        </a:spcAft>
-                        <a:buFont typeface="Arial" panose="020B0604020202020204" pitchFamily="34" charset="0"/>
-                        <a:buChar char="•"/>
-                      </a:pPr>
-                      <a:r>
-                        <a:rPr lang="en-GB" sz="550" u="none" strike="noStrike" kern="1200" dirty="0">
-                          <a:solidFill>
-                            <a:sysClr val="windowText" lastClr="000000"/>
-                          </a:solidFill>
-                          <a:effectLst/>
-                          <a:latin typeface="Arial" panose="020B0604020202020204" pitchFamily="34" charset="0"/>
-                          <a:cs typeface="Arial" panose="020B0604020202020204" pitchFamily="34" charset="0"/>
-                        </a:rPr>
-                        <a:t>Focuses on personal growth and development, investing  in learning opportunities and seeking mentorship.</a:t>
-                      </a:r>
-                    </a:p>
-                    <a:p>
-                      <a:pPr marL="243450" indent="-171450" algn="l" defTabSz="914400" rtl="0" eaLnBrk="1" fontAlgn="b" latinLnBrk="0" hangingPunct="1">
-                        <a:spcAft>
-                          <a:spcPts val="200"/>
-                        </a:spcAft>
-                        <a:buFont typeface="Arial" panose="020B0604020202020204" pitchFamily="34" charset="0"/>
-                        <a:buChar char="•"/>
-                      </a:pPr>
-                      <a:r>
-                        <a:rPr lang="en-GB" sz="550" u="none" strike="noStrike" kern="1200" dirty="0">
-                          <a:solidFill>
-                            <a:sysClr val="windowText" lastClr="000000"/>
-                          </a:solidFill>
-                          <a:effectLst/>
-                          <a:latin typeface="Arial" panose="020B0604020202020204" pitchFamily="34" charset="0"/>
-                          <a:cs typeface="Arial" panose="020B0604020202020204" pitchFamily="34" charset="0"/>
-                        </a:rPr>
-                        <a:t>Develops emotional and social intelligence to effectively contribute to team dynamics and initiative success.</a:t>
+                        <a:t>Demonstrates emotional intelligence in leadership roles, creating a supportive and inclusive work environment.</a:t>
                       </a:r>
                       <a:endParaRPr lang="en-GB" sz="550" u="none" strike="noStrike" kern="1200" dirty="0">
                         <a:solidFill>
@@ -10123,7 +10360,7 @@
                           <a:latin typeface="Arial" panose="020B0604020202020204" pitchFamily="34" charset="0"/>
                           <a:cs typeface="Arial" panose="020B0604020202020204" pitchFamily="34" charset="0"/>
                         </a:rPr>
-                        <a:t>Exhibits deep understanding and experience in Agile methods and frameworks, guiding teams in their implementation and execution.</a:t>
+                        <a:t>Develops a foundational understanding of Agile principles and practices, gaining valuable experience in Agile Delivery management.</a:t>
                       </a:r>
                     </a:p>
                     <a:p>
@@ -10143,7 +10380,7 @@
                           <a:latin typeface="Arial" panose="020B0604020202020204" pitchFamily="34" charset="0"/>
                           <a:cs typeface="Arial" panose="020B0604020202020204" pitchFamily="34" charset="0"/>
                         </a:rPr>
-                        <a:t>Provides expertise in Agile practices such as Scrum or Kanban, ensuring alignment with Agile principles and values.</a:t>
+                        <a:t>Supports Agile activities within the development team, contributing to the adoption and execution of Agile methods.</a:t>
                       </a:r>
                       <a:endParaRPr lang="en-GB" sz="550" u="none" strike="noStrike" kern="1200" dirty="0">
                         <a:solidFill>
@@ -10154,6 +10391,183 @@
                         <a:ea typeface="+mn-ea"/>
                         <a:cs typeface="Arial" panose="020B0604020202020204" pitchFamily="34" charset="0"/>
                       </a:endParaRPr>
+                    </a:p>
+                  </a:txBody>
+                  <a:tcPr marL="866" marR="866" marT="866" marB="0" anchor="ctr">
+                    <a:lnL w="12700" cap="flat" cmpd="sng" algn="ctr">
+                      <a:solidFill>
+                        <a:schemeClr val="tx1"/>
+                      </a:solidFill>
+                      <a:prstDash val="solid"/>
+                      <a:round/>
+                      <a:headEnd type="none" w="med" len="med"/>
+                      <a:tailEnd type="none" w="med" len="med"/>
+                    </a:lnL>
+                    <a:lnR w="12700" cap="flat" cmpd="sng" algn="ctr">
+                      <a:solidFill>
+                        <a:schemeClr val="tx1"/>
+                      </a:solidFill>
+                      <a:prstDash val="solid"/>
+                      <a:round/>
+                      <a:headEnd type="none" w="med" len="med"/>
+                      <a:tailEnd type="none" w="med" len="med"/>
+                    </a:lnR>
+                    <a:lnT w="12700" cap="flat" cmpd="sng" algn="ctr">
+                      <a:solidFill>
+                        <a:schemeClr val="tx1"/>
+                      </a:solidFill>
+                      <a:prstDash val="solid"/>
+                      <a:round/>
+                      <a:headEnd type="none" w="med" len="med"/>
+                      <a:tailEnd type="none" w="med" len="med"/>
+                    </a:lnT>
+                    <a:lnB w="12700" cap="flat" cmpd="sng" algn="ctr">
+                      <a:solidFill>
+                        <a:schemeClr val="tx1"/>
+                      </a:solidFill>
+                      <a:prstDash val="solid"/>
+                      <a:round/>
+                      <a:headEnd type="none" w="med" len="med"/>
+                      <a:tailEnd type="none" w="med" len="med"/>
+                    </a:lnB>
+                  </a:tcPr>
+                </a:tc>
+                <a:tc>
+                  <a:txBody>
+                    <a:bodyPr/>
+                    <a:lstStyle/>
+                    <a:p>
+                      <a:pPr marL="243450" indent="-171450" algn="l" defTabSz="914400" rtl="0" eaLnBrk="1" fontAlgn="b" latinLnBrk="0" hangingPunct="1">
+                        <a:spcAft>
+                          <a:spcPts val="200"/>
+                        </a:spcAft>
+                        <a:buFont typeface="Arial" panose="020B0604020202020204" pitchFamily="34" charset="0"/>
+                        <a:buChar char="•"/>
+                      </a:pPr>
+                      <a:r>
+                        <a:rPr lang="en-GB" sz="550" u="none" strike="noStrike" kern="1200" dirty="0">
+                          <a:solidFill>
+                            <a:sysClr val="windowText" lastClr="000000"/>
+                          </a:solidFill>
+                          <a:effectLst/>
+                          <a:latin typeface="Arial" panose="020B0604020202020204" pitchFamily="34" charset="0"/>
+                          <a:cs typeface="Arial" panose="020B0604020202020204" pitchFamily="34" charset="0"/>
+                        </a:rPr>
+                        <a:t>Demonstrates a foundational understanding of Agile principles and practices, contributing to the smooth execution of Agile methods.</a:t>
+                      </a:r>
+                    </a:p>
+                    <a:p>
+                      <a:pPr marL="243450" indent="-171450" algn="l" defTabSz="914400" rtl="0" eaLnBrk="1" fontAlgn="b" latinLnBrk="0" hangingPunct="1">
+                        <a:spcAft>
+                          <a:spcPts val="200"/>
+                        </a:spcAft>
+                        <a:buFont typeface="Arial" panose="020B0604020202020204" pitchFamily="34" charset="0"/>
+                        <a:buChar char="•"/>
+                      </a:pPr>
+                      <a:r>
+                        <a:rPr lang="en-GB" sz="550" u="none" strike="noStrike" kern="1200" dirty="0">
+                          <a:solidFill>
+                            <a:sysClr val="windowText" lastClr="000000"/>
+                          </a:solidFill>
+                          <a:effectLst/>
+                          <a:latin typeface="Arial" panose="020B0604020202020204" pitchFamily="34" charset="0"/>
+                          <a:cs typeface="Arial" panose="020B0604020202020204" pitchFamily="34" charset="0"/>
+                        </a:rPr>
+                        <a:t>Works within a development team to ensure adherence to Agile frameworks and practices.</a:t>
+                      </a:r>
+                      <a:endParaRPr lang="en-GB" sz="550" u="none" strike="noStrike" kern="1200" dirty="0">
+                        <a:solidFill>
+                          <a:sysClr val="windowText" lastClr="000000"/>
+                        </a:solidFill>
+                        <a:effectLst/>
+                        <a:latin typeface="Arial" panose="020B0604020202020204" pitchFamily="34" charset="0"/>
+                        <a:ea typeface="+mn-ea"/>
+                        <a:cs typeface="Arial" panose="020B0604020202020204" pitchFamily="34" charset="0"/>
+                      </a:endParaRPr>
+                    </a:p>
+                  </a:txBody>
+                  <a:tcPr marL="866" marR="866" marT="866" marB="0" anchor="ctr">
+                    <a:lnL w="12700" cap="flat" cmpd="sng" algn="ctr">
+                      <a:solidFill>
+                        <a:schemeClr val="tx1"/>
+                      </a:solidFill>
+                      <a:prstDash val="solid"/>
+                      <a:round/>
+                      <a:headEnd type="none" w="med" len="med"/>
+                      <a:tailEnd type="none" w="med" len="med"/>
+                    </a:lnL>
+                    <a:lnR w="12700" cap="flat" cmpd="sng" algn="ctr">
+                      <a:solidFill>
+                        <a:schemeClr val="tx1"/>
+                      </a:solidFill>
+                      <a:prstDash val="solid"/>
+                      <a:round/>
+                      <a:headEnd type="none" w="med" len="med"/>
+                      <a:tailEnd type="none" w="med" len="med"/>
+                    </a:lnR>
+                    <a:lnT w="12700" cap="flat" cmpd="sng" algn="ctr">
+                      <a:solidFill>
+                        <a:schemeClr val="tx1"/>
+                      </a:solidFill>
+                      <a:prstDash val="solid"/>
+                      <a:round/>
+                      <a:headEnd type="none" w="med" len="med"/>
+                      <a:tailEnd type="none" w="med" len="med"/>
+                    </a:lnT>
+                    <a:lnB w="12700" cap="flat" cmpd="sng" algn="ctr">
+                      <a:solidFill>
+                        <a:schemeClr val="tx1"/>
+                      </a:solidFill>
+                      <a:prstDash val="solid"/>
+                      <a:round/>
+                      <a:headEnd type="none" w="med" len="med"/>
+                      <a:tailEnd type="none" w="med" len="med"/>
+                    </a:lnB>
+                  </a:tcPr>
+                </a:tc>
+                <a:tc>
+                  <a:txBody>
+                    <a:bodyPr/>
+                    <a:lstStyle/>
+                    <a:p>
+                      <a:pPr marL="243450" indent="-171450" algn="l" defTabSz="914400" rtl="0" eaLnBrk="1" fontAlgn="b" latinLnBrk="0" hangingPunct="1">
+                        <a:spcAft>
+                          <a:spcPts val="200"/>
+                        </a:spcAft>
+                        <a:buFont typeface="Arial" panose="020B0604020202020204" pitchFamily="34" charset="0"/>
+                        <a:buChar char="•"/>
+                      </a:pPr>
+                      <a:r>
+                        <a:rPr lang="en-GB" sz="550" u="none" strike="noStrike" kern="1200" dirty="0">
+                          <a:solidFill>
+                            <a:sysClr val="windowText" lastClr="000000"/>
+                          </a:solidFill>
+                          <a:effectLst/>
+                          <a:latin typeface="Arial" panose="020B0604020202020204" pitchFamily="34" charset="0"/>
+                          <a:cs typeface="Arial" panose="020B0604020202020204" pitchFamily="34" charset="0"/>
+                        </a:rPr>
+                        <a:t>Applies Agile principles and practices to oversee the successful delivery of software initiatives, ensuring alignment with Agile frameworks.</a:t>
+                      </a:r>
+                    </a:p>
+                    <a:p>
+                      <a:pPr marL="243450" indent="-171450" algn="l" defTabSz="914400" rtl="0" eaLnBrk="1" fontAlgn="b" latinLnBrk="0" hangingPunct="1">
+                        <a:spcAft>
+                          <a:spcPts val="200"/>
+                        </a:spcAft>
+                        <a:buFont typeface="Arial" panose="020B0604020202020204" pitchFamily="34" charset="0"/>
+                        <a:buChar char="•"/>
+                      </a:pPr>
+                      <a:r>
+                        <a:rPr lang="en-GB" sz="550" u="none" strike="noStrike" kern="1200" dirty="0">
+                          <a:solidFill>
+                            <a:sysClr val="windowText" lastClr="000000"/>
+                          </a:solidFill>
+                          <a:effectLst/>
+                          <a:latin typeface="Arial" panose="020B0604020202020204" pitchFamily="34" charset="0"/>
+                          <a:cs typeface="Arial" panose="020B0604020202020204" pitchFamily="34" charset="0"/>
+                        </a:rPr>
+                        <a:t>Utilizes Agile methods such as Scrum or Kanban to optimize team performance and initiative outcomes.</a:t>
+                      </a:r>
                     </a:p>
                   </a:txBody>
                   <a:tcPr marL="866" marR="866" marT="866" marB="0" anchor="ctr">
@@ -10309,7 +10723,7 @@
                           <a:latin typeface="Arial" panose="020B0604020202020204" pitchFamily="34" charset="0"/>
                           <a:cs typeface="Arial" panose="020B0604020202020204" pitchFamily="34" charset="0"/>
                         </a:rPr>
-                        <a:t>Applies Agile principles and practices to oversee the successful delivery of software initiatives, ensuring alignment with Agile frameworks.</a:t>
+                        <a:t>Exhibits deep understanding and experience in Agile methods and frameworks, guiding teams in their implementation and execution.</a:t>
                       </a:r>
                     </a:p>
                     <a:p>
@@ -10329,184 +10743,7 @@
                           <a:latin typeface="Arial" panose="020B0604020202020204" pitchFamily="34" charset="0"/>
                           <a:cs typeface="Arial" panose="020B0604020202020204" pitchFamily="34" charset="0"/>
                         </a:rPr>
-                        <a:t>Utilizes Agile methods such as Scrum or Kanban to optimize team performance and initiative outcomes.</a:t>
-                      </a:r>
-                    </a:p>
-                  </a:txBody>
-                  <a:tcPr marL="866" marR="866" marT="866" marB="0" anchor="ctr">
-                    <a:lnL w="12700" cap="flat" cmpd="sng" algn="ctr">
-                      <a:solidFill>
-                        <a:schemeClr val="tx1"/>
-                      </a:solidFill>
-                      <a:prstDash val="solid"/>
-                      <a:round/>
-                      <a:headEnd type="none" w="med" len="med"/>
-                      <a:tailEnd type="none" w="med" len="med"/>
-                    </a:lnL>
-                    <a:lnR w="12700" cap="flat" cmpd="sng" algn="ctr">
-                      <a:solidFill>
-                        <a:schemeClr val="tx1"/>
-                      </a:solidFill>
-                      <a:prstDash val="solid"/>
-                      <a:round/>
-                      <a:headEnd type="none" w="med" len="med"/>
-                      <a:tailEnd type="none" w="med" len="med"/>
-                    </a:lnR>
-                    <a:lnT w="12700" cap="flat" cmpd="sng" algn="ctr">
-                      <a:solidFill>
-                        <a:schemeClr val="tx1"/>
-                      </a:solidFill>
-                      <a:prstDash val="solid"/>
-                      <a:round/>
-                      <a:headEnd type="none" w="med" len="med"/>
-                      <a:tailEnd type="none" w="med" len="med"/>
-                    </a:lnT>
-                    <a:lnB w="12700" cap="flat" cmpd="sng" algn="ctr">
-                      <a:solidFill>
-                        <a:schemeClr val="tx1"/>
-                      </a:solidFill>
-                      <a:prstDash val="solid"/>
-                      <a:round/>
-                      <a:headEnd type="none" w="med" len="med"/>
-                      <a:tailEnd type="none" w="med" len="med"/>
-                    </a:lnB>
-                  </a:tcPr>
-                </a:tc>
-                <a:tc>
-                  <a:txBody>
-                    <a:bodyPr/>
-                    <a:lstStyle/>
-                    <a:p>
-                      <a:pPr marL="243450" indent="-171450" algn="l" defTabSz="914400" rtl="0" eaLnBrk="1" fontAlgn="b" latinLnBrk="0" hangingPunct="1">
-                        <a:spcAft>
-                          <a:spcPts val="200"/>
-                        </a:spcAft>
-                        <a:buFont typeface="Arial" panose="020B0604020202020204" pitchFamily="34" charset="0"/>
-                        <a:buChar char="•"/>
-                      </a:pPr>
-                      <a:r>
-                        <a:rPr lang="en-GB" sz="550" u="none" strike="noStrike" kern="1200" dirty="0">
-                          <a:solidFill>
-                            <a:sysClr val="windowText" lastClr="000000"/>
-                          </a:solidFill>
-                          <a:effectLst/>
-                          <a:latin typeface="Arial" panose="020B0604020202020204" pitchFamily="34" charset="0"/>
-                          <a:cs typeface="Arial" panose="020B0604020202020204" pitchFamily="34" charset="0"/>
-                        </a:rPr>
-                        <a:t>Demonstrates a foundational understanding of Agile principles and practices, contributing to the smooth execution of Agile methods.</a:t>
-                      </a:r>
-                    </a:p>
-                    <a:p>
-                      <a:pPr marL="243450" indent="-171450" algn="l" defTabSz="914400" rtl="0" eaLnBrk="1" fontAlgn="b" latinLnBrk="0" hangingPunct="1">
-                        <a:spcAft>
-                          <a:spcPts val="200"/>
-                        </a:spcAft>
-                        <a:buFont typeface="Arial" panose="020B0604020202020204" pitchFamily="34" charset="0"/>
-                        <a:buChar char="•"/>
-                      </a:pPr>
-                      <a:r>
-                        <a:rPr lang="en-GB" sz="550" u="none" strike="noStrike" kern="1200" dirty="0">
-                          <a:solidFill>
-                            <a:sysClr val="windowText" lastClr="000000"/>
-                          </a:solidFill>
-                          <a:effectLst/>
-                          <a:latin typeface="Arial" panose="020B0604020202020204" pitchFamily="34" charset="0"/>
-                          <a:cs typeface="Arial" panose="020B0604020202020204" pitchFamily="34" charset="0"/>
-                        </a:rPr>
-                        <a:t>Works within a development team to ensure adherence to Agile frameworks and practices.</a:t>
-                      </a:r>
-                      <a:endParaRPr lang="en-GB" sz="550" u="none" strike="noStrike" kern="1200" dirty="0">
-                        <a:solidFill>
-                          <a:sysClr val="windowText" lastClr="000000"/>
-                        </a:solidFill>
-                        <a:effectLst/>
-                        <a:latin typeface="Arial" panose="020B0604020202020204" pitchFamily="34" charset="0"/>
-                        <a:ea typeface="+mn-ea"/>
-                        <a:cs typeface="Arial" panose="020B0604020202020204" pitchFamily="34" charset="0"/>
-                      </a:endParaRPr>
-                    </a:p>
-                  </a:txBody>
-                  <a:tcPr marL="866" marR="866" marT="866" marB="0" anchor="ctr">
-                    <a:lnL w="12700" cap="flat" cmpd="sng" algn="ctr">
-                      <a:solidFill>
-                        <a:schemeClr val="tx1"/>
-                      </a:solidFill>
-                      <a:prstDash val="solid"/>
-                      <a:round/>
-                      <a:headEnd type="none" w="med" len="med"/>
-                      <a:tailEnd type="none" w="med" len="med"/>
-                    </a:lnL>
-                    <a:lnR w="12700" cap="flat" cmpd="sng" algn="ctr">
-                      <a:solidFill>
-                        <a:schemeClr val="tx1"/>
-                      </a:solidFill>
-                      <a:prstDash val="solid"/>
-                      <a:round/>
-                      <a:headEnd type="none" w="med" len="med"/>
-                      <a:tailEnd type="none" w="med" len="med"/>
-                    </a:lnR>
-                    <a:lnT w="12700" cap="flat" cmpd="sng" algn="ctr">
-                      <a:solidFill>
-                        <a:schemeClr val="tx1"/>
-                      </a:solidFill>
-                      <a:prstDash val="solid"/>
-                      <a:round/>
-                      <a:headEnd type="none" w="med" len="med"/>
-                      <a:tailEnd type="none" w="med" len="med"/>
-                    </a:lnT>
-                    <a:lnB w="12700" cap="flat" cmpd="sng" algn="ctr">
-                      <a:solidFill>
-                        <a:schemeClr val="tx1"/>
-                      </a:solidFill>
-                      <a:prstDash val="solid"/>
-                      <a:round/>
-                      <a:headEnd type="none" w="med" len="med"/>
-                      <a:tailEnd type="none" w="med" len="med"/>
-                    </a:lnB>
-                  </a:tcPr>
-                </a:tc>
-                <a:tc>
-                  <a:txBody>
-                    <a:bodyPr/>
-                    <a:lstStyle/>
-                    <a:p>
-                      <a:pPr marL="243450" indent="-171450" algn="l" defTabSz="914400" rtl="0" eaLnBrk="1" fontAlgn="b" latinLnBrk="0" hangingPunct="1">
-                        <a:spcAft>
-                          <a:spcPts val="200"/>
-                        </a:spcAft>
-                        <a:buFont typeface="Arial" panose="020B0604020202020204" pitchFamily="34" charset="0"/>
-                        <a:buChar char="•"/>
-                      </a:pPr>
-                      <a:r>
-                        <a:rPr lang="en-GB" sz="550" u="none" strike="noStrike" kern="1200" dirty="0">
-                          <a:solidFill>
-                            <a:sysClr val="windowText" lastClr="000000"/>
-                          </a:solidFill>
-                          <a:effectLst/>
-                          <a:latin typeface="Arial" panose="020B0604020202020204" pitchFamily="34" charset="0"/>
-                          <a:cs typeface="Arial" panose="020B0604020202020204" pitchFamily="34" charset="0"/>
-                        </a:rPr>
-                        <a:t>Develops a foundational understanding of Agile principles and practices, gaining valuable experience in Agile Delivery management.</a:t>
-                      </a:r>
-                    </a:p>
-                    <a:p>
-                      <a:pPr marL="243450" indent="-171450" algn="l" defTabSz="914400" rtl="0" eaLnBrk="1" fontAlgn="b" latinLnBrk="0" hangingPunct="1">
-                        <a:spcAft>
-                          <a:spcPts val="200"/>
-                        </a:spcAft>
-                        <a:buFont typeface="Arial" panose="020B0604020202020204" pitchFamily="34" charset="0"/>
-                        <a:buChar char="•"/>
-                      </a:pPr>
-                      <a:r>
-                        <a:rPr lang="en-GB" sz="550" u="none" strike="noStrike" kern="1200" dirty="0">
-                          <a:solidFill>
-                            <a:sysClr val="windowText" lastClr="000000"/>
-                          </a:solidFill>
-                          <a:effectLst/>
-                          <a:latin typeface="Arial" panose="020B0604020202020204" pitchFamily="34" charset="0"/>
-                          <a:cs typeface="Arial" panose="020B0604020202020204" pitchFamily="34" charset="0"/>
-                        </a:rPr>
-                        <a:t>Supports Agile activities within the development team, contributing to the adoption and execution of Agile methods.</a:t>
+                        <a:t>Provides expertise in Agile practices such as Scrum or Kanban, ensuring alignment with Agile principles and values.</a:t>
                       </a:r>
                       <a:endParaRPr lang="en-GB" sz="550" u="none" strike="noStrike" kern="1200" dirty="0">
                         <a:solidFill>
@@ -10669,7 +10906,7 @@
                           <a:latin typeface="Arial" panose="020B0604020202020204" pitchFamily="34" charset="0"/>
                           <a:cs typeface="Arial" panose="020B0604020202020204" pitchFamily="34" charset="0"/>
                         </a:rPr>
-                        <a:t>Drives team agility and maximizes business outcomes, focusing on delivering value and fostering a culture of agility.</a:t>
+                        <a:t>Supports the development team in executing Agile methods, focusing on process improvement and team support.</a:t>
                       </a:r>
                     </a:p>
                     <a:p>
@@ -10689,7 +10926,195 @@
                           <a:latin typeface="Arial" panose="020B0604020202020204" pitchFamily="34" charset="0"/>
                           <a:cs typeface="Arial" panose="020B0604020202020204" pitchFamily="34" charset="0"/>
                         </a:rPr>
-                        <a:t>Provides leadership and mentorship, promoting growth and excellence within the team.</a:t>
+                        <a:t>Contributes to fostering a positive and inclusive team environment.</a:t>
+                      </a:r>
+                      <a:endParaRPr lang="en-GB" sz="550" u="none" strike="noStrike" kern="1200" dirty="0">
+                        <a:solidFill>
+                          <a:sysClr val="windowText" lastClr="000000"/>
+                        </a:solidFill>
+                        <a:effectLst/>
+                        <a:latin typeface="Arial" panose="020B0604020202020204" pitchFamily="34" charset="0"/>
+                        <a:ea typeface="+mn-ea"/>
+                        <a:cs typeface="Arial" panose="020B0604020202020204" pitchFamily="34" charset="0"/>
+                      </a:endParaRPr>
+                    </a:p>
+                  </a:txBody>
+                  <a:tcPr marL="866" marR="866" marT="866" marB="0" anchor="ctr">
+                    <a:lnL w="12700" cap="flat" cmpd="sng" algn="ctr">
+                      <a:solidFill>
+                        <a:schemeClr val="tx1"/>
+                      </a:solidFill>
+                      <a:prstDash val="solid"/>
+                      <a:round/>
+                      <a:headEnd type="none" w="med" len="med"/>
+                      <a:tailEnd type="none" w="med" len="med"/>
+                    </a:lnL>
+                    <a:lnR w="12700" cap="flat" cmpd="sng" algn="ctr">
+                      <a:solidFill>
+                        <a:schemeClr val="tx1"/>
+                      </a:solidFill>
+                      <a:prstDash val="solid"/>
+                      <a:round/>
+                      <a:headEnd type="none" w="med" len="med"/>
+                      <a:tailEnd type="none" w="med" len="med"/>
+                    </a:lnR>
+                    <a:lnT w="12700" cap="flat" cmpd="sng" algn="ctr">
+                      <a:solidFill>
+                        <a:schemeClr val="tx1"/>
+                      </a:solidFill>
+                      <a:prstDash val="solid"/>
+                      <a:round/>
+                      <a:headEnd type="none" w="med" len="med"/>
+                      <a:tailEnd type="none" w="med" len="med"/>
+                    </a:lnT>
+                    <a:lnB w="12700" cap="flat" cmpd="sng" algn="ctr">
+                      <a:solidFill>
+                        <a:schemeClr val="tx1"/>
+                      </a:solidFill>
+                      <a:prstDash val="solid"/>
+                      <a:round/>
+                      <a:headEnd type="none" w="med" len="med"/>
+                      <a:tailEnd type="none" w="med" len="med"/>
+                    </a:lnB>
+                    <a:noFill/>
+                  </a:tcPr>
+                </a:tc>
+                <a:tc>
+                  <a:txBody>
+                    <a:bodyPr/>
+                    <a:lstStyle/>
+                    <a:p>
+                      <a:pPr marL="243450" indent="-171450" algn="l" defTabSz="914400" rtl="0" eaLnBrk="1" fontAlgn="b" latinLnBrk="0" hangingPunct="1">
+                        <a:spcAft>
+                          <a:spcPts val="200"/>
+                        </a:spcAft>
+                        <a:buFont typeface="Arial" panose="020B0604020202020204" pitchFamily="34" charset="0"/>
+                        <a:buChar char="•"/>
+                      </a:pPr>
+                      <a:r>
+                        <a:rPr lang="en-GB" sz="550" u="none" strike="noStrike" kern="1200" dirty="0">
+                          <a:solidFill>
+                            <a:sysClr val="windowText" lastClr="000000"/>
+                          </a:solidFill>
+                          <a:effectLst/>
+                          <a:latin typeface="Arial" panose="020B0604020202020204" pitchFamily="34" charset="0"/>
+                          <a:cs typeface="Arial" panose="020B0604020202020204" pitchFamily="34" charset="0"/>
+                        </a:rPr>
+                        <a:t>Operates as a Servant Leader, focusing on team growth, collaboration, and well-being.</a:t>
+                      </a:r>
+                    </a:p>
+                    <a:p>
+                      <a:pPr marL="243450" indent="-171450" algn="l" defTabSz="914400" rtl="0" eaLnBrk="1" fontAlgn="b" latinLnBrk="0" hangingPunct="1">
+                        <a:spcAft>
+                          <a:spcPts val="200"/>
+                        </a:spcAft>
+                        <a:buFont typeface="Arial" panose="020B0604020202020204" pitchFamily="34" charset="0"/>
+                        <a:buChar char="•"/>
+                      </a:pPr>
+                      <a:r>
+                        <a:rPr lang="en-GB" sz="550" u="none" strike="noStrike" kern="1200" dirty="0">
+                          <a:solidFill>
+                            <a:sysClr val="windowText" lastClr="000000"/>
+                          </a:solidFill>
+                          <a:effectLst/>
+                          <a:latin typeface="Arial" panose="020B0604020202020204" pitchFamily="34" charset="0"/>
+                          <a:cs typeface="Arial" panose="020B0604020202020204" pitchFamily="34" charset="0"/>
+                        </a:rPr>
+                        <a:t>Provides support, guidance, and removes obstacles to facilitate the team's success.</a:t>
+                      </a:r>
+                      <a:endParaRPr lang="en-GB" sz="550" u="none" strike="noStrike" kern="1200" dirty="0">
+                        <a:solidFill>
+                          <a:sysClr val="windowText" lastClr="000000"/>
+                        </a:solidFill>
+                        <a:effectLst/>
+                        <a:latin typeface="Arial" panose="020B0604020202020204" pitchFamily="34" charset="0"/>
+                        <a:ea typeface="+mn-ea"/>
+                        <a:cs typeface="Arial" panose="020B0604020202020204" pitchFamily="34" charset="0"/>
+                      </a:endParaRPr>
+                    </a:p>
+                  </a:txBody>
+                  <a:tcPr marL="866" marR="866" marT="866" marB="0" anchor="ctr">
+                    <a:lnL w="12700" cap="flat" cmpd="sng" algn="ctr">
+                      <a:solidFill>
+                        <a:schemeClr val="tx1"/>
+                      </a:solidFill>
+                      <a:prstDash val="solid"/>
+                      <a:round/>
+                      <a:headEnd type="none" w="med" len="med"/>
+                      <a:tailEnd type="none" w="med" len="med"/>
+                    </a:lnL>
+                    <a:lnR w="12700" cap="flat" cmpd="sng" algn="ctr">
+                      <a:solidFill>
+                        <a:schemeClr val="tx1"/>
+                      </a:solidFill>
+                      <a:prstDash val="solid"/>
+                      <a:round/>
+                      <a:headEnd type="none" w="med" len="med"/>
+                      <a:tailEnd type="none" w="med" len="med"/>
+                    </a:lnR>
+                    <a:lnT w="12700" cap="flat" cmpd="sng" algn="ctr">
+                      <a:solidFill>
+                        <a:schemeClr val="tx1"/>
+                      </a:solidFill>
+                      <a:prstDash val="solid"/>
+                      <a:round/>
+                      <a:headEnd type="none" w="med" len="med"/>
+                      <a:tailEnd type="none" w="med" len="med"/>
+                    </a:lnT>
+                    <a:lnB w="12700" cap="flat" cmpd="sng" algn="ctr">
+                      <a:solidFill>
+                        <a:schemeClr val="tx1"/>
+                      </a:solidFill>
+                      <a:prstDash val="solid"/>
+                      <a:round/>
+                      <a:headEnd type="none" w="med" len="med"/>
+                      <a:tailEnd type="none" w="med" len="med"/>
+                    </a:lnB>
+                    <a:noFill/>
+                  </a:tcPr>
+                </a:tc>
+                <a:tc>
+                  <a:txBody>
+                    <a:bodyPr/>
+                    <a:lstStyle/>
+                    <a:p>
+                      <a:pPr marL="243450" indent="-171450" algn="l" defTabSz="914400" rtl="0" eaLnBrk="1" fontAlgn="b" latinLnBrk="0" hangingPunct="1">
+                        <a:spcAft>
+                          <a:spcPts val="200"/>
+                        </a:spcAft>
+                        <a:buFont typeface="Arial" panose="020B0604020202020204" pitchFamily="34" charset="0"/>
+                        <a:buChar char="•"/>
+                      </a:pPr>
+                      <a:r>
+                        <a:rPr lang="en-GB" sz="550" u="none" strike="noStrike" kern="1200" dirty="0">
+                          <a:solidFill>
+                            <a:sysClr val="windowText" lastClr="000000"/>
+                          </a:solidFill>
+                          <a:effectLst/>
+                          <a:latin typeface="Arial" panose="020B0604020202020204" pitchFamily="34" charset="0"/>
+                          <a:cs typeface="Arial" panose="020B0604020202020204" pitchFamily="34" charset="0"/>
+                        </a:rPr>
+                        <a:t>Serves as a role model for Agile practices, fostering a culture of collaboration and continuous improvement.</a:t>
+                      </a:r>
+                    </a:p>
+                    <a:p>
+                      <a:pPr marL="243450" indent="-171450" algn="l" defTabSz="914400" rtl="0" eaLnBrk="1" fontAlgn="b" latinLnBrk="0" hangingPunct="1">
+                        <a:spcAft>
+                          <a:spcPts val="200"/>
+                        </a:spcAft>
+                        <a:buFont typeface="Arial" panose="020B0604020202020204" pitchFamily="34" charset="0"/>
+                        <a:buChar char="•"/>
+                      </a:pPr>
+                      <a:r>
+                        <a:rPr lang="en-GB" sz="550" u="none" strike="noStrike" kern="1200" dirty="0">
+                          <a:solidFill>
+                            <a:sysClr val="windowText" lastClr="000000"/>
+                          </a:solidFill>
+                          <a:effectLst/>
+                          <a:latin typeface="Arial" panose="020B0604020202020204" pitchFamily="34" charset="0"/>
+                          <a:cs typeface="Arial" panose="020B0604020202020204" pitchFamily="34" charset="0"/>
+                        </a:rPr>
+                        <a:t>Empowers Agile teams and promotes growth and well-being within the organization.</a:t>
                       </a:r>
                       <a:endParaRPr lang="en-GB" sz="550" u="none" strike="noStrike" kern="1200" dirty="0">
                         <a:solidFill>
@@ -10857,7 +11282,7 @@
                           <a:latin typeface="Arial" panose="020B0604020202020204" pitchFamily="34" charset="0"/>
                           <a:cs typeface="Arial" panose="020B0604020202020204" pitchFamily="34" charset="0"/>
                         </a:rPr>
-                        <a:t>Serves as a role model for Agile practices, fostering a culture of collaboration and continuous improvement.</a:t>
+                        <a:t>Drives team agility and maximizes business outcomes, focusing on delivering value and fostering a culture of agility.</a:t>
                       </a:r>
                     </a:p>
                     <a:p>
@@ -10877,195 +11302,7 @@
                           <a:latin typeface="Arial" panose="020B0604020202020204" pitchFamily="34" charset="0"/>
                           <a:cs typeface="Arial" panose="020B0604020202020204" pitchFamily="34" charset="0"/>
                         </a:rPr>
-                        <a:t>Empowers Agile teams and promotes growth and well-being within the organization.</a:t>
-                      </a:r>
-                      <a:endParaRPr lang="en-GB" sz="550" u="none" strike="noStrike" kern="1200" dirty="0">
-                        <a:solidFill>
-                          <a:sysClr val="windowText" lastClr="000000"/>
-                        </a:solidFill>
-                        <a:effectLst/>
-                        <a:latin typeface="Arial" panose="020B0604020202020204" pitchFamily="34" charset="0"/>
-                        <a:ea typeface="+mn-ea"/>
-                        <a:cs typeface="Arial" panose="020B0604020202020204" pitchFamily="34" charset="0"/>
-                      </a:endParaRPr>
-                    </a:p>
-                  </a:txBody>
-                  <a:tcPr marL="866" marR="866" marT="866" marB="0" anchor="ctr">
-                    <a:lnL w="12700" cap="flat" cmpd="sng" algn="ctr">
-                      <a:solidFill>
-                        <a:schemeClr val="tx1"/>
-                      </a:solidFill>
-                      <a:prstDash val="solid"/>
-                      <a:round/>
-                      <a:headEnd type="none" w="med" len="med"/>
-                      <a:tailEnd type="none" w="med" len="med"/>
-                    </a:lnL>
-                    <a:lnR w="12700" cap="flat" cmpd="sng" algn="ctr">
-                      <a:solidFill>
-                        <a:schemeClr val="tx1"/>
-                      </a:solidFill>
-                      <a:prstDash val="solid"/>
-                      <a:round/>
-                      <a:headEnd type="none" w="med" len="med"/>
-                      <a:tailEnd type="none" w="med" len="med"/>
-                    </a:lnR>
-                    <a:lnT w="12700" cap="flat" cmpd="sng" algn="ctr">
-                      <a:solidFill>
-                        <a:schemeClr val="tx1"/>
-                      </a:solidFill>
-                      <a:prstDash val="solid"/>
-                      <a:round/>
-                      <a:headEnd type="none" w="med" len="med"/>
-                      <a:tailEnd type="none" w="med" len="med"/>
-                    </a:lnT>
-                    <a:lnB w="12700" cap="flat" cmpd="sng" algn="ctr">
-                      <a:solidFill>
-                        <a:schemeClr val="tx1"/>
-                      </a:solidFill>
-                      <a:prstDash val="solid"/>
-                      <a:round/>
-                      <a:headEnd type="none" w="med" len="med"/>
-                      <a:tailEnd type="none" w="med" len="med"/>
-                    </a:lnB>
-                    <a:noFill/>
-                  </a:tcPr>
-                </a:tc>
-                <a:tc>
-                  <a:txBody>
-                    <a:bodyPr/>
-                    <a:lstStyle/>
-                    <a:p>
-                      <a:pPr marL="243450" indent="-171450" algn="l" defTabSz="914400" rtl="0" eaLnBrk="1" fontAlgn="b" latinLnBrk="0" hangingPunct="1">
-                        <a:spcAft>
-                          <a:spcPts val="200"/>
-                        </a:spcAft>
-                        <a:buFont typeface="Arial" panose="020B0604020202020204" pitchFamily="34" charset="0"/>
-                        <a:buChar char="•"/>
-                      </a:pPr>
-                      <a:r>
-                        <a:rPr lang="en-GB" sz="550" u="none" strike="noStrike" kern="1200" dirty="0">
-                          <a:solidFill>
-                            <a:sysClr val="windowText" lastClr="000000"/>
-                          </a:solidFill>
-                          <a:effectLst/>
-                          <a:latin typeface="Arial" panose="020B0604020202020204" pitchFamily="34" charset="0"/>
-                          <a:cs typeface="Arial" panose="020B0604020202020204" pitchFamily="34" charset="0"/>
-                        </a:rPr>
-                        <a:t>Operates as a Servant Leader, focusing on team growth, collaboration, and well-being.</a:t>
-                      </a:r>
-                    </a:p>
-                    <a:p>
-                      <a:pPr marL="243450" indent="-171450" algn="l" defTabSz="914400" rtl="0" eaLnBrk="1" fontAlgn="b" latinLnBrk="0" hangingPunct="1">
-                        <a:spcAft>
-                          <a:spcPts val="200"/>
-                        </a:spcAft>
-                        <a:buFont typeface="Arial" panose="020B0604020202020204" pitchFamily="34" charset="0"/>
-                        <a:buChar char="•"/>
-                      </a:pPr>
-                      <a:r>
-                        <a:rPr lang="en-GB" sz="550" u="none" strike="noStrike" kern="1200" dirty="0">
-                          <a:solidFill>
-                            <a:sysClr val="windowText" lastClr="000000"/>
-                          </a:solidFill>
-                          <a:effectLst/>
-                          <a:latin typeface="Arial" panose="020B0604020202020204" pitchFamily="34" charset="0"/>
-                          <a:cs typeface="Arial" panose="020B0604020202020204" pitchFamily="34" charset="0"/>
-                        </a:rPr>
-                        <a:t>Provides support, guidance, and removes obstacles to facilitate the team's success.</a:t>
-                      </a:r>
-                      <a:endParaRPr lang="en-GB" sz="550" u="none" strike="noStrike" kern="1200" dirty="0">
-                        <a:solidFill>
-                          <a:sysClr val="windowText" lastClr="000000"/>
-                        </a:solidFill>
-                        <a:effectLst/>
-                        <a:latin typeface="Arial" panose="020B0604020202020204" pitchFamily="34" charset="0"/>
-                        <a:ea typeface="+mn-ea"/>
-                        <a:cs typeface="Arial" panose="020B0604020202020204" pitchFamily="34" charset="0"/>
-                      </a:endParaRPr>
-                    </a:p>
-                  </a:txBody>
-                  <a:tcPr marL="866" marR="866" marT="866" marB="0" anchor="ctr">
-                    <a:lnL w="12700" cap="flat" cmpd="sng" algn="ctr">
-                      <a:solidFill>
-                        <a:schemeClr val="tx1"/>
-                      </a:solidFill>
-                      <a:prstDash val="solid"/>
-                      <a:round/>
-                      <a:headEnd type="none" w="med" len="med"/>
-                      <a:tailEnd type="none" w="med" len="med"/>
-                    </a:lnL>
-                    <a:lnR w="12700" cap="flat" cmpd="sng" algn="ctr">
-                      <a:solidFill>
-                        <a:schemeClr val="tx1"/>
-                      </a:solidFill>
-                      <a:prstDash val="solid"/>
-                      <a:round/>
-                      <a:headEnd type="none" w="med" len="med"/>
-                      <a:tailEnd type="none" w="med" len="med"/>
-                    </a:lnR>
-                    <a:lnT w="12700" cap="flat" cmpd="sng" algn="ctr">
-                      <a:solidFill>
-                        <a:schemeClr val="tx1"/>
-                      </a:solidFill>
-                      <a:prstDash val="solid"/>
-                      <a:round/>
-                      <a:headEnd type="none" w="med" len="med"/>
-                      <a:tailEnd type="none" w="med" len="med"/>
-                    </a:lnT>
-                    <a:lnB w="12700" cap="flat" cmpd="sng" algn="ctr">
-                      <a:solidFill>
-                        <a:schemeClr val="tx1"/>
-                      </a:solidFill>
-                      <a:prstDash val="solid"/>
-                      <a:round/>
-                      <a:headEnd type="none" w="med" len="med"/>
-                      <a:tailEnd type="none" w="med" len="med"/>
-                    </a:lnB>
-                    <a:noFill/>
-                  </a:tcPr>
-                </a:tc>
-                <a:tc>
-                  <a:txBody>
-                    <a:bodyPr/>
-                    <a:lstStyle/>
-                    <a:p>
-                      <a:pPr marL="243450" indent="-171450" algn="l" defTabSz="914400" rtl="0" eaLnBrk="1" fontAlgn="b" latinLnBrk="0" hangingPunct="1">
-                        <a:spcAft>
-                          <a:spcPts val="200"/>
-                        </a:spcAft>
-                        <a:buFont typeface="Arial" panose="020B0604020202020204" pitchFamily="34" charset="0"/>
-                        <a:buChar char="•"/>
-                      </a:pPr>
-                      <a:r>
-                        <a:rPr lang="en-GB" sz="550" u="none" strike="noStrike" kern="1200" dirty="0">
-                          <a:solidFill>
-                            <a:sysClr val="windowText" lastClr="000000"/>
-                          </a:solidFill>
-                          <a:effectLst/>
-                          <a:latin typeface="Arial" panose="020B0604020202020204" pitchFamily="34" charset="0"/>
-                          <a:cs typeface="Arial" panose="020B0604020202020204" pitchFamily="34" charset="0"/>
-                        </a:rPr>
-                        <a:t>Supports the development team in executing Agile methods, focusing on process improvement and team support.</a:t>
-                      </a:r>
-                    </a:p>
-                    <a:p>
-                      <a:pPr marL="243450" indent="-171450" algn="l" defTabSz="914400" rtl="0" eaLnBrk="1" fontAlgn="b" latinLnBrk="0" hangingPunct="1">
-                        <a:spcAft>
-                          <a:spcPts val="200"/>
-                        </a:spcAft>
-                        <a:buFont typeface="Arial" panose="020B0604020202020204" pitchFamily="34" charset="0"/>
-                        <a:buChar char="•"/>
-                      </a:pPr>
-                      <a:r>
-                        <a:rPr lang="en-GB" sz="550" u="none" strike="noStrike" kern="1200" dirty="0">
-                          <a:solidFill>
-                            <a:sysClr val="windowText" lastClr="000000"/>
-                          </a:solidFill>
-                          <a:effectLst/>
-                          <a:latin typeface="Arial" panose="020B0604020202020204" pitchFamily="34" charset="0"/>
-                          <a:cs typeface="Arial" panose="020B0604020202020204" pitchFamily="34" charset="0"/>
-                        </a:rPr>
-                        <a:t>Contributes to fostering a positive and inclusive team environment.</a:t>
+                        <a:t>Provides leadership and mentorship, promoting growth and excellence within the team.</a:t>
                       </a:r>
                       <a:endParaRPr lang="en-GB" sz="550" u="none" strike="noStrike" kern="1200" dirty="0">
                         <a:solidFill>
@@ -11165,6 +11402,378 @@
                         </a:solidFill>
                         <a:effectLst/>
                         <a:latin typeface="Arial" panose="020B0604020202020204" pitchFamily="34" charset="0"/>
+                        <a:cs typeface="Arial" panose="020B0604020202020204" pitchFamily="34" charset="0"/>
+                      </a:endParaRPr>
+                    </a:p>
+                  </a:txBody>
+                  <a:tcPr marL="866" marR="866" marT="866" marB="0" anchor="ctr">
+                    <a:lnL w="12700" cap="flat" cmpd="sng" algn="ctr">
+                      <a:solidFill>
+                        <a:schemeClr val="tx1"/>
+                      </a:solidFill>
+                      <a:prstDash val="solid"/>
+                      <a:round/>
+                      <a:headEnd type="none" w="med" len="med"/>
+                      <a:tailEnd type="none" w="med" len="med"/>
+                    </a:lnL>
+                    <a:lnR w="12700" cap="flat" cmpd="sng" algn="ctr">
+                      <a:solidFill>
+                        <a:schemeClr val="tx1"/>
+                      </a:solidFill>
+                      <a:prstDash val="solid"/>
+                      <a:round/>
+                      <a:headEnd type="none" w="med" len="med"/>
+                      <a:tailEnd type="none" w="med" len="med"/>
+                    </a:lnR>
+                    <a:lnT w="12700" cap="flat" cmpd="sng" algn="ctr">
+                      <a:solidFill>
+                        <a:schemeClr val="tx1"/>
+                      </a:solidFill>
+                      <a:prstDash val="solid"/>
+                      <a:round/>
+                      <a:headEnd type="none" w="med" len="med"/>
+                      <a:tailEnd type="none" w="med" len="med"/>
+                    </a:lnT>
+                    <a:lnB w="12700" cap="flat" cmpd="sng" algn="ctr">
+                      <a:solidFill>
+                        <a:schemeClr val="tx1"/>
+                      </a:solidFill>
+                      <a:prstDash val="solid"/>
+                      <a:round/>
+                      <a:headEnd type="none" w="med" len="med"/>
+                      <a:tailEnd type="none" w="med" len="med"/>
+                    </a:lnB>
+                  </a:tcPr>
+                </a:tc>
+                <a:tc>
+                  <a:txBody>
+                    <a:bodyPr/>
+                    <a:lstStyle/>
+                    <a:p>
+                      <a:pPr marL="243450" indent="-171450" algn="l" defTabSz="914400" rtl="0" eaLnBrk="1" fontAlgn="b" latinLnBrk="0" hangingPunct="1">
+                        <a:spcAft>
+                          <a:spcPts val="200"/>
+                        </a:spcAft>
+                        <a:buFont typeface="Arial" panose="020B0604020202020204" pitchFamily="34" charset="0"/>
+                        <a:buChar char="•"/>
+                      </a:pPr>
+                      <a:r>
+                        <a:rPr lang="en-GB" sz="550" u="none" strike="noStrike" kern="1200" dirty="0">
+                          <a:solidFill>
+                            <a:sysClr val="windowText" lastClr="000000"/>
+                          </a:solidFill>
+                          <a:effectLst/>
+                          <a:latin typeface="Arial" panose="020B0604020202020204" pitchFamily="34" charset="0"/>
+                          <a:cs typeface="Arial" panose="020B0604020202020204" pitchFamily="34" charset="0"/>
+                        </a:rPr>
+                        <a:t>Takes part in training and learning opportunities related   to Agile principles and methods.</a:t>
+                      </a:r>
+                    </a:p>
+                    <a:p>
+                      <a:pPr marL="243450" indent="-171450" algn="l" defTabSz="914400" rtl="0" eaLnBrk="1" fontAlgn="b" latinLnBrk="0" hangingPunct="1">
+                        <a:spcAft>
+                          <a:spcPts val="200"/>
+                        </a:spcAft>
+                        <a:buFont typeface="Arial" panose="020B0604020202020204" pitchFamily="34" charset="0"/>
+                        <a:buChar char="•"/>
+                      </a:pPr>
+                      <a:r>
+                        <a:rPr lang="en-GB" sz="550" u="none" strike="noStrike" kern="1200" dirty="0">
+                          <a:solidFill>
+                            <a:sysClr val="windowText" lastClr="000000"/>
+                          </a:solidFill>
+                          <a:effectLst/>
+                          <a:latin typeface="Arial" panose="020B0604020202020204" pitchFamily="34" charset="0"/>
+                          <a:cs typeface="Arial" panose="020B0604020202020204" pitchFamily="34" charset="0"/>
+                        </a:rPr>
+                        <a:t>Seeks mentorship from Senior Agile Delivery Leads to enhance understanding and proficiency in Agile Delivery.</a:t>
+                      </a:r>
+                      <a:endParaRPr lang="en-GB" sz="550" u="none" strike="noStrike" kern="1200" dirty="0">
+                        <a:solidFill>
+                          <a:sysClr val="windowText" lastClr="000000"/>
+                        </a:solidFill>
+                        <a:effectLst/>
+                        <a:latin typeface="Arial" panose="020B0604020202020204" pitchFamily="34" charset="0"/>
+                        <a:ea typeface="+mn-ea"/>
+                        <a:cs typeface="Arial" panose="020B0604020202020204" pitchFamily="34" charset="0"/>
+                      </a:endParaRPr>
+                    </a:p>
+                  </a:txBody>
+                  <a:tcPr marL="866" marR="866" marT="866" marB="0" anchor="ctr">
+                    <a:lnL w="12700" cap="flat" cmpd="sng" algn="ctr">
+                      <a:solidFill>
+                        <a:schemeClr val="tx1"/>
+                      </a:solidFill>
+                      <a:prstDash val="solid"/>
+                      <a:round/>
+                      <a:headEnd type="none" w="med" len="med"/>
+                      <a:tailEnd type="none" w="med" len="med"/>
+                    </a:lnL>
+                    <a:lnR w="12700" cap="flat" cmpd="sng" algn="ctr">
+                      <a:solidFill>
+                        <a:schemeClr val="tx1"/>
+                      </a:solidFill>
+                      <a:prstDash val="solid"/>
+                      <a:round/>
+                      <a:headEnd type="none" w="med" len="med"/>
+                      <a:tailEnd type="none" w="med" len="med"/>
+                    </a:lnR>
+                    <a:lnT w="12700" cap="flat" cmpd="sng" algn="ctr">
+                      <a:solidFill>
+                        <a:schemeClr val="tx1"/>
+                      </a:solidFill>
+                      <a:prstDash val="solid"/>
+                      <a:round/>
+                      <a:headEnd type="none" w="med" len="med"/>
+                      <a:tailEnd type="none" w="med" len="med"/>
+                    </a:lnT>
+                    <a:lnB w="12700" cap="flat" cmpd="sng" algn="ctr">
+                      <a:solidFill>
+                        <a:schemeClr val="tx1"/>
+                      </a:solidFill>
+                      <a:prstDash val="solid"/>
+                      <a:round/>
+                      <a:headEnd type="none" w="med" len="med"/>
+                      <a:tailEnd type="none" w="med" len="med"/>
+                    </a:lnB>
+                  </a:tcPr>
+                </a:tc>
+                <a:tc>
+                  <a:txBody>
+                    <a:bodyPr/>
+                    <a:lstStyle/>
+                    <a:p>
+                      <a:pPr marL="243450" indent="-171450" algn="l" defTabSz="914400" rtl="0" eaLnBrk="1" fontAlgn="b" latinLnBrk="0" hangingPunct="1">
+                        <a:spcAft>
+                          <a:spcPts val="200"/>
+                        </a:spcAft>
+                        <a:buFont typeface="Arial" panose="020B0604020202020204" pitchFamily="34" charset="0"/>
+                        <a:buChar char="•"/>
+                      </a:pPr>
+                      <a:r>
+                        <a:rPr lang="en-GB" sz="550" u="none" strike="noStrike" kern="1200" dirty="0">
+                          <a:solidFill>
+                            <a:sysClr val="windowText" lastClr="000000"/>
+                          </a:solidFill>
+                          <a:effectLst/>
+                          <a:latin typeface="Arial" panose="020B0604020202020204" pitchFamily="34" charset="0"/>
+                          <a:cs typeface="Arial" panose="020B0604020202020204" pitchFamily="34" charset="0"/>
+                        </a:rPr>
+                        <a:t>Coaches and mentors team members on Agile principles and practices.</a:t>
+                      </a:r>
+                    </a:p>
+                    <a:p>
+                      <a:pPr marL="243450" indent="-171450" algn="l" defTabSz="914400" rtl="0" eaLnBrk="1" fontAlgn="b" latinLnBrk="0" hangingPunct="1">
+                        <a:spcAft>
+                          <a:spcPts val="200"/>
+                        </a:spcAft>
+                        <a:buFont typeface="Arial" panose="020B0604020202020204" pitchFamily="34" charset="0"/>
+                        <a:buChar char="•"/>
+                      </a:pPr>
+                      <a:r>
+                        <a:rPr lang="en-GB" sz="550" u="none" strike="noStrike" kern="1200" dirty="0">
+                          <a:solidFill>
+                            <a:sysClr val="windowText" lastClr="000000"/>
+                          </a:solidFill>
+                          <a:effectLst/>
+                          <a:latin typeface="Arial" panose="020B0604020202020204" pitchFamily="34" charset="0"/>
+                          <a:cs typeface="Arial" panose="020B0604020202020204" pitchFamily="34" charset="0"/>
+                        </a:rPr>
+                        <a:t>Guides the team in implementing Agile methods and removing obstacles.</a:t>
+                      </a:r>
+                      <a:endParaRPr lang="en-GB" sz="550" u="none" strike="noStrike" kern="1200" dirty="0">
+                        <a:solidFill>
+                          <a:sysClr val="windowText" lastClr="000000"/>
+                        </a:solidFill>
+                        <a:effectLst/>
+                        <a:latin typeface="Arial" panose="020B0604020202020204" pitchFamily="34" charset="0"/>
+                        <a:ea typeface="+mn-ea"/>
+                        <a:cs typeface="Arial" panose="020B0604020202020204" pitchFamily="34" charset="0"/>
+                      </a:endParaRPr>
+                    </a:p>
+                  </a:txBody>
+                  <a:tcPr marL="866" marR="866" marT="866" marB="0" anchor="ctr">
+                    <a:lnL w="12700" cap="flat" cmpd="sng" algn="ctr">
+                      <a:solidFill>
+                        <a:schemeClr val="tx1"/>
+                      </a:solidFill>
+                      <a:prstDash val="solid"/>
+                      <a:round/>
+                      <a:headEnd type="none" w="med" len="med"/>
+                      <a:tailEnd type="none" w="med" len="med"/>
+                    </a:lnL>
+                    <a:lnR w="12700" cap="flat" cmpd="sng" algn="ctr">
+                      <a:solidFill>
+                        <a:schemeClr val="tx1"/>
+                      </a:solidFill>
+                      <a:prstDash val="solid"/>
+                      <a:round/>
+                      <a:headEnd type="none" w="med" len="med"/>
+                      <a:tailEnd type="none" w="med" len="med"/>
+                    </a:lnR>
+                    <a:lnT w="12700" cap="flat" cmpd="sng" algn="ctr">
+                      <a:solidFill>
+                        <a:schemeClr val="tx1"/>
+                      </a:solidFill>
+                      <a:prstDash val="solid"/>
+                      <a:round/>
+                      <a:headEnd type="none" w="med" len="med"/>
+                      <a:tailEnd type="none" w="med" len="med"/>
+                    </a:lnT>
+                    <a:lnB w="12700" cap="flat" cmpd="sng" algn="ctr">
+                      <a:solidFill>
+                        <a:schemeClr val="tx1"/>
+                      </a:solidFill>
+                      <a:prstDash val="solid"/>
+                      <a:round/>
+                      <a:headEnd type="none" w="med" len="med"/>
+                      <a:tailEnd type="none" w="med" len="med"/>
+                    </a:lnB>
+                  </a:tcPr>
+                </a:tc>
+                <a:tc>
+                  <a:txBody>
+                    <a:bodyPr/>
+                    <a:lstStyle/>
+                    <a:p>
+                      <a:pPr marL="243450" indent="-171450" algn="l" defTabSz="914400" rtl="0" eaLnBrk="1" fontAlgn="b" latinLnBrk="0" hangingPunct="1">
+                        <a:spcAft>
+                          <a:spcPts val="200"/>
+                        </a:spcAft>
+                        <a:buFont typeface="Arial" panose="020B0604020202020204" pitchFamily="34" charset="0"/>
+                        <a:buChar char="•"/>
+                      </a:pPr>
+                      <a:r>
+                        <a:rPr lang="en-GB" sz="550" u="none" strike="noStrike" kern="1200" dirty="0">
+                          <a:solidFill>
+                            <a:sysClr val="windowText" lastClr="000000"/>
+                          </a:solidFill>
+                          <a:effectLst/>
+                          <a:latin typeface="Arial" panose="020B0604020202020204" pitchFamily="34" charset="0"/>
+                          <a:cs typeface="Arial" panose="020B0604020202020204" pitchFamily="34" charset="0"/>
+                        </a:rPr>
+                        <a:t>Provides guidance, coaching, and support to cross-functional teams, empowering them to embrace Agile practices.</a:t>
+                      </a:r>
+                    </a:p>
+                    <a:p>
+                      <a:pPr marL="243450" indent="-171450" algn="l" defTabSz="914400" rtl="0" eaLnBrk="1" fontAlgn="b" latinLnBrk="0" hangingPunct="1">
+                        <a:spcAft>
+                          <a:spcPts val="200"/>
+                        </a:spcAft>
+                        <a:buFont typeface="Arial" panose="020B0604020202020204" pitchFamily="34" charset="0"/>
+                        <a:buChar char="•"/>
+                      </a:pPr>
+                      <a:r>
+                        <a:rPr lang="en-GB" sz="550" u="none" strike="noStrike" kern="1200" dirty="0">
+                          <a:solidFill>
+                            <a:sysClr val="windowText" lastClr="000000"/>
+                          </a:solidFill>
+                          <a:effectLst/>
+                          <a:latin typeface="Arial" panose="020B0604020202020204" pitchFamily="34" charset="0"/>
+                          <a:cs typeface="Arial" panose="020B0604020202020204" pitchFamily="34" charset="0"/>
+                        </a:rPr>
+                        <a:t>Leads Agile transformation initiatives, driving continuous improvement and fostering a culture of collaboration.</a:t>
+                      </a:r>
+                      <a:endParaRPr lang="en-GB" sz="550" u="none" strike="noStrike" kern="1200" dirty="0">
+                        <a:solidFill>
+                          <a:sysClr val="windowText" lastClr="000000"/>
+                        </a:solidFill>
+                        <a:effectLst/>
+                        <a:latin typeface="Arial" panose="020B0604020202020204" pitchFamily="34" charset="0"/>
+                        <a:ea typeface="+mn-ea"/>
+                        <a:cs typeface="Arial" panose="020B0604020202020204" pitchFamily="34" charset="0"/>
+                      </a:endParaRPr>
+                    </a:p>
+                  </a:txBody>
+                  <a:tcPr marL="866" marR="866" marT="866" marB="0" anchor="ctr">
+                    <a:lnL w="12700" cap="flat" cmpd="sng" algn="ctr">
+                      <a:solidFill>
+                        <a:schemeClr val="tx1"/>
+                      </a:solidFill>
+                      <a:prstDash val="solid"/>
+                      <a:round/>
+                      <a:headEnd type="none" w="med" len="med"/>
+                      <a:tailEnd type="none" w="med" len="med"/>
+                    </a:lnL>
+                    <a:lnR w="12700" cap="flat" cmpd="sng" algn="ctr">
+                      <a:solidFill>
+                        <a:schemeClr val="tx1"/>
+                      </a:solidFill>
+                      <a:prstDash val="solid"/>
+                      <a:round/>
+                      <a:headEnd type="none" w="med" len="med"/>
+                      <a:tailEnd type="none" w="med" len="med"/>
+                    </a:lnR>
+                    <a:lnT w="12700" cap="flat" cmpd="sng" algn="ctr">
+                      <a:solidFill>
+                        <a:schemeClr val="tx1"/>
+                      </a:solidFill>
+                      <a:prstDash val="solid"/>
+                      <a:round/>
+                      <a:headEnd type="none" w="med" len="med"/>
+                      <a:tailEnd type="none" w="med" len="med"/>
+                    </a:lnT>
+                    <a:lnB w="12700" cap="flat" cmpd="sng" algn="ctr">
+                      <a:solidFill>
+                        <a:schemeClr val="tx1"/>
+                      </a:solidFill>
+                      <a:prstDash val="solid"/>
+                      <a:round/>
+                      <a:headEnd type="none" w="med" len="med"/>
+                      <a:tailEnd type="none" w="med" len="med"/>
+                    </a:lnB>
+                  </a:tcPr>
+                </a:tc>
+                <a:tc>
+                  <a:txBody>
+                    <a:bodyPr/>
+                    <a:lstStyle/>
+                    <a:p>
+                      <a:pPr marL="243450" indent="-171450" algn="l" defTabSz="914400" rtl="0" eaLnBrk="1" fontAlgn="b" latinLnBrk="0" hangingPunct="1">
+                        <a:spcAft>
+                          <a:spcPts val="200"/>
+                        </a:spcAft>
+                        <a:buFont typeface="Arial" panose="020B0604020202020204" pitchFamily="34" charset="0"/>
+                        <a:buChar char="•"/>
+                      </a:pPr>
+                      <a:r>
+                        <a:rPr lang="en-GB" sz="550" u="none" strike="noStrike" kern="1200" dirty="0">
+                          <a:solidFill>
+                            <a:sysClr val="windowText" lastClr="000000"/>
+                          </a:solidFill>
+                          <a:effectLst/>
+                          <a:latin typeface="Arial" panose="020B0604020202020204" pitchFamily="34" charset="0"/>
+                          <a:cs typeface="Arial" panose="020B0604020202020204" pitchFamily="34" charset="0"/>
+                        </a:rPr>
+                        <a:t>Provides expert guidance, coaching, and leadership in   the adoption and implementation of Agile methods.</a:t>
+                      </a:r>
+                    </a:p>
+                    <a:p>
+                      <a:pPr marL="243450" indent="-171450" algn="l" defTabSz="914400" rtl="0" eaLnBrk="1" fontAlgn="b" latinLnBrk="0" hangingPunct="1">
+                        <a:spcAft>
+                          <a:spcPts val="200"/>
+                        </a:spcAft>
+                        <a:buFont typeface="Arial" panose="020B0604020202020204" pitchFamily="34" charset="0"/>
+                        <a:buChar char="•"/>
+                      </a:pPr>
+                      <a:r>
+                        <a:rPr lang="en-GB" sz="550" u="none" strike="noStrike" kern="1200" dirty="0">
+                          <a:solidFill>
+                            <a:sysClr val="windowText" lastClr="000000"/>
+                          </a:solidFill>
+                          <a:effectLst/>
+                          <a:latin typeface="Arial" panose="020B0604020202020204" pitchFamily="34" charset="0"/>
+                          <a:cs typeface="Arial" panose="020B0604020202020204" pitchFamily="34" charset="0"/>
+                        </a:rPr>
+                        <a:t>Mentors and coaches other Agile Delivery Leads, sharing knowledge and expertise to enhance their skills.</a:t>
+                      </a:r>
+                      <a:endParaRPr lang="en-GB" sz="550" u="none" strike="noStrike" kern="1200" dirty="0">
+                        <a:solidFill>
+                          <a:sysClr val="windowText" lastClr="000000"/>
+                        </a:solidFill>
+                        <a:effectLst/>
+                        <a:latin typeface="Arial" panose="020B0604020202020204" pitchFamily="34" charset="0"/>
+                        <a:ea typeface="+mn-ea"/>
                         <a:cs typeface="Arial" panose="020B0604020202020204" pitchFamily="34" charset="0"/>
                       </a:endParaRPr>
                     </a:p>
@@ -11301,378 +11910,6 @@
                     </a:lnB>
                   </a:tcPr>
                 </a:tc>
-                <a:tc>
-                  <a:txBody>
-                    <a:bodyPr/>
-                    <a:lstStyle/>
-                    <a:p>
-                      <a:pPr marL="243450" indent="-171450" algn="l" defTabSz="914400" rtl="0" eaLnBrk="1" fontAlgn="b" latinLnBrk="0" hangingPunct="1">
-                        <a:spcAft>
-                          <a:spcPts val="200"/>
-                        </a:spcAft>
-                        <a:buFont typeface="Arial" panose="020B0604020202020204" pitchFamily="34" charset="0"/>
-                        <a:buChar char="•"/>
-                      </a:pPr>
-                      <a:r>
-                        <a:rPr lang="en-GB" sz="550" u="none" strike="noStrike" kern="1200" dirty="0">
-                          <a:solidFill>
-                            <a:sysClr val="windowText" lastClr="000000"/>
-                          </a:solidFill>
-                          <a:effectLst/>
-                          <a:latin typeface="Arial" panose="020B0604020202020204" pitchFamily="34" charset="0"/>
-                          <a:cs typeface="Arial" panose="020B0604020202020204" pitchFamily="34" charset="0"/>
-                        </a:rPr>
-                        <a:t>Provides expert guidance, coaching, and leadership in   the adoption and implementation of Agile methods.</a:t>
-                      </a:r>
-                    </a:p>
-                    <a:p>
-                      <a:pPr marL="243450" indent="-171450" algn="l" defTabSz="914400" rtl="0" eaLnBrk="1" fontAlgn="b" latinLnBrk="0" hangingPunct="1">
-                        <a:spcAft>
-                          <a:spcPts val="200"/>
-                        </a:spcAft>
-                        <a:buFont typeface="Arial" panose="020B0604020202020204" pitchFamily="34" charset="0"/>
-                        <a:buChar char="•"/>
-                      </a:pPr>
-                      <a:r>
-                        <a:rPr lang="en-GB" sz="550" u="none" strike="noStrike" kern="1200" dirty="0">
-                          <a:solidFill>
-                            <a:sysClr val="windowText" lastClr="000000"/>
-                          </a:solidFill>
-                          <a:effectLst/>
-                          <a:latin typeface="Arial" panose="020B0604020202020204" pitchFamily="34" charset="0"/>
-                          <a:cs typeface="Arial" panose="020B0604020202020204" pitchFamily="34" charset="0"/>
-                        </a:rPr>
-                        <a:t>Mentors and coaches other Agile Delivery Leads, sharing knowledge and expertise to enhance their skills.</a:t>
-                      </a:r>
-                      <a:endParaRPr lang="en-GB" sz="550" u="none" strike="noStrike" kern="1200" dirty="0">
-                        <a:solidFill>
-                          <a:sysClr val="windowText" lastClr="000000"/>
-                        </a:solidFill>
-                        <a:effectLst/>
-                        <a:latin typeface="Arial" panose="020B0604020202020204" pitchFamily="34" charset="0"/>
-                        <a:ea typeface="+mn-ea"/>
-                        <a:cs typeface="Arial" panose="020B0604020202020204" pitchFamily="34" charset="0"/>
-                      </a:endParaRPr>
-                    </a:p>
-                  </a:txBody>
-                  <a:tcPr marL="866" marR="866" marT="866" marB="0" anchor="ctr">
-                    <a:lnL w="12700" cap="flat" cmpd="sng" algn="ctr">
-                      <a:solidFill>
-                        <a:schemeClr val="tx1"/>
-                      </a:solidFill>
-                      <a:prstDash val="solid"/>
-                      <a:round/>
-                      <a:headEnd type="none" w="med" len="med"/>
-                      <a:tailEnd type="none" w="med" len="med"/>
-                    </a:lnL>
-                    <a:lnR w="12700" cap="flat" cmpd="sng" algn="ctr">
-                      <a:solidFill>
-                        <a:schemeClr val="tx1"/>
-                      </a:solidFill>
-                      <a:prstDash val="solid"/>
-                      <a:round/>
-                      <a:headEnd type="none" w="med" len="med"/>
-                      <a:tailEnd type="none" w="med" len="med"/>
-                    </a:lnR>
-                    <a:lnT w="12700" cap="flat" cmpd="sng" algn="ctr">
-                      <a:solidFill>
-                        <a:schemeClr val="tx1"/>
-                      </a:solidFill>
-                      <a:prstDash val="solid"/>
-                      <a:round/>
-                      <a:headEnd type="none" w="med" len="med"/>
-                      <a:tailEnd type="none" w="med" len="med"/>
-                    </a:lnT>
-                    <a:lnB w="12700" cap="flat" cmpd="sng" algn="ctr">
-                      <a:solidFill>
-                        <a:schemeClr val="tx1"/>
-                      </a:solidFill>
-                      <a:prstDash val="solid"/>
-                      <a:round/>
-                      <a:headEnd type="none" w="med" len="med"/>
-                      <a:tailEnd type="none" w="med" len="med"/>
-                    </a:lnB>
-                  </a:tcPr>
-                </a:tc>
-                <a:tc>
-                  <a:txBody>
-                    <a:bodyPr/>
-                    <a:lstStyle/>
-                    <a:p>
-                      <a:pPr marL="243450" indent="-171450" algn="l" defTabSz="914400" rtl="0" eaLnBrk="1" fontAlgn="b" latinLnBrk="0" hangingPunct="1">
-                        <a:spcAft>
-                          <a:spcPts val="200"/>
-                        </a:spcAft>
-                        <a:buFont typeface="Arial" panose="020B0604020202020204" pitchFamily="34" charset="0"/>
-                        <a:buChar char="•"/>
-                      </a:pPr>
-                      <a:r>
-                        <a:rPr lang="en-GB" sz="550" u="none" strike="noStrike" kern="1200" dirty="0">
-                          <a:solidFill>
-                            <a:sysClr val="windowText" lastClr="000000"/>
-                          </a:solidFill>
-                          <a:effectLst/>
-                          <a:latin typeface="Arial" panose="020B0604020202020204" pitchFamily="34" charset="0"/>
-                          <a:cs typeface="Arial" panose="020B0604020202020204" pitchFamily="34" charset="0"/>
-                        </a:rPr>
-                        <a:t>Provides guidance, coaching, and support to cross-functional teams, empowering them to embrace Agile practices.</a:t>
-                      </a:r>
-                    </a:p>
-                    <a:p>
-                      <a:pPr marL="243450" indent="-171450" algn="l" defTabSz="914400" rtl="0" eaLnBrk="1" fontAlgn="b" latinLnBrk="0" hangingPunct="1">
-                        <a:spcAft>
-                          <a:spcPts val="200"/>
-                        </a:spcAft>
-                        <a:buFont typeface="Arial" panose="020B0604020202020204" pitchFamily="34" charset="0"/>
-                        <a:buChar char="•"/>
-                      </a:pPr>
-                      <a:r>
-                        <a:rPr lang="en-GB" sz="550" u="none" strike="noStrike" kern="1200" dirty="0">
-                          <a:solidFill>
-                            <a:sysClr val="windowText" lastClr="000000"/>
-                          </a:solidFill>
-                          <a:effectLst/>
-                          <a:latin typeface="Arial" panose="020B0604020202020204" pitchFamily="34" charset="0"/>
-                          <a:cs typeface="Arial" panose="020B0604020202020204" pitchFamily="34" charset="0"/>
-                        </a:rPr>
-                        <a:t>Leads Agile transformation initiatives, driving continuous improvement and fostering a culture of collaboration.</a:t>
-                      </a:r>
-                      <a:endParaRPr lang="en-GB" sz="550" u="none" strike="noStrike" kern="1200" dirty="0">
-                        <a:solidFill>
-                          <a:sysClr val="windowText" lastClr="000000"/>
-                        </a:solidFill>
-                        <a:effectLst/>
-                        <a:latin typeface="Arial" panose="020B0604020202020204" pitchFamily="34" charset="0"/>
-                        <a:ea typeface="+mn-ea"/>
-                        <a:cs typeface="Arial" panose="020B0604020202020204" pitchFamily="34" charset="0"/>
-                      </a:endParaRPr>
-                    </a:p>
-                  </a:txBody>
-                  <a:tcPr marL="866" marR="866" marT="866" marB="0" anchor="ctr">
-                    <a:lnL w="12700" cap="flat" cmpd="sng" algn="ctr">
-                      <a:solidFill>
-                        <a:schemeClr val="tx1"/>
-                      </a:solidFill>
-                      <a:prstDash val="solid"/>
-                      <a:round/>
-                      <a:headEnd type="none" w="med" len="med"/>
-                      <a:tailEnd type="none" w="med" len="med"/>
-                    </a:lnL>
-                    <a:lnR w="12700" cap="flat" cmpd="sng" algn="ctr">
-                      <a:solidFill>
-                        <a:schemeClr val="tx1"/>
-                      </a:solidFill>
-                      <a:prstDash val="solid"/>
-                      <a:round/>
-                      <a:headEnd type="none" w="med" len="med"/>
-                      <a:tailEnd type="none" w="med" len="med"/>
-                    </a:lnR>
-                    <a:lnT w="12700" cap="flat" cmpd="sng" algn="ctr">
-                      <a:solidFill>
-                        <a:schemeClr val="tx1"/>
-                      </a:solidFill>
-                      <a:prstDash val="solid"/>
-                      <a:round/>
-                      <a:headEnd type="none" w="med" len="med"/>
-                      <a:tailEnd type="none" w="med" len="med"/>
-                    </a:lnT>
-                    <a:lnB w="12700" cap="flat" cmpd="sng" algn="ctr">
-                      <a:solidFill>
-                        <a:schemeClr val="tx1"/>
-                      </a:solidFill>
-                      <a:prstDash val="solid"/>
-                      <a:round/>
-                      <a:headEnd type="none" w="med" len="med"/>
-                      <a:tailEnd type="none" w="med" len="med"/>
-                    </a:lnB>
-                  </a:tcPr>
-                </a:tc>
-                <a:tc>
-                  <a:txBody>
-                    <a:bodyPr/>
-                    <a:lstStyle/>
-                    <a:p>
-                      <a:pPr marL="243450" indent="-171450" algn="l" defTabSz="914400" rtl="0" eaLnBrk="1" fontAlgn="b" latinLnBrk="0" hangingPunct="1">
-                        <a:spcAft>
-                          <a:spcPts val="200"/>
-                        </a:spcAft>
-                        <a:buFont typeface="Arial" panose="020B0604020202020204" pitchFamily="34" charset="0"/>
-                        <a:buChar char="•"/>
-                      </a:pPr>
-                      <a:r>
-                        <a:rPr lang="en-GB" sz="550" u="none" strike="noStrike" kern="1200" dirty="0">
-                          <a:solidFill>
-                            <a:sysClr val="windowText" lastClr="000000"/>
-                          </a:solidFill>
-                          <a:effectLst/>
-                          <a:latin typeface="Arial" panose="020B0604020202020204" pitchFamily="34" charset="0"/>
-                          <a:cs typeface="Arial" panose="020B0604020202020204" pitchFamily="34" charset="0"/>
-                        </a:rPr>
-                        <a:t>Coaches and mentors team members on Agile principles and practices.</a:t>
-                      </a:r>
-                    </a:p>
-                    <a:p>
-                      <a:pPr marL="243450" indent="-171450" algn="l" defTabSz="914400" rtl="0" eaLnBrk="1" fontAlgn="b" latinLnBrk="0" hangingPunct="1">
-                        <a:spcAft>
-                          <a:spcPts val="200"/>
-                        </a:spcAft>
-                        <a:buFont typeface="Arial" panose="020B0604020202020204" pitchFamily="34" charset="0"/>
-                        <a:buChar char="•"/>
-                      </a:pPr>
-                      <a:r>
-                        <a:rPr lang="en-GB" sz="550" u="none" strike="noStrike" kern="1200" dirty="0">
-                          <a:solidFill>
-                            <a:sysClr val="windowText" lastClr="000000"/>
-                          </a:solidFill>
-                          <a:effectLst/>
-                          <a:latin typeface="Arial" panose="020B0604020202020204" pitchFamily="34" charset="0"/>
-                          <a:cs typeface="Arial" panose="020B0604020202020204" pitchFamily="34" charset="0"/>
-                        </a:rPr>
-                        <a:t>Guides the team in implementing Agile methods and removing obstacles.</a:t>
-                      </a:r>
-                      <a:endParaRPr lang="en-GB" sz="550" u="none" strike="noStrike" kern="1200" dirty="0">
-                        <a:solidFill>
-                          <a:sysClr val="windowText" lastClr="000000"/>
-                        </a:solidFill>
-                        <a:effectLst/>
-                        <a:latin typeface="Arial" panose="020B0604020202020204" pitchFamily="34" charset="0"/>
-                        <a:ea typeface="+mn-ea"/>
-                        <a:cs typeface="Arial" panose="020B0604020202020204" pitchFamily="34" charset="0"/>
-                      </a:endParaRPr>
-                    </a:p>
-                  </a:txBody>
-                  <a:tcPr marL="866" marR="866" marT="866" marB="0" anchor="ctr">
-                    <a:lnL w="12700" cap="flat" cmpd="sng" algn="ctr">
-                      <a:solidFill>
-                        <a:schemeClr val="tx1"/>
-                      </a:solidFill>
-                      <a:prstDash val="solid"/>
-                      <a:round/>
-                      <a:headEnd type="none" w="med" len="med"/>
-                      <a:tailEnd type="none" w="med" len="med"/>
-                    </a:lnL>
-                    <a:lnR w="12700" cap="flat" cmpd="sng" algn="ctr">
-                      <a:solidFill>
-                        <a:schemeClr val="tx1"/>
-                      </a:solidFill>
-                      <a:prstDash val="solid"/>
-                      <a:round/>
-                      <a:headEnd type="none" w="med" len="med"/>
-                      <a:tailEnd type="none" w="med" len="med"/>
-                    </a:lnR>
-                    <a:lnT w="12700" cap="flat" cmpd="sng" algn="ctr">
-                      <a:solidFill>
-                        <a:schemeClr val="tx1"/>
-                      </a:solidFill>
-                      <a:prstDash val="solid"/>
-                      <a:round/>
-                      <a:headEnd type="none" w="med" len="med"/>
-                      <a:tailEnd type="none" w="med" len="med"/>
-                    </a:lnT>
-                    <a:lnB w="12700" cap="flat" cmpd="sng" algn="ctr">
-                      <a:solidFill>
-                        <a:schemeClr val="tx1"/>
-                      </a:solidFill>
-                      <a:prstDash val="solid"/>
-                      <a:round/>
-                      <a:headEnd type="none" w="med" len="med"/>
-                      <a:tailEnd type="none" w="med" len="med"/>
-                    </a:lnB>
-                  </a:tcPr>
-                </a:tc>
-                <a:tc>
-                  <a:txBody>
-                    <a:bodyPr/>
-                    <a:lstStyle/>
-                    <a:p>
-                      <a:pPr marL="243450" indent="-171450" algn="l" defTabSz="914400" rtl="0" eaLnBrk="1" fontAlgn="b" latinLnBrk="0" hangingPunct="1">
-                        <a:spcAft>
-                          <a:spcPts val="200"/>
-                        </a:spcAft>
-                        <a:buFont typeface="Arial" panose="020B0604020202020204" pitchFamily="34" charset="0"/>
-                        <a:buChar char="•"/>
-                      </a:pPr>
-                      <a:r>
-                        <a:rPr lang="en-GB" sz="550" u="none" strike="noStrike" kern="1200" dirty="0">
-                          <a:solidFill>
-                            <a:sysClr val="windowText" lastClr="000000"/>
-                          </a:solidFill>
-                          <a:effectLst/>
-                          <a:latin typeface="Arial" panose="020B0604020202020204" pitchFamily="34" charset="0"/>
-                          <a:cs typeface="Arial" panose="020B0604020202020204" pitchFamily="34" charset="0"/>
-                        </a:rPr>
-                        <a:t>Takes part in training and learning opportunities related   to Agile principles and methods.</a:t>
-                      </a:r>
-                    </a:p>
-                    <a:p>
-                      <a:pPr marL="243450" indent="-171450" algn="l" defTabSz="914400" rtl="0" eaLnBrk="1" fontAlgn="b" latinLnBrk="0" hangingPunct="1">
-                        <a:spcAft>
-                          <a:spcPts val="200"/>
-                        </a:spcAft>
-                        <a:buFont typeface="Arial" panose="020B0604020202020204" pitchFamily="34" charset="0"/>
-                        <a:buChar char="•"/>
-                      </a:pPr>
-                      <a:r>
-                        <a:rPr lang="en-GB" sz="550" u="none" strike="noStrike" kern="1200" dirty="0">
-                          <a:solidFill>
-                            <a:sysClr val="windowText" lastClr="000000"/>
-                          </a:solidFill>
-                          <a:effectLst/>
-                          <a:latin typeface="Arial" panose="020B0604020202020204" pitchFamily="34" charset="0"/>
-                          <a:cs typeface="Arial" panose="020B0604020202020204" pitchFamily="34" charset="0"/>
-                        </a:rPr>
-                        <a:t>Seeks mentorship from Senior Agile Delivery Leads to enhance understanding and proficiency in Agile Delivery.</a:t>
-                      </a:r>
-                      <a:endParaRPr lang="en-GB" sz="550" u="none" strike="noStrike" kern="1200" dirty="0">
-                        <a:solidFill>
-                          <a:sysClr val="windowText" lastClr="000000"/>
-                        </a:solidFill>
-                        <a:effectLst/>
-                        <a:latin typeface="Arial" panose="020B0604020202020204" pitchFamily="34" charset="0"/>
-                        <a:ea typeface="+mn-ea"/>
-                        <a:cs typeface="Arial" panose="020B0604020202020204" pitchFamily="34" charset="0"/>
-                      </a:endParaRPr>
-                    </a:p>
-                  </a:txBody>
-                  <a:tcPr marL="866" marR="866" marT="866" marB="0" anchor="ctr">
-                    <a:lnL w="12700" cap="flat" cmpd="sng" algn="ctr">
-                      <a:solidFill>
-                        <a:schemeClr val="tx1"/>
-                      </a:solidFill>
-                      <a:prstDash val="solid"/>
-                      <a:round/>
-                      <a:headEnd type="none" w="med" len="med"/>
-                      <a:tailEnd type="none" w="med" len="med"/>
-                    </a:lnL>
-                    <a:lnR w="12700" cap="flat" cmpd="sng" algn="ctr">
-                      <a:solidFill>
-                        <a:schemeClr val="tx1"/>
-                      </a:solidFill>
-                      <a:prstDash val="solid"/>
-                      <a:round/>
-                      <a:headEnd type="none" w="med" len="med"/>
-                      <a:tailEnd type="none" w="med" len="med"/>
-                    </a:lnR>
-                    <a:lnT w="12700" cap="flat" cmpd="sng" algn="ctr">
-                      <a:solidFill>
-                        <a:schemeClr val="tx1"/>
-                      </a:solidFill>
-                      <a:prstDash val="solid"/>
-                      <a:round/>
-                      <a:headEnd type="none" w="med" len="med"/>
-                      <a:tailEnd type="none" w="med" len="med"/>
-                    </a:lnT>
-                    <a:lnB w="12700" cap="flat" cmpd="sng" algn="ctr">
-                      <a:solidFill>
-                        <a:schemeClr val="tx1"/>
-                      </a:solidFill>
-                      <a:prstDash val="solid"/>
-                      <a:round/>
-                      <a:headEnd type="none" w="med" len="med"/>
-                      <a:tailEnd type="none" w="med" len="med"/>
-                    </a:lnB>
-                  </a:tcPr>
-                </a:tc>
                 <a:extLst>
                   <a:ext uri="{0D108BD9-81ED-4DB2-BD59-A6C34878D82A}">
                     <a16:rowId xmlns:a16="http://schemas.microsoft.com/office/drawing/2014/main" val="2527711513"/>
@@ -11784,7 +12021,7 @@
                           <a:latin typeface="Arial" panose="020B0604020202020204" pitchFamily="34" charset="0"/>
                           <a:cs typeface="Arial" panose="020B0604020202020204" pitchFamily="34" charset="0"/>
                         </a:rPr>
-                        <a:t>Facilitates collaboration and knowledge transfer among team members and stakeholders, fostering a   collaborative environment.</a:t>
+                        <a:t>Assists in organizing and coordinating Agile activities within the development team, contributing to a culture of collaboration and teamwork.</a:t>
                       </a:r>
                     </a:p>
                     <a:p>
@@ -11804,7 +12041,195 @@
                           <a:latin typeface="Arial" panose="020B0604020202020204" pitchFamily="34" charset="0"/>
                           <a:cs typeface="Arial" panose="020B0604020202020204" pitchFamily="34" charset="0"/>
                         </a:rPr>
-                        <a:t>Organizes and facilitates workshops and knowledge-sharing sessions on Agile-related topics to promote continuous improvement.</a:t>
+                        <a:t>Facilitates Agile events and contributes to maintaining effective communication channels within the team.</a:t>
+                      </a:r>
+                      <a:endParaRPr lang="en-GB" sz="550" u="none" strike="noStrike" kern="1200" dirty="0">
+                        <a:solidFill>
+                          <a:sysClr val="windowText" lastClr="000000"/>
+                        </a:solidFill>
+                        <a:effectLst/>
+                        <a:latin typeface="Arial" panose="020B0604020202020204" pitchFamily="34" charset="0"/>
+                        <a:ea typeface="+mn-ea"/>
+                        <a:cs typeface="Arial" panose="020B0604020202020204" pitchFamily="34" charset="0"/>
+                      </a:endParaRPr>
+                    </a:p>
+                  </a:txBody>
+                  <a:tcPr marL="866" marR="866" marT="866" marB="0" anchor="ctr">
+                    <a:lnL w="12700" cap="flat" cmpd="sng" algn="ctr">
+                      <a:solidFill>
+                        <a:schemeClr val="tx1"/>
+                      </a:solidFill>
+                      <a:prstDash val="solid"/>
+                      <a:round/>
+                      <a:headEnd type="none" w="med" len="med"/>
+                      <a:tailEnd type="none" w="med" len="med"/>
+                    </a:lnL>
+                    <a:lnR w="12700" cap="flat" cmpd="sng" algn="ctr">
+                      <a:solidFill>
+                        <a:schemeClr val="tx1"/>
+                      </a:solidFill>
+                      <a:prstDash val="solid"/>
+                      <a:round/>
+                      <a:headEnd type="none" w="med" len="med"/>
+                      <a:tailEnd type="none" w="med" len="med"/>
+                    </a:lnR>
+                    <a:lnT w="12700" cap="flat" cmpd="sng" algn="ctr">
+                      <a:solidFill>
+                        <a:schemeClr val="tx1"/>
+                      </a:solidFill>
+                      <a:prstDash val="solid"/>
+                      <a:round/>
+                      <a:headEnd type="none" w="med" len="med"/>
+                      <a:tailEnd type="none" w="med" len="med"/>
+                    </a:lnT>
+                    <a:lnB w="12700" cap="flat" cmpd="sng" algn="ctr">
+                      <a:solidFill>
+                        <a:schemeClr val="tx1"/>
+                      </a:solidFill>
+                      <a:prstDash val="solid"/>
+                      <a:round/>
+                      <a:headEnd type="none" w="med" len="med"/>
+                      <a:tailEnd type="none" w="med" len="med"/>
+                    </a:lnB>
+                    <a:noFill/>
+                  </a:tcPr>
+                </a:tc>
+                <a:tc>
+                  <a:txBody>
+                    <a:bodyPr/>
+                    <a:lstStyle/>
+                    <a:p>
+                      <a:pPr marL="243450" indent="-171450" algn="l" defTabSz="914400" rtl="0" eaLnBrk="1" fontAlgn="b" latinLnBrk="0" hangingPunct="1">
+                        <a:spcAft>
+                          <a:spcPts val="200"/>
+                        </a:spcAft>
+                        <a:buFont typeface="Arial" panose="020B0604020202020204" pitchFamily="34" charset="0"/>
+                        <a:buChar char="•"/>
+                      </a:pPr>
+                      <a:r>
+                        <a:rPr lang="en-GB" sz="550" u="none" strike="noStrike" kern="1200" dirty="0">
+                          <a:solidFill>
+                            <a:sysClr val="windowText" lastClr="000000"/>
+                          </a:solidFill>
+                          <a:effectLst/>
+                          <a:latin typeface="Arial" panose="020B0604020202020204" pitchFamily="34" charset="0"/>
+                          <a:cs typeface="Arial" panose="020B0604020202020204" pitchFamily="34" charset="0"/>
+                        </a:rPr>
+                        <a:t>Facilitates collaboration and communication within the development team, ensuring transparency and trust.</a:t>
+                      </a:r>
+                    </a:p>
+                    <a:p>
+                      <a:pPr marL="243450" indent="-171450" algn="l" defTabSz="914400" rtl="0" eaLnBrk="1" fontAlgn="b" latinLnBrk="0" hangingPunct="1">
+                        <a:spcAft>
+                          <a:spcPts val="200"/>
+                        </a:spcAft>
+                        <a:buFont typeface="Arial" panose="020B0604020202020204" pitchFamily="34" charset="0"/>
+                        <a:buChar char="•"/>
+                      </a:pPr>
+                      <a:r>
+                        <a:rPr lang="en-GB" sz="550" u="none" strike="noStrike" kern="1200" dirty="0">
+                          <a:solidFill>
+                            <a:sysClr val="windowText" lastClr="000000"/>
+                          </a:solidFill>
+                          <a:effectLst/>
+                          <a:latin typeface="Arial" panose="020B0604020202020204" pitchFamily="34" charset="0"/>
+                          <a:cs typeface="Arial" panose="020B0604020202020204" pitchFamily="34" charset="0"/>
+                        </a:rPr>
+                        <a:t>Leads Agile events like daily syncs, sprint planning, and retrospectives to promote effective collaboration.</a:t>
+                      </a:r>
+                      <a:endParaRPr lang="en-GB" sz="550" u="none" strike="noStrike" kern="1200" dirty="0">
+                        <a:solidFill>
+                          <a:sysClr val="windowText" lastClr="000000"/>
+                        </a:solidFill>
+                        <a:effectLst/>
+                        <a:latin typeface="Arial" panose="020B0604020202020204" pitchFamily="34" charset="0"/>
+                        <a:ea typeface="+mn-ea"/>
+                        <a:cs typeface="Arial" panose="020B0604020202020204" pitchFamily="34" charset="0"/>
+                      </a:endParaRPr>
+                    </a:p>
+                  </a:txBody>
+                  <a:tcPr marL="866" marR="866" marT="866" marB="0" anchor="ctr">
+                    <a:lnL w="12700" cap="flat" cmpd="sng" algn="ctr">
+                      <a:solidFill>
+                        <a:schemeClr val="tx1"/>
+                      </a:solidFill>
+                      <a:prstDash val="solid"/>
+                      <a:round/>
+                      <a:headEnd type="none" w="med" len="med"/>
+                      <a:tailEnd type="none" w="med" len="med"/>
+                    </a:lnL>
+                    <a:lnR w="12700" cap="flat" cmpd="sng" algn="ctr">
+                      <a:solidFill>
+                        <a:schemeClr val="tx1"/>
+                      </a:solidFill>
+                      <a:prstDash val="solid"/>
+                      <a:round/>
+                      <a:headEnd type="none" w="med" len="med"/>
+                      <a:tailEnd type="none" w="med" len="med"/>
+                    </a:lnR>
+                    <a:lnT w="12700" cap="flat" cmpd="sng" algn="ctr">
+                      <a:solidFill>
+                        <a:schemeClr val="tx1"/>
+                      </a:solidFill>
+                      <a:prstDash val="solid"/>
+                      <a:round/>
+                      <a:headEnd type="none" w="med" len="med"/>
+                      <a:tailEnd type="none" w="med" len="med"/>
+                    </a:lnT>
+                    <a:lnB w="12700" cap="flat" cmpd="sng" algn="ctr">
+                      <a:solidFill>
+                        <a:schemeClr val="tx1"/>
+                      </a:solidFill>
+                      <a:prstDash val="solid"/>
+                      <a:round/>
+                      <a:headEnd type="none" w="med" len="med"/>
+                      <a:tailEnd type="none" w="med" len="med"/>
+                    </a:lnB>
+                    <a:noFill/>
+                  </a:tcPr>
+                </a:tc>
+                <a:tc>
+                  <a:txBody>
+                    <a:bodyPr/>
+                    <a:lstStyle/>
+                    <a:p>
+                      <a:pPr marL="243450" indent="-171450" algn="l" defTabSz="914400" rtl="0" eaLnBrk="1" fontAlgn="b" latinLnBrk="0" hangingPunct="1">
+                        <a:spcAft>
+                          <a:spcPts val="200"/>
+                        </a:spcAft>
+                        <a:buFont typeface="Arial" panose="020B0604020202020204" pitchFamily="34" charset="0"/>
+                        <a:buChar char="•"/>
+                      </a:pPr>
+                      <a:r>
+                        <a:rPr lang="en-GB" sz="550" u="none" strike="noStrike" kern="1200" dirty="0">
+                          <a:solidFill>
+                            <a:sysClr val="windowText" lastClr="000000"/>
+                          </a:solidFill>
+                          <a:effectLst/>
+                          <a:latin typeface="Arial" panose="020B0604020202020204" pitchFamily="34" charset="0"/>
+                          <a:cs typeface="Arial" panose="020B0604020202020204" pitchFamily="34" charset="0"/>
+                        </a:rPr>
+                        <a:t>Facilitates effective communication and knowledge sharing among team members and stakeholders.</a:t>
+                      </a:r>
+                    </a:p>
+                    <a:p>
+                      <a:pPr marL="243450" indent="-171450" algn="l" defTabSz="914400" rtl="0" eaLnBrk="1" fontAlgn="b" latinLnBrk="0" hangingPunct="1">
+                        <a:spcAft>
+                          <a:spcPts val="200"/>
+                        </a:spcAft>
+                        <a:buFont typeface="Arial" panose="020B0604020202020204" pitchFamily="34" charset="0"/>
+                        <a:buChar char="•"/>
+                      </a:pPr>
+                      <a:r>
+                        <a:rPr lang="en-GB" sz="550" u="none" strike="noStrike" kern="1200" dirty="0">
+                          <a:solidFill>
+                            <a:sysClr val="windowText" lastClr="000000"/>
+                          </a:solidFill>
+                          <a:effectLst/>
+                          <a:latin typeface="Arial" panose="020B0604020202020204" pitchFamily="34" charset="0"/>
+                          <a:cs typeface="Arial" panose="020B0604020202020204" pitchFamily="34" charset="0"/>
+                        </a:rPr>
+                        <a:t>Creates an environment conducive to innovation and continuous learning through effective facilitation.</a:t>
                       </a:r>
                       <a:endParaRPr lang="en-GB" sz="550" u="none" strike="noStrike" kern="1200" dirty="0">
                         <a:solidFill>
@@ -11972,7 +12397,7 @@
                           <a:latin typeface="Arial" panose="020B0604020202020204" pitchFamily="34" charset="0"/>
                           <a:cs typeface="Arial" panose="020B0604020202020204" pitchFamily="34" charset="0"/>
                         </a:rPr>
-                        <a:t>Facilitates effective communication and knowledge sharing among team members and stakeholders.</a:t>
+                        <a:t>Facilitates collaboration and knowledge transfer among team members and stakeholders, fostering a   collaborative environment.</a:t>
                       </a:r>
                     </a:p>
                     <a:p>
@@ -11992,195 +12417,7 @@
                           <a:latin typeface="Arial" panose="020B0604020202020204" pitchFamily="34" charset="0"/>
                           <a:cs typeface="Arial" panose="020B0604020202020204" pitchFamily="34" charset="0"/>
                         </a:rPr>
-                        <a:t>Creates an environment conducive to innovation and continuous learning through effective facilitation.</a:t>
-                      </a:r>
-                      <a:endParaRPr lang="en-GB" sz="550" u="none" strike="noStrike" kern="1200" dirty="0">
-                        <a:solidFill>
-                          <a:sysClr val="windowText" lastClr="000000"/>
-                        </a:solidFill>
-                        <a:effectLst/>
-                        <a:latin typeface="Arial" panose="020B0604020202020204" pitchFamily="34" charset="0"/>
-                        <a:ea typeface="+mn-ea"/>
-                        <a:cs typeface="Arial" panose="020B0604020202020204" pitchFamily="34" charset="0"/>
-                      </a:endParaRPr>
-                    </a:p>
-                  </a:txBody>
-                  <a:tcPr marL="866" marR="866" marT="866" marB="0" anchor="ctr">
-                    <a:lnL w="12700" cap="flat" cmpd="sng" algn="ctr">
-                      <a:solidFill>
-                        <a:schemeClr val="tx1"/>
-                      </a:solidFill>
-                      <a:prstDash val="solid"/>
-                      <a:round/>
-                      <a:headEnd type="none" w="med" len="med"/>
-                      <a:tailEnd type="none" w="med" len="med"/>
-                    </a:lnL>
-                    <a:lnR w="12700" cap="flat" cmpd="sng" algn="ctr">
-                      <a:solidFill>
-                        <a:schemeClr val="tx1"/>
-                      </a:solidFill>
-                      <a:prstDash val="solid"/>
-                      <a:round/>
-                      <a:headEnd type="none" w="med" len="med"/>
-                      <a:tailEnd type="none" w="med" len="med"/>
-                    </a:lnR>
-                    <a:lnT w="12700" cap="flat" cmpd="sng" algn="ctr">
-                      <a:solidFill>
-                        <a:schemeClr val="tx1"/>
-                      </a:solidFill>
-                      <a:prstDash val="solid"/>
-                      <a:round/>
-                      <a:headEnd type="none" w="med" len="med"/>
-                      <a:tailEnd type="none" w="med" len="med"/>
-                    </a:lnT>
-                    <a:lnB w="12700" cap="flat" cmpd="sng" algn="ctr">
-                      <a:solidFill>
-                        <a:schemeClr val="tx1"/>
-                      </a:solidFill>
-                      <a:prstDash val="solid"/>
-                      <a:round/>
-                      <a:headEnd type="none" w="med" len="med"/>
-                      <a:tailEnd type="none" w="med" len="med"/>
-                    </a:lnB>
-                    <a:noFill/>
-                  </a:tcPr>
-                </a:tc>
-                <a:tc>
-                  <a:txBody>
-                    <a:bodyPr/>
-                    <a:lstStyle/>
-                    <a:p>
-                      <a:pPr marL="243450" indent="-171450" algn="l" defTabSz="914400" rtl="0" eaLnBrk="1" fontAlgn="b" latinLnBrk="0" hangingPunct="1">
-                        <a:spcAft>
-                          <a:spcPts val="200"/>
-                        </a:spcAft>
-                        <a:buFont typeface="Arial" panose="020B0604020202020204" pitchFamily="34" charset="0"/>
-                        <a:buChar char="•"/>
-                      </a:pPr>
-                      <a:r>
-                        <a:rPr lang="en-GB" sz="550" u="none" strike="noStrike" kern="1200" dirty="0">
-                          <a:solidFill>
-                            <a:sysClr val="windowText" lastClr="000000"/>
-                          </a:solidFill>
-                          <a:effectLst/>
-                          <a:latin typeface="Arial" panose="020B0604020202020204" pitchFamily="34" charset="0"/>
-                          <a:cs typeface="Arial" panose="020B0604020202020204" pitchFamily="34" charset="0"/>
-                        </a:rPr>
-                        <a:t>Facilitates collaboration and communication within the development team, ensuring transparency and trust.</a:t>
-                      </a:r>
-                    </a:p>
-                    <a:p>
-                      <a:pPr marL="243450" indent="-171450" algn="l" defTabSz="914400" rtl="0" eaLnBrk="1" fontAlgn="b" latinLnBrk="0" hangingPunct="1">
-                        <a:spcAft>
-                          <a:spcPts val="200"/>
-                        </a:spcAft>
-                        <a:buFont typeface="Arial" panose="020B0604020202020204" pitchFamily="34" charset="0"/>
-                        <a:buChar char="•"/>
-                      </a:pPr>
-                      <a:r>
-                        <a:rPr lang="en-GB" sz="550" u="none" strike="noStrike" kern="1200" dirty="0">
-                          <a:solidFill>
-                            <a:sysClr val="windowText" lastClr="000000"/>
-                          </a:solidFill>
-                          <a:effectLst/>
-                          <a:latin typeface="Arial" panose="020B0604020202020204" pitchFamily="34" charset="0"/>
-                          <a:cs typeface="Arial" panose="020B0604020202020204" pitchFamily="34" charset="0"/>
-                        </a:rPr>
-                        <a:t>Leads Agile events like daily syncs, sprint planning, and retrospectives to promote effective collaboration.</a:t>
-                      </a:r>
-                      <a:endParaRPr lang="en-GB" sz="550" u="none" strike="noStrike" kern="1200" dirty="0">
-                        <a:solidFill>
-                          <a:sysClr val="windowText" lastClr="000000"/>
-                        </a:solidFill>
-                        <a:effectLst/>
-                        <a:latin typeface="Arial" panose="020B0604020202020204" pitchFamily="34" charset="0"/>
-                        <a:ea typeface="+mn-ea"/>
-                        <a:cs typeface="Arial" panose="020B0604020202020204" pitchFamily="34" charset="0"/>
-                      </a:endParaRPr>
-                    </a:p>
-                  </a:txBody>
-                  <a:tcPr marL="866" marR="866" marT="866" marB="0" anchor="ctr">
-                    <a:lnL w="12700" cap="flat" cmpd="sng" algn="ctr">
-                      <a:solidFill>
-                        <a:schemeClr val="tx1"/>
-                      </a:solidFill>
-                      <a:prstDash val="solid"/>
-                      <a:round/>
-                      <a:headEnd type="none" w="med" len="med"/>
-                      <a:tailEnd type="none" w="med" len="med"/>
-                    </a:lnL>
-                    <a:lnR w="12700" cap="flat" cmpd="sng" algn="ctr">
-                      <a:solidFill>
-                        <a:schemeClr val="tx1"/>
-                      </a:solidFill>
-                      <a:prstDash val="solid"/>
-                      <a:round/>
-                      <a:headEnd type="none" w="med" len="med"/>
-                      <a:tailEnd type="none" w="med" len="med"/>
-                    </a:lnR>
-                    <a:lnT w="12700" cap="flat" cmpd="sng" algn="ctr">
-                      <a:solidFill>
-                        <a:schemeClr val="tx1"/>
-                      </a:solidFill>
-                      <a:prstDash val="solid"/>
-                      <a:round/>
-                      <a:headEnd type="none" w="med" len="med"/>
-                      <a:tailEnd type="none" w="med" len="med"/>
-                    </a:lnT>
-                    <a:lnB w="12700" cap="flat" cmpd="sng" algn="ctr">
-                      <a:solidFill>
-                        <a:schemeClr val="tx1"/>
-                      </a:solidFill>
-                      <a:prstDash val="solid"/>
-                      <a:round/>
-                      <a:headEnd type="none" w="med" len="med"/>
-                      <a:tailEnd type="none" w="med" len="med"/>
-                    </a:lnB>
-                    <a:noFill/>
-                  </a:tcPr>
-                </a:tc>
-                <a:tc>
-                  <a:txBody>
-                    <a:bodyPr/>
-                    <a:lstStyle/>
-                    <a:p>
-                      <a:pPr marL="243450" indent="-171450" algn="l" defTabSz="914400" rtl="0" eaLnBrk="1" fontAlgn="b" latinLnBrk="0" hangingPunct="1">
-                        <a:spcAft>
-                          <a:spcPts val="200"/>
-                        </a:spcAft>
-                        <a:buFont typeface="Arial" panose="020B0604020202020204" pitchFamily="34" charset="0"/>
-                        <a:buChar char="•"/>
-                      </a:pPr>
-                      <a:r>
-                        <a:rPr lang="en-GB" sz="550" u="none" strike="noStrike" kern="1200" dirty="0">
-                          <a:solidFill>
-                            <a:sysClr val="windowText" lastClr="000000"/>
-                          </a:solidFill>
-                          <a:effectLst/>
-                          <a:latin typeface="Arial" panose="020B0604020202020204" pitchFamily="34" charset="0"/>
-                          <a:cs typeface="Arial" panose="020B0604020202020204" pitchFamily="34" charset="0"/>
-                        </a:rPr>
-                        <a:t>Assists in organizing and coordinating Agile activities within the development team, contributing to a culture of collaboration and teamwork.</a:t>
-                      </a:r>
-                    </a:p>
-                    <a:p>
-                      <a:pPr marL="243450" indent="-171450" algn="l" defTabSz="914400" rtl="0" eaLnBrk="1" fontAlgn="b" latinLnBrk="0" hangingPunct="1">
-                        <a:spcAft>
-                          <a:spcPts val="200"/>
-                        </a:spcAft>
-                        <a:buFont typeface="Arial" panose="020B0604020202020204" pitchFamily="34" charset="0"/>
-                        <a:buChar char="•"/>
-                      </a:pPr>
-                      <a:r>
-                        <a:rPr lang="en-GB" sz="550" u="none" strike="noStrike" kern="1200" dirty="0">
-                          <a:solidFill>
-                            <a:sysClr val="windowText" lastClr="000000"/>
-                          </a:solidFill>
-                          <a:effectLst/>
-                          <a:latin typeface="Arial" panose="020B0604020202020204" pitchFamily="34" charset="0"/>
-                          <a:cs typeface="Arial" panose="020B0604020202020204" pitchFamily="34" charset="0"/>
-                        </a:rPr>
-                        <a:t>Facilitates Agile events and contributes to maintaining effective communication channels within the team.</a:t>
+                        <a:t>Organizes and facilitates workshops and knowledge-sharing sessions on Agile-related topics to promote continuous improvement.</a:t>
                       </a:r>
                       <a:endParaRPr lang="en-GB" sz="550" u="none" strike="noStrike" kern="1200" dirty="0">
                         <a:solidFill>
@@ -12280,6 +12517,358 @@
                         </a:solidFill>
                         <a:effectLst/>
                         <a:latin typeface="Arial" panose="020B0604020202020204" pitchFamily="34" charset="0"/>
+                        <a:cs typeface="Arial" panose="020B0604020202020204" pitchFamily="34" charset="0"/>
+                      </a:endParaRPr>
+                    </a:p>
+                  </a:txBody>
+                  <a:tcPr marL="866" marR="866" marT="866" marB="0" anchor="ctr">
+                    <a:lnL w="12700" cap="flat" cmpd="sng" algn="ctr">
+                      <a:solidFill>
+                        <a:schemeClr val="tx1"/>
+                      </a:solidFill>
+                      <a:prstDash val="solid"/>
+                      <a:round/>
+                      <a:headEnd type="none" w="med" len="med"/>
+                      <a:tailEnd type="none" w="med" len="med"/>
+                    </a:lnL>
+                    <a:lnR w="12700" cap="flat" cmpd="sng" algn="ctr">
+                      <a:solidFill>
+                        <a:schemeClr val="tx1"/>
+                      </a:solidFill>
+                      <a:prstDash val="solid"/>
+                      <a:round/>
+                      <a:headEnd type="none" w="med" len="med"/>
+                      <a:tailEnd type="none" w="med" len="med"/>
+                    </a:lnR>
+                    <a:lnT w="12700" cap="flat" cmpd="sng" algn="ctr">
+                      <a:solidFill>
+                        <a:schemeClr val="tx1"/>
+                      </a:solidFill>
+                      <a:prstDash val="solid"/>
+                      <a:round/>
+                      <a:headEnd type="none" w="med" len="med"/>
+                      <a:tailEnd type="none" w="med" len="med"/>
+                    </a:lnT>
+                    <a:lnB w="12700" cap="flat" cmpd="sng" algn="ctr">
+                      <a:solidFill>
+                        <a:schemeClr val="tx1"/>
+                      </a:solidFill>
+                      <a:prstDash val="solid"/>
+                      <a:round/>
+                      <a:headEnd type="none" w="med" len="med"/>
+                      <a:tailEnd type="none" w="med" len="med"/>
+                    </a:lnB>
+                  </a:tcPr>
+                </a:tc>
+                <a:tc>
+                  <a:txBody>
+                    <a:bodyPr/>
+                    <a:lstStyle/>
+                    <a:p>
+                      <a:pPr marL="243450" indent="-171450" algn="l" defTabSz="914400" rtl="0" eaLnBrk="1" fontAlgn="b" latinLnBrk="0" hangingPunct="1">
+                        <a:spcAft>
+                          <a:spcPts val="200"/>
+                        </a:spcAft>
+                        <a:buFont typeface="Arial" panose="020B0604020202020204" pitchFamily="34" charset="0"/>
+                        <a:buChar char="•"/>
+                      </a:pPr>
+                      <a:r>
+                        <a:rPr lang="en-GB" sz="550" u="none" strike="noStrike" kern="1200" dirty="0">
+                          <a:solidFill>
+                            <a:sysClr val="windowText" lastClr="000000"/>
+                          </a:solidFill>
+                          <a:effectLst/>
+                          <a:latin typeface="Arial" panose="020B0604020202020204" pitchFamily="34" charset="0"/>
+                          <a:cs typeface="Arial" panose="020B0604020202020204" pitchFamily="34" charset="0"/>
+                        </a:rPr>
+                        <a:t>Takes part in training and learning opportunities related to Agile principles and methods, seeking mentorship to enhance learning and proficiency.</a:t>
+                      </a:r>
+                      <a:endParaRPr lang="en-GB" sz="550" u="none" strike="noStrike" kern="1200" dirty="0">
+                        <a:solidFill>
+                          <a:sysClr val="windowText" lastClr="000000"/>
+                        </a:solidFill>
+                        <a:effectLst/>
+                        <a:latin typeface="Arial" panose="020B0604020202020204" pitchFamily="34" charset="0"/>
+                        <a:ea typeface="+mn-ea"/>
+                        <a:cs typeface="Arial" panose="020B0604020202020204" pitchFamily="34" charset="0"/>
+                      </a:endParaRPr>
+                    </a:p>
+                  </a:txBody>
+                  <a:tcPr marL="866" marR="866" marT="866" marB="0" anchor="ctr">
+                    <a:lnL w="12700" cap="flat" cmpd="sng" algn="ctr">
+                      <a:solidFill>
+                        <a:schemeClr val="tx1"/>
+                      </a:solidFill>
+                      <a:prstDash val="solid"/>
+                      <a:round/>
+                      <a:headEnd type="none" w="med" len="med"/>
+                      <a:tailEnd type="none" w="med" len="med"/>
+                    </a:lnL>
+                    <a:lnR w="12700" cap="flat" cmpd="sng" algn="ctr">
+                      <a:solidFill>
+                        <a:schemeClr val="tx1"/>
+                      </a:solidFill>
+                      <a:prstDash val="solid"/>
+                      <a:round/>
+                      <a:headEnd type="none" w="med" len="med"/>
+                      <a:tailEnd type="none" w="med" len="med"/>
+                    </a:lnR>
+                    <a:lnT w="12700" cap="flat" cmpd="sng" algn="ctr">
+                      <a:solidFill>
+                        <a:schemeClr val="tx1"/>
+                      </a:solidFill>
+                      <a:prstDash val="solid"/>
+                      <a:round/>
+                      <a:headEnd type="none" w="med" len="med"/>
+                      <a:tailEnd type="none" w="med" len="med"/>
+                    </a:lnT>
+                    <a:lnB w="12700" cap="flat" cmpd="sng" algn="ctr">
+                      <a:solidFill>
+                        <a:schemeClr val="tx1"/>
+                      </a:solidFill>
+                      <a:prstDash val="solid"/>
+                      <a:round/>
+                      <a:headEnd type="none" w="med" len="med"/>
+                      <a:tailEnd type="none" w="med" len="med"/>
+                    </a:lnB>
+                  </a:tcPr>
+                </a:tc>
+                <a:tc>
+                  <a:txBody>
+                    <a:bodyPr/>
+                    <a:lstStyle/>
+                    <a:p>
+                      <a:pPr marL="243450" indent="-171450" algn="l" defTabSz="914400" rtl="0" eaLnBrk="1" fontAlgn="b" latinLnBrk="0" hangingPunct="1">
+                        <a:spcAft>
+                          <a:spcPts val="200"/>
+                        </a:spcAft>
+                        <a:buFont typeface="Arial" panose="020B0604020202020204" pitchFamily="34" charset="0"/>
+                        <a:buChar char="•"/>
+                      </a:pPr>
+                      <a:r>
+                        <a:rPr lang="en-GB" sz="550" u="none" strike="noStrike" kern="1200" dirty="0">
+                          <a:solidFill>
+                            <a:sysClr val="windowText" lastClr="000000"/>
+                          </a:solidFill>
+                          <a:effectLst/>
+                          <a:latin typeface="Arial" panose="020B0604020202020204" pitchFamily="34" charset="0"/>
+                          <a:cs typeface="Arial" panose="020B0604020202020204" pitchFamily="34" charset="0"/>
+                        </a:rPr>
+                        <a:t>Guides team members in learning Agile principles and practices, enabling them to develop competency and resourcefulness.</a:t>
+                      </a:r>
+                    </a:p>
+                    <a:p>
+                      <a:pPr marL="243450" indent="-171450" algn="l" defTabSz="914400" rtl="0" eaLnBrk="1" fontAlgn="b" latinLnBrk="0" hangingPunct="1">
+                        <a:spcAft>
+                          <a:spcPts val="200"/>
+                        </a:spcAft>
+                        <a:buFont typeface="Arial" panose="020B0604020202020204" pitchFamily="34" charset="0"/>
+                        <a:buChar char="•"/>
+                      </a:pPr>
+                      <a:r>
+                        <a:rPr lang="en-GB" sz="550" u="none" strike="noStrike" kern="1200" dirty="0">
+                          <a:solidFill>
+                            <a:sysClr val="windowText" lastClr="000000"/>
+                          </a:solidFill>
+                          <a:effectLst/>
+                          <a:latin typeface="Arial" panose="020B0604020202020204" pitchFamily="34" charset="0"/>
+                          <a:cs typeface="Arial" panose="020B0604020202020204" pitchFamily="34" charset="0"/>
+                        </a:rPr>
+                        <a:t>Supports individual and team skill development, choosing effective learning methods to achieve learning objectives.</a:t>
+                      </a:r>
+                      <a:endParaRPr lang="en-GB" sz="550" u="none" strike="noStrike" kern="1200" dirty="0">
+                        <a:solidFill>
+                          <a:sysClr val="windowText" lastClr="000000"/>
+                        </a:solidFill>
+                        <a:effectLst/>
+                        <a:latin typeface="Arial" panose="020B0604020202020204" pitchFamily="34" charset="0"/>
+                        <a:ea typeface="+mn-ea"/>
+                        <a:cs typeface="Arial" panose="020B0604020202020204" pitchFamily="34" charset="0"/>
+                      </a:endParaRPr>
+                    </a:p>
+                  </a:txBody>
+                  <a:tcPr marL="866" marR="866" marT="866" marB="0" anchor="ctr">
+                    <a:lnL w="12700" cap="flat" cmpd="sng" algn="ctr">
+                      <a:solidFill>
+                        <a:schemeClr val="tx1"/>
+                      </a:solidFill>
+                      <a:prstDash val="solid"/>
+                      <a:round/>
+                      <a:headEnd type="none" w="med" len="med"/>
+                      <a:tailEnd type="none" w="med" len="med"/>
+                    </a:lnL>
+                    <a:lnR w="12700" cap="flat" cmpd="sng" algn="ctr">
+                      <a:solidFill>
+                        <a:schemeClr val="tx1"/>
+                      </a:solidFill>
+                      <a:prstDash val="solid"/>
+                      <a:round/>
+                      <a:headEnd type="none" w="med" len="med"/>
+                      <a:tailEnd type="none" w="med" len="med"/>
+                    </a:lnR>
+                    <a:lnT w="12700" cap="flat" cmpd="sng" algn="ctr">
+                      <a:solidFill>
+                        <a:schemeClr val="tx1"/>
+                      </a:solidFill>
+                      <a:prstDash val="solid"/>
+                      <a:round/>
+                      <a:headEnd type="none" w="med" len="med"/>
+                      <a:tailEnd type="none" w="med" len="med"/>
+                    </a:lnT>
+                    <a:lnB w="12700" cap="flat" cmpd="sng" algn="ctr">
+                      <a:solidFill>
+                        <a:schemeClr val="tx1"/>
+                      </a:solidFill>
+                      <a:prstDash val="solid"/>
+                      <a:round/>
+                      <a:headEnd type="none" w="med" len="med"/>
+                      <a:tailEnd type="none" w="med" len="med"/>
+                    </a:lnB>
+                  </a:tcPr>
+                </a:tc>
+                <a:tc>
+                  <a:txBody>
+                    <a:bodyPr/>
+                    <a:lstStyle/>
+                    <a:p>
+                      <a:pPr marL="243450" indent="-171450" algn="l" defTabSz="914400" rtl="0" eaLnBrk="1" fontAlgn="b" latinLnBrk="0" hangingPunct="1">
+                        <a:spcAft>
+                          <a:spcPts val="200"/>
+                        </a:spcAft>
+                        <a:buFont typeface="Arial" panose="020B0604020202020204" pitchFamily="34" charset="0"/>
+                        <a:buChar char="•"/>
+                      </a:pPr>
+                      <a:r>
+                        <a:rPr lang="en-GB" sz="550" u="none" strike="noStrike" kern="1200" dirty="0">
+                          <a:solidFill>
+                            <a:sysClr val="windowText" lastClr="000000"/>
+                          </a:solidFill>
+                          <a:effectLst/>
+                          <a:latin typeface="Arial" panose="020B0604020202020204" pitchFamily="34" charset="0"/>
+                          <a:cs typeface="Arial" panose="020B0604020202020204" pitchFamily="34" charset="0"/>
+                        </a:rPr>
+                        <a:t>Mentors and develops Agile practitioners within the organization, providing training and coaching in Agile practices and techniques.</a:t>
+                      </a:r>
+                    </a:p>
+                    <a:p>
+                      <a:pPr marL="243450" indent="-171450" algn="l" defTabSz="914400" rtl="0" eaLnBrk="1" fontAlgn="b" latinLnBrk="0" hangingPunct="1">
+                        <a:spcAft>
+                          <a:spcPts val="200"/>
+                        </a:spcAft>
+                        <a:buFont typeface="Arial" panose="020B0604020202020204" pitchFamily="34" charset="0"/>
+                        <a:buChar char="•"/>
+                      </a:pPr>
+                      <a:r>
+                        <a:rPr lang="en-GB" sz="550" u="none" strike="noStrike" kern="1200" dirty="0">
+                          <a:solidFill>
+                            <a:sysClr val="windowText" lastClr="000000"/>
+                          </a:solidFill>
+                          <a:effectLst/>
+                          <a:latin typeface="Arial" panose="020B0604020202020204" pitchFamily="34" charset="0"/>
+                          <a:cs typeface="Arial" panose="020B0604020202020204" pitchFamily="34" charset="0"/>
+                        </a:rPr>
+                        <a:t>Fosters a culture of continuous learning and growth, encouraging teams to expand their skills and capabilities.</a:t>
+                      </a:r>
+                      <a:endParaRPr lang="en-GB" sz="550" u="none" strike="noStrike" kern="1200" dirty="0">
+                        <a:solidFill>
+                          <a:sysClr val="windowText" lastClr="000000"/>
+                        </a:solidFill>
+                        <a:effectLst/>
+                        <a:latin typeface="Arial" panose="020B0604020202020204" pitchFamily="34" charset="0"/>
+                        <a:ea typeface="+mn-ea"/>
+                        <a:cs typeface="Arial" panose="020B0604020202020204" pitchFamily="34" charset="0"/>
+                      </a:endParaRPr>
+                    </a:p>
+                  </a:txBody>
+                  <a:tcPr marL="866" marR="866" marT="866" marB="0" anchor="ctr">
+                    <a:lnL w="12700" cap="flat" cmpd="sng" algn="ctr">
+                      <a:solidFill>
+                        <a:schemeClr val="tx1"/>
+                      </a:solidFill>
+                      <a:prstDash val="solid"/>
+                      <a:round/>
+                      <a:headEnd type="none" w="med" len="med"/>
+                      <a:tailEnd type="none" w="med" len="med"/>
+                    </a:lnL>
+                    <a:lnR w="12700" cap="flat" cmpd="sng" algn="ctr">
+                      <a:solidFill>
+                        <a:schemeClr val="tx1"/>
+                      </a:solidFill>
+                      <a:prstDash val="solid"/>
+                      <a:round/>
+                      <a:headEnd type="none" w="med" len="med"/>
+                      <a:tailEnd type="none" w="med" len="med"/>
+                    </a:lnR>
+                    <a:lnT w="12700" cap="flat" cmpd="sng" algn="ctr">
+                      <a:solidFill>
+                        <a:schemeClr val="tx1"/>
+                      </a:solidFill>
+                      <a:prstDash val="solid"/>
+                      <a:round/>
+                      <a:headEnd type="none" w="med" len="med"/>
+                      <a:tailEnd type="none" w="med" len="med"/>
+                    </a:lnT>
+                    <a:lnB w="12700" cap="flat" cmpd="sng" algn="ctr">
+                      <a:solidFill>
+                        <a:schemeClr val="tx1"/>
+                      </a:solidFill>
+                      <a:prstDash val="solid"/>
+                      <a:round/>
+                      <a:headEnd type="none" w="med" len="med"/>
+                      <a:tailEnd type="none" w="med" len="med"/>
+                    </a:lnB>
+                  </a:tcPr>
+                </a:tc>
+                <a:tc>
+                  <a:txBody>
+                    <a:bodyPr/>
+                    <a:lstStyle/>
+                    <a:p>
+                      <a:pPr marL="243450" indent="-171450" algn="l" defTabSz="914400" rtl="0" eaLnBrk="1" fontAlgn="b" latinLnBrk="0" hangingPunct="1">
+                        <a:spcAft>
+                          <a:spcPts val="200"/>
+                        </a:spcAft>
+                        <a:buFont typeface="Arial" panose="020B0604020202020204" pitchFamily="34" charset="0"/>
+                        <a:buChar char="•"/>
+                      </a:pPr>
+                      <a:r>
+                        <a:rPr lang="en-GB" sz="550" u="none" strike="noStrike" kern="1200" dirty="0">
+                          <a:solidFill>
+                            <a:sysClr val="windowText" lastClr="000000"/>
+                          </a:solidFill>
+                          <a:effectLst/>
+                          <a:latin typeface="Arial" panose="020B0604020202020204" pitchFamily="34" charset="0"/>
+                          <a:cs typeface="Arial" panose="020B0604020202020204" pitchFamily="34" charset="0"/>
+                        </a:rPr>
+                        <a:t>Empowers Agile teams to optimize their performance through mentorship, coaching, and skill development initiatives.</a:t>
+                      </a:r>
+                    </a:p>
+                    <a:p>
+                      <a:pPr marL="243450" indent="-171450" algn="l" defTabSz="914400" rtl="0" eaLnBrk="1" fontAlgn="b" latinLnBrk="0" hangingPunct="1">
+                        <a:spcAft>
+                          <a:spcPts val="200"/>
+                        </a:spcAft>
+                        <a:buFont typeface="Arial" panose="020B0604020202020204" pitchFamily="34" charset="0"/>
+                        <a:buChar char="•"/>
+                      </a:pPr>
+                      <a:r>
+                        <a:rPr lang="en-GB" sz="550" u="none" strike="noStrike" kern="1200" dirty="0">
+                          <a:solidFill>
+                            <a:sysClr val="windowText" lastClr="000000"/>
+                          </a:solidFill>
+                          <a:effectLst/>
+                          <a:latin typeface="Arial" panose="020B0604020202020204" pitchFamily="34" charset="0"/>
+                          <a:cs typeface="Arial" panose="020B0604020202020204" pitchFamily="34" charset="0"/>
+                        </a:rPr>
+                        <a:t>Shares knowledge and expertise to enhance the team's capabilities and promote delivery excellence.</a:t>
+                      </a:r>
+                      <a:endParaRPr lang="en-GB" sz="550" u="none" strike="noStrike" kern="1200" dirty="0">
+                        <a:solidFill>
+                          <a:sysClr val="windowText" lastClr="000000"/>
+                        </a:solidFill>
+                        <a:effectLst/>
+                        <a:latin typeface="Arial" panose="020B0604020202020204" pitchFamily="34" charset="0"/>
+                        <a:ea typeface="+mn-ea"/>
                         <a:cs typeface="Arial" panose="020B0604020202020204" pitchFamily="34" charset="0"/>
                       </a:endParaRPr>
                     </a:p>
@@ -12416,358 +13005,6 @@
                     </a:lnB>
                   </a:tcPr>
                 </a:tc>
-                <a:tc>
-                  <a:txBody>
-                    <a:bodyPr/>
-                    <a:lstStyle/>
-                    <a:p>
-                      <a:pPr marL="243450" indent="-171450" algn="l" defTabSz="914400" rtl="0" eaLnBrk="1" fontAlgn="b" latinLnBrk="0" hangingPunct="1">
-                        <a:spcAft>
-                          <a:spcPts val="200"/>
-                        </a:spcAft>
-                        <a:buFont typeface="Arial" panose="020B0604020202020204" pitchFamily="34" charset="0"/>
-                        <a:buChar char="•"/>
-                      </a:pPr>
-                      <a:r>
-                        <a:rPr lang="en-GB" sz="550" u="none" strike="noStrike" kern="1200" dirty="0">
-                          <a:solidFill>
-                            <a:sysClr val="windowText" lastClr="000000"/>
-                          </a:solidFill>
-                          <a:effectLst/>
-                          <a:latin typeface="Arial" panose="020B0604020202020204" pitchFamily="34" charset="0"/>
-                          <a:cs typeface="Arial" panose="020B0604020202020204" pitchFamily="34" charset="0"/>
-                        </a:rPr>
-                        <a:t>Empowers Agile teams to optimize their performance through mentorship, coaching, and skill development initiatives.</a:t>
-                      </a:r>
-                    </a:p>
-                    <a:p>
-                      <a:pPr marL="243450" indent="-171450" algn="l" defTabSz="914400" rtl="0" eaLnBrk="1" fontAlgn="b" latinLnBrk="0" hangingPunct="1">
-                        <a:spcAft>
-                          <a:spcPts val="200"/>
-                        </a:spcAft>
-                        <a:buFont typeface="Arial" panose="020B0604020202020204" pitchFamily="34" charset="0"/>
-                        <a:buChar char="•"/>
-                      </a:pPr>
-                      <a:r>
-                        <a:rPr lang="en-GB" sz="550" u="none" strike="noStrike" kern="1200" dirty="0">
-                          <a:solidFill>
-                            <a:sysClr val="windowText" lastClr="000000"/>
-                          </a:solidFill>
-                          <a:effectLst/>
-                          <a:latin typeface="Arial" panose="020B0604020202020204" pitchFamily="34" charset="0"/>
-                          <a:cs typeface="Arial" panose="020B0604020202020204" pitchFamily="34" charset="0"/>
-                        </a:rPr>
-                        <a:t>Shares knowledge and expertise to enhance the team's capabilities and promote delivery excellence.</a:t>
-                      </a:r>
-                      <a:endParaRPr lang="en-GB" sz="550" u="none" strike="noStrike" kern="1200" dirty="0">
-                        <a:solidFill>
-                          <a:sysClr val="windowText" lastClr="000000"/>
-                        </a:solidFill>
-                        <a:effectLst/>
-                        <a:latin typeface="Arial" panose="020B0604020202020204" pitchFamily="34" charset="0"/>
-                        <a:ea typeface="+mn-ea"/>
-                        <a:cs typeface="Arial" panose="020B0604020202020204" pitchFamily="34" charset="0"/>
-                      </a:endParaRPr>
-                    </a:p>
-                  </a:txBody>
-                  <a:tcPr marL="866" marR="866" marT="866" marB="0" anchor="ctr">
-                    <a:lnL w="12700" cap="flat" cmpd="sng" algn="ctr">
-                      <a:solidFill>
-                        <a:schemeClr val="tx1"/>
-                      </a:solidFill>
-                      <a:prstDash val="solid"/>
-                      <a:round/>
-                      <a:headEnd type="none" w="med" len="med"/>
-                      <a:tailEnd type="none" w="med" len="med"/>
-                    </a:lnL>
-                    <a:lnR w="12700" cap="flat" cmpd="sng" algn="ctr">
-                      <a:solidFill>
-                        <a:schemeClr val="tx1"/>
-                      </a:solidFill>
-                      <a:prstDash val="solid"/>
-                      <a:round/>
-                      <a:headEnd type="none" w="med" len="med"/>
-                      <a:tailEnd type="none" w="med" len="med"/>
-                    </a:lnR>
-                    <a:lnT w="12700" cap="flat" cmpd="sng" algn="ctr">
-                      <a:solidFill>
-                        <a:schemeClr val="tx1"/>
-                      </a:solidFill>
-                      <a:prstDash val="solid"/>
-                      <a:round/>
-                      <a:headEnd type="none" w="med" len="med"/>
-                      <a:tailEnd type="none" w="med" len="med"/>
-                    </a:lnT>
-                    <a:lnB w="12700" cap="flat" cmpd="sng" algn="ctr">
-                      <a:solidFill>
-                        <a:schemeClr val="tx1"/>
-                      </a:solidFill>
-                      <a:prstDash val="solid"/>
-                      <a:round/>
-                      <a:headEnd type="none" w="med" len="med"/>
-                      <a:tailEnd type="none" w="med" len="med"/>
-                    </a:lnB>
-                  </a:tcPr>
-                </a:tc>
-                <a:tc>
-                  <a:txBody>
-                    <a:bodyPr/>
-                    <a:lstStyle/>
-                    <a:p>
-                      <a:pPr marL="243450" indent="-171450" algn="l" defTabSz="914400" rtl="0" eaLnBrk="1" fontAlgn="b" latinLnBrk="0" hangingPunct="1">
-                        <a:spcAft>
-                          <a:spcPts val="200"/>
-                        </a:spcAft>
-                        <a:buFont typeface="Arial" panose="020B0604020202020204" pitchFamily="34" charset="0"/>
-                        <a:buChar char="•"/>
-                      </a:pPr>
-                      <a:r>
-                        <a:rPr lang="en-GB" sz="550" u="none" strike="noStrike" kern="1200" dirty="0">
-                          <a:solidFill>
-                            <a:sysClr val="windowText" lastClr="000000"/>
-                          </a:solidFill>
-                          <a:effectLst/>
-                          <a:latin typeface="Arial" panose="020B0604020202020204" pitchFamily="34" charset="0"/>
-                          <a:cs typeface="Arial" panose="020B0604020202020204" pitchFamily="34" charset="0"/>
-                        </a:rPr>
-                        <a:t>Mentors and develops Agile practitioners within the organization, providing training and coaching in Agile practices and techniques.</a:t>
-                      </a:r>
-                    </a:p>
-                    <a:p>
-                      <a:pPr marL="243450" indent="-171450" algn="l" defTabSz="914400" rtl="0" eaLnBrk="1" fontAlgn="b" latinLnBrk="0" hangingPunct="1">
-                        <a:spcAft>
-                          <a:spcPts val="200"/>
-                        </a:spcAft>
-                        <a:buFont typeface="Arial" panose="020B0604020202020204" pitchFamily="34" charset="0"/>
-                        <a:buChar char="•"/>
-                      </a:pPr>
-                      <a:r>
-                        <a:rPr lang="en-GB" sz="550" u="none" strike="noStrike" kern="1200" dirty="0">
-                          <a:solidFill>
-                            <a:sysClr val="windowText" lastClr="000000"/>
-                          </a:solidFill>
-                          <a:effectLst/>
-                          <a:latin typeface="Arial" panose="020B0604020202020204" pitchFamily="34" charset="0"/>
-                          <a:cs typeface="Arial" panose="020B0604020202020204" pitchFamily="34" charset="0"/>
-                        </a:rPr>
-                        <a:t>Fosters a culture of continuous learning and growth, encouraging teams to expand their skills and capabilities.</a:t>
-                      </a:r>
-                      <a:endParaRPr lang="en-GB" sz="550" u="none" strike="noStrike" kern="1200" dirty="0">
-                        <a:solidFill>
-                          <a:sysClr val="windowText" lastClr="000000"/>
-                        </a:solidFill>
-                        <a:effectLst/>
-                        <a:latin typeface="Arial" panose="020B0604020202020204" pitchFamily="34" charset="0"/>
-                        <a:ea typeface="+mn-ea"/>
-                        <a:cs typeface="Arial" panose="020B0604020202020204" pitchFamily="34" charset="0"/>
-                      </a:endParaRPr>
-                    </a:p>
-                  </a:txBody>
-                  <a:tcPr marL="866" marR="866" marT="866" marB="0" anchor="ctr">
-                    <a:lnL w="12700" cap="flat" cmpd="sng" algn="ctr">
-                      <a:solidFill>
-                        <a:schemeClr val="tx1"/>
-                      </a:solidFill>
-                      <a:prstDash val="solid"/>
-                      <a:round/>
-                      <a:headEnd type="none" w="med" len="med"/>
-                      <a:tailEnd type="none" w="med" len="med"/>
-                    </a:lnL>
-                    <a:lnR w="12700" cap="flat" cmpd="sng" algn="ctr">
-                      <a:solidFill>
-                        <a:schemeClr val="tx1"/>
-                      </a:solidFill>
-                      <a:prstDash val="solid"/>
-                      <a:round/>
-                      <a:headEnd type="none" w="med" len="med"/>
-                      <a:tailEnd type="none" w="med" len="med"/>
-                    </a:lnR>
-                    <a:lnT w="12700" cap="flat" cmpd="sng" algn="ctr">
-                      <a:solidFill>
-                        <a:schemeClr val="tx1"/>
-                      </a:solidFill>
-                      <a:prstDash val="solid"/>
-                      <a:round/>
-                      <a:headEnd type="none" w="med" len="med"/>
-                      <a:tailEnd type="none" w="med" len="med"/>
-                    </a:lnT>
-                    <a:lnB w="12700" cap="flat" cmpd="sng" algn="ctr">
-                      <a:solidFill>
-                        <a:schemeClr val="tx1"/>
-                      </a:solidFill>
-                      <a:prstDash val="solid"/>
-                      <a:round/>
-                      <a:headEnd type="none" w="med" len="med"/>
-                      <a:tailEnd type="none" w="med" len="med"/>
-                    </a:lnB>
-                  </a:tcPr>
-                </a:tc>
-                <a:tc>
-                  <a:txBody>
-                    <a:bodyPr/>
-                    <a:lstStyle/>
-                    <a:p>
-                      <a:pPr marL="243450" indent="-171450" algn="l" defTabSz="914400" rtl="0" eaLnBrk="1" fontAlgn="b" latinLnBrk="0" hangingPunct="1">
-                        <a:spcAft>
-                          <a:spcPts val="200"/>
-                        </a:spcAft>
-                        <a:buFont typeface="Arial" panose="020B0604020202020204" pitchFamily="34" charset="0"/>
-                        <a:buChar char="•"/>
-                      </a:pPr>
-                      <a:r>
-                        <a:rPr lang="en-GB" sz="550" u="none" strike="noStrike" kern="1200" dirty="0">
-                          <a:solidFill>
-                            <a:sysClr val="windowText" lastClr="000000"/>
-                          </a:solidFill>
-                          <a:effectLst/>
-                          <a:latin typeface="Arial" panose="020B0604020202020204" pitchFamily="34" charset="0"/>
-                          <a:cs typeface="Arial" panose="020B0604020202020204" pitchFamily="34" charset="0"/>
-                        </a:rPr>
-                        <a:t>Guides team members in learning Agile principles and practices, enabling them to develop competency and resourcefulness.</a:t>
-                      </a:r>
-                    </a:p>
-                    <a:p>
-                      <a:pPr marL="243450" indent="-171450" algn="l" defTabSz="914400" rtl="0" eaLnBrk="1" fontAlgn="b" latinLnBrk="0" hangingPunct="1">
-                        <a:spcAft>
-                          <a:spcPts val="200"/>
-                        </a:spcAft>
-                        <a:buFont typeface="Arial" panose="020B0604020202020204" pitchFamily="34" charset="0"/>
-                        <a:buChar char="•"/>
-                      </a:pPr>
-                      <a:r>
-                        <a:rPr lang="en-GB" sz="550" u="none" strike="noStrike" kern="1200" dirty="0">
-                          <a:solidFill>
-                            <a:sysClr val="windowText" lastClr="000000"/>
-                          </a:solidFill>
-                          <a:effectLst/>
-                          <a:latin typeface="Arial" panose="020B0604020202020204" pitchFamily="34" charset="0"/>
-                          <a:cs typeface="Arial" panose="020B0604020202020204" pitchFamily="34" charset="0"/>
-                        </a:rPr>
-                        <a:t>Supports individual and team skill development, choosing effective learning methods to achieve learning objectives.</a:t>
-                      </a:r>
-                      <a:endParaRPr lang="en-GB" sz="550" u="none" strike="noStrike" kern="1200" dirty="0">
-                        <a:solidFill>
-                          <a:sysClr val="windowText" lastClr="000000"/>
-                        </a:solidFill>
-                        <a:effectLst/>
-                        <a:latin typeface="Arial" panose="020B0604020202020204" pitchFamily="34" charset="0"/>
-                        <a:ea typeface="+mn-ea"/>
-                        <a:cs typeface="Arial" panose="020B0604020202020204" pitchFamily="34" charset="0"/>
-                      </a:endParaRPr>
-                    </a:p>
-                  </a:txBody>
-                  <a:tcPr marL="866" marR="866" marT="866" marB="0" anchor="ctr">
-                    <a:lnL w="12700" cap="flat" cmpd="sng" algn="ctr">
-                      <a:solidFill>
-                        <a:schemeClr val="tx1"/>
-                      </a:solidFill>
-                      <a:prstDash val="solid"/>
-                      <a:round/>
-                      <a:headEnd type="none" w="med" len="med"/>
-                      <a:tailEnd type="none" w="med" len="med"/>
-                    </a:lnL>
-                    <a:lnR w="12700" cap="flat" cmpd="sng" algn="ctr">
-                      <a:solidFill>
-                        <a:schemeClr val="tx1"/>
-                      </a:solidFill>
-                      <a:prstDash val="solid"/>
-                      <a:round/>
-                      <a:headEnd type="none" w="med" len="med"/>
-                      <a:tailEnd type="none" w="med" len="med"/>
-                    </a:lnR>
-                    <a:lnT w="12700" cap="flat" cmpd="sng" algn="ctr">
-                      <a:solidFill>
-                        <a:schemeClr val="tx1"/>
-                      </a:solidFill>
-                      <a:prstDash val="solid"/>
-                      <a:round/>
-                      <a:headEnd type="none" w="med" len="med"/>
-                      <a:tailEnd type="none" w="med" len="med"/>
-                    </a:lnT>
-                    <a:lnB w="12700" cap="flat" cmpd="sng" algn="ctr">
-                      <a:solidFill>
-                        <a:schemeClr val="tx1"/>
-                      </a:solidFill>
-                      <a:prstDash val="solid"/>
-                      <a:round/>
-                      <a:headEnd type="none" w="med" len="med"/>
-                      <a:tailEnd type="none" w="med" len="med"/>
-                    </a:lnB>
-                  </a:tcPr>
-                </a:tc>
-                <a:tc>
-                  <a:txBody>
-                    <a:bodyPr/>
-                    <a:lstStyle/>
-                    <a:p>
-                      <a:pPr marL="243450" indent="-171450" algn="l" defTabSz="914400" rtl="0" eaLnBrk="1" fontAlgn="b" latinLnBrk="0" hangingPunct="1">
-                        <a:spcAft>
-                          <a:spcPts val="200"/>
-                        </a:spcAft>
-                        <a:buFont typeface="Arial" panose="020B0604020202020204" pitchFamily="34" charset="0"/>
-                        <a:buChar char="•"/>
-                      </a:pPr>
-                      <a:r>
-                        <a:rPr lang="en-GB" sz="550" u="none" strike="noStrike" kern="1200" dirty="0">
-                          <a:solidFill>
-                            <a:sysClr val="windowText" lastClr="000000"/>
-                          </a:solidFill>
-                          <a:effectLst/>
-                          <a:latin typeface="Arial" panose="020B0604020202020204" pitchFamily="34" charset="0"/>
-                          <a:cs typeface="Arial" panose="020B0604020202020204" pitchFamily="34" charset="0"/>
-                        </a:rPr>
-                        <a:t>Takes part in training and learning opportunities related to Agile principles and methods, seeking mentorship to enhance learning and proficiency.</a:t>
-                      </a:r>
-                      <a:endParaRPr lang="en-GB" sz="550" u="none" strike="noStrike" kern="1200" dirty="0">
-                        <a:solidFill>
-                          <a:sysClr val="windowText" lastClr="000000"/>
-                        </a:solidFill>
-                        <a:effectLst/>
-                        <a:latin typeface="Arial" panose="020B0604020202020204" pitchFamily="34" charset="0"/>
-                        <a:ea typeface="+mn-ea"/>
-                        <a:cs typeface="Arial" panose="020B0604020202020204" pitchFamily="34" charset="0"/>
-                      </a:endParaRPr>
-                    </a:p>
-                  </a:txBody>
-                  <a:tcPr marL="866" marR="866" marT="866" marB="0" anchor="ctr">
-                    <a:lnL w="12700" cap="flat" cmpd="sng" algn="ctr">
-                      <a:solidFill>
-                        <a:schemeClr val="tx1"/>
-                      </a:solidFill>
-                      <a:prstDash val="solid"/>
-                      <a:round/>
-                      <a:headEnd type="none" w="med" len="med"/>
-                      <a:tailEnd type="none" w="med" len="med"/>
-                    </a:lnL>
-                    <a:lnR w="12700" cap="flat" cmpd="sng" algn="ctr">
-                      <a:solidFill>
-                        <a:schemeClr val="tx1"/>
-                      </a:solidFill>
-                      <a:prstDash val="solid"/>
-                      <a:round/>
-                      <a:headEnd type="none" w="med" len="med"/>
-                      <a:tailEnd type="none" w="med" len="med"/>
-                    </a:lnR>
-                    <a:lnT w="12700" cap="flat" cmpd="sng" algn="ctr">
-                      <a:solidFill>
-                        <a:schemeClr val="tx1"/>
-                      </a:solidFill>
-                      <a:prstDash val="solid"/>
-                      <a:round/>
-                      <a:headEnd type="none" w="med" len="med"/>
-                      <a:tailEnd type="none" w="med" len="med"/>
-                    </a:lnT>
-                    <a:lnB w="12700" cap="flat" cmpd="sng" algn="ctr">
-                      <a:solidFill>
-                        <a:schemeClr val="tx1"/>
-                      </a:solidFill>
-                      <a:prstDash val="solid"/>
-                      <a:round/>
-                      <a:headEnd type="none" w="med" len="med"/>
-                      <a:tailEnd type="none" w="med" len="med"/>
-                    </a:lnB>
-                  </a:tcPr>
-                </a:tc>
                 <a:extLst>
                   <a:ext uri="{0D108BD9-81ED-4DB2-BD59-A6C34878D82A}">
                     <a16:rowId xmlns:a16="http://schemas.microsoft.com/office/drawing/2014/main" val="1072117346"/>
@@ -12879,7 +13116,7 @@
                           <a:latin typeface="Arial" panose="020B0604020202020204" pitchFamily="34" charset="0"/>
                           <a:cs typeface="Arial" panose="020B0604020202020204" pitchFamily="34" charset="0"/>
                         </a:rPr>
-                        <a:t>Advises senior leadership on Agile adoption and transformation strategies, helping them understand the benefits and value of Agile methods.</a:t>
+                        <a:t>Gains exposure to advising stakeholders on Agile principles and practices, contributing to the shared understanding of Agile values and benefits.</a:t>
                       </a:r>
                     </a:p>
                     <a:p>
@@ -12899,7 +13136,195 @@
                           <a:latin typeface="Arial" panose="020B0604020202020204" pitchFamily="34" charset="0"/>
                           <a:cs typeface="Arial" panose="020B0604020202020204" pitchFamily="34" charset="0"/>
                         </a:rPr>
-                        <a:t>Builds trust and credibility with stakeholders, providing expert guidance and insights to support decision-making and drive organizational success.</a:t>
+                        <a:t>Seeks opportunities to provide insights and observations to support clients in achieving sustainable success.</a:t>
+                      </a:r>
+                      <a:endParaRPr lang="en-GB" sz="550" u="none" strike="noStrike" kern="1200" dirty="0">
+                        <a:solidFill>
+                          <a:sysClr val="windowText" lastClr="000000"/>
+                        </a:solidFill>
+                        <a:effectLst/>
+                        <a:latin typeface="Arial" panose="020B0604020202020204" pitchFamily="34" charset="0"/>
+                        <a:ea typeface="+mn-ea"/>
+                        <a:cs typeface="Arial" panose="020B0604020202020204" pitchFamily="34" charset="0"/>
+                      </a:endParaRPr>
+                    </a:p>
+                  </a:txBody>
+                  <a:tcPr marL="866" marR="866" marT="866" marB="0" anchor="ctr">
+                    <a:lnL w="12700" cap="flat" cmpd="sng" algn="ctr">
+                      <a:solidFill>
+                        <a:schemeClr val="tx1"/>
+                      </a:solidFill>
+                      <a:prstDash val="solid"/>
+                      <a:round/>
+                      <a:headEnd type="none" w="med" len="med"/>
+                      <a:tailEnd type="none" w="med" len="med"/>
+                    </a:lnL>
+                    <a:lnR w="12700" cap="flat" cmpd="sng" algn="ctr">
+                      <a:solidFill>
+                        <a:schemeClr val="tx1"/>
+                      </a:solidFill>
+                      <a:prstDash val="solid"/>
+                      <a:round/>
+                      <a:headEnd type="none" w="med" len="med"/>
+                      <a:tailEnd type="none" w="med" len="med"/>
+                    </a:lnR>
+                    <a:lnT w="12700" cap="flat" cmpd="sng" algn="ctr">
+                      <a:solidFill>
+                        <a:schemeClr val="tx1"/>
+                      </a:solidFill>
+                      <a:prstDash val="solid"/>
+                      <a:round/>
+                      <a:headEnd type="none" w="med" len="med"/>
+                      <a:tailEnd type="none" w="med" len="med"/>
+                    </a:lnT>
+                    <a:lnB w="12700" cap="flat" cmpd="sng" algn="ctr">
+                      <a:solidFill>
+                        <a:schemeClr val="tx1"/>
+                      </a:solidFill>
+                      <a:prstDash val="solid"/>
+                      <a:round/>
+                      <a:headEnd type="none" w="med" len="med"/>
+                      <a:tailEnd type="none" w="med" len="med"/>
+                    </a:lnB>
+                    <a:noFill/>
+                  </a:tcPr>
+                </a:tc>
+                <a:tc>
+                  <a:txBody>
+                    <a:bodyPr/>
+                    <a:lstStyle/>
+                    <a:p>
+                      <a:pPr marL="243450" indent="-171450" algn="l" defTabSz="914400" rtl="0" eaLnBrk="1" fontAlgn="b" latinLnBrk="0" hangingPunct="1">
+                        <a:spcAft>
+                          <a:spcPts val="200"/>
+                        </a:spcAft>
+                        <a:buFont typeface="Arial" panose="020B0604020202020204" pitchFamily="34" charset="0"/>
+                        <a:buChar char="•"/>
+                      </a:pPr>
+                      <a:r>
+                        <a:rPr lang="en-GB" sz="550" u="none" strike="noStrike" kern="1200" dirty="0">
+                          <a:solidFill>
+                            <a:sysClr val="windowText" lastClr="000000"/>
+                          </a:solidFill>
+                          <a:effectLst/>
+                          <a:latin typeface="Arial" panose="020B0604020202020204" pitchFamily="34" charset="0"/>
+                          <a:cs typeface="Arial" panose="020B0604020202020204" pitchFamily="34" charset="0"/>
+                        </a:rPr>
+                        <a:t>Provides guidance and insights to stakeholders on the value of Agile methods and practices, helping them achieve sustainable success.</a:t>
+                      </a:r>
+                    </a:p>
+                    <a:p>
+                      <a:pPr marL="243450" indent="-171450" algn="l" defTabSz="914400" rtl="0" eaLnBrk="1" fontAlgn="b" latinLnBrk="0" hangingPunct="1">
+                        <a:spcAft>
+                          <a:spcPts val="200"/>
+                        </a:spcAft>
+                        <a:buFont typeface="Arial" panose="020B0604020202020204" pitchFamily="34" charset="0"/>
+                        <a:buChar char="•"/>
+                      </a:pPr>
+                      <a:r>
+                        <a:rPr lang="en-GB" sz="550" u="none" strike="noStrike" kern="1200" dirty="0">
+                          <a:solidFill>
+                            <a:sysClr val="windowText" lastClr="000000"/>
+                          </a:solidFill>
+                          <a:effectLst/>
+                          <a:latin typeface="Arial" panose="020B0604020202020204" pitchFamily="34" charset="0"/>
+                          <a:cs typeface="Arial" panose="020B0604020202020204" pitchFamily="34" charset="0"/>
+                        </a:rPr>
+                        <a:t>Shares experience and observations to guide clients toward a shared understanding of Agile principles and  their benefits.</a:t>
+                      </a:r>
+                      <a:endParaRPr lang="en-GB" sz="550" u="none" strike="noStrike" kern="1200" dirty="0">
+                        <a:solidFill>
+                          <a:sysClr val="windowText" lastClr="000000"/>
+                        </a:solidFill>
+                        <a:effectLst/>
+                        <a:latin typeface="Arial" panose="020B0604020202020204" pitchFamily="34" charset="0"/>
+                        <a:ea typeface="+mn-ea"/>
+                        <a:cs typeface="Arial" panose="020B0604020202020204" pitchFamily="34" charset="0"/>
+                      </a:endParaRPr>
+                    </a:p>
+                  </a:txBody>
+                  <a:tcPr marL="866" marR="866" marT="866" marB="0" anchor="ctr">
+                    <a:lnL w="12700" cap="flat" cmpd="sng" algn="ctr">
+                      <a:solidFill>
+                        <a:schemeClr val="tx1"/>
+                      </a:solidFill>
+                      <a:prstDash val="solid"/>
+                      <a:round/>
+                      <a:headEnd type="none" w="med" len="med"/>
+                      <a:tailEnd type="none" w="med" len="med"/>
+                    </a:lnL>
+                    <a:lnR w="12700" cap="flat" cmpd="sng" algn="ctr">
+                      <a:solidFill>
+                        <a:schemeClr val="tx1"/>
+                      </a:solidFill>
+                      <a:prstDash val="solid"/>
+                      <a:round/>
+                      <a:headEnd type="none" w="med" len="med"/>
+                      <a:tailEnd type="none" w="med" len="med"/>
+                    </a:lnR>
+                    <a:lnT w="12700" cap="flat" cmpd="sng" algn="ctr">
+                      <a:solidFill>
+                        <a:schemeClr val="tx1"/>
+                      </a:solidFill>
+                      <a:prstDash val="solid"/>
+                      <a:round/>
+                      <a:headEnd type="none" w="med" len="med"/>
+                      <a:tailEnd type="none" w="med" len="med"/>
+                    </a:lnT>
+                    <a:lnB w="12700" cap="flat" cmpd="sng" algn="ctr">
+                      <a:solidFill>
+                        <a:schemeClr val="tx1"/>
+                      </a:solidFill>
+                      <a:prstDash val="solid"/>
+                      <a:round/>
+                      <a:headEnd type="none" w="med" len="med"/>
+                      <a:tailEnd type="none" w="med" len="med"/>
+                    </a:lnB>
+                    <a:noFill/>
+                  </a:tcPr>
+                </a:tc>
+                <a:tc>
+                  <a:txBody>
+                    <a:bodyPr/>
+                    <a:lstStyle/>
+                    <a:p>
+                      <a:pPr marL="243450" indent="-171450" algn="l" defTabSz="914400" rtl="0" eaLnBrk="1" fontAlgn="b" latinLnBrk="0" hangingPunct="1">
+                        <a:spcAft>
+                          <a:spcPts val="200"/>
+                        </a:spcAft>
+                        <a:buFont typeface="Arial" panose="020B0604020202020204" pitchFamily="34" charset="0"/>
+                        <a:buChar char="•"/>
+                      </a:pPr>
+                      <a:r>
+                        <a:rPr lang="en-GB" sz="550" u="none" strike="noStrike" kern="1200" dirty="0">
+                          <a:solidFill>
+                            <a:sysClr val="windowText" lastClr="000000"/>
+                          </a:solidFill>
+                          <a:effectLst/>
+                          <a:latin typeface="Arial" panose="020B0604020202020204" pitchFamily="34" charset="0"/>
+                          <a:cs typeface="Arial" panose="020B0604020202020204" pitchFamily="34" charset="0"/>
+                        </a:rPr>
+                        <a:t>Advises stakeholders on Agile transformation initiatives, guiding them toward a shared vision of organizational success.</a:t>
+                      </a:r>
+                    </a:p>
+                    <a:p>
+                      <a:pPr marL="243450" indent="-171450" algn="l" defTabSz="914400" rtl="0" eaLnBrk="1" fontAlgn="b" latinLnBrk="0" hangingPunct="1">
+                        <a:spcAft>
+                          <a:spcPts val="200"/>
+                        </a:spcAft>
+                        <a:buFont typeface="Arial" panose="020B0604020202020204" pitchFamily="34" charset="0"/>
+                        <a:buChar char="•"/>
+                      </a:pPr>
+                      <a:r>
+                        <a:rPr lang="en-GB" sz="550" u="none" strike="noStrike" kern="1200" dirty="0">
+                          <a:solidFill>
+                            <a:sysClr val="windowText" lastClr="000000"/>
+                          </a:solidFill>
+                          <a:effectLst/>
+                          <a:latin typeface="Arial" panose="020B0604020202020204" pitchFamily="34" charset="0"/>
+                          <a:cs typeface="Arial" panose="020B0604020202020204" pitchFamily="34" charset="0"/>
+                        </a:rPr>
+                        <a:t>Builds long-term relationships with clients, providing ongoing support and guidance to ensure sustained success.</a:t>
                       </a:r>
                       <a:endParaRPr lang="en-GB" sz="550" u="none" strike="noStrike" kern="1200" dirty="0">
                         <a:solidFill>
@@ -13067,7 +13492,7 @@
                           <a:latin typeface="Arial" panose="020B0604020202020204" pitchFamily="34" charset="0"/>
                           <a:cs typeface="Arial" panose="020B0604020202020204" pitchFamily="34" charset="0"/>
                         </a:rPr>
-                        <a:t>Advises stakeholders on Agile transformation initiatives, guiding them toward a shared vision of organizational success.</a:t>
+                        <a:t>Advises senior leadership on Agile adoption and transformation strategies, helping them understand the benefits and value of Agile methods.</a:t>
                       </a:r>
                     </a:p>
                     <a:p>
@@ -13087,195 +13512,7 @@
                           <a:latin typeface="Arial" panose="020B0604020202020204" pitchFamily="34" charset="0"/>
                           <a:cs typeface="Arial" panose="020B0604020202020204" pitchFamily="34" charset="0"/>
                         </a:rPr>
-                        <a:t>Builds long-term relationships with clients, providing ongoing support and guidance to ensure sustained success.</a:t>
-                      </a:r>
-                      <a:endParaRPr lang="en-GB" sz="550" u="none" strike="noStrike" kern="1200" dirty="0">
-                        <a:solidFill>
-                          <a:sysClr val="windowText" lastClr="000000"/>
-                        </a:solidFill>
-                        <a:effectLst/>
-                        <a:latin typeface="Arial" panose="020B0604020202020204" pitchFamily="34" charset="0"/>
-                        <a:ea typeface="+mn-ea"/>
-                        <a:cs typeface="Arial" panose="020B0604020202020204" pitchFamily="34" charset="0"/>
-                      </a:endParaRPr>
-                    </a:p>
-                  </a:txBody>
-                  <a:tcPr marL="866" marR="866" marT="866" marB="0" anchor="ctr">
-                    <a:lnL w="12700" cap="flat" cmpd="sng" algn="ctr">
-                      <a:solidFill>
-                        <a:schemeClr val="tx1"/>
-                      </a:solidFill>
-                      <a:prstDash val="solid"/>
-                      <a:round/>
-                      <a:headEnd type="none" w="med" len="med"/>
-                      <a:tailEnd type="none" w="med" len="med"/>
-                    </a:lnL>
-                    <a:lnR w="12700" cap="flat" cmpd="sng" algn="ctr">
-                      <a:solidFill>
-                        <a:schemeClr val="tx1"/>
-                      </a:solidFill>
-                      <a:prstDash val="solid"/>
-                      <a:round/>
-                      <a:headEnd type="none" w="med" len="med"/>
-                      <a:tailEnd type="none" w="med" len="med"/>
-                    </a:lnR>
-                    <a:lnT w="12700" cap="flat" cmpd="sng" algn="ctr">
-                      <a:solidFill>
-                        <a:schemeClr val="tx1"/>
-                      </a:solidFill>
-                      <a:prstDash val="solid"/>
-                      <a:round/>
-                      <a:headEnd type="none" w="med" len="med"/>
-                      <a:tailEnd type="none" w="med" len="med"/>
-                    </a:lnT>
-                    <a:lnB w="12700" cap="flat" cmpd="sng" algn="ctr">
-                      <a:solidFill>
-                        <a:schemeClr val="tx1"/>
-                      </a:solidFill>
-                      <a:prstDash val="solid"/>
-                      <a:round/>
-                      <a:headEnd type="none" w="med" len="med"/>
-                      <a:tailEnd type="none" w="med" len="med"/>
-                    </a:lnB>
-                    <a:noFill/>
-                  </a:tcPr>
-                </a:tc>
-                <a:tc>
-                  <a:txBody>
-                    <a:bodyPr/>
-                    <a:lstStyle/>
-                    <a:p>
-                      <a:pPr marL="243450" indent="-171450" algn="l" defTabSz="914400" rtl="0" eaLnBrk="1" fontAlgn="b" latinLnBrk="0" hangingPunct="1">
-                        <a:spcAft>
-                          <a:spcPts val="200"/>
-                        </a:spcAft>
-                        <a:buFont typeface="Arial" panose="020B0604020202020204" pitchFamily="34" charset="0"/>
-                        <a:buChar char="•"/>
-                      </a:pPr>
-                      <a:r>
-                        <a:rPr lang="en-GB" sz="550" u="none" strike="noStrike" kern="1200" dirty="0">
-                          <a:solidFill>
-                            <a:sysClr val="windowText" lastClr="000000"/>
-                          </a:solidFill>
-                          <a:effectLst/>
-                          <a:latin typeface="Arial" panose="020B0604020202020204" pitchFamily="34" charset="0"/>
-                          <a:cs typeface="Arial" panose="020B0604020202020204" pitchFamily="34" charset="0"/>
-                        </a:rPr>
-                        <a:t>Provides guidance and insights to stakeholders on the value of Agile methods and practices, helping them achieve sustainable success.</a:t>
-                      </a:r>
-                    </a:p>
-                    <a:p>
-                      <a:pPr marL="243450" indent="-171450" algn="l" defTabSz="914400" rtl="0" eaLnBrk="1" fontAlgn="b" latinLnBrk="0" hangingPunct="1">
-                        <a:spcAft>
-                          <a:spcPts val="200"/>
-                        </a:spcAft>
-                        <a:buFont typeface="Arial" panose="020B0604020202020204" pitchFamily="34" charset="0"/>
-                        <a:buChar char="•"/>
-                      </a:pPr>
-                      <a:r>
-                        <a:rPr lang="en-GB" sz="550" u="none" strike="noStrike" kern="1200" dirty="0">
-                          <a:solidFill>
-                            <a:sysClr val="windowText" lastClr="000000"/>
-                          </a:solidFill>
-                          <a:effectLst/>
-                          <a:latin typeface="Arial" panose="020B0604020202020204" pitchFamily="34" charset="0"/>
-                          <a:cs typeface="Arial" panose="020B0604020202020204" pitchFamily="34" charset="0"/>
-                        </a:rPr>
-                        <a:t>Shares experience and observations to guide clients toward a shared understanding of Agile principles and  their benefits.</a:t>
-                      </a:r>
-                      <a:endParaRPr lang="en-GB" sz="550" u="none" strike="noStrike" kern="1200" dirty="0">
-                        <a:solidFill>
-                          <a:sysClr val="windowText" lastClr="000000"/>
-                        </a:solidFill>
-                        <a:effectLst/>
-                        <a:latin typeface="Arial" panose="020B0604020202020204" pitchFamily="34" charset="0"/>
-                        <a:ea typeface="+mn-ea"/>
-                        <a:cs typeface="Arial" panose="020B0604020202020204" pitchFamily="34" charset="0"/>
-                      </a:endParaRPr>
-                    </a:p>
-                  </a:txBody>
-                  <a:tcPr marL="866" marR="866" marT="866" marB="0" anchor="ctr">
-                    <a:lnL w="12700" cap="flat" cmpd="sng" algn="ctr">
-                      <a:solidFill>
-                        <a:schemeClr val="tx1"/>
-                      </a:solidFill>
-                      <a:prstDash val="solid"/>
-                      <a:round/>
-                      <a:headEnd type="none" w="med" len="med"/>
-                      <a:tailEnd type="none" w="med" len="med"/>
-                    </a:lnL>
-                    <a:lnR w="12700" cap="flat" cmpd="sng" algn="ctr">
-                      <a:solidFill>
-                        <a:schemeClr val="tx1"/>
-                      </a:solidFill>
-                      <a:prstDash val="solid"/>
-                      <a:round/>
-                      <a:headEnd type="none" w="med" len="med"/>
-                      <a:tailEnd type="none" w="med" len="med"/>
-                    </a:lnR>
-                    <a:lnT w="12700" cap="flat" cmpd="sng" algn="ctr">
-                      <a:solidFill>
-                        <a:schemeClr val="tx1"/>
-                      </a:solidFill>
-                      <a:prstDash val="solid"/>
-                      <a:round/>
-                      <a:headEnd type="none" w="med" len="med"/>
-                      <a:tailEnd type="none" w="med" len="med"/>
-                    </a:lnT>
-                    <a:lnB w="12700" cap="flat" cmpd="sng" algn="ctr">
-                      <a:solidFill>
-                        <a:schemeClr val="tx1"/>
-                      </a:solidFill>
-                      <a:prstDash val="solid"/>
-                      <a:round/>
-                      <a:headEnd type="none" w="med" len="med"/>
-                      <a:tailEnd type="none" w="med" len="med"/>
-                    </a:lnB>
-                    <a:noFill/>
-                  </a:tcPr>
-                </a:tc>
-                <a:tc>
-                  <a:txBody>
-                    <a:bodyPr/>
-                    <a:lstStyle/>
-                    <a:p>
-                      <a:pPr marL="243450" indent="-171450" algn="l" defTabSz="914400" rtl="0" eaLnBrk="1" fontAlgn="b" latinLnBrk="0" hangingPunct="1">
-                        <a:spcAft>
-                          <a:spcPts val="200"/>
-                        </a:spcAft>
-                        <a:buFont typeface="Arial" panose="020B0604020202020204" pitchFamily="34" charset="0"/>
-                        <a:buChar char="•"/>
-                      </a:pPr>
-                      <a:r>
-                        <a:rPr lang="en-GB" sz="550" u="none" strike="noStrike" kern="1200" dirty="0">
-                          <a:solidFill>
-                            <a:sysClr val="windowText" lastClr="000000"/>
-                          </a:solidFill>
-                          <a:effectLst/>
-                          <a:latin typeface="Arial" panose="020B0604020202020204" pitchFamily="34" charset="0"/>
-                          <a:cs typeface="Arial" panose="020B0604020202020204" pitchFamily="34" charset="0"/>
-                        </a:rPr>
-                        <a:t>Gains exposure to advising stakeholders on Agile principles and practices, contributing to the shared understanding of Agile values and benefits.</a:t>
-                      </a:r>
-                    </a:p>
-                    <a:p>
-                      <a:pPr marL="243450" indent="-171450" algn="l" defTabSz="914400" rtl="0" eaLnBrk="1" fontAlgn="b" latinLnBrk="0" hangingPunct="1">
-                        <a:spcAft>
-                          <a:spcPts val="200"/>
-                        </a:spcAft>
-                        <a:buFont typeface="Arial" panose="020B0604020202020204" pitchFamily="34" charset="0"/>
-                        <a:buChar char="•"/>
-                      </a:pPr>
-                      <a:r>
-                        <a:rPr lang="en-GB" sz="550" u="none" strike="noStrike" kern="1200" dirty="0">
-                          <a:solidFill>
-                            <a:sysClr val="windowText" lastClr="000000"/>
-                          </a:solidFill>
-                          <a:effectLst/>
-                          <a:latin typeface="Arial" panose="020B0604020202020204" pitchFamily="34" charset="0"/>
-                          <a:cs typeface="Arial" panose="020B0604020202020204" pitchFamily="34" charset="0"/>
-                        </a:rPr>
-                        <a:t>Seeks opportunities to provide insights and observations to support clients in achieving sustainable success.</a:t>
+                        <a:t>Builds trust and credibility with stakeholders, providing expert guidance and insights to support decision-making and drive organizational success.</a:t>
                       </a:r>
                       <a:endParaRPr lang="en-GB" sz="550" u="none" strike="noStrike" kern="1200" dirty="0">
                         <a:solidFill>
@@ -13375,6 +13612,378 @@
                         </a:solidFill>
                         <a:effectLst/>
                         <a:latin typeface="Arial" panose="020B0604020202020204" pitchFamily="34" charset="0"/>
+                        <a:cs typeface="Arial" panose="020B0604020202020204" pitchFamily="34" charset="0"/>
+                      </a:endParaRPr>
+                    </a:p>
+                  </a:txBody>
+                  <a:tcPr marL="866" marR="866" marT="866" marB="0" anchor="ctr">
+                    <a:lnL w="12700" cap="flat" cmpd="sng" algn="ctr">
+                      <a:solidFill>
+                        <a:schemeClr val="tx1"/>
+                      </a:solidFill>
+                      <a:prstDash val="solid"/>
+                      <a:round/>
+                      <a:headEnd type="none" w="med" len="med"/>
+                      <a:tailEnd type="none" w="med" len="med"/>
+                    </a:lnL>
+                    <a:lnR w="12700" cap="flat" cmpd="sng" algn="ctr">
+                      <a:solidFill>
+                        <a:schemeClr val="tx1"/>
+                      </a:solidFill>
+                      <a:prstDash val="solid"/>
+                      <a:round/>
+                      <a:headEnd type="none" w="med" len="med"/>
+                      <a:tailEnd type="none" w="med" len="med"/>
+                    </a:lnR>
+                    <a:lnT w="12700" cap="flat" cmpd="sng" algn="ctr">
+                      <a:solidFill>
+                        <a:schemeClr val="tx1"/>
+                      </a:solidFill>
+                      <a:prstDash val="solid"/>
+                      <a:round/>
+                      <a:headEnd type="none" w="med" len="med"/>
+                      <a:tailEnd type="none" w="med" len="med"/>
+                    </a:lnT>
+                    <a:lnB w="12700" cap="flat" cmpd="sng" algn="ctr">
+                      <a:solidFill>
+                        <a:schemeClr val="tx1"/>
+                      </a:solidFill>
+                      <a:prstDash val="solid"/>
+                      <a:round/>
+                      <a:headEnd type="none" w="med" len="med"/>
+                      <a:tailEnd type="none" w="med" len="med"/>
+                    </a:lnB>
+                  </a:tcPr>
+                </a:tc>
+                <a:tc>
+                  <a:txBody>
+                    <a:bodyPr/>
+                    <a:lstStyle/>
+                    <a:p>
+                      <a:pPr marL="243450" indent="-171450" algn="l" defTabSz="914400" rtl="0" eaLnBrk="1" fontAlgn="b" latinLnBrk="0" hangingPunct="1">
+                        <a:spcAft>
+                          <a:spcPts val="200"/>
+                        </a:spcAft>
+                        <a:buFont typeface="Arial" panose="020B0604020202020204" pitchFamily="34" charset="0"/>
+                        <a:buChar char="•"/>
+                      </a:pPr>
+                      <a:r>
+                        <a:rPr lang="en-GB" sz="550" u="none" strike="noStrike" kern="1200" dirty="0">
+                          <a:solidFill>
+                            <a:sysClr val="windowText" lastClr="000000"/>
+                          </a:solidFill>
+                          <a:effectLst/>
+                          <a:latin typeface="Arial" panose="020B0604020202020204" pitchFamily="34" charset="0"/>
+                          <a:cs typeface="Arial" panose="020B0604020202020204" pitchFamily="34" charset="0"/>
+                        </a:rPr>
+                        <a:t>Supports Agile Delivery management and contributes to the timely completion of initiative deliverables, gaining valuable experience in Agile leadership.</a:t>
+                      </a:r>
+                    </a:p>
+                    <a:p>
+                      <a:pPr marL="243450" indent="-171450" algn="l" defTabSz="914400" rtl="0" eaLnBrk="1" fontAlgn="b" latinLnBrk="0" hangingPunct="1">
+                        <a:spcAft>
+                          <a:spcPts val="200"/>
+                        </a:spcAft>
+                        <a:buFont typeface="Arial" panose="020B0604020202020204" pitchFamily="34" charset="0"/>
+                        <a:buChar char="•"/>
+                      </a:pPr>
+                      <a:r>
+                        <a:rPr lang="en-GB" sz="550" u="none" strike="noStrike" kern="1200" dirty="0">
+                          <a:solidFill>
+                            <a:sysClr val="windowText" lastClr="000000"/>
+                          </a:solidFill>
+                          <a:effectLst/>
+                          <a:latin typeface="Arial" panose="020B0604020202020204" pitchFamily="34" charset="0"/>
+                          <a:cs typeface="Arial" panose="020B0604020202020204" pitchFamily="34" charset="0"/>
+                        </a:rPr>
+                        <a:t>Takes part in professional development activities to enhance leadership skills and proficiency in Agile Delivery.</a:t>
+                      </a:r>
+                      <a:endParaRPr lang="en-GB" sz="550" u="none" strike="noStrike" kern="1200" dirty="0">
+                        <a:solidFill>
+                          <a:sysClr val="windowText" lastClr="000000"/>
+                        </a:solidFill>
+                        <a:effectLst/>
+                        <a:latin typeface="Arial" panose="020B0604020202020204" pitchFamily="34" charset="0"/>
+                        <a:ea typeface="+mn-ea"/>
+                        <a:cs typeface="Arial" panose="020B0604020202020204" pitchFamily="34" charset="0"/>
+                      </a:endParaRPr>
+                    </a:p>
+                  </a:txBody>
+                  <a:tcPr marL="866" marR="866" marT="866" marB="0" anchor="ctr">
+                    <a:lnL w="12700" cap="flat" cmpd="sng" algn="ctr">
+                      <a:solidFill>
+                        <a:schemeClr val="tx1"/>
+                      </a:solidFill>
+                      <a:prstDash val="solid"/>
+                      <a:round/>
+                      <a:headEnd type="none" w="med" len="med"/>
+                      <a:tailEnd type="none" w="med" len="med"/>
+                    </a:lnL>
+                    <a:lnR w="12700" cap="flat" cmpd="sng" algn="ctr">
+                      <a:solidFill>
+                        <a:schemeClr val="tx1"/>
+                      </a:solidFill>
+                      <a:prstDash val="solid"/>
+                      <a:round/>
+                      <a:headEnd type="none" w="med" len="med"/>
+                      <a:tailEnd type="none" w="med" len="med"/>
+                    </a:lnR>
+                    <a:lnT w="12700" cap="flat" cmpd="sng" algn="ctr">
+                      <a:solidFill>
+                        <a:schemeClr val="tx1"/>
+                      </a:solidFill>
+                      <a:prstDash val="solid"/>
+                      <a:round/>
+                      <a:headEnd type="none" w="med" len="med"/>
+                      <a:tailEnd type="none" w="med" len="med"/>
+                    </a:lnT>
+                    <a:lnB w="12700" cap="flat" cmpd="sng" algn="ctr">
+                      <a:solidFill>
+                        <a:schemeClr val="tx1"/>
+                      </a:solidFill>
+                      <a:prstDash val="solid"/>
+                      <a:round/>
+                      <a:headEnd type="none" w="med" len="med"/>
+                      <a:tailEnd type="none" w="med" len="med"/>
+                    </a:lnB>
+                  </a:tcPr>
+                </a:tc>
+                <a:tc>
+                  <a:txBody>
+                    <a:bodyPr/>
+                    <a:lstStyle/>
+                    <a:p>
+                      <a:pPr marL="243450" indent="-171450" algn="l" defTabSz="914400" rtl="0" eaLnBrk="1" fontAlgn="b" latinLnBrk="0" hangingPunct="1">
+                        <a:spcAft>
+                          <a:spcPts val="200"/>
+                        </a:spcAft>
+                        <a:buFont typeface="Arial" panose="020B0604020202020204" pitchFamily="34" charset="0"/>
+                        <a:buChar char="•"/>
+                      </a:pPr>
+                      <a:r>
+                        <a:rPr lang="en-GB" sz="550" u="none" strike="noStrike" kern="1200" dirty="0">
+                          <a:solidFill>
+                            <a:sysClr val="windowText" lastClr="000000"/>
+                          </a:solidFill>
+                          <a:effectLst/>
+                          <a:latin typeface="Arial" panose="020B0604020202020204" pitchFamily="34" charset="0"/>
+                          <a:cs typeface="Arial" panose="020B0604020202020204" pitchFamily="34" charset="0"/>
+                        </a:rPr>
+                        <a:t>Leads Agile teams and drives successful initiative  delivery, inspiring others to embrace Agile principles.</a:t>
+                      </a:r>
+                    </a:p>
+                    <a:p>
+                      <a:pPr marL="243450" indent="-171450" algn="l" defTabSz="914400" rtl="0" eaLnBrk="1" fontAlgn="b" latinLnBrk="0" hangingPunct="1">
+                        <a:spcAft>
+                          <a:spcPts val="200"/>
+                        </a:spcAft>
+                        <a:buFont typeface="Arial" panose="020B0604020202020204" pitchFamily="34" charset="0"/>
+                        <a:buChar char="•"/>
+                      </a:pPr>
+                      <a:r>
+                        <a:rPr lang="en-GB" sz="550" u="none" strike="noStrike" kern="1200" dirty="0">
+                          <a:solidFill>
+                            <a:sysClr val="windowText" lastClr="000000"/>
+                          </a:solidFill>
+                          <a:effectLst/>
+                          <a:latin typeface="Arial" panose="020B0604020202020204" pitchFamily="34" charset="0"/>
+                          <a:cs typeface="Arial" panose="020B0604020202020204" pitchFamily="34" charset="0"/>
+                        </a:rPr>
+                        <a:t>Provides leadership and guidance to ensure alignment with organizational goals and objectives.</a:t>
+                      </a:r>
+                      <a:endParaRPr lang="en-GB" sz="550" u="none" strike="noStrike" kern="1200" dirty="0">
+                        <a:solidFill>
+                          <a:sysClr val="windowText" lastClr="000000"/>
+                        </a:solidFill>
+                        <a:effectLst/>
+                        <a:latin typeface="Arial" panose="020B0604020202020204" pitchFamily="34" charset="0"/>
+                        <a:ea typeface="+mn-ea"/>
+                        <a:cs typeface="Arial" panose="020B0604020202020204" pitchFamily="34" charset="0"/>
+                      </a:endParaRPr>
+                    </a:p>
+                  </a:txBody>
+                  <a:tcPr marL="866" marR="866" marT="866" marB="0" anchor="ctr">
+                    <a:lnL w="12700" cap="flat" cmpd="sng" algn="ctr">
+                      <a:solidFill>
+                        <a:schemeClr val="tx1"/>
+                      </a:solidFill>
+                      <a:prstDash val="solid"/>
+                      <a:round/>
+                      <a:headEnd type="none" w="med" len="med"/>
+                      <a:tailEnd type="none" w="med" len="med"/>
+                    </a:lnL>
+                    <a:lnR w="12700" cap="flat" cmpd="sng" algn="ctr">
+                      <a:solidFill>
+                        <a:schemeClr val="tx1"/>
+                      </a:solidFill>
+                      <a:prstDash val="solid"/>
+                      <a:round/>
+                      <a:headEnd type="none" w="med" len="med"/>
+                      <a:tailEnd type="none" w="med" len="med"/>
+                    </a:lnR>
+                    <a:lnT w="12700" cap="flat" cmpd="sng" algn="ctr">
+                      <a:solidFill>
+                        <a:schemeClr val="tx1"/>
+                      </a:solidFill>
+                      <a:prstDash val="solid"/>
+                      <a:round/>
+                      <a:headEnd type="none" w="med" len="med"/>
+                      <a:tailEnd type="none" w="med" len="med"/>
+                    </a:lnT>
+                    <a:lnB w="12700" cap="flat" cmpd="sng" algn="ctr">
+                      <a:solidFill>
+                        <a:schemeClr val="tx1"/>
+                      </a:solidFill>
+                      <a:prstDash val="solid"/>
+                      <a:round/>
+                      <a:headEnd type="none" w="med" len="med"/>
+                      <a:tailEnd type="none" w="med" len="med"/>
+                    </a:lnB>
+                  </a:tcPr>
+                </a:tc>
+                <a:tc>
+                  <a:txBody>
+                    <a:bodyPr/>
+                    <a:lstStyle/>
+                    <a:p>
+                      <a:pPr marL="243450" indent="-171450" algn="l" defTabSz="914400" rtl="0" eaLnBrk="1" fontAlgn="b" latinLnBrk="0" hangingPunct="1">
+                        <a:spcAft>
+                          <a:spcPts val="200"/>
+                        </a:spcAft>
+                        <a:buFont typeface="Arial" panose="020B0604020202020204" pitchFamily="34" charset="0"/>
+                        <a:buChar char="•"/>
+                      </a:pPr>
+                      <a:r>
+                        <a:rPr lang="en-GB" sz="550" u="none" strike="noStrike" kern="1200" dirty="0">
+                          <a:solidFill>
+                            <a:sysClr val="windowText" lastClr="000000"/>
+                          </a:solidFill>
+                          <a:effectLst/>
+                          <a:latin typeface="Arial" panose="020B0604020202020204" pitchFamily="34" charset="0"/>
+                          <a:cs typeface="Arial" panose="020B0604020202020204" pitchFamily="34" charset="0"/>
+                        </a:rPr>
+                        <a:t>Leads organizational Agile transformation efforts,  fostering a culture of collaboration and continuous improvement.</a:t>
+                      </a:r>
+                    </a:p>
+                    <a:p>
+                      <a:pPr marL="243450" indent="-171450" algn="l" defTabSz="914400" rtl="0" eaLnBrk="1" fontAlgn="b" latinLnBrk="0" hangingPunct="1">
+                        <a:spcAft>
+                          <a:spcPts val="200"/>
+                        </a:spcAft>
+                        <a:buFont typeface="Arial" panose="020B0604020202020204" pitchFamily="34" charset="0"/>
+                        <a:buChar char="•"/>
+                      </a:pPr>
+                      <a:r>
+                        <a:rPr lang="en-GB" sz="550" u="none" strike="noStrike" kern="1200" dirty="0">
+                          <a:solidFill>
+                            <a:sysClr val="windowText" lastClr="000000"/>
+                          </a:solidFill>
+                          <a:effectLst/>
+                          <a:latin typeface="Arial" panose="020B0604020202020204" pitchFamily="34" charset="0"/>
+                          <a:cs typeface="Arial" panose="020B0604020202020204" pitchFamily="34" charset="0"/>
+                        </a:rPr>
+                        <a:t>Inspires Agile teams to achieve initiative goals and deliver value to customers.</a:t>
+                      </a:r>
+                      <a:endParaRPr lang="en-GB" sz="550" u="none" strike="noStrike" kern="1200" dirty="0">
+                        <a:solidFill>
+                          <a:sysClr val="windowText" lastClr="000000"/>
+                        </a:solidFill>
+                        <a:effectLst/>
+                        <a:latin typeface="Arial" panose="020B0604020202020204" pitchFamily="34" charset="0"/>
+                        <a:ea typeface="+mn-ea"/>
+                        <a:cs typeface="Arial" panose="020B0604020202020204" pitchFamily="34" charset="0"/>
+                      </a:endParaRPr>
+                    </a:p>
+                  </a:txBody>
+                  <a:tcPr marL="866" marR="866" marT="866" marB="0" anchor="ctr">
+                    <a:lnL w="12700" cap="flat" cmpd="sng" algn="ctr">
+                      <a:solidFill>
+                        <a:schemeClr val="tx1"/>
+                      </a:solidFill>
+                      <a:prstDash val="solid"/>
+                      <a:round/>
+                      <a:headEnd type="none" w="med" len="med"/>
+                      <a:tailEnd type="none" w="med" len="med"/>
+                    </a:lnL>
+                    <a:lnR w="12700" cap="flat" cmpd="sng" algn="ctr">
+                      <a:solidFill>
+                        <a:schemeClr val="tx1"/>
+                      </a:solidFill>
+                      <a:prstDash val="solid"/>
+                      <a:round/>
+                      <a:headEnd type="none" w="med" len="med"/>
+                      <a:tailEnd type="none" w="med" len="med"/>
+                    </a:lnR>
+                    <a:lnT w="12700" cap="flat" cmpd="sng" algn="ctr">
+                      <a:solidFill>
+                        <a:schemeClr val="tx1"/>
+                      </a:solidFill>
+                      <a:prstDash val="solid"/>
+                      <a:round/>
+                      <a:headEnd type="none" w="med" len="med"/>
+                      <a:tailEnd type="none" w="med" len="med"/>
+                    </a:lnT>
+                    <a:lnB w="12700" cap="flat" cmpd="sng" algn="ctr">
+                      <a:solidFill>
+                        <a:schemeClr val="tx1"/>
+                      </a:solidFill>
+                      <a:prstDash val="solid"/>
+                      <a:round/>
+                      <a:headEnd type="none" w="med" len="med"/>
+                      <a:tailEnd type="none" w="med" len="med"/>
+                    </a:lnB>
+                  </a:tcPr>
+                </a:tc>
+                <a:tc>
+                  <a:txBody>
+                    <a:bodyPr/>
+                    <a:lstStyle/>
+                    <a:p>
+                      <a:pPr marL="243450" indent="-171450" algn="l" defTabSz="914400" rtl="0" eaLnBrk="1" fontAlgn="b" latinLnBrk="0" hangingPunct="1">
+                        <a:spcAft>
+                          <a:spcPts val="200"/>
+                        </a:spcAft>
+                        <a:buFont typeface="Arial" panose="020B0604020202020204" pitchFamily="34" charset="0"/>
+                        <a:buChar char="•"/>
+                      </a:pPr>
+                      <a:r>
+                        <a:rPr lang="en-GB" sz="550" u="none" strike="noStrike" kern="1200" dirty="0">
+                          <a:solidFill>
+                            <a:sysClr val="windowText" lastClr="000000"/>
+                          </a:solidFill>
+                          <a:effectLst/>
+                          <a:latin typeface="Arial" panose="020B0604020202020204" pitchFamily="34" charset="0"/>
+                          <a:cs typeface="Arial" panose="020B0604020202020204" pitchFamily="34" charset="0"/>
+                        </a:rPr>
+                        <a:t>Leads the successful delivery of complex and transformative initiatives in an Agile environment.</a:t>
+                      </a:r>
+                    </a:p>
+                    <a:p>
+                      <a:pPr marL="243450" indent="-171450" algn="l" defTabSz="914400" rtl="0" eaLnBrk="1" fontAlgn="b" latinLnBrk="0" hangingPunct="1">
+                        <a:spcAft>
+                          <a:spcPts val="200"/>
+                        </a:spcAft>
+                        <a:buFont typeface="Arial" panose="020B0604020202020204" pitchFamily="34" charset="0"/>
+                        <a:buChar char="•"/>
+                      </a:pPr>
+                      <a:r>
+                        <a:rPr lang="en-GB" sz="550" u="none" strike="noStrike" kern="1200" dirty="0">
+                          <a:solidFill>
+                            <a:sysClr val="windowText" lastClr="000000"/>
+                          </a:solidFill>
+                          <a:effectLst/>
+                          <a:latin typeface="Arial" panose="020B0604020202020204" pitchFamily="34" charset="0"/>
+                          <a:cs typeface="Arial" panose="020B0604020202020204" pitchFamily="34" charset="0"/>
+                        </a:rPr>
+                        <a:t>Catalyzes growth and innovation, driving sustainable change across the organization.</a:t>
+                      </a:r>
+                      <a:endParaRPr lang="en-GB" sz="550" u="none" strike="noStrike" kern="1200" dirty="0">
+                        <a:solidFill>
+                          <a:sysClr val="windowText" lastClr="000000"/>
+                        </a:solidFill>
+                        <a:effectLst/>
+                        <a:latin typeface="Arial" panose="020B0604020202020204" pitchFamily="34" charset="0"/>
+                        <a:ea typeface="+mn-ea"/>
                         <a:cs typeface="Arial" panose="020B0604020202020204" pitchFamily="34" charset="0"/>
                       </a:endParaRPr>
                     </a:p>
@@ -13511,378 +14120,6 @@
                     </a:lnB>
                   </a:tcPr>
                 </a:tc>
-                <a:tc>
-                  <a:txBody>
-                    <a:bodyPr/>
-                    <a:lstStyle/>
-                    <a:p>
-                      <a:pPr marL="243450" indent="-171450" algn="l" defTabSz="914400" rtl="0" eaLnBrk="1" fontAlgn="b" latinLnBrk="0" hangingPunct="1">
-                        <a:spcAft>
-                          <a:spcPts val="200"/>
-                        </a:spcAft>
-                        <a:buFont typeface="Arial" panose="020B0604020202020204" pitchFamily="34" charset="0"/>
-                        <a:buChar char="•"/>
-                      </a:pPr>
-                      <a:r>
-                        <a:rPr lang="en-GB" sz="550" u="none" strike="noStrike" kern="1200" dirty="0">
-                          <a:solidFill>
-                            <a:sysClr val="windowText" lastClr="000000"/>
-                          </a:solidFill>
-                          <a:effectLst/>
-                          <a:latin typeface="Arial" panose="020B0604020202020204" pitchFamily="34" charset="0"/>
-                          <a:cs typeface="Arial" panose="020B0604020202020204" pitchFamily="34" charset="0"/>
-                        </a:rPr>
-                        <a:t>Leads the successful delivery of complex and transformative initiatives in an Agile environment.</a:t>
-                      </a:r>
-                    </a:p>
-                    <a:p>
-                      <a:pPr marL="243450" indent="-171450" algn="l" defTabSz="914400" rtl="0" eaLnBrk="1" fontAlgn="b" latinLnBrk="0" hangingPunct="1">
-                        <a:spcAft>
-                          <a:spcPts val="200"/>
-                        </a:spcAft>
-                        <a:buFont typeface="Arial" panose="020B0604020202020204" pitchFamily="34" charset="0"/>
-                        <a:buChar char="•"/>
-                      </a:pPr>
-                      <a:r>
-                        <a:rPr lang="en-GB" sz="550" u="none" strike="noStrike" kern="1200" dirty="0">
-                          <a:solidFill>
-                            <a:sysClr val="windowText" lastClr="000000"/>
-                          </a:solidFill>
-                          <a:effectLst/>
-                          <a:latin typeface="Arial" panose="020B0604020202020204" pitchFamily="34" charset="0"/>
-                          <a:cs typeface="Arial" panose="020B0604020202020204" pitchFamily="34" charset="0"/>
-                        </a:rPr>
-                        <a:t>Catalyzes growth and innovation, driving sustainable change across the organization.</a:t>
-                      </a:r>
-                      <a:endParaRPr lang="en-GB" sz="550" u="none" strike="noStrike" kern="1200" dirty="0">
-                        <a:solidFill>
-                          <a:sysClr val="windowText" lastClr="000000"/>
-                        </a:solidFill>
-                        <a:effectLst/>
-                        <a:latin typeface="Arial" panose="020B0604020202020204" pitchFamily="34" charset="0"/>
-                        <a:ea typeface="+mn-ea"/>
-                        <a:cs typeface="Arial" panose="020B0604020202020204" pitchFamily="34" charset="0"/>
-                      </a:endParaRPr>
-                    </a:p>
-                  </a:txBody>
-                  <a:tcPr marL="866" marR="866" marT="866" marB="0" anchor="ctr">
-                    <a:lnL w="12700" cap="flat" cmpd="sng" algn="ctr">
-                      <a:solidFill>
-                        <a:schemeClr val="tx1"/>
-                      </a:solidFill>
-                      <a:prstDash val="solid"/>
-                      <a:round/>
-                      <a:headEnd type="none" w="med" len="med"/>
-                      <a:tailEnd type="none" w="med" len="med"/>
-                    </a:lnL>
-                    <a:lnR w="12700" cap="flat" cmpd="sng" algn="ctr">
-                      <a:solidFill>
-                        <a:schemeClr val="tx1"/>
-                      </a:solidFill>
-                      <a:prstDash val="solid"/>
-                      <a:round/>
-                      <a:headEnd type="none" w="med" len="med"/>
-                      <a:tailEnd type="none" w="med" len="med"/>
-                    </a:lnR>
-                    <a:lnT w="12700" cap="flat" cmpd="sng" algn="ctr">
-                      <a:solidFill>
-                        <a:schemeClr val="tx1"/>
-                      </a:solidFill>
-                      <a:prstDash val="solid"/>
-                      <a:round/>
-                      <a:headEnd type="none" w="med" len="med"/>
-                      <a:tailEnd type="none" w="med" len="med"/>
-                    </a:lnT>
-                    <a:lnB w="12700" cap="flat" cmpd="sng" algn="ctr">
-                      <a:solidFill>
-                        <a:schemeClr val="tx1"/>
-                      </a:solidFill>
-                      <a:prstDash val="solid"/>
-                      <a:round/>
-                      <a:headEnd type="none" w="med" len="med"/>
-                      <a:tailEnd type="none" w="med" len="med"/>
-                    </a:lnB>
-                  </a:tcPr>
-                </a:tc>
-                <a:tc>
-                  <a:txBody>
-                    <a:bodyPr/>
-                    <a:lstStyle/>
-                    <a:p>
-                      <a:pPr marL="243450" indent="-171450" algn="l" defTabSz="914400" rtl="0" eaLnBrk="1" fontAlgn="b" latinLnBrk="0" hangingPunct="1">
-                        <a:spcAft>
-                          <a:spcPts val="200"/>
-                        </a:spcAft>
-                        <a:buFont typeface="Arial" panose="020B0604020202020204" pitchFamily="34" charset="0"/>
-                        <a:buChar char="•"/>
-                      </a:pPr>
-                      <a:r>
-                        <a:rPr lang="en-GB" sz="550" u="none" strike="noStrike" kern="1200" dirty="0">
-                          <a:solidFill>
-                            <a:sysClr val="windowText" lastClr="000000"/>
-                          </a:solidFill>
-                          <a:effectLst/>
-                          <a:latin typeface="Arial" panose="020B0604020202020204" pitchFamily="34" charset="0"/>
-                          <a:cs typeface="Arial" panose="020B0604020202020204" pitchFamily="34" charset="0"/>
-                        </a:rPr>
-                        <a:t>Leads organizational Agile transformation efforts,  fostering a culture of collaboration and continuous improvement.</a:t>
-                      </a:r>
-                    </a:p>
-                    <a:p>
-                      <a:pPr marL="243450" indent="-171450" algn="l" defTabSz="914400" rtl="0" eaLnBrk="1" fontAlgn="b" latinLnBrk="0" hangingPunct="1">
-                        <a:spcAft>
-                          <a:spcPts val="200"/>
-                        </a:spcAft>
-                        <a:buFont typeface="Arial" panose="020B0604020202020204" pitchFamily="34" charset="0"/>
-                        <a:buChar char="•"/>
-                      </a:pPr>
-                      <a:r>
-                        <a:rPr lang="en-GB" sz="550" u="none" strike="noStrike" kern="1200" dirty="0">
-                          <a:solidFill>
-                            <a:sysClr val="windowText" lastClr="000000"/>
-                          </a:solidFill>
-                          <a:effectLst/>
-                          <a:latin typeface="Arial" panose="020B0604020202020204" pitchFamily="34" charset="0"/>
-                          <a:cs typeface="Arial" panose="020B0604020202020204" pitchFamily="34" charset="0"/>
-                        </a:rPr>
-                        <a:t>Inspires Agile teams to achieve initiative goals and deliver value to customers.</a:t>
-                      </a:r>
-                      <a:endParaRPr lang="en-GB" sz="550" u="none" strike="noStrike" kern="1200" dirty="0">
-                        <a:solidFill>
-                          <a:sysClr val="windowText" lastClr="000000"/>
-                        </a:solidFill>
-                        <a:effectLst/>
-                        <a:latin typeface="Arial" panose="020B0604020202020204" pitchFamily="34" charset="0"/>
-                        <a:ea typeface="+mn-ea"/>
-                        <a:cs typeface="Arial" panose="020B0604020202020204" pitchFamily="34" charset="0"/>
-                      </a:endParaRPr>
-                    </a:p>
-                  </a:txBody>
-                  <a:tcPr marL="866" marR="866" marT="866" marB="0" anchor="ctr">
-                    <a:lnL w="12700" cap="flat" cmpd="sng" algn="ctr">
-                      <a:solidFill>
-                        <a:schemeClr val="tx1"/>
-                      </a:solidFill>
-                      <a:prstDash val="solid"/>
-                      <a:round/>
-                      <a:headEnd type="none" w="med" len="med"/>
-                      <a:tailEnd type="none" w="med" len="med"/>
-                    </a:lnL>
-                    <a:lnR w="12700" cap="flat" cmpd="sng" algn="ctr">
-                      <a:solidFill>
-                        <a:schemeClr val="tx1"/>
-                      </a:solidFill>
-                      <a:prstDash val="solid"/>
-                      <a:round/>
-                      <a:headEnd type="none" w="med" len="med"/>
-                      <a:tailEnd type="none" w="med" len="med"/>
-                    </a:lnR>
-                    <a:lnT w="12700" cap="flat" cmpd="sng" algn="ctr">
-                      <a:solidFill>
-                        <a:schemeClr val="tx1"/>
-                      </a:solidFill>
-                      <a:prstDash val="solid"/>
-                      <a:round/>
-                      <a:headEnd type="none" w="med" len="med"/>
-                      <a:tailEnd type="none" w="med" len="med"/>
-                    </a:lnT>
-                    <a:lnB w="12700" cap="flat" cmpd="sng" algn="ctr">
-                      <a:solidFill>
-                        <a:schemeClr val="tx1"/>
-                      </a:solidFill>
-                      <a:prstDash val="solid"/>
-                      <a:round/>
-                      <a:headEnd type="none" w="med" len="med"/>
-                      <a:tailEnd type="none" w="med" len="med"/>
-                    </a:lnB>
-                  </a:tcPr>
-                </a:tc>
-                <a:tc>
-                  <a:txBody>
-                    <a:bodyPr/>
-                    <a:lstStyle/>
-                    <a:p>
-                      <a:pPr marL="243450" indent="-171450" algn="l" defTabSz="914400" rtl="0" eaLnBrk="1" fontAlgn="b" latinLnBrk="0" hangingPunct="1">
-                        <a:spcAft>
-                          <a:spcPts val="200"/>
-                        </a:spcAft>
-                        <a:buFont typeface="Arial" panose="020B0604020202020204" pitchFamily="34" charset="0"/>
-                        <a:buChar char="•"/>
-                      </a:pPr>
-                      <a:r>
-                        <a:rPr lang="en-GB" sz="550" u="none" strike="noStrike" kern="1200" dirty="0">
-                          <a:solidFill>
-                            <a:sysClr val="windowText" lastClr="000000"/>
-                          </a:solidFill>
-                          <a:effectLst/>
-                          <a:latin typeface="Arial" panose="020B0604020202020204" pitchFamily="34" charset="0"/>
-                          <a:cs typeface="Arial" panose="020B0604020202020204" pitchFamily="34" charset="0"/>
-                        </a:rPr>
-                        <a:t>Leads Agile teams and drives successful initiative  delivery, inspiring others to embrace Agile principles.</a:t>
-                      </a:r>
-                    </a:p>
-                    <a:p>
-                      <a:pPr marL="243450" indent="-171450" algn="l" defTabSz="914400" rtl="0" eaLnBrk="1" fontAlgn="b" latinLnBrk="0" hangingPunct="1">
-                        <a:spcAft>
-                          <a:spcPts val="200"/>
-                        </a:spcAft>
-                        <a:buFont typeface="Arial" panose="020B0604020202020204" pitchFamily="34" charset="0"/>
-                        <a:buChar char="•"/>
-                      </a:pPr>
-                      <a:r>
-                        <a:rPr lang="en-GB" sz="550" u="none" strike="noStrike" kern="1200" dirty="0">
-                          <a:solidFill>
-                            <a:sysClr val="windowText" lastClr="000000"/>
-                          </a:solidFill>
-                          <a:effectLst/>
-                          <a:latin typeface="Arial" panose="020B0604020202020204" pitchFamily="34" charset="0"/>
-                          <a:cs typeface="Arial" panose="020B0604020202020204" pitchFamily="34" charset="0"/>
-                        </a:rPr>
-                        <a:t>Provides leadership and guidance to ensure alignment with organizational goals and objectives.</a:t>
-                      </a:r>
-                      <a:endParaRPr lang="en-GB" sz="550" u="none" strike="noStrike" kern="1200" dirty="0">
-                        <a:solidFill>
-                          <a:sysClr val="windowText" lastClr="000000"/>
-                        </a:solidFill>
-                        <a:effectLst/>
-                        <a:latin typeface="Arial" panose="020B0604020202020204" pitchFamily="34" charset="0"/>
-                        <a:ea typeface="+mn-ea"/>
-                        <a:cs typeface="Arial" panose="020B0604020202020204" pitchFamily="34" charset="0"/>
-                      </a:endParaRPr>
-                    </a:p>
-                  </a:txBody>
-                  <a:tcPr marL="866" marR="866" marT="866" marB="0" anchor="ctr">
-                    <a:lnL w="12700" cap="flat" cmpd="sng" algn="ctr">
-                      <a:solidFill>
-                        <a:schemeClr val="tx1"/>
-                      </a:solidFill>
-                      <a:prstDash val="solid"/>
-                      <a:round/>
-                      <a:headEnd type="none" w="med" len="med"/>
-                      <a:tailEnd type="none" w="med" len="med"/>
-                    </a:lnL>
-                    <a:lnR w="12700" cap="flat" cmpd="sng" algn="ctr">
-                      <a:solidFill>
-                        <a:schemeClr val="tx1"/>
-                      </a:solidFill>
-                      <a:prstDash val="solid"/>
-                      <a:round/>
-                      <a:headEnd type="none" w="med" len="med"/>
-                      <a:tailEnd type="none" w="med" len="med"/>
-                    </a:lnR>
-                    <a:lnT w="12700" cap="flat" cmpd="sng" algn="ctr">
-                      <a:solidFill>
-                        <a:schemeClr val="tx1"/>
-                      </a:solidFill>
-                      <a:prstDash val="solid"/>
-                      <a:round/>
-                      <a:headEnd type="none" w="med" len="med"/>
-                      <a:tailEnd type="none" w="med" len="med"/>
-                    </a:lnT>
-                    <a:lnB w="12700" cap="flat" cmpd="sng" algn="ctr">
-                      <a:solidFill>
-                        <a:schemeClr val="tx1"/>
-                      </a:solidFill>
-                      <a:prstDash val="solid"/>
-                      <a:round/>
-                      <a:headEnd type="none" w="med" len="med"/>
-                      <a:tailEnd type="none" w="med" len="med"/>
-                    </a:lnB>
-                  </a:tcPr>
-                </a:tc>
-                <a:tc>
-                  <a:txBody>
-                    <a:bodyPr/>
-                    <a:lstStyle/>
-                    <a:p>
-                      <a:pPr marL="243450" indent="-171450" algn="l" defTabSz="914400" rtl="0" eaLnBrk="1" fontAlgn="b" latinLnBrk="0" hangingPunct="1">
-                        <a:spcAft>
-                          <a:spcPts val="200"/>
-                        </a:spcAft>
-                        <a:buFont typeface="Arial" panose="020B0604020202020204" pitchFamily="34" charset="0"/>
-                        <a:buChar char="•"/>
-                      </a:pPr>
-                      <a:r>
-                        <a:rPr lang="en-GB" sz="550" u="none" strike="noStrike" kern="1200" dirty="0">
-                          <a:solidFill>
-                            <a:sysClr val="windowText" lastClr="000000"/>
-                          </a:solidFill>
-                          <a:effectLst/>
-                          <a:latin typeface="Arial" panose="020B0604020202020204" pitchFamily="34" charset="0"/>
-                          <a:cs typeface="Arial" panose="020B0604020202020204" pitchFamily="34" charset="0"/>
-                        </a:rPr>
-                        <a:t>Supports Agile Delivery management and contributes to the timely completion of initiative deliverables, gaining valuable experience in Agile leadership.</a:t>
-                      </a:r>
-                    </a:p>
-                    <a:p>
-                      <a:pPr marL="243450" indent="-171450" algn="l" defTabSz="914400" rtl="0" eaLnBrk="1" fontAlgn="b" latinLnBrk="0" hangingPunct="1">
-                        <a:spcAft>
-                          <a:spcPts val="200"/>
-                        </a:spcAft>
-                        <a:buFont typeface="Arial" panose="020B0604020202020204" pitchFamily="34" charset="0"/>
-                        <a:buChar char="•"/>
-                      </a:pPr>
-                      <a:r>
-                        <a:rPr lang="en-GB" sz="550" u="none" strike="noStrike" kern="1200" dirty="0">
-                          <a:solidFill>
-                            <a:sysClr val="windowText" lastClr="000000"/>
-                          </a:solidFill>
-                          <a:effectLst/>
-                          <a:latin typeface="Arial" panose="020B0604020202020204" pitchFamily="34" charset="0"/>
-                          <a:cs typeface="Arial" panose="020B0604020202020204" pitchFamily="34" charset="0"/>
-                        </a:rPr>
-                        <a:t>Takes part in professional development activities to enhance leadership skills and proficiency in Agile Delivery.</a:t>
-                      </a:r>
-                      <a:endParaRPr lang="en-GB" sz="550" u="none" strike="noStrike" kern="1200" dirty="0">
-                        <a:solidFill>
-                          <a:sysClr val="windowText" lastClr="000000"/>
-                        </a:solidFill>
-                        <a:effectLst/>
-                        <a:latin typeface="Arial" panose="020B0604020202020204" pitchFamily="34" charset="0"/>
-                        <a:ea typeface="+mn-ea"/>
-                        <a:cs typeface="Arial" panose="020B0604020202020204" pitchFamily="34" charset="0"/>
-                      </a:endParaRPr>
-                    </a:p>
-                  </a:txBody>
-                  <a:tcPr marL="866" marR="866" marT="866" marB="0" anchor="ctr">
-                    <a:lnL w="12700" cap="flat" cmpd="sng" algn="ctr">
-                      <a:solidFill>
-                        <a:schemeClr val="tx1"/>
-                      </a:solidFill>
-                      <a:prstDash val="solid"/>
-                      <a:round/>
-                      <a:headEnd type="none" w="med" len="med"/>
-                      <a:tailEnd type="none" w="med" len="med"/>
-                    </a:lnL>
-                    <a:lnR w="12700" cap="flat" cmpd="sng" algn="ctr">
-                      <a:solidFill>
-                        <a:schemeClr val="tx1"/>
-                      </a:solidFill>
-                      <a:prstDash val="solid"/>
-                      <a:round/>
-                      <a:headEnd type="none" w="med" len="med"/>
-                      <a:tailEnd type="none" w="med" len="med"/>
-                    </a:lnR>
-                    <a:lnT w="12700" cap="flat" cmpd="sng" algn="ctr">
-                      <a:solidFill>
-                        <a:schemeClr val="tx1"/>
-                      </a:solidFill>
-                      <a:prstDash val="solid"/>
-                      <a:round/>
-                      <a:headEnd type="none" w="med" len="med"/>
-                      <a:tailEnd type="none" w="med" len="med"/>
-                    </a:lnT>
-                    <a:lnB w="12700" cap="flat" cmpd="sng" algn="ctr">
-                      <a:solidFill>
-                        <a:schemeClr val="tx1"/>
-                      </a:solidFill>
-                      <a:prstDash val="solid"/>
-                      <a:round/>
-                      <a:headEnd type="none" w="med" len="med"/>
-                      <a:tailEnd type="none" w="med" len="med"/>
-                    </a:lnB>
-                  </a:tcPr>
-                </a:tc>
                 <a:extLst>
                   <a:ext uri="{0D108BD9-81ED-4DB2-BD59-A6C34878D82A}">
                     <a16:rowId xmlns:a16="http://schemas.microsoft.com/office/drawing/2014/main" val="617930757"/>
@@ -13994,7 +14231,7 @@
                           <a:latin typeface="Arial" panose="020B0604020202020204" pitchFamily="34" charset="0"/>
                           <a:cs typeface="Arial" panose="020B0604020202020204" pitchFamily="34" charset="0"/>
                         </a:rPr>
-                        <a:t>Drives a culture of continuous improvement and innovation within Agile teams and across the organization.</a:t>
+                        <a:t>Supports Agile transformation initiatives and contributes   to process improvement within the development team.</a:t>
                       </a:r>
                     </a:p>
                     <a:p>
@@ -14014,7 +14251,195 @@
                           <a:latin typeface="Arial" panose="020B0604020202020204" pitchFamily="34" charset="0"/>
                           <a:cs typeface="Arial" panose="020B0604020202020204" pitchFamily="34" charset="0"/>
                         </a:rPr>
-                        <a:t>Leads change initiatives to optimize team performance and deliver value to customers.</a:t>
+                        <a:t>Participates in professional development activities to enhance skills in guiding sustainable change and organizational effectiveness.</a:t>
+                      </a:r>
+                      <a:endParaRPr lang="en-GB" sz="550" u="none" strike="noStrike" kern="1200" dirty="0">
+                        <a:solidFill>
+                          <a:sysClr val="windowText" lastClr="000000"/>
+                        </a:solidFill>
+                        <a:effectLst/>
+                        <a:latin typeface="Arial" panose="020B0604020202020204" pitchFamily="34" charset="0"/>
+                        <a:ea typeface="+mn-ea"/>
+                        <a:cs typeface="Arial" panose="020B0604020202020204" pitchFamily="34" charset="0"/>
+                      </a:endParaRPr>
+                    </a:p>
+                  </a:txBody>
+                  <a:tcPr marL="866" marR="866" marT="866" marB="0" anchor="ctr">
+                    <a:lnL w="12700" cap="flat" cmpd="sng" algn="ctr">
+                      <a:solidFill>
+                        <a:schemeClr val="tx1"/>
+                      </a:solidFill>
+                      <a:prstDash val="solid"/>
+                      <a:round/>
+                      <a:headEnd type="none" w="med" len="med"/>
+                      <a:tailEnd type="none" w="med" len="med"/>
+                    </a:lnL>
+                    <a:lnR w="12700" cap="flat" cmpd="sng" algn="ctr">
+                      <a:solidFill>
+                        <a:schemeClr val="tx1"/>
+                      </a:solidFill>
+                      <a:prstDash val="solid"/>
+                      <a:round/>
+                      <a:headEnd type="none" w="med" len="med"/>
+                      <a:tailEnd type="none" w="med" len="med"/>
+                    </a:lnR>
+                    <a:lnT w="12700" cap="flat" cmpd="sng" algn="ctr">
+                      <a:solidFill>
+                        <a:schemeClr val="tx1"/>
+                      </a:solidFill>
+                      <a:prstDash val="solid"/>
+                      <a:round/>
+                      <a:headEnd type="none" w="med" len="med"/>
+                      <a:tailEnd type="none" w="med" len="med"/>
+                    </a:lnT>
+                    <a:lnB w="12700" cap="flat" cmpd="sng" algn="ctr">
+                      <a:solidFill>
+                        <a:schemeClr val="tx1"/>
+                      </a:solidFill>
+                      <a:prstDash val="solid"/>
+                      <a:round/>
+                      <a:headEnd type="none" w="med" len="med"/>
+                      <a:tailEnd type="none" w="med" len="med"/>
+                    </a:lnB>
+                    <a:noFill/>
+                  </a:tcPr>
+                </a:tc>
+                <a:tc>
+                  <a:txBody>
+                    <a:bodyPr/>
+                    <a:lstStyle/>
+                    <a:p>
+                      <a:pPr marL="243450" indent="-171450" algn="l" defTabSz="914400" rtl="0" eaLnBrk="1" fontAlgn="b" latinLnBrk="0" hangingPunct="1">
+                        <a:spcAft>
+                          <a:spcPts val="200"/>
+                        </a:spcAft>
+                        <a:buFont typeface="Arial" panose="020B0604020202020204" pitchFamily="34" charset="0"/>
+                        <a:buChar char="•"/>
+                      </a:pPr>
+                      <a:r>
+                        <a:rPr lang="en-GB" sz="550" u="none" strike="noStrike" kern="1200" dirty="0">
+                          <a:solidFill>
+                            <a:sysClr val="windowText" lastClr="000000"/>
+                          </a:solidFill>
+                          <a:effectLst/>
+                          <a:latin typeface="Arial" panose="020B0604020202020204" pitchFamily="34" charset="0"/>
+                          <a:cs typeface="Arial" panose="020B0604020202020204" pitchFamily="34" charset="0"/>
+                        </a:rPr>
+                        <a:t>Drives Agile transformation initiatives, promoting a culture of continuous improvement and adaptability.</a:t>
+                      </a:r>
+                    </a:p>
+                    <a:p>
+                      <a:pPr marL="243450" indent="-171450" algn="l" defTabSz="914400" rtl="0" eaLnBrk="1" fontAlgn="b" latinLnBrk="0" hangingPunct="1">
+                        <a:spcAft>
+                          <a:spcPts val="200"/>
+                        </a:spcAft>
+                        <a:buFont typeface="Arial" panose="020B0604020202020204" pitchFamily="34" charset="0"/>
+                        <a:buChar char="•"/>
+                      </a:pPr>
+                      <a:r>
+                        <a:rPr lang="en-GB" sz="550" u="none" strike="noStrike" kern="1200" dirty="0">
+                          <a:solidFill>
+                            <a:sysClr val="windowText" lastClr="000000"/>
+                          </a:solidFill>
+                          <a:effectLst/>
+                          <a:latin typeface="Arial" panose="020B0604020202020204" pitchFamily="34" charset="0"/>
+                          <a:cs typeface="Arial" panose="020B0604020202020204" pitchFamily="34" charset="0"/>
+                        </a:rPr>
+                        <a:t>Guides teams in implementing Agile methods and practices to drive organizational change.</a:t>
+                      </a:r>
+                      <a:endParaRPr lang="en-GB" sz="550" u="none" strike="noStrike" kern="1200" dirty="0">
+                        <a:solidFill>
+                          <a:sysClr val="windowText" lastClr="000000"/>
+                        </a:solidFill>
+                        <a:effectLst/>
+                        <a:latin typeface="Arial" panose="020B0604020202020204" pitchFamily="34" charset="0"/>
+                        <a:ea typeface="+mn-ea"/>
+                        <a:cs typeface="Arial" panose="020B0604020202020204" pitchFamily="34" charset="0"/>
+                      </a:endParaRPr>
+                    </a:p>
+                  </a:txBody>
+                  <a:tcPr marL="866" marR="866" marT="866" marB="0" anchor="ctr">
+                    <a:lnL w="12700" cap="flat" cmpd="sng" algn="ctr">
+                      <a:solidFill>
+                        <a:schemeClr val="tx1"/>
+                      </a:solidFill>
+                      <a:prstDash val="solid"/>
+                      <a:round/>
+                      <a:headEnd type="none" w="med" len="med"/>
+                      <a:tailEnd type="none" w="med" len="med"/>
+                    </a:lnL>
+                    <a:lnR w="12700" cap="flat" cmpd="sng" algn="ctr">
+                      <a:solidFill>
+                        <a:schemeClr val="tx1"/>
+                      </a:solidFill>
+                      <a:prstDash val="solid"/>
+                      <a:round/>
+                      <a:headEnd type="none" w="med" len="med"/>
+                      <a:tailEnd type="none" w="med" len="med"/>
+                    </a:lnR>
+                    <a:lnT w="12700" cap="flat" cmpd="sng" algn="ctr">
+                      <a:solidFill>
+                        <a:schemeClr val="tx1"/>
+                      </a:solidFill>
+                      <a:prstDash val="solid"/>
+                      <a:round/>
+                      <a:headEnd type="none" w="med" len="med"/>
+                      <a:tailEnd type="none" w="med" len="med"/>
+                    </a:lnT>
+                    <a:lnB w="12700" cap="flat" cmpd="sng" algn="ctr">
+                      <a:solidFill>
+                        <a:schemeClr val="tx1"/>
+                      </a:solidFill>
+                      <a:prstDash val="solid"/>
+                      <a:round/>
+                      <a:headEnd type="none" w="med" len="med"/>
+                      <a:tailEnd type="none" w="med" len="med"/>
+                    </a:lnB>
+                    <a:noFill/>
+                  </a:tcPr>
+                </a:tc>
+                <a:tc>
+                  <a:txBody>
+                    <a:bodyPr/>
+                    <a:lstStyle/>
+                    <a:p>
+                      <a:pPr marL="243450" indent="-171450" algn="l" defTabSz="914400" rtl="0" eaLnBrk="1" fontAlgn="b" latinLnBrk="0" hangingPunct="1">
+                        <a:spcAft>
+                          <a:spcPts val="200"/>
+                        </a:spcAft>
+                        <a:buFont typeface="Arial" panose="020B0604020202020204" pitchFamily="34" charset="0"/>
+                        <a:buChar char="•"/>
+                      </a:pPr>
+                      <a:r>
+                        <a:rPr lang="en-GB" sz="550" u="none" strike="noStrike" kern="1200" dirty="0">
+                          <a:solidFill>
+                            <a:sysClr val="windowText" lastClr="000000"/>
+                          </a:solidFill>
+                          <a:effectLst/>
+                          <a:latin typeface="Arial" panose="020B0604020202020204" pitchFamily="34" charset="0"/>
+                          <a:cs typeface="Arial" panose="020B0604020202020204" pitchFamily="34" charset="0"/>
+                        </a:rPr>
+                        <a:t>Drives Agile transformation at an organizational level, promoting Agile values and principles.</a:t>
+                      </a:r>
+                    </a:p>
+                    <a:p>
+                      <a:pPr marL="243450" indent="-171450" algn="l" defTabSz="914400" rtl="0" eaLnBrk="1" fontAlgn="b" latinLnBrk="0" hangingPunct="1">
+                        <a:spcAft>
+                          <a:spcPts val="200"/>
+                        </a:spcAft>
+                        <a:buFont typeface="Arial" panose="020B0604020202020204" pitchFamily="34" charset="0"/>
+                        <a:buChar char="•"/>
+                      </a:pPr>
+                      <a:r>
+                        <a:rPr lang="en-GB" sz="550" u="none" strike="noStrike" kern="1200" dirty="0">
+                          <a:solidFill>
+                            <a:sysClr val="windowText" lastClr="000000"/>
+                          </a:solidFill>
+                          <a:effectLst/>
+                          <a:latin typeface="Arial" panose="020B0604020202020204" pitchFamily="34" charset="0"/>
+                          <a:cs typeface="Arial" panose="020B0604020202020204" pitchFamily="34" charset="0"/>
+                        </a:rPr>
+                        <a:t>Leads initiatives to enhance team productivity, collaboration, and delivery effectiveness.</a:t>
                       </a:r>
                       <a:endParaRPr lang="en-GB" sz="550" u="none" strike="noStrike" kern="1200" dirty="0">
                         <a:solidFill>
@@ -14182,7 +14607,7 @@
                           <a:latin typeface="Arial" panose="020B0604020202020204" pitchFamily="34" charset="0"/>
                           <a:cs typeface="Arial" panose="020B0604020202020204" pitchFamily="34" charset="0"/>
                         </a:rPr>
-                        <a:t>Drives Agile transformation at an organizational level, promoting Agile values and principles.</a:t>
+                        <a:t>Drives a culture of continuous improvement and innovation within Agile teams and across the organization.</a:t>
                       </a:r>
                     </a:p>
                     <a:p>
@@ -14202,7 +14627,7 @@
                           <a:latin typeface="Arial" panose="020B0604020202020204" pitchFamily="34" charset="0"/>
                           <a:cs typeface="Arial" panose="020B0604020202020204" pitchFamily="34" charset="0"/>
                         </a:rPr>
-                        <a:t>Leads initiatives to enhance team productivity, collaboration, and delivery effectiveness.</a:t>
+                        <a:t>Leads change initiatives to optimize team performance and deliver value to customers.</a:t>
                       </a:r>
                       <a:endParaRPr lang="en-GB" sz="550" u="none" strike="noStrike" kern="1200" dirty="0">
                         <a:solidFill>
@@ -14255,194 +14680,6 @@
                     <a:noFill/>
                   </a:tcPr>
                 </a:tc>
-                <a:tc>
-                  <a:txBody>
-                    <a:bodyPr/>
-                    <a:lstStyle/>
-                    <a:p>
-                      <a:pPr marL="243450" indent="-171450" algn="l" defTabSz="914400" rtl="0" eaLnBrk="1" fontAlgn="b" latinLnBrk="0" hangingPunct="1">
-                        <a:spcAft>
-                          <a:spcPts val="200"/>
-                        </a:spcAft>
-                        <a:buFont typeface="Arial" panose="020B0604020202020204" pitchFamily="34" charset="0"/>
-                        <a:buChar char="•"/>
-                      </a:pPr>
-                      <a:r>
-                        <a:rPr lang="en-GB" sz="550" u="none" strike="noStrike" kern="1200" dirty="0">
-                          <a:solidFill>
-                            <a:sysClr val="windowText" lastClr="000000"/>
-                          </a:solidFill>
-                          <a:effectLst/>
-                          <a:latin typeface="Arial" panose="020B0604020202020204" pitchFamily="34" charset="0"/>
-                          <a:cs typeface="Arial" panose="020B0604020202020204" pitchFamily="34" charset="0"/>
-                        </a:rPr>
-                        <a:t>Drives Agile transformation initiatives, promoting a culture of continuous improvement and adaptability.</a:t>
-                      </a:r>
-                    </a:p>
-                    <a:p>
-                      <a:pPr marL="243450" indent="-171450" algn="l" defTabSz="914400" rtl="0" eaLnBrk="1" fontAlgn="b" latinLnBrk="0" hangingPunct="1">
-                        <a:spcAft>
-                          <a:spcPts val="200"/>
-                        </a:spcAft>
-                        <a:buFont typeface="Arial" panose="020B0604020202020204" pitchFamily="34" charset="0"/>
-                        <a:buChar char="•"/>
-                      </a:pPr>
-                      <a:r>
-                        <a:rPr lang="en-GB" sz="550" u="none" strike="noStrike" kern="1200" dirty="0">
-                          <a:solidFill>
-                            <a:sysClr val="windowText" lastClr="000000"/>
-                          </a:solidFill>
-                          <a:effectLst/>
-                          <a:latin typeface="Arial" panose="020B0604020202020204" pitchFamily="34" charset="0"/>
-                          <a:cs typeface="Arial" panose="020B0604020202020204" pitchFamily="34" charset="0"/>
-                        </a:rPr>
-                        <a:t>Guides teams in implementing Agile methods and practices to drive organizational change.</a:t>
-                      </a:r>
-                      <a:endParaRPr lang="en-GB" sz="550" u="none" strike="noStrike" kern="1200" dirty="0">
-                        <a:solidFill>
-                          <a:sysClr val="windowText" lastClr="000000"/>
-                        </a:solidFill>
-                        <a:effectLst/>
-                        <a:latin typeface="Arial" panose="020B0604020202020204" pitchFamily="34" charset="0"/>
-                        <a:ea typeface="+mn-ea"/>
-                        <a:cs typeface="Arial" panose="020B0604020202020204" pitchFamily="34" charset="0"/>
-                      </a:endParaRPr>
-                    </a:p>
-                  </a:txBody>
-                  <a:tcPr marL="866" marR="866" marT="866" marB="0" anchor="ctr">
-                    <a:lnL w="12700" cap="flat" cmpd="sng" algn="ctr">
-                      <a:solidFill>
-                        <a:schemeClr val="tx1"/>
-                      </a:solidFill>
-                      <a:prstDash val="solid"/>
-                      <a:round/>
-                      <a:headEnd type="none" w="med" len="med"/>
-                      <a:tailEnd type="none" w="med" len="med"/>
-                    </a:lnL>
-                    <a:lnR w="12700" cap="flat" cmpd="sng" algn="ctr">
-                      <a:solidFill>
-                        <a:schemeClr val="tx1"/>
-                      </a:solidFill>
-                      <a:prstDash val="solid"/>
-                      <a:round/>
-                      <a:headEnd type="none" w="med" len="med"/>
-                      <a:tailEnd type="none" w="med" len="med"/>
-                    </a:lnR>
-                    <a:lnT w="12700" cap="flat" cmpd="sng" algn="ctr">
-                      <a:solidFill>
-                        <a:schemeClr val="tx1"/>
-                      </a:solidFill>
-                      <a:prstDash val="solid"/>
-                      <a:round/>
-                      <a:headEnd type="none" w="med" len="med"/>
-                      <a:tailEnd type="none" w="med" len="med"/>
-                    </a:lnT>
-                    <a:lnB w="12700" cap="flat" cmpd="sng" algn="ctr">
-                      <a:solidFill>
-                        <a:schemeClr val="tx1"/>
-                      </a:solidFill>
-                      <a:prstDash val="solid"/>
-                      <a:round/>
-                      <a:headEnd type="none" w="med" len="med"/>
-                      <a:tailEnd type="none" w="med" len="med"/>
-                    </a:lnB>
-                    <a:noFill/>
-                  </a:tcPr>
-                </a:tc>
-                <a:tc>
-                  <a:txBody>
-                    <a:bodyPr/>
-                    <a:lstStyle/>
-                    <a:p>
-                      <a:pPr marL="243450" indent="-171450" algn="l" defTabSz="914400" rtl="0" eaLnBrk="1" fontAlgn="b" latinLnBrk="0" hangingPunct="1">
-                        <a:spcAft>
-                          <a:spcPts val="200"/>
-                        </a:spcAft>
-                        <a:buFont typeface="Arial" panose="020B0604020202020204" pitchFamily="34" charset="0"/>
-                        <a:buChar char="•"/>
-                      </a:pPr>
-                      <a:r>
-                        <a:rPr lang="en-GB" sz="550" u="none" strike="noStrike" kern="1200" dirty="0">
-                          <a:solidFill>
-                            <a:sysClr val="windowText" lastClr="000000"/>
-                          </a:solidFill>
-                          <a:effectLst/>
-                          <a:latin typeface="Arial" panose="020B0604020202020204" pitchFamily="34" charset="0"/>
-                          <a:cs typeface="Arial" panose="020B0604020202020204" pitchFamily="34" charset="0"/>
-                        </a:rPr>
-                        <a:t>Supports Agile transformation initiatives and contributes   to process improvement within the development team.</a:t>
-                      </a:r>
-                    </a:p>
-                    <a:p>
-                      <a:pPr marL="243450" indent="-171450" algn="l" defTabSz="914400" rtl="0" eaLnBrk="1" fontAlgn="b" latinLnBrk="0" hangingPunct="1">
-                        <a:spcAft>
-                          <a:spcPts val="200"/>
-                        </a:spcAft>
-                        <a:buFont typeface="Arial" panose="020B0604020202020204" pitchFamily="34" charset="0"/>
-                        <a:buChar char="•"/>
-                      </a:pPr>
-                      <a:r>
-                        <a:rPr lang="en-GB" sz="550" u="none" strike="noStrike" kern="1200" dirty="0">
-                          <a:solidFill>
-                            <a:sysClr val="windowText" lastClr="000000"/>
-                          </a:solidFill>
-                          <a:effectLst/>
-                          <a:latin typeface="Arial" panose="020B0604020202020204" pitchFamily="34" charset="0"/>
-                          <a:cs typeface="Arial" panose="020B0604020202020204" pitchFamily="34" charset="0"/>
-                        </a:rPr>
-                        <a:t>Participates in professional development activities to enhance skills in guiding sustainable change and organizational effectiveness.</a:t>
-                      </a:r>
-                      <a:endParaRPr lang="en-GB" sz="550" u="none" strike="noStrike" kern="1200" dirty="0">
-                        <a:solidFill>
-                          <a:sysClr val="windowText" lastClr="000000"/>
-                        </a:solidFill>
-                        <a:effectLst/>
-                        <a:latin typeface="Arial" panose="020B0604020202020204" pitchFamily="34" charset="0"/>
-                        <a:ea typeface="+mn-ea"/>
-                        <a:cs typeface="Arial" panose="020B0604020202020204" pitchFamily="34" charset="0"/>
-                      </a:endParaRPr>
-                    </a:p>
-                  </a:txBody>
-                  <a:tcPr marL="866" marR="866" marT="866" marB="0" anchor="ctr">
-                    <a:lnL w="12700" cap="flat" cmpd="sng" algn="ctr">
-                      <a:solidFill>
-                        <a:schemeClr val="tx1"/>
-                      </a:solidFill>
-                      <a:prstDash val="solid"/>
-                      <a:round/>
-                      <a:headEnd type="none" w="med" len="med"/>
-                      <a:tailEnd type="none" w="med" len="med"/>
-                    </a:lnL>
-                    <a:lnR w="12700" cap="flat" cmpd="sng" algn="ctr">
-                      <a:solidFill>
-                        <a:schemeClr val="tx1"/>
-                      </a:solidFill>
-                      <a:prstDash val="solid"/>
-                      <a:round/>
-                      <a:headEnd type="none" w="med" len="med"/>
-                      <a:tailEnd type="none" w="med" len="med"/>
-                    </a:lnR>
-                    <a:lnT w="12700" cap="flat" cmpd="sng" algn="ctr">
-                      <a:solidFill>
-                        <a:schemeClr val="tx1"/>
-                      </a:solidFill>
-                      <a:prstDash val="solid"/>
-                      <a:round/>
-                      <a:headEnd type="none" w="med" len="med"/>
-                      <a:tailEnd type="none" w="med" len="med"/>
-                    </a:lnT>
-                    <a:lnB w="12700" cap="flat" cmpd="sng" algn="ctr">
-                      <a:solidFill>
-                        <a:schemeClr val="tx1"/>
-                      </a:solidFill>
-                      <a:prstDash val="solid"/>
-                      <a:round/>
-                      <a:headEnd type="none" w="med" len="med"/>
-                      <a:tailEnd type="none" w="med" len="med"/>
-                    </a:lnB>
-                    <a:noFill/>
-                  </a:tcPr>
-                </a:tc>
                 <a:extLst>
                   <a:ext uri="{0D108BD9-81ED-4DB2-BD59-A6C34878D82A}">
                     <a16:rowId xmlns:a16="http://schemas.microsoft.com/office/drawing/2014/main" val="2329623785"/>
@@ -14453,66 +14690,186 @@
           </a:graphicData>
         </a:graphic>
       </p:graphicFrame>
+    </p:spTree>
+    <p:extLst>
+      <p:ext uri="{BB962C8B-B14F-4D97-AF65-F5344CB8AC3E}">
+        <p14:creationId xmlns:p14="http://schemas.microsoft.com/office/powerpoint/2010/main" val="215971509"/>
+      </p:ext>
+    </p:extLst>
+  </p:cSld>
+  <p:clrMapOvr>
+    <a:masterClrMapping/>
+  </p:clrMapOvr>
+</p:sld>
+</file>
+
+<file path=ppt/slides/slide15.xml><?xml version="1.0" encoding="utf-8"?>
+<p:sld xmlns:a="http://schemas.openxmlformats.org/drawingml/2006/main" xmlns:r="http://schemas.openxmlformats.org/officeDocument/2006/relationships" xmlns:p="http://schemas.openxmlformats.org/presentationml/2006/main">
+  <p:cSld>
+    <p:spTree>
+      <p:nvGrpSpPr>
+        <p:cNvPr id="1" name=""/>
+        <p:cNvGrpSpPr/>
+        <p:nvPr/>
+      </p:nvGrpSpPr>
+      <p:grpSpPr>
+        <a:xfrm>
+          <a:off x="0" y="0"/>
+          <a:ext cx="0" cy="0"/>
+          <a:chOff x="0" y="0"/>
+          <a:chExt cx="0" cy="0"/>
+        </a:xfrm>
+      </p:grpSpPr>
       <p:sp>
         <p:nvSpPr>
-          <p:cNvPr id="6" name="Title 1">
+          <p:cNvPr id="2" name="Title 1">
             <a:extLst>
               <a:ext uri="{FF2B5EF4-FFF2-40B4-BE49-F238E27FC236}">
-                <a16:creationId xmlns:a16="http://schemas.microsoft.com/office/drawing/2014/main" id="{63CCE8B1-F747-83EC-69F7-F38A4170B8BD}"/>
+                <a16:creationId xmlns:a16="http://schemas.microsoft.com/office/drawing/2014/main" id="{60114F5B-200D-5E80-5596-D97099667249}"/>
               </a:ext>
             </a:extLst>
           </p:cNvPr>
-          <p:cNvSpPr txBox="1">
-            <a:spLocks/>
+          <p:cNvSpPr>
+            <a:spLocks noGrp="1"/>
           </p:cNvSpPr>
-          <p:nvPr/>
+          <p:nvPr>
+            <p:ph type="title"/>
+          </p:nvPr>
         </p:nvSpPr>
-        <p:spPr>
-          <a:xfrm>
-            <a:off x="383" y="55451"/>
-            <a:ext cx="11936202" cy="301236"/>
-          </a:xfrm>
-          <a:prstGeom prst="rect">
-            <a:avLst/>
-          </a:prstGeom>
-        </p:spPr>
+        <p:spPr/>
         <p:txBody>
-          <a:bodyPr vert="horz" lIns="91440" tIns="45720" rIns="91440" bIns="45720" rtlCol="0" anchor="ctr">
+          <a:bodyPr>
             <a:noAutofit/>
           </a:bodyPr>
-          <a:lstStyle>
-            <a:lvl1pPr algn="l" defTabSz="914400" rtl="0" eaLnBrk="1" latinLnBrk="0" hangingPunct="1">
-              <a:lnSpc>
-                <a:spcPct val="90000"/>
-              </a:lnSpc>
-              <a:spcBef>
-                <a:spcPct val="0"/>
-              </a:spcBef>
-              <a:buNone/>
-              <a:defRPr sz="4400" kern="1200">
-                <a:solidFill>
-                  <a:schemeClr val="tx1"/>
-                </a:solidFill>
-                <a:latin typeface="+mj-lt"/>
-                <a:ea typeface="+mj-ea"/>
-                <a:cs typeface="+mj-cs"/>
-              </a:defRPr>
-            </a:lvl1pPr>
-          </a:lstStyle>
-          <a:p>
-            <a:r>
-              <a:rPr lang="en-GB" sz="2400" b="1" dirty="0"/>
-              <a:t>6.2. Agile Practitioner Role &amp; Stance Matrix</a:t>
+          <a:lstStyle/>
+          <a:p>
+            <a:r>
+              <a:rPr lang="en-GB" b="1" dirty="0"/>
+              <a:t>6.3. Combining Ingredients</a:t>
             </a:r>
           </a:p>
         </p:txBody>
       </p:sp>
       <p:sp>
         <p:nvSpPr>
-          <p:cNvPr id="9" name="Rectangle 8">
+          <p:cNvPr id="3" name="Content Placeholder 2">
             <a:extLst>
               <a:ext uri="{FF2B5EF4-FFF2-40B4-BE49-F238E27FC236}">
-                <a16:creationId xmlns:a16="http://schemas.microsoft.com/office/drawing/2014/main" id="{E8194FA7-E05D-72CC-4D85-E72B48B75BF1}"/>
+                <a16:creationId xmlns:a16="http://schemas.microsoft.com/office/drawing/2014/main" id="{DAE4660F-2C15-FE9B-AFC3-60290F1CFBED}"/>
+              </a:ext>
+            </a:extLst>
+          </p:cNvPr>
+          <p:cNvSpPr>
+            <a:spLocks noGrp="1"/>
+          </p:cNvSpPr>
+          <p:nvPr>
+            <p:ph idx="1"/>
+          </p:nvPr>
+        </p:nvSpPr>
+        <p:spPr/>
+        <p:txBody>
+          <a:bodyPr>
+            <a:noAutofit/>
+          </a:bodyPr>
+          <a:lstStyle/>
+          <a:p>
+            <a:pPr marL="0" indent="0">
+              <a:buNone/>
+            </a:pPr>
+            <a:r>
+              <a:rPr lang="en-GB" sz="2000" dirty="0"/>
+              <a:t>The Agile Growth Pathway brings together several resources to support Agile Practitioner career development:</a:t>
+            </a:r>
+          </a:p>
+          <a:p>
+            <a:r>
+              <a:rPr lang="en-GB" sz="2000" b="1" dirty="0"/>
+              <a:t>Human API: </a:t>
+            </a:r>
+            <a:r>
+              <a:rPr lang="en-GB" sz="2000" dirty="0"/>
+              <a:t>Understand and optimise your personal performance needs.</a:t>
+            </a:r>
+          </a:p>
+          <a:p>
+            <a:r>
+              <a:rPr lang="en-GB" sz="2000" b="1" dirty="0"/>
+              <a:t>Agile Practitioner Role &amp; Stance Matrix: </a:t>
+            </a:r>
+            <a:r>
+              <a:rPr lang="en-GB" sz="2000" dirty="0"/>
+              <a:t>Identify your current role and aspirations.</a:t>
+            </a:r>
+          </a:p>
+          <a:p>
+            <a:r>
+              <a:rPr lang="en-GB" sz="2000" b="1" dirty="0"/>
+              <a:t>Agile Delivery Growth Pack: </a:t>
+            </a:r>
+            <a:r>
+              <a:rPr lang="en-GB" sz="2000" dirty="0"/>
+              <a:t>Track time, development needs, and the support you require.</a:t>
+            </a:r>
+          </a:p>
+          <a:p>
+            <a:r>
+              <a:rPr lang="en-GB" sz="2000" b="1" dirty="0"/>
+              <a:t>ACGW + Courses and Certs: </a:t>
+            </a:r>
+            <a:r>
+              <a:rPr lang="en-GB" sz="2000" dirty="0"/>
+              <a:t>Find resources to deepen or broaden your expertise.</a:t>
+            </a:r>
+          </a:p>
+          <a:p>
+            <a:r>
+              <a:rPr lang="en-GB" sz="2000" b="1" dirty="0"/>
+              <a:t>Existing Role Descriptions: </a:t>
+            </a:r>
+            <a:r>
+              <a:rPr lang="en-GB" sz="2000" dirty="0"/>
+              <a:t>These remain valuable from an HR perspective.</a:t>
+            </a:r>
+          </a:p>
+          <a:p>
+            <a:endParaRPr lang="en-GB" sz="2000" dirty="0"/>
+          </a:p>
+          <a:p>
+            <a:pPr marL="0" lvl="1" indent="0">
+              <a:lnSpc>
+                <a:spcPct val="80000"/>
+              </a:lnSpc>
+              <a:spcBef>
+                <a:spcPts val="1000"/>
+              </a:spcBef>
+              <a:buNone/>
+            </a:pPr>
+            <a:r>
+              <a:rPr lang="en-GB" sz="2000" dirty="0"/>
+              <a:t>This resulted in the content on </a:t>
+            </a:r>
+            <a:r>
+              <a:rPr lang="en-GB" sz="2000" dirty="0">
+                <a:hlinkClick r:id="rId2" action="ppaction://hlinksldjump"/>
+              </a:rPr>
+              <a:t>this slide</a:t>
+            </a:r>
+            <a:endParaRPr lang="en-GB" sz="2000" dirty="0"/>
+          </a:p>
+          <a:p>
+            <a:endParaRPr lang="en-GB" sz="2000" dirty="0"/>
+          </a:p>
+          <a:p>
+            <a:endParaRPr lang="en-GB" sz="2000" dirty="0"/>
+          </a:p>
+        </p:txBody>
+      </p:sp>
+      <p:sp>
+        <p:nvSpPr>
+          <p:cNvPr id="11" name="Rectangle 10">
+            <a:extLst>
+              <a:ext uri="{FF2B5EF4-FFF2-40B4-BE49-F238E27FC236}">
+                <a16:creationId xmlns:a16="http://schemas.microsoft.com/office/drawing/2014/main" id="{3F3882C3-77E5-7A32-185C-5C78461677B8}"/>
               </a:ext>
             </a:extLst>
           </p:cNvPr>
@@ -14561,10 +14918,10 @@
       </p:sp>
       <p:sp>
         <p:nvSpPr>
-          <p:cNvPr id="10" name="TextBox 9">
+          <p:cNvPr id="12" name="TextBox 11">
             <a:extLst>
               <a:ext uri="{FF2B5EF4-FFF2-40B4-BE49-F238E27FC236}">
-                <a16:creationId xmlns:a16="http://schemas.microsoft.com/office/drawing/2014/main" id="{8335832A-623E-3159-4685-0F2C4D245266}"/>
+                <a16:creationId xmlns:a16="http://schemas.microsoft.com/office/drawing/2014/main" id="{E8B6A5C6-89FB-AB43-F29B-E36CD05038DC}"/>
               </a:ext>
             </a:extLst>
           </p:cNvPr>
@@ -14596,17 +14953,17 @@
                 <a:latin typeface="Arial" panose="020B0604020202020204" pitchFamily="34" charset="0"/>
                 <a:cs typeface="Arial" panose="020B0604020202020204" pitchFamily="34" charset="0"/>
               </a:rPr>
-              <a:t>Author: Tom Hoyland | Version 1.3</a:t>
+              <a:t>Author: Tom Hoyland | Version 1.4</a:t>
             </a:r>
           </a:p>
         </p:txBody>
       </p:sp>
       <p:pic>
         <p:nvPicPr>
-          <p:cNvPr id="11" name="Picture 2">
+          <p:cNvPr id="13" name="Picture 2">
             <a:extLst>
               <a:ext uri="{FF2B5EF4-FFF2-40B4-BE49-F238E27FC236}">
-                <a16:creationId xmlns:a16="http://schemas.microsoft.com/office/drawing/2014/main" id="{C36F4A50-54B3-A829-FBC0-AAFC1DFB2220}"/>
+                <a16:creationId xmlns:a16="http://schemas.microsoft.com/office/drawing/2014/main" id="{FDED6AC8-55C7-42A9-371F-75CD0D937848}"/>
               </a:ext>
             </a:extLst>
           </p:cNvPr>
@@ -14616,7 +14973,7 @@
           <p:nvPr/>
         </p:nvPicPr>
         <p:blipFill>
-          <a:blip r:embed="rId2">
+          <a:blip r:embed="rId3">
             <a:extLst>
               <a:ext uri="{28A0092B-C50C-407E-A947-70E740481C1C}">
                 <a14:useLocalDpi xmlns:a14="http://schemas.microsoft.com/office/drawing/2010/main" val="0"/>
@@ -14650,10 +15007,10 @@
       </p:pic>
       <p:sp>
         <p:nvSpPr>
-          <p:cNvPr id="12" name="TextBox 11">
+          <p:cNvPr id="14" name="TextBox 13">
             <a:extLst>
               <a:ext uri="{FF2B5EF4-FFF2-40B4-BE49-F238E27FC236}">
-                <a16:creationId xmlns:a16="http://schemas.microsoft.com/office/drawing/2014/main" id="{FE0B454C-9DAD-4098-153A-58EC0C7D496C}"/>
+                <a16:creationId xmlns:a16="http://schemas.microsoft.com/office/drawing/2014/main" id="{18D66343-7614-0C16-EAED-AB772B59C207}"/>
               </a:ext>
             </a:extLst>
           </p:cNvPr>
@@ -14693,7 +15050,7 @@
     </p:spTree>
     <p:extLst>
       <p:ext uri="{BB962C8B-B14F-4D97-AF65-F5344CB8AC3E}">
-        <p14:creationId xmlns:p14="http://schemas.microsoft.com/office/powerpoint/2010/main" val="215971509"/>
+        <p14:creationId xmlns:p14="http://schemas.microsoft.com/office/powerpoint/2010/main" val="87247270"/>
       </p:ext>
     </p:extLst>
   </p:cSld>
@@ -14703,7 +15060,7 @@
 </p:sld>
 </file>
 
-<file path=ppt/slides/slide15.xml><?xml version="1.0" encoding="utf-8"?>
+<file path=ppt/slides/slide2.xml><?xml version="1.0" encoding="utf-8"?>
 <p:sld xmlns:a="http://schemas.openxmlformats.org/drawingml/2006/main" xmlns:r="http://schemas.openxmlformats.org/officeDocument/2006/relationships" xmlns:p="http://schemas.openxmlformats.org/presentationml/2006/main">
   <p:cSld>
     <p:spTree>
@@ -14745,7 +15102,7 @@
           <a:p>
             <a:r>
               <a:rPr lang="en-GB" b="1" dirty="0"/>
-              <a:t>6.3. Combining Ingredients</a:t>
+              <a:t>1. TL;DR / Overview</a:t>
             </a:r>
           </a:p>
         </p:txBody>
@@ -14768,7 +15125,7 @@
         </p:nvSpPr>
         <p:spPr/>
         <p:txBody>
-          <a:bodyPr>
+          <a:bodyPr vert="horz" lIns="91440" tIns="45720" rIns="91440" bIns="45720" rtlCol="0" anchor="t">
             <a:noAutofit/>
           </a:bodyPr>
           <a:lstStyle/>
@@ -14778,98 +15135,67 @@
             </a:pPr>
             <a:r>
               <a:rPr lang="en-GB" sz="2000" dirty="0"/>
-              <a:t>The Agile Growth Pathway brings together several resources to support Agile Practitioner career development:</a:t>
-            </a:r>
-          </a:p>
-          <a:p>
-            <a:r>
-              <a:rPr lang="en-GB" sz="2000" b="1" dirty="0"/>
-              <a:t>Human API: </a:t>
-            </a:r>
-            <a:r>
-              <a:rPr lang="en-GB" sz="2000" dirty="0"/>
-              <a:t>Understand and optimise your personal performance needs.</a:t>
-            </a:r>
-          </a:p>
-          <a:p>
-            <a:r>
-              <a:rPr lang="en-GB" sz="2000" b="1" dirty="0"/>
-              <a:t>Agile Practitioner Role &amp; Stance Matrix: </a:t>
-            </a:r>
-            <a:r>
-              <a:rPr lang="en-GB" sz="2000" dirty="0"/>
-              <a:t>Identify your current role and aspirations.</a:t>
-            </a:r>
-          </a:p>
-          <a:p>
-            <a:r>
-              <a:rPr lang="en-GB" sz="2000" b="1" dirty="0"/>
-              <a:t>Agile Delivery Growth Pack: </a:t>
-            </a:r>
-            <a:r>
-              <a:rPr lang="en-GB" sz="2000" dirty="0"/>
-              <a:t>Track time, development needs, and the support you require.</a:t>
-            </a:r>
-          </a:p>
-          <a:p>
-            <a:r>
-              <a:rPr lang="en-GB" sz="2000" b="1" dirty="0"/>
-              <a:t>ACGW + Courses and Certs: </a:t>
-            </a:r>
-            <a:r>
-              <a:rPr lang="en-GB" sz="2000" dirty="0"/>
-              <a:t>Find resources to deepen or broaden your expertise.</a:t>
-            </a:r>
-          </a:p>
-          <a:p>
-            <a:r>
-              <a:rPr lang="en-GB" sz="2000" b="1" dirty="0"/>
-              <a:t>Existing Role Descriptions: </a:t>
-            </a:r>
-            <a:r>
-              <a:rPr lang="en-GB" sz="2000" dirty="0"/>
-              <a:t>These remain valuable from an HR perspective.</a:t>
-            </a:r>
-          </a:p>
-          <a:p>
-            <a:endParaRPr lang="en-GB" sz="2000" dirty="0"/>
-          </a:p>
-          <a:p>
-            <a:pPr marL="0" lvl="1" indent="0">
-              <a:lnSpc>
-                <a:spcPct val="80000"/>
-              </a:lnSpc>
-              <a:spcBef>
-                <a:spcPts val="1000"/>
-              </a:spcBef>
+              <a:t>At Generic Inc, we’ve developed a career growth pack and pathway for Agile Practitioners and People Managers, based on an industry-recognised competency model to support professional development. The pack is complemented by tools and templates proven effective across various teams and organisations.</a:t>
+            </a:r>
+          </a:p>
+          <a:p>
+            <a:pPr marL="0" indent="0">
               <a:buNone/>
             </a:pPr>
+            <a:endParaRPr lang="en-GB" sz="2000" dirty="0"/>
+          </a:p>
+          <a:p>
+            <a:pPr marL="0" indent="0">
+              <a:buNone/>
+            </a:pPr>
             <a:r>
               <a:rPr lang="en-GB" sz="2000" dirty="0"/>
-              <a:t>This resulted in the content on </a:t>
-            </a:r>
-            <a:r>
-              <a:rPr lang="en-GB" sz="2000" dirty="0">
+              <a:t>This resource is designed to be lightweight and user-friendly, supporting colleagues at all experience levels in enhancing self-awareness and identifying the skills and resources needed to grow as agile professionals at our company and beyond.</a:t>
+            </a:r>
+          </a:p>
+          <a:p>
+            <a:pPr marL="0" indent="0">
+              <a:buNone/>
+            </a:pPr>
+            <a:endParaRPr lang="en-GB" sz="2000" dirty="0">
+              <a:hlinkClick r:id="rId2" action="ppaction://hlinksldjump"/>
+            </a:endParaRPr>
+          </a:p>
+          <a:p>
+            <a:pPr marL="0" indent="0">
+              <a:buNone/>
+            </a:pPr>
+            <a:r>
+              <a:rPr lang="en-GB" sz="2000" b="1" dirty="0">
                 <a:hlinkClick r:id="rId2" action="ppaction://hlinksldjump"/>
               </a:rPr>
-              <a:t>this slide</a:t>
-            </a:r>
-            <a:endParaRPr lang="en-GB" sz="2000" dirty="0"/>
-          </a:p>
-          <a:p>
-            <a:endParaRPr lang="en-GB" sz="2000" dirty="0"/>
-          </a:p>
-          <a:p>
-            <a:endParaRPr lang="en-GB" sz="2000" dirty="0"/>
+              <a:t>Skip to the Growth Pathway</a:t>
+            </a:r>
+            <a:endParaRPr lang="en-GB" sz="2000" b="1" dirty="0"/>
+          </a:p>
+          <a:p>
+            <a:pPr marL="0" indent="0">
+              <a:buNone/>
+            </a:pPr>
+            <a:endParaRPr lang="en-GB" sz="800" dirty="0"/>
+          </a:p>
+          <a:p>
+            <a:pPr marL="0" indent="0">
+              <a:buNone/>
+            </a:pPr>
+            <a:r>
+              <a:rPr lang="en-GB" sz="1500" dirty="0"/>
+              <a:t>⚠️ Note: Using this pack does not guarantee promotion or role progression. Collaborate with your line manager to align this pathway with your specific role and team context.</a:t>
+            </a:r>
           </a:p>
         </p:txBody>
       </p:sp>
       <p:sp>
         <p:nvSpPr>
-          <p:cNvPr id="11" name="Rectangle 10">
+          <p:cNvPr id="6" name="Rectangle 5">
             <a:extLst>
               <a:ext uri="{FF2B5EF4-FFF2-40B4-BE49-F238E27FC236}">
-                <a16:creationId xmlns:a16="http://schemas.microsoft.com/office/drawing/2014/main" id="{3F3882C3-77E5-7A32-185C-5C78461677B8}"/>
+                <a16:creationId xmlns:a16="http://schemas.microsoft.com/office/drawing/2014/main" id="{58AED828-D02D-1911-1746-4E80F91BBB61}"/>
               </a:ext>
             </a:extLst>
           </p:cNvPr>
@@ -14918,10 +15244,10 @@
       </p:sp>
       <p:sp>
         <p:nvSpPr>
-          <p:cNvPr id="12" name="TextBox 11">
+          <p:cNvPr id="9" name="TextBox 8">
             <a:extLst>
               <a:ext uri="{FF2B5EF4-FFF2-40B4-BE49-F238E27FC236}">
-                <a16:creationId xmlns:a16="http://schemas.microsoft.com/office/drawing/2014/main" id="{E8B6A5C6-89FB-AB43-F29B-E36CD05038DC}"/>
+                <a16:creationId xmlns:a16="http://schemas.microsoft.com/office/drawing/2014/main" id="{3A91ECEC-3A82-2DEF-A49A-50D48D572F98}"/>
               </a:ext>
             </a:extLst>
           </p:cNvPr>
@@ -14953,333 +15279,7 @@
                 <a:latin typeface="Arial" panose="020B0604020202020204" pitchFamily="34" charset="0"/>
                 <a:cs typeface="Arial" panose="020B0604020202020204" pitchFamily="34" charset="0"/>
               </a:rPr>
-              <a:t>Author: Tom Hoyland | Version 1.3</a:t>
-            </a:r>
-          </a:p>
-        </p:txBody>
-      </p:sp>
-      <p:pic>
-        <p:nvPicPr>
-          <p:cNvPr id="13" name="Picture 2">
-            <a:extLst>
-              <a:ext uri="{FF2B5EF4-FFF2-40B4-BE49-F238E27FC236}">
-                <a16:creationId xmlns:a16="http://schemas.microsoft.com/office/drawing/2014/main" id="{FDED6AC8-55C7-42A9-371F-75CD0D937848}"/>
-              </a:ext>
-            </a:extLst>
-          </p:cNvPr>
-          <p:cNvPicPr>
-            <a:picLocks noChangeAspect="1" noChangeArrowheads="1"/>
-          </p:cNvPicPr>
-          <p:nvPr/>
-        </p:nvPicPr>
-        <p:blipFill>
-          <a:blip r:embed="rId3">
-            <a:extLst>
-              <a:ext uri="{28A0092B-C50C-407E-A947-70E740481C1C}">
-                <a14:useLocalDpi xmlns:a14="http://schemas.microsoft.com/office/drawing/2010/main" val="0"/>
-              </a:ext>
-            </a:extLst>
-          </a:blip>
-          <a:srcRect/>
-          <a:stretch>
-            <a:fillRect/>
-          </a:stretch>
-        </p:blipFill>
-        <p:spPr bwMode="auto">
-          <a:xfrm>
-            <a:off x="-6350" y="6604454"/>
-            <a:ext cx="713969" cy="249800"/>
-          </a:xfrm>
-          <a:prstGeom prst="rect">
-            <a:avLst/>
-          </a:prstGeom>
-          <a:noFill/>
-          <a:extLst>
-            <a:ext uri="{909E8E84-426E-40DD-AFC4-6F175D3DCCD1}">
-              <a14:hiddenFill xmlns:a14="http://schemas.microsoft.com/office/drawing/2010/main">
-                <a:solidFill>
-                  <a:srgbClr val="FFFFFF"/>
-                </a:solidFill>
-              </a14:hiddenFill>
-            </a:ext>
-          </a:extLst>
-        </p:spPr>
-      </p:pic>
-      <p:sp>
-        <p:nvSpPr>
-          <p:cNvPr id="14" name="TextBox 13">
-            <a:extLst>
-              <a:ext uri="{FF2B5EF4-FFF2-40B4-BE49-F238E27FC236}">
-                <a16:creationId xmlns:a16="http://schemas.microsoft.com/office/drawing/2014/main" id="{18D66343-7614-0C16-EAED-AB772B59C207}"/>
-              </a:ext>
-            </a:extLst>
-          </p:cNvPr>
-          <p:cNvSpPr txBox="1"/>
-          <p:nvPr/>
-        </p:nvSpPr>
-        <p:spPr>
-          <a:xfrm>
-            <a:off x="701972" y="6600546"/>
-            <a:ext cx="1511952" cy="253916"/>
-          </a:xfrm>
-          <a:prstGeom prst="rect">
-            <a:avLst/>
-          </a:prstGeom>
-          <a:noFill/>
-        </p:spPr>
-        <p:txBody>
-          <a:bodyPr wrap="none" rtlCol="0">
-            <a:spAutoFit/>
-          </a:bodyPr>
-          <a:lstStyle/>
-          <a:p>
-            <a:r>
-              <a:rPr lang="en-GB" sz="1050" dirty="0">
-                <a:solidFill>
-                  <a:schemeClr val="bg1"/>
-                </a:solidFill>
-                <a:latin typeface="Arial" panose="020B0604020202020204" pitchFamily="34" charset="0"/>
-                <a:ea typeface="Roboto" panose="02000000000000000000" pitchFamily="2" charset="0"/>
-                <a:cs typeface="Arial" panose="020B0604020202020204" pitchFamily="34" charset="0"/>
-              </a:rPr>
-              <a:t>Agile Growth Pathway</a:t>
-            </a:r>
-          </a:p>
-        </p:txBody>
-      </p:sp>
-    </p:spTree>
-    <p:extLst>
-      <p:ext uri="{BB962C8B-B14F-4D97-AF65-F5344CB8AC3E}">
-        <p14:creationId xmlns:p14="http://schemas.microsoft.com/office/powerpoint/2010/main" val="87247270"/>
-      </p:ext>
-    </p:extLst>
-  </p:cSld>
-  <p:clrMapOvr>
-    <a:masterClrMapping/>
-  </p:clrMapOvr>
-</p:sld>
-</file>
-
-<file path=ppt/slides/slide2.xml><?xml version="1.0" encoding="utf-8"?>
-<p:sld xmlns:a="http://schemas.openxmlformats.org/drawingml/2006/main" xmlns:r="http://schemas.openxmlformats.org/officeDocument/2006/relationships" xmlns:p="http://schemas.openxmlformats.org/presentationml/2006/main">
-  <p:cSld>
-    <p:spTree>
-      <p:nvGrpSpPr>
-        <p:cNvPr id="1" name=""/>
-        <p:cNvGrpSpPr/>
-        <p:nvPr/>
-      </p:nvGrpSpPr>
-      <p:grpSpPr>
-        <a:xfrm>
-          <a:off x="0" y="0"/>
-          <a:ext cx="0" cy="0"/>
-          <a:chOff x="0" y="0"/>
-          <a:chExt cx="0" cy="0"/>
-        </a:xfrm>
-      </p:grpSpPr>
-      <p:sp>
-        <p:nvSpPr>
-          <p:cNvPr id="2" name="Title 1">
-            <a:extLst>
-              <a:ext uri="{FF2B5EF4-FFF2-40B4-BE49-F238E27FC236}">
-                <a16:creationId xmlns:a16="http://schemas.microsoft.com/office/drawing/2014/main" id="{60114F5B-200D-5E80-5596-D97099667249}"/>
-              </a:ext>
-            </a:extLst>
-          </p:cNvPr>
-          <p:cNvSpPr>
-            <a:spLocks noGrp="1"/>
-          </p:cNvSpPr>
-          <p:nvPr>
-            <p:ph type="title"/>
-          </p:nvPr>
-        </p:nvSpPr>
-        <p:spPr/>
-        <p:txBody>
-          <a:bodyPr>
-            <a:noAutofit/>
-          </a:bodyPr>
-          <a:lstStyle/>
-          <a:p>
-            <a:r>
-              <a:rPr lang="en-GB" b="1" dirty="0"/>
-              <a:t>1. TL;DR / Overview</a:t>
-            </a:r>
-          </a:p>
-        </p:txBody>
-      </p:sp>
-      <p:sp>
-        <p:nvSpPr>
-          <p:cNvPr id="3" name="Content Placeholder 2">
-            <a:extLst>
-              <a:ext uri="{FF2B5EF4-FFF2-40B4-BE49-F238E27FC236}">
-                <a16:creationId xmlns:a16="http://schemas.microsoft.com/office/drawing/2014/main" id="{DAE4660F-2C15-FE9B-AFC3-60290F1CFBED}"/>
-              </a:ext>
-            </a:extLst>
-          </p:cNvPr>
-          <p:cNvSpPr>
-            <a:spLocks noGrp="1"/>
-          </p:cNvSpPr>
-          <p:nvPr>
-            <p:ph idx="1"/>
-          </p:nvPr>
-        </p:nvSpPr>
-        <p:spPr/>
-        <p:txBody>
-          <a:bodyPr vert="horz" lIns="91440" tIns="45720" rIns="91440" bIns="45720" rtlCol="0" anchor="t">
-            <a:noAutofit/>
-          </a:bodyPr>
-          <a:lstStyle/>
-          <a:p>
-            <a:pPr marL="0" indent="0">
-              <a:buNone/>
-            </a:pPr>
-            <a:r>
-              <a:rPr lang="en-GB" sz="2000" dirty="0"/>
-              <a:t>At Generic Inc, we’ve developed a career growth pack and pathway for Agile Practitioners and People Managers, based on an industry-recognised competency model to support professional development. The pack is complemented by tools and templates proven effective across various teams and organisations.</a:t>
-            </a:r>
-          </a:p>
-          <a:p>
-            <a:pPr marL="0" indent="0">
-              <a:buNone/>
-            </a:pPr>
-            <a:endParaRPr lang="en-GB" sz="2000" dirty="0"/>
-          </a:p>
-          <a:p>
-            <a:pPr marL="0" indent="0">
-              <a:buNone/>
-            </a:pPr>
-            <a:r>
-              <a:rPr lang="en-GB" sz="2000" dirty="0"/>
-              <a:t>This resource is designed to be lightweight and user-friendly, supporting colleagues at all experience levels in enhancing self-awareness and identifying the skills and resources needed to grow as agile professionals at our company and beyond.</a:t>
-            </a:r>
-          </a:p>
-          <a:p>
-            <a:pPr marL="0" indent="0">
-              <a:buNone/>
-            </a:pPr>
-            <a:endParaRPr lang="en-GB" sz="2000" dirty="0">
-              <a:hlinkClick r:id="rId2" action="ppaction://hlinksldjump"/>
-            </a:endParaRPr>
-          </a:p>
-          <a:p>
-            <a:pPr marL="0" indent="0">
-              <a:buNone/>
-            </a:pPr>
-            <a:r>
-              <a:rPr lang="en-GB" sz="2000" b="1" dirty="0">
-                <a:hlinkClick r:id="rId2" action="ppaction://hlinksldjump"/>
-              </a:rPr>
-              <a:t>Skip to the Growth Pathway</a:t>
-            </a:r>
-            <a:endParaRPr lang="en-GB" sz="2000" b="1" dirty="0"/>
-          </a:p>
-          <a:p>
-            <a:pPr marL="0" indent="0">
-              <a:buNone/>
-            </a:pPr>
-            <a:endParaRPr lang="en-GB" sz="800" dirty="0"/>
-          </a:p>
-          <a:p>
-            <a:pPr marL="0" indent="0">
-              <a:buNone/>
-            </a:pPr>
-            <a:r>
-              <a:rPr lang="en-GB" sz="1500" dirty="0"/>
-              <a:t>⚠️ Note: Using this pack does not guarantee promotion or role progression. Collaborate with your line manager to align this pathway with your specific role and team context.</a:t>
-            </a:r>
-          </a:p>
-        </p:txBody>
-      </p:sp>
-      <p:sp>
-        <p:nvSpPr>
-          <p:cNvPr id="6" name="Rectangle 5">
-            <a:extLst>
-              <a:ext uri="{FF2B5EF4-FFF2-40B4-BE49-F238E27FC236}">
-                <a16:creationId xmlns:a16="http://schemas.microsoft.com/office/drawing/2014/main" id="{58AED828-D02D-1911-1746-4E80F91BBB61}"/>
-              </a:ext>
-            </a:extLst>
-          </p:cNvPr>
-          <p:cNvSpPr/>
-          <p:nvPr/>
-        </p:nvSpPr>
-        <p:spPr>
-          <a:xfrm>
-            <a:off x="0" y="6608201"/>
-            <a:ext cx="12192000" cy="249799"/>
-          </a:xfrm>
-          <a:prstGeom prst="rect">
-            <a:avLst/>
-          </a:prstGeom>
-          <a:solidFill>
-            <a:schemeClr val="tx1"/>
-          </a:solidFill>
-          <a:ln>
-            <a:noFill/>
-          </a:ln>
-        </p:spPr>
-        <p:style>
-          <a:lnRef idx="2">
-            <a:schemeClr val="accent1">
-              <a:shade val="15000"/>
-            </a:schemeClr>
-          </a:lnRef>
-          <a:fillRef idx="1">
-            <a:schemeClr val="accent1"/>
-          </a:fillRef>
-          <a:effectRef idx="0">
-            <a:schemeClr val="accent1"/>
-          </a:effectRef>
-          <a:fontRef idx="minor">
-            <a:schemeClr val="lt1"/>
-          </a:fontRef>
-        </p:style>
-        <p:txBody>
-          <a:bodyPr rtlCol="0" anchor="ctr"/>
-          <a:lstStyle/>
-          <a:p>
-            <a:pPr algn="ctr"/>
-            <a:endParaRPr lang="en-US" dirty="0"/>
-          </a:p>
-        </p:txBody>
-      </p:sp>
-      <p:sp>
-        <p:nvSpPr>
-          <p:cNvPr id="9" name="TextBox 8">
-            <a:extLst>
-              <a:ext uri="{FF2B5EF4-FFF2-40B4-BE49-F238E27FC236}">
-                <a16:creationId xmlns:a16="http://schemas.microsoft.com/office/drawing/2014/main" id="{3A91ECEC-3A82-2DEF-A49A-50D48D572F98}"/>
-              </a:ext>
-            </a:extLst>
-          </p:cNvPr>
-          <p:cNvSpPr txBox="1"/>
-          <p:nvPr/>
-        </p:nvSpPr>
-        <p:spPr>
-          <a:xfrm>
-            <a:off x="10023435" y="6619097"/>
-            <a:ext cx="2139821" cy="215444"/>
-          </a:xfrm>
-          <a:prstGeom prst="rect">
-            <a:avLst/>
-          </a:prstGeom>
-          <a:noFill/>
-        </p:spPr>
-        <p:txBody>
-          <a:bodyPr wrap="square" anchor="ctr">
-            <a:spAutoFit/>
-          </a:bodyPr>
-          <a:lstStyle/>
-          <a:p>
-            <a:pPr algn="r"/>
-            <a:r>
-              <a:rPr lang="en-US" sz="800" dirty="0">
-                <a:solidFill>
-                  <a:schemeClr val="bg1"/>
-                </a:solidFill>
-                <a:latin typeface="Arial" panose="020B0604020202020204" pitchFamily="34" charset="0"/>
-                <a:cs typeface="Arial" panose="020B0604020202020204" pitchFamily="34" charset="0"/>
-              </a:rPr>
-              <a:t>Author: Tom Hoyland | Version 1.3</a:t>
+              <a:t>Author: Tom Hoyland | Version 1.4</a:t>
             </a:r>
           </a:p>
         </p:txBody>
@@ -15591,7 +15591,7 @@
                 <a:latin typeface="Arial" panose="020B0604020202020204" pitchFamily="34" charset="0"/>
                 <a:cs typeface="Arial" panose="020B0604020202020204" pitchFamily="34" charset="0"/>
               </a:rPr>
-              <a:t>Author: Tom Hoyland | Version 1.3</a:t>
+              <a:t>Author: Tom Hoyland | Version 1.4</a:t>
             </a:r>
           </a:p>
         </p:txBody>
@@ -15924,7 +15924,7 @@
                 <a:latin typeface="Arial" panose="020B0604020202020204" pitchFamily="34" charset="0"/>
                 <a:cs typeface="Arial" panose="020B0604020202020204" pitchFamily="34" charset="0"/>
               </a:rPr>
-              <a:t>Author: Tom Hoyland | Version 1.3</a:t>
+              <a:t>Author: Tom Hoyland | Version 1.4</a:t>
             </a:r>
           </a:p>
         </p:txBody>
@@ -16226,7 +16226,7 @@
                 <a:latin typeface="Arial" panose="020B0604020202020204" pitchFamily="34" charset="0"/>
                 <a:cs typeface="Arial" panose="020B0604020202020204" pitchFamily="34" charset="0"/>
               </a:rPr>
-              <a:t>Author: Tom Hoyland | Version 1.3</a:t>
+              <a:t>Author: Tom Hoyland | Version 1.4</a:t>
             </a:r>
           </a:p>
         </p:txBody>
@@ -17203,7 +17203,7 @@
                 <a:latin typeface="Arial" panose="020B0604020202020204" pitchFamily="34" charset="0"/>
                 <a:cs typeface="Arial" panose="020B0604020202020204" pitchFamily="34" charset="0"/>
               </a:rPr>
-              <a:t>Author: Tom Hoyland | Version 1.3</a:t>
+              <a:t>Author: Tom Hoyland | Version 1.4</a:t>
             </a:r>
           </a:p>
         </p:txBody>
@@ -17795,7 +17795,7 @@
                 <a:latin typeface="Arial" panose="020B0604020202020204" pitchFamily="34" charset="0"/>
                 <a:cs typeface="Arial" panose="020B0604020202020204" pitchFamily="34" charset="0"/>
               </a:rPr>
-              <a:t>Author: Tom Hoyland | Version 1.3</a:t>
+              <a:t>Author: Tom Hoyland | Version 1.4</a:t>
             </a:r>
           </a:p>
         </p:txBody>
@@ -18101,7 +18101,7 @@
                 <a:latin typeface="Arial" panose="020B0604020202020204" pitchFamily="34" charset="0"/>
                 <a:cs typeface="Arial" panose="020B0604020202020204" pitchFamily="34" charset="0"/>
               </a:rPr>
-              <a:t>Author: Tom Hoyland | Version 1.3</a:t>
+              <a:t>Author: Tom Hoyland | Version 1.4</a:t>
             </a:r>
           </a:p>
         </p:txBody>
@@ -20144,7 +20144,7 @@
                 <a:latin typeface="Arial" panose="020B0604020202020204" pitchFamily="34" charset="0"/>
                 <a:cs typeface="Arial" panose="020B0604020202020204" pitchFamily="34" charset="0"/>
               </a:rPr>
-              <a:t>Author: Tom Hoyland | Version 1.3</a:t>
+              <a:t>Author: Tom Hoyland | Version 1.4</a:t>
             </a:r>
           </a:p>
         </p:txBody>

--- a/Agile-Growth-Pathway.pptx
+++ b/Agile-Growth-Pathway.pptx
@@ -5,7 +5,7 @@
     <p:sldMasterId id="2147483648" r:id="rId1"/>
   </p:sldMasterIdLst>
   <p:notesMasterIdLst>
-    <p:notesMasterId r:id="rId17"/>
+    <p:notesMasterId r:id="rId18"/>
   </p:notesMasterIdLst>
   <p:sldIdLst>
     <p:sldId id="277" r:id="rId2"/>
@@ -15,14 +15,15 @@
     <p:sldId id="281" r:id="rId6"/>
     <p:sldId id="259" r:id="rId7"/>
     <p:sldId id="263" r:id="rId8"/>
-    <p:sldId id="264" r:id="rId9"/>
-    <p:sldId id="273" r:id="rId10"/>
-    <p:sldId id="275" r:id="rId11"/>
-    <p:sldId id="276" r:id="rId12"/>
-    <p:sldId id="265" r:id="rId13"/>
-    <p:sldId id="278" r:id="rId14"/>
-    <p:sldId id="258" r:id="rId15"/>
-    <p:sldId id="266" r:id="rId16"/>
+    <p:sldId id="282" r:id="rId9"/>
+    <p:sldId id="264" r:id="rId10"/>
+    <p:sldId id="273" r:id="rId11"/>
+    <p:sldId id="275" r:id="rId12"/>
+    <p:sldId id="276" r:id="rId13"/>
+    <p:sldId id="265" r:id="rId14"/>
+    <p:sldId id="278" r:id="rId15"/>
+    <p:sldId id="258" r:id="rId16"/>
+    <p:sldId id="266" r:id="rId17"/>
   </p:sldIdLst>
   <p:sldSz cx="12192000" cy="6858000"/>
   <p:notesSz cx="6858000" cy="9144000"/>
@@ -3606,7 +3607,7 @@
           <a:p>
             <a:fld id="{DBEB2019-2232-4D40-9F13-5DEEB316958D}" type="slidenum">
               <a:rPr lang="en-GB" smtClean="0"/>
-              <a:t>9</a:t>
+              <a:t>10</a:t>
             </a:fld>
             <a:endParaRPr lang="en-GB" dirty="0"/>
           </a:p>
@@ -7071,7 +7072,7 @@
                 <a:latin typeface="Arial" panose="020B0604020202020204" pitchFamily="34" charset="0"/>
                 <a:cs typeface="Arial" panose="020B0604020202020204" pitchFamily="34" charset="0"/>
               </a:rPr>
-              <a:t>Author: Tom Hoyland | Version 1.4</a:t>
+              <a:t>Author: Tom Hoyland | Version 1.5</a:t>
             </a:r>
           </a:p>
         </p:txBody>
@@ -7216,7 +7217,7 @@
           <a:lstStyle/>
           <a:p>
             <a:pPr algn="ctr"/>
-            <a:endParaRPr lang="en-GB"/>
+            <a:endParaRPr lang="en-GB" dirty="0"/>
           </a:p>
         </p:txBody>
       </p:sp>
@@ -7312,7 +7313,7 @@
         <p:cNvPr id="1" name="">
           <a:extLst>
             <a:ext uri="{FF2B5EF4-FFF2-40B4-BE49-F238E27FC236}">
-              <a16:creationId xmlns:a16="http://schemas.microsoft.com/office/drawing/2014/main" id="{9BD40A5A-3965-BAD4-22F2-17A962159A3F}"/>
+              <a16:creationId xmlns:a16="http://schemas.microsoft.com/office/drawing/2014/main" id="{9C33B497-45D8-E728-0B0A-35F5682A1BE9}"/>
             </a:ext>
           </a:extLst>
         </p:cNvPr>
@@ -7327,12 +7328,1334 @@
           <a:chExt cx="0" cy="0"/>
         </a:xfrm>
       </p:grpSpPr>
+      <p:pic>
+        <p:nvPicPr>
+          <p:cNvPr id="2" name="Picture 1">
+            <a:extLst>
+              <a:ext uri="{FF2B5EF4-FFF2-40B4-BE49-F238E27FC236}">
+                <a16:creationId xmlns:a16="http://schemas.microsoft.com/office/drawing/2014/main" id="{3E75F05F-5AA3-8008-5118-AE3A658B0EDE}"/>
+              </a:ext>
+            </a:extLst>
+          </p:cNvPr>
+          <p:cNvPicPr>
+            <a:picLocks noChangeAspect="1"/>
+          </p:cNvPicPr>
+          <p:nvPr/>
+        </p:nvPicPr>
+        <p:blipFill>
+          <a:blip r:embed="rId3"/>
+          <a:stretch>
+            <a:fillRect/>
+          </a:stretch>
+        </p:blipFill>
+        <p:spPr>
+          <a:xfrm>
+            <a:off x="3418043" y="3873932"/>
+            <a:ext cx="2472272" cy="1331549"/>
+          </a:xfrm>
+          <a:prstGeom prst="rect">
+            <a:avLst/>
+          </a:prstGeom>
+        </p:spPr>
+      </p:pic>
       <p:sp>
         <p:nvSpPr>
-          <p:cNvPr id="2" name="Title 1">
-            <a:extLst>
-              <a:ext uri="{FF2B5EF4-FFF2-40B4-BE49-F238E27FC236}">
-                <a16:creationId xmlns:a16="http://schemas.microsoft.com/office/drawing/2014/main" id="{B4621C23-5401-BDFB-4DBF-4BC086F89C2C}"/>
+          <p:cNvPr id="54" name="TextBox 53">
+            <a:extLst>
+              <a:ext uri="{FF2B5EF4-FFF2-40B4-BE49-F238E27FC236}">
+                <a16:creationId xmlns:a16="http://schemas.microsoft.com/office/drawing/2014/main" id="{7C4BDD7D-99C0-1323-8CF2-D16EC79464BD}"/>
+              </a:ext>
+            </a:extLst>
+          </p:cNvPr>
+          <p:cNvSpPr txBox="1"/>
+          <p:nvPr/>
+        </p:nvSpPr>
+        <p:spPr>
+          <a:xfrm>
+            <a:off x="3386170" y="3807649"/>
+            <a:ext cx="2558757" cy="1444985"/>
+          </a:xfrm>
+          <a:prstGeom prst="rect">
+            <a:avLst/>
+          </a:prstGeom>
+          <a:noFill/>
+          <a:ln>
+            <a:solidFill>
+              <a:schemeClr val="accent1"/>
+            </a:solidFill>
+          </a:ln>
+        </p:spPr>
+        <p:txBody>
+          <a:bodyPr wrap="square" rtlCol="0">
+            <a:noAutofit/>
+          </a:bodyPr>
+          <a:lstStyle/>
+          <a:p>
+            <a:endParaRPr lang="en-GB" sz="800" b="1" dirty="0">
+              <a:solidFill>
+                <a:schemeClr val="accent1"/>
+              </a:solidFill>
+            </a:endParaRPr>
+          </a:p>
+        </p:txBody>
+      </p:sp>
+      <p:sp>
+        <p:nvSpPr>
+          <p:cNvPr id="52" name="TextBox 51">
+            <a:extLst>
+              <a:ext uri="{FF2B5EF4-FFF2-40B4-BE49-F238E27FC236}">
+                <a16:creationId xmlns:a16="http://schemas.microsoft.com/office/drawing/2014/main" id="{102F1CFD-E438-0271-68E5-912DCEA286AB}"/>
+              </a:ext>
+            </a:extLst>
+          </p:cNvPr>
+          <p:cNvSpPr txBox="1"/>
+          <p:nvPr/>
+        </p:nvSpPr>
+        <p:spPr>
+          <a:xfrm>
+            <a:off x="531277" y="3814194"/>
+            <a:ext cx="2558757" cy="1444985"/>
+          </a:xfrm>
+          <a:prstGeom prst="rect">
+            <a:avLst/>
+          </a:prstGeom>
+          <a:noFill/>
+          <a:ln>
+            <a:solidFill>
+              <a:schemeClr val="accent1"/>
+            </a:solidFill>
+          </a:ln>
+        </p:spPr>
+        <p:txBody>
+          <a:bodyPr wrap="square" rtlCol="0">
+            <a:noAutofit/>
+          </a:bodyPr>
+          <a:lstStyle/>
+          <a:p>
+            <a:endParaRPr lang="en-GB" sz="800" b="1" dirty="0">
+              <a:solidFill>
+                <a:schemeClr val="accent1"/>
+              </a:solidFill>
+            </a:endParaRPr>
+          </a:p>
+        </p:txBody>
+      </p:sp>
+      <p:sp>
+        <p:nvSpPr>
+          <p:cNvPr id="49" name="TextBox 48">
+            <a:extLst>
+              <a:ext uri="{FF2B5EF4-FFF2-40B4-BE49-F238E27FC236}">
+                <a16:creationId xmlns:a16="http://schemas.microsoft.com/office/drawing/2014/main" id="{2CCBAFBB-4BDC-C65D-FCD2-8C1C3F5FB39E}"/>
+              </a:ext>
+            </a:extLst>
+          </p:cNvPr>
+          <p:cNvSpPr txBox="1"/>
+          <p:nvPr/>
+        </p:nvSpPr>
+        <p:spPr>
+          <a:xfrm>
+            <a:off x="518868" y="757722"/>
+            <a:ext cx="2558757" cy="1444985"/>
+          </a:xfrm>
+          <a:prstGeom prst="rect">
+            <a:avLst/>
+          </a:prstGeom>
+          <a:noFill/>
+          <a:ln>
+            <a:solidFill>
+              <a:schemeClr val="accent1"/>
+            </a:solidFill>
+          </a:ln>
+        </p:spPr>
+        <p:txBody>
+          <a:bodyPr wrap="square" rtlCol="0">
+            <a:noAutofit/>
+          </a:bodyPr>
+          <a:lstStyle/>
+          <a:p>
+            <a:endParaRPr lang="en-GB" sz="800" b="1" dirty="0">
+              <a:solidFill>
+                <a:schemeClr val="accent1"/>
+              </a:solidFill>
+            </a:endParaRPr>
+          </a:p>
+        </p:txBody>
+      </p:sp>
+      <p:sp>
+        <p:nvSpPr>
+          <p:cNvPr id="44" name="TextBox 43">
+            <a:extLst>
+              <a:ext uri="{FF2B5EF4-FFF2-40B4-BE49-F238E27FC236}">
+                <a16:creationId xmlns:a16="http://schemas.microsoft.com/office/drawing/2014/main" id="{A1784974-0056-FBD3-1863-56777F8FA7DE}"/>
+              </a:ext>
+            </a:extLst>
+          </p:cNvPr>
+          <p:cNvSpPr txBox="1"/>
+          <p:nvPr/>
+        </p:nvSpPr>
+        <p:spPr>
+          <a:xfrm>
+            <a:off x="6221834" y="755700"/>
+            <a:ext cx="2558757" cy="1444985"/>
+          </a:xfrm>
+          <a:prstGeom prst="rect">
+            <a:avLst/>
+          </a:prstGeom>
+          <a:noFill/>
+          <a:ln>
+            <a:solidFill>
+              <a:schemeClr val="accent1"/>
+            </a:solidFill>
+          </a:ln>
+        </p:spPr>
+        <p:txBody>
+          <a:bodyPr wrap="square" rtlCol="0">
+            <a:noAutofit/>
+          </a:bodyPr>
+          <a:lstStyle/>
+          <a:p>
+            <a:endParaRPr lang="en-GB" sz="800" b="1" dirty="0">
+              <a:solidFill>
+                <a:schemeClr val="accent1"/>
+              </a:solidFill>
+            </a:endParaRPr>
+          </a:p>
+        </p:txBody>
+      </p:sp>
+      <p:sp>
+        <p:nvSpPr>
+          <p:cNvPr id="40" name="TextBox 39">
+            <a:extLst>
+              <a:ext uri="{FF2B5EF4-FFF2-40B4-BE49-F238E27FC236}">
+                <a16:creationId xmlns:a16="http://schemas.microsoft.com/office/drawing/2014/main" id="{933DD765-0AFF-ED7C-BB83-3C4E43010920}"/>
+              </a:ext>
+            </a:extLst>
+          </p:cNvPr>
+          <p:cNvSpPr txBox="1"/>
+          <p:nvPr/>
+        </p:nvSpPr>
+        <p:spPr>
+          <a:xfrm>
+            <a:off x="3366876" y="759765"/>
+            <a:ext cx="2558757" cy="1444985"/>
+          </a:xfrm>
+          <a:prstGeom prst="rect">
+            <a:avLst/>
+          </a:prstGeom>
+          <a:noFill/>
+          <a:ln>
+            <a:solidFill>
+              <a:schemeClr val="accent1"/>
+            </a:solidFill>
+          </a:ln>
+        </p:spPr>
+        <p:txBody>
+          <a:bodyPr wrap="square" rtlCol="0">
+            <a:noAutofit/>
+          </a:bodyPr>
+          <a:lstStyle/>
+          <a:p>
+            <a:endParaRPr lang="en-GB" sz="800" b="1" dirty="0">
+              <a:solidFill>
+                <a:schemeClr val="accent1"/>
+              </a:solidFill>
+            </a:endParaRPr>
+          </a:p>
+        </p:txBody>
+      </p:sp>
+      <p:sp>
+        <p:nvSpPr>
+          <p:cNvPr id="8" name="TextBox 7">
+            <a:extLst>
+              <a:ext uri="{FF2B5EF4-FFF2-40B4-BE49-F238E27FC236}">
+                <a16:creationId xmlns:a16="http://schemas.microsoft.com/office/drawing/2014/main" id="{DA64C8C2-3082-B3FB-A877-F4E183962346}"/>
+              </a:ext>
+            </a:extLst>
+          </p:cNvPr>
+          <p:cNvSpPr txBox="1"/>
+          <p:nvPr/>
+        </p:nvSpPr>
+        <p:spPr>
+          <a:xfrm>
+            <a:off x="6222875" y="2290970"/>
+            <a:ext cx="2557716" cy="984885"/>
+          </a:xfrm>
+          <a:prstGeom prst="rect">
+            <a:avLst/>
+          </a:prstGeom>
+          <a:noFill/>
+          <a:ln>
+            <a:solidFill>
+              <a:schemeClr val="accent1"/>
+            </a:solidFill>
+          </a:ln>
+        </p:spPr>
+        <p:txBody>
+          <a:bodyPr wrap="square" rtlCol="0">
+            <a:noAutofit/>
+          </a:bodyPr>
+          <a:lstStyle/>
+          <a:p>
+            <a:r>
+              <a:rPr lang="en-GB" sz="1050" dirty="0"/>
+              <a:t>Increase your focus by assessing where you (and others) think you are now and </a:t>
+            </a:r>
+            <a:r>
+              <a:rPr lang="en-GB" sz="1050" b="1" dirty="0"/>
+              <a:t>immediate development areas. </a:t>
+            </a:r>
+            <a:r>
+              <a:rPr lang="en-GB" sz="1050" dirty="0"/>
+              <a:t>A Johari Window can be useful here.</a:t>
+            </a:r>
+          </a:p>
+          <a:p>
+            <a:endParaRPr lang="en-GB" sz="800" b="1" dirty="0">
+              <a:solidFill>
+                <a:schemeClr val="accent1"/>
+              </a:solidFill>
+              <a:hlinkClick r:id="rId4"/>
+            </a:endParaRPr>
+          </a:p>
+          <a:p>
+            <a:r>
+              <a:rPr lang="en-GB" sz="800" b="1" dirty="0">
+                <a:solidFill>
+                  <a:schemeClr val="accent1"/>
+                </a:solidFill>
+                <a:hlinkClick r:id="rId4"/>
+              </a:rPr>
+              <a:t>Agile Growth Pack (Slide 3)</a:t>
+            </a:r>
+            <a:endParaRPr lang="en-GB" sz="800" b="1" dirty="0">
+              <a:solidFill>
+                <a:schemeClr val="accent1"/>
+              </a:solidFill>
+            </a:endParaRPr>
+          </a:p>
+        </p:txBody>
+      </p:sp>
+      <p:sp>
+        <p:nvSpPr>
+          <p:cNvPr id="10" name="TextBox 9">
+            <a:extLst>
+              <a:ext uri="{FF2B5EF4-FFF2-40B4-BE49-F238E27FC236}">
+                <a16:creationId xmlns:a16="http://schemas.microsoft.com/office/drawing/2014/main" id="{D4CC50AB-F975-DF40-A4E9-7896853D31EA}"/>
+              </a:ext>
+            </a:extLst>
+          </p:cNvPr>
+          <p:cNvSpPr txBox="1"/>
+          <p:nvPr/>
+        </p:nvSpPr>
+        <p:spPr>
+          <a:xfrm>
+            <a:off x="3362498" y="2290969"/>
+            <a:ext cx="2558757" cy="984885"/>
+          </a:xfrm>
+          <a:prstGeom prst="rect">
+            <a:avLst/>
+          </a:prstGeom>
+          <a:noFill/>
+          <a:ln>
+            <a:solidFill>
+              <a:schemeClr val="accent1"/>
+            </a:solidFill>
+          </a:ln>
+        </p:spPr>
+        <p:txBody>
+          <a:bodyPr wrap="square" rtlCol="0">
+            <a:noAutofit/>
+          </a:bodyPr>
+          <a:lstStyle/>
+          <a:p>
+            <a:r>
+              <a:rPr lang="en-GB" sz="1050" dirty="0"/>
+              <a:t>Understand where you are now, review where you’d like to progress to or what skills to deepen. </a:t>
+            </a:r>
+            <a:r>
+              <a:rPr lang="en-GB" sz="1050" b="1" dirty="0"/>
+              <a:t>Set yourself a goal, </a:t>
+            </a:r>
+            <a:r>
+              <a:rPr lang="en-GB" sz="1050" dirty="0"/>
+              <a:t>discuss it with your manager or mentor.</a:t>
+            </a:r>
+          </a:p>
+          <a:p>
+            <a:endParaRPr lang="en-GB" sz="800" b="1" dirty="0">
+              <a:solidFill>
+                <a:schemeClr val="accent1"/>
+              </a:solidFill>
+            </a:endParaRPr>
+          </a:p>
+          <a:p>
+            <a:r>
+              <a:rPr lang="en-GB" sz="800" b="1" dirty="0">
+                <a:solidFill>
+                  <a:schemeClr val="accent1"/>
+                </a:solidFill>
+                <a:hlinkClick r:id="rId5" action="ppaction://hlinksldjump"/>
+              </a:rPr>
+              <a:t>Agile Practitioner Role &amp; Stance Matrix</a:t>
+            </a:r>
+            <a:endParaRPr lang="en-GB" sz="800" b="1" dirty="0">
+              <a:solidFill>
+                <a:schemeClr val="accent1"/>
+              </a:solidFill>
+            </a:endParaRPr>
+          </a:p>
+        </p:txBody>
+      </p:sp>
+      <p:sp>
+        <p:nvSpPr>
+          <p:cNvPr id="11" name="TextBox 10">
+            <a:extLst>
+              <a:ext uri="{FF2B5EF4-FFF2-40B4-BE49-F238E27FC236}">
+                <a16:creationId xmlns:a16="http://schemas.microsoft.com/office/drawing/2014/main" id="{E3FEB2AA-0FDC-B5F0-7CC6-E5089521E4DE}"/>
+              </a:ext>
+            </a:extLst>
+          </p:cNvPr>
+          <p:cNvSpPr txBox="1"/>
+          <p:nvPr/>
+        </p:nvSpPr>
+        <p:spPr>
+          <a:xfrm>
+            <a:off x="531211" y="5350263"/>
+            <a:ext cx="2553684" cy="984885"/>
+          </a:xfrm>
+          <a:prstGeom prst="rect">
+            <a:avLst/>
+          </a:prstGeom>
+          <a:noFill/>
+          <a:ln>
+            <a:solidFill>
+              <a:schemeClr val="accent1"/>
+            </a:solidFill>
+          </a:ln>
+        </p:spPr>
+        <p:txBody>
+          <a:bodyPr wrap="square" rtlCol="0">
+            <a:noAutofit/>
+          </a:bodyPr>
+          <a:lstStyle/>
+          <a:p>
+            <a:r>
+              <a:rPr lang="en-GB" sz="1050" b="1" dirty="0"/>
+              <a:t>Build a Development Plan to help you get there, </a:t>
+            </a:r>
+            <a:r>
+              <a:rPr lang="en-GB" sz="1050" dirty="0"/>
+              <a:t>with courses, certificates, experiences and opportunities to grow. Think about how you’ll get feedback.</a:t>
+            </a:r>
+          </a:p>
+          <a:p>
+            <a:endParaRPr lang="en-GB" sz="800" b="1" dirty="0">
+              <a:solidFill>
+                <a:schemeClr val="accent1"/>
+              </a:solidFill>
+              <a:hlinkClick r:id="rId4"/>
+            </a:endParaRPr>
+          </a:p>
+          <a:p>
+            <a:r>
+              <a:rPr lang="en-GB" sz="800" b="1" dirty="0">
+                <a:solidFill>
+                  <a:schemeClr val="accent1"/>
+                </a:solidFill>
+                <a:hlinkClick r:id="rId4"/>
+              </a:rPr>
+              <a:t>Agile Growth Pack (Slide 5)</a:t>
+            </a:r>
+            <a:endParaRPr lang="en-GB" sz="800" b="1" dirty="0">
+              <a:solidFill>
+                <a:schemeClr val="accent1"/>
+              </a:solidFill>
+            </a:endParaRPr>
+          </a:p>
+        </p:txBody>
+      </p:sp>
+      <p:sp>
+        <p:nvSpPr>
+          <p:cNvPr id="13" name="TextBox 12">
+            <a:extLst>
+              <a:ext uri="{FF2B5EF4-FFF2-40B4-BE49-F238E27FC236}">
+                <a16:creationId xmlns:a16="http://schemas.microsoft.com/office/drawing/2014/main" id="{9146D548-37F6-0EAC-DA68-66743C8C2CF9}"/>
+              </a:ext>
+            </a:extLst>
+          </p:cNvPr>
+          <p:cNvSpPr txBox="1"/>
+          <p:nvPr/>
+        </p:nvSpPr>
+        <p:spPr>
+          <a:xfrm>
+            <a:off x="3386453" y="5349863"/>
+            <a:ext cx="2553972" cy="984885"/>
+          </a:xfrm>
+          <a:prstGeom prst="rect">
+            <a:avLst/>
+          </a:prstGeom>
+          <a:noFill/>
+          <a:ln>
+            <a:solidFill>
+              <a:schemeClr val="accent1"/>
+            </a:solidFill>
+          </a:ln>
+        </p:spPr>
+        <p:txBody>
+          <a:bodyPr wrap="square" rtlCol="0">
+            <a:noAutofit/>
+          </a:bodyPr>
+          <a:lstStyle/>
+          <a:p>
+            <a:r>
+              <a:rPr lang="en-GB" sz="1050" dirty="0"/>
+              <a:t>Use the Sync Up to </a:t>
+            </a:r>
+            <a:r>
+              <a:rPr lang="en-GB" sz="1050" b="1" dirty="0"/>
+              <a:t>track where you are spending your time</a:t>
+            </a:r>
+            <a:r>
+              <a:rPr lang="en-GB" sz="1050" dirty="0"/>
+              <a:t>,</a:t>
+            </a:r>
+            <a:r>
+              <a:rPr lang="en-GB" sz="1050" b="1" dirty="0"/>
+              <a:t> </a:t>
+            </a:r>
+            <a:r>
+              <a:rPr lang="en-GB" sz="1050" dirty="0"/>
+              <a:t>if you’re getting what you need to grow, and if this is contributing to your Development Plan.</a:t>
+            </a:r>
+          </a:p>
+          <a:p>
+            <a:endParaRPr lang="en-GB" sz="800" b="1" dirty="0">
+              <a:solidFill>
+                <a:schemeClr val="accent1"/>
+              </a:solidFill>
+              <a:hlinkClick r:id="rId4"/>
+            </a:endParaRPr>
+          </a:p>
+          <a:p>
+            <a:r>
+              <a:rPr lang="en-GB" sz="800" b="1" dirty="0">
+                <a:solidFill>
+                  <a:schemeClr val="accent1"/>
+                </a:solidFill>
+                <a:hlinkClick r:id="rId4"/>
+              </a:rPr>
+              <a:t>Agile Growth Pack (Slide 6)</a:t>
+            </a:r>
+            <a:endParaRPr lang="en-GB" sz="800" b="1" dirty="0">
+              <a:solidFill>
+                <a:schemeClr val="accent1"/>
+              </a:solidFill>
+            </a:endParaRPr>
+          </a:p>
+        </p:txBody>
+      </p:sp>
+      <p:pic>
+        <p:nvPicPr>
+          <p:cNvPr id="15" name="Picture 14">
+            <a:extLst>
+              <a:ext uri="{FF2B5EF4-FFF2-40B4-BE49-F238E27FC236}">
+                <a16:creationId xmlns:a16="http://schemas.microsoft.com/office/drawing/2014/main" id="{ED20D09B-C708-931E-B8F6-5DF7C6CE5F36}"/>
+              </a:ext>
+            </a:extLst>
+          </p:cNvPr>
+          <p:cNvPicPr>
+            <a:picLocks noChangeAspect="1"/>
+          </p:cNvPicPr>
+          <p:nvPr/>
+        </p:nvPicPr>
+        <p:blipFill>
+          <a:blip r:embed="rId6"/>
+          <a:srcRect l="2580" t="592" r="2594" b="4664"/>
+          <a:stretch/>
+        </p:blipFill>
+        <p:spPr>
+          <a:xfrm>
+            <a:off x="9075234" y="762232"/>
+            <a:ext cx="2550022" cy="1431096"/>
+          </a:xfrm>
+          <a:prstGeom prst="rect">
+            <a:avLst/>
+          </a:prstGeom>
+          <a:ln>
+            <a:solidFill>
+              <a:schemeClr val="accent1"/>
+            </a:solidFill>
+          </a:ln>
+        </p:spPr>
+      </p:pic>
+      <p:sp>
+        <p:nvSpPr>
+          <p:cNvPr id="16" name="TextBox 15">
+            <a:extLst>
+              <a:ext uri="{FF2B5EF4-FFF2-40B4-BE49-F238E27FC236}">
+                <a16:creationId xmlns:a16="http://schemas.microsoft.com/office/drawing/2014/main" id="{72541157-CC83-A422-A3E3-12F3F1B509BB}"/>
+              </a:ext>
+            </a:extLst>
+          </p:cNvPr>
+          <p:cNvSpPr txBox="1"/>
+          <p:nvPr/>
+        </p:nvSpPr>
+        <p:spPr>
+          <a:xfrm>
+            <a:off x="9071572" y="2293086"/>
+            <a:ext cx="2557716" cy="984885"/>
+          </a:xfrm>
+          <a:prstGeom prst="rect">
+            <a:avLst/>
+          </a:prstGeom>
+          <a:noFill/>
+          <a:ln>
+            <a:solidFill>
+              <a:schemeClr val="accent1"/>
+            </a:solidFill>
+          </a:ln>
+        </p:spPr>
+        <p:txBody>
+          <a:bodyPr wrap="square" rtlCol="0">
+            <a:noAutofit/>
+          </a:bodyPr>
+          <a:lstStyle/>
+          <a:p>
+            <a:r>
+              <a:rPr lang="en-GB" sz="1050" b="1" dirty="0"/>
+              <a:t>Identify courses, qualifications, books and resources to</a:t>
+            </a:r>
+            <a:r>
+              <a:rPr lang="en-GB" sz="1050" dirty="0"/>
+              <a:t> </a:t>
+            </a:r>
+            <a:r>
+              <a:rPr lang="en-GB" sz="1050" b="1" dirty="0"/>
+              <a:t>support your growth</a:t>
+            </a:r>
+            <a:r>
+              <a:rPr lang="en-GB" sz="1050" dirty="0"/>
+              <a:t> in your development area(s). Consider a coach or mentor too.</a:t>
+            </a:r>
+          </a:p>
+          <a:p>
+            <a:endParaRPr lang="en-GB" sz="800" b="1" dirty="0">
+              <a:solidFill>
+                <a:schemeClr val="accent1"/>
+              </a:solidFill>
+              <a:hlinkClick r:id="rId7"/>
+            </a:endParaRPr>
+          </a:p>
+          <a:p>
+            <a:r>
+              <a:rPr lang="en-GB" sz="800" b="1" dirty="0">
+                <a:solidFill>
+                  <a:schemeClr val="accent1"/>
+                </a:solidFill>
+                <a:hlinkClick r:id="rId7"/>
+              </a:rPr>
+              <a:t>ACGW + Courses &amp; Resources</a:t>
+            </a:r>
+            <a:endParaRPr lang="en-GB" sz="800" b="1" dirty="0">
+              <a:solidFill>
+                <a:schemeClr val="accent1"/>
+              </a:solidFill>
+            </a:endParaRPr>
+          </a:p>
+        </p:txBody>
+      </p:sp>
+      <p:sp>
+        <p:nvSpPr>
+          <p:cNvPr id="18" name="TextBox 17">
+            <a:extLst>
+              <a:ext uri="{FF2B5EF4-FFF2-40B4-BE49-F238E27FC236}">
+                <a16:creationId xmlns:a16="http://schemas.microsoft.com/office/drawing/2014/main" id="{5043F081-8237-95E7-D562-45E253C133DA}"/>
+              </a:ext>
+            </a:extLst>
+          </p:cNvPr>
+          <p:cNvSpPr txBox="1"/>
+          <p:nvPr/>
+        </p:nvSpPr>
+        <p:spPr>
+          <a:xfrm>
+            <a:off x="521024" y="2293485"/>
+            <a:ext cx="2552251" cy="984885"/>
+          </a:xfrm>
+          <a:prstGeom prst="rect">
+            <a:avLst/>
+          </a:prstGeom>
+          <a:noFill/>
+          <a:ln>
+            <a:solidFill>
+              <a:schemeClr val="accent1"/>
+            </a:solidFill>
+          </a:ln>
+        </p:spPr>
+        <p:txBody>
+          <a:bodyPr wrap="square" rtlCol="0">
+            <a:noAutofit/>
+          </a:bodyPr>
+          <a:lstStyle/>
+          <a:p>
+            <a:r>
+              <a:rPr lang="en-GB" sz="1050" b="1" dirty="0"/>
+              <a:t>Understand what you need to be at your best</a:t>
+            </a:r>
+            <a:r>
+              <a:rPr lang="en-GB" sz="1050" dirty="0"/>
+              <a:t>, what you need from line managers and colleagues. There are lots of tools out there to help you.</a:t>
+            </a:r>
+          </a:p>
+          <a:p>
+            <a:endParaRPr lang="en-GB" sz="800" b="1" dirty="0">
+              <a:solidFill>
+                <a:schemeClr val="accent1"/>
+              </a:solidFill>
+              <a:hlinkClick r:id="rId4"/>
+            </a:endParaRPr>
+          </a:p>
+          <a:p>
+            <a:r>
+              <a:rPr lang="en-GB" sz="800" b="1" dirty="0">
+                <a:solidFill>
+                  <a:schemeClr val="accent1"/>
+                </a:solidFill>
+                <a:hlinkClick r:id="rId4"/>
+              </a:rPr>
+              <a:t> Agile Growth Pack (Slide 1+2)</a:t>
+            </a:r>
+            <a:endParaRPr lang="en-GB" sz="800" b="1" dirty="0">
+              <a:solidFill>
+                <a:schemeClr val="accent1"/>
+              </a:solidFill>
+            </a:endParaRPr>
+          </a:p>
+        </p:txBody>
+      </p:sp>
+      <p:sp>
+        <p:nvSpPr>
+          <p:cNvPr id="14" name="TextBox 13">
+            <a:extLst>
+              <a:ext uri="{FF2B5EF4-FFF2-40B4-BE49-F238E27FC236}">
+                <a16:creationId xmlns:a16="http://schemas.microsoft.com/office/drawing/2014/main" id="{FEF180DC-F807-1FB3-5DC6-C617222741E3}"/>
+              </a:ext>
+            </a:extLst>
+          </p:cNvPr>
+          <p:cNvSpPr txBox="1"/>
+          <p:nvPr/>
+        </p:nvSpPr>
+        <p:spPr>
+          <a:xfrm>
+            <a:off x="6233063" y="5349464"/>
+            <a:ext cx="2558512" cy="984885"/>
+          </a:xfrm>
+          <a:prstGeom prst="rect">
+            <a:avLst/>
+          </a:prstGeom>
+          <a:noFill/>
+          <a:ln>
+            <a:solidFill>
+              <a:schemeClr val="accent1"/>
+            </a:solidFill>
+          </a:ln>
+        </p:spPr>
+        <p:txBody>
+          <a:bodyPr wrap="square" rtlCol="0">
+            <a:noAutofit/>
+          </a:bodyPr>
+          <a:lstStyle/>
+          <a:p>
+            <a:r>
+              <a:rPr lang="en-GB" sz="1050" dirty="0"/>
+              <a:t>Use this again to </a:t>
+            </a:r>
+            <a:r>
+              <a:rPr lang="en-GB" sz="1050" b="1" dirty="0"/>
+              <a:t>reflect on how your skills and capabilities have developed </a:t>
+            </a:r>
+            <a:r>
+              <a:rPr lang="en-GB" sz="1050" dirty="0"/>
+              <a:t>and changed. Get feedback from others, review how you are learning and growing.</a:t>
+            </a:r>
+          </a:p>
+          <a:p>
+            <a:endParaRPr lang="en-GB" sz="800" b="1" dirty="0">
+              <a:solidFill>
+                <a:schemeClr val="accent1"/>
+              </a:solidFill>
+              <a:hlinkClick r:id="rId4"/>
+            </a:endParaRPr>
+          </a:p>
+          <a:p>
+            <a:r>
+              <a:rPr lang="en-GB" sz="800" b="1" dirty="0">
+                <a:solidFill>
+                  <a:schemeClr val="accent1"/>
+                </a:solidFill>
+                <a:hlinkClick r:id="rId4"/>
+              </a:rPr>
+              <a:t>Agile Growth Pack (Slide 3)</a:t>
+            </a:r>
+            <a:endParaRPr lang="en-GB" sz="800" b="1" dirty="0">
+              <a:solidFill>
+                <a:schemeClr val="accent1"/>
+              </a:solidFill>
+            </a:endParaRPr>
+          </a:p>
+        </p:txBody>
+      </p:sp>
+      <p:sp>
+        <p:nvSpPr>
+          <p:cNvPr id="28" name="TextBox 27">
+            <a:extLst>
+              <a:ext uri="{FF2B5EF4-FFF2-40B4-BE49-F238E27FC236}">
+                <a16:creationId xmlns:a16="http://schemas.microsoft.com/office/drawing/2014/main" id="{ECAB6915-8F11-660E-B84D-5E521897ACF1}"/>
+              </a:ext>
+            </a:extLst>
+          </p:cNvPr>
+          <p:cNvSpPr txBox="1"/>
+          <p:nvPr/>
+        </p:nvSpPr>
+        <p:spPr>
+          <a:xfrm>
+            <a:off x="9081043" y="5349464"/>
+            <a:ext cx="2558756" cy="984885"/>
+          </a:xfrm>
+          <a:prstGeom prst="rect">
+            <a:avLst/>
+          </a:prstGeom>
+          <a:noFill/>
+          <a:ln>
+            <a:solidFill>
+              <a:schemeClr val="accent1"/>
+            </a:solidFill>
+          </a:ln>
+        </p:spPr>
+        <p:txBody>
+          <a:bodyPr wrap="square" rtlCol="0">
+            <a:noAutofit/>
+          </a:bodyPr>
+          <a:lstStyle/>
+          <a:p>
+            <a:r>
+              <a:rPr lang="en-GB" sz="1050" dirty="0"/>
+              <a:t>Use this again to </a:t>
+            </a:r>
+            <a:r>
+              <a:rPr lang="en-GB" sz="1050" b="1" dirty="0"/>
+              <a:t>review your progress</a:t>
+            </a:r>
+            <a:r>
+              <a:rPr lang="en-GB" sz="1050" dirty="0"/>
+              <a:t>, where you’d like to move next, if you’ve got the skills, capability and support system in place to </a:t>
+            </a:r>
+            <a:r>
+              <a:rPr lang="en-GB" sz="1050" b="1" dirty="0"/>
+              <a:t>make it happen.</a:t>
+            </a:r>
+          </a:p>
+          <a:p>
+            <a:endParaRPr lang="en-GB" sz="800" b="1" dirty="0">
+              <a:solidFill>
+                <a:schemeClr val="accent1"/>
+              </a:solidFill>
+            </a:endParaRPr>
+          </a:p>
+          <a:p>
+            <a:r>
+              <a:rPr lang="en-GB" sz="800" b="1" dirty="0">
+                <a:solidFill>
+                  <a:schemeClr val="accent1"/>
+                </a:solidFill>
+                <a:hlinkClick r:id="rId5" action="ppaction://hlinksldjump"/>
+              </a:rPr>
+              <a:t>Agile Practitioner Role &amp; Stance Matrix</a:t>
+            </a:r>
+            <a:endParaRPr lang="en-GB" sz="800" b="1" dirty="0">
+              <a:solidFill>
+                <a:schemeClr val="accent1"/>
+              </a:solidFill>
+            </a:endParaRPr>
+          </a:p>
+        </p:txBody>
+      </p:sp>
+      <p:sp>
+        <p:nvSpPr>
+          <p:cNvPr id="30" name="Oval 29">
+            <a:extLst>
+              <a:ext uri="{FF2B5EF4-FFF2-40B4-BE49-F238E27FC236}">
+                <a16:creationId xmlns:a16="http://schemas.microsoft.com/office/drawing/2014/main" id="{7A4201E8-5870-008F-8FD8-326F8711F1F1}"/>
+              </a:ext>
+            </a:extLst>
+          </p:cNvPr>
+          <p:cNvSpPr>
+            <a:spLocks noChangeAspect="1"/>
+          </p:cNvSpPr>
+          <p:nvPr/>
+        </p:nvSpPr>
+        <p:spPr>
+          <a:xfrm>
+            <a:off x="3172405" y="535391"/>
+            <a:ext cx="293636" cy="314207"/>
+          </a:xfrm>
+          <a:prstGeom prst="ellipse">
+            <a:avLst/>
+          </a:prstGeom>
+        </p:spPr>
+        <p:style>
+          <a:lnRef idx="2">
+            <a:schemeClr val="accent1">
+              <a:shade val="15000"/>
+            </a:schemeClr>
+          </a:lnRef>
+          <a:fillRef idx="1">
+            <a:schemeClr val="accent1"/>
+          </a:fillRef>
+          <a:effectRef idx="0">
+            <a:schemeClr val="accent1"/>
+          </a:effectRef>
+          <a:fontRef idx="minor">
+            <a:schemeClr val="lt1"/>
+          </a:fontRef>
+        </p:style>
+        <p:txBody>
+          <a:bodyPr rtlCol="0" anchor="ctr">
+            <a:noAutofit/>
+          </a:bodyPr>
+          <a:lstStyle/>
+          <a:p>
+            <a:pPr algn="ctr"/>
+            <a:r>
+              <a:rPr lang="en-GB" sz="1200" b="1" dirty="0"/>
+              <a:t>2</a:t>
+            </a:r>
+          </a:p>
+        </p:txBody>
+      </p:sp>
+      <p:sp>
+        <p:nvSpPr>
+          <p:cNvPr id="32" name="Oval 31">
+            <a:extLst>
+              <a:ext uri="{FF2B5EF4-FFF2-40B4-BE49-F238E27FC236}">
+                <a16:creationId xmlns:a16="http://schemas.microsoft.com/office/drawing/2014/main" id="{C69D8BE8-5E64-E80D-6684-E256B2C86AFE}"/>
+              </a:ext>
+            </a:extLst>
+          </p:cNvPr>
+          <p:cNvSpPr>
+            <a:spLocks noChangeAspect="1"/>
+          </p:cNvSpPr>
+          <p:nvPr/>
+        </p:nvSpPr>
+        <p:spPr>
+          <a:xfrm>
+            <a:off x="8929847" y="506198"/>
+            <a:ext cx="293636" cy="314207"/>
+          </a:xfrm>
+          <a:prstGeom prst="ellipse">
+            <a:avLst/>
+          </a:prstGeom>
+        </p:spPr>
+        <p:style>
+          <a:lnRef idx="2">
+            <a:schemeClr val="accent1">
+              <a:shade val="15000"/>
+            </a:schemeClr>
+          </a:lnRef>
+          <a:fillRef idx="1">
+            <a:schemeClr val="accent1"/>
+          </a:fillRef>
+          <a:effectRef idx="0">
+            <a:schemeClr val="accent1"/>
+          </a:effectRef>
+          <a:fontRef idx="minor">
+            <a:schemeClr val="lt1"/>
+          </a:fontRef>
+        </p:style>
+        <p:txBody>
+          <a:bodyPr rtlCol="0" anchor="ctr">
+            <a:noAutofit/>
+          </a:bodyPr>
+          <a:lstStyle/>
+          <a:p>
+            <a:pPr algn="ctr"/>
+            <a:r>
+              <a:rPr lang="en-GB" sz="1200" b="1" dirty="0"/>
+              <a:t>4</a:t>
+            </a:r>
+          </a:p>
+        </p:txBody>
+      </p:sp>
+      <p:sp>
+        <p:nvSpPr>
+          <p:cNvPr id="33" name="Oval 32">
+            <a:extLst>
+              <a:ext uri="{FF2B5EF4-FFF2-40B4-BE49-F238E27FC236}">
+                <a16:creationId xmlns:a16="http://schemas.microsoft.com/office/drawing/2014/main" id="{079F0774-5CB4-34D6-96AA-2509163F9A68}"/>
+              </a:ext>
+            </a:extLst>
+          </p:cNvPr>
+          <p:cNvSpPr>
+            <a:spLocks noChangeAspect="1"/>
+          </p:cNvSpPr>
+          <p:nvPr/>
+        </p:nvSpPr>
+        <p:spPr>
+          <a:xfrm>
+            <a:off x="289644" y="3616893"/>
+            <a:ext cx="293636" cy="314207"/>
+          </a:xfrm>
+          <a:prstGeom prst="ellipse">
+            <a:avLst/>
+          </a:prstGeom>
+        </p:spPr>
+        <p:style>
+          <a:lnRef idx="2">
+            <a:schemeClr val="accent1">
+              <a:shade val="15000"/>
+            </a:schemeClr>
+          </a:lnRef>
+          <a:fillRef idx="1">
+            <a:schemeClr val="accent1"/>
+          </a:fillRef>
+          <a:effectRef idx="0">
+            <a:schemeClr val="accent1"/>
+          </a:effectRef>
+          <a:fontRef idx="minor">
+            <a:schemeClr val="lt1"/>
+          </a:fontRef>
+        </p:style>
+        <p:txBody>
+          <a:bodyPr rtlCol="0" anchor="ctr">
+            <a:noAutofit/>
+          </a:bodyPr>
+          <a:lstStyle/>
+          <a:p>
+            <a:pPr algn="ctr"/>
+            <a:r>
+              <a:rPr lang="en-GB" sz="1200" b="1" dirty="0"/>
+              <a:t>5</a:t>
+            </a:r>
+          </a:p>
+        </p:txBody>
+      </p:sp>
+      <p:sp>
+        <p:nvSpPr>
+          <p:cNvPr id="3" name="TextBox 2">
+            <a:extLst>
+              <a:ext uri="{FF2B5EF4-FFF2-40B4-BE49-F238E27FC236}">
+                <a16:creationId xmlns:a16="http://schemas.microsoft.com/office/drawing/2014/main" id="{B14C4407-6685-E3D4-6AE2-E21CCD3F4B8B}"/>
+              </a:ext>
+            </a:extLst>
+          </p:cNvPr>
+          <p:cNvSpPr txBox="1"/>
+          <p:nvPr/>
+        </p:nvSpPr>
+        <p:spPr>
+          <a:xfrm>
+            <a:off x="519592" y="462097"/>
+            <a:ext cx="2550022" cy="307777"/>
+          </a:xfrm>
+          <a:prstGeom prst="rect">
+            <a:avLst/>
+          </a:prstGeom>
+          <a:noFill/>
+          <a:ln>
+            <a:noFill/>
+          </a:ln>
+        </p:spPr>
+        <p:txBody>
+          <a:bodyPr wrap="square" rtlCol="0">
+            <a:noAutofit/>
+          </a:bodyPr>
+          <a:lstStyle/>
+          <a:p>
+            <a:pPr algn="ctr"/>
+            <a:r>
+              <a:rPr lang="en-GB" sz="1400" b="1" dirty="0"/>
+              <a:t>Self-Awareness &amp; Mastery</a:t>
+            </a:r>
+          </a:p>
+        </p:txBody>
+      </p:sp>
+      <p:sp>
+        <p:nvSpPr>
+          <p:cNvPr id="4" name="TextBox 3">
+            <a:extLst>
+              <a:ext uri="{FF2B5EF4-FFF2-40B4-BE49-F238E27FC236}">
+                <a16:creationId xmlns:a16="http://schemas.microsoft.com/office/drawing/2014/main" id="{8ACBB738-B292-8BBC-1052-A1A8C085103D}"/>
+              </a:ext>
+            </a:extLst>
+          </p:cNvPr>
+          <p:cNvSpPr txBox="1"/>
+          <p:nvPr/>
+        </p:nvSpPr>
+        <p:spPr>
+          <a:xfrm>
+            <a:off x="3366876" y="470102"/>
+            <a:ext cx="2550022" cy="307777"/>
+          </a:xfrm>
+          <a:prstGeom prst="rect">
+            <a:avLst/>
+          </a:prstGeom>
+          <a:noFill/>
+          <a:ln>
+            <a:noFill/>
+          </a:ln>
+        </p:spPr>
+        <p:txBody>
+          <a:bodyPr wrap="square" rtlCol="0">
+            <a:noAutofit/>
+          </a:bodyPr>
+          <a:lstStyle/>
+          <a:p>
+            <a:pPr algn="ctr"/>
+            <a:r>
+              <a:rPr lang="en-GB" sz="1400" b="1" dirty="0"/>
+              <a:t>Orient Before Navigating</a:t>
+            </a:r>
+          </a:p>
+        </p:txBody>
+      </p:sp>
+      <p:sp>
+        <p:nvSpPr>
+          <p:cNvPr id="19" name="TextBox 18">
+            <a:extLst>
+              <a:ext uri="{FF2B5EF4-FFF2-40B4-BE49-F238E27FC236}">
+                <a16:creationId xmlns:a16="http://schemas.microsoft.com/office/drawing/2014/main" id="{C7582878-0000-3685-9721-AA76F5C0F0DE}"/>
+              </a:ext>
+            </a:extLst>
+          </p:cNvPr>
+          <p:cNvSpPr txBox="1"/>
+          <p:nvPr/>
+        </p:nvSpPr>
+        <p:spPr>
+          <a:xfrm>
+            <a:off x="6214160" y="462097"/>
+            <a:ext cx="2550022" cy="307777"/>
+          </a:xfrm>
+          <a:prstGeom prst="rect">
+            <a:avLst/>
+          </a:prstGeom>
+          <a:noFill/>
+          <a:ln>
+            <a:noFill/>
+          </a:ln>
+        </p:spPr>
+        <p:txBody>
+          <a:bodyPr wrap="square" rtlCol="0">
+            <a:noAutofit/>
+          </a:bodyPr>
+          <a:lstStyle/>
+          <a:p>
+            <a:pPr algn="ctr"/>
+            <a:r>
+              <a:rPr lang="en-GB" sz="1400" b="1" dirty="0"/>
+              <a:t>Focus Your Development</a:t>
+            </a:r>
+          </a:p>
+        </p:txBody>
+      </p:sp>
+      <p:sp>
+        <p:nvSpPr>
+          <p:cNvPr id="20" name="TextBox 19">
+            <a:extLst>
+              <a:ext uri="{FF2B5EF4-FFF2-40B4-BE49-F238E27FC236}">
+                <a16:creationId xmlns:a16="http://schemas.microsoft.com/office/drawing/2014/main" id="{CCC452DD-604D-9772-9BA2-3235DC1F5A87}"/>
+              </a:ext>
+            </a:extLst>
+          </p:cNvPr>
+          <p:cNvSpPr txBox="1"/>
+          <p:nvPr/>
+        </p:nvSpPr>
+        <p:spPr>
+          <a:xfrm>
+            <a:off x="9076665" y="462097"/>
+            <a:ext cx="2550022" cy="307777"/>
+          </a:xfrm>
+          <a:prstGeom prst="rect">
+            <a:avLst/>
+          </a:prstGeom>
+          <a:noFill/>
+          <a:ln>
+            <a:noFill/>
+          </a:ln>
+        </p:spPr>
+        <p:txBody>
+          <a:bodyPr wrap="square" rtlCol="0">
+            <a:noAutofit/>
+          </a:bodyPr>
+          <a:lstStyle/>
+          <a:p>
+            <a:pPr algn="ctr"/>
+            <a:r>
+              <a:rPr lang="en-GB" sz="1400" b="1" dirty="0"/>
+              <a:t>Find Courses &amp; Resources</a:t>
+            </a:r>
+          </a:p>
+        </p:txBody>
+      </p:sp>
+      <p:sp>
+        <p:nvSpPr>
+          <p:cNvPr id="24" name="TextBox 23">
+            <a:extLst>
+              <a:ext uri="{FF2B5EF4-FFF2-40B4-BE49-F238E27FC236}">
+                <a16:creationId xmlns:a16="http://schemas.microsoft.com/office/drawing/2014/main" id="{5F8E356E-37BB-48DD-7411-EC31B1189CBA}"/>
+              </a:ext>
+            </a:extLst>
+          </p:cNvPr>
+          <p:cNvSpPr txBox="1"/>
+          <p:nvPr/>
+        </p:nvSpPr>
+        <p:spPr>
+          <a:xfrm>
+            <a:off x="519592" y="3512947"/>
+            <a:ext cx="2550022" cy="307777"/>
+          </a:xfrm>
+          <a:prstGeom prst="rect">
+            <a:avLst/>
+          </a:prstGeom>
+          <a:noFill/>
+          <a:ln>
+            <a:noFill/>
+          </a:ln>
+        </p:spPr>
+        <p:txBody>
+          <a:bodyPr wrap="square" rtlCol="0">
+            <a:noAutofit/>
+          </a:bodyPr>
+          <a:lstStyle/>
+          <a:p>
+            <a:pPr algn="ctr"/>
+            <a:r>
+              <a:rPr lang="en-GB" sz="1400" b="1" dirty="0"/>
+              <a:t>Build and Execute a Plan</a:t>
+            </a:r>
+          </a:p>
+        </p:txBody>
+      </p:sp>
+      <p:sp>
+        <p:nvSpPr>
+          <p:cNvPr id="25" name="TextBox 24">
+            <a:extLst>
+              <a:ext uri="{FF2B5EF4-FFF2-40B4-BE49-F238E27FC236}">
+                <a16:creationId xmlns:a16="http://schemas.microsoft.com/office/drawing/2014/main" id="{DE581DF9-5AF2-17A0-153A-5201682090ED}"/>
+              </a:ext>
+            </a:extLst>
+          </p:cNvPr>
+          <p:cNvSpPr txBox="1"/>
+          <p:nvPr/>
+        </p:nvSpPr>
+        <p:spPr>
+          <a:xfrm>
+            <a:off x="3366876" y="3520952"/>
+            <a:ext cx="2550022" cy="307777"/>
+          </a:xfrm>
+          <a:prstGeom prst="rect">
+            <a:avLst/>
+          </a:prstGeom>
+          <a:noFill/>
+          <a:ln>
+            <a:noFill/>
+          </a:ln>
+        </p:spPr>
+        <p:txBody>
+          <a:bodyPr wrap="square" rtlCol="0">
+            <a:noAutofit/>
+          </a:bodyPr>
+          <a:lstStyle/>
+          <a:p>
+            <a:pPr algn="ctr"/>
+            <a:r>
+              <a:rPr lang="en-GB" sz="1400" b="1" dirty="0"/>
+              <a:t>Track Progress and Energy</a:t>
+            </a:r>
+          </a:p>
+        </p:txBody>
+      </p:sp>
+      <p:sp>
+        <p:nvSpPr>
+          <p:cNvPr id="26" name="TextBox 25">
+            <a:extLst>
+              <a:ext uri="{FF2B5EF4-FFF2-40B4-BE49-F238E27FC236}">
+                <a16:creationId xmlns:a16="http://schemas.microsoft.com/office/drawing/2014/main" id="{93675402-1729-77E3-DF33-6EE867DE5171}"/>
+              </a:ext>
+            </a:extLst>
+          </p:cNvPr>
+          <p:cNvSpPr txBox="1"/>
+          <p:nvPr/>
+        </p:nvSpPr>
+        <p:spPr>
+          <a:xfrm>
+            <a:off x="6214160" y="3512947"/>
+            <a:ext cx="2550022" cy="307777"/>
+          </a:xfrm>
+          <a:prstGeom prst="rect">
+            <a:avLst/>
+          </a:prstGeom>
+          <a:noFill/>
+          <a:ln>
+            <a:noFill/>
+          </a:ln>
+        </p:spPr>
+        <p:txBody>
+          <a:bodyPr wrap="square" rtlCol="0">
+            <a:noAutofit/>
+          </a:bodyPr>
+          <a:lstStyle/>
+          <a:p>
+            <a:pPr algn="ctr"/>
+            <a:r>
+              <a:rPr lang="en-GB" sz="1400" b="1" dirty="0"/>
+              <a:t>Reflect, Pivot, or Persist</a:t>
+            </a:r>
+          </a:p>
+        </p:txBody>
+      </p:sp>
+      <p:sp>
+        <p:nvSpPr>
+          <p:cNvPr id="27" name="TextBox 26">
+            <a:extLst>
+              <a:ext uri="{FF2B5EF4-FFF2-40B4-BE49-F238E27FC236}">
+                <a16:creationId xmlns:a16="http://schemas.microsoft.com/office/drawing/2014/main" id="{054469AA-E403-D873-1E80-9DE82796616E}"/>
+              </a:ext>
+            </a:extLst>
+          </p:cNvPr>
+          <p:cNvSpPr txBox="1"/>
+          <p:nvPr/>
+        </p:nvSpPr>
+        <p:spPr>
+          <a:xfrm>
+            <a:off x="9076665" y="3512947"/>
+            <a:ext cx="2550022" cy="307777"/>
+          </a:xfrm>
+          <a:prstGeom prst="rect">
+            <a:avLst/>
+          </a:prstGeom>
+          <a:noFill/>
+          <a:ln>
+            <a:noFill/>
+          </a:ln>
+        </p:spPr>
+        <p:txBody>
+          <a:bodyPr wrap="square" rtlCol="0">
+            <a:noAutofit/>
+          </a:bodyPr>
+          <a:lstStyle/>
+          <a:p>
+            <a:pPr algn="ctr"/>
+            <a:r>
+              <a:rPr lang="en-GB" sz="1400" b="1" dirty="0"/>
+              <a:t>See How Far You've Come</a:t>
+            </a:r>
+          </a:p>
+        </p:txBody>
+      </p:sp>
+      <p:sp>
+        <p:nvSpPr>
+          <p:cNvPr id="39" name="Title 1">
+            <a:extLst>
+              <a:ext uri="{FF2B5EF4-FFF2-40B4-BE49-F238E27FC236}">
+                <a16:creationId xmlns:a16="http://schemas.microsoft.com/office/drawing/2014/main" id="{610C7113-DE25-47B7-257C-B1A5478D93AD}"/>
               </a:ext>
             </a:extLst>
           </p:cNvPr>
@@ -7343,40 +8666,10 @@
             <p:ph type="title"/>
           </p:nvPr>
         </p:nvSpPr>
-        <p:spPr/>
-        <p:txBody>
-          <a:bodyPr>
-            <a:noAutofit/>
-          </a:bodyPr>
-          <a:lstStyle/>
-          <a:p>
-            <a:r>
-              <a:rPr lang="en-GB" b="1" dirty="0"/>
-              <a:t>5.1. Getting Started – Get Your Resources</a:t>
-            </a:r>
-          </a:p>
-        </p:txBody>
-      </p:sp>
-      <p:sp>
-        <p:nvSpPr>
-          <p:cNvPr id="3" name="Content Placeholder 2">
-            <a:extLst>
-              <a:ext uri="{FF2B5EF4-FFF2-40B4-BE49-F238E27FC236}">
-                <a16:creationId xmlns:a16="http://schemas.microsoft.com/office/drawing/2014/main" id="{20467520-3CF6-E456-8B84-2D6A04549AFA}"/>
-              </a:ext>
-            </a:extLst>
-          </p:cNvPr>
-          <p:cNvSpPr>
-            <a:spLocks noGrp="1"/>
-          </p:cNvSpPr>
-          <p:nvPr>
-            <p:ph idx="1"/>
-          </p:nvPr>
-        </p:nvSpPr>
         <p:spPr>
           <a:xfrm>
-            <a:off x="838200" y="1825625"/>
-            <a:ext cx="10619510" cy="4351338"/>
+            <a:off x="383" y="55451"/>
+            <a:ext cx="11936202" cy="301236"/>
           </a:xfrm>
         </p:spPr>
         <p:txBody>
@@ -7385,113 +8678,486 @@
           </a:bodyPr>
           <a:lstStyle/>
           <a:p>
-            <a:pPr marL="0" indent="0">
-              <a:buNone/>
-            </a:pPr>
-            <a:r>
-              <a:rPr lang="en-GB" sz="1800" dirty="0"/>
-              <a:t>To begin using the Agile Growth Pathway, ensure you have access to the following resources, saving them in your personal folders:</a:t>
-            </a:r>
-          </a:p>
-          <a:p>
-            <a:pPr marL="0" indent="0">
-              <a:buNone/>
-            </a:pPr>
-            <a:endParaRPr lang="en-GB" sz="1800" dirty="0"/>
-          </a:p>
-          <a:p>
-            <a:r>
-              <a:rPr lang="en-GB" sz="1800" b="1" dirty="0">
-                <a:hlinkClick r:id="rId2"/>
-              </a:rPr>
-              <a:t>Agile Growth Pack </a:t>
-            </a:r>
-            <a:r>
-              <a:rPr lang="en-GB" sz="1800" b="1" dirty="0"/>
-              <a:t>📁</a:t>
-            </a:r>
-          </a:p>
-          <a:p>
-            <a:pPr lvl="1"/>
-            <a:r>
-              <a:rPr lang="en-GB" sz="1800" dirty="0"/>
-              <a:t>Me “at My Best” (Slides 1-2) 📝</a:t>
-            </a:r>
-          </a:p>
-          <a:p>
-            <a:pPr lvl="1"/>
-            <a:r>
-              <a:rPr lang="en-GB" sz="1800" dirty="0"/>
-              <a:t>Growth Within the Profession Wheel (Slide 3) 📝</a:t>
-            </a:r>
-          </a:p>
-          <a:p>
-            <a:pPr lvl="1"/>
-            <a:r>
-              <a:rPr lang="en-GB" sz="1800" dirty="0"/>
-              <a:t>Build a Plan (Slide 4) 📝</a:t>
-            </a:r>
-          </a:p>
-          <a:p>
-            <a:pPr lvl="1"/>
-            <a:r>
-              <a:rPr lang="en-GB" sz="1800" dirty="0"/>
-              <a:t>Catch Up Template (Slide 6) 📝</a:t>
-            </a:r>
-          </a:p>
-          <a:p>
-            <a:r>
-              <a:rPr lang="en-GB" sz="1800" b="1" dirty="0">
-                <a:hlinkClick r:id="rId3"/>
-              </a:rPr>
-              <a:t>Agile Coaching Growth Wheel, Courses, and Resources </a:t>
-            </a:r>
-            <a:r>
-              <a:rPr lang="en-GB" sz="1800" b="1" dirty="0"/>
-              <a:t>🌍</a:t>
-            </a:r>
-          </a:p>
-          <a:p>
-            <a:r>
-              <a:rPr lang="en-GB" sz="1800" b="1" dirty="0">
-                <a:hlinkClick r:id="rId4" action="ppaction://hlinksldjump"/>
-              </a:rPr>
-              <a:t>Agile Practitioner Role &amp; Stance Matrix </a:t>
-            </a:r>
-            <a:r>
-              <a:rPr lang="en-GB" sz="1800" b="1" dirty="0"/>
-              <a:t>ℹ️</a:t>
-            </a:r>
-          </a:p>
-          <a:p>
-            <a:pPr marL="0" indent="0">
-              <a:buNone/>
-            </a:pPr>
-            <a:endParaRPr lang="en-GB" sz="1800" dirty="0"/>
-          </a:p>
-          <a:p>
-            <a:pPr marL="0" indent="0">
-              <a:buNone/>
-            </a:pPr>
-            <a:r>
-              <a:rPr lang="en-GB" sz="1800" dirty="0"/>
-              <a:t>These resources can be unbundled as needed and shared with line managers if that aligns with your personal growth journey.</a:t>
-            </a:r>
-          </a:p>
-          <a:p>
-            <a:pPr marL="0" indent="0">
-              <a:buNone/>
-            </a:pPr>
-            <a:endParaRPr lang="en-GB" sz="1800" b="1" dirty="0"/>
+            <a:r>
+              <a:rPr lang="en-GB" sz="2400" b="1" dirty="0"/>
+              <a:t>4. Agile Growth Pathway</a:t>
+            </a:r>
           </a:p>
         </p:txBody>
       </p:sp>
       <p:sp>
         <p:nvSpPr>
-          <p:cNvPr id="13" name="Rectangle 12">
-            <a:extLst>
-              <a:ext uri="{FF2B5EF4-FFF2-40B4-BE49-F238E27FC236}">
-                <a16:creationId xmlns:a16="http://schemas.microsoft.com/office/drawing/2014/main" id="{7C4BE47B-7AC7-0040-D4F6-987F674BE5B0}"/>
+          <p:cNvPr id="41" name="TextBox 40">
+            <a:extLst>
+              <a:ext uri="{FF2B5EF4-FFF2-40B4-BE49-F238E27FC236}">
+                <a16:creationId xmlns:a16="http://schemas.microsoft.com/office/drawing/2014/main" id="{74F0BFB7-C0C7-BFF6-DE1C-87440E6127E7}"/>
+              </a:ext>
+            </a:extLst>
+          </p:cNvPr>
+          <p:cNvSpPr txBox="1"/>
+          <p:nvPr/>
+        </p:nvSpPr>
+        <p:spPr>
+          <a:xfrm>
+            <a:off x="9081043" y="3804721"/>
+            <a:ext cx="2558757" cy="1444985"/>
+          </a:xfrm>
+          <a:prstGeom prst="rect">
+            <a:avLst/>
+          </a:prstGeom>
+          <a:noFill/>
+          <a:ln>
+            <a:solidFill>
+              <a:schemeClr val="accent1"/>
+            </a:solidFill>
+          </a:ln>
+        </p:spPr>
+        <p:txBody>
+          <a:bodyPr wrap="square" rtlCol="0">
+            <a:noAutofit/>
+          </a:bodyPr>
+          <a:lstStyle/>
+          <a:p>
+            <a:endParaRPr lang="en-GB" sz="800" b="1" dirty="0">
+              <a:solidFill>
+                <a:schemeClr val="accent1"/>
+              </a:solidFill>
+            </a:endParaRPr>
+          </a:p>
+        </p:txBody>
+      </p:sp>
+      <p:pic>
+        <p:nvPicPr>
+          <p:cNvPr id="45" name="Picture 44">
+            <a:extLst>
+              <a:ext uri="{FF2B5EF4-FFF2-40B4-BE49-F238E27FC236}">
+                <a16:creationId xmlns:a16="http://schemas.microsoft.com/office/drawing/2014/main" id="{B8B131CC-9B6F-B1A9-9612-8509B435AAC4}"/>
+              </a:ext>
+            </a:extLst>
+          </p:cNvPr>
+          <p:cNvPicPr>
+            <a:picLocks noChangeAspect="1"/>
+          </p:cNvPicPr>
+          <p:nvPr/>
+        </p:nvPicPr>
+        <p:blipFill>
+          <a:blip r:embed="rId8"/>
+          <a:stretch>
+            <a:fillRect/>
+          </a:stretch>
+        </p:blipFill>
+        <p:spPr>
+          <a:xfrm>
+            <a:off x="6233062" y="805978"/>
+            <a:ext cx="2531119" cy="1373727"/>
+          </a:xfrm>
+          <a:prstGeom prst="rect">
+            <a:avLst/>
+          </a:prstGeom>
+        </p:spPr>
+      </p:pic>
+      <p:sp>
+        <p:nvSpPr>
+          <p:cNvPr id="36" name="Oval 35">
+            <a:extLst>
+              <a:ext uri="{FF2B5EF4-FFF2-40B4-BE49-F238E27FC236}">
+                <a16:creationId xmlns:a16="http://schemas.microsoft.com/office/drawing/2014/main" id="{1EBFC88F-E08E-BEB6-E3D6-3985C8615EE5}"/>
+              </a:ext>
+            </a:extLst>
+          </p:cNvPr>
+          <p:cNvSpPr>
+            <a:spLocks noChangeAspect="1"/>
+          </p:cNvSpPr>
+          <p:nvPr/>
+        </p:nvSpPr>
+        <p:spPr>
+          <a:xfrm>
+            <a:off x="8934225" y="3622279"/>
+            <a:ext cx="293636" cy="314207"/>
+          </a:xfrm>
+          <a:prstGeom prst="ellipse">
+            <a:avLst/>
+          </a:prstGeom>
+        </p:spPr>
+        <p:style>
+          <a:lnRef idx="2">
+            <a:schemeClr val="accent1">
+              <a:shade val="15000"/>
+            </a:schemeClr>
+          </a:lnRef>
+          <a:fillRef idx="1">
+            <a:schemeClr val="accent1"/>
+          </a:fillRef>
+          <a:effectRef idx="0">
+            <a:schemeClr val="accent1"/>
+          </a:effectRef>
+          <a:fontRef idx="minor">
+            <a:schemeClr val="lt1"/>
+          </a:fontRef>
+        </p:style>
+        <p:txBody>
+          <a:bodyPr rtlCol="0" anchor="ctr">
+            <a:noAutofit/>
+          </a:bodyPr>
+          <a:lstStyle/>
+          <a:p>
+            <a:pPr algn="ctr"/>
+            <a:r>
+              <a:rPr lang="en-GB" sz="1200" b="1" dirty="0"/>
+              <a:t>8</a:t>
+            </a:r>
+          </a:p>
+        </p:txBody>
+      </p:sp>
+      <p:sp>
+        <p:nvSpPr>
+          <p:cNvPr id="31" name="Oval 30">
+            <a:extLst>
+              <a:ext uri="{FF2B5EF4-FFF2-40B4-BE49-F238E27FC236}">
+                <a16:creationId xmlns:a16="http://schemas.microsoft.com/office/drawing/2014/main" id="{E36A1902-BCEF-C618-E934-F6A431FBA2AC}"/>
+              </a:ext>
+            </a:extLst>
+          </p:cNvPr>
+          <p:cNvSpPr>
+            <a:spLocks noChangeAspect="1"/>
+          </p:cNvSpPr>
+          <p:nvPr/>
+        </p:nvSpPr>
+        <p:spPr>
+          <a:xfrm>
+            <a:off x="6074625" y="530005"/>
+            <a:ext cx="293636" cy="314207"/>
+          </a:xfrm>
+          <a:prstGeom prst="ellipse">
+            <a:avLst/>
+          </a:prstGeom>
+        </p:spPr>
+        <p:style>
+          <a:lnRef idx="2">
+            <a:schemeClr val="accent1">
+              <a:shade val="15000"/>
+            </a:schemeClr>
+          </a:lnRef>
+          <a:fillRef idx="1">
+            <a:schemeClr val="accent1"/>
+          </a:fillRef>
+          <a:effectRef idx="0">
+            <a:schemeClr val="accent1"/>
+          </a:effectRef>
+          <a:fontRef idx="minor">
+            <a:schemeClr val="lt1"/>
+          </a:fontRef>
+        </p:style>
+        <p:txBody>
+          <a:bodyPr rtlCol="0" anchor="ctr">
+            <a:noAutofit/>
+          </a:bodyPr>
+          <a:lstStyle/>
+          <a:p>
+            <a:pPr algn="ctr"/>
+            <a:r>
+              <a:rPr lang="en-GB" sz="1200" b="1" dirty="0"/>
+              <a:t>3</a:t>
+            </a:r>
+          </a:p>
+        </p:txBody>
+      </p:sp>
+      <p:sp>
+        <p:nvSpPr>
+          <p:cNvPr id="46" name="TextBox 45">
+            <a:extLst>
+              <a:ext uri="{FF2B5EF4-FFF2-40B4-BE49-F238E27FC236}">
+                <a16:creationId xmlns:a16="http://schemas.microsoft.com/office/drawing/2014/main" id="{ABDCC7AC-91BD-A970-9145-F9C02DB4EAAF}"/>
+              </a:ext>
+            </a:extLst>
+          </p:cNvPr>
+          <p:cNvSpPr txBox="1"/>
+          <p:nvPr/>
+        </p:nvSpPr>
+        <p:spPr>
+          <a:xfrm>
+            <a:off x="6234150" y="3810016"/>
+            <a:ext cx="2558757" cy="1444985"/>
+          </a:xfrm>
+          <a:prstGeom prst="rect">
+            <a:avLst/>
+          </a:prstGeom>
+          <a:noFill/>
+          <a:ln>
+            <a:solidFill>
+              <a:schemeClr val="accent1"/>
+            </a:solidFill>
+          </a:ln>
+        </p:spPr>
+        <p:txBody>
+          <a:bodyPr wrap="square" rtlCol="0">
+            <a:noAutofit/>
+          </a:bodyPr>
+          <a:lstStyle/>
+          <a:p>
+            <a:endParaRPr lang="en-GB" sz="800" b="1" dirty="0">
+              <a:solidFill>
+                <a:schemeClr val="accent1"/>
+              </a:solidFill>
+            </a:endParaRPr>
+          </a:p>
+        </p:txBody>
+      </p:sp>
+      <p:pic>
+        <p:nvPicPr>
+          <p:cNvPr id="47" name="Picture 46">
+            <a:extLst>
+              <a:ext uri="{FF2B5EF4-FFF2-40B4-BE49-F238E27FC236}">
+                <a16:creationId xmlns:a16="http://schemas.microsoft.com/office/drawing/2014/main" id="{AD469B76-3202-1D6A-B968-CDAEF6F97FFA}"/>
+              </a:ext>
+            </a:extLst>
+          </p:cNvPr>
+          <p:cNvPicPr>
+            <a:picLocks noChangeAspect="1"/>
+          </p:cNvPicPr>
+          <p:nvPr/>
+        </p:nvPicPr>
+        <p:blipFill>
+          <a:blip r:embed="rId8"/>
+          <a:stretch>
+            <a:fillRect/>
+          </a:stretch>
+        </p:blipFill>
+        <p:spPr>
+          <a:xfrm>
+            <a:off x="6245378" y="3860294"/>
+            <a:ext cx="2531119" cy="1373727"/>
+          </a:xfrm>
+          <a:prstGeom prst="rect">
+            <a:avLst/>
+          </a:prstGeom>
+        </p:spPr>
+      </p:pic>
+      <p:sp>
+        <p:nvSpPr>
+          <p:cNvPr id="35" name="Oval 34">
+            <a:extLst>
+              <a:ext uri="{FF2B5EF4-FFF2-40B4-BE49-F238E27FC236}">
+                <a16:creationId xmlns:a16="http://schemas.microsoft.com/office/drawing/2014/main" id="{2BB609C4-FA7C-837C-60CF-9E666EA82B38}"/>
+              </a:ext>
+            </a:extLst>
+          </p:cNvPr>
+          <p:cNvSpPr>
+            <a:spLocks noChangeAspect="1"/>
+          </p:cNvSpPr>
+          <p:nvPr/>
+        </p:nvSpPr>
+        <p:spPr>
+          <a:xfrm>
+            <a:off x="6086245" y="3616893"/>
+            <a:ext cx="293636" cy="314207"/>
+          </a:xfrm>
+          <a:prstGeom prst="ellipse">
+            <a:avLst/>
+          </a:prstGeom>
+        </p:spPr>
+        <p:style>
+          <a:lnRef idx="2">
+            <a:schemeClr val="accent1">
+              <a:shade val="15000"/>
+            </a:schemeClr>
+          </a:lnRef>
+          <a:fillRef idx="1">
+            <a:schemeClr val="accent1"/>
+          </a:fillRef>
+          <a:effectRef idx="0">
+            <a:schemeClr val="accent1"/>
+          </a:effectRef>
+          <a:fontRef idx="minor">
+            <a:schemeClr val="lt1"/>
+          </a:fontRef>
+        </p:style>
+        <p:txBody>
+          <a:bodyPr rtlCol="0" anchor="ctr">
+            <a:noAutofit/>
+          </a:bodyPr>
+          <a:lstStyle/>
+          <a:p>
+            <a:pPr algn="ctr"/>
+            <a:r>
+              <a:rPr lang="en-GB" sz="1200" b="1" dirty="0"/>
+              <a:t>7</a:t>
+            </a:r>
+          </a:p>
+        </p:txBody>
+      </p:sp>
+      <p:pic>
+        <p:nvPicPr>
+          <p:cNvPr id="48" name="Picture 47">
+            <a:extLst>
+              <a:ext uri="{FF2B5EF4-FFF2-40B4-BE49-F238E27FC236}">
+                <a16:creationId xmlns:a16="http://schemas.microsoft.com/office/drawing/2014/main" id="{B1B7B1F5-D340-17D2-8985-80380DACCCDF}"/>
+              </a:ext>
+            </a:extLst>
+          </p:cNvPr>
+          <p:cNvPicPr>
+            <a:picLocks noChangeAspect="1"/>
+          </p:cNvPicPr>
+          <p:nvPr/>
+        </p:nvPicPr>
+        <p:blipFill>
+          <a:blip r:embed="rId9"/>
+          <a:stretch>
+            <a:fillRect/>
+          </a:stretch>
+        </p:blipFill>
+        <p:spPr>
+          <a:xfrm>
+            <a:off x="534386" y="807262"/>
+            <a:ext cx="2523991" cy="1369859"/>
+          </a:xfrm>
+          <a:prstGeom prst="rect">
+            <a:avLst/>
+          </a:prstGeom>
+        </p:spPr>
+      </p:pic>
+      <p:sp>
+        <p:nvSpPr>
+          <p:cNvPr id="29" name="Oval 28">
+            <a:extLst>
+              <a:ext uri="{FF2B5EF4-FFF2-40B4-BE49-F238E27FC236}">
+                <a16:creationId xmlns:a16="http://schemas.microsoft.com/office/drawing/2014/main" id="{16A85DA7-E723-EFA6-913F-B2D3E9565BAE}"/>
+              </a:ext>
+            </a:extLst>
+          </p:cNvPr>
+          <p:cNvSpPr>
+            <a:spLocks noChangeAspect="1"/>
+          </p:cNvSpPr>
+          <p:nvPr/>
+        </p:nvSpPr>
+        <p:spPr>
+          <a:xfrm>
+            <a:off x="278024" y="530005"/>
+            <a:ext cx="293636" cy="314207"/>
+          </a:xfrm>
+          <a:prstGeom prst="ellipse">
+            <a:avLst/>
+          </a:prstGeom>
+        </p:spPr>
+        <p:style>
+          <a:lnRef idx="2">
+            <a:schemeClr val="accent1">
+              <a:shade val="15000"/>
+            </a:schemeClr>
+          </a:lnRef>
+          <a:fillRef idx="1">
+            <a:schemeClr val="accent1"/>
+          </a:fillRef>
+          <a:effectRef idx="0">
+            <a:schemeClr val="accent1"/>
+          </a:effectRef>
+          <a:fontRef idx="minor">
+            <a:schemeClr val="lt1"/>
+          </a:fontRef>
+        </p:style>
+        <p:txBody>
+          <a:bodyPr rtlCol="0" anchor="ctr">
+            <a:noAutofit/>
+          </a:bodyPr>
+          <a:lstStyle/>
+          <a:p>
+            <a:pPr algn="ctr"/>
+            <a:r>
+              <a:rPr lang="en-GB" sz="1200" b="1" dirty="0"/>
+              <a:t>1</a:t>
+            </a:r>
+          </a:p>
+        </p:txBody>
+      </p:sp>
+      <p:pic>
+        <p:nvPicPr>
+          <p:cNvPr id="51" name="Picture 50">
+            <a:extLst>
+              <a:ext uri="{FF2B5EF4-FFF2-40B4-BE49-F238E27FC236}">
+                <a16:creationId xmlns:a16="http://schemas.microsoft.com/office/drawing/2014/main" id="{EB3B9E19-8A0D-5FEF-AA31-844B418B2210}"/>
+              </a:ext>
+            </a:extLst>
+          </p:cNvPr>
+          <p:cNvPicPr>
+            <a:picLocks noChangeAspect="1"/>
+          </p:cNvPicPr>
+          <p:nvPr/>
+        </p:nvPicPr>
+        <p:blipFill>
+          <a:blip r:embed="rId10"/>
+          <a:stretch>
+            <a:fillRect/>
+          </a:stretch>
+        </p:blipFill>
+        <p:spPr>
+          <a:xfrm>
+            <a:off x="597692" y="3893535"/>
+            <a:ext cx="2442265" cy="1320201"/>
+          </a:xfrm>
+          <a:prstGeom prst="rect">
+            <a:avLst/>
+          </a:prstGeom>
+        </p:spPr>
+      </p:pic>
+      <p:sp>
+        <p:nvSpPr>
+          <p:cNvPr id="34" name="Oval 33">
+            <a:extLst>
+              <a:ext uri="{FF2B5EF4-FFF2-40B4-BE49-F238E27FC236}">
+                <a16:creationId xmlns:a16="http://schemas.microsoft.com/office/drawing/2014/main" id="{BD3B00E5-1F94-E1BD-57AF-1249C87CD452}"/>
+              </a:ext>
+            </a:extLst>
+          </p:cNvPr>
+          <p:cNvSpPr>
+            <a:spLocks noChangeAspect="1"/>
+          </p:cNvSpPr>
+          <p:nvPr/>
+        </p:nvSpPr>
+        <p:spPr>
+          <a:xfrm>
+            <a:off x="3184025" y="3622279"/>
+            <a:ext cx="293636" cy="314207"/>
+          </a:xfrm>
+          <a:prstGeom prst="ellipse">
+            <a:avLst/>
+          </a:prstGeom>
+        </p:spPr>
+        <p:style>
+          <a:lnRef idx="2">
+            <a:schemeClr val="accent1">
+              <a:shade val="15000"/>
+            </a:schemeClr>
+          </a:lnRef>
+          <a:fillRef idx="1">
+            <a:schemeClr val="accent1"/>
+          </a:fillRef>
+          <a:effectRef idx="0">
+            <a:schemeClr val="accent1"/>
+          </a:effectRef>
+          <a:fontRef idx="minor">
+            <a:schemeClr val="lt1"/>
+          </a:fontRef>
+        </p:style>
+        <p:txBody>
+          <a:bodyPr rtlCol="0" anchor="ctr">
+            <a:noAutofit/>
+          </a:bodyPr>
+          <a:lstStyle/>
+          <a:p>
+            <a:pPr algn="ctr"/>
+            <a:r>
+              <a:rPr lang="en-GB" sz="1200" b="1" dirty="0"/>
+              <a:t>6</a:t>
+            </a:r>
+          </a:p>
+        </p:txBody>
+      </p:sp>
+      <p:sp>
+        <p:nvSpPr>
+          <p:cNvPr id="59" name="Rectangle 58">
+            <a:extLst>
+              <a:ext uri="{FF2B5EF4-FFF2-40B4-BE49-F238E27FC236}">
+                <a16:creationId xmlns:a16="http://schemas.microsoft.com/office/drawing/2014/main" id="{C088F712-3FD5-8744-0155-AF790C444FAE}"/>
               </a:ext>
             </a:extLst>
           </p:cNvPr>
@@ -7540,10 +9206,10 @@
       </p:sp>
       <p:sp>
         <p:nvSpPr>
-          <p:cNvPr id="14" name="TextBox 13">
-            <a:extLst>
-              <a:ext uri="{FF2B5EF4-FFF2-40B4-BE49-F238E27FC236}">
-                <a16:creationId xmlns:a16="http://schemas.microsoft.com/office/drawing/2014/main" id="{FF90C046-0753-1BD8-1FDB-C242ACD92904}"/>
+          <p:cNvPr id="60" name="TextBox 59">
+            <a:extLst>
+              <a:ext uri="{FF2B5EF4-FFF2-40B4-BE49-F238E27FC236}">
+                <a16:creationId xmlns:a16="http://schemas.microsoft.com/office/drawing/2014/main" id="{29CC600D-67E2-5418-7762-81A3C3B1426B}"/>
               </a:ext>
             </a:extLst>
           </p:cNvPr>
@@ -7575,17 +9241,17 @@
                 <a:latin typeface="Arial" panose="020B0604020202020204" pitchFamily="34" charset="0"/>
                 <a:cs typeface="Arial" panose="020B0604020202020204" pitchFamily="34" charset="0"/>
               </a:rPr>
-              <a:t>Author: Tom Hoyland | Version 1.4</a:t>
+              <a:t>Author: Tom Hoyland | Version 1.5</a:t>
             </a:r>
           </a:p>
         </p:txBody>
       </p:sp>
       <p:pic>
         <p:nvPicPr>
-          <p:cNvPr id="15" name="Picture 2">
-            <a:extLst>
-              <a:ext uri="{FF2B5EF4-FFF2-40B4-BE49-F238E27FC236}">
-                <a16:creationId xmlns:a16="http://schemas.microsoft.com/office/drawing/2014/main" id="{AF4EFA2F-3712-30FC-20FF-7020CEC7CCF7}"/>
+          <p:cNvPr id="61" name="Picture 2">
+            <a:extLst>
+              <a:ext uri="{FF2B5EF4-FFF2-40B4-BE49-F238E27FC236}">
+                <a16:creationId xmlns:a16="http://schemas.microsoft.com/office/drawing/2014/main" id="{39177216-7A65-FB99-E01D-58CBD229A7A2}"/>
               </a:ext>
             </a:extLst>
           </p:cNvPr>
@@ -7595,7 +9261,7 @@
           <p:nvPr/>
         </p:nvPicPr>
         <p:blipFill>
-          <a:blip r:embed="rId5">
+          <a:blip r:embed="rId11">
             <a:extLst>
               <a:ext uri="{28A0092B-C50C-407E-A947-70E740481C1C}">
                 <a14:useLocalDpi xmlns:a14="http://schemas.microsoft.com/office/drawing/2010/main" val="0"/>
@@ -7629,10 +9295,10 @@
       </p:pic>
       <p:sp>
         <p:nvSpPr>
-          <p:cNvPr id="16" name="TextBox 15">
-            <a:extLst>
-              <a:ext uri="{FF2B5EF4-FFF2-40B4-BE49-F238E27FC236}">
-                <a16:creationId xmlns:a16="http://schemas.microsoft.com/office/drawing/2014/main" id="{216EDE05-F834-F9AE-F650-579710269BD0}"/>
+          <p:cNvPr id="62" name="TextBox 61">
+            <a:extLst>
+              <a:ext uri="{FF2B5EF4-FFF2-40B4-BE49-F238E27FC236}">
+                <a16:creationId xmlns:a16="http://schemas.microsoft.com/office/drawing/2014/main" id="{BE6C4FDD-AFF5-37AB-CB98-8332E4957125}"/>
               </a:ext>
             </a:extLst>
           </p:cNvPr>
@@ -7669,10 +9335,70 @@
           </a:p>
         </p:txBody>
       </p:sp>
+      <p:pic>
+        <p:nvPicPr>
+          <p:cNvPr id="9" name="Picture 8">
+            <a:extLst>
+              <a:ext uri="{FF2B5EF4-FFF2-40B4-BE49-F238E27FC236}">
+                <a16:creationId xmlns:a16="http://schemas.microsoft.com/office/drawing/2014/main" id="{1089B3D1-49F6-E765-9C14-D2BAB6D198DC}"/>
+              </a:ext>
+            </a:extLst>
+          </p:cNvPr>
+          <p:cNvPicPr>
+            <a:picLocks noChangeAspect="1"/>
+          </p:cNvPicPr>
+          <p:nvPr/>
+        </p:nvPicPr>
+        <p:blipFill>
+          <a:blip r:embed="rId12"/>
+          <a:stretch>
+            <a:fillRect/>
+          </a:stretch>
+        </p:blipFill>
+        <p:spPr>
+          <a:xfrm>
+            <a:off x="3435602" y="864098"/>
+            <a:ext cx="2394769" cy="1250322"/>
+          </a:xfrm>
+          <a:prstGeom prst="rect">
+            <a:avLst/>
+          </a:prstGeom>
+        </p:spPr>
+      </p:pic>
+      <p:pic>
+        <p:nvPicPr>
+          <p:cNvPr id="12" name="Picture 11">
+            <a:extLst>
+              <a:ext uri="{FF2B5EF4-FFF2-40B4-BE49-F238E27FC236}">
+                <a16:creationId xmlns:a16="http://schemas.microsoft.com/office/drawing/2014/main" id="{A99734C6-49E4-03A8-295A-51DAC2E3931A}"/>
+              </a:ext>
+            </a:extLst>
+          </p:cNvPr>
+          <p:cNvPicPr>
+            <a:picLocks noChangeAspect="1"/>
+          </p:cNvPicPr>
+          <p:nvPr/>
+        </p:nvPicPr>
+        <p:blipFill>
+          <a:blip r:embed="rId12"/>
+          <a:stretch>
+            <a:fillRect/>
+          </a:stretch>
+        </p:blipFill>
+        <p:spPr>
+          <a:xfrm>
+            <a:off x="9152860" y="3925969"/>
+            <a:ext cx="2394769" cy="1250322"/>
+          </a:xfrm>
+          <a:prstGeom prst="rect">
+            <a:avLst/>
+          </a:prstGeom>
+        </p:spPr>
+      </p:pic>
     </p:spTree>
     <p:extLst>
       <p:ext uri="{BB962C8B-B14F-4D97-AF65-F5344CB8AC3E}">
-        <p14:creationId xmlns:p14="http://schemas.microsoft.com/office/powerpoint/2010/main" val="3056041099"/>
+        <p14:creationId xmlns:p14="http://schemas.microsoft.com/office/powerpoint/2010/main" val="238127258"/>
       </p:ext>
     </p:extLst>
   </p:cSld>
@@ -7690,7 +9416,7 @@
         <p:cNvPr id="1" name="">
           <a:extLst>
             <a:ext uri="{FF2B5EF4-FFF2-40B4-BE49-F238E27FC236}">
-              <a16:creationId xmlns:a16="http://schemas.microsoft.com/office/drawing/2014/main" id="{F3559070-1D0D-0C38-55A4-27D7D7520D32}"/>
+              <a16:creationId xmlns:a16="http://schemas.microsoft.com/office/drawing/2014/main" id="{9BD40A5A-3965-BAD4-22F2-17A962159A3F}"/>
             </a:ext>
           </a:extLst>
         </p:cNvPr>
@@ -7710,7 +9436,7 @@
           <p:cNvPr id="2" name="Title 1">
             <a:extLst>
               <a:ext uri="{FF2B5EF4-FFF2-40B4-BE49-F238E27FC236}">
-                <a16:creationId xmlns:a16="http://schemas.microsoft.com/office/drawing/2014/main" id="{5F645E80-B188-5D2E-3B38-3D9C96EF9CFA}"/>
+                <a16:creationId xmlns:a16="http://schemas.microsoft.com/office/drawing/2014/main" id="{B4621C23-5401-BDFB-4DBF-4BC086F89C2C}"/>
               </a:ext>
             </a:extLst>
           </p:cNvPr>
@@ -7730,7 +9456,7 @@
           <a:p>
             <a:r>
               <a:rPr lang="en-GB" b="1" dirty="0"/>
-              <a:t>5.2. Getting Started – Using the Pathway</a:t>
+              <a:t>5.1. Getting Started – Get Your Resources</a:t>
             </a:r>
           </a:p>
         </p:txBody>
@@ -7740,7 +9466,7 @@
           <p:cNvPr id="3" name="Content Placeholder 2">
             <a:extLst>
               <a:ext uri="{FF2B5EF4-FFF2-40B4-BE49-F238E27FC236}">
-                <a16:creationId xmlns:a16="http://schemas.microsoft.com/office/drawing/2014/main" id="{3A243C31-AE1E-CF17-0A73-EDE78051BB58}"/>
+                <a16:creationId xmlns:a16="http://schemas.microsoft.com/office/drawing/2014/main" id="{20467520-3CF6-E456-8B84-2D6A04549AFA}"/>
               </a:ext>
             </a:extLst>
           </p:cNvPr>
@@ -7754,7 +9480,7 @@
         <p:spPr>
           <a:xfrm>
             <a:off x="838200" y="1825625"/>
-            <a:ext cx="10723418" cy="4351338"/>
+            <a:ext cx="10619510" cy="4351338"/>
           </a:xfrm>
         </p:spPr>
         <p:txBody>
@@ -7763,125 +9489,113 @@
           </a:bodyPr>
           <a:lstStyle/>
           <a:p>
-            <a:pPr>
-              <a:buFont typeface="+mj-lt"/>
-              <a:buAutoNum type="arabicPeriod"/>
+            <a:pPr marL="0" indent="0">
+              <a:buNone/>
             </a:pPr>
             <a:r>
-              <a:rPr lang="en-GB" sz="1500" b="1" dirty="0"/>
-              <a:t>Self-Awareness &amp; Mastery:</a:t>
-            </a:r>
-            <a:r>
-              <a:rPr lang="en-GB" sz="1500" dirty="0"/>
-              <a:t> Reflect on your needs using tools like “Me at My Best” or Human API. Identify what support you need from your line manager.</a:t>
-            </a:r>
-          </a:p>
-          <a:p>
-            <a:pPr>
-              <a:buFont typeface="+mj-lt"/>
-              <a:buAutoNum type="arabicPeriod"/>
+              <a:rPr lang="en-GB" sz="1800" dirty="0"/>
+              <a:t>To begin using the Agile Growth Pathway, ensure you have access to the following resources, saving them in your personal folders:</a:t>
+            </a:r>
+          </a:p>
+          <a:p>
+            <a:pPr marL="0" indent="0">
+              <a:buNone/>
             </a:pPr>
-            <a:r>
-              <a:rPr lang="en-GB" sz="1500" b="1" dirty="0"/>
-              <a:t>Orient Before Navigating: </a:t>
-            </a:r>
-            <a:r>
-              <a:rPr lang="en-GB" sz="1500" dirty="0"/>
-              <a:t>Assess where you are and where you’d like to go. Set a clear goal and discuss it with your line manager using the Agile Practitioner Role &amp; Stance Matrix.</a:t>
-            </a:r>
-          </a:p>
-          <a:p>
-            <a:pPr>
-              <a:buFont typeface="+mj-lt"/>
-              <a:buAutoNum type="arabicPeriod"/>
+            <a:endParaRPr lang="en-GB" sz="1800" dirty="0"/>
+          </a:p>
+          <a:p>
+            <a:r>
+              <a:rPr lang="en-GB" sz="1800" b="1" dirty="0">
+                <a:hlinkClick r:id="rId2"/>
+              </a:rPr>
+              <a:t>Agile Growth Pack </a:t>
+            </a:r>
+            <a:r>
+              <a:rPr lang="en-GB" sz="1800" b="1" dirty="0"/>
+              <a:t>📁</a:t>
+            </a:r>
+          </a:p>
+          <a:p>
+            <a:pPr lvl="1"/>
+            <a:r>
+              <a:rPr lang="en-GB" sz="1800" dirty="0"/>
+              <a:t>Me “at My Best” (Slides 1-2) 📝</a:t>
+            </a:r>
+          </a:p>
+          <a:p>
+            <a:pPr lvl="1"/>
+            <a:r>
+              <a:rPr lang="en-GB" sz="1800" dirty="0"/>
+              <a:t>Growth Within the Profession Wheel (Slide 3) 📝</a:t>
+            </a:r>
+          </a:p>
+          <a:p>
+            <a:pPr lvl="1"/>
+            <a:r>
+              <a:rPr lang="en-GB" sz="1800" dirty="0"/>
+              <a:t>Build a Plan (Slide 4) 📝</a:t>
+            </a:r>
+          </a:p>
+          <a:p>
+            <a:pPr lvl="1"/>
+            <a:r>
+              <a:rPr lang="en-GB" sz="1800" dirty="0"/>
+              <a:t>Sync Up Template (Slide 6) 📝</a:t>
+            </a:r>
+          </a:p>
+          <a:p>
+            <a:r>
+              <a:rPr lang="en-GB" sz="1800" b="1" dirty="0">
+                <a:hlinkClick r:id="rId3"/>
+              </a:rPr>
+              <a:t>Agile Coaching Growth Wheel, Courses, and Resources </a:t>
+            </a:r>
+            <a:r>
+              <a:rPr lang="en-GB" sz="1800" b="1" dirty="0"/>
+              <a:t>🌍</a:t>
+            </a:r>
+          </a:p>
+          <a:p>
+            <a:r>
+              <a:rPr lang="en-GB" sz="1800" b="1" dirty="0">
+                <a:hlinkClick r:id="rId4" action="ppaction://hlinksldjump"/>
+              </a:rPr>
+              <a:t>Agile Practitioner Role &amp; Stance Matrix </a:t>
+            </a:r>
+            <a:r>
+              <a:rPr lang="en-GB" sz="1800" b="1" dirty="0"/>
+              <a:t>ℹ️</a:t>
+            </a:r>
+          </a:p>
+          <a:p>
+            <a:pPr marL="0" indent="0">
+              <a:buNone/>
             </a:pPr>
-            <a:r>
-              <a:rPr lang="en-GB" sz="1500" b="1" dirty="0"/>
-              <a:t>Focus Your Development: </a:t>
-            </a:r>
-            <a:r>
-              <a:rPr lang="en-GB" sz="1500" dirty="0"/>
-              <a:t>Identify your focus areas with the Agile Coaching Growth Wheel. Consider using tools like the Johari Window for additional insights.</a:t>
-            </a:r>
-          </a:p>
-          <a:p>
-            <a:pPr>
-              <a:buFont typeface="+mj-lt"/>
-              <a:buAutoNum type="arabicPeriod"/>
+            <a:endParaRPr lang="en-GB" sz="1800" dirty="0"/>
+          </a:p>
+          <a:p>
+            <a:pPr marL="0" indent="0">
+              <a:buNone/>
             </a:pPr>
             <a:r>
-              <a:rPr lang="en-GB" sz="1500" b="1" dirty="0"/>
-              <a:t>Find Courses &amp; Resources: </a:t>
-            </a:r>
-            <a:r>
-              <a:rPr lang="en-GB" sz="1500" dirty="0"/>
-              <a:t>Explore relevant training using the ACGW + Courses &amp; Certs tool. Consider finding a mentor or coach.</a:t>
-            </a:r>
-          </a:p>
-          <a:p>
-            <a:pPr>
-              <a:buFont typeface="+mj-lt"/>
-              <a:buAutoNum type="arabicPeriod"/>
+              <a:rPr lang="en-GB" sz="1800" dirty="0"/>
+              <a:t>These resources can be unbundled as needed and shared with line managers if that aligns with your personal growth journey.</a:t>
+            </a:r>
+          </a:p>
+          <a:p>
+            <a:pPr marL="0" indent="0">
+              <a:buNone/>
             </a:pPr>
-            <a:r>
-              <a:rPr lang="en-GB" sz="1500" b="1" dirty="0"/>
-              <a:t>Build and Execute a Plan: </a:t>
-            </a:r>
-            <a:r>
-              <a:rPr lang="en-GB" sz="1500" dirty="0"/>
-              <a:t>Create a plan, outlining the courses, certifications, and experiences you need. Use the Agile Growth Pack for structure.</a:t>
-            </a:r>
-          </a:p>
-          <a:p>
-            <a:pPr>
-              <a:buFont typeface="+mj-lt"/>
-              <a:buAutoNum type="arabicPeriod"/>
-            </a:pPr>
-            <a:r>
-              <a:rPr lang="en-GB" sz="1500" b="1" dirty="0"/>
-              <a:t>Track Progress and Energy: </a:t>
-            </a:r>
-            <a:r>
-              <a:rPr lang="en-GB" sz="1500" dirty="0"/>
-              <a:t>Use the Catch-Up Template to monitor alignment with your development plan.</a:t>
-            </a:r>
-          </a:p>
-          <a:p>
-            <a:pPr>
-              <a:buFont typeface="+mj-lt"/>
-              <a:buAutoNum type="arabicPeriod"/>
-            </a:pPr>
-            <a:r>
-              <a:rPr lang="en-GB" sz="1500" b="1" dirty="0"/>
-              <a:t>Reflect, Pivot, or Persist: </a:t>
-            </a:r>
-            <a:r>
-              <a:rPr lang="en-GB" sz="1500" dirty="0"/>
-              <a:t>Regularly reassess your growth using the Agile Coaching Growth Wheel, gathering feedback and considering adjustments to your plan.</a:t>
-            </a:r>
-          </a:p>
-          <a:p>
-            <a:pPr>
-              <a:buFont typeface="+mj-lt"/>
-              <a:buAutoNum type="arabicPeriod"/>
-            </a:pPr>
-            <a:r>
-              <a:rPr lang="en-GB" sz="1500" b="1" dirty="0"/>
-              <a:t>See How Far You've Come: </a:t>
-            </a:r>
-            <a:r>
-              <a:rPr lang="en-GB" sz="1500" dirty="0"/>
-              <a:t>Revisit the Role &amp; Stance Matrix to evaluate progress and determine your next steps, ensuring you have support for future challenges.</a:t>
-            </a:r>
+            <a:endParaRPr lang="en-GB" sz="1800" b="1" dirty="0"/>
           </a:p>
         </p:txBody>
       </p:sp>
       <p:sp>
         <p:nvSpPr>
-          <p:cNvPr id="11" name="Rectangle 10">
-            <a:extLst>
-              <a:ext uri="{FF2B5EF4-FFF2-40B4-BE49-F238E27FC236}">
-                <a16:creationId xmlns:a16="http://schemas.microsoft.com/office/drawing/2014/main" id="{882090C7-525D-BD34-8410-7DE173990B20}"/>
+          <p:cNvPr id="13" name="Rectangle 12">
+            <a:extLst>
+              <a:ext uri="{FF2B5EF4-FFF2-40B4-BE49-F238E27FC236}">
+                <a16:creationId xmlns:a16="http://schemas.microsoft.com/office/drawing/2014/main" id="{7C4BE47B-7AC7-0040-D4F6-987F674BE5B0}"/>
               </a:ext>
             </a:extLst>
           </p:cNvPr>
@@ -7930,10 +9644,10 @@
       </p:sp>
       <p:sp>
         <p:nvSpPr>
-          <p:cNvPr id="12" name="TextBox 11">
-            <a:extLst>
-              <a:ext uri="{FF2B5EF4-FFF2-40B4-BE49-F238E27FC236}">
-                <a16:creationId xmlns:a16="http://schemas.microsoft.com/office/drawing/2014/main" id="{ED98FAA5-941F-BDBD-807D-5A5AC5E6C7FC}"/>
+          <p:cNvPr id="14" name="TextBox 13">
+            <a:extLst>
+              <a:ext uri="{FF2B5EF4-FFF2-40B4-BE49-F238E27FC236}">
+                <a16:creationId xmlns:a16="http://schemas.microsoft.com/office/drawing/2014/main" id="{FF90C046-0753-1BD8-1FDB-C242ACD92904}"/>
               </a:ext>
             </a:extLst>
           </p:cNvPr>
@@ -7965,17 +9679,17 @@
                 <a:latin typeface="Arial" panose="020B0604020202020204" pitchFamily="34" charset="0"/>
                 <a:cs typeface="Arial" panose="020B0604020202020204" pitchFamily="34" charset="0"/>
               </a:rPr>
-              <a:t>Author: Tom Hoyland | Version 1.4</a:t>
+              <a:t>Author: Tom Hoyland | Version 1.5</a:t>
             </a:r>
           </a:p>
         </p:txBody>
       </p:sp>
       <p:pic>
         <p:nvPicPr>
-          <p:cNvPr id="13" name="Picture 2">
-            <a:extLst>
-              <a:ext uri="{FF2B5EF4-FFF2-40B4-BE49-F238E27FC236}">
-                <a16:creationId xmlns:a16="http://schemas.microsoft.com/office/drawing/2014/main" id="{33DBA4A8-F194-D94F-B21B-E0176A25AFF5}"/>
+          <p:cNvPr id="15" name="Picture 2">
+            <a:extLst>
+              <a:ext uri="{FF2B5EF4-FFF2-40B4-BE49-F238E27FC236}">
+                <a16:creationId xmlns:a16="http://schemas.microsoft.com/office/drawing/2014/main" id="{AF4EFA2F-3712-30FC-20FF-7020CEC7CCF7}"/>
               </a:ext>
             </a:extLst>
           </p:cNvPr>
@@ -7985,7 +9699,7 @@
           <p:nvPr/>
         </p:nvPicPr>
         <p:blipFill>
-          <a:blip r:embed="rId2">
+          <a:blip r:embed="rId5">
             <a:extLst>
               <a:ext uri="{28A0092B-C50C-407E-A947-70E740481C1C}">
                 <a14:useLocalDpi xmlns:a14="http://schemas.microsoft.com/office/drawing/2010/main" val="0"/>
@@ -8019,10 +9733,10 @@
       </p:pic>
       <p:sp>
         <p:nvSpPr>
-          <p:cNvPr id="14" name="TextBox 13">
-            <a:extLst>
-              <a:ext uri="{FF2B5EF4-FFF2-40B4-BE49-F238E27FC236}">
-                <a16:creationId xmlns:a16="http://schemas.microsoft.com/office/drawing/2014/main" id="{7A14516A-B876-188E-89A2-192169B8C29A}"/>
+          <p:cNvPr id="16" name="TextBox 15">
+            <a:extLst>
+              <a:ext uri="{FF2B5EF4-FFF2-40B4-BE49-F238E27FC236}">
+                <a16:creationId xmlns:a16="http://schemas.microsoft.com/office/drawing/2014/main" id="{216EDE05-F834-F9AE-F650-579710269BD0}"/>
               </a:ext>
             </a:extLst>
           </p:cNvPr>
@@ -8062,7 +9776,7 @@
     </p:spTree>
     <p:extLst>
       <p:ext uri="{BB962C8B-B14F-4D97-AF65-F5344CB8AC3E}">
-        <p14:creationId xmlns:p14="http://schemas.microsoft.com/office/powerpoint/2010/main" val="3269507104"/>
+        <p14:creationId xmlns:p14="http://schemas.microsoft.com/office/powerpoint/2010/main" val="3056041099"/>
       </p:ext>
     </p:extLst>
   </p:cSld>
@@ -8077,7 +9791,13 @@
   <p:cSld>
     <p:spTree>
       <p:nvGrpSpPr>
-        <p:cNvPr id="1" name=""/>
+        <p:cNvPr id="1" name="">
+          <a:extLst>
+            <a:ext uri="{FF2B5EF4-FFF2-40B4-BE49-F238E27FC236}">
+              <a16:creationId xmlns:a16="http://schemas.microsoft.com/office/drawing/2014/main" id="{F3559070-1D0D-0C38-55A4-27D7D7520D32}"/>
+            </a:ext>
+          </a:extLst>
+        </p:cNvPr>
         <p:cNvGrpSpPr/>
         <p:nvPr/>
       </p:nvGrpSpPr>
@@ -8094,7 +9814,7 @@
           <p:cNvPr id="2" name="Title 1">
             <a:extLst>
               <a:ext uri="{FF2B5EF4-FFF2-40B4-BE49-F238E27FC236}">
-                <a16:creationId xmlns:a16="http://schemas.microsoft.com/office/drawing/2014/main" id="{60114F5B-200D-5E80-5596-D97099667249}"/>
+                <a16:creationId xmlns:a16="http://schemas.microsoft.com/office/drawing/2014/main" id="{5F645E80-B188-5D2E-3B38-3D9C96EF9CFA}"/>
               </a:ext>
             </a:extLst>
           </p:cNvPr>
@@ -8107,14 +9827,14 @@
         </p:nvSpPr>
         <p:spPr/>
         <p:txBody>
-          <a:bodyPr vert="horz" lIns="91440" tIns="45720" rIns="91440" bIns="45720" rtlCol="0" anchor="ctr">
+          <a:bodyPr>
             <a:noAutofit/>
           </a:bodyPr>
           <a:lstStyle/>
           <a:p>
             <a:r>
               <a:rPr lang="en-GB" b="1" dirty="0"/>
-              <a:t>6. Origin Story – How We Got Here</a:t>
+              <a:t>5.2. Getting Started – Using the Pathway</a:t>
             </a:r>
           </a:p>
         </p:txBody>
@@ -8124,7 +9844,7 @@
           <p:cNvPr id="3" name="Content Placeholder 2">
             <a:extLst>
               <a:ext uri="{FF2B5EF4-FFF2-40B4-BE49-F238E27FC236}">
-                <a16:creationId xmlns:a16="http://schemas.microsoft.com/office/drawing/2014/main" id="{DAE4660F-2C15-FE9B-AFC3-60290F1CFBED}"/>
+                <a16:creationId xmlns:a16="http://schemas.microsoft.com/office/drawing/2014/main" id="{3A243C31-AE1E-CF17-0A73-EDE78051BB58}"/>
               </a:ext>
             </a:extLst>
           </p:cNvPr>
@@ -8137,32 +9857,135 @@
         </p:nvSpPr>
         <p:spPr>
           <a:xfrm>
-            <a:off x="838199" y="1825625"/>
-            <a:ext cx="10244667" cy="4351338"/>
+            <a:off x="838200" y="1825625"/>
+            <a:ext cx="10723418" cy="4351338"/>
           </a:xfrm>
         </p:spPr>
         <p:txBody>
-          <a:bodyPr vert="horz" lIns="91440" tIns="45720" rIns="91440" bIns="45720" rtlCol="0" anchor="t">
+          <a:bodyPr>
             <a:noAutofit/>
           </a:bodyPr>
           <a:lstStyle/>
           <a:p>
-            <a:pPr marL="0" indent="0">
-              <a:buNone/>
+            <a:pPr>
+              <a:buFont typeface="+mj-lt"/>
+              <a:buAutoNum type="arabicPeriod"/>
             </a:pPr>
             <a:r>
-              <a:rPr lang="en-GB" sz="2000" dirty="0"/>
-              <a:t>The following slides outline the method and process by which the Agile Growth Pathway and its resources were developed.</a:t>
+              <a:rPr lang="en-GB" sz="1500" b="1" dirty="0"/>
+              <a:t>Self-Awareness &amp; Mastery:</a:t>
+            </a:r>
+            <a:r>
+              <a:rPr lang="en-GB" sz="1500" dirty="0"/>
+              <a:t> Reflect on your needs using tools like “Me at My Best” or Human API. Identify what support you need from your line manager.</a:t>
+            </a:r>
+          </a:p>
+          <a:p>
+            <a:pPr>
+              <a:buFont typeface="+mj-lt"/>
+              <a:buAutoNum type="arabicPeriod"/>
+            </a:pPr>
+            <a:r>
+              <a:rPr lang="en-GB" sz="1500" b="1" dirty="0"/>
+              <a:t>Orient Before Navigating: </a:t>
+            </a:r>
+            <a:r>
+              <a:rPr lang="en-GB" sz="1500" dirty="0"/>
+              <a:t>Assess where you are and where you’d like to go. Set a clear goal and discuss it with your line manager using the Agile Practitioner Role &amp; Stance Matrix.</a:t>
+            </a:r>
+          </a:p>
+          <a:p>
+            <a:pPr>
+              <a:buFont typeface="+mj-lt"/>
+              <a:buAutoNum type="arabicPeriod"/>
+            </a:pPr>
+            <a:r>
+              <a:rPr lang="en-GB" sz="1500" b="1" dirty="0"/>
+              <a:t>Focus Your Development: </a:t>
+            </a:r>
+            <a:r>
+              <a:rPr lang="en-GB" sz="1500" dirty="0"/>
+              <a:t>Identify your focus areas with the Agile Coaching Growth Wheel. Consider using tools like the Johari Window for additional insights.</a:t>
+            </a:r>
+          </a:p>
+          <a:p>
+            <a:pPr>
+              <a:buFont typeface="+mj-lt"/>
+              <a:buAutoNum type="arabicPeriod"/>
+            </a:pPr>
+            <a:r>
+              <a:rPr lang="en-GB" sz="1500" b="1" dirty="0"/>
+              <a:t>Find Courses &amp; Resources: </a:t>
+            </a:r>
+            <a:r>
+              <a:rPr lang="en-GB" sz="1500" dirty="0"/>
+              <a:t>Explore relevant training through the ACGW + Courses &amp; Certs tool. Leverage resources like Find a Facilitator or Co-Piloting to develop and practice skills, especially when you prefer hands-on learning "in the work" or encounter budget constraints.</a:t>
+            </a:r>
+          </a:p>
+          <a:p>
+            <a:pPr>
+              <a:buFont typeface="+mj-lt"/>
+              <a:buAutoNum type="arabicPeriod"/>
+            </a:pPr>
+            <a:r>
+              <a:rPr lang="en-GB" sz="1500" b="1" dirty="0"/>
+              <a:t>Build and Execute a Plan: </a:t>
+            </a:r>
+            <a:r>
+              <a:rPr lang="en-GB" sz="1500" dirty="0"/>
+              <a:t>Create a plan, outlining the courses, certifications, and experiences you need. Use the Agile Growth Pack for structure.</a:t>
+            </a:r>
+          </a:p>
+          <a:p>
+            <a:pPr>
+              <a:buFont typeface="+mj-lt"/>
+              <a:buAutoNum type="arabicPeriod"/>
+            </a:pPr>
+            <a:r>
+              <a:rPr lang="en-GB" sz="1500" b="1" dirty="0"/>
+              <a:t>Track Progress and Energy: </a:t>
+            </a:r>
+            <a:r>
+              <a:rPr lang="en-GB" sz="1500" dirty="0"/>
+              <a:t>Use the Sync Up Template to monitor alignment with your development plan.</a:t>
+            </a:r>
+          </a:p>
+          <a:p>
+            <a:pPr>
+              <a:buFont typeface="+mj-lt"/>
+              <a:buAutoNum type="arabicPeriod"/>
+            </a:pPr>
+            <a:r>
+              <a:rPr lang="en-GB" sz="1500" b="1" dirty="0"/>
+              <a:t>Reflect, Pivot, or Persist: </a:t>
+            </a:r>
+            <a:r>
+              <a:rPr lang="en-GB" sz="1500" dirty="0"/>
+              <a:t>Regularly reassess your growth using the Agile Coaching Growth Wheel, gathering feedback and considering adjustments to your plan.</a:t>
+            </a:r>
+          </a:p>
+          <a:p>
+            <a:pPr>
+              <a:buFont typeface="+mj-lt"/>
+              <a:buAutoNum type="arabicPeriod"/>
+            </a:pPr>
+            <a:r>
+              <a:rPr lang="en-GB" sz="1500" b="1" dirty="0"/>
+              <a:t>See How Far You've Come: </a:t>
+            </a:r>
+            <a:r>
+              <a:rPr lang="en-GB" sz="1500" dirty="0"/>
+              <a:t>Revisit the Role &amp; Stance Matrix to evaluate progress and determine your next steps, ensuring you have support for future challenges.</a:t>
             </a:r>
           </a:p>
         </p:txBody>
       </p:sp>
       <p:sp>
         <p:nvSpPr>
-          <p:cNvPr id="12" name="Rectangle 11">
-            <a:extLst>
-              <a:ext uri="{FF2B5EF4-FFF2-40B4-BE49-F238E27FC236}">
-                <a16:creationId xmlns:a16="http://schemas.microsoft.com/office/drawing/2014/main" id="{40400C9D-867E-5C20-2547-CD72EDCF7B61}"/>
+          <p:cNvPr id="11" name="Rectangle 10">
+            <a:extLst>
+              <a:ext uri="{FF2B5EF4-FFF2-40B4-BE49-F238E27FC236}">
+                <a16:creationId xmlns:a16="http://schemas.microsoft.com/office/drawing/2014/main" id="{882090C7-525D-BD34-8410-7DE173990B20}"/>
               </a:ext>
             </a:extLst>
           </p:cNvPr>
@@ -8211,10 +10034,10 @@
       </p:sp>
       <p:sp>
         <p:nvSpPr>
-          <p:cNvPr id="13" name="TextBox 12">
-            <a:extLst>
-              <a:ext uri="{FF2B5EF4-FFF2-40B4-BE49-F238E27FC236}">
-                <a16:creationId xmlns:a16="http://schemas.microsoft.com/office/drawing/2014/main" id="{0C37AAD2-E350-B147-D38E-F7E996A023FD}"/>
+          <p:cNvPr id="12" name="TextBox 11">
+            <a:extLst>
+              <a:ext uri="{FF2B5EF4-FFF2-40B4-BE49-F238E27FC236}">
+                <a16:creationId xmlns:a16="http://schemas.microsoft.com/office/drawing/2014/main" id="{ED98FAA5-941F-BDBD-807D-5A5AC5E6C7FC}"/>
               </a:ext>
             </a:extLst>
           </p:cNvPr>
@@ -8246,17 +10069,17 @@
                 <a:latin typeface="Arial" panose="020B0604020202020204" pitchFamily="34" charset="0"/>
                 <a:cs typeface="Arial" panose="020B0604020202020204" pitchFamily="34" charset="0"/>
               </a:rPr>
-              <a:t>Author: Tom Hoyland | Version 1.4</a:t>
+              <a:t>Author: Tom Hoyland | Version 1.5</a:t>
             </a:r>
           </a:p>
         </p:txBody>
       </p:sp>
       <p:pic>
         <p:nvPicPr>
-          <p:cNvPr id="14" name="Picture 2">
-            <a:extLst>
-              <a:ext uri="{FF2B5EF4-FFF2-40B4-BE49-F238E27FC236}">
-                <a16:creationId xmlns:a16="http://schemas.microsoft.com/office/drawing/2014/main" id="{382DCC8D-3CCB-9676-B0B5-82F21579B878}"/>
+          <p:cNvPr id="13" name="Picture 2">
+            <a:extLst>
+              <a:ext uri="{FF2B5EF4-FFF2-40B4-BE49-F238E27FC236}">
+                <a16:creationId xmlns:a16="http://schemas.microsoft.com/office/drawing/2014/main" id="{33DBA4A8-F194-D94F-B21B-E0176A25AFF5}"/>
               </a:ext>
             </a:extLst>
           </p:cNvPr>
@@ -8300,10 +10123,10 @@
       </p:pic>
       <p:sp>
         <p:nvSpPr>
-          <p:cNvPr id="15" name="TextBox 14">
-            <a:extLst>
-              <a:ext uri="{FF2B5EF4-FFF2-40B4-BE49-F238E27FC236}">
-                <a16:creationId xmlns:a16="http://schemas.microsoft.com/office/drawing/2014/main" id="{30E56A04-D01D-B7B8-A480-914556B18118}"/>
+          <p:cNvPr id="14" name="TextBox 13">
+            <a:extLst>
+              <a:ext uri="{FF2B5EF4-FFF2-40B4-BE49-F238E27FC236}">
+                <a16:creationId xmlns:a16="http://schemas.microsoft.com/office/drawing/2014/main" id="{7A14516A-B876-188E-89A2-192169B8C29A}"/>
               </a:ext>
             </a:extLst>
           </p:cNvPr>
@@ -8343,7 +10166,7 @@
     </p:spTree>
     <p:extLst>
       <p:ext uri="{BB962C8B-B14F-4D97-AF65-F5344CB8AC3E}">
-        <p14:creationId xmlns:p14="http://schemas.microsoft.com/office/powerpoint/2010/main" val="49916546"/>
+        <p14:creationId xmlns:p14="http://schemas.microsoft.com/office/powerpoint/2010/main" val="3269507104"/>
       </p:ext>
     </p:extLst>
   </p:cSld>
@@ -8358,13 +10181,7 @@
   <p:cSld>
     <p:spTree>
       <p:nvGrpSpPr>
-        <p:cNvPr id="1" name="">
-          <a:extLst>
-            <a:ext uri="{FF2B5EF4-FFF2-40B4-BE49-F238E27FC236}">
-              <a16:creationId xmlns:a16="http://schemas.microsoft.com/office/drawing/2014/main" id="{4FFAD94A-DEAF-8758-CDDA-908280583695}"/>
-            </a:ext>
-          </a:extLst>
-        </p:cNvPr>
+        <p:cNvPr id="1" name=""/>
         <p:cNvGrpSpPr/>
         <p:nvPr/>
       </p:nvGrpSpPr>
@@ -8381,7 +10198,7 @@
           <p:cNvPr id="2" name="Title 1">
             <a:extLst>
               <a:ext uri="{FF2B5EF4-FFF2-40B4-BE49-F238E27FC236}">
-                <a16:creationId xmlns:a16="http://schemas.microsoft.com/office/drawing/2014/main" id="{11EB9DBA-6CC5-71E7-1107-3132BF855C8D}"/>
+                <a16:creationId xmlns:a16="http://schemas.microsoft.com/office/drawing/2014/main" id="{60114F5B-200D-5E80-5596-D97099667249}"/>
               </a:ext>
             </a:extLst>
           </p:cNvPr>
@@ -8394,14 +10211,14 @@
         </p:nvSpPr>
         <p:spPr/>
         <p:txBody>
-          <a:bodyPr>
+          <a:bodyPr vert="horz" lIns="91440" tIns="45720" rIns="91440" bIns="45720" rtlCol="0" anchor="ctr">
             <a:noAutofit/>
           </a:bodyPr>
           <a:lstStyle/>
           <a:p>
             <a:r>
               <a:rPr lang="en-GB" b="1" dirty="0"/>
-              <a:t>6.1. What We Did – Role &amp; Stance Matrix</a:t>
+              <a:t>6. Origin Story – How We Got Here</a:t>
             </a:r>
           </a:p>
         </p:txBody>
@@ -8411,7 +10228,7 @@
           <p:cNvPr id="3" name="Content Placeholder 2">
             <a:extLst>
               <a:ext uri="{FF2B5EF4-FFF2-40B4-BE49-F238E27FC236}">
-                <a16:creationId xmlns:a16="http://schemas.microsoft.com/office/drawing/2014/main" id="{145F72A3-108D-96E7-8B66-326A6AA56CD4}"/>
+                <a16:creationId xmlns:a16="http://schemas.microsoft.com/office/drawing/2014/main" id="{DAE4660F-2C15-FE9B-AFC3-60290F1CFBED}"/>
               </a:ext>
             </a:extLst>
           </p:cNvPr>
@@ -8425,7 +10242,7 @@
         <p:spPr>
           <a:xfrm>
             <a:off x="838199" y="1825625"/>
-            <a:ext cx="10439401" cy="4351338"/>
+            <a:ext cx="10244667" cy="4351338"/>
           </a:xfrm>
         </p:spPr>
         <p:txBody>
@@ -8434,76 +10251,22 @@
           </a:bodyPr>
           <a:lstStyle/>
           <a:p>
-            <a:pPr marL="342900" indent="-342900">
-              <a:buFont typeface="+mj-lt"/>
-              <a:buAutoNum type="arabicPeriod"/>
-            </a:pPr>
-            <a:r>
-              <a:rPr lang="en-GB" sz="2000" b="1" dirty="0"/>
-              <a:t>Role Comparison: </a:t>
-            </a:r>
-            <a:r>
-              <a:rPr lang="en-GB" sz="2000" dirty="0"/>
-              <a:t>We used AI to quickly compare and identify distinctions across roles within the Agile Practitioner to Agile Practitioner People Manager/Principal career levels to create a basic matrix. We made a conscious decision to exclude the Head of Practice role from this exercise. </a:t>
-            </a:r>
-          </a:p>
-          <a:p>
-            <a:pPr marL="342900" indent="-342900">
-              <a:buFont typeface="+mj-lt"/>
-              <a:buAutoNum type="arabicPeriod"/>
-            </a:pPr>
-            <a:r>
-              <a:rPr lang="en-GB" sz="2000" b="1" dirty="0"/>
-              <a:t>Aligning Role Descriptions with Stances: </a:t>
-            </a:r>
-            <a:r>
-              <a:rPr lang="en-GB" sz="2000" dirty="0"/>
-              <a:t>We then matched Role Descriptions to the Agile Coaching Growth Wheel (ACGW) stance definitions to expand the matrix.</a:t>
-            </a:r>
-          </a:p>
-          <a:p>
-            <a:pPr marL="342900" indent="-342900">
-              <a:buFont typeface="+mj-lt"/>
-              <a:buAutoNum type="arabicPeriod"/>
-            </a:pPr>
-            <a:r>
-              <a:rPr lang="en-GB" sz="2000" b="1" dirty="0"/>
-              <a:t>Agile Practitioner Role &amp; Stance Matrix</a:t>
-            </a:r>
-            <a:r>
-              <a:rPr lang="en-GB" sz="2000" dirty="0"/>
-              <a:t>: The resulting matrix illustrates how practitioners can evolve stances and competencies, helping colleagues to identify focus areas for deepening or broadening their skills.</a:t>
-            </a:r>
-          </a:p>
-          <a:p>
             <a:pPr marL="0" indent="0">
               <a:buNone/>
             </a:pPr>
-            <a:endParaRPr lang="en-GB" sz="1500" dirty="0"/>
-          </a:p>
-          <a:p>
-            <a:pPr marL="0" indent="0">
-              <a:buNone/>
-            </a:pPr>
-            <a:r>
-              <a:rPr lang="en-GB" sz="1500" dirty="0"/>
-              <a:t>⚠️ Note: The matrix does not imply that acquiring a set number of competencies triggers promotion. It is designed to illustrate transferable competencies across roles and levels.</a:t>
-            </a:r>
-          </a:p>
-          <a:p>
-            <a:endParaRPr lang="en-GB" sz="1800" dirty="0"/>
-          </a:p>
-          <a:p>
-            <a:endParaRPr lang="en-GB" sz="1800" dirty="0"/>
+            <a:r>
+              <a:rPr lang="en-GB" sz="2000" dirty="0"/>
+              <a:t>The following slides outline the method and process by which the Agile Growth Pathway and its resources were developed.</a:t>
+            </a:r>
           </a:p>
         </p:txBody>
       </p:sp>
       <p:sp>
         <p:nvSpPr>
-          <p:cNvPr id="26" name="Rectangle 25">
-            <a:extLst>
-              <a:ext uri="{FF2B5EF4-FFF2-40B4-BE49-F238E27FC236}">
-                <a16:creationId xmlns:a16="http://schemas.microsoft.com/office/drawing/2014/main" id="{33606496-35FF-0197-03E9-748A786CB649}"/>
+          <p:cNvPr id="12" name="Rectangle 11">
+            <a:extLst>
+              <a:ext uri="{FF2B5EF4-FFF2-40B4-BE49-F238E27FC236}">
+                <a16:creationId xmlns:a16="http://schemas.microsoft.com/office/drawing/2014/main" id="{40400C9D-867E-5C20-2547-CD72EDCF7B61}"/>
               </a:ext>
             </a:extLst>
           </p:cNvPr>
@@ -8552,10 +10315,10 @@
       </p:sp>
       <p:sp>
         <p:nvSpPr>
-          <p:cNvPr id="27" name="TextBox 26">
-            <a:extLst>
-              <a:ext uri="{FF2B5EF4-FFF2-40B4-BE49-F238E27FC236}">
-                <a16:creationId xmlns:a16="http://schemas.microsoft.com/office/drawing/2014/main" id="{ABEC5A02-0337-4883-AF12-CC0925B90C0B}"/>
+          <p:cNvPr id="13" name="TextBox 12">
+            <a:extLst>
+              <a:ext uri="{FF2B5EF4-FFF2-40B4-BE49-F238E27FC236}">
+                <a16:creationId xmlns:a16="http://schemas.microsoft.com/office/drawing/2014/main" id="{0C37AAD2-E350-B147-D38E-F7E996A023FD}"/>
               </a:ext>
             </a:extLst>
           </p:cNvPr>
@@ -8587,7 +10350,348 @@
                 <a:latin typeface="Arial" panose="020B0604020202020204" pitchFamily="34" charset="0"/>
                 <a:cs typeface="Arial" panose="020B0604020202020204" pitchFamily="34" charset="0"/>
               </a:rPr>
-              <a:t>Author: Tom Hoyland | Version 1.4</a:t>
+              <a:t>Author: Tom Hoyland | Version 1.5</a:t>
+            </a:r>
+          </a:p>
+        </p:txBody>
+      </p:sp>
+      <p:pic>
+        <p:nvPicPr>
+          <p:cNvPr id="14" name="Picture 2">
+            <a:extLst>
+              <a:ext uri="{FF2B5EF4-FFF2-40B4-BE49-F238E27FC236}">
+                <a16:creationId xmlns:a16="http://schemas.microsoft.com/office/drawing/2014/main" id="{382DCC8D-3CCB-9676-B0B5-82F21579B878}"/>
+              </a:ext>
+            </a:extLst>
+          </p:cNvPr>
+          <p:cNvPicPr>
+            <a:picLocks noChangeAspect="1" noChangeArrowheads="1"/>
+          </p:cNvPicPr>
+          <p:nvPr/>
+        </p:nvPicPr>
+        <p:blipFill>
+          <a:blip r:embed="rId2">
+            <a:extLst>
+              <a:ext uri="{28A0092B-C50C-407E-A947-70E740481C1C}">
+                <a14:useLocalDpi xmlns:a14="http://schemas.microsoft.com/office/drawing/2010/main" val="0"/>
+              </a:ext>
+            </a:extLst>
+          </a:blip>
+          <a:srcRect/>
+          <a:stretch>
+            <a:fillRect/>
+          </a:stretch>
+        </p:blipFill>
+        <p:spPr bwMode="auto">
+          <a:xfrm>
+            <a:off x="-6350" y="6604454"/>
+            <a:ext cx="713969" cy="249800"/>
+          </a:xfrm>
+          <a:prstGeom prst="rect">
+            <a:avLst/>
+          </a:prstGeom>
+          <a:noFill/>
+          <a:extLst>
+            <a:ext uri="{909E8E84-426E-40DD-AFC4-6F175D3DCCD1}">
+              <a14:hiddenFill xmlns:a14="http://schemas.microsoft.com/office/drawing/2010/main">
+                <a:solidFill>
+                  <a:srgbClr val="FFFFFF"/>
+                </a:solidFill>
+              </a14:hiddenFill>
+            </a:ext>
+          </a:extLst>
+        </p:spPr>
+      </p:pic>
+      <p:sp>
+        <p:nvSpPr>
+          <p:cNvPr id="15" name="TextBox 14">
+            <a:extLst>
+              <a:ext uri="{FF2B5EF4-FFF2-40B4-BE49-F238E27FC236}">
+                <a16:creationId xmlns:a16="http://schemas.microsoft.com/office/drawing/2014/main" id="{30E56A04-D01D-B7B8-A480-914556B18118}"/>
+              </a:ext>
+            </a:extLst>
+          </p:cNvPr>
+          <p:cNvSpPr txBox="1"/>
+          <p:nvPr/>
+        </p:nvSpPr>
+        <p:spPr>
+          <a:xfrm>
+            <a:off x="701972" y="6600546"/>
+            <a:ext cx="1511952" cy="253916"/>
+          </a:xfrm>
+          <a:prstGeom prst="rect">
+            <a:avLst/>
+          </a:prstGeom>
+          <a:noFill/>
+        </p:spPr>
+        <p:txBody>
+          <a:bodyPr wrap="none" rtlCol="0">
+            <a:spAutoFit/>
+          </a:bodyPr>
+          <a:lstStyle/>
+          <a:p>
+            <a:r>
+              <a:rPr lang="en-GB" sz="1050" dirty="0">
+                <a:solidFill>
+                  <a:schemeClr val="bg1"/>
+                </a:solidFill>
+                <a:latin typeface="Arial" panose="020B0604020202020204" pitchFamily="34" charset="0"/>
+                <a:ea typeface="Roboto" panose="02000000000000000000" pitchFamily="2" charset="0"/>
+                <a:cs typeface="Arial" panose="020B0604020202020204" pitchFamily="34" charset="0"/>
+              </a:rPr>
+              <a:t>Agile Growth Pathway</a:t>
+            </a:r>
+          </a:p>
+        </p:txBody>
+      </p:sp>
+    </p:spTree>
+    <p:extLst>
+      <p:ext uri="{BB962C8B-B14F-4D97-AF65-F5344CB8AC3E}">
+        <p14:creationId xmlns:p14="http://schemas.microsoft.com/office/powerpoint/2010/main" val="49916546"/>
+      </p:ext>
+    </p:extLst>
+  </p:cSld>
+  <p:clrMapOvr>
+    <a:masterClrMapping/>
+  </p:clrMapOvr>
+</p:sld>
+</file>
+
+<file path=ppt/slides/slide14.xml><?xml version="1.0" encoding="utf-8"?>
+<p:sld xmlns:a="http://schemas.openxmlformats.org/drawingml/2006/main" xmlns:r="http://schemas.openxmlformats.org/officeDocument/2006/relationships" xmlns:p="http://schemas.openxmlformats.org/presentationml/2006/main">
+  <p:cSld>
+    <p:spTree>
+      <p:nvGrpSpPr>
+        <p:cNvPr id="1" name="">
+          <a:extLst>
+            <a:ext uri="{FF2B5EF4-FFF2-40B4-BE49-F238E27FC236}">
+              <a16:creationId xmlns:a16="http://schemas.microsoft.com/office/drawing/2014/main" id="{4FFAD94A-DEAF-8758-CDDA-908280583695}"/>
+            </a:ext>
+          </a:extLst>
+        </p:cNvPr>
+        <p:cNvGrpSpPr/>
+        <p:nvPr/>
+      </p:nvGrpSpPr>
+      <p:grpSpPr>
+        <a:xfrm>
+          <a:off x="0" y="0"/>
+          <a:ext cx="0" cy="0"/>
+          <a:chOff x="0" y="0"/>
+          <a:chExt cx="0" cy="0"/>
+        </a:xfrm>
+      </p:grpSpPr>
+      <p:sp>
+        <p:nvSpPr>
+          <p:cNvPr id="2" name="Title 1">
+            <a:extLst>
+              <a:ext uri="{FF2B5EF4-FFF2-40B4-BE49-F238E27FC236}">
+                <a16:creationId xmlns:a16="http://schemas.microsoft.com/office/drawing/2014/main" id="{11EB9DBA-6CC5-71E7-1107-3132BF855C8D}"/>
+              </a:ext>
+            </a:extLst>
+          </p:cNvPr>
+          <p:cNvSpPr>
+            <a:spLocks noGrp="1"/>
+          </p:cNvSpPr>
+          <p:nvPr>
+            <p:ph type="title"/>
+          </p:nvPr>
+        </p:nvSpPr>
+        <p:spPr/>
+        <p:txBody>
+          <a:bodyPr>
+            <a:noAutofit/>
+          </a:bodyPr>
+          <a:lstStyle/>
+          <a:p>
+            <a:r>
+              <a:rPr lang="en-GB" b="1" dirty="0"/>
+              <a:t>6.1. What We Did – Role &amp; Stance Matrix</a:t>
+            </a:r>
+          </a:p>
+        </p:txBody>
+      </p:sp>
+      <p:sp>
+        <p:nvSpPr>
+          <p:cNvPr id="3" name="Content Placeholder 2">
+            <a:extLst>
+              <a:ext uri="{FF2B5EF4-FFF2-40B4-BE49-F238E27FC236}">
+                <a16:creationId xmlns:a16="http://schemas.microsoft.com/office/drawing/2014/main" id="{145F72A3-108D-96E7-8B66-326A6AA56CD4}"/>
+              </a:ext>
+            </a:extLst>
+          </p:cNvPr>
+          <p:cNvSpPr>
+            <a:spLocks noGrp="1"/>
+          </p:cNvSpPr>
+          <p:nvPr>
+            <p:ph idx="1"/>
+          </p:nvPr>
+        </p:nvSpPr>
+        <p:spPr>
+          <a:xfrm>
+            <a:off x="838199" y="1825625"/>
+            <a:ext cx="10439401" cy="4351338"/>
+          </a:xfrm>
+        </p:spPr>
+        <p:txBody>
+          <a:bodyPr vert="horz" lIns="91440" tIns="45720" rIns="91440" bIns="45720" rtlCol="0" anchor="t">
+            <a:noAutofit/>
+          </a:bodyPr>
+          <a:lstStyle/>
+          <a:p>
+            <a:pPr marL="342900" indent="-342900">
+              <a:buFont typeface="+mj-lt"/>
+              <a:buAutoNum type="arabicPeriod"/>
+            </a:pPr>
+            <a:r>
+              <a:rPr lang="en-GB" sz="2000" b="1" dirty="0"/>
+              <a:t>Role Comparison: </a:t>
+            </a:r>
+            <a:r>
+              <a:rPr lang="en-GB" sz="2000" dirty="0"/>
+              <a:t>We used AI to quickly compare and identify distinctions across roles within the Agile Practitioner to Agile Practitioner People Manager/Principal career levels to create a basic matrix. We made a conscious decision to exclude the Head of Practice role from this exercise. </a:t>
+            </a:r>
+          </a:p>
+          <a:p>
+            <a:pPr marL="342900" indent="-342900">
+              <a:buFont typeface="+mj-lt"/>
+              <a:buAutoNum type="arabicPeriod"/>
+            </a:pPr>
+            <a:r>
+              <a:rPr lang="en-GB" sz="2000" b="1" dirty="0"/>
+              <a:t>Aligning Role Descriptions with Stances: </a:t>
+            </a:r>
+            <a:r>
+              <a:rPr lang="en-GB" sz="2000" dirty="0"/>
+              <a:t>We then matched Role Descriptions to the Agile Coaching Growth Wheel (ACGW) stance definitions to expand the matrix.</a:t>
+            </a:r>
+          </a:p>
+          <a:p>
+            <a:pPr marL="342900" indent="-342900">
+              <a:buFont typeface="+mj-lt"/>
+              <a:buAutoNum type="arabicPeriod"/>
+            </a:pPr>
+            <a:r>
+              <a:rPr lang="en-GB" sz="2000" b="1" dirty="0"/>
+              <a:t>Agile Practitioner Role &amp; Stance Matrix</a:t>
+            </a:r>
+            <a:r>
+              <a:rPr lang="en-GB" sz="2000" dirty="0"/>
+              <a:t>: The resulting matrix illustrates how practitioners can evolve stances and competencies, helping colleagues to identify focus areas for deepening or broadening their skills.</a:t>
+            </a:r>
+          </a:p>
+          <a:p>
+            <a:pPr marL="0" indent="0">
+              <a:buNone/>
+            </a:pPr>
+            <a:endParaRPr lang="en-GB" sz="1500" dirty="0"/>
+          </a:p>
+          <a:p>
+            <a:pPr marL="0" indent="0">
+              <a:buNone/>
+            </a:pPr>
+            <a:r>
+              <a:rPr lang="en-GB" sz="1500" dirty="0"/>
+              <a:t>⚠️ Note: The matrix does not imply that acquiring a set number of competencies triggers promotion. It is designed to illustrate transferable competencies across roles and levels.</a:t>
+            </a:r>
+          </a:p>
+          <a:p>
+            <a:endParaRPr lang="en-GB" sz="1800" dirty="0"/>
+          </a:p>
+          <a:p>
+            <a:endParaRPr lang="en-GB" sz="1800" dirty="0"/>
+          </a:p>
+        </p:txBody>
+      </p:sp>
+      <p:sp>
+        <p:nvSpPr>
+          <p:cNvPr id="26" name="Rectangle 25">
+            <a:extLst>
+              <a:ext uri="{FF2B5EF4-FFF2-40B4-BE49-F238E27FC236}">
+                <a16:creationId xmlns:a16="http://schemas.microsoft.com/office/drawing/2014/main" id="{33606496-35FF-0197-03E9-748A786CB649}"/>
+              </a:ext>
+            </a:extLst>
+          </p:cNvPr>
+          <p:cNvSpPr/>
+          <p:nvPr/>
+        </p:nvSpPr>
+        <p:spPr>
+          <a:xfrm>
+            <a:off x="0" y="6608201"/>
+            <a:ext cx="12192000" cy="249799"/>
+          </a:xfrm>
+          <a:prstGeom prst="rect">
+            <a:avLst/>
+          </a:prstGeom>
+          <a:solidFill>
+            <a:schemeClr val="tx1"/>
+          </a:solidFill>
+          <a:ln>
+            <a:noFill/>
+          </a:ln>
+        </p:spPr>
+        <p:style>
+          <a:lnRef idx="2">
+            <a:schemeClr val="accent1">
+              <a:shade val="15000"/>
+            </a:schemeClr>
+          </a:lnRef>
+          <a:fillRef idx="1">
+            <a:schemeClr val="accent1"/>
+          </a:fillRef>
+          <a:effectRef idx="0">
+            <a:schemeClr val="accent1"/>
+          </a:effectRef>
+          <a:fontRef idx="minor">
+            <a:schemeClr val="lt1"/>
+          </a:fontRef>
+        </p:style>
+        <p:txBody>
+          <a:bodyPr rtlCol="0" anchor="ctr"/>
+          <a:lstStyle/>
+          <a:p>
+            <a:pPr algn="ctr"/>
+            <a:endParaRPr lang="en-US" dirty="0"/>
+          </a:p>
+        </p:txBody>
+      </p:sp>
+      <p:sp>
+        <p:nvSpPr>
+          <p:cNvPr id="27" name="TextBox 26">
+            <a:extLst>
+              <a:ext uri="{FF2B5EF4-FFF2-40B4-BE49-F238E27FC236}">
+                <a16:creationId xmlns:a16="http://schemas.microsoft.com/office/drawing/2014/main" id="{ABEC5A02-0337-4883-AF12-CC0925B90C0B}"/>
+              </a:ext>
+            </a:extLst>
+          </p:cNvPr>
+          <p:cNvSpPr txBox="1"/>
+          <p:nvPr/>
+        </p:nvSpPr>
+        <p:spPr>
+          <a:xfrm>
+            <a:off x="10023435" y="6619097"/>
+            <a:ext cx="2139821" cy="215444"/>
+          </a:xfrm>
+          <a:prstGeom prst="rect">
+            <a:avLst/>
+          </a:prstGeom>
+          <a:noFill/>
+        </p:spPr>
+        <p:txBody>
+          <a:bodyPr wrap="square" anchor="ctr">
+            <a:spAutoFit/>
+          </a:bodyPr>
+          <a:lstStyle/>
+          <a:p>
+            <a:pPr algn="r"/>
+            <a:r>
+              <a:rPr lang="en-US" sz="800" dirty="0">
+                <a:solidFill>
+                  <a:schemeClr val="bg1"/>
+                </a:solidFill>
+                <a:latin typeface="Arial" panose="020B0604020202020204" pitchFamily="34" charset="0"/>
+                <a:cs typeface="Arial" panose="020B0604020202020204" pitchFamily="34" charset="0"/>
+              </a:rPr>
+              <a:t>Author: Tom Hoyland | Version 1.5</a:t>
             </a:r>
           </a:p>
         </p:txBody>
@@ -8694,7 +10798,7 @@
 </p:sld>
 </file>
 
-<file path=ppt/slides/slide14.xml><?xml version="1.0" encoding="utf-8"?>
+<file path=ppt/slides/slide15.xml><?xml version="1.0" encoding="utf-8"?>
 <p:sld xmlns:a="http://schemas.openxmlformats.org/drawingml/2006/main" xmlns:r="http://schemas.openxmlformats.org/officeDocument/2006/relationships" xmlns:p="http://schemas.openxmlformats.org/presentationml/2006/main">
   <p:cSld>
     <p:spTree>
@@ -8854,7 +10958,7 @@
                 <a:latin typeface="Arial" panose="020B0604020202020204" pitchFamily="34" charset="0"/>
                 <a:cs typeface="Arial" panose="020B0604020202020204" pitchFamily="34" charset="0"/>
               </a:rPr>
-              <a:t>Author: Tom Hoyland | Version 1.4</a:t>
+              <a:t>Author: Tom Hoyland | Version 1.5</a:t>
             </a:r>
           </a:p>
         </p:txBody>
@@ -8964,7 +11068,7 @@
             <p:ph idx="1"/>
             <p:extLst>
               <p:ext uri="{D42A27DB-BD31-4B8C-83A1-F6EECF244321}">
-                <p14:modId xmlns:p14="http://schemas.microsoft.com/office/powerpoint/2010/main" val="680506717"/>
+                <p14:modId xmlns:p14="http://schemas.microsoft.com/office/powerpoint/2010/main" val="4211082827"/>
               </p:ext>
             </p:extLst>
           </p:nvPr>
@@ -9880,7 +11984,7 @@
                           <a:latin typeface="Arial" panose="020B0604020202020204" pitchFamily="34" charset="0"/>
                           <a:cs typeface="Arial" panose="020B0604020202020204" pitchFamily="34" charset="0"/>
                         </a:rPr>
-                        <a:t>Practices self-awareness and reflection, continually learning and growing as an Agile practitioner.</a:t>
+                        <a:t>Practices self-awareness and reflection, continually learning and growing as an agile practitioner.</a:t>
                       </a:r>
                     </a:p>
                     <a:p>
@@ -10360,7 +12464,7 @@
                           <a:latin typeface="Arial" panose="020B0604020202020204" pitchFamily="34" charset="0"/>
                           <a:cs typeface="Arial" panose="020B0604020202020204" pitchFamily="34" charset="0"/>
                         </a:rPr>
-                        <a:t>Develops a foundational understanding of Agile principles and practices, gaining valuable experience in Agile Delivery management.</a:t>
+                        <a:t>Develops a foundational understanding of agile principles, gaining valuable experience in agile practices.</a:t>
                       </a:r>
                     </a:p>
                     <a:p>
@@ -10380,7 +12484,7 @@
                           <a:latin typeface="Arial" panose="020B0604020202020204" pitchFamily="34" charset="0"/>
                           <a:cs typeface="Arial" panose="020B0604020202020204" pitchFamily="34" charset="0"/>
                         </a:rPr>
-                        <a:t>Supports Agile activities within the development team, contributing to the adoption and execution of Agile methods.</a:t>
+                        <a:t>Supports agile activities within the development team, contributing to the adoption and execution of agile methods.</a:t>
                       </a:r>
                       <a:endParaRPr lang="en-GB" sz="550" u="none" strike="noStrike" kern="1200" dirty="0">
                         <a:solidFill>
@@ -10453,7 +12557,7 @@
                           <a:latin typeface="Arial" panose="020B0604020202020204" pitchFamily="34" charset="0"/>
                           <a:cs typeface="Arial" panose="020B0604020202020204" pitchFamily="34" charset="0"/>
                         </a:rPr>
-                        <a:t>Demonstrates a foundational understanding of Agile principles and practices, contributing to the smooth execution of Agile methods.</a:t>
+                        <a:t>Demonstrates a foundational understanding of agile principles and practices, contributing to the smooth execution of agile methods.</a:t>
                       </a:r>
                     </a:p>
                     <a:p>
@@ -10473,7 +12577,7 @@
                           <a:latin typeface="Arial" panose="020B0604020202020204" pitchFamily="34" charset="0"/>
                           <a:cs typeface="Arial" panose="020B0604020202020204" pitchFamily="34" charset="0"/>
                         </a:rPr>
-                        <a:t>Works within a development team to ensure adherence to Agile frameworks and practices.</a:t>
+                        <a:t>Works within a development team to ensure adherence to agile frameworks and practices.</a:t>
                       </a:r>
                       <a:endParaRPr lang="en-GB" sz="550" u="none" strike="noStrike" kern="1200" dirty="0">
                         <a:solidFill>
@@ -10546,7 +12650,7 @@
                           <a:latin typeface="Arial" panose="020B0604020202020204" pitchFamily="34" charset="0"/>
                           <a:cs typeface="Arial" panose="020B0604020202020204" pitchFamily="34" charset="0"/>
                         </a:rPr>
-                        <a:t>Applies Agile principles and practices to oversee the successful delivery of software initiatives, ensuring alignment with Agile frameworks.</a:t>
+                        <a:t>Applies agile principles and practices to oversee the successful delivery of software initiatives, ensuring alignment with agile frameworks.</a:t>
                       </a:r>
                     </a:p>
                     <a:p>
@@ -10566,7 +12670,7 @@
                           <a:latin typeface="Arial" panose="020B0604020202020204" pitchFamily="34" charset="0"/>
                           <a:cs typeface="Arial" panose="020B0604020202020204" pitchFamily="34" charset="0"/>
                         </a:rPr>
-                        <a:t>Utilizes Agile methods such as Scrum or Kanban to optimize team performance and initiative outcomes.</a:t>
+                        <a:t>Utilizes agile methods such as Scrum or Kanban to optimize team performance and initiative outcomes.</a:t>
                       </a:r>
                     </a:p>
                   </a:txBody>
@@ -10630,7 +12734,7 @@
                           <a:latin typeface="Arial" panose="020B0604020202020204" pitchFamily="34" charset="0"/>
                           <a:cs typeface="Arial" panose="020B0604020202020204" pitchFamily="34" charset="0"/>
                         </a:rPr>
-                        <a:t>Serves as a subject matter expert in Agile methods, providing guidance and support in their adoption and implementation.</a:t>
+                        <a:t>Serves as a subject matter expert in agile methods, providing guidance and support in their adoption and implementation.</a:t>
                       </a:r>
                     </a:p>
                     <a:p>
@@ -10650,7 +12754,7 @@
                           <a:latin typeface="Arial" panose="020B0604020202020204" pitchFamily="34" charset="0"/>
                           <a:cs typeface="Arial" panose="020B0604020202020204" pitchFamily="34" charset="0"/>
                         </a:rPr>
-                        <a:t>Leads Agile transformation efforts, driving the  organization towards Agile maturity and excellence.</a:t>
+                        <a:t>Leads agile transformation efforts, driving the  organization towards agile maturity and excellence.</a:t>
                       </a:r>
                       <a:endParaRPr lang="en-GB" sz="550" u="none" strike="noStrike" kern="1200" dirty="0">
                         <a:solidFill>
@@ -10723,7 +12827,7 @@
                           <a:latin typeface="Arial" panose="020B0604020202020204" pitchFamily="34" charset="0"/>
                           <a:cs typeface="Arial" panose="020B0604020202020204" pitchFamily="34" charset="0"/>
                         </a:rPr>
-                        <a:t>Exhibits deep understanding and experience in Agile methods and frameworks, guiding teams in their implementation and execution.</a:t>
+                        <a:t>Exhibits deep understanding and experience in agile methods and frameworks, guiding teams in their implementation and execution.</a:t>
                       </a:r>
                     </a:p>
                     <a:p>
@@ -10743,7 +12847,7 @@
                           <a:latin typeface="Arial" panose="020B0604020202020204" pitchFamily="34" charset="0"/>
                           <a:cs typeface="Arial" panose="020B0604020202020204" pitchFamily="34" charset="0"/>
                         </a:rPr>
-                        <a:t>Provides expertise in Agile practices such as Scrum or Kanban, ensuring alignment with Agile principles and values.</a:t>
+                        <a:t>Provides expertise in agile practices such as Scrum or Kanban, ensuring alignment with agile principles and values.</a:t>
                       </a:r>
                       <a:endParaRPr lang="en-GB" sz="550" u="none" strike="noStrike" kern="1200" dirty="0">
                         <a:solidFill>
@@ -10906,7 +13010,7 @@
                           <a:latin typeface="Arial" panose="020B0604020202020204" pitchFamily="34" charset="0"/>
                           <a:cs typeface="Arial" panose="020B0604020202020204" pitchFamily="34" charset="0"/>
                         </a:rPr>
-                        <a:t>Supports the development team in executing Agile methods, focusing on process improvement and team support.</a:t>
+                        <a:t>Supports the development team in executing agile methods, focusing on process improvement and team support.</a:t>
                       </a:r>
                     </a:p>
                     <a:p>
@@ -11094,7 +13198,7 @@
                           <a:latin typeface="Arial" panose="020B0604020202020204" pitchFamily="34" charset="0"/>
                           <a:cs typeface="Arial" panose="020B0604020202020204" pitchFamily="34" charset="0"/>
                         </a:rPr>
-                        <a:t>Serves as a role model for Agile practices, fostering a culture of collaboration and continuous improvement.</a:t>
+                        <a:t>Serves as a role model for agile practices, fostering a culture of collaboration and continuous improvement.</a:t>
                       </a:r>
                     </a:p>
                     <a:p>
@@ -11114,7 +13218,7 @@
                           <a:latin typeface="Arial" panose="020B0604020202020204" pitchFamily="34" charset="0"/>
                           <a:cs typeface="Arial" panose="020B0604020202020204" pitchFamily="34" charset="0"/>
                         </a:rPr>
-                        <a:t>Empowers Agile teams and promotes growth and well-being within the organization.</a:t>
+                        <a:t>Empowers agile teams and promotes growth and well-being within the organization.</a:t>
                       </a:r>
                       <a:endParaRPr lang="en-GB" sz="550" u="none" strike="noStrike" kern="1200" dirty="0">
                         <a:solidFill>
@@ -11188,7 +13292,7 @@
                           <a:latin typeface="Arial" panose="020B0604020202020204" pitchFamily="34" charset="0"/>
                           <a:cs typeface="Arial" panose="020B0604020202020204" pitchFamily="34" charset="0"/>
                         </a:rPr>
-                        <a:t>Leads organizational Agile transformation efforts, driving adoption and success.</a:t>
+                        <a:t>Leads organizational agile transformation efforts, driving adoption and success.</a:t>
                       </a:r>
                     </a:p>
                     <a:p>
@@ -11208,7 +13312,7 @@
                           <a:latin typeface="Arial" panose="020B0604020202020204" pitchFamily="34" charset="0"/>
                           <a:cs typeface="Arial" panose="020B0604020202020204" pitchFamily="34" charset="0"/>
                         </a:rPr>
-                        <a:t>Fosters a culture of continuous improvement, serving as   a champion for Agile principles and practices.</a:t>
+                        <a:t>Fosters a culture of continuous improvement, serving as   a champion for agile principles and practices.</a:t>
                       </a:r>
                       <a:endParaRPr lang="en-GB" sz="550" u="none" strike="noStrike" kern="1200" dirty="0">
                         <a:solidFill>
@@ -11466,7 +13570,7 @@
                           <a:latin typeface="Arial" panose="020B0604020202020204" pitchFamily="34" charset="0"/>
                           <a:cs typeface="Arial" panose="020B0604020202020204" pitchFamily="34" charset="0"/>
                         </a:rPr>
-                        <a:t>Takes part in training and learning opportunities related   to Agile principles and methods.</a:t>
+                        <a:t>Takes part in training and learning opportunities related   to agile principles, methods and coaching.</a:t>
                       </a:r>
                     </a:p>
                     <a:p>
@@ -11486,7 +13590,7 @@
                           <a:latin typeface="Arial" panose="020B0604020202020204" pitchFamily="34" charset="0"/>
                           <a:cs typeface="Arial" panose="020B0604020202020204" pitchFamily="34" charset="0"/>
                         </a:rPr>
-                        <a:t>Seeks mentorship from Senior Agile Delivery Leads to enhance understanding and proficiency in Agile Delivery.</a:t>
+                        <a:t>Seeks mentorship from Senior/Agile Practitioners to enhance understanding and proficiency in agile Coaching approaches.</a:t>
                       </a:r>
                       <a:endParaRPr lang="en-GB" sz="550" u="none" strike="noStrike" kern="1200" dirty="0">
                         <a:solidFill>
@@ -11559,7 +13663,7 @@
                           <a:latin typeface="Arial" panose="020B0604020202020204" pitchFamily="34" charset="0"/>
                           <a:cs typeface="Arial" panose="020B0604020202020204" pitchFamily="34" charset="0"/>
                         </a:rPr>
-                        <a:t>Coaches and mentors team members on Agile principles and practices.</a:t>
+                        <a:t>Coaches and mentors team members on agile principles and practices.</a:t>
                       </a:r>
                     </a:p>
                     <a:p>
@@ -11579,7 +13683,7 @@
                           <a:latin typeface="Arial" panose="020B0604020202020204" pitchFamily="34" charset="0"/>
                           <a:cs typeface="Arial" panose="020B0604020202020204" pitchFamily="34" charset="0"/>
                         </a:rPr>
-                        <a:t>Guides the team in implementing Agile methods and removing obstacles.</a:t>
+                        <a:t>Coaches the team in implementing agile methods and removing obstacles.</a:t>
                       </a:r>
                       <a:endParaRPr lang="en-GB" sz="550" u="none" strike="noStrike" kern="1200" dirty="0">
                         <a:solidFill>
@@ -11652,7 +13756,7 @@
                           <a:latin typeface="Arial" panose="020B0604020202020204" pitchFamily="34" charset="0"/>
                           <a:cs typeface="Arial" panose="020B0604020202020204" pitchFamily="34" charset="0"/>
                         </a:rPr>
-                        <a:t>Provides guidance, coaching, and support to cross-functional teams, empowering them to embrace Agile practices.</a:t>
+                        <a:t>Coaches and supports cross-functional teams, empowering them to embrace and thrive with agile practices.</a:t>
                       </a:r>
                     </a:p>
                     <a:p>
@@ -11672,7 +13776,7 @@
                           <a:latin typeface="Arial" panose="020B0604020202020204" pitchFamily="34" charset="0"/>
                           <a:cs typeface="Arial" panose="020B0604020202020204" pitchFamily="34" charset="0"/>
                         </a:rPr>
-                        <a:t>Leads Agile transformation initiatives, driving continuous improvement and fostering a culture of collaboration.</a:t>
+                        <a:t>Coaches' agile transformation initiatives, driving  continuous improvement and fostering a culture of collaboration.</a:t>
                       </a:r>
                       <a:endParaRPr lang="en-GB" sz="550" u="none" strike="noStrike" kern="1200" dirty="0">
                         <a:solidFill>
@@ -11745,7 +13849,7 @@
                           <a:latin typeface="Arial" panose="020B0604020202020204" pitchFamily="34" charset="0"/>
                           <a:cs typeface="Arial" panose="020B0604020202020204" pitchFamily="34" charset="0"/>
                         </a:rPr>
-                        <a:t>Provides expert guidance, coaching, and leadership in   the adoption and implementation of Agile methods.</a:t>
+                        <a:t>Provides expert coaching, and leadership in the understanding, adoption and implementation of agile methods.</a:t>
                       </a:r>
                     </a:p>
                     <a:p>
@@ -11765,7 +13869,7 @@
                           <a:latin typeface="Arial" panose="020B0604020202020204" pitchFamily="34" charset="0"/>
                           <a:cs typeface="Arial" panose="020B0604020202020204" pitchFamily="34" charset="0"/>
                         </a:rPr>
-                        <a:t>Mentors and coaches other Agile Delivery Leads, sharing knowledge and expertise to enhance their skills.</a:t>
+                        <a:t>Coaches other Agile Practitioners, sharing knowledge and expertise in coaching practices to enhance their skills.</a:t>
                       </a:r>
                       <a:endParaRPr lang="en-GB" sz="550" u="none" strike="noStrike" kern="1200" dirty="0">
                         <a:solidFill>
@@ -11838,7 +13942,7 @@
                           <a:latin typeface="Arial" panose="020B0604020202020204" pitchFamily="34" charset="0"/>
                           <a:cs typeface="Arial" panose="020B0604020202020204" pitchFamily="34" charset="0"/>
                         </a:rPr>
-                        <a:t>Acts as an advocate for change, providing expert  coaching and mentorship to teams and stakeholders.</a:t>
+                        <a:t>Acts as an advocate for change, providing coaching the teams they support and stakeholders.</a:t>
                       </a:r>
                     </a:p>
                     <a:p>
@@ -11858,7 +13962,7 @@
                           <a:latin typeface="Arial" panose="020B0604020202020204" pitchFamily="34" charset="0"/>
                           <a:cs typeface="Arial" panose="020B0604020202020204" pitchFamily="34" charset="0"/>
                         </a:rPr>
-                        <a:t>Drives a culture of agility and innovation, fostering continuous improvement and delivering value to customers.</a:t>
+                        <a:t>Drives a culture of agility and innovation, fostering continuous improvement and delivering value to customers through their staff.</a:t>
                       </a:r>
                       <a:endParaRPr lang="en-GB" sz="550" u="none" strike="noStrike" kern="1200" dirty="0">
                         <a:solidFill>
@@ -12021,7 +14125,7 @@
                           <a:latin typeface="Arial" panose="020B0604020202020204" pitchFamily="34" charset="0"/>
                           <a:cs typeface="Arial" panose="020B0604020202020204" pitchFamily="34" charset="0"/>
                         </a:rPr>
-                        <a:t>Assists in organizing and coordinating Agile activities within the development team, contributing to a culture of collaboration and teamwork.</a:t>
+                        <a:t>Assists in organizing and coordinating agile activities within the development team, contributing to a culture of collaboration and teamwork.</a:t>
                       </a:r>
                     </a:p>
                     <a:p>
@@ -12041,7 +14145,7 @@
                           <a:latin typeface="Arial" panose="020B0604020202020204" pitchFamily="34" charset="0"/>
                           <a:cs typeface="Arial" panose="020B0604020202020204" pitchFamily="34" charset="0"/>
                         </a:rPr>
-                        <a:t>Facilitates Agile events and contributes to maintaining effective communication channels within the team.</a:t>
+                        <a:t>Facilitates agile events and contributes to maintaining effective communication channels within the team.</a:t>
                       </a:r>
                       <a:endParaRPr lang="en-GB" sz="550" u="none" strike="noStrike" kern="1200" dirty="0">
                         <a:solidFill>
@@ -12135,7 +14239,7 @@
                           <a:latin typeface="Arial" panose="020B0604020202020204" pitchFamily="34" charset="0"/>
                           <a:cs typeface="Arial" panose="020B0604020202020204" pitchFamily="34" charset="0"/>
                         </a:rPr>
-                        <a:t>Leads Agile events like daily syncs, sprint planning, and retrospectives to promote effective collaboration.</a:t>
+                        <a:t>Leads agile events like daily syncs, sprint planning, and retrospectives to promote effective collaboration.</a:t>
                       </a:r>
                       <a:endParaRPr lang="en-GB" sz="550" u="none" strike="noStrike" kern="1200" dirty="0">
                         <a:solidFill>
@@ -12323,7 +14427,7 @@
                           <a:latin typeface="Arial" panose="020B0604020202020204" pitchFamily="34" charset="0"/>
                           <a:cs typeface="Arial" panose="020B0604020202020204" pitchFamily="34" charset="0"/>
                         </a:rPr>
-                        <a:t>Facilitates the creation and nurturing of an Agile Delivery community of practice, fostering collaboration and       peer-to-peer learning.</a:t>
+                        <a:t>Facilitates the creation and nurturing of an Agile Community of Practice, fostering collaboration and       peer-to-peer learning.</a:t>
                       </a:r>
                       <a:endParaRPr lang="en-GB" sz="550" u="none" strike="noStrike" kern="1200" dirty="0">
                         <a:solidFill>
@@ -12581,7 +14685,7 @@
                           <a:latin typeface="Arial" panose="020B0604020202020204" pitchFamily="34" charset="0"/>
                           <a:cs typeface="Arial" panose="020B0604020202020204" pitchFamily="34" charset="0"/>
                         </a:rPr>
-                        <a:t>Takes part in training and learning opportunities related to Agile principles and methods, seeking mentorship to enhance learning and proficiency.</a:t>
+                        <a:t>Takes part in training and learning opportunities related to agile principles and methods, seeking mentorship to enhance learning and proficiency.</a:t>
                       </a:r>
                       <a:endParaRPr lang="en-GB" sz="550" u="none" strike="noStrike" kern="1200" dirty="0">
                         <a:solidFill>
@@ -12654,7 +14758,7 @@
                           <a:latin typeface="Arial" panose="020B0604020202020204" pitchFamily="34" charset="0"/>
                           <a:cs typeface="Arial" panose="020B0604020202020204" pitchFamily="34" charset="0"/>
                         </a:rPr>
-                        <a:t>Guides team members in learning Agile principles and practices, enabling them to develop competency and resourcefulness.</a:t>
+                        <a:t>Guides team members in learning agile principles and practices, enabling them to develop competency and resourcefulness.</a:t>
                       </a:r>
                     </a:p>
                     <a:p>
@@ -12747,7 +14851,7 @@
                           <a:latin typeface="Arial" panose="020B0604020202020204" pitchFamily="34" charset="0"/>
                           <a:cs typeface="Arial" panose="020B0604020202020204" pitchFamily="34" charset="0"/>
                         </a:rPr>
-                        <a:t>Mentors and develops Agile practitioners within the organization, providing training and coaching in Agile practices and techniques.</a:t>
+                        <a:t>Mentors and develops agile practitioners within the organization, providing training and coaching in agile practices and techniques.</a:t>
                       </a:r>
                     </a:p>
                     <a:p>
@@ -12840,7 +14944,7 @@
                           <a:latin typeface="Arial" panose="020B0604020202020204" pitchFamily="34" charset="0"/>
                           <a:cs typeface="Arial" panose="020B0604020202020204" pitchFamily="34" charset="0"/>
                         </a:rPr>
-                        <a:t>Empowers Agile teams to optimize their performance through mentorship, coaching, and skill development initiatives.</a:t>
+                        <a:t>Empowers agile teams to optimize their performance through mentorship, coaching, and skill development initiatives.</a:t>
                       </a:r>
                     </a:p>
                     <a:p>
@@ -12860,7 +14964,7 @@
                           <a:latin typeface="Arial" panose="020B0604020202020204" pitchFamily="34" charset="0"/>
                           <a:cs typeface="Arial" panose="020B0604020202020204" pitchFamily="34" charset="0"/>
                         </a:rPr>
-                        <a:t>Shares knowledge and expertise to enhance the team's capabilities and promote delivery excellence.</a:t>
+                        <a:t>Shares knowledge and expertise to enhance the team's capabilities and promote excellence in agile and agility. </a:t>
                       </a:r>
                       <a:endParaRPr lang="en-GB" sz="550" u="none" strike="noStrike" kern="1200" dirty="0">
                         <a:solidFill>
@@ -12933,7 +15037,7 @@
                           <a:latin typeface="Arial" panose="020B0604020202020204" pitchFamily="34" charset="0"/>
                           <a:cs typeface="Arial" panose="020B0604020202020204" pitchFamily="34" charset="0"/>
                         </a:rPr>
-                        <a:t>Supports the development of high-performing Agile  teams, providing guidance and resources to enhance  skills and competencies.</a:t>
+                        <a:t>Supports the development of high-performing agile  teams, providing guidance and resources to enhance  skills and competencies.</a:t>
                       </a:r>
                     </a:p>
                     <a:p>
@@ -13116,7 +15220,7 @@
                           <a:latin typeface="Arial" panose="020B0604020202020204" pitchFamily="34" charset="0"/>
                           <a:cs typeface="Arial" panose="020B0604020202020204" pitchFamily="34" charset="0"/>
                         </a:rPr>
-                        <a:t>Gains exposure to advising stakeholders on Agile principles and practices, contributing to the shared understanding of Agile values and benefits.</a:t>
+                        <a:t>Gains exposure to advising stakeholders on agile principles and practices, contributing to the shared understanding of agile values and benefits.</a:t>
                       </a:r>
                     </a:p>
                     <a:p>
@@ -13210,7 +15314,7 @@
                           <a:latin typeface="Arial" panose="020B0604020202020204" pitchFamily="34" charset="0"/>
                           <a:cs typeface="Arial" panose="020B0604020202020204" pitchFamily="34" charset="0"/>
                         </a:rPr>
-                        <a:t>Provides guidance and insights to stakeholders on the value of Agile methods and practices, helping them achieve sustainable success.</a:t>
+                        <a:t>Provides guidance and insights to stakeholders on the value of agile methods and practices, helping them achieve sustainable success.</a:t>
                       </a:r>
                     </a:p>
                     <a:p>
@@ -13230,7 +15334,7 @@
                           <a:latin typeface="Arial" panose="020B0604020202020204" pitchFamily="34" charset="0"/>
                           <a:cs typeface="Arial" panose="020B0604020202020204" pitchFamily="34" charset="0"/>
                         </a:rPr>
-                        <a:t>Shares experience and observations to guide clients toward a shared understanding of Agile principles and  their benefits.</a:t>
+                        <a:t>Shares experience and observations to guide clients toward a shared understanding of agile principles and  their benefits.</a:t>
                       </a:r>
                       <a:endParaRPr lang="en-GB" sz="550" u="none" strike="noStrike" kern="1200" dirty="0">
                         <a:solidFill>
@@ -13304,7 +15408,7 @@
                           <a:latin typeface="Arial" panose="020B0604020202020204" pitchFamily="34" charset="0"/>
                           <a:cs typeface="Arial" panose="020B0604020202020204" pitchFamily="34" charset="0"/>
                         </a:rPr>
-                        <a:t>Advises stakeholders on Agile transformation initiatives, guiding them toward a shared vision of organizational success.</a:t>
+                        <a:t>Advises stakeholders on agile transformation initiatives, guiding them toward a shared vision of organizational success.</a:t>
                       </a:r>
                     </a:p>
                     <a:p>
@@ -13398,7 +15502,7 @@
                           <a:latin typeface="Arial" panose="020B0604020202020204" pitchFamily="34" charset="0"/>
                           <a:cs typeface="Arial" panose="020B0604020202020204" pitchFamily="34" charset="0"/>
                         </a:rPr>
-                        <a:t>Guides organizational leaders in understanding the value of Agile methods and practices, helping them drive sustainable change.</a:t>
+                        <a:t>Guides organizational leaders in understanding the value of agile methods and practices, helping them drive sustainable change.</a:t>
                       </a:r>
                     </a:p>
                     <a:p>
@@ -13492,7 +15596,7 @@
                           <a:latin typeface="Arial" panose="020B0604020202020204" pitchFamily="34" charset="0"/>
                           <a:cs typeface="Arial" panose="020B0604020202020204" pitchFamily="34" charset="0"/>
                         </a:rPr>
-                        <a:t>Advises senior leadership on Agile adoption and transformation strategies, helping them understand the benefits and value of Agile methods.</a:t>
+                        <a:t>Advises senior leadership on agile adoption and transformation strategies, helping them understand the benefits and value of agile methods.</a:t>
                       </a:r>
                     </a:p>
                     <a:p>
@@ -13676,7 +15780,7 @@
                           <a:latin typeface="Arial" panose="020B0604020202020204" pitchFamily="34" charset="0"/>
                           <a:cs typeface="Arial" panose="020B0604020202020204" pitchFamily="34" charset="0"/>
                         </a:rPr>
-                        <a:t>Supports Agile Delivery management and contributes to the timely completion of initiative deliverables, gaining valuable experience in Agile leadership.</a:t>
+                        <a:t>Supports delivery management and contributes to the timely completion of initiative deliverables, gaining valuable experience in agile leadership.</a:t>
                       </a:r>
                     </a:p>
                     <a:p>
@@ -13696,7 +15800,7 @@
                           <a:latin typeface="Arial" panose="020B0604020202020204" pitchFamily="34" charset="0"/>
                           <a:cs typeface="Arial" panose="020B0604020202020204" pitchFamily="34" charset="0"/>
                         </a:rPr>
-                        <a:t>Takes part in professional development activities to enhance leadership skills and proficiency in Agile Delivery.</a:t>
+                        <a:t>Takes part in professional development activities to enhance leadership skills and proficiency in agile delivery.</a:t>
                       </a:r>
                       <a:endParaRPr lang="en-GB" sz="550" u="none" strike="noStrike" kern="1200" dirty="0">
                         <a:solidFill>
@@ -13769,7 +15873,7 @@
                           <a:latin typeface="Arial" panose="020B0604020202020204" pitchFamily="34" charset="0"/>
                           <a:cs typeface="Arial" panose="020B0604020202020204" pitchFamily="34" charset="0"/>
                         </a:rPr>
-                        <a:t>Leads Agile teams and drives successful initiative  delivery, inspiring others to embrace Agile principles.</a:t>
+                        <a:t>Leads agile teams and drives successful initiative  delivery, inspiring others to embrace agile principles.</a:t>
                       </a:r>
                     </a:p>
                     <a:p>
@@ -13862,7 +15966,7 @@
                           <a:latin typeface="Arial" panose="020B0604020202020204" pitchFamily="34" charset="0"/>
                           <a:cs typeface="Arial" panose="020B0604020202020204" pitchFamily="34" charset="0"/>
                         </a:rPr>
-                        <a:t>Leads organizational Agile transformation efforts,  fostering a culture of collaboration and continuous improvement.</a:t>
+                        <a:t>Leads organizational agile transformation efforts,  fostering a culture of collaboration and continuous improvement.</a:t>
                       </a:r>
                     </a:p>
                     <a:p>
@@ -13882,7 +15986,7 @@
                           <a:latin typeface="Arial" panose="020B0604020202020204" pitchFamily="34" charset="0"/>
                           <a:cs typeface="Arial" panose="020B0604020202020204" pitchFamily="34" charset="0"/>
                         </a:rPr>
-                        <a:t>Inspires Agile teams to achieve initiative goals and deliver value to customers.</a:t>
+                        <a:t>Inspires agile teams to achieve initiative goals and deliver value to customers.</a:t>
                       </a:r>
                       <a:endParaRPr lang="en-GB" sz="550" u="none" strike="noStrike" kern="1200" dirty="0">
                         <a:solidFill>
@@ -13955,7 +16059,7 @@
                           <a:latin typeface="Arial" panose="020B0604020202020204" pitchFamily="34" charset="0"/>
                           <a:cs typeface="Arial" panose="020B0604020202020204" pitchFamily="34" charset="0"/>
                         </a:rPr>
-                        <a:t>Leads the successful delivery of complex and transformative initiatives in an Agile environment.</a:t>
+                        <a:t>Leads the successful delivery of complex and transformative initiatives in an agile environment.</a:t>
                       </a:r>
                     </a:p>
                     <a:p>
@@ -13975,7 +16079,7 @@
                           <a:latin typeface="Arial" panose="020B0604020202020204" pitchFamily="34" charset="0"/>
                           <a:cs typeface="Arial" panose="020B0604020202020204" pitchFamily="34" charset="0"/>
                         </a:rPr>
-                        <a:t>Catalyzes growth and innovation, driving sustainable change across the organization.</a:t>
+                        <a:t>Catalyses growth and innovation, driving sustainable change across the organization.</a:t>
                       </a:r>
                       <a:endParaRPr lang="en-GB" sz="550" u="none" strike="noStrike" kern="1200" dirty="0">
                         <a:solidFill>
@@ -14048,7 +16152,7 @@
                           <a:latin typeface="Arial" panose="020B0604020202020204" pitchFamily="34" charset="0"/>
                           <a:cs typeface="Arial" panose="020B0604020202020204" pitchFamily="34" charset="0"/>
                         </a:rPr>
-                        <a:t>Leads Agile teams and portfolios, maximizing business outcomes and driving organizational change.</a:t>
+                        <a:t>Leads agile teams and portfolios, maximizing business outcomes and driving organizational change.</a:t>
                       </a:r>
                     </a:p>
                     <a:p>
@@ -14231,7 +16335,7 @@
                           <a:latin typeface="Arial" panose="020B0604020202020204" pitchFamily="34" charset="0"/>
                           <a:cs typeface="Arial" panose="020B0604020202020204" pitchFamily="34" charset="0"/>
                         </a:rPr>
-                        <a:t>Supports Agile transformation initiatives and contributes   to process improvement within the development team.</a:t>
+                        <a:t>Supports agile transformation initiatives and contributes   to process improvement within the development team.</a:t>
                       </a:r>
                     </a:p>
                     <a:p>
@@ -14325,7 +16429,7 @@
                           <a:latin typeface="Arial" panose="020B0604020202020204" pitchFamily="34" charset="0"/>
                           <a:cs typeface="Arial" panose="020B0604020202020204" pitchFamily="34" charset="0"/>
                         </a:rPr>
-                        <a:t>Drives Agile transformation initiatives, promoting a culture of continuous improvement and adaptability.</a:t>
+                        <a:t>Drives agile transformation initiatives, promoting a culture of continuous improvement and adaptability.</a:t>
                       </a:r>
                     </a:p>
                     <a:p>
@@ -14345,7 +16449,7 @@
                           <a:latin typeface="Arial" panose="020B0604020202020204" pitchFamily="34" charset="0"/>
                           <a:cs typeface="Arial" panose="020B0604020202020204" pitchFamily="34" charset="0"/>
                         </a:rPr>
-                        <a:t>Guides teams in implementing Agile methods and practices to drive organizational change.</a:t>
+                        <a:t>Guides teams in implementing agile methods and practices to drive organizational change.</a:t>
                       </a:r>
                       <a:endParaRPr lang="en-GB" sz="550" u="none" strike="noStrike" kern="1200" dirty="0">
                         <a:solidFill>
@@ -14419,7 +16523,7 @@
                           <a:latin typeface="Arial" panose="020B0604020202020204" pitchFamily="34" charset="0"/>
                           <a:cs typeface="Arial" panose="020B0604020202020204" pitchFamily="34" charset="0"/>
                         </a:rPr>
-                        <a:t>Drives Agile transformation at an organizational level, promoting Agile values and principles.</a:t>
+                        <a:t>Drives agile transformation at an organizational level, promoting agile values and principles.</a:t>
                       </a:r>
                     </a:p>
                     <a:p>
@@ -14513,7 +16617,7 @@
                           <a:latin typeface="Arial" panose="020B0604020202020204" pitchFamily="34" charset="0"/>
                           <a:cs typeface="Arial" panose="020B0604020202020204" pitchFamily="34" charset="0"/>
                         </a:rPr>
-                        <a:t>Leads organizational Agile transformation efforts, driving adoption and success.</a:t>
+                        <a:t>Leads organizational agile transformation efforts, driving adoption and success.</a:t>
                       </a:r>
                     </a:p>
                     <a:p>
@@ -14607,7 +16711,7 @@
                           <a:latin typeface="Arial" panose="020B0604020202020204" pitchFamily="34" charset="0"/>
                           <a:cs typeface="Arial" panose="020B0604020202020204" pitchFamily="34" charset="0"/>
                         </a:rPr>
-                        <a:t>Drives a culture of continuous improvement and innovation within Agile teams and across the organization.</a:t>
+                        <a:t>Drives a culture of continuous improvement and innovation within agile teams and across the organization.</a:t>
                       </a:r>
                     </a:p>
                     <a:p>
@@ -14703,7 +16807,7 @@
 </p:sld>
 </file>
 
-<file path=ppt/slides/slide15.xml><?xml version="1.0" encoding="utf-8"?>
+<file path=ppt/slides/slide16.xml><?xml version="1.0" encoding="utf-8"?>
 <p:sld xmlns:a="http://schemas.openxmlformats.org/drawingml/2006/main" xmlns:r="http://schemas.openxmlformats.org/officeDocument/2006/relationships" xmlns:p="http://schemas.openxmlformats.org/presentationml/2006/main">
   <p:cSld>
     <p:spTree>
@@ -14953,7 +17057,7 @@
                 <a:latin typeface="Arial" panose="020B0604020202020204" pitchFamily="34" charset="0"/>
                 <a:cs typeface="Arial" panose="020B0604020202020204" pitchFamily="34" charset="0"/>
               </a:rPr>
-              <a:t>Author: Tom Hoyland | Version 1.4</a:t>
+              <a:t>Author: Tom Hoyland | Version 1.5</a:t>
             </a:r>
           </a:p>
         </p:txBody>
@@ -15142,7 +17246,7 @@
             <a:pPr marL="0" indent="0">
               <a:buNone/>
             </a:pPr>
-            <a:endParaRPr lang="en-GB" sz="2000" dirty="0"/>
+            <a:endParaRPr lang="en-GB" sz="800" dirty="0"/>
           </a:p>
           <a:p>
             <a:pPr marL="0" indent="0">
@@ -15157,7 +17261,7 @@
             <a:pPr marL="0" indent="0">
               <a:buNone/>
             </a:pPr>
-            <a:endParaRPr lang="en-GB" sz="2000" dirty="0">
+            <a:endParaRPr lang="en-GB" sz="800" dirty="0">
               <a:hlinkClick r:id="rId2" action="ppaction://hlinksldjump"/>
             </a:endParaRPr>
           </a:p>
@@ -15279,7 +17383,7 @@
                 <a:latin typeface="Arial" panose="020B0604020202020204" pitchFamily="34" charset="0"/>
                 <a:cs typeface="Arial" panose="020B0604020202020204" pitchFamily="34" charset="0"/>
               </a:rPr>
-              <a:t>Author: Tom Hoyland | Version 1.4</a:t>
+              <a:t>Author: Tom Hoyland | Version 1.5</a:t>
             </a:r>
           </a:p>
         </p:txBody>
@@ -15467,14 +17571,14 @@
             </a:pPr>
             <a:r>
               <a:rPr lang="en-GB" sz="2000" dirty="0"/>
-              <a:t>Generic Inc. consists of multiple divisions with agile delivery colleagues distributed throughout. Within each division, the Agile Practitioner career path is standardised and includes multiple levels, allowing colleagues to either deepen their expertise or expand their scope through people management responsibilities.</a:t>
+              <a:t>Generic Inc. consists of multiple divisions with agile delivery colleagues distributed throughout. Within each division, the Agile Practitioner career path is standardised and includes multiple levels, enabling colleagues to deepen their expertise or broaden their scope through people management responsibilities.</a:t>
             </a:r>
           </a:p>
           <a:p>
             <a:pPr marL="0" indent="0">
               <a:buNone/>
             </a:pPr>
-            <a:endParaRPr lang="en-GB" sz="2000" dirty="0"/>
+            <a:endParaRPr lang="en-GB" sz="800" dirty="0"/>
           </a:p>
           <a:p>
             <a:pPr marL="0" indent="0">
@@ -15482,14 +17586,14 @@
             </a:pPr>
             <a:r>
               <a:rPr lang="en-GB" sz="2000" dirty="0"/>
-              <a:t>Colleagues may enter at different levels depending on their experience, with pathways available to advance in practice or transition into people management and leadership.</a:t>
+              <a:t>Colleagues can join at different levels based on their experience, with pathways to advance their practice or transition into people management and leadership roles.</a:t>
             </a:r>
           </a:p>
           <a:p>
             <a:pPr marL="0" indent="0">
               <a:buNone/>
             </a:pPr>
-            <a:endParaRPr lang="en-GB" sz="2000" dirty="0"/>
+            <a:endParaRPr lang="en-GB" sz="800" dirty="0"/>
           </a:p>
           <a:p>
             <a:pPr marL="0" indent="0">
@@ -15497,7 +17601,22 @@
             </a:pPr>
             <a:r>
               <a:rPr lang="en-GB" sz="2000" dirty="0"/>
-              <a:t>Each division is typically led by a Head of Practice, who oversees the development of both Practitioners and People Managers, ensuring alignment across teams and maintaining a high standard of agile delivery. </a:t>
+              <a:t>Each division is typically led by a Head of Practice, who oversees the growth and development of both Practitioners and People Managers, ensuring alignment across teams and maintaining a high standard of agile practice and delivery.</a:t>
+            </a:r>
+          </a:p>
+          <a:p>
+            <a:pPr marL="0" indent="0">
+              <a:buNone/>
+            </a:pPr>
+            <a:endParaRPr lang="en-GB" sz="800" dirty="0"/>
+          </a:p>
+          <a:p>
+            <a:pPr marL="0" indent="0">
+              <a:buNone/>
+            </a:pPr>
+            <a:r>
+              <a:rPr lang="en-GB" sz="1500" dirty="0"/>
+              <a:t>ℹ️ Note: The term ‘Agile Practitioner’ is used here as a role term, similar to Individual Contributor, and should not be confused with the ‘Agile/Lean Practitioner’ stance as defined in the Agile Coaching Growth Wheel.</a:t>
             </a:r>
           </a:p>
         </p:txBody>
@@ -15591,7 +17710,7 @@
                 <a:latin typeface="Arial" panose="020B0604020202020204" pitchFamily="34" charset="0"/>
                 <a:cs typeface="Arial" panose="020B0604020202020204" pitchFamily="34" charset="0"/>
               </a:rPr>
-              <a:t>Author: Tom Hoyland | Version 1.4</a:t>
+              <a:t>Author: Tom Hoyland | Version 1.5</a:t>
             </a:r>
           </a:p>
         </p:txBody>
@@ -15924,7 +18043,7 @@
                 <a:latin typeface="Arial" panose="020B0604020202020204" pitchFamily="34" charset="0"/>
                 <a:cs typeface="Arial" panose="020B0604020202020204" pitchFamily="34" charset="0"/>
               </a:rPr>
-              <a:t>Author: Tom Hoyland | Version 1.4</a:t>
+              <a:t>Author: Tom Hoyland | Version 1.5</a:t>
             </a:r>
           </a:p>
         </p:txBody>
@@ -16117,22 +18236,32 @@
           </a:p>
           <a:p>
             <a:r>
-              <a:rPr lang="en-GB" sz="1800" b="1" dirty="0"/>
+              <a:rPr lang="en-GB" sz="1600" b="1" dirty="0"/>
               <a:t>Practice-Focused Path</a:t>
             </a:r>
             <a:r>
-              <a:rPr lang="en-GB" sz="1800" dirty="0"/>
+              <a:rPr lang="en-GB" sz="1600" dirty="0"/>
               <a:t>: Practitioners focused on deepening expertise can progress towards the Principal Agile Practitioner level, leading high-impact initiatives and influencing strategic decisions.</a:t>
             </a:r>
           </a:p>
           <a:p>
             <a:r>
-              <a:rPr lang="en-GB" sz="1800" b="1" dirty="0"/>
+              <a:rPr lang="en-GB" sz="1600" b="1" dirty="0"/>
               <a:t>People Management Path: </a:t>
             </a:r>
             <a:r>
-              <a:rPr lang="en-GB" sz="1800" dirty="0"/>
+              <a:rPr lang="en-GB" sz="1600" dirty="0"/>
               <a:t>Practitioners interested in leadership can transition to the Agile Practitioner People Manager role, with opportunities to manage teams, ultimately progressing towards the Head of Practice role.</a:t>
+            </a:r>
+          </a:p>
+          <a:p>
+            <a:r>
+              <a:rPr lang="en-GB" sz="1600" b="1" dirty="0"/>
+              <a:t>it's Not Linear: </a:t>
+            </a:r>
+            <a:r>
+              <a:rPr lang="en-GB" sz="1600" dirty="0"/>
+              <a:t>Practitioners can move between roles as their goals evolve. A Principal Agile Practitioner can transition into People Management, and vice versa, to align their career with their growth and aspirations.</a:t>
             </a:r>
           </a:p>
         </p:txBody>
@@ -16226,7 +18355,7 @@
                 <a:latin typeface="Arial" panose="020B0604020202020204" pitchFamily="34" charset="0"/>
                 <a:cs typeface="Arial" panose="020B0604020202020204" pitchFamily="34" charset="0"/>
               </a:rPr>
-              <a:t>Author: Tom Hoyland | Version 1.4</a:t>
+              <a:t>Author: Tom Hoyland | Version 1.5</a:t>
             </a:r>
           </a:p>
         </p:txBody>
@@ -16322,10 +18451,10 @@
       </p:sp>
       <p:sp>
         <p:nvSpPr>
-          <p:cNvPr id="4" name="Rectangle 3">
-            <a:extLst>
-              <a:ext uri="{FF2B5EF4-FFF2-40B4-BE49-F238E27FC236}">
-                <a16:creationId xmlns:a16="http://schemas.microsoft.com/office/drawing/2014/main" id="{B37D792C-14B2-93DA-D5A2-83691EB931D2}"/>
+          <p:cNvPr id="36" name="Rectangle 35">
+            <a:extLst>
+              <a:ext uri="{FF2B5EF4-FFF2-40B4-BE49-F238E27FC236}">
+                <a16:creationId xmlns:a16="http://schemas.microsoft.com/office/drawing/2014/main" id="{38C40A25-B819-F832-64F7-931F67FEF3BE}"/>
               </a:ext>
             </a:extLst>
           </p:cNvPr>
@@ -16334,7 +18463,7 @@
         </p:nvSpPr>
         <p:spPr>
           <a:xfrm>
-            <a:off x="1134533" y="4344800"/>
+            <a:off x="1187341" y="4874932"/>
             <a:ext cx="1507067" cy="765439"/>
           </a:xfrm>
           <a:prstGeom prst="rect">
@@ -16381,10 +18510,10 @@
       </p:sp>
       <p:sp>
         <p:nvSpPr>
-          <p:cNvPr id="5" name="Rectangle 4">
-            <a:extLst>
-              <a:ext uri="{FF2B5EF4-FFF2-40B4-BE49-F238E27FC236}">
-                <a16:creationId xmlns:a16="http://schemas.microsoft.com/office/drawing/2014/main" id="{8BC1C645-9DFD-71AE-D726-2D28001C736D}"/>
+          <p:cNvPr id="37" name="Rectangle 36">
+            <a:extLst>
+              <a:ext uri="{FF2B5EF4-FFF2-40B4-BE49-F238E27FC236}">
+                <a16:creationId xmlns:a16="http://schemas.microsoft.com/office/drawing/2014/main" id="{83462C28-FAD0-6693-F841-F92909B3F3B1}"/>
               </a:ext>
             </a:extLst>
           </p:cNvPr>
@@ -16393,7 +18522,7 @@
         </p:nvSpPr>
         <p:spPr>
           <a:xfrm>
-            <a:off x="3234267" y="4344800"/>
+            <a:off x="3287075" y="4874932"/>
             <a:ext cx="1507067" cy="765439"/>
           </a:xfrm>
           <a:prstGeom prst="rect">
@@ -16440,10 +18569,10 @@
       </p:sp>
       <p:sp>
         <p:nvSpPr>
-          <p:cNvPr id="10" name="Rectangle 9">
-            <a:extLst>
-              <a:ext uri="{FF2B5EF4-FFF2-40B4-BE49-F238E27FC236}">
-                <a16:creationId xmlns:a16="http://schemas.microsoft.com/office/drawing/2014/main" id="{97516A5A-D072-AE43-E41A-FA36C9197F27}"/>
+          <p:cNvPr id="38" name="Rectangle 37">
+            <a:extLst>
+              <a:ext uri="{FF2B5EF4-FFF2-40B4-BE49-F238E27FC236}">
+                <a16:creationId xmlns:a16="http://schemas.microsoft.com/office/drawing/2014/main" id="{8A3FB535-ABB3-E730-3811-CA8B46435F12}"/>
               </a:ext>
             </a:extLst>
           </p:cNvPr>
@@ -16452,7 +18581,7 @@
         </p:nvSpPr>
         <p:spPr>
           <a:xfrm>
-            <a:off x="5334001" y="4344800"/>
+            <a:off x="5386809" y="4874932"/>
             <a:ext cx="1507067" cy="765439"/>
           </a:xfrm>
           <a:prstGeom prst="rect">
@@ -16499,10 +18628,10 @@
       </p:sp>
       <p:sp>
         <p:nvSpPr>
-          <p:cNvPr id="11" name="Rectangle 10">
-            <a:extLst>
-              <a:ext uri="{FF2B5EF4-FFF2-40B4-BE49-F238E27FC236}">
-                <a16:creationId xmlns:a16="http://schemas.microsoft.com/office/drawing/2014/main" id="{DB6A7EE8-BBC5-7942-AD83-74707C9B478E}"/>
+          <p:cNvPr id="39" name="Rectangle 38">
+            <a:extLst>
+              <a:ext uri="{FF2B5EF4-FFF2-40B4-BE49-F238E27FC236}">
+                <a16:creationId xmlns:a16="http://schemas.microsoft.com/office/drawing/2014/main" id="{2F8B70E2-8F3B-4755-483A-B1B1996B70B4}"/>
               </a:ext>
             </a:extLst>
           </p:cNvPr>
@@ -16511,7 +18640,7 @@
         </p:nvSpPr>
         <p:spPr>
           <a:xfrm>
-            <a:off x="7433734" y="4797360"/>
+            <a:off x="7486541" y="5473271"/>
             <a:ext cx="1507067" cy="765439"/>
           </a:xfrm>
           <a:prstGeom prst="rect">
@@ -16558,10 +18687,10 @@
       </p:sp>
       <p:sp>
         <p:nvSpPr>
-          <p:cNvPr id="12" name="Rectangle 11">
-            <a:extLst>
-              <a:ext uri="{FF2B5EF4-FFF2-40B4-BE49-F238E27FC236}">
-                <a16:creationId xmlns:a16="http://schemas.microsoft.com/office/drawing/2014/main" id="{620E5AFC-F87B-3F0B-4F2E-4706F99B69E7}"/>
+          <p:cNvPr id="40" name="Rectangle 39">
+            <a:extLst>
+              <a:ext uri="{FF2B5EF4-FFF2-40B4-BE49-F238E27FC236}">
+                <a16:creationId xmlns:a16="http://schemas.microsoft.com/office/drawing/2014/main" id="{15CE9CE1-D8AC-665A-652C-58715B3353A6}"/>
               </a:ext>
             </a:extLst>
           </p:cNvPr>
@@ -16570,7 +18699,7 @@
         </p:nvSpPr>
         <p:spPr>
           <a:xfrm>
-            <a:off x="7433734" y="3815616"/>
+            <a:off x="7486540" y="4276594"/>
             <a:ext cx="1507067" cy="765439"/>
           </a:xfrm>
           <a:prstGeom prst="rect">
@@ -16617,10 +18746,10 @@
       </p:sp>
       <p:sp>
         <p:nvSpPr>
-          <p:cNvPr id="13" name="Rectangle 12">
-            <a:extLst>
-              <a:ext uri="{FF2B5EF4-FFF2-40B4-BE49-F238E27FC236}">
-                <a16:creationId xmlns:a16="http://schemas.microsoft.com/office/drawing/2014/main" id="{AB8928E8-1DC0-CC44-D1C0-C6312EB5DB27}"/>
+          <p:cNvPr id="41" name="Rectangle 40">
+            <a:extLst>
+              <a:ext uri="{FF2B5EF4-FFF2-40B4-BE49-F238E27FC236}">
+                <a16:creationId xmlns:a16="http://schemas.microsoft.com/office/drawing/2014/main" id="{C88A87A6-33B6-14D0-D9CA-3C6B85FFE136}"/>
               </a:ext>
             </a:extLst>
           </p:cNvPr>
@@ -16629,7 +18758,7 @@
         </p:nvSpPr>
         <p:spPr>
           <a:xfrm>
-            <a:off x="9533469" y="4355500"/>
+            <a:off x="9586277" y="4885632"/>
             <a:ext cx="1507067" cy="765439"/>
           </a:xfrm>
           <a:prstGeom prst="rect">
@@ -16676,22 +18805,22 @@
       </p:sp>
       <p:cxnSp>
         <p:nvCxnSpPr>
-          <p:cNvPr id="14" name="Straight Arrow Connector 13">
-            <a:extLst>
-              <a:ext uri="{FF2B5EF4-FFF2-40B4-BE49-F238E27FC236}">
-                <a16:creationId xmlns:a16="http://schemas.microsoft.com/office/drawing/2014/main" id="{57756F3C-9C99-560A-C8EA-DE7B6FC73883}"/>
+          <p:cNvPr id="42" name="Straight Arrow Connector 41">
+            <a:extLst>
+              <a:ext uri="{FF2B5EF4-FFF2-40B4-BE49-F238E27FC236}">
+                <a16:creationId xmlns:a16="http://schemas.microsoft.com/office/drawing/2014/main" id="{4B5362C0-52B7-3576-35FF-006802500FC8}"/>
               </a:ext>
             </a:extLst>
           </p:cNvPr>
           <p:cNvCxnSpPr>
-            <a:stCxn id="4" idx="3"/>
-            <a:endCxn id="5" idx="1"/>
+            <a:stCxn id="36" idx="3"/>
+            <a:endCxn id="37" idx="1"/>
           </p:cNvCxnSpPr>
           <p:nvPr/>
         </p:nvCxnSpPr>
         <p:spPr>
           <a:xfrm>
-            <a:off x="2641600" y="4727520"/>
+            <a:off x="2694408" y="5257652"/>
             <a:ext cx="592667" cy="0"/>
           </a:xfrm>
           <a:prstGeom prst="straightConnector1">
@@ -16721,22 +18850,22 @@
       </p:cxnSp>
       <p:cxnSp>
         <p:nvCxnSpPr>
-          <p:cNvPr id="15" name="Straight Arrow Connector 14">
-            <a:extLst>
-              <a:ext uri="{FF2B5EF4-FFF2-40B4-BE49-F238E27FC236}">
-                <a16:creationId xmlns:a16="http://schemas.microsoft.com/office/drawing/2014/main" id="{3EAB4E48-7542-EB8B-A210-53D3E9BA1E5F}"/>
+          <p:cNvPr id="43" name="Straight Arrow Connector 42">
+            <a:extLst>
+              <a:ext uri="{FF2B5EF4-FFF2-40B4-BE49-F238E27FC236}">
+                <a16:creationId xmlns:a16="http://schemas.microsoft.com/office/drawing/2014/main" id="{FE509718-15C6-58D3-617D-B0B4C2374EE7}"/>
               </a:ext>
             </a:extLst>
           </p:cNvPr>
           <p:cNvCxnSpPr>
-            <a:stCxn id="5" idx="3"/>
-            <a:endCxn id="10" idx="1"/>
+            <a:stCxn id="37" idx="3"/>
+            <a:endCxn id="38" idx="1"/>
           </p:cNvCxnSpPr>
           <p:nvPr/>
         </p:nvCxnSpPr>
         <p:spPr>
           <a:xfrm>
-            <a:off x="4741334" y="4727520"/>
+            <a:off x="4794142" y="5257652"/>
             <a:ext cx="592667" cy="0"/>
           </a:xfrm>
           <a:prstGeom prst="straightConnector1">
@@ -16766,24 +18895,24 @@
       </p:cxnSp>
       <p:cxnSp>
         <p:nvCxnSpPr>
-          <p:cNvPr id="16" name="Curved Connector 15">
-            <a:extLst>
-              <a:ext uri="{FF2B5EF4-FFF2-40B4-BE49-F238E27FC236}">
-                <a16:creationId xmlns:a16="http://schemas.microsoft.com/office/drawing/2014/main" id="{F4A0A698-9BA9-32F1-C95A-72498B6C69F7}"/>
+          <p:cNvPr id="44" name="Curved Connector 43">
+            <a:extLst>
+              <a:ext uri="{FF2B5EF4-FFF2-40B4-BE49-F238E27FC236}">
+                <a16:creationId xmlns:a16="http://schemas.microsoft.com/office/drawing/2014/main" id="{C7A7B0AC-88EB-368B-DE7E-E09FA529877E}"/>
               </a:ext>
             </a:extLst>
           </p:cNvPr>
           <p:cNvCxnSpPr>
             <a:cxnSpLocks/>
-            <a:stCxn id="10" idx="3"/>
-            <a:endCxn id="12" idx="1"/>
+            <a:stCxn id="38" idx="3"/>
+            <a:endCxn id="40" idx="1"/>
           </p:cNvCxnSpPr>
           <p:nvPr/>
         </p:nvCxnSpPr>
         <p:spPr>
           <a:xfrm flipV="1">
-            <a:off x="6841068" y="4198336"/>
-            <a:ext cx="592666" cy="529184"/>
+            <a:off x="6893876" y="4659314"/>
+            <a:ext cx="592664" cy="598338"/>
           </a:xfrm>
           <a:prstGeom prst="curvedConnector3">
             <a:avLst>
@@ -16814,24 +18943,24 @@
       </p:cxnSp>
       <p:cxnSp>
         <p:nvCxnSpPr>
-          <p:cNvPr id="17" name="Curved Connector 16">
-            <a:extLst>
-              <a:ext uri="{FF2B5EF4-FFF2-40B4-BE49-F238E27FC236}">
-                <a16:creationId xmlns:a16="http://schemas.microsoft.com/office/drawing/2014/main" id="{DF651272-122A-BBD6-6F71-BE276C2394A8}"/>
+          <p:cNvPr id="45" name="Curved Connector 44">
+            <a:extLst>
+              <a:ext uri="{FF2B5EF4-FFF2-40B4-BE49-F238E27FC236}">
+                <a16:creationId xmlns:a16="http://schemas.microsoft.com/office/drawing/2014/main" id="{43064B91-DC82-3F9B-77DF-7A207DF75A00}"/>
               </a:ext>
             </a:extLst>
           </p:cNvPr>
           <p:cNvCxnSpPr>
             <a:cxnSpLocks/>
-            <a:stCxn id="10" idx="3"/>
-            <a:endCxn id="11" idx="1"/>
+            <a:stCxn id="38" idx="3"/>
+            <a:endCxn id="39" idx="1"/>
           </p:cNvCxnSpPr>
           <p:nvPr/>
         </p:nvCxnSpPr>
         <p:spPr>
           <a:xfrm>
-            <a:off x="6841068" y="4727520"/>
-            <a:ext cx="592666" cy="452560"/>
+            <a:off x="6893876" y="5257652"/>
+            <a:ext cx="592665" cy="598339"/>
           </a:xfrm>
           <a:prstGeom prst="curvedConnector3">
             <a:avLst>
@@ -16862,24 +18991,24 @@
       </p:cxnSp>
       <p:cxnSp>
         <p:nvCxnSpPr>
-          <p:cNvPr id="18" name="Curved Connector 17">
-            <a:extLst>
-              <a:ext uri="{FF2B5EF4-FFF2-40B4-BE49-F238E27FC236}">
-                <a16:creationId xmlns:a16="http://schemas.microsoft.com/office/drawing/2014/main" id="{6B929966-46E1-28C5-2948-C4F3C2861DC6}"/>
+          <p:cNvPr id="46" name="Curved Connector 45">
+            <a:extLst>
+              <a:ext uri="{FF2B5EF4-FFF2-40B4-BE49-F238E27FC236}">
+                <a16:creationId xmlns:a16="http://schemas.microsoft.com/office/drawing/2014/main" id="{7C1F0BBE-B1C6-26EA-ED7E-6BF3520566A5}"/>
               </a:ext>
             </a:extLst>
           </p:cNvPr>
           <p:cNvCxnSpPr>
             <a:cxnSpLocks/>
-            <a:stCxn id="12" idx="3"/>
-            <a:endCxn id="13" idx="1"/>
+            <a:stCxn id="40" idx="3"/>
+            <a:endCxn id="41" idx="1"/>
           </p:cNvCxnSpPr>
           <p:nvPr/>
         </p:nvCxnSpPr>
         <p:spPr>
           <a:xfrm>
-            <a:off x="8940801" y="4198336"/>
-            <a:ext cx="592668" cy="539884"/>
+            <a:off x="8993607" y="4659314"/>
+            <a:ext cx="592670" cy="609038"/>
           </a:xfrm>
           <a:prstGeom prst="curvedConnector3">
             <a:avLst>
@@ -16910,24 +19039,24 @@
       </p:cxnSp>
       <p:cxnSp>
         <p:nvCxnSpPr>
-          <p:cNvPr id="19" name="Curved Connector 18">
-            <a:extLst>
-              <a:ext uri="{FF2B5EF4-FFF2-40B4-BE49-F238E27FC236}">
-                <a16:creationId xmlns:a16="http://schemas.microsoft.com/office/drawing/2014/main" id="{7E13C2A8-6F40-14B9-37FC-4C77BB6B7907}"/>
+          <p:cNvPr id="47" name="Curved Connector 46">
+            <a:extLst>
+              <a:ext uri="{FF2B5EF4-FFF2-40B4-BE49-F238E27FC236}">
+                <a16:creationId xmlns:a16="http://schemas.microsoft.com/office/drawing/2014/main" id="{B345154E-F9D7-9422-B6AD-4F02E2EFD9A7}"/>
               </a:ext>
             </a:extLst>
           </p:cNvPr>
           <p:cNvCxnSpPr>
             <a:cxnSpLocks/>
-            <a:stCxn id="11" idx="3"/>
-            <a:endCxn id="13" idx="1"/>
+            <a:stCxn id="39" idx="3"/>
+            <a:endCxn id="41" idx="1"/>
           </p:cNvCxnSpPr>
           <p:nvPr/>
         </p:nvCxnSpPr>
         <p:spPr>
           <a:xfrm flipV="1">
-            <a:off x="8940801" y="4738220"/>
-            <a:ext cx="592668" cy="441860"/>
+            <a:off x="8993608" y="5268352"/>
+            <a:ext cx="592669" cy="587639"/>
           </a:xfrm>
           <a:prstGeom prst="curvedConnector3">
             <a:avLst>
@@ -16939,6 +19068,53 @@
               <a:schemeClr val="tx1"/>
             </a:solidFill>
             <a:tailEnd type="triangle"/>
+          </a:ln>
+        </p:spPr>
+        <p:style>
+          <a:lnRef idx="2">
+            <a:schemeClr val="accent1"/>
+          </a:lnRef>
+          <a:fillRef idx="0">
+            <a:schemeClr val="accent1"/>
+          </a:fillRef>
+          <a:effectRef idx="1">
+            <a:schemeClr val="accent1"/>
+          </a:effectRef>
+          <a:fontRef idx="minor">
+            <a:schemeClr val="tx1"/>
+          </a:fontRef>
+        </p:style>
+      </p:cxnSp>
+      <p:cxnSp>
+        <p:nvCxnSpPr>
+          <p:cNvPr id="50" name="Straight Arrow Connector 49">
+            <a:extLst>
+              <a:ext uri="{FF2B5EF4-FFF2-40B4-BE49-F238E27FC236}">
+                <a16:creationId xmlns:a16="http://schemas.microsoft.com/office/drawing/2014/main" id="{2EE2F42A-83E2-0510-E497-7491D0746DBA}"/>
+              </a:ext>
+            </a:extLst>
+          </p:cNvPr>
+          <p:cNvCxnSpPr>
+            <a:cxnSpLocks/>
+            <a:stCxn id="39" idx="0"/>
+            <a:endCxn id="40" idx="2"/>
+          </p:cNvCxnSpPr>
+          <p:nvPr/>
+        </p:nvCxnSpPr>
+        <p:spPr>
+          <a:xfrm flipH="1" flipV="1">
+            <a:off x="8240074" y="5042033"/>
+            <a:ext cx="1" cy="431238"/>
+          </a:xfrm>
+          <a:prstGeom prst="straightConnector1">
+            <a:avLst/>
+          </a:prstGeom>
+          <a:ln w="38100">
+            <a:solidFill>
+              <a:schemeClr val="tx1"/>
+            </a:solidFill>
+            <a:headEnd type="triangle" w="med" len="med"/>
+            <a:tailEnd type="triangle" w="med" len="med"/>
           </a:ln>
         </p:spPr>
         <p:style>
@@ -17011,7 +19187,7 @@
           <a:p>
             <a:r>
               <a:rPr lang="en-GB" b="1" dirty="0"/>
-              <a:t>3.1. Background - The Challenge</a:t>
+              <a:t>3.1. Background - Common Questions</a:t>
             </a:r>
           </a:p>
         </p:txBody>
@@ -17073,7 +19249,7 @@
           <a:p>
             <a:r>
               <a:rPr lang="en-GB" sz="1800" i="1" dirty="0"/>
-              <a:t>"I’m currently in Role X but want to move toward Role Y. What should I develop to help me get there?”</a:t>
+              <a:t>"I’m currently in Role X but want to move toward Role Y. What could I develop to help me get there?”</a:t>
             </a:r>
           </a:p>
           <a:p>
@@ -17203,7 +19379,7 @@
                 <a:latin typeface="Arial" panose="020B0604020202020204" pitchFamily="34" charset="0"/>
                 <a:cs typeface="Arial" panose="020B0604020202020204" pitchFamily="34" charset="0"/>
               </a:rPr>
-              <a:t>Author: Tom Hoyland | Version 1.4</a:t>
+              <a:t>Author: Tom Hoyland | Version 1.5</a:t>
             </a:r>
           </a:p>
         </p:txBody>
@@ -17352,7 +19528,7 @@
           <a:p>
             <a:r>
               <a:rPr lang="en-GB" b="1" dirty="0"/>
-              <a:t>3.2. Background - Capabilities and Context</a:t>
+              <a:t>3.2. Background – What’s Changed</a:t>
             </a:r>
           </a:p>
         </p:txBody>
@@ -17665,13 +19841,21 @@
             </a:r>
             <a:r>
               <a:rPr lang="en-GB" sz="1500" dirty="0"/>
-              <a:t> – Practitioners pair to transfer skills, share knowledge, and build resilience.</a:t>
+              <a:t> – Practitioners pair to transfer skills, share knowledge, and build resilience by leveraging the expertise of the community and colleagues to create learning experiences.</a:t>
             </a:r>
           </a:p>
           <a:p>
             <a:r>
               <a:rPr lang="en-GB" sz="1500" b="1" dirty="0"/>
-              <a:t>Find a Facilitator – </a:t>
+              <a:t>Find a Facilitator </a:t>
+            </a:r>
+            <a:r>
+              <a:rPr lang="en-GB" sz="1500" dirty="0"/>
+              <a:t>–</a:t>
+            </a:r>
+            <a:r>
+              <a:rPr lang="en-GB" sz="1500" b="1" dirty="0"/>
+              <a:t> </a:t>
             </a:r>
             <a:r>
               <a:rPr lang="en-GB" sz="1500" dirty="0"/>
@@ -17795,7 +19979,7 @@
                 <a:latin typeface="Arial" panose="020B0604020202020204" pitchFamily="34" charset="0"/>
                 <a:cs typeface="Arial" panose="020B0604020202020204" pitchFamily="34" charset="0"/>
               </a:rPr>
-              <a:t>Author: Tom Hoyland | Version 1.4</a:t>
+              <a:t>Author: Tom Hoyland | Version 1.5</a:t>
             </a:r>
           </a:p>
         </p:txBody>
@@ -17907,7 +20091,13 @@
   <p:cSld>
     <p:spTree>
       <p:nvGrpSpPr>
-        <p:cNvPr id="1" name=""/>
+        <p:cNvPr id="1" name="">
+          <a:extLst>
+            <a:ext uri="{FF2B5EF4-FFF2-40B4-BE49-F238E27FC236}">
+              <a16:creationId xmlns:a16="http://schemas.microsoft.com/office/drawing/2014/main" id="{F0F4E5B6-7250-6389-C07A-BBE50313842C}"/>
+            </a:ext>
+          </a:extLst>
+        </p:cNvPr>
         <p:cNvGrpSpPr/>
         <p:nvPr/>
       </p:nvGrpSpPr>
@@ -17924,7 +20114,7 @@
           <p:cNvPr id="2" name="Title 1">
             <a:extLst>
               <a:ext uri="{FF2B5EF4-FFF2-40B4-BE49-F238E27FC236}">
-                <a16:creationId xmlns:a16="http://schemas.microsoft.com/office/drawing/2014/main" id="{60114F5B-200D-5E80-5596-D97099667249}"/>
+                <a16:creationId xmlns:a16="http://schemas.microsoft.com/office/drawing/2014/main" id="{2B56E31A-ECC6-C837-E90D-168A440EBCC2}"/>
               </a:ext>
             </a:extLst>
           </p:cNvPr>
@@ -17944,80 +20134,17 @@
           <a:p>
             <a:r>
               <a:rPr lang="en-GB" b="1" dirty="0"/>
-              <a:t>3.3. Background - The Opportunity</a:t>
+              <a:t>3.3. Background – Capability Development</a:t>
             </a:r>
           </a:p>
         </p:txBody>
       </p:sp>
       <p:sp>
         <p:nvSpPr>
-          <p:cNvPr id="3" name="Content Placeholder 2">
-            <a:extLst>
-              <a:ext uri="{FF2B5EF4-FFF2-40B4-BE49-F238E27FC236}">
-                <a16:creationId xmlns:a16="http://schemas.microsoft.com/office/drawing/2014/main" id="{DAE4660F-2C15-FE9B-AFC3-60290F1CFBED}"/>
-              </a:ext>
-            </a:extLst>
-          </p:cNvPr>
-          <p:cNvSpPr>
-            <a:spLocks noGrp="1"/>
-          </p:cNvSpPr>
-          <p:nvPr>
-            <p:ph idx="1"/>
-          </p:nvPr>
-        </p:nvSpPr>
-        <p:spPr/>
-        <p:txBody>
-          <a:bodyPr vert="horz" lIns="91440" tIns="45720" rIns="91440" bIns="45720" rtlCol="0" anchor="t">
-            <a:noAutofit/>
-          </a:bodyPr>
-          <a:lstStyle/>
-          <a:p>
-            <a:pPr marL="0" indent="0">
-              <a:buNone/>
-            </a:pPr>
-            <a:r>
-              <a:rPr lang="en-GB" sz="2000" dirty="0"/>
-              <a:t>Wouldn’t it be beneficial if Agile Practitioners and Agile Practitioner People Managers had a straightforward way to understand their current position, envision their next steps, and access a clear pathway for growth?</a:t>
-            </a:r>
-          </a:p>
-          <a:p>
-            <a:pPr marL="0" indent="0">
-              <a:buNone/>
-            </a:pPr>
-            <a:endParaRPr lang="en-GB" sz="2000" dirty="0"/>
-          </a:p>
-          <a:p>
-            <a:pPr marL="0" indent="0">
-              <a:buNone/>
-            </a:pPr>
-            <a:r>
-              <a:rPr lang="en-GB" sz="2000" b="1" dirty="0"/>
-              <a:t>The next slide compiles existing templates, tools, and resources into one central place – introducing the “Agile Growth Pathway.”</a:t>
-            </a:r>
-          </a:p>
-          <a:p>
-            <a:pPr marL="0" indent="0">
-              <a:buNone/>
-            </a:pPr>
-            <a:endParaRPr lang="en-GB" sz="2000" dirty="0"/>
-          </a:p>
-          <a:p>
-            <a:pPr marL="0" indent="0">
-              <a:buNone/>
-            </a:pPr>
-            <a:r>
-              <a:rPr lang="en-GB" sz="1500" dirty="0"/>
-              <a:t>⚠️ Note: This pathway is designed to equip practitioners with transferable skills across various contexts and organisations. Collaborate with your line manager to align it with your role and team context.</a:t>
-            </a:r>
-          </a:p>
-        </p:txBody>
-      </p:sp>
-      <p:sp>
-        <p:nvSpPr>
-          <p:cNvPr id="11" name="Rectangle 10">
-            <a:extLst>
-              <a:ext uri="{FF2B5EF4-FFF2-40B4-BE49-F238E27FC236}">
-                <a16:creationId xmlns:a16="http://schemas.microsoft.com/office/drawing/2014/main" id="{6EF852B9-E40E-2E95-E234-35DD838577CC}"/>
+          <p:cNvPr id="12" name="Rectangle 11">
+            <a:extLst>
+              <a:ext uri="{FF2B5EF4-FFF2-40B4-BE49-F238E27FC236}">
+                <a16:creationId xmlns:a16="http://schemas.microsoft.com/office/drawing/2014/main" id="{BDD1D469-259D-90DD-BD90-A5C6FE420F3E}"/>
               </a:ext>
             </a:extLst>
           </p:cNvPr>
@@ -18066,10 +20193,10 @@
       </p:sp>
       <p:sp>
         <p:nvSpPr>
-          <p:cNvPr id="12" name="TextBox 11">
-            <a:extLst>
-              <a:ext uri="{FF2B5EF4-FFF2-40B4-BE49-F238E27FC236}">
-                <a16:creationId xmlns:a16="http://schemas.microsoft.com/office/drawing/2014/main" id="{584DE67C-7116-33BB-971E-76309B16789A}"/>
+          <p:cNvPr id="13" name="TextBox 12">
+            <a:extLst>
+              <a:ext uri="{FF2B5EF4-FFF2-40B4-BE49-F238E27FC236}">
+                <a16:creationId xmlns:a16="http://schemas.microsoft.com/office/drawing/2014/main" id="{072C96C0-1D52-752A-0C56-F431B72F35BF}"/>
               </a:ext>
             </a:extLst>
           </p:cNvPr>
@@ -18101,17 +20228,17 @@
                 <a:latin typeface="Arial" panose="020B0604020202020204" pitchFamily="34" charset="0"/>
                 <a:cs typeface="Arial" panose="020B0604020202020204" pitchFamily="34" charset="0"/>
               </a:rPr>
-              <a:t>Author: Tom Hoyland | Version 1.4</a:t>
+              <a:t>Author: Tom Hoyland | Version 1.5</a:t>
             </a:r>
           </a:p>
         </p:txBody>
       </p:sp>
       <p:pic>
         <p:nvPicPr>
-          <p:cNvPr id="13" name="Picture 2">
-            <a:extLst>
-              <a:ext uri="{FF2B5EF4-FFF2-40B4-BE49-F238E27FC236}">
-                <a16:creationId xmlns:a16="http://schemas.microsoft.com/office/drawing/2014/main" id="{DE67D8C1-EF0F-C86F-8CB6-D7304AE655A5}"/>
+          <p:cNvPr id="14" name="Picture 2">
+            <a:extLst>
+              <a:ext uri="{FF2B5EF4-FFF2-40B4-BE49-F238E27FC236}">
+                <a16:creationId xmlns:a16="http://schemas.microsoft.com/office/drawing/2014/main" id="{4C3BAAD6-F109-8806-81FE-9F606E8FE139}"/>
               </a:ext>
             </a:extLst>
           </p:cNvPr>
@@ -18155,10 +20282,10 @@
       </p:pic>
       <p:sp>
         <p:nvSpPr>
-          <p:cNvPr id="14" name="TextBox 13">
-            <a:extLst>
-              <a:ext uri="{FF2B5EF4-FFF2-40B4-BE49-F238E27FC236}">
-                <a16:creationId xmlns:a16="http://schemas.microsoft.com/office/drawing/2014/main" id="{40BA8BF9-47C6-BF43-4FB0-DCF017C0220B}"/>
+          <p:cNvPr id="15" name="TextBox 14">
+            <a:extLst>
+              <a:ext uri="{FF2B5EF4-FFF2-40B4-BE49-F238E27FC236}">
+                <a16:creationId xmlns:a16="http://schemas.microsoft.com/office/drawing/2014/main" id="{796F6BD1-925A-0357-92C4-90774BC0C655}"/>
               </a:ext>
             </a:extLst>
           </p:cNvPr>
@@ -18195,10 +20322,73 @@
           </a:p>
         </p:txBody>
       </p:sp>
+      <p:sp>
+        <p:nvSpPr>
+          <p:cNvPr id="11" name="Content Placeholder 2">
+            <a:extLst>
+              <a:ext uri="{FF2B5EF4-FFF2-40B4-BE49-F238E27FC236}">
+                <a16:creationId xmlns:a16="http://schemas.microsoft.com/office/drawing/2014/main" id="{ACDBD7DF-A541-8556-729C-8A25034C4D73}"/>
+              </a:ext>
+            </a:extLst>
+          </p:cNvPr>
+          <p:cNvSpPr>
+            <a:spLocks noGrp="1"/>
+          </p:cNvSpPr>
+          <p:nvPr>
+            <p:ph idx="1"/>
+          </p:nvPr>
+        </p:nvSpPr>
+        <p:spPr/>
+        <p:txBody>
+          <a:bodyPr vert="horz" lIns="91440" tIns="45720" rIns="91440" bIns="45720" rtlCol="0" anchor="t">
+            <a:noAutofit/>
+          </a:bodyPr>
+          <a:lstStyle/>
+          <a:p>
+            <a:pPr marL="0" indent="0">
+              <a:buNone/>
+            </a:pPr>
+            <a:r>
+              <a:rPr lang="en-GB" sz="2000" dirty="0"/>
+              <a:t>Investing in the skills, capabilities, and careers of Agile Practitioners and People Managers is crucial for increasing adaptability, resilience, and growth. Supporting their development not only helps to shorten the lead time to value but also unlocks greater potential across teams, leaders, and the organisation.</a:t>
+            </a:r>
+          </a:p>
+          <a:p>
+            <a:pPr marL="0" indent="0">
+              <a:buNone/>
+            </a:pPr>
+            <a:endParaRPr lang="en-GB" sz="800" dirty="0"/>
+          </a:p>
+          <a:p>
+            <a:pPr marL="0" indent="0">
+              <a:buNone/>
+            </a:pPr>
+            <a:r>
+              <a:rPr lang="en-GB" sz="2000" dirty="0"/>
+              <a:t>As practitioners grow, so does the value they bring. They amplify the capabilities of those around them, becoming accelerators for delivery, collaboration, and innovation - shaping the organisations they serve today and the ones they will build tomorrow.</a:t>
+            </a:r>
+          </a:p>
+          <a:p>
+            <a:pPr marL="0" indent="0">
+              <a:buNone/>
+            </a:pPr>
+            <a:endParaRPr lang="en-GB" sz="800" dirty="0"/>
+          </a:p>
+          <a:p>
+            <a:pPr marL="0" indent="0">
+              <a:buNone/>
+            </a:pPr>
+            <a:r>
+              <a:rPr lang="en-GB" sz="2000" dirty="0"/>
+              <a:t>Empowered with clear career plans, supportive networks, and the right resources, practitioners drive change, enhance team performance, and help create resilient, high-performing organisations.</a:t>
+            </a:r>
+          </a:p>
+        </p:txBody>
+      </p:sp>
     </p:spTree>
     <p:extLst>
       <p:ext uri="{BB962C8B-B14F-4D97-AF65-F5344CB8AC3E}">
-        <p14:creationId xmlns:p14="http://schemas.microsoft.com/office/powerpoint/2010/main" val="1391078005"/>
+        <p14:creationId xmlns:p14="http://schemas.microsoft.com/office/powerpoint/2010/main" val="4152432744"/>
       </p:ext>
     </p:extLst>
   </p:cSld>
@@ -18213,13 +20403,7 @@
   <p:cSld>
     <p:spTree>
       <p:nvGrpSpPr>
-        <p:cNvPr id="1" name="">
-          <a:extLst>
-            <a:ext uri="{FF2B5EF4-FFF2-40B4-BE49-F238E27FC236}">
-              <a16:creationId xmlns:a16="http://schemas.microsoft.com/office/drawing/2014/main" id="{9C33B497-45D8-E728-0B0A-35F5682A1BE9}"/>
-            </a:ext>
-          </a:extLst>
-        </p:cNvPr>
+        <p:cNvPr id="1" name=""/>
         <p:cNvGrpSpPr/>
         <p:nvPr/>
       </p:nvGrpSpPr>
@@ -18233,1302 +20417,10 @@
       </p:grpSpPr>
       <p:sp>
         <p:nvSpPr>
-          <p:cNvPr id="54" name="TextBox 53">
-            <a:extLst>
-              <a:ext uri="{FF2B5EF4-FFF2-40B4-BE49-F238E27FC236}">
-                <a16:creationId xmlns:a16="http://schemas.microsoft.com/office/drawing/2014/main" id="{7C4BDD7D-99C0-1323-8CF2-D16EC79464BD}"/>
-              </a:ext>
-            </a:extLst>
-          </p:cNvPr>
-          <p:cNvSpPr txBox="1"/>
-          <p:nvPr/>
-        </p:nvSpPr>
-        <p:spPr>
-          <a:xfrm>
-            <a:off x="3386170" y="3807649"/>
-            <a:ext cx="2558757" cy="1444985"/>
-          </a:xfrm>
-          <a:prstGeom prst="rect">
-            <a:avLst/>
-          </a:prstGeom>
-          <a:noFill/>
-          <a:ln>
-            <a:solidFill>
-              <a:schemeClr val="accent1"/>
-            </a:solidFill>
-          </a:ln>
-        </p:spPr>
-        <p:txBody>
-          <a:bodyPr wrap="square" rtlCol="0">
-            <a:noAutofit/>
-          </a:bodyPr>
-          <a:lstStyle/>
-          <a:p>
-            <a:endParaRPr lang="en-GB" sz="800" b="1" dirty="0">
-              <a:solidFill>
-                <a:schemeClr val="accent1"/>
-              </a:solidFill>
-            </a:endParaRPr>
-          </a:p>
-        </p:txBody>
-      </p:sp>
-      <p:sp>
-        <p:nvSpPr>
-          <p:cNvPr id="52" name="TextBox 51">
-            <a:extLst>
-              <a:ext uri="{FF2B5EF4-FFF2-40B4-BE49-F238E27FC236}">
-                <a16:creationId xmlns:a16="http://schemas.microsoft.com/office/drawing/2014/main" id="{102F1CFD-E438-0271-68E5-912DCEA286AB}"/>
-              </a:ext>
-            </a:extLst>
-          </p:cNvPr>
-          <p:cNvSpPr txBox="1"/>
-          <p:nvPr/>
-        </p:nvSpPr>
-        <p:spPr>
-          <a:xfrm>
-            <a:off x="531277" y="3814194"/>
-            <a:ext cx="2558757" cy="1444985"/>
-          </a:xfrm>
-          <a:prstGeom prst="rect">
-            <a:avLst/>
-          </a:prstGeom>
-          <a:noFill/>
-          <a:ln>
-            <a:solidFill>
-              <a:schemeClr val="accent1"/>
-            </a:solidFill>
-          </a:ln>
-        </p:spPr>
-        <p:txBody>
-          <a:bodyPr wrap="square" rtlCol="0">
-            <a:noAutofit/>
-          </a:bodyPr>
-          <a:lstStyle/>
-          <a:p>
-            <a:endParaRPr lang="en-GB" sz="800" b="1" dirty="0">
-              <a:solidFill>
-                <a:schemeClr val="accent1"/>
-              </a:solidFill>
-            </a:endParaRPr>
-          </a:p>
-        </p:txBody>
-      </p:sp>
-      <p:sp>
-        <p:nvSpPr>
-          <p:cNvPr id="49" name="TextBox 48">
-            <a:extLst>
-              <a:ext uri="{FF2B5EF4-FFF2-40B4-BE49-F238E27FC236}">
-                <a16:creationId xmlns:a16="http://schemas.microsoft.com/office/drawing/2014/main" id="{2CCBAFBB-4BDC-C65D-FCD2-8C1C3F5FB39E}"/>
-              </a:ext>
-            </a:extLst>
-          </p:cNvPr>
-          <p:cNvSpPr txBox="1"/>
-          <p:nvPr/>
-        </p:nvSpPr>
-        <p:spPr>
-          <a:xfrm>
-            <a:off x="518868" y="757722"/>
-            <a:ext cx="2558757" cy="1444985"/>
-          </a:xfrm>
-          <a:prstGeom prst="rect">
-            <a:avLst/>
-          </a:prstGeom>
-          <a:noFill/>
-          <a:ln>
-            <a:solidFill>
-              <a:schemeClr val="accent1"/>
-            </a:solidFill>
-          </a:ln>
-        </p:spPr>
-        <p:txBody>
-          <a:bodyPr wrap="square" rtlCol="0">
-            <a:noAutofit/>
-          </a:bodyPr>
-          <a:lstStyle/>
-          <a:p>
-            <a:endParaRPr lang="en-GB" sz="800" b="1" dirty="0">
-              <a:solidFill>
-                <a:schemeClr val="accent1"/>
-              </a:solidFill>
-            </a:endParaRPr>
-          </a:p>
-        </p:txBody>
-      </p:sp>
-      <p:sp>
-        <p:nvSpPr>
-          <p:cNvPr id="44" name="TextBox 43">
-            <a:extLst>
-              <a:ext uri="{FF2B5EF4-FFF2-40B4-BE49-F238E27FC236}">
-                <a16:creationId xmlns:a16="http://schemas.microsoft.com/office/drawing/2014/main" id="{A1784974-0056-FBD3-1863-56777F8FA7DE}"/>
-              </a:ext>
-            </a:extLst>
-          </p:cNvPr>
-          <p:cNvSpPr txBox="1"/>
-          <p:nvPr/>
-        </p:nvSpPr>
-        <p:spPr>
-          <a:xfrm>
-            <a:off x="6221834" y="755700"/>
-            <a:ext cx="2558757" cy="1444985"/>
-          </a:xfrm>
-          <a:prstGeom prst="rect">
-            <a:avLst/>
-          </a:prstGeom>
-          <a:noFill/>
-          <a:ln>
-            <a:solidFill>
-              <a:schemeClr val="accent1"/>
-            </a:solidFill>
-          </a:ln>
-        </p:spPr>
-        <p:txBody>
-          <a:bodyPr wrap="square" rtlCol="0">
-            <a:noAutofit/>
-          </a:bodyPr>
-          <a:lstStyle/>
-          <a:p>
-            <a:endParaRPr lang="en-GB" sz="800" b="1" dirty="0">
-              <a:solidFill>
-                <a:schemeClr val="accent1"/>
-              </a:solidFill>
-            </a:endParaRPr>
-          </a:p>
-        </p:txBody>
-      </p:sp>
-      <p:sp>
-        <p:nvSpPr>
-          <p:cNvPr id="40" name="TextBox 39">
-            <a:extLst>
-              <a:ext uri="{FF2B5EF4-FFF2-40B4-BE49-F238E27FC236}">
-                <a16:creationId xmlns:a16="http://schemas.microsoft.com/office/drawing/2014/main" id="{933DD765-0AFF-ED7C-BB83-3C4E43010920}"/>
-              </a:ext>
-            </a:extLst>
-          </p:cNvPr>
-          <p:cNvSpPr txBox="1"/>
-          <p:nvPr/>
-        </p:nvSpPr>
-        <p:spPr>
-          <a:xfrm>
-            <a:off x="3366876" y="759765"/>
-            <a:ext cx="2558757" cy="1444985"/>
-          </a:xfrm>
-          <a:prstGeom prst="rect">
-            <a:avLst/>
-          </a:prstGeom>
-          <a:noFill/>
-          <a:ln>
-            <a:solidFill>
-              <a:schemeClr val="accent1"/>
-            </a:solidFill>
-          </a:ln>
-        </p:spPr>
-        <p:txBody>
-          <a:bodyPr wrap="square" rtlCol="0">
-            <a:noAutofit/>
-          </a:bodyPr>
-          <a:lstStyle/>
-          <a:p>
-            <a:endParaRPr lang="en-GB" sz="800" b="1" dirty="0">
-              <a:solidFill>
-                <a:schemeClr val="accent1"/>
-              </a:solidFill>
-            </a:endParaRPr>
-          </a:p>
-        </p:txBody>
-      </p:sp>
-      <p:sp>
-        <p:nvSpPr>
-          <p:cNvPr id="8" name="TextBox 7">
-            <a:extLst>
-              <a:ext uri="{FF2B5EF4-FFF2-40B4-BE49-F238E27FC236}">
-                <a16:creationId xmlns:a16="http://schemas.microsoft.com/office/drawing/2014/main" id="{DA64C8C2-3082-B3FB-A877-F4E183962346}"/>
-              </a:ext>
-            </a:extLst>
-          </p:cNvPr>
-          <p:cNvSpPr txBox="1"/>
-          <p:nvPr/>
-        </p:nvSpPr>
-        <p:spPr>
-          <a:xfrm>
-            <a:off x="6222875" y="2290970"/>
-            <a:ext cx="2557716" cy="984885"/>
-          </a:xfrm>
-          <a:prstGeom prst="rect">
-            <a:avLst/>
-          </a:prstGeom>
-          <a:noFill/>
-          <a:ln>
-            <a:solidFill>
-              <a:schemeClr val="accent1"/>
-            </a:solidFill>
-          </a:ln>
-        </p:spPr>
-        <p:txBody>
-          <a:bodyPr wrap="square" rtlCol="0">
-            <a:noAutofit/>
-          </a:bodyPr>
-          <a:lstStyle/>
-          <a:p>
-            <a:r>
-              <a:rPr lang="en-GB" sz="1050" dirty="0"/>
-              <a:t>Increase your focus by assessing where you (and others) think you are now and </a:t>
-            </a:r>
-            <a:r>
-              <a:rPr lang="en-GB" sz="1050" b="1" dirty="0"/>
-              <a:t>immediate development areas. </a:t>
-            </a:r>
-            <a:r>
-              <a:rPr lang="en-GB" sz="1050" dirty="0"/>
-              <a:t>A Johari Window can be useful here.</a:t>
-            </a:r>
-          </a:p>
-          <a:p>
-            <a:endParaRPr lang="en-GB" sz="800" b="1" dirty="0">
-              <a:solidFill>
-                <a:schemeClr val="accent1"/>
-              </a:solidFill>
-              <a:hlinkClick r:id="rId3"/>
-            </a:endParaRPr>
-          </a:p>
-          <a:p>
-            <a:r>
-              <a:rPr lang="en-GB" sz="800" b="1" dirty="0">
-                <a:solidFill>
-                  <a:schemeClr val="accent1"/>
-                </a:solidFill>
-                <a:hlinkClick r:id="rId3"/>
-              </a:rPr>
-              <a:t>Agile Growth Pack (Slide 3)</a:t>
-            </a:r>
-            <a:endParaRPr lang="en-GB" sz="800" b="1" dirty="0">
-              <a:solidFill>
-                <a:schemeClr val="accent1"/>
-              </a:solidFill>
-            </a:endParaRPr>
-          </a:p>
-        </p:txBody>
-      </p:sp>
-      <p:sp>
-        <p:nvSpPr>
-          <p:cNvPr id="10" name="TextBox 9">
-            <a:extLst>
-              <a:ext uri="{FF2B5EF4-FFF2-40B4-BE49-F238E27FC236}">
-                <a16:creationId xmlns:a16="http://schemas.microsoft.com/office/drawing/2014/main" id="{D4CC50AB-F975-DF40-A4E9-7896853D31EA}"/>
-              </a:ext>
-            </a:extLst>
-          </p:cNvPr>
-          <p:cNvSpPr txBox="1"/>
-          <p:nvPr/>
-        </p:nvSpPr>
-        <p:spPr>
-          <a:xfrm>
-            <a:off x="3362498" y="2290969"/>
-            <a:ext cx="2558757" cy="984885"/>
-          </a:xfrm>
-          <a:prstGeom prst="rect">
-            <a:avLst/>
-          </a:prstGeom>
-          <a:noFill/>
-          <a:ln>
-            <a:solidFill>
-              <a:schemeClr val="accent1"/>
-            </a:solidFill>
-          </a:ln>
-        </p:spPr>
-        <p:txBody>
-          <a:bodyPr wrap="square" rtlCol="0">
-            <a:noAutofit/>
-          </a:bodyPr>
-          <a:lstStyle/>
-          <a:p>
-            <a:r>
-              <a:rPr lang="en-GB" sz="1050" dirty="0"/>
-              <a:t>Understand where you are now, review where you’d like to progress to or what skills to deepen. </a:t>
-            </a:r>
-            <a:r>
-              <a:rPr lang="en-GB" sz="1050" b="1" dirty="0"/>
-              <a:t>Set yourself a goal, </a:t>
-            </a:r>
-            <a:r>
-              <a:rPr lang="en-GB" sz="1050" dirty="0"/>
-              <a:t>discuss it with your manager or mentor.</a:t>
-            </a:r>
-          </a:p>
-          <a:p>
-            <a:endParaRPr lang="en-GB" sz="800" b="1" dirty="0">
-              <a:solidFill>
-                <a:schemeClr val="accent1"/>
-              </a:solidFill>
-            </a:endParaRPr>
-          </a:p>
-          <a:p>
-            <a:r>
-              <a:rPr lang="en-GB" sz="800" b="1" dirty="0">
-                <a:solidFill>
-                  <a:schemeClr val="accent1"/>
-                </a:solidFill>
-                <a:hlinkClick r:id="rId4" action="ppaction://hlinksldjump"/>
-              </a:rPr>
-              <a:t>Agile Practitioner Role &amp; Stance Matrix</a:t>
-            </a:r>
-            <a:endParaRPr lang="en-GB" sz="800" b="1" dirty="0">
-              <a:solidFill>
-                <a:schemeClr val="accent1"/>
-              </a:solidFill>
-            </a:endParaRPr>
-          </a:p>
-        </p:txBody>
-      </p:sp>
-      <p:sp>
-        <p:nvSpPr>
-          <p:cNvPr id="11" name="TextBox 10">
-            <a:extLst>
-              <a:ext uri="{FF2B5EF4-FFF2-40B4-BE49-F238E27FC236}">
-                <a16:creationId xmlns:a16="http://schemas.microsoft.com/office/drawing/2014/main" id="{E3FEB2AA-0FDC-B5F0-7CC6-E5089521E4DE}"/>
-              </a:ext>
-            </a:extLst>
-          </p:cNvPr>
-          <p:cNvSpPr txBox="1"/>
-          <p:nvPr/>
-        </p:nvSpPr>
-        <p:spPr>
-          <a:xfrm>
-            <a:off x="531211" y="5350263"/>
-            <a:ext cx="2553684" cy="984885"/>
-          </a:xfrm>
-          <a:prstGeom prst="rect">
-            <a:avLst/>
-          </a:prstGeom>
-          <a:noFill/>
-          <a:ln>
-            <a:solidFill>
-              <a:schemeClr val="accent1"/>
-            </a:solidFill>
-          </a:ln>
-        </p:spPr>
-        <p:txBody>
-          <a:bodyPr wrap="square" rtlCol="0">
-            <a:noAutofit/>
-          </a:bodyPr>
-          <a:lstStyle/>
-          <a:p>
-            <a:r>
-              <a:rPr lang="en-GB" sz="1050" b="1" dirty="0"/>
-              <a:t>Build a Development Plan to help you get there, </a:t>
-            </a:r>
-            <a:r>
-              <a:rPr lang="en-GB" sz="1050" dirty="0"/>
-              <a:t>with courses, certificates, experiences and opportunities to grow. Think about how you’ll get feedback.</a:t>
-            </a:r>
-          </a:p>
-          <a:p>
-            <a:endParaRPr lang="en-GB" sz="800" b="1" dirty="0">
-              <a:solidFill>
-                <a:schemeClr val="accent1"/>
-              </a:solidFill>
-              <a:hlinkClick r:id="rId3"/>
-            </a:endParaRPr>
-          </a:p>
-          <a:p>
-            <a:r>
-              <a:rPr lang="en-GB" sz="800" b="1" dirty="0">
-                <a:solidFill>
-                  <a:schemeClr val="accent1"/>
-                </a:solidFill>
-                <a:hlinkClick r:id="rId3"/>
-              </a:rPr>
-              <a:t>Agile Growth Pack (Slide 5)</a:t>
-            </a:r>
-            <a:endParaRPr lang="en-GB" sz="800" b="1" dirty="0">
-              <a:solidFill>
-                <a:schemeClr val="accent1"/>
-              </a:solidFill>
-            </a:endParaRPr>
-          </a:p>
-        </p:txBody>
-      </p:sp>
-      <p:sp>
-        <p:nvSpPr>
-          <p:cNvPr id="13" name="TextBox 12">
-            <a:extLst>
-              <a:ext uri="{FF2B5EF4-FFF2-40B4-BE49-F238E27FC236}">
-                <a16:creationId xmlns:a16="http://schemas.microsoft.com/office/drawing/2014/main" id="{9146D548-37F6-0EAC-DA68-66743C8C2CF9}"/>
-              </a:ext>
-            </a:extLst>
-          </p:cNvPr>
-          <p:cNvSpPr txBox="1"/>
-          <p:nvPr/>
-        </p:nvSpPr>
-        <p:spPr>
-          <a:xfrm>
-            <a:off x="3386453" y="5349863"/>
-            <a:ext cx="2553972" cy="984885"/>
-          </a:xfrm>
-          <a:prstGeom prst="rect">
-            <a:avLst/>
-          </a:prstGeom>
-          <a:noFill/>
-          <a:ln>
-            <a:solidFill>
-              <a:schemeClr val="accent1"/>
-            </a:solidFill>
-          </a:ln>
-        </p:spPr>
-        <p:txBody>
-          <a:bodyPr wrap="square" rtlCol="0">
-            <a:noAutofit/>
-          </a:bodyPr>
-          <a:lstStyle/>
-          <a:p>
-            <a:r>
-              <a:rPr lang="en-GB" sz="1050" dirty="0"/>
-              <a:t>Use the Catch Up to </a:t>
-            </a:r>
-            <a:r>
-              <a:rPr lang="en-GB" sz="1050" b="1" dirty="0"/>
-              <a:t>track where you are spending your time</a:t>
-            </a:r>
-            <a:r>
-              <a:rPr lang="en-GB" sz="1050" dirty="0"/>
-              <a:t>,</a:t>
-            </a:r>
-            <a:r>
-              <a:rPr lang="en-GB" sz="1050" b="1" dirty="0"/>
-              <a:t> </a:t>
-            </a:r>
-            <a:r>
-              <a:rPr lang="en-GB" sz="1050" dirty="0"/>
-              <a:t>if you’re getting what you need to grow, and if this is contributing to your Development Plan.</a:t>
-            </a:r>
-          </a:p>
-          <a:p>
-            <a:endParaRPr lang="en-GB" sz="800" b="1" dirty="0">
-              <a:solidFill>
-                <a:schemeClr val="accent1"/>
-              </a:solidFill>
-              <a:hlinkClick r:id="rId3"/>
-            </a:endParaRPr>
-          </a:p>
-          <a:p>
-            <a:r>
-              <a:rPr lang="en-GB" sz="800" b="1" dirty="0">
-                <a:solidFill>
-                  <a:schemeClr val="accent1"/>
-                </a:solidFill>
-                <a:hlinkClick r:id="rId3"/>
-              </a:rPr>
-              <a:t>Agile Growth Pack (Slide 6)</a:t>
-            </a:r>
-            <a:endParaRPr lang="en-GB" sz="800" b="1" dirty="0">
-              <a:solidFill>
-                <a:schemeClr val="accent1"/>
-              </a:solidFill>
-            </a:endParaRPr>
-          </a:p>
-        </p:txBody>
-      </p:sp>
-      <p:pic>
-        <p:nvPicPr>
-          <p:cNvPr id="15" name="Picture 14">
-            <a:extLst>
-              <a:ext uri="{FF2B5EF4-FFF2-40B4-BE49-F238E27FC236}">
-                <a16:creationId xmlns:a16="http://schemas.microsoft.com/office/drawing/2014/main" id="{ED20D09B-C708-931E-B8F6-5DF7C6CE5F36}"/>
-              </a:ext>
-            </a:extLst>
-          </p:cNvPr>
-          <p:cNvPicPr>
-            <a:picLocks noChangeAspect="1"/>
-          </p:cNvPicPr>
-          <p:nvPr/>
-        </p:nvPicPr>
-        <p:blipFill>
-          <a:blip r:embed="rId5"/>
-          <a:srcRect l="2580" t="592" r="2594" b="4664"/>
-          <a:stretch/>
-        </p:blipFill>
-        <p:spPr>
-          <a:xfrm>
-            <a:off x="9075234" y="762232"/>
-            <a:ext cx="2550022" cy="1431096"/>
-          </a:xfrm>
-          <a:prstGeom prst="rect">
-            <a:avLst/>
-          </a:prstGeom>
-          <a:ln>
-            <a:solidFill>
-              <a:schemeClr val="accent1"/>
-            </a:solidFill>
-          </a:ln>
-        </p:spPr>
-      </p:pic>
-      <p:sp>
-        <p:nvSpPr>
-          <p:cNvPr id="16" name="TextBox 15">
-            <a:extLst>
-              <a:ext uri="{FF2B5EF4-FFF2-40B4-BE49-F238E27FC236}">
-                <a16:creationId xmlns:a16="http://schemas.microsoft.com/office/drawing/2014/main" id="{72541157-CC83-A422-A3E3-12F3F1B509BB}"/>
-              </a:ext>
-            </a:extLst>
-          </p:cNvPr>
-          <p:cNvSpPr txBox="1"/>
-          <p:nvPr/>
-        </p:nvSpPr>
-        <p:spPr>
-          <a:xfrm>
-            <a:off x="9071572" y="2293086"/>
-            <a:ext cx="2557716" cy="984885"/>
-          </a:xfrm>
-          <a:prstGeom prst="rect">
-            <a:avLst/>
-          </a:prstGeom>
-          <a:noFill/>
-          <a:ln>
-            <a:solidFill>
-              <a:schemeClr val="accent1"/>
-            </a:solidFill>
-          </a:ln>
-        </p:spPr>
-        <p:txBody>
-          <a:bodyPr wrap="square" rtlCol="0">
-            <a:noAutofit/>
-          </a:bodyPr>
-          <a:lstStyle/>
-          <a:p>
-            <a:r>
-              <a:rPr lang="en-GB" sz="1050" b="1" dirty="0"/>
-              <a:t>Identify courses, qualifications, books and resources to</a:t>
-            </a:r>
-            <a:r>
-              <a:rPr lang="en-GB" sz="1050" dirty="0"/>
-              <a:t> </a:t>
-            </a:r>
-            <a:r>
-              <a:rPr lang="en-GB" sz="1050" b="1" dirty="0"/>
-              <a:t>support your journey </a:t>
-            </a:r>
-            <a:r>
-              <a:rPr lang="en-GB" sz="1050" dirty="0"/>
-              <a:t>and growth in your development area. Consider a coach or mentor too.</a:t>
-            </a:r>
-          </a:p>
-          <a:p>
-            <a:endParaRPr lang="en-GB" sz="800" b="1" dirty="0">
-              <a:solidFill>
-                <a:schemeClr val="accent1"/>
-              </a:solidFill>
-              <a:hlinkClick r:id="rId6"/>
-            </a:endParaRPr>
-          </a:p>
-          <a:p>
-            <a:r>
-              <a:rPr lang="en-GB" sz="800" b="1" dirty="0">
-                <a:solidFill>
-                  <a:schemeClr val="accent1"/>
-                </a:solidFill>
-                <a:hlinkClick r:id="rId6"/>
-              </a:rPr>
-              <a:t>ACGW + Courses &amp; Resources</a:t>
-            </a:r>
-            <a:endParaRPr lang="en-GB" sz="800" b="1" dirty="0">
-              <a:solidFill>
-                <a:schemeClr val="accent1"/>
-              </a:solidFill>
-            </a:endParaRPr>
-          </a:p>
-        </p:txBody>
-      </p:sp>
-      <p:sp>
-        <p:nvSpPr>
-          <p:cNvPr id="18" name="TextBox 17">
-            <a:extLst>
-              <a:ext uri="{FF2B5EF4-FFF2-40B4-BE49-F238E27FC236}">
-                <a16:creationId xmlns:a16="http://schemas.microsoft.com/office/drawing/2014/main" id="{5043F081-8237-95E7-D562-45E253C133DA}"/>
-              </a:ext>
-            </a:extLst>
-          </p:cNvPr>
-          <p:cNvSpPr txBox="1"/>
-          <p:nvPr/>
-        </p:nvSpPr>
-        <p:spPr>
-          <a:xfrm>
-            <a:off x="521024" y="2293485"/>
-            <a:ext cx="2552251" cy="984885"/>
-          </a:xfrm>
-          <a:prstGeom prst="rect">
-            <a:avLst/>
-          </a:prstGeom>
-          <a:noFill/>
-          <a:ln>
-            <a:solidFill>
-              <a:schemeClr val="accent1"/>
-            </a:solidFill>
-          </a:ln>
-        </p:spPr>
-        <p:txBody>
-          <a:bodyPr wrap="square" rtlCol="0">
-            <a:noAutofit/>
-          </a:bodyPr>
-          <a:lstStyle/>
-          <a:p>
-            <a:r>
-              <a:rPr lang="en-GB" sz="1050" b="1" dirty="0"/>
-              <a:t>Understand what you need to be at your best</a:t>
-            </a:r>
-            <a:r>
-              <a:rPr lang="en-GB" sz="1050" dirty="0"/>
-              <a:t>, what you need from line managers and colleagues. There are lots of tools out there to help you.</a:t>
-            </a:r>
-          </a:p>
-          <a:p>
-            <a:endParaRPr lang="en-GB" sz="800" b="1" dirty="0">
-              <a:solidFill>
-                <a:schemeClr val="accent1"/>
-              </a:solidFill>
-              <a:hlinkClick r:id="rId3"/>
-            </a:endParaRPr>
-          </a:p>
-          <a:p>
-            <a:r>
-              <a:rPr lang="en-GB" sz="800" b="1" dirty="0">
-                <a:solidFill>
-                  <a:schemeClr val="accent1"/>
-                </a:solidFill>
-                <a:hlinkClick r:id="rId3"/>
-              </a:rPr>
-              <a:t> Agile Growth Pack (Slide 1+2)</a:t>
-            </a:r>
-            <a:endParaRPr lang="en-GB" sz="800" b="1" dirty="0">
-              <a:solidFill>
-                <a:schemeClr val="accent1"/>
-              </a:solidFill>
-            </a:endParaRPr>
-          </a:p>
-        </p:txBody>
-      </p:sp>
-      <p:sp>
-        <p:nvSpPr>
-          <p:cNvPr id="14" name="TextBox 13">
-            <a:extLst>
-              <a:ext uri="{FF2B5EF4-FFF2-40B4-BE49-F238E27FC236}">
-                <a16:creationId xmlns:a16="http://schemas.microsoft.com/office/drawing/2014/main" id="{FEF180DC-F807-1FB3-5DC6-C617222741E3}"/>
-              </a:ext>
-            </a:extLst>
-          </p:cNvPr>
-          <p:cNvSpPr txBox="1"/>
-          <p:nvPr/>
-        </p:nvSpPr>
-        <p:spPr>
-          <a:xfrm>
-            <a:off x="6233063" y="5349464"/>
-            <a:ext cx="2558512" cy="984885"/>
-          </a:xfrm>
-          <a:prstGeom prst="rect">
-            <a:avLst/>
-          </a:prstGeom>
-          <a:noFill/>
-          <a:ln>
-            <a:solidFill>
-              <a:schemeClr val="accent1"/>
-            </a:solidFill>
-          </a:ln>
-        </p:spPr>
-        <p:txBody>
-          <a:bodyPr wrap="square" rtlCol="0">
-            <a:noAutofit/>
-          </a:bodyPr>
-          <a:lstStyle/>
-          <a:p>
-            <a:r>
-              <a:rPr lang="en-GB" sz="1050" dirty="0"/>
-              <a:t>Use this again to </a:t>
-            </a:r>
-            <a:r>
-              <a:rPr lang="en-GB" sz="1050" b="1" dirty="0"/>
-              <a:t>reflect on how your skills and capabilities have developed </a:t>
-            </a:r>
-            <a:r>
-              <a:rPr lang="en-GB" sz="1050" dirty="0"/>
-              <a:t>and changed. Get feedback from others, review how you are learning and growing.</a:t>
-            </a:r>
-          </a:p>
-          <a:p>
-            <a:endParaRPr lang="en-GB" sz="800" b="1" dirty="0">
-              <a:solidFill>
-                <a:schemeClr val="accent1"/>
-              </a:solidFill>
-              <a:hlinkClick r:id="rId3"/>
-            </a:endParaRPr>
-          </a:p>
-          <a:p>
-            <a:r>
-              <a:rPr lang="en-GB" sz="800" b="1" dirty="0">
-                <a:solidFill>
-                  <a:schemeClr val="accent1"/>
-                </a:solidFill>
-                <a:hlinkClick r:id="rId3"/>
-              </a:rPr>
-              <a:t>Agile Growth Pack (Slide 3)</a:t>
-            </a:r>
-            <a:endParaRPr lang="en-GB" sz="800" b="1" dirty="0">
-              <a:solidFill>
-                <a:schemeClr val="accent1"/>
-              </a:solidFill>
-            </a:endParaRPr>
-          </a:p>
-        </p:txBody>
-      </p:sp>
-      <p:sp>
-        <p:nvSpPr>
-          <p:cNvPr id="28" name="TextBox 27">
-            <a:extLst>
-              <a:ext uri="{FF2B5EF4-FFF2-40B4-BE49-F238E27FC236}">
-                <a16:creationId xmlns:a16="http://schemas.microsoft.com/office/drawing/2014/main" id="{ECAB6915-8F11-660E-B84D-5E521897ACF1}"/>
-              </a:ext>
-            </a:extLst>
-          </p:cNvPr>
-          <p:cNvSpPr txBox="1"/>
-          <p:nvPr/>
-        </p:nvSpPr>
-        <p:spPr>
-          <a:xfrm>
-            <a:off x="9081043" y="5349464"/>
-            <a:ext cx="2558756" cy="984885"/>
-          </a:xfrm>
-          <a:prstGeom prst="rect">
-            <a:avLst/>
-          </a:prstGeom>
-          <a:noFill/>
-          <a:ln>
-            <a:solidFill>
-              <a:schemeClr val="accent1"/>
-            </a:solidFill>
-          </a:ln>
-        </p:spPr>
-        <p:txBody>
-          <a:bodyPr wrap="square" rtlCol="0">
-            <a:noAutofit/>
-          </a:bodyPr>
-          <a:lstStyle/>
-          <a:p>
-            <a:r>
-              <a:rPr lang="en-GB" sz="1050" dirty="0"/>
-              <a:t>Use this again to </a:t>
-            </a:r>
-            <a:r>
-              <a:rPr lang="en-GB" sz="1050" b="1" dirty="0"/>
-              <a:t>review your progress</a:t>
-            </a:r>
-            <a:r>
-              <a:rPr lang="en-GB" sz="1050" dirty="0"/>
-              <a:t>, where you’d like to move next, if you’ve got the skills, capability and support system in place to </a:t>
-            </a:r>
-            <a:r>
-              <a:rPr lang="en-GB" sz="1050" b="1" dirty="0"/>
-              <a:t>make it happen.</a:t>
-            </a:r>
-          </a:p>
-          <a:p>
-            <a:endParaRPr lang="en-GB" sz="800" b="1" dirty="0">
-              <a:solidFill>
-                <a:schemeClr val="accent1"/>
-              </a:solidFill>
-            </a:endParaRPr>
-          </a:p>
-          <a:p>
-            <a:r>
-              <a:rPr lang="en-GB" sz="800" b="1" dirty="0">
-                <a:solidFill>
-                  <a:schemeClr val="accent1"/>
-                </a:solidFill>
-                <a:hlinkClick r:id="rId4" action="ppaction://hlinksldjump"/>
-              </a:rPr>
-              <a:t>Agile Practitioner Role &amp; Stance Matrix</a:t>
-            </a:r>
-            <a:endParaRPr lang="en-GB" sz="800" b="1" dirty="0">
-              <a:solidFill>
-                <a:schemeClr val="accent1"/>
-              </a:solidFill>
-            </a:endParaRPr>
-          </a:p>
-        </p:txBody>
-      </p:sp>
-      <p:sp>
-        <p:nvSpPr>
-          <p:cNvPr id="30" name="Oval 29">
-            <a:extLst>
-              <a:ext uri="{FF2B5EF4-FFF2-40B4-BE49-F238E27FC236}">
-                <a16:creationId xmlns:a16="http://schemas.microsoft.com/office/drawing/2014/main" id="{7A4201E8-5870-008F-8FD8-326F8711F1F1}"/>
-              </a:ext>
-            </a:extLst>
-          </p:cNvPr>
-          <p:cNvSpPr>
-            <a:spLocks noChangeAspect="1"/>
-          </p:cNvSpPr>
-          <p:nvPr/>
-        </p:nvSpPr>
-        <p:spPr>
-          <a:xfrm>
-            <a:off x="3172405" y="535391"/>
-            <a:ext cx="293636" cy="314207"/>
-          </a:xfrm>
-          <a:prstGeom prst="ellipse">
-            <a:avLst/>
-          </a:prstGeom>
-        </p:spPr>
-        <p:style>
-          <a:lnRef idx="2">
-            <a:schemeClr val="accent1">
-              <a:shade val="15000"/>
-            </a:schemeClr>
-          </a:lnRef>
-          <a:fillRef idx="1">
-            <a:schemeClr val="accent1"/>
-          </a:fillRef>
-          <a:effectRef idx="0">
-            <a:schemeClr val="accent1"/>
-          </a:effectRef>
-          <a:fontRef idx="minor">
-            <a:schemeClr val="lt1"/>
-          </a:fontRef>
-        </p:style>
-        <p:txBody>
-          <a:bodyPr rtlCol="0" anchor="ctr">
-            <a:noAutofit/>
-          </a:bodyPr>
-          <a:lstStyle/>
-          <a:p>
-            <a:pPr algn="ctr"/>
-            <a:r>
-              <a:rPr lang="en-GB" sz="1200" b="1" dirty="0"/>
-              <a:t>2</a:t>
-            </a:r>
-          </a:p>
-        </p:txBody>
-      </p:sp>
-      <p:sp>
-        <p:nvSpPr>
-          <p:cNvPr id="32" name="Oval 31">
-            <a:extLst>
-              <a:ext uri="{FF2B5EF4-FFF2-40B4-BE49-F238E27FC236}">
-                <a16:creationId xmlns:a16="http://schemas.microsoft.com/office/drawing/2014/main" id="{C69D8BE8-5E64-E80D-6684-E256B2C86AFE}"/>
-              </a:ext>
-            </a:extLst>
-          </p:cNvPr>
-          <p:cNvSpPr>
-            <a:spLocks noChangeAspect="1"/>
-          </p:cNvSpPr>
-          <p:nvPr/>
-        </p:nvSpPr>
-        <p:spPr>
-          <a:xfrm>
-            <a:off x="8929847" y="506198"/>
-            <a:ext cx="293636" cy="314207"/>
-          </a:xfrm>
-          <a:prstGeom prst="ellipse">
-            <a:avLst/>
-          </a:prstGeom>
-        </p:spPr>
-        <p:style>
-          <a:lnRef idx="2">
-            <a:schemeClr val="accent1">
-              <a:shade val="15000"/>
-            </a:schemeClr>
-          </a:lnRef>
-          <a:fillRef idx="1">
-            <a:schemeClr val="accent1"/>
-          </a:fillRef>
-          <a:effectRef idx="0">
-            <a:schemeClr val="accent1"/>
-          </a:effectRef>
-          <a:fontRef idx="minor">
-            <a:schemeClr val="lt1"/>
-          </a:fontRef>
-        </p:style>
-        <p:txBody>
-          <a:bodyPr rtlCol="0" anchor="ctr">
-            <a:noAutofit/>
-          </a:bodyPr>
-          <a:lstStyle/>
-          <a:p>
-            <a:pPr algn="ctr"/>
-            <a:r>
-              <a:rPr lang="en-GB" sz="1200" b="1" dirty="0"/>
-              <a:t>4</a:t>
-            </a:r>
-          </a:p>
-        </p:txBody>
-      </p:sp>
-      <p:sp>
-        <p:nvSpPr>
-          <p:cNvPr id="33" name="Oval 32">
-            <a:extLst>
-              <a:ext uri="{FF2B5EF4-FFF2-40B4-BE49-F238E27FC236}">
-                <a16:creationId xmlns:a16="http://schemas.microsoft.com/office/drawing/2014/main" id="{079F0774-5CB4-34D6-96AA-2509163F9A68}"/>
-              </a:ext>
-            </a:extLst>
-          </p:cNvPr>
-          <p:cNvSpPr>
-            <a:spLocks noChangeAspect="1"/>
-          </p:cNvSpPr>
-          <p:nvPr/>
-        </p:nvSpPr>
-        <p:spPr>
-          <a:xfrm>
-            <a:off x="289644" y="3616893"/>
-            <a:ext cx="293636" cy="314207"/>
-          </a:xfrm>
-          <a:prstGeom prst="ellipse">
-            <a:avLst/>
-          </a:prstGeom>
-        </p:spPr>
-        <p:style>
-          <a:lnRef idx="2">
-            <a:schemeClr val="accent1">
-              <a:shade val="15000"/>
-            </a:schemeClr>
-          </a:lnRef>
-          <a:fillRef idx="1">
-            <a:schemeClr val="accent1"/>
-          </a:fillRef>
-          <a:effectRef idx="0">
-            <a:schemeClr val="accent1"/>
-          </a:effectRef>
-          <a:fontRef idx="minor">
-            <a:schemeClr val="lt1"/>
-          </a:fontRef>
-        </p:style>
-        <p:txBody>
-          <a:bodyPr rtlCol="0" anchor="ctr">
-            <a:noAutofit/>
-          </a:bodyPr>
-          <a:lstStyle/>
-          <a:p>
-            <a:pPr algn="ctr"/>
-            <a:r>
-              <a:rPr lang="en-GB" sz="1200" b="1" dirty="0"/>
-              <a:t>5</a:t>
-            </a:r>
-          </a:p>
-        </p:txBody>
-      </p:sp>
-      <p:sp>
-        <p:nvSpPr>
-          <p:cNvPr id="3" name="TextBox 2">
-            <a:extLst>
-              <a:ext uri="{FF2B5EF4-FFF2-40B4-BE49-F238E27FC236}">
-                <a16:creationId xmlns:a16="http://schemas.microsoft.com/office/drawing/2014/main" id="{B14C4407-6685-E3D4-6AE2-E21CCD3F4B8B}"/>
-              </a:ext>
-            </a:extLst>
-          </p:cNvPr>
-          <p:cNvSpPr txBox="1"/>
-          <p:nvPr/>
-        </p:nvSpPr>
-        <p:spPr>
-          <a:xfrm>
-            <a:off x="519592" y="462097"/>
-            <a:ext cx="2550022" cy="307777"/>
-          </a:xfrm>
-          <a:prstGeom prst="rect">
-            <a:avLst/>
-          </a:prstGeom>
-          <a:noFill/>
-          <a:ln>
-            <a:noFill/>
-          </a:ln>
-        </p:spPr>
-        <p:txBody>
-          <a:bodyPr wrap="square" rtlCol="0">
-            <a:noAutofit/>
-          </a:bodyPr>
-          <a:lstStyle/>
-          <a:p>
-            <a:pPr algn="ctr"/>
-            <a:r>
-              <a:rPr lang="en-GB" sz="1400" b="1" dirty="0"/>
-              <a:t>Self-Awareness &amp; Mastery</a:t>
-            </a:r>
-          </a:p>
-        </p:txBody>
-      </p:sp>
-      <p:sp>
-        <p:nvSpPr>
-          <p:cNvPr id="4" name="TextBox 3">
-            <a:extLst>
-              <a:ext uri="{FF2B5EF4-FFF2-40B4-BE49-F238E27FC236}">
-                <a16:creationId xmlns:a16="http://schemas.microsoft.com/office/drawing/2014/main" id="{8ACBB738-B292-8BBC-1052-A1A8C085103D}"/>
-              </a:ext>
-            </a:extLst>
-          </p:cNvPr>
-          <p:cNvSpPr txBox="1"/>
-          <p:nvPr/>
-        </p:nvSpPr>
-        <p:spPr>
-          <a:xfrm>
-            <a:off x="3366876" y="470102"/>
-            <a:ext cx="2550022" cy="307777"/>
-          </a:xfrm>
-          <a:prstGeom prst="rect">
-            <a:avLst/>
-          </a:prstGeom>
-          <a:noFill/>
-          <a:ln>
-            <a:noFill/>
-          </a:ln>
-        </p:spPr>
-        <p:txBody>
-          <a:bodyPr wrap="square" rtlCol="0">
-            <a:noAutofit/>
-          </a:bodyPr>
-          <a:lstStyle/>
-          <a:p>
-            <a:pPr algn="ctr"/>
-            <a:r>
-              <a:rPr lang="en-GB" sz="1400" b="1" dirty="0"/>
-              <a:t>Orient Before Navigating</a:t>
-            </a:r>
-          </a:p>
-        </p:txBody>
-      </p:sp>
-      <p:sp>
-        <p:nvSpPr>
-          <p:cNvPr id="19" name="TextBox 18">
-            <a:extLst>
-              <a:ext uri="{FF2B5EF4-FFF2-40B4-BE49-F238E27FC236}">
-                <a16:creationId xmlns:a16="http://schemas.microsoft.com/office/drawing/2014/main" id="{C7582878-0000-3685-9721-AA76F5C0F0DE}"/>
-              </a:ext>
-            </a:extLst>
-          </p:cNvPr>
-          <p:cNvSpPr txBox="1"/>
-          <p:nvPr/>
-        </p:nvSpPr>
-        <p:spPr>
-          <a:xfrm>
-            <a:off x="6214160" y="462097"/>
-            <a:ext cx="2550022" cy="307777"/>
-          </a:xfrm>
-          <a:prstGeom prst="rect">
-            <a:avLst/>
-          </a:prstGeom>
-          <a:noFill/>
-          <a:ln>
-            <a:noFill/>
-          </a:ln>
-        </p:spPr>
-        <p:txBody>
-          <a:bodyPr wrap="square" rtlCol="0">
-            <a:noAutofit/>
-          </a:bodyPr>
-          <a:lstStyle/>
-          <a:p>
-            <a:pPr algn="ctr"/>
-            <a:r>
-              <a:rPr lang="en-GB" sz="1400" b="1" dirty="0"/>
-              <a:t>Focus Your Development</a:t>
-            </a:r>
-          </a:p>
-        </p:txBody>
-      </p:sp>
-      <p:sp>
-        <p:nvSpPr>
-          <p:cNvPr id="20" name="TextBox 19">
-            <a:extLst>
-              <a:ext uri="{FF2B5EF4-FFF2-40B4-BE49-F238E27FC236}">
-                <a16:creationId xmlns:a16="http://schemas.microsoft.com/office/drawing/2014/main" id="{CCC452DD-604D-9772-9BA2-3235DC1F5A87}"/>
-              </a:ext>
-            </a:extLst>
-          </p:cNvPr>
-          <p:cNvSpPr txBox="1"/>
-          <p:nvPr/>
-        </p:nvSpPr>
-        <p:spPr>
-          <a:xfrm>
-            <a:off x="9076665" y="462097"/>
-            <a:ext cx="2550022" cy="307777"/>
-          </a:xfrm>
-          <a:prstGeom prst="rect">
-            <a:avLst/>
-          </a:prstGeom>
-          <a:noFill/>
-          <a:ln>
-            <a:noFill/>
-          </a:ln>
-        </p:spPr>
-        <p:txBody>
-          <a:bodyPr wrap="square" rtlCol="0">
-            <a:noAutofit/>
-          </a:bodyPr>
-          <a:lstStyle/>
-          <a:p>
-            <a:pPr algn="ctr"/>
-            <a:r>
-              <a:rPr lang="en-GB" sz="1400" b="1" dirty="0"/>
-              <a:t>Find Courses &amp; Resources</a:t>
-            </a:r>
-          </a:p>
-        </p:txBody>
-      </p:sp>
-      <p:sp>
-        <p:nvSpPr>
-          <p:cNvPr id="24" name="TextBox 23">
-            <a:extLst>
-              <a:ext uri="{FF2B5EF4-FFF2-40B4-BE49-F238E27FC236}">
-                <a16:creationId xmlns:a16="http://schemas.microsoft.com/office/drawing/2014/main" id="{5F8E356E-37BB-48DD-7411-EC31B1189CBA}"/>
-              </a:ext>
-            </a:extLst>
-          </p:cNvPr>
-          <p:cNvSpPr txBox="1"/>
-          <p:nvPr/>
-        </p:nvSpPr>
-        <p:spPr>
-          <a:xfrm>
-            <a:off x="519592" y="3512947"/>
-            <a:ext cx="2550022" cy="307777"/>
-          </a:xfrm>
-          <a:prstGeom prst="rect">
-            <a:avLst/>
-          </a:prstGeom>
-          <a:noFill/>
-          <a:ln>
-            <a:noFill/>
-          </a:ln>
-        </p:spPr>
-        <p:txBody>
-          <a:bodyPr wrap="square" rtlCol="0">
-            <a:noAutofit/>
-          </a:bodyPr>
-          <a:lstStyle/>
-          <a:p>
-            <a:pPr algn="ctr"/>
-            <a:r>
-              <a:rPr lang="en-GB" sz="1400" b="1" dirty="0"/>
-              <a:t>Build and Execute a Plan</a:t>
-            </a:r>
-          </a:p>
-        </p:txBody>
-      </p:sp>
-      <p:sp>
-        <p:nvSpPr>
-          <p:cNvPr id="25" name="TextBox 24">
-            <a:extLst>
-              <a:ext uri="{FF2B5EF4-FFF2-40B4-BE49-F238E27FC236}">
-                <a16:creationId xmlns:a16="http://schemas.microsoft.com/office/drawing/2014/main" id="{DE581DF9-5AF2-17A0-153A-5201682090ED}"/>
-              </a:ext>
-            </a:extLst>
-          </p:cNvPr>
-          <p:cNvSpPr txBox="1"/>
-          <p:nvPr/>
-        </p:nvSpPr>
-        <p:spPr>
-          <a:xfrm>
-            <a:off x="3366876" y="3520952"/>
-            <a:ext cx="2550022" cy="307777"/>
-          </a:xfrm>
-          <a:prstGeom prst="rect">
-            <a:avLst/>
-          </a:prstGeom>
-          <a:noFill/>
-          <a:ln>
-            <a:noFill/>
-          </a:ln>
-        </p:spPr>
-        <p:txBody>
-          <a:bodyPr wrap="square" rtlCol="0">
-            <a:noAutofit/>
-          </a:bodyPr>
-          <a:lstStyle/>
-          <a:p>
-            <a:pPr algn="ctr"/>
-            <a:r>
-              <a:rPr lang="en-GB" sz="1400" b="1" dirty="0"/>
-              <a:t>Track Progress and Energy</a:t>
-            </a:r>
-          </a:p>
-        </p:txBody>
-      </p:sp>
-      <p:sp>
-        <p:nvSpPr>
-          <p:cNvPr id="26" name="TextBox 25">
-            <a:extLst>
-              <a:ext uri="{FF2B5EF4-FFF2-40B4-BE49-F238E27FC236}">
-                <a16:creationId xmlns:a16="http://schemas.microsoft.com/office/drawing/2014/main" id="{93675402-1729-77E3-DF33-6EE867DE5171}"/>
-              </a:ext>
-            </a:extLst>
-          </p:cNvPr>
-          <p:cNvSpPr txBox="1"/>
-          <p:nvPr/>
-        </p:nvSpPr>
-        <p:spPr>
-          <a:xfrm>
-            <a:off x="6214160" y="3512947"/>
-            <a:ext cx="2550022" cy="307777"/>
-          </a:xfrm>
-          <a:prstGeom prst="rect">
-            <a:avLst/>
-          </a:prstGeom>
-          <a:noFill/>
-          <a:ln>
-            <a:noFill/>
-          </a:ln>
-        </p:spPr>
-        <p:txBody>
-          <a:bodyPr wrap="square" rtlCol="0">
-            <a:noAutofit/>
-          </a:bodyPr>
-          <a:lstStyle/>
-          <a:p>
-            <a:pPr algn="ctr"/>
-            <a:r>
-              <a:rPr lang="en-GB" sz="1400" b="1" dirty="0"/>
-              <a:t>Reflect, Pivot, or Persist</a:t>
-            </a:r>
-          </a:p>
-        </p:txBody>
-      </p:sp>
-      <p:sp>
-        <p:nvSpPr>
-          <p:cNvPr id="27" name="TextBox 26">
-            <a:extLst>
-              <a:ext uri="{FF2B5EF4-FFF2-40B4-BE49-F238E27FC236}">
-                <a16:creationId xmlns:a16="http://schemas.microsoft.com/office/drawing/2014/main" id="{054469AA-E403-D873-1E80-9DE82796616E}"/>
-              </a:ext>
-            </a:extLst>
-          </p:cNvPr>
-          <p:cNvSpPr txBox="1"/>
-          <p:nvPr/>
-        </p:nvSpPr>
-        <p:spPr>
-          <a:xfrm>
-            <a:off x="9076665" y="3512947"/>
-            <a:ext cx="2550022" cy="307777"/>
-          </a:xfrm>
-          <a:prstGeom prst="rect">
-            <a:avLst/>
-          </a:prstGeom>
-          <a:noFill/>
-          <a:ln>
-            <a:noFill/>
-          </a:ln>
-        </p:spPr>
-        <p:txBody>
-          <a:bodyPr wrap="square" rtlCol="0">
-            <a:noAutofit/>
-          </a:bodyPr>
-          <a:lstStyle/>
-          <a:p>
-            <a:pPr algn="ctr"/>
-            <a:r>
-              <a:rPr lang="en-GB" sz="1400" b="1" dirty="0"/>
-              <a:t>See How Far You've Come</a:t>
-            </a:r>
-          </a:p>
-        </p:txBody>
-      </p:sp>
-      <p:sp>
-        <p:nvSpPr>
-          <p:cNvPr id="39" name="Title 1">
-            <a:extLst>
-              <a:ext uri="{FF2B5EF4-FFF2-40B4-BE49-F238E27FC236}">
-                <a16:creationId xmlns:a16="http://schemas.microsoft.com/office/drawing/2014/main" id="{610C7113-DE25-47B7-257C-B1A5478D93AD}"/>
+          <p:cNvPr id="2" name="Title 1">
+            <a:extLst>
+              <a:ext uri="{FF2B5EF4-FFF2-40B4-BE49-F238E27FC236}">
+                <a16:creationId xmlns:a16="http://schemas.microsoft.com/office/drawing/2014/main" id="{60114F5B-200D-5E80-5596-D97099667249}"/>
               </a:ext>
             </a:extLst>
           </p:cNvPr>
@@ -19539,12 +20431,7 @@
             <p:ph type="title"/>
           </p:nvPr>
         </p:nvSpPr>
-        <p:spPr>
-          <a:xfrm>
-            <a:off x="383" y="55451"/>
-            <a:ext cx="11936202" cy="301236"/>
-          </a:xfrm>
-        </p:spPr>
+        <p:spPr/>
         <p:txBody>
           <a:bodyPr>
             <a:noAutofit/>
@@ -19552,515 +20439,90 @@
           <a:lstStyle/>
           <a:p>
             <a:r>
-              <a:rPr lang="en-GB" sz="2400" b="1" dirty="0"/>
-              <a:t>4. Agile Growth Pathway</a:t>
+              <a:rPr lang="en-GB" b="1" dirty="0"/>
+              <a:t>3.4. Background - The Opportunity</a:t>
             </a:r>
           </a:p>
         </p:txBody>
       </p:sp>
       <p:sp>
         <p:nvSpPr>
-          <p:cNvPr id="41" name="TextBox 40">
-            <a:extLst>
-              <a:ext uri="{FF2B5EF4-FFF2-40B4-BE49-F238E27FC236}">
-                <a16:creationId xmlns:a16="http://schemas.microsoft.com/office/drawing/2014/main" id="{74F0BFB7-C0C7-BFF6-DE1C-87440E6127E7}"/>
-              </a:ext>
-            </a:extLst>
-          </p:cNvPr>
-          <p:cNvSpPr txBox="1"/>
-          <p:nvPr/>
+          <p:cNvPr id="3" name="Content Placeholder 2">
+            <a:extLst>
+              <a:ext uri="{FF2B5EF4-FFF2-40B4-BE49-F238E27FC236}">
+                <a16:creationId xmlns:a16="http://schemas.microsoft.com/office/drawing/2014/main" id="{DAE4660F-2C15-FE9B-AFC3-60290F1CFBED}"/>
+              </a:ext>
+            </a:extLst>
+          </p:cNvPr>
+          <p:cNvSpPr>
+            <a:spLocks noGrp="1"/>
+          </p:cNvSpPr>
+          <p:nvPr>
+            <p:ph idx="1"/>
+          </p:nvPr>
         </p:nvSpPr>
-        <p:spPr>
-          <a:xfrm>
-            <a:off x="9081043" y="3804721"/>
-            <a:ext cx="2558757" cy="1444985"/>
-          </a:xfrm>
-          <a:prstGeom prst="rect">
-            <a:avLst/>
-          </a:prstGeom>
-          <a:noFill/>
-          <a:ln>
-            <a:solidFill>
-              <a:schemeClr val="accent1"/>
-            </a:solidFill>
-          </a:ln>
-        </p:spPr>
+        <p:spPr/>
         <p:txBody>
-          <a:bodyPr wrap="square" rtlCol="0">
+          <a:bodyPr vert="horz" lIns="91440" tIns="45720" rIns="91440" bIns="45720" rtlCol="0" anchor="t">
             <a:noAutofit/>
           </a:bodyPr>
           <a:lstStyle/>
           <a:p>
-            <a:endParaRPr lang="en-GB" sz="800" b="1" dirty="0">
-              <a:solidFill>
-                <a:schemeClr val="accent1"/>
-              </a:solidFill>
-            </a:endParaRPr>
-          </a:p>
-        </p:txBody>
-      </p:sp>
-      <p:pic>
-        <p:nvPicPr>
-          <p:cNvPr id="45" name="Picture 44">
-            <a:extLst>
-              <a:ext uri="{FF2B5EF4-FFF2-40B4-BE49-F238E27FC236}">
-                <a16:creationId xmlns:a16="http://schemas.microsoft.com/office/drawing/2014/main" id="{B8B131CC-9B6F-B1A9-9612-8509B435AAC4}"/>
-              </a:ext>
-            </a:extLst>
-          </p:cNvPr>
-          <p:cNvPicPr>
-            <a:picLocks noChangeAspect="1"/>
-          </p:cNvPicPr>
-          <p:nvPr/>
-        </p:nvPicPr>
-        <p:blipFill>
-          <a:blip r:embed="rId7"/>
-          <a:stretch>
-            <a:fillRect/>
-          </a:stretch>
-        </p:blipFill>
-        <p:spPr>
-          <a:xfrm>
-            <a:off x="6233062" y="805978"/>
-            <a:ext cx="2531119" cy="1373727"/>
-          </a:xfrm>
-          <a:prstGeom prst="rect">
-            <a:avLst/>
-          </a:prstGeom>
-        </p:spPr>
-      </p:pic>
-      <p:sp>
-        <p:nvSpPr>
-          <p:cNvPr id="36" name="Oval 35">
-            <a:extLst>
-              <a:ext uri="{FF2B5EF4-FFF2-40B4-BE49-F238E27FC236}">
-                <a16:creationId xmlns:a16="http://schemas.microsoft.com/office/drawing/2014/main" id="{1EBFC88F-E08E-BEB6-E3D6-3985C8615EE5}"/>
-              </a:ext>
-            </a:extLst>
-          </p:cNvPr>
-          <p:cNvSpPr>
-            <a:spLocks noChangeAspect="1"/>
-          </p:cNvSpPr>
-          <p:nvPr/>
-        </p:nvSpPr>
-        <p:spPr>
-          <a:xfrm>
-            <a:off x="8934225" y="3622279"/>
-            <a:ext cx="293636" cy="314207"/>
-          </a:xfrm>
-          <a:prstGeom prst="ellipse">
-            <a:avLst/>
-          </a:prstGeom>
-        </p:spPr>
-        <p:style>
-          <a:lnRef idx="2">
-            <a:schemeClr val="accent1">
-              <a:shade val="15000"/>
-            </a:schemeClr>
-          </a:lnRef>
-          <a:fillRef idx="1">
-            <a:schemeClr val="accent1"/>
-          </a:fillRef>
-          <a:effectRef idx="0">
-            <a:schemeClr val="accent1"/>
-          </a:effectRef>
-          <a:fontRef idx="minor">
-            <a:schemeClr val="lt1"/>
-          </a:fontRef>
-        </p:style>
-        <p:txBody>
-          <a:bodyPr rtlCol="0" anchor="ctr">
-            <a:noAutofit/>
-          </a:bodyPr>
-          <a:lstStyle/>
-          <a:p>
-            <a:pPr algn="ctr"/>
-            <a:r>
-              <a:rPr lang="en-GB" sz="1200" b="1" dirty="0"/>
-              <a:t>8</a:t>
+            <a:pPr marL="0" indent="0">
+              <a:buNone/>
+            </a:pPr>
+            <a:r>
+              <a:rPr lang="en-GB" sz="2000" dirty="0"/>
+              <a:t>Wouldn’t it be beneficial if Agile Practitioners and Agile Practitioner People Managers had a clear way to understand where they are on their journey, envision their next steps, and create a pathway for growth within the company? Imagine supporting colleagues to grow and develop in a focused way, with tailored resources and experiences that not only help them thrive but also drive the company’s growth and success. </a:t>
+            </a:r>
+          </a:p>
+          <a:p>
+            <a:pPr marL="0" indent="0">
+              <a:buNone/>
+            </a:pPr>
+            <a:r>
+              <a:rPr lang="en-GB" sz="2000" dirty="0"/>
+              <a:t>And wouldn’t it be even better if they had a resource to prepare and support their development, enabling them to make a greater impact wherever their journey takes them?</a:t>
+            </a:r>
+          </a:p>
+          <a:p>
+            <a:pPr marL="0" indent="0">
+              <a:buNone/>
+            </a:pPr>
+            <a:endParaRPr lang="en-GB" sz="800" dirty="0"/>
+          </a:p>
+          <a:p>
+            <a:pPr marL="0" indent="0">
+              <a:buNone/>
+            </a:pPr>
+            <a:r>
+              <a:rPr lang="en-GB" sz="2000" b="1" dirty="0"/>
+              <a:t>The next slide compiles existing templates, tools, and resources into one central place – introducing the “Agile Growth Pathway.”</a:t>
+            </a:r>
+          </a:p>
+          <a:p>
+            <a:pPr marL="0" indent="0">
+              <a:buNone/>
+            </a:pPr>
+            <a:endParaRPr lang="en-GB" sz="800" dirty="0"/>
+          </a:p>
+          <a:p>
+            <a:pPr marL="0" indent="0">
+              <a:buNone/>
+            </a:pPr>
+            <a:r>
+              <a:rPr lang="en-GB" sz="1500" dirty="0"/>
+              <a:t>⚠️ Note: This pathway is designed to equip practitioners with transferable skills across various contexts and organisations. Collaborate with your line manager and mentor to align it with your role, team and context.</a:t>
             </a:r>
           </a:p>
         </p:txBody>
       </p:sp>
       <p:sp>
         <p:nvSpPr>
-          <p:cNvPr id="31" name="Oval 30">
-            <a:extLst>
-              <a:ext uri="{FF2B5EF4-FFF2-40B4-BE49-F238E27FC236}">
-                <a16:creationId xmlns:a16="http://schemas.microsoft.com/office/drawing/2014/main" id="{E36A1902-BCEF-C618-E934-F6A431FBA2AC}"/>
-              </a:ext>
-            </a:extLst>
-          </p:cNvPr>
-          <p:cNvSpPr>
-            <a:spLocks noChangeAspect="1"/>
-          </p:cNvSpPr>
-          <p:nvPr/>
-        </p:nvSpPr>
-        <p:spPr>
-          <a:xfrm>
-            <a:off x="6074625" y="530005"/>
-            <a:ext cx="293636" cy="314207"/>
-          </a:xfrm>
-          <a:prstGeom prst="ellipse">
-            <a:avLst/>
-          </a:prstGeom>
-        </p:spPr>
-        <p:style>
-          <a:lnRef idx="2">
-            <a:schemeClr val="accent1">
-              <a:shade val="15000"/>
-            </a:schemeClr>
-          </a:lnRef>
-          <a:fillRef idx="1">
-            <a:schemeClr val="accent1"/>
-          </a:fillRef>
-          <a:effectRef idx="0">
-            <a:schemeClr val="accent1"/>
-          </a:effectRef>
-          <a:fontRef idx="minor">
-            <a:schemeClr val="lt1"/>
-          </a:fontRef>
-        </p:style>
-        <p:txBody>
-          <a:bodyPr rtlCol="0" anchor="ctr">
-            <a:noAutofit/>
-          </a:bodyPr>
-          <a:lstStyle/>
-          <a:p>
-            <a:pPr algn="ctr"/>
-            <a:r>
-              <a:rPr lang="en-GB" sz="1200" b="1" dirty="0"/>
-              <a:t>3</a:t>
-            </a:r>
-          </a:p>
-        </p:txBody>
-      </p:sp>
-      <p:sp>
-        <p:nvSpPr>
-          <p:cNvPr id="46" name="TextBox 45">
-            <a:extLst>
-              <a:ext uri="{FF2B5EF4-FFF2-40B4-BE49-F238E27FC236}">
-                <a16:creationId xmlns:a16="http://schemas.microsoft.com/office/drawing/2014/main" id="{ABDCC7AC-91BD-A970-9145-F9C02DB4EAAF}"/>
-              </a:ext>
-            </a:extLst>
-          </p:cNvPr>
-          <p:cNvSpPr txBox="1"/>
-          <p:nvPr/>
-        </p:nvSpPr>
-        <p:spPr>
-          <a:xfrm>
-            <a:off x="6234150" y="3810016"/>
-            <a:ext cx="2558757" cy="1444985"/>
-          </a:xfrm>
-          <a:prstGeom prst="rect">
-            <a:avLst/>
-          </a:prstGeom>
-          <a:noFill/>
-          <a:ln>
-            <a:solidFill>
-              <a:schemeClr val="accent1"/>
-            </a:solidFill>
-          </a:ln>
-        </p:spPr>
-        <p:txBody>
-          <a:bodyPr wrap="square" rtlCol="0">
-            <a:noAutofit/>
-          </a:bodyPr>
-          <a:lstStyle/>
-          <a:p>
-            <a:endParaRPr lang="en-GB" sz="800" b="1" dirty="0">
-              <a:solidFill>
-                <a:schemeClr val="accent1"/>
-              </a:solidFill>
-            </a:endParaRPr>
-          </a:p>
-        </p:txBody>
-      </p:sp>
-      <p:pic>
-        <p:nvPicPr>
-          <p:cNvPr id="47" name="Picture 46">
-            <a:extLst>
-              <a:ext uri="{FF2B5EF4-FFF2-40B4-BE49-F238E27FC236}">
-                <a16:creationId xmlns:a16="http://schemas.microsoft.com/office/drawing/2014/main" id="{AD469B76-3202-1D6A-B968-CDAEF6F97FFA}"/>
-              </a:ext>
-            </a:extLst>
-          </p:cNvPr>
-          <p:cNvPicPr>
-            <a:picLocks noChangeAspect="1"/>
-          </p:cNvPicPr>
-          <p:nvPr/>
-        </p:nvPicPr>
-        <p:blipFill>
-          <a:blip r:embed="rId7"/>
-          <a:stretch>
-            <a:fillRect/>
-          </a:stretch>
-        </p:blipFill>
-        <p:spPr>
-          <a:xfrm>
-            <a:off x="6245378" y="3860294"/>
-            <a:ext cx="2531119" cy="1373727"/>
-          </a:xfrm>
-          <a:prstGeom prst="rect">
-            <a:avLst/>
-          </a:prstGeom>
-        </p:spPr>
-      </p:pic>
-      <p:sp>
-        <p:nvSpPr>
-          <p:cNvPr id="35" name="Oval 34">
-            <a:extLst>
-              <a:ext uri="{FF2B5EF4-FFF2-40B4-BE49-F238E27FC236}">
-                <a16:creationId xmlns:a16="http://schemas.microsoft.com/office/drawing/2014/main" id="{2BB609C4-FA7C-837C-60CF-9E666EA82B38}"/>
-              </a:ext>
-            </a:extLst>
-          </p:cNvPr>
-          <p:cNvSpPr>
-            <a:spLocks noChangeAspect="1"/>
-          </p:cNvSpPr>
-          <p:nvPr/>
-        </p:nvSpPr>
-        <p:spPr>
-          <a:xfrm>
-            <a:off x="6086245" y="3616893"/>
-            <a:ext cx="293636" cy="314207"/>
-          </a:xfrm>
-          <a:prstGeom prst="ellipse">
-            <a:avLst/>
-          </a:prstGeom>
-        </p:spPr>
-        <p:style>
-          <a:lnRef idx="2">
-            <a:schemeClr val="accent1">
-              <a:shade val="15000"/>
-            </a:schemeClr>
-          </a:lnRef>
-          <a:fillRef idx="1">
-            <a:schemeClr val="accent1"/>
-          </a:fillRef>
-          <a:effectRef idx="0">
-            <a:schemeClr val="accent1"/>
-          </a:effectRef>
-          <a:fontRef idx="minor">
-            <a:schemeClr val="lt1"/>
-          </a:fontRef>
-        </p:style>
-        <p:txBody>
-          <a:bodyPr rtlCol="0" anchor="ctr">
-            <a:noAutofit/>
-          </a:bodyPr>
-          <a:lstStyle/>
-          <a:p>
-            <a:pPr algn="ctr"/>
-            <a:r>
-              <a:rPr lang="en-GB" sz="1200" b="1" dirty="0"/>
-              <a:t>7</a:t>
-            </a:r>
-          </a:p>
-        </p:txBody>
-      </p:sp>
-      <p:pic>
-        <p:nvPicPr>
-          <p:cNvPr id="48" name="Picture 47">
-            <a:extLst>
-              <a:ext uri="{FF2B5EF4-FFF2-40B4-BE49-F238E27FC236}">
-                <a16:creationId xmlns:a16="http://schemas.microsoft.com/office/drawing/2014/main" id="{B1B7B1F5-D340-17D2-8985-80380DACCCDF}"/>
-              </a:ext>
-            </a:extLst>
-          </p:cNvPr>
-          <p:cNvPicPr>
-            <a:picLocks noChangeAspect="1"/>
-          </p:cNvPicPr>
-          <p:nvPr/>
-        </p:nvPicPr>
-        <p:blipFill>
-          <a:blip r:embed="rId8"/>
-          <a:stretch>
-            <a:fillRect/>
-          </a:stretch>
-        </p:blipFill>
-        <p:spPr>
-          <a:xfrm>
-            <a:off x="534386" y="807262"/>
-            <a:ext cx="2523991" cy="1369859"/>
-          </a:xfrm>
-          <a:prstGeom prst="rect">
-            <a:avLst/>
-          </a:prstGeom>
-        </p:spPr>
-      </p:pic>
-      <p:sp>
-        <p:nvSpPr>
-          <p:cNvPr id="29" name="Oval 28">
-            <a:extLst>
-              <a:ext uri="{FF2B5EF4-FFF2-40B4-BE49-F238E27FC236}">
-                <a16:creationId xmlns:a16="http://schemas.microsoft.com/office/drawing/2014/main" id="{16A85DA7-E723-EFA6-913F-B2D3E9565BAE}"/>
-              </a:ext>
-            </a:extLst>
-          </p:cNvPr>
-          <p:cNvSpPr>
-            <a:spLocks noChangeAspect="1"/>
-          </p:cNvSpPr>
-          <p:nvPr/>
-        </p:nvSpPr>
-        <p:spPr>
-          <a:xfrm>
-            <a:off x="278024" y="530005"/>
-            <a:ext cx="293636" cy="314207"/>
-          </a:xfrm>
-          <a:prstGeom prst="ellipse">
-            <a:avLst/>
-          </a:prstGeom>
-        </p:spPr>
-        <p:style>
-          <a:lnRef idx="2">
-            <a:schemeClr val="accent1">
-              <a:shade val="15000"/>
-            </a:schemeClr>
-          </a:lnRef>
-          <a:fillRef idx="1">
-            <a:schemeClr val="accent1"/>
-          </a:fillRef>
-          <a:effectRef idx="0">
-            <a:schemeClr val="accent1"/>
-          </a:effectRef>
-          <a:fontRef idx="minor">
-            <a:schemeClr val="lt1"/>
-          </a:fontRef>
-        </p:style>
-        <p:txBody>
-          <a:bodyPr rtlCol="0" anchor="ctr">
-            <a:noAutofit/>
-          </a:bodyPr>
-          <a:lstStyle/>
-          <a:p>
-            <a:pPr algn="ctr"/>
-            <a:r>
-              <a:rPr lang="en-GB" sz="1200" b="1" dirty="0"/>
-              <a:t>1</a:t>
-            </a:r>
-          </a:p>
-        </p:txBody>
-      </p:sp>
-      <p:pic>
-        <p:nvPicPr>
-          <p:cNvPr id="51" name="Picture 50">
-            <a:extLst>
-              <a:ext uri="{FF2B5EF4-FFF2-40B4-BE49-F238E27FC236}">
-                <a16:creationId xmlns:a16="http://schemas.microsoft.com/office/drawing/2014/main" id="{EB3B9E19-8A0D-5FEF-AA31-844B418B2210}"/>
-              </a:ext>
-            </a:extLst>
-          </p:cNvPr>
-          <p:cNvPicPr>
-            <a:picLocks noChangeAspect="1"/>
-          </p:cNvPicPr>
-          <p:nvPr/>
-        </p:nvPicPr>
-        <p:blipFill>
-          <a:blip r:embed="rId9"/>
-          <a:stretch>
-            <a:fillRect/>
-          </a:stretch>
-        </p:blipFill>
-        <p:spPr>
-          <a:xfrm>
-            <a:off x="597692" y="3893535"/>
-            <a:ext cx="2442265" cy="1320201"/>
-          </a:xfrm>
-          <a:prstGeom prst="rect">
-            <a:avLst/>
-          </a:prstGeom>
-        </p:spPr>
-      </p:pic>
-      <p:pic>
-        <p:nvPicPr>
-          <p:cNvPr id="53" name="Picture 52">
-            <a:extLst>
-              <a:ext uri="{FF2B5EF4-FFF2-40B4-BE49-F238E27FC236}">
-                <a16:creationId xmlns:a16="http://schemas.microsoft.com/office/drawing/2014/main" id="{1B5C54DF-1AD6-3CD0-DC26-A3E5BADCB9FA}"/>
-              </a:ext>
-            </a:extLst>
-          </p:cNvPr>
-          <p:cNvPicPr>
-            <a:picLocks noChangeAspect="1"/>
-          </p:cNvPicPr>
-          <p:nvPr/>
-        </p:nvPicPr>
-        <p:blipFill>
-          <a:blip r:embed="rId10"/>
-          <a:stretch>
-            <a:fillRect/>
-          </a:stretch>
-        </p:blipFill>
-        <p:spPr>
-          <a:xfrm>
-            <a:off x="3408916" y="3852952"/>
-            <a:ext cx="2494654" cy="1348521"/>
-          </a:xfrm>
-          <a:prstGeom prst="rect">
-            <a:avLst/>
-          </a:prstGeom>
-        </p:spPr>
-      </p:pic>
-      <p:sp>
-        <p:nvSpPr>
-          <p:cNvPr id="34" name="Oval 33">
-            <a:extLst>
-              <a:ext uri="{FF2B5EF4-FFF2-40B4-BE49-F238E27FC236}">
-                <a16:creationId xmlns:a16="http://schemas.microsoft.com/office/drawing/2014/main" id="{BD3B00E5-1F94-E1BD-57AF-1249C87CD452}"/>
-              </a:ext>
-            </a:extLst>
-          </p:cNvPr>
-          <p:cNvSpPr>
-            <a:spLocks noChangeAspect="1"/>
-          </p:cNvSpPr>
-          <p:nvPr/>
-        </p:nvSpPr>
-        <p:spPr>
-          <a:xfrm>
-            <a:off x="3184025" y="3622279"/>
-            <a:ext cx="293636" cy="314207"/>
-          </a:xfrm>
-          <a:prstGeom prst="ellipse">
-            <a:avLst/>
-          </a:prstGeom>
-        </p:spPr>
-        <p:style>
-          <a:lnRef idx="2">
-            <a:schemeClr val="accent1">
-              <a:shade val="15000"/>
-            </a:schemeClr>
-          </a:lnRef>
-          <a:fillRef idx="1">
-            <a:schemeClr val="accent1"/>
-          </a:fillRef>
-          <a:effectRef idx="0">
-            <a:schemeClr val="accent1"/>
-          </a:effectRef>
-          <a:fontRef idx="minor">
-            <a:schemeClr val="lt1"/>
-          </a:fontRef>
-        </p:style>
-        <p:txBody>
-          <a:bodyPr rtlCol="0" anchor="ctr">
-            <a:noAutofit/>
-          </a:bodyPr>
-          <a:lstStyle/>
-          <a:p>
-            <a:pPr algn="ctr"/>
-            <a:r>
-              <a:rPr lang="en-GB" sz="1200" b="1" dirty="0"/>
-              <a:t>6</a:t>
-            </a:r>
-          </a:p>
-        </p:txBody>
-      </p:sp>
-      <p:sp>
-        <p:nvSpPr>
-          <p:cNvPr id="59" name="Rectangle 58">
-            <a:extLst>
-              <a:ext uri="{FF2B5EF4-FFF2-40B4-BE49-F238E27FC236}">
-                <a16:creationId xmlns:a16="http://schemas.microsoft.com/office/drawing/2014/main" id="{C088F712-3FD5-8744-0155-AF790C444FAE}"/>
+          <p:cNvPr id="11" name="Rectangle 10">
+            <a:extLst>
+              <a:ext uri="{FF2B5EF4-FFF2-40B4-BE49-F238E27FC236}">
+                <a16:creationId xmlns:a16="http://schemas.microsoft.com/office/drawing/2014/main" id="{6EF852B9-E40E-2E95-E234-35DD838577CC}"/>
               </a:ext>
             </a:extLst>
           </p:cNvPr>
@@ -20109,10 +20571,10 @@
       </p:sp>
       <p:sp>
         <p:nvSpPr>
-          <p:cNvPr id="60" name="TextBox 59">
-            <a:extLst>
-              <a:ext uri="{FF2B5EF4-FFF2-40B4-BE49-F238E27FC236}">
-                <a16:creationId xmlns:a16="http://schemas.microsoft.com/office/drawing/2014/main" id="{29CC600D-67E2-5418-7762-81A3C3B1426B}"/>
+          <p:cNvPr id="12" name="TextBox 11">
+            <a:extLst>
+              <a:ext uri="{FF2B5EF4-FFF2-40B4-BE49-F238E27FC236}">
+                <a16:creationId xmlns:a16="http://schemas.microsoft.com/office/drawing/2014/main" id="{584DE67C-7116-33BB-971E-76309B16789A}"/>
               </a:ext>
             </a:extLst>
           </p:cNvPr>
@@ -20144,17 +20606,17 @@
                 <a:latin typeface="Arial" panose="020B0604020202020204" pitchFamily="34" charset="0"/>
                 <a:cs typeface="Arial" panose="020B0604020202020204" pitchFamily="34" charset="0"/>
               </a:rPr>
-              <a:t>Author: Tom Hoyland | Version 1.4</a:t>
+              <a:t>Author: Tom Hoyland | Version 1.5</a:t>
             </a:r>
           </a:p>
         </p:txBody>
       </p:sp>
       <p:pic>
         <p:nvPicPr>
-          <p:cNvPr id="61" name="Picture 2">
-            <a:extLst>
-              <a:ext uri="{FF2B5EF4-FFF2-40B4-BE49-F238E27FC236}">
-                <a16:creationId xmlns:a16="http://schemas.microsoft.com/office/drawing/2014/main" id="{39177216-7A65-FB99-E01D-58CBD229A7A2}"/>
+          <p:cNvPr id="13" name="Picture 2">
+            <a:extLst>
+              <a:ext uri="{FF2B5EF4-FFF2-40B4-BE49-F238E27FC236}">
+                <a16:creationId xmlns:a16="http://schemas.microsoft.com/office/drawing/2014/main" id="{DE67D8C1-EF0F-C86F-8CB6-D7304AE655A5}"/>
               </a:ext>
             </a:extLst>
           </p:cNvPr>
@@ -20164,7 +20626,7 @@
           <p:nvPr/>
         </p:nvPicPr>
         <p:blipFill>
-          <a:blip r:embed="rId11">
+          <a:blip r:embed="rId2">
             <a:extLst>
               <a:ext uri="{28A0092B-C50C-407E-A947-70E740481C1C}">
                 <a14:useLocalDpi xmlns:a14="http://schemas.microsoft.com/office/drawing/2010/main" val="0"/>
@@ -20198,10 +20660,10 @@
       </p:pic>
       <p:sp>
         <p:nvSpPr>
-          <p:cNvPr id="62" name="TextBox 61">
-            <a:extLst>
-              <a:ext uri="{FF2B5EF4-FFF2-40B4-BE49-F238E27FC236}">
-                <a16:creationId xmlns:a16="http://schemas.microsoft.com/office/drawing/2014/main" id="{BE6C4FDD-AFF5-37AB-CB98-8332E4957125}"/>
+          <p:cNvPr id="14" name="TextBox 13">
+            <a:extLst>
+              <a:ext uri="{FF2B5EF4-FFF2-40B4-BE49-F238E27FC236}">
+                <a16:creationId xmlns:a16="http://schemas.microsoft.com/office/drawing/2014/main" id="{40BA8BF9-47C6-BF43-4FB0-DCF017C0220B}"/>
               </a:ext>
             </a:extLst>
           </p:cNvPr>
@@ -20238,68 +20700,10 @@
           </a:p>
         </p:txBody>
       </p:sp>
-      <p:pic>
-        <p:nvPicPr>
-          <p:cNvPr id="5" name="Picture 4">
-            <a:extLst>
-              <a:ext uri="{FF2B5EF4-FFF2-40B4-BE49-F238E27FC236}">
-                <a16:creationId xmlns:a16="http://schemas.microsoft.com/office/drawing/2014/main" id="{761F2DD1-5598-725E-3B3B-4D1A04AFF99E}"/>
-              </a:ext>
-            </a:extLst>
-          </p:cNvPr>
-          <p:cNvPicPr>
-            <a:picLocks noChangeAspect="1"/>
-          </p:cNvPicPr>
-          <p:nvPr/>
-        </p:nvPicPr>
-        <p:blipFill>
-          <a:blip r:embed="rId12"/>
-          <a:srcRect t="282"/>
-          <a:stretch/>
-        </p:blipFill>
-        <p:spPr>
-          <a:xfrm>
-            <a:off x="3408807" y="876299"/>
-            <a:ext cx="2472272" cy="1289085"/>
-          </a:xfrm>
-          <a:prstGeom prst="rect">
-            <a:avLst/>
-          </a:prstGeom>
-        </p:spPr>
-      </p:pic>
-      <p:pic>
-        <p:nvPicPr>
-          <p:cNvPr id="6" name="Picture 5">
-            <a:extLst>
-              <a:ext uri="{FF2B5EF4-FFF2-40B4-BE49-F238E27FC236}">
-                <a16:creationId xmlns:a16="http://schemas.microsoft.com/office/drawing/2014/main" id="{594F6003-ADE8-5CB0-998B-D392E793CE58}"/>
-              </a:ext>
-            </a:extLst>
-          </p:cNvPr>
-          <p:cNvPicPr>
-            <a:picLocks noChangeAspect="1"/>
-          </p:cNvPicPr>
-          <p:nvPr/>
-        </p:nvPicPr>
-        <p:blipFill>
-          <a:blip r:embed="rId12"/>
-          <a:srcRect t="282"/>
-          <a:stretch/>
-        </p:blipFill>
-        <p:spPr>
-          <a:xfrm>
-            <a:off x="9124285" y="3930056"/>
-            <a:ext cx="2472272" cy="1289085"/>
-          </a:xfrm>
-          <a:prstGeom prst="rect">
-            <a:avLst/>
-          </a:prstGeom>
-        </p:spPr>
-      </p:pic>
     </p:spTree>
     <p:extLst>
       <p:ext uri="{BB962C8B-B14F-4D97-AF65-F5344CB8AC3E}">
-        <p14:creationId xmlns:p14="http://schemas.microsoft.com/office/powerpoint/2010/main" val="238127258"/>
+        <p14:creationId xmlns:p14="http://schemas.microsoft.com/office/powerpoint/2010/main" val="1391078005"/>
       </p:ext>
     </p:extLst>
   </p:cSld>

--- a/Agile-Growth-Pathway.pptx
+++ b/Agile-Growth-Pathway.pptx
@@ -248,6 +248,803 @@
     </pc:docChg>
   </pc:docChgLst>
   <pc:docChgLst>
+    <pc:chgData name="Tom Hoyland" userId="736d7a3e-93c7-4109-90c5-e67b8b3e41b2" providerId="ADAL" clId="{A4D346AA-F248-6444-93C1-EF2F2E65C714}"/>
+    <pc:docChg chg="undo custSel addSld delSld modSld sldOrd">
+      <pc:chgData name="Tom Hoyland" userId="736d7a3e-93c7-4109-90c5-e67b8b3e41b2" providerId="ADAL" clId="{A4D346AA-F248-6444-93C1-EF2F2E65C714}" dt="2024-08-20T11:33:24.572" v="664" actId="404"/>
+      <pc:docMkLst>
+        <pc:docMk/>
+      </pc:docMkLst>
+      <pc:sldChg chg="addSp delSp modSp mod">
+        <pc:chgData name="Tom Hoyland" userId="736d7a3e-93c7-4109-90c5-e67b8b3e41b2" providerId="ADAL" clId="{A4D346AA-F248-6444-93C1-EF2F2E65C714}" dt="2024-08-20T10:35:24.927" v="523" actId="1076"/>
+        <pc:sldMkLst>
+          <pc:docMk/>
+          <pc:sldMk cId="215971509" sldId="258"/>
+        </pc:sldMkLst>
+        <pc:spChg chg="add del mod">
+          <ac:chgData name="Tom Hoyland" userId="736d7a3e-93c7-4109-90c5-e67b8b3e41b2" providerId="ADAL" clId="{A4D346AA-F248-6444-93C1-EF2F2E65C714}" dt="2024-08-20T10:35:16.759" v="521"/>
+          <ac:spMkLst>
+            <pc:docMk/>
+            <pc:sldMk cId="215971509" sldId="258"/>
+            <ac:spMk id="2" creationId="{13C5DC61-1188-B764-894D-18FA2653502D}"/>
+          </ac:spMkLst>
+        </pc:spChg>
+        <pc:graphicFrameChg chg="mod modGraphic">
+          <ac:chgData name="Tom Hoyland" userId="736d7a3e-93c7-4109-90c5-e67b8b3e41b2" providerId="ADAL" clId="{A4D346AA-F248-6444-93C1-EF2F2E65C714}" dt="2024-08-20T10:35:24.927" v="523" actId="1076"/>
+          <ac:graphicFrameMkLst>
+            <pc:docMk/>
+            <pc:sldMk cId="215971509" sldId="258"/>
+            <ac:graphicFrameMk id="4" creationId="{2C24AB31-CFE6-05B1-A05C-CB4B8F5125D5}"/>
+          </ac:graphicFrameMkLst>
+        </pc:graphicFrameChg>
+      </pc:sldChg>
+      <pc:sldChg chg="addSp delSp modSp del mod">
+        <pc:chgData name="Tom Hoyland" userId="736d7a3e-93c7-4109-90c5-e67b8b3e41b2" providerId="ADAL" clId="{A4D346AA-F248-6444-93C1-EF2F2E65C714}" dt="2024-08-20T11:32:51.918" v="598" actId="2696"/>
+        <pc:sldMkLst>
+          <pc:docMk/>
+          <pc:sldMk cId="1551894915" sldId="261"/>
+        </pc:sldMkLst>
+        <pc:spChg chg="del">
+          <ac:chgData name="Tom Hoyland" userId="736d7a3e-93c7-4109-90c5-e67b8b3e41b2" providerId="ADAL" clId="{A4D346AA-F248-6444-93C1-EF2F2E65C714}" dt="2024-08-20T11:32:39.566" v="595" actId="478"/>
+          <ac:spMkLst>
+            <pc:docMk/>
+            <pc:sldMk cId="1551894915" sldId="261"/>
+            <ac:spMk id="2" creationId="{60114F5B-200D-5E80-5596-D97099667249}"/>
+          </ac:spMkLst>
+        </pc:spChg>
+        <pc:spChg chg="add mod">
+          <ac:chgData name="Tom Hoyland" userId="736d7a3e-93c7-4109-90c5-e67b8b3e41b2" providerId="ADAL" clId="{A4D346AA-F248-6444-93C1-EF2F2E65C714}" dt="2024-08-20T11:32:39.566" v="595" actId="478"/>
+          <ac:spMkLst>
+            <pc:docMk/>
+            <pc:sldMk cId="1551894915" sldId="261"/>
+            <ac:spMk id="4" creationId="{D965E8EF-04AD-6DBB-D01A-5F2B61C6026F}"/>
+          </ac:spMkLst>
+        </pc:spChg>
+        <pc:spChg chg="del">
+          <ac:chgData name="Tom Hoyland" userId="736d7a3e-93c7-4109-90c5-e67b8b3e41b2" providerId="ADAL" clId="{A4D346AA-F248-6444-93C1-EF2F2E65C714}" dt="2024-08-20T11:32:39.566" v="595" actId="478"/>
+          <ac:spMkLst>
+            <pc:docMk/>
+            <pc:sldMk cId="1551894915" sldId="261"/>
+            <ac:spMk id="8" creationId="{8CDDB97D-A02F-8254-5432-E930CF01E0FC}"/>
+          </ac:spMkLst>
+        </pc:spChg>
+        <pc:spChg chg="del">
+          <ac:chgData name="Tom Hoyland" userId="736d7a3e-93c7-4109-90c5-e67b8b3e41b2" providerId="ADAL" clId="{A4D346AA-F248-6444-93C1-EF2F2E65C714}" dt="2024-08-20T11:32:39.566" v="595" actId="478"/>
+          <ac:spMkLst>
+            <pc:docMk/>
+            <pc:sldMk cId="1551894915" sldId="261"/>
+            <ac:spMk id="10" creationId="{C258F823-7B51-957A-9C20-93136D988928}"/>
+          </ac:spMkLst>
+        </pc:spChg>
+        <pc:spChg chg="del">
+          <ac:chgData name="Tom Hoyland" userId="736d7a3e-93c7-4109-90c5-e67b8b3e41b2" providerId="ADAL" clId="{A4D346AA-F248-6444-93C1-EF2F2E65C714}" dt="2024-08-20T11:32:39.566" v="595" actId="478"/>
+          <ac:spMkLst>
+            <pc:docMk/>
+            <pc:sldMk cId="1551894915" sldId="261"/>
+            <ac:spMk id="11" creationId="{706FB268-040E-2102-1308-B242A93B903A}"/>
+          </ac:spMkLst>
+        </pc:spChg>
+        <pc:spChg chg="del">
+          <ac:chgData name="Tom Hoyland" userId="736d7a3e-93c7-4109-90c5-e67b8b3e41b2" providerId="ADAL" clId="{A4D346AA-F248-6444-93C1-EF2F2E65C714}" dt="2024-08-20T11:32:39.566" v="595" actId="478"/>
+          <ac:spMkLst>
+            <pc:docMk/>
+            <pc:sldMk cId="1551894915" sldId="261"/>
+            <ac:spMk id="13" creationId="{380E85BC-FF65-970E-3CDA-C005D8E7882F}"/>
+          </ac:spMkLst>
+        </pc:spChg>
+        <pc:spChg chg="del">
+          <ac:chgData name="Tom Hoyland" userId="736d7a3e-93c7-4109-90c5-e67b8b3e41b2" providerId="ADAL" clId="{A4D346AA-F248-6444-93C1-EF2F2E65C714}" dt="2024-08-20T11:32:39.566" v="595" actId="478"/>
+          <ac:spMkLst>
+            <pc:docMk/>
+            <pc:sldMk cId="1551894915" sldId="261"/>
+            <ac:spMk id="14" creationId="{042E4238-C41B-D73B-C28B-0B462803692E}"/>
+          </ac:spMkLst>
+        </pc:spChg>
+        <pc:spChg chg="del">
+          <ac:chgData name="Tom Hoyland" userId="736d7a3e-93c7-4109-90c5-e67b8b3e41b2" providerId="ADAL" clId="{A4D346AA-F248-6444-93C1-EF2F2E65C714}" dt="2024-08-20T11:32:39.566" v="595" actId="478"/>
+          <ac:spMkLst>
+            <pc:docMk/>
+            <pc:sldMk cId="1551894915" sldId="261"/>
+            <ac:spMk id="16" creationId="{24D6D5B8-560A-7C70-9E81-B8EFB579F08E}"/>
+          </ac:spMkLst>
+        </pc:spChg>
+        <pc:spChg chg="del">
+          <ac:chgData name="Tom Hoyland" userId="736d7a3e-93c7-4109-90c5-e67b8b3e41b2" providerId="ADAL" clId="{A4D346AA-F248-6444-93C1-EF2F2E65C714}" dt="2024-08-20T11:32:39.566" v="595" actId="478"/>
+          <ac:spMkLst>
+            <pc:docMk/>
+            <pc:sldMk cId="1551894915" sldId="261"/>
+            <ac:spMk id="18" creationId="{F93BD877-DC0E-E976-9DE4-BE888B19CF0F}"/>
+          </ac:spMkLst>
+        </pc:spChg>
+        <pc:spChg chg="del">
+          <ac:chgData name="Tom Hoyland" userId="736d7a3e-93c7-4109-90c5-e67b8b3e41b2" providerId="ADAL" clId="{A4D346AA-F248-6444-93C1-EF2F2E65C714}" dt="2024-08-20T11:32:39.566" v="595" actId="478"/>
+          <ac:spMkLst>
+            <pc:docMk/>
+            <pc:sldMk cId="1551894915" sldId="261"/>
+            <ac:spMk id="28" creationId="{5ACB057E-5EA7-0F53-3026-546099232574}"/>
+          </ac:spMkLst>
+        </pc:spChg>
+        <pc:spChg chg="del">
+          <ac:chgData name="Tom Hoyland" userId="736d7a3e-93c7-4109-90c5-e67b8b3e41b2" providerId="ADAL" clId="{A4D346AA-F248-6444-93C1-EF2F2E65C714}" dt="2024-08-20T11:32:39.566" v="595" actId="478"/>
+          <ac:spMkLst>
+            <pc:docMk/>
+            <pc:sldMk cId="1551894915" sldId="261"/>
+            <ac:spMk id="29" creationId="{73641E73-F1C1-EAD9-8C93-D55E7BD2CDF8}"/>
+          </ac:spMkLst>
+        </pc:spChg>
+        <pc:spChg chg="del">
+          <ac:chgData name="Tom Hoyland" userId="736d7a3e-93c7-4109-90c5-e67b8b3e41b2" providerId="ADAL" clId="{A4D346AA-F248-6444-93C1-EF2F2E65C714}" dt="2024-08-20T11:32:39.566" v="595" actId="478"/>
+          <ac:spMkLst>
+            <pc:docMk/>
+            <pc:sldMk cId="1551894915" sldId="261"/>
+            <ac:spMk id="30" creationId="{0E4E77C7-934A-84F8-113F-232F677D364F}"/>
+          </ac:spMkLst>
+        </pc:spChg>
+        <pc:spChg chg="del">
+          <ac:chgData name="Tom Hoyland" userId="736d7a3e-93c7-4109-90c5-e67b8b3e41b2" providerId="ADAL" clId="{A4D346AA-F248-6444-93C1-EF2F2E65C714}" dt="2024-08-20T11:32:39.566" v="595" actId="478"/>
+          <ac:spMkLst>
+            <pc:docMk/>
+            <pc:sldMk cId="1551894915" sldId="261"/>
+            <ac:spMk id="31" creationId="{18DF7356-8B91-65DC-8FE8-32BFE8F1A09C}"/>
+          </ac:spMkLst>
+        </pc:spChg>
+        <pc:spChg chg="del">
+          <ac:chgData name="Tom Hoyland" userId="736d7a3e-93c7-4109-90c5-e67b8b3e41b2" providerId="ADAL" clId="{A4D346AA-F248-6444-93C1-EF2F2E65C714}" dt="2024-08-20T11:32:39.566" v="595" actId="478"/>
+          <ac:spMkLst>
+            <pc:docMk/>
+            <pc:sldMk cId="1551894915" sldId="261"/>
+            <ac:spMk id="32" creationId="{CE0A2A4C-DC20-3B09-E6C1-86C7406F3E22}"/>
+          </ac:spMkLst>
+        </pc:spChg>
+        <pc:spChg chg="del">
+          <ac:chgData name="Tom Hoyland" userId="736d7a3e-93c7-4109-90c5-e67b8b3e41b2" providerId="ADAL" clId="{A4D346AA-F248-6444-93C1-EF2F2E65C714}" dt="2024-08-20T11:32:39.566" v="595" actId="478"/>
+          <ac:spMkLst>
+            <pc:docMk/>
+            <pc:sldMk cId="1551894915" sldId="261"/>
+            <ac:spMk id="33" creationId="{B0CF220A-8F25-72EA-707D-3F51885CA3B4}"/>
+          </ac:spMkLst>
+        </pc:spChg>
+        <pc:spChg chg="del">
+          <ac:chgData name="Tom Hoyland" userId="736d7a3e-93c7-4109-90c5-e67b8b3e41b2" providerId="ADAL" clId="{A4D346AA-F248-6444-93C1-EF2F2E65C714}" dt="2024-08-20T11:32:39.566" v="595" actId="478"/>
+          <ac:spMkLst>
+            <pc:docMk/>
+            <pc:sldMk cId="1551894915" sldId="261"/>
+            <ac:spMk id="34" creationId="{FD091573-20FC-A6D7-6867-DCE7669E0934}"/>
+          </ac:spMkLst>
+        </pc:spChg>
+        <pc:spChg chg="del">
+          <ac:chgData name="Tom Hoyland" userId="736d7a3e-93c7-4109-90c5-e67b8b3e41b2" providerId="ADAL" clId="{A4D346AA-F248-6444-93C1-EF2F2E65C714}" dt="2024-08-20T11:32:39.566" v="595" actId="478"/>
+          <ac:spMkLst>
+            <pc:docMk/>
+            <pc:sldMk cId="1551894915" sldId="261"/>
+            <ac:spMk id="35" creationId="{14C3540D-164D-0502-B9B3-99DA425B4CAA}"/>
+          </ac:spMkLst>
+        </pc:spChg>
+        <pc:spChg chg="del">
+          <ac:chgData name="Tom Hoyland" userId="736d7a3e-93c7-4109-90c5-e67b8b3e41b2" providerId="ADAL" clId="{A4D346AA-F248-6444-93C1-EF2F2E65C714}" dt="2024-08-20T11:32:39.566" v="595" actId="478"/>
+          <ac:spMkLst>
+            <pc:docMk/>
+            <pc:sldMk cId="1551894915" sldId="261"/>
+            <ac:spMk id="36" creationId="{E590E56E-C5E5-6786-556B-9FF43F6C6253}"/>
+          </ac:spMkLst>
+        </pc:spChg>
+        <pc:picChg chg="del">
+          <ac:chgData name="Tom Hoyland" userId="736d7a3e-93c7-4109-90c5-e67b8b3e41b2" providerId="ADAL" clId="{A4D346AA-F248-6444-93C1-EF2F2E65C714}" dt="2024-08-20T11:32:39.566" v="595" actId="478"/>
+          <ac:picMkLst>
+            <pc:docMk/>
+            <pc:sldMk cId="1551894915" sldId="261"/>
+            <ac:picMk id="5" creationId="{62116002-A9FA-E0AB-8E6A-8CEE2DB576CB}"/>
+          </ac:picMkLst>
+        </pc:picChg>
+        <pc:picChg chg="del">
+          <ac:chgData name="Tom Hoyland" userId="736d7a3e-93c7-4109-90c5-e67b8b3e41b2" providerId="ADAL" clId="{A4D346AA-F248-6444-93C1-EF2F2E65C714}" dt="2024-08-20T11:32:39.566" v="595" actId="478"/>
+          <ac:picMkLst>
+            <pc:docMk/>
+            <pc:sldMk cId="1551894915" sldId="261"/>
+            <ac:picMk id="6" creationId="{06F97ED0-2646-B792-8B99-24400765AE9E}"/>
+          </ac:picMkLst>
+        </pc:picChg>
+        <pc:picChg chg="del">
+          <ac:chgData name="Tom Hoyland" userId="736d7a3e-93c7-4109-90c5-e67b8b3e41b2" providerId="ADAL" clId="{A4D346AA-F248-6444-93C1-EF2F2E65C714}" dt="2024-08-20T11:32:39.566" v="595" actId="478"/>
+          <ac:picMkLst>
+            <pc:docMk/>
+            <pc:sldMk cId="1551894915" sldId="261"/>
+            <ac:picMk id="7" creationId="{D006BE89-01FB-EFD8-A0B0-468CE5796739}"/>
+          </ac:picMkLst>
+        </pc:picChg>
+        <pc:picChg chg="del">
+          <ac:chgData name="Tom Hoyland" userId="736d7a3e-93c7-4109-90c5-e67b8b3e41b2" providerId="ADAL" clId="{A4D346AA-F248-6444-93C1-EF2F2E65C714}" dt="2024-08-20T11:32:39.566" v="595" actId="478"/>
+          <ac:picMkLst>
+            <pc:docMk/>
+            <pc:sldMk cId="1551894915" sldId="261"/>
+            <ac:picMk id="9" creationId="{08B66EBF-2D1E-6E8B-FCBD-479EDE455568}"/>
+          </ac:picMkLst>
+        </pc:picChg>
+        <pc:picChg chg="del">
+          <ac:chgData name="Tom Hoyland" userId="736d7a3e-93c7-4109-90c5-e67b8b3e41b2" providerId="ADAL" clId="{A4D346AA-F248-6444-93C1-EF2F2E65C714}" dt="2024-08-20T11:32:39.566" v="595" actId="478"/>
+          <ac:picMkLst>
+            <pc:docMk/>
+            <pc:sldMk cId="1551894915" sldId="261"/>
+            <ac:picMk id="12" creationId="{0AF8A365-1CA9-E91D-685E-C97FBF85A01F}"/>
+          </ac:picMkLst>
+        </pc:picChg>
+        <pc:picChg chg="del">
+          <ac:chgData name="Tom Hoyland" userId="736d7a3e-93c7-4109-90c5-e67b8b3e41b2" providerId="ADAL" clId="{A4D346AA-F248-6444-93C1-EF2F2E65C714}" dt="2024-08-20T11:32:39.566" v="595" actId="478"/>
+          <ac:picMkLst>
+            <pc:docMk/>
+            <pc:sldMk cId="1551894915" sldId="261"/>
+            <ac:picMk id="15" creationId="{C1E2E61F-6957-C476-802C-DAA4E8E3D8FC}"/>
+          </ac:picMkLst>
+        </pc:picChg>
+        <pc:picChg chg="del">
+          <ac:chgData name="Tom Hoyland" userId="736d7a3e-93c7-4109-90c5-e67b8b3e41b2" providerId="ADAL" clId="{A4D346AA-F248-6444-93C1-EF2F2E65C714}" dt="2024-08-20T11:32:39.566" v="595" actId="478"/>
+          <ac:picMkLst>
+            <pc:docMk/>
+            <pc:sldMk cId="1551894915" sldId="261"/>
+            <ac:picMk id="17" creationId="{0F35D7D0-03F8-0064-B5AC-20BCCD3C6C55}"/>
+          </ac:picMkLst>
+        </pc:picChg>
+        <pc:picChg chg="del">
+          <ac:chgData name="Tom Hoyland" userId="736d7a3e-93c7-4109-90c5-e67b8b3e41b2" providerId="ADAL" clId="{A4D346AA-F248-6444-93C1-EF2F2E65C714}" dt="2024-08-20T11:32:39.566" v="595" actId="478"/>
+          <ac:picMkLst>
+            <pc:docMk/>
+            <pc:sldMk cId="1551894915" sldId="261"/>
+            <ac:picMk id="21" creationId="{75F00680-C90D-0C50-BAEB-68DD9870452B}"/>
+          </ac:picMkLst>
+        </pc:picChg>
+      </pc:sldChg>
+      <pc:sldChg chg="addSp delSp modSp add mod ord">
+        <pc:chgData name="Tom Hoyland" userId="736d7a3e-93c7-4109-90c5-e67b8b3e41b2" providerId="ADAL" clId="{A4D346AA-F248-6444-93C1-EF2F2E65C714}" dt="2024-08-20T11:32:33.746" v="594" actId="20577"/>
+        <pc:sldMkLst>
+          <pc:docMk/>
+          <pc:sldMk cId="2712193479" sldId="271"/>
+        </pc:sldMkLst>
+        <pc:spChg chg="del">
+          <ac:chgData name="Tom Hoyland" userId="736d7a3e-93c7-4109-90c5-e67b8b3e41b2" providerId="ADAL" clId="{A4D346AA-F248-6444-93C1-EF2F2E65C714}" dt="2024-08-13T07:33:26.326" v="156" actId="478"/>
+          <ac:spMkLst>
+            <pc:docMk/>
+            <pc:sldMk cId="2712193479" sldId="271"/>
+            <ac:spMk id="2" creationId="{60114F5B-200D-5E80-5596-D97099667249}"/>
+          </ac:spMkLst>
+        </pc:spChg>
+        <pc:spChg chg="add mod">
+          <ac:chgData name="Tom Hoyland" userId="736d7a3e-93c7-4109-90c5-e67b8b3e41b2" providerId="ADAL" clId="{A4D346AA-F248-6444-93C1-EF2F2E65C714}" dt="2024-08-13T07:40:02.434" v="517" actId="1076"/>
+          <ac:spMkLst>
+            <pc:docMk/>
+            <pc:sldMk cId="2712193479" sldId="271"/>
+            <ac:spMk id="3" creationId="{43F9F6AE-A5AC-2E03-0D6A-B04BA76B49BC}"/>
+          </ac:spMkLst>
+        </pc:spChg>
+        <pc:spChg chg="add mod">
+          <ac:chgData name="Tom Hoyland" userId="736d7a3e-93c7-4109-90c5-e67b8b3e41b2" providerId="ADAL" clId="{A4D346AA-F248-6444-93C1-EF2F2E65C714}" dt="2024-08-13T07:40:02.434" v="517" actId="1076"/>
+          <ac:spMkLst>
+            <pc:docMk/>
+            <pc:sldMk cId="2712193479" sldId="271"/>
+            <ac:spMk id="4" creationId="{E151A129-60CE-5725-DCEC-DF20AB33301A}"/>
+          </ac:spMkLst>
+        </pc:spChg>
+        <pc:spChg chg="mod">
+          <ac:chgData name="Tom Hoyland" userId="736d7a3e-93c7-4109-90c5-e67b8b3e41b2" providerId="ADAL" clId="{A4D346AA-F248-6444-93C1-EF2F2E65C714}" dt="2024-08-20T11:32:22.457" v="585" actId="20577"/>
+          <ac:spMkLst>
+            <pc:docMk/>
+            <pc:sldMk cId="2712193479" sldId="271"/>
+            <ac:spMk id="8" creationId="{8CDDB97D-A02F-8254-5432-E930CF01E0FC}"/>
+          </ac:spMkLst>
+        </pc:spChg>
+        <pc:spChg chg="mod">
+          <ac:chgData name="Tom Hoyland" userId="736d7a3e-93c7-4109-90c5-e67b8b3e41b2" providerId="ADAL" clId="{A4D346AA-F248-6444-93C1-EF2F2E65C714}" dt="2024-08-20T11:32:20.806" v="584" actId="20577"/>
+          <ac:spMkLst>
+            <pc:docMk/>
+            <pc:sldMk cId="2712193479" sldId="271"/>
+            <ac:spMk id="10" creationId="{C258F823-7B51-957A-9C20-93136D988928}"/>
+          </ac:spMkLst>
+        </pc:spChg>
+        <pc:spChg chg="mod">
+          <ac:chgData name="Tom Hoyland" userId="736d7a3e-93c7-4109-90c5-e67b8b3e41b2" providerId="ADAL" clId="{A4D346AA-F248-6444-93C1-EF2F2E65C714}" dt="2024-08-20T11:32:25.812" v="587" actId="20577"/>
+          <ac:spMkLst>
+            <pc:docMk/>
+            <pc:sldMk cId="2712193479" sldId="271"/>
+            <ac:spMk id="11" creationId="{706FB268-040E-2102-1308-B242A93B903A}"/>
+          </ac:spMkLst>
+        </pc:spChg>
+        <pc:spChg chg="mod">
+          <ac:chgData name="Tom Hoyland" userId="736d7a3e-93c7-4109-90c5-e67b8b3e41b2" providerId="ADAL" clId="{A4D346AA-F248-6444-93C1-EF2F2E65C714}" dt="2024-08-20T11:32:29.695" v="592" actId="20577"/>
+          <ac:spMkLst>
+            <pc:docMk/>
+            <pc:sldMk cId="2712193479" sldId="271"/>
+            <ac:spMk id="13" creationId="{380E85BC-FF65-970E-3CDA-C005D8E7882F}"/>
+          </ac:spMkLst>
+        </pc:spChg>
+        <pc:spChg chg="mod">
+          <ac:chgData name="Tom Hoyland" userId="736d7a3e-93c7-4109-90c5-e67b8b3e41b2" providerId="ADAL" clId="{A4D346AA-F248-6444-93C1-EF2F2E65C714}" dt="2024-08-20T11:32:32.158" v="593" actId="20577"/>
+          <ac:spMkLst>
+            <pc:docMk/>
+            <pc:sldMk cId="2712193479" sldId="271"/>
+            <ac:spMk id="14" creationId="{042E4238-C41B-D73B-C28B-0B462803692E}"/>
+          </ac:spMkLst>
+        </pc:spChg>
+        <pc:spChg chg="mod">
+          <ac:chgData name="Tom Hoyland" userId="736d7a3e-93c7-4109-90c5-e67b8b3e41b2" providerId="ADAL" clId="{A4D346AA-F248-6444-93C1-EF2F2E65C714}" dt="2024-08-20T11:32:24.083" v="586" actId="20577"/>
+          <ac:spMkLst>
+            <pc:docMk/>
+            <pc:sldMk cId="2712193479" sldId="271"/>
+            <ac:spMk id="16" creationId="{24D6D5B8-560A-7C70-9E81-B8EFB579F08E}"/>
+          </ac:spMkLst>
+        </pc:spChg>
+        <pc:spChg chg="mod">
+          <ac:chgData name="Tom Hoyland" userId="736d7a3e-93c7-4109-90c5-e67b8b3e41b2" providerId="ADAL" clId="{A4D346AA-F248-6444-93C1-EF2F2E65C714}" dt="2024-08-20T11:32:19.042" v="583" actId="20577"/>
+          <ac:spMkLst>
+            <pc:docMk/>
+            <pc:sldMk cId="2712193479" sldId="271"/>
+            <ac:spMk id="18" creationId="{F93BD877-DC0E-E976-9DE4-BE888B19CF0F}"/>
+          </ac:spMkLst>
+        </pc:spChg>
+        <pc:spChg chg="add mod">
+          <ac:chgData name="Tom Hoyland" userId="736d7a3e-93c7-4109-90c5-e67b8b3e41b2" providerId="ADAL" clId="{A4D346AA-F248-6444-93C1-EF2F2E65C714}" dt="2024-08-13T07:40:02.434" v="517" actId="1076"/>
+          <ac:spMkLst>
+            <pc:docMk/>
+            <pc:sldMk cId="2712193479" sldId="271"/>
+            <ac:spMk id="19" creationId="{9BC32168-0734-E7F4-DDAC-4419BE1ED0AC}"/>
+          </ac:spMkLst>
+        </pc:spChg>
+        <pc:spChg chg="add mod">
+          <ac:chgData name="Tom Hoyland" userId="736d7a3e-93c7-4109-90c5-e67b8b3e41b2" providerId="ADAL" clId="{A4D346AA-F248-6444-93C1-EF2F2E65C714}" dt="2024-08-13T07:40:02.434" v="517" actId="1076"/>
+          <ac:spMkLst>
+            <pc:docMk/>
+            <pc:sldMk cId="2712193479" sldId="271"/>
+            <ac:spMk id="20" creationId="{69D48872-11CB-3A33-9C96-131727D0AB45}"/>
+          </ac:spMkLst>
+        </pc:spChg>
+        <pc:spChg chg="add del mod">
+          <ac:chgData name="Tom Hoyland" userId="736d7a3e-93c7-4109-90c5-e67b8b3e41b2" providerId="ADAL" clId="{A4D346AA-F248-6444-93C1-EF2F2E65C714}" dt="2024-08-13T07:33:28.075" v="157" actId="478"/>
+          <ac:spMkLst>
+            <pc:docMk/>
+            <pc:sldMk cId="2712193479" sldId="271"/>
+            <ac:spMk id="23" creationId="{97374FD9-56B1-BD38-01AD-42A8332B8E26}"/>
+          </ac:spMkLst>
+        </pc:spChg>
+        <pc:spChg chg="add mod">
+          <ac:chgData name="Tom Hoyland" userId="736d7a3e-93c7-4109-90c5-e67b8b3e41b2" providerId="ADAL" clId="{A4D346AA-F248-6444-93C1-EF2F2E65C714}" dt="2024-08-13T07:40:02.434" v="517" actId="1076"/>
+          <ac:spMkLst>
+            <pc:docMk/>
+            <pc:sldMk cId="2712193479" sldId="271"/>
+            <ac:spMk id="24" creationId="{16C484F4-FF4B-D129-FAEA-02E2EC8CFE4D}"/>
+          </ac:spMkLst>
+        </pc:spChg>
+        <pc:spChg chg="add mod">
+          <ac:chgData name="Tom Hoyland" userId="736d7a3e-93c7-4109-90c5-e67b8b3e41b2" providerId="ADAL" clId="{A4D346AA-F248-6444-93C1-EF2F2E65C714}" dt="2024-08-13T07:40:02.434" v="517" actId="1076"/>
+          <ac:spMkLst>
+            <pc:docMk/>
+            <pc:sldMk cId="2712193479" sldId="271"/>
+            <ac:spMk id="25" creationId="{5772F33A-FAA4-6619-FC37-5A0C0D431A17}"/>
+          </ac:spMkLst>
+        </pc:spChg>
+        <pc:spChg chg="add mod">
+          <ac:chgData name="Tom Hoyland" userId="736d7a3e-93c7-4109-90c5-e67b8b3e41b2" providerId="ADAL" clId="{A4D346AA-F248-6444-93C1-EF2F2E65C714}" dt="2024-08-13T07:40:02.434" v="517" actId="1076"/>
+          <ac:spMkLst>
+            <pc:docMk/>
+            <pc:sldMk cId="2712193479" sldId="271"/>
+            <ac:spMk id="26" creationId="{8DB1EDB7-0892-A3F2-FB78-D990F034BD8D}"/>
+          </ac:spMkLst>
+        </pc:spChg>
+        <pc:spChg chg="add mod">
+          <ac:chgData name="Tom Hoyland" userId="736d7a3e-93c7-4109-90c5-e67b8b3e41b2" providerId="ADAL" clId="{A4D346AA-F248-6444-93C1-EF2F2E65C714}" dt="2024-08-13T07:40:02.434" v="517" actId="1076"/>
+          <ac:spMkLst>
+            <pc:docMk/>
+            <pc:sldMk cId="2712193479" sldId="271"/>
+            <ac:spMk id="27" creationId="{A82AA132-2F6D-308A-92C4-44C23B119428}"/>
+          </ac:spMkLst>
+        </pc:spChg>
+        <pc:spChg chg="mod">
+          <ac:chgData name="Tom Hoyland" userId="736d7a3e-93c7-4109-90c5-e67b8b3e41b2" providerId="ADAL" clId="{A4D346AA-F248-6444-93C1-EF2F2E65C714}" dt="2024-08-20T11:32:33.746" v="594" actId="20577"/>
+          <ac:spMkLst>
+            <pc:docMk/>
+            <pc:sldMk cId="2712193479" sldId="271"/>
+            <ac:spMk id="28" creationId="{5ACB057E-5EA7-0F53-3026-546099232574}"/>
+          </ac:spMkLst>
+        </pc:spChg>
+        <pc:spChg chg="mod">
+          <ac:chgData name="Tom Hoyland" userId="736d7a3e-93c7-4109-90c5-e67b8b3e41b2" providerId="ADAL" clId="{A4D346AA-F248-6444-93C1-EF2F2E65C714}" dt="2024-08-13T07:40:02.434" v="517" actId="1076"/>
+          <ac:spMkLst>
+            <pc:docMk/>
+            <pc:sldMk cId="2712193479" sldId="271"/>
+            <ac:spMk id="29" creationId="{73641E73-F1C1-EAD9-8C93-D55E7BD2CDF8}"/>
+          </ac:spMkLst>
+        </pc:spChg>
+        <pc:spChg chg="mod">
+          <ac:chgData name="Tom Hoyland" userId="736d7a3e-93c7-4109-90c5-e67b8b3e41b2" providerId="ADAL" clId="{A4D346AA-F248-6444-93C1-EF2F2E65C714}" dt="2024-08-13T07:40:02.434" v="517" actId="1076"/>
+          <ac:spMkLst>
+            <pc:docMk/>
+            <pc:sldMk cId="2712193479" sldId="271"/>
+            <ac:spMk id="30" creationId="{0E4E77C7-934A-84F8-113F-232F677D364F}"/>
+          </ac:spMkLst>
+        </pc:spChg>
+        <pc:spChg chg="mod">
+          <ac:chgData name="Tom Hoyland" userId="736d7a3e-93c7-4109-90c5-e67b8b3e41b2" providerId="ADAL" clId="{A4D346AA-F248-6444-93C1-EF2F2E65C714}" dt="2024-08-13T07:40:02.434" v="517" actId="1076"/>
+          <ac:spMkLst>
+            <pc:docMk/>
+            <pc:sldMk cId="2712193479" sldId="271"/>
+            <ac:spMk id="31" creationId="{18DF7356-8B91-65DC-8FE8-32BFE8F1A09C}"/>
+          </ac:spMkLst>
+        </pc:spChg>
+        <pc:spChg chg="mod">
+          <ac:chgData name="Tom Hoyland" userId="736d7a3e-93c7-4109-90c5-e67b8b3e41b2" providerId="ADAL" clId="{A4D346AA-F248-6444-93C1-EF2F2E65C714}" dt="2024-08-13T07:40:02.434" v="517" actId="1076"/>
+          <ac:spMkLst>
+            <pc:docMk/>
+            <pc:sldMk cId="2712193479" sldId="271"/>
+            <ac:spMk id="32" creationId="{CE0A2A4C-DC20-3B09-E6C1-86C7406F3E22}"/>
+          </ac:spMkLst>
+        </pc:spChg>
+        <pc:spChg chg="mod">
+          <ac:chgData name="Tom Hoyland" userId="736d7a3e-93c7-4109-90c5-e67b8b3e41b2" providerId="ADAL" clId="{A4D346AA-F248-6444-93C1-EF2F2E65C714}" dt="2024-08-13T07:40:02.434" v="517" actId="1076"/>
+          <ac:spMkLst>
+            <pc:docMk/>
+            <pc:sldMk cId="2712193479" sldId="271"/>
+            <ac:spMk id="33" creationId="{B0CF220A-8F25-72EA-707D-3F51885CA3B4}"/>
+          </ac:spMkLst>
+        </pc:spChg>
+        <pc:spChg chg="mod">
+          <ac:chgData name="Tom Hoyland" userId="736d7a3e-93c7-4109-90c5-e67b8b3e41b2" providerId="ADAL" clId="{A4D346AA-F248-6444-93C1-EF2F2E65C714}" dt="2024-08-13T07:40:02.434" v="517" actId="1076"/>
+          <ac:spMkLst>
+            <pc:docMk/>
+            <pc:sldMk cId="2712193479" sldId="271"/>
+            <ac:spMk id="34" creationId="{FD091573-20FC-A6D7-6867-DCE7669E0934}"/>
+          </ac:spMkLst>
+        </pc:spChg>
+        <pc:spChg chg="mod">
+          <ac:chgData name="Tom Hoyland" userId="736d7a3e-93c7-4109-90c5-e67b8b3e41b2" providerId="ADAL" clId="{A4D346AA-F248-6444-93C1-EF2F2E65C714}" dt="2024-08-13T07:40:02.434" v="517" actId="1076"/>
+          <ac:spMkLst>
+            <pc:docMk/>
+            <pc:sldMk cId="2712193479" sldId="271"/>
+            <ac:spMk id="35" creationId="{14C3540D-164D-0502-B9B3-99DA425B4CAA}"/>
+          </ac:spMkLst>
+        </pc:spChg>
+        <pc:spChg chg="mod">
+          <ac:chgData name="Tom Hoyland" userId="736d7a3e-93c7-4109-90c5-e67b8b3e41b2" providerId="ADAL" clId="{A4D346AA-F248-6444-93C1-EF2F2E65C714}" dt="2024-08-13T07:40:02.434" v="517" actId="1076"/>
+          <ac:spMkLst>
+            <pc:docMk/>
+            <pc:sldMk cId="2712193479" sldId="271"/>
+            <ac:spMk id="36" creationId="{E590E56E-C5E5-6786-556B-9FF43F6C6253}"/>
+          </ac:spMkLst>
+        </pc:spChg>
+        <pc:picChg chg="mod">
+          <ac:chgData name="Tom Hoyland" userId="736d7a3e-93c7-4109-90c5-e67b8b3e41b2" providerId="ADAL" clId="{A4D346AA-F248-6444-93C1-EF2F2E65C714}" dt="2024-08-13T07:40:02.434" v="517" actId="1076"/>
+          <ac:picMkLst>
+            <pc:docMk/>
+            <pc:sldMk cId="2712193479" sldId="271"/>
+            <ac:picMk id="5" creationId="{62116002-A9FA-E0AB-8E6A-8CEE2DB576CB}"/>
+          </ac:picMkLst>
+        </pc:picChg>
+        <pc:picChg chg="mod">
+          <ac:chgData name="Tom Hoyland" userId="736d7a3e-93c7-4109-90c5-e67b8b3e41b2" providerId="ADAL" clId="{A4D346AA-F248-6444-93C1-EF2F2E65C714}" dt="2024-08-13T07:40:02.434" v="517" actId="1076"/>
+          <ac:picMkLst>
+            <pc:docMk/>
+            <pc:sldMk cId="2712193479" sldId="271"/>
+            <ac:picMk id="6" creationId="{06F97ED0-2646-B792-8B99-24400765AE9E}"/>
+          </ac:picMkLst>
+        </pc:picChg>
+        <pc:picChg chg="mod">
+          <ac:chgData name="Tom Hoyland" userId="736d7a3e-93c7-4109-90c5-e67b8b3e41b2" providerId="ADAL" clId="{A4D346AA-F248-6444-93C1-EF2F2E65C714}" dt="2024-08-13T07:40:02.434" v="517" actId="1076"/>
+          <ac:picMkLst>
+            <pc:docMk/>
+            <pc:sldMk cId="2712193479" sldId="271"/>
+            <ac:picMk id="7" creationId="{D006BE89-01FB-EFD8-A0B0-468CE5796739}"/>
+          </ac:picMkLst>
+        </pc:picChg>
+        <pc:picChg chg="mod">
+          <ac:chgData name="Tom Hoyland" userId="736d7a3e-93c7-4109-90c5-e67b8b3e41b2" providerId="ADAL" clId="{A4D346AA-F248-6444-93C1-EF2F2E65C714}" dt="2024-08-13T07:40:02.434" v="517" actId="1076"/>
+          <ac:picMkLst>
+            <pc:docMk/>
+            <pc:sldMk cId="2712193479" sldId="271"/>
+            <ac:picMk id="9" creationId="{08B66EBF-2D1E-6E8B-FCBD-479EDE455568}"/>
+          </ac:picMkLst>
+        </pc:picChg>
+        <pc:picChg chg="mod">
+          <ac:chgData name="Tom Hoyland" userId="736d7a3e-93c7-4109-90c5-e67b8b3e41b2" providerId="ADAL" clId="{A4D346AA-F248-6444-93C1-EF2F2E65C714}" dt="2024-08-13T07:40:02.434" v="517" actId="1076"/>
+          <ac:picMkLst>
+            <pc:docMk/>
+            <pc:sldMk cId="2712193479" sldId="271"/>
+            <ac:picMk id="12" creationId="{0AF8A365-1CA9-E91D-685E-C97FBF85A01F}"/>
+          </ac:picMkLst>
+        </pc:picChg>
+        <pc:picChg chg="mod">
+          <ac:chgData name="Tom Hoyland" userId="736d7a3e-93c7-4109-90c5-e67b8b3e41b2" providerId="ADAL" clId="{A4D346AA-F248-6444-93C1-EF2F2E65C714}" dt="2024-08-13T07:40:02.434" v="517" actId="1076"/>
+          <ac:picMkLst>
+            <pc:docMk/>
+            <pc:sldMk cId="2712193479" sldId="271"/>
+            <ac:picMk id="15" creationId="{C1E2E61F-6957-C476-802C-DAA4E8E3D8FC}"/>
+          </ac:picMkLst>
+        </pc:picChg>
+        <pc:picChg chg="mod">
+          <ac:chgData name="Tom Hoyland" userId="736d7a3e-93c7-4109-90c5-e67b8b3e41b2" providerId="ADAL" clId="{A4D346AA-F248-6444-93C1-EF2F2E65C714}" dt="2024-08-13T07:40:02.434" v="517" actId="1076"/>
+          <ac:picMkLst>
+            <pc:docMk/>
+            <pc:sldMk cId="2712193479" sldId="271"/>
+            <ac:picMk id="17" creationId="{0F35D7D0-03F8-0064-B5AC-20BCCD3C6C55}"/>
+          </ac:picMkLst>
+        </pc:picChg>
+        <pc:picChg chg="mod">
+          <ac:chgData name="Tom Hoyland" userId="736d7a3e-93c7-4109-90c5-e67b8b3e41b2" providerId="ADAL" clId="{A4D346AA-F248-6444-93C1-EF2F2E65C714}" dt="2024-08-13T07:40:02.434" v="517" actId="1076"/>
+          <ac:picMkLst>
+            <pc:docMk/>
+            <pc:sldMk cId="2712193479" sldId="271"/>
+            <ac:picMk id="21" creationId="{75F00680-C90D-0C50-BAEB-68DD9870452B}"/>
+          </ac:picMkLst>
+        </pc:picChg>
+      </pc:sldChg>
+      <pc:sldChg chg="addSp modSp add mod ord">
+        <pc:chgData name="Tom Hoyland" userId="736d7a3e-93c7-4109-90c5-e67b8b3e41b2" providerId="ADAL" clId="{A4D346AA-F248-6444-93C1-EF2F2E65C714}" dt="2024-08-20T11:33:24.572" v="664" actId="404"/>
+        <pc:sldMkLst>
+          <pc:docMk/>
+          <pc:sldMk cId="248048730" sldId="272"/>
+        </pc:sldMkLst>
+        <pc:spChg chg="add mod">
+          <ac:chgData name="Tom Hoyland" userId="736d7a3e-93c7-4109-90c5-e67b8b3e41b2" providerId="ADAL" clId="{A4D346AA-F248-6444-93C1-EF2F2E65C714}" dt="2024-08-20T11:33:24.572" v="664" actId="404"/>
+          <ac:spMkLst>
+            <pc:docMk/>
+            <pc:sldMk cId="248048730" sldId="272"/>
+            <ac:spMk id="2" creationId="{DE49AD4B-7FB7-DB4B-1892-2174BDB55FDC}"/>
+          </ac:spMkLst>
+        </pc:spChg>
+        <pc:spChg chg="mod">
+          <ac:chgData name="Tom Hoyland" userId="736d7a3e-93c7-4109-90c5-e67b8b3e41b2" providerId="ADAL" clId="{A4D346AA-F248-6444-93C1-EF2F2E65C714}" dt="2024-08-20T11:33:03.837" v="628" actId="1036"/>
+          <ac:spMkLst>
+            <pc:docMk/>
+            <pc:sldMk cId="248048730" sldId="272"/>
+            <ac:spMk id="3" creationId="{213F28A4-07ED-C70E-C1A5-0B32C5A7DD8D}"/>
+          </ac:spMkLst>
+        </pc:spChg>
+        <pc:spChg chg="mod">
+          <ac:chgData name="Tom Hoyland" userId="736d7a3e-93c7-4109-90c5-e67b8b3e41b2" providerId="ADAL" clId="{A4D346AA-F248-6444-93C1-EF2F2E65C714}" dt="2024-08-20T11:33:03.837" v="628" actId="1036"/>
+          <ac:spMkLst>
+            <pc:docMk/>
+            <pc:sldMk cId="248048730" sldId="272"/>
+            <ac:spMk id="4" creationId="{DD555481-A9B5-D5E1-1F1B-EF8ED78D5CD8}"/>
+          </ac:spMkLst>
+        </pc:spChg>
+        <pc:spChg chg="mod">
+          <ac:chgData name="Tom Hoyland" userId="736d7a3e-93c7-4109-90c5-e67b8b3e41b2" providerId="ADAL" clId="{A4D346AA-F248-6444-93C1-EF2F2E65C714}" dt="2024-08-20T11:33:03.837" v="628" actId="1036"/>
+          <ac:spMkLst>
+            <pc:docMk/>
+            <pc:sldMk cId="248048730" sldId="272"/>
+            <ac:spMk id="8" creationId="{AEAF102F-143D-76EF-DF6D-8B165519A4A4}"/>
+          </ac:spMkLst>
+        </pc:spChg>
+        <pc:spChg chg="mod">
+          <ac:chgData name="Tom Hoyland" userId="736d7a3e-93c7-4109-90c5-e67b8b3e41b2" providerId="ADAL" clId="{A4D346AA-F248-6444-93C1-EF2F2E65C714}" dt="2024-08-20T11:33:03.837" v="628" actId="1036"/>
+          <ac:spMkLst>
+            <pc:docMk/>
+            <pc:sldMk cId="248048730" sldId="272"/>
+            <ac:spMk id="10" creationId="{4AFC90E1-B3DD-B446-A88F-D3102C4BE49F}"/>
+          </ac:spMkLst>
+        </pc:spChg>
+        <pc:spChg chg="mod">
+          <ac:chgData name="Tom Hoyland" userId="736d7a3e-93c7-4109-90c5-e67b8b3e41b2" providerId="ADAL" clId="{A4D346AA-F248-6444-93C1-EF2F2E65C714}" dt="2024-08-20T11:33:03.837" v="628" actId="1036"/>
+          <ac:spMkLst>
+            <pc:docMk/>
+            <pc:sldMk cId="248048730" sldId="272"/>
+            <ac:spMk id="11" creationId="{06C0DA98-AF63-8C25-12CC-42A79D849F04}"/>
+          </ac:spMkLst>
+        </pc:spChg>
+        <pc:spChg chg="mod">
+          <ac:chgData name="Tom Hoyland" userId="736d7a3e-93c7-4109-90c5-e67b8b3e41b2" providerId="ADAL" clId="{A4D346AA-F248-6444-93C1-EF2F2E65C714}" dt="2024-08-20T11:33:03.837" v="628" actId="1036"/>
+          <ac:spMkLst>
+            <pc:docMk/>
+            <pc:sldMk cId="248048730" sldId="272"/>
+            <ac:spMk id="13" creationId="{6D7F7EC6-1E57-62EB-8CD1-03BE4F5ADDED}"/>
+          </ac:spMkLst>
+        </pc:spChg>
+        <pc:spChg chg="mod">
+          <ac:chgData name="Tom Hoyland" userId="736d7a3e-93c7-4109-90c5-e67b8b3e41b2" providerId="ADAL" clId="{A4D346AA-F248-6444-93C1-EF2F2E65C714}" dt="2024-08-20T11:33:03.837" v="628" actId="1036"/>
+          <ac:spMkLst>
+            <pc:docMk/>
+            <pc:sldMk cId="248048730" sldId="272"/>
+            <ac:spMk id="14" creationId="{C264D8AC-B086-B921-85C6-5AF1DD6AD8DE}"/>
+          </ac:spMkLst>
+        </pc:spChg>
+        <pc:spChg chg="mod">
+          <ac:chgData name="Tom Hoyland" userId="736d7a3e-93c7-4109-90c5-e67b8b3e41b2" providerId="ADAL" clId="{A4D346AA-F248-6444-93C1-EF2F2E65C714}" dt="2024-08-20T11:33:03.837" v="628" actId="1036"/>
+          <ac:spMkLst>
+            <pc:docMk/>
+            <pc:sldMk cId="248048730" sldId="272"/>
+            <ac:spMk id="16" creationId="{E4800468-3CA0-2964-AA62-A3AA15AEBB24}"/>
+          </ac:spMkLst>
+        </pc:spChg>
+        <pc:spChg chg="mod">
+          <ac:chgData name="Tom Hoyland" userId="736d7a3e-93c7-4109-90c5-e67b8b3e41b2" providerId="ADAL" clId="{A4D346AA-F248-6444-93C1-EF2F2E65C714}" dt="2024-08-20T11:33:03.837" v="628" actId="1036"/>
+          <ac:spMkLst>
+            <pc:docMk/>
+            <pc:sldMk cId="248048730" sldId="272"/>
+            <ac:spMk id="18" creationId="{63271C5F-2656-11FB-BDA0-F18F429D4AB8}"/>
+          </ac:spMkLst>
+        </pc:spChg>
+        <pc:spChg chg="mod">
+          <ac:chgData name="Tom Hoyland" userId="736d7a3e-93c7-4109-90c5-e67b8b3e41b2" providerId="ADAL" clId="{A4D346AA-F248-6444-93C1-EF2F2E65C714}" dt="2024-08-20T11:33:03.837" v="628" actId="1036"/>
+          <ac:spMkLst>
+            <pc:docMk/>
+            <pc:sldMk cId="248048730" sldId="272"/>
+            <ac:spMk id="19" creationId="{70929939-537B-C447-115E-FED5AF8357AE}"/>
+          </ac:spMkLst>
+        </pc:spChg>
+        <pc:spChg chg="mod">
+          <ac:chgData name="Tom Hoyland" userId="736d7a3e-93c7-4109-90c5-e67b8b3e41b2" providerId="ADAL" clId="{A4D346AA-F248-6444-93C1-EF2F2E65C714}" dt="2024-08-20T11:33:03.837" v="628" actId="1036"/>
+          <ac:spMkLst>
+            <pc:docMk/>
+            <pc:sldMk cId="248048730" sldId="272"/>
+            <ac:spMk id="20" creationId="{59B90136-C70C-1F8D-144A-B8DAA91E8BFF}"/>
+          </ac:spMkLst>
+        </pc:spChg>
+        <pc:spChg chg="mod">
+          <ac:chgData name="Tom Hoyland" userId="736d7a3e-93c7-4109-90c5-e67b8b3e41b2" providerId="ADAL" clId="{A4D346AA-F248-6444-93C1-EF2F2E65C714}" dt="2024-08-20T11:33:03.837" v="628" actId="1036"/>
+          <ac:spMkLst>
+            <pc:docMk/>
+            <pc:sldMk cId="248048730" sldId="272"/>
+            <ac:spMk id="24" creationId="{58A0E144-52CD-ECF3-042B-7992A86DA18B}"/>
+          </ac:spMkLst>
+        </pc:spChg>
+        <pc:spChg chg="mod">
+          <ac:chgData name="Tom Hoyland" userId="736d7a3e-93c7-4109-90c5-e67b8b3e41b2" providerId="ADAL" clId="{A4D346AA-F248-6444-93C1-EF2F2E65C714}" dt="2024-08-20T11:33:03.837" v="628" actId="1036"/>
+          <ac:spMkLst>
+            <pc:docMk/>
+            <pc:sldMk cId="248048730" sldId="272"/>
+            <ac:spMk id="25" creationId="{38DEAD3F-0B7F-2B20-993E-A2B1F014B1CD}"/>
+          </ac:spMkLst>
+        </pc:spChg>
+        <pc:spChg chg="mod">
+          <ac:chgData name="Tom Hoyland" userId="736d7a3e-93c7-4109-90c5-e67b8b3e41b2" providerId="ADAL" clId="{A4D346AA-F248-6444-93C1-EF2F2E65C714}" dt="2024-08-20T11:33:03.837" v="628" actId="1036"/>
+          <ac:spMkLst>
+            <pc:docMk/>
+            <pc:sldMk cId="248048730" sldId="272"/>
+            <ac:spMk id="26" creationId="{3A945144-0789-5A0E-FC67-42CABE016FCE}"/>
+          </ac:spMkLst>
+        </pc:spChg>
+        <pc:spChg chg="mod">
+          <ac:chgData name="Tom Hoyland" userId="736d7a3e-93c7-4109-90c5-e67b8b3e41b2" providerId="ADAL" clId="{A4D346AA-F248-6444-93C1-EF2F2E65C714}" dt="2024-08-20T11:33:03.837" v="628" actId="1036"/>
+          <ac:spMkLst>
+            <pc:docMk/>
+            <pc:sldMk cId="248048730" sldId="272"/>
+            <ac:spMk id="27" creationId="{CCBC6816-D39B-700B-F344-1B0D25A1449C}"/>
+          </ac:spMkLst>
+        </pc:spChg>
+        <pc:spChg chg="mod">
+          <ac:chgData name="Tom Hoyland" userId="736d7a3e-93c7-4109-90c5-e67b8b3e41b2" providerId="ADAL" clId="{A4D346AA-F248-6444-93C1-EF2F2E65C714}" dt="2024-08-20T11:33:03.837" v="628" actId="1036"/>
+          <ac:spMkLst>
+            <pc:docMk/>
+            <pc:sldMk cId="248048730" sldId="272"/>
+            <ac:spMk id="28" creationId="{5A0B0504-FBD2-ED5A-4F3B-787A8587C05A}"/>
+          </ac:spMkLst>
+        </pc:spChg>
+        <pc:spChg chg="mod">
+          <ac:chgData name="Tom Hoyland" userId="736d7a3e-93c7-4109-90c5-e67b8b3e41b2" providerId="ADAL" clId="{A4D346AA-F248-6444-93C1-EF2F2E65C714}" dt="2024-08-20T11:33:03.837" v="628" actId="1036"/>
+          <ac:spMkLst>
+            <pc:docMk/>
+            <pc:sldMk cId="248048730" sldId="272"/>
+            <ac:spMk id="29" creationId="{68B58E08-22AA-A82B-48BD-73CAD4C99992}"/>
+          </ac:spMkLst>
+        </pc:spChg>
+        <pc:spChg chg="mod">
+          <ac:chgData name="Tom Hoyland" userId="736d7a3e-93c7-4109-90c5-e67b8b3e41b2" providerId="ADAL" clId="{A4D346AA-F248-6444-93C1-EF2F2E65C714}" dt="2024-08-20T11:33:03.837" v="628" actId="1036"/>
+          <ac:spMkLst>
+            <pc:docMk/>
+            <pc:sldMk cId="248048730" sldId="272"/>
+            <ac:spMk id="30" creationId="{DEFE14F4-97D1-71EF-B066-BF208197EC0B}"/>
+          </ac:spMkLst>
+        </pc:spChg>
+        <pc:spChg chg="mod">
+          <ac:chgData name="Tom Hoyland" userId="736d7a3e-93c7-4109-90c5-e67b8b3e41b2" providerId="ADAL" clId="{A4D346AA-F248-6444-93C1-EF2F2E65C714}" dt="2024-08-20T11:33:03.837" v="628" actId="1036"/>
+          <ac:spMkLst>
+            <pc:docMk/>
+            <pc:sldMk cId="248048730" sldId="272"/>
+            <ac:spMk id="31" creationId="{8D8F7CEF-134A-D3DA-8445-5A753AB0F80F}"/>
+          </ac:spMkLst>
+        </pc:spChg>
+        <pc:spChg chg="mod">
+          <ac:chgData name="Tom Hoyland" userId="736d7a3e-93c7-4109-90c5-e67b8b3e41b2" providerId="ADAL" clId="{A4D346AA-F248-6444-93C1-EF2F2E65C714}" dt="2024-08-20T11:33:03.837" v="628" actId="1036"/>
+          <ac:spMkLst>
+            <pc:docMk/>
+            <pc:sldMk cId="248048730" sldId="272"/>
+            <ac:spMk id="32" creationId="{5057154F-7DCF-A223-0510-F25D7FD2EE6A}"/>
+          </ac:spMkLst>
+        </pc:spChg>
+        <pc:spChg chg="mod">
+          <ac:chgData name="Tom Hoyland" userId="736d7a3e-93c7-4109-90c5-e67b8b3e41b2" providerId="ADAL" clId="{A4D346AA-F248-6444-93C1-EF2F2E65C714}" dt="2024-08-20T11:33:03.837" v="628" actId="1036"/>
+          <ac:spMkLst>
+            <pc:docMk/>
+            <pc:sldMk cId="248048730" sldId="272"/>
+            <ac:spMk id="33" creationId="{E0D8722E-83A8-C310-122A-30EA2816860E}"/>
+          </ac:spMkLst>
+        </pc:spChg>
+        <pc:spChg chg="mod">
+          <ac:chgData name="Tom Hoyland" userId="736d7a3e-93c7-4109-90c5-e67b8b3e41b2" providerId="ADAL" clId="{A4D346AA-F248-6444-93C1-EF2F2E65C714}" dt="2024-08-20T11:33:03.837" v="628" actId="1036"/>
+          <ac:spMkLst>
+            <pc:docMk/>
+            <pc:sldMk cId="248048730" sldId="272"/>
+            <ac:spMk id="34" creationId="{27018EDB-C14A-2175-DA20-52AE83F8940E}"/>
+          </ac:spMkLst>
+        </pc:spChg>
+        <pc:spChg chg="mod">
+          <ac:chgData name="Tom Hoyland" userId="736d7a3e-93c7-4109-90c5-e67b8b3e41b2" providerId="ADAL" clId="{A4D346AA-F248-6444-93C1-EF2F2E65C714}" dt="2024-08-20T11:33:03.837" v="628" actId="1036"/>
+          <ac:spMkLst>
+            <pc:docMk/>
+            <pc:sldMk cId="248048730" sldId="272"/>
+            <ac:spMk id="35" creationId="{64BD6B3C-21B9-94EB-9163-4D7A83A4A297}"/>
+          </ac:spMkLst>
+        </pc:spChg>
+        <pc:spChg chg="mod">
+          <ac:chgData name="Tom Hoyland" userId="736d7a3e-93c7-4109-90c5-e67b8b3e41b2" providerId="ADAL" clId="{A4D346AA-F248-6444-93C1-EF2F2E65C714}" dt="2024-08-20T11:33:03.837" v="628" actId="1036"/>
+          <ac:spMkLst>
+            <pc:docMk/>
+            <pc:sldMk cId="248048730" sldId="272"/>
+            <ac:spMk id="36" creationId="{965DF994-D945-F5CF-02B0-6FD96B778267}"/>
+          </ac:spMkLst>
+        </pc:spChg>
+        <pc:picChg chg="mod">
+          <ac:chgData name="Tom Hoyland" userId="736d7a3e-93c7-4109-90c5-e67b8b3e41b2" providerId="ADAL" clId="{A4D346AA-F248-6444-93C1-EF2F2E65C714}" dt="2024-08-20T11:33:03.837" v="628" actId="1036"/>
+          <ac:picMkLst>
+            <pc:docMk/>
+            <pc:sldMk cId="248048730" sldId="272"/>
+            <ac:picMk id="5" creationId="{6322FBD9-FD8F-9C95-2729-127E6A05B844}"/>
+          </ac:picMkLst>
+        </pc:picChg>
+        <pc:picChg chg="mod">
+          <ac:chgData name="Tom Hoyland" userId="736d7a3e-93c7-4109-90c5-e67b8b3e41b2" providerId="ADAL" clId="{A4D346AA-F248-6444-93C1-EF2F2E65C714}" dt="2024-08-20T11:33:03.837" v="628" actId="1036"/>
+          <ac:picMkLst>
+            <pc:docMk/>
+            <pc:sldMk cId="248048730" sldId="272"/>
+            <ac:picMk id="6" creationId="{2BE0E3B7-67DB-7D22-62F7-F28225398F7E}"/>
+          </ac:picMkLst>
+        </pc:picChg>
+        <pc:picChg chg="mod">
+          <ac:chgData name="Tom Hoyland" userId="736d7a3e-93c7-4109-90c5-e67b8b3e41b2" providerId="ADAL" clId="{A4D346AA-F248-6444-93C1-EF2F2E65C714}" dt="2024-08-20T11:33:03.837" v="628" actId="1036"/>
+          <ac:picMkLst>
+            <pc:docMk/>
+            <pc:sldMk cId="248048730" sldId="272"/>
+            <ac:picMk id="7" creationId="{4025EFFD-6B77-7453-3202-61E018612DB9}"/>
+          </ac:picMkLst>
+        </pc:picChg>
+        <pc:picChg chg="mod">
+          <ac:chgData name="Tom Hoyland" userId="736d7a3e-93c7-4109-90c5-e67b8b3e41b2" providerId="ADAL" clId="{A4D346AA-F248-6444-93C1-EF2F2E65C714}" dt="2024-08-20T11:33:03.837" v="628" actId="1036"/>
+          <ac:picMkLst>
+            <pc:docMk/>
+            <pc:sldMk cId="248048730" sldId="272"/>
+            <ac:picMk id="9" creationId="{AFD2E46D-615E-B65D-1188-F2A6AB1738D7}"/>
+          </ac:picMkLst>
+        </pc:picChg>
+        <pc:picChg chg="mod">
+          <ac:chgData name="Tom Hoyland" userId="736d7a3e-93c7-4109-90c5-e67b8b3e41b2" providerId="ADAL" clId="{A4D346AA-F248-6444-93C1-EF2F2E65C714}" dt="2024-08-20T11:33:03.837" v="628" actId="1036"/>
+          <ac:picMkLst>
+            <pc:docMk/>
+            <pc:sldMk cId="248048730" sldId="272"/>
+            <ac:picMk id="12" creationId="{5C0C4BE6-1C53-E473-95EA-95C0F5CF1564}"/>
+          </ac:picMkLst>
+        </pc:picChg>
+        <pc:picChg chg="mod">
+          <ac:chgData name="Tom Hoyland" userId="736d7a3e-93c7-4109-90c5-e67b8b3e41b2" providerId="ADAL" clId="{A4D346AA-F248-6444-93C1-EF2F2E65C714}" dt="2024-08-20T11:33:03.837" v="628" actId="1036"/>
+          <ac:picMkLst>
+            <pc:docMk/>
+            <pc:sldMk cId="248048730" sldId="272"/>
+            <ac:picMk id="15" creationId="{1A85A53A-A4EB-808E-BCEA-EEBBAB52ECBA}"/>
+          </ac:picMkLst>
+        </pc:picChg>
+        <pc:picChg chg="mod">
+          <ac:chgData name="Tom Hoyland" userId="736d7a3e-93c7-4109-90c5-e67b8b3e41b2" providerId="ADAL" clId="{A4D346AA-F248-6444-93C1-EF2F2E65C714}" dt="2024-08-20T11:33:03.837" v="628" actId="1036"/>
+          <ac:picMkLst>
+            <pc:docMk/>
+            <pc:sldMk cId="248048730" sldId="272"/>
+            <ac:picMk id="17" creationId="{0FE1B1AD-E962-2850-8199-8B489F405D39}"/>
+          </ac:picMkLst>
+        </pc:picChg>
+        <pc:picChg chg="mod">
+          <ac:chgData name="Tom Hoyland" userId="736d7a3e-93c7-4109-90c5-e67b8b3e41b2" providerId="ADAL" clId="{A4D346AA-F248-6444-93C1-EF2F2E65C714}" dt="2024-08-20T11:33:03.837" v="628" actId="1036"/>
+          <ac:picMkLst>
+            <pc:docMk/>
+            <pc:sldMk cId="248048730" sldId="272"/>
+            <ac:picMk id="21" creationId="{177349E7-5A4C-46C5-B5B8-4980C12E809F}"/>
+          </ac:picMkLst>
+        </pc:picChg>
+      </pc:sldChg>
+    </pc:docChg>
+  </pc:docChgLst>
+  <pc:docChgLst>
     <pc:chgData name="Tom Hoyland" userId="S::tom.hoyland2@flutteruki.com::736d7a3e-93c7-4109-90c5-e67b8b3e41b2" providerId="AD" clId="Web-{F19ABF11-EF07-D527-F7BB-E1FE47E9926D}"/>
     <pc:docChg chg="modSld">
       <pc:chgData name="Tom Hoyland" userId="S::tom.hoyland2@flutteruki.com::736d7a3e-93c7-4109-90c5-e67b8b3e41b2" providerId="AD" clId="Web-{F19ABF11-EF07-D527-F7BB-E1FE47E9926D}" dt="2024-08-01T14:32:23.491" v="527"/>
@@ -280,803 +1077,6 @@
             </pc226:cmChg>
           </p:ext>
         </pc:extLst>
-      </pc:sldChg>
-    </pc:docChg>
-  </pc:docChgLst>
-  <pc:docChgLst>
-    <pc:chgData name="Tom Hoyland" userId="736d7a3e-93c7-4109-90c5-e67b8b3e41b2" providerId="ADAL" clId="{A4D346AA-F248-6444-93C1-EF2F2E65C714}"/>
-    <pc:docChg chg="undo custSel addSld delSld modSld sldOrd">
-      <pc:chgData name="Tom Hoyland" userId="736d7a3e-93c7-4109-90c5-e67b8b3e41b2" providerId="ADAL" clId="{A4D346AA-F248-6444-93C1-EF2F2E65C714}" dt="2024-08-20T11:33:24.572" v="664" actId="404"/>
-      <pc:docMkLst>
-        <pc:docMk/>
-      </pc:docMkLst>
-      <pc:sldChg chg="addSp delSp modSp mod">
-        <pc:chgData name="Tom Hoyland" userId="736d7a3e-93c7-4109-90c5-e67b8b3e41b2" providerId="ADAL" clId="{A4D346AA-F248-6444-93C1-EF2F2E65C714}" dt="2024-08-20T10:35:24.927" v="523" actId="1076"/>
-        <pc:sldMkLst>
-          <pc:docMk/>
-          <pc:sldMk cId="215971509" sldId="258"/>
-        </pc:sldMkLst>
-        <pc:spChg chg="add del mod">
-          <ac:chgData name="Tom Hoyland" userId="736d7a3e-93c7-4109-90c5-e67b8b3e41b2" providerId="ADAL" clId="{A4D346AA-F248-6444-93C1-EF2F2E65C714}" dt="2024-08-20T10:35:16.759" v="521"/>
-          <ac:spMkLst>
-            <pc:docMk/>
-            <pc:sldMk cId="215971509" sldId="258"/>
-            <ac:spMk id="2" creationId="{13C5DC61-1188-B764-894D-18FA2653502D}"/>
-          </ac:spMkLst>
-        </pc:spChg>
-        <pc:graphicFrameChg chg="mod modGraphic">
-          <ac:chgData name="Tom Hoyland" userId="736d7a3e-93c7-4109-90c5-e67b8b3e41b2" providerId="ADAL" clId="{A4D346AA-F248-6444-93C1-EF2F2E65C714}" dt="2024-08-20T10:35:24.927" v="523" actId="1076"/>
-          <ac:graphicFrameMkLst>
-            <pc:docMk/>
-            <pc:sldMk cId="215971509" sldId="258"/>
-            <ac:graphicFrameMk id="4" creationId="{2C24AB31-CFE6-05B1-A05C-CB4B8F5125D5}"/>
-          </ac:graphicFrameMkLst>
-        </pc:graphicFrameChg>
-      </pc:sldChg>
-      <pc:sldChg chg="addSp delSp modSp del mod">
-        <pc:chgData name="Tom Hoyland" userId="736d7a3e-93c7-4109-90c5-e67b8b3e41b2" providerId="ADAL" clId="{A4D346AA-F248-6444-93C1-EF2F2E65C714}" dt="2024-08-20T11:32:51.918" v="598" actId="2696"/>
-        <pc:sldMkLst>
-          <pc:docMk/>
-          <pc:sldMk cId="1551894915" sldId="261"/>
-        </pc:sldMkLst>
-        <pc:spChg chg="del">
-          <ac:chgData name="Tom Hoyland" userId="736d7a3e-93c7-4109-90c5-e67b8b3e41b2" providerId="ADAL" clId="{A4D346AA-F248-6444-93C1-EF2F2E65C714}" dt="2024-08-20T11:32:39.566" v="595" actId="478"/>
-          <ac:spMkLst>
-            <pc:docMk/>
-            <pc:sldMk cId="1551894915" sldId="261"/>
-            <ac:spMk id="2" creationId="{60114F5B-200D-5E80-5596-D97099667249}"/>
-          </ac:spMkLst>
-        </pc:spChg>
-        <pc:spChg chg="add mod">
-          <ac:chgData name="Tom Hoyland" userId="736d7a3e-93c7-4109-90c5-e67b8b3e41b2" providerId="ADAL" clId="{A4D346AA-F248-6444-93C1-EF2F2E65C714}" dt="2024-08-20T11:32:39.566" v="595" actId="478"/>
-          <ac:spMkLst>
-            <pc:docMk/>
-            <pc:sldMk cId="1551894915" sldId="261"/>
-            <ac:spMk id="4" creationId="{D965E8EF-04AD-6DBB-D01A-5F2B61C6026F}"/>
-          </ac:spMkLst>
-        </pc:spChg>
-        <pc:spChg chg="del">
-          <ac:chgData name="Tom Hoyland" userId="736d7a3e-93c7-4109-90c5-e67b8b3e41b2" providerId="ADAL" clId="{A4D346AA-F248-6444-93C1-EF2F2E65C714}" dt="2024-08-20T11:32:39.566" v="595" actId="478"/>
-          <ac:spMkLst>
-            <pc:docMk/>
-            <pc:sldMk cId="1551894915" sldId="261"/>
-            <ac:spMk id="8" creationId="{8CDDB97D-A02F-8254-5432-E930CF01E0FC}"/>
-          </ac:spMkLst>
-        </pc:spChg>
-        <pc:spChg chg="del">
-          <ac:chgData name="Tom Hoyland" userId="736d7a3e-93c7-4109-90c5-e67b8b3e41b2" providerId="ADAL" clId="{A4D346AA-F248-6444-93C1-EF2F2E65C714}" dt="2024-08-20T11:32:39.566" v="595" actId="478"/>
-          <ac:spMkLst>
-            <pc:docMk/>
-            <pc:sldMk cId="1551894915" sldId="261"/>
-            <ac:spMk id="10" creationId="{C258F823-7B51-957A-9C20-93136D988928}"/>
-          </ac:spMkLst>
-        </pc:spChg>
-        <pc:spChg chg="del">
-          <ac:chgData name="Tom Hoyland" userId="736d7a3e-93c7-4109-90c5-e67b8b3e41b2" providerId="ADAL" clId="{A4D346AA-F248-6444-93C1-EF2F2E65C714}" dt="2024-08-20T11:32:39.566" v="595" actId="478"/>
-          <ac:spMkLst>
-            <pc:docMk/>
-            <pc:sldMk cId="1551894915" sldId="261"/>
-            <ac:spMk id="11" creationId="{706FB268-040E-2102-1308-B242A93B903A}"/>
-          </ac:spMkLst>
-        </pc:spChg>
-        <pc:spChg chg="del">
-          <ac:chgData name="Tom Hoyland" userId="736d7a3e-93c7-4109-90c5-e67b8b3e41b2" providerId="ADAL" clId="{A4D346AA-F248-6444-93C1-EF2F2E65C714}" dt="2024-08-20T11:32:39.566" v="595" actId="478"/>
-          <ac:spMkLst>
-            <pc:docMk/>
-            <pc:sldMk cId="1551894915" sldId="261"/>
-            <ac:spMk id="13" creationId="{380E85BC-FF65-970E-3CDA-C005D8E7882F}"/>
-          </ac:spMkLst>
-        </pc:spChg>
-        <pc:spChg chg="del">
-          <ac:chgData name="Tom Hoyland" userId="736d7a3e-93c7-4109-90c5-e67b8b3e41b2" providerId="ADAL" clId="{A4D346AA-F248-6444-93C1-EF2F2E65C714}" dt="2024-08-20T11:32:39.566" v="595" actId="478"/>
-          <ac:spMkLst>
-            <pc:docMk/>
-            <pc:sldMk cId="1551894915" sldId="261"/>
-            <ac:spMk id="14" creationId="{042E4238-C41B-D73B-C28B-0B462803692E}"/>
-          </ac:spMkLst>
-        </pc:spChg>
-        <pc:spChg chg="del">
-          <ac:chgData name="Tom Hoyland" userId="736d7a3e-93c7-4109-90c5-e67b8b3e41b2" providerId="ADAL" clId="{A4D346AA-F248-6444-93C1-EF2F2E65C714}" dt="2024-08-20T11:32:39.566" v="595" actId="478"/>
-          <ac:spMkLst>
-            <pc:docMk/>
-            <pc:sldMk cId="1551894915" sldId="261"/>
-            <ac:spMk id="16" creationId="{24D6D5B8-560A-7C70-9E81-B8EFB579F08E}"/>
-          </ac:spMkLst>
-        </pc:spChg>
-        <pc:spChg chg="del">
-          <ac:chgData name="Tom Hoyland" userId="736d7a3e-93c7-4109-90c5-e67b8b3e41b2" providerId="ADAL" clId="{A4D346AA-F248-6444-93C1-EF2F2E65C714}" dt="2024-08-20T11:32:39.566" v="595" actId="478"/>
-          <ac:spMkLst>
-            <pc:docMk/>
-            <pc:sldMk cId="1551894915" sldId="261"/>
-            <ac:spMk id="18" creationId="{F93BD877-DC0E-E976-9DE4-BE888B19CF0F}"/>
-          </ac:spMkLst>
-        </pc:spChg>
-        <pc:spChg chg="del">
-          <ac:chgData name="Tom Hoyland" userId="736d7a3e-93c7-4109-90c5-e67b8b3e41b2" providerId="ADAL" clId="{A4D346AA-F248-6444-93C1-EF2F2E65C714}" dt="2024-08-20T11:32:39.566" v="595" actId="478"/>
-          <ac:spMkLst>
-            <pc:docMk/>
-            <pc:sldMk cId="1551894915" sldId="261"/>
-            <ac:spMk id="28" creationId="{5ACB057E-5EA7-0F53-3026-546099232574}"/>
-          </ac:spMkLst>
-        </pc:spChg>
-        <pc:spChg chg="del">
-          <ac:chgData name="Tom Hoyland" userId="736d7a3e-93c7-4109-90c5-e67b8b3e41b2" providerId="ADAL" clId="{A4D346AA-F248-6444-93C1-EF2F2E65C714}" dt="2024-08-20T11:32:39.566" v="595" actId="478"/>
-          <ac:spMkLst>
-            <pc:docMk/>
-            <pc:sldMk cId="1551894915" sldId="261"/>
-            <ac:spMk id="29" creationId="{73641E73-F1C1-EAD9-8C93-D55E7BD2CDF8}"/>
-          </ac:spMkLst>
-        </pc:spChg>
-        <pc:spChg chg="del">
-          <ac:chgData name="Tom Hoyland" userId="736d7a3e-93c7-4109-90c5-e67b8b3e41b2" providerId="ADAL" clId="{A4D346AA-F248-6444-93C1-EF2F2E65C714}" dt="2024-08-20T11:32:39.566" v="595" actId="478"/>
-          <ac:spMkLst>
-            <pc:docMk/>
-            <pc:sldMk cId="1551894915" sldId="261"/>
-            <ac:spMk id="30" creationId="{0E4E77C7-934A-84F8-113F-232F677D364F}"/>
-          </ac:spMkLst>
-        </pc:spChg>
-        <pc:spChg chg="del">
-          <ac:chgData name="Tom Hoyland" userId="736d7a3e-93c7-4109-90c5-e67b8b3e41b2" providerId="ADAL" clId="{A4D346AA-F248-6444-93C1-EF2F2E65C714}" dt="2024-08-20T11:32:39.566" v="595" actId="478"/>
-          <ac:spMkLst>
-            <pc:docMk/>
-            <pc:sldMk cId="1551894915" sldId="261"/>
-            <ac:spMk id="31" creationId="{18DF7356-8B91-65DC-8FE8-32BFE8F1A09C}"/>
-          </ac:spMkLst>
-        </pc:spChg>
-        <pc:spChg chg="del">
-          <ac:chgData name="Tom Hoyland" userId="736d7a3e-93c7-4109-90c5-e67b8b3e41b2" providerId="ADAL" clId="{A4D346AA-F248-6444-93C1-EF2F2E65C714}" dt="2024-08-20T11:32:39.566" v="595" actId="478"/>
-          <ac:spMkLst>
-            <pc:docMk/>
-            <pc:sldMk cId="1551894915" sldId="261"/>
-            <ac:spMk id="32" creationId="{CE0A2A4C-DC20-3B09-E6C1-86C7406F3E22}"/>
-          </ac:spMkLst>
-        </pc:spChg>
-        <pc:spChg chg="del">
-          <ac:chgData name="Tom Hoyland" userId="736d7a3e-93c7-4109-90c5-e67b8b3e41b2" providerId="ADAL" clId="{A4D346AA-F248-6444-93C1-EF2F2E65C714}" dt="2024-08-20T11:32:39.566" v="595" actId="478"/>
-          <ac:spMkLst>
-            <pc:docMk/>
-            <pc:sldMk cId="1551894915" sldId="261"/>
-            <ac:spMk id="33" creationId="{B0CF220A-8F25-72EA-707D-3F51885CA3B4}"/>
-          </ac:spMkLst>
-        </pc:spChg>
-        <pc:spChg chg="del">
-          <ac:chgData name="Tom Hoyland" userId="736d7a3e-93c7-4109-90c5-e67b8b3e41b2" providerId="ADAL" clId="{A4D346AA-F248-6444-93C1-EF2F2E65C714}" dt="2024-08-20T11:32:39.566" v="595" actId="478"/>
-          <ac:spMkLst>
-            <pc:docMk/>
-            <pc:sldMk cId="1551894915" sldId="261"/>
-            <ac:spMk id="34" creationId="{FD091573-20FC-A6D7-6867-DCE7669E0934}"/>
-          </ac:spMkLst>
-        </pc:spChg>
-        <pc:spChg chg="del">
-          <ac:chgData name="Tom Hoyland" userId="736d7a3e-93c7-4109-90c5-e67b8b3e41b2" providerId="ADAL" clId="{A4D346AA-F248-6444-93C1-EF2F2E65C714}" dt="2024-08-20T11:32:39.566" v="595" actId="478"/>
-          <ac:spMkLst>
-            <pc:docMk/>
-            <pc:sldMk cId="1551894915" sldId="261"/>
-            <ac:spMk id="35" creationId="{14C3540D-164D-0502-B9B3-99DA425B4CAA}"/>
-          </ac:spMkLst>
-        </pc:spChg>
-        <pc:spChg chg="del">
-          <ac:chgData name="Tom Hoyland" userId="736d7a3e-93c7-4109-90c5-e67b8b3e41b2" providerId="ADAL" clId="{A4D346AA-F248-6444-93C1-EF2F2E65C714}" dt="2024-08-20T11:32:39.566" v="595" actId="478"/>
-          <ac:spMkLst>
-            <pc:docMk/>
-            <pc:sldMk cId="1551894915" sldId="261"/>
-            <ac:spMk id="36" creationId="{E590E56E-C5E5-6786-556B-9FF43F6C6253}"/>
-          </ac:spMkLst>
-        </pc:spChg>
-        <pc:picChg chg="del">
-          <ac:chgData name="Tom Hoyland" userId="736d7a3e-93c7-4109-90c5-e67b8b3e41b2" providerId="ADAL" clId="{A4D346AA-F248-6444-93C1-EF2F2E65C714}" dt="2024-08-20T11:32:39.566" v="595" actId="478"/>
-          <ac:picMkLst>
-            <pc:docMk/>
-            <pc:sldMk cId="1551894915" sldId="261"/>
-            <ac:picMk id="5" creationId="{62116002-A9FA-E0AB-8E6A-8CEE2DB576CB}"/>
-          </ac:picMkLst>
-        </pc:picChg>
-        <pc:picChg chg="del">
-          <ac:chgData name="Tom Hoyland" userId="736d7a3e-93c7-4109-90c5-e67b8b3e41b2" providerId="ADAL" clId="{A4D346AA-F248-6444-93C1-EF2F2E65C714}" dt="2024-08-20T11:32:39.566" v="595" actId="478"/>
-          <ac:picMkLst>
-            <pc:docMk/>
-            <pc:sldMk cId="1551894915" sldId="261"/>
-            <ac:picMk id="6" creationId="{06F97ED0-2646-B792-8B99-24400765AE9E}"/>
-          </ac:picMkLst>
-        </pc:picChg>
-        <pc:picChg chg="del">
-          <ac:chgData name="Tom Hoyland" userId="736d7a3e-93c7-4109-90c5-e67b8b3e41b2" providerId="ADAL" clId="{A4D346AA-F248-6444-93C1-EF2F2E65C714}" dt="2024-08-20T11:32:39.566" v="595" actId="478"/>
-          <ac:picMkLst>
-            <pc:docMk/>
-            <pc:sldMk cId="1551894915" sldId="261"/>
-            <ac:picMk id="7" creationId="{D006BE89-01FB-EFD8-A0B0-468CE5796739}"/>
-          </ac:picMkLst>
-        </pc:picChg>
-        <pc:picChg chg="del">
-          <ac:chgData name="Tom Hoyland" userId="736d7a3e-93c7-4109-90c5-e67b8b3e41b2" providerId="ADAL" clId="{A4D346AA-F248-6444-93C1-EF2F2E65C714}" dt="2024-08-20T11:32:39.566" v="595" actId="478"/>
-          <ac:picMkLst>
-            <pc:docMk/>
-            <pc:sldMk cId="1551894915" sldId="261"/>
-            <ac:picMk id="9" creationId="{08B66EBF-2D1E-6E8B-FCBD-479EDE455568}"/>
-          </ac:picMkLst>
-        </pc:picChg>
-        <pc:picChg chg="del">
-          <ac:chgData name="Tom Hoyland" userId="736d7a3e-93c7-4109-90c5-e67b8b3e41b2" providerId="ADAL" clId="{A4D346AA-F248-6444-93C1-EF2F2E65C714}" dt="2024-08-20T11:32:39.566" v="595" actId="478"/>
-          <ac:picMkLst>
-            <pc:docMk/>
-            <pc:sldMk cId="1551894915" sldId="261"/>
-            <ac:picMk id="12" creationId="{0AF8A365-1CA9-E91D-685E-C97FBF85A01F}"/>
-          </ac:picMkLst>
-        </pc:picChg>
-        <pc:picChg chg="del">
-          <ac:chgData name="Tom Hoyland" userId="736d7a3e-93c7-4109-90c5-e67b8b3e41b2" providerId="ADAL" clId="{A4D346AA-F248-6444-93C1-EF2F2E65C714}" dt="2024-08-20T11:32:39.566" v="595" actId="478"/>
-          <ac:picMkLst>
-            <pc:docMk/>
-            <pc:sldMk cId="1551894915" sldId="261"/>
-            <ac:picMk id="15" creationId="{C1E2E61F-6957-C476-802C-DAA4E8E3D8FC}"/>
-          </ac:picMkLst>
-        </pc:picChg>
-        <pc:picChg chg="del">
-          <ac:chgData name="Tom Hoyland" userId="736d7a3e-93c7-4109-90c5-e67b8b3e41b2" providerId="ADAL" clId="{A4D346AA-F248-6444-93C1-EF2F2E65C714}" dt="2024-08-20T11:32:39.566" v="595" actId="478"/>
-          <ac:picMkLst>
-            <pc:docMk/>
-            <pc:sldMk cId="1551894915" sldId="261"/>
-            <ac:picMk id="17" creationId="{0F35D7D0-03F8-0064-B5AC-20BCCD3C6C55}"/>
-          </ac:picMkLst>
-        </pc:picChg>
-        <pc:picChg chg="del">
-          <ac:chgData name="Tom Hoyland" userId="736d7a3e-93c7-4109-90c5-e67b8b3e41b2" providerId="ADAL" clId="{A4D346AA-F248-6444-93C1-EF2F2E65C714}" dt="2024-08-20T11:32:39.566" v="595" actId="478"/>
-          <ac:picMkLst>
-            <pc:docMk/>
-            <pc:sldMk cId="1551894915" sldId="261"/>
-            <ac:picMk id="21" creationId="{75F00680-C90D-0C50-BAEB-68DD9870452B}"/>
-          </ac:picMkLst>
-        </pc:picChg>
-      </pc:sldChg>
-      <pc:sldChg chg="addSp delSp modSp add mod ord">
-        <pc:chgData name="Tom Hoyland" userId="736d7a3e-93c7-4109-90c5-e67b8b3e41b2" providerId="ADAL" clId="{A4D346AA-F248-6444-93C1-EF2F2E65C714}" dt="2024-08-20T11:32:33.746" v="594" actId="20577"/>
-        <pc:sldMkLst>
-          <pc:docMk/>
-          <pc:sldMk cId="2712193479" sldId="271"/>
-        </pc:sldMkLst>
-        <pc:spChg chg="del">
-          <ac:chgData name="Tom Hoyland" userId="736d7a3e-93c7-4109-90c5-e67b8b3e41b2" providerId="ADAL" clId="{A4D346AA-F248-6444-93C1-EF2F2E65C714}" dt="2024-08-13T07:33:26.326" v="156" actId="478"/>
-          <ac:spMkLst>
-            <pc:docMk/>
-            <pc:sldMk cId="2712193479" sldId="271"/>
-            <ac:spMk id="2" creationId="{60114F5B-200D-5E80-5596-D97099667249}"/>
-          </ac:spMkLst>
-        </pc:spChg>
-        <pc:spChg chg="add mod">
-          <ac:chgData name="Tom Hoyland" userId="736d7a3e-93c7-4109-90c5-e67b8b3e41b2" providerId="ADAL" clId="{A4D346AA-F248-6444-93C1-EF2F2E65C714}" dt="2024-08-13T07:40:02.434" v="517" actId="1076"/>
-          <ac:spMkLst>
-            <pc:docMk/>
-            <pc:sldMk cId="2712193479" sldId="271"/>
-            <ac:spMk id="3" creationId="{43F9F6AE-A5AC-2E03-0D6A-B04BA76B49BC}"/>
-          </ac:spMkLst>
-        </pc:spChg>
-        <pc:spChg chg="add mod">
-          <ac:chgData name="Tom Hoyland" userId="736d7a3e-93c7-4109-90c5-e67b8b3e41b2" providerId="ADAL" clId="{A4D346AA-F248-6444-93C1-EF2F2E65C714}" dt="2024-08-13T07:40:02.434" v="517" actId="1076"/>
-          <ac:spMkLst>
-            <pc:docMk/>
-            <pc:sldMk cId="2712193479" sldId="271"/>
-            <ac:spMk id="4" creationId="{E151A129-60CE-5725-DCEC-DF20AB33301A}"/>
-          </ac:spMkLst>
-        </pc:spChg>
-        <pc:spChg chg="mod">
-          <ac:chgData name="Tom Hoyland" userId="736d7a3e-93c7-4109-90c5-e67b8b3e41b2" providerId="ADAL" clId="{A4D346AA-F248-6444-93C1-EF2F2E65C714}" dt="2024-08-20T11:32:22.457" v="585" actId="20577"/>
-          <ac:spMkLst>
-            <pc:docMk/>
-            <pc:sldMk cId="2712193479" sldId="271"/>
-            <ac:spMk id="8" creationId="{8CDDB97D-A02F-8254-5432-E930CF01E0FC}"/>
-          </ac:spMkLst>
-        </pc:spChg>
-        <pc:spChg chg="mod">
-          <ac:chgData name="Tom Hoyland" userId="736d7a3e-93c7-4109-90c5-e67b8b3e41b2" providerId="ADAL" clId="{A4D346AA-F248-6444-93C1-EF2F2E65C714}" dt="2024-08-20T11:32:20.806" v="584" actId="20577"/>
-          <ac:spMkLst>
-            <pc:docMk/>
-            <pc:sldMk cId="2712193479" sldId="271"/>
-            <ac:spMk id="10" creationId="{C258F823-7B51-957A-9C20-93136D988928}"/>
-          </ac:spMkLst>
-        </pc:spChg>
-        <pc:spChg chg="mod">
-          <ac:chgData name="Tom Hoyland" userId="736d7a3e-93c7-4109-90c5-e67b8b3e41b2" providerId="ADAL" clId="{A4D346AA-F248-6444-93C1-EF2F2E65C714}" dt="2024-08-20T11:32:25.812" v="587" actId="20577"/>
-          <ac:spMkLst>
-            <pc:docMk/>
-            <pc:sldMk cId="2712193479" sldId="271"/>
-            <ac:spMk id="11" creationId="{706FB268-040E-2102-1308-B242A93B903A}"/>
-          </ac:spMkLst>
-        </pc:spChg>
-        <pc:spChg chg="mod">
-          <ac:chgData name="Tom Hoyland" userId="736d7a3e-93c7-4109-90c5-e67b8b3e41b2" providerId="ADAL" clId="{A4D346AA-F248-6444-93C1-EF2F2E65C714}" dt="2024-08-20T11:32:29.695" v="592" actId="20577"/>
-          <ac:spMkLst>
-            <pc:docMk/>
-            <pc:sldMk cId="2712193479" sldId="271"/>
-            <ac:spMk id="13" creationId="{380E85BC-FF65-970E-3CDA-C005D8E7882F}"/>
-          </ac:spMkLst>
-        </pc:spChg>
-        <pc:spChg chg="mod">
-          <ac:chgData name="Tom Hoyland" userId="736d7a3e-93c7-4109-90c5-e67b8b3e41b2" providerId="ADAL" clId="{A4D346AA-F248-6444-93C1-EF2F2E65C714}" dt="2024-08-20T11:32:32.158" v="593" actId="20577"/>
-          <ac:spMkLst>
-            <pc:docMk/>
-            <pc:sldMk cId="2712193479" sldId="271"/>
-            <ac:spMk id="14" creationId="{042E4238-C41B-D73B-C28B-0B462803692E}"/>
-          </ac:spMkLst>
-        </pc:spChg>
-        <pc:spChg chg="mod">
-          <ac:chgData name="Tom Hoyland" userId="736d7a3e-93c7-4109-90c5-e67b8b3e41b2" providerId="ADAL" clId="{A4D346AA-F248-6444-93C1-EF2F2E65C714}" dt="2024-08-20T11:32:24.083" v="586" actId="20577"/>
-          <ac:spMkLst>
-            <pc:docMk/>
-            <pc:sldMk cId="2712193479" sldId="271"/>
-            <ac:spMk id="16" creationId="{24D6D5B8-560A-7C70-9E81-B8EFB579F08E}"/>
-          </ac:spMkLst>
-        </pc:spChg>
-        <pc:spChg chg="mod">
-          <ac:chgData name="Tom Hoyland" userId="736d7a3e-93c7-4109-90c5-e67b8b3e41b2" providerId="ADAL" clId="{A4D346AA-F248-6444-93C1-EF2F2E65C714}" dt="2024-08-20T11:32:19.042" v="583" actId="20577"/>
-          <ac:spMkLst>
-            <pc:docMk/>
-            <pc:sldMk cId="2712193479" sldId="271"/>
-            <ac:spMk id="18" creationId="{F93BD877-DC0E-E976-9DE4-BE888B19CF0F}"/>
-          </ac:spMkLst>
-        </pc:spChg>
-        <pc:spChg chg="add mod">
-          <ac:chgData name="Tom Hoyland" userId="736d7a3e-93c7-4109-90c5-e67b8b3e41b2" providerId="ADAL" clId="{A4D346AA-F248-6444-93C1-EF2F2E65C714}" dt="2024-08-13T07:40:02.434" v="517" actId="1076"/>
-          <ac:spMkLst>
-            <pc:docMk/>
-            <pc:sldMk cId="2712193479" sldId="271"/>
-            <ac:spMk id="19" creationId="{9BC32168-0734-E7F4-DDAC-4419BE1ED0AC}"/>
-          </ac:spMkLst>
-        </pc:spChg>
-        <pc:spChg chg="add mod">
-          <ac:chgData name="Tom Hoyland" userId="736d7a3e-93c7-4109-90c5-e67b8b3e41b2" providerId="ADAL" clId="{A4D346AA-F248-6444-93C1-EF2F2E65C714}" dt="2024-08-13T07:40:02.434" v="517" actId="1076"/>
-          <ac:spMkLst>
-            <pc:docMk/>
-            <pc:sldMk cId="2712193479" sldId="271"/>
-            <ac:spMk id="20" creationId="{69D48872-11CB-3A33-9C96-131727D0AB45}"/>
-          </ac:spMkLst>
-        </pc:spChg>
-        <pc:spChg chg="add del mod">
-          <ac:chgData name="Tom Hoyland" userId="736d7a3e-93c7-4109-90c5-e67b8b3e41b2" providerId="ADAL" clId="{A4D346AA-F248-6444-93C1-EF2F2E65C714}" dt="2024-08-13T07:33:28.075" v="157" actId="478"/>
-          <ac:spMkLst>
-            <pc:docMk/>
-            <pc:sldMk cId="2712193479" sldId="271"/>
-            <ac:spMk id="23" creationId="{97374FD9-56B1-BD38-01AD-42A8332B8E26}"/>
-          </ac:spMkLst>
-        </pc:spChg>
-        <pc:spChg chg="add mod">
-          <ac:chgData name="Tom Hoyland" userId="736d7a3e-93c7-4109-90c5-e67b8b3e41b2" providerId="ADAL" clId="{A4D346AA-F248-6444-93C1-EF2F2E65C714}" dt="2024-08-13T07:40:02.434" v="517" actId="1076"/>
-          <ac:spMkLst>
-            <pc:docMk/>
-            <pc:sldMk cId="2712193479" sldId="271"/>
-            <ac:spMk id="24" creationId="{16C484F4-FF4B-D129-FAEA-02E2EC8CFE4D}"/>
-          </ac:spMkLst>
-        </pc:spChg>
-        <pc:spChg chg="add mod">
-          <ac:chgData name="Tom Hoyland" userId="736d7a3e-93c7-4109-90c5-e67b8b3e41b2" providerId="ADAL" clId="{A4D346AA-F248-6444-93C1-EF2F2E65C714}" dt="2024-08-13T07:40:02.434" v="517" actId="1076"/>
-          <ac:spMkLst>
-            <pc:docMk/>
-            <pc:sldMk cId="2712193479" sldId="271"/>
-            <ac:spMk id="25" creationId="{5772F33A-FAA4-6619-FC37-5A0C0D431A17}"/>
-          </ac:spMkLst>
-        </pc:spChg>
-        <pc:spChg chg="add mod">
-          <ac:chgData name="Tom Hoyland" userId="736d7a3e-93c7-4109-90c5-e67b8b3e41b2" providerId="ADAL" clId="{A4D346AA-F248-6444-93C1-EF2F2E65C714}" dt="2024-08-13T07:40:02.434" v="517" actId="1076"/>
-          <ac:spMkLst>
-            <pc:docMk/>
-            <pc:sldMk cId="2712193479" sldId="271"/>
-            <ac:spMk id="26" creationId="{8DB1EDB7-0892-A3F2-FB78-D990F034BD8D}"/>
-          </ac:spMkLst>
-        </pc:spChg>
-        <pc:spChg chg="add mod">
-          <ac:chgData name="Tom Hoyland" userId="736d7a3e-93c7-4109-90c5-e67b8b3e41b2" providerId="ADAL" clId="{A4D346AA-F248-6444-93C1-EF2F2E65C714}" dt="2024-08-13T07:40:02.434" v="517" actId="1076"/>
-          <ac:spMkLst>
-            <pc:docMk/>
-            <pc:sldMk cId="2712193479" sldId="271"/>
-            <ac:spMk id="27" creationId="{A82AA132-2F6D-308A-92C4-44C23B119428}"/>
-          </ac:spMkLst>
-        </pc:spChg>
-        <pc:spChg chg="mod">
-          <ac:chgData name="Tom Hoyland" userId="736d7a3e-93c7-4109-90c5-e67b8b3e41b2" providerId="ADAL" clId="{A4D346AA-F248-6444-93C1-EF2F2E65C714}" dt="2024-08-20T11:32:33.746" v="594" actId="20577"/>
-          <ac:spMkLst>
-            <pc:docMk/>
-            <pc:sldMk cId="2712193479" sldId="271"/>
-            <ac:spMk id="28" creationId="{5ACB057E-5EA7-0F53-3026-546099232574}"/>
-          </ac:spMkLst>
-        </pc:spChg>
-        <pc:spChg chg="mod">
-          <ac:chgData name="Tom Hoyland" userId="736d7a3e-93c7-4109-90c5-e67b8b3e41b2" providerId="ADAL" clId="{A4D346AA-F248-6444-93C1-EF2F2E65C714}" dt="2024-08-13T07:40:02.434" v="517" actId="1076"/>
-          <ac:spMkLst>
-            <pc:docMk/>
-            <pc:sldMk cId="2712193479" sldId="271"/>
-            <ac:spMk id="29" creationId="{73641E73-F1C1-EAD9-8C93-D55E7BD2CDF8}"/>
-          </ac:spMkLst>
-        </pc:spChg>
-        <pc:spChg chg="mod">
-          <ac:chgData name="Tom Hoyland" userId="736d7a3e-93c7-4109-90c5-e67b8b3e41b2" providerId="ADAL" clId="{A4D346AA-F248-6444-93C1-EF2F2E65C714}" dt="2024-08-13T07:40:02.434" v="517" actId="1076"/>
-          <ac:spMkLst>
-            <pc:docMk/>
-            <pc:sldMk cId="2712193479" sldId="271"/>
-            <ac:spMk id="30" creationId="{0E4E77C7-934A-84F8-113F-232F677D364F}"/>
-          </ac:spMkLst>
-        </pc:spChg>
-        <pc:spChg chg="mod">
-          <ac:chgData name="Tom Hoyland" userId="736d7a3e-93c7-4109-90c5-e67b8b3e41b2" providerId="ADAL" clId="{A4D346AA-F248-6444-93C1-EF2F2E65C714}" dt="2024-08-13T07:40:02.434" v="517" actId="1076"/>
-          <ac:spMkLst>
-            <pc:docMk/>
-            <pc:sldMk cId="2712193479" sldId="271"/>
-            <ac:spMk id="31" creationId="{18DF7356-8B91-65DC-8FE8-32BFE8F1A09C}"/>
-          </ac:spMkLst>
-        </pc:spChg>
-        <pc:spChg chg="mod">
-          <ac:chgData name="Tom Hoyland" userId="736d7a3e-93c7-4109-90c5-e67b8b3e41b2" providerId="ADAL" clId="{A4D346AA-F248-6444-93C1-EF2F2E65C714}" dt="2024-08-13T07:40:02.434" v="517" actId="1076"/>
-          <ac:spMkLst>
-            <pc:docMk/>
-            <pc:sldMk cId="2712193479" sldId="271"/>
-            <ac:spMk id="32" creationId="{CE0A2A4C-DC20-3B09-E6C1-86C7406F3E22}"/>
-          </ac:spMkLst>
-        </pc:spChg>
-        <pc:spChg chg="mod">
-          <ac:chgData name="Tom Hoyland" userId="736d7a3e-93c7-4109-90c5-e67b8b3e41b2" providerId="ADAL" clId="{A4D346AA-F248-6444-93C1-EF2F2E65C714}" dt="2024-08-13T07:40:02.434" v="517" actId="1076"/>
-          <ac:spMkLst>
-            <pc:docMk/>
-            <pc:sldMk cId="2712193479" sldId="271"/>
-            <ac:spMk id="33" creationId="{B0CF220A-8F25-72EA-707D-3F51885CA3B4}"/>
-          </ac:spMkLst>
-        </pc:spChg>
-        <pc:spChg chg="mod">
-          <ac:chgData name="Tom Hoyland" userId="736d7a3e-93c7-4109-90c5-e67b8b3e41b2" providerId="ADAL" clId="{A4D346AA-F248-6444-93C1-EF2F2E65C714}" dt="2024-08-13T07:40:02.434" v="517" actId="1076"/>
-          <ac:spMkLst>
-            <pc:docMk/>
-            <pc:sldMk cId="2712193479" sldId="271"/>
-            <ac:spMk id="34" creationId="{FD091573-20FC-A6D7-6867-DCE7669E0934}"/>
-          </ac:spMkLst>
-        </pc:spChg>
-        <pc:spChg chg="mod">
-          <ac:chgData name="Tom Hoyland" userId="736d7a3e-93c7-4109-90c5-e67b8b3e41b2" providerId="ADAL" clId="{A4D346AA-F248-6444-93C1-EF2F2E65C714}" dt="2024-08-13T07:40:02.434" v="517" actId="1076"/>
-          <ac:spMkLst>
-            <pc:docMk/>
-            <pc:sldMk cId="2712193479" sldId="271"/>
-            <ac:spMk id="35" creationId="{14C3540D-164D-0502-B9B3-99DA425B4CAA}"/>
-          </ac:spMkLst>
-        </pc:spChg>
-        <pc:spChg chg="mod">
-          <ac:chgData name="Tom Hoyland" userId="736d7a3e-93c7-4109-90c5-e67b8b3e41b2" providerId="ADAL" clId="{A4D346AA-F248-6444-93C1-EF2F2E65C714}" dt="2024-08-13T07:40:02.434" v="517" actId="1076"/>
-          <ac:spMkLst>
-            <pc:docMk/>
-            <pc:sldMk cId="2712193479" sldId="271"/>
-            <ac:spMk id="36" creationId="{E590E56E-C5E5-6786-556B-9FF43F6C6253}"/>
-          </ac:spMkLst>
-        </pc:spChg>
-        <pc:picChg chg="mod">
-          <ac:chgData name="Tom Hoyland" userId="736d7a3e-93c7-4109-90c5-e67b8b3e41b2" providerId="ADAL" clId="{A4D346AA-F248-6444-93C1-EF2F2E65C714}" dt="2024-08-13T07:40:02.434" v="517" actId="1076"/>
-          <ac:picMkLst>
-            <pc:docMk/>
-            <pc:sldMk cId="2712193479" sldId="271"/>
-            <ac:picMk id="5" creationId="{62116002-A9FA-E0AB-8E6A-8CEE2DB576CB}"/>
-          </ac:picMkLst>
-        </pc:picChg>
-        <pc:picChg chg="mod">
-          <ac:chgData name="Tom Hoyland" userId="736d7a3e-93c7-4109-90c5-e67b8b3e41b2" providerId="ADAL" clId="{A4D346AA-F248-6444-93C1-EF2F2E65C714}" dt="2024-08-13T07:40:02.434" v="517" actId="1076"/>
-          <ac:picMkLst>
-            <pc:docMk/>
-            <pc:sldMk cId="2712193479" sldId="271"/>
-            <ac:picMk id="6" creationId="{06F97ED0-2646-B792-8B99-24400765AE9E}"/>
-          </ac:picMkLst>
-        </pc:picChg>
-        <pc:picChg chg="mod">
-          <ac:chgData name="Tom Hoyland" userId="736d7a3e-93c7-4109-90c5-e67b8b3e41b2" providerId="ADAL" clId="{A4D346AA-F248-6444-93C1-EF2F2E65C714}" dt="2024-08-13T07:40:02.434" v="517" actId="1076"/>
-          <ac:picMkLst>
-            <pc:docMk/>
-            <pc:sldMk cId="2712193479" sldId="271"/>
-            <ac:picMk id="7" creationId="{D006BE89-01FB-EFD8-A0B0-468CE5796739}"/>
-          </ac:picMkLst>
-        </pc:picChg>
-        <pc:picChg chg="mod">
-          <ac:chgData name="Tom Hoyland" userId="736d7a3e-93c7-4109-90c5-e67b8b3e41b2" providerId="ADAL" clId="{A4D346AA-F248-6444-93C1-EF2F2E65C714}" dt="2024-08-13T07:40:02.434" v="517" actId="1076"/>
-          <ac:picMkLst>
-            <pc:docMk/>
-            <pc:sldMk cId="2712193479" sldId="271"/>
-            <ac:picMk id="9" creationId="{08B66EBF-2D1E-6E8B-FCBD-479EDE455568}"/>
-          </ac:picMkLst>
-        </pc:picChg>
-        <pc:picChg chg="mod">
-          <ac:chgData name="Tom Hoyland" userId="736d7a3e-93c7-4109-90c5-e67b8b3e41b2" providerId="ADAL" clId="{A4D346AA-F248-6444-93C1-EF2F2E65C714}" dt="2024-08-13T07:40:02.434" v="517" actId="1076"/>
-          <ac:picMkLst>
-            <pc:docMk/>
-            <pc:sldMk cId="2712193479" sldId="271"/>
-            <ac:picMk id="12" creationId="{0AF8A365-1CA9-E91D-685E-C97FBF85A01F}"/>
-          </ac:picMkLst>
-        </pc:picChg>
-        <pc:picChg chg="mod">
-          <ac:chgData name="Tom Hoyland" userId="736d7a3e-93c7-4109-90c5-e67b8b3e41b2" providerId="ADAL" clId="{A4D346AA-F248-6444-93C1-EF2F2E65C714}" dt="2024-08-13T07:40:02.434" v="517" actId="1076"/>
-          <ac:picMkLst>
-            <pc:docMk/>
-            <pc:sldMk cId="2712193479" sldId="271"/>
-            <ac:picMk id="15" creationId="{C1E2E61F-6957-C476-802C-DAA4E8E3D8FC}"/>
-          </ac:picMkLst>
-        </pc:picChg>
-        <pc:picChg chg="mod">
-          <ac:chgData name="Tom Hoyland" userId="736d7a3e-93c7-4109-90c5-e67b8b3e41b2" providerId="ADAL" clId="{A4D346AA-F248-6444-93C1-EF2F2E65C714}" dt="2024-08-13T07:40:02.434" v="517" actId="1076"/>
-          <ac:picMkLst>
-            <pc:docMk/>
-            <pc:sldMk cId="2712193479" sldId="271"/>
-            <ac:picMk id="17" creationId="{0F35D7D0-03F8-0064-B5AC-20BCCD3C6C55}"/>
-          </ac:picMkLst>
-        </pc:picChg>
-        <pc:picChg chg="mod">
-          <ac:chgData name="Tom Hoyland" userId="736d7a3e-93c7-4109-90c5-e67b8b3e41b2" providerId="ADAL" clId="{A4D346AA-F248-6444-93C1-EF2F2E65C714}" dt="2024-08-13T07:40:02.434" v="517" actId="1076"/>
-          <ac:picMkLst>
-            <pc:docMk/>
-            <pc:sldMk cId="2712193479" sldId="271"/>
-            <ac:picMk id="21" creationId="{75F00680-C90D-0C50-BAEB-68DD9870452B}"/>
-          </ac:picMkLst>
-        </pc:picChg>
-      </pc:sldChg>
-      <pc:sldChg chg="addSp modSp add mod ord">
-        <pc:chgData name="Tom Hoyland" userId="736d7a3e-93c7-4109-90c5-e67b8b3e41b2" providerId="ADAL" clId="{A4D346AA-F248-6444-93C1-EF2F2E65C714}" dt="2024-08-20T11:33:24.572" v="664" actId="404"/>
-        <pc:sldMkLst>
-          <pc:docMk/>
-          <pc:sldMk cId="248048730" sldId="272"/>
-        </pc:sldMkLst>
-        <pc:spChg chg="add mod">
-          <ac:chgData name="Tom Hoyland" userId="736d7a3e-93c7-4109-90c5-e67b8b3e41b2" providerId="ADAL" clId="{A4D346AA-F248-6444-93C1-EF2F2E65C714}" dt="2024-08-20T11:33:24.572" v="664" actId="404"/>
-          <ac:spMkLst>
-            <pc:docMk/>
-            <pc:sldMk cId="248048730" sldId="272"/>
-            <ac:spMk id="2" creationId="{DE49AD4B-7FB7-DB4B-1892-2174BDB55FDC}"/>
-          </ac:spMkLst>
-        </pc:spChg>
-        <pc:spChg chg="mod">
-          <ac:chgData name="Tom Hoyland" userId="736d7a3e-93c7-4109-90c5-e67b8b3e41b2" providerId="ADAL" clId="{A4D346AA-F248-6444-93C1-EF2F2E65C714}" dt="2024-08-20T11:33:03.837" v="628" actId="1036"/>
-          <ac:spMkLst>
-            <pc:docMk/>
-            <pc:sldMk cId="248048730" sldId="272"/>
-            <ac:spMk id="3" creationId="{213F28A4-07ED-C70E-C1A5-0B32C5A7DD8D}"/>
-          </ac:spMkLst>
-        </pc:spChg>
-        <pc:spChg chg="mod">
-          <ac:chgData name="Tom Hoyland" userId="736d7a3e-93c7-4109-90c5-e67b8b3e41b2" providerId="ADAL" clId="{A4D346AA-F248-6444-93C1-EF2F2E65C714}" dt="2024-08-20T11:33:03.837" v="628" actId="1036"/>
-          <ac:spMkLst>
-            <pc:docMk/>
-            <pc:sldMk cId="248048730" sldId="272"/>
-            <ac:spMk id="4" creationId="{DD555481-A9B5-D5E1-1F1B-EF8ED78D5CD8}"/>
-          </ac:spMkLst>
-        </pc:spChg>
-        <pc:spChg chg="mod">
-          <ac:chgData name="Tom Hoyland" userId="736d7a3e-93c7-4109-90c5-e67b8b3e41b2" providerId="ADAL" clId="{A4D346AA-F248-6444-93C1-EF2F2E65C714}" dt="2024-08-20T11:33:03.837" v="628" actId="1036"/>
-          <ac:spMkLst>
-            <pc:docMk/>
-            <pc:sldMk cId="248048730" sldId="272"/>
-            <ac:spMk id="8" creationId="{AEAF102F-143D-76EF-DF6D-8B165519A4A4}"/>
-          </ac:spMkLst>
-        </pc:spChg>
-        <pc:spChg chg="mod">
-          <ac:chgData name="Tom Hoyland" userId="736d7a3e-93c7-4109-90c5-e67b8b3e41b2" providerId="ADAL" clId="{A4D346AA-F248-6444-93C1-EF2F2E65C714}" dt="2024-08-20T11:33:03.837" v="628" actId="1036"/>
-          <ac:spMkLst>
-            <pc:docMk/>
-            <pc:sldMk cId="248048730" sldId="272"/>
-            <ac:spMk id="10" creationId="{4AFC90E1-B3DD-B446-A88F-D3102C4BE49F}"/>
-          </ac:spMkLst>
-        </pc:spChg>
-        <pc:spChg chg="mod">
-          <ac:chgData name="Tom Hoyland" userId="736d7a3e-93c7-4109-90c5-e67b8b3e41b2" providerId="ADAL" clId="{A4D346AA-F248-6444-93C1-EF2F2E65C714}" dt="2024-08-20T11:33:03.837" v="628" actId="1036"/>
-          <ac:spMkLst>
-            <pc:docMk/>
-            <pc:sldMk cId="248048730" sldId="272"/>
-            <ac:spMk id="11" creationId="{06C0DA98-AF63-8C25-12CC-42A79D849F04}"/>
-          </ac:spMkLst>
-        </pc:spChg>
-        <pc:spChg chg="mod">
-          <ac:chgData name="Tom Hoyland" userId="736d7a3e-93c7-4109-90c5-e67b8b3e41b2" providerId="ADAL" clId="{A4D346AA-F248-6444-93C1-EF2F2E65C714}" dt="2024-08-20T11:33:03.837" v="628" actId="1036"/>
-          <ac:spMkLst>
-            <pc:docMk/>
-            <pc:sldMk cId="248048730" sldId="272"/>
-            <ac:spMk id="13" creationId="{6D7F7EC6-1E57-62EB-8CD1-03BE4F5ADDED}"/>
-          </ac:spMkLst>
-        </pc:spChg>
-        <pc:spChg chg="mod">
-          <ac:chgData name="Tom Hoyland" userId="736d7a3e-93c7-4109-90c5-e67b8b3e41b2" providerId="ADAL" clId="{A4D346AA-F248-6444-93C1-EF2F2E65C714}" dt="2024-08-20T11:33:03.837" v="628" actId="1036"/>
-          <ac:spMkLst>
-            <pc:docMk/>
-            <pc:sldMk cId="248048730" sldId="272"/>
-            <ac:spMk id="14" creationId="{C264D8AC-B086-B921-85C6-5AF1DD6AD8DE}"/>
-          </ac:spMkLst>
-        </pc:spChg>
-        <pc:spChg chg="mod">
-          <ac:chgData name="Tom Hoyland" userId="736d7a3e-93c7-4109-90c5-e67b8b3e41b2" providerId="ADAL" clId="{A4D346AA-F248-6444-93C1-EF2F2E65C714}" dt="2024-08-20T11:33:03.837" v="628" actId="1036"/>
-          <ac:spMkLst>
-            <pc:docMk/>
-            <pc:sldMk cId="248048730" sldId="272"/>
-            <ac:spMk id="16" creationId="{E4800468-3CA0-2964-AA62-A3AA15AEBB24}"/>
-          </ac:spMkLst>
-        </pc:spChg>
-        <pc:spChg chg="mod">
-          <ac:chgData name="Tom Hoyland" userId="736d7a3e-93c7-4109-90c5-e67b8b3e41b2" providerId="ADAL" clId="{A4D346AA-F248-6444-93C1-EF2F2E65C714}" dt="2024-08-20T11:33:03.837" v="628" actId="1036"/>
-          <ac:spMkLst>
-            <pc:docMk/>
-            <pc:sldMk cId="248048730" sldId="272"/>
-            <ac:spMk id="18" creationId="{63271C5F-2656-11FB-BDA0-F18F429D4AB8}"/>
-          </ac:spMkLst>
-        </pc:spChg>
-        <pc:spChg chg="mod">
-          <ac:chgData name="Tom Hoyland" userId="736d7a3e-93c7-4109-90c5-e67b8b3e41b2" providerId="ADAL" clId="{A4D346AA-F248-6444-93C1-EF2F2E65C714}" dt="2024-08-20T11:33:03.837" v="628" actId="1036"/>
-          <ac:spMkLst>
-            <pc:docMk/>
-            <pc:sldMk cId="248048730" sldId="272"/>
-            <ac:spMk id="19" creationId="{70929939-537B-C447-115E-FED5AF8357AE}"/>
-          </ac:spMkLst>
-        </pc:spChg>
-        <pc:spChg chg="mod">
-          <ac:chgData name="Tom Hoyland" userId="736d7a3e-93c7-4109-90c5-e67b8b3e41b2" providerId="ADAL" clId="{A4D346AA-F248-6444-93C1-EF2F2E65C714}" dt="2024-08-20T11:33:03.837" v="628" actId="1036"/>
-          <ac:spMkLst>
-            <pc:docMk/>
-            <pc:sldMk cId="248048730" sldId="272"/>
-            <ac:spMk id="20" creationId="{59B90136-C70C-1F8D-144A-B8DAA91E8BFF}"/>
-          </ac:spMkLst>
-        </pc:spChg>
-        <pc:spChg chg="mod">
-          <ac:chgData name="Tom Hoyland" userId="736d7a3e-93c7-4109-90c5-e67b8b3e41b2" providerId="ADAL" clId="{A4D346AA-F248-6444-93C1-EF2F2E65C714}" dt="2024-08-20T11:33:03.837" v="628" actId="1036"/>
-          <ac:spMkLst>
-            <pc:docMk/>
-            <pc:sldMk cId="248048730" sldId="272"/>
-            <ac:spMk id="24" creationId="{58A0E144-52CD-ECF3-042B-7992A86DA18B}"/>
-          </ac:spMkLst>
-        </pc:spChg>
-        <pc:spChg chg="mod">
-          <ac:chgData name="Tom Hoyland" userId="736d7a3e-93c7-4109-90c5-e67b8b3e41b2" providerId="ADAL" clId="{A4D346AA-F248-6444-93C1-EF2F2E65C714}" dt="2024-08-20T11:33:03.837" v="628" actId="1036"/>
-          <ac:spMkLst>
-            <pc:docMk/>
-            <pc:sldMk cId="248048730" sldId="272"/>
-            <ac:spMk id="25" creationId="{38DEAD3F-0B7F-2B20-993E-A2B1F014B1CD}"/>
-          </ac:spMkLst>
-        </pc:spChg>
-        <pc:spChg chg="mod">
-          <ac:chgData name="Tom Hoyland" userId="736d7a3e-93c7-4109-90c5-e67b8b3e41b2" providerId="ADAL" clId="{A4D346AA-F248-6444-93C1-EF2F2E65C714}" dt="2024-08-20T11:33:03.837" v="628" actId="1036"/>
-          <ac:spMkLst>
-            <pc:docMk/>
-            <pc:sldMk cId="248048730" sldId="272"/>
-            <ac:spMk id="26" creationId="{3A945144-0789-5A0E-FC67-42CABE016FCE}"/>
-          </ac:spMkLst>
-        </pc:spChg>
-        <pc:spChg chg="mod">
-          <ac:chgData name="Tom Hoyland" userId="736d7a3e-93c7-4109-90c5-e67b8b3e41b2" providerId="ADAL" clId="{A4D346AA-F248-6444-93C1-EF2F2E65C714}" dt="2024-08-20T11:33:03.837" v="628" actId="1036"/>
-          <ac:spMkLst>
-            <pc:docMk/>
-            <pc:sldMk cId="248048730" sldId="272"/>
-            <ac:spMk id="27" creationId="{CCBC6816-D39B-700B-F344-1B0D25A1449C}"/>
-          </ac:spMkLst>
-        </pc:spChg>
-        <pc:spChg chg="mod">
-          <ac:chgData name="Tom Hoyland" userId="736d7a3e-93c7-4109-90c5-e67b8b3e41b2" providerId="ADAL" clId="{A4D346AA-F248-6444-93C1-EF2F2E65C714}" dt="2024-08-20T11:33:03.837" v="628" actId="1036"/>
-          <ac:spMkLst>
-            <pc:docMk/>
-            <pc:sldMk cId="248048730" sldId="272"/>
-            <ac:spMk id="28" creationId="{5A0B0504-FBD2-ED5A-4F3B-787A8587C05A}"/>
-          </ac:spMkLst>
-        </pc:spChg>
-        <pc:spChg chg="mod">
-          <ac:chgData name="Tom Hoyland" userId="736d7a3e-93c7-4109-90c5-e67b8b3e41b2" providerId="ADAL" clId="{A4D346AA-F248-6444-93C1-EF2F2E65C714}" dt="2024-08-20T11:33:03.837" v="628" actId="1036"/>
-          <ac:spMkLst>
-            <pc:docMk/>
-            <pc:sldMk cId="248048730" sldId="272"/>
-            <ac:spMk id="29" creationId="{68B58E08-22AA-A82B-48BD-73CAD4C99992}"/>
-          </ac:spMkLst>
-        </pc:spChg>
-        <pc:spChg chg="mod">
-          <ac:chgData name="Tom Hoyland" userId="736d7a3e-93c7-4109-90c5-e67b8b3e41b2" providerId="ADAL" clId="{A4D346AA-F248-6444-93C1-EF2F2E65C714}" dt="2024-08-20T11:33:03.837" v="628" actId="1036"/>
-          <ac:spMkLst>
-            <pc:docMk/>
-            <pc:sldMk cId="248048730" sldId="272"/>
-            <ac:spMk id="30" creationId="{DEFE14F4-97D1-71EF-B066-BF208197EC0B}"/>
-          </ac:spMkLst>
-        </pc:spChg>
-        <pc:spChg chg="mod">
-          <ac:chgData name="Tom Hoyland" userId="736d7a3e-93c7-4109-90c5-e67b8b3e41b2" providerId="ADAL" clId="{A4D346AA-F248-6444-93C1-EF2F2E65C714}" dt="2024-08-20T11:33:03.837" v="628" actId="1036"/>
-          <ac:spMkLst>
-            <pc:docMk/>
-            <pc:sldMk cId="248048730" sldId="272"/>
-            <ac:spMk id="31" creationId="{8D8F7CEF-134A-D3DA-8445-5A753AB0F80F}"/>
-          </ac:spMkLst>
-        </pc:spChg>
-        <pc:spChg chg="mod">
-          <ac:chgData name="Tom Hoyland" userId="736d7a3e-93c7-4109-90c5-e67b8b3e41b2" providerId="ADAL" clId="{A4D346AA-F248-6444-93C1-EF2F2E65C714}" dt="2024-08-20T11:33:03.837" v="628" actId="1036"/>
-          <ac:spMkLst>
-            <pc:docMk/>
-            <pc:sldMk cId="248048730" sldId="272"/>
-            <ac:spMk id="32" creationId="{5057154F-7DCF-A223-0510-F25D7FD2EE6A}"/>
-          </ac:spMkLst>
-        </pc:spChg>
-        <pc:spChg chg="mod">
-          <ac:chgData name="Tom Hoyland" userId="736d7a3e-93c7-4109-90c5-e67b8b3e41b2" providerId="ADAL" clId="{A4D346AA-F248-6444-93C1-EF2F2E65C714}" dt="2024-08-20T11:33:03.837" v="628" actId="1036"/>
-          <ac:spMkLst>
-            <pc:docMk/>
-            <pc:sldMk cId="248048730" sldId="272"/>
-            <ac:spMk id="33" creationId="{E0D8722E-83A8-C310-122A-30EA2816860E}"/>
-          </ac:spMkLst>
-        </pc:spChg>
-        <pc:spChg chg="mod">
-          <ac:chgData name="Tom Hoyland" userId="736d7a3e-93c7-4109-90c5-e67b8b3e41b2" providerId="ADAL" clId="{A4D346AA-F248-6444-93C1-EF2F2E65C714}" dt="2024-08-20T11:33:03.837" v="628" actId="1036"/>
-          <ac:spMkLst>
-            <pc:docMk/>
-            <pc:sldMk cId="248048730" sldId="272"/>
-            <ac:spMk id="34" creationId="{27018EDB-C14A-2175-DA20-52AE83F8940E}"/>
-          </ac:spMkLst>
-        </pc:spChg>
-        <pc:spChg chg="mod">
-          <ac:chgData name="Tom Hoyland" userId="736d7a3e-93c7-4109-90c5-e67b8b3e41b2" providerId="ADAL" clId="{A4D346AA-F248-6444-93C1-EF2F2E65C714}" dt="2024-08-20T11:33:03.837" v="628" actId="1036"/>
-          <ac:spMkLst>
-            <pc:docMk/>
-            <pc:sldMk cId="248048730" sldId="272"/>
-            <ac:spMk id="35" creationId="{64BD6B3C-21B9-94EB-9163-4D7A83A4A297}"/>
-          </ac:spMkLst>
-        </pc:spChg>
-        <pc:spChg chg="mod">
-          <ac:chgData name="Tom Hoyland" userId="736d7a3e-93c7-4109-90c5-e67b8b3e41b2" providerId="ADAL" clId="{A4D346AA-F248-6444-93C1-EF2F2E65C714}" dt="2024-08-20T11:33:03.837" v="628" actId="1036"/>
-          <ac:spMkLst>
-            <pc:docMk/>
-            <pc:sldMk cId="248048730" sldId="272"/>
-            <ac:spMk id="36" creationId="{965DF994-D945-F5CF-02B0-6FD96B778267}"/>
-          </ac:spMkLst>
-        </pc:spChg>
-        <pc:picChg chg="mod">
-          <ac:chgData name="Tom Hoyland" userId="736d7a3e-93c7-4109-90c5-e67b8b3e41b2" providerId="ADAL" clId="{A4D346AA-F248-6444-93C1-EF2F2E65C714}" dt="2024-08-20T11:33:03.837" v="628" actId="1036"/>
-          <ac:picMkLst>
-            <pc:docMk/>
-            <pc:sldMk cId="248048730" sldId="272"/>
-            <ac:picMk id="5" creationId="{6322FBD9-FD8F-9C95-2729-127E6A05B844}"/>
-          </ac:picMkLst>
-        </pc:picChg>
-        <pc:picChg chg="mod">
-          <ac:chgData name="Tom Hoyland" userId="736d7a3e-93c7-4109-90c5-e67b8b3e41b2" providerId="ADAL" clId="{A4D346AA-F248-6444-93C1-EF2F2E65C714}" dt="2024-08-20T11:33:03.837" v="628" actId="1036"/>
-          <ac:picMkLst>
-            <pc:docMk/>
-            <pc:sldMk cId="248048730" sldId="272"/>
-            <ac:picMk id="6" creationId="{2BE0E3B7-67DB-7D22-62F7-F28225398F7E}"/>
-          </ac:picMkLst>
-        </pc:picChg>
-        <pc:picChg chg="mod">
-          <ac:chgData name="Tom Hoyland" userId="736d7a3e-93c7-4109-90c5-e67b8b3e41b2" providerId="ADAL" clId="{A4D346AA-F248-6444-93C1-EF2F2E65C714}" dt="2024-08-20T11:33:03.837" v="628" actId="1036"/>
-          <ac:picMkLst>
-            <pc:docMk/>
-            <pc:sldMk cId="248048730" sldId="272"/>
-            <ac:picMk id="7" creationId="{4025EFFD-6B77-7453-3202-61E018612DB9}"/>
-          </ac:picMkLst>
-        </pc:picChg>
-        <pc:picChg chg="mod">
-          <ac:chgData name="Tom Hoyland" userId="736d7a3e-93c7-4109-90c5-e67b8b3e41b2" providerId="ADAL" clId="{A4D346AA-F248-6444-93C1-EF2F2E65C714}" dt="2024-08-20T11:33:03.837" v="628" actId="1036"/>
-          <ac:picMkLst>
-            <pc:docMk/>
-            <pc:sldMk cId="248048730" sldId="272"/>
-            <ac:picMk id="9" creationId="{AFD2E46D-615E-B65D-1188-F2A6AB1738D7}"/>
-          </ac:picMkLst>
-        </pc:picChg>
-        <pc:picChg chg="mod">
-          <ac:chgData name="Tom Hoyland" userId="736d7a3e-93c7-4109-90c5-e67b8b3e41b2" providerId="ADAL" clId="{A4D346AA-F248-6444-93C1-EF2F2E65C714}" dt="2024-08-20T11:33:03.837" v="628" actId="1036"/>
-          <ac:picMkLst>
-            <pc:docMk/>
-            <pc:sldMk cId="248048730" sldId="272"/>
-            <ac:picMk id="12" creationId="{5C0C4BE6-1C53-E473-95EA-95C0F5CF1564}"/>
-          </ac:picMkLst>
-        </pc:picChg>
-        <pc:picChg chg="mod">
-          <ac:chgData name="Tom Hoyland" userId="736d7a3e-93c7-4109-90c5-e67b8b3e41b2" providerId="ADAL" clId="{A4D346AA-F248-6444-93C1-EF2F2E65C714}" dt="2024-08-20T11:33:03.837" v="628" actId="1036"/>
-          <ac:picMkLst>
-            <pc:docMk/>
-            <pc:sldMk cId="248048730" sldId="272"/>
-            <ac:picMk id="15" creationId="{1A85A53A-A4EB-808E-BCEA-EEBBAB52ECBA}"/>
-          </ac:picMkLst>
-        </pc:picChg>
-        <pc:picChg chg="mod">
-          <ac:chgData name="Tom Hoyland" userId="736d7a3e-93c7-4109-90c5-e67b8b3e41b2" providerId="ADAL" clId="{A4D346AA-F248-6444-93C1-EF2F2E65C714}" dt="2024-08-20T11:33:03.837" v="628" actId="1036"/>
-          <ac:picMkLst>
-            <pc:docMk/>
-            <pc:sldMk cId="248048730" sldId="272"/>
-            <ac:picMk id="17" creationId="{0FE1B1AD-E962-2850-8199-8B489F405D39}"/>
-          </ac:picMkLst>
-        </pc:picChg>
-        <pc:picChg chg="mod">
-          <ac:chgData name="Tom Hoyland" userId="736d7a3e-93c7-4109-90c5-e67b8b3e41b2" providerId="ADAL" clId="{A4D346AA-F248-6444-93C1-EF2F2E65C714}" dt="2024-08-20T11:33:03.837" v="628" actId="1036"/>
-          <ac:picMkLst>
-            <pc:docMk/>
-            <pc:sldMk cId="248048730" sldId="272"/>
-            <ac:picMk id="21" creationId="{177349E7-5A4C-46C5-B5B8-4980C12E809F}"/>
-          </ac:picMkLst>
-        </pc:picChg>
       </pc:sldChg>
     </pc:docChg>
   </pc:docChgLst>
@@ -18257,7 +18257,7 @@
           <a:p>
             <a:r>
               <a:rPr lang="en-GB" sz="1600" b="1" dirty="0"/>
-              <a:t>it's Not Linear: </a:t>
+              <a:t>It's Not Linear: </a:t>
             </a:r>
             <a:r>
               <a:rPr lang="en-GB" sz="1600" dirty="0"/>

--- a/Agile-Growth-Pathway.pptx
+++ b/Agile-Growth-Pathway.pptx
@@ -248,803 +248,6 @@
     </pc:docChg>
   </pc:docChgLst>
   <pc:docChgLst>
-    <pc:chgData name="Tom Hoyland" userId="736d7a3e-93c7-4109-90c5-e67b8b3e41b2" providerId="ADAL" clId="{A4D346AA-F248-6444-93C1-EF2F2E65C714}"/>
-    <pc:docChg chg="undo custSel addSld delSld modSld sldOrd">
-      <pc:chgData name="Tom Hoyland" userId="736d7a3e-93c7-4109-90c5-e67b8b3e41b2" providerId="ADAL" clId="{A4D346AA-F248-6444-93C1-EF2F2E65C714}" dt="2024-08-20T11:33:24.572" v="664" actId="404"/>
-      <pc:docMkLst>
-        <pc:docMk/>
-      </pc:docMkLst>
-      <pc:sldChg chg="addSp delSp modSp mod">
-        <pc:chgData name="Tom Hoyland" userId="736d7a3e-93c7-4109-90c5-e67b8b3e41b2" providerId="ADAL" clId="{A4D346AA-F248-6444-93C1-EF2F2E65C714}" dt="2024-08-20T10:35:24.927" v="523" actId="1076"/>
-        <pc:sldMkLst>
-          <pc:docMk/>
-          <pc:sldMk cId="215971509" sldId="258"/>
-        </pc:sldMkLst>
-        <pc:spChg chg="add del mod">
-          <ac:chgData name="Tom Hoyland" userId="736d7a3e-93c7-4109-90c5-e67b8b3e41b2" providerId="ADAL" clId="{A4D346AA-F248-6444-93C1-EF2F2E65C714}" dt="2024-08-20T10:35:16.759" v="521"/>
-          <ac:spMkLst>
-            <pc:docMk/>
-            <pc:sldMk cId="215971509" sldId="258"/>
-            <ac:spMk id="2" creationId="{13C5DC61-1188-B764-894D-18FA2653502D}"/>
-          </ac:spMkLst>
-        </pc:spChg>
-        <pc:graphicFrameChg chg="mod modGraphic">
-          <ac:chgData name="Tom Hoyland" userId="736d7a3e-93c7-4109-90c5-e67b8b3e41b2" providerId="ADAL" clId="{A4D346AA-F248-6444-93C1-EF2F2E65C714}" dt="2024-08-20T10:35:24.927" v="523" actId="1076"/>
-          <ac:graphicFrameMkLst>
-            <pc:docMk/>
-            <pc:sldMk cId="215971509" sldId="258"/>
-            <ac:graphicFrameMk id="4" creationId="{2C24AB31-CFE6-05B1-A05C-CB4B8F5125D5}"/>
-          </ac:graphicFrameMkLst>
-        </pc:graphicFrameChg>
-      </pc:sldChg>
-      <pc:sldChg chg="addSp delSp modSp del mod">
-        <pc:chgData name="Tom Hoyland" userId="736d7a3e-93c7-4109-90c5-e67b8b3e41b2" providerId="ADAL" clId="{A4D346AA-F248-6444-93C1-EF2F2E65C714}" dt="2024-08-20T11:32:51.918" v="598" actId="2696"/>
-        <pc:sldMkLst>
-          <pc:docMk/>
-          <pc:sldMk cId="1551894915" sldId="261"/>
-        </pc:sldMkLst>
-        <pc:spChg chg="del">
-          <ac:chgData name="Tom Hoyland" userId="736d7a3e-93c7-4109-90c5-e67b8b3e41b2" providerId="ADAL" clId="{A4D346AA-F248-6444-93C1-EF2F2E65C714}" dt="2024-08-20T11:32:39.566" v="595" actId="478"/>
-          <ac:spMkLst>
-            <pc:docMk/>
-            <pc:sldMk cId="1551894915" sldId="261"/>
-            <ac:spMk id="2" creationId="{60114F5B-200D-5E80-5596-D97099667249}"/>
-          </ac:spMkLst>
-        </pc:spChg>
-        <pc:spChg chg="add mod">
-          <ac:chgData name="Tom Hoyland" userId="736d7a3e-93c7-4109-90c5-e67b8b3e41b2" providerId="ADAL" clId="{A4D346AA-F248-6444-93C1-EF2F2E65C714}" dt="2024-08-20T11:32:39.566" v="595" actId="478"/>
-          <ac:spMkLst>
-            <pc:docMk/>
-            <pc:sldMk cId="1551894915" sldId="261"/>
-            <ac:spMk id="4" creationId="{D965E8EF-04AD-6DBB-D01A-5F2B61C6026F}"/>
-          </ac:spMkLst>
-        </pc:spChg>
-        <pc:spChg chg="del">
-          <ac:chgData name="Tom Hoyland" userId="736d7a3e-93c7-4109-90c5-e67b8b3e41b2" providerId="ADAL" clId="{A4D346AA-F248-6444-93C1-EF2F2E65C714}" dt="2024-08-20T11:32:39.566" v="595" actId="478"/>
-          <ac:spMkLst>
-            <pc:docMk/>
-            <pc:sldMk cId="1551894915" sldId="261"/>
-            <ac:spMk id="8" creationId="{8CDDB97D-A02F-8254-5432-E930CF01E0FC}"/>
-          </ac:spMkLst>
-        </pc:spChg>
-        <pc:spChg chg="del">
-          <ac:chgData name="Tom Hoyland" userId="736d7a3e-93c7-4109-90c5-e67b8b3e41b2" providerId="ADAL" clId="{A4D346AA-F248-6444-93C1-EF2F2E65C714}" dt="2024-08-20T11:32:39.566" v="595" actId="478"/>
-          <ac:spMkLst>
-            <pc:docMk/>
-            <pc:sldMk cId="1551894915" sldId="261"/>
-            <ac:spMk id="10" creationId="{C258F823-7B51-957A-9C20-93136D988928}"/>
-          </ac:spMkLst>
-        </pc:spChg>
-        <pc:spChg chg="del">
-          <ac:chgData name="Tom Hoyland" userId="736d7a3e-93c7-4109-90c5-e67b8b3e41b2" providerId="ADAL" clId="{A4D346AA-F248-6444-93C1-EF2F2E65C714}" dt="2024-08-20T11:32:39.566" v="595" actId="478"/>
-          <ac:spMkLst>
-            <pc:docMk/>
-            <pc:sldMk cId="1551894915" sldId="261"/>
-            <ac:spMk id="11" creationId="{706FB268-040E-2102-1308-B242A93B903A}"/>
-          </ac:spMkLst>
-        </pc:spChg>
-        <pc:spChg chg="del">
-          <ac:chgData name="Tom Hoyland" userId="736d7a3e-93c7-4109-90c5-e67b8b3e41b2" providerId="ADAL" clId="{A4D346AA-F248-6444-93C1-EF2F2E65C714}" dt="2024-08-20T11:32:39.566" v="595" actId="478"/>
-          <ac:spMkLst>
-            <pc:docMk/>
-            <pc:sldMk cId="1551894915" sldId="261"/>
-            <ac:spMk id="13" creationId="{380E85BC-FF65-970E-3CDA-C005D8E7882F}"/>
-          </ac:spMkLst>
-        </pc:spChg>
-        <pc:spChg chg="del">
-          <ac:chgData name="Tom Hoyland" userId="736d7a3e-93c7-4109-90c5-e67b8b3e41b2" providerId="ADAL" clId="{A4D346AA-F248-6444-93C1-EF2F2E65C714}" dt="2024-08-20T11:32:39.566" v="595" actId="478"/>
-          <ac:spMkLst>
-            <pc:docMk/>
-            <pc:sldMk cId="1551894915" sldId="261"/>
-            <ac:spMk id="14" creationId="{042E4238-C41B-D73B-C28B-0B462803692E}"/>
-          </ac:spMkLst>
-        </pc:spChg>
-        <pc:spChg chg="del">
-          <ac:chgData name="Tom Hoyland" userId="736d7a3e-93c7-4109-90c5-e67b8b3e41b2" providerId="ADAL" clId="{A4D346AA-F248-6444-93C1-EF2F2E65C714}" dt="2024-08-20T11:32:39.566" v="595" actId="478"/>
-          <ac:spMkLst>
-            <pc:docMk/>
-            <pc:sldMk cId="1551894915" sldId="261"/>
-            <ac:spMk id="16" creationId="{24D6D5B8-560A-7C70-9E81-B8EFB579F08E}"/>
-          </ac:spMkLst>
-        </pc:spChg>
-        <pc:spChg chg="del">
-          <ac:chgData name="Tom Hoyland" userId="736d7a3e-93c7-4109-90c5-e67b8b3e41b2" providerId="ADAL" clId="{A4D346AA-F248-6444-93C1-EF2F2E65C714}" dt="2024-08-20T11:32:39.566" v="595" actId="478"/>
-          <ac:spMkLst>
-            <pc:docMk/>
-            <pc:sldMk cId="1551894915" sldId="261"/>
-            <ac:spMk id="18" creationId="{F93BD877-DC0E-E976-9DE4-BE888B19CF0F}"/>
-          </ac:spMkLst>
-        </pc:spChg>
-        <pc:spChg chg="del">
-          <ac:chgData name="Tom Hoyland" userId="736d7a3e-93c7-4109-90c5-e67b8b3e41b2" providerId="ADAL" clId="{A4D346AA-F248-6444-93C1-EF2F2E65C714}" dt="2024-08-20T11:32:39.566" v="595" actId="478"/>
-          <ac:spMkLst>
-            <pc:docMk/>
-            <pc:sldMk cId="1551894915" sldId="261"/>
-            <ac:spMk id="28" creationId="{5ACB057E-5EA7-0F53-3026-546099232574}"/>
-          </ac:spMkLst>
-        </pc:spChg>
-        <pc:spChg chg="del">
-          <ac:chgData name="Tom Hoyland" userId="736d7a3e-93c7-4109-90c5-e67b8b3e41b2" providerId="ADAL" clId="{A4D346AA-F248-6444-93C1-EF2F2E65C714}" dt="2024-08-20T11:32:39.566" v="595" actId="478"/>
-          <ac:spMkLst>
-            <pc:docMk/>
-            <pc:sldMk cId="1551894915" sldId="261"/>
-            <ac:spMk id="29" creationId="{73641E73-F1C1-EAD9-8C93-D55E7BD2CDF8}"/>
-          </ac:spMkLst>
-        </pc:spChg>
-        <pc:spChg chg="del">
-          <ac:chgData name="Tom Hoyland" userId="736d7a3e-93c7-4109-90c5-e67b8b3e41b2" providerId="ADAL" clId="{A4D346AA-F248-6444-93C1-EF2F2E65C714}" dt="2024-08-20T11:32:39.566" v="595" actId="478"/>
-          <ac:spMkLst>
-            <pc:docMk/>
-            <pc:sldMk cId="1551894915" sldId="261"/>
-            <ac:spMk id="30" creationId="{0E4E77C7-934A-84F8-113F-232F677D364F}"/>
-          </ac:spMkLst>
-        </pc:spChg>
-        <pc:spChg chg="del">
-          <ac:chgData name="Tom Hoyland" userId="736d7a3e-93c7-4109-90c5-e67b8b3e41b2" providerId="ADAL" clId="{A4D346AA-F248-6444-93C1-EF2F2E65C714}" dt="2024-08-20T11:32:39.566" v="595" actId="478"/>
-          <ac:spMkLst>
-            <pc:docMk/>
-            <pc:sldMk cId="1551894915" sldId="261"/>
-            <ac:spMk id="31" creationId="{18DF7356-8B91-65DC-8FE8-32BFE8F1A09C}"/>
-          </ac:spMkLst>
-        </pc:spChg>
-        <pc:spChg chg="del">
-          <ac:chgData name="Tom Hoyland" userId="736d7a3e-93c7-4109-90c5-e67b8b3e41b2" providerId="ADAL" clId="{A4D346AA-F248-6444-93C1-EF2F2E65C714}" dt="2024-08-20T11:32:39.566" v="595" actId="478"/>
-          <ac:spMkLst>
-            <pc:docMk/>
-            <pc:sldMk cId="1551894915" sldId="261"/>
-            <ac:spMk id="32" creationId="{CE0A2A4C-DC20-3B09-E6C1-86C7406F3E22}"/>
-          </ac:spMkLst>
-        </pc:spChg>
-        <pc:spChg chg="del">
-          <ac:chgData name="Tom Hoyland" userId="736d7a3e-93c7-4109-90c5-e67b8b3e41b2" providerId="ADAL" clId="{A4D346AA-F248-6444-93C1-EF2F2E65C714}" dt="2024-08-20T11:32:39.566" v="595" actId="478"/>
-          <ac:spMkLst>
-            <pc:docMk/>
-            <pc:sldMk cId="1551894915" sldId="261"/>
-            <ac:spMk id="33" creationId="{B0CF220A-8F25-72EA-707D-3F51885CA3B4}"/>
-          </ac:spMkLst>
-        </pc:spChg>
-        <pc:spChg chg="del">
-          <ac:chgData name="Tom Hoyland" userId="736d7a3e-93c7-4109-90c5-e67b8b3e41b2" providerId="ADAL" clId="{A4D346AA-F248-6444-93C1-EF2F2E65C714}" dt="2024-08-20T11:32:39.566" v="595" actId="478"/>
-          <ac:spMkLst>
-            <pc:docMk/>
-            <pc:sldMk cId="1551894915" sldId="261"/>
-            <ac:spMk id="34" creationId="{FD091573-20FC-A6D7-6867-DCE7669E0934}"/>
-          </ac:spMkLst>
-        </pc:spChg>
-        <pc:spChg chg="del">
-          <ac:chgData name="Tom Hoyland" userId="736d7a3e-93c7-4109-90c5-e67b8b3e41b2" providerId="ADAL" clId="{A4D346AA-F248-6444-93C1-EF2F2E65C714}" dt="2024-08-20T11:32:39.566" v="595" actId="478"/>
-          <ac:spMkLst>
-            <pc:docMk/>
-            <pc:sldMk cId="1551894915" sldId="261"/>
-            <ac:spMk id="35" creationId="{14C3540D-164D-0502-B9B3-99DA425B4CAA}"/>
-          </ac:spMkLst>
-        </pc:spChg>
-        <pc:spChg chg="del">
-          <ac:chgData name="Tom Hoyland" userId="736d7a3e-93c7-4109-90c5-e67b8b3e41b2" providerId="ADAL" clId="{A4D346AA-F248-6444-93C1-EF2F2E65C714}" dt="2024-08-20T11:32:39.566" v="595" actId="478"/>
-          <ac:spMkLst>
-            <pc:docMk/>
-            <pc:sldMk cId="1551894915" sldId="261"/>
-            <ac:spMk id="36" creationId="{E590E56E-C5E5-6786-556B-9FF43F6C6253}"/>
-          </ac:spMkLst>
-        </pc:spChg>
-        <pc:picChg chg="del">
-          <ac:chgData name="Tom Hoyland" userId="736d7a3e-93c7-4109-90c5-e67b8b3e41b2" providerId="ADAL" clId="{A4D346AA-F248-6444-93C1-EF2F2E65C714}" dt="2024-08-20T11:32:39.566" v="595" actId="478"/>
-          <ac:picMkLst>
-            <pc:docMk/>
-            <pc:sldMk cId="1551894915" sldId="261"/>
-            <ac:picMk id="5" creationId="{62116002-A9FA-E0AB-8E6A-8CEE2DB576CB}"/>
-          </ac:picMkLst>
-        </pc:picChg>
-        <pc:picChg chg="del">
-          <ac:chgData name="Tom Hoyland" userId="736d7a3e-93c7-4109-90c5-e67b8b3e41b2" providerId="ADAL" clId="{A4D346AA-F248-6444-93C1-EF2F2E65C714}" dt="2024-08-20T11:32:39.566" v="595" actId="478"/>
-          <ac:picMkLst>
-            <pc:docMk/>
-            <pc:sldMk cId="1551894915" sldId="261"/>
-            <ac:picMk id="6" creationId="{06F97ED0-2646-B792-8B99-24400765AE9E}"/>
-          </ac:picMkLst>
-        </pc:picChg>
-        <pc:picChg chg="del">
-          <ac:chgData name="Tom Hoyland" userId="736d7a3e-93c7-4109-90c5-e67b8b3e41b2" providerId="ADAL" clId="{A4D346AA-F248-6444-93C1-EF2F2E65C714}" dt="2024-08-20T11:32:39.566" v="595" actId="478"/>
-          <ac:picMkLst>
-            <pc:docMk/>
-            <pc:sldMk cId="1551894915" sldId="261"/>
-            <ac:picMk id="7" creationId="{D006BE89-01FB-EFD8-A0B0-468CE5796739}"/>
-          </ac:picMkLst>
-        </pc:picChg>
-        <pc:picChg chg="del">
-          <ac:chgData name="Tom Hoyland" userId="736d7a3e-93c7-4109-90c5-e67b8b3e41b2" providerId="ADAL" clId="{A4D346AA-F248-6444-93C1-EF2F2E65C714}" dt="2024-08-20T11:32:39.566" v="595" actId="478"/>
-          <ac:picMkLst>
-            <pc:docMk/>
-            <pc:sldMk cId="1551894915" sldId="261"/>
-            <ac:picMk id="9" creationId="{08B66EBF-2D1E-6E8B-FCBD-479EDE455568}"/>
-          </ac:picMkLst>
-        </pc:picChg>
-        <pc:picChg chg="del">
-          <ac:chgData name="Tom Hoyland" userId="736d7a3e-93c7-4109-90c5-e67b8b3e41b2" providerId="ADAL" clId="{A4D346AA-F248-6444-93C1-EF2F2E65C714}" dt="2024-08-20T11:32:39.566" v="595" actId="478"/>
-          <ac:picMkLst>
-            <pc:docMk/>
-            <pc:sldMk cId="1551894915" sldId="261"/>
-            <ac:picMk id="12" creationId="{0AF8A365-1CA9-E91D-685E-C97FBF85A01F}"/>
-          </ac:picMkLst>
-        </pc:picChg>
-        <pc:picChg chg="del">
-          <ac:chgData name="Tom Hoyland" userId="736d7a3e-93c7-4109-90c5-e67b8b3e41b2" providerId="ADAL" clId="{A4D346AA-F248-6444-93C1-EF2F2E65C714}" dt="2024-08-20T11:32:39.566" v="595" actId="478"/>
-          <ac:picMkLst>
-            <pc:docMk/>
-            <pc:sldMk cId="1551894915" sldId="261"/>
-            <ac:picMk id="15" creationId="{C1E2E61F-6957-C476-802C-DAA4E8E3D8FC}"/>
-          </ac:picMkLst>
-        </pc:picChg>
-        <pc:picChg chg="del">
-          <ac:chgData name="Tom Hoyland" userId="736d7a3e-93c7-4109-90c5-e67b8b3e41b2" providerId="ADAL" clId="{A4D346AA-F248-6444-93C1-EF2F2E65C714}" dt="2024-08-20T11:32:39.566" v="595" actId="478"/>
-          <ac:picMkLst>
-            <pc:docMk/>
-            <pc:sldMk cId="1551894915" sldId="261"/>
-            <ac:picMk id="17" creationId="{0F35D7D0-03F8-0064-B5AC-20BCCD3C6C55}"/>
-          </ac:picMkLst>
-        </pc:picChg>
-        <pc:picChg chg="del">
-          <ac:chgData name="Tom Hoyland" userId="736d7a3e-93c7-4109-90c5-e67b8b3e41b2" providerId="ADAL" clId="{A4D346AA-F248-6444-93C1-EF2F2E65C714}" dt="2024-08-20T11:32:39.566" v="595" actId="478"/>
-          <ac:picMkLst>
-            <pc:docMk/>
-            <pc:sldMk cId="1551894915" sldId="261"/>
-            <ac:picMk id="21" creationId="{75F00680-C90D-0C50-BAEB-68DD9870452B}"/>
-          </ac:picMkLst>
-        </pc:picChg>
-      </pc:sldChg>
-      <pc:sldChg chg="addSp delSp modSp add mod ord">
-        <pc:chgData name="Tom Hoyland" userId="736d7a3e-93c7-4109-90c5-e67b8b3e41b2" providerId="ADAL" clId="{A4D346AA-F248-6444-93C1-EF2F2E65C714}" dt="2024-08-20T11:32:33.746" v="594" actId="20577"/>
-        <pc:sldMkLst>
-          <pc:docMk/>
-          <pc:sldMk cId="2712193479" sldId="271"/>
-        </pc:sldMkLst>
-        <pc:spChg chg="del">
-          <ac:chgData name="Tom Hoyland" userId="736d7a3e-93c7-4109-90c5-e67b8b3e41b2" providerId="ADAL" clId="{A4D346AA-F248-6444-93C1-EF2F2E65C714}" dt="2024-08-13T07:33:26.326" v="156" actId="478"/>
-          <ac:spMkLst>
-            <pc:docMk/>
-            <pc:sldMk cId="2712193479" sldId="271"/>
-            <ac:spMk id="2" creationId="{60114F5B-200D-5E80-5596-D97099667249}"/>
-          </ac:spMkLst>
-        </pc:spChg>
-        <pc:spChg chg="add mod">
-          <ac:chgData name="Tom Hoyland" userId="736d7a3e-93c7-4109-90c5-e67b8b3e41b2" providerId="ADAL" clId="{A4D346AA-F248-6444-93C1-EF2F2E65C714}" dt="2024-08-13T07:40:02.434" v="517" actId="1076"/>
-          <ac:spMkLst>
-            <pc:docMk/>
-            <pc:sldMk cId="2712193479" sldId="271"/>
-            <ac:spMk id="3" creationId="{43F9F6AE-A5AC-2E03-0D6A-B04BA76B49BC}"/>
-          </ac:spMkLst>
-        </pc:spChg>
-        <pc:spChg chg="add mod">
-          <ac:chgData name="Tom Hoyland" userId="736d7a3e-93c7-4109-90c5-e67b8b3e41b2" providerId="ADAL" clId="{A4D346AA-F248-6444-93C1-EF2F2E65C714}" dt="2024-08-13T07:40:02.434" v="517" actId="1076"/>
-          <ac:spMkLst>
-            <pc:docMk/>
-            <pc:sldMk cId="2712193479" sldId="271"/>
-            <ac:spMk id="4" creationId="{E151A129-60CE-5725-DCEC-DF20AB33301A}"/>
-          </ac:spMkLst>
-        </pc:spChg>
-        <pc:spChg chg="mod">
-          <ac:chgData name="Tom Hoyland" userId="736d7a3e-93c7-4109-90c5-e67b8b3e41b2" providerId="ADAL" clId="{A4D346AA-F248-6444-93C1-EF2F2E65C714}" dt="2024-08-20T11:32:22.457" v="585" actId="20577"/>
-          <ac:spMkLst>
-            <pc:docMk/>
-            <pc:sldMk cId="2712193479" sldId="271"/>
-            <ac:spMk id="8" creationId="{8CDDB97D-A02F-8254-5432-E930CF01E0FC}"/>
-          </ac:spMkLst>
-        </pc:spChg>
-        <pc:spChg chg="mod">
-          <ac:chgData name="Tom Hoyland" userId="736d7a3e-93c7-4109-90c5-e67b8b3e41b2" providerId="ADAL" clId="{A4D346AA-F248-6444-93C1-EF2F2E65C714}" dt="2024-08-20T11:32:20.806" v="584" actId="20577"/>
-          <ac:spMkLst>
-            <pc:docMk/>
-            <pc:sldMk cId="2712193479" sldId="271"/>
-            <ac:spMk id="10" creationId="{C258F823-7B51-957A-9C20-93136D988928}"/>
-          </ac:spMkLst>
-        </pc:spChg>
-        <pc:spChg chg="mod">
-          <ac:chgData name="Tom Hoyland" userId="736d7a3e-93c7-4109-90c5-e67b8b3e41b2" providerId="ADAL" clId="{A4D346AA-F248-6444-93C1-EF2F2E65C714}" dt="2024-08-20T11:32:25.812" v="587" actId="20577"/>
-          <ac:spMkLst>
-            <pc:docMk/>
-            <pc:sldMk cId="2712193479" sldId="271"/>
-            <ac:spMk id="11" creationId="{706FB268-040E-2102-1308-B242A93B903A}"/>
-          </ac:spMkLst>
-        </pc:spChg>
-        <pc:spChg chg="mod">
-          <ac:chgData name="Tom Hoyland" userId="736d7a3e-93c7-4109-90c5-e67b8b3e41b2" providerId="ADAL" clId="{A4D346AA-F248-6444-93C1-EF2F2E65C714}" dt="2024-08-20T11:32:29.695" v="592" actId="20577"/>
-          <ac:spMkLst>
-            <pc:docMk/>
-            <pc:sldMk cId="2712193479" sldId="271"/>
-            <ac:spMk id="13" creationId="{380E85BC-FF65-970E-3CDA-C005D8E7882F}"/>
-          </ac:spMkLst>
-        </pc:spChg>
-        <pc:spChg chg="mod">
-          <ac:chgData name="Tom Hoyland" userId="736d7a3e-93c7-4109-90c5-e67b8b3e41b2" providerId="ADAL" clId="{A4D346AA-F248-6444-93C1-EF2F2E65C714}" dt="2024-08-20T11:32:32.158" v="593" actId="20577"/>
-          <ac:spMkLst>
-            <pc:docMk/>
-            <pc:sldMk cId="2712193479" sldId="271"/>
-            <ac:spMk id="14" creationId="{042E4238-C41B-D73B-C28B-0B462803692E}"/>
-          </ac:spMkLst>
-        </pc:spChg>
-        <pc:spChg chg="mod">
-          <ac:chgData name="Tom Hoyland" userId="736d7a3e-93c7-4109-90c5-e67b8b3e41b2" providerId="ADAL" clId="{A4D346AA-F248-6444-93C1-EF2F2E65C714}" dt="2024-08-20T11:32:24.083" v="586" actId="20577"/>
-          <ac:spMkLst>
-            <pc:docMk/>
-            <pc:sldMk cId="2712193479" sldId="271"/>
-            <ac:spMk id="16" creationId="{24D6D5B8-560A-7C70-9E81-B8EFB579F08E}"/>
-          </ac:spMkLst>
-        </pc:spChg>
-        <pc:spChg chg="mod">
-          <ac:chgData name="Tom Hoyland" userId="736d7a3e-93c7-4109-90c5-e67b8b3e41b2" providerId="ADAL" clId="{A4D346AA-F248-6444-93C1-EF2F2E65C714}" dt="2024-08-20T11:32:19.042" v="583" actId="20577"/>
-          <ac:spMkLst>
-            <pc:docMk/>
-            <pc:sldMk cId="2712193479" sldId="271"/>
-            <ac:spMk id="18" creationId="{F93BD877-DC0E-E976-9DE4-BE888B19CF0F}"/>
-          </ac:spMkLst>
-        </pc:spChg>
-        <pc:spChg chg="add mod">
-          <ac:chgData name="Tom Hoyland" userId="736d7a3e-93c7-4109-90c5-e67b8b3e41b2" providerId="ADAL" clId="{A4D346AA-F248-6444-93C1-EF2F2E65C714}" dt="2024-08-13T07:40:02.434" v="517" actId="1076"/>
-          <ac:spMkLst>
-            <pc:docMk/>
-            <pc:sldMk cId="2712193479" sldId="271"/>
-            <ac:spMk id="19" creationId="{9BC32168-0734-E7F4-DDAC-4419BE1ED0AC}"/>
-          </ac:spMkLst>
-        </pc:spChg>
-        <pc:spChg chg="add mod">
-          <ac:chgData name="Tom Hoyland" userId="736d7a3e-93c7-4109-90c5-e67b8b3e41b2" providerId="ADAL" clId="{A4D346AA-F248-6444-93C1-EF2F2E65C714}" dt="2024-08-13T07:40:02.434" v="517" actId="1076"/>
-          <ac:spMkLst>
-            <pc:docMk/>
-            <pc:sldMk cId="2712193479" sldId="271"/>
-            <ac:spMk id="20" creationId="{69D48872-11CB-3A33-9C96-131727D0AB45}"/>
-          </ac:spMkLst>
-        </pc:spChg>
-        <pc:spChg chg="add del mod">
-          <ac:chgData name="Tom Hoyland" userId="736d7a3e-93c7-4109-90c5-e67b8b3e41b2" providerId="ADAL" clId="{A4D346AA-F248-6444-93C1-EF2F2E65C714}" dt="2024-08-13T07:33:28.075" v="157" actId="478"/>
-          <ac:spMkLst>
-            <pc:docMk/>
-            <pc:sldMk cId="2712193479" sldId="271"/>
-            <ac:spMk id="23" creationId="{97374FD9-56B1-BD38-01AD-42A8332B8E26}"/>
-          </ac:spMkLst>
-        </pc:spChg>
-        <pc:spChg chg="add mod">
-          <ac:chgData name="Tom Hoyland" userId="736d7a3e-93c7-4109-90c5-e67b8b3e41b2" providerId="ADAL" clId="{A4D346AA-F248-6444-93C1-EF2F2E65C714}" dt="2024-08-13T07:40:02.434" v="517" actId="1076"/>
-          <ac:spMkLst>
-            <pc:docMk/>
-            <pc:sldMk cId="2712193479" sldId="271"/>
-            <ac:spMk id="24" creationId="{16C484F4-FF4B-D129-FAEA-02E2EC8CFE4D}"/>
-          </ac:spMkLst>
-        </pc:spChg>
-        <pc:spChg chg="add mod">
-          <ac:chgData name="Tom Hoyland" userId="736d7a3e-93c7-4109-90c5-e67b8b3e41b2" providerId="ADAL" clId="{A4D346AA-F248-6444-93C1-EF2F2E65C714}" dt="2024-08-13T07:40:02.434" v="517" actId="1076"/>
-          <ac:spMkLst>
-            <pc:docMk/>
-            <pc:sldMk cId="2712193479" sldId="271"/>
-            <ac:spMk id="25" creationId="{5772F33A-FAA4-6619-FC37-5A0C0D431A17}"/>
-          </ac:spMkLst>
-        </pc:spChg>
-        <pc:spChg chg="add mod">
-          <ac:chgData name="Tom Hoyland" userId="736d7a3e-93c7-4109-90c5-e67b8b3e41b2" providerId="ADAL" clId="{A4D346AA-F248-6444-93C1-EF2F2E65C714}" dt="2024-08-13T07:40:02.434" v="517" actId="1076"/>
-          <ac:spMkLst>
-            <pc:docMk/>
-            <pc:sldMk cId="2712193479" sldId="271"/>
-            <ac:spMk id="26" creationId="{8DB1EDB7-0892-A3F2-FB78-D990F034BD8D}"/>
-          </ac:spMkLst>
-        </pc:spChg>
-        <pc:spChg chg="add mod">
-          <ac:chgData name="Tom Hoyland" userId="736d7a3e-93c7-4109-90c5-e67b8b3e41b2" providerId="ADAL" clId="{A4D346AA-F248-6444-93C1-EF2F2E65C714}" dt="2024-08-13T07:40:02.434" v="517" actId="1076"/>
-          <ac:spMkLst>
-            <pc:docMk/>
-            <pc:sldMk cId="2712193479" sldId="271"/>
-            <ac:spMk id="27" creationId="{A82AA132-2F6D-308A-92C4-44C23B119428}"/>
-          </ac:spMkLst>
-        </pc:spChg>
-        <pc:spChg chg="mod">
-          <ac:chgData name="Tom Hoyland" userId="736d7a3e-93c7-4109-90c5-e67b8b3e41b2" providerId="ADAL" clId="{A4D346AA-F248-6444-93C1-EF2F2E65C714}" dt="2024-08-20T11:32:33.746" v="594" actId="20577"/>
-          <ac:spMkLst>
-            <pc:docMk/>
-            <pc:sldMk cId="2712193479" sldId="271"/>
-            <ac:spMk id="28" creationId="{5ACB057E-5EA7-0F53-3026-546099232574}"/>
-          </ac:spMkLst>
-        </pc:spChg>
-        <pc:spChg chg="mod">
-          <ac:chgData name="Tom Hoyland" userId="736d7a3e-93c7-4109-90c5-e67b8b3e41b2" providerId="ADAL" clId="{A4D346AA-F248-6444-93C1-EF2F2E65C714}" dt="2024-08-13T07:40:02.434" v="517" actId="1076"/>
-          <ac:spMkLst>
-            <pc:docMk/>
-            <pc:sldMk cId="2712193479" sldId="271"/>
-            <ac:spMk id="29" creationId="{73641E73-F1C1-EAD9-8C93-D55E7BD2CDF8}"/>
-          </ac:spMkLst>
-        </pc:spChg>
-        <pc:spChg chg="mod">
-          <ac:chgData name="Tom Hoyland" userId="736d7a3e-93c7-4109-90c5-e67b8b3e41b2" providerId="ADAL" clId="{A4D346AA-F248-6444-93C1-EF2F2E65C714}" dt="2024-08-13T07:40:02.434" v="517" actId="1076"/>
-          <ac:spMkLst>
-            <pc:docMk/>
-            <pc:sldMk cId="2712193479" sldId="271"/>
-            <ac:spMk id="30" creationId="{0E4E77C7-934A-84F8-113F-232F677D364F}"/>
-          </ac:spMkLst>
-        </pc:spChg>
-        <pc:spChg chg="mod">
-          <ac:chgData name="Tom Hoyland" userId="736d7a3e-93c7-4109-90c5-e67b8b3e41b2" providerId="ADAL" clId="{A4D346AA-F248-6444-93C1-EF2F2E65C714}" dt="2024-08-13T07:40:02.434" v="517" actId="1076"/>
-          <ac:spMkLst>
-            <pc:docMk/>
-            <pc:sldMk cId="2712193479" sldId="271"/>
-            <ac:spMk id="31" creationId="{18DF7356-8B91-65DC-8FE8-32BFE8F1A09C}"/>
-          </ac:spMkLst>
-        </pc:spChg>
-        <pc:spChg chg="mod">
-          <ac:chgData name="Tom Hoyland" userId="736d7a3e-93c7-4109-90c5-e67b8b3e41b2" providerId="ADAL" clId="{A4D346AA-F248-6444-93C1-EF2F2E65C714}" dt="2024-08-13T07:40:02.434" v="517" actId="1076"/>
-          <ac:spMkLst>
-            <pc:docMk/>
-            <pc:sldMk cId="2712193479" sldId="271"/>
-            <ac:spMk id="32" creationId="{CE0A2A4C-DC20-3B09-E6C1-86C7406F3E22}"/>
-          </ac:spMkLst>
-        </pc:spChg>
-        <pc:spChg chg="mod">
-          <ac:chgData name="Tom Hoyland" userId="736d7a3e-93c7-4109-90c5-e67b8b3e41b2" providerId="ADAL" clId="{A4D346AA-F248-6444-93C1-EF2F2E65C714}" dt="2024-08-13T07:40:02.434" v="517" actId="1076"/>
-          <ac:spMkLst>
-            <pc:docMk/>
-            <pc:sldMk cId="2712193479" sldId="271"/>
-            <ac:spMk id="33" creationId="{B0CF220A-8F25-72EA-707D-3F51885CA3B4}"/>
-          </ac:spMkLst>
-        </pc:spChg>
-        <pc:spChg chg="mod">
-          <ac:chgData name="Tom Hoyland" userId="736d7a3e-93c7-4109-90c5-e67b8b3e41b2" providerId="ADAL" clId="{A4D346AA-F248-6444-93C1-EF2F2E65C714}" dt="2024-08-13T07:40:02.434" v="517" actId="1076"/>
-          <ac:spMkLst>
-            <pc:docMk/>
-            <pc:sldMk cId="2712193479" sldId="271"/>
-            <ac:spMk id="34" creationId="{FD091573-20FC-A6D7-6867-DCE7669E0934}"/>
-          </ac:spMkLst>
-        </pc:spChg>
-        <pc:spChg chg="mod">
-          <ac:chgData name="Tom Hoyland" userId="736d7a3e-93c7-4109-90c5-e67b8b3e41b2" providerId="ADAL" clId="{A4D346AA-F248-6444-93C1-EF2F2E65C714}" dt="2024-08-13T07:40:02.434" v="517" actId="1076"/>
-          <ac:spMkLst>
-            <pc:docMk/>
-            <pc:sldMk cId="2712193479" sldId="271"/>
-            <ac:spMk id="35" creationId="{14C3540D-164D-0502-B9B3-99DA425B4CAA}"/>
-          </ac:spMkLst>
-        </pc:spChg>
-        <pc:spChg chg="mod">
-          <ac:chgData name="Tom Hoyland" userId="736d7a3e-93c7-4109-90c5-e67b8b3e41b2" providerId="ADAL" clId="{A4D346AA-F248-6444-93C1-EF2F2E65C714}" dt="2024-08-13T07:40:02.434" v="517" actId="1076"/>
-          <ac:spMkLst>
-            <pc:docMk/>
-            <pc:sldMk cId="2712193479" sldId="271"/>
-            <ac:spMk id="36" creationId="{E590E56E-C5E5-6786-556B-9FF43F6C6253}"/>
-          </ac:spMkLst>
-        </pc:spChg>
-        <pc:picChg chg="mod">
-          <ac:chgData name="Tom Hoyland" userId="736d7a3e-93c7-4109-90c5-e67b8b3e41b2" providerId="ADAL" clId="{A4D346AA-F248-6444-93C1-EF2F2E65C714}" dt="2024-08-13T07:40:02.434" v="517" actId="1076"/>
-          <ac:picMkLst>
-            <pc:docMk/>
-            <pc:sldMk cId="2712193479" sldId="271"/>
-            <ac:picMk id="5" creationId="{62116002-A9FA-E0AB-8E6A-8CEE2DB576CB}"/>
-          </ac:picMkLst>
-        </pc:picChg>
-        <pc:picChg chg="mod">
-          <ac:chgData name="Tom Hoyland" userId="736d7a3e-93c7-4109-90c5-e67b8b3e41b2" providerId="ADAL" clId="{A4D346AA-F248-6444-93C1-EF2F2E65C714}" dt="2024-08-13T07:40:02.434" v="517" actId="1076"/>
-          <ac:picMkLst>
-            <pc:docMk/>
-            <pc:sldMk cId="2712193479" sldId="271"/>
-            <ac:picMk id="6" creationId="{06F97ED0-2646-B792-8B99-24400765AE9E}"/>
-          </ac:picMkLst>
-        </pc:picChg>
-        <pc:picChg chg="mod">
-          <ac:chgData name="Tom Hoyland" userId="736d7a3e-93c7-4109-90c5-e67b8b3e41b2" providerId="ADAL" clId="{A4D346AA-F248-6444-93C1-EF2F2E65C714}" dt="2024-08-13T07:40:02.434" v="517" actId="1076"/>
-          <ac:picMkLst>
-            <pc:docMk/>
-            <pc:sldMk cId="2712193479" sldId="271"/>
-            <ac:picMk id="7" creationId="{D006BE89-01FB-EFD8-A0B0-468CE5796739}"/>
-          </ac:picMkLst>
-        </pc:picChg>
-        <pc:picChg chg="mod">
-          <ac:chgData name="Tom Hoyland" userId="736d7a3e-93c7-4109-90c5-e67b8b3e41b2" providerId="ADAL" clId="{A4D346AA-F248-6444-93C1-EF2F2E65C714}" dt="2024-08-13T07:40:02.434" v="517" actId="1076"/>
-          <ac:picMkLst>
-            <pc:docMk/>
-            <pc:sldMk cId="2712193479" sldId="271"/>
-            <ac:picMk id="9" creationId="{08B66EBF-2D1E-6E8B-FCBD-479EDE455568}"/>
-          </ac:picMkLst>
-        </pc:picChg>
-        <pc:picChg chg="mod">
-          <ac:chgData name="Tom Hoyland" userId="736d7a3e-93c7-4109-90c5-e67b8b3e41b2" providerId="ADAL" clId="{A4D346AA-F248-6444-93C1-EF2F2E65C714}" dt="2024-08-13T07:40:02.434" v="517" actId="1076"/>
-          <ac:picMkLst>
-            <pc:docMk/>
-            <pc:sldMk cId="2712193479" sldId="271"/>
-            <ac:picMk id="12" creationId="{0AF8A365-1CA9-E91D-685E-C97FBF85A01F}"/>
-          </ac:picMkLst>
-        </pc:picChg>
-        <pc:picChg chg="mod">
-          <ac:chgData name="Tom Hoyland" userId="736d7a3e-93c7-4109-90c5-e67b8b3e41b2" providerId="ADAL" clId="{A4D346AA-F248-6444-93C1-EF2F2E65C714}" dt="2024-08-13T07:40:02.434" v="517" actId="1076"/>
-          <ac:picMkLst>
-            <pc:docMk/>
-            <pc:sldMk cId="2712193479" sldId="271"/>
-            <ac:picMk id="15" creationId="{C1E2E61F-6957-C476-802C-DAA4E8E3D8FC}"/>
-          </ac:picMkLst>
-        </pc:picChg>
-        <pc:picChg chg="mod">
-          <ac:chgData name="Tom Hoyland" userId="736d7a3e-93c7-4109-90c5-e67b8b3e41b2" providerId="ADAL" clId="{A4D346AA-F248-6444-93C1-EF2F2E65C714}" dt="2024-08-13T07:40:02.434" v="517" actId="1076"/>
-          <ac:picMkLst>
-            <pc:docMk/>
-            <pc:sldMk cId="2712193479" sldId="271"/>
-            <ac:picMk id="17" creationId="{0F35D7D0-03F8-0064-B5AC-20BCCD3C6C55}"/>
-          </ac:picMkLst>
-        </pc:picChg>
-        <pc:picChg chg="mod">
-          <ac:chgData name="Tom Hoyland" userId="736d7a3e-93c7-4109-90c5-e67b8b3e41b2" providerId="ADAL" clId="{A4D346AA-F248-6444-93C1-EF2F2E65C714}" dt="2024-08-13T07:40:02.434" v="517" actId="1076"/>
-          <ac:picMkLst>
-            <pc:docMk/>
-            <pc:sldMk cId="2712193479" sldId="271"/>
-            <ac:picMk id="21" creationId="{75F00680-C90D-0C50-BAEB-68DD9870452B}"/>
-          </ac:picMkLst>
-        </pc:picChg>
-      </pc:sldChg>
-      <pc:sldChg chg="addSp modSp add mod ord">
-        <pc:chgData name="Tom Hoyland" userId="736d7a3e-93c7-4109-90c5-e67b8b3e41b2" providerId="ADAL" clId="{A4D346AA-F248-6444-93C1-EF2F2E65C714}" dt="2024-08-20T11:33:24.572" v="664" actId="404"/>
-        <pc:sldMkLst>
-          <pc:docMk/>
-          <pc:sldMk cId="248048730" sldId="272"/>
-        </pc:sldMkLst>
-        <pc:spChg chg="add mod">
-          <ac:chgData name="Tom Hoyland" userId="736d7a3e-93c7-4109-90c5-e67b8b3e41b2" providerId="ADAL" clId="{A4D346AA-F248-6444-93C1-EF2F2E65C714}" dt="2024-08-20T11:33:24.572" v="664" actId="404"/>
-          <ac:spMkLst>
-            <pc:docMk/>
-            <pc:sldMk cId="248048730" sldId="272"/>
-            <ac:spMk id="2" creationId="{DE49AD4B-7FB7-DB4B-1892-2174BDB55FDC}"/>
-          </ac:spMkLst>
-        </pc:spChg>
-        <pc:spChg chg="mod">
-          <ac:chgData name="Tom Hoyland" userId="736d7a3e-93c7-4109-90c5-e67b8b3e41b2" providerId="ADAL" clId="{A4D346AA-F248-6444-93C1-EF2F2E65C714}" dt="2024-08-20T11:33:03.837" v="628" actId="1036"/>
-          <ac:spMkLst>
-            <pc:docMk/>
-            <pc:sldMk cId="248048730" sldId="272"/>
-            <ac:spMk id="3" creationId="{213F28A4-07ED-C70E-C1A5-0B32C5A7DD8D}"/>
-          </ac:spMkLst>
-        </pc:spChg>
-        <pc:spChg chg="mod">
-          <ac:chgData name="Tom Hoyland" userId="736d7a3e-93c7-4109-90c5-e67b8b3e41b2" providerId="ADAL" clId="{A4D346AA-F248-6444-93C1-EF2F2E65C714}" dt="2024-08-20T11:33:03.837" v="628" actId="1036"/>
-          <ac:spMkLst>
-            <pc:docMk/>
-            <pc:sldMk cId="248048730" sldId="272"/>
-            <ac:spMk id="4" creationId="{DD555481-A9B5-D5E1-1F1B-EF8ED78D5CD8}"/>
-          </ac:spMkLst>
-        </pc:spChg>
-        <pc:spChg chg="mod">
-          <ac:chgData name="Tom Hoyland" userId="736d7a3e-93c7-4109-90c5-e67b8b3e41b2" providerId="ADAL" clId="{A4D346AA-F248-6444-93C1-EF2F2E65C714}" dt="2024-08-20T11:33:03.837" v="628" actId="1036"/>
-          <ac:spMkLst>
-            <pc:docMk/>
-            <pc:sldMk cId="248048730" sldId="272"/>
-            <ac:spMk id="8" creationId="{AEAF102F-143D-76EF-DF6D-8B165519A4A4}"/>
-          </ac:spMkLst>
-        </pc:spChg>
-        <pc:spChg chg="mod">
-          <ac:chgData name="Tom Hoyland" userId="736d7a3e-93c7-4109-90c5-e67b8b3e41b2" providerId="ADAL" clId="{A4D346AA-F248-6444-93C1-EF2F2E65C714}" dt="2024-08-20T11:33:03.837" v="628" actId="1036"/>
-          <ac:spMkLst>
-            <pc:docMk/>
-            <pc:sldMk cId="248048730" sldId="272"/>
-            <ac:spMk id="10" creationId="{4AFC90E1-B3DD-B446-A88F-D3102C4BE49F}"/>
-          </ac:spMkLst>
-        </pc:spChg>
-        <pc:spChg chg="mod">
-          <ac:chgData name="Tom Hoyland" userId="736d7a3e-93c7-4109-90c5-e67b8b3e41b2" providerId="ADAL" clId="{A4D346AA-F248-6444-93C1-EF2F2E65C714}" dt="2024-08-20T11:33:03.837" v="628" actId="1036"/>
-          <ac:spMkLst>
-            <pc:docMk/>
-            <pc:sldMk cId="248048730" sldId="272"/>
-            <ac:spMk id="11" creationId="{06C0DA98-AF63-8C25-12CC-42A79D849F04}"/>
-          </ac:spMkLst>
-        </pc:spChg>
-        <pc:spChg chg="mod">
-          <ac:chgData name="Tom Hoyland" userId="736d7a3e-93c7-4109-90c5-e67b8b3e41b2" providerId="ADAL" clId="{A4D346AA-F248-6444-93C1-EF2F2E65C714}" dt="2024-08-20T11:33:03.837" v="628" actId="1036"/>
-          <ac:spMkLst>
-            <pc:docMk/>
-            <pc:sldMk cId="248048730" sldId="272"/>
-            <ac:spMk id="13" creationId="{6D7F7EC6-1E57-62EB-8CD1-03BE4F5ADDED}"/>
-          </ac:spMkLst>
-        </pc:spChg>
-        <pc:spChg chg="mod">
-          <ac:chgData name="Tom Hoyland" userId="736d7a3e-93c7-4109-90c5-e67b8b3e41b2" providerId="ADAL" clId="{A4D346AA-F248-6444-93C1-EF2F2E65C714}" dt="2024-08-20T11:33:03.837" v="628" actId="1036"/>
-          <ac:spMkLst>
-            <pc:docMk/>
-            <pc:sldMk cId="248048730" sldId="272"/>
-            <ac:spMk id="14" creationId="{C264D8AC-B086-B921-85C6-5AF1DD6AD8DE}"/>
-          </ac:spMkLst>
-        </pc:spChg>
-        <pc:spChg chg="mod">
-          <ac:chgData name="Tom Hoyland" userId="736d7a3e-93c7-4109-90c5-e67b8b3e41b2" providerId="ADAL" clId="{A4D346AA-F248-6444-93C1-EF2F2E65C714}" dt="2024-08-20T11:33:03.837" v="628" actId="1036"/>
-          <ac:spMkLst>
-            <pc:docMk/>
-            <pc:sldMk cId="248048730" sldId="272"/>
-            <ac:spMk id="16" creationId="{E4800468-3CA0-2964-AA62-A3AA15AEBB24}"/>
-          </ac:spMkLst>
-        </pc:spChg>
-        <pc:spChg chg="mod">
-          <ac:chgData name="Tom Hoyland" userId="736d7a3e-93c7-4109-90c5-e67b8b3e41b2" providerId="ADAL" clId="{A4D346AA-F248-6444-93C1-EF2F2E65C714}" dt="2024-08-20T11:33:03.837" v="628" actId="1036"/>
-          <ac:spMkLst>
-            <pc:docMk/>
-            <pc:sldMk cId="248048730" sldId="272"/>
-            <ac:spMk id="18" creationId="{63271C5F-2656-11FB-BDA0-F18F429D4AB8}"/>
-          </ac:spMkLst>
-        </pc:spChg>
-        <pc:spChg chg="mod">
-          <ac:chgData name="Tom Hoyland" userId="736d7a3e-93c7-4109-90c5-e67b8b3e41b2" providerId="ADAL" clId="{A4D346AA-F248-6444-93C1-EF2F2E65C714}" dt="2024-08-20T11:33:03.837" v="628" actId="1036"/>
-          <ac:spMkLst>
-            <pc:docMk/>
-            <pc:sldMk cId="248048730" sldId="272"/>
-            <ac:spMk id="19" creationId="{70929939-537B-C447-115E-FED5AF8357AE}"/>
-          </ac:spMkLst>
-        </pc:spChg>
-        <pc:spChg chg="mod">
-          <ac:chgData name="Tom Hoyland" userId="736d7a3e-93c7-4109-90c5-e67b8b3e41b2" providerId="ADAL" clId="{A4D346AA-F248-6444-93C1-EF2F2E65C714}" dt="2024-08-20T11:33:03.837" v="628" actId="1036"/>
-          <ac:spMkLst>
-            <pc:docMk/>
-            <pc:sldMk cId="248048730" sldId="272"/>
-            <ac:spMk id="20" creationId="{59B90136-C70C-1F8D-144A-B8DAA91E8BFF}"/>
-          </ac:spMkLst>
-        </pc:spChg>
-        <pc:spChg chg="mod">
-          <ac:chgData name="Tom Hoyland" userId="736d7a3e-93c7-4109-90c5-e67b8b3e41b2" providerId="ADAL" clId="{A4D346AA-F248-6444-93C1-EF2F2E65C714}" dt="2024-08-20T11:33:03.837" v="628" actId="1036"/>
-          <ac:spMkLst>
-            <pc:docMk/>
-            <pc:sldMk cId="248048730" sldId="272"/>
-            <ac:spMk id="24" creationId="{58A0E144-52CD-ECF3-042B-7992A86DA18B}"/>
-          </ac:spMkLst>
-        </pc:spChg>
-        <pc:spChg chg="mod">
-          <ac:chgData name="Tom Hoyland" userId="736d7a3e-93c7-4109-90c5-e67b8b3e41b2" providerId="ADAL" clId="{A4D346AA-F248-6444-93C1-EF2F2E65C714}" dt="2024-08-20T11:33:03.837" v="628" actId="1036"/>
-          <ac:spMkLst>
-            <pc:docMk/>
-            <pc:sldMk cId="248048730" sldId="272"/>
-            <ac:spMk id="25" creationId="{38DEAD3F-0B7F-2B20-993E-A2B1F014B1CD}"/>
-          </ac:spMkLst>
-        </pc:spChg>
-        <pc:spChg chg="mod">
-          <ac:chgData name="Tom Hoyland" userId="736d7a3e-93c7-4109-90c5-e67b8b3e41b2" providerId="ADAL" clId="{A4D346AA-F248-6444-93C1-EF2F2E65C714}" dt="2024-08-20T11:33:03.837" v="628" actId="1036"/>
-          <ac:spMkLst>
-            <pc:docMk/>
-            <pc:sldMk cId="248048730" sldId="272"/>
-            <ac:spMk id="26" creationId="{3A945144-0789-5A0E-FC67-42CABE016FCE}"/>
-          </ac:spMkLst>
-        </pc:spChg>
-        <pc:spChg chg="mod">
-          <ac:chgData name="Tom Hoyland" userId="736d7a3e-93c7-4109-90c5-e67b8b3e41b2" providerId="ADAL" clId="{A4D346AA-F248-6444-93C1-EF2F2E65C714}" dt="2024-08-20T11:33:03.837" v="628" actId="1036"/>
-          <ac:spMkLst>
-            <pc:docMk/>
-            <pc:sldMk cId="248048730" sldId="272"/>
-            <ac:spMk id="27" creationId="{CCBC6816-D39B-700B-F344-1B0D25A1449C}"/>
-          </ac:spMkLst>
-        </pc:spChg>
-        <pc:spChg chg="mod">
-          <ac:chgData name="Tom Hoyland" userId="736d7a3e-93c7-4109-90c5-e67b8b3e41b2" providerId="ADAL" clId="{A4D346AA-F248-6444-93C1-EF2F2E65C714}" dt="2024-08-20T11:33:03.837" v="628" actId="1036"/>
-          <ac:spMkLst>
-            <pc:docMk/>
-            <pc:sldMk cId="248048730" sldId="272"/>
-            <ac:spMk id="28" creationId="{5A0B0504-FBD2-ED5A-4F3B-787A8587C05A}"/>
-          </ac:spMkLst>
-        </pc:spChg>
-        <pc:spChg chg="mod">
-          <ac:chgData name="Tom Hoyland" userId="736d7a3e-93c7-4109-90c5-e67b8b3e41b2" providerId="ADAL" clId="{A4D346AA-F248-6444-93C1-EF2F2E65C714}" dt="2024-08-20T11:33:03.837" v="628" actId="1036"/>
-          <ac:spMkLst>
-            <pc:docMk/>
-            <pc:sldMk cId="248048730" sldId="272"/>
-            <ac:spMk id="29" creationId="{68B58E08-22AA-A82B-48BD-73CAD4C99992}"/>
-          </ac:spMkLst>
-        </pc:spChg>
-        <pc:spChg chg="mod">
-          <ac:chgData name="Tom Hoyland" userId="736d7a3e-93c7-4109-90c5-e67b8b3e41b2" providerId="ADAL" clId="{A4D346AA-F248-6444-93C1-EF2F2E65C714}" dt="2024-08-20T11:33:03.837" v="628" actId="1036"/>
-          <ac:spMkLst>
-            <pc:docMk/>
-            <pc:sldMk cId="248048730" sldId="272"/>
-            <ac:spMk id="30" creationId="{DEFE14F4-97D1-71EF-B066-BF208197EC0B}"/>
-          </ac:spMkLst>
-        </pc:spChg>
-        <pc:spChg chg="mod">
-          <ac:chgData name="Tom Hoyland" userId="736d7a3e-93c7-4109-90c5-e67b8b3e41b2" providerId="ADAL" clId="{A4D346AA-F248-6444-93C1-EF2F2E65C714}" dt="2024-08-20T11:33:03.837" v="628" actId="1036"/>
-          <ac:spMkLst>
-            <pc:docMk/>
-            <pc:sldMk cId="248048730" sldId="272"/>
-            <ac:spMk id="31" creationId="{8D8F7CEF-134A-D3DA-8445-5A753AB0F80F}"/>
-          </ac:spMkLst>
-        </pc:spChg>
-        <pc:spChg chg="mod">
-          <ac:chgData name="Tom Hoyland" userId="736d7a3e-93c7-4109-90c5-e67b8b3e41b2" providerId="ADAL" clId="{A4D346AA-F248-6444-93C1-EF2F2E65C714}" dt="2024-08-20T11:33:03.837" v="628" actId="1036"/>
-          <ac:spMkLst>
-            <pc:docMk/>
-            <pc:sldMk cId="248048730" sldId="272"/>
-            <ac:spMk id="32" creationId="{5057154F-7DCF-A223-0510-F25D7FD2EE6A}"/>
-          </ac:spMkLst>
-        </pc:spChg>
-        <pc:spChg chg="mod">
-          <ac:chgData name="Tom Hoyland" userId="736d7a3e-93c7-4109-90c5-e67b8b3e41b2" providerId="ADAL" clId="{A4D346AA-F248-6444-93C1-EF2F2E65C714}" dt="2024-08-20T11:33:03.837" v="628" actId="1036"/>
-          <ac:spMkLst>
-            <pc:docMk/>
-            <pc:sldMk cId="248048730" sldId="272"/>
-            <ac:spMk id="33" creationId="{E0D8722E-83A8-C310-122A-30EA2816860E}"/>
-          </ac:spMkLst>
-        </pc:spChg>
-        <pc:spChg chg="mod">
-          <ac:chgData name="Tom Hoyland" userId="736d7a3e-93c7-4109-90c5-e67b8b3e41b2" providerId="ADAL" clId="{A4D346AA-F248-6444-93C1-EF2F2E65C714}" dt="2024-08-20T11:33:03.837" v="628" actId="1036"/>
-          <ac:spMkLst>
-            <pc:docMk/>
-            <pc:sldMk cId="248048730" sldId="272"/>
-            <ac:spMk id="34" creationId="{27018EDB-C14A-2175-DA20-52AE83F8940E}"/>
-          </ac:spMkLst>
-        </pc:spChg>
-        <pc:spChg chg="mod">
-          <ac:chgData name="Tom Hoyland" userId="736d7a3e-93c7-4109-90c5-e67b8b3e41b2" providerId="ADAL" clId="{A4D346AA-F248-6444-93C1-EF2F2E65C714}" dt="2024-08-20T11:33:03.837" v="628" actId="1036"/>
-          <ac:spMkLst>
-            <pc:docMk/>
-            <pc:sldMk cId="248048730" sldId="272"/>
-            <ac:spMk id="35" creationId="{64BD6B3C-21B9-94EB-9163-4D7A83A4A297}"/>
-          </ac:spMkLst>
-        </pc:spChg>
-        <pc:spChg chg="mod">
-          <ac:chgData name="Tom Hoyland" userId="736d7a3e-93c7-4109-90c5-e67b8b3e41b2" providerId="ADAL" clId="{A4D346AA-F248-6444-93C1-EF2F2E65C714}" dt="2024-08-20T11:33:03.837" v="628" actId="1036"/>
-          <ac:spMkLst>
-            <pc:docMk/>
-            <pc:sldMk cId="248048730" sldId="272"/>
-            <ac:spMk id="36" creationId="{965DF994-D945-F5CF-02B0-6FD96B778267}"/>
-          </ac:spMkLst>
-        </pc:spChg>
-        <pc:picChg chg="mod">
-          <ac:chgData name="Tom Hoyland" userId="736d7a3e-93c7-4109-90c5-e67b8b3e41b2" providerId="ADAL" clId="{A4D346AA-F248-6444-93C1-EF2F2E65C714}" dt="2024-08-20T11:33:03.837" v="628" actId="1036"/>
-          <ac:picMkLst>
-            <pc:docMk/>
-            <pc:sldMk cId="248048730" sldId="272"/>
-            <ac:picMk id="5" creationId="{6322FBD9-FD8F-9C95-2729-127E6A05B844}"/>
-          </ac:picMkLst>
-        </pc:picChg>
-        <pc:picChg chg="mod">
-          <ac:chgData name="Tom Hoyland" userId="736d7a3e-93c7-4109-90c5-e67b8b3e41b2" providerId="ADAL" clId="{A4D346AA-F248-6444-93C1-EF2F2E65C714}" dt="2024-08-20T11:33:03.837" v="628" actId="1036"/>
-          <ac:picMkLst>
-            <pc:docMk/>
-            <pc:sldMk cId="248048730" sldId="272"/>
-            <ac:picMk id="6" creationId="{2BE0E3B7-67DB-7D22-62F7-F28225398F7E}"/>
-          </ac:picMkLst>
-        </pc:picChg>
-        <pc:picChg chg="mod">
-          <ac:chgData name="Tom Hoyland" userId="736d7a3e-93c7-4109-90c5-e67b8b3e41b2" providerId="ADAL" clId="{A4D346AA-F248-6444-93C1-EF2F2E65C714}" dt="2024-08-20T11:33:03.837" v="628" actId="1036"/>
-          <ac:picMkLst>
-            <pc:docMk/>
-            <pc:sldMk cId="248048730" sldId="272"/>
-            <ac:picMk id="7" creationId="{4025EFFD-6B77-7453-3202-61E018612DB9}"/>
-          </ac:picMkLst>
-        </pc:picChg>
-        <pc:picChg chg="mod">
-          <ac:chgData name="Tom Hoyland" userId="736d7a3e-93c7-4109-90c5-e67b8b3e41b2" providerId="ADAL" clId="{A4D346AA-F248-6444-93C1-EF2F2E65C714}" dt="2024-08-20T11:33:03.837" v="628" actId="1036"/>
-          <ac:picMkLst>
-            <pc:docMk/>
-            <pc:sldMk cId="248048730" sldId="272"/>
-            <ac:picMk id="9" creationId="{AFD2E46D-615E-B65D-1188-F2A6AB1738D7}"/>
-          </ac:picMkLst>
-        </pc:picChg>
-        <pc:picChg chg="mod">
-          <ac:chgData name="Tom Hoyland" userId="736d7a3e-93c7-4109-90c5-e67b8b3e41b2" providerId="ADAL" clId="{A4D346AA-F248-6444-93C1-EF2F2E65C714}" dt="2024-08-20T11:33:03.837" v="628" actId="1036"/>
-          <ac:picMkLst>
-            <pc:docMk/>
-            <pc:sldMk cId="248048730" sldId="272"/>
-            <ac:picMk id="12" creationId="{5C0C4BE6-1C53-E473-95EA-95C0F5CF1564}"/>
-          </ac:picMkLst>
-        </pc:picChg>
-        <pc:picChg chg="mod">
-          <ac:chgData name="Tom Hoyland" userId="736d7a3e-93c7-4109-90c5-e67b8b3e41b2" providerId="ADAL" clId="{A4D346AA-F248-6444-93C1-EF2F2E65C714}" dt="2024-08-20T11:33:03.837" v="628" actId="1036"/>
-          <ac:picMkLst>
-            <pc:docMk/>
-            <pc:sldMk cId="248048730" sldId="272"/>
-            <ac:picMk id="15" creationId="{1A85A53A-A4EB-808E-BCEA-EEBBAB52ECBA}"/>
-          </ac:picMkLst>
-        </pc:picChg>
-        <pc:picChg chg="mod">
-          <ac:chgData name="Tom Hoyland" userId="736d7a3e-93c7-4109-90c5-e67b8b3e41b2" providerId="ADAL" clId="{A4D346AA-F248-6444-93C1-EF2F2E65C714}" dt="2024-08-20T11:33:03.837" v="628" actId="1036"/>
-          <ac:picMkLst>
-            <pc:docMk/>
-            <pc:sldMk cId="248048730" sldId="272"/>
-            <ac:picMk id="17" creationId="{0FE1B1AD-E962-2850-8199-8B489F405D39}"/>
-          </ac:picMkLst>
-        </pc:picChg>
-        <pc:picChg chg="mod">
-          <ac:chgData name="Tom Hoyland" userId="736d7a3e-93c7-4109-90c5-e67b8b3e41b2" providerId="ADAL" clId="{A4D346AA-F248-6444-93C1-EF2F2E65C714}" dt="2024-08-20T11:33:03.837" v="628" actId="1036"/>
-          <ac:picMkLst>
-            <pc:docMk/>
-            <pc:sldMk cId="248048730" sldId="272"/>
-            <ac:picMk id="21" creationId="{177349E7-5A4C-46C5-B5B8-4980C12E809F}"/>
-          </ac:picMkLst>
-        </pc:picChg>
-      </pc:sldChg>
-    </pc:docChg>
-  </pc:docChgLst>
-  <pc:docChgLst>
     <pc:chgData name="Tom Hoyland" userId="S::tom.hoyland2@flutteruki.com::736d7a3e-93c7-4109-90c5-e67b8b3e41b2" providerId="AD" clId="Web-{F19ABF11-EF07-D527-F7BB-E1FE47E9926D}"/>
     <pc:docChg chg="modSld">
       <pc:chgData name="Tom Hoyland" userId="S::tom.hoyland2@flutteruki.com::736d7a3e-93c7-4109-90c5-e67b8b3e41b2" providerId="AD" clId="Web-{F19ABF11-EF07-D527-F7BB-E1FE47E9926D}" dt="2024-08-01T14:32:23.491" v="527"/>
@@ -1077,6 +280,803 @@
             </pc226:cmChg>
           </p:ext>
         </pc:extLst>
+      </pc:sldChg>
+    </pc:docChg>
+  </pc:docChgLst>
+  <pc:docChgLst>
+    <pc:chgData name="Tom Hoyland" userId="736d7a3e-93c7-4109-90c5-e67b8b3e41b2" providerId="ADAL" clId="{A4D346AA-F248-6444-93C1-EF2F2E65C714}"/>
+    <pc:docChg chg="undo custSel addSld delSld modSld sldOrd">
+      <pc:chgData name="Tom Hoyland" userId="736d7a3e-93c7-4109-90c5-e67b8b3e41b2" providerId="ADAL" clId="{A4D346AA-F248-6444-93C1-EF2F2E65C714}" dt="2024-08-20T11:33:24.572" v="664" actId="404"/>
+      <pc:docMkLst>
+        <pc:docMk/>
+      </pc:docMkLst>
+      <pc:sldChg chg="addSp delSp modSp mod">
+        <pc:chgData name="Tom Hoyland" userId="736d7a3e-93c7-4109-90c5-e67b8b3e41b2" providerId="ADAL" clId="{A4D346AA-F248-6444-93C1-EF2F2E65C714}" dt="2024-08-20T10:35:24.927" v="523" actId="1076"/>
+        <pc:sldMkLst>
+          <pc:docMk/>
+          <pc:sldMk cId="215971509" sldId="258"/>
+        </pc:sldMkLst>
+        <pc:spChg chg="add del mod">
+          <ac:chgData name="Tom Hoyland" userId="736d7a3e-93c7-4109-90c5-e67b8b3e41b2" providerId="ADAL" clId="{A4D346AA-F248-6444-93C1-EF2F2E65C714}" dt="2024-08-20T10:35:16.759" v="521"/>
+          <ac:spMkLst>
+            <pc:docMk/>
+            <pc:sldMk cId="215971509" sldId="258"/>
+            <ac:spMk id="2" creationId="{13C5DC61-1188-B764-894D-18FA2653502D}"/>
+          </ac:spMkLst>
+        </pc:spChg>
+        <pc:graphicFrameChg chg="mod modGraphic">
+          <ac:chgData name="Tom Hoyland" userId="736d7a3e-93c7-4109-90c5-e67b8b3e41b2" providerId="ADAL" clId="{A4D346AA-F248-6444-93C1-EF2F2E65C714}" dt="2024-08-20T10:35:24.927" v="523" actId="1076"/>
+          <ac:graphicFrameMkLst>
+            <pc:docMk/>
+            <pc:sldMk cId="215971509" sldId="258"/>
+            <ac:graphicFrameMk id="4" creationId="{2C24AB31-CFE6-05B1-A05C-CB4B8F5125D5}"/>
+          </ac:graphicFrameMkLst>
+        </pc:graphicFrameChg>
+      </pc:sldChg>
+      <pc:sldChg chg="addSp delSp modSp del mod">
+        <pc:chgData name="Tom Hoyland" userId="736d7a3e-93c7-4109-90c5-e67b8b3e41b2" providerId="ADAL" clId="{A4D346AA-F248-6444-93C1-EF2F2E65C714}" dt="2024-08-20T11:32:51.918" v="598" actId="2696"/>
+        <pc:sldMkLst>
+          <pc:docMk/>
+          <pc:sldMk cId="1551894915" sldId="261"/>
+        </pc:sldMkLst>
+        <pc:spChg chg="del">
+          <ac:chgData name="Tom Hoyland" userId="736d7a3e-93c7-4109-90c5-e67b8b3e41b2" providerId="ADAL" clId="{A4D346AA-F248-6444-93C1-EF2F2E65C714}" dt="2024-08-20T11:32:39.566" v="595" actId="478"/>
+          <ac:spMkLst>
+            <pc:docMk/>
+            <pc:sldMk cId="1551894915" sldId="261"/>
+            <ac:spMk id="2" creationId="{60114F5B-200D-5E80-5596-D97099667249}"/>
+          </ac:spMkLst>
+        </pc:spChg>
+        <pc:spChg chg="add mod">
+          <ac:chgData name="Tom Hoyland" userId="736d7a3e-93c7-4109-90c5-e67b8b3e41b2" providerId="ADAL" clId="{A4D346AA-F248-6444-93C1-EF2F2E65C714}" dt="2024-08-20T11:32:39.566" v="595" actId="478"/>
+          <ac:spMkLst>
+            <pc:docMk/>
+            <pc:sldMk cId="1551894915" sldId="261"/>
+            <ac:spMk id="4" creationId="{D965E8EF-04AD-6DBB-D01A-5F2B61C6026F}"/>
+          </ac:spMkLst>
+        </pc:spChg>
+        <pc:spChg chg="del">
+          <ac:chgData name="Tom Hoyland" userId="736d7a3e-93c7-4109-90c5-e67b8b3e41b2" providerId="ADAL" clId="{A4D346AA-F248-6444-93C1-EF2F2E65C714}" dt="2024-08-20T11:32:39.566" v="595" actId="478"/>
+          <ac:spMkLst>
+            <pc:docMk/>
+            <pc:sldMk cId="1551894915" sldId="261"/>
+            <ac:spMk id="8" creationId="{8CDDB97D-A02F-8254-5432-E930CF01E0FC}"/>
+          </ac:spMkLst>
+        </pc:spChg>
+        <pc:spChg chg="del">
+          <ac:chgData name="Tom Hoyland" userId="736d7a3e-93c7-4109-90c5-e67b8b3e41b2" providerId="ADAL" clId="{A4D346AA-F248-6444-93C1-EF2F2E65C714}" dt="2024-08-20T11:32:39.566" v="595" actId="478"/>
+          <ac:spMkLst>
+            <pc:docMk/>
+            <pc:sldMk cId="1551894915" sldId="261"/>
+            <ac:spMk id="10" creationId="{C258F823-7B51-957A-9C20-93136D988928}"/>
+          </ac:spMkLst>
+        </pc:spChg>
+        <pc:spChg chg="del">
+          <ac:chgData name="Tom Hoyland" userId="736d7a3e-93c7-4109-90c5-e67b8b3e41b2" providerId="ADAL" clId="{A4D346AA-F248-6444-93C1-EF2F2E65C714}" dt="2024-08-20T11:32:39.566" v="595" actId="478"/>
+          <ac:spMkLst>
+            <pc:docMk/>
+            <pc:sldMk cId="1551894915" sldId="261"/>
+            <ac:spMk id="11" creationId="{706FB268-040E-2102-1308-B242A93B903A}"/>
+          </ac:spMkLst>
+        </pc:spChg>
+        <pc:spChg chg="del">
+          <ac:chgData name="Tom Hoyland" userId="736d7a3e-93c7-4109-90c5-e67b8b3e41b2" providerId="ADAL" clId="{A4D346AA-F248-6444-93C1-EF2F2E65C714}" dt="2024-08-20T11:32:39.566" v="595" actId="478"/>
+          <ac:spMkLst>
+            <pc:docMk/>
+            <pc:sldMk cId="1551894915" sldId="261"/>
+            <ac:spMk id="13" creationId="{380E85BC-FF65-970E-3CDA-C005D8E7882F}"/>
+          </ac:spMkLst>
+        </pc:spChg>
+        <pc:spChg chg="del">
+          <ac:chgData name="Tom Hoyland" userId="736d7a3e-93c7-4109-90c5-e67b8b3e41b2" providerId="ADAL" clId="{A4D346AA-F248-6444-93C1-EF2F2E65C714}" dt="2024-08-20T11:32:39.566" v="595" actId="478"/>
+          <ac:spMkLst>
+            <pc:docMk/>
+            <pc:sldMk cId="1551894915" sldId="261"/>
+            <ac:spMk id="14" creationId="{042E4238-C41B-D73B-C28B-0B462803692E}"/>
+          </ac:spMkLst>
+        </pc:spChg>
+        <pc:spChg chg="del">
+          <ac:chgData name="Tom Hoyland" userId="736d7a3e-93c7-4109-90c5-e67b8b3e41b2" providerId="ADAL" clId="{A4D346AA-F248-6444-93C1-EF2F2E65C714}" dt="2024-08-20T11:32:39.566" v="595" actId="478"/>
+          <ac:spMkLst>
+            <pc:docMk/>
+            <pc:sldMk cId="1551894915" sldId="261"/>
+            <ac:spMk id="16" creationId="{24D6D5B8-560A-7C70-9E81-B8EFB579F08E}"/>
+          </ac:spMkLst>
+        </pc:spChg>
+        <pc:spChg chg="del">
+          <ac:chgData name="Tom Hoyland" userId="736d7a3e-93c7-4109-90c5-e67b8b3e41b2" providerId="ADAL" clId="{A4D346AA-F248-6444-93C1-EF2F2E65C714}" dt="2024-08-20T11:32:39.566" v="595" actId="478"/>
+          <ac:spMkLst>
+            <pc:docMk/>
+            <pc:sldMk cId="1551894915" sldId="261"/>
+            <ac:spMk id="18" creationId="{F93BD877-DC0E-E976-9DE4-BE888B19CF0F}"/>
+          </ac:spMkLst>
+        </pc:spChg>
+        <pc:spChg chg="del">
+          <ac:chgData name="Tom Hoyland" userId="736d7a3e-93c7-4109-90c5-e67b8b3e41b2" providerId="ADAL" clId="{A4D346AA-F248-6444-93C1-EF2F2E65C714}" dt="2024-08-20T11:32:39.566" v="595" actId="478"/>
+          <ac:spMkLst>
+            <pc:docMk/>
+            <pc:sldMk cId="1551894915" sldId="261"/>
+            <ac:spMk id="28" creationId="{5ACB057E-5EA7-0F53-3026-546099232574}"/>
+          </ac:spMkLst>
+        </pc:spChg>
+        <pc:spChg chg="del">
+          <ac:chgData name="Tom Hoyland" userId="736d7a3e-93c7-4109-90c5-e67b8b3e41b2" providerId="ADAL" clId="{A4D346AA-F248-6444-93C1-EF2F2E65C714}" dt="2024-08-20T11:32:39.566" v="595" actId="478"/>
+          <ac:spMkLst>
+            <pc:docMk/>
+            <pc:sldMk cId="1551894915" sldId="261"/>
+            <ac:spMk id="29" creationId="{73641E73-F1C1-EAD9-8C93-D55E7BD2CDF8}"/>
+          </ac:spMkLst>
+        </pc:spChg>
+        <pc:spChg chg="del">
+          <ac:chgData name="Tom Hoyland" userId="736d7a3e-93c7-4109-90c5-e67b8b3e41b2" providerId="ADAL" clId="{A4D346AA-F248-6444-93C1-EF2F2E65C714}" dt="2024-08-20T11:32:39.566" v="595" actId="478"/>
+          <ac:spMkLst>
+            <pc:docMk/>
+            <pc:sldMk cId="1551894915" sldId="261"/>
+            <ac:spMk id="30" creationId="{0E4E77C7-934A-84F8-113F-232F677D364F}"/>
+          </ac:spMkLst>
+        </pc:spChg>
+        <pc:spChg chg="del">
+          <ac:chgData name="Tom Hoyland" userId="736d7a3e-93c7-4109-90c5-e67b8b3e41b2" providerId="ADAL" clId="{A4D346AA-F248-6444-93C1-EF2F2E65C714}" dt="2024-08-20T11:32:39.566" v="595" actId="478"/>
+          <ac:spMkLst>
+            <pc:docMk/>
+            <pc:sldMk cId="1551894915" sldId="261"/>
+            <ac:spMk id="31" creationId="{18DF7356-8B91-65DC-8FE8-32BFE8F1A09C}"/>
+          </ac:spMkLst>
+        </pc:spChg>
+        <pc:spChg chg="del">
+          <ac:chgData name="Tom Hoyland" userId="736d7a3e-93c7-4109-90c5-e67b8b3e41b2" providerId="ADAL" clId="{A4D346AA-F248-6444-93C1-EF2F2E65C714}" dt="2024-08-20T11:32:39.566" v="595" actId="478"/>
+          <ac:spMkLst>
+            <pc:docMk/>
+            <pc:sldMk cId="1551894915" sldId="261"/>
+            <ac:spMk id="32" creationId="{CE0A2A4C-DC20-3B09-E6C1-86C7406F3E22}"/>
+          </ac:spMkLst>
+        </pc:spChg>
+        <pc:spChg chg="del">
+          <ac:chgData name="Tom Hoyland" userId="736d7a3e-93c7-4109-90c5-e67b8b3e41b2" providerId="ADAL" clId="{A4D346AA-F248-6444-93C1-EF2F2E65C714}" dt="2024-08-20T11:32:39.566" v="595" actId="478"/>
+          <ac:spMkLst>
+            <pc:docMk/>
+            <pc:sldMk cId="1551894915" sldId="261"/>
+            <ac:spMk id="33" creationId="{B0CF220A-8F25-72EA-707D-3F51885CA3B4}"/>
+          </ac:spMkLst>
+        </pc:spChg>
+        <pc:spChg chg="del">
+          <ac:chgData name="Tom Hoyland" userId="736d7a3e-93c7-4109-90c5-e67b8b3e41b2" providerId="ADAL" clId="{A4D346AA-F248-6444-93C1-EF2F2E65C714}" dt="2024-08-20T11:32:39.566" v="595" actId="478"/>
+          <ac:spMkLst>
+            <pc:docMk/>
+            <pc:sldMk cId="1551894915" sldId="261"/>
+            <ac:spMk id="34" creationId="{FD091573-20FC-A6D7-6867-DCE7669E0934}"/>
+          </ac:spMkLst>
+        </pc:spChg>
+        <pc:spChg chg="del">
+          <ac:chgData name="Tom Hoyland" userId="736d7a3e-93c7-4109-90c5-e67b8b3e41b2" providerId="ADAL" clId="{A4D346AA-F248-6444-93C1-EF2F2E65C714}" dt="2024-08-20T11:32:39.566" v="595" actId="478"/>
+          <ac:spMkLst>
+            <pc:docMk/>
+            <pc:sldMk cId="1551894915" sldId="261"/>
+            <ac:spMk id="35" creationId="{14C3540D-164D-0502-B9B3-99DA425B4CAA}"/>
+          </ac:spMkLst>
+        </pc:spChg>
+        <pc:spChg chg="del">
+          <ac:chgData name="Tom Hoyland" userId="736d7a3e-93c7-4109-90c5-e67b8b3e41b2" providerId="ADAL" clId="{A4D346AA-F248-6444-93C1-EF2F2E65C714}" dt="2024-08-20T11:32:39.566" v="595" actId="478"/>
+          <ac:spMkLst>
+            <pc:docMk/>
+            <pc:sldMk cId="1551894915" sldId="261"/>
+            <ac:spMk id="36" creationId="{E590E56E-C5E5-6786-556B-9FF43F6C6253}"/>
+          </ac:spMkLst>
+        </pc:spChg>
+        <pc:picChg chg="del">
+          <ac:chgData name="Tom Hoyland" userId="736d7a3e-93c7-4109-90c5-e67b8b3e41b2" providerId="ADAL" clId="{A4D346AA-F248-6444-93C1-EF2F2E65C714}" dt="2024-08-20T11:32:39.566" v="595" actId="478"/>
+          <ac:picMkLst>
+            <pc:docMk/>
+            <pc:sldMk cId="1551894915" sldId="261"/>
+            <ac:picMk id="5" creationId="{62116002-A9FA-E0AB-8E6A-8CEE2DB576CB}"/>
+          </ac:picMkLst>
+        </pc:picChg>
+        <pc:picChg chg="del">
+          <ac:chgData name="Tom Hoyland" userId="736d7a3e-93c7-4109-90c5-e67b8b3e41b2" providerId="ADAL" clId="{A4D346AA-F248-6444-93C1-EF2F2E65C714}" dt="2024-08-20T11:32:39.566" v="595" actId="478"/>
+          <ac:picMkLst>
+            <pc:docMk/>
+            <pc:sldMk cId="1551894915" sldId="261"/>
+            <ac:picMk id="6" creationId="{06F97ED0-2646-B792-8B99-24400765AE9E}"/>
+          </ac:picMkLst>
+        </pc:picChg>
+        <pc:picChg chg="del">
+          <ac:chgData name="Tom Hoyland" userId="736d7a3e-93c7-4109-90c5-e67b8b3e41b2" providerId="ADAL" clId="{A4D346AA-F248-6444-93C1-EF2F2E65C714}" dt="2024-08-20T11:32:39.566" v="595" actId="478"/>
+          <ac:picMkLst>
+            <pc:docMk/>
+            <pc:sldMk cId="1551894915" sldId="261"/>
+            <ac:picMk id="7" creationId="{D006BE89-01FB-EFD8-A0B0-468CE5796739}"/>
+          </ac:picMkLst>
+        </pc:picChg>
+        <pc:picChg chg="del">
+          <ac:chgData name="Tom Hoyland" userId="736d7a3e-93c7-4109-90c5-e67b8b3e41b2" providerId="ADAL" clId="{A4D346AA-F248-6444-93C1-EF2F2E65C714}" dt="2024-08-20T11:32:39.566" v="595" actId="478"/>
+          <ac:picMkLst>
+            <pc:docMk/>
+            <pc:sldMk cId="1551894915" sldId="261"/>
+            <ac:picMk id="9" creationId="{08B66EBF-2D1E-6E8B-FCBD-479EDE455568}"/>
+          </ac:picMkLst>
+        </pc:picChg>
+        <pc:picChg chg="del">
+          <ac:chgData name="Tom Hoyland" userId="736d7a3e-93c7-4109-90c5-e67b8b3e41b2" providerId="ADAL" clId="{A4D346AA-F248-6444-93C1-EF2F2E65C714}" dt="2024-08-20T11:32:39.566" v="595" actId="478"/>
+          <ac:picMkLst>
+            <pc:docMk/>
+            <pc:sldMk cId="1551894915" sldId="261"/>
+            <ac:picMk id="12" creationId="{0AF8A365-1CA9-E91D-685E-C97FBF85A01F}"/>
+          </ac:picMkLst>
+        </pc:picChg>
+        <pc:picChg chg="del">
+          <ac:chgData name="Tom Hoyland" userId="736d7a3e-93c7-4109-90c5-e67b8b3e41b2" providerId="ADAL" clId="{A4D346AA-F248-6444-93C1-EF2F2E65C714}" dt="2024-08-20T11:32:39.566" v="595" actId="478"/>
+          <ac:picMkLst>
+            <pc:docMk/>
+            <pc:sldMk cId="1551894915" sldId="261"/>
+            <ac:picMk id="15" creationId="{C1E2E61F-6957-C476-802C-DAA4E8E3D8FC}"/>
+          </ac:picMkLst>
+        </pc:picChg>
+        <pc:picChg chg="del">
+          <ac:chgData name="Tom Hoyland" userId="736d7a3e-93c7-4109-90c5-e67b8b3e41b2" providerId="ADAL" clId="{A4D346AA-F248-6444-93C1-EF2F2E65C714}" dt="2024-08-20T11:32:39.566" v="595" actId="478"/>
+          <ac:picMkLst>
+            <pc:docMk/>
+            <pc:sldMk cId="1551894915" sldId="261"/>
+            <ac:picMk id="17" creationId="{0F35D7D0-03F8-0064-B5AC-20BCCD3C6C55}"/>
+          </ac:picMkLst>
+        </pc:picChg>
+        <pc:picChg chg="del">
+          <ac:chgData name="Tom Hoyland" userId="736d7a3e-93c7-4109-90c5-e67b8b3e41b2" providerId="ADAL" clId="{A4D346AA-F248-6444-93C1-EF2F2E65C714}" dt="2024-08-20T11:32:39.566" v="595" actId="478"/>
+          <ac:picMkLst>
+            <pc:docMk/>
+            <pc:sldMk cId="1551894915" sldId="261"/>
+            <ac:picMk id="21" creationId="{75F00680-C90D-0C50-BAEB-68DD9870452B}"/>
+          </ac:picMkLst>
+        </pc:picChg>
+      </pc:sldChg>
+      <pc:sldChg chg="addSp delSp modSp add mod ord">
+        <pc:chgData name="Tom Hoyland" userId="736d7a3e-93c7-4109-90c5-e67b8b3e41b2" providerId="ADAL" clId="{A4D346AA-F248-6444-93C1-EF2F2E65C714}" dt="2024-08-20T11:32:33.746" v="594" actId="20577"/>
+        <pc:sldMkLst>
+          <pc:docMk/>
+          <pc:sldMk cId="2712193479" sldId="271"/>
+        </pc:sldMkLst>
+        <pc:spChg chg="del">
+          <ac:chgData name="Tom Hoyland" userId="736d7a3e-93c7-4109-90c5-e67b8b3e41b2" providerId="ADAL" clId="{A4D346AA-F248-6444-93C1-EF2F2E65C714}" dt="2024-08-13T07:33:26.326" v="156" actId="478"/>
+          <ac:spMkLst>
+            <pc:docMk/>
+            <pc:sldMk cId="2712193479" sldId="271"/>
+            <ac:spMk id="2" creationId="{60114F5B-200D-5E80-5596-D97099667249}"/>
+          </ac:spMkLst>
+        </pc:spChg>
+        <pc:spChg chg="add mod">
+          <ac:chgData name="Tom Hoyland" userId="736d7a3e-93c7-4109-90c5-e67b8b3e41b2" providerId="ADAL" clId="{A4D346AA-F248-6444-93C1-EF2F2E65C714}" dt="2024-08-13T07:40:02.434" v="517" actId="1076"/>
+          <ac:spMkLst>
+            <pc:docMk/>
+            <pc:sldMk cId="2712193479" sldId="271"/>
+            <ac:spMk id="3" creationId="{43F9F6AE-A5AC-2E03-0D6A-B04BA76B49BC}"/>
+          </ac:spMkLst>
+        </pc:spChg>
+        <pc:spChg chg="add mod">
+          <ac:chgData name="Tom Hoyland" userId="736d7a3e-93c7-4109-90c5-e67b8b3e41b2" providerId="ADAL" clId="{A4D346AA-F248-6444-93C1-EF2F2E65C714}" dt="2024-08-13T07:40:02.434" v="517" actId="1076"/>
+          <ac:spMkLst>
+            <pc:docMk/>
+            <pc:sldMk cId="2712193479" sldId="271"/>
+            <ac:spMk id="4" creationId="{E151A129-60CE-5725-DCEC-DF20AB33301A}"/>
+          </ac:spMkLst>
+        </pc:spChg>
+        <pc:spChg chg="mod">
+          <ac:chgData name="Tom Hoyland" userId="736d7a3e-93c7-4109-90c5-e67b8b3e41b2" providerId="ADAL" clId="{A4D346AA-F248-6444-93C1-EF2F2E65C714}" dt="2024-08-20T11:32:22.457" v="585" actId="20577"/>
+          <ac:spMkLst>
+            <pc:docMk/>
+            <pc:sldMk cId="2712193479" sldId="271"/>
+            <ac:spMk id="8" creationId="{8CDDB97D-A02F-8254-5432-E930CF01E0FC}"/>
+          </ac:spMkLst>
+        </pc:spChg>
+        <pc:spChg chg="mod">
+          <ac:chgData name="Tom Hoyland" userId="736d7a3e-93c7-4109-90c5-e67b8b3e41b2" providerId="ADAL" clId="{A4D346AA-F248-6444-93C1-EF2F2E65C714}" dt="2024-08-20T11:32:20.806" v="584" actId="20577"/>
+          <ac:spMkLst>
+            <pc:docMk/>
+            <pc:sldMk cId="2712193479" sldId="271"/>
+            <ac:spMk id="10" creationId="{C258F823-7B51-957A-9C20-93136D988928}"/>
+          </ac:spMkLst>
+        </pc:spChg>
+        <pc:spChg chg="mod">
+          <ac:chgData name="Tom Hoyland" userId="736d7a3e-93c7-4109-90c5-e67b8b3e41b2" providerId="ADAL" clId="{A4D346AA-F248-6444-93C1-EF2F2E65C714}" dt="2024-08-20T11:32:25.812" v="587" actId="20577"/>
+          <ac:spMkLst>
+            <pc:docMk/>
+            <pc:sldMk cId="2712193479" sldId="271"/>
+            <ac:spMk id="11" creationId="{706FB268-040E-2102-1308-B242A93B903A}"/>
+          </ac:spMkLst>
+        </pc:spChg>
+        <pc:spChg chg="mod">
+          <ac:chgData name="Tom Hoyland" userId="736d7a3e-93c7-4109-90c5-e67b8b3e41b2" providerId="ADAL" clId="{A4D346AA-F248-6444-93C1-EF2F2E65C714}" dt="2024-08-20T11:32:29.695" v="592" actId="20577"/>
+          <ac:spMkLst>
+            <pc:docMk/>
+            <pc:sldMk cId="2712193479" sldId="271"/>
+            <ac:spMk id="13" creationId="{380E85BC-FF65-970E-3CDA-C005D8E7882F}"/>
+          </ac:spMkLst>
+        </pc:spChg>
+        <pc:spChg chg="mod">
+          <ac:chgData name="Tom Hoyland" userId="736d7a3e-93c7-4109-90c5-e67b8b3e41b2" providerId="ADAL" clId="{A4D346AA-F248-6444-93C1-EF2F2E65C714}" dt="2024-08-20T11:32:32.158" v="593" actId="20577"/>
+          <ac:spMkLst>
+            <pc:docMk/>
+            <pc:sldMk cId="2712193479" sldId="271"/>
+            <ac:spMk id="14" creationId="{042E4238-C41B-D73B-C28B-0B462803692E}"/>
+          </ac:spMkLst>
+        </pc:spChg>
+        <pc:spChg chg="mod">
+          <ac:chgData name="Tom Hoyland" userId="736d7a3e-93c7-4109-90c5-e67b8b3e41b2" providerId="ADAL" clId="{A4D346AA-F248-6444-93C1-EF2F2E65C714}" dt="2024-08-20T11:32:24.083" v="586" actId="20577"/>
+          <ac:spMkLst>
+            <pc:docMk/>
+            <pc:sldMk cId="2712193479" sldId="271"/>
+            <ac:spMk id="16" creationId="{24D6D5B8-560A-7C70-9E81-B8EFB579F08E}"/>
+          </ac:spMkLst>
+        </pc:spChg>
+        <pc:spChg chg="mod">
+          <ac:chgData name="Tom Hoyland" userId="736d7a3e-93c7-4109-90c5-e67b8b3e41b2" providerId="ADAL" clId="{A4D346AA-F248-6444-93C1-EF2F2E65C714}" dt="2024-08-20T11:32:19.042" v="583" actId="20577"/>
+          <ac:spMkLst>
+            <pc:docMk/>
+            <pc:sldMk cId="2712193479" sldId="271"/>
+            <ac:spMk id="18" creationId="{F93BD877-DC0E-E976-9DE4-BE888B19CF0F}"/>
+          </ac:spMkLst>
+        </pc:spChg>
+        <pc:spChg chg="add mod">
+          <ac:chgData name="Tom Hoyland" userId="736d7a3e-93c7-4109-90c5-e67b8b3e41b2" providerId="ADAL" clId="{A4D346AA-F248-6444-93C1-EF2F2E65C714}" dt="2024-08-13T07:40:02.434" v="517" actId="1076"/>
+          <ac:spMkLst>
+            <pc:docMk/>
+            <pc:sldMk cId="2712193479" sldId="271"/>
+            <ac:spMk id="19" creationId="{9BC32168-0734-E7F4-DDAC-4419BE1ED0AC}"/>
+          </ac:spMkLst>
+        </pc:spChg>
+        <pc:spChg chg="add mod">
+          <ac:chgData name="Tom Hoyland" userId="736d7a3e-93c7-4109-90c5-e67b8b3e41b2" providerId="ADAL" clId="{A4D346AA-F248-6444-93C1-EF2F2E65C714}" dt="2024-08-13T07:40:02.434" v="517" actId="1076"/>
+          <ac:spMkLst>
+            <pc:docMk/>
+            <pc:sldMk cId="2712193479" sldId="271"/>
+            <ac:spMk id="20" creationId="{69D48872-11CB-3A33-9C96-131727D0AB45}"/>
+          </ac:spMkLst>
+        </pc:spChg>
+        <pc:spChg chg="add del mod">
+          <ac:chgData name="Tom Hoyland" userId="736d7a3e-93c7-4109-90c5-e67b8b3e41b2" providerId="ADAL" clId="{A4D346AA-F248-6444-93C1-EF2F2E65C714}" dt="2024-08-13T07:33:28.075" v="157" actId="478"/>
+          <ac:spMkLst>
+            <pc:docMk/>
+            <pc:sldMk cId="2712193479" sldId="271"/>
+            <ac:spMk id="23" creationId="{97374FD9-56B1-BD38-01AD-42A8332B8E26}"/>
+          </ac:spMkLst>
+        </pc:spChg>
+        <pc:spChg chg="add mod">
+          <ac:chgData name="Tom Hoyland" userId="736d7a3e-93c7-4109-90c5-e67b8b3e41b2" providerId="ADAL" clId="{A4D346AA-F248-6444-93C1-EF2F2E65C714}" dt="2024-08-13T07:40:02.434" v="517" actId="1076"/>
+          <ac:spMkLst>
+            <pc:docMk/>
+            <pc:sldMk cId="2712193479" sldId="271"/>
+            <ac:spMk id="24" creationId="{16C484F4-FF4B-D129-FAEA-02E2EC8CFE4D}"/>
+          </ac:spMkLst>
+        </pc:spChg>
+        <pc:spChg chg="add mod">
+          <ac:chgData name="Tom Hoyland" userId="736d7a3e-93c7-4109-90c5-e67b8b3e41b2" providerId="ADAL" clId="{A4D346AA-F248-6444-93C1-EF2F2E65C714}" dt="2024-08-13T07:40:02.434" v="517" actId="1076"/>
+          <ac:spMkLst>
+            <pc:docMk/>
+            <pc:sldMk cId="2712193479" sldId="271"/>
+            <ac:spMk id="25" creationId="{5772F33A-FAA4-6619-FC37-5A0C0D431A17}"/>
+          </ac:spMkLst>
+        </pc:spChg>
+        <pc:spChg chg="add mod">
+          <ac:chgData name="Tom Hoyland" userId="736d7a3e-93c7-4109-90c5-e67b8b3e41b2" providerId="ADAL" clId="{A4D346AA-F248-6444-93C1-EF2F2E65C714}" dt="2024-08-13T07:40:02.434" v="517" actId="1076"/>
+          <ac:spMkLst>
+            <pc:docMk/>
+            <pc:sldMk cId="2712193479" sldId="271"/>
+            <ac:spMk id="26" creationId="{8DB1EDB7-0892-A3F2-FB78-D990F034BD8D}"/>
+          </ac:spMkLst>
+        </pc:spChg>
+        <pc:spChg chg="add mod">
+          <ac:chgData name="Tom Hoyland" userId="736d7a3e-93c7-4109-90c5-e67b8b3e41b2" providerId="ADAL" clId="{A4D346AA-F248-6444-93C1-EF2F2E65C714}" dt="2024-08-13T07:40:02.434" v="517" actId="1076"/>
+          <ac:spMkLst>
+            <pc:docMk/>
+            <pc:sldMk cId="2712193479" sldId="271"/>
+            <ac:spMk id="27" creationId="{A82AA132-2F6D-308A-92C4-44C23B119428}"/>
+          </ac:spMkLst>
+        </pc:spChg>
+        <pc:spChg chg="mod">
+          <ac:chgData name="Tom Hoyland" userId="736d7a3e-93c7-4109-90c5-e67b8b3e41b2" providerId="ADAL" clId="{A4D346AA-F248-6444-93C1-EF2F2E65C714}" dt="2024-08-20T11:32:33.746" v="594" actId="20577"/>
+          <ac:spMkLst>
+            <pc:docMk/>
+            <pc:sldMk cId="2712193479" sldId="271"/>
+            <ac:spMk id="28" creationId="{5ACB057E-5EA7-0F53-3026-546099232574}"/>
+          </ac:spMkLst>
+        </pc:spChg>
+        <pc:spChg chg="mod">
+          <ac:chgData name="Tom Hoyland" userId="736d7a3e-93c7-4109-90c5-e67b8b3e41b2" providerId="ADAL" clId="{A4D346AA-F248-6444-93C1-EF2F2E65C714}" dt="2024-08-13T07:40:02.434" v="517" actId="1076"/>
+          <ac:spMkLst>
+            <pc:docMk/>
+            <pc:sldMk cId="2712193479" sldId="271"/>
+            <ac:spMk id="29" creationId="{73641E73-F1C1-EAD9-8C93-D55E7BD2CDF8}"/>
+          </ac:spMkLst>
+        </pc:spChg>
+        <pc:spChg chg="mod">
+          <ac:chgData name="Tom Hoyland" userId="736d7a3e-93c7-4109-90c5-e67b8b3e41b2" providerId="ADAL" clId="{A4D346AA-F248-6444-93C1-EF2F2E65C714}" dt="2024-08-13T07:40:02.434" v="517" actId="1076"/>
+          <ac:spMkLst>
+            <pc:docMk/>
+            <pc:sldMk cId="2712193479" sldId="271"/>
+            <ac:spMk id="30" creationId="{0E4E77C7-934A-84F8-113F-232F677D364F}"/>
+          </ac:spMkLst>
+        </pc:spChg>
+        <pc:spChg chg="mod">
+          <ac:chgData name="Tom Hoyland" userId="736d7a3e-93c7-4109-90c5-e67b8b3e41b2" providerId="ADAL" clId="{A4D346AA-F248-6444-93C1-EF2F2E65C714}" dt="2024-08-13T07:40:02.434" v="517" actId="1076"/>
+          <ac:spMkLst>
+            <pc:docMk/>
+            <pc:sldMk cId="2712193479" sldId="271"/>
+            <ac:spMk id="31" creationId="{18DF7356-8B91-65DC-8FE8-32BFE8F1A09C}"/>
+          </ac:spMkLst>
+        </pc:spChg>
+        <pc:spChg chg="mod">
+          <ac:chgData name="Tom Hoyland" userId="736d7a3e-93c7-4109-90c5-e67b8b3e41b2" providerId="ADAL" clId="{A4D346AA-F248-6444-93C1-EF2F2E65C714}" dt="2024-08-13T07:40:02.434" v="517" actId="1076"/>
+          <ac:spMkLst>
+            <pc:docMk/>
+            <pc:sldMk cId="2712193479" sldId="271"/>
+            <ac:spMk id="32" creationId="{CE0A2A4C-DC20-3B09-E6C1-86C7406F3E22}"/>
+          </ac:spMkLst>
+        </pc:spChg>
+        <pc:spChg chg="mod">
+          <ac:chgData name="Tom Hoyland" userId="736d7a3e-93c7-4109-90c5-e67b8b3e41b2" providerId="ADAL" clId="{A4D346AA-F248-6444-93C1-EF2F2E65C714}" dt="2024-08-13T07:40:02.434" v="517" actId="1076"/>
+          <ac:spMkLst>
+            <pc:docMk/>
+            <pc:sldMk cId="2712193479" sldId="271"/>
+            <ac:spMk id="33" creationId="{B0CF220A-8F25-72EA-707D-3F51885CA3B4}"/>
+          </ac:spMkLst>
+        </pc:spChg>
+        <pc:spChg chg="mod">
+          <ac:chgData name="Tom Hoyland" userId="736d7a3e-93c7-4109-90c5-e67b8b3e41b2" providerId="ADAL" clId="{A4D346AA-F248-6444-93C1-EF2F2E65C714}" dt="2024-08-13T07:40:02.434" v="517" actId="1076"/>
+          <ac:spMkLst>
+            <pc:docMk/>
+            <pc:sldMk cId="2712193479" sldId="271"/>
+            <ac:spMk id="34" creationId="{FD091573-20FC-A6D7-6867-DCE7669E0934}"/>
+          </ac:spMkLst>
+        </pc:spChg>
+        <pc:spChg chg="mod">
+          <ac:chgData name="Tom Hoyland" userId="736d7a3e-93c7-4109-90c5-e67b8b3e41b2" providerId="ADAL" clId="{A4D346AA-F248-6444-93C1-EF2F2E65C714}" dt="2024-08-13T07:40:02.434" v="517" actId="1076"/>
+          <ac:spMkLst>
+            <pc:docMk/>
+            <pc:sldMk cId="2712193479" sldId="271"/>
+            <ac:spMk id="35" creationId="{14C3540D-164D-0502-B9B3-99DA425B4CAA}"/>
+          </ac:spMkLst>
+        </pc:spChg>
+        <pc:spChg chg="mod">
+          <ac:chgData name="Tom Hoyland" userId="736d7a3e-93c7-4109-90c5-e67b8b3e41b2" providerId="ADAL" clId="{A4D346AA-F248-6444-93C1-EF2F2E65C714}" dt="2024-08-13T07:40:02.434" v="517" actId="1076"/>
+          <ac:spMkLst>
+            <pc:docMk/>
+            <pc:sldMk cId="2712193479" sldId="271"/>
+            <ac:spMk id="36" creationId="{E590E56E-C5E5-6786-556B-9FF43F6C6253}"/>
+          </ac:spMkLst>
+        </pc:spChg>
+        <pc:picChg chg="mod">
+          <ac:chgData name="Tom Hoyland" userId="736d7a3e-93c7-4109-90c5-e67b8b3e41b2" providerId="ADAL" clId="{A4D346AA-F248-6444-93C1-EF2F2E65C714}" dt="2024-08-13T07:40:02.434" v="517" actId="1076"/>
+          <ac:picMkLst>
+            <pc:docMk/>
+            <pc:sldMk cId="2712193479" sldId="271"/>
+            <ac:picMk id="5" creationId="{62116002-A9FA-E0AB-8E6A-8CEE2DB576CB}"/>
+          </ac:picMkLst>
+        </pc:picChg>
+        <pc:picChg chg="mod">
+          <ac:chgData name="Tom Hoyland" userId="736d7a3e-93c7-4109-90c5-e67b8b3e41b2" providerId="ADAL" clId="{A4D346AA-F248-6444-93C1-EF2F2E65C714}" dt="2024-08-13T07:40:02.434" v="517" actId="1076"/>
+          <ac:picMkLst>
+            <pc:docMk/>
+            <pc:sldMk cId="2712193479" sldId="271"/>
+            <ac:picMk id="6" creationId="{06F97ED0-2646-B792-8B99-24400765AE9E}"/>
+          </ac:picMkLst>
+        </pc:picChg>
+        <pc:picChg chg="mod">
+          <ac:chgData name="Tom Hoyland" userId="736d7a3e-93c7-4109-90c5-e67b8b3e41b2" providerId="ADAL" clId="{A4D346AA-F248-6444-93C1-EF2F2E65C714}" dt="2024-08-13T07:40:02.434" v="517" actId="1076"/>
+          <ac:picMkLst>
+            <pc:docMk/>
+            <pc:sldMk cId="2712193479" sldId="271"/>
+            <ac:picMk id="7" creationId="{D006BE89-01FB-EFD8-A0B0-468CE5796739}"/>
+          </ac:picMkLst>
+        </pc:picChg>
+        <pc:picChg chg="mod">
+          <ac:chgData name="Tom Hoyland" userId="736d7a3e-93c7-4109-90c5-e67b8b3e41b2" providerId="ADAL" clId="{A4D346AA-F248-6444-93C1-EF2F2E65C714}" dt="2024-08-13T07:40:02.434" v="517" actId="1076"/>
+          <ac:picMkLst>
+            <pc:docMk/>
+            <pc:sldMk cId="2712193479" sldId="271"/>
+            <ac:picMk id="9" creationId="{08B66EBF-2D1E-6E8B-FCBD-479EDE455568}"/>
+          </ac:picMkLst>
+        </pc:picChg>
+        <pc:picChg chg="mod">
+          <ac:chgData name="Tom Hoyland" userId="736d7a3e-93c7-4109-90c5-e67b8b3e41b2" providerId="ADAL" clId="{A4D346AA-F248-6444-93C1-EF2F2E65C714}" dt="2024-08-13T07:40:02.434" v="517" actId="1076"/>
+          <ac:picMkLst>
+            <pc:docMk/>
+            <pc:sldMk cId="2712193479" sldId="271"/>
+            <ac:picMk id="12" creationId="{0AF8A365-1CA9-E91D-685E-C97FBF85A01F}"/>
+          </ac:picMkLst>
+        </pc:picChg>
+        <pc:picChg chg="mod">
+          <ac:chgData name="Tom Hoyland" userId="736d7a3e-93c7-4109-90c5-e67b8b3e41b2" providerId="ADAL" clId="{A4D346AA-F248-6444-93C1-EF2F2E65C714}" dt="2024-08-13T07:40:02.434" v="517" actId="1076"/>
+          <ac:picMkLst>
+            <pc:docMk/>
+            <pc:sldMk cId="2712193479" sldId="271"/>
+            <ac:picMk id="15" creationId="{C1E2E61F-6957-C476-802C-DAA4E8E3D8FC}"/>
+          </ac:picMkLst>
+        </pc:picChg>
+        <pc:picChg chg="mod">
+          <ac:chgData name="Tom Hoyland" userId="736d7a3e-93c7-4109-90c5-e67b8b3e41b2" providerId="ADAL" clId="{A4D346AA-F248-6444-93C1-EF2F2E65C714}" dt="2024-08-13T07:40:02.434" v="517" actId="1076"/>
+          <ac:picMkLst>
+            <pc:docMk/>
+            <pc:sldMk cId="2712193479" sldId="271"/>
+            <ac:picMk id="17" creationId="{0F35D7D0-03F8-0064-B5AC-20BCCD3C6C55}"/>
+          </ac:picMkLst>
+        </pc:picChg>
+        <pc:picChg chg="mod">
+          <ac:chgData name="Tom Hoyland" userId="736d7a3e-93c7-4109-90c5-e67b8b3e41b2" providerId="ADAL" clId="{A4D346AA-F248-6444-93C1-EF2F2E65C714}" dt="2024-08-13T07:40:02.434" v="517" actId="1076"/>
+          <ac:picMkLst>
+            <pc:docMk/>
+            <pc:sldMk cId="2712193479" sldId="271"/>
+            <ac:picMk id="21" creationId="{75F00680-C90D-0C50-BAEB-68DD9870452B}"/>
+          </ac:picMkLst>
+        </pc:picChg>
+      </pc:sldChg>
+      <pc:sldChg chg="addSp modSp add mod ord">
+        <pc:chgData name="Tom Hoyland" userId="736d7a3e-93c7-4109-90c5-e67b8b3e41b2" providerId="ADAL" clId="{A4D346AA-F248-6444-93C1-EF2F2E65C714}" dt="2024-08-20T11:33:24.572" v="664" actId="404"/>
+        <pc:sldMkLst>
+          <pc:docMk/>
+          <pc:sldMk cId="248048730" sldId="272"/>
+        </pc:sldMkLst>
+        <pc:spChg chg="add mod">
+          <ac:chgData name="Tom Hoyland" userId="736d7a3e-93c7-4109-90c5-e67b8b3e41b2" providerId="ADAL" clId="{A4D346AA-F248-6444-93C1-EF2F2E65C714}" dt="2024-08-20T11:33:24.572" v="664" actId="404"/>
+          <ac:spMkLst>
+            <pc:docMk/>
+            <pc:sldMk cId="248048730" sldId="272"/>
+            <ac:spMk id="2" creationId="{DE49AD4B-7FB7-DB4B-1892-2174BDB55FDC}"/>
+          </ac:spMkLst>
+        </pc:spChg>
+        <pc:spChg chg="mod">
+          <ac:chgData name="Tom Hoyland" userId="736d7a3e-93c7-4109-90c5-e67b8b3e41b2" providerId="ADAL" clId="{A4D346AA-F248-6444-93C1-EF2F2E65C714}" dt="2024-08-20T11:33:03.837" v="628" actId="1036"/>
+          <ac:spMkLst>
+            <pc:docMk/>
+            <pc:sldMk cId="248048730" sldId="272"/>
+            <ac:spMk id="3" creationId="{213F28A4-07ED-C70E-C1A5-0B32C5A7DD8D}"/>
+          </ac:spMkLst>
+        </pc:spChg>
+        <pc:spChg chg="mod">
+          <ac:chgData name="Tom Hoyland" userId="736d7a3e-93c7-4109-90c5-e67b8b3e41b2" providerId="ADAL" clId="{A4D346AA-F248-6444-93C1-EF2F2E65C714}" dt="2024-08-20T11:33:03.837" v="628" actId="1036"/>
+          <ac:spMkLst>
+            <pc:docMk/>
+            <pc:sldMk cId="248048730" sldId="272"/>
+            <ac:spMk id="4" creationId="{DD555481-A9B5-D5E1-1F1B-EF8ED78D5CD8}"/>
+          </ac:spMkLst>
+        </pc:spChg>
+        <pc:spChg chg="mod">
+          <ac:chgData name="Tom Hoyland" userId="736d7a3e-93c7-4109-90c5-e67b8b3e41b2" providerId="ADAL" clId="{A4D346AA-F248-6444-93C1-EF2F2E65C714}" dt="2024-08-20T11:33:03.837" v="628" actId="1036"/>
+          <ac:spMkLst>
+            <pc:docMk/>
+            <pc:sldMk cId="248048730" sldId="272"/>
+            <ac:spMk id="8" creationId="{AEAF102F-143D-76EF-DF6D-8B165519A4A4}"/>
+          </ac:spMkLst>
+        </pc:spChg>
+        <pc:spChg chg="mod">
+          <ac:chgData name="Tom Hoyland" userId="736d7a3e-93c7-4109-90c5-e67b8b3e41b2" providerId="ADAL" clId="{A4D346AA-F248-6444-93C1-EF2F2E65C714}" dt="2024-08-20T11:33:03.837" v="628" actId="1036"/>
+          <ac:spMkLst>
+            <pc:docMk/>
+            <pc:sldMk cId="248048730" sldId="272"/>
+            <ac:spMk id="10" creationId="{4AFC90E1-B3DD-B446-A88F-D3102C4BE49F}"/>
+          </ac:spMkLst>
+        </pc:spChg>
+        <pc:spChg chg="mod">
+          <ac:chgData name="Tom Hoyland" userId="736d7a3e-93c7-4109-90c5-e67b8b3e41b2" providerId="ADAL" clId="{A4D346AA-F248-6444-93C1-EF2F2E65C714}" dt="2024-08-20T11:33:03.837" v="628" actId="1036"/>
+          <ac:spMkLst>
+            <pc:docMk/>
+            <pc:sldMk cId="248048730" sldId="272"/>
+            <ac:spMk id="11" creationId="{06C0DA98-AF63-8C25-12CC-42A79D849F04}"/>
+          </ac:spMkLst>
+        </pc:spChg>
+        <pc:spChg chg="mod">
+          <ac:chgData name="Tom Hoyland" userId="736d7a3e-93c7-4109-90c5-e67b8b3e41b2" providerId="ADAL" clId="{A4D346AA-F248-6444-93C1-EF2F2E65C714}" dt="2024-08-20T11:33:03.837" v="628" actId="1036"/>
+          <ac:spMkLst>
+            <pc:docMk/>
+            <pc:sldMk cId="248048730" sldId="272"/>
+            <ac:spMk id="13" creationId="{6D7F7EC6-1E57-62EB-8CD1-03BE4F5ADDED}"/>
+          </ac:spMkLst>
+        </pc:spChg>
+        <pc:spChg chg="mod">
+          <ac:chgData name="Tom Hoyland" userId="736d7a3e-93c7-4109-90c5-e67b8b3e41b2" providerId="ADAL" clId="{A4D346AA-F248-6444-93C1-EF2F2E65C714}" dt="2024-08-20T11:33:03.837" v="628" actId="1036"/>
+          <ac:spMkLst>
+            <pc:docMk/>
+            <pc:sldMk cId="248048730" sldId="272"/>
+            <ac:spMk id="14" creationId="{C264D8AC-B086-B921-85C6-5AF1DD6AD8DE}"/>
+          </ac:spMkLst>
+        </pc:spChg>
+        <pc:spChg chg="mod">
+          <ac:chgData name="Tom Hoyland" userId="736d7a3e-93c7-4109-90c5-e67b8b3e41b2" providerId="ADAL" clId="{A4D346AA-F248-6444-93C1-EF2F2E65C714}" dt="2024-08-20T11:33:03.837" v="628" actId="1036"/>
+          <ac:spMkLst>
+            <pc:docMk/>
+            <pc:sldMk cId="248048730" sldId="272"/>
+            <ac:spMk id="16" creationId="{E4800468-3CA0-2964-AA62-A3AA15AEBB24}"/>
+          </ac:spMkLst>
+        </pc:spChg>
+        <pc:spChg chg="mod">
+          <ac:chgData name="Tom Hoyland" userId="736d7a3e-93c7-4109-90c5-e67b8b3e41b2" providerId="ADAL" clId="{A4D346AA-F248-6444-93C1-EF2F2E65C714}" dt="2024-08-20T11:33:03.837" v="628" actId="1036"/>
+          <ac:spMkLst>
+            <pc:docMk/>
+            <pc:sldMk cId="248048730" sldId="272"/>
+            <ac:spMk id="18" creationId="{63271C5F-2656-11FB-BDA0-F18F429D4AB8}"/>
+          </ac:spMkLst>
+        </pc:spChg>
+        <pc:spChg chg="mod">
+          <ac:chgData name="Tom Hoyland" userId="736d7a3e-93c7-4109-90c5-e67b8b3e41b2" providerId="ADAL" clId="{A4D346AA-F248-6444-93C1-EF2F2E65C714}" dt="2024-08-20T11:33:03.837" v="628" actId="1036"/>
+          <ac:spMkLst>
+            <pc:docMk/>
+            <pc:sldMk cId="248048730" sldId="272"/>
+            <ac:spMk id="19" creationId="{70929939-537B-C447-115E-FED5AF8357AE}"/>
+          </ac:spMkLst>
+        </pc:spChg>
+        <pc:spChg chg="mod">
+          <ac:chgData name="Tom Hoyland" userId="736d7a3e-93c7-4109-90c5-e67b8b3e41b2" providerId="ADAL" clId="{A4D346AA-F248-6444-93C1-EF2F2E65C714}" dt="2024-08-20T11:33:03.837" v="628" actId="1036"/>
+          <ac:spMkLst>
+            <pc:docMk/>
+            <pc:sldMk cId="248048730" sldId="272"/>
+            <ac:spMk id="20" creationId="{59B90136-C70C-1F8D-144A-B8DAA91E8BFF}"/>
+          </ac:spMkLst>
+        </pc:spChg>
+        <pc:spChg chg="mod">
+          <ac:chgData name="Tom Hoyland" userId="736d7a3e-93c7-4109-90c5-e67b8b3e41b2" providerId="ADAL" clId="{A4D346AA-F248-6444-93C1-EF2F2E65C714}" dt="2024-08-20T11:33:03.837" v="628" actId="1036"/>
+          <ac:spMkLst>
+            <pc:docMk/>
+            <pc:sldMk cId="248048730" sldId="272"/>
+            <ac:spMk id="24" creationId="{58A0E144-52CD-ECF3-042B-7992A86DA18B}"/>
+          </ac:spMkLst>
+        </pc:spChg>
+        <pc:spChg chg="mod">
+          <ac:chgData name="Tom Hoyland" userId="736d7a3e-93c7-4109-90c5-e67b8b3e41b2" providerId="ADAL" clId="{A4D346AA-F248-6444-93C1-EF2F2E65C714}" dt="2024-08-20T11:33:03.837" v="628" actId="1036"/>
+          <ac:spMkLst>
+            <pc:docMk/>
+            <pc:sldMk cId="248048730" sldId="272"/>
+            <ac:spMk id="25" creationId="{38DEAD3F-0B7F-2B20-993E-A2B1F014B1CD}"/>
+          </ac:spMkLst>
+        </pc:spChg>
+        <pc:spChg chg="mod">
+          <ac:chgData name="Tom Hoyland" userId="736d7a3e-93c7-4109-90c5-e67b8b3e41b2" providerId="ADAL" clId="{A4D346AA-F248-6444-93C1-EF2F2E65C714}" dt="2024-08-20T11:33:03.837" v="628" actId="1036"/>
+          <ac:spMkLst>
+            <pc:docMk/>
+            <pc:sldMk cId="248048730" sldId="272"/>
+            <ac:spMk id="26" creationId="{3A945144-0789-5A0E-FC67-42CABE016FCE}"/>
+          </ac:spMkLst>
+        </pc:spChg>
+        <pc:spChg chg="mod">
+          <ac:chgData name="Tom Hoyland" userId="736d7a3e-93c7-4109-90c5-e67b8b3e41b2" providerId="ADAL" clId="{A4D346AA-F248-6444-93C1-EF2F2E65C714}" dt="2024-08-20T11:33:03.837" v="628" actId="1036"/>
+          <ac:spMkLst>
+            <pc:docMk/>
+            <pc:sldMk cId="248048730" sldId="272"/>
+            <ac:spMk id="27" creationId="{CCBC6816-D39B-700B-F344-1B0D25A1449C}"/>
+          </ac:spMkLst>
+        </pc:spChg>
+        <pc:spChg chg="mod">
+          <ac:chgData name="Tom Hoyland" userId="736d7a3e-93c7-4109-90c5-e67b8b3e41b2" providerId="ADAL" clId="{A4D346AA-F248-6444-93C1-EF2F2E65C714}" dt="2024-08-20T11:33:03.837" v="628" actId="1036"/>
+          <ac:spMkLst>
+            <pc:docMk/>
+            <pc:sldMk cId="248048730" sldId="272"/>
+            <ac:spMk id="28" creationId="{5A0B0504-FBD2-ED5A-4F3B-787A8587C05A}"/>
+          </ac:spMkLst>
+        </pc:spChg>
+        <pc:spChg chg="mod">
+          <ac:chgData name="Tom Hoyland" userId="736d7a3e-93c7-4109-90c5-e67b8b3e41b2" providerId="ADAL" clId="{A4D346AA-F248-6444-93C1-EF2F2E65C714}" dt="2024-08-20T11:33:03.837" v="628" actId="1036"/>
+          <ac:spMkLst>
+            <pc:docMk/>
+            <pc:sldMk cId="248048730" sldId="272"/>
+            <ac:spMk id="29" creationId="{68B58E08-22AA-A82B-48BD-73CAD4C99992}"/>
+          </ac:spMkLst>
+        </pc:spChg>
+        <pc:spChg chg="mod">
+          <ac:chgData name="Tom Hoyland" userId="736d7a3e-93c7-4109-90c5-e67b8b3e41b2" providerId="ADAL" clId="{A4D346AA-F248-6444-93C1-EF2F2E65C714}" dt="2024-08-20T11:33:03.837" v="628" actId="1036"/>
+          <ac:spMkLst>
+            <pc:docMk/>
+            <pc:sldMk cId="248048730" sldId="272"/>
+            <ac:spMk id="30" creationId="{DEFE14F4-97D1-71EF-B066-BF208197EC0B}"/>
+          </ac:spMkLst>
+        </pc:spChg>
+        <pc:spChg chg="mod">
+          <ac:chgData name="Tom Hoyland" userId="736d7a3e-93c7-4109-90c5-e67b8b3e41b2" providerId="ADAL" clId="{A4D346AA-F248-6444-93C1-EF2F2E65C714}" dt="2024-08-20T11:33:03.837" v="628" actId="1036"/>
+          <ac:spMkLst>
+            <pc:docMk/>
+            <pc:sldMk cId="248048730" sldId="272"/>
+            <ac:spMk id="31" creationId="{8D8F7CEF-134A-D3DA-8445-5A753AB0F80F}"/>
+          </ac:spMkLst>
+        </pc:spChg>
+        <pc:spChg chg="mod">
+          <ac:chgData name="Tom Hoyland" userId="736d7a3e-93c7-4109-90c5-e67b8b3e41b2" providerId="ADAL" clId="{A4D346AA-F248-6444-93C1-EF2F2E65C714}" dt="2024-08-20T11:33:03.837" v="628" actId="1036"/>
+          <ac:spMkLst>
+            <pc:docMk/>
+            <pc:sldMk cId="248048730" sldId="272"/>
+            <ac:spMk id="32" creationId="{5057154F-7DCF-A223-0510-F25D7FD2EE6A}"/>
+          </ac:spMkLst>
+        </pc:spChg>
+        <pc:spChg chg="mod">
+          <ac:chgData name="Tom Hoyland" userId="736d7a3e-93c7-4109-90c5-e67b8b3e41b2" providerId="ADAL" clId="{A4D346AA-F248-6444-93C1-EF2F2E65C714}" dt="2024-08-20T11:33:03.837" v="628" actId="1036"/>
+          <ac:spMkLst>
+            <pc:docMk/>
+            <pc:sldMk cId="248048730" sldId="272"/>
+            <ac:spMk id="33" creationId="{E0D8722E-83A8-C310-122A-30EA2816860E}"/>
+          </ac:spMkLst>
+        </pc:spChg>
+        <pc:spChg chg="mod">
+          <ac:chgData name="Tom Hoyland" userId="736d7a3e-93c7-4109-90c5-e67b8b3e41b2" providerId="ADAL" clId="{A4D346AA-F248-6444-93C1-EF2F2E65C714}" dt="2024-08-20T11:33:03.837" v="628" actId="1036"/>
+          <ac:spMkLst>
+            <pc:docMk/>
+            <pc:sldMk cId="248048730" sldId="272"/>
+            <ac:spMk id="34" creationId="{27018EDB-C14A-2175-DA20-52AE83F8940E}"/>
+          </ac:spMkLst>
+        </pc:spChg>
+        <pc:spChg chg="mod">
+          <ac:chgData name="Tom Hoyland" userId="736d7a3e-93c7-4109-90c5-e67b8b3e41b2" providerId="ADAL" clId="{A4D346AA-F248-6444-93C1-EF2F2E65C714}" dt="2024-08-20T11:33:03.837" v="628" actId="1036"/>
+          <ac:spMkLst>
+            <pc:docMk/>
+            <pc:sldMk cId="248048730" sldId="272"/>
+            <ac:spMk id="35" creationId="{64BD6B3C-21B9-94EB-9163-4D7A83A4A297}"/>
+          </ac:spMkLst>
+        </pc:spChg>
+        <pc:spChg chg="mod">
+          <ac:chgData name="Tom Hoyland" userId="736d7a3e-93c7-4109-90c5-e67b8b3e41b2" providerId="ADAL" clId="{A4D346AA-F248-6444-93C1-EF2F2E65C714}" dt="2024-08-20T11:33:03.837" v="628" actId="1036"/>
+          <ac:spMkLst>
+            <pc:docMk/>
+            <pc:sldMk cId="248048730" sldId="272"/>
+            <ac:spMk id="36" creationId="{965DF994-D945-F5CF-02B0-6FD96B778267}"/>
+          </ac:spMkLst>
+        </pc:spChg>
+        <pc:picChg chg="mod">
+          <ac:chgData name="Tom Hoyland" userId="736d7a3e-93c7-4109-90c5-e67b8b3e41b2" providerId="ADAL" clId="{A4D346AA-F248-6444-93C1-EF2F2E65C714}" dt="2024-08-20T11:33:03.837" v="628" actId="1036"/>
+          <ac:picMkLst>
+            <pc:docMk/>
+            <pc:sldMk cId="248048730" sldId="272"/>
+            <ac:picMk id="5" creationId="{6322FBD9-FD8F-9C95-2729-127E6A05B844}"/>
+          </ac:picMkLst>
+        </pc:picChg>
+        <pc:picChg chg="mod">
+          <ac:chgData name="Tom Hoyland" userId="736d7a3e-93c7-4109-90c5-e67b8b3e41b2" providerId="ADAL" clId="{A4D346AA-F248-6444-93C1-EF2F2E65C714}" dt="2024-08-20T11:33:03.837" v="628" actId="1036"/>
+          <ac:picMkLst>
+            <pc:docMk/>
+            <pc:sldMk cId="248048730" sldId="272"/>
+            <ac:picMk id="6" creationId="{2BE0E3B7-67DB-7D22-62F7-F28225398F7E}"/>
+          </ac:picMkLst>
+        </pc:picChg>
+        <pc:picChg chg="mod">
+          <ac:chgData name="Tom Hoyland" userId="736d7a3e-93c7-4109-90c5-e67b8b3e41b2" providerId="ADAL" clId="{A4D346AA-F248-6444-93C1-EF2F2E65C714}" dt="2024-08-20T11:33:03.837" v="628" actId="1036"/>
+          <ac:picMkLst>
+            <pc:docMk/>
+            <pc:sldMk cId="248048730" sldId="272"/>
+            <ac:picMk id="7" creationId="{4025EFFD-6B77-7453-3202-61E018612DB9}"/>
+          </ac:picMkLst>
+        </pc:picChg>
+        <pc:picChg chg="mod">
+          <ac:chgData name="Tom Hoyland" userId="736d7a3e-93c7-4109-90c5-e67b8b3e41b2" providerId="ADAL" clId="{A4D346AA-F248-6444-93C1-EF2F2E65C714}" dt="2024-08-20T11:33:03.837" v="628" actId="1036"/>
+          <ac:picMkLst>
+            <pc:docMk/>
+            <pc:sldMk cId="248048730" sldId="272"/>
+            <ac:picMk id="9" creationId="{AFD2E46D-615E-B65D-1188-F2A6AB1738D7}"/>
+          </ac:picMkLst>
+        </pc:picChg>
+        <pc:picChg chg="mod">
+          <ac:chgData name="Tom Hoyland" userId="736d7a3e-93c7-4109-90c5-e67b8b3e41b2" providerId="ADAL" clId="{A4D346AA-F248-6444-93C1-EF2F2E65C714}" dt="2024-08-20T11:33:03.837" v="628" actId="1036"/>
+          <ac:picMkLst>
+            <pc:docMk/>
+            <pc:sldMk cId="248048730" sldId="272"/>
+            <ac:picMk id="12" creationId="{5C0C4BE6-1C53-E473-95EA-95C0F5CF1564}"/>
+          </ac:picMkLst>
+        </pc:picChg>
+        <pc:picChg chg="mod">
+          <ac:chgData name="Tom Hoyland" userId="736d7a3e-93c7-4109-90c5-e67b8b3e41b2" providerId="ADAL" clId="{A4D346AA-F248-6444-93C1-EF2F2E65C714}" dt="2024-08-20T11:33:03.837" v="628" actId="1036"/>
+          <ac:picMkLst>
+            <pc:docMk/>
+            <pc:sldMk cId="248048730" sldId="272"/>
+            <ac:picMk id="15" creationId="{1A85A53A-A4EB-808E-BCEA-EEBBAB52ECBA}"/>
+          </ac:picMkLst>
+        </pc:picChg>
+        <pc:picChg chg="mod">
+          <ac:chgData name="Tom Hoyland" userId="736d7a3e-93c7-4109-90c5-e67b8b3e41b2" providerId="ADAL" clId="{A4D346AA-F248-6444-93C1-EF2F2E65C714}" dt="2024-08-20T11:33:03.837" v="628" actId="1036"/>
+          <ac:picMkLst>
+            <pc:docMk/>
+            <pc:sldMk cId="248048730" sldId="272"/>
+            <ac:picMk id="17" creationId="{0FE1B1AD-E962-2850-8199-8B489F405D39}"/>
+          </ac:picMkLst>
+        </pc:picChg>
+        <pc:picChg chg="mod">
+          <ac:chgData name="Tom Hoyland" userId="736d7a3e-93c7-4109-90c5-e67b8b3e41b2" providerId="ADAL" clId="{A4D346AA-F248-6444-93C1-EF2F2E65C714}" dt="2024-08-20T11:33:03.837" v="628" actId="1036"/>
+          <ac:picMkLst>
+            <pc:docMk/>
+            <pc:sldMk cId="248048730" sldId="272"/>
+            <ac:picMk id="21" creationId="{177349E7-5A4C-46C5-B5B8-4980C12E809F}"/>
+          </ac:picMkLst>
+        </pc:picChg>
       </pc:sldChg>
     </pc:docChg>
   </pc:docChgLst>
@@ -11068,7 +11068,7 @@
             <p:ph idx="1"/>
             <p:extLst>
               <p:ext uri="{D42A27DB-BD31-4B8C-83A1-F6EECF244321}">
-                <p14:modId xmlns:p14="http://schemas.microsoft.com/office/powerpoint/2010/main" val="4211082827"/>
+                <p14:modId xmlns:p14="http://schemas.microsoft.com/office/powerpoint/2010/main" val="3389321768"/>
               </p:ext>
             </p:extLst>
           </p:nvPr>
@@ -15037,7 +15037,7 @@
                           <a:latin typeface="Arial" panose="020B0604020202020204" pitchFamily="34" charset="0"/>
                           <a:cs typeface="Arial" panose="020B0604020202020204" pitchFamily="34" charset="0"/>
                         </a:rPr>
-                        <a:t>Supports the development of high-performing agile  teams, providing guidance and resources to enhance  skills and competencies.</a:t>
+                        <a:t>Supports the development of high-performing agile teams, providing guidance and resources to enhance  skills and competencies.</a:t>
                       </a:r>
                     </a:p>
                     <a:p>
@@ -15966,7 +15966,7 @@
                           <a:latin typeface="Arial" panose="020B0604020202020204" pitchFamily="34" charset="0"/>
                           <a:cs typeface="Arial" panose="020B0604020202020204" pitchFamily="34" charset="0"/>
                         </a:rPr>
-                        <a:t>Leads organizational agile transformation efforts,  fostering a culture of collaboration and continuous improvement.</a:t>
+                        <a:t>Leads organizational agile transformation efforts, fostering a culture of collaboration and continuous improvement.</a:t>
                       </a:r>
                     </a:p>
                     <a:p>

--- a/Agile-Growth-Pathway.pptx
+++ b/Agile-Growth-Pathway.pptx
@@ -248,6 +248,803 @@
     </pc:docChg>
   </pc:docChgLst>
   <pc:docChgLst>
+    <pc:chgData name="Tom Hoyland" userId="736d7a3e-93c7-4109-90c5-e67b8b3e41b2" providerId="ADAL" clId="{A4D346AA-F248-6444-93C1-EF2F2E65C714}"/>
+    <pc:docChg chg="undo custSel addSld delSld modSld sldOrd">
+      <pc:chgData name="Tom Hoyland" userId="736d7a3e-93c7-4109-90c5-e67b8b3e41b2" providerId="ADAL" clId="{A4D346AA-F248-6444-93C1-EF2F2E65C714}" dt="2024-08-20T11:33:24.572" v="664" actId="404"/>
+      <pc:docMkLst>
+        <pc:docMk/>
+      </pc:docMkLst>
+      <pc:sldChg chg="addSp delSp modSp mod">
+        <pc:chgData name="Tom Hoyland" userId="736d7a3e-93c7-4109-90c5-e67b8b3e41b2" providerId="ADAL" clId="{A4D346AA-F248-6444-93C1-EF2F2E65C714}" dt="2024-08-20T10:35:24.927" v="523" actId="1076"/>
+        <pc:sldMkLst>
+          <pc:docMk/>
+          <pc:sldMk cId="215971509" sldId="258"/>
+        </pc:sldMkLst>
+        <pc:spChg chg="add del mod">
+          <ac:chgData name="Tom Hoyland" userId="736d7a3e-93c7-4109-90c5-e67b8b3e41b2" providerId="ADAL" clId="{A4D346AA-F248-6444-93C1-EF2F2E65C714}" dt="2024-08-20T10:35:16.759" v="521"/>
+          <ac:spMkLst>
+            <pc:docMk/>
+            <pc:sldMk cId="215971509" sldId="258"/>
+            <ac:spMk id="2" creationId="{13C5DC61-1188-B764-894D-18FA2653502D}"/>
+          </ac:spMkLst>
+        </pc:spChg>
+        <pc:graphicFrameChg chg="mod modGraphic">
+          <ac:chgData name="Tom Hoyland" userId="736d7a3e-93c7-4109-90c5-e67b8b3e41b2" providerId="ADAL" clId="{A4D346AA-F248-6444-93C1-EF2F2E65C714}" dt="2024-08-20T10:35:24.927" v="523" actId="1076"/>
+          <ac:graphicFrameMkLst>
+            <pc:docMk/>
+            <pc:sldMk cId="215971509" sldId="258"/>
+            <ac:graphicFrameMk id="4" creationId="{2C24AB31-CFE6-05B1-A05C-CB4B8F5125D5}"/>
+          </ac:graphicFrameMkLst>
+        </pc:graphicFrameChg>
+      </pc:sldChg>
+      <pc:sldChg chg="addSp delSp modSp del mod">
+        <pc:chgData name="Tom Hoyland" userId="736d7a3e-93c7-4109-90c5-e67b8b3e41b2" providerId="ADAL" clId="{A4D346AA-F248-6444-93C1-EF2F2E65C714}" dt="2024-08-20T11:32:51.918" v="598" actId="2696"/>
+        <pc:sldMkLst>
+          <pc:docMk/>
+          <pc:sldMk cId="1551894915" sldId="261"/>
+        </pc:sldMkLst>
+        <pc:spChg chg="del">
+          <ac:chgData name="Tom Hoyland" userId="736d7a3e-93c7-4109-90c5-e67b8b3e41b2" providerId="ADAL" clId="{A4D346AA-F248-6444-93C1-EF2F2E65C714}" dt="2024-08-20T11:32:39.566" v="595" actId="478"/>
+          <ac:spMkLst>
+            <pc:docMk/>
+            <pc:sldMk cId="1551894915" sldId="261"/>
+            <ac:spMk id="2" creationId="{60114F5B-200D-5E80-5596-D97099667249}"/>
+          </ac:spMkLst>
+        </pc:spChg>
+        <pc:spChg chg="add mod">
+          <ac:chgData name="Tom Hoyland" userId="736d7a3e-93c7-4109-90c5-e67b8b3e41b2" providerId="ADAL" clId="{A4D346AA-F248-6444-93C1-EF2F2E65C714}" dt="2024-08-20T11:32:39.566" v="595" actId="478"/>
+          <ac:spMkLst>
+            <pc:docMk/>
+            <pc:sldMk cId="1551894915" sldId="261"/>
+            <ac:spMk id="4" creationId="{D965E8EF-04AD-6DBB-D01A-5F2B61C6026F}"/>
+          </ac:spMkLst>
+        </pc:spChg>
+        <pc:spChg chg="del">
+          <ac:chgData name="Tom Hoyland" userId="736d7a3e-93c7-4109-90c5-e67b8b3e41b2" providerId="ADAL" clId="{A4D346AA-F248-6444-93C1-EF2F2E65C714}" dt="2024-08-20T11:32:39.566" v="595" actId="478"/>
+          <ac:spMkLst>
+            <pc:docMk/>
+            <pc:sldMk cId="1551894915" sldId="261"/>
+            <ac:spMk id="8" creationId="{8CDDB97D-A02F-8254-5432-E930CF01E0FC}"/>
+          </ac:spMkLst>
+        </pc:spChg>
+        <pc:spChg chg="del">
+          <ac:chgData name="Tom Hoyland" userId="736d7a3e-93c7-4109-90c5-e67b8b3e41b2" providerId="ADAL" clId="{A4D346AA-F248-6444-93C1-EF2F2E65C714}" dt="2024-08-20T11:32:39.566" v="595" actId="478"/>
+          <ac:spMkLst>
+            <pc:docMk/>
+            <pc:sldMk cId="1551894915" sldId="261"/>
+            <ac:spMk id="10" creationId="{C258F823-7B51-957A-9C20-93136D988928}"/>
+          </ac:spMkLst>
+        </pc:spChg>
+        <pc:spChg chg="del">
+          <ac:chgData name="Tom Hoyland" userId="736d7a3e-93c7-4109-90c5-e67b8b3e41b2" providerId="ADAL" clId="{A4D346AA-F248-6444-93C1-EF2F2E65C714}" dt="2024-08-20T11:32:39.566" v="595" actId="478"/>
+          <ac:spMkLst>
+            <pc:docMk/>
+            <pc:sldMk cId="1551894915" sldId="261"/>
+            <ac:spMk id="11" creationId="{706FB268-040E-2102-1308-B242A93B903A}"/>
+          </ac:spMkLst>
+        </pc:spChg>
+        <pc:spChg chg="del">
+          <ac:chgData name="Tom Hoyland" userId="736d7a3e-93c7-4109-90c5-e67b8b3e41b2" providerId="ADAL" clId="{A4D346AA-F248-6444-93C1-EF2F2E65C714}" dt="2024-08-20T11:32:39.566" v="595" actId="478"/>
+          <ac:spMkLst>
+            <pc:docMk/>
+            <pc:sldMk cId="1551894915" sldId="261"/>
+            <ac:spMk id="13" creationId="{380E85BC-FF65-970E-3CDA-C005D8E7882F}"/>
+          </ac:spMkLst>
+        </pc:spChg>
+        <pc:spChg chg="del">
+          <ac:chgData name="Tom Hoyland" userId="736d7a3e-93c7-4109-90c5-e67b8b3e41b2" providerId="ADAL" clId="{A4D346AA-F248-6444-93C1-EF2F2E65C714}" dt="2024-08-20T11:32:39.566" v="595" actId="478"/>
+          <ac:spMkLst>
+            <pc:docMk/>
+            <pc:sldMk cId="1551894915" sldId="261"/>
+            <ac:spMk id="14" creationId="{042E4238-C41B-D73B-C28B-0B462803692E}"/>
+          </ac:spMkLst>
+        </pc:spChg>
+        <pc:spChg chg="del">
+          <ac:chgData name="Tom Hoyland" userId="736d7a3e-93c7-4109-90c5-e67b8b3e41b2" providerId="ADAL" clId="{A4D346AA-F248-6444-93C1-EF2F2E65C714}" dt="2024-08-20T11:32:39.566" v="595" actId="478"/>
+          <ac:spMkLst>
+            <pc:docMk/>
+            <pc:sldMk cId="1551894915" sldId="261"/>
+            <ac:spMk id="16" creationId="{24D6D5B8-560A-7C70-9E81-B8EFB579F08E}"/>
+          </ac:spMkLst>
+        </pc:spChg>
+        <pc:spChg chg="del">
+          <ac:chgData name="Tom Hoyland" userId="736d7a3e-93c7-4109-90c5-e67b8b3e41b2" providerId="ADAL" clId="{A4D346AA-F248-6444-93C1-EF2F2E65C714}" dt="2024-08-20T11:32:39.566" v="595" actId="478"/>
+          <ac:spMkLst>
+            <pc:docMk/>
+            <pc:sldMk cId="1551894915" sldId="261"/>
+            <ac:spMk id="18" creationId="{F93BD877-DC0E-E976-9DE4-BE888B19CF0F}"/>
+          </ac:spMkLst>
+        </pc:spChg>
+        <pc:spChg chg="del">
+          <ac:chgData name="Tom Hoyland" userId="736d7a3e-93c7-4109-90c5-e67b8b3e41b2" providerId="ADAL" clId="{A4D346AA-F248-6444-93C1-EF2F2E65C714}" dt="2024-08-20T11:32:39.566" v="595" actId="478"/>
+          <ac:spMkLst>
+            <pc:docMk/>
+            <pc:sldMk cId="1551894915" sldId="261"/>
+            <ac:spMk id="28" creationId="{5ACB057E-5EA7-0F53-3026-546099232574}"/>
+          </ac:spMkLst>
+        </pc:spChg>
+        <pc:spChg chg="del">
+          <ac:chgData name="Tom Hoyland" userId="736d7a3e-93c7-4109-90c5-e67b8b3e41b2" providerId="ADAL" clId="{A4D346AA-F248-6444-93C1-EF2F2E65C714}" dt="2024-08-20T11:32:39.566" v="595" actId="478"/>
+          <ac:spMkLst>
+            <pc:docMk/>
+            <pc:sldMk cId="1551894915" sldId="261"/>
+            <ac:spMk id="29" creationId="{73641E73-F1C1-EAD9-8C93-D55E7BD2CDF8}"/>
+          </ac:spMkLst>
+        </pc:spChg>
+        <pc:spChg chg="del">
+          <ac:chgData name="Tom Hoyland" userId="736d7a3e-93c7-4109-90c5-e67b8b3e41b2" providerId="ADAL" clId="{A4D346AA-F248-6444-93C1-EF2F2E65C714}" dt="2024-08-20T11:32:39.566" v="595" actId="478"/>
+          <ac:spMkLst>
+            <pc:docMk/>
+            <pc:sldMk cId="1551894915" sldId="261"/>
+            <ac:spMk id="30" creationId="{0E4E77C7-934A-84F8-113F-232F677D364F}"/>
+          </ac:spMkLst>
+        </pc:spChg>
+        <pc:spChg chg="del">
+          <ac:chgData name="Tom Hoyland" userId="736d7a3e-93c7-4109-90c5-e67b8b3e41b2" providerId="ADAL" clId="{A4D346AA-F248-6444-93C1-EF2F2E65C714}" dt="2024-08-20T11:32:39.566" v="595" actId="478"/>
+          <ac:spMkLst>
+            <pc:docMk/>
+            <pc:sldMk cId="1551894915" sldId="261"/>
+            <ac:spMk id="31" creationId="{18DF7356-8B91-65DC-8FE8-32BFE8F1A09C}"/>
+          </ac:spMkLst>
+        </pc:spChg>
+        <pc:spChg chg="del">
+          <ac:chgData name="Tom Hoyland" userId="736d7a3e-93c7-4109-90c5-e67b8b3e41b2" providerId="ADAL" clId="{A4D346AA-F248-6444-93C1-EF2F2E65C714}" dt="2024-08-20T11:32:39.566" v="595" actId="478"/>
+          <ac:spMkLst>
+            <pc:docMk/>
+            <pc:sldMk cId="1551894915" sldId="261"/>
+            <ac:spMk id="32" creationId="{CE0A2A4C-DC20-3B09-E6C1-86C7406F3E22}"/>
+          </ac:spMkLst>
+        </pc:spChg>
+        <pc:spChg chg="del">
+          <ac:chgData name="Tom Hoyland" userId="736d7a3e-93c7-4109-90c5-e67b8b3e41b2" providerId="ADAL" clId="{A4D346AA-F248-6444-93C1-EF2F2E65C714}" dt="2024-08-20T11:32:39.566" v="595" actId="478"/>
+          <ac:spMkLst>
+            <pc:docMk/>
+            <pc:sldMk cId="1551894915" sldId="261"/>
+            <ac:spMk id="33" creationId="{B0CF220A-8F25-72EA-707D-3F51885CA3B4}"/>
+          </ac:spMkLst>
+        </pc:spChg>
+        <pc:spChg chg="del">
+          <ac:chgData name="Tom Hoyland" userId="736d7a3e-93c7-4109-90c5-e67b8b3e41b2" providerId="ADAL" clId="{A4D346AA-F248-6444-93C1-EF2F2E65C714}" dt="2024-08-20T11:32:39.566" v="595" actId="478"/>
+          <ac:spMkLst>
+            <pc:docMk/>
+            <pc:sldMk cId="1551894915" sldId="261"/>
+            <ac:spMk id="34" creationId="{FD091573-20FC-A6D7-6867-DCE7669E0934}"/>
+          </ac:spMkLst>
+        </pc:spChg>
+        <pc:spChg chg="del">
+          <ac:chgData name="Tom Hoyland" userId="736d7a3e-93c7-4109-90c5-e67b8b3e41b2" providerId="ADAL" clId="{A4D346AA-F248-6444-93C1-EF2F2E65C714}" dt="2024-08-20T11:32:39.566" v="595" actId="478"/>
+          <ac:spMkLst>
+            <pc:docMk/>
+            <pc:sldMk cId="1551894915" sldId="261"/>
+            <ac:spMk id="35" creationId="{14C3540D-164D-0502-B9B3-99DA425B4CAA}"/>
+          </ac:spMkLst>
+        </pc:spChg>
+        <pc:spChg chg="del">
+          <ac:chgData name="Tom Hoyland" userId="736d7a3e-93c7-4109-90c5-e67b8b3e41b2" providerId="ADAL" clId="{A4D346AA-F248-6444-93C1-EF2F2E65C714}" dt="2024-08-20T11:32:39.566" v="595" actId="478"/>
+          <ac:spMkLst>
+            <pc:docMk/>
+            <pc:sldMk cId="1551894915" sldId="261"/>
+            <ac:spMk id="36" creationId="{E590E56E-C5E5-6786-556B-9FF43F6C6253}"/>
+          </ac:spMkLst>
+        </pc:spChg>
+        <pc:picChg chg="del">
+          <ac:chgData name="Tom Hoyland" userId="736d7a3e-93c7-4109-90c5-e67b8b3e41b2" providerId="ADAL" clId="{A4D346AA-F248-6444-93C1-EF2F2E65C714}" dt="2024-08-20T11:32:39.566" v="595" actId="478"/>
+          <ac:picMkLst>
+            <pc:docMk/>
+            <pc:sldMk cId="1551894915" sldId="261"/>
+            <ac:picMk id="5" creationId="{62116002-A9FA-E0AB-8E6A-8CEE2DB576CB}"/>
+          </ac:picMkLst>
+        </pc:picChg>
+        <pc:picChg chg="del">
+          <ac:chgData name="Tom Hoyland" userId="736d7a3e-93c7-4109-90c5-e67b8b3e41b2" providerId="ADAL" clId="{A4D346AA-F248-6444-93C1-EF2F2E65C714}" dt="2024-08-20T11:32:39.566" v="595" actId="478"/>
+          <ac:picMkLst>
+            <pc:docMk/>
+            <pc:sldMk cId="1551894915" sldId="261"/>
+            <ac:picMk id="6" creationId="{06F97ED0-2646-B792-8B99-24400765AE9E}"/>
+          </ac:picMkLst>
+        </pc:picChg>
+        <pc:picChg chg="del">
+          <ac:chgData name="Tom Hoyland" userId="736d7a3e-93c7-4109-90c5-e67b8b3e41b2" providerId="ADAL" clId="{A4D346AA-F248-6444-93C1-EF2F2E65C714}" dt="2024-08-20T11:32:39.566" v="595" actId="478"/>
+          <ac:picMkLst>
+            <pc:docMk/>
+            <pc:sldMk cId="1551894915" sldId="261"/>
+            <ac:picMk id="7" creationId="{D006BE89-01FB-EFD8-A0B0-468CE5796739}"/>
+          </ac:picMkLst>
+        </pc:picChg>
+        <pc:picChg chg="del">
+          <ac:chgData name="Tom Hoyland" userId="736d7a3e-93c7-4109-90c5-e67b8b3e41b2" providerId="ADAL" clId="{A4D346AA-F248-6444-93C1-EF2F2E65C714}" dt="2024-08-20T11:32:39.566" v="595" actId="478"/>
+          <ac:picMkLst>
+            <pc:docMk/>
+            <pc:sldMk cId="1551894915" sldId="261"/>
+            <ac:picMk id="9" creationId="{08B66EBF-2D1E-6E8B-FCBD-479EDE455568}"/>
+          </ac:picMkLst>
+        </pc:picChg>
+        <pc:picChg chg="del">
+          <ac:chgData name="Tom Hoyland" userId="736d7a3e-93c7-4109-90c5-e67b8b3e41b2" providerId="ADAL" clId="{A4D346AA-F248-6444-93C1-EF2F2E65C714}" dt="2024-08-20T11:32:39.566" v="595" actId="478"/>
+          <ac:picMkLst>
+            <pc:docMk/>
+            <pc:sldMk cId="1551894915" sldId="261"/>
+            <ac:picMk id="12" creationId="{0AF8A365-1CA9-E91D-685E-C97FBF85A01F}"/>
+          </ac:picMkLst>
+        </pc:picChg>
+        <pc:picChg chg="del">
+          <ac:chgData name="Tom Hoyland" userId="736d7a3e-93c7-4109-90c5-e67b8b3e41b2" providerId="ADAL" clId="{A4D346AA-F248-6444-93C1-EF2F2E65C714}" dt="2024-08-20T11:32:39.566" v="595" actId="478"/>
+          <ac:picMkLst>
+            <pc:docMk/>
+            <pc:sldMk cId="1551894915" sldId="261"/>
+            <ac:picMk id="15" creationId="{C1E2E61F-6957-C476-802C-DAA4E8E3D8FC}"/>
+          </ac:picMkLst>
+        </pc:picChg>
+        <pc:picChg chg="del">
+          <ac:chgData name="Tom Hoyland" userId="736d7a3e-93c7-4109-90c5-e67b8b3e41b2" providerId="ADAL" clId="{A4D346AA-F248-6444-93C1-EF2F2E65C714}" dt="2024-08-20T11:32:39.566" v="595" actId="478"/>
+          <ac:picMkLst>
+            <pc:docMk/>
+            <pc:sldMk cId="1551894915" sldId="261"/>
+            <ac:picMk id="17" creationId="{0F35D7D0-03F8-0064-B5AC-20BCCD3C6C55}"/>
+          </ac:picMkLst>
+        </pc:picChg>
+        <pc:picChg chg="del">
+          <ac:chgData name="Tom Hoyland" userId="736d7a3e-93c7-4109-90c5-e67b8b3e41b2" providerId="ADAL" clId="{A4D346AA-F248-6444-93C1-EF2F2E65C714}" dt="2024-08-20T11:32:39.566" v="595" actId="478"/>
+          <ac:picMkLst>
+            <pc:docMk/>
+            <pc:sldMk cId="1551894915" sldId="261"/>
+            <ac:picMk id="21" creationId="{75F00680-C90D-0C50-BAEB-68DD9870452B}"/>
+          </ac:picMkLst>
+        </pc:picChg>
+      </pc:sldChg>
+      <pc:sldChg chg="addSp delSp modSp add mod ord">
+        <pc:chgData name="Tom Hoyland" userId="736d7a3e-93c7-4109-90c5-e67b8b3e41b2" providerId="ADAL" clId="{A4D346AA-F248-6444-93C1-EF2F2E65C714}" dt="2024-08-20T11:32:33.746" v="594" actId="20577"/>
+        <pc:sldMkLst>
+          <pc:docMk/>
+          <pc:sldMk cId="2712193479" sldId="271"/>
+        </pc:sldMkLst>
+        <pc:spChg chg="del">
+          <ac:chgData name="Tom Hoyland" userId="736d7a3e-93c7-4109-90c5-e67b8b3e41b2" providerId="ADAL" clId="{A4D346AA-F248-6444-93C1-EF2F2E65C714}" dt="2024-08-13T07:33:26.326" v="156" actId="478"/>
+          <ac:spMkLst>
+            <pc:docMk/>
+            <pc:sldMk cId="2712193479" sldId="271"/>
+            <ac:spMk id="2" creationId="{60114F5B-200D-5E80-5596-D97099667249}"/>
+          </ac:spMkLst>
+        </pc:spChg>
+        <pc:spChg chg="add mod">
+          <ac:chgData name="Tom Hoyland" userId="736d7a3e-93c7-4109-90c5-e67b8b3e41b2" providerId="ADAL" clId="{A4D346AA-F248-6444-93C1-EF2F2E65C714}" dt="2024-08-13T07:40:02.434" v="517" actId="1076"/>
+          <ac:spMkLst>
+            <pc:docMk/>
+            <pc:sldMk cId="2712193479" sldId="271"/>
+            <ac:spMk id="3" creationId="{43F9F6AE-A5AC-2E03-0D6A-B04BA76B49BC}"/>
+          </ac:spMkLst>
+        </pc:spChg>
+        <pc:spChg chg="add mod">
+          <ac:chgData name="Tom Hoyland" userId="736d7a3e-93c7-4109-90c5-e67b8b3e41b2" providerId="ADAL" clId="{A4D346AA-F248-6444-93C1-EF2F2E65C714}" dt="2024-08-13T07:40:02.434" v="517" actId="1076"/>
+          <ac:spMkLst>
+            <pc:docMk/>
+            <pc:sldMk cId="2712193479" sldId="271"/>
+            <ac:spMk id="4" creationId="{E151A129-60CE-5725-DCEC-DF20AB33301A}"/>
+          </ac:spMkLst>
+        </pc:spChg>
+        <pc:spChg chg="mod">
+          <ac:chgData name="Tom Hoyland" userId="736d7a3e-93c7-4109-90c5-e67b8b3e41b2" providerId="ADAL" clId="{A4D346AA-F248-6444-93C1-EF2F2E65C714}" dt="2024-08-20T11:32:22.457" v="585" actId="20577"/>
+          <ac:spMkLst>
+            <pc:docMk/>
+            <pc:sldMk cId="2712193479" sldId="271"/>
+            <ac:spMk id="8" creationId="{8CDDB97D-A02F-8254-5432-E930CF01E0FC}"/>
+          </ac:spMkLst>
+        </pc:spChg>
+        <pc:spChg chg="mod">
+          <ac:chgData name="Tom Hoyland" userId="736d7a3e-93c7-4109-90c5-e67b8b3e41b2" providerId="ADAL" clId="{A4D346AA-F248-6444-93C1-EF2F2E65C714}" dt="2024-08-20T11:32:20.806" v="584" actId="20577"/>
+          <ac:spMkLst>
+            <pc:docMk/>
+            <pc:sldMk cId="2712193479" sldId="271"/>
+            <ac:spMk id="10" creationId="{C258F823-7B51-957A-9C20-93136D988928}"/>
+          </ac:spMkLst>
+        </pc:spChg>
+        <pc:spChg chg="mod">
+          <ac:chgData name="Tom Hoyland" userId="736d7a3e-93c7-4109-90c5-e67b8b3e41b2" providerId="ADAL" clId="{A4D346AA-F248-6444-93C1-EF2F2E65C714}" dt="2024-08-20T11:32:25.812" v="587" actId="20577"/>
+          <ac:spMkLst>
+            <pc:docMk/>
+            <pc:sldMk cId="2712193479" sldId="271"/>
+            <ac:spMk id="11" creationId="{706FB268-040E-2102-1308-B242A93B903A}"/>
+          </ac:spMkLst>
+        </pc:spChg>
+        <pc:spChg chg="mod">
+          <ac:chgData name="Tom Hoyland" userId="736d7a3e-93c7-4109-90c5-e67b8b3e41b2" providerId="ADAL" clId="{A4D346AA-F248-6444-93C1-EF2F2E65C714}" dt="2024-08-20T11:32:29.695" v="592" actId="20577"/>
+          <ac:spMkLst>
+            <pc:docMk/>
+            <pc:sldMk cId="2712193479" sldId="271"/>
+            <ac:spMk id="13" creationId="{380E85BC-FF65-970E-3CDA-C005D8E7882F}"/>
+          </ac:spMkLst>
+        </pc:spChg>
+        <pc:spChg chg="mod">
+          <ac:chgData name="Tom Hoyland" userId="736d7a3e-93c7-4109-90c5-e67b8b3e41b2" providerId="ADAL" clId="{A4D346AA-F248-6444-93C1-EF2F2E65C714}" dt="2024-08-20T11:32:32.158" v="593" actId="20577"/>
+          <ac:spMkLst>
+            <pc:docMk/>
+            <pc:sldMk cId="2712193479" sldId="271"/>
+            <ac:spMk id="14" creationId="{042E4238-C41B-D73B-C28B-0B462803692E}"/>
+          </ac:spMkLst>
+        </pc:spChg>
+        <pc:spChg chg="mod">
+          <ac:chgData name="Tom Hoyland" userId="736d7a3e-93c7-4109-90c5-e67b8b3e41b2" providerId="ADAL" clId="{A4D346AA-F248-6444-93C1-EF2F2E65C714}" dt="2024-08-20T11:32:24.083" v="586" actId="20577"/>
+          <ac:spMkLst>
+            <pc:docMk/>
+            <pc:sldMk cId="2712193479" sldId="271"/>
+            <ac:spMk id="16" creationId="{24D6D5B8-560A-7C70-9E81-B8EFB579F08E}"/>
+          </ac:spMkLst>
+        </pc:spChg>
+        <pc:spChg chg="mod">
+          <ac:chgData name="Tom Hoyland" userId="736d7a3e-93c7-4109-90c5-e67b8b3e41b2" providerId="ADAL" clId="{A4D346AA-F248-6444-93C1-EF2F2E65C714}" dt="2024-08-20T11:32:19.042" v="583" actId="20577"/>
+          <ac:spMkLst>
+            <pc:docMk/>
+            <pc:sldMk cId="2712193479" sldId="271"/>
+            <ac:spMk id="18" creationId="{F93BD877-DC0E-E976-9DE4-BE888B19CF0F}"/>
+          </ac:spMkLst>
+        </pc:spChg>
+        <pc:spChg chg="add mod">
+          <ac:chgData name="Tom Hoyland" userId="736d7a3e-93c7-4109-90c5-e67b8b3e41b2" providerId="ADAL" clId="{A4D346AA-F248-6444-93C1-EF2F2E65C714}" dt="2024-08-13T07:40:02.434" v="517" actId="1076"/>
+          <ac:spMkLst>
+            <pc:docMk/>
+            <pc:sldMk cId="2712193479" sldId="271"/>
+            <ac:spMk id="19" creationId="{9BC32168-0734-E7F4-DDAC-4419BE1ED0AC}"/>
+          </ac:spMkLst>
+        </pc:spChg>
+        <pc:spChg chg="add mod">
+          <ac:chgData name="Tom Hoyland" userId="736d7a3e-93c7-4109-90c5-e67b8b3e41b2" providerId="ADAL" clId="{A4D346AA-F248-6444-93C1-EF2F2E65C714}" dt="2024-08-13T07:40:02.434" v="517" actId="1076"/>
+          <ac:spMkLst>
+            <pc:docMk/>
+            <pc:sldMk cId="2712193479" sldId="271"/>
+            <ac:spMk id="20" creationId="{69D48872-11CB-3A33-9C96-131727D0AB45}"/>
+          </ac:spMkLst>
+        </pc:spChg>
+        <pc:spChg chg="add del mod">
+          <ac:chgData name="Tom Hoyland" userId="736d7a3e-93c7-4109-90c5-e67b8b3e41b2" providerId="ADAL" clId="{A4D346AA-F248-6444-93C1-EF2F2E65C714}" dt="2024-08-13T07:33:28.075" v="157" actId="478"/>
+          <ac:spMkLst>
+            <pc:docMk/>
+            <pc:sldMk cId="2712193479" sldId="271"/>
+            <ac:spMk id="23" creationId="{97374FD9-56B1-BD38-01AD-42A8332B8E26}"/>
+          </ac:spMkLst>
+        </pc:spChg>
+        <pc:spChg chg="add mod">
+          <ac:chgData name="Tom Hoyland" userId="736d7a3e-93c7-4109-90c5-e67b8b3e41b2" providerId="ADAL" clId="{A4D346AA-F248-6444-93C1-EF2F2E65C714}" dt="2024-08-13T07:40:02.434" v="517" actId="1076"/>
+          <ac:spMkLst>
+            <pc:docMk/>
+            <pc:sldMk cId="2712193479" sldId="271"/>
+            <ac:spMk id="24" creationId="{16C484F4-FF4B-D129-FAEA-02E2EC8CFE4D}"/>
+          </ac:spMkLst>
+        </pc:spChg>
+        <pc:spChg chg="add mod">
+          <ac:chgData name="Tom Hoyland" userId="736d7a3e-93c7-4109-90c5-e67b8b3e41b2" providerId="ADAL" clId="{A4D346AA-F248-6444-93C1-EF2F2E65C714}" dt="2024-08-13T07:40:02.434" v="517" actId="1076"/>
+          <ac:spMkLst>
+            <pc:docMk/>
+            <pc:sldMk cId="2712193479" sldId="271"/>
+            <ac:spMk id="25" creationId="{5772F33A-FAA4-6619-FC37-5A0C0D431A17}"/>
+          </ac:spMkLst>
+        </pc:spChg>
+        <pc:spChg chg="add mod">
+          <ac:chgData name="Tom Hoyland" userId="736d7a3e-93c7-4109-90c5-e67b8b3e41b2" providerId="ADAL" clId="{A4D346AA-F248-6444-93C1-EF2F2E65C714}" dt="2024-08-13T07:40:02.434" v="517" actId="1076"/>
+          <ac:spMkLst>
+            <pc:docMk/>
+            <pc:sldMk cId="2712193479" sldId="271"/>
+            <ac:spMk id="26" creationId="{8DB1EDB7-0892-A3F2-FB78-D990F034BD8D}"/>
+          </ac:spMkLst>
+        </pc:spChg>
+        <pc:spChg chg="add mod">
+          <ac:chgData name="Tom Hoyland" userId="736d7a3e-93c7-4109-90c5-e67b8b3e41b2" providerId="ADAL" clId="{A4D346AA-F248-6444-93C1-EF2F2E65C714}" dt="2024-08-13T07:40:02.434" v="517" actId="1076"/>
+          <ac:spMkLst>
+            <pc:docMk/>
+            <pc:sldMk cId="2712193479" sldId="271"/>
+            <ac:spMk id="27" creationId="{A82AA132-2F6D-308A-92C4-44C23B119428}"/>
+          </ac:spMkLst>
+        </pc:spChg>
+        <pc:spChg chg="mod">
+          <ac:chgData name="Tom Hoyland" userId="736d7a3e-93c7-4109-90c5-e67b8b3e41b2" providerId="ADAL" clId="{A4D346AA-F248-6444-93C1-EF2F2E65C714}" dt="2024-08-20T11:32:33.746" v="594" actId="20577"/>
+          <ac:spMkLst>
+            <pc:docMk/>
+            <pc:sldMk cId="2712193479" sldId="271"/>
+            <ac:spMk id="28" creationId="{5ACB057E-5EA7-0F53-3026-546099232574}"/>
+          </ac:spMkLst>
+        </pc:spChg>
+        <pc:spChg chg="mod">
+          <ac:chgData name="Tom Hoyland" userId="736d7a3e-93c7-4109-90c5-e67b8b3e41b2" providerId="ADAL" clId="{A4D346AA-F248-6444-93C1-EF2F2E65C714}" dt="2024-08-13T07:40:02.434" v="517" actId="1076"/>
+          <ac:spMkLst>
+            <pc:docMk/>
+            <pc:sldMk cId="2712193479" sldId="271"/>
+            <ac:spMk id="29" creationId="{73641E73-F1C1-EAD9-8C93-D55E7BD2CDF8}"/>
+          </ac:spMkLst>
+        </pc:spChg>
+        <pc:spChg chg="mod">
+          <ac:chgData name="Tom Hoyland" userId="736d7a3e-93c7-4109-90c5-e67b8b3e41b2" providerId="ADAL" clId="{A4D346AA-F248-6444-93C1-EF2F2E65C714}" dt="2024-08-13T07:40:02.434" v="517" actId="1076"/>
+          <ac:spMkLst>
+            <pc:docMk/>
+            <pc:sldMk cId="2712193479" sldId="271"/>
+            <ac:spMk id="30" creationId="{0E4E77C7-934A-84F8-113F-232F677D364F}"/>
+          </ac:spMkLst>
+        </pc:spChg>
+        <pc:spChg chg="mod">
+          <ac:chgData name="Tom Hoyland" userId="736d7a3e-93c7-4109-90c5-e67b8b3e41b2" providerId="ADAL" clId="{A4D346AA-F248-6444-93C1-EF2F2E65C714}" dt="2024-08-13T07:40:02.434" v="517" actId="1076"/>
+          <ac:spMkLst>
+            <pc:docMk/>
+            <pc:sldMk cId="2712193479" sldId="271"/>
+            <ac:spMk id="31" creationId="{18DF7356-8B91-65DC-8FE8-32BFE8F1A09C}"/>
+          </ac:spMkLst>
+        </pc:spChg>
+        <pc:spChg chg="mod">
+          <ac:chgData name="Tom Hoyland" userId="736d7a3e-93c7-4109-90c5-e67b8b3e41b2" providerId="ADAL" clId="{A4D346AA-F248-6444-93C1-EF2F2E65C714}" dt="2024-08-13T07:40:02.434" v="517" actId="1076"/>
+          <ac:spMkLst>
+            <pc:docMk/>
+            <pc:sldMk cId="2712193479" sldId="271"/>
+            <ac:spMk id="32" creationId="{CE0A2A4C-DC20-3B09-E6C1-86C7406F3E22}"/>
+          </ac:spMkLst>
+        </pc:spChg>
+        <pc:spChg chg="mod">
+          <ac:chgData name="Tom Hoyland" userId="736d7a3e-93c7-4109-90c5-e67b8b3e41b2" providerId="ADAL" clId="{A4D346AA-F248-6444-93C1-EF2F2E65C714}" dt="2024-08-13T07:40:02.434" v="517" actId="1076"/>
+          <ac:spMkLst>
+            <pc:docMk/>
+            <pc:sldMk cId="2712193479" sldId="271"/>
+            <ac:spMk id="33" creationId="{B0CF220A-8F25-72EA-707D-3F51885CA3B4}"/>
+          </ac:spMkLst>
+        </pc:spChg>
+        <pc:spChg chg="mod">
+          <ac:chgData name="Tom Hoyland" userId="736d7a3e-93c7-4109-90c5-e67b8b3e41b2" providerId="ADAL" clId="{A4D346AA-F248-6444-93C1-EF2F2E65C714}" dt="2024-08-13T07:40:02.434" v="517" actId="1076"/>
+          <ac:spMkLst>
+            <pc:docMk/>
+            <pc:sldMk cId="2712193479" sldId="271"/>
+            <ac:spMk id="34" creationId="{FD091573-20FC-A6D7-6867-DCE7669E0934}"/>
+          </ac:spMkLst>
+        </pc:spChg>
+        <pc:spChg chg="mod">
+          <ac:chgData name="Tom Hoyland" userId="736d7a3e-93c7-4109-90c5-e67b8b3e41b2" providerId="ADAL" clId="{A4D346AA-F248-6444-93C1-EF2F2E65C714}" dt="2024-08-13T07:40:02.434" v="517" actId="1076"/>
+          <ac:spMkLst>
+            <pc:docMk/>
+            <pc:sldMk cId="2712193479" sldId="271"/>
+            <ac:spMk id="35" creationId="{14C3540D-164D-0502-B9B3-99DA425B4CAA}"/>
+          </ac:spMkLst>
+        </pc:spChg>
+        <pc:spChg chg="mod">
+          <ac:chgData name="Tom Hoyland" userId="736d7a3e-93c7-4109-90c5-e67b8b3e41b2" providerId="ADAL" clId="{A4D346AA-F248-6444-93C1-EF2F2E65C714}" dt="2024-08-13T07:40:02.434" v="517" actId="1076"/>
+          <ac:spMkLst>
+            <pc:docMk/>
+            <pc:sldMk cId="2712193479" sldId="271"/>
+            <ac:spMk id="36" creationId="{E590E56E-C5E5-6786-556B-9FF43F6C6253}"/>
+          </ac:spMkLst>
+        </pc:spChg>
+        <pc:picChg chg="mod">
+          <ac:chgData name="Tom Hoyland" userId="736d7a3e-93c7-4109-90c5-e67b8b3e41b2" providerId="ADAL" clId="{A4D346AA-F248-6444-93C1-EF2F2E65C714}" dt="2024-08-13T07:40:02.434" v="517" actId="1076"/>
+          <ac:picMkLst>
+            <pc:docMk/>
+            <pc:sldMk cId="2712193479" sldId="271"/>
+            <ac:picMk id="5" creationId="{62116002-A9FA-E0AB-8E6A-8CEE2DB576CB}"/>
+          </ac:picMkLst>
+        </pc:picChg>
+        <pc:picChg chg="mod">
+          <ac:chgData name="Tom Hoyland" userId="736d7a3e-93c7-4109-90c5-e67b8b3e41b2" providerId="ADAL" clId="{A4D346AA-F248-6444-93C1-EF2F2E65C714}" dt="2024-08-13T07:40:02.434" v="517" actId="1076"/>
+          <ac:picMkLst>
+            <pc:docMk/>
+            <pc:sldMk cId="2712193479" sldId="271"/>
+            <ac:picMk id="6" creationId="{06F97ED0-2646-B792-8B99-24400765AE9E}"/>
+          </ac:picMkLst>
+        </pc:picChg>
+        <pc:picChg chg="mod">
+          <ac:chgData name="Tom Hoyland" userId="736d7a3e-93c7-4109-90c5-e67b8b3e41b2" providerId="ADAL" clId="{A4D346AA-F248-6444-93C1-EF2F2E65C714}" dt="2024-08-13T07:40:02.434" v="517" actId="1076"/>
+          <ac:picMkLst>
+            <pc:docMk/>
+            <pc:sldMk cId="2712193479" sldId="271"/>
+            <ac:picMk id="7" creationId="{D006BE89-01FB-EFD8-A0B0-468CE5796739}"/>
+          </ac:picMkLst>
+        </pc:picChg>
+        <pc:picChg chg="mod">
+          <ac:chgData name="Tom Hoyland" userId="736d7a3e-93c7-4109-90c5-e67b8b3e41b2" providerId="ADAL" clId="{A4D346AA-F248-6444-93C1-EF2F2E65C714}" dt="2024-08-13T07:40:02.434" v="517" actId="1076"/>
+          <ac:picMkLst>
+            <pc:docMk/>
+            <pc:sldMk cId="2712193479" sldId="271"/>
+            <ac:picMk id="9" creationId="{08B66EBF-2D1E-6E8B-FCBD-479EDE455568}"/>
+          </ac:picMkLst>
+        </pc:picChg>
+        <pc:picChg chg="mod">
+          <ac:chgData name="Tom Hoyland" userId="736d7a3e-93c7-4109-90c5-e67b8b3e41b2" providerId="ADAL" clId="{A4D346AA-F248-6444-93C1-EF2F2E65C714}" dt="2024-08-13T07:40:02.434" v="517" actId="1076"/>
+          <ac:picMkLst>
+            <pc:docMk/>
+            <pc:sldMk cId="2712193479" sldId="271"/>
+            <ac:picMk id="12" creationId="{0AF8A365-1CA9-E91D-685E-C97FBF85A01F}"/>
+          </ac:picMkLst>
+        </pc:picChg>
+        <pc:picChg chg="mod">
+          <ac:chgData name="Tom Hoyland" userId="736d7a3e-93c7-4109-90c5-e67b8b3e41b2" providerId="ADAL" clId="{A4D346AA-F248-6444-93C1-EF2F2E65C714}" dt="2024-08-13T07:40:02.434" v="517" actId="1076"/>
+          <ac:picMkLst>
+            <pc:docMk/>
+            <pc:sldMk cId="2712193479" sldId="271"/>
+            <ac:picMk id="15" creationId="{C1E2E61F-6957-C476-802C-DAA4E8E3D8FC}"/>
+          </ac:picMkLst>
+        </pc:picChg>
+        <pc:picChg chg="mod">
+          <ac:chgData name="Tom Hoyland" userId="736d7a3e-93c7-4109-90c5-e67b8b3e41b2" providerId="ADAL" clId="{A4D346AA-F248-6444-93C1-EF2F2E65C714}" dt="2024-08-13T07:40:02.434" v="517" actId="1076"/>
+          <ac:picMkLst>
+            <pc:docMk/>
+            <pc:sldMk cId="2712193479" sldId="271"/>
+            <ac:picMk id="17" creationId="{0F35D7D0-03F8-0064-B5AC-20BCCD3C6C55}"/>
+          </ac:picMkLst>
+        </pc:picChg>
+        <pc:picChg chg="mod">
+          <ac:chgData name="Tom Hoyland" userId="736d7a3e-93c7-4109-90c5-e67b8b3e41b2" providerId="ADAL" clId="{A4D346AA-F248-6444-93C1-EF2F2E65C714}" dt="2024-08-13T07:40:02.434" v="517" actId="1076"/>
+          <ac:picMkLst>
+            <pc:docMk/>
+            <pc:sldMk cId="2712193479" sldId="271"/>
+            <ac:picMk id="21" creationId="{75F00680-C90D-0C50-BAEB-68DD9870452B}"/>
+          </ac:picMkLst>
+        </pc:picChg>
+      </pc:sldChg>
+      <pc:sldChg chg="addSp modSp add mod ord">
+        <pc:chgData name="Tom Hoyland" userId="736d7a3e-93c7-4109-90c5-e67b8b3e41b2" providerId="ADAL" clId="{A4D346AA-F248-6444-93C1-EF2F2E65C714}" dt="2024-08-20T11:33:24.572" v="664" actId="404"/>
+        <pc:sldMkLst>
+          <pc:docMk/>
+          <pc:sldMk cId="248048730" sldId="272"/>
+        </pc:sldMkLst>
+        <pc:spChg chg="add mod">
+          <ac:chgData name="Tom Hoyland" userId="736d7a3e-93c7-4109-90c5-e67b8b3e41b2" providerId="ADAL" clId="{A4D346AA-F248-6444-93C1-EF2F2E65C714}" dt="2024-08-20T11:33:24.572" v="664" actId="404"/>
+          <ac:spMkLst>
+            <pc:docMk/>
+            <pc:sldMk cId="248048730" sldId="272"/>
+            <ac:spMk id="2" creationId="{DE49AD4B-7FB7-DB4B-1892-2174BDB55FDC}"/>
+          </ac:spMkLst>
+        </pc:spChg>
+        <pc:spChg chg="mod">
+          <ac:chgData name="Tom Hoyland" userId="736d7a3e-93c7-4109-90c5-e67b8b3e41b2" providerId="ADAL" clId="{A4D346AA-F248-6444-93C1-EF2F2E65C714}" dt="2024-08-20T11:33:03.837" v="628" actId="1036"/>
+          <ac:spMkLst>
+            <pc:docMk/>
+            <pc:sldMk cId="248048730" sldId="272"/>
+            <ac:spMk id="3" creationId="{213F28A4-07ED-C70E-C1A5-0B32C5A7DD8D}"/>
+          </ac:spMkLst>
+        </pc:spChg>
+        <pc:spChg chg="mod">
+          <ac:chgData name="Tom Hoyland" userId="736d7a3e-93c7-4109-90c5-e67b8b3e41b2" providerId="ADAL" clId="{A4D346AA-F248-6444-93C1-EF2F2E65C714}" dt="2024-08-20T11:33:03.837" v="628" actId="1036"/>
+          <ac:spMkLst>
+            <pc:docMk/>
+            <pc:sldMk cId="248048730" sldId="272"/>
+            <ac:spMk id="4" creationId="{DD555481-A9B5-D5E1-1F1B-EF8ED78D5CD8}"/>
+          </ac:spMkLst>
+        </pc:spChg>
+        <pc:spChg chg="mod">
+          <ac:chgData name="Tom Hoyland" userId="736d7a3e-93c7-4109-90c5-e67b8b3e41b2" providerId="ADAL" clId="{A4D346AA-F248-6444-93C1-EF2F2E65C714}" dt="2024-08-20T11:33:03.837" v="628" actId="1036"/>
+          <ac:spMkLst>
+            <pc:docMk/>
+            <pc:sldMk cId="248048730" sldId="272"/>
+            <ac:spMk id="8" creationId="{AEAF102F-143D-76EF-DF6D-8B165519A4A4}"/>
+          </ac:spMkLst>
+        </pc:spChg>
+        <pc:spChg chg="mod">
+          <ac:chgData name="Tom Hoyland" userId="736d7a3e-93c7-4109-90c5-e67b8b3e41b2" providerId="ADAL" clId="{A4D346AA-F248-6444-93C1-EF2F2E65C714}" dt="2024-08-20T11:33:03.837" v="628" actId="1036"/>
+          <ac:spMkLst>
+            <pc:docMk/>
+            <pc:sldMk cId="248048730" sldId="272"/>
+            <ac:spMk id="10" creationId="{4AFC90E1-B3DD-B446-A88F-D3102C4BE49F}"/>
+          </ac:spMkLst>
+        </pc:spChg>
+        <pc:spChg chg="mod">
+          <ac:chgData name="Tom Hoyland" userId="736d7a3e-93c7-4109-90c5-e67b8b3e41b2" providerId="ADAL" clId="{A4D346AA-F248-6444-93C1-EF2F2E65C714}" dt="2024-08-20T11:33:03.837" v="628" actId="1036"/>
+          <ac:spMkLst>
+            <pc:docMk/>
+            <pc:sldMk cId="248048730" sldId="272"/>
+            <ac:spMk id="11" creationId="{06C0DA98-AF63-8C25-12CC-42A79D849F04}"/>
+          </ac:spMkLst>
+        </pc:spChg>
+        <pc:spChg chg="mod">
+          <ac:chgData name="Tom Hoyland" userId="736d7a3e-93c7-4109-90c5-e67b8b3e41b2" providerId="ADAL" clId="{A4D346AA-F248-6444-93C1-EF2F2E65C714}" dt="2024-08-20T11:33:03.837" v="628" actId="1036"/>
+          <ac:spMkLst>
+            <pc:docMk/>
+            <pc:sldMk cId="248048730" sldId="272"/>
+            <ac:spMk id="13" creationId="{6D7F7EC6-1E57-62EB-8CD1-03BE4F5ADDED}"/>
+          </ac:spMkLst>
+        </pc:spChg>
+        <pc:spChg chg="mod">
+          <ac:chgData name="Tom Hoyland" userId="736d7a3e-93c7-4109-90c5-e67b8b3e41b2" providerId="ADAL" clId="{A4D346AA-F248-6444-93C1-EF2F2E65C714}" dt="2024-08-20T11:33:03.837" v="628" actId="1036"/>
+          <ac:spMkLst>
+            <pc:docMk/>
+            <pc:sldMk cId="248048730" sldId="272"/>
+            <ac:spMk id="14" creationId="{C264D8AC-B086-B921-85C6-5AF1DD6AD8DE}"/>
+          </ac:spMkLst>
+        </pc:spChg>
+        <pc:spChg chg="mod">
+          <ac:chgData name="Tom Hoyland" userId="736d7a3e-93c7-4109-90c5-e67b8b3e41b2" providerId="ADAL" clId="{A4D346AA-F248-6444-93C1-EF2F2E65C714}" dt="2024-08-20T11:33:03.837" v="628" actId="1036"/>
+          <ac:spMkLst>
+            <pc:docMk/>
+            <pc:sldMk cId="248048730" sldId="272"/>
+            <ac:spMk id="16" creationId="{E4800468-3CA0-2964-AA62-A3AA15AEBB24}"/>
+          </ac:spMkLst>
+        </pc:spChg>
+        <pc:spChg chg="mod">
+          <ac:chgData name="Tom Hoyland" userId="736d7a3e-93c7-4109-90c5-e67b8b3e41b2" providerId="ADAL" clId="{A4D346AA-F248-6444-93C1-EF2F2E65C714}" dt="2024-08-20T11:33:03.837" v="628" actId="1036"/>
+          <ac:spMkLst>
+            <pc:docMk/>
+            <pc:sldMk cId="248048730" sldId="272"/>
+            <ac:spMk id="18" creationId="{63271C5F-2656-11FB-BDA0-F18F429D4AB8}"/>
+          </ac:spMkLst>
+        </pc:spChg>
+        <pc:spChg chg="mod">
+          <ac:chgData name="Tom Hoyland" userId="736d7a3e-93c7-4109-90c5-e67b8b3e41b2" providerId="ADAL" clId="{A4D346AA-F248-6444-93C1-EF2F2E65C714}" dt="2024-08-20T11:33:03.837" v="628" actId="1036"/>
+          <ac:spMkLst>
+            <pc:docMk/>
+            <pc:sldMk cId="248048730" sldId="272"/>
+            <ac:spMk id="19" creationId="{70929939-537B-C447-115E-FED5AF8357AE}"/>
+          </ac:spMkLst>
+        </pc:spChg>
+        <pc:spChg chg="mod">
+          <ac:chgData name="Tom Hoyland" userId="736d7a3e-93c7-4109-90c5-e67b8b3e41b2" providerId="ADAL" clId="{A4D346AA-F248-6444-93C1-EF2F2E65C714}" dt="2024-08-20T11:33:03.837" v="628" actId="1036"/>
+          <ac:spMkLst>
+            <pc:docMk/>
+            <pc:sldMk cId="248048730" sldId="272"/>
+            <ac:spMk id="20" creationId="{59B90136-C70C-1F8D-144A-B8DAA91E8BFF}"/>
+          </ac:spMkLst>
+        </pc:spChg>
+        <pc:spChg chg="mod">
+          <ac:chgData name="Tom Hoyland" userId="736d7a3e-93c7-4109-90c5-e67b8b3e41b2" providerId="ADAL" clId="{A4D346AA-F248-6444-93C1-EF2F2E65C714}" dt="2024-08-20T11:33:03.837" v="628" actId="1036"/>
+          <ac:spMkLst>
+            <pc:docMk/>
+            <pc:sldMk cId="248048730" sldId="272"/>
+            <ac:spMk id="24" creationId="{58A0E144-52CD-ECF3-042B-7992A86DA18B}"/>
+          </ac:spMkLst>
+        </pc:spChg>
+        <pc:spChg chg="mod">
+          <ac:chgData name="Tom Hoyland" userId="736d7a3e-93c7-4109-90c5-e67b8b3e41b2" providerId="ADAL" clId="{A4D346AA-F248-6444-93C1-EF2F2E65C714}" dt="2024-08-20T11:33:03.837" v="628" actId="1036"/>
+          <ac:spMkLst>
+            <pc:docMk/>
+            <pc:sldMk cId="248048730" sldId="272"/>
+            <ac:spMk id="25" creationId="{38DEAD3F-0B7F-2B20-993E-A2B1F014B1CD}"/>
+          </ac:spMkLst>
+        </pc:spChg>
+        <pc:spChg chg="mod">
+          <ac:chgData name="Tom Hoyland" userId="736d7a3e-93c7-4109-90c5-e67b8b3e41b2" providerId="ADAL" clId="{A4D346AA-F248-6444-93C1-EF2F2E65C714}" dt="2024-08-20T11:33:03.837" v="628" actId="1036"/>
+          <ac:spMkLst>
+            <pc:docMk/>
+            <pc:sldMk cId="248048730" sldId="272"/>
+            <ac:spMk id="26" creationId="{3A945144-0789-5A0E-FC67-42CABE016FCE}"/>
+          </ac:spMkLst>
+        </pc:spChg>
+        <pc:spChg chg="mod">
+          <ac:chgData name="Tom Hoyland" userId="736d7a3e-93c7-4109-90c5-e67b8b3e41b2" providerId="ADAL" clId="{A4D346AA-F248-6444-93C1-EF2F2E65C714}" dt="2024-08-20T11:33:03.837" v="628" actId="1036"/>
+          <ac:spMkLst>
+            <pc:docMk/>
+            <pc:sldMk cId="248048730" sldId="272"/>
+            <ac:spMk id="27" creationId="{CCBC6816-D39B-700B-F344-1B0D25A1449C}"/>
+          </ac:spMkLst>
+        </pc:spChg>
+        <pc:spChg chg="mod">
+          <ac:chgData name="Tom Hoyland" userId="736d7a3e-93c7-4109-90c5-e67b8b3e41b2" providerId="ADAL" clId="{A4D346AA-F248-6444-93C1-EF2F2E65C714}" dt="2024-08-20T11:33:03.837" v="628" actId="1036"/>
+          <ac:spMkLst>
+            <pc:docMk/>
+            <pc:sldMk cId="248048730" sldId="272"/>
+            <ac:spMk id="28" creationId="{5A0B0504-FBD2-ED5A-4F3B-787A8587C05A}"/>
+          </ac:spMkLst>
+        </pc:spChg>
+        <pc:spChg chg="mod">
+          <ac:chgData name="Tom Hoyland" userId="736d7a3e-93c7-4109-90c5-e67b8b3e41b2" providerId="ADAL" clId="{A4D346AA-F248-6444-93C1-EF2F2E65C714}" dt="2024-08-20T11:33:03.837" v="628" actId="1036"/>
+          <ac:spMkLst>
+            <pc:docMk/>
+            <pc:sldMk cId="248048730" sldId="272"/>
+            <ac:spMk id="29" creationId="{68B58E08-22AA-A82B-48BD-73CAD4C99992}"/>
+          </ac:spMkLst>
+        </pc:spChg>
+        <pc:spChg chg="mod">
+          <ac:chgData name="Tom Hoyland" userId="736d7a3e-93c7-4109-90c5-e67b8b3e41b2" providerId="ADAL" clId="{A4D346AA-F248-6444-93C1-EF2F2E65C714}" dt="2024-08-20T11:33:03.837" v="628" actId="1036"/>
+          <ac:spMkLst>
+            <pc:docMk/>
+            <pc:sldMk cId="248048730" sldId="272"/>
+            <ac:spMk id="30" creationId="{DEFE14F4-97D1-71EF-B066-BF208197EC0B}"/>
+          </ac:spMkLst>
+        </pc:spChg>
+        <pc:spChg chg="mod">
+          <ac:chgData name="Tom Hoyland" userId="736d7a3e-93c7-4109-90c5-e67b8b3e41b2" providerId="ADAL" clId="{A4D346AA-F248-6444-93C1-EF2F2E65C714}" dt="2024-08-20T11:33:03.837" v="628" actId="1036"/>
+          <ac:spMkLst>
+            <pc:docMk/>
+            <pc:sldMk cId="248048730" sldId="272"/>
+            <ac:spMk id="31" creationId="{8D8F7CEF-134A-D3DA-8445-5A753AB0F80F}"/>
+          </ac:spMkLst>
+        </pc:spChg>
+        <pc:spChg chg="mod">
+          <ac:chgData name="Tom Hoyland" userId="736d7a3e-93c7-4109-90c5-e67b8b3e41b2" providerId="ADAL" clId="{A4D346AA-F248-6444-93C1-EF2F2E65C714}" dt="2024-08-20T11:33:03.837" v="628" actId="1036"/>
+          <ac:spMkLst>
+            <pc:docMk/>
+            <pc:sldMk cId="248048730" sldId="272"/>
+            <ac:spMk id="32" creationId="{5057154F-7DCF-A223-0510-F25D7FD2EE6A}"/>
+          </ac:spMkLst>
+        </pc:spChg>
+        <pc:spChg chg="mod">
+          <ac:chgData name="Tom Hoyland" userId="736d7a3e-93c7-4109-90c5-e67b8b3e41b2" providerId="ADAL" clId="{A4D346AA-F248-6444-93C1-EF2F2E65C714}" dt="2024-08-20T11:33:03.837" v="628" actId="1036"/>
+          <ac:spMkLst>
+            <pc:docMk/>
+            <pc:sldMk cId="248048730" sldId="272"/>
+            <ac:spMk id="33" creationId="{E0D8722E-83A8-C310-122A-30EA2816860E}"/>
+          </ac:spMkLst>
+        </pc:spChg>
+        <pc:spChg chg="mod">
+          <ac:chgData name="Tom Hoyland" userId="736d7a3e-93c7-4109-90c5-e67b8b3e41b2" providerId="ADAL" clId="{A4D346AA-F248-6444-93C1-EF2F2E65C714}" dt="2024-08-20T11:33:03.837" v="628" actId="1036"/>
+          <ac:spMkLst>
+            <pc:docMk/>
+            <pc:sldMk cId="248048730" sldId="272"/>
+            <ac:spMk id="34" creationId="{27018EDB-C14A-2175-DA20-52AE83F8940E}"/>
+          </ac:spMkLst>
+        </pc:spChg>
+        <pc:spChg chg="mod">
+          <ac:chgData name="Tom Hoyland" userId="736d7a3e-93c7-4109-90c5-e67b8b3e41b2" providerId="ADAL" clId="{A4D346AA-F248-6444-93C1-EF2F2E65C714}" dt="2024-08-20T11:33:03.837" v="628" actId="1036"/>
+          <ac:spMkLst>
+            <pc:docMk/>
+            <pc:sldMk cId="248048730" sldId="272"/>
+            <ac:spMk id="35" creationId="{64BD6B3C-21B9-94EB-9163-4D7A83A4A297}"/>
+          </ac:spMkLst>
+        </pc:spChg>
+        <pc:spChg chg="mod">
+          <ac:chgData name="Tom Hoyland" userId="736d7a3e-93c7-4109-90c5-e67b8b3e41b2" providerId="ADAL" clId="{A4D346AA-F248-6444-93C1-EF2F2E65C714}" dt="2024-08-20T11:33:03.837" v="628" actId="1036"/>
+          <ac:spMkLst>
+            <pc:docMk/>
+            <pc:sldMk cId="248048730" sldId="272"/>
+            <ac:spMk id="36" creationId="{965DF994-D945-F5CF-02B0-6FD96B778267}"/>
+          </ac:spMkLst>
+        </pc:spChg>
+        <pc:picChg chg="mod">
+          <ac:chgData name="Tom Hoyland" userId="736d7a3e-93c7-4109-90c5-e67b8b3e41b2" providerId="ADAL" clId="{A4D346AA-F248-6444-93C1-EF2F2E65C714}" dt="2024-08-20T11:33:03.837" v="628" actId="1036"/>
+          <ac:picMkLst>
+            <pc:docMk/>
+            <pc:sldMk cId="248048730" sldId="272"/>
+            <ac:picMk id="5" creationId="{6322FBD9-FD8F-9C95-2729-127E6A05B844}"/>
+          </ac:picMkLst>
+        </pc:picChg>
+        <pc:picChg chg="mod">
+          <ac:chgData name="Tom Hoyland" userId="736d7a3e-93c7-4109-90c5-e67b8b3e41b2" providerId="ADAL" clId="{A4D346AA-F248-6444-93C1-EF2F2E65C714}" dt="2024-08-20T11:33:03.837" v="628" actId="1036"/>
+          <ac:picMkLst>
+            <pc:docMk/>
+            <pc:sldMk cId="248048730" sldId="272"/>
+            <ac:picMk id="6" creationId="{2BE0E3B7-67DB-7D22-62F7-F28225398F7E}"/>
+          </ac:picMkLst>
+        </pc:picChg>
+        <pc:picChg chg="mod">
+          <ac:chgData name="Tom Hoyland" userId="736d7a3e-93c7-4109-90c5-e67b8b3e41b2" providerId="ADAL" clId="{A4D346AA-F248-6444-93C1-EF2F2E65C714}" dt="2024-08-20T11:33:03.837" v="628" actId="1036"/>
+          <ac:picMkLst>
+            <pc:docMk/>
+            <pc:sldMk cId="248048730" sldId="272"/>
+            <ac:picMk id="7" creationId="{4025EFFD-6B77-7453-3202-61E018612DB9}"/>
+          </ac:picMkLst>
+        </pc:picChg>
+        <pc:picChg chg="mod">
+          <ac:chgData name="Tom Hoyland" userId="736d7a3e-93c7-4109-90c5-e67b8b3e41b2" providerId="ADAL" clId="{A4D346AA-F248-6444-93C1-EF2F2E65C714}" dt="2024-08-20T11:33:03.837" v="628" actId="1036"/>
+          <ac:picMkLst>
+            <pc:docMk/>
+            <pc:sldMk cId="248048730" sldId="272"/>
+            <ac:picMk id="9" creationId="{AFD2E46D-615E-B65D-1188-F2A6AB1738D7}"/>
+          </ac:picMkLst>
+        </pc:picChg>
+        <pc:picChg chg="mod">
+          <ac:chgData name="Tom Hoyland" userId="736d7a3e-93c7-4109-90c5-e67b8b3e41b2" providerId="ADAL" clId="{A4D346AA-F248-6444-93C1-EF2F2E65C714}" dt="2024-08-20T11:33:03.837" v="628" actId="1036"/>
+          <ac:picMkLst>
+            <pc:docMk/>
+            <pc:sldMk cId="248048730" sldId="272"/>
+            <ac:picMk id="12" creationId="{5C0C4BE6-1C53-E473-95EA-95C0F5CF1564}"/>
+          </ac:picMkLst>
+        </pc:picChg>
+        <pc:picChg chg="mod">
+          <ac:chgData name="Tom Hoyland" userId="736d7a3e-93c7-4109-90c5-e67b8b3e41b2" providerId="ADAL" clId="{A4D346AA-F248-6444-93C1-EF2F2E65C714}" dt="2024-08-20T11:33:03.837" v="628" actId="1036"/>
+          <ac:picMkLst>
+            <pc:docMk/>
+            <pc:sldMk cId="248048730" sldId="272"/>
+            <ac:picMk id="15" creationId="{1A85A53A-A4EB-808E-BCEA-EEBBAB52ECBA}"/>
+          </ac:picMkLst>
+        </pc:picChg>
+        <pc:picChg chg="mod">
+          <ac:chgData name="Tom Hoyland" userId="736d7a3e-93c7-4109-90c5-e67b8b3e41b2" providerId="ADAL" clId="{A4D346AA-F248-6444-93C1-EF2F2E65C714}" dt="2024-08-20T11:33:03.837" v="628" actId="1036"/>
+          <ac:picMkLst>
+            <pc:docMk/>
+            <pc:sldMk cId="248048730" sldId="272"/>
+            <ac:picMk id="17" creationId="{0FE1B1AD-E962-2850-8199-8B489F405D39}"/>
+          </ac:picMkLst>
+        </pc:picChg>
+        <pc:picChg chg="mod">
+          <ac:chgData name="Tom Hoyland" userId="736d7a3e-93c7-4109-90c5-e67b8b3e41b2" providerId="ADAL" clId="{A4D346AA-F248-6444-93C1-EF2F2E65C714}" dt="2024-08-20T11:33:03.837" v="628" actId="1036"/>
+          <ac:picMkLst>
+            <pc:docMk/>
+            <pc:sldMk cId="248048730" sldId="272"/>
+            <ac:picMk id="21" creationId="{177349E7-5A4C-46C5-B5B8-4980C12E809F}"/>
+          </ac:picMkLst>
+        </pc:picChg>
+      </pc:sldChg>
+    </pc:docChg>
+  </pc:docChgLst>
+  <pc:docChgLst>
     <pc:chgData name="Tom Hoyland" userId="S::tom.hoyland2@flutteruki.com::736d7a3e-93c7-4109-90c5-e67b8b3e41b2" providerId="AD" clId="Web-{F19ABF11-EF07-D527-F7BB-E1FE47E9926D}"/>
     <pc:docChg chg="modSld">
       <pc:chgData name="Tom Hoyland" userId="S::tom.hoyland2@flutteruki.com::736d7a3e-93c7-4109-90c5-e67b8b3e41b2" providerId="AD" clId="Web-{F19ABF11-EF07-D527-F7BB-E1FE47E9926D}" dt="2024-08-01T14:32:23.491" v="527"/>
@@ -280,803 +1077,6 @@
             </pc226:cmChg>
           </p:ext>
         </pc:extLst>
-      </pc:sldChg>
-    </pc:docChg>
-  </pc:docChgLst>
-  <pc:docChgLst>
-    <pc:chgData name="Tom Hoyland" userId="736d7a3e-93c7-4109-90c5-e67b8b3e41b2" providerId="ADAL" clId="{A4D346AA-F248-6444-93C1-EF2F2E65C714}"/>
-    <pc:docChg chg="undo custSel addSld delSld modSld sldOrd">
-      <pc:chgData name="Tom Hoyland" userId="736d7a3e-93c7-4109-90c5-e67b8b3e41b2" providerId="ADAL" clId="{A4D346AA-F248-6444-93C1-EF2F2E65C714}" dt="2024-08-20T11:33:24.572" v="664" actId="404"/>
-      <pc:docMkLst>
-        <pc:docMk/>
-      </pc:docMkLst>
-      <pc:sldChg chg="addSp delSp modSp mod">
-        <pc:chgData name="Tom Hoyland" userId="736d7a3e-93c7-4109-90c5-e67b8b3e41b2" providerId="ADAL" clId="{A4D346AA-F248-6444-93C1-EF2F2E65C714}" dt="2024-08-20T10:35:24.927" v="523" actId="1076"/>
-        <pc:sldMkLst>
-          <pc:docMk/>
-          <pc:sldMk cId="215971509" sldId="258"/>
-        </pc:sldMkLst>
-        <pc:spChg chg="add del mod">
-          <ac:chgData name="Tom Hoyland" userId="736d7a3e-93c7-4109-90c5-e67b8b3e41b2" providerId="ADAL" clId="{A4D346AA-F248-6444-93C1-EF2F2E65C714}" dt="2024-08-20T10:35:16.759" v="521"/>
-          <ac:spMkLst>
-            <pc:docMk/>
-            <pc:sldMk cId="215971509" sldId="258"/>
-            <ac:spMk id="2" creationId="{13C5DC61-1188-B764-894D-18FA2653502D}"/>
-          </ac:spMkLst>
-        </pc:spChg>
-        <pc:graphicFrameChg chg="mod modGraphic">
-          <ac:chgData name="Tom Hoyland" userId="736d7a3e-93c7-4109-90c5-e67b8b3e41b2" providerId="ADAL" clId="{A4D346AA-F248-6444-93C1-EF2F2E65C714}" dt="2024-08-20T10:35:24.927" v="523" actId="1076"/>
-          <ac:graphicFrameMkLst>
-            <pc:docMk/>
-            <pc:sldMk cId="215971509" sldId="258"/>
-            <ac:graphicFrameMk id="4" creationId="{2C24AB31-CFE6-05B1-A05C-CB4B8F5125D5}"/>
-          </ac:graphicFrameMkLst>
-        </pc:graphicFrameChg>
-      </pc:sldChg>
-      <pc:sldChg chg="addSp delSp modSp del mod">
-        <pc:chgData name="Tom Hoyland" userId="736d7a3e-93c7-4109-90c5-e67b8b3e41b2" providerId="ADAL" clId="{A4D346AA-F248-6444-93C1-EF2F2E65C714}" dt="2024-08-20T11:32:51.918" v="598" actId="2696"/>
-        <pc:sldMkLst>
-          <pc:docMk/>
-          <pc:sldMk cId="1551894915" sldId="261"/>
-        </pc:sldMkLst>
-        <pc:spChg chg="del">
-          <ac:chgData name="Tom Hoyland" userId="736d7a3e-93c7-4109-90c5-e67b8b3e41b2" providerId="ADAL" clId="{A4D346AA-F248-6444-93C1-EF2F2E65C714}" dt="2024-08-20T11:32:39.566" v="595" actId="478"/>
-          <ac:spMkLst>
-            <pc:docMk/>
-            <pc:sldMk cId="1551894915" sldId="261"/>
-            <ac:spMk id="2" creationId="{60114F5B-200D-5E80-5596-D97099667249}"/>
-          </ac:spMkLst>
-        </pc:spChg>
-        <pc:spChg chg="add mod">
-          <ac:chgData name="Tom Hoyland" userId="736d7a3e-93c7-4109-90c5-e67b8b3e41b2" providerId="ADAL" clId="{A4D346AA-F248-6444-93C1-EF2F2E65C714}" dt="2024-08-20T11:32:39.566" v="595" actId="478"/>
-          <ac:spMkLst>
-            <pc:docMk/>
-            <pc:sldMk cId="1551894915" sldId="261"/>
-            <ac:spMk id="4" creationId="{D965E8EF-04AD-6DBB-D01A-5F2B61C6026F}"/>
-          </ac:spMkLst>
-        </pc:spChg>
-        <pc:spChg chg="del">
-          <ac:chgData name="Tom Hoyland" userId="736d7a3e-93c7-4109-90c5-e67b8b3e41b2" providerId="ADAL" clId="{A4D346AA-F248-6444-93C1-EF2F2E65C714}" dt="2024-08-20T11:32:39.566" v="595" actId="478"/>
-          <ac:spMkLst>
-            <pc:docMk/>
-            <pc:sldMk cId="1551894915" sldId="261"/>
-            <ac:spMk id="8" creationId="{8CDDB97D-A02F-8254-5432-E930CF01E0FC}"/>
-          </ac:spMkLst>
-        </pc:spChg>
-        <pc:spChg chg="del">
-          <ac:chgData name="Tom Hoyland" userId="736d7a3e-93c7-4109-90c5-e67b8b3e41b2" providerId="ADAL" clId="{A4D346AA-F248-6444-93C1-EF2F2E65C714}" dt="2024-08-20T11:32:39.566" v="595" actId="478"/>
-          <ac:spMkLst>
-            <pc:docMk/>
-            <pc:sldMk cId="1551894915" sldId="261"/>
-            <ac:spMk id="10" creationId="{C258F823-7B51-957A-9C20-93136D988928}"/>
-          </ac:spMkLst>
-        </pc:spChg>
-        <pc:spChg chg="del">
-          <ac:chgData name="Tom Hoyland" userId="736d7a3e-93c7-4109-90c5-e67b8b3e41b2" providerId="ADAL" clId="{A4D346AA-F248-6444-93C1-EF2F2E65C714}" dt="2024-08-20T11:32:39.566" v="595" actId="478"/>
-          <ac:spMkLst>
-            <pc:docMk/>
-            <pc:sldMk cId="1551894915" sldId="261"/>
-            <ac:spMk id="11" creationId="{706FB268-040E-2102-1308-B242A93B903A}"/>
-          </ac:spMkLst>
-        </pc:spChg>
-        <pc:spChg chg="del">
-          <ac:chgData name="Tom Hoyland" userId="736d7a3e-93c7-4109-90c5-e67b8b3e41b2" providerId="ADAL" clId="{A4D346AA-F248-6444-93C1-EF2F2E65C714}" dt="2024-08-20T11:32:39.566" v="595" actId="478"/>
-          <ac:spMkLst>
-            <pc:docMk/>
-            <pc:sldMk cId="1551894915" sldId="261"/>
-            <ac:spMk id="13" creationId="{380E85BC-FF65-970E-3CDA-C005D8E7882F}"/>
-          </ac:spMkLst>
-        </pc:spChg>
-        <pc:spChg chg="del">
-          <ac:chgData name="Tom Hoyland" userId="736d7a3e-93c7-4109-90c5-e67b8b3e41b2" providerId="ADAL" clId="{A4D346AA-F248-6444-93C1-EF2F2E65C714}" dt="2024-08-20T11:32:39.566" v="595" actId="478"/>
-          <ac:spMkLst>
-            <pc:docMk/>
-            <pc:sldMk cId="1551894915" sldId="261"/>
-            <ac:spMk id="14" creationId="{042E4238-C41B-D73B-C28B-0B462803692E}"/>
-          </ac:spMkLst>
-        </pc:spChg>
-        <pc:spChg chg="del">
-          <ac:chgData name="Tom Hoyland" userId="736d7a3e-93c7-4109-90c5-e67b8b3e41b2" providerId="ADAL" clId="{A4D346AA-F248-6444-93C1-EF2F2E65C714}" dt="2024-08-20T11:32:39.566" v="595" actId="478"/>
-          <ac:spMkLst>
-            <pc:docMk/>
-            <pc:sldMk cId="1551894915" sldId="261"/>
-            <ac:spMk id="16" creationId="{24D6D5B8-560A-7C70-9E81-B8EFB579F08E}"/>
-          </ac:spMkLst>
-        </pc:spChg>
-        <pc:spChg chg="del">
-          <ac:chgData name="Tom Hoyland" userId="736d7a3e-93c7-4109-90c5-e67b8b3e41b2" providerId="ADAL" clId="{A4D346AA-F248-6444-93C1-EF2F2E65C714}" dt="2024-08-20T11:32:39.566" v="595" actId="478"/>
-          <ac:spMkLst>
-            <pc:docMk/>
-            <pc:sldMk cId="1551894915" sldId="261"/>
-            <ac:spMk id="18" creationId="{F93BD877-DC0E-E976-9DE4-BE888B19CF0F}"/>
-          </ac:spMkLst>
-        </pc:spChg>
-        <pc:spChg chg="del">
-          <ac:chgData name="Tom Hoyland" userId="736d7a3e-93c7-4109-90c5-e67b8b3e41b2" providerId="ADAL" clId="{A4D346AA-F248-6444-93C1-EF2F2E65C714}" dt="2024-08-20T11:32:39.566" v="595" actId="478"/>
-          <ac:spMkLst>
-            <pc:docMk/>
-            <pc:sldMk cId="1551894915" sldId="261"/>
-            <ac:spMk id="28" creationId="{5ACB057E-5EA7-0F53-3026-546099232574}"/>
-          </ac:spMkLst>
-        </pc:spChg>
-        <pc:spChg chg="del">
-          <ac:chgData name="Tom Hoyland" userId="736d7a3e-93c7-4109-90c5-e67b8b3e41b2" providerId="ADAL" clId="{A4D346AA-F248-6444-93C1-EF2F2E65C714}" dt="2024-08-20T11:32:39.566" v="595" actId="478"/>
-          <ac:spMkLst>
-            <pc:docMk/>
-            <pc:sldMk cId="1551894915" sldId="261"/>
-            <ac:spMk id="29" creationId="{73641E73-F1C1-EAD9-8C93-D55E7BD2CDF8}"/>
-          </ac:spMkLst>
-        </pc:spChg>
-        <pc:spChg chg="del">
-          <ac:chgData name="Tom Hoyland" userId="736d7a3e-93c7-4109-90c5-e67b8b3e41b2" providerId="ADAL" clId="{A4D346AA-F248-6444-93C1-EF2F2E65C714}" dt="2024-08-20T11:32:39.566" v="595" actId="478"/>
-          <ac:spMkLst>
-            <pc:docMk/>
-            <pc:sldMk cId="1551894915" sldId="261"/>
-            <ac:spMk id="30" creationId="{0E4E77C7-934A-84F8-113F-232F677D364F}"/>
-          </ac:spMkLst>
-        </pc:spChg>
-        <pc:spChg chg="del">
-          <ac:chgData name="Tom Hoyland" userId="736d7a3e-93c7-4109-90c5-e67b8b3e41b2" providerId="ADAL" clId="{A4D346AA-F248-6444-93C1-EF2F2E65C714}" dt="2024-08-20T11:32:39.566" v="595" actId="478"/>
-          <ac:spMkLst>
-            <pc:docMk/>
-            <pc:sldMk cId="1551894915" sldId="261"/>
-            <ac:spMk id="31" creationId="{18DF7356-8B91-65DC-8FE8-32BFE8F1A09C}"/>
-          </ac:spMkLst>
-        </pc:spChg>
-        <pc:spChg chg="del">
-          <ac:chgData name="Tom Hoyland" userId="736d7a3e-93c7-4109-90c5-e67b8b3e41b2" providerId="ADAL" clId="{A4D346AA-F248-6444-93C1-EF2F2E65C714}" dt="2024-08-20T11:32:39.566" v="595" actId="478"/>
-          <ac:spMkLst>
-            <pc:docMk/>
-            <pc:sldMk cId="1551894915" sldId="261"/>
-            <ac:spMk id="32" creationId="{CE0A2A4C-DC20-3B09-E6C1-86C7406F3E22}"/>
-          </ac:spMkLst>
-        </pc:spChg>
-        <pc:spChg chg="del">
-          <ac:chgData name="Tom Hoyland" userId="736d7a3e-93c7-4109-90c5-e67b8b3e41b2" providerId="ADAL" clId="{A4D346AA-F248-6444-93C1-EF2F2E65C714}" dt="2024-08-20T11:32:39.566" v="595" actId="478"/>
-          <ac:spMkLst>
-            <pc:docMk/>
-            <pc:sldMk cId="1551894915" sldId="261"/>
-            <ac:spMk id="33" creationId="{B0CF220A-8F25-72EA-707D-3F51885CA3B4}"/>
-          </ac:spMkLst>
-        </pc:spChg>
-        <pc:spChg chg="del">
-          <ac:chgData name="Tom Hoyland" userId="736d7a3e-93c7-4109-90c5-e67b8b3e41b2" providerId="ADAL" clId="{A4D346AA-F248-6444-93C1-EF2F2E65C714}" dt="2024-08-20T11:32:39.566" v="595" actId="478"/>
-          <ac:spMkLst>
-            <pc:docMk/>
-            <pc:sldMk cId="1551894915" sldId="261"/>
-            <ac:spMk id="34" creationId="{FD091573-20FC-A6D7-6867-DCE7669E0934}"/>
-          </ac:spMkLst>
-        </pc:spChg>
-        <pc:spChg chg="del">
-          <ac:chgData name="Tom Hoyland" userId="736d7a3e-93c7-4109-90c5-e67b8b3e41b2" providerId="ADAL" clId="{A4D346AA-F248-6444-93C1-EF2F2E65C714}" dt="2024-08-20T11:32:39.566" v="595" actId="478"/>
-          <ac:spMkLst>
-            <pc:docMk/>
-            <pc:sldMk cId="1551894915" sldId="261"/>
-            <ac:spMk id="35" creationId="{14C3540D-164D-0502-B9B3-99DA425B4CAA}"/>
-          </ac:spMkLst>
-        </pc:spChg>
-        <pc:spChg chg="del">
-          <ac:chgData name="Tom Hoyland" userId="736d7a3e-93c7-4109-90c5-e67b8b3e41b2" providerId="ADAL" clId="{A4D346AA-F248-6444-93C1-EF2F2E65C714}" dt="2024-08-20T11:32:39.566" v="595" actId="478"/>
-          <ac:spMkLst>
-            <pc:docMk/>
-            <pc:sldMk cId="1551894915" sldId="261"/>
-            <ac:spMk id="36" creationId="{E590E56E-C5E5-6786-556B-9FF43F6C6253}"/>
-          </ac:spMkLst>
-        </pc:spChg>
-        <pc:picChg chg="del">
-          <ac:chgData name="Tom Hoyland" userId="736d7a3e-93c7-4109-90c5-e67b8b3e41b2" providerId="ADAL" clId="{A4D346AA-F248-6444-93C1-EF2F2E65C714}" dt="2024-08-20T11:32:39.566" v="595" actId="478"/>
-          <ac:picMkLst>
-            <pc:docMk/>
-            <pc:sldMk cId="1551894915" sldId="261"/>
-            <ac:picMk id="5" creationId="{62116002-A9FA-E0AB-8E6A-8CEE2DB576CB}"/>
-          </ac:picMkLst>
-        </pc:picChg>
-        <pc:picChg chg="del">
-          <ac:chgData name="Tom Hoyland" userId="736d7a3e-93c7-4109-90c5-e67b8b3e41b2" providerId="ADAL" clId="{A4D346AA-F248-6444-93C1-EF2F2E65C714}" dt="2024-08-20T11:32:39.566" v="595" actId="478"/>
-          <ac:picMkLst>
-            <pc:docMk/>
-            <pc:sldMk cId="1551894915" sldId="261"/>
-            <ac:picMk id="6" creationId="{06F97ED0-2646-B792-8B99-24400765AE9E}"/>
-          </ac:picMkLst>
-        </pc:picChg>
-        <pc:picChg chg="del">
-          <ac:chgData name="Tom Hoyland" userId="736d7a3e-93c7-4109-90c5-e67b8b3e41b2" providerId="ADAL" clId="{A4D346AA-F248-6444-93C1-EF2F2E65C714}" dt="2024-08-20T11:32:39.566" v="595" actId="478"/>
-          <ac:picMkLst>
-            <pc:docMk/>
-            <pc:sldMk cId="1551894915" sldId="261"/>
-            <ac:picMk id="7" creationId="{D006BE89-01FB-EFD8-A0B0-468CE5796739}"/>
-          </ac:picMkLst>
-        </pc:picChg>
-        <pc:picChg chg="del">
-          <ac:chgData name="Tom Hoyland" userId="736d7a3e-93c7-4109-90c5-e67b8b3e41b2" providerId="ADAL" clId="{A4D346AA-F248-6444-93C1-EF2F2E65C714}" dt="2024-08-20T11:32:39.566" v="595" actId="478"/>
-          <ac:picMkLst>
-            <pc:docMk/>
-            <pc:sldMk cId="1551894915" sldId="261"/>
-            <ac:picMk id="9" creationId="{08B66EBF-2D1E-6E8B-FCBD-479EDE455568}"/>
-          </ac:picMkLst>
-        </pc:picChg>
-        <pc:picChg chg="del">
-          <ac:chgData name="Tom Hoyland" userId="736d7a3e-93c7-4109-90c5-e67b8b3e41b2" providerId="ADAL" clId="{A4D346AA-F248-6444-93C1-EF2F2E65C714}" dt="2024-08-20T11:32:39.566" v="595" actId="478"/>
-          <ac:picMkLst>
-            <pc:docMk/>
-            <pc:sldMk cId="1551894915" sldId="261"/>
-            <ac:picMk id="12" creationId="{0AF8A365-1CA9-E91D-685E-C97FBF85A01F}"/>
-          </ac:picMkLst>
-        </pc:picChg>
-        <pc:picChg chg="del">
-          <ac:chgData name="Tom Hoyland" userId="736d7a3e-93c7-4109-90c5-e67b8b3e41b2" providerId="ADAL" clId="{A4D346AA-F248-6444-93C1-EF2F2E65C714}" dt="2024-08-20T11:32:39.566" v="595" actId="478"/>
-          <ac:picMkLst>
-            <pc:docMk/>
-            <pc:sldMk cId="1551894915" sldId="261"/>
-            <ac:picMk id="15" creationId="{C1E2E61F-6957-C476-802C-DAA4E8E3D8FC}"/>
-          </ac:picMkLst>
-        </pc:picChg>
-        <pc:picChg chg="del">
-          <ac:chgData name="Tom Hoyland" userId="736d7a3e-93c7-4109-90c5-e67b8b3e41b2" providerId="ADAL" clId="{A4D346AA-F248-6444-93C1-EF2F2E65C714}" dt="2024-08-20T11:32:39.566" v="595" actId="478"/>
-          <ac:picMkLst>
-            <pc:docMk/>
-            <pc:sldMk cId="1551894915" sldId="261"/>
-            <ac:picMk id="17" creationId="{0F35D7D0-03F8-0064-B5AC-20BCCD3C6C55}"/>
-          </ac:picMkLst>
-        </pc:picChg>
-        <pc:picChg chg="del">
-          <ac:chgData name="Tom Hoyland" userId="736d7a3e-93c7-4109-90c5-e67b8b3e41b2" providerId="ADAL" clId="{A4D346AA-F248-6444-93C1-EF2F2E65C714}" dt="2024-08-20T11:32:39.566" v="595" actId="478"/>
-          <ac:picMkLst>
-            <pc:docMk/>
-            <pc:sldMk cId="1551894915" sldId="261"/>
-            <ac:picMk id="21" creationId="{75F00680-C90D-0C50-BAEB-68DD9870452B}"/>
-          </ac:picMkLst>
-        </pc:picChg>
-      </pc:sldChg>
-      <pc:sldChg chg="addSp delSp modSp add mod ord">
-        <pc:chgData name="Tom Hoyland" userId="736d7a3e-93c7-4109-90c5-e67b8b3e41b2" providerId="ADAL" clId="{A4D346AA-F248-6444-93C1-EF2F2E65C714}" dt="2024-08-20T11:32:33.746" v="594" actId="20577"/>
-        <pc:sldMkLst>
-          <pc:docMk/>
-          <pc:sldMk cId="2712193479" sldId="271"/>
-        </pc:sldMkLst>
-        <pc:spChg chg="del">
-          <ac:chgData name="Tom Hoyland" userId="736d7a3e-93c7-4109-90c5-e67b8b3e41b2" providerId="ADAL" clId="{A4D346AA-F248-6444-93C1-EF2F2E65C714}" dt="2024-08-13T07:33:26.326" v="156" actId="478"/>
-          <ac:spMkLst>
-            <pc:docMk/>
-            <pc:sldMk cId="2712193479" sldId="271"/>
-            <ac:spMk id="2" creationId="{60114F5B-200D-5E80-5596-D97099667249}"/>
-          </ac:spMkLst>
-        </pc:spChg>
-        <pc:spChg chg="add mod">
-          <ac:chgData name="Tom Hoyland" userId="736d7a3e-93c7-4109-90c5-e67b8b3e41b2" providerId="ADAL" clId="{A4D346AA-F248-6444-93C1-EF2F2E65C714}" dt="2024-08-13T07:40:02.434" v="517" actId="1076"/>
-          <ac:spMkLst>
-            <pc:docMk/>
-            <pc:sldMk cId="2712193479" sldId="271"/>
-            <ac:spMk id="3" creationId="{43F9F6AE-A5AC-2E03-0D6A-B04BA76B49BC}"/>
-          </ac:spMkLst>
-        </pc:spChg>
-        <pc:spChg chg="add mod">
-          <ac:chgData name="Tom Hoyland" userId="736d7a3e-93c7-4109-90c5-e67b8b3e41b2" providerId="ADAL" clId="{A4D346AA-F248-6444-93C1-EF2F2E65C714}" dt="2024-08-13T07:40:02.434" v="517" actId="1076"/>
-          <ac:spMkLst>
-            <pc:docMk/>
-            <pc:sldMk cId="2712193479" sldId="271"/>
-            <ac:spMk id="4" creationId="{E151A129-60CE-5725-DCEC-DF20AB33301A}"/>
-          </ac:spMkLst>
-        </pc:spChg>
-        <pc:spChg chg="mod">
-          <ac:chgData name="Tom Hoyland" userId="736d7a3e-93c7-4109-90c5-e67b8b3e41b2" providerId="ADAL" clId="{A4D346AA-F248-6444-93C1-EF2F2E65C714}" dt="2024-08-20T11:32:22.457" v="585" actId="20577"/>
-          <ac:spMkLst>
-            <pc:docMk/>
-            <pc:sldMk cId="2712193479" sldId="271"/>
-            <ac:spMk id="8" creationId="{8CDDB97D-A02F-8254-5432-E930CF01E0FC}"/>
-          </ac:spMkLst>
-        </pc:spChg>
-        <pc:spChg chg="mod">
-          <ac:chgData name="Tom Hoyland" userId="736d7a3e-93c7-4109-90c5-e67b8b3e41b2" providerId="ADAL" clId="{A4D346AA-F248-6444-93C1-EF2F2E65C714}" dt="2024-08-20T11:32:20.806" v="584" actId="20577"/>
-          <ac:spMkLst>
-            <pc:docMk/>
-            <pc:sldMk cId="2712193479" sldId="271"/>
-            <ac:spMk id="10" creationId="{C258F823-7B51-957A-9C20-93136D988928}"/>
-          </ac:spMkLst>
-        </pc:spChg>
-        <pc:spChg chg="mod">
-          <ac:chgData name="Tom Hoyland" userId="736d7a3e-93c7-4109-90c5-e67b8b3e41b2" providerId="ADAL" clId="{A4D346AA-F248-6444-93C1-EF2F2E65C714}" dt="2024-08-20T11:32:25.812" v="587" actId="20577"/>
-          <ac:spMkLst>
-            <pc:docMk/>
-            <pc:sldMk cId="2712193479" sldId="271"/>
-            <ac:spMk id="11" creationId="{706FB268-040E-2102-1308-B242A93B903A}"/>
-          </ac:spMkLst>
-        </pc:spChg>
-        <pc:spChg chg="mod">
-          <ac:chgData name="Tom Hoyland" userId="736d7a3e-93c7-4109-90c5-e67b8b3e41b2" providerId="ADAL" clId="{A4D346AA-F248-6444-93C1-EF2F2E65C714}" dt="2024-08-20T11:32:29.695" v="592" actId="20577"/>
-          <ac:spMkLst>
-            <pc:docMk/>
-            <pc:sldMk cId="2712193479" sldId="271"/>
-            <ac:spMk id="13" creationId="{380E85BC-FF65-970E-3CDA-C005D8E7882F}"/>
-          </ac:spMkLst>
-        </pc:spChg>
-        <pc:spChg chg="mod">
-          <ac:chgData name="Tom Hoyland" userId="736d7a3e-93c7-4109-90c5-e67b8b3e41b2" providerId="ADAL" clId="{A4D346AA-F248-6444-93C1-EF2F2E65C714}" dt="2024-08-20T11:32:32.158" v="593" actId="20577"/>
-          <ac:spMkLst>
-            <pc:docMk/>
-            <pc:sldMk cId="2712193479" sldId="271"/>
-            <ac:spMk id="14" creationId="{042E4238-C41B-D73B-C28B-0B462803692E}"/>
-          </ac:spMkLst>
-        </pc:spChg>
-        <pc:spChg chg="mod">
-          <ac:chgData name="Tom Hoyland" userId="736d7a3e-93c7-4109-90c5-e67b8b3e41b2" providerId="ADAL" clId="{A4D346AA-F248-6444-93C1-EF2F2E65C714}" dt="2024-08-20T11:32:24.083" v="586" actId="20577"/>
-          <ac:spMkLst>
-            <pc:docMk/>
-            <pc:sldMk cId="2712193479" sldId="271"/>
-            <ac:spMk id="16" creationId="{24D6D5B8-560A-7C70-9E81-B8EFB579F08E}"/>
-          </ac:spMkLst>
-        </pc:spChg>
-        <pc:spChg chg="mod">
-          <ac:chgData name="Tom Hoyland" userId="736d7a3e-93c7-4109-90c5-e67b8b3e41b2" providerId="ADAL" clId="{A4D346AA-F248-6444-93C1-EF2F2E65C714}" dt="2024-08-20T11:32:19.042" v="583" actId="20577"/>
-          <ac:spMkLst>
-            <pc:docMk/>
-            <pc:sldMk cId="2712193479" sldId="271"/>
-            <ac:spMk id="18" creationId="{F93BD877-DC0E-E976-9DE4-BE888B19CF0F}"/>
-          </ac:spMkLst>
-        </pc:spChg>
-        <pc:spChg chg="add mod">
-          <ac:chgData name="Tom Hoyland" userId="736d7a3e-93c7-4109-90c5-e67b8b3e41b2" providerId="ADAL" clId="{A4D346AA-F248-6444-93C1-EF2F2E65C714}" dt="2024-08-13T07:40:02.434" v="517" actId="1076"/>
-          <ac:spMkLst>
-            <pc:docMk/>
-            <pc:sldMk cId="2712193479" sldId="271"/>
-            <ac:spMk id="19" creationId="{9BC32168-0734-E7F4-DDAC-4419BE1ED0AC}"/>
-          </ac:spMkLst>
-        </pc:spChg>
-        <pc:spChg chg="add mod">
-          <ac:chgData name="Tom Hoyland" userId="736d7a3e-93c7-4109-90c5-e67b8b3e41b2" providerId="ADAL" clId="{A4D346AA-F248-6444-93C1-EF2F2E65C714}" dt="2024-08-13T07:40:02.434" v="517" actId="1076"/>
-          <ac:spMkLst>
-            <pc:docMk/>
-            <pc:sldMk cId="2712193479" sldId="271"/>
-            <ac:spMk id="20" creationId="{69D48872-11CB-3A33-9C96-131727D0AB45}"/>
-          </ac:spMkLst>
-        </pc:spChg>
-        <pc:spChg chg="add del mod">
-          <ac:chgData name="Tom Hoyland" userId="736d7a3e-93c7-4109-90c5-e67b8b3e41b2" providerId="ADAL" clId="{A4D346AA-F248-6444-93C1-EF2F2E65C714}" dt="2024-08-13T07:33:28.075" v="157" actId="478"/>
-          <ac:spMkLst>
-            <pc:docMk/>
-            <pc:sldMk cId="2712193479" sldId="271"/>
-            <ac:spMk id="23" creationId="{97374FD9-56B1-BD38-01AD-42A8332B8E26}"/>
-          </ac:spMkLst>
-        </pc:spChg>
-        <pc:spChg chg="add mod">
-          <ac:chgData name="Tom Hoyland" userId="736d7a3e-93c7-4109-90c5-e67b8b3e41b2" providerId="ADAL" clId="{A4D346AA-F248-6444-93C1-EF2F2E65C714}" dt="2024-08-13T07:40:02.434" v="517" actId="1076"/>
-          <ac:spMkLst>
-            <pc:docMk/>
-            <pc:sldMk cId="2712193479" sldId="271"/>
-            <ac:spMk id="24" creationId="{16C484F4-FF4B-D129-FAEA-02E2EC8CFE4D}"/>
-          </ac:spMkLst>
-        </pc:spChg>
-        <pc:spChg chg="add mod">
-          <ac:chgData name="Tom Hoyland" userId="736d7a3e-93c7-4109-90c5-e67b8b3e41b2" providerId="ADAL" clId="{A4D346AA-F248-6444-93C1-EF2F2E65C714}" dt="2024-08-13T07:40:02.434" v="517" actId="1076"/>
-          <ac:spMkLst>
-            <pc:docMk/>
-            <pc:sldMk cId="2712193479" sldId="271"/>
-            <ac:spMk id="25" creationId="{5772F33A-FAA4-6619-FC37-5A0C0D431A17}"/>
-          </ac:spMkLst>
-        </pc:spChg>
-        <pc:spChg chg="add mod">
-          <ac:chgData name="Tom Hoyland" userId="736d7a3e-93c7-4109-90c5-e67b8b3e41b2" providerId="ADAL" clId="{A4D346AA-F248-6444-93C1-EF2F2E65C714}" dt="2024-08-13T07:40:02.434" v="517" actId="1076"/>
-          <ac:spMkLst>
-            <pc:docMk/>
-            <pc:sldMk cId="2712193479" sldId="271"/>
-            <ac:spMk id="26" creationId="{8DB1EDB7-0892-A3F2-FB78-D990F034BD8D}"/>
-          </ac:spMkLst>
-        </pc:spChg>
-        <pc:spChg chg="add mod">
-          <ac:chgData name="Tom Hoyland" userId="736d7a3e-93c7-4109-90c5-e67b8b3e41b2" providerId="ADAL" clId="{A4D346AA-F248-6444-93C1-EF2F2E65C714}" dt="2024-08-13T07:40:02.434" v="517" actId="1076"/>
-          <ac:spMkLst>
-            <pc:docMk/>
-            <pc:sldMk cId="2712193479" sldId="271"/>
-            <ac:spMk id="27" creationId="{A82AA132-2F6D-308A-92C4-44C23B119428}"/>
-          </ac:spMkLst>
-        </pc:spChg>
-        <pc:spChg chg="mod">
-          <ac:chgData name="Tom Hoyland" userId="736d7a3e-93c7-4109-90c5-e67b8b3e41b2" providerId="ADAL" clId="{A4D346AA-F248-6444-93C1-EF2F2E65C714}" dt="2024-08-20T11:32:33.746" v="594" actId="20577"/>
-          <ac:spMkLst>
-            <pc:docMk/>
-            <pc:sldMk cId="2712193479" sldId="271"/>
-            <ac:spMk id="28" creationId="{5ACB057E-5EA7-0F53-3026-546099232574}"/>
-          </ac:spMkLst>
-        </pc:spChg>
-        <pc:spChg chg="mod">
-          <ac:chgData name="Tom Hoyland" userId="736d7a3e-93c7-4109-90c5-e67b8b3e41b2" providerId="ADAL" clId="{A4D346AA-F248-6444-93C1-EF2F2E65C714}" dt="2024-08-13T07:40:02.434" v="517" actId="1076"/>
-          <ac:spMkLst>
-            <pc:docMk/>
-            <pc:sldMk cId="2712193479" sldId="271"/>
-            <ac:spMk id="29" creationId="{73641E73-F1C1-EAD9-8C93-D55E7BD2CDF8}"/>
-          </ac:spMkLst>
-        </pc:spChg>
-        <pc:spChg chg="mod">
-          <ac:chgData name="Tom Hoyland" userId="736d7a3e-93c7-4109-90c5-e67b8b3e41b2" providerId="ADAL" clId="{A4D346AA-F248-6444-93C1-EF2F2E65C714}" dt="2024-08-13T07:40:02.434" v="517" actId="1076"/>
-          <ac:spMkLst>
-            <pc:docMk/>
-            <pc:sldMk cId="2712193479" sldId="271"/>
-            <ac:spMk id="30" creationId="{0E4E77C7-934A-84F8-113F-232F677D364F}"/>
-          </ac:spMkLst>
-        </pc:spChg>
-        <pc:spChg chg="mod">
-          <ac:chgData name="Tom Hoyland" userId="736d7a3e-93c7-4109-90c5-e67b8b3e41b2" providerId="ADAL" clId="{A4D346AA-F248-6444-93C1-EF2F2E65C714}" dt="2024-08-13T07:40:02.434" v="517" actId="1076"/>
-          <ac:spMkLst>
-            <pc:docMk/>
-            <pc:sldMk cId="2712193479" sldId="271"/>
-            <ac:spMk id="31" creationId="{18DF7356-8B91-65DC-8FE8-32BFE8F1A09C}"/>
-          </ac:spMkLst>
-        </pc:spChg>
-        <pc:spChg chg="mod">
-          <ac:chgData name="Tom Hoyland" userId="736d7a3e-93c7-4109-90c5-e67b8b3e41b2" providerId="ADAL" clId="{A4D346AA-F248-6444-93C1-EF2F2E65C714}" dt="2024-08-13T07:40:02.434" v="517" actId="1076"/>
-          <ac:spMkLst>
-            <pc:docMk/>
-            <pc:sldMk cId="2712193479" sldId="271"/>
-            <ac:spMk id="32" creationId="{CE0A2A4C-DC20-3B09-E6C1-86C7406F3E22}"/>
-          </ac:spMkLst>
-        </pc:spChg>
-        <pc:spChg chg="mod">
-          <ac:chgData name="Tom Hoyland" userId="736d7a3e-93c7-4109-90c5-e67b8b3e41b2" providerId="ADAL" clId="{A4D346AA-F248-6444-93C1-EF2F2E65C714}" dt="2024-08-13T07:40:02.434" v="517" actId="1076"/>
-          <ac:spMkLst>
-            <pc:docMk/>
-            <pc:sldMk cId="2712193479" sldId="271"/>
-            <ac:spMk id="33" creationId="{B0CF220A-8F25-72EA-707D-3F51885CA3B4}"/>
-          </ac:spMkLst>
-        </pc:spChg>
-        <pc:spChg chg="mod">
-          <ac:chgData name="Tom Hoyland" userId="736d7a3e-93c7-4109-90c5-e67b8b3e41b2" providerId="ADAL" clId="{A4D346AA-F248-6444-93C1-EF2F2E65C714}" dt="2024-08-13T07:40:02.434" v="517" actId="1076"/>
-          <ac:spMkLst>
-            <pc:docMk/>
-            <pc:sldMk cId="2712193479" sldId="271"/>
-            <ac:spMk id="34" creationId="{FD091573-20FC-A6D7-6867-DCE7669E0934}"/>
-          </ac:spMkLst>
-        </pc:spChg>
-        <pc:spChg chg="mod">
-          <ac:chgData name="Tom Hoyland" userId="736d7a3e-93c7-4109-90c5-e67b8b3e41b2" providerId="ADAL" clId="{A4D346AA-F248-6444-93C1-EF2F2E65C714}" dt="2024-08-13T07:40:02.434" v="517" actId="1076"/>
-          <ac:spMkLst>
-            <pc:docMk/>
-            <pc:sldMk cId="2712193479" sldId="271"/>
-            <ac:spMk id="35" creationId="{14C3540D-164D-0502-B9B3-99DA425B4CAA}"/>
-          </ac:spMkLst>
-        </pc:spChg>
-        <pc:spChg chg="mod">
-          <ac:chgData name="Tom Hoyland" userId="736d7a3e-93c7-4109-90c5-e67b8b3e41b2" providerId="ADAL" clId="{A4D346AA-F248-6444-93C1-EF2F2E65C714}" dt="2024-08-13T07:40:02.434" v="517" actId="1076"/>
-          <ac:spMkLst>
-            <pc:docMk/>
-            <pc:sldMk cId="2712193479" sldId="271"/>
-            <ac:spMk id="36" creationId="{E590E56E-C5E5-6786-556B-9FF43F6C6253}"/>
-          </ac:spMkLst>
-        </pc:spChg>
-        <pc:picChg chg="mod">
-          <ac:chgData name="Tom Hoyland" userId="736d7a3e-93c7-4109-90c5-e67b8b3e41b2" providerId="ADAL" clId="{A4D346AA-F248-6444-93C1-EF2F2E65C714}" dt="2024-08-13T07:40:02.434" v="517" actId="1076"/>
-          <ac:picMkLst>
-            <pc:docMk/>
-            <pc:sldMk cId="2712193479" sldId="271"/>
-            <ac:picMk id="5" creationId="{62116002-A9FA-E0AB-8E6A-8CEE2DB576CB}"/>
-          </ac:picMkLst>
-        </pc:picChg>
-        <pc:picChg chg="mod">
-          <ac:chgData name="Tom Hoyland" userId="736d7a3e-93c7-4109-90c5-e67b8b3e41b2" providerId="ADAL" clId="{A4D346AA-F248-6444-93C1-EF2F2E65C714}" dt="2024-08-13T07:40:02.434" v="517" actId="1076"/>
-          <ac:picMkLst>
-            <pc:docMk/>
-            <pc:sldMk cId="2712193479" sldId="271"/>
-            <ac:picMk id="6" creationId="{06F97ED0-2646-B792-8B99-24400765AE9E}"/>
-          </ac:picMkLst>
-        </pc:picChg>
-        <pc:picChg chg="mod">
-          <ac:chgData name="Tom Hoyland" userId="736d7a3e-93c7-4109-90c5-e67b8b3e41b2" providerId="ADAL" clId="{A4D346AA-F248-6444-93C1-EF2F2E65C714}" dt="2024-08-13T07:40:02.434" v="517" actId="1076"/>
-          <ac:picMkLst>
-            <pc:docMk/>
-            <pc:sldMk cId="2712193479" sldId="271"/>
-            <ac:picMk id="7" creationId="{D006BE89-01FB-EFD8-A0B0-468CE5796739}"/>
-          </ac:picMkLst>
-        </pc:picChg>
-        <pc:picChg chg="mod">
-          <ac:chgData name="Tom Hoyland" userId="736d7a3e-93c7-4109-90c5-e67b8b3e41b2" providerId="ADAL" clId="{A4D346AA-F248-6444-93C1-EF2F2E65C714}" dt="2024-08-13T07:40:02.434" v="517" actId="1076"/>
-          <ac:picMkLst>
-            <pc:docMk/>
-            <pc:sldMk cId="2712193479" sldId="271"/>
-            <ac:picMk id="9" creationId="{08B66EBF-2D1E-6E8B-FCBD-479EDE455568}"/>
-          </ac:picMkLst>
-        </pc:picChg>
-        <pc:picChg chg="mod">
-          <ac:chgData name="Tom Hoyland" userId="736d7a3e-93c7-4109-90c5-e67b8b3e41b2" providerId="ADAL" clId="{A4D346AA-F248-6444-93C1-EF2F2E65C714}" dt="2024-08-13T07:40:02.434" v="517" actId="1076"/>
-          <ac:picMkLst>
-            <pc:docMk/>
-            <pc:sldMk cId="2712193479" sldId="271"/>
-            <ac:picMk id="12" creationId="{0AF8A365-1CA9-E91D-685E-C97FBF85A01F}"/>
-          </ac:picMkLst>
-        </pc:picChg>
-        <pc:picChg chg="mod">
-          <ac:chgData name="Tom Hoyland" userId="736d7a3e-93c7-4109-90c5-e67b8b3e41b2" providerId="ADAL" clId="{A4D346AA-F248-6444-93C1-EF2F2E65C714}" dt="2024-08-13T07:40:02.434" v="517" actId="1076"/>
-          <ac:picMkLst>
-            <pc:docMk/>
-            <pc:sldMk cId="2712193479" sldId="271"/>
-            <ac:picMk id="15" creationId="{C1E2E61F-6957-C476-802C-DAA4E8E3D8FC}"/>
-          </ac:picMkLst>
-        </pc:picChg>
-        <pc:picChg chg="mod">
-          <ac:chgData name="Tom Hoyland" userId="736d7a3e-93c7-4109-90c5-e67b8b3e41b2" providerId="ADAL" clId="{A4D346AA-F248-6444-93C1-EF2F2E65C714}" dt="2024-08-13T07:40:02.434" v="517" actId="1076"/>
-          <ac:picMkLst>
-            <pc:docMk/>
-            <pc:sldMk cId="2712193479" sldId="271"/>
-            <ac:picMk id="17" creationId="{0F35D7D0-03F8-0064-B5AC-20BCCD3C6C55}"/>
-          </ac:picMkLst>
-        </pc:picChg>
-        <pc:picChg chg="mod">
-          <ac:chgData name="Tom Hoyland" userId="736d7a3e-93c7-4109-90c5-e67b8b3e41b2" providerId="ADAL" clId="{A4D346AA-F248-6444-93C1-EF2F2E65C714}" dt="2024-08-13T07:40:02.434" v="517" actId="1076"/>
-          <ac:picMkLst>
-            <pc:docMk/>
-            <pc:sldMk cId="2712193479" sldId="271"/>
-            <ac:picMk id="21" creationId="{75F00680-C90D-0C50-BAEB-68DD9870452B}"/>
-          </ac:picMkLst>
-        </pc:picChg>
-      </pc:sldChg>
-      <pc:sldChg chg="addSp modSp add mod ord">
-        <pc:chgData name="Tom Hoyland" userId="736d7a3e-93c7-4109-90c5-e67b8b3e41b2" providerId="ADAL" clId="{A4D346AA-F248-6444-93C1-EF2F2E65C714}" dt="2024-08-20T11:33:24.572" v="664" actId="404"/>
-        <pc:sldMkLst>
-          <pc:docMk/>
-          <pc:sldMk cId="248048730" sldId="272"/>
-        </pc:sldMkLst>
-        <pc:spChg chg="add mod">
-          <ac:chgData name="Tom Hoyland" userId="736d7a3e-93c7-4109-90c5-e67b8b3e41b2" providerId="ADAL" clId="{A4D346AA-F248-6444-93C1-EF2F2E65C714}" dt="2024-08-20T11:33:24.572" v="664" actId="404"/>
-          <ac:spMkLst>
-            <pc:docMk/>
-            <pc:sldMk cId="248048730" sldId="272"/>
-            <ac:spMk id="2" creationId="{DE49AD4B-7FB7-DB4B-1892-2174BDB55FDC}"/>
-          </ac:spMkLst>
-        </pc:spChg>
-        <pc:spChg chg="mod">
-          <ac:chgData name="Tom Hoyland" userId="736d7a3e-93c7-4109-90c5-e67b8b3e41b2" providerId="ADAL" clId="{A4D346AA-F248-6444-93C1-EF2F2E65C714}" dt="2024-08-20T11:33:03.837" v="628" actId="1036"/>
-          <ac:spMkLst>
-            <pc:docMk/>
-            <pc:sldMk cId="248048730" sldId="272"/>
-            <ac:spMk id="3" creationId="{213F28A4-07ED-C70E-C1A5-0B32C5A7DD8D}"/>
-          </ac:spMkLst>
-        </pc:spChg>
-        <pc:spChg chg="mod">
-          <ac:chgData name="Tom Hoyland" userId="736d7a3e-93c7-4109-90c5-e67b8b3e41b2" providerId="ADAL" clId="{A4D346AA-F248-6444-93C1-EF2F2E65C714}" dt="2024-08-20T11:33:03.837" v="628" actId="1036"/>
-          <ac:spMkLst>
-            <pc:docMk/>
-            <pc:sldMk cId="248048730" sldId="272"/>
-            <ac:spMk id="4" creationId="{DD555481-A9B5-D5E1-1F1B-EF8ED78D5CD8}"/>
-          </ac:spMkLst>
-        </pc:spChg>
-        <pc:spChg chg="mod">
-          <ac:chgData name="Tom Hoyland" userId="736d7a3e-93c7-4109-90c5-e67b8b3e41b2" providerId="ADAL" clId="{A4D346AA-F248-6444-93C1-EF2F2E65C714}" dt="2024-08-20T11:33:03.837" v="628" actId="1036"/>
-          <ac:spMkLst>
-            <pc:docMk/>
-            <pc:sldMk cId="248048730" sldId="272"/>
-            <ac:spMk id="8" creationId="{AEAF102F-143D-76EF-DF6D-8B165519A4A4}"/>
-          </ac:spMkLst>
-        </pc:spChg>
-        <pc:spChg chg="mod">
-          <ac:chgData name="Tom Hoyland" userId="736d7a3e-93c7-4109-90c5-e67b8b3e41b2" providerId="ADAL" clId="{A4D346AA-F248-6444-93C1-EF2F2E65C714}" dt="2024-08-20T11:33:03.837" v="628" actId="1036"/>
-          <ac:spMkLst>
-            <pc:docMk/>
-            <pc:sldMk cId="248048730" sldId="272"/>
-            <ac:spMk id="10" creationId="{4AFC90E1-B3DD-B446-A88F-D3102C4BE49F}"/>
-          </ac:spMkLst>
-        </pc:spChg>
-        <pc:spChg chg="mod">
-          <ac:chgData name="Tom Hoyland" userId="736d7a3e-93c7-4109-90c5-e67b8b3e41b2" providerId="ADAL" clId="{A4D346AA-F248-6444-93C1-EF2F2E65C714}" dt="2024-08-20T11:33:03.837" v="628" actId="1036"/>
-          <ac:spMkLst>
-            <pc:docMk/>
-            <pc:sldMk cId="248048730" sldId="272"/>
-            <ac:spMk id="11" creationId="{06C0DA98-AF63-8C25-12CC-42A79D849F04}"/>
-          </ac:spMkLst>
-        </pc:spChg>
-        <pc:spChg chg="mod">
-          <ac:chgData name="Tom Hoyland" userId="736d7a3e-93c7-4109-90c5-e67b8b3e41b2" providerId="ADAL" clId="{A4D346AA-F248-6444-93C1-EF2F2E65C714}" dt="2024-08-20T11:33:03.837" v="628" actId="1036"/>
-          <ac:spMkLst>
-            <pc:docMk/>
-            <pc:sldMk cId="248048730" sldId="272"/>
-            <ac:spMk id="13" creationId="{6D7F7EC6-1E57-62EB-8CD1-03BE4F5ADDED}"/>
-          </ac:spMkLst>
-        </pc:spChg>
-        <pc:spChg chg="mod">
-          <ac:chgData name="Tom Hoyland" userId="736d7a3e-93c7-4109-90c5-e67b8b3e41b2" providerId="ADAL" clId="{A4D346AA-F248-6444-93C1-EF2F2E65C714}" dt="2024-08-20T11:33:03.837" v="628" actId="1036"/>
-          <ac:spMkLst>
-            <pc:docMk/>
-            <pc:sldMk cId="248048730" sldId="272"/>
-            <ac:spMk id="14" creationId="{C264D8AC-B086-B921-85C6-5AF1DD6AD8DE}"/>
-          </ac:spMkLst>
-        </pc:spChg>
-        <pc:spChg chg="mod">
-          <ac:chgData name="Tom Hoyland" userId="736d7a3e-93c7-4109-90c5-e67b8b3e41b2" providerId="ADAL" clId="{A4D346AA-F248-6444-93C1-EF2F2E65C714}" dt="2024-08-20T11:33:03.837" v="628" actId="1036"/>
-          <ac:spMkLst>
-            <pc:docMk/>
-            <pc:sldMk cId="248048730" sldId="272"/>
-            <ac:spMk id="16" creationId="{E4800468-3CA0-2964-AA62-A3AA15AEBB24}"/>
-          </ac:spMkLst>
-        </pc:spChg>
-        <pc:spChg chg="mod">
-          <ac:chgData name="Tom Hoyland" userId="736d7a3e-93c7-4109-90c5-e67b8b3e41b2" providerId="ADAL" clId="{A4D346AA-F248-6444-93C1-EF2F2E65C714}" dt="2024-08-20T11:33:03.837" v="628" actId="1036"/>
-          <ac:spMkLst>
-            <pc:docMk/>
-            <pc:sldMk cId="248048730" sldId="272"/>
-            <ac:spMk id="18" creationId="{63271C5F-2656-11FB-BDA0-F18F429D4AB8}"/>
-          </ac:spMkLst>
-        </pc:spChg>
-        <pc:spChg chg="mod">
-          <ac:chgData name="Tom Hoyland" userId="736d7a3e-93c7-4109-90c5-e67b8b3e41b2" providerId="ADAL" clId="{A4D346AA-F248-6444-93C1-EF2F2E65C714}" dt="2024-08-20T11:33:03.837" v="628" actId="1036"/>
-          <ac:spMkLst>
-            <pc:docMk/>
-            <pc:sldMk cId="248048730" sldId="272"/>
-            <ac:spMk id="19" creationId="{70929939-537B-C447-115E-FED5AF8357AE}"/>
-          </ac:spMkLst>
-        </pc:spChg>
-        <pc:spChg chg="mod">
-          <ac:chgData name="Tom Hoyland" userId="736d7a3e-93c7-4109-90c5-e67b8b3e41b2" providerId="ADAL" clId="{A4D346AA-F248-6444-93C1-EF2F2E65C714}" dt="2024-08-20T11:33:03.837" v="628" actId="1036"/>
-          <ac:spMkLst>
-            <pc:docMk/>
-            <pc:sldMk cId="248048730" sldId="272"/>
-            <ac:spMk id="20" creationId="{59B90136-C70C-1F8D-144A-B8DAA91E8BFF}"/>
-          </ac:spMkLst>
-        </pc:spChg>
-        <pc:spChg chg="mod">
-          <ac:chgData name="Tom Hoyland" userId="736d7a3e-93c7-4109-90c5-e67b8b3e41b2" providerId="ADAL" clId="{A4D346AA-F248-6444-93C1-EF2F2E65C714}" dt="2024-08-20T11:33:03.837" v="628" actId="1036"/>
-          <ac:spMkLst>
-            <pc:docMk/>
-            <pc:sldMk cId="248048730" sldId="272"/>
-            <ac:spMk id="24" creationId="{58A0E144-52CD-ECF3-042B-7992A86DA18B}"/>
-          </ac:spMkLst>
-        </pc:spChg>
-        <pc:spChg chg="mod">
-          <ac:chgData name="Tom Hoyland" userId="736d7a3e-93c7-4109-90c5-e67b8b3e41b2" providerId="ADAL" clId="{A4D346AA-F248-6444-93C1-EF2F2E65C714}" dt="2024-08-20T11:33:03.837" v="628" actId="1036"/>
-          <ac:spMkLst>
-            <pc:docMk/>
-            <pc:sldMk cId="248048730" sldId="272"/>
-            <ac:spMk id="25" creationId="{38DEAD3F-0B7F-2B20-993E-A2B1F014B1CD}"/>
-          </ac:spMkLst>
-        </pc:spChg>
-        <pc:spChg chg="mod">
-          <ac:chgData name="Tom Hoyland" userId="736d7a3e-93c7-4109-90c5-e67b8b3e41b2" providerId="ADAL" clId="{A4D346AA-F248-6444-93C1-EF2F2E65C714}" dt="2024-08-20T11:33:03.837" v="628" actId="1036"/>
-          <ac:spMkLst>
-            <pc:docMk/>
-            <pc:sldMk cId="248048730" sldId="272"/>
-            <ac:spMk id="26" creationId="{3A945144-0789-5A0E-FC67-42CABE016FCE}"/>
-          </ac:spMkLst>
-        </pc:spChg>
-        <pc:spChg chg="mod">
-          <ac:chgData name="Tom Hoyland" userId="736d7a3e-93c7-4109-90c5-e67b8b3e41b2" providerId="ADAL" clId="{A4D346AA-F248-6444-93C1-EF2F2E65C714}" dt="2024-08-20T11:33:03.837" v="628" actId="1036"/>
-          <ac:spMkLst>
-            <pc:docMk/>
-            <pc:sldMk cId="248048730" sldId="272"/>
-            <ac:spMk id="27" creationId="{CCBC6816-D39B-700B-F344-1B0D25A1449C}"/>
-          </ac:spMkLst>
-        </pc:spChg>
-        <pc:spChg chg="mod">
-          <ac:chgData name="Tom Hoyland" userId="736d7a3e-93c7-4109-90c5-e67b8b3e41b2" providerId="ADAL" clId="{A4D346AA-F248-6444-93C1-EF2F2E65C714}" dt="2024-08-20T11:33:03.837" v="628" actId="1036"/>
-          <ac:spMkLst>
-            <pc:docMk/>
-            <pc:sldMk cId="248048730" sldId="272"/>
-            <ac:spMk id="28" creationId="{5A0B0504-FBD2-ED5A-4F3B-787A8587C05A}"/>
-          </ac:spMkLst>
-        </pc:spChg>
-        <pc:spChg chg="mod">
-          <ac:chgData name="Tom Hoyland" userId="736d7a3e-93c7-4109-90c5-e67b8b3e41b2" providerId="ADAL" clId="{A4D346AA-F248-6444-93C1-EF2F2E65C714}" dt="2024-08-20T11:33:03.837" v="628" actId="1036"/>
-          <ac:spMkLst>
-            <pc:docMk/>
-            <pc:sldMk cId="248048730" sldId="272"/>
-            <ac:spMk id="29" creationId="{68B58E08-22AA-A82B-48BD-73CAD4C99992}"/>
-          </ac:spMkLst>
-        </pc:spChg>
-        <pc:spChg chg="mod">
-          <ac:chgData name="Tom Hoyland" userId="736d7a3e-93c7-4109-90c5-e67b8b3e41b2" providerId="ADAL" clId="{A4D346AA-F248-6444-93C1-EF2F2E65C714}" dt="2024-08-20T11:33:03.837" v="628" actId="1036"/>
-          <ac:spMkLst>
-            <pc:docMk/>
-            <pc:sldMk cId="248048730" sldId="272"/>
-            <ac:spMk id="30" creationId="{DEFE14F4-97D1-71EF-B066-BF208197EC0B}"/>
-          </ac:spMkLst>
-        </pc:spChg>
-        <pc:spChg chg="mod">
-          <ac:chgData name="Tom Hoyland" userId="736d7a3e-93c7-4109-90c5-e67b8b3e41b2" providerId="ADAL" clId="{A4D346AA-F248-6444-93C1-EF2F2E65C714}" dt="2024-08-20T11:33:03.837" v="628" actId="1036"/>
-          <ac:spMkLst>
-            <pc:docMk/>
-            <pc:sldMk cId="248048730" sldId="272"/>
-            <ac:spMk id="31" creationId="{8D8F7CEF-134A-D3DA-8445-5A753AB0F80F}"/>
-          </ac:spMkLst>
-        </pc:spChg>
-        <pc:spChg chg="mod">
-          <ac:chgData name="Tom Hoyland" userId="736d7a3e-93c7-4109-90c5-e67b8b3e41b2" providerId="ADAL" clId="{A4D346AA-F248-6444-93C1-EF2F2E65C714}" dt="2024-08-20T11:33:03.837" v="628" actId="1036"/>
-          <ac:spMkLst>
-            <pc:docMk/>
-            <pc:sldMk cId="248048730" sldId="272"/>
-            <ac:spMk id="32" creationId="{5057154F-7DCF-A223-0510-F25D7FD2EE6A}"/>
-          </ac:spMkLst>
-        </pc:spChg>
-        <pc:spChg chg="mod">
-          <ac:chgData name="Tom Hoyland" userId="736d7a3e-93c7-4109-90c5-e67b8b3e41b2" providerId="ADAL" clId="{A4D346AA-F248-6444-93C1-EF2F2E65C714}" dt="2024-08-20T11:33:03.837" v="628" actId="1036"/>
-          <ac:spMkLst>
-            <pc:docMk/>
-            <pc:sldMk cId="248048730" sldId="272"/>
-            <ac:spMk id="33" creationId="{E0D8722E-83A8-C310-122A-30EA2816860E}"/>
-          </ac:spMkLst>
-        </pc:spChg>
-        <pc:spChg chg="mod">
-          <ac:chgData name="Tom Hoyland" userId="736d7a3e-93c7-4109-90c5-e67b8b3e41b2" providerId="ADAL" clId="{A4D346AA-F248-6444-93C1-EF2F2E65C714}" dt="2024-08-20T11:33:03.837" v="628" actId="1036"/>
-          <ac:spMkLst>
-            <pc:docMk/>
-            <pc:sldMk cId="248048730" sldId="272"/>
-            <ac:spMk id="34" creationId="{27018EDB-C14A-2175-DA20-52AE83F8940E}"/>
-          </ac:spMkLst>
-        </pc:spChg>
-        <pc:spChg chg="mod">
-          <ac:chgData name="Tom Hoyland" userId="736d7a3e-93c7-4109-90c5-e67b8b3e41b2" providerId="ADAL" clId="{A4D346AA-F248-6444-93C1-EF2F2E65C714}" dt="2024-08-20T11:33:03.837" v="628" actId="1036"/>
-          <ac:spMkLst>
-            <pc:docMk/>
-            <pc:sldMk cId="248048730" sldId="272"/>
-            <ac:spMk id="35" creationId="{64BD6B3C-21B9-94EB-9163-4D7A83A4A297}"/>
-          </ac:spMkLst>
-        </pc:spChg>
-        <pc:spChg chg="mod">
-          <ac:chgData name="Tom Hoyland" userId="736d7a3e-93c7-4109-90c5-e67b8b3e41b2" providerId="ADAL" clId="{A4D346AA-F248-6444-93C1-EF2F2E65C714}" dt="2024-08-20T11:33:03.837" v="628" actId="1036"/>
-          <ac:spMkLst>
-            <pc:docMk/>
-            <pc:sldMk cId="248048730" sldId="272"/>
-            <ac:spMk id="36" creationId="{965DF994-D945-F5CF-02B0-6FD96B778267}"/>
-          </ac:spMkLst>
-        </pc:spChg>
-        <pc:picChg chg="mod">
-          <ac:chgData name="Tom Hoyland" userId="736d7a3e-93c7-4109-90c5-e67b8b3e41b2" providerId="ADAL" clId="{A4D346AA-F248-6444-93C1-EF2F2E65C714}" dt="2024-08-20T11:33:03.837" v="628" actId="1036"/>
-          <ac:picMkLst>
-            <pc:docMk/>
-            <pc:sldMk cId="248048730" sldId="272"/>
-            <ac:picMk id="5" creationId="{6322FBD9-FD8F-9C95-2729-127E6A05B844}"/>
-          </ac:picMkLst>
-        </pc:picChg>
-        <pc:picChg chg="mod">
-          <ac:chgData name="Tom Hoyland" userId="736d7a3e-93c7-4109-90c5-e67b8b3e41b2" providerId="ADAL" clId="{A4D346AA-F248-6444-93C1-EF2F2E65C714}" dt="2024-08-20T11:33:03.837" v="628" actId="1036"/>
-          <ac:picMkLst>
-            <pc:docMk/>
-            <pc:sldMk cId="248048730" sldId="272"/>
-            <ac:picMk id="6" creationId="{2BE0E3B7-67DB-7D22-62F7-F28225398F7E}"/>
-          </ac:picMkLst>
-        </pc:picChg>
-        <pc:picChg chg="mod">
-          <ac:chgData name="Tom Hoyland" userId="736d7a3e-93c7-4109-90c5-e67b8b3e41b2" providerId="ADAL" clId="{A4D346AA-F248-6444-93C1-EF2F2E65C714}" dt="2024-08-20T11:33:03.837" v="628" actId="1036"/>
-          <ac:picMkLst>
-            <pc:docMk/>
-            <pc:sldMk cId="248048730" sldId="272"/>
-            <ac:picMk id="7" creationId="{4025EFFD-6B77-7453-3202-61E018612DB9}"/>
-          </ac:picMkLst>
-        </pc:picChg>
-        <pc:picChg chg="mod">
-          <ac:chgData name="Tom Hoyland" userId="736d7a3e-93c7-4109-90c5-e67b8b3e41b2" providerId="ADAL" clId="{A4D346AA-F248-6444-93C1-EF2F2E65C714}" dt="2024-08-20T11:33:03.837" v="628" actId="1036"/>
-          <ac:picMkLst>
-            <pc:docMk/>
-            <pc:sldMk cId="248048730" sldId="272"/>
-            <ac:picMk id="9" creationId="{AFD2E46D-615E-B65D-1188-F2A6AB1738D7}"/>
-          </ac:picMkLst>
-        </pc:picChg>
-        <pc:picChg chg="mod">
-          <ac:chgData name="Tom Hoyland" userId="736d7a3e-93c7-4109-90c5-e67b8b3e41b2" providerId="ADAL" clId="{A4D346AA-F248-6444-93C1-EF2F2E65C714}" dt="2024-08-20T11:33:03.837" v="628" actId="1036"/>
-          <ac:picMkLst>
-            <pc:docMk/>
-            <pc:sldMk cId="248048730" sldId="272"/>
-            <ac:picMk id="12" creationId="{5C0C4BE6-1C53-E473-95EA-95C0F5CF1564}"/>
-          </ac:picMkLst>
-        </pc:picChg>
-        <pc:picChg chg="mod">
-          <ac:chgData name="Tom Hoyland" userId="736d7a3e-93c7-4109-90c5-e67b8b3e41b2" providerId="ADAL" clId="{A4D346AA-F248-6444-93C1-EF2F2E65C714}" dt="2024-08-20T11:33:03.837" v="628" actId="1036"/>
-          <ac:picMkLst>
-            <pc:docMk/>
-            <pc:sldMk cId="248048730" sldId="272"/>
-            <ac:picMk id="15" creationId="{1A85A53A-A4EB-808E-BCEA-EEBBAB52ECBA}"/>
-          </ac:picMkLst>
-        </pc:picChg>
-        <pc:picChg chg="mod">
-          <ac:chgData name="Tom Hoyland" userId="736d7a3e-93c7-4109-90c5-e67b8b3e41b2" providerId="ADAL" clId="{A4D346AA-F248-6444-93C1-EF2F2E65C714}" dt="2024-08-20T11:33:03.837" v="628" actId="1036"/>
-          <ac:picMkLst>
-            <pc:docMk/>
-            <pc:sldMk cId="248048730" sldId="272"/>
-            <ac:picMk id="17" creationId="{0FE1B1AD-E962-2850-8199-8B489F405D39}"/>
-          </ac:picMkLst>
-        </pc:picChg>
-        <pc:picChg chg="mod">
-          <ac:chgData name="Tom Hoyland" userId="736d7a3e-93c7-4109-90c5-e67b8b3e41b2" providerId="ADAL" clId="{A4D346AA-F248-6444-93C1-EF2F2E65C714}" dt="2024-08-20T11:33:03.837" v="628" actId="1036"/>
-          <ac:picMkLst>
-            <pc:docMk/>
-            <pc:sldMk cId="248048730" sldId="272"/>
-            <ac:picMk id="21" creationId="{177349E7-5A4C-46C5-B5B8-4980C12E809F}"/>
-          </ac:picMkLst>
-        </pc:picChg>
       </pc:sldChg>
     </pc:docChg>
   </pc:docChgLst>
@@ -3251,7 +3251,7 @@
           <a:p>
             <a:fld id="{5C06DD1F-C8BB-C544-8951-53B94EFC2F92}" type="datetimeFigureOut">
               <a:rPr lang="en-GB" smtClean="0"/>
-              <a:t>15/11/2024</a:t>
+              <a:t>16/11/2024</a:t>
             </a:fld>
             <a:endParaRPr lang="en-GB" dirty="0"/>
           </a:p>
@@ -3773,7 +3773,7 @@
           <a:p>
             <a:fld id="{C2607E07-18ED-174A-9B6F-CAD87D1E6349}" type="datetimeFigureOut">
               <a:rPr lang="en-GB" smtClean="0"/>
-              <a:t>15/11/2024</a:t>
+              <a:t>16/11/2024</a:t>
             </a:fld>
             <a:endParaRPr lang="en-GB" dirty="0"/>
           </a:p>
@@ -3971,7 +3971,7 @@
           <a:p>
             <a:fld id="{C2607E07-18ED-174A-9B6F-CAD87D1E6349}" type="datetimeFigureOut">
               <a:rPr lang="en-GB" smtClean="0"/>
-              <a:t>15/11/2024</a:t>
+              <a:t>16/11/2024</a:t>
             </a:fld>
             <a:endParaRPr lang="en-GB" dirty="0"/>
           </a:p>
@@ -4179,7 +4179,7 @@
           <a:p>
             <a:fld id="{C2607E07-18ED-174A-9B6F-CAD87D1E6349}" type="datetimeFigureOut">
               <a:rPr lang="en-GB" smtClean="0"/>
-              <a:t>15/11/2024</a:t>
+              <a:t>16/11/2024</a:t>
             </a:fld>
             <a:endParaRPr lang="en-GB" dirty="0"/>
           </a:p>
@@ -4377,7 +4377,7 @@
           <a:p>
             <a:fld id="{C2607E07-18ED-174A-9B6F-CAD87D1E6349}" type="datetimeFigureOut">
               <a:rPr lang="en-GB" smtClean="0"/>
-              <a:t>15/11/2024</a:t>
+              <a:t>16/11/2024</a:t>
             </a:fld>
             <a:endParaRPr lang="en-GB" dirty="0"/>
           </a:p>
@@ -4652,7 +4652,7 @@
           <a:p>
             <a:fld id="{C2607E07-18ED-174A-9B6F-CAD87D1E6349}" type="datetimeFigureOut">
               <a:rPr lang="en-GB" smtClean="0"/>
-              <a:t>15/11/2024</a:t>
+              <a:t>16/11/2024</a:t>
             </a:fld>
             <a:endParaRPr lang="en-GB" dirty="0"/>
           </a:p>
@@ -4917,7 +4917,7 @@
           <a:p>
             <a:fld id="{C2607E07-18ED-174A-9B6F-CAD87D1E6349}" type="datetimeFigureOut">
               <a:rPr lang="en-GB" smtClean="0"/>
-              <a:t>15/11/2024</a:t>
+              <a:t>16/11/2024</a:t>
             </a:fld>
             <a:endParaRPr lang="en-GB" dirty="0"/>
           </a:p>
@@ -5329,7 +5329,7 @@
           <a:p>
             <a:fld id="{C2607E07-18ED-174A-9B6F-CAD87D1E6349}" type="datetimeFigureOut">
               <a:rPr lang="en-GB" smtClean="0"/>
-              <a:t>15/11/2024</a:t>
+              <a:t>16/11/2024</a:t>
             </a:fld>
             <a:endParaRPr lang="en-GB" dirty="0"/>
           </a:p>
@@ -5470,7 +5470,7 @@
           <a:p>
             <a:fld id="{C2607E07-18ED-174A-9B6F-CAD87D1E6349}" type="datetimeFigureOut">
               <a:rPr lang="en-GB" smtClean="0"/>
-              <a:t>15/11/2024</a:t>
+              <a:t>16/11/2024</a:t>
             </a:fld>
             <a:endParaRPr lang="en-GB" dirty="0"/>
           </a:p>
@@ -5583,7 +5583,7 @@
           <a:p>
             <a:fld id="{C2607E07-18ED-174A-9B6F-CAD87D1E6349}" type="datetimeFigureOut">
               <a:rPr lang="en-GB" smtClean="0"/>
-              <a:t>15/11/2024</a:t>
+              <a:t>16/11/2024</a:t>
             </a:fld>
             <a:endParaRPr lang="en-GB" dirty="0"/>
           </a:p>
@@ -5894,7 +5894,7 @@
           <a:p>
             <a:fld id="{C2607E07-18ED-174A-9B6F-CAD87D1E6349}" type="datetimeFigureOut">
               <a:rPr lang="en-GB" smtClean="0"/>
-              <a:t>15/11/2024</a:t>
+              <a:t>16/11/2024</a:t>
             </a:fld>
             <a:endParaRPr lang="en-GB" dirty="0"/>
           </a:p>
@@ -6182,7 +6182,7 @@
           <a:p>
             <a:fld id="{C2607E07-18ED-174A-9B6F-CAD87D1E6349}" type="datetimeFigureOut">
               <a:rPr lang="en-GB" smtClean="0"/>
-              <a:t>15/11/2024</a:t>
+              <a:t>16/11/2024</a:t>
             </a:fld>
             <a:endParaRPr lang="en-GB" dirty="0"/>
           </a:p>
@@ -6423,7 +6423,7 @@
           <a:p>
             <a:fld id="{C2607E07-18ED-174A-9B6F-CAD87D1E6349}" type="datetimeFigureOut">
               <a:rPr lang="en-GB" smtClean="0"/>
-              <a:t>15/11/2024</a:t>
+              <a:t>16/11/2024</a:t>
             </a:fld>
             <a:endParaRPr lang="en-GB" dirty="0"/>
           </a:p>
@@ -7072,7 +7072,7 @@
                 <a:latin typeface="Arial" panose="020B0604020202020204" pitchFamily="34" charset="0"/>
                 <a:cs typeface="Arial" panose="020B0604020202020204" pitchFamily="34" charset="0"/>
               </a:rPr>
-              <a:t>Author: Tom Hoyland | Version 1.5</a:t>
+              <a:t>Author: Tom Hoyland | Version 1.6</a:t>
             </a:r>
           </a:p>
         </p:txBody>
@@ -9241,7 +9241,7 @@
                 <a:latin typeface="Arial" panose="020B0604020202020204" pitchFamily="34" charset="0"/>
                 <a:cs typeface="Arial" panose="020B0604020202020204" pitchFamily="34" charset="0"/>
               </a:rPr>
-              <a:t>Author: Tom Hoyland | Version 1.5</a:t>
+              <a:t>Author: Tom Hoyland | Version 1.6</a:t>
             </a:r>
           </a:p>
         </p:txBody>
@@ -9456,7 +9456,7 @@
           <a:p>
             <a:r>
               <a:rPr lang="en-GB" b="1" dirty="0"/>
-              <a:t>5.1. Getting Started – Get Your Resources</a:t>
+              <a:t>5.1. Getting Started - Get Your Resources</a:t>
             </a:r>
           </a:p>
         </p:txBody>
@@ -9679,7 +9679,7 @@
                 <a:latin typeface="Arial" panose="020B0604020202020204" pitchFamily="34" charset="0"/>
                 <a:cs typeface="Arial" panose="020B0604020202020204" pitchFamily="34" charset="0"/>
               </a:rPr>
-              <a:t>Author: Tom Hoyland | Version 1.5</a:t>
+              <a:t>Author: Tom Hoyland | Version 1.6</a:t>
             </a:r>
           </a:p>
         </p:txBody>
@@ -9834,7 +9834,7 @@
           <a:p>
             <a:r>
               <a:rPr lang="en-GB" b="1" dirty="0"/>
-              <a:t>5.2. Getting Started – Using the Pathway</a:t>
+              <a:t>5.2. Getting Started - Using the Pathway</a:t>
             </a:r>
           </a:p>
         </p:txBody>
@@ -10069,7 +10069,7 @@
                 <a:latin typeface="Arial" panose="020B0604020202020204" pitchFamily="34" charset="0"/>
                 <a:cs typeface="Arial" panose="020B0604020202020204" pitchFamily="34" charset="0"/>
               </a:rPr>
-              <a:t>Author: Tom Hoyland | Version 1.5</a:t>
+              <a:t>Author: Tom Hoyland | Version 1.6</a:t>
             </a:r>
           </a:p>
         </p:txBody>
@@ -10218,7 +10218,7 @@
           <a:p>
             <a:r>
               <a:rPr lang="en-GB" b="1" dirty="0"/>
-              <a:t>6. Origin Story – How We Got Here</a:t>
+              <a:t>6. Origin Story - How We Got Here</a:t>
             </a:r>
           </a:p>
         </p:txBody>
@@ -10350,7 +10350,7 @@
                 <a:latin typeface="Arial" panose="020B0604020202020204" pitchFamily="34" charset="0"/>
                 <a:cs typeface="Arial" panose="020B0604020202020204" pitchFamily="34" charset="0"/>
               </a:rPr>
-              <a:t>Author: Tom Hoyland | Version 1.5</a:t>
+              <a:t>Author: Tom Hoyland | Version 1.6</a:t>
             </a:r>
           </a:p>
         </p:txBody>
@@ -10505,7 +10505,7 @@
           <a:p>
             <a:r>
               <a:rPr lang="en-GB" b="1" dirty="0"/>
-              <a:t>6.1. What We Did – Role &amp; Stance Matrix</a:t>
+              <a:t>6.1. What We Did - Role &amp; Stance Matrix</a:t>
             </a:r>
           </a:p>
         </p:txBody>
@@ -10691,7 +10691,7 @@
                 <a:latin typeface="Arial" panose="020B0604020202020204" pitchFamily="34" charset="0"/>
                 <a:cs typeface="Arial" panose="020B0604020202020204" pitchFamily="34" charset="0"/>
               </a:rPr>
-              <a:t>Author: Tom Hoyland | Version 1.5</a:t>
+              <a:t>Author: Tom Hoyland | Version 1.6</a:t>
             </a:r>
           </a:p>
         </p:txBody>
@@ -10958,7 +10958,7 @@
                 <a:latin typeface="Arial" panose="020B0604020202020204" pitchFamily="34" charset="0"/>
                 <a:cs typeface="Arial" panose="020B0604020202020204" pitchFamily="34" charset="0"/>
               </a:rPr>
-              <a:t>Author: Tom Hoyland | Version 1.5</a:t>
+              <a:t>Author: Tom Hoyland | Version 1.6</a:t>
             </a:r>
           </a:p>
         </p:txBody>
@@ -11068,7 +11068,7 @@
             <p:ph idx="1"/>
             <p:extLst>
               <p:ext uri="{D42A27DB-BD31-4B8C-83A1-F6EECF244321}">
-                <p14:modId xmlns:p14="http://schemas.microsoft.com/office/powerpoint/2010/main" val="3389321768"/>
+                <p14:modId xmlns:p14="http://schemas.microsoft.com/office/powerpoint/2010/main" val="1964541033"/>
               </p:ext>
             </p:extLst>
           </p:nvPr>
@@ -11890,7 +11890,7 @@
                           <a:latin typeface="Arial" panose="020B0604020202020204" pitchFamily="34" charset="0"/>
                           <a:cs typeface="Arial" panose="020B0604020202020204" pitchFamily="34" charset="0"/>
                         </a:rPr>
-                        <a:t>Focuses on personal growth and development, investing  in learning opportunities and seeking mentorship.</a:t>
+                        <a:t>Focuses on personal and professional development, investing in learning opportunities and seeking  mentorship.</a:t>
                       </a:r>
                     </a:p>
                     <a:p>
@@ -12098,7 +12098,7 @@
                           <a:latin typeface="Arial" panose="020B0604020202020204" pitchFamily="34" charset="0"/>
                           <a:cs typeface="Arial" panose="020B0604020202020204" pitchFamily="34" charset="0"/>
                         </a:rPr>
-                        <a:t>Invests in personal growth and well-being, serving as a role model for continuous learning and development.</a:t>
+                        <a:t>Invests in personal and professional growth and well-being, serving as a role model for continuous learning   and development.</a:t>
                       </a:r>
                       <a:endParaRPr lang="en-GB" sz="550" u="none" strike="noStrike" kern="1200" dirty="0">
                         <a:solidFill>
@@ -12172,7 +12172,7 @@
                           <a:latin typeface="Arial" panose="020B0604020202020204" pitchFamily="34" charset="0"/>
                           <a:cs typeface="Arial" panose="020B0604020202020204" pitchFamily="34" charset="0"/>
                         </a:rPr>
-                        <a:t>Prioritizes self-mastery, fostering a culture of learning   and reflection across the organization.</a:t>
+                        <a:t>Prioritises self-awareness and self-mastery, whilst fostering a culture of learning and reflection across the organisation.</a:t>
                       </a:r>
                     </a:p>
                     <a:p>
@@ -12266,7 +12266,7 @@
                           <a:latin typeface="Arial" panose="020B0604020202020204" pitchFamily="34" charset="0"/>
                           <a:cs typeface="Arial" panose="020B0604020202020204" pitchFamily="34" charset="0"/>
                         </a:rPr>
-                        <a:t>Practices self-awareness and self-care, balancing personal well-being with professional responsibilities.</a:t>
+                        <a:t>Practices and promotes self-awareness and self-care across teams, balancing personal well-being with professional responsibilities.</a:t>
                       </a:r>
                     </a:p>
                     <a:p>
@@ -12484,7 +12484,7 @@
                           <a:latin typeface="Arial" panose="020B0604020202020204" pitchFamily="34" charset="0"/>
                           <a:cs typeface="Arial" panose="020B0604020202020204" pitchFamily="34" charset="0"/>
                         </a:rPr>
-                        <a:t>Supports agile activities within the development team, contributing to the adoption and execution of agile methods.</a:t>
+                        <a:t>Supports agile activities and delivery within the team, contributing to the adoption and effective use of agile practices.</a:t>
                       </a:r>
                       <a:endParaRPr lang="en-GB" sz="550" u="none" strike="noStrike" kern="1200" dirty="0">
                         <a:solidFill>
@@ -12557,7 +12557,7 @@
                           <a:latin typeface="Arial" panose="020B0604020202020204" pitchFamily="34" charset="0"/>
                           <a:cs typeface="Arial" panose="020B0604020202020204" pitchFamily="34" charset="0"/>
                         </a:rPr>
-                        <a:t>Demonstrates a foundational understanding of agile principles and practices, contributing to the smooth execution of agile methods.</a:t>
+                        <a:t>Demonstrates a foundational understanding of agile principles and practices and can articulate their value and impact clearly.</a:t>
                       </a:r>
                     </a:p>
                     <a:p>
@@ -12577,7 +12577,7 @@
                           <a:latin typeface="Arial" panose="020B0604020202020204" pitchFamily="34" charset="0"/>
                           <a:cs typeface="Arial" panose="020B0604020202020204" pitchFamily="34" charset="0"/>
                         </a:rPr>
-                        <a:t>Works within a development team to ensure adherence to agile frameworks and practices.</a:t>
+                        <a:t>Works within teams to ensure effective adoption of agile approaches, methods and practices.</a:t>
                       </a:r>
                       <a:endParaRPr lang="en-GB" sz="550" u="none" strike="noStrike" kern="1200" dirty="0">
                         <a:solidFill>
@@ -12650,7 +12650,7 @@
                           <a:latin typeface="Arial" panose="020B0604020202020204" pitchFamily="34" charset="0"/>
                           <a:cs typeface="Arial" panose="020B0604020202020204" pitchFamily="34" charset="0"/>
                         </a:rPr>
-                        <a:t>Applies agile principles and practices to oversee the successful delivery of software initiatives, ensuring alignment with agile frameworks.</a:t>
+                        <a:t>Successfully applies agile principles and practices to support the delivery of initiatives, selecting the right approach for the right context.</a:t>
                       </a:r>
                     </a:p>
                     <a:p>
@@ -12670,7 +12670,7 @@
                           <a:latin typeface="Arial" panose="020B0604020202020204" pitchFamily="34" charset="0"/>
                           <a:cs typeface="Arial" panose="020B0604020202020204" pitchFamily="34" charset="0"/>
                         </a:rPr>
-                        <a:t>Utilizes agile methods such as Scrum or Kanban to optimize team performance and initiative outcomes.</a:t>
+                        <a:t>Utilises approaches including Scrum and Kanban to optimise overall team performance and outcomes.</a:t>
                       </a:r>
                     </a:p>
                   </a:txBody>
@@ -12734,7 +12734,7 @@
                           <a:latin typeface="Arial" panose="020B0604020202020204" pitchFamily="34" charset="0"/>
                           <a:cs typeface="Arial" panose="020B0604020202020204" pitchFamily="34" charset="0"/>
                         </a:rPr>
-                        <a:t>Serves as a subject matter expert in agile methods, providing guidance and support in their adoption and implementation.</a:t>
+                        <a:t>Serves as a subject matter expert in agile methods, approaches and practices, providing guidance and  support in their adoption and implementation.</a:t>
                       </a:r>
                     </a:p>
                     <a:p>
@@ -12754,7 +12754,7 @@
                           <a:latin typeface="Arial" panose="020B0604020202020204" pitchFamily="34" charset="0"/>
                           <a:cs typeface="Arial" panose="020B0604020202020204" pitchFamily="34" charset="0"/>
                         </a:rPr>
-                        <a:t>Leads agile transformation efforts, driving the  organization towards agile maturity and excellence.</a:t>
+                        <a:t>Leads agile transformation efforts, driving the   organisation towards agile maturity and excellence.</a:t>
                       </a:r>
                       <a:endParaRPr lang="en-GB" sz="550" u="none" strike="noStrike" kern="1200" dirty="0">
                         <a:solidFill>
@@ -12827,7 +12827,7 @@
                           <a:latin typeface="Arial" panose="020B0604020202020204" pitchFamily="34" charset="0"/>
                           <a:cs typeface="Arial" panose="020B0604020202020204" pitchFamily="34" charset="0"/>
                         </a:rPr>
-                        <a:t>Exhibits deep understanding and experience in agile methods and frameworks, guiding teams in their implementation and execution.</a:t>
+                        <a:t>Exhibits deep understanding of agile methods, guiding teams in their implementation and execution.</a:t>
                       </a:r>
                     </a:p>
                     <a:p>
@@ -12847,7 +12847,7 @@
                           <a:latin typeface="Arial" panose="020B0604020202020204" pitchFamily="34" charset="0"/>
                           <a:cs typeface="Arial" panose="020B0604020202020204" pitchFamily="34" charset="0"/>
                         </a:rPr>
-                        <a:t>Provides expertise in agile practices such as Scrum or Kanban, ensuring alignment with agile principles and values.</a:t>
+                        <a:t>Provides expertise in agile approaches such as Scrum or Kanban, supporting team alignment with agile principles and values.</a:t>
                       </a:r>
                       <a:endParaRPr lang="en-GB" sz="550" u="none" strike="noStrike" kern="1200" dirty="0">
                         <a:solidFill>
@@ -13198,7 +13198,7 @@
                           <a:latin typeface="Arial" panose="020B0604020202020204" pitchFamily="34" charset="0"/>
                           <a:cs typeface="Arial" panose="020B0604020202020204" pitchFamily="34" charset="0"/>
                         </a:rPr>
-                        <a:t>Serves as a role model for agile practices, fostering a culture of collaboration and continuous improvement.</a:t>
+                        <a:t>Serves as a role model for agile practices, fostering a culture of collaboration continuous improvement and team self-organisation.</a:t>
                       </a:r>
                     </a:p>
                     <a:p>
@@ -13218,7 +13218,7 @@
                           <a:latin typeface="Arial" panose="020B0604020202020204" pitchFamily="34" charset="0"/>
                           <a:cs typeface="Arial" panose="020B0604020202020204" pitchFamily="34" charset="0"/>
                         </a:rPr>
-                        <a:t>Empowers agile teams and promotes growth and well-being within the organization.</a:t>
+                        <a:t>Empowers agile teams and promotes growth and well-being within the organisation.</a:t>
                       </a:r>
                       <a:endParaRPr lang="en-GB" sz="550" u="none" strike="noStrike" kern="1200" dirty="0">
                         <a:solidFill>
@@ -13292,7 +13292,7 @@
                           <a:latin typeface="Arial" panose="020B0604020202020204" pitchFamily="34" charset="0"/>
                           <a:cs typeface="Arial" panose="020B0604020202020204" pitchFamily="34" charset="0"/>
                         </a:rPr>
-                        <a:t>Leads organizational agile transformation efforts, driving adoption and success.</a:t>
+                        <a:t>Leads organisational cultural transformation efforts,  developing and driving the adoption of self-organisation.</a:t>
                       </a:r>
                     </a:p>
                     <a:p>
@@ -13312,7 +13312,7 @@
                           <a:latin typeface="Arial" panose="020B0604020202020204" pitchFamily="34" charset="0"/>
                           <a:cs typeface="Arial" panose="020B0604020202020204" pitchFamily="34" charset="0"/>
                         </a:rPr>
-                        <a:t>Fosters a culture of continuous improvement, serving as   a champion for agile principles and practices.</a:t>
+                        <a:t>Fosters a culture of continuous improvement, serving as   a role model and champion for principles, practices that support Servant Leadership.</a:t>
                       </a:r>
                       <a:endParaRPr lang="en-GB" sz="550" u="none" strike="noStrike" kern="1200" dirty="0">
                         <a:solidFill>
@@ -13386,7 +13386,7 @@
                           <a:latin typeface="Arial" panose="020B0604020202020204" pitchFamily="34" charset="0"/>
                           <a:cs typeface="Arial" panose="020B0604020202020204" pitchFamily="34" charset="0"/>
                         </a:rPr>
-                        <a:t>Drives team agility and maximizes business outcomes, focusing on delivering value and fostering a culture of agility.</a:t>
+                        <a:t>Drives team agility and maximises business outcomes, focusing on delivering value and fostering a culture of agility.</a:t>
                       </a:r>
                     </a:p>
                     <a:p>
@@ -13406,7 +13406,7 @@
                           <a:latin typeface="Arial" panose="020B0604020202020204" pitchFamily="34" charset="0"/>
                           <a:cs typeface="Arial" panose="020B0604020202020204" pitchFamily="34" charset="0"/>
                         </a:rPr>
-                        <a:t>Provides leadership and mentorship, promoting growth and excellence within the team.</a:t>
+                        <a:t>Provides leadership and mentorship in Servant Leadership, whilst promoting growth and Self Organisation across teams.</a:t>
                       </a:r>
                       <a:endParaRPr lang="en-GB" sz="550" u="none" strike="noStrike" kern="1200" dirty="0">
                         <a:solidFill>
@@ -13590,7 +13590,7 @@
                           <a:latin typeface="Arial" panose="020B0604020202020204" pitchFamily="34" charset="0"/>
                           <a:cs typeface="Arial" panose="020B0604020202020204" pitchFamily="34" charset="0"/>
                         </a:rPr>
-                        <a:t>Seeks mentorship from Senior/Agile Practitioners to enhance understanding and proficiency in agile Coaching approaches.</a:t>
+                        <a:t>Seeks mentorship from Senior/Agile Practitioners to enhance understanding and proficiency in agile coaching approaches.</a:t>
                       </a:r>
                       <a:endParaRPr lang="en-GB" sz="550" u="none" strike="noStrike" kern="1200" dirty="0">
                         <a:solidFill>
@@ -13849,7 +13849,7 @@
                           <a:latin typeface="Arial" panose="020B0604020202020204" pitchFamily="34" charset="0"/>
                           <a:cs typeface="Arial" panose="020B0604020202020204" pitchFamily="34" charset="0"/>
                         </a:rPr>
-                        <a:t>Provides expert coaching, and leadership in the understanding, adoption and implementation of agile methods.</a:t>
+                        <a:t>Provides expert coaching, and leadership in the understanding, adoption and implementation of agile methods, practices and behaviours.</a:t>
                       </a:r>
                     </a:p>
                     <a:p>
@@ -13869,7 +13869,7 @@
                           <a:latin typeface="Arial" panose="020B0604020202020204" pitchFamily="34" charset="0"/>
                           <a:cs typeface="Arial" panose="020B0604020202020204" pitchFamily="34" charset="0"/>
                         </a:rPr>
-                        <a:t>Coaches other Agile Practitioners, sharing knowledge and expertise in coaching practices to enhance their skills.</a:t>
+                        <a:t>Regularly coaches other colleagues and groups, to develop and enhance professional and personal capabilities, skills and resources. </a:t>
                       </a:r>
                       <a:endParaRPr lang="en-GB" sz="550" u="none" strike="noStrike" kern="1200" dirty="0">
                         <a:solidFill>
@@ -13942,7 +13942,7 @@
                           <a:latin typeface="Arial" panose="020B0604020202020204" pitchFamily="34" charset="0"/>
                           <a:cs typeface="Arial" panose="020B0604020202020204" pitchFamily="34" charset="0"/>
                         </a:rPr>
-                        <a:t>Acts as an advocate for change, providing coaching the teams they support and stakeholders.</a:t>
+                        <a:t>Acts as an advocate for change, coaching the teams they support and stakeholders.</a:t>
                       </a:r>
                     </a:p>
                     <a:p>
@@ -14109,12 +14109,22 @@
                     <a:bodyPr/>
                     <a:lstStyle/>
                     <a:p>
-                      <a:pPr marL="243450" indent="-171450" algn="l" defTabSz="914400" rtl="0" eaLnBrk="1" fontAlgn="b" latinLnBrk="0" hangingPunct="1">
+                      <a:pPr marL="243450" marR="0" lvl="0" indent="-171450" algn="l" defTabSz="914400" rtl="0" eaLnBrk="1" fontAlgn="b" latinLnBrk="0" hangingPunct="1">
+                        <a:lnSpc>
+                          <a:spcPct val="100000"/>
+                        </a:lnSpc>
+                        <a:spcBef>
+                          <a:spcPts val="0"/>
+                        </a:spcBef>
                         <a:spcAft>
                           <a:spcPts val="200"/>
                         </a:spcAft>
+                        <a:buClrTx/>
+                        <a:buSzTx/>
                         <a:buFont typeface="Arial" panose="020B0604020202020204" pitchFamily="34" charset="0"/>
                         <a:buChar char="•"/>
+                        <a:tabLst/>
+                        <a:defRPr/>
                       </a:pPr>
                       <a:r>
                         <a:rPr lang="en-GB" sz="550" u="none" strike="noStrike" kern="1200" dirty="0">
@@ -14125,7 +14135,7 @@
                           <a:latin typeface="Arial" panose="020B0604020202020204" pitchFamily="34" charset="0"/>
                           <a:cs typeface="Arial" panose="020B0604020202020204" pitchFamily="34" charset="0"/>
                         </a:rPr>
-                        <a:t>Assists in organizing and coordinating agile activities within the development team, contributing to a culture of collaboration and teamwork.</a:t>
+                        <a:t>Contributes to maintaining effective communication channels within the team.</a:t>
                       </a:r>
                     </a:p>
                     <a:p>
@@ -14145,17 +14155,8 @@
                           <a:latin typeface="Arial" panose="020B0604020202020204" pitchFamily="34" charset="0"/>
                           <a:cs typeface="Arial" panose="020B0604020202020204" pitchFamily="34" charset="0"/>
                         </a:rPr>
-                        <a:t>Facilitates agile events and contributes to maintaining effective communication channels within the team.</a:t>
+                        <a:t>Assists in organising, coordinating and facilitating agile activities within the team, contributing to a culture of collaboration and teamwork.</a:t>
                       </a:r>
-                      <a:endParaRPr lang="en-GB" sz="550" u="none" strike="noStrike" kern="1200" dirty="0">
-                        <a:solidFill>
-                          <a:sysClr val="windowText" lastClr="000000"/>
-                        </a:solidFill>
-                        <a:effectLst/>
-                        <a:latin typeface="Arial" panose="020B0604020202020204" pitchFamily="34" charset="0"/>
-                        <a:ea typeface="+mn-ea"/>
-                        <a:cs typeface="Arial" panose="020B0604020202020204" pitchFamily="34" charset="0"/>
-                      </a:endParaRPr>
                     </a:p>
                   </a:txBody>
                   <a:tcPr marL="866" marR="866" marT="866" marB="0" anchor="ctr">
@@ -14219,7 +14220,7 @@
                           <a:latin typeface="Arial" panose="020B0604020202020204" pitchFamily="34" charset="0"/>
                           <a:cs typeface="Arial" panose="020B0604020202020204" pitchFamily="34" charset="0"/>
                         </a:rPr>
-                        <a:t>Facilitates collaboration and communication within the development team, ensuring transparency and trust.</a:t>
+                        <a:t>Facilitates collaboration and communication within the team, ensuring transparency and trust.</a:t>
                       </a:r>
                     </a:p>
                     <a:p>
@@ -14239,7 +14240,7 @@
                           <a:latin typeface="Arial" panose="020B0604020202020204" pitchFamily="34" charset="0"/>
                           <a:cs typeface="Arial" panose="020B0604020202020204" pitchFamily="34" charset="0"/>
                         </a:rPr>
-                        <a:t>Leads agile events like daily syncs, sprint planning, and retrospectives to promote effective collaboration.</a:t>
+                        <a:t>Facilitates agile events like daily syncs, planning, and retrospectives to promote effective collaboration, optimising their effectiveness.</a:t>
                       </a:r>
                       <a:endParaRPr lang="en-GB" sz="550" u="none" strike="noStrike" kern="1200" dirty="0">
                         <a:solidFill>
@@ -14333,7 +14334,7 @@
                           <a:latin typeface="Arial" panose="020B0604020202020204" pitchFamily="34" charset="0"/>
                           <a:cs typeface="Arial" panose="020B0604020202020204" pitchFamily="34" charset="0"/>
                         </a:rPr>
-                        <a:t>Creates an environment conducive to innovation and continuous learning through effective facilitation.</a:t>
+                        <a:t>Creates environments optimised for innovation and continuous learning through effective facilitation practices.</a:t>
                       </a:r>
                       <a:endParaRPr lang="en-GB" sz="550" u="none" strike="noStrike" kern="1200" dirty="0">
                         <a:solidFill>
@@ -14391,12 +14392,22 @@
                     <a:bodyPr/>
                     <a:lstStyle/>
                     <a:p>
-                      <a:pPr marL="243450" indent="-171450" algn="l" defTabSz="914400" rtl="0" eaLnBrk="1" fontAlgn="b" latinLnBrk="0" hangingPunct="1">
+                      <a:pPr marL="243450" marR="0" lvl="0" indent="-171450" algn="l" defTabSz="914400" rtl="0" eaLnBrk="1" fontAlgn="b" latinLnBrk="0" hangingPunct="1">
+                        <a:lnSpc>
+                          <a:spcPct val="100000"/>
+                        </a:lnSpc>
+                        <a:spcBef>
+                          <a:spcPts val="0"/>
+                        </a:spcBef>
                         <a:spcAft>
                           <a:spcPts val="200"/>
                         </a:spcAft>
+                        <a:buClrTx/>
+                        <a:buSzTx/>
                         <a:buFont typeface="Arial" panose="020B0604020202020204" pitchFamily="34" charset="0"/>
                         <a:buChar char="•"/>
+                        <a:tabLst/>
+                        <a:defRPr/>
                       </a:pPr>
                       <a:r>
                         <a:rPr lang="en-GB" sz="550" u="none" strike="noStrike" kern="1200" dirty="0">
@@ -14407,7 +14418,7 @@
                           <a:latin typeface="Arial" panose="020B0604020202020204" pitchFamily="34" charset="0"/>
                           <a:cs typeface="Arial" panose="020B0604020202020204" pitchFamily="34" charset="0"/>
                         </a:rPr>
-                        <a:t>Promotes collaboration, transparency, and continuous improvement through effective facilitation.</a:t>
+                        <a:t>Facilitates the creation and nurturing of an Agile Community of Practice, growing collaboration and       peer-to-peer learning across networks.</a:t>
                       </a:r>
                     </a:p>
                     <a:p>
@@ -14427,17 +14438,8 @@
                           <a:latin typeface="Arial" panose="020B0604020202020204" pitchFamily="34" charset="0"/>
                           <a:cs typeface="Arial" panose="020B0604020202020204" pitchFamily="34" charset="0"/>
                         </a:rPr>
-                        <a:t>Facilitates the creation and nurturing of an Agile Community of Practice, fostering collaboration and       peer-to-peer learning.</a:t>
+                        <a:t>Overcomes business challenges and increases strategic focus through providing expert facilitation services to all levels of the organisation.</a:t>
                       </a:r>
-                      <a:endParaRPr lang="en-GB" sz="550" u="none" strike="noStrike" kern="1200" dirty="0">
-                        <a:solidFill>
-                          <a:sysClr val="windowText" lastClr="000000"/>
-                        </a:solidFill>
-                        <a:effectLst/>
-                        <a:latin typeface="Arial" panose="020B0604020202020204" pitchFamily="34" charset="0"/>
-                        <a:ea typeface="+mn-ea"/>
-                        <a:cs typeface="Arial" panose="020B0604020202020204" pitchFamily="34" charset="0"/>
-                      </a:endParaRPr>
                     </a:p>
                   </a:txBody>
                   <a:tcPr marL="866" marR="866" marT="866" marB="0" anchor="ctr">
@@ -14521,7 +14523,7 @@
                           <a:latin typeface="Arial" panose="020B0604020202020204" pitchFamily="34" charset="0"/>
                           <a:cs typeface="Arial" panose="020B0604020202020204" pitchFamily="34" charset="0"/>
                         </a:rPr>
-                        <a:t>Organizes and facilitates workshops and knowledge-sharing sessions on Agile-related topics to promote continuous improvement.</a:t>
+                        <a:t>Organises and facilitates knowledge-sharing sessions on agile-related topics to promote continuous improvement across supported teams.</a:t>
                       </a:r>
                       <a:endParaRPr lang="en-GB" sz="550" u="none" strike="noStrike" kern="1200" dirty="0">
                         <a:solidFill>
@@ -14685,7 +14687,7 @@
                           <a:latin typeface="Arial" panose="020B0604020202020204" pitchFamily="34" charset="0"/>
                           <a:cs typeface="Arial" panose="020B0604020202020204" pitchFamily="34" charset="0"/>
                         </a:rPr>
-                        <a:t>Takes part in training and learning opportunities related to agile principles and methods, seeking mentorship to enhance learning and proficiency.</a:t>
+                        <a:t>Takes part in training and learning opportunities related to agile principles and practices, seeking mentorship to enhance learning and proficiency.</a:t>
                       </a:r>
                       <a:endParaRPr lang="en-GB" sz="550" u="none" strike="noStrike" kern="1200" dirty="0">
                         <a:solidFill>
@@ -14851,7 +14853,7 @@
                           <a:latin typeface="Arial" panose="020B0604020202020204" pitchFamily="34" charset="0"/>
                           <a:cs typeface="Arial" panose="020B0604020202020204" pitchFamily="34" charset="0"/>
                         </a:rPr>
-                        <a:t>Mentors and develops agile practitioners within the organization, providing training and coaching in agile practices and techniques.</a:t>
+                        <a:t>Trains and develops agile practitioners within the organisation, providing effective training in agile practices and techniques.</a:t>
                       </a:r>
                     </a:p>
                     <a:p>
@@ -14944,7 +14946,7 @@
                           <a:latin typeface="Arial" panose="020B0604020202020204" pitchFamily="34" charset="0"/>
                           <a:cs typeface="Arial" panose="020B0604020202020204" pitchFamily="34" charset="0"/>
                         </a:rPr>
-                        <a:t>Empowers agile teams to optimize their performance through mentorship, coaching, and skill development initiatives.</a:t>
+                        <a:t>Supports individuals, agile teams and groups to optimise their performance through immersive learning, continuous development and empowerment.</a:t>
                       </a:r>
                     </a:p>
                     <a:p>
@@ -14964,7 +14966,7 @@
                           <a:latin typeface="Arial" panose="020B0604020202020204" pitchFamily="34" charset="0"/>
                           <a:cs typeface="Arial" panose="020B0604020202020204" pitchFamily="34" charset="0"/>
                         </a:rPr>
-                        <a:t>Shares knowledge and expertise to enhance the team's capabilities and promote excellence in agile and agility. </a:t>
+                        <a:t>Shares deep knowledge and expertise to enhance capabilities, behaviours, promoting excellence in agile   and agility at all levels.</a:t>
                       </a:r>
                       <a:endParaRPr lang="en-GB" sz="550" u="none" strike="noStrike" kern="1200" dirty="0">
                         <a:solidFill>
@@ -15037,7 +15039,7 @@
                           <a:latin typeface="Arial" panose="020B0604020202020204" pitchFamily="34" charset="0"/>
                           <a:cs typeface="Arial" panose="020B0604020202020204" pitchFamily="34" charset="0"/>
                         </a:rPr>
-                        <a:t>Supports the development of high-performing agile teams, providing guidance and resources to enhance  skills and competencies.</a:t>
+                        <a:t>Supports the development of high-performing agile teams, providing guidance and resources to enhance skills and competencies.</a:t>
                       </a:r>
                     </a:p>
                     <a:p>
@@ -15057,7 +15059,7 @@
                           <a:latin typeface="Arial" panose="020B0604020202020204" pitchFamily="34" charset="0"/>
                           <a:cs typeface="Arial" panose="020B0604020202020204" pitchFamily="34" charset="0"/>
                         </a:rPr>
-                        <a:t>Designs learning initiatives to address skill gaps and promote professional development within the team.</a:t>
+                        <a:t>Designs learning initiatives to address skill gaps and promote professional development within teams.</a:t>
                       </a:r>
                       <a:endParaRPr lang="en-GB" sz="550" u="none" strike="noStrike" kern="1200" dirty="0">
                         <a:solidFill>
@@ -15408,7 +15410,7 @@
                           <a:latin typeface="Arial" panose="020B0604020202020204" pitchFamily="34" charset="0"/>
                           <a:cs typeface="Arial" panose="020B0604020202020204" pitchFamily="34" charset="0"/>
                         </a:rPr>
-                        <a:t>Advises stakeholders on agile transformation initiatives, guiding them toward a shared vision of organizational success.</a:t>
+                        <a:t>Advises stakeholders on agile transformation initiatives, guiding them toward a shared vision of organisational success.</a:t>
                       </a:r>
                     </a:p>
                     <a:p>
@@ -15502,7 +15504,7 @@
                           <a:latin typeface="Arial" panose="020B0604020202020204" pitchFamily="34" charset="0"/>
                           <a:cs typeface="Arial" panose="020B0604020202020204" pitchFamily="34" charset="0"/>
                         </a:rPr>
-                        <a:t>Guides organizational leaders in understanding the value of agile methods and practices, helping them drive sustainable change.</a:t>
+                        <a:t>Guides organisational leaders in understanding the value of agile methods and practices, helping them drive sustainable change.</a:t>
                       </a:r>
                     </a:p>
                     <a:p>
@@ -15596,7 +15598,7 @@
                           <a:latin typeface="Arial" panose="020B0604020202020204" pitchFamily="34" charset="0"/>
                           <a:cs typeface="Arial" panose="020B0604020202020204" pitchFamily="34" charset="0"/>
                         </a:rPr>
-                        <a:t>Advises senior leadership on agile adoption and transformation strategies, helping them understand the benefits and value of agile methods.</a:t>
+                        <a:t>Advises senior leadership on agile adoption, helping them understand the benefits and value of agile methods.</a:t>
                       </a:r>
                     </a:p>
                     <a:p>
@@ -15616,7 +15618,7 @@
                           <a:latin typeface="Arial" panose="020B0604020202020204" pitchFamily="34" charset="0"/>
                           <a:cs typeface="Arial" panose="020B0604020202020204" pitchFamily="34" charset="0"/>
                         </a:rPr>
-                        <a:t>Builds trust and credibility with stakeholders, providing expert guidance and insights to support decision-making and drive organizational success.</a:t>
+                        <a:t>Builds trust and credibility with stakeholders, providing expert guidance and insights to support decision-making and drive organisational success.</a:t>
                       </a:r>
                       <a:endParaRPr lang="en-GB" sz="550" u="none" strike="noStrike" kern="1200" dirty="0">
                         <a:solidFill>
@@ -15873,7 +15875,7 @@
                           <a:latin typeface="Arial" panose="020B0604020202020204" pitchFamily="34" charset="0"/>
                           <a:cs typeface="Arial" panose="020B0604020202020204" pitchFamily="34" charset="0"/>
                         </a:rPr>
-                        <a:t>Leads agile teams and drives successful initiative  delivery, inspiring others to embrace agile principles.</a:t>
+                        <a:t>Leads agile teams and drives successful initiative  delivery, inspiring others to embrace agile principles to achieve positive outcomes.</a:t>
                       </a:r>
                     </a:p>
                     <a:p>
@@ -15893,7 +15895,7 @@
                           <a:latin typeface="Arial" panose="020B0604020202020204" pitchFamily="34" charset="0"/>
                           <a:cs typeface="Arial" panose="020B0604020202020204" pitchFamily="34" charset="0"/>
                         </a:rPr>
-                        <a:t>Provides leadership and guidance to ensure alignment with organizational goals and objectives.</a:t>
+                        <a:t>Provides leadership and guidance to ensure alignment with organisational goals and objectives.</a:t>
                       </a:r>
                       <a:endParaRPr lang="en-GB" sz="550" u="none" strike="noStrike" kern="1200" dirty="0">
                         <a:solidFill>
@@ -15966,7 +15968,7 @@
                           <a:latin typeface="Arial" panose="020B0604020202020204" pitchFamily="34" charset="0"/>
                           <a:cs typeface="Arial" panose="020B0604020202020204" pitchFamily="34" charset="0"/>
                         </a:rPr>
-                        <a:t>Leads organizational agile transformation efforts, fostering a culture of collaboration and continuous improvement.</a:t>
+                        <a:t>Leads organisational agile transformation efforts,   fostering a culture of collaboration and continuous improvement.</a:t>
                       </a:r>
                     </a:p>
                     <a:p>
@@ -15986,7 +15988,7 @@
                           <a:latin typeface="Arial" panose="020B0604020202020204" pitchFamily="34" charset="0"/>
                           <a:cs typeface="Arial" panose="020B0604020202020204" pitchFamily="34" charset="0"/>
                         </a:rPr>
-                        <a:t>Inspires agile teams to achieve initiative goals and deliver value to customers.</a:t>
+                        <a:t>Inspires agile teams to achieve initiative goals and maximise customers impact and value.</a:t>
                       </a:r>
                       <a:endParaRPr lang="en-GB" sz="550" u="none" strike="noStrike" kern="1200" dirty="0">
                         <a:solidFill>
@@ -16059,7 +16061,7 @@
                           <a:latin typeface="Arial" panose="020B0604020202020204" pitchFamily="34" charset="0"/>
                           <a:cs typeface="Arial" panose="020B0604020202020204" pitchFamily="34" charset="0"/>
                         </a:rPr>
-                        <a:t>Leads the successful delivery of complex and transformative initiatives in an agile environment.</a:t>
+                        <a:t>Leads the successful delivery of complex and transformative initiatives in an agile environment, creating and developing responsive and resilient systems of work</a:t>
                       </a:r>
                     </a:p>
                     <a:p>
@@ -16079,7 +16081,7 @@
                           <a:latin typeface="Arial" panose="020B0604020202020204" pitchFamily="34" charset="0"/>
                           <a:cs typeface="Arial" panose="020B0604020202020204" pitchFamily="34" charset="0"/>
                         </a:rPr>
-                        <a:t>Catalyses growth and innovation, driving sustainable change across the organization.</a:t>
+                        <a:t>Catalyses growth and innovation, driving sustainable, impactful change across the organisation.</a:t>
                       </a:r>
                       <a:endParaRPr lang="en-GB" sz="550" u="none" strike="noStrike" kern="1200" dirty="0">
                         <a:solidFill>
@@ -16152,7 +16154,7 @@
                           <a:latin typeface="Arial" panose="020B0604020202020204" pitchFamily="34" charset="0"/>
                           <a:cs typeface="Arial" panose="020B0604020202020204" pitchFamily="34" charset="0"/>
                         </a:rPr>
-                        <a:t>Leads agile teams and portfolios, maximizing business outcomes and driving organizational change.</a:t>
+                        <a:t>Leads agile teams and portfolios, maximising business outcomes and driving organisational change.</a:t>
                       </a:r>
                     </a:p>
                     <a:p>
@@ -16355,7 +16357,7 @@
                           <a:latin typeface="Arial" panose="020B0604020202020204" pitchFamily="34" charset="0"/>
                           <a:cs typeface="Arial" panose="020B0604020202020204" pitchFamily="34" charset="0"/>
                         </a:rPr>
-                        <a:t>Participates in professional development activities to enhance skills in guiding sustainable change and organizational effectiveness.</a:t>
+                        <a:t>Participates in professional development activities to enhance skills in guiding sustainable change and organisational effectiveness.</a:t>
                       </a:r>
                       <a:endParaRPr lang="en-GB" sz="550" u="none" strike="noStrike" kern="1200" dirty="0">
                         <a:solidFill>
@@ -16449,7 +16451,7 @@
                           <a:latin typeface="Arial" panose="020B0604020202020204" pitchFamily="34" charset="0"/>
                           <a:cs typeface="Arial" panose="020B0604020202020204" pitchFamily="34" charset="0"/>
                         </a:rPr>
-                        <a:t>Guides teams in implementing agile methods and practices to drive organizational change.</a:t>
+                        <a:t>Guides teams in implementing agile methods and practices to drive organisational change.</a:t>
                       </a:r>
                       <a:endParaRPr lang="en-GB" sz="550" u="none" strike="noStrike" kern="1200" dirty="0">
                         <a:solidFill>
@@ -16523,7 +16525,7 @@
                           <a:latin typeface="Arial" panose="020B0604020202020204" pitchFamily="34" charset="0"/>
                           <a:cs typeface="Arial" panose="020B0604020202020204" pitchFamily="34" charset="0"/>
                         </a:rPr>
-                        <a:t>Drives agile transformation at an organizational level, promoting agile values and principles.</a:t>
+                        <a:t>Drives agile transformation at an organisational level, promoting agile values and principles.</a:t>
                       </a:r>
                     </a:p>
                     <a:p>
@@ -16617,7 +16619,7 @@
                           <a:latin typeface="Arial" panose="020B0604020202020204" pitchFamily="34" charset="0"/>
                           <a:cs typeface="Arial" panose="020B0604020202020204" pitchFamily="34" charset="0"/>
                         </a:rPr>
-                        <a:t>Leads organizational agile transformation efforts, driving adoption and success.</a:t>
+                        <a:t>Leads organisational agile transformation efforts, driving adoption and success across value streams and networks.</a:t>
                       </a:r>
                     </a:p>
                     <a:p>
@@ -16637,7 +16639,7 @@
                           <a:latin typeface="Arial" panose="020B0604020202020204" pitchFamily="34" charset="0"/>
                           <a:cs typeface="Arial" panose="020B0604020202020204" pitchFamily="34" charset="0"/>
                         </a:rPr>
-                        <a:t>Promotes a culture of agility and adaptability, guiding sustainable change for organizational effectiveness.</a:t>
+                        <a:t>Promotes a culture of agility and adaptability, and continuous feedback, guiding sustainable change for organisational effectiveness.</a:t>
                       </a:r>
                       <a:endParaRPr lang="en-GB" sz="550" u="none" strike="noStrike" kern="1200" dirty="0">
                         <a:solidFill>
@@ -16711,7 +16713,7 @@
                           <a:latin typeface="Arial" panose="020B0604020202020204" pitchFamily="34" charset="0"/>
                           <a:cs typeface="Arial" panose="020B0604020202020204" pitchFamily="34" charset="0"/>
                         </a:rPr>
-                        <a:t>Drives a culture of continuous improvement and innovation within agile teams and across the organization.</a:t>
+                        <a:t>Drives a culture of continuous improvement and  innovation within agile teams and across the organisation.</a:t>
                       </a:r>
                     </a:p>
                     <a:p>
@@ -16731,7 +16733,7 @@
                           <a:latin typeface="Arial" panose="020B0604020202020204" pitchFamily="34" charset="0"/>
                           <a:cs typeface="Arial" panose="020B0604020202020204" pitchFamily="34" charset="0"/>
                         </a:rPr>
-                        <a:t>Leads change initiatives to optimize team performance and deliver value to customers.</a:t>
+                        <a:t>Leads change initiatives to optimise team performance and deliver value to customers.</a:t>
                       </a:r>
                       <a:endParaRPr lang="en-GB" sz="550" u="none" strike="noStrike" kern="1200" dirty="0">
                         <a:solidFill>
@@ -17057,7 +17059,7 @@
                 <a:latin typeface="Arial" panose="020B0604020202020204" pitchFamily="34" charset="0"/>
                 <a:cs typeface="Arial" panose="020B0604020202020204" pitchFamily="34" charset="0"/>
               </a:rPr>
-              <a:t>Author: Tom Hoyland | Version 1.5</a:t>
+              <a:t>Author: Tom Hoyland | Version 1.6</a:t>
             </a:r>
           </a:p>
         </p:txBody>
@@ -17383,7 +17385,7 @@
                 <a:latin typeface="Arial" panose="020B0604020202020204" pitchFamily="34" charset="0"/>
                 <a:cs typeface="Arial" panose="020B0604020202020204" pitchFamily="34" charset="0"/>
               </a:rPr>
-              <a:t>Author: Tom Hoyland | Version 1.5</a:t>
+              <a:t>Author: Tom Hoyland | Version 1.6</a:t>
             </a:r>
           </a:p>
         </p:txBody>
@@ -17710,7 +17712,7 @@
                 <a:latin typeface="Arial" panose="020B0604020202020204" pitchFamily="34" charset="0"/>
                 <a:cs typeface="Arial" panose="020B0604020202020204" pitchFamily="34" charset="0"/>
               </a:rPr>
-              <a:t>Author: Tom Hoyland | Version 1.5</a:t>
+              <a:t>Author: Tom Hoyland | Version 1.6</a:t>
             </a:r>
           </a:p>
         </p:txBody>
@@ -18043,7 +18045,7 @@
                 <a:latin typeface="Arial" panose="020B0604020202020204" pitchFamily="34" charset="0"/>
                 <a:cs typeface="Arial" panose="020B0604020202020204" pitchFamily="34" charset="0"/>
               </a:rPr>
-              <a:t>Author: Tom Hoyland | Version 1.5</a:t>
+              <a:t>Author: Tom Hoyland | Version 1.6</a:t>
             </a:r>
           </a:p>
         </p:txBody>
@@ -18355,7 +18357,7 @@
                 <a:latin typeface="Arial" panose="020B0604020202020204" pitchFamily="34" charset="0"/>
                 <a:cs typeface="Arial" panose="020B0604020202020204" pitchFamily="34" charset="0"/>
               </a:rPr>
-              <a:t>Author: Tom Hoyland | Version 1.5</a:t>
+              <a:t>Author: Tom Hoyland | Version 1.6</a:t>
             </a:r>
           </a:p>
         </p:txBody>
@@ -19379,7 +19381,7 @@
                 <a:latin typeface="Arial" panose="020B0604020202020204" pitchFamily="34" charset="0"/>
                 <a:cs typeface="Arial" panose="020B0604020202020204" pitchFamily="34" charset="0"/>
               </a:rPr>
-              <a:t>Author: Tom Hoyland | Version 1.5</a:t>
+              <a:t>Author: Tom Hoyland | Version 1.6</a:t>
             </a:r>
           </a:p>
         </p:txBody>
@@ -19528,7 +19530,7 @@
           <a:p>
             <a:r>
               <a:rPr lang="en-GB" b="1" dirty="0"/>
-              <a:t>3.2. Background – What’s Changed</a:t>
+              <a:t>3.2. Background - What’s Changed</a:t>
             </a:r>
           </a:p>
         </p:txBody>
@@ -19979,7 +19981,7 @@
                 <a:latin typeface="Arial" panose="020B0604020202020204" pitchFamily="34" charset="0"/>
                 <a:cs typeface="Arial" panose="020B0604020202020204" pitchFamily="34" charset="0"/>
               </a:rPr>
-              <a:t>Author: Tom Hoyland | Version 1.5</a:t>
+              <a:t>Author: Tom Hoyland | Version 1.6</a:t>
             </a:r>
           </a:p>
         </p:txBody>
@@ -20134,7 +20136,7 @@
           <a:p>
             <a:r>
               <a:rPr lang="en-GB" b="1" dirty="0"/>
-              <a:t>3.3. Background – Capability Development</a:t>
+              <a:t>3.3. Background - Capability Development</a:t>
             </a:r>
           </a:p>
         </p:txBody>
@@ -20228,7 +20230,7 @@
                 <a:latin typeface="Arial" panose="020B0604020202020204" pitchFamily="34" charset="0"/>
                 <a:cs typeface="Arial" panose="020B0604020202020204" pitchFamily="34" charset="0"/>
               </a:rPr>
-              <a:t>Author: Tom Hoyland | Version 1.5</a:t>
+              <a:t>Author: Tom Hoyland | Version 1.6</a:t>
             </a:r>
           </a:p>
         </p:txBody>
@@ -20606,7 +20608,7 @@
                 <a:latin typeface="Arial" panose="020B0604020202020204" pitchFamily="34" charset="0"/>
                 <a:cs typeface="Arial" panose="020B0604020202020204" pitchFamily="34" charset="0"/>
               </a:rPr>
-              <a:t>Author: Tom Hoyland | Version 1.5</a:t>
+              <a:t>Author: Tom Hoyland | Version 1.6</a:t>
             </a:r>
           </a:p>
         </p:txBody>

--- a/Agile-Growth-Pathway.pptx
+++ b/Agile-Growth-Pathway.pptx
@@ -248,803 +248,6 @@
     </pc:docChg>
   </pc:docChgLst>
   <pc:docChgLst>
-    <pc:chgData name="Tom Hoyland" userId="736d7a3e-93c7-4109-90c5-e67b8b3e41b2" providerId="ADAL" clId="{A4D346AA-F248-6444-93C1-EF2F2E65C714}"/>
-    <pc:docChg chg="undo custSel addSld delSld modSld sldOrd">
-      <pc:chgData name="Tom Hoyland" userId="736d7a3e-93c7-4109-90c5-e67b8b3e41b2" providerId="ADAL" clId="{A4D346AA-F248-6444-93C1-EF2F2E65C714}" dt="2024-08-20T11:33:24.572" v="664" actId="404"/>
-      <pc:docMkLst>
-        <pc:docMk/>
-      </pc:docMkLst>
-      <pc:sldChg chg="addSp delSp modSp mod">
-        <pc:chgData name="Tom Hoyland" userId="736d7a3e-93c7-4109-90c5-e67b8b3e41b2" providerId="ADAL" clId="{A4D346AA-F248-6444-93C1-EF2F2E65C714}" dt="2024-08-20T10:35:24.927" v="523" actId="1076"/>
-        <pc:sldMkLst>
-          <pc:docMk/>
-          <pc:sldMk cId="215971509" sldId="258"/>
-        </pc:sldMkLst>
-        <pc:spChg chg="add del mod">
-          <ac:chgData name="Tom Hoyland" userId="736d7a3e-93c7-4109-90c5-e67b8b3e41b2" providerId="ADAL" clId="{A4D346AA-F248-6444-93C1-EF2F2E65C714}" dt="2024-08-20T10:35:16.759" v="521"/>
-          <ac:spMkLst>
-            <pc:docMk/>
-            <pc:sldMk cId="215971509" sldId="258"/>
-            <ac:spMk id="2" creationId="{13C5DC61-1188-B764-894D-18FA2653502D}"/>
-          </ac:spMkLst>
-        </pc:spChg>
-        <pc:graphicFrameChg chg="mod modGraphic">
-          <ac:chgData name="Tom Hoyland" userId="736d7a3e-93c7-4109-90c5-e67b8b3e41b2" providerId="ADAL" clId="{A4D346AA-F248-6444-93C1-EF2F2E65C714}" dt="2024-08-20T10:35:24.927" v="523" actId="1076"/>
-          <ac:graphicFrameMkLst>
-            <pc:docMk/>
-            <pc:sldMk cId="215971509" sldId="258"/>
-            <ac:graphicFrameMk id="4" creationId="{2C24AB31-CFE6-05B1-A05C-CB4B8F5125D5}"/>
-          </ac:graphicFrameMkLst>
-        </pc:graphicFrameChg>
-      </pc:sldChg>
-      <pc:sldChg chg="addSp delSp modSp del mod">
-        <pc:chgData name="Tom Hoyland" userId="736d7a3e-93c7-4109-90c5-e67b8b3e41b2" providerId="ADAL" clId="{A4D346AA-F248-6444-93C1-EF2F2E65C714}" dt="2024-08-20T11:32:51.918" v="598" actId="2696"/>
-        <pc:sldMkLst>
-          <pc:docMk/>
-          <pc:sldMk cId="1551894915" sldId="261"/>
-        </pc:sldMkLst>
-        <pc:spChg chg="del">
-          <ac:chgData name="Tom Hoyland" userId="736d7a3e-93c7-4109-90c5-e67b8b3e41b2" providerId="ADAL" clId="{A4D346AA-F248-6444-93C1-EF2F2E65C714}" dt="2024-08-20T11:32:39.566" v="595" actId="478"/>
-          <ac:spMkLst>
-            <pc:docMk/>
-            <pc:sldMk cId="1551894915" sldId="261"/>
-            <ac:spMk id="2" creationId="{60114F5B-200D-5E80-5596-D97099667249}"/>
-          </ac:spMkLst>
-        </pc:spChg>
-        <pc:spChg chg="add mod">
-          <ac:chgData name="Tom Hoyland" userId="736d7a3e-93c7-4109-90c5-e67b8b3e41b2" providerId="ADAL" clId="{A4D346AA-F248-6444-93C1-EF2F2E65C714}" dt="2024-08-20T11:32:39.566" v="595" actId="478"/>
-          <ac:spMkLst>
-            <pc:docMk/>
-            <pc:sldMk cId="1551894915" sldId="261"/>
-            <ac:spMk id="4" creationId="{D965E8EF-04AD-6DBB-D01A-5F2B61C6026F}"/>
-          </ac:spMkLst>
-        </pc:spChg>
-        <pc:spChg chg="del">
-          <ac:chgData name="Tom Hoyland" userId="736d7a3e-93c7-4109-90c5-e67b8b3e41b2" providerId="ADAL" clId="{A4D346AA-F248-6444-93C1-EF2F2E65C714}" dt="2024-08-20T11:32:39.566" v="595" actId="478"/>
-          <ac:spMkLst>
-            <pc:docMk/>
-            <pc:sldMk cId="1551894915" sldId="261"/>
-            <ac:spMk id="8" creationId="{8CDDB97D-A02F-8254-5432-E930CF01E0FC}"/>
-          </ac:spMkLst>
-        </pc:spChg>
-        <pc:spChg chg="del">
-          <ac:chgData name="Tom Hoyland" userId="736d7a3e-93c7-4109-90c5-e67b8b3e41b2" providerId="ADAL" clId="{A4D346AA-F248-6444-93C1-EF2F2E65C714}" dt="2024-08-20T11:32:39.566" v="595" actId="478"/>
-          <ac:spMkLst>
-            <pc:docMk/>
-            <pc:sldMk cId="1551894915" sldId="261"/>
-            <ac:spMk id="10" creationId="{C258F823-7B51-957A-9C20-93136D988928}"/>
-          </ac:spMkLst>
-        </pc:spChg>
-        <pc:spChg chg="del">
-          <ac:chgData name="Tom Hoyland" userId="736d7a3e-93c7-4109-90c5-e67b8b3e41b2" providerId="ADAL" clId="{A4D346AA-F248-6444-93C1-EF2F2E65C714}" dt="2024-08-20T11:32:39.566" v="595" actId="478"/>
-          <ac:spMkLst>
-            <pc:docMk/>
-            <pc:sldMk cId="1551894915" sldId="261"/>
-            <ac:spMk id="11" creationId="{706FB268-040E-2102-1308-B242A93B903A}"/>
-          </ac:spMkLst>
-        </pc:spChg>
-        <pc:spChg chg="del">
-          <ac:chgData name="Tom Hoyland" userId="736d7a3e-93c7-4109-90c5-e67b8b3e41b2" providerId="ADAL" clId="{A4D346AA-F248-6444-93C1-EF2F2E65C714}" dt="2024-08-20T11:32:39.566" v="595" actId="478"/>
-          <ac:spMkLst>
-            <pc:docMk/>
-            <pc:sldMk cId="1551894915" sldId="261"/>
-            <ac:spMk id="13" creationId="{380E85BC-FF65-970E-3CDA-C005D8E7882F}"/>
-          </ac:spMkLst>
-        </pc:spChg>
-        <pc:spChg chg="del">
-          <ac:chgData name="Tom Hoyland" userId="736d7a3e-93c7-4109-90c5-e67b8b3e41b2" providerId="ADAL" clId="{A4D346AA-F248-6444-93C1-EF2F2E65C714}" dt="2024-08-20T11:32:39.566" v="595" actId="478"/>
-          <ac:spMkLst>
-            <pc:docMk/>
-            <pc:sldMk cId="1551894915" sldId="261"/>
-            <ac:spMk id="14" creationId="{042E4238-C41B-D73B-C28B-0B462803692E}"/>
-          </ac:spMkLst>
-        </pc:spChg>
-        <pc:spChg chg="del">
-          <ac:chgData name="Tom Hoyland" userId="736d7a3e-93c7-4109-90c5-e67b8b3e41b2" providerId="ADAL" clId="{A4D346AA-F248-6444-93C1-EF2F2E65C714}" dt="2024-08-20T11:32:39.566" v="595" actId="478"/>
-          <ac:spMkLst>
-            <pc:docMk/>
-            <pc:sldMk cId="1551894915" sldId="261"/>
-            <ac:spMk id="16" creationId="{24D6D5B8-560A-7C70-9E81-B8EFB579F08E}"/>
-          </ac:spMkLst>
-        </pc:spChg>
-        <pc:spChg chg="del">
-          <ac:chgData name="Tom Hoyland" userId="736d7a3e-93c7-4109-90c5-e67b8b3e41b2" providerId="ADAL" clId="{A4D346AA-F248-6444-93C1-EF2F2E65C714}" dt="2024-08-20T11:32:39.566" v="595" actId="478"/>
-          <ac:spMkLst>
-            <pc:docMk/>
-            <pc:sldMk cId="1551894915" sldId="261"/>
-            <ac:spMk id="18" creationId="{F93BD877-DC0E-E976-9DE4-BE888B19CF0F}"/>
-          </ac:spMkLst>
-        </pc:spChg>
-        <pc:spChg chg="del">
-          <ac:chgData name="Tom Hoyland" userId="736d7a3e-93c7-4109-90c5-e67b8b3e41b2" providerId="ADAL" clId="{A4D346AA-F248-6444-93C1-EF2F2E65C714}" dt="2024-08-20T11:32:39.566" v="595" actId="478"/>
-          <ac:spMkLst>
-            <pc:docMk/>
-            <pc:sldMk cId="1551894915" sldId="261"/>
-            <ac:spMk id="28" creationId="{5ACB057E-5EA7-0F53-3026-546099232574}"/>
-          </ac:spMkLst>
-        </pc:spChg>
-        <pc:spChg chg="del">
-          <ac:chgData name="Tom Hoyland" userId="736d7a3e-93c7-4109-90c5-e67b8b3e41b2" providerId="ADAL" clId="{A4D346AA-F248-6444-93C1-EF2F2E65C714}" dt="2024-08-20T11:32:39.566" v="595" actId="478"/>
-          <ac:spMkLst>
-            <pc:docMk/>
-            <pc:sldMk cId="1551894915" sldId="261"/>
-            <ac:spMk id="29" creationId="{73641E73-F1C1-EAD9-8C93-D55E7BD2CDF8}"/>
-          </ac:spMkLst>
-        </pc:spChg>
-        <pc:spChg chg="del">
-          <ac:chgData name="Tom Hoyland" userId="736d7a3e-93c7-4109-90c5-e67b8b3e41b2" providerId="ADAL" clId="{A4D346AA-F248-6444-93C1-EF2F2E65C714}" dt="2024-08-20T11:32:39.566" v="595" actId="478"/>
-          <ac:spMkLst>
-            <pc:docMk/>
-            <pc:sldMk cId="1551894915" sldId="261"/>
-            <ac:spMk id="30" creationId="{0E4E77C7-934A-84F8-113F-232F677D364F}"/>
-          </ac:spMkLst>
-        </pc:spChg>
-        <pc:spChg chg="del">
-          <ac:chgData name="Tom Hoyland" userId="736d7a3e-93c7-4109-90c5-e67b8b3e41b2" providerId="ADAL" clId="{A4D346AA-F248-6444-93C1-EF2F2E65C714}" dt="2024-08-20T11:32:39.566" v="595" actId="478"/>
-          <ac:spMkLst>
-            <pc:docMk/>
-            <pc:sldMk cId="1551894915" sldId="261"/>
-            <ac:spMk id="31" creationId="{18DF7356-8B91-65DC-8FE8-32BFE8F1A09C}"/>
-          </ac:spMkLst>
-        </pc:spChg>
-        <pc:spChg chg="del">
-          <ac:chgData name="Tom Hoyland" userId="736d7a3e-93c7-4109-90c5-e67b8b3e41b2" providerId="ADAL" clId="{A4D346AA-F248-6444-93C1-EF2F2E65C714}" dt="2024-08-20T11:32:39.566" v="595" actId="478"/>
-          <ac:spMkLst>
-            <pc:docMk/>
-            <pc:sldMk cId="1551894915" sldId="261"/>
-            <ac:spMk id="32" creationId="{CE0A2A4C-DC20-3B09-E6C1-86C7406F3E22}"/>
-          </ac:spMkLst>
-        </pc:spChg>
-        <pc:spChg chg="del">
-          <ac:chgData name="Tom Hoyland" userId="736d7a3e-93c7-4109-90c5-e67b8b3e41b2" providerId="ADAL" clId="{A4D346AA-F248-6444-93C1-EF2F2E65C714}" dt="2024-08-20T11:32:39.566" v="595" actId="478"/>
-          <ac:spMkLst>
-            <pc:docMk/>
-            <pc:sldMk cId="1551894915" sldId="261"/>
-            <ac:spMk id="33" creationId="{B0CF220A-8F25-72EA-707D-3F51885CA3B4}"/>
-          </ac:spMkLst>
-        </pc:spChg>
-        <pc:spChg chg="del">
-          <ac:chgData name="Tom Hoyland" userId="736d7a3e-93c7-4109-90c5-e67b8b3e41b2" providerId="ADAL" clId="{A4D346AA-F248-6444-93C1-EF2F2E65C714}" dt="2024-08-20T11:32:39.566" v="595" actId="478"/>
-          <ac:spMkLst>
-            <pc:docMk/>
-            <pc:sldMk cId="1551894915" sldId="261"/>
-            <ac:spMk id="34" creationId="{FD091573-20FC-A6D7-6867-DCE7669E0934}"/>
-          </ac:spMkLst>
-        </pc:spChg>
-        <pc:spChg chg="del">
-          <ac:chgData name="Tom Hoyland" userId="736d7a3e-93c7-4109-90c5-e67b8b3e41b2" providerId="ADAL" clId="{A4D346AA-F248-6444-93C1-EF2F2E65C714}" dt="2024-08-20T11:32:39.566" v="595" actId="478"/>
-          <ac:spMkLst>
-            <pc:docMk/>
-            <pc:sldMk cId="1551894915" sldId="261"/>
-            <ac:spMk id="35" creationId="{14C3540D-164D-0502-B9B3-99DA425B4CAA}"/>
-          </ac:spMkLst>
-        </pc:spChg>
-        <pc:spChg chg="del">
-          <ac:chgData name="Tom Hoyland" userId="736d7a3e-93c7-4109-90c5-e67b8b3e41b2" providerId="ADAL" clId="{A4D346AA-F248-6444-93C1-EF2F2E65C714}" dt="2024-08-20T11:32:39.566" v="595" actId="478"/>
-          <ac:spMkLst>
-            <pc:docMk/>
-            <pc:sldMk cId="1551894915" sldId="261"/>
-            <ac:spMk id="36" creationId="{E590E56E-C5E5-6786-556B-9FF43F6C6253}"/>
-          </ac:spMkLst>
-        </pc:spChg>
-        <pc:picChg chg="del">
-          <ac:chgData name="Tom Hoyland" userId="736d7a3e-93c7-4109-90c5-e67b8b3e41b2" providerId="ADAL" clId="{A4D346AA-F248-6444-93C1-EF2F2E65C714}" dt="2024-08-20T11:32:39.566" v="595" actId="478"/>
-          <ac:picMkLst>
-            <pc:docMk/>
-            <pc:sldMk cId="1551894915" sldId="261"/>
-            <ac:picMk id="5" creationId="{62116002-A9FA-E0AB-8E6A-8CEE2DB576CB}"/>
-          </ac:picMkLst>
-        </pc:picChg>
-        <pc:picChg chg="del">
-          <ac:chgData name="Tom Hoyland" userId="736d7a3e-93c7-4109-90c5-e67b8b3e41b2" providerId="ADAL" clId="{A4D346AA-F248-6444-93C1-EF2F2E65C714}" dt="2024-08-20T11:32:39.566" v="595" actId="478"/>
-          <ac:picMkLst>
-            <pc:docMk/>
-            <pc:sldMk cId="1551894915" sldId="261"/>
-            <ac:picMk id="6" creationId="{06F97ED0-2646-B792-8B99-24400765AE9E}"/>
-          </ac:picMkLst>
-        </pc:picChg>
-        <pc:picChg chg="del">
-          <ac:chgData name="Tom Hoyland" userId="736d7a3e-93c7-4109-90c5-e67b8b3e41b2" providerId="ADAL" clId="{A4D346AA-F248-6444-93C1-EF2F2E65C714}" dt="2024-08-20T11:32:39.566" v="595" actId="478"/>
-          <ac:picMkLst>
-            <pc:docMk/>
-            <pc:sldMk cId="1551894915" sldId="261"/>
-            <ac:picMk id="7" creationId="{D006BE89-01FB-EFD8-A0B0-468CE5796739}"/>
-          </ac:picMkLst>
-        </pc:picChg>
-        <pc:picChg chg="del">
-          <ac:chgData name="Tom Hoyland" userId="736d7a3e-93c7-4109-90c5-e67b8b3e41b2" providerId="ADAL" clId="{A4D346AA-F248-6444-93C1-EF2F2E65C714}" dt="2024-08-20T11:32:39.566" v="595" actId="478"/>
-          <ac:picMkLst>
-            <pc:docMk/>
-            <pc:sldMk cId="1551894915" sldId="261"/>
-            <ac:picMk id="9" creationId="{08B66EBF-2D1E-6E8B-FCBD-479EDE455568}"/>
-          </ac:picMkLst>
-        </pc:picChg>
-        <pc:picChg chg="del">
-          <ac:chgData name="Tom Hoyland" userId="736d7a3e-93c7-4109-90c5-e67b8b3e41b2" providerId="ADAL" clId="{A4D346AA-F248-6444-93C1-EF2F2E65C714}" dt="2024-08-20T11:32:39.566" v="595" actId="478"/>
-          <ac:picMkLst>
-            <pc:docMk/>
-            <pc:sldMk cId="1551894915" sldId="261"/>
-            <ac:picMk id="12" creationId="{0AF8A365-1CA9-E91D-685E-C97FBF85A01F}"/>
-          </ac:picMkLst>
-        </pc:picChg>
-        <pc:picChg chg="del">
-          <ac:chgData name="Tom Hoyland" userId="736d7a3e-93c7-4109-90c5-e67b8b3e41b2" providerId="ADAL" clId="{A4D346AA-F248-6444-93C1-EF2F2E65C714}" dt="2024-08-20T11:32:39.566" v="595" actId="478"/>
-          <ac:picMkLst>
-            <pc:docMk/>
-            <pc:sldMk cId="1551894915" sldId="261"/>
-            <ac:picMk id="15" creationId="{C1E2E61F-6957-C476-802C-DAA4E8E3D8FC}"/>
-          </ac:picMkLst>
-        </pc:picChg>
-        <pc:picChg chg="del">
-          <ac:chgData name="Tom Hoyland" userId="736d7a3e-93c7-4109-90c5-e67b8b3e41b2" providerId="ADAL" clId="{A4D346AA-F248-6444-93C1-EF2F2E65C714}" dt="2024-08-20T11:32:39.566" v="595" actId="478"/>
-          <ac:picMkLst>
-            <pc:docMk/>
-            <pc:sldMk cId="1551894915" sldId="261"/>
-            <ac:picMk id="17" creationId="{0F35D7D0-03F8-0064-B5AC-20BCCD3C6C55}"/>
-          </ac:picMkLst>
-        </pc:picChg>
-        <pc:picChg chg="del">
-          <ac:chgData name="Tom Hoyland" userId="736d7a3e-93c7-4109-90c5-e67b8b3e41b2" providerId="ADAL" clId="{A4D346AA-F248-6444-93C1-EF2F2E65C714}" dt="2024-08-20T11:32:39.566" v="595" actId="478"/>
-          <ac:picMkLst>
-            <pc:docMk/>
-            <pc:sldMk cId="1551894915" sldId="261"/>
-            <ac:picMk id="21" creationId="{75F00680-C90D-0C50-BAEB-68DD9870452B}"/>
-          </ac:picMkLst>
-        </pc:picChg>
-      </pc:sldChg>
-      <pc:sldChg chg="addSp delSp modSp add mod ord">
-        <pc:chgData name="Tom Hoyland" userId="736d7a3e-93c7-4109-90c5-e67b8b3e41b2" providerId="ADAL" clId="{A4D346AA-F248-6444-93C1-EF2F2E65C714}" dt="2024-08-20T11:32:33.746" v="594" actId="20577"/>
-        <pc:sldMkLst>
-          <pc:docMk/>
-          <pc:sldMk cId="2712193479" sldId="271"/>
-        </pc:sldMkLst>
-        <pc:spChg chg="del">
-          <ac:chgData name="Tom Hoyland" userId="736d7a3e-93c7-4109-90c5-e67b8b3e41b2" providerId="ADAL" clId="{A4D346AA-F248-6444-93C1-EF2F2E65C714}" dt="2024-08-13T07:33:26.326" v="156" actId="478"/>
-          <ac:spMkLst>
-            <pc:docMk/>
-            <pc:sldMk cId="2712193479" sldId="271"/>
-            <ac:spMk id="2" creationId="{60114F5B-200D-5E80-5596-D97099667249}"/>
-          </ac:spMkLst>
-        </pc:spChg>
-        <pc:spChg chg="add mod">
-          <ac:chgData name="Tom Hoyland" userId="736d7a3e-93c7-4109-90c5-e67b8b3e41b2" providerId="ADAL" clId="{A4D346AA-F248-6444-93C1-EF2F2E65C714}" dt="2024-08-13T07:40:02.434" v="517" actId="1076"/>
-          <ac:spMkLst>
-            <pc:docMk/>
-            <pc:sldMk cId="2712193479" sldId="271"/>
-            <ac:spMk id="3" creationId="{43F9F6AE-A5AC-2E03-0D6A-B04BA76B49BC}"/>
-          </ac:spMkLst>
-        </pc:spChg>
-        <pc:spChg chg="add mod">
-          <ac:chgData name="Tom Hoyland" userId="736d7a3e-93c7-4109-90c5-e67b8b3e41b2" providerId="ADAL" clId="{A4D346AA-F248-6444-93C1-EF2F2E65C714}" dt="2024-08-13T07:40:02.434" v="517" actId="1076"/>
-          <ac:spMkLst>
-            <pc:docMk/>
-            <pc:sldMk cId="2712193479" sldId="271"/>
-            <ac:spMk id="4" creationId="{E151A129-60CE-5725-DCEC-DF20AB33301A}"/>
-          </ac:spMkLst>
-        </pc:spChg>
-        <pc:spChg chg="mod">
-          <ac:chgData name="Tom Hoyland" userId="736d7a3e-93c7-4109-90c5-e67b8b3e41b2" providerId="ADAL" clId="{A4D346AA-F248-6444-93C1-EF2F2E65C714}" dt="2024-08-20T11:32:22.457" v="585" actId="20577"/>
-          <ac:spMkLst>
-            <pc:docMk/>
-            <pc:sldMk cId="2712193479" sldId="271"/>
-            <ac:spMk id="8" creationId="{8CDDB97D-A02F-8254-5432-E930CF01E0FC}"/>
-          </ac:spMkLst>
-        </pc:spChg>
-        <pc:spChg chg="mod">
-          <ac:chgData name="Tom Hoyland" userId="736d7a3e-93c7-4109-90c5-e67b8b3e41b2" providerId="ADAL" clId="{A4D346AA-F248-6444-93C1-EF2F2E65C714}" dt="2024-08-20T11:32:20.806" v="584" actId="20577"/>
-          <ac:spMkLst>
-            <pc:docMk/>
-            <pc:sldMk cId="2712193479" sldId="271"/>
-            <ac:spMk id="10" creationId="{C258F823-7B51-957A-9C20-93136D988928}"/>
-          </ac:spMkLst>
-        </pc:spChg>
-        <pc:spChg chg="mod">
-          <ac:chgData name="Tom Hoyland" userId="736d7a3e-93c7-4109-90c5-e67b8b3e41b2" providerId="ADAL" clId="{A4D346AA-F248-6444-93C1-EF2F2E65C714}" dt="2024-08-20T11:32:25.812" v="587" actId="20577"/>
-          <ac:spMkLst>
-            <pc:docMk/>
-            <pc:sldMk cId="2712193479" sldId="271"/>
-            <ac:spMk id="11" creationId="{706FB268-040E-2102-1308-B242A93B903A}"/>
-          </ac:spMkLst>
-        </pc:spChg>
-        <pc:spChg chg="mod">
-          <ac:chgData name="Tom Hoyland" userId="736d7a3e-93c7-4109-90c5-e67b8b3e41b2" providerId="ADAL" clId="{A4D346AA-F248-6444-93C1-EF2F2E65C714}" dt="2024-08-20T11:32:29.695" v="592" actId="20577"/>
-          <ac:spMkLst>
-            <pc:docMk/>
-            <pc:sldMk cId="2712193479" sldId="271"/>
-            <ac:spMk id="13" creationId="{380E85BC-FF65-970E-3CDA-C005D8E7882F}"/>
-          </ac:spMkLst>
-        </pc:spChg>
-        <pc:spChg chg="mod">
-          <ac:chgData name="Tom Hoyland" userId="736d7a3e-93c7-4109-90c5-e67b8b3e41b2" providerId="ADAL" clId="{A4D346AA-F248-6444-93C1-EF2F2E65C714}" dt="2024-08-20T11:32:32.158" v="593" actId="20577"/>
-          <ac:spMkLst>
-            <pc:docMk/>
-            <pc:sldMk cId="2712193479" sldId="271"/>
-            <ac:spMk id="14" creationId="{042E4238-C41B-D73B-C28B-0B462803692E}"/>
-          </ac:spMkLst>
-        </pc:spChg>
-        <pc:spChg chg="mod">
-          <ac:chgData name="Tom Hoyland" userId="736d7a3e-93c7-4109-90c5-e67b8b3e41b2" providerId="ADAL" clId="{A4D346AA-F248-6444-93C1-EF2F2E65C714}" dt="2024-08-20T11:32:24.083" v="586" actId="20577"/>
-          <ac:spMkLst>
-            <pc:docMk/>
-            <pc:sldMk cId="2712193479" sldId="271"/>
-            <ac:spMk id="16" creationId="{24D6D5B8-560A-7C70-9E81-B8EFB579F08E}"/>
-          </ac:spMkLst>
-        </pc:spChg>
-        <pc:spChg chg="mod">
-          <ac:chgData name="Tom Hoyland" userId="736d7a3e-93c7-4109-90c5-e67b8b3e41b2" providerId="ADAL" clId="{A4D346AA-F248-6444-93C1-EF2F2E65C714}" dt="2024-08-20T11:32:19.042" v="583" actId="20577"/>
-          <ac:spMkLst>
-            <pc:docMk/>
-            <pc:sldMk cId="2712193479" sldId="271"/>
-            <ac:spMk id="18" creationId="{F93BD877-DC0E-E976-9DE4-BE888B19CF0F}"/>
-          </ac:spMkLst>
-        </pc:spChg>
-        <pc:spChg chg="add mod">
-          <ac:chgData name="Tom Hoyland" userId="736d7a3e-93c7-4109-90c5-e67b8b3e41b2" providerId="ADAL" clId="{A4D346AA-F248-6444-93C1-EF2F2E65C714}" dt="2024-08-13T07:40:02.434" v="517" actId="1076"/>
-          <ac:spMkLst>
-            <pc:docMk/>
-            <pc:sldMk cId="2712193479" sldId="271"/>
-            <ac:spMk id="19" creationId="{9BC32168-0734-E7F4-DDAC-4419BE1ED0AC}"/>
-          </ac:spMkLst>
-        </pc:spChg>
-        <pc:spChg chg="add mod">
-          <ac:chgData name="Tom Hoyland" userId="736d7a3e-93c7-4109-90c5-e67b8b3e41b2" providerId="ADAL" clId="{A4D346AA-F248-6444-93C1-EF2F2E65C714}" dt="2024-08-13T07:40:02.434" v="517" actId="1076"/>
-          <ac:spMkLst>
-            <pc:docMk/>
-            <pc:sldMk cId="2712193479" sldId="271"/>
-            <ac:spMk id="20" creationId="{69D48872-11CB-3A33-9C96-131727D0AB45}"/>
-          </ac:spMkLst>
-        </pc:spChg>
-        <pc:spChg chg="add del mod">
-          <ac:chgData name="Tom Hoyland" userId="736d7a3e-93c7-4109-90c5-e67b8b3e41b2" providerId="ADAL" clId="{A4D346AA-F248-6444-93C1-EF2F2E65C714}" dt="2024-08-13T07:33:28.075" v="157" actId="478"/>
-          <ac:spMkLst>
-            <pc:docMk/>
-            <pc:sldMk cId="2712193479" sldId="271"/>
-            <ac:spMk id="23" creationId="{97374FD9-56B1-BD38-01AD-42A8332B8E26}"/>
-          </ac:spMkLst>
-        </pc:spChg>
-        <pc:spChg chg="add mod">
-          <ac:chgData name="Tom Hoyland" userId="736d7a3e-93c7-4109-90c5-e67b8b3e41b2" providerId="ADAL" clId="{A4D346AA-F248-6444-93C1-EF2F2E65C714}" dt="2024-08-13T07:40:02.434" v="517" actId="1076"/>
-          <ac:spMkLst>
-            <pc:docMk/>
-            <pc:sldMk cId="2712193479" sldId="271"/>
-            <ac:spMk id="24" creationId="{16C484F4-FF4B-D129-FAEA-02E2EC8CFE4D}"/>
-          </ac:spMkLst>
-        </pc:spChg>
-        <pc:spChg chg="add mod">
-          <ac:chgData name="Tom Hoyland" userId="736d7a3e-93c7-4109-90c5-e67b8b3e41b2" providerId="ADAL" clId="{A4D346AA-F248-6444-93C1-EF2F2E65C714}" dt="2024-08-13T07:40:02.434" v="517" actId="1076"/>
-          <ac:spMkLst>
-            <pc:docMk/>
-            <pc:sldMk cId="2712193479" sldId="271"/>
-            <ac:spMk id="25" creationId="{5772F33A-FAA4-6619-FC37-5A0C0D431A17}"/>
-          </ac:spMkLst>
-        </pc:spChg>
-        <pc:spChg chg="add mod">
-          <ac:chgData name="Tom Hoyland" userId="736d7a3e-93c7-4109-90c5-e67b8b3e41b2" providerId="ADAL" clId="{A4D346AA-F248-6444-93C1-EF2F2E65C714}" dt="2024-08-13T07:40:02.434" v="517" actId="1076"/>
-          <ac:spMkLst>
-            <pc:docMk/>
-            <pc:sldMk cId="2712193479" sldId="271"/>
-            <ac:spMk id="26" creationId="{8DB1EDB7-0892-A3F2-FB78-D990F034BD8D}"/>
-          </ac:spMkLst>
-        </pc:spChg>
-        <pc:spChg chg="add mod">
-          <ac:chgData name="Tom Hoyland" userId="736d7a3e-93c7-4109-90c5-e67b8b3e41b2" providerId="ADAL" clId="{A4D346AA-F248-6444-93C1-EF2F2E65C714}" dt="2024-08-13T07:40:02.434" v="517" actId="1076"/>
-          <ac:spMkLst>
-            <pc:docMk/>
-            <pc:sldMk cId="2712193479" sldId="271"/>
-            <ac:spMk id="27" creationId="{A82AA132-2F6D-308A-92C4-44C23B119428}"/>
-          </ac:spMkLst>
-        </pc:spChg>
-        <pc:spChg chg="mod">
-          <ac:chgData name="Tom Hoyland" userId="736d7a3e-93c7-4109-90c5-e67b8b3e41b2" providerId="ADAL" clId="{A4D346AA-F248-6444-93C1-EF2F2E65C714}" dt="2024-08-20T11:32:33.746" v="594" actId="20577"/>
-          <ac:spMkLst>
-            <pc:docMk/>
-            <pc:sldMk cId="2712193479" sldId="271"/>
-            <ac:spMk id="28" creationId="{5ACB057E-5EA7-0F53-3026-546099232574}"/>
-          </ac:spMkLst>
-        </pc:spChg>
-        <pc:spChg chg="mod">
-          <ac:chgData name="Tom Hoyland" userId="736d7a3e-93c7-4109-90c5-e67b8b3e41b2" providerId="ADAL" clId="{A4D346AA-F248-6444-93C1-EF2F2E65C714}" dt="2024-08-13T07:40:02.434" v="517" actId="1076"/>
-          <ac:spMkLst>
-            <pc:docMk/>
-            <pc:sldMk cId="2712193479" sldId="271"/>
-            <ac:spMk id="29" creationId="{73641E73-F1C1-EAD9-8C93-D55E7BD2CDF8}"/>
-          </ac:spMkLst>
-        </pc:spChg>
-        <pc:spChg chg="mod">
-          <ac:chgData name="Tom Hoyland" userId="736d7a3e-93c7-4109-90c5-e67b8b3e41b2" providerId="ADAL" clId="{A4D346AA-F248-6444-93C1-EF2F2E65C714}" dt="2024-08-13T07:40:02.434" v="517" actId="1076"/>
-          <ac:spMkLst>
-            <pc:docMk/>
-            <pc:sldMk cId="2712193479" sldId="271"/>
-            <ac:spMk id="30" creationId="{0E4E77C7-934A-84F8-113F-232F677D364F}"/>
-          </ac:spMkLst>
-        </pc:spChg>
-        <pc:spChg chg="mod">
-          <ac:chgData name="Tom Hoyland" userId="736d7a3e-93c7-4109-90c5-e67b8b3e41b2" providerId="ADAL" clId="{A4D346AA-F248-6444-93C1-EF2F2E65C714}" dt="2024-08-13T07:40:02.434" v="517" actId="1076"/>
-          <ac:spMkLst>
-            <pc:docMk/>
-            <pc:sldMk cId="2712193479" sldId="271"/>
-            <ac:spMk id="31" creationId="{18DF7356-8B91-65DC-8FE8-32BFE8F1A09C}"/>
-          </ac:spMkLst>
-        </pc:spChg>
-        <pc:spChg chg="mod">
-          <ac:chgData name="Tom Hoyland" userId="736d7a3e-93c7-4109-90c5-e67b8b3e41b2" providerId="ADAL" clId="{A4D346AA-F248-6444-93C1-EF2F2E65C714}" dt="2024-08-13T07:40:02.434" v="517" actId="1076"/>
-          <ac:spMkLst>
-            <pc:docMk/>
-            <pc:sldMk cId="2712193479" sldId="271"/>
-            <ac:spMk id="32" creationId="{CE0A2A4C-DC20-3B09-E6C1-86C7406F3E22}"/>
-          </ac:spMkLst>
-        </pc:spChg>
-        <pc:spChg chg="mod">
-          <ac:chgData name="Tom Hoyland" userId="736d7a3e-93c7-4109-90c5-e67b8b3e41b2" providerId="ADAL" clId="{A4D346AA-F248-6444-93C1-EF2F2E65C714}" dt="2024-08-13T07:40:02.434" v="517" actId="1076"/>
-          <ac:spMkLst>
-            <pc:docMk/>
-            <pc:sldMk cId="2712193479" sldId="271"/>
-            <ac:spMk id="33" creationId="{B0CF220A-8F25-72EA-707D-3F51885CA3B4}"/>
-          </ac:spMkLst>
-        </pc:spChg>
-        <pc:spChg chg="mod">
-          <ac:chgData name="Tom Hoyland" userId="736d7a3e-93c7-4109-90c5-e67b8b3e41b2" providerId="ADAL" clId="{A4D346AA-F248-6444-93C1-EF2F2E65C714}" dt="2024-08-13T07:40:02.434" v="517" actId="1076"/>
-          <ac:spMkLst>
-            <pc:docMk/>
-            <pc:sldMk cId="2712193479" sldId="271"/>
-            <ac:spMk id="34" creationId="{FD091573-20FC-A6D7-6867-DCE7669E0934}"/>
-          </ac:spMkLst>
-        </pc:spChg>
-        <pc:spChg chg="mod">
-          <ac:chgData name="Tom Hoyland" userId="736d7a3e-93c7-4109-90c5-e67b8b3e41b2" providerId="ADAL" clId="{A4D346AA-F248-6444-93C1-EF2F2E65C714}" dt="2024-08-13T07:40:02.434" v="517" actId="1076"/>
-          <ac:spMkLst>
-            <pc:docMk/>
-            <pc:sldMk cId="2712193479" sldId="271"/>
-            <ac:spMk id="35" creationId="{14C3540D-164D-0502-B9B3-99DA425B4CAA}"/>
-          </ac:spMkLst>
-        </pc:spChg>
-        <pc:spChg chg="mod">
-          <ac:chgData name="Tom Hoyland" userId="736d7a3e-93c7-4109-90c5-e67b8b3e41b2" providerId="ADAL" clId="{A4D346AA-F248-6444-93C1-EF2F2E65C714}" dt="2024-08-13T07:40:02.434" v="517" actId="1076"/>
-          <ac:spMkLst>
-            <pc:docMk/>
-            <pc:sldMk cId="2712193479" sldId="271"/>
-            <ac:spMk id="36" creationId="{E590E56E-C5E5-6786-556B-9FF43F6C6253}"/>
-          </ac:spMkLst>
-        </pc:spChg>
-        <pc:picChg chg="mod">
-          <ac:chgData name="Tom Hoyland" userId="736d7a3e-93c7-4109-90c5-e67b8b3e41b2" providerId="ADAL" clId="{A4D346AA-F248-6444-93C1-EF2F2E65C714}" dt="2024-08-13T07:40:02.434" v="517" actId="1076"/>
-          <ac:picMkLst>
-            <pc:docMk/>
-            <pc:sldMk cId="2712193479" sldId="271"/>
-            <ac:picMk id="5" creationId="{62116002-A9FA-E0AB-8E6A-8CEE2DB576CB}"/>
-          </ac:picMkLst>
-        </pc:picChg>
-        <pc:picChg chg="mod">
-          <ac:chgData name="Tom Hoyland" userId="736d7a3e-93c7-4109-90c5-e67b8b3e41b2" providerId="ADAL" clId="{A4D346AA-F248-6444-93C1-EF2F2E65C714}" dt="2024-08-13T07:40:02.434" v="517" actId="1076"/>
-          <ac:picMkLst>
-            <pc:docMk/>
-            <pc:sldMk cId="2712193479" sldId="271"/>
-            <ac:picMk id="6" creationId="{06F97ED0-2646-B792-8B99-24400765AE9E}"/>
-          </ac:picMkLst>
-        </pc:picChg>
-        <pc:picChg chg="mod">
-          <ac:chgData name="Tom Hoyland" userId="736d7a3e-93c7-4109-90c5-e67b8b3e41b2" providerId="ADAL" clId="{A4D346AA-F248-6444-93C1-EF2F2E65C714}" dt="2024-08-13T07:40:02.434" v="517" actId="1076"/>
-          <ac:picMkLst>
-            <pc:docMk/>
-            <pc:sldMk cId="2712193479" sldId="271"/>
-            <ac:picMk id="7" creationId="{D006BE89-01FB-EFD8-A0B0-468CE5796739}"/>
-          </ac:picMkLst>
-        </pc:picChg>
-        <pc:picChg chg="mod">
-          <ac:chgData name="Tom Hoyland" userId="736d7a3e-93c7-4109-90c5-e67b8b3e41b2" providerId="ADAL" clId="{A4D346AA-F248-6444-93C1-EF2F2E65C714}" dt="2024-08-13T07:40:02.434" v="517" actId="1076"/>
-          <ac:picMkLst>
-            <pc:docMk/>
-            <pc:sldMk cId="2712193479" sldId="271"/>
-            <ac:picMk id="9" creationId="{08B66EBF-2D1E-6E8B-FCBD-479EDE455568}"/>
-          </ac:picMkLst>
-        </pc:picChg>
-        <pc:picChg chg="mod">
-          <ac:chgData name="Tom Hoyland" userId="736d7a3e-93c7-4109-90c5-e67b8b3e41b2" providerId="ADAL" clId="{A4D346AA-F248-6444-93C1-EF2F2E65C714}" dt="2024-08-13T07:40:02.434" v="517" actId="1076"/>
-          <ac:picMkLst>
-            <pc:docMk/>
-            <pc:sldMk cId="2712193479" sldId="271"/>
-            <ac:picMk id="12" creationId="{0AF8A365-1CA9-E91D-685E-C97FBF85A01F}"/>
-          </ac:picMkLst>
-        </pc:picChg>
-        <pc:picChg chg="mod">
-          <ac:chgData name="Tom Hoyland" userId="736d7a3e-93c7-4109-90c5-e67b8b3e41b2" providerId="ADAL" clId="{A4D346AA-F248-6444-93C1-EF2F2E65C714}" dt="2024-08-13T07:40:02.434" v="517" actId="1076"/>
-          <ac:picMkLst>
-            <pc:docMk/>
-            <pc:sldMk cId="2712193479" sldId="271"/>
-            <ac:picMk id="15" creationId="{C1E2E61F-6957-C476-802C-DAA4E8E3D8FC}"/>
-          </ac:picMkLst>
-        </pc:picChg>
-        <pc:picChg chg="mod">
-          <ac:chgData name="Tom Hoyland" userId="736d7a3e-93c7-4109-90c5-e67b8b3e41b2" providerId="ADAL" clId="{A4D346AA-F248-6444-93C1-EF2F2E65C714}" dt="2024-08-13T07:40:02.434" v="517" actId="1076"/>
-          <ac:picMkLst>
-            <pc:docMk/>
-            <pc:sldMk cId="2712193479" sldId="271"/>
-            <ac:picMk id="17" creationId="{0F35D7D0-03F8-0064-B5AC-20BCCD3C6C55}"/>
-          </ac:picMkLst>
-        </pc:picChg>
-        <pc:picChg chg="mod">
-          <ac:chgData name="Tom Hoyland" userId="736d7a3e-93c7-4109-90c5-e67b8b3e41b2" providerId="ADAL" clId="{A4D346AA-F248-6444-93C1-EF2F2E65C714}" dt="2024-08-13T07:40:02.434" v="517" actId="1076"/>
-          <ac:picMkLst>
-            <pc:docMk/>
-            <pc:sldMk cId="2712193479" sldId="271"/>
-            <ac:picMk id="21" creationId="{75F00680-C90D-0C50-BAEB-68DD9870452B}"/>
-          </ac:picMkLst>
-        </pc:picChg>
-      </pc:sldChg>
-      <pc:sldChg chg="addSp modSp add mod ord">
-        <pc:chgData name="Tom Hoyland" userId="736d7a3e-93c7-4109-90c5-e67b8b3e41b2" providerId="ADAL" clId="{A4D346AA-F248-6444-93C1-EF2F2E65C714}" dt="2024-08-20T11:33:24.572" v="664" actId="404"/>
-        <pc:sldMkLst>
-          <pc:docMk/>
-          <pc:sldMk cId="248048730" sldId="272"/>
-        </pc:sldMkLst>
-        <pc:spChg chg="add mod">
-          <ac:chgData name="Tom Hoyland" userId="736d7a3e-93c7-4109-90c5-e67b8b3e41b2" providerId="ADAL" clId="{A4D346AA-F248-6444-93C1-EF2F2E65C714}" dt="2024-08-20T11:33:24.572" v="664" actId="404"/>
-          <ac:spMkLst>
-            <pc:docMk/>
-            <pc:sldMk cId="248048730" sldId="272"/>
-            <ac:spMk id="2" creationId="{DE49AD4B-7FB7-DB4B-1892-2174BDB55FDC}"/>
-          </ac:spMkLst>
-        </pc:spChg>
-        <pc:spChg chg="mod">
-          <ac:chgData name="Tom Hoyland" userId="736d7a3e-93c7-4109-90c5-e67b8b3e41b2" providerId="ADAL" clId="{A4D346AA-F248-6444-93C1-EF2F2E65C714}" dt="2024-08-20T11:33:03.837" v="628" actId="1036"/>
-          <ac:spMkLst>
-            <pc:docMk/>
-            <pc:sldMk cId="248048730" sldId="272"/>
-            <ac:spMk id="3" creationId="{213F28A4-07ED-C70E-C1A5-0B32C5A7DD8D}"/>
-          </ac:spMkLst>
-        </pc:spChg>
-        <pc:spChg chg="mod">
-          <ac:chgData name="Tom Hoyland" userId="736d7a3e-93c7-4109-90c5-e67b8b3e41b2" providerId="ADAL" clId="{A4D346AA-F248-6444-93C1-EF2F2E65C714}" dt="2024-08-20T11:33:03.837" v="628" actId="1036"/>
-          <ac:spMkLst>
-            <pc:docMk/>
-            <pc:sldMk cId="248048730" sldId="272"/>
-            <ac:spMk id="4" creationId="{DD555481-A9B5-D5E1-1F1B-EF8ED78D5CD8}"/>
-          </ac:spMkLst>
-        </pc:spChg>
-        <pc:spChg chg="mod">
-          <ac:chgData name="Tom Hoyland" userId="736d7a3e-93c7-4109-90c5-e67b8b3e41b2" providerId="ADAL" clId="{A4D346AA-F248-6444-93C1-EF2F2E65C714}" dt="2024-08-20T11:33:03.837" v="628" actId="1036"/>
-          <ac:spMkLst>
-            <pc:docMk/>
-            <pc:sldMk cId="248048730" sldId="272"/>
-            <ac:spMk id="8" creationId="{AEAF102F-143D-76EF-DF6D-8B165519A4A4}"/>
-          </ac:spMkLst>
-        </pc:spChg>
-        <pc:spChg chg="mod">
-          <ac:chgData name="Tom Hoyland" userId="736d7a3e-93c7-4109-90c5-e67b8b3e41b2" providerId="ADAL" clId="{A4D346AA-F248-6444-93C1-EF2F2E65C714}" dt="2024-08-20T11:33:03.837" v="628" actId="1036"/>
-          <ac:spMkLst>
-            <pc:docMk/>
-            <pc:sldMk cId="248048730" sldId="272"/>
-            <ac:spMk id="10" creationId="{4AFC90E1-B3DD-B446-A88F-D3102C4BE49F}"/>
-          </ac:spMkLst>
-        </pc:spChg>
-        <pc:spChg chg="mod">
-          <ac:chgData name="Tom Hoyland" userId="736d7a3e-93c7-4109-90c5-e67b8b3e41b2" providerId="ADAL" clId="{A4D346AA-F248-6444-93C1-EF2F2E65C714}" dt="2024-08-20T11:33:03.837" v="628" actId="1036"/>
-          <ac:spMkLst>
-            <pc:docMk/>
-            <pc:sldMk cId="248048730" sldId="272"/>
-            <ac:spMk id="11" creationId="{06C0DA98-AF63-8C25-12CC-42A79D849F04}"/>
-          </ac:spMkLst>
-        </pc:spChg>
-        <pc:spChg chg="mod">
-          <ac:chgData name="Tom Hoyland" userId="736d7a3e-93c7-4109-90c5-e67b8b3e41b2" providerId="ADAL" clId="{A4D346AA-F248-6444-93C1-EF2F2E65C714}" dt="2024-08-20T11:33:03.837" v="628" actId="1036"/>
-          <ac:spMkLst>
-            <pc:docMk/>
-            <pc:sldMk cId="248048730" sldId="272"/>
-            <ac:spMk id="13" creationId="{6D7F7EC6-1E57-62EB-8CD1-03BE4F5ADDED}"/>
-          </ac:spMkLst>
-        </pc:spChg>
-        <pc:spChg chg="mod">
-          <ac:chgData name="Tom Hoyland" userId="736d7a3e-93c7-4109-90c5-e67b8b3e41b2" providerId="ADAL" clId="{A4D346AA-F248-6444-93C1-EF2F2E65C714}" dt="2024-08-20T11:33:03.837" v="628" actId="1036"/>
-          <ac:spMkLst>
-            <pc:docMk/>
-            <pc:sldMk cId="248048730" sldId="272"/>
-            <ac:spMk id="14" creationId="{C264D8AC-B086-B921-85C6-5AF1DD6AD8DE}"/>
-          </ac:spMkLst>
-        </pc:spChg>
-        <pc:spChg chg="mod">
-          <ac:chgData name="Tom Hoyland" userId="736d7a3e-93c7-4109-90c5-e67b8b3e41b2" providerId="ADAL" clId="{A4D346AA-F248-6444-93C1-EF2F2E65C714}" dt="2024-08-20T11:33:03.837" v="628" actId="1036"/>
-          <ac:spMkLst>
-            <pc:docMk/>
-            <pc:sldMk cId="248048730" sldId="272"/>
-            <ac:spMk id="16" creationId="{E4800468-3CA0-2964-AA62-A3AA15AEBB24}"/>
-          </ac:spMkLst>
-        </pc:spChg>
-        <pc:spChg chg="mod">
-          <ac:chgData name="Tom Hoyland" userId="736d7a3e-93c7-4109-90c5-e67b8b3e41b2" providerId="ADAL" clId="{A4D346AA-F248-6444-93C1-EF2F2E65C714}" dt="2024-08-20T11:33:03.837" v="628" actId="1036"/>
-          <ac:spMkLst>
-            <pc:docMk/>
-            <pc:sldMk cId="248048730" sldId="272"/>
-            <ac:spMk id="18" creationId="{63271C5F-2656-11FB-BDA0-F18F429D4AB8}"/>
-          </ac:spMkLst>
-        </pc:spChg>
-        <pc:spChg chg="mod">
-          <ac:chgData name="Tom Hoyland" userId="736d7a3e-93c7-4109-90c5-e67b8b3e41b2" providerId="ADAL" clId="{A4D346AA-F248-6444-93C1-EF2F2E65C714}" dt="2024-08-20T11:33:03.837" v="628" actId="1036"/>
-          <ac:spMkLst>
-            <pc:docMk/>
-            <pc:sldMk cId="248048730" sldId="272"/>
-            <ac:spMk id="19" creationId="{70929939-537B-C447-115E-FED5AF8357AE}"/>
-          </ac:spMkLst>
-        </pc:spChg>
-        <pc:spChg chg="mod">
-          <ac:chgData name="Tom Hoyland" userId="736d7a3e-93c7-4109-90c5-e67b8b3e41b2" providerId="ADAL" clId="{A4D346AA-F248-6444-93C1-EF2F2E65C714}" dt="2024-08-20T11:33:03.837" v="628" actId="1036"/>
-          <ac:spMkLst>
-            <pc:docMk/>
-            <pc:sldMk cId="248048730" sldId="272"/>
-            <ac:spMk id="20" creationId="{59B90136-C70C-1F8D-144A-B8DAA91E8BFF}"/>
-          </ac:spMkLst>
-        </pc:spChg>
-        <pc:spChg chg="mod">
-          <ac:chgData name="Tom Hoyland" userId="736d7a3e-93c7-4109-90c5-e67b8b3e41b2" providerId="ADAL" clId="{A4D346AA-F248-6444-93C1-EF2F2E65C714}" dt="2024-08-20T11:33:03.837" v="628" actId="1036"/>
-          <ac:spMkLst>
-            <pc:docMk/>
-            <pc:sldMk cId="248048730" sldId="272"/>
-            <ac:spMk id="24" creationId="{58A0E144-52CD-ECF3-042B-7992A86DA18B}"/>
-          </ac:spMkLst>
-        </pc:spChg>
-        <pc:spChg chg="mod">
-          <ac:chgData name="Tom Hoyland" userId="736d7a3e-93c7-4109-90c5-e67b8b3e41b2" providerId="ADAL" clId="{A4D346AA-F248-6444-93C1-EF2F2E65C714}" dt="2024-08-20T11:33:03.837" v="628" actId="1036"/>
-          <ac:spMkLst>
-            <pc:docMk/>
-            <pc:sldMk cId="248048730" sldId="272"/>
-            <ac:spMk id="25" creationId="{38DEAD3F-0B7F-2B20-993E-A2B1F014B1CD}"/>
-          </ac:spMkLst>
-        </pc:spChg>
-        <pc:spChg chg="mod">
-          <ac:chgData name="Tom Hoyland" userId="736d7a3e-93c7-4109-90c5-e67b8b3e41b2" providerId="ADAL" clId="{A4D346AA-F248-6444-93C1-EF2F2E65C714}" dt="2024-08-20T11:33:03.837" v="628" actId="1036"/>
-          <ac:spMkLst>
-            <pc:docMk/>
-            <pc:sldMk cId="248048730" sldId="272"/>
-            <ac:spMk id="26" creationId="{3A945144-0789-5A0E-FC67-42CABE016FCE}"/>
-          </ac:spMkLst>
-        </pc:spChg>
-        <pc:spChg chg="mod">
-          <ac:chgData name="Tom Hoyland" userId="736d7a3e-93c7-4109-90c5-e67b8b3e41b2" providerId="ADAL" clId="{A4D346AA-F248-6444-93C1-EF2F2E65C714}" dt="2024-08-20T11:33:03.837" v="628" actId="1036"/>
-          <ac:spMkLst>
-            <pc:docMk/>
-            <pc:sldMk cId="248048730" sldId="272"/>
-            <ac:spMk id="27" creationId="{CCBC6816-D39B-700B-F344-1B0D25A1449C}"/>
-          </ac:spMkLst>
-        </pc:spChg>
-        <pc:spChg chg="mod">
-          <ac:chgData name="Tom Hoyland" userId="736d7a3e-93c7-4109-90c5-e67b8b3e41b2" providerId="ADAL" clId="{A4D346AA-F248-6444-93C1-EF2F2E65C714}" dt="2024-08-20T11:33:03.837" v="628" actId="1036"/>
-          <ac:spMkLst>
-            <pc:docMk/>
-            <pc:sldMk cId="248048730" sldId="272"/>
-            <ac:spMk id="28" creationId="{5A0B0504-FBD2-ED5A-4F3B-787A8587C05A}"/>
-          </ac:spMkLst>
-        </pc:spChg>
-        <pc:spChg chg="mod">
-          <ac:chgData name="Tom Hoyland" userId="736d7a3e-93c7-4109-90c5-e67b8b3e41b2" providerId="ADAL" clId="{A4D346AA-F248-6444-93C1-EF2F2E65C714}" dt="2024-08-20T11:33:03.837" v="628" actId="1036"/>
-          <ac:spMkLst>
-            <pc:docMk/>
-            <pc:sldMk cId="248048730" sldId="272"/>
-            <ac:spMk id="29" creationId="{68B58E08-22AA-A82B-48BD-73CAD4C99992}"/>
-          </ac:spMkLst>
-        </pc:spChg>
-        <pc:spChg chg="mod">
-          <ac:chgData name="Tom Hoyland" userId="736d7a3e-93c7-4109-90c5-e67b8b3e41b2" providerId="ADAL" clId="{A4D346AA-F248-6444-93C1-EF2F2E65C714}" dt="2024-08-20T11:33:03.837" v="628" actId="1036"/>
-          <ac:spMkLst>
-            <pc:docMk/>
-            <pc:sldMk cId="248048730" sldId="272"/>
-            <ac:spMk id="30" creationId="{DEFE14F4-97D1-71EF-B066-BF208197EC0B}"/>
-          </ac:spMkLst>
-        </pc:spChg>
-        <pc:spChg chg="mod">
-          <ac:chgData name="Tom Hoyland" userId="736d7a3e-93c7-4109-90c5-e67b8b3e41b2" providerId="ADAL" clId="{A4D346AA-F248-6444-93C1-EF2F2E65C714}" dt="2024-08-20T11:33:03.837" v="628" actId="1036"/>
-          <ac:spMkLst>
-            <pc:docMk/>
-            <pc:sldMk cId="248048730" sldId="272"/>
-            <ac:spMk id="31" creationId="{8D8F7CEF-134A-D3DA-8445-5A753AB0F80F}"/>
-          </ac:spMkLst>
-        </pc:spChg>
-        <pc:spChg chg="mod">
-          <ac:chgData name="Tom Hoyland" userId="736d7a3e-93c7-4109-90c5-e67b8b3e41b2" providerId="ADAL" clId="{A4D346AA-F248-6444-93C1-EF2F2E65C714}" dt="2024-08-20T11:33:03.837" v="628" actId="1036"/>
-          <ac:spMkLst>
-            <pc:docMk/>
-            <pc:sldMk cId="248048730" sldId="272"/>
-            <ac:spMk id="32" creationId="{5057154F-7DCF-A223-0510-F25D7FD2EE6A}"/>
-          </ac:spMkLst>
-        </pc:spChg>
-        <pc:spChg chg="mod">
-          <ac:chgData name="Tom Hoyland" userId="736d7a3e-93c7-4109-90c5-e67b8b3e41b2" providerId="ADAL" clId="{A4D346AA-F248-6444-93C1-EF2F2E65C714}" dt="2024-08-20T11:33:03.837" v="628" actId="1036"/>
-          <ac:spMkLst>
-            <pc:docMk/>
-            <pc:sldMk cId="248048730" sldId="272"/>
-            <ac:spMk id="33" creationId="{E0D8722E-83A8-C310-122A-30EA2816860E}"/>
-          </ac:spMkLst>
-        </pc:spChg>
-        <pc:spChg chg="mod">
-          <ac:chgData name="Tom Hoyland" userId="736d7a3e-93c7-4109-90c5-e67b8b3e41b2" providerId="ADAL" clId="{A4D346AA-F248-6444-93C1-EF2F2E65C714}" dt="2024-08-20T11:33:03.837" v="628" actId="1036"/>
-          <ac:spMkLst>
-            <pc:docMk/>
-            <pc:sldMk cId="248048730" sldId="272"/>
-            <ac:spMk id="34" creationId="{27018EDB-C14A-2175-DA20-52AE83F8940E}"/>
-          </ac:spMkLst>
-        </pc:spChg>
-        <pc:spChg chg="mod">
-          <ac:chgData name="Tom Hoyland" userId="736d7a3e-93c7-4109-90c5-e67b8b3e41b2" providerId="ADAL" clId="{A4D346AA-F248-6444-93C1-EF2F2E65C714}" dt="2024-08-20T11:33:03.837" v="628" actId="1036"/>
-          <ac:spMkLst>
-            <pc:docMk/>
-            <pc:sldMk cId="248048730" sldId="272"/>
-            <ac:spMk id="35" creationId="{64BD6B3C-21B9-94EB-9163-4D7A83A4A297}"/>
-          </ac:spMkLst>
-        </pc:spChg>
-        <pc:spChg chg="mod">
-          <ac:chgData name="Tom Hoyland" userId="736d7a3e-93c7-4109-90c5-e67b8b3e41b2" providerId="ADAL" clId="{A4D346AA-F248-6444-93C1-EF2F2E65C714}" dt="2024-08-20T11:33:03.837" v="628" actId="1036"/>
-          <ac:spMkLst>
-            <pc:docMk/>
-            <pc:sldMk cId="248048730" sldId="272"/>
-            <ac:spMk id="36" creationId="{965DF994-D945-F5CF-02B0-6FD96B778267}"/>
-          </ac:spMkLst>
-        </pc:spChg>
-        <pc:picChg chg="mod">
-          <ac:chgData name="Tom Hoyland" userId="736d7a3e-93c7-4109-90c5-e67b8b3e41b2" providerId="ADAL" clId="{A4D346AA-F248-6444-93C1-EF2F2E65C714}" dt="2024-08-20T11:33:03.837" v="628" actId="1036"/>
-          <ac:picMkLst>
-            <pc:docMk/>
-            <pc:sldMk cId="248048730" sldId="272"/>
-            <ac:picMk id="5" creationId="{6322FBD9-FD8F-9C95-2729-127E6A05B844}"/>
-          </ac:picMkLst>
-        </pc:picChg>
-        <pc:picChg chg="mod">
-          <ac:chgData name="Tom Hoyland" userId="736d7a3e-93c7-4109-90c5-e67b8b3e41b2" providerId="ADAL" clId="{A4D346AA-F248-6444-93C1-EF2F2E65C714}" dt="2024-08-20T11:33:03.837" v="628" actId="1036"/>
-          <ac:picMkLst>
-            <pc:docMk/>
-            <pc:sldMk cId="248048730" sldId="272"/>
-            <ac:picMk id="6" creationId="{2BE0E3B7-67DB-7D22-62F7-F28225398F7E}"/>
-          </ac:picMkLst>
-        </pc:picChg>
-        <pc:picChg chg="mod">
-          <ac:chgData name="Tom Hoyland" userId="736d7a3e-93c7-4109-90c5-e67b8b3e41b2" providerId="ADAL" clId="{A4D346AA-F248-6444-93C1-EF2F2E65C714}" dt="2024-08-20T11:33:03.837" v="628" actId="1036"/>
-          <ac:picMkLst>
-            <pc:docMk/>
-            <pc:sldMk cId="248048730" sldId="272"/>
-            <ac:picMk id="7" creationId="{4025EFFD-6B77-7453-3202-61E018612DB9}"/>
-          </ac:picMkLst>
-        </pc:picChg>
-        <pc:picChg chg="mod">
-          <ac:chgData name="Tom Hoyland" userId="736d7a3e-93c7-4109-90c5-e67b8b3e41b2" providerId="ADAL" clId="{A4D346AA-F248-6444-93C1-EF2F2E65C714}" dt="2024-08-20T11:33:03.837" v="628" actId="1036"/>
-          <ac:picMkLst>
-            <pc:docMk/>
-            <pc:sldMk cId="248048730" sldId="272"/>
-            <ac:picMk id="9" creationId="{AFD2E46D-615E-B65D-1188-F2A6AB1738D7}"/>
-          </ac:picMkLst>
-        </pc:picChg>
-        <pc:picChg chg="mod">
-          <ac:chgData name="Tom Hoyland" userId="736d7a3e-93c7-4109-90c5-e67b8b3e41b2" providerId="ADAL" clId="{A4D346AA-F248-6444-93C1-EF2F2E65C714}" dt="2024-08-20T11:33:03.837" v="628" actId="1036"/>
-          <ac:picMkLst>
-            <pc:docMk/>
-            <pc:sldMk cId="248048730" sldId="272"/>
-            <ac:picMk id="12" creationId="{5C0C4BE6-1C53-E473-95EA-95C0F5CF1564}"/>
-          </ac:picMkLst>
-        </pc:picChg>
-        <pc:picChg chg="mod">
-          <ac:chgData name="Tom Hoyland" userId="736d7a3e-93c7-4109-90c5-e67b8b3e41b2" providerId="ADAL" clId="{A4D346AA-F248-6444-93C1-EF2F2E65C714}" dt="2024-08-20T11:33:03.837" v="628" actId="1036"/>
-          <ac:picMkLst>
-            <pc:docMk/>
-            <pc:sldMk cId="248048730" sldId="272"/>
-            <ac:picMk id="15" creationId="{1A85A53A-A4EB-808E-BCEA-EEBBAB52ECBA}"/>
-          </ac:picMkLst>
-        </pc:picChg>
-        <pc:picChg chg="mod">
-          <ac:chgData name="Tom Hoyland" userId="736d7a3e-93c7-4109-90c5-e67b8b3e41b2" providerId="ADAL" clId="{A4D346AA-F248-6444-93C1-EF2F2E65C714}" dt="2024-08-20T11:33:03.837" v="628" actId="1036"/>
-          <ac:picMkLst>
-            <pc:docMk/>
-            <pc:sldMk cId="248048730" sldId="272"/>
-            <ac:picMk id="17" creationId="{0FE1B1AD-E962-2850-8199-8B489F405D39}"/>
-          </ac:picMkLst>
-        </pc:picChg>
-        <pc:picChg chg="mod">
-          <ac:chgData name="Tom Hoyland" userId="736d7a3e-93c7-4109-90c5-e67b8b3e41b2" providerId="ADAL" clId="{A4D346AA-F248-6444-93C1-EF2F2E65C714}" dt="2024-08-20T11:33:03.837" v="628" actId="1036"/>
-          <ac:picMkLst>
-            <pc:docMk/>
-            <pc:sldMk cId="248048730" sldId="272"/>
-            <ac:picMk id="21" creationId="{177349E7-5A4C-46C5-B5B8-4980C12E809F}"/>
-          </ac:picMkLst>
-        </pc:picChg>
-      </pc:sldChg>
-    </pc:docChg>
-  </pc:docChgLst>
-  <pc:docChgLst>
     <pc:chgData name="Tom Hoyland" userId="S::tom.hoyland2@flutteruki.com::736d7a3e-93c7-4109-90c5-e67b8b3e41b2" providerId="AD" clId="Web-{F19ABF11-EF07-D527-F7BB-E1FE47E9926D}"/>
     <pc:docChg chg="modSld">
       <pc:chgData name="Tom Hoyland" userId="S::tom.hoyland2@flutteruki.com::736d7a3e-93c7-4109-90c5-e67b8b3e41b2" providerId="AD" clId="Web-{F19ABF11-EF07-D527-F7BB-E1FE47E9926D}" dt="2024-08-01T14:32:23.491" v="527"/>
@@ -1077,6 +280,803 @@
             </pc226:cmChg>
           </p:ext>
         </pc:extLst>
+      </pc:sldChg>
+    </pc:docChg>
+  </pc:docChgLst>
+  <pc:docChgLst>
+    <pc:chgData name="Tom Hoyland" userId="736d7a3e-93c7-4109-90c5-e67b8b3e41b2" providerId="ADAL" clId="{A4D346AA-F248-6444-93C1-EF2F2E65C714}"/>
+    <pc:docChg chg="undo custSel addSld delSld modSld sldOrd">
+      <pc:chgData name="Tom Hoyland" userId="736d7a3e-93c7-4109-90c5-e67b8b3e41b2" providerId="ADAL" clId="{A4D346AA-F248-6444-93C1-EF2F2E65C714}" dt="2024-08-20T11:33:24.572" v="664" actId="404"/>
+      <pc:docMkLst>
+        <pc:docMk/>
+      </pc:docMkLst>
+      <pc:sldChg chg="addSp delSp modSp mod">
+        <pc:chgData name="Tom Hoyland" userId="736d7a3e-93c7-4109-90c5-e67b8b3e41b2" providerId="ADAL" clId="{A4D346AA-F248-6444-93C1-EF2F2E65C714}" dt="2024-08-20T10:35:24.927" v="523" actId="1076"/>
+        <pc:sldMkLst>
+          <pc:docMk/>
+          <pc:sldMk cId="215971509" sldId="258"/>
+        </pc:sldMkLst>
+        <pc:spChg chg="add del mod">
+          <ac:chgData name="Tom Hoyland" userId="736d7a3e-93c7-4109-90c5-e67b8b3e41b2" providerId="ADAL" clId="{A4D346AA-F248-6444-93C1-EF2F2E65C714}" dt="2024-08-20T10:35:16.759" v="521"/>
+          <ac:spMkLst>
+            <pc:docMk/>
+            <pc:sldMk cId="215971509" sldId="258"/>
+            <ac:spMk id="2" creationId="{13C5DC61-1188-B764-894D-18FA2653502D}"/>
+          </ac:spMkLst>
+        </pc:spChg>
+        <pc:graphicFrameChg chg="mod modGraphic">
+          <ac:chgData name="Tom Hoyland" userId="736d7a3e-93c7-4109-90c5-e67b8b3e41b2" providerId="ADAL" clId="{A4D346AA-F248-6444-93C1-EF2F2E65C714}" dt="2024-08-20T10:35:24.927" v="523" actId="1076"/>
+          <ac:graphicFrameMkLst>
+            <pc:docMk/>
+            <pc:sldMk cId="215971509" sldId="258"/>
+            <ac:graphicFrameMk id="4" creationId="{2C24AB31-CFE6-05B1-A05C-CB4B8F5125D5}"/>
+          </ac:graphicFrameMkLst>
+        </pc:graphicFrameChg>
+      </pc:sldChg>
+      <pc:sldChg chg="addSp delSp modSp del mod">
+        <pc:chgData name="Tom Hoyland" userId="736d7a3e-93c7-4109-90c5-e67b8b3e41b2" providerId="ADAL" clId="{A4D346AA-F248-6444-93C1-EF2F2E65C714}" dt="2024-08-20T11:32:51.918" v="598" actId="2696"/>
+        <pc:sldMkLst>
+          <pc:docMk/>
+          <pc:sldMk cId="1551894915" sldId="261"/>
+        </pc:sldMkLst>
+        <pc:spChg chg="del">
+          <ac:chgData name="Tom Hoyland" userId="736d7a3e-93c7-4109-90c5-e67b8b3e41b2" providerId="ADAL" clId="{A4D346AA-F248-6444-93C1-EF2F2E65C714}" dt="2024-08-20T11:32:39.566" v="595" actId="478"/>
+          <ac:spMkLst>
+            <pc:docMk/>
+            <pc:sldMk cId="1551894915" sldId="261"/>
+            <ac:spMk id="2" creationId="{60114F5B-200D-5E80-5596-D97099667249}"/>
+          </ac:spMkLst>
+        </pc:spChg>
+        <pc:spChg chg="add mod">
+          <ac:chgData name="Tom Hoyland" userId="736d7a3e-93c7-4109-90c5-e67b8b3e41b2" providerId="ADAL" clId="{A4D346AA-F248-6444-93C1-EF2F2E65C714}" dt="2024-08-20T11:32:39.566" v="595" actId="478"/>
+          <ac:spMkLst>
+            <pc:docMk/>
+            <pc:sldMk cId="1551894915" sldId="261"/>
+            <ac:spMk id="4" creationId="{D965E8EF-04AD-6DBB-D01A-5F2B61C6026F}"/>
+          </ac:spMkLst>
+        </pc:spChg>
+        <pc:spChg chg="del">
+          <ac:chgData name="Tom Hoyland" userId="736d7a3e-93c7-4109-90c5-e67b8b3e41b2" providerId="ADAL" clId="{A4D346AA-F248-6444-93C1-EF2F2E65C714}" dt="2024-08-20T11:32:39.566" v="595" actId="478"/>
+          <ac:spMkLst>
+            <pc:docMk/>
+            <pc:sldMk cId="1551894915" sldId="261"/>
+            <ac:spMk id="8" creationId="{8CDDB97D-A02F-8254-5432-E930CF01E0FC}"/>
+          </ac:spMkLst>
+        </pc:spChg>
+        <pc:spChg chg="del">
+          <ac:chgData name="Tom Hoyland" userId="736d7a3e-93c7-4109-90c5-e67b8b3e41b2" providerId="ADAL" clId="{A4D346AA-F248-6444-93C1-EF2F2E65C714}" dt="2024-08-20T11:32:39.566" v="595" actId="478"/>
+          <ac:spMkLst>
+            <pc:docMk/>
+            <pc:sldMk cId="1551894915" sldId="261"/>
+            <ac:spMk id="10" creationId="{C258F823-7B51-957A-9C20-93136D988928}"/>
+          </ac:spMkLst>
+        </pc:spChg>
+        <pc:spChg chg="del">
+          <ac:chgData name="Tom Hoyland" userId="736d7a3e-93c7-4109-90c5-e67b8b3e41b2" providerId="ADAL" clId="{A4D346AA-F248-6444-93C1-EF2F2E65C714}" dt="2024-08-20T11:32:39.566" v="595" actId="478"/>
+          <ac:spMkLst>
+            <pc:docMk/>
+            <pc:sldMk cId="1551894915" sldId="261"/>
+            <ac:spMk id="11" creationId="{706FB268-040E-2102-1308-B242A93B903A}"/>
+          </ac:spMkLst>
+        </pc:spChg>
+        <pc:spChg chg="del">
+          <ac:chgData name="Tom Hoyland" userId="736d7a3e-93c7-4109-90c5-e67b8b3e41b2" providerId="ADAL" clId="{A4D346AA-F248-6444-93C1-EF2F2E65C714}" dt="2024-08-20T11:32:39.566" v="595" actId="478"/>
+          <ac:spMkLst>
+            <pc:docMk/>
+            <pc:sldMk cId="1551894915" sldId="261"/>
+            <ac:spMk id="13" creationId="{380E85BC-FF65-970E-3CDA-C005D8E7882F}"/>
+          </ac:spMkLst>
+        </pc:spChg>
+        <pc:spChg chg="del">
+          <ac:chgData name="Tom Hoyland" userId="736d7a3e-93c7-4109-90c5-e67b8b3e41b2" providerId="ADAL" clId="{A4D346AA-F248-6444-93C1-EF2F2E65C714}" dt="2024-08-20T11:32:39.566" v="595" actId="478"/>
+          <ac:spMkLst>
+            <pc:docMk/>
+            <pc:sldMk cId="1551894915" sldId="261"/>
+            <ac:spMk id="14" creationId="{042E4238-C41B-D73B-C28B-0B462803692E}"/>
+          </ac:spMkLst>
+        </pc:spChg>
+        <pc:spChg chg="del">
+          <ac:chgData name="Tom Hoyland" userId="736d7a3e-93c7-4109-90c5-e67b8b3e41b2" providerId="ADAL" clId="{A4D346AA-F248-6444-93C1-EF2F2E65C714}" dt="2024-08-20T11:32:39.566" v="595" actId="478"/>
+          <ac:spMkLst>
+            <pc:docMk/>
+            <pc:sldMk cId="1551894915" sldId="261"/>
+            <ac:spMk id="16" creationId="{24D6D5B8-560A-7C70-9E81-B8EFB579F08E}"/>
+          </ac:spMkLst>
+        </pc:spChg>
+        <pc:spChg chg="del">
+          <ac:chgData name="Tom Hoyland" userId="736d7a3e-93c7-4109-90c5-e67b8b3e41b2" providerId="ADAL" clId="{A4D346AA-F248-6444-93C1-EF2F2E65C714}" dt="2024-08-20T11:32:39.566" v="595" actId="478"/>
+          <ac:spMkLst>
+            <pc:docMk/>
+            <pc:sldMk cId="1551894915" sldId="261"/>
+            <ac:spMk id="18" creationId="{F93BD877-DC0E-E976-9DE4-BE888B19CF0F}"/>
+          </ac:spMkLst>
+        </pc:spChg>
+        <pc:spChg chg="del">
+          <ac:chgData name="Tom Hoyland" userId="736d7a3e-93c7-4109-90c5-e67b8b3e41b2" providerId="ADAL" clId="{A4D346AA-F248-6444-93C1-EF2F2E65C714}" dt="2024-08-20T11:32:39.566" v="595" actId="478"/>
+          <ac:spMkLst>
+            <pc:docMk/>
+            <pc:sldMk cId="1551894915" sldId="261"/>
+            <ac:spMk id="28" creationId="{5ACB057E-5EA7-0F53-3026-546099232574}"/>
+          </ac:spMkLst>
+        </pc:spChg>
+        <pc:spChg chg="del">
+          <ac:chgData name="Tom Hoyland" userId="736d7a3e-93c7-4109-90c5-e67b8b3e41b2" providerId="ADAL" clId="{A4D346AA-F248-6444-93C1-EF2F2E65C714}" dt="2024-08-20T11:32:39.566" v="595" actId="478"/>
+          <ac:spMkLst>
+            <pc:docMk/>
+            <pc:sldMk cId="1551894915" sldId="261"/>
+            <ac:spMk id="29" creationId="{73641E73-F1C1-EAD9-8C93-D55E7BD2CDF8}"/>
+          </ac:spMkLst>
+        </pc:spChg>
+        <pc:spChg chg="del">
+          <ac:chgData name="Tom Hoyland" userId="736d7a3e-93c7-4109-90c5-e67b8b3e41b2" providerId="ADAL" clId="{A4D346AA-F248-6444-93C1-EF2F2E65C714}" dt="2024-08-20T11:32:39.566" v="595" actId="478"/>
+          <ac:spMkLst>
+            <pc:docMk/>
+            <pc:sldMk cId="1551894915" sldId="261"/>
+            <ac:spMk id="30" creationId="{0E4E77C7-934A-84F8-113F-232F677D364F}"/>
+          </ac:spMkLst>
+        </pc:spChg>
+        <pc:spChg chg="del">
+          <ac:chgData name="Tom Hoyland" userId="736d7a3e-93c7-4109-90c5-e67b8b3e41b2" providerId="ADAL" clId="{A4D346AA-F248-6444-93C1-EF2F2E65C714}" dt="2024-08-20T11:32:39.566" v="595" actId="478"/>
+          <ac:spMkLst>
+            <pc:docMk/>
+            <pc:sldMk cId="1551894915" sldId="261"/>
+            <ac:spMk id="31" creationId="{18DF7356-8B91-65DC-8FE8-32BFE8F1A09C}"/>
+          </ac:spMkLst>
+        </pc:spChg>
+        <pc:spChg chg="del">
+          <ac:chgData name="Tom Hoyland" userId="736d7a3e-93c7-4109-90c5-e67b8b3e41b2" providerId="ADAL" clId="{A4D346AA-F248-6444-93C1-EF2F2E65C714}" dt="2024-08-20T11:32:39.566" v="595" actId="478"/>
+          <ac:spMkLst>
+            <pc:docMk/>
+            <pc:sldMk cId="1551894915" sldId="261"/>
+            <ac:spMk id="32" creationId="{CE0A2A4C-DC20-3B09-E6C1-86C7406F3E22}"/>
+          </ac:spMkLst>
+        </pc:spChg>
+        <pc:spChg chg="del">
+          <ac:chgData name="Tom Hoyland" userId="736d7a3e-93c7-4109-90c5-e67b8b3e41b2" providerId="ADAL" clId="{A4D346AA-F248-6444-93C1-EF2F2E65C714}" dt="2024-08-20T11:32:39.566" v="595" actId="478"/>
+          <ac:spMkLst>
+            <pc:docMk/>
+            <pc:sldMk cId="1551894915" sldId="261"/>
+            <ac:spMk id="33" creationId="{B0CF220A-8F25-72EA-707D-3F51885CA3B4}"/>
+          </ac:spMkLst>
+        </pc:spChg>
+        <pc:spChg chg="del">
+          <ac:chgData name="Tom Hoyland" userId="736d7a3e-93c7-4109-90c5-e67b8b3e41b2" providerId="ADAL" clId="{A4D346AA-F248-6444-93C1-EF2F2E65C714}" dt="2024-08-20T11:32:39.566" v="595" actId="478"/>
+          <ac:spMkLst>
+            <pc:docMk/>
+            <pc:sldMk cId="1551894915" sldId="261"/>
+            <ac:spMk id="34" creationId="{FD091573-20FC-A6D7-6867-DCE7669E0934}"/>
+          </ac:spMkLst>
+        </pc:spChg>
+        <pc:spChg chg="del">
+          <ac:chgData name="Tom Hoyland" userId="736d7a3e-93c7-4109-90c5-e67b8b3e41b2" providerId="ADAL" clId="{A4D346AA-F248-6444-93C1-EF2F2E65C714}" dt="2024-08-20T11:32:39.566" v="595" actId="478"/>
+          <ac:spMkLst>
+            <pc:docMk/>
+            <pc:sldMk cId="1551894915" sldId="261"/>
+            <ac:spMk id="35" creationId="{14C3540D-164D-0502-B9B3-99DA425B4CAA}"/>
+          </ac:spMkLst>
+        </pc:spChg>
+        <pc:spChg chg="del">
+          <ac:chgData name="Tom Hoyland" userId="736d7a3e-93c7-4109-90c5-e67b8b3e41b2" providerId="ADAL" clId="{A4D346AA-F248-6444-93C1-EF2F2E65C714}" dt="2024-08-20T11:32:39.566" v="595" actId="478"/>
+          <ac:spMkLst>
+            <pc:docMk/>
+            <pc:sldMk cId="1551894915" sldId="261"/>
+            <ac:spMk id="36" creationId="{E590E56E-C5E5-6786-556B-9FF43F6C6253}"/>
+          </ac:spMkLst>
+        </pc:spChg>
+        <pc:picChg chg="del">
+          <ac:chgData name="Tom Hoyland" userId="736d7a3e-93c7-4109-90c5-e67b8b3e41b2" providerId="ADAL" clId="{A4D346AA-F248-6444-93C1-EF2F2E65C714}" dt="2024-08-20T11:32:39.566" v="595" actId="478"/>
+          <ac:picMkLst>
+            <pc:docMk/>
+            <pc:sldMk cId="1551894915" sldId="261"/>
+            <ac:picMk id="5" creationId="{62116002-A9FA-E0AB-8E6A-8CEE2DB576CB}"/>
+          </ac:picMkLst>
+        </pc:picChg>
+        <pc:picChg chg="del">
+          <ac:chgData name="Tom Hoyland" userId="736d7a3e-93c7-4109-90c5-e67b8b3e41b2" providerId="ADAL" clId="{A4D346AA-F248-6444-93C1-EF2F2E65C714}" dt="2024-08-20T11:32:39.566" v="595" actId="478"/>
+          <ac:picMkLst>
+            <pc:docMk/>
+            <pc:sldMk cId="1551894915" sldId="261"/>
+            <ac:picMk id="6" creationId="{06F97ED0-2646-B792-8B99-24400765AE9E}"/>
+          </ac:picMkLst>
+        </pc:picChg>
+        <pc:picChg chg="del">
+          <ac:chgData name="Tom Hoyland" userId="736d7a3e-93c7-4109-90c5-e67b8b3e41b2" providerId="ADAL" clId="{A4D346AA-F248-6444-93C1-EF2F2E65C714}" dt="2024-08-20T11:32:39.566" v="595" actId="478"/>
+          <ac:picMkLst>
+            <pc:docMk/>
+            <pc:sldMk cId="1551894915" sldId="261"/>
+            <ac:picMk id="7" creationId="{D006BE89-01FB-EFD8-A0B0-468CE5796739}"/>
+          </ac:picMkLst>
+        </pc:picChg>
+        <pc:picChg chg="del">
+          <ac:chgData name="Tom Hoyland" userId="736d7a3e-93c7-4109-90c5-e67b8b3e41b2" providerId="ADAL" clId="{A4D346AA-F248-6444-93C1-EF2F2E65C714}" dt="2024-08-20T11:32:39.566" v="595" actId="478"/>
+          <ac:picMkLst>
+            <pc:docMk/>
+            <pc:sldMk cId="1551894915" sldId="261"/>
+            <ac:picMk id="9" creationId="{08B66EBF-2D1E-6E8B-FCBD-479EDE455568}"/>
+          </ac:picMkLst>
+        </pc:picChg>
+        <pc:picChg chg="del">
+          <ac:chgData name="Tom Hoyland" userId="736d7a3e-93c7-4109-90c5-e67b8b3e41b2" providerId="ADAL" clId="{A4D346AA-F248-6444-93C1-EF2F2E65C714}" dt="2024-08-20T11:32:39.566" v="595" actId="478"/>
+          <ac:picMkLst>
+            <pc:docMk/>
+            <pc:sldMk cId="1551894915" sldId="261"/>
+            <ac:picMk id="12" creationId="{0AF8A365-1CA9-E91D-685E-C97FBF85A01F}"/>
+          </ac:picMkLst>
+        </pc:picChg>
+        <pc:picChg chg="del">
+          <ac:chgData name="Tom Hoyland" userId="736d7a3e-93c7-4109-90c5-e67b8b3e41b2" providerId="ADAL" clId="{A4D346AA-F248-6444-93C1-EF2F2E65C714}" dt="2024-08-20T11:32:39.566" v="595" actId="478"/>
+          <ac:picMkLst>
+            <pc:docMk/>
+            <pc:sldMk cId="1551894915" sldId="261"/>
+            <ac:picMk id="15" creationId="{C1E2E61F-6957-C476-802C-DAA4E8E3D8FC}"/>
+          </ac:picMkLst>
+        </pc:picChg>
+        <pc:picChg chg="del">
+          <ac:chgData name="Tom Hoyland" userId="736d7a3e-93c7-4109-90c5-e67b8b3e41b2" providerId="ADAL" clId="{A4D346AA-F248-6444-93C1-EF2F2E65C714}" dt="2024-08-20T11:32:39.566" v="595" actId="478"/>
+          <ac:picMkLst>
+            <pc:docMk/>
+            <pc:sldMk cId="1551894915" sldId="261"/>
+            <ac:picMk id="17" creationId="{0F35D7D0-03F8-0064-B5AC-20BCCD3C6C55}"/>
+          </ac:picMkLst>
+        </pc:picChg>
+        <pc:picChg chg="del">
+          <ac:chgData name="Tom Hoyland" userId="736d7a3e-93c7-4109-90c5-e67b8b3e41b2" providerId="ADAL" clId="{A4D346AA-F248-6444-93C1-EF2F2E65C714}" dt="2024-08-20T11:32:39.566" v="595" actId="478"/>
+          <ac:picMkLst>
+            <pc:docMk/>
+            <pc:sldMk cId="1551894915" sldId="261"/>
+            <ac:picMk id="21" creationId="{75F00680-C90D-0C50-BAEB-68DD9870452B}"/>
+          </ac:picMkLst>
+        </pc:picChg>
+      </pc:sldChg>
+      <pc:sldChg chg="addSp delSp modSp add mod ord">
+        <pc:chgData name="Tom Hoyland" userId="736d7a3e-93c7-4109-90c5-e67b8b3e41b2" providerId="ADAL" clId="{A4D346AA-F248-6444-93C1-EF2F2E65C714}" dt="2024-08-20T11:32:33.746" v="594" actId="20577"/>
+        <pc:sldMkLst>
+          <pc:docMk/>
+          <pc:sldMk cId="2712193479" sldId="271"/>
+        </pc:sldMkLst>
+        <pc:spChg chg="del">
+          <ac:chgData name="Tom Hoyland" userId="736d7a3e-93c7-4109-90c5-e67b8b3e41b2" providerId="ADAL" clId="{A4D346AA-F248-6444-93C1-EF2F2E65C714}" dt="2024-08-13T07:33:26.326" v="156" actId="478"/>
+          <ac:spMkLst>
+            <pc:docMk/>
+            <pc:sldMk cId="2712193479" sldId="271"/>
+            <ac:spMk id="2" creationId="{60114F5B-200D-5E80-5596-D97099667249}"/>
+          </ac:spMkLst>
+        </pc:spChg>
+        <pc:spChg chg="add mod">
+          <ac:chgData name="Tom Hoyland" userId="736d7a3e-93c7-4109-90c5-e67b8b3e41b2" providerId="ADAL" clId="{A4D346AA-F248-6444-93C1-EF2F2E65C714}" dt="2024-08-13T07:40:02.434" v="517" actId="1076"/>
+          <ac:spMkLst>
+            <pc:docMk/>
+            <pc:sldMk cId="2712193479" sldId="271"/>
+            <ac:spMk id="3" creationId="{43F9F6AE-A5AC-2E03-0D6A-B04BA76B49BC}"/>
+          </ac:spMkLst>
+        </pc:spChg>
+        <pc:spChg chg="add mod">
+          <ac:chgData name="Tom Hoyland" userId="736d7a3e-93c7-4109-90c5-e67b8b3e41b2" providerId="ADAL" clId="{A4D346AA-F248-6444-93C1-EF2F2E65C714}" dt="2024-08-13T07:40:02.434" v="517" actId="1076"/>
+          <ac:spMkLst>
+            <pc:docMk/>
+            <pc:sldMk cId="2712193479" sldId="271"/>
+            <ac:spMk id="4" creationId="{E151A129-60CE-5725-DCEC-DF20AB33301A}"/>
+          </ac:spMkLst>
+        </pc:spChg>
+        <pc:spChg chg="mod">
+          <ac:chgData name="Tom Hoyland" userId="736d7a3e-93c7-4109-90c5-e67b8b3e41b2" providerId="ADAL" clId="{A4D346AA-F248-6444-93C1-EF2F2E65C714}" dt="2024-08-20T11:32:22.457" v="585" actId="20577"/>
+          <ac:spMkLst>
+            <pc:docMk/>
+            <pc:sldMk cId="2712193479" sldId="271"/>
+            <ac:spMk id="8" creationId="{8CDDB97D-A02F-8254-5432-E930CF01E0FC}"/>
+          </ac:spMkLst>
+        </pc:spChg>
+        <pc:spChg chg="mod">
+          <ac:chgData name="Tom Hoyland" userId="736d7a3e-93c7-4109-90c5-e67b8b3e41b2" providerId="ADAL" clId="{A4D346AA-F248-6444-93C1-EF2F2E65C714}" dt="2024-08-20T11:32:20.806" v="584" actId="20577"/>
+          <ac:spMkLst>
+            <pc:docMk/>
+            <pc:sldMk cId="2712193479" sldId="271"/>
+            <ac:spMk id="10" creationId="{C258F823-7B51-957A-9C20-93136D988928}"/>
+          </ac:spMkLst>
+        </pc:spChg>
+        <pc:spChg chg="mod">
+          <ac:chgData name="Tom Hoyland" userId="736d7a3e-93c7-4109-90c5-e67b8b3e41b2" providerId="ADAL" clId="{A4D346AA-F248-6444-93C1-EF2F2E65C714}" dt="2024-08-20T11:32:25.812" v="587" actId="20577"/>
+          <ac:spMkLst>
+            <pc:docMk/>
+            <pc:sldMk cId="2712193479" sldId="271"/>
+            <ac:spMk id="11" creationId="{706FB268-040E-2102-1308-B242A93B903A}"/>
+          </ac:spMkLst>
+        </pc:spChg>
+        <pc:spChg chg="mod">
+          <ac:chgData name="Tom Hoyland" userId="736d7a3e-93c7-4109-90c5-e67b8b3e41b2" providerId="ADAL" clId="{A4D346AA-F248-6444-93C1-EF2F2E65C714}" dt="2024-08-20T11:32:29.695" v="592" actId="20577"/>
+          <ac:spMkLst>
+            <pc:docMk/>
+            <pc:sldMk cId="2712193479" sldId="271"/>
+            <ac:spMk id="13" creationId="{380E85BC-FF65-970E-3CDA-C005D8E7882F}"/>
+          </ac:spMkLst>
+        </pc:spChg>
+        <pc:spChg chg="mod">
+          <ac:chgData name="Tom Hoyland" userId="736d7a3e-93c7-4109-90c5-e67b8b3e41b2" providerId="ADAL" clId="{A4D346AA-F248-6444-93C1-EF2F2E65C714}" dt="2024-08-20T11:32:32.158" v="593" actId="20577"/>
+          <ac:spMkLst>
+            <pc:docMk/>
+            <pc:sldMk cId="2712193479" sldId="271"/>
+            <ac:spMk id="14" creationId="{042E4238-C41B-D73B-C28B-0B462803692E}"/>
+          </ac:spMkLst>
+        </pc:spChg>
+        <pc:spChg chg="mod">
+          <ac:chgData name="Tom Hoyland" userId="736d7a3e-93c7-4109-90c5-e67b8b3e41b2" providerId="ADAL" clId="{A4D346AA-F248-6444-93C1-EF2F2E65C714}" dt="2024-08-20T11:32:24.083" v="586" actId="20577"/>
+          <ac:spMkLst>
+            <pc:docMk/>
+            <pc:sldMk cId="2712193479" sldId="271"/>
+            <ac:spMk id="16" creationId="{24D6D5B8-560A-7C70-9E81-B8EFB579F08E}"/>
+          </ac:spMkLst>
+        </pc:spChg>
+        <pc:spChg chg="mod">
+          <ac:chgData name="Tom Hoyland" userId="736d7a3e-93c7-4109-90c5-e67b8b3e41b2" providerId="ADAL" clId="{A4D346AA-F248-6444-93C1-EF2F2E65C714}" dt="2024-08-20T11:32:19.042" v="583" actId="20577"/>
+          <ac:spMkLst>
+            <pc:docMk/>
+            <pc:sldMk cId="2712193479" sldId="271"/>
+            <ac:spMk id="18" creationId="{F93BD877-DC0E-E976-9DE4-BE888B19CF0F}"/>
+          </ac:spMkLst>
+        </pc:spChg>
+        <pc:spChg chg="add mod">
+          <ac:chgData name="Tom Hoyland" userId="736d7a3e-93c7-4109-90c5-e67b8b3e41b2" providerId="ADAL" clId="{A4D346AA-F248-6444-93C1-EF2F2E65C714}" dt="2024-08-13T07:40:02.434" v="517" actId="1076"/>
+          <ac:spMkLst>
+            <pc:docMk/>
+            <pc:sldMk cId="2712193479" sldId="271"/>
+            <ac:spMk id="19" creationId="{9BC32168-0734-E7F4-DDAC-4419BE1ED0AC}"/>
+          </ac:spMkLst>
+        </pc:spChg>
+        <pc:spChg chg="add mod">
+          <ac:chgData name="Tom Hoyland" userId="736d7a3e-93c7-4109-90c5-e67b8b3e41b2" providerId="ADAL" clId="{A4D346AA-F248-6444-93C1-EF2F2E65C714}" dt="2024-08-13T07:40:02.434" v="517" actId="1076"/>
+          <ac:spMkLst>
+            <pc:docMk/>
+            <pc:sldMk cId="2712193479" sldId="271"/>
+            <ac:spMk id="20" creationId="{69D48872-11CB-3A33-9C96-131727D0AB45}"/>
+          </ac:spMkLst>
+        </pc:spChg>
+        <pc:spChg chg="add del mod">
+          <ac:chgData name="Tom Hoyland" userId="736d7a3e-93c7-4109-90c5-e67b8b3e41b2" providerId="ADAL" clId="{A4D346AA-F248-6444-93C1-EF2F2E65C714}" dt="2024-08-13T07:33:28.075" v="157" actId="478"/>
+          <ac:spMkLst>
+            <pc:docMk/>
+            <pc:sldMk cId="2712193479" sldId="271"/>
+            <ac:spMk id="23" creationId="{97374FD9-56B1-BD38-01AD-42A8332B8E26}"/>
+          </ac:spMkLst>
+        </pc:spChg>
+        <pc:spChg chg="add mod">
+          <ac:chgData name="Tom Hoyland" userId="736d7a3e-93c7-4109-90c5-e67b8b3e41b2" providerId="ADAL" clId="{A4D346AA-F248-6444-93C1-EF2F2E65C714}" dt="2024-08-13T07:40:02.434" v="517" actId="1076"/>
+          <ac:spMkLst>
+            <pc:docMk/>
+            <pc:sldMk cId="2712193479" sldId="271"/>
+            <ac:spMk id="24" creationId="{16C484F4-FF4B-D129-FAEA-02E2EC8CFE4D}"/>
+          </ac:spMkLst>
+        </pc:spChg>
+        <pc:spChg chg="add mod">
+          <ac:chgData name="Tom Hoyland" userId="736d7a3e-93c7-4109-90c5-e67b8b3e41b2" providerId="ADAL" clId="{A4D346AA-F248-6444-93C1-EF2F2E65C714}" dt="2024-08-13T07:40:02.434" v="517" actId="1076"/>
+          <ac:spMkLst>
+            <pc:docMk/>
+            <pc:sldMk cId="2712193479" sldId="271"/>
+            <ac:spMk id="25" creationId="{5772F33A-FAA4-6619-FC37-5A0C0D431A17}"/>
+          </ac:spMkLst>
+        </pc:spChg>
+        <pc:spChg chg="add mod">
+          <ac:chgData name="Tom Hoyland" userId="736d7a3e-93c7-4109-90c5-e67b8b3e41b2" providerId="ADAL" clId="{A4D346AA-F248-6444-93C1-EF2F2E65C714}" dt="2024-08-13T07:40:02.434" v="517" actId="1076"/>
+          <ac:spMkLst>
+            <pc:docMk/>
+            <pc:sldMk cId="2712193479" sldId="271"/>
+            <ac:spMk id="26" creationId="{8DB1EDB7-0892-A3F2-FB78-D990F034BD8D}"/>
+          </ac:spMkLst>
+        </pc:spChg>
+        <pc:spChg chg="add mod">
+          <ac:chgData name="Tom Hoyland" userId="736d7a3e-93c7-4109-90c5-e67b8b3e41b2" providerId="ADAL" clId="{A4D346AA-F248-6444-93C1-EF2F2E65C714}" dt="2024-08-13T07:40:02.434" v="517" actId="1076"/>
+          <ac:spMkLst>
+            <pc:docMk/>
+            <pc:sldMk cId="2712193479" sldId="271"/>
+            <ac:spMk id="27" creationId="{A82AA132-2F6D-308A-92C4-44C23B119428}"/>
+          </ac:spMkLst>
+        </pc:spChg>
+        <pc:spChg chg="mod">
+          <ac:chgData name="Tom Hoyland" userId="736d7a3e-93c7-4109-90c5-e67b8b3e41b2" providerId="ADAL" clId="{A4D346AA-F248-6444-93C1-EF2F2E65C714}" dt="2024-08-20T11:32:33.746" v="594" actId="20577"/>
+          <ac:spMkLst>
+            <pc:docMk/>
+            <pc:sldMk cId="2712193479" sldId="271"/>
+            <ac:spMk id="28" creationId="{5ACB057E-5EA7-0F53-3026-546099232574}"/>
+          </ac:spMkLst>
+        </pc:spChg>
+        <pc:spChg chg="mod">
+          <ac:chgData name="Tom Hoyland" userId="736d7a3e-93c7-4109-90c5-e67b8b3e41b2" providerId="ADAL" clId="{A4D346AA-F248-6444-93C1-EF2F2E65C714}" dt="2024-08-13T07:40:02.434" v="517" actId="1076"/>
+          <ac:spMkLst>
+            <pc:docMk/>
+            <pc:sldMk cId="2712193479" sldId="271"/>
+            <ac:spMk id="29" creationId="{73641E73-F1C1-EAD9-8C93-D55E7BD2CDF8}"/>
+          </ac:spMkLst>
+        </pc:spChg>
+        <pc:spChg chg="mod">
+          <ac:chgData name="Tom Hoyland" userId="736d7a3e-93c7-4109-90c5-e67b8b3e41b2" providerId="ADAL" clId="{A4D346AA-F248-6444-93C1-EF2F2E65C714}" dt="2024-08-13T07:40:02.434" v="517" actId="1076"/>
+          <ac:spMkLst>
+            <pc:docMk/>
+            <pc:sldMk cId="2712193479" sldId="271"/>
+            <ac:spMk id="30" creationId="{0E4E77C7-934A-84F8-113F-232F677D364F}"/>
+          </ac:spMkLst>
+        </pc:spChg>
+        <pc:spChg chg="mod">
+          <ac:chgData name="Tom Hoyland" userId="736d7a3e-93c7-4109-90c5-e67b8b3e41b2" providerId="ADAL" clId="{A4D346AA-F248-6444-93C1-EF2F2E65C714}" dt="2024-08-13T07:40:02.434" v="517" actId="1076"/>
+          <ac:spMkLst>
+            <pc:docMk/>
+            <pc:sldMk cId="2712193479" sldId="271"/>
+            <ac:spMk id="31" creationId="{18DF7356-8B91-65DC-8FE8-32BFE8F1A09C}"/>
+          </ac:spMkLst>
+        </pc:spChg>
+        <pc:spChg chg="mod">
+          <ac:chgData name="Tom Hoyland" userId="736d7a3e-93c7-4109-90c5-e67b8b3e41b2" providerId="ADAL" clId="{A4D346AA-F248-6444-93C1-EF2F2E65C714}" dt="2024-08-13T07:40:02.434" v="517" actId="1076"/>
+          <ac:spMkLst>
+            <pc:docMk/>
+            <pc:sldMk cId="2712193479" sldId="271"/>
+            <ac:spMk id="32" creationId="{CE0A2A4C-DC20-3B09-E6C1-86C7406F3E22}"/>
+          </ac:spMkLst>
+        </pc:spChg>
+        <pc:spChg chg="mod">
+          <ac:chgData name="Tom Hoyland" userId="736d7a3e-93c7-4109-90c5-e67b8b3e41b2" providerId="ADAL" clId="{A4D346AA-F248-6444-93C1-EF2F2E65C714}" dt="2024-08-13T07:40:02.434" v="517" actId="1076"/>
+          <ac:spMkLst>
+            <pc:docMk/>
+            <pc:sldMk cId="2712193479" sldId="271"/>
+            <ac:spMk id="33" creationId="{B0CF220A-8F25-72EA-707D-3F51885CA3B4}"/>
+          </ac:spMkLst>
+        </pc:spChg>
+        <pc:spChg chg="mod">
+          <ac:chgData name="Tom Hoyland" userId="736d7a3e-93c7-4109-90c5-e67b8b3e41b2" providerId="ADAL" clId="{A4D346AA-F248-6444-93C1-EF2F2E65C714}" dt="2024-08-13T07:40:02.434" v="517" actId="1076"/>
+          <ac:spMkLst>
+            <pc:docMk/>
+            <pc:sldMk cId="2712193479" sldId="271"/>
+            <ac:spMk id="34" creationId="{FD091573-20FC-A6D7-6867-DCE7669E0934}"/>
+          </ac:spMkLst>
+        </pc:spChg>
+        <pc:spChg chg="mod">
+          <ac:chgData name="Tom Hoyland" userId="736d7a3e-93c7-4109-90c5-e67b8b3e41b2" providerId="ADAL" clId="{A4D346AA-F248-6444-93C1-EF2F2E65C714}" dt="2024-08-13T07:40:02.434" v="517" actId="1076"/>
+          <ac:spMkLst>
+            <pc:docMk/>
+            <pc:sldMk cId="2712193479" sldId="271"/>
+            <ac:spMk id="35" creationId="{14C3540D-164D-0502-B9B3-99DA425B4CAA}"/>
+          </ac:spMkLst>
+        </pc:spChg>
+        <pc:spChg chg="mod">
+          <ac:chgData name="Tom Hoyland" userId="736d7a3e-93c7-4109-90c5-e67b8b3e41b2" providerId="ADAL" clId="{A4D346AA-F248-6444-93C1-EF2F2E65C714}" dt="2024-08-13T07:40:02.434" v="517" actId="1076"/>
+          <ac:spMkLst>
+            <pc:docMk/>
+            <pc:sldMk cId="2712193479" sldId="271"/>
+            <ac:spMk id="36" creationId="{E590E56E-C5E5-6786-556B-9FF43F6C6253}"/>
+          </ac:spMkLst>
+        </pc:spChg>
+        <pc:picChg chg="mod">
+          <ac:chgData name="Tom Hoyland" userId="736d7a3e-93c7-4109-90c5-e67b8b3e41b2" providerId="ADAL" clId="{A4D346AA-F248-6444-93C1-EF2F2E65C714}" dt="2024-08-13T07:40:02.434" v="517" actId="1076"/>
+          <ac:picMkLst>
+            <pc:docMk/>
+            <pc:sldMk cId="2712193479" sldId="271"/>
+            <ac:picMk id="5" creationId="{62116002-A9FA-E0AB-8E6A-8CEE2DB576CB}"/>
+          </ac:picMkLst>
+        </pc:picChg>
+        <pc:picChg chg="mod">
+          <ac:chgData name="Tom Hoyland" userId="736d7a3e-93c7-4109-90c5-e67b8b3e41b2" providerId="ADAL" clId="{A4D346AA-F248-6444-93C1-EF2F2E65C714}" dt="2024-08-13T07:40:02.434" v="517" actId="1076"/>
+          <ac:picMkLst>
+            <pc:docMk/>
+            <pc:sldMk cId="2712193479" sldId="271"/>
+            <ac:picMk id="6" creationId="{06F97ED0-2646-B792-8B99-24400765AE9E}"/>
+          </ac:picMkLst>
+        </pc:picChg>
+        <pc:picChg chg="mod">
+          <ac:chgData name="Tom Hoyland" userId="736d7a3e-93c7-4109-90c5-e67b8b3e41b2" providerId="ADAL" clId="{A4D346AA-F248-6444-93C1-EF2F2E65C714}" dt="2024-08-13T07:40:02.434" v="517" actId="1076"/>
+          <ac:picMkLst>
+            <pc:docMk/>
+            <pc:sldMk cId="2712193479" sldId="271"/>
+            <ac:picMk id="7" creationId="{D006BE89-01FB-EFD8-A0B0-468CE5796739}"/>
+          </ac:picMkLst>
+        </pc:picChg>
+        <pc:picChg chg="mod">
+          <ac:chgData name="Tom Hoyland" userId="736d7a3e-93c7-4109-90c5-e67b8b3e41b2" providerId="ADAL" clId="{A4D346AA-F248-6444-93C1-EF2F2E65C714}" dt="2024-08-13T07:40:02.434" v="517" actId="1076"/>
+          <ac:picMkLst>
+            <pc:docMk/>
+            <pc:sldMk cId="2712193479" sldId="271"/>
+            <ac:picMk id="9" creationId="{08B66EBF-2D1E-6E8B-FCBD-479EDE455568}"/>
+          </ac:picMkLst>
+        </pc:picChg>
+        <pc:picChg chg="mod">
+          <ac:chgData name="Tom Hoyland" userId="736d7a3e-93c7-4109-90c5-e67b8b3e41b2" providerId="ADAL" clId="{A4D346AA-F248-6444-93C1-EF2F2E65C714}" dt="2024-08-13T07:40:02.434" v="517" actId="1076"/>
+          <ac:picMkLst>
+            <pc:docMk/>
+            <pc:sldMk cId="2712193479" sldId="271"/>
+            <ac:picMk id="12" creationId="{0AF8A365-1CA9-E91D-685E-C97FBF85A01F}"/>
+          </ac:picMkLst>
+        </pc:picChg>
+        <pc:picChg chg="mod">
+          <ac:chgData name="Tom Hoyland" userId="736d7a3e-93c7-4109-90c5-e67b8b3e41b2" providerId="ADAL" clId="{A4D346AA-F248-6444-93C1-EF2F2E65C714}" dt="2024-08-13T07:40:02.434" v="517" actId="1076"/>
+          <ac:picMkLst>
+            <pc:docMk/>
+            <pc:sldMk cId="2712193479" sldId="271"/>
+            <ac:picMk id="15" creationId="{C1E2E61F-6957-C476-802C-DAA4E8E3D8FC}"/>
+          </ac:picMkLst>
+        </pc:picChg>
+        <pc:picChg chg="mod">
+          <ac:chgData name="Tom Hoyland" userId="736d7a3e-93c7-4109-90c5-e67b8b3e41b2" providerId="ADAL" clId="{A4D346AA-F248-6444-93C1-EF2F2E65C714}" dt="2024-08-13T07:40:02.434" v="517" actId="1076"/>
+          <ac:picMkLst>
+            <pc:docMk/>
+            <pc:sldMk cId="2712193479" sldId="271"/>
+            <ac:picMk id="17" creationId="{0F35D7D0-03F8-0064-B5AC-20BCCD3C6C55}"/>
+          </ac:picMkLst>
+        </pc:picChg>
+        <pc:picChg chg="mod">
+          <ac:chgData name="Tom Hoyland" userId="736d7a3e-93c7-4109-90c5-e67b8b3e41b2" providerId="ADAL" clId="{A4D346AA-F248-6444-93C1-EF2F2E65C714}" dt="2024-08-13T07:40:02.434" v="517" actId="1076"/>
+          <ac:picMkLst>
+            <pc:docMk/>
+            <pc:sldMk cId="2712193479" sldId="271"/>
+            <ac:picMk id="21" creationId="{75F00680-C90D-0C50-BAEB-68DD9870452B}"/>
+          </ac:picMkLst>
+        </pc:picChg>
+      </pc:sldChg>
+      <pc:sldChg chg="addSp modSp add mod ord">
+        <pc:chgData name="Tom Hoyland" userId="736d7a3e-93c7-4109-90c5-e67b8b3e41b2" providerId="ADAL" clId="{A4D346AA-F248-6444-93C1-EF2F2E65C714}" dt="2024-08-20T11:33:24.572" v="664" actId="404"/>
+        <pc:sldMkLst>
+          <pc:docMk/>
+          <pc:sldMk cId="248048730" sldId="272"/>
+        </pc:sldMkLst>
+        <pc:spChg chg="add mod">
+          <ac:chgData name="Tom Hoyland" userId="736d7a3e-93c7-4109-90c5-e67b8b3e41b2" providerId="ADAL" clId="{A4D346AA-F248-6444-93C1-EF2F2E65C714}" dt="2024-08-20T11:33:24.572" v="664" actId="404"/>
+          <ac:spMkLst>
+            <pc:docMk/>
+            <pc:sldMk cId="248048730" sldId="272"/>
+            <ac:spMk id="2" creationId="{DE49AD4B-7FB7-DB4B-1892-2174BDB55FDC}"/>
+          </ac:spMkLst>
+        </pc:spChg>
+        <pc:spChg chg="mod">
+          <ac:chgData name="Tom Hoyland" userId="736d7a3e-93c7-4109-90c5-e67b8b3e41b2" providerId="ADAL" clId="{A4D346AA-F248-6444-93C1-EF2F2E65C714}" dt="2024-08-20T11:33:03.837" v="628" actId="1036"/>
+          <ac:spMkLst>
+            <pc:docMk/>
+            <pc:sldMk cId="248048730" sldId="272"/>
+            <ac:spMk id="3" creationId="{213F28A4-07ED-C70E-C1A5-0B32C5A7DD8D}"/>
+          </ac:spMkLst>
+        </pc:spChg>
+        <pc:spChg chg="mod">
+          <ac:chgData name="Tom Hoyland" userId="736d7a3e-93c7-4109-90c5-e67b8b3e41b2" providerId="ADAL" clId="{A4D346AA-F248-6444-93C1-EF2F2E65C714}" dt="2024-08-20T11:33:03.837" v="628" actId="1036"/>
+          <ac:spMkLst>
+            <pc:docMk/>
+            <pc:sldMk cId="248048730" sldId="272"/>
+            <ac:spMk id="4" creationId="{DD555481-A9B5-D5E1-1F1B-EF8ED78D5CD8}"/>
+          </ac:spMkLst>
+        </pc:spChg>
+        <pc:spChg chg="mod">
+          <ac:chgData name="Tom Hoyland" userId="736d7a3e-93c7-4109-90c5-e67b8b3e41b2" providerId="ADAL" clId="{A4D346AA-F248-6444-93C1-EF2F2E65C714}" dt="2024-08-20T11:33:03.837" v="628" actId="1036"/>
+          <ac:spMkLst>
+            <pc:docMk/>
+            <pc:sldMk cId="248048730" sldId="272"/>
+            <ac:spMk id="8" creationId="{AEAF102F-143D-76EF-DF6D-8B165519A4A4}"/>
+          </ac:spMkLst>
+        </pc:spChg>
+        <pc:spChg chg="mod">
+          <ac:chgData name="Tom Hoyland" userId="736d7a3e-93c7-4109-90c5-e67b8b3e41b2" providerId="ADAL" clId="{A4D346AA-F248-6444-93C1-EF2F2E65C714}" dt="2024-08-20T11:33:03.837" v="628" actId="1036"/>
+          <ac:spMkLst>
+            <pc:docMk/>
+            <pc:sldMk cId="248048730" sldId="272"/>
+            <ac:spMk id="10" creationId="{4AFC90E1-B3DD-B446-A88F-D3102C4BE49F}"/>
+          </ac:spMkLst>
+        </pc:spChg>
+        <pc:spChg chg="mod">
+          <ac:chgData name="Tom Hoyland" userId="736d7a3e-93c7-4109-90c5-e67b8b3e41b2" providerId="ADAL" clId="{A4D346AA-F248-6444-93C1-EF2F2E65C714}" dt="2024-08-20T11:33:03.837" v="628" actId="1036"/>
+          <ac:spMkLst>
+            <pc:docMk/>
+            <pc:sldMk cId="248048730" sldId="272"/>
+            <ac:spMk id="11" creationId="{06C0DA98-AF63-8C25-12CC-42A79D849F04}"/>
+          </ac:spMkLst>
+        </pc:spChg>
+        <pc:spChg chg="mod">
+          <ac:chgData name="Tom Hoyland" userId="736d7a3e-93c7-4109-90c5-e67b8b3e41b2" providerId="ADAL" clId="{A4D346AA-F248-6444-93C1-EF2F2E65C714}" dt="2024-08-20T11:33:03.837" v="628" actId="1036"/>
+          <ac:spMkLst>
+            <pc:docMk/>
+            <pc:sldMk cId="248048730" sldId="272"/>
+            <ac:spMk id="13" creationId="{6D7F7EC6-1E57-62EB-8CD1-03BE4F5ADDED}"/>
+          </ac:spMkLst>
+        </pc:spChg>
+        <pc:spChg chg="mod">
+          <ac:chgData name="Tom Hoyland" userId="736d7a3e-93c7-4109-90c5-e67b8b3e41b2" providerId="ADAL" clId="{A4D346AA-F248-6444-93C1-EF2F2E65C714}" dt="2024-08-20T11:33:03.837" v="628" actId="1036"/>
+          <ac:spMkLst>
+            <pc:docMk/>
+            <pc:sldMk cId="248048730" sldId="272"/>
+            <ac:spMk id="14" creationId="{C264D8AC-B086-B921-85C6-5AF1DD6AD8DE}"/>
+          </ac:spMkLst>
+        </pc:spChg>
+        <pc:spChg chg="mod">
+          <ac:chgData name="Tom Hoyland" userId="736d7a3e-93c7-4109-90c5-e67b8b3e41b2" providerId="ADAL" clId="{A4D346AA-F248-6444-93C1-EF2F2E65C714}" dt="2024-08-20T11:33:03.837" v="628" actId="1036"/>
+          <ac:spMkLst>
+            <pc:docMk/>
+            <pc:sldMk cId="248048730" sldId="272"/>
+            <ac:spMk id="16" creationId="{E4800468-3CA0-2964-AA62-A3AA15AEBB24}"/>
+          </ac:spMkLst>
+        </pc:spChg>
+        <pc:spChg chg="mod">
+          <ac:chgData name="Tom Hoyland" userId="736d7a3e-93c7-4109-90c5-e67b8b3e41b2" providerId="ADAL" clId="{A4D346AA-F248-6444-93C1-EF2F2E65C714}" dt="2024-08-20T11:33:03.837" v="628" actId="1036"/>
+          <ac:spMkLst>
+            <pc:docMk/>
+            <pc:sldMk cId="248048730" sldId="272"/>
+            <ac:spMk id="18" creationId="{63271C5F-2656-11FB-BDA0-F18F429D4AB8}"/>
+          </ac:spMkLst>
+        </pc:spChg>
+        <pc:spChg chg="mod">
+          <ac:chgData name="Tom Hoyland" userId="736d7a3e-93c7-4109-90c5-e67b8b3e41b2" providerId="ADAL" clId="{A4D346AA-F248-6444-93C1-EF2F2E65C714}" dt="2024-08-20T11:33:03.837" v="628" actId="1036"/>
+          <ac:spMkLst>
+            <pc:docMk/>
+            <pc:sldMk cId="248048730" sldId="272"/>
+            <ac:spMk id="19" creationId="{70929939-537B-C447-115E-FED5AF8357AE}"/>
+          </ac:spMkLst>
+        </pc:spChg>
+        <pc:spChg chg="mod">
+          <ac:chgData name="Tom Hoyland" userId="736d7a3e-93c7-4109-90c5-e67b8b3e41b2" providerId="ADAL" clId="{A4D346AA-F248-6444-93C1-EF2F2E65C714}" dt="2024-08-20T11:33:03.837" v="628" actId="1036"/>
+          <ac:spMkLst>
+            <pc:docMk/>
+            <pc:sldMk cId="248048730" sldId="272"/>
+            <ac:spMk id="20" creationId="{59B90136-C70C-1F8D-144A-B8DAA91E8BFF}"/>
+          </ac:spMkLst>
+        </pc:spChg>
+        <pc:spChg chg="mod">
+          <ac:chgData name="Tom Hoyland" userId="736d7a3e-93c7-4109-90c5-e67b8b3e41b2" providerId="ADAL" clId="{A4D346AA-F248-6444-93C1-EF2F2E65C714}" dt="2024-08-20T11:33:03.837" v="628" actId="1036"/>
+          <ac:spMkLst>
+            <pc:docMk/>
+            <pc:sldMk cId="248048730" sldId="272"/>
+            <ac:spMk id="24" creationId="{58A0E144-52CD-ECF3-042B-7992A86DA18B}"/>
+          </ac:spMkLst>
+        </pc:spChg>
+        <pc:spChg chg="mod">
+          <ac:chgData name="Tom Hoyland" userId="736d7a3e-93c7-4109-90c5-e67b8b3e41b2" providerId="ADAL" clId="{A4D346AA-F248-6444-93C1-EF2F2E65C714}" dt="2024-08-20T11:33:03.837" v="628" actId="1036"/>
+          <ac:spMkLst>
+            <pc:docMk/>
+            <pc:sldMk cId="248048730" sldId="272"/>
+            <ac:spMk id="25" creationId="{38DEAD3F-0B7F-2B20-993E-A2B1F014B1CD}"/>
+          </ac:spMkLst>
+        </pc:spChg>
+        <pc:spChg chg="mod">
+          <ac:chgData name="Tom Hoyland" userId="736d7a3e-93c7-4109-90c5-e67b8b3e41b2" providerId="ADAL" clId="{A4D346AA-F248-6444-93C1-EF2F2E65C714}" dt="2024-08-20T11:33:03.837" v="628" actId="1036"/>
+          <ac:spMkLst>
+            <pc:docMk/>
+            <pc:sldMk cId="248048730" sldId="272"/>
+            <ac:spMk id="26" creationId="{3A945144-0789-5A0E-FC67-42CABE016FCE}"/>
+          </ac:spMkLst>
+        </pc:spChg>
+        <pc:spChg chg="mod">
+          <ac:chgData name="Tom Hoyland" userId="736d7a3e-93c7-4109-90c5-e67b8b3e41b2" providerId="ADAL" clId="{A4D346AA-F248-6444-93C1-EF2F2E65C714}" dt="2024-08-20T11:33:03.837" v="628" actId="1036"/>
+          <ac:spMkLst>
+            <pc:docMk/>
+            <pc:sldMk cId="248048730" sldId="272"/>
+            <ac:spMk id="27" creationId="{CCBC6816-D39B-700B-F344-1B0D25A1449C}"/>
+          </ac:spMkLst>
+        </pc:spChg>
+        <pc:spChg chg="mod">
+          <ac:chgData name="Tom Hoyland" userId="736d7a3e-93c7-4109-90c5-e67b8b3e41b2" providerId="ADAL" clId="{A4D346AA-F248-6444-93C1-EF2F2E65C714}" dt="2024-08-20T11:33:03.837" v="628" actId="1036"/>
+          <ac:spMkLst>
+            <pc:docMk/>
+            <pc:sldMk cId="248048730" sldId="272"/>
+            <ac:spMk id="28" creationId="{5A0B0504-FBD2-ED5A-4F3B-787A8587C05A}"/>
+          </ac:spMkLst>
+        </pc:spChg>
+        <pc:spChg chg="mod">
+          <ac:chgData name="Tom Hoyland" userId="736d7a3e-93c7-4109-90c5-e67b8b3e41b2" providerId="ADAL" clId="{A4D346AA-F248-6444-93C1-EF2F2E65C714}" dt="2024-08-20T11:33:03.837" v="628" actId="1036"/>
+          <ac:spMkLst>
+            <pc:docMk/>
+            <pc:sldMk cId="248048730" sldId="272"/>
+            <ac:spMk id="29" creationId="{68B58E08-22AA-A82B-48BD-73CAD4C99992}"/>
+          </ac:spMkLst>
+        </pc:spChg>
+        <pc:spChg chg="mod">
+          <ac:chgData name="Tom Hoyland" userId="736d7a3e-93c7-4109-90c5-e67b8b3e41b2" providerId="ADAL" clId="{A4D346AA-F248-6444-93C1-EF2F2E65C714}" dt="2024-08-20T11:33:03.837" v="628" actId="1036"/>
+          <ac:spMkLst>
+            <pc:docMk/>
+            <pc:sldMk cId="248048730" sldId="272"/>
+            <ac:spMk id="30" creationId="{DEFE14F4-97D1-71EF-B066-BF208197EC0B}"/>
+          </ac:spMkLst>
+        </pc:spChg>
+        <pc:spChg chg="mod">
+          <ac:chgData name="Tom Hoyland" userId="736d7a3e-93c7-4109-90c5-e67b8b3e41b2" providerId="ADAL" clId="{A4D346AA-F248-6444-93C1-EF2F2E65C714}" dt="2024-08-20T11:33:03.837" v="628" actId="1036"/>
+          <ac:spMkLst>
+            <pc:docMk/>
+            <pc:sldMk cId="248048730" sldId="272"/>
+            <ac:spMk id="31" creationId="{8D8F7CEF-134A-D3DA-8445-5A753AB0F80F}"/>
+          </ac:spMkLst>
+        </pc:spChg>
+        <pc:spChg chg="mod">
+          <ac:chgData name="Tom Hoyland" userId="736d7a3e-93c7-4109-90c5-e67b8b3e41b2" providerId="ADAL" clId="{A4D346AA-F248-6444-93C1-EF2F2E65C714}" dt="2024-08-20T11:33:03.837" v="628" actId="1036"/>
+          <ac:spMkLst>
+            <pc:docMk/>
+            <pc:sldMk cId="248048730" sldId="272"/>
+            <ac:spMk id="32" creationId="{5057154F-7DCF-A223-0510-F25D7FD2EE6A}"/>
+          </ac:spMkLst>
+        </pc:spChg>
+        <pc:spChg chg="mod">
+          <ac:chgData name="Tom Hoyland" userId="736d7a3e-93c7-4109-90c5-e67b8b3e41b2" providerId="ADAL" clId="{A4D346AA-F248-6444-93C1-EF2F2E65C714}" dt="2024-08-20T11:33:03.837" v="628" actId="1036"/>
+          <ac:spMkLst>
+            <pc:docMk/>
+            <pc:sldMk cId="248048730" sldId="272"/>
+            <ac:spMk id="33" creationId="{E0D8722E-83A8-C310-122A-30EA2816860E}"/>
+          </ac:spMkLst>
+        </pc:spChg>
+        <pc:spChg chg="mod">
+          <ac:chgData name="Tom Hoyland" userId="736d7a3e-93c7-4109-90c5-e67b8b3e41b2" providerId="ADAL" clId="{A4D346AA-F248-6444-93C1-EF2F2E65C714}" dt="2024-08-20T11:33:03.837" v="628" actId="1036"/>
+          <ac:spMkLst>
+            <pc:docMk/>
+            <pc:sldMk cId="248048730" sldId="272"/>
+            <ac:spMk id="34" creationId="{27018EDB-C14A-2175-DA20-52AE83F8940E}"/>
+          </ac:spMkLst>
+        </pc:spChg>
+        <pc:spChg chg="mod">
+          <ac:chgData name="Tom Hoyland" userId="736d7a3e-93c7-4109-90c5-e67b8b3e41b2" providerId="ADAL" clId="{A4D346AA-F248-6444-93C1-EF2F2E65C714}" dt="2024-08-20T11:33:03.837" v="628" actId="1036"/>
+          <ac:spMkLst>
+            <pc:docMk/>
+            <pc:sldMk cId="248048730" sldId="272"/>
+            <ac:spMk id="35" creationId="{64BD6B3C-21B9-94EB-9163-4D7A83A4A297}"/>
+          </ac:spMkLst>
+        </pc:spChg>
+        <pc:spChg chg="mod">
+          <ac:chgData name="Tom Hoyland" userId="736d7a3e-93c7-4109-90c5-e67b8b3e41b2" providerId="ADAL" clId="{A4D346AA-F248-6444-93C1-EF2F2E65C714}" dt="2024-08-20T11:33:03.837" v="628" actId="1036"/>
+          <ac:spMkLst>
+            <pc:docMk/>
+            <pc:sldMk cId="248048730" sldId="272"/>
+            <ac:spMk id="36" creationId="{965DF994-D945-F5CF-02B0-6FD96B778267}"/>
+          </ac:spMkLst>
+        </pc:spChg>
+        <pc:picChg chg="mod">
+          <ac:chgData name="Tom Hoyland" userId="736d7a3e-93c7-4109-90c5-e67b8b3e41b2" providerId="ADAL" clId="{A4D346AA-F248-6444-93C1-EF2F2E65C714}" dt="2024-08-20T11:33:03.837" v="628" actId="1036"/>
+          <ac:picMkLst>
+            <pc:docMk/>
+            <pc:sldMk cId="248048730" sldId="272"/>
+            <ac:picMk id="5" creationId="{6322FBD9-FD8F-9C95-2729-127E6A05B844}"/>
+          </ac:picMkLst>
+        </pc:picChg>
+        <pc:picChg chg="mod">
+          <ac:chgData name="Tom Hoyland" userId="736d7a3e-93c7-4109-90c5-e67b8b3e41b2" providerId="ADAL" clId="{A4D346AA-F248-6444-93C1-EF2F2E65C714}" dt="2024-08-20T11:33:03.837" v="628" actId="1036"/>
+          <ac:picMkLst>
+            <pc:docMk/>
+            <pc:sldMk cId="248048730" sldId="272"/>
+            <ac:picMk id="6" creationId="{2BE0E3B7-67DB-7D22-62F7-F28225398F7E}"/>
+          </ac:picMkLst>
+        </pc:picChg>
+        <pc:picChg chg="mod">
+          <ac:chgData name="Tom Hoyland" userId="736d7a3e-93c7-4109-90c5-e67b8b3e41b2" providerId="ADAL" clId="{A4D346AA-F248-6444-93C1-EF2F2E65C714}" dt="2024-08-20T11:33:03.837" v="628" actId="1036"/>
+          <ac:picMkLst>
+            <pc:docMk/>
+            <pc:sldMk cId="248048730" sldId="272"/>
+            <ac:picMk id="7" creationId="{4025EFFD-6B77-7453-3202-61E018612DB9}"/>
+          </ac:picMkLst>
+        </pc:picChg>
+        <pc:picChg chg="mod">
+          <ac:chgData name="Tom Hoyland" userId="736d7a3e-93c7-4109-90c5-e67b8b3e41b2" providerId="ADAL" clId="{A4D346AA-F248-6444-93C1-EF2F2E65C714}" dt="2024-08-20T11:33:03.837" v="628" actId="1036"/>
+          <ac:picMkLst>
+            <pc:docMk/>
+            <pc:sldMk cId="248048730" sldId="272"/>
+            <ac:picMk id="9" creationId="{AFD2E46D-615E-B65D-1188-F2A6AB1738D7}"/>
+          </ac:picMkLst>
+        </pc:picChg>
+        <pc:picChg chg="mod">
+          <ac:chgData name="Tom Hoyland" userId="736d7a3e-93c7-4109-90c5-e67b8b3e41b2" providerId="ADAL" clId="{A4D346AA-F248-6444-93C1-EF2F2E65C714}" dt="2024-08-20T11:33:03.837" v="628" actId="1036"/>
+          <ac:picMkLst>
+            <pc:docMk/>
+            <pc:sldMk cId="248048730" sldId="272"/>
+            <ac:picMk id="12" creationId="{5C0C4BE6-1C53-E473-95EA-95C0F5CF1564}"/>
+          </ac:picMkLst>
+        </pc:picChg>
+        <pc:picChg chg="mod">
+          <ac:chgData name="Tom Hoyland" userId="736d7a3e-93c7-4109-90c5-e67b8b3e41b2" providerId="ADAL" clId="{A4D346AA-F248-6444-93C1-EF2F2E65C714}" dt="2024-08-20T11:33:03.837" v="628" actId="1036"/>
+          <ac:picMkLst>
+            <pc:docMk/>
+            <pc:sldMk cId="248048730" sldId="272"/>
+            <ac:picMk id="15" creationId="{1A85A53A-A4EB-808E-BCEA-EEBBAB52ECBA}"/>
+          </ac:picMkLst>
+        </pc:picChg>
+        <pc:picChg chg="mod">
+          <ac:chgData name="Tom Hoyland" userId="736d7a3e-93c7-4109-90c5-e67b8b3e41b2" providerId="ADAL" clId="{A4D346AA-F248-6444-93C1-EF2F2E65C714}" dt="2024-08-20T11:33:03.837" v="628" actId="1036"/>
+          <ac:picMkLst>
+            <pc:docMk/>
+            <pc:sldMk cId="248048730" sldId="272"/>
+            <ac:picMk id="17" creationId="{0FE1B1AD-E962-2850-8199-8B489F405D39}"/>
+          </ac:picMkLst>
+        </pc:picChg>
+        <pc:picChg chg="mod">
+          <ac:chgData name="Tom Hoyland" userId="736d7a3e-93c7-4109-90c5-e67b8b3e41b2" providerId="ADAL" clId="{A4D346AA-F248-6444-93C1-EF2F2E65C714}" dt="2024-08-20T11:33:03.837" v="628" actId="1036"/>
+          <ac:picMkLst>
+            <pc:docMk/>
+            <pc:sldMk cId="248048730" sldId="272"/>
+            <ac:picMk id="21" creationId="{177349E7-5A4C-46C5-B5B8-4980C12E809F}"/>
+          </ac:picMkLst>
+        </pc:picChg>
       </pc:sldChg>
     </pc:docChg>
   </pc:docChgLst>
@@ -3251,7 +3251,7 @@
           <a:p>
             <a:fld id="{5C06DD1F-C8BB-C544-8951-53B94EFC2F92}" type="datetimeFigureOut">
               <a:rPr lang="en-GB" smtClean="0"/>
-              <a:t>16/11/2024</a:t>
+              <a:t>17/11/2024</a:t>
             </a:fld>
             <a:endParaRPr lang="en-GB" dirty="0"/>
           </a:p>
@@ -3773,7 +3773,7 @@
           <a:p>
             <a:fld id="{C2607E07-18ED-174A-9B6F-CAD87D1E6349}" type="datetimeFigureOut">
               <a:rPr lang="en-GB" smtClean="0"/>
-              <a:t>16/11/2024</a:t>
+              <a:t>17/11/2024</a:t>
             </a:fld>
             <a:endParaRPr lang="en-GB" dirty="0"/>
           </a:p>
@@ -3971,7 +3971,7 @@
           <a:p>
             <a:fld id="{C2607E07-18ED-174A-9B6F-CAD87D1E6349}" type="datetimeFigureOut">
               <a:rPr lang="en-GB" smtClean="0"/>
-              <a:t>16/11/2024</a:t>
+              <a:t>17/11/2024</a:t>
             </a:fld>
             <a:endParaRPr lang="en-GB" dirty="0"/>
           </a:p>
@@ -4179,7 +4179,7 @@
           <a:p>
             <a:fld id="{C2607E07-18ED-174A-9B6F-CAD87D1E6349}" type="datetimeFigureOut">
               <a:rPr lang="en-GB" smtClean="0"/>
-              <a:t>16/11/2024</a:t>
+              <a:t>17/11/2024</a:t>
             </a:fld>
             <a:endParaRPr lang="en-GB" dirty="0"/>
           </a:p>
@@ -4377,7 +4377,7 @@
           <a:p>
             <a:fld id="{C2607E07-18ED-174A-9B6F-CAD87D1E6349}" type="datetimeFigureOut">
               <a:rPr lang="en-GB" smtClean="0"/>
-              <a:t>16/11/2024</a:t>
+              <a:t>17/11/2024</a:t>
             </a:fld>
             <a:endParaRPr lang="en-GB" dirty="0"/>
           </a:p>
@@ -4652,7 +4652,7 @@
           <a:p>
             <a:fld id="{C2607E07-18ED-174A-9B6F-CAD87D1E6349}" type="datetimeFigureOut">
               <a:rPr lang="en-GB" smtClean="0"/>
-              <a:t>16/11/2024</a:t>
+              <a:t>17/11/2024</a:t>
             </a:fld>
             <a:endParaRPr lang="en-GB" dirty="0"/>
           </a:p>
@@ -4917,7 +4917,7 @@
           <a:p>
             <a:fld id="{C2607E07-18ED-174A-9B6F-CAD87D1E6349}" type="datetimeFigureOut">
               <a:rPr lang="en-GB" smtClean="0"/>
-              <a:t>16/11/2024</a:t>
+              <a:t>17/11/2024</a:t>
             </a:fld>
             <a:endParaRPr lang="en-GB" dirty="0"/>
           </a:p>
@@ -5329,7 +5329,7 @@
           <a:p>
             <a:fld id="{C2607E07-18ED-174A-9B6F-CAD87D1E6349}" type="datetimeFigureOut">
               <a:rPr lang="en-GB" smtClean="0"/>
-              <a:t>16/11/2024</a:t>
+              <a:t>17/11/2024</a:t>
             </a:fld>
             <a:endParaRPr lang="en-GB" dirty="0"/>
           </a:p>
@@ -5470,7 +5470,7 @@
           <a:p>
             <a:fld id="{C2607E07-18ED-174A-9B6F-CAD87D1E6349}" type="datetimeFigureOut">
               <a:rPr lang="en-GB" smtClean="0"/>
-              <a:t>16/11/2024</a:t>
+              <a:t>17/11/2024</a:t>
             </a:fld>
             <a:endParaRPr lang="en-GB" dirty="0"/>
           </a:p>
@@ -5583,7 +5583,7 @@
           <a:p>
             <a:fld id="{C2607E07-18ED-174A-9B6F-CAD87D1E6349}" type="datetimeFigureOut">
               <a:rPr lang="en-GB" smtClean="0"/>
-              <a:t>16/11/2024</a:t>
+              <a:t>17/11/2024</a:t>
             </a:fld>
             <a:endParaRPr lang="en-GB" dirty="0"/>
           </a:p>
@@ -5894,7 +5894,7 @@
           <a:p>
             <a:fld id="{C2607E07-18ED-174A-9B6F-CAD87D1E6349}" type="datetimeFigureOut">
               <a:rPr lang="en-GB" smtClean="0"/>
-              <a:t>16/11/2024</a:t>
+              <a:t>17/11/2024</a:t>
             </a:fld>
             <a:endParaRPr lang="en-GB" dirty="0"/>
           </a:p>
@@ -6182,7 +6182,7 @@
           <a:p>
             <a:fld id="{C2607E07-18ED-174A-9B6F-CAD87D1E6349}" type="datetimeFigureOut">
               <a:rPr lang="en-GB" smtClean="0"/>
-              <a:t>16/11/2024</a:t>
+              <a:t>17/11/2024</a:t>
             </a:fld>
             <a:endParaRPr lang="en-GB" dirty="0"/>
           </a:p>
@@ -6423,7 +6423,7 @@
           <a:p>
             <a:fld id="{C2607E07-18ED-174A-9B6F-CAD87D1E6349}" type="datetimeFigureOut">
               <a:rPr lang="en-GB" smtClean="0"/>
-              <a:t>16/11/2024</a:t>
+              <a:t>17/11/2024</a:t>
             </a:fld>
             <a:endParaRPr lang="en-GB" dirty="0"/>
           </a:p>
@@ -7072,7 +7072,7 @@
                 <a:latin typeface="Arial" panose="020B0604020202020204" pitchFamily="34" charset="0"/>
                 <a:cs typeface="Arial" panose="020B0604020202020204" pitchFamily="34" charset="0"/>
               </a:rPr>
-              <a:t>Author: Tom Hoyland | Version 1.6</a:t>
+              <a:t>Author: Tom Hoyland | Version 1.7</a:t>
             </a:r>
           </a:p>
         </p:txBody>
@@ -7287,7 +7287,7 @@
           <a:p>
             <a:r>
               <a:rPr lang="en-GB" sz="1600" i="1" dirty="0"/>
-              <a:t>While structured around a scenario at Generic Inc., the Agile Growth Pathway is designed as a flexible resource for all. Use it as a pathway to follow, a foundation to adapt, or inspiration to create something similar in your own teams, communities, or organisations. Feel free to adopt, adapt, or disassemble it to best support your unique goals in agile professional development.</a:t>
+              <a:t>While structured around a scenario at Generic Inc., the Agile Growth Pathway is designed as a flexible resource for all. Use it as a pathway to follow on your own, a foundation to adapt, or inspiration to create something similar in your teams, communities, or organisations. Feel free to adopt, adapt, or disassemble it to best support your unique goals in agile professional development.</a:t>
             </a:r>
           </a:p>
         </p:txBody>
@@ -7330,10 +7330,10 @@
       </p:grpSpPr>
       <p:pic>
         <p:nvPicPr>
-          <p:cNvPr id="2" name="Picture 1">
-            <a:extLst>
-              <a:ext uri="{FF2B5EF4-FFF2-40B4-BE49-F238E27FC236}">
-                <a16:creationId xmlns:a16="http://schemas.microsoft.com/office/drawing/2014/main" id="{3E75F05F-5AA3-8008-5118-AE3A658B0EDE}"/>
+          <p:cNvPr id="5" name="Picture 4">
+            <a:extLst>
+              <a:ext uri="{FF2B5EF4-FFF2-40B4-BE49-F238E27FC236}">
+                <a16:creationId xmlns:a16="http://schemas.microsoft.com/office/drawing/2014/main" id="{DA911481-7149-4166-154D-2AD2123A0322}"/>
               </a:ext>
             </a:extLst>
           </p:cNvPr>
@@ -7344,6 +7344,36 @@
         </p:nvPicPr>
         <p:blipFill>
           <a:blip r:embed="rId3"/>
+          <a:stretch>
+            <a:fillRect/>
+          </a:stretch>
+        </p:blipFill>
+        <p:spPr>
+          <a:xfrm>
+            <a:off x="3403226" y="861130"/>
+            <a:ext cx="2488772" cy="1301705"/>
+          </a:xfrm>
+          <a:prstGeom prst="rect">
+            <a:avLst/>
+          </a:prstGeom>
+        </p:spPr>
+      </p:pic>
+      <p:pic>
+        <p:nvPicPr>
+          <p:cNvPr id="2" name="Picture 1">
+            <a:extLst>
+              <a:ext uri="{FF2B5EF4-FFF2-40B4-BE49-F238E27FC236}">
+                <a16:creationId xmlns:a16="http://schemas.microsoft.com/office/drawing/2014/main" id="{3E75F05F-5AA3-8008-5118-AE3A658B0EDE}"/>
+              </a:ext>
+            </a:extLst>
+          </p:cNvPr>
+          <p:cNvPicPr>
+            <a:picLocks noChangeAspect="1"/>
+          </p:cNvPicPr>
+          <p:nvPr/>
+        </p:nvPicPr>
+        <p:blipFill>
+          <a:blip r:embed="rId4"/>
           <a:stretch>
             <a:fillRect/>
           </a:stretch>
@@ -7381,7 +7411,7 @@
           <a:noFill/>
           <a:ln>
             <a:solidFill>
-              <a:schemeClr val="accent1"/>
+              <a:schemeClr val="tx1"/>
             </a:solidFill>
           </a:ln>
         </p:spPr>
@@ -7422,7 +7452,7 @@
           <a:noFill/>
           <a:ln>
             <a:solidFill>
-              <a:schemeClr val="accent1"/>
+              <a:schemeClr val="tx1"/>
             </a:solidFill>
           </a:ln>
         </p:spPr>
@@ -7463,7 +7493,7 @@
           <a:noFill/>
           <a:ln>
             <a:solidFill>
-              <a:schemeClr val="accent1"/>
+              <a:schemeClr val="tx1"/>
             </a:solidFill>
           </a:ln>
         </p:spPr>
@@ -7504,7 +7534,7 @@
           <a:noFill/>
           <a:ln>
             <a:solidFill>
-              <a:schemeClr val="accent1"/>
+              <a:schemeClr val="tx1"/>
             </a:solidFill>
           </a:ln>
         </p:spPr>
@@ -7536,7 +7566,7 @@
         </p:nvSpPr>
         <p:spPr>
           <a:xfrm>
-            <a:off x="3366876" y="759765"/>
+            <a:off x="3363701" y="759765"/>
             <a:ext cx="2558757" cy="1444985"/>
           </a:xfrm>
           <a:prstGeom prst="rect">
@@ -7545,7 +7575,7 @@
           <a:noFill/>
           <a:ln>
             <a:solidFill>
-              <a:schemeClr val="accent1"/>
+              <a:schemeClr val="tx1"/>
             </a:solidFill>
           </a:ln>
         </p:spPr>
@@ -7586,7 +7616,7 @@
           <a:noFill/>
           <a:ln>
             <a:solidFill>
-              <a:schemeClr val="accent1"/>
+              <a:schemeClr val="tx1"/>
             </a:solidFill>
           </a:ln>
         </p:spPr>
@@ -7614,7 +7644,7 @@
               <a:solidFill>
                 <a:schemeClr val="accent1"/>
               </a:solidFill>
-              <a:hlinkClick r:id="rId4"/>
+              <a:hlinkClick r:id="rId5"/>
             </a:endParaRPr>
           </a:p>
           <a:p>
@@ -7623,7 +7653,7 @@
                 <a:solidFill>
                   <a:schemeClr val="accent1"/>
                 </a:solidFill>
-                <a:hlinkClick r:id="rId4"/>
+                <a:hlinkClick r:id="rId5"/>
               </a:rPr>
               <a:t>Agile Growth Pack (Slide 3)</a:t>
             </a:r>
@@ -7658,7 +7688,7 @@
           <a:noFill/>
           <a:ln>
             <a:solidFill>
-              <a:schemeClr val="accent1"/>
+              <a:schemeClr val="tx1"/>
             </a:solidFill>
           </a:ln>
         </p:spPr>
@@ -7694,7 +7724,7 @@
                 <a:solidFill>
                   <a:schemeClr val="accent1"/>
                 </a:solidFill>
-                <a:hlinkClick r:id="rId5" action="ppaction://hlinksldjump"/>
+                <a:hlinkClick r:id="rId6" action="ppaction://hlinksldjump"/>
               </a:rPr>
               <a:t>Agile Practitioner Role &amp; Stance Matrix</a:t>
             </a:r>
@@ -7729,7 +7759,7 @@
           <a:noFill/>
           <a:ln>
             <a:solidFill>
-              <a:schemeClr val="accent1"/>
+              <a:schemeClr val="tx1"/>
             </a:solidFill>
           </a:ln>
         </p:spPr>
@@ -7753,7 +7783,7 @@
               <a:solidFill>
                 <a:schemeClr val="accent1"/>
               </a:solidFill>
-              <a:hlinkClick r:id="rId4"/>
+              <a:hlinkClick r:id="rId5"/>
             </a:endParaRPr>
           </a:p>
           <a:p>
@@ -7762,7 +7792,7 @@
                 <a:solidFill>
                   <a:schemeClr val="accent1"/>
                 </a:solidFill>
-                <a:hlinkClick r:id="rId4"/>
+                <a:hlinkClick r:id="rId5"/>
               </a:rPr>
               <a:t>Agile Growth Pack (Slide 5)</a:t>
             </a:r>
@@ -7797,7 +7827,7 @@
           <a:noFill/>
           <a:ln>
             <a:solidFill>
-              <a:schemeClr val="accent1"/>
+              <a:schemeClr val="tx1"/>
             </a:solidFill>
           </a:ln>
         </p:spPr>
@@ -7833,7 +7863,7 @@
               <a:solidFill>
                 <a:schemeClr val="accent1"/>
               </a:solidFill>
-              <a:hlinkClick r:id="rId4"/>
+              <a:hlinkClick r:id="rId5"/>
             </a:endParaRPr>
           </a:p>
           <a:p>
@@ -7842,7 +7872,7 @@
                 <a:solidFill>
                   <a:schemeClr val="accent1"/>
                 </a:solidFill>
-                <a:hlinkClick r:id="rId4"/>
+                <a:hlinkClick r:id="rId5"/>
               </a:rPr>
               <a:t>Agile Growth Pack (Slide 6)</a:t>
             </a:r>
@@ -7869,7 +7899,7 @@
           <p:nvPr/>
         </p:nvPicPr>
         <p:blipFill>
-          <a:blip r:embed="rId6"/>
+          <a:blip r:embed="rId7"/>
           <a:srcRect l="2580" t="592" r="2594" b="4664"/>
           <a:stretch/>
         </p:blipFill>
@@ -7883,7 +7913,7 @@
           </a:prstGeom>
           <a:ln>
             <a:solidFill>
-              <a:schemeClr val="accent1"/>
+              <a:schemeClr val="tx1"/>
             </a:solidFill>
           </a:ln>
         </p:spPr>
@@ -7911,7 +7941,7 @@
           <a:noFill/>
           <a:ln>
             <a:solidFill>
-              <a:schemeClr val="accent1"/>
+              <a:schemeClr val="tx1"/>
             </a:solidFill>
           </a:ln>
         </p:spPr>
@@ -7943,7 +7973,7 @@
               <a:solidFill>
                 <a:schemeClr val="accent1"/>
               </a:solidFill>
-              <a:hlinkClick r:id="rId7"/>
+              <a:hlinkClick r:id="rId8"/>
             </a:endParaRPr>
           </a:p>
           <a:p>
@@ -7952,7 +7982,7 @@
                 <a:solidFill>
                   <a:schemeClr val="accent1"/>
                 </a:solidFill>
-                <a:hlinkClick r:id="rId7"/>
+                <a:hlinkClick r:id="rId8"/>
               </a:rPr>
               <a:t>ACGW + Courses &amp; Resources</a:t>
             </a:r>
@@ -7987,7 +8017,7 @@
           <a:noFill/>
           <a:ln>
             <a:solidFill>
-              <a:schemeClr val="accent1"/>
+              <a:schemeClr val="tx1"/>
             </a:solidFill>
           </a:ln>
         </p:spPr>
@@ -8003,7 +8033,7 @@
             </a:r>
             <a:r>
               <a:rPr lang="en-GB" sz="1050" dirty="0"/>
-              <a:t>, what you need from line managers and colleagues. There are lots of tools out there to help you.</a:t>
+              <a:t>, what you need from People Managers and colleagues. There are lots of tools out there to help you.</a:t>
             </a:r>
           </a:p>
           <a:p>
@@ -8011,7 +8041,7 @@
               <a:solidFill>
                 <a:schemeClr val="accent1"/>
               </a:solidFill>
-              <a:hlinkClick r:id="rId4"/>
+              <a:hlinkClick r:id="rId5"/>
             </a:endParaRPr>
           </a:p>
           <a:p>
@@ -8020,7 +8050,7 @@
                 <a:solidFill>
                   <a:schemeClr val="accent1"/>
                 </a:solidFill>
-                <a:hlinkClick r:id="rId4"/>
+                <a:hlinkClick r:id="rId5"/>
               </a:rPr>
               <a:t> Agile Growth Pack (Slide 1+2)</a:t>
             </a:r>
@@ -8055,7 +8085,7 @@
           <a:noFill/>
           <a:ln>
             <a:solidFill>
-              <a:schemeClr val="accent1"/>
+              <a:schemeClr val="tx1"/>
             </a:solidFill>
           </a:ln>
         </p:spPr>
@@ -8083,7 +8113,7 @@
               <a:solidFill>
                 <a:schemeClr val="accent1"/>
               </a:solidFill>
-              <a:hlinkClick r:id="rId4"/>
+              <a:hlinkClick r:id="rId5"/>
             </a:endParaRPr>
           </a:p>
           <a:p>
@@ -8092,7 +8122,7 @@
                 <a:solidFill>
                   <a:schemeClr val="accent1"/>
                 </a:solidFill>
-                <a:hlinkClick r:id="rId4"/>
+                <a:hlinkClick r:id="rId5"/>
               </a:rPr>
               <a:t>Agile Growth Pack (Slide 3)</a:t>
             </a:r>
@@ -8127,7 +8157,7 @@
           <a:noFill/>
           <a:ln>
             <a:solidFill>
-              <a:schemeClr val="accent1"/>
+              <a:schemeClr val="tx1"/>
             </a:solidFill>
           </a:ln>
         </p:spPr>
@@ -8167,7 +8197,7 @@
                 <a:solidFill>
                   <a:schemeClr val="accent1"/>
                 </a:solidFill>
-                <a:hlinkClick r:id="rId5" action="ppaction://hlinksldjump"/>
+                <a:hlinkClick r:id="rId6" action="ppaction://hlinksldjump"/>
               </a:rPr>
               <a:t>Agile Practitioner Role &amp; Stance Matrix</a:t>
             </a:r>
@@ -8189,18 +8219,26 @@
             </a:extLst>
           </p:cNvPr>
           <p:cNvSpPr>
-            <a:spLocks noChangeAspect="1"/>
+            <a:spLocks/>
           </p:cNvSpPr>
           <p:nvPr/>
         </p:nvSpPr>
         <p:spPr>
           <a:xfrm>
-            <a:off x="3172405" y="535391"/>
-            <a:ext cx="293636" cy="314207"/>
+            <a:off x="3172406" y="535391"/>
+            <a:ext cx="313200" cy="313200"/>
           </a:xfrm>
           <a:prstGeom prst="ellipse">
             <a:avLst/>
           </a:prstGeom>
+          <a:solidFill>
+            <a:srgbClr val="0070C0"/>
+          </a:solidFill>
+          <a:ln w="9525">
+            <a:solidFill>
+              <a:srgbClr val="0070C0"/>
+            </a:solidFill>
+          </a:ln>
         </p:spPr>
         <p:style>
           <a:lnRef idx="2">
@@ -8242,18 +8280,26 @@
             </a:extLst>
           </p:cNvPr>
           <p:cNvSpPr>
-            <a:spLocks noChangeAspect="1"/>
+            <a:spLocks/>
           </p:cNvSpPr>
           <p:nvPr/>
         </p:nvSpPr>
         <p:spPr>
           <a:xfrm>
-            <a:off x="8929847" y="506198"/>
-            <a:ext cx="293636" cy="314207"/>
+            <a:off x="8929848" y="506198"/>
+            <a:ext cx="313200" cy="313200"/>
           </a:xfrm>
           <a:prstGeom prst="ellipse">
             <a:avLst/>
           </a:prstGeom>
+          <a:solidFill>
+            <a:srgbClr val="0070C0"/>
+          </a:solidFill>
+          <a:ln w="9525">
+            <a:solidFill>
+              <a:srgbClr val="0070C0"/>
+            </a:solidFill>
+          </a:ln>
         </p:spPr>
         <p:style>
           <a:lnRef idx="2">
@@ -8295,18 +8341,26 @@
             </a:extLst>
           </p:cNvPr>
           <p:cNvSpPr>
-            <a:spLocks noChangeAspect="1"/>
+            <a:spLocks/>
           </p:cNvSpPr>
           <p:nvPr/>
         </p:nvSpPr>
         <p:spPr>
           <a:xfrm>
-            <a:off x="289644" y="3616893"/>
-            <a:ext cx="293636" cy="314207"/>
+            <a:off x="289645" y="3616893"/>
+            <a:ext cx="313200" cy="313200"/>
           </a:xfrm>
           <a:prstGeom prst="ellipse">
             <a:avLst/>
           </a:prstGeom>
+          <a:solidFill>
+            <a:srgbClr val="0070C0"/>
+          </a:solidFill>
+          <a:ln w="9525">
+            <a:solidFill>
+              <a:srgbClr val="0070C0"/>
+            </a:solidFill>
+          </a:ln>
         </p:spPr>
         <p:style>
           <a:lnRef idx="2">
@@ -8708,7 +8762,7 @@
           <a:noFill/>
           <a:ln>
             <a:solidFill>
-              <a:schemeClr val="accent1"/>
+              <a:schemeClr val="tx1"/>
             </a:solidFill>
           </a:ln>
         </p:spPr>
@@ -8741,7 +8795,7 @@
           <p:nvPr/>
         </p:nvPicPr>
         <p:blipFill>
-          <a:blip r:embed="rId8"/>
+          <a:blip r:embed="rId9"/>
           <a:stretch>
             <a:fillRect/>
           </a:stretch>
@@ -8766,18 +8820,26 @@
             </a:extLst>
           </p:cNvPr>
           <p:cNvSpPr>
-            <a:spLocks noChangeAspect="1"/>
+            <a:spLocks/>
           </p:cNvSpPr>
           <p:nvPr/>
         </p:nvSpPr>
         <p:spPr>
           <a:xfrm>
-            <a:off x="8934225" y="3622279"/>
-            <a:ext cx="293636" cy="314207"/>
+            <a:off x="8934226" y="3622279"/>
+            <a:ext cx="313200" cy="313200"/>
           </a:xfrm>
           <a:prstGeom prst="ellipse">
             <a:avLst/>
           </a:prstGeom>
+          <a:solidFill>
+            <a:srgbClr val="0070C0"/>
+          </a:solidFill>
+          <a:ln w="9525">
+            <a:solidFill>
+              <a:srgbClr val="0070C0"/>
+            </a:solidFill>
+          </a:ln>
         </p:spPr>
         <p:style>
           <a:lnRef idx="2">
@@ -8819,18 +8881,26 @@
             </a:extLst>
           </p:cNvPr>
           <p:cNvSpPr>
-            <a:spLocks noChangeAspect="1"/>
+            <a:spLocks/>
           </p:cNvSpPr>
           <p:nvPr/>
         </p:nvSpPr>
         <p:spPr>
           <a:xfrm>
-            <a:off x="6074625" y="530005"/>
-            <a:ext cx="293636" cy="314207"/>
+            <a:off x="6074626" y="530005"/>
+            <a:ext cx="313200" cy="313200"/>
           </a:xfrm>
           <a:prstGeom prst="ellipse">
             <a:avLst/>
           </a:prstGeom>
+          <a:solidFill>
+            <a:srgbClr val="0070C0"/>
+          </a:solidFill>
+          <a:ln w="9525">
+            <a:solidFill>
+              <a:srgbClr val="0070C0"/>
+            </a:solidFill>
+          </a:ln>
         </p:spPr>
         <p:style>
           <a:lnRef idx="2">
@@ -8885,7 +8955,7 @@
           <a:noFill/>
           <a:ln>
             <a:solidFill>
-              <a:schemeClr val="accent1"/>
+              <a:schemeClr val="tx1"/>
             </a:solidFill>
           </a:ln>
         </p:spPr>
@@ -8918,7 +8988,7 @@
           <p:nvPr/>
         </p:nvPicPr>
         <p:blipFill>
-          <a:blip r:embed="rId8"/>
+          <a:blip r:embed="rId9"/>
           <a:stretch>
             <a:fillRect/>
           </a:stretch>
@@ -8943,18 +9013,26 @@
             </a:extLst>
           </p:cNvPr>
           <p:cNvSpPr>
-            <a:spLocks noChangeAspect="1"/>
+            <a:spLocks/>
           </p:cNvSpPr>
           <p:nvPr/>
         </p:nvSpPr>
         <p:spPr>
           <a:xfrm>
-            <a:off x="6086245" y="3616893"/>
-            <a:ext cx="293636" cy="314207"/>
+            <a:off x="6086246" y="3616893"/>
+            <a:ext cx="313200" cy="313200"/>
           </a:xfrm>
           <a:prstGeom prst="ellipse">
             <a:avLst/>
           </a:prstGeom>
+          <a:solidFill>
+            <a:srgbClr val="0070C0"/>
+          </a:solidFill>
+          <a:ln w="9525">
+            <a:solidFill>
+              <a:srgbClr val="0070C0"/>
+            </a:solidFill>
+          </a:ln>
         </p:spPr>
         <p:style>
           <a:lnRef idx="2">
@@ -9001,7 +9079,7 @@
           <p:nvPr/>
         </p:nvPicPr>
         <p:blipFill>
-          <a:blip r:embed="rId9"/>
+          <a:blip r:embed="rId10"/>
           <a:stretch>
             <a:fillRect/>
           </a:stretch>
@@ -9026,18 +9104,26 @@
             </a:extLst>
           </p:cNvPr>
           <p:cNvSpPr>
-            <a:spLocks noChangeAspect="1"/>
+            <a:spLocks/>
           </p:cNvSpPr>
           <p:nvPr/>
         </p:nvSpPr>
         <p:spPr>
           <a:xfrm>
             <a:off x="278024" y="530005"/>
-            <a:ext cx="293636" cy="314207"/>
+            <a:ext cx="313200" cy="313200"/>
           </a:xfrm>
           <a:prstGeom prst="ellipse">
             <a:avLst/>
           </a:prstGeom>
+          <a:solidFill>
+            <a:srgbClr val="0070C0"/>
+          </a:solidFill>
+          <a:ln w="9525">
+            <a:solidFill>
+              <a:srgbClr val="0070C0"/>
+            </a:solidFill>
+          </a:ln>
         </p:spPr>
         <p:style>
           <a:lnRef idx="2">
@@ -9084,7 +9170,7 @@
           <p:nvPr/>
         </p:nvPicPr>
         <p:blipFill>
-          <a:blip r:embed="rId10"/>
+          <a:blip r:embed="rId11"/>
           <a:stretch>
             <a:fillRect/>
           </a:stretch>
@@ -9109,18 +9195,26 @@
             </a:extLst>
           </p:cNvPr>
           <p:cNvSpPr>
-            <a:spLocks noChangeAspect="1"/>
+            <a:spLocks/>
           </p:cNvSpPr>
           <p:nvPr/>
         </p:nvSpPr>
         <p:spPr>
           <a:xfrm>
-            <a:off x="3184025" y="3622279"/>
-            <a:ext cx="293636" cy="314207"/>
+            <a:off x="3184026" y="3622279"/>
+            <a:ext cx="313200" cy="313200"/>
           </a:xfrm>
           <a:prstGeom prst="ellipse">
             <a:avLst/>
           </a:prstGeom>
+          <a:solidFill>
+            <a:srgbClr val="0070C0"/>
+          </a:solidFill>
+          <a:ln w="9525">
+            <a:solidFill>
+              <a:srgbClr val="0070C0"/>
+            </a:solidFill>
+          </a:ln>
         </p:spPr>
         <p:style>
           <a:lnRef idx="2">
@@ -9241,7 +9335,7 @@
                 <a:latin typeface="Arial" panose="020B0604020202020204" pitchFamily="34" charset="0"/>
                 <a:cs typeface="Arial" panose="020B0604020202020204" pitchFamily="34" charset="0"/>
               </a:rPr>
-              <a:t>Author: Tom Hoyland | Version 1.6</a:t>
+              <a:t>Author: Tom Hoyland | Version 1.7</a:t>
             </a:r>
           </a:p>
         </p:txBody>
@@ -9261,7 +9355,7 @@
           <p:nvPr/>
         </p:nvPicPr>
         <p:blipFill>
-          <a:blip r:embed="rId11">
+          <a:blip r:embed="rId12">
             <a:extLst>
               <a:ext uri="{28A0092B-C50C-407E-A947-70E740481C1C}">
                 <a14:useLocalDpi xmlns:a14="http://schemas.microsoft.com/office/drawing/2010/main" val="0"/>
@@ -9337,10 +9431,10 @@
       </p:sp>
       <p:pic>
         <p:nvPicPr>
-          <p:cNvPr id="9" name="Picture 8">
-            <a:extLst>
-              <a:ext uri="{FF2B5EF4-FFF2-40B4-BE49-F238E27FC236}">
-                <a16:creationId xmlns:a16="http://schemas.microsoft.com/office/drawing/2014/main" id="{1089B3D1-49F6-E765-9C14-D2BAB6D198DC}"/>
+          <p:cNvPr id="6" name="Picture 5">
+            <a:extLst>
+              <a:ext uri="{FF2B5EF4-FFF2-40B4-BE49-F238E27FC236}">
+                <a16:creationId xmlns:a16="http://schemas.microsoft.com/office/drawing/2014/main" id="{368BFFB7-75BD-E53C-9036-6791F382F375}"/>
               </a:ext>
             </a:extLst>
           </p:cNvPr>
@@ -9350,45 +9444,15 @@
           <p:nvPr/>
         </p:nvPicPr>
         <p:blipFill>
-          <a:blip r:embed="rId12"/>
+          <a:blip r:embed="rId3"/>
           <a:stretch>
             <a:fillRect/>
           </a:stretch>
         </p:blipFill>
         <p:spPr>
           <a:xfrm>
-            <a:off x="3435602" y="864098"/>
-            <a:ext cx="2394769" cy="1250322"/>
-          </a:xfrm>
-          <a:prstGeom prst="rect">
-            <a:avLst/>
-          </a:prstGeom>
-        </p:spPr>
-      </p:pic>
-      <p:pic>
-        <p:nvPicPr>
-          <p:cNvPr id="12" name="Picture 11">
-            <a:extLst>
-              <a:ext uri="{FF2B5EF4-FFF2-40B4-BE49-F238E27FC236}">
-                <a16:creationId xmlns:a16="http://schemas.microsoft.com/office/drawing/2014/main" id="{A99734C6-49E4-03A8-295A-51DAC2E3931A}"/>
-              </a:ext>
-            </a:extLst>
-          </p:cNvPr>
-          <p:cNvPicPr>
-            <a:picLocks noChangeAspect="1"/>
-          </p:cNvPicPr>
-          <p:nvPr/>
-        </p:nvPicPr>
-        <p:blipFill>
-          <a:blip r:embed="rId12"/>
-          <a:stretch>
-            <a:fillRect/>
-          </a:stretch>
-        </p:blipFill>
-        <p:spPr>
-          <a:xfrm>
-            <a:off x="9152860" y="3925969"/>
-            <a:ext cx="2394769" cy="1250322"/>
+            <a:off x="9114328" y="3917168"/>
+            <a:ext cx="2488772" cy="1301705"/>
           </a:xfrm>
           <a:prstGeom prst="rect">
             <a:avLst/>
@@ -9571,15 +9635,15 @@
             <a:pPr marL="0" indent="0">
               <a:buNone/>
             </a:pPr>
-            <a:endParaRPr lang="en-GB" sz="1800" dirty="0"/>
+            <a:endParaRPr lang="en-GB" sz="800" dirty="0"/>
           </a:p>
           <a:p>
             <a:pPr marL="0" indent="0">
               <a:buNone/>
             </a:pPr>
             <a:r>
-              <a:rPr lang="en-GB" sz="1800" dirty="0"/>
-              <a:t>These resources can be unbundled as needed and shared with line managers if that aligns with your personal growth journey.</a:t>
+              <a:rPr lang="en-GB" sz="1500" dirty="0"/>
+              <a:t>ℹ️  These resources can be unbundled as needed and shared with People Managers if that aligns with your personal growth journey.</a:t>
             </a:r>
           </a:p>
           <a:p>
@@ -9679,7 +9743,7 @@
                 <a:latin typeface="Arial" panose="020B0604020202020204" pitchFamily="34" charset="0"/>
                 <a:cs typeface="Arial" panose="020B0604020202020204" pitchFamily="34" charset="0"/>
               </a:rPr>
-              <a:t>Author: Tom Hoyland | Version 1.6</a:t>
+              <a:t>Author: Tom Hoyland | Version 1.7</a:t>
             </a:r>
           </a:p>
         </p:txBody>
@@ -9877,7 +9941,7 @@
             </a:r>
             <a:r>
               <a:rPr lang="en-GB" sz="1500" dirty="0"/>
-              <a:t> Reflect on your needs using tools like “Me at My Best” or Human API. Identify what support you need from your line manager.</a:t>
+              <a:t> Reflect on your needs using tools like “Me at My Best” or Human API. Identify what support you need from your People Manager.</a:t>
             </a:r>
           </a:p>
           <a:p>
@@ -9891,7 +9955,7 @@
             </a:r>
             <a:r>
               <a:rPr lang="en-GB" sz="1500" dirty="0"/>
-              <a:t>Assess where you are and where you’d like to go. Set a clear goal and discuss it with your line manager using the Agile Practitioner Role &amp; Stance Matrix.</a:t>
+              <a:t>Assess where you are and where you’d like to go. Set a clear goal and discuss it with your People Manager using the Agile Practitioner Role &amp; Stance Matrix.</a:t>
             </a:r>
           </a:p>
           <a:p>
@@ -10069,7 +10133,7 @@
                 <a:latin typeface="Arial" panose="020B0604020202020204" pitchFamily="34" charset="0"/>
                 <a:cs typeface="Arial" panose="020B0604020202020204" pitchFamily="34" charset="0"/>
               </a:rPr>
-              <a:t>Author: Tom Hoyland | Version 1.6</a:t>
+              <a:t>Author: Tom Hoyland | Version 1.7</a:t>
             </a:r>
           </a:p>
         </p:txBody>
@@ -10350,7 +10414,7 @@
                 <a:latin typeface="Arial" panose="020B0604020202020204" pitchFamily="34" charset="0"/>
                 <a:cs typeface="Arial" panose="020B0604020202020204" pitchFamily="34" charset="0"/>
               </a:rPr>
-              <a:t>Author: Tom Hoyland | Version 1.6</a:t>
+              <a:t>Author: Tom Hoyland | Version 1.7</a:t>
             </a:r>
           </a:p>
         </p:txBody>
@@ -10583,7 +10647,7 @@
             <a:pPr marL="0" indent="0">
               <a:buNone/>
             </a:pPr>
-            <a:endParaRPr lang="en-GB" sz="1500" dirty="0"/>
+            <a:endParaRPr lang="en-GB" sz="800" dirty="0"/>
           </a:p>
           <a:p>
             <a:pPr marL="0" indent="0">
@@ -10591,10 +10655,17 @@
             </a:pPr>
             <a:r>
               <a:rPr lang="en-GB" sz="1500" dirty="0"/>
-              <a:t>⚠️ Note: The matrix does not imply that acquiring a set number of competencies triggers promotion. It is designed to illustrate transferable competencies across roles and levels.</a:t>
-            </a:r>
-          </a:p>
-          <a:p>
+              <a:t>⚠️  The matrix does not imply that acquiring a specific number of competencies guarantees promotion. It is designed to illustrate different competency levels across roles, helping practitioners reflect on, broaden, or deepen their expertise.</a:t>
+            </a:r>
+          </a:p>
+          <a:p>
+            <a:pPr marL="0" indent="0">
+              <a:buNone/>
+            </a:pPr>
+            <a:r>
+              <a:rPr lang="en-GB" sz="1500" dirty="0"/>
+              <a:t>ℹ️  The matrix is based on the characteristics and role requirements of Generic Inc. Users of the Agile Growth Pathway can adapt or create a similar matrix tailored to the roles and levels within their organisation.</a:t>
+            </a:r>
             <a:endParaRPr lang="en-GB" sz="1800" dirty="0"/>
           </a:p>
           <a:p>
@@ -10691,7 +10762,7 @@
                 <a:latin typeface="Arial" panose="020B0604020202020204" pitchFamily="34" charset="0"/>
                 <a:cs typeface="Arial" panose="020B0604020202020204" pitchFamily="34" charset="0"/>
               </a:rPr>
-              <a:t>Author: Tom Hoyland | Version 1.6</a:t>
+              <a:t>Author: Tom Hoyland | Version 1.7</a:t>
             </a:r>
           </a:p>
         </p:txBody>
@@ -10958,7 +11029,7 @@
                 <a:latin typeface="Arial" panose="020B0604020202020204" pitchFamily="34" charset="0"/>
                 <a:cs typeface="Arial" panose="020B0604020202020204" pitchFamily="34" charset="0"/>
               </a:rPr>
-              <a:t>Author: Tom Hoyland | Version 1.6</a:t>
+              <a:t>Author: Tom Hoyland | Version 1.7</a:t>
             </a:r>
           </a:p>
         </p:txBody>
@@ -11068,7 +11139,7 @@
             <p:ph idx="1"/>
             <p:extLst>
               <p:ext uri="{D42A27DB-BD31-4B8C-83A1-F6EECF244321}">
-                <p14:modId xmlns:p14="http://schemas.microsoft.com/office/powerpoint/2010/main" val="1964541033"/>
+                <p14:modId xmlns:p14="http://schemas.microsoft.com/office/powerpoint/2010/main" val="855409377"/>
               </p:ext>
             </p:extLst>
           </p:nvPr>
@@ -11250,6 +11321,12 @@
                       <a:headEnd type="none" w="med" len="med"/>
                       <a:tailEnd type="none" w="med" len="med"/>
                     </a:lnB>
+                    <a:solidFill>
+                      <a:schemeClr val="accent4">
+                        <a:lumMod val="20000"/>
+                        <a:lumOff val="80000"/>
+                      </a:schemeClr>
+                    </a:solidFill>
                   </a:tcPr>
                 </a:tc>
                 <a:tc hMerge="1">
@@ -11468,6 +11545,12 @@
                       <a:headEnd type="none" w="med" len="med"/>
                       <a:tailEnd type="none" w="med" len="med"/>
                     </a:lnB>
+                    <a:solidFill>
+                      <a:schemeClr val="accent4">
+                        <a:lumMod val="20000"/>
+                        <a:lumOff val="80000"/>
+                      </a:schemeClr>
+                    </a:solidFill>
                   </a:tcPr>
                 </a:tc>
                 <a:tc>
@@ -11535,6 +11618,12 @@
                       <a:headEnd type="none" w="med" len="med"/>
                       <a:tailEnd type="none" w="med" len="med"/>
                     </a:lnB>
+                    <a:solidFill>
+                      <a:schemeClr val="accent4">
+                        <a:lumMod val="20000"/>
+                        <a:lumOff val="80000"/>
+                      </a:schemeClr>
+                    </a:solidFill>
                   </a:tcPr>
                 </a:tc>
                 <a:tc>
@@ -11602,6 +11691,12 @@
                       <a:headEnd type="none" w="med" len="med"/>
                       <a:tailEnd type="none" w="med" len="med"/>
                     </a:lnB>
+                    <a:solidFill>
+                      <a:schemeClr val="accent4">
+                        <a:lumMod val="20000"/>
+                        <a:lumOff val="80000"/>
+                      </a:schemeClr>
+                    </a:solidFill>
                   </a:tcPr>
                 </a:tc>
                 <a:tc>
@@ -11669,6 +11764,12 @@
                       <a:headEnd type="none" w="med" len="med"/>
                       <a:tailEnd type="none" w="med" len="med"/>
                     </a:lnB>
+                    <a:solidFill>
+                      <a:schemeClr val="accent4">
+                        <a:lumMod val="20000"/>
+                        <a:lumOff val="80000"/>
+                      </a:schemeClr>
+                    </a:solidFill>
                   </a:tcPr>
                 </a:tc>
                 <a:tc>
@@ -11727,6 +11828,12 @@
                       <a:headEnd type="none" w="med" len="med"/>
                       <a:tailEnd type="none" w="med" len="med"/>
                     </a:lnB>
+                    <a:solidFill>
+                      <a:schemeClr val="accent4">
+                        <a:lumMod val="20000"/>
+                        <a:lumOff val="80000"/>
+                      </a:schemeClr>
+                    </a:solidFill>
                   </a:tcPr>
                 </a:tc>
                 <a:extLst>
@@ -11801,6 +11908,12 @@
                       <a:headEnd type="none" w="med" len="med"/>
                       <a:tailEnd type="none" w="med" len="med"/>
                     </a:lnB>
+                    <a:solidFill>
+                      <a:schemeClr val="accent4">
+                        <a:lumMod val="20000"/>
+                        <a:lumOff val="80000"/>
+                      </a:schemeClr>
+                    </a:solidFill>
                   </a:tcPr>
                 </a:tc>
                 <a:tc>
@@ -11867,6 +11980,12 @@
                       <a:headEnd type="none" w="med" len="med"/>
                       <a:tailEnd type="none" w="med" len="med"/>
                     </a:lnB>
+                    <a:solidFill>
+                      <a:schemeClr val="accent4">
+                        <a:lumMod val="20000"/>
+                        <a:lumOff val="80000"/>
+                      </a:schemeClr>
+                    </a:solidFill>
                   </a:tcPr>
                 </a:tc>
                 <a:tc>
@@ -12441,6 +12560,12 @@
                       <a:headEnd type="none" w="med" len="med"/>
                       <a:tailEnd type="none" w="med" len="med"/>
                     </a:lnB>
+                    <a:solidFill>
+                      <a:schemeClr val="accent4">
+                        <a:lumMod val="20000"/>
+                        <a:lumOff val="80000"/>
+                      </a:schemeClr>
+                    </a:solidFill>
                   </a:tcPr>
                 </a:tc>
                 <a:tc>
@@ -12534,6 +12659,9 @@
                       <a:headEnd type="none" w="med" len="med"/>
                       <a:tailEnd type="none" w="med" len="med"/>
                     </a:lnB>
+                    <a:solidFill>
+                      <a:srgbClr val="DFF5FE"/>
+                    </a:solidFill>
                   </a:tcPr>
                 </a:tc>
                 <a:tc>
@@ -12627,6 +12755,9 @@
                       <a:headEnd type="none" w="med" len="med"/>
                       <a:tailEnd type="none" w="med" len="med"/>
                     </a:lnB>
+                    <a:solidFill>
+                      <a:srgbClr val="DFF5FE"/>
+                    </a:solidFill>
                   </a:tcPr>
                 </a:tc>
                 <a:tc>
@@ -12711,6 +12842,9 @@
                       <a:headEnd type="none" w="med" len="med"/>
                       <a:tailEnd type="none" w="med" len="med"/>
                     </a:lnB>
+                    <a:solidFill>
+                      <a:srgbClr val="DFF5FE"/>
+                    </a:solidFill>
                   </a:tcPr>
                 </a:tc>
                 <a:tc>
@@ -12804,6 +12938,9 @@
                       <a:headEnd type="none" w="med" len="med"/>
                       <a:tailEnd type="none" w="med" len="med"/>
                     </a:lnB>
+                    <a:solidFill>
+                      <a:srgbClr val="DFF5FE"/>
+                    </a:solidFill>
                   </a:tcPr>
                 </a:tc>
                 <a:tc>
@@ -12897,6 +13034,9 @@
                       <a:headEnd type="none" w="med" len="med"/>
                       <a:tailEnd type="none" w="med" len="med"/>
                     </a:lnB>
+                    <a:solidFill>
+                      <a:srgbClr val="DFF5FE"/>
+                    </a:solidFill>
                   </a:tcPr>
                 </a:tc>
                 <a:extLst>
@@ -12987,6 +13127,12 @@
                       <a:headEnd type="none" w="med" len="med"/>
                       <a:tailEnd type="none" w="med" len="med"/>
                     </a:lnB>
+                    <a:solidFill>
+                      <a:schemeClr val="accent4">
+                        <a:lumMod val="20000"/>
+                        <a:lumOff val="80000"/>
+                      </a:schemeClr>
+                    </a:solidFill>
                   </a:tcPr>
                 </a:tc>
                 <a:tc>
@@ -13547,6 +13693,12 @@
                       <a:headEnd type="none" w="med" len="med"/>
                       <a:tailEnd type="none" w="med" len="med"/>
                     </a:lnB>
+                    <a:solidFill>
+                      <a:schemeClr val="accent4">
+                        <a:lumMod val="20000"/>
+                        <a:lumOff val="80000"/>
+                      </a:schemeClr>
+                    </a:solidFill>
                   </a:tcPr>
                 </a:tc>
                 <a:tc>
@@ -13640,6 +13792,9 @@
                       <a:headEnd type="none" w="med" len="med"/>
                       <a:tailEnd type="none" w="med" len="med"/>
                     </a:lnB>
+                    <a:solidFill>
+                      <a:srgbClr val="DFF5FE"/>
+                    </a:solidFill>
                   </a:tcPr>
                 </a:tc>
                 <a:tc>
@@ -13733,6 +13888,9 @@
                       <a:headEnd type="none" w="med" len="med"/>
                       <a:tailEnd type="none" w="med" len="med"/>
                     </a:lnB>
+                    <a:solidFill>
+                      <a:srgbClr val="DFF5FE"/>
+                    </a:solidFill>
                   </a:tcPr>
                 </a:tc>
                 <a:tc>
@@ -13826,6 +13984,9 @@
                       <a:headEnd type="none" w="med" len="med"/>
                       <a:tailEnd type="none" w="med" len="med"/>
                     </a:lnB>
+                    <a:solidFill>
+                      <a:srgbClr val="DFF5FE"/>
+                    </a:solidFill>
                   </a:tcPr>
                 </a:tc>
                 <a:tc>
@@ -13919,6 +14080,9 @@
                       <a:headEnd type="none" w="med" len="med"/>
                       <a:tailEnd type="none" w="med" len="med"/>
                     </a:lnB>
+                    <a:solidFill>
+                      <a:srgbClr val="DFF5FE"/>
+                    </a:solidFill>
                   </a:tcPr>
                 </a:tc>
                 <a:tc>
@@ -14012,6 +14176,9 @@
                       <a:headEnd type="none" w="med" len="med"/>
                       <a:tailEnd type="none" w="med" len="med"/>
                     </a:lnB>
+                    <a:solidFill>
+                      <a:srgbClr val="DFF5FE"/>
+                    </a:solidFill>
                   </a:tcPr>
                 </a:tc>
                 <a:extLst>
@@ -14102,6 +14269,12 @@
                       <a:headEnd type="none" w="med" len="med"/>
                       <a:tailEnd type="none" w="med" len="med"/>
                     </a:lnB>
+                    <a:solidFill>
+                      <a:schemeClr val="accent4">
+                        <a:lumMod val="20000"/>
+                        <a:lumOff val="80000"/>
+                      </a:schemeClr>
+                    </a:solidFill>
                   </a:tcPr>
                 </a:tc>
                 <a:tc>
@@ -14664,6 +14837,12 @@
                       <a:headEnd type="none" w="med" len="med"/>
                       <a:tailEnd type="none" w="med" len="med"/>
                     </a:lnB>
+                    <a:solidFill>
+                      <a:schemeClr val="accent4">
+                        <a:lumMod val="20000"/>
+                        <a:lumOff val="80000"/>
+                      </a:schemeClr>
+                    </a:solidFill>
                   </a:tcPr>
                 </a:tc>
                 <a:tc>
@@ -14737,6 +14916,9 @@
                       <a:headEnd type="none" w="med" len="med"/>
                       <a:tailEnd type="none" w="med" len="med"/>
                     </a:lnB>
+                    <a:solidFill>
+                      <a:srgbClr val="DFF5FE"/>
+                    </a:solidFill>
                   </a:tcPr>
                 </a:tc>
                 <a:tc>
@@ -14830,6 +15012,9 @@
                       <a:headEnd type="none" w="med" len="med"/>
                       <a:tailEnd type="none" w="med" len="med"/>
                     </a:lnB>
+                    <a:solidFill>
+                      <a:srgbClr val="DFF5FE"/>
+                    </a:solidFill>
                   </a:tcPr>
                 </a:tc>
                 <a:tc>
@@ -14923,6 +15108,9 @@
                       <a:headEnd type="none" w="med" len="med"/>
                       <a:tailEnd type="none" w="med" len="med"/>
                     </a:lnB>
+                    <a:solidFill>
+                      <a:srgbClr val="DFF5FE"/>
+                    </a:solidFill>
                   </a:tcPr>
                 </a:tc>
                 <a:tc>
@@ -15016,6 +15204,9 @@
                       <a:headEnd type="none" w="med" len="med"/>
                       <a:tailEnd type="none" w="med" len="med"/>
                     </a:lnB>
+                    <a:solidFill>
+                      <a:srgbClr val="DFF5FE"/>
+                    </a:solidFill>
                   </a:tcPr>
                 </a:tc>
                 <a:tc>
@@ -15109,6 +15300,9 @@
                       <a:headEnd type="none" w="med" len="med"/>
                       <a:tailEnd type="none" w="med" len="med"/>
                     </a:lnB>
+                    <a:solidFill>
+                      <a:srgbClr val="DFF5FE"/>
+                    </a:solidFill>
                   </a:tcPr>
                 </a:tc>
                 <a:extLst>
@@ -15199,6 +15393,12 @@
                       <a:headEnd type="none" w="med" len="med"/>
                       <a:tailEnd type="none" w="med" len="med"/>
                     </a:lnB>
+                    <a:solidFill>
+                      <a:schemeClr val="accent4">
+                        <a:lumMod val="20000"/>
+                        <a:lumOff val="80000"/>
+                      </a:schemeClr>
+                    </a:solidFill>
                   </a:tcPr>
                 </a:tc>
                 <a:tc>
@@ -15759,6 +15959,12 @@
                       <a:headEnd type="none" w="med" len="med"/>
                       <a:tailEnd type="none" w="med" len="med"/>
                     </a:lnB>
+                    <a:solidFill>
+                      <a:schemeClr val="accent4">
+                        <a:lumMod val="20000"/>
+                        <a:lumOff val="80000"/>
+                      </a:schemeClr>
+                    </a:solidFill>
                   </a:tcPr>
                 </a:tc>
                 <a:tc>
@@ -15852,6 +16058,9 @@
                       <a:headEnd type="none" w="med" len="med"/>
                       <a:tailEnd type="none" w="med" len="med"/>
                     </a:lnB>
+                    <a:solidFill>
+                      <a:srgbClr val="DFF5FE"/>
+                    </a:solidFill>
                   </a:tcPr>
                 </a:tc>
                 <a:tc>
@@ -15945,6 +16154,9 @@
                       <a:headEnd type="none" w="med" len="med"/>
                       <a:tailEnd type="none" w="med" len="med"/>
                     </a:lnB>
+                    <a:solidFill>
+                      <a:srgbClr val="DFF5FE"/>
+                    </a:solidFill>
                   </a:tcPr>
                 </a:tc>
                 <a:tc>
@@ -16038,6 +16250,9 @@
                       <a:headEnd type="none" w="med" len="med"/>
                       <a:tailEnd type="none" w="med" len="med"/>
                     </a:lnB>
+                    <a:solidFill>
+                      <a:srgbClr val="DFF5FE"/>
+                    </a:solidFill>
                   </a:tcPr>
                 </a:tc>
                 <a:tc>
@@ -16131,6 +16346,9 @@
                       <a:headEnd type="none" w="med" len="med"/>
                       <a:tailEnd type="none" w="med" len="med"/>
                     </a:lnB>
+                    <a:solidFill>
+                      <a:srgbClr val="DFF5FE"/>
+                    </a:solidFill>
                   </a:tcPr>
                 </a:tc>
                 <a:tc>
@@ -16224,6 +16442,9 @@
                       <a:headEnd type="none" w="med" len="med"/>
                       <a:tailEnd type="none" w="med" len="med"/>
                     </a:lnB>
+                    <a:solidFill>
+                      <a:srgbClr val="DFF5FE"/>
+                    </a:solidFill>
                   </a:tcPr>
                 </a:tc>
                 <a:extLst>
@@ -16314,6 +16535,12 @@
                       <a:headEnd type="none" w="med" len="med"/>
                       <a:tailEnd type="none" w="med" len="med"/>
                     </a:lnB>
+                    <a:solidFill>
+                      <a:schemeClr val="accent4">
+                        <a:lumMod val="20000"/>
+                        <a:lumOff val="80000"/>
+                      </a:schemeClr>
+                    </a:solidFill>
                   </a:tcPr>
                 </a:tc>
                 <a:tc>
@@ -16890,11 +17117,11 @@
           <a:p>
             <a:r>
               <a:rPr lang="en-GB" sz="2000" b="1" dirty="0"/>
-              <a:t>Human API: </a:t>
+              <a:t>Me at My Best and Human API: </a:t>
             </a:r>
             <a:r>
               <a:rPr lang="en-GB" sz="2000" dirty="0"/>
-              <a:t>Understand and optimise your personal performance needs.</a:t>
+              <a:t>Understand and optimise your personal performance needs as a foundation for growth.</a:t>
             </a:r>
           </a:p>
           <a:p>
@@ -16914,7 +17141,7 @@
             </a:r>
             <a:r>
               <a:rPr lang="en-GB" sz="2000" dirty="0"/>
-              <a:t>Track time, development needs, and the support you require.</a:t>
+              <a:t>Track energy, development needs, and the support you require.</a:t>
             </a:r>
           </a:p>
           <a:p>
@@ -16930,6 +17157,16 @@
           <a:p>
             <a:r>
               <a:rPr lang="en-GB" sz="2000" b="1" dirty="0"/>
+              <a:t>Supportive Networks: </a:t>
+            </a:r>
+            <a:r>
+              <a:rPr lang="en-GB" sz="2000" dirty="0"/>
+              <a:t>Use Communities of Practice, Co-Piloting, and Find a Facilitator to create practice opportunities and share knowledge.</a:t>
+            </a:r>
+          </a:p>
+          <a:p>
+            <a:r>
+              <a:rPr lang="en-GB" sz="2000" b="1" dirty="0"/>
               <a:t>Existing Role Descriptions: </a:t>
             </a:r>
             <a:r>
@@ -16938,7 +17175,7 @@
             </a:r>
           </a:p>
           <a:p>
-            <a:endParaRPr lang="en-GB" sz="2000" dirty="0"/>
+            <a:endParaRPr lang="en-GB" sz="800" dirty="0"/>
           </a:p>
           <a:p>
             <a:pPr marL="0" lvl="1" indent="0">
@@ -17059,7 +17296,7 @@
                 <a:latin typeface="Arial" panose="020B0604020202020204" pitchFamily="34" charset="0"/>
                 <a:cs typeface="Arial" panose="020B0604020202020204" pitchFamily="34" charset="0"/>
               </a:rPr>
-              <a:t>Author: Tom Hoyland | Version 1.6</a:t>
+              <a:t>Author: Tom Hoyland | Version 1.7</a:t>
             </a:r>
           </a:p>
         </p:txBody>
@@ -17275,24 +17512,9 @@
               <a:rPr lang="en-GB" sz="2000" b="1" dirty="0">
                 <a:hlinkClick r:id="rId2" action="ppaction://hlinksldjump"/>
               </a:rPr>
-              <a:t>Skip to the Growth Pathway</a:t>
+              <a:t>Skip to the Agile Growth Pathway</a:t>
             </a:r>
             <a:endParaRPr lang="en-GB" sz="2000" b="1" dirty="0"/>
-          </a:p>
-          <a:p>
-            <a:pPr marL="0" indent="0">
-              <a:buNone/>
-            </a:pPr>
-            <a:endParaRPr lang="en-GB" sz="800" dirty="0"/>
-          </a:p>
-          <a:p>
-            <a:pPr marL="0" indent="0">
-              <a:buNone/>
-            </a:pPr>
-            <a:r>
-              <a:rPr lang="en-GB" sz="1500" dirty="0"/>
-              <a:t>⚠️ Note: Using this pack does not guarantee promotion or role progression. Collaborate with your line manager to align this pathway with your specific role and team context.</a:t>
-            </a:r>
           </a:p>
         </p:txBody>
       </p:sp>
@@ -17385,7 +17607,7 @@
                 <a:latin typeface="Arial" panose="020B0604020202020204" pitchFamily="34" charset="0"/>
                 <a:cs typeface="Arial" panose="020B0604020202020204" pitchFamily="34" charset="0"/>
               </a:rPr>
-              <a:t>Author: Tom Hoyland | Version 1.6</a:t>
+              <a:t>Author: Tom Hoyland | Version 1.7</a:t>
             </a:r>
           </a:p>
         </p:txBody>
@@ -17588,7 +17810,7 @@
             </a:pPr>
             <a:r>
               <a:rPr lang="en-GB" sz="2000" dirty="0"/>
-              <a:t>Colleagues can join at different levels based on their experience, with pathways to advance their practice or transition into people management and leadership roles.</a:t>
+              <a:t>Colleagues can join Generic Inc. at various levels based on their experience, with pathways to deepen their practice or transition into people management and leadership roles.</a:t>
             </a:r>
           </a:p>
           <a:p>
@@ -17618,7 +17840,7 @@
             </a:pPr>
             <a:r>
               <a:rPr lang="en-GB" sz="1500" dirty="0"/>
-              <a:t>ℹ️ Note: The term ‘Agile Practitioner’ is used here as a role term, similar to Individual Contributor, and should not be confused with the ‘Agile/Lean Practitioner’ stance as defined in the Agile Coaching Growth Wheel.</a:t>
+              <a:t>ℹ️  The term ‘Agile Practitioner’ is used here as a role term, similar to Individual Contributor, and should not be confused with the ‘Agile/Lean Practitioner’ stance as defined in the Agile Coaching Growth Wheel.</a:t>
             </a:r>
           </a:p>
         </p:txBody>
@@ -17712,7 +17934,7 @@
                 <a:latin typeface="Arial" panose="020B0604020202020204" pitchFamily="34" charset="0"/>
                 <a:cs typeface="Arial" panose="020B0604020202020204" pitchFamily="34" charset="0"/>
               </a:rPr>
-              <a:t>Author: Tom Hoyland | Version 1.6</a:t>
+              <a:t>Author: Tom Hoyland | Version 1.7</a:t>
             </a:r>
           </a:p>
         </p:txBody>
@@ -18045,7 +18267,7 @@
                 <a:latin typeface="Arial" panose="020B0604020202020204" pitchFamily="34" charset="0"/>
                 <a:cs typeface="Arial" panose="020B0604020202020204" pitchFamily="34" charset="0"/>
               </a:rPr>
-              <a:t>Author: Tom Hoyland | Version 1.6</a:t>
+              <a:t>Author: Tom Hoyland | Version 1.7</a:t>
             </a:r>
           </a:p>
         </p:txBody>
@@ -18357,7 +18579,7 @@
                 <a:latin typeface="Arial" panose="020B0604020202020204" pitchFamily="34" charset="0"/>
                 <a:cs typeface="Arial" panose="020B0604020202020204" pitchFamily="34" charset="0"/>
               </a:rPr>
-              <a:t>Author: Tom Hoyland | Version 1.6</a:t>
+              <a:t>Author: Tom Hoyland | Version 1.7</a:t>
             </a:r>
           </a:p>
         </p:txBody>
@@ -19239,7 +19461,7 @@
           <a:p>
             <a:r>
               <a:rPr lang="en-GB" sz="1800" i="1" dirty="0"/>
-              <a:t>"Where should I focus my efforts to grow and develop?"</a:t>
+              <a:t>"Where should I focus my energy and efforts to grow and develop?"</a:t>
             </a:r>
           </a:p>
           <a:p>
@@ -19255,7 +19477,7 @@
             </a:r>
           </a:p>
           <a:p>
-            <a:endParaRPr lang="en-GB" sz="1800" dirty="0"/>
+            <a:endParaRPr lang="en-GB" sz="800" dirty="0"/>
           </a:p>
           <a:p>
             <a:pPr marL="0" indent="0">
@@ -19381,7 +19603,7 @@
                 <a:latin typeface="Arial" panose="020B0604020202020204" pitchFamily="34" charset="0"/>
                 <a:cs typeface="Arial" panose="020B0604020202020204" pitchFamily="34" charset="0"/>
               </a:rPr>
-              <a:t>Author: Tom Hoyland | Version 1.6</a:t>
+              <a:t>Author: Tom Hoyland | Version 1.7</a:t>
             </a:r>
           </a:p>
         </p:txBody>
@@ -19591,16 +19813,6 @@
           </a:p>
           <a:p>
             <a:r>
-              <a:rPr lang="en-GB" sz="1500" b="1" dirty="0"/>
-              <a:t>Human API </a:t>
-            </a:r>
-            <a:r>
-              <a:rPr lang="en-GB" sz="1500" dirty="0"/>
-              <a:t>– A tool and facilitated event enabling individuals and teams to articulate their needs for optimal performance.</a:t>
-            </a:r>
-          </a:p>
-          <a:p>
-            <a:r>
               <a:rPr lang="en-GB" sz="1500" b="1" dirty="0">
                 <a:hlinkClick r:id="rId2"/>
               </a:rPr>
@@ -19609,6 +19821,16 @@
             <a:r>
               <a:rPr lang="en-GB" sz="1500" dirty="0"/>
               <a:t>– Allows practitioners to assess their current skills, track time and energy allocation, and plan their professional growth.</a:t>
+            </a:r>
+          </a:p>
+          <a:p>
+            <a:r>
+              <a:rPr lang="en-GB" sz="1500" b="1" dirty="0"/>
+              <a:t>Human API </a:t>
+            </a:r>
+            <a:r>
+              <a:rPr lang="en-GB" sz="1500" dirty="0"/>
+              <a:t>– A tool and facilitated event enabling individuals and teams to articulate their needs for optimal performance.</a:t>
             </a:r>
           </a:p>
           <a:p>
@@ -19981,7 +20203,7 @@
                 <a:latin typeface="Arial" panose="020B0604020202020204" pitchFamily="34" charset="0"/>
                 <a:cs typeface="Arial" panose="020B0604020202020204" pitchFamily="34" charset="0"/>
               </a:rPr>
-              <a:t>Author: Tom Hoyland | Version 1.6</a:t>
+              <a:t>Author: Tom Hoyland | Version 1.7</a:t>
             </a:r>
           </a:p>
         </p:txBody>
@@ -20230,7 +20452,7 @@
                 <a:latin typeface="Arial" panose="020B0604020202020204" pitchFamily="34" charset="0"/>
                 <a:cs typeface="Arial" panose="020B0604020202020204" pitchFamily="34" charset="0"/>
               </a:rPr>
-              <a:t>Author: Tom Hoyland | Version 1.6</a:t>
+              <a:t>Author: Tom Hoyland | Version 1.7</a:t>
             </a:r>
           </a:p>
         </p:txBody>
@@ -20514,7 +20736,7 @@
             </a:pPr>
             <a:r>
               <a:rPr lang="en-GB" sz="1500" dirty="0"/>
-              <a:t>⚠️ Note: This pathway is designed to equip practitioners with transferable skills across various contexts and organisations. Collaborate with your line manager and mentor to align it with your role, team and context.</a:t>
+              <a:t>ℹ️  This pathway is designed to equip practitioners with transferable skills across various contexts and organisations. Work with your People Manager and mentor to align it with your role, team and context.</a:t>
             </a:r>
           </a:p>
         </p:txBody>
@@ -20608,7 +20830,7 @@
                 <a:latin typeface="Arial" panose="020B0604020202020204" pitchFamily="34" charset="0"/>
                 <a:cs typeface="Arial" panose="020B0604020202020204" pitchFamily="34" charset="0"/>
               </a:rPr>
-              <a:t>Author: Tom Hoyland | Version 1.6</a:t>
+              <a:t>Author: Tom Hoyland | Version 1.7</a:t>
             </a:r>
           </a:p>
         </p:txBody>

--- a/Agile-Growth-Pathway.pptx
+++ b/Agile-Growth-Pathway.pptx
@@ -248,6 +248,803 @@
     </pc:docChg>
   </pc:docChgLst>
   <pc:docChgLst>
+    <pc:chgData name="Tom Hoyland" userId="736d7a3e-93c7-4109-90c5-e67b8b3e41b2" providerId="ADAL" clId="{A4D346AA-F248-6444-93C1-EF2F2E65C714}"/>
+    <pc:docChg chg="undo custSel addSld delSld modSld sldOrd">
+      <pc:chgData name="Tom Hoyland" userId="736d7a3e-93c7-4109-90c5-e67b8b3e41b2" providerId="ADAL" clId="{A4D346AA-F248-6444-93C1-EF2F2E65C714}" dt="2024-08-20T11:33:24.572" v="664" actId="404"/>
+      <pc:docMkLst>
+        <pc:docMk/>
+      </pc:docMkLst>
+      <pc:sldChg chg="addSp delSp modSp mod">
+        <pc:chgData name="Tom Hoyland" userId="736d7a3e-93c7-4109-90c5-e67b8b3e41b2" providerId="ADAL" clId="{A4D346AA-F248-6444-93C1-EF2F2E65C714}" dt="2024-08-20T10:35:24.927" v="523" actId="1076"/>
+        <pc:sldMkLst>
+          <pc:docMk/>
+          <pc:sldMk cId="215971509" sldId="258"/>
+        </pc:sldMkLst>
+        <pc:spChg chg="add del mod">
+          <ac:chgData name="Tom Hoyland" userId="736d7a3e-93c7-4109-90c5-e67b8b3e41b2" providerId="ADAL" clId="{A4D346AA-F248-6444-93C1-EF2F2E65C714}" dt="2024-08-20T10:35:16.759" v="521"/>
+          <ac:spMkLst>
+            <pc:docMk/>
+            <pc:sldMk cId="215971509" sldId="258"/>
+            <ac:spMk id="2" creationId="{13C5DC61-1188-B764-894D-18FA2653502D}"/>
+          </ac:spMkLst>
+        </pc:spChg>
+        <pc:graphicFrameChg chg="mod modGraphic">
+          <ac:chgData name="Tom Hoyland" userId="736d7a3e-93c7-4109-90c5-e67b8b3e41b2" providerId="ADAL" clId="{A4D346AA-F248-6444-93C1-EF2F2E65C714}" dt="2024-08-20T10:35:24.927" v="523" actId="1076"/>
+          <ac:graphicFrameMkLst>
+            <pc:docMk/>
+            <pc:sldMk cId="215971509" sldId="258"/>
+            <ac:graphicFrameMk id="4" creationId="{2C24AB31-CFE6-05B1-A05C-CB4B8F5125D5}"/>
+          </ac:graphicFrameMkLst>
+        </pc:graphicFrameChg>
+      </pc:sldChg>
+      <pc:sldChg chg="addSp delSp modSp del mod">
+        <pc:chgData name="Tom Hoyland" userId="736d7a3e-93c7-4109-90c5-e67b8b3e41b2" providerId="ADAL" clId="{A4D346AA-F248-6444-93C1-EF2F2E65C714}" dt="2024-08-20T11:32:51.918" v="598" actId="2696"/>
+        <pc:sldMkLst>
+          <pc:docMk/>
+          <pc:sldMk cId="1551894915" sldId="261"/>
+        </pc:sldMkLst>
+        <pc:spChg chg="del">
+          <ac:chgData name="Tom Hoyland" userId="736d7a3e-93c7-4109-90c5-e67b8b3e41b2" providerId="ADAL" clId="{A4D346AA-F248-6444-93C1-EF2F2E65C714}" dt="2024-08-20T11:32:39.566" v="595" actId="478"/>
+          <ac:spMkLst>
+            <pc:docMk/>
+            <pc:sldMk cId="1551894915" sldId="261"/>
+            <ac:spMk id="2" creationId="{60114F5B-200D-5E80-5596-D97099667249}"/>
+          </ac:spMkLst>
+        </pc:spChg>
+        <pc:spChg chg="add mod">
+          <ac:chgData name="Tom Hoyland" userId="736d7a3e-93c7-4109-90c5-e67b8b3e41b2" providerId="ADAL" clId="{A4D346AA-F248-6444-93C1-EF2F2E65C714}" dt="2024-08-20T11:32:39.566" v="595" actId="478"/>
+          <ac:spMkLst>
+            <pc:docMk/>
+            <pc:sldMk cId="1551894915" sldId="261"/>
+            <ac:spMk id="4" creationId="{D965E8EF-04AD-6DBB-D01A-5F2B61C6026F}"/>
+          </ac:spMkLst>
+        </pc:spChg>
+        <pc:spChg chg="del">
+          <ac:chgData name="Tom Hoyland" userId="736d7a3e-93c7-4109-90c5-e67b8b3e41b2" providerId="ADAL" clId="{A4D346AA-F248-6444-93C1-EF2F2E65C714}" dt="2024-08-20T11:32:39.566" v="595" actId="478"/>
+          <ac:spMkLst>
+            <pc:docMk/>
+            <pc:sldMk cId="1551894915" sldId="261"/>
+            <ac:spMk id="8" creationId="{8CDDB97D-A02F-8254-5432-E930CF01E0FC}"/>
+          </ac:spMkLst>
+        </pc:spChg>
+        <pc:spChg chg="del">
+          <ac:chgData name="Tom Hoyland" userId="736d7a3e-93c7-4109-90c5-e67b8b3e41b2" providerId="ADAL" clId="{A4D346AA-F248-6444-93C1-EF2F2E65C714}" dt="2024-08-20T11:32:39.566" v="595" actId="478"/>
+          <ac:spMkLst>
+            <pc:docMk/>
+            <pc:sldMk cId="1551894915" sldId="261"/>
+            <ac:spMk id="10" creationId="{C258F823-7B51-957A-9C20-93136D988928}"/>
+          </ac:spMkLst>
+        </pc:spChg>
+        <pc:spChg chg="del">
+          <ac:chgData name="Tom Hoyland" userId="736d7a3e-93c7-4109-90c5-e67b8b3e41b2" providerId="ADAL" clId="{A4D346AA-F248-6444-93C1-EF2F2E65C714}" dt="2024-08-20T11:32:39.566" v="595" actId="478"/>
+          <ac:spMkLst>
+            <pc:docMk/>
+            <pc:sldMk cId="1551894915" sldId="261"/>
+            <ac:spMk id="11" creationId="{706FB268-040E-2102-1308-B242A93B903A}"/>
+          </ac:spMkLst>
+        </pc:spChg>
+        <pc:spChg chg="del">
+          <ac:chgData name="Tom Hoyland" userId="736d7a3e-93c7-4109-90c5-e67b8b3e41b2" providerId="ADAL" clId="{A4D346AA-F248-6444-93C1-EF2F2E65C714}" dt="2024-08-20T11:32:39.566" v="595" actId="478"/>
+          <ac:spMkLst>
+            <pc:docMk/>
+            <pc:sldMk cId="1551894915" sldId="261"/>
+            <ac:spMk id="13" creationId="{380E85BC-FF65-970E-3CDA-C005D8E7882F}"/>
+          </ac:spMkLst>
+        </pc:spChg>
+        <pc:spChg chg="del">
+          <ac:chgData name="Tom Hoyland" userId="736d7a3e-93c7-4109-90c5-e67b8b3e41b2" providerId="ADAL" clId="{A4D346AA-F248-6444-93C1-EF2F2E65C714}" dt="2024-08-20T11:32:39.566" v="595" actId="478"/>
+          <ac:spMkLst>
+            <pc:docMk/>
+            <pc:sldMk cId="1551894915" sldId="261"/>
+            <ac:spMk id="14" creationId="{042E4238-C41B-D73B-C28B-0B462803692E}"/>
+          </ac:spMkLst>
+        </pc:spChg>
+        <pc:spChg chg="del">
+          <ac:chgData name="Tom Hoyland" userId="736d7a3e-93c7-4109-90c5-e67b8b3e41b2" providerId="ADAL" clId="{A4D346AA-F248-6444-93C1-EF2F2E65C714}" dt="2024-08-20T11:32:39.566" v="595" actId="478"/>
+          <ac:spMkLst>
+            <pc:docMk/>
+            <pc:sldMk cId="1551894915" sldId="261"/>
+            <ac:spMk id="16" creationId="{24D6D5B8-560A-7C70-9E81-B8EFB579F08E}"/>
+          </ac:spMkLst>
+        </pc:spChg>
+        <pc:spChg chg="del">
+          <ac:chgData name="Tom Hoyland" userId="736d7a3e-93c7-4109-90c5-e67b8b3e41b2" providerId="ADAL" clId="{A4D346AA-F248-6444-93C1-EF2F2E65C714}" dt="2024-08-20T11:32:39.566" v="595" actId="478"/>
+          <ac:spMkLst>
+            <pc:docMk/>
+            <pc:sldMk cId="1551894915" sldId="261"/>
+            <ac:spMk id="18" creationId="{F93BD877-DC0E-E976-9DE4-BE888B19CF0F}"/>
+          </ac:spMkLst>
+        </pc:spChg>
+        <pc:spChg chg="del">
+          <ac:chgData name="Tom Hoyland" userId="736d7a3e-93c7-4109-90c5-e67b8b3e41b2" providerId="ADAL" clId="{A4D346AA-F248-6444-93C1-EF2F2E65C714}" dt="2024-08-20T11:32:39.566" v="595" actId="478"/>
+          <ac:spMkLst>
+            <pc:docMk/>
+            <pc:sldMk cId="1551894915" sldId="261"/>
+            <ac:spMk id="28" creationId="{5ACB057E-5EA7-0F53-3026-546099232574}"/>
+          </ac:spMkLst>
+        </pc:spChg>
+        <pc:spChg chg="del">
+          <ac:chgData name="Tom Hoyland" userId="736d7a3e-93c7-4109-90c5-e67b8b3e41b2" providerId="ADAL" clId="{A4D346AA-F248-6444-93C1-EF2F2E65C714}" dt="2024-08-20T11:32:39.566" v="595" actId="478"/>
+          <ac:spMkLst>
+            <pc:docMk/>
+            <pc:sldMk cId="1551894915" sldId="261"/>
+            <ac:spMk id="29" creationId="{73641E73-F1C1-EAD9-8C93-D55E7BD2CDF8}"/>
+          </ac:spMkLst>
+        </pc:spChg>
+        <pc:spChg chg="del">
+          <ac:chgData name="Tom Hoyland" userId="736d7a3e-93c7-4109-90c5-e67b8b3e41b2" providerId="ADAL" clId="{A4D346AA-F248-6444-93C1-EF2F2E65C714}" dt="2024-08-20T11:32:39.566" v="595" actId="478"/>
+          <ac:spMkLst>
+            <pc:docMk/>
+            <pc:sldMk cId="1551894915" sldId="261"/>
+            <ac:spMk id="30" creationId="{0E4E77C7-934A-84F8-113F-232F677D364F}"/>
+          </ac:spMkLst>
+        </pc:spChg>
+        <pc:spChg chg="del">
+          <ac:chgData name="Tom Hoyland" userId="736d7a3e-93c7-4109-90c5-e67b8b3e41b2" providerId="ADAL" clId="{A4D346AA-F248-6444-93C1-EF2F2E65C714}" dt="2024-08-20T11:32:39.566" v="595" actId="478"/>
+          <ac:spMkLst>
+            <pc:docMk/>
+            <pc:sldMk cId="1551894915" sldId="261"/>
+            <ac:spMk id="31" creationId="{18DF7356-8B91-65DC-8FE8-32BFE8F1A09C}"/>
+          </ac:spMkLst>
+        </pc:spChg>
+        <pc:spChg chg="del">
+          <ac:chgData name="Tom Hoyland" userId="736d7a3e-93c7-4109-90c5-e67b8b3e41b2" providerId="ADAL" clId="{A4D346AA-F248-6444-93C1-EF2F2E65C714}" dt="2024-08-20T11:32:39.566" v="595" actId="478"/>
+          <ac:spMkLst>
+            <pc:docMk/>
+            <pc:sldMk cId="1551894915" sldId="261"/>
+            <ac:spMk id="32" creationId="{CE0A2A4C-DC20-3B09-E6C1-86C7406F3E22}"/>
+          </ac:spMkLst>
+        </pc:spChg>
+        <pc:spChg chg="del">
+          <ac:chgData name="Tom Hoyland" userId="736d7a3e-93c7-4109-90c5-e67b8b3e41b2" providerId="ADAL" clId="{A4D346AA-F248-6444-93C1-EF2F2E65C714}" dt="2024-08-20T11:32:39.566" v="595" actId="478"/>
+          <ac:spMkLst>
+            <pc:docMk/>
+            <pc:sldMk cId="1551894915" sldId="261"/>
+            <ac:spMk id="33" creationId="{B0CF220A-8F25-72EA-707D-3F51885CA3B4}"/>
+          </ac:spMkLst>
+        </pc:spChg>
+        <pc:spChg chg="del">
+          <ac:chgData name="Tom Hoyland" userId="736d7a3e-93c7-4109-90c5-e67b8b3e41b2" providerId="ADAL" clId="{A4D346AA-F248-6444-93C1-EF2F2E65C714}" dt="2024-08-20T11:32:39.566" v="595" actId="478"/>
+          <ac:spMkLst>
+            <pc:docMk/>
+            <pc:sldMk cId="1551894915" sldId="261"/>
+            <ac:spMk id="34" creationId="{FD091573-20FC-A6D7-6867-DCE7669E0934}"/>
+          </ac:spMkLst>
+        </pc:spChg>
+        <pc:spChg chg="del">
+          <ac:chgData name="Tom Hoyland" userId="736d7a3e-93c7-4109-90c5-e67b8b3e41b2" providerId="ADAL" clId="{A4D346AA-F248-6444-93C1-EF2F2E65C714}" dt="2024-08-20T11:32:39.566" v="595" actId="478"/>
+          <ac:spMkLst>
+            <pc:docMk/>
+            <pc:sldMk cId="1551894915" sldId="261"/>
+            <ac:spMk id="35" creationId="{14C3540D-164D-0502-B9B3-99DA425B4CAA}"/>
+          </ac:spMkLst>
+        </pc:spChg>
+        <pc:spChg chg="del">
+          <ac:chgData name="Tom Hoyland" userId="736d7a3e-93c7-4109-90c5-e67b8b3e41b2" providerId="ADAL" clId="{A4D346AA-F248-6444-93C1-EF2F2E65C714}" dt="2024-08-20T11:32:39.566" v="595" actId="478"/>
+          <ac:spMkLst>
+            <pc:docMk/>
+            <pc:sldMk cId="1551894915" sldId="261"/>
+            <ac:spMk id="36" creationId="{E590E56E-C5E5-6786-556B-9FF43F6C6253}"/>
+          </ac:spMkLst>
+        </pc:spChg>
+        <pc:picChg chg="del">
+          <ac:chgData name="Tom Hoyland" userId="736d7a3e-93c7-4109-90c5-e67b8b3e41b2" providerId="ADAL" clId="{A4D346AA-F248-6444-93C1-EF2F2E65C714}" dt="2024-08-20T11:32:39.566" v="595" actId="478"/>
+          <ac:picMkLst>
+            <pc:docMk/>
+            <pc:sldMk cId="1551894915" sldId="261"/>
+            <ac:picMk id="5" creationId="{62116002-A9FA-E0AB-8E6A-8CEE2DB576CB}"/>
+          </ac:picMkLst>
+        </pc:picChg>
+        <pc:picChg chg="del">
+          <ac:chgData name="Tom Hoyland" userId="736d7a3e-93c7-4109-90c5-e67b8b3e41b2" providerId="ADAL" clId="{A4D346AA-F248-6444-93C1-EF2F2E65C714}" dt="2024-08-20T11:32:39.566" v="595" actId="478"/>
+          <ac:picMkLst>
+            <pc:docMk/>
+            <pc:sldMk cId="1551894915" sldId="261"/>
+            <ac:picMk id="6" creationId="{06F97ED0-2646-B792-8B99-24400765AE9E}"/>
+          </ac:picMkLst>
+        </pc:picChg>
+        <pc:picChg chg="del">
+          <ac:chgData name="Tom Hoyland" userId="736d7a3e-93c7-4109-90c5-e67b8b3e41b2" providerId="ADAL" clId="{A4D346AA-F248-6444-93C1-EF2F2E65C714}" dt="2024-08-20T11:32:39.566" v="595" actId="478"/>
+          <ac:picMkLst>
+            <pc:docMk/>
+            <pc:sldMk cId="1551894915" sldId="261"/>
+            <ac:picMk id="7" creationId="{D006BE89-01FB-EFD8-A0B0-468CE5796739}"/>
+          </ac:picMkLst>
+        </pc:picChg>
+        <pc:picChg chg="del">
+          <ac:chgData name="Tom Hoyland" userId="736d7a3e-93c7-4109-90c5-e67b8b3e41b2" providerId="ADAL" clId="{A4D346AA-F248-6444-93C1-EF2F2E65C714}" dt="2024-08-20T11:32:39.566" v="595" actId="478"/>
+          <ac:picMkLst>
+            <pc:docMk/>
+            <pc:sldMk cId="1551894915" sldId="261"/>
+            <ac:picMk id="9" creationId="{08B66EBF-2D1E-6E8B-FCBD-479EDE455568}"/>
+          </ac:picMkLst>
+        </pc:picChg>
+        <pc:picChg chg="del">
+          <ac:chgData name="Tom Hoyland" userId="736d7a3e-93c7-4109-90c5-e67b8b3e41b2" providerId="ADAL" clId="{A4D346AA-F248-6444-93C1-EF2F2E65C714}" dt="2024-08-20T11:32:39.566" v="595" actId="478"/>
+          <ac:picMkLst>
+            <pc:docMk/>
+            <pc:sldMk cId="1551894915" sldId="261"/>
+            <ac:picMk id="12" creationId="{0AF8A365-1CA9-E91D-685E-C97FBF85A01F}"/>
+          </ac:picMkLst>
+        </pc:picChg>
+        <pc:picChg chg="del">
+          <ac:chgData name="Tom Hoyland" userId="736d7a3e-93c7-4109-90c5-e67b8b3e41b2" providerId="ADAL" clId="{A4D346AA-F248-6444-93C1-EF2F2E65C714}" dt="2024-08-20T11:32:39.566" v="595" actId="478"/>
+          <ac:picMkLst>
+            <pc:docMk/>
+            <pc:sldMk cId="1551894915" sldId="261"/>
+            <ac:picMk id="15" creationId="{C1E2E61F-6957-C476-802C-DAA4E8E3D8FC}"/>
+          </ac:picMkLst>
+        </pc:picChg>
+        <pc:picChg chg="del">
+          <ac:chgData name="Tom Hoyland" userId="736d7a3e-93c7-4109-90c5-e67b8b3e41b2" providerId="ADAL" clId="{A4D346AA-F248-6444-93C1-EF2F2E65C714}" dt="2024-08-20T11:32:39.566" v="595" actId="478"/>
+          <ac:picMkLst>
+            <pc:docMk/>
+            <pc:sldMk cId="1551894915" sldId="261"/>
+            <ac:picMk id="17" creationId="{0F35D7D0-03F8-0064-B5AC-20BCCD3C6C55}"/>
+          </ac:picMkLst>
+        </pc:picChg>
+        <pc:picChg chg="del">
+          <ac:chgData name="Tom Hoyland" userId="736d7a3e-93c7-4109-90c5-e67b8b3e41b2" providerId="ADAL" clId="{A4D346AA-F248-6444-93C1-EF2F2E65C714}" dt="2024-08-20T11:32:39.566" v="595" actId="478"/>
+          <ac:picMkLst>
+            <pc:docMk/>
+            <pc:sldMk cId="1551894915" sldId="261"/>
+            <ac:picMk id="21" creationId="{75F00680-C90D-0C50-BAEB-68DD9870452B}"/>
+          </ac:picMkLst>
+        </pc:picChg>
+      </pc:sldChg>
+      <pc:sldChg chg="addSp delSp modSp add mod ord">
+        <pc:chgData name="Tom Hoyland" userId="736d7a3e-93c7-4109-90c5-e67b8b3e41b2" providerId="ADAL" clId="{A4D346AA-F248-6444-93C1-EF2F2E65C714}" dt="2024-08-20T11:32:33.746" v="594" actId="20577"/>
+        <pc:sldMkLst>
+          <pc:docMk/>
+          <pc:sldMk cId="2712193479" sldId="271"/>
+        </pc:sldMkLst>
+        <pc:spChg chg="del">
+          <ac:chgData name="Tom Hoyland" userId="736d7a3e-93c7-4109-90c5-e67b8b3e41b2" providerId="ADAL" clId="{A4D346AA-F248-6444-93C1-EF2F2E65C714}" dt="2024-08-13T07:33:26.326" v="156" actId="478"/>
+          <ac:spMkLst>
+            <pc:docMk/>
+            <pc:sldMk cId="2712193479" sldId="271"/>
+            <ac:spMk id="2" creationId="{60114F5B-200D-5E80-5596-D97099667249}"/>
+          </ac:spMkLst>
+        </pc:spChg>
+        <pc:spChg chg="add mod">
+          <ac:chgData name="Tom Hoyland" userId="736d7a3e-93c7-4109-90c5-e67b8b3e41b2" providerId="ADAL" clId="{A4D346AA-F248-6444-93C1-EF2F2E65C714}" dt="2024-08-13T07:40:02.434" v="517" actId="1076"/>
+          <ac:spMkLst>
+            <pc:docMk/>
+            <pc:sldMk cId="2712193479" sldId="271"/>
+            <ac:spMk id="3" creationId="{43F9F6AE-A5AC-2E03-0D6A-B04BA76B49BC}"/>
+          </ac:spMkLst>
+        </pc:spChg>
+        <pc:spChg chg="add mod">
+          <ac:chgData name="Tom Hoyland" userId="736d7a3e-93c7-4109-90c5-e67b8b3e41b2" providerId="ADAL" clId="{A4D346AA-F248-6444-93C1-EF2F2E65C714}" dt="2024-08-13T07:40:02.434" v="517" actId="1076"/>
+          <ac:spMkLst>
+            <pc:docMk/>
+            <pc:sldMk cId="2712193479" sldId="271"/>
+            <ac:spMk id="4" creationId="{E151A129-60CE-5725-DCEC-DF20AB33301A}"/>
+          </ac:spMkLst>
+        </pc:spChg>
+        <pc:spChg chg="mod">
+          <ac:chgData name="Tom Hoyland" userId="736d7a3e-93c7-4109-90c5-e67b8b3e41b2" providerId="ADAL" clId="{A4D346AA-F248-6444-93C1-EF2F2E65C714}" dt="2024-08-20T11:32:22.457" v="585" actId="20577"/>
+          <ac:spMkLst>
+            <pc:docMk/>
+            <pc:sldMk cId="2712193479" sldId="271"/>
+            <ac:spMk id="8" creationId="{8CDDB97D-A02F-8254-5432-E930CF01E0FC}"/>
+          </ac:spMkLst>
+        </pc:spChg>
+        <pc:spChg chg="mod">
+          <ac:chgData name="Tom Hoyland" userId="736d7a3e-93c7-4109-90c5-e67b8b3e41b2" providerId="ADAL" clId="{A4D346AA-F248-6444-93C1-EF2F2E65C714}" dt="2024-08-20T11:32:20.806" v="584" actId="20577"/>
+          <ac:spMkLst>
+            <pc:docMk/>
+            <pc:sldMk cId="2712193479" sldId="271"/>
+            <ac:spMk id="10" creationId="{C258F823-7B51-957A-9C20-93136D988928}"/>
+          </ac:spMkLst>
+        </pc:spChg>
+        <pc:spChg chg="mod">
+          <ac:chgData name="Tom Hoyland" userId="736d7a3e-93c7-4109-90c5-e67b8b3e41b2" providerId="ADAL" clId="{A4D346AA-F248-6444-93C1-EF2F2E65C714}" dt="2024-08-20T11:32:25.812" v="587" actId="20577"/>
+          <ac:spMkLst>
+            <pc:docMk/>
+            <pc:sldMk cId="2712193479" sldId="271"/>
+            <ac:spMk id="11" creationId="{706FB268-040E-2102-1308-B242A93B903A}"/>
+          </ac:spMkLst>
+        </pc:spChg>
+        <pc:spChg chg="mod">
+          <ac:chgData name="Tom Hoyland" userId="736d7a3e-93c7-4109-90c5-e67b8b3e41b2" providerId="ADAL" clId="{A4D346AA-F248-6444-93C1-EF2F2E65C714}" dt="2024-08-20T11:32:29.695" v="592" actId="20577"/>
+          <ac:spMkLst>
+            <pc:docMk/>
+            <pc:sldMk cId="2712193479" sldId="271"/>
+            <ac:spMk id="13" creationId="{380E85BC-FF65-970E-3CDA-C005D8E7882F}"/>
+          </ac:spMkLst>
+        </pc:spChg>
+        <pc:spChg chg="mod">
+          <ac:chgData name="Tom Hoyland" userId="736d7a3e-93c7-4109-90c5-e67b8b3e41b2" providerId="ADAL" clId="{A4D346AA-F248-6444-93C1-EF2F2E65C714}" dt="2024-08-20T11:32:32.158" v="593" actId="20577"/>
+          <ac:spMkLst>
+            <pc:docMk/>
+            <pc:sldMk cId="2712193479" sldId="271"/>
+            <ac:spMk id="14" creationId="{042E4238-C41B-D73B-C28B-0B462803692E}"/>
+          </ac:spMkLst>
+        </pc:spChg>
+        <pc:spChg chg="mod">
+          <ac:chgData name="Tom Hoyland" userId="736d7a3e-93c7-4109-90c5-e67b8b3e41b2" providerId="ADAL" clId="{A4D346AA-F248-6444-93C1-EF2F2E65C714}" dt="2024-08-20T11:32:24.083" v="586" actId="20577"/>
+          <ac:spMkLst>
+            <pc:docMk/>
+            <pc:sldMk cId="2712193479" sldId="271"/>
+            <ac:spMk id="16" creationId="{24D6D5B8-560A-7C70-9E81-B8EFB579F08E}"/>
+          </ac:spMkLst>
+        </pc:spChg>
+        <pc:spChg chg="mod">
+          <ac:chgData name="Tom Hoyland" userId="736d7a3e-93c7-4109-90c5-e67b8b3e41b2" providerId="ADAL" clId="{A4D346AA-F248-6444-93C1-EF2F2E65C714}" dt="2024-08-20T11:32:19.042" v="583" actId="20577"/>
+          <ac:spMkLst>
+            <pc:docMk/>
+            <pc:sldMk cId="2712193479" sldId="271"/>
+            <ac:spMk id="18" creationId="{F93BD877-DC0E-E976-9DE4-BE888B19CF0F}"/>
+          </ac:spMkLst>
+        </pc:spChg>
+        <pc:spChg chg="add mod">
+          <ac:chgData name="Tom Hoyland" userId="736d7a3e-93c7-4109-90c5-e67b8b3e41b2" providerId="ADAL" clId="{A4D346AA-F248-6444-93C1-EF2F2E65C714}" dt="2024-08-13T07:40:02.434" v="517" actId="1076"/>
+          <ac:spMkLst>
+            <pc:docMk/>
+            <pc:sldMk cId="2712193479" sldId="271"/>
+            <ac:spMk id="19" creationId="{9BC32168-0734-E7F4-DDAC-4419BE1ED0AC}"/>
+          </ac:spMkLst>
+        </pc:spChg>
+        <pc:spChg chg="add mod">
+          <ac:chgData name="Tom Hoyland" userId="736d7a3e-93c7-4109-90c5-e67b8b3e41b2" providerId="ADAL" clId="{A4D346AA-F248-6444-93C1-EF2F2E65C714}" dt="2024-08-13T07:40:02.434" v="517" actId="1076"/>
+          <ac:spMkLst>
+            <pc:docMk/>
+            <pc:sldMk cId="2712193479" sldId="271"/>
+            <ac:spMk id="20" creationId="{69D48872-11CB-3A33-9C96-131727D0AB45}"/>
+          </ac:spMkLst>
+        </pc:spChg>
+        <pc:spChg chg="add del mod">
+          <ac:chgData name="Tom Hoyland" userId="736d7a3e-93c7-4109-90c5-e67b8b3e41b2" providerId="ADAL" clId="{A4D346AA-F248-6444-93C1-EF2F2E65C714}" dt="2024-08-13T07:33:28.075" v="157" actId="478"/>
+          <ac:spMkLst>
+            <pc:docMk/>
+            <pc:sldMk cId="2712193479" sldId="271"/>
+            <ac:spMk id="23" creationId="{97374FD9-56B1-BD38-01AD-42A8332B8E26}"/>
+          </ac:spMkLst>
+        </pc:spChg>
+        <pc:spChg chg="add mod">
+          <ac:chgData name="Tom Hoyland" userId="736d7a3e-93c7-4109-90c5-e67b8b3e41b2" providerId="ADAL" clId="{A4D346AA-F248-6444-93C1-EF2F2E65C714}" dt="2024-08-13T07:40:02.434" v="517" actId="1076"/>
+          <ac:spMkLst>
+            <pc:docMk/>
+            <pc:sldMk cId="2712193479" sldId="271"/>
+            <ac:spMk id="24" creationId="{16C484F4-FF4B-D129-FAEA-02E2EC8CFE4D}"/>
+          </ac:spMkLst>
+        </pc:spChg>
+        <pc:spChg chg="add mod">
+          <ac:chgData name="Tom Hoyland" userId="736d7a3e-93c7-4109-90c5-e67b8b3e41b2" providerId="ADAL" clId="{A4D346AA-F248-6444-93C1-EF2F2E65C714}" dt="2024-08-13T07:40:02.434" v="517" actId="1076"/>
+          <ac:spMkLst>
+            <pc:docMk/>
+            <pc:sldMk cId="2712193479" sldId="271"/>
+            <ac:spMk id="25" creationId="{5772F33A-FAA4-6619-FC37-5A0C0D431A17}"/>
+          </ac:spMkLst>
+        </pc:spChg>
+        <pc:spChg chg="add mod">
+          <ac:chgData name="Tom Hoyland" userId="736d7a3e-93c7-4109-90c5-e67b8b3e41b2" providerId="ADAL" clId="{A4D346AA-F248-6444-93C1-EF2F2E65C714}" dt="2024-08-13T07:40:02.434" v="517" actId="1076"/>
+          <ac:spMkLst>
+            <pc:docMk/>
+            <pc:sldMk cId="2712193479" sldId="271"/>
+            <ac:spMk id="26" creationId="{8DB1EDB7-0892-A3F2-FB78-D990F034BD8D}"/>
+          </ac:spMkLst>
+        </pc:spChg>
+        <pc:spChg chg="add mod">
+          <ac:chgData name="Tom Hoyland" userId="736d7a3e-93c7-4109-90c5-e67b8b3e41b2" providerId="ADAL" clId="{A4D346AA-F248-6444-93C1-EF2F2E65C714}" dt="2024-08-13T07:40:02.434" v="517" actId="1076"/>
+          <ac:spMkLst>
+            <pc:docMk/>
+            <pc:sldMk cId="2712193479" sldId="271"/>
+            <ac:spMk id="27" creationId="{A82AA132-2F6D-308A-92C4-44C23B119428}"/>
+          </ac:spMkLst>
+        </pc:spChg>
+        <pc:spChg chg="mod">
+          <ac:chgData name="Tom Hoyland" userId="736d7a3e-93c7-4109-90c5-e67b8b3e41b2" providerId="ADAL" clId="{A4D346AA-F248-6444-93C1-EF2F2E65C714}" dt="2024-08-20T11:32:33.746" v="594" actId="20577"/>
+          <ac:spMkLst>
+            <pc:docMk/>
+            <pc:sldMk cId="2712193479" sldId="271"/>
+            <ac:spMk id="28" creationId="{5ACB057E-5EA7-0F53-3026-546099232574}"/>
+          </ac:spMkLst>
+        </pc:spChg>
+        <pc:spChg chg="mod">
+          <ac:chgData name="Tom Hoyland" userId="736d7a3e-93c7-4109-90c5-e67b8b3e41b2" providerId="ADAL" clId="{A4D346AA-F248-6444-93C1-EF2F2E65C714}" dt="2024-08-13T07:40:02.434" v="517" actId="1076"/>
+          <ac:spMkLst>
+            <pc:docMk/>
+            <pc:sldMk cId="2712193479" sldId="271"/>
+            <ac:spMk id="29" creationId="{73641E73-F1C1-EAD9-8C93-D55E7BD2CDF8}"/>
+          </ac:spMkLst>
+        </pc:spChg>
+        <pc:spChg chg="mod">
+          <ac:chgData name="Tom Hoyland" userId="736d7a3e-93c7-4109-90c5-e67b8b3e41b2" providerId="ADAL" clId="{A4D346AA-F248-6444-93C1-EF2F2E65C714}" dt="2024-08-13T07:40:02.434" v="517" actId="1076"/>
+          <ac:spMkLst>
+            <pc:docMk/>
+            <pc:sldMk cId="2712193479" sldId="271"/>
+            <ac:spMk id="30" creationId="{0E4E77C7-934A-84F8-113F-232F677D364F}"/>
+          </ac:spMkLst>
+        </pc:spChg>
+        <pc:spChg chg="mod">
+          <ac:chgData name="Tom Hoyland" userId="736d7a3e-93c7-4109-90c5-e67b8b3e41b2" providerId="ADAL" clId="{A4D346AA-F248-6444-93C1-EF2F2E65C714}" dt="2024-08-13T07:40:02.434" v="517" actId="1076"/>
+          <ac:spMkLst>
+            <pc:docMk/>
+            <pc:sldMk cId="2712193479" sldId="271"/>
+            <ac:spMk id="31" creationId="{18DF7356-8B91-65DC-8FE8-32BFE8F1A09C}"/>
+          </ac:spMkLst>
+        </pc:spChg>
+        <pc:spChg chg="mod">
+          <ac:chgData name="Tom Hoyland" userId="736d7a3e-93c7-4109-90c5-e67b8b3e41b2" providerId="ADAL" clId="{A4D346AA-F248-6444-93C1-EF2F2E65C714}" dt="2024-08-13T07:40:02.434" v="517" actId="1076"/>
+          <ac:spMkLst>
+            <pc:docMk/>
+            <pc:sldMk cId="2712193479" sldId="271"/>
+            <ac:spMk id="32" creationId="{CE0A2A4C-DC20-3B09-E6C1-86C7406F3E22}"/>
+          </ac:spMkLst>
+        </pc:spChg>
+        <pc:spChg chg="mod">
+          <ac:chgData name="Tom Hoyland" userId="736d7a3e-93c7-4109-90c5-e67b8b3e41b2" providerId="ADAL" clId="{A4D346AA-F248-6444-93C1-EF2F2E65C714}" dt="2024-08-13T07:40:02.434" v="517" actId="1076"/>
+          <ac:spMkLst>
+            <pc:docMk/>
+            <pc:sldMk cId="2712193479" sldId="271"/>
+            <ac:spMk id="33" creationId="{B0CF220A-8F25-72EA-707D-3F51885CA3B4}"/>
+          </ac:spMkLst>
+        </pc:spChg>
+        <pc:spChg chg="mod">
+          <ac:chgData name="Tom Hoyland" userId="736d7a3e-93c7-4109-90c5-e67b8b3e41b2" providerId="ADAL" clId="{A4D346AA-F248-6444-93C1-EF2F2E65C714}" dt="2024-08-13T07:40:02.434" v="517" actId="1076"/>
+          <ac:spMkLst>
+            <pc:docMk/>
+            <pc:sldMk cId="2712193479" sldId="271"/>
+            <ac:spMk id="34" creationId="{FD091573-20FC-A6D7-6867-DCE7669E0934}"/>
+          </ac:spMkLst>
+        </pc:spChg>
+        <pc:spChg chg="mod">
+          <ac:chgData name="Tom Hoyland" userId="736d7a3e-93c7-4109-90c5-e67b8b3e41b2" providerId="ADAL" clId="{A4D346AA-F248-6444-93C1-EF2F2E65C714}" dt="2024-08-13T07:40:02.434" v="517" actId="1076"/>
+          <ac:spMkLst>
+            <pc:docMk/>
+            <pc:sldMk cId="2712193479" sldId="271"/>
+            <ac:spMk id="35" creationId="{14C3540D-164D-0502-B9B3-99DA425B4CAA}"/>
+          </ac:spMkLst>
+        </pc:spChg>
+        <pc:spChg chg="mod">
+          <ac:chgData name="Tom Hoyland" userId="736d7a3e-93c7-4109-90c5-e67b8b3e41b2" providerId="ADAL" clId="{A4D346AA-F248-6444-93C1-EF2F2E65C714}" dt="2024-08-13T07:40:02.434" v="517" actId="1076"/>
+          <ac:spMkLst>
+            <pc:docMk/>
+            <pc:sldMk cId="2712193479" sldId="271"/>
+            <ac:spMk id="36" creationId="{E590E56E-C5E5-6786-556B-9FF43F6C6253}"/>
+          </ac:spMkLst>
+        </pc:spChg>
+        <pc:picChg chg="mod">
+          <ac:chgData name="Tom Hoyland" userId="736d7a3e-93c7-4109-90c5-e67b8b3e41b2" providerId="ADAL" clId="{A4D346AA-F248-6444-93C1-EF2F2E65C714}" dt="2024-08-13T07:40:02.434" v="517" actId="1076"/>
+          <ac:picMkLst>
+            <pc:docMk/>
+            <pc:sldMk cId="2712193479" sldId="271"/>
+            <ac:picMk id="5" creationId="{62116002-A9FA-E0AB-8E6A-8CEE2DB576CB}"/>
+          </ac:picMkLst>
+        </pc:picChg>
+        <pc:picChg chg="mod">
+          <ac:chgData name="Tom Hoyland" userId="736d7a3e-93c7-4109-90c5-e67b8b3e41b2" providerId="ADAL" clId="{A4D346AA-F248-6444-93C1-EF2F2E65C714}" dt="2024-08-13T07:40:02.434" v="517" actId="1076"/>
+          <ac:picMkLst>
+            <pc:docMk/>
+            <pc:sldMk cId="2712193479" sldId="271"/>
+            <ac:picMk id="6" creationId="{06F97ED0-2646-B792-8B99-24400765AE9E}"/>
+          </ac:picMkLst>
+        </pc:picChg>
+        <pc:picChg chg="mod">
+          <ac:chgData name="Tom Hoyland" userId="736d7a3e-93c7-4109-90c5-e67b8b3e41b2" providerId="ADAL" clId="{A4D346AA-F248-6444-93C1-EF2F2E65C714}" dt="2024-08-13T07:40:02.434" v="517" actId="1076"/>
+          <ac:picMkLst>
+            <pc:docMk/>
+            <pc:sldMk cId="2712193479" sldId="271"/>
+            <ac:picMk id="7" creationId="{D006BE89-01FB-EFD8-A0B0-468CE5796739}"/>
+          </ac:picMkLst>
+        </pc:picChg>
+        <pc:picChg chg="mod">
+          <ac:chgData name="Tom Hoyland" userId="736d7a3e-93c7-4109-90c5-e67b8b3e41b2" providerId="ADAL" clId="{A4D346AA-F248-6444-93C1-EF2F2E65C714}" dt="2024-08-13T07:40:02.434" v="517" actId="1076"/>
+          <ac:picMkLst>
+            <pc:docMk/>
+            <pc:sldMk cId="2712193479" sldId="271"/>
+            <ac:picMk id="9" creationId="{08B66EBF-2D1E-6E8B-FCBD-479EDE455568}"/>
+          </ac:picMkLst>
+        </pc:picChg>
+        <pc:picChg chg="mod">
+          <ac:chgData name="Tom Hoyland" userId="736d7a3e-93c7-4109-90c5-e67b8b3e41b2" providerId="ADAL" clId="{A4D346AA-F248-6444-93C1-EF2F2E65C714}" dt="2024-08-13T07:40:02.434" v="517" actId="1076"/>
+          <ac:picMkLst>
+            <pc:docMk/>
+            <pc:sldMk cId="2712193479" sldId="271"/>
+            <ac:picMk id="12" creationId="{0AF8A365-1CA9-E91D-685E-C97FBF85A01F}"/>
+          </ac:picMkLst>
+        </pc:picChg>
+        <pc:picChg chg="mod">
+          <ac:chgData name="Tom Hoyland" userId="736d7a3e-93c7-4109-90c5-e67b8b3e41b2" providerId="ADAL" clId="{A4D346AA-F248-6444-93C1-EF2F2E65C714}" dt="2024-08-13T07:40:02.434" v="517" actId="1076"/>
+          <ac:picMkLst>
+            <pc:docMk/>
+            <pc:sldMk cId="2712193479" sldId="271"/>
+            <ac:picMk id="15" creationId="{C1E2E61F-6957-C476-802C-DAA4E8E3D8FC}"/>
+          </ac:picMkLst>
+        </pc:picChg>
+        <pc:picChg chg="mod">
+          <ac:chgData name="Tom Hoyland" userId="736d7a3e-93c7-4109-90c5-e67b8b3e41b2" providerId="ADAL" clId="{A4D346AA-F248-6444-93C1-EF2F2E65C714}" dt="2024-08-13T07:40:02.434" v="517" actId="1076"/>
+          <ac:picMkLst>
+            <pc:docMk/>
+            <pc:sldMk cId="2712193479" sldId="271"/>
+            <ac:picMk id="17" creationId="{0F35D7D0-03F8-0064-B5AC-20BCCD3C6C55}"/>
+          </ac:picMkLst>
+        </pc:picChg>
+        <pc:picChg chg="mod">
+          <ac:chgData name="Tom Hoyland" userId="736d7a3e-93c7-4109-90c5-e67b8b3e41b2" providerId="ADAL" clId="{A4D346AA-F248-6444-93C1-EF2F2E65C714}" dt="2024-08-13T07:40:02.434" v="517" actId="1076"/>
+          <ac:picMkLst>
+            <pc:docMk/>
+            <pc:sldMk cId="2712193479" sldId="271"/>
+            <ac:picMk id="21" creationId="{75F00680-C90D-0C50-BAEB-68DD9870452B}"/>
+          </ac:picMkLst>
+        </pc:picChg>
+      </pc:sldChg>
+      <pc:sldChg chg="addSp modSp add mod ord">
+        <pc:chgData name="Tom Hoyland" userId="736d7a3e-93c7-4109-90c5-e67b8b3e41b2" providerId="ADAL" clId="{A4D346AA-F248-6444-93C1-EF2F2E65C714}" dt="2024-08-20T11:33:24.572" v="664" actId="404"/>
+        <pc:sldMkLst>
+          <pc:docMk/>
+          <pc:sldMk cId="248048730" sldId="272"/>
+        </pc:sldMkLst>
+        <pc:spChg chg="add mod">
+          <ac:chgData name="Tom Hoyland" userId="736d7a3e-93c7-4109-90c5-e67b8b3e41b2" providerId="ADAL" clId="{A4D346AA-F248-6444-93C1-EF2F2E65C714}" dt="2024-08-20T11:33:24.572" v="664" actId="404"/>
+          <ac:spMkLst>
+            <pc:docMk/>
+            <pc:sldMk cId="248048730" sldId="272"/>
+            <ac:spMk id="2" creationId="{DE49AD4B-7FB7-DB4B-1892-2174BDB55FDC}"/>
+          </ac:spMkLst>
+        </pc:spChg>
+        <pc:spChg chg="mod">
+          <ac:chgData name="Tom Hoyland" userId="736d7a3e-93c7-4109-90c5-e67b8b3e41b2" providerId="ADAL" clId="{A4D346AA-F248-6444-93C1-EF2F2E65C714}" dt="2024-08-20T11:33:03.837" v="628" actId="1036"/>
+          <ac:spMkLst>
+            <pc:docMk/>
+            <pc:sldMk cId="248048730" sldId="272"/>
+            <ac:spMk id="3" creationId="{213F28A4-07ED-C70E-C1A5-0B32C5A7DD8D}"/>
+          </ac:spMkLst>
+        </pc:spChg>
+        <pc:spChg chg="mod">
+          <ac:chgData name="Tom Hoyland" userId="736d7a3e-93c7-4109-90c5-e67b8b3e41b2" providerId="ADAL" clId="{A4D346AA-F248-6444-93C1-EF2F2E65C714}" dt="2024-08-20T11:33:03.837" v="628" actId="1036"/>
+          <ac:spMkLst>
+            <pc:docMk/>
+            <pc:sldMk cId="248048730" sldId="272"/>
+            <ac:spMk id="4" creationId="{DD555481-A9B5-D5E1-1F1B-EF8ED78D5CD8}"/>
+          </ac:spMkLst>
+        </pc:spChg>
+        <pc:spChg chg="mod">
+          <ac:chgData name="Tom Hoyland" userId="736d7a3e-93c7-4109-90c5-e67b8b3e41b2" providerId="ADAL" clId="{A4D346AA-F248-6444-93C1-EF2F2E65C714}" dt="2024-08-20T11:33:03.837" v="628" actId="1036"/>
+          <ac:spMkLst>
+            <pc:docMk/>
+            <pc:sldMk cId="248048730" sldId="272"/>
+            <ac:spMk id="8" creationId="{AEAF102F-143D-76EF-DF6D-8B165519A4A4}"/>
+          </ac:spMkLst>
+        </pc:spChg>
+        <pc:spChg chg="mod">
+          <ac:chgData name="Tom Hoyland" userId="736d7a3e-93c7-4109-90c5-e67b8b3e41b2" providerId="ADAL" clId="{A4D346AA-F248-6444-93C1-EF2F2E65C714}" dt="2024-08-20T11:33:03.837" v="628" actId="1036"/>
+          <ac:spMkLst>
+            <pc:docMk/>
+            <pc:sldMk cId="248048730" sldId="272"/>
+            <ac:spMk id="10" creationId="{4AFC90E1-B3DD-B446-A88F-D3102C4BE49F}"/>
+          </ac:spMkLst>
+        </pc:spChg>
+        <pc:spChg chg="mod">
+          <ac:chgData name="Tom Hoyland" userId="736d7a3e-93c7-4109-90c5-e67b8b3e41b2" providerId="ADAL" clId="{A4D346AA-F248-6444-93C1-EF2F2E65C714}" dt="2024-08-20T11:33:03.837" v="628" actId="1036"/>
+          <ac:spMkLst>
+            <pc:docMk/>
+            <pc:sldMk cId="248048730" sldId="272"/>
+            <ac:spMk id="11" creationId="{06C0DA98-AF63-8C25-12CC-42A79D849F04}"/>
+          </ac:spMkLst>
+        </pc:spChg>
+        <pc:spChg chg="mod">
+          <ac:chgData name="Tom Hoyland" userId="736d7a3e-93c7-4109-90c5-e67b8b3e41b2" providerId="ADAL" clId="{A4D346AA-F248-6444-93C1-EF2F2E65C714}" dt="2024-08-20T11:33:03.837" v="628" actId="1036"/>
+          <ac:spMkLst>
+            <pc:docMk/>
+            <pc:sldMk cId="248048730" sldId="272"/>
+            <ac:spMk id="13" creationId="{6D7F7EC6-1E57-62EB-8CD1-03BE4F5ADDED}"/>
+          </ac:spMkLst>
+        </pc:spChg>
+        <pc:spChg chg="mod">
+          <ac:chgData name="Tom Hoyland" userId="736d7a3e-93c7-4109-90c5-e67b8b3e41b2" providerId="ADAL" clId="{A4D346AA-F248-6444-93C1-EF2F2E65C714}" dt="2024-08-20T11:33:03.837" v="628" actId="1036"/>
+          <ac:spMkLst>
+            <pc:docMk/>
+            <pc:sldMk cId="248048730" sldId="272"/>
+            <ac:spMk id="14" creationId="{C264D8AC-B086-B921-85C6-5AF1DD6AD8DE}"/>
+          </ac:spMkLst>
+        </pc:spChg>
+        <pc:spChg chg="mod">
+          <ac:chgData name="Tom Hoyland" userId="736d7a3e-93c7-4109-90c5-e67b8b3e41b2" providerId="ADAL" clId="{A4D346AA-F248-6444-93C1-EF2F2E65C714}" dt="2024-08-20T11:33:03.837" v="628" actId="1036"/>
+          <ac:spMkLst>
+            <pc:docMk/>
+            <pc:sldMk cId="248048730" sldId="272"/>
+            <ac:spMk id="16" creationId="{E4800468-3CA0-2964-AA62-A3AA15AEBB24}"/>
+          </ac:spMkLst>
+        </pc:spChg>
+        <pc:spChg chg="mod">
+          <ac:chgData name="Tom Hoyland" userId="736d7a3e-93c7-4109-90c5-e67b8b3e41b2" providerId="ADAL" clId="{A4D346AA-F248-6444-93C1-EF2F2E65C714}" dt="2024-08-20T11:33:03.837" v="628" actId="1036"/>
+          <ac:spMkLst>
+            <pc:docMk/>
+            <pc:sldMk cId="248048730" sldId="272"/>
+            <ac:spMk id="18" creationId="{63271C5F-2656-11FB-BDA0-F18F429D4AB8}"/>
+          </ac:spMkLst>
+        </pc:spChg>
+        <pc:spChg chg="mod">
+          <ac:chgData name="Tom Hoyland" userId="736d7a3e-93c7-4109-90c5-e67b8b3e41b2" providerId="ADAL" clId="{A4D346AA-F248-6444-93C1-EF2F2E65C714}" dt="2024-08-20T11:33:03.837" v="628" actId="1036"/>
+          <ac:spMkLst>
+            <pc:docMk/>
+            <pc:sldMk cId="248048730" sldId="272"/>
+            <ac:spMk id="19" creationId="{70929939-537B-C447-115E-FED5AF8357AE}"/>
+          </ac:spMkLst>
+        </pc:spChg>
+        <pc:spChg chg="mod">
+          <ac:chgData name="Tom Hoyland" userId="736d7a3e-93c7-4109-90c5-e67b8b3e41b2" providerId="ADAL" clId="{A4D346AA-F248-6444-93C1-EF2F2E65C714}" dt="2024-08-20T11:33:03.837" v="628" actId="1036"/>
+          <ac:spMkLst>
+            <pc:docMk/>
+            <pc:sldMk cId="248048730" sldId="272"/>
+            <ac:spMk id="20" creationId="{59B90136-C70C-1F8D-144A-B8DAA91E8BFF}"/>
+          </ac:spMkLst>
+        </pc:spChg>
+        <pc:spChg chg="mod">
+          <ac:chgData name="Tom Hoyland" userId="736d7a3e-93c7-4109-90c5-e67b8b3e41b2" providerId="ADAL" clId="{A4D346AA-F248-6444-93C1-EF2F2E65C714}" dt="2024-08-20T11:33:03.837" v="628" actId="1036"/>
+          <ac:spMkLst>
+            <pc:docMk/>
+            <pc:sldMk cId="248048730" sldId="272"/>
+            <ac:spMk id="24" creationId="{58A0E144-52CD-ECF3-042B-7992A86DA18B}"/>
+          </ac:spMkLst>
+        </pc:spChg>
+        <pc:spChg chg="mod">
+          <ac:chgData name="Tom Hoyland" userId="736d7a3e-93c7-4109-90c5-e67b8b3e41b2" providerId="ADAL" clId="{A4D346AA-F248-6444-93C1-EF2F2E65C714}" dt="2024-08-20T11:33:03.837" v="628" actId="1036"/>
+          <ac:spMkLst>
+            <pc:docMk/>
+            <pc:sldMk cId="248048730" sldId="272"/>
+            <ac:spMk id="25" creationId="{38DEAD3F-0B7F-2B20-993E-A2B1F014B1CD}"/>
+          </ac:spMkLst>
+        </pc:spChg>
+        <pc:spChg chg="mod">
+          <ac:chgData name="Tom Hoyland" userId="736d7a3e-93c7-4109-90c5-e67b8b3e41b2" providerId="ADAL" clId="{A4D346AA-F248-6444-93C1-EF2F2E65C714}" dt="2024-08-20T11:33:03.837" v="628" actId="1036"/>
+          <ac:spMkLst>
+            <pc:docMk/>
+            <pc:sldMk cId="248048730" sldId="272"/>
+            <ac:spMk id="26" creationId="{3A945144-0789-5A0E-FC67-42CABE016FCE}"/>
+          </ac:spMkLst>
+        </pc:spChg>
+        <pc:spChg chg="mod">
+          <ac:chgData name="Tom Hoyland" userId="736d7a3e-93c7-4109-90c5-e67b8b3e41b2" providerId="ADAL" clId="{A4D346AA-F248-6444-93C1-EF2F2E65C714}" dt="2024-08-20T11:33:03.837" v="628" actId="1036"/>
+          <ac:spMkLst>
+            <pc:docMk/>
+            <pc:sldMk cId="248048730" sldId="272"/>
+            <ac:spMk id="27" creationId="{CCBC6816-D39B-700B-F344-1B0D25A1449C}"/>
+          </ac:spMkLst>
+        </pc:spChg>
+        <pc:spChg chg="mod">
+          <ac:chgData name="Tom Hoyland" userId="736d7a3e-93c7-4109-90c5-e67b8b3e41b2" providerId="ADAL" clId="{A4D346AA-F248-6444-93C1-EF2F2E65C714}" dt="2024-08-20T11:33:03.837" v="628" actId="1036"/>
+          <ac:spMkLst>
+            <pc:docMk/>
+            <pc:sldMk cId="248048730" sldId="272"/>
+            <ac:spMk id="28" creationId="{5A0B0504-FBD2-ED5A-4F3B-787A8587C05A}"/>
+          </ac:spMkLst>
+        </pc:spChg>
+        <pc:spChg chg="mod">
+          <ac:chgData name="Tom Hoyland" userId="736d7a3e-93c7-4109-90c5-e67b8b3e41b2" providerId="ADAL" clId="{A4D346AA-F248-6444-93C1-EF2F2E65C714}" dt="2024-08-20T11:33:03.837" v="628" actId="1036"/>
+          <ac:spMkLst>
+            <pc:docMk/>
+            <pc:sldMk cId="248048730" sldId="272"/>
+            <ac:spMk id="29" creationId="{68B58E08-22AA-A82B-48BD-73CAD4C99992}"/>
+          </ac:spMkLst>
+        </pc:spChg>
+        <pc:spChg chg="mod">
+          <ac:chgData name="Tom Hoyland" userId="736d7a3e-93c7-4109-90c5-e67b8b3e41b2" providerId="ADAL" clId="{A4D346AA-F248-6444-93C1-EF2F2E65C714}" dt="2024-08-20T11:33:03.837" v="628" actId="1036"/>
+          <ac:spMkLst>
+            <pc:docMk/>
+            <pc:sldMk cId="248048730" sldId="272"/>
+            <ac:spMk id="30" creationId="{DEFE14F4-97D1-71EF-B066-BF208197EC0B}"/>
+          </ac:spMkLst>
+        </pc:spChg>
+        <pc:spChg chg="mod">
+          <ac:chgData name="Tom Hoyland" userId="736d7a3e-93c7-4109-90c5-e67b8b3e41b2" providerId="ADAL" clId="{A4D346AA-F248-6444-93C1-EF2F2E65C714}" dt="2024-08-20T11:33:03.837" v="628" actId="1036"/>
+          <ac:spMkLst>
+            <pc:docMk/>
+            <pc:sldMk cId="248048730" sldId="272"/>
+            <ac:spMk id="31" creationId="{8D8F7CEF-134A-D3DA-8445-5A753AB0F80F}"/>
+          </ac:spMkLst>
+        </pc:spChg>
+        <pc:spChg chg="mod">
+          <ac:chgData name="Tom Hoyland" userId="736d7a3e-93c7-4109-90c5-e67b8b3e41b2" providerId="ADAL" clId="{A4D346AA-F248-6444-93C1-EF2F2E65C714}" dt="2024-08-20T11:33:03.837" v="628" actId="1036"/>
+          <ac:spMkLst>
+            <pc:docMk/>
+            <pc:sldMk cId="248048730" sldId="272"/>
+            <ac:spMk id="32" creationId="{5057154F-7DCF-A223-0510-F25D7FD2EE6A}"/>
+          </ac:spMkLst>
+        </pc:spChg>
+        <pc:spChg chg="mod">
+          <ac:chgData name="Tom Hoyland" userId="736d7a3e-93c7-4109-90c5-e67b8b3e41b2" providerId="ADAL" clId="{A4D346AA-F248-6444-93C1-EF2F2E65C714}" dt="2024-08-20T11:33:03.837" v="628" actId="1036"/>
+          <ac:spMkLst>
+            <pc:docMk/>
+            <pc:sldMk cId="248048730" sldId="272"/>
+            <ac:spMk id="33" creationId="{E0D8722E-83A8-C310-122A-30EA2816860E}"/>
+          </ac:spMkLst>
+        </pc:spChg>
+        <pc:spChg chg="mod">
+          <ac:chgData name="Tom Hoyland" userId="736d7a3e-93c7-4109-90c5-e67b8b3e41b2" providerId="ADAL" clId="{A4D346AA-F248-6444-93C1-EF2F2E65C714}" dt="2024-08-20T11:33:03.837" v="628" actId="1036"/>
+          <ac:spMkLst>
+            <pc:docMk/>
+            <pc:sldMk cId="248048730" sldId="272"/>
+            <ac:spMk id="34" creationId="{27018EDB-C14A-2175-DA20-52AE83F8940E}"/>
+          </ac:spMkLst>
+        </pc:spChg>
+        <pc:spChg chg="mod">
+          <ac:chgData name="Tom Hoyland" userId="736d7a3e-93c7-4109-90c5-e67b8b3e41b2" providerId="ADAL" clId="{A4D346AA-F248-6444-93C1-EF2F2E65C714}" dt="2024-08-20T11:33:03.837" v="628" actId="1036"/>
+          <ac:spMkLst>
+            <pc:docMk/>
+            <pc:sldMk cId="248048730" sldId="272"/>
+            <ac:spMk id="35" creationId="{64BD6B3C-21B9-94EB-9163-4D7A83A4A297}"/>
+          </ac:spMkLst>
+        </pc:spChg>
+        <pc:spChg chg="mod">
+          <ac:chgData name="Tom Hoyland" userId="736d7a3e-93c7-4109-90c5-e67b8b3e41b2" providerId="ADAL" clId="{A4D346AA-F248-6444-93C1-EF2F2E65C714}" dt="2024-08-20T11:33:03.837" v="628" actId="1036"/>
+          <ac:spMkLst>
+            <pc:docMk/>
+            <pc:sldMk cId="248048730" sldId="272"/>
+            <ac:spMk id="36" creationId="{965DF994-D945-F5CF-02B0-6FD96B778267}"/>
+          </ac:spMkLst>
+        </pc:spChg>
+        <pc:picChg chg="mod">
+          <ac:chgData name="Tom Hoyland" userId="736d7a3e-93c7-4109-90c5-e67b8b3e41b2" providerId="ADAL" clId="{A4D346AA-F248-6444-93C1-EF2F2E65C714}" dt="2024-08-20T11:33:03.837" v="628" actId="1036"/>
+          <ac:picMkLst>
+            <pc:docMk/>
+            <pc:sldMk cId="248048730" sldId="272"/>
+            <ac:picMk id="5" creationId="{6322FBD9-FD8F-9C95-2729-127E6A05B844}"/>
+          </ac:picMkLst>
+        </pc:picChg>
+        <pc:picChg chg="mod">
+          <ac:chgData name="Tom Hoyland" userId="736d7a3e-93c7-4109-90c5-e67b8b3e41b2" providerId="ADAL" clId="{A4D346AA-F248-6444-93C1-EF2F2E65C714}" dt="2024-08-20T11:33:03.837" v="628" actId="1036"/>
+          <ac:picMkLst>
+            <pc:docMk/>
+            <pc:sldMk cId="248048730" sldId="272"/>
+            <ac:picMk id="6" creationId="{2BE0E3B7-67DB-7D22-62F7-F28225398F7E}"/>
+          </ac:picMkLst>
+        </pc:picChg>
+        <pc:picChg chg="mod">
+          <ac:chgData name="Tom Hoyland" userId="736d7a3e-93c7-4109-90c5-e67b8b3e41b2" providerId="ADAL" clId="{A4D346AA-F248-6444-93C1-EF2F2E65C714}" dt="2024-08-20T11:33:03.837" v="628" actId="1036"/>
+          <ac:picMkLst>
+            <pc:docMk/>
+            <pc:sldMk cId="248048730" sldId="272"/>
+            <ac:picMk id="7" creationId="{4025EFFD-6B77-7453-3202-61E018612DB9}"/>
+          </ac:picMkLst>
+        </pc:picChg>
+        <pc:picChg chg="mod">
+          <ac:chgData name="Tom Hoyland" userId="736d7a3e-93c7-4109-90c5-e67b8b3e41b2" providerId="ADAL" clId="{A4D346AA-F248-6444-93C1-EF2F2E65C714}" dt="2024-08-20T11:33:03.837" v="628" actId="1036"/>
+          <ac:picMkLst>
+            <pc:docMk/>
+            <pc:sldMk cId="248048730" sldId="272"/>
+            <ac:picMk id="9" creationId="{AFD2E46D-615E-B65D-1188-F2A6AB1738D7}"/>
+          </ac:picMkLst>
+        </pc:picChg>
+        <pc:picChg chg="mod">
+          <ac:chgData name="Tom Hoyland" userId="736d7a3e-93c7-4109-90c5-e67b8b3e41b2" providerId="ADAL" clId="{A4D346AA-F248-6444-93C1-EF2F2E65C714}" dt="2024-08-20T11:33:03.837" v="628" actId="1036"/>
+          <ac:picMkLst>
+            <pc:docMk/>
+            <pc:sldMk cId="248048730" sldId="272"/>
+            <ac:picMk id="12" creationId="{5C0C4BE6-1C53-E473-95EA-95C0F5CF1564}"/>
+          </ac:picMkLst>
+        </pc:picChg>
+        <pc:picChg chg="mod">
+          <ac:chgData name="Tom Hoyland" userId="736d7a3e-93c7-4109-90c5-e67b8b3e41b2" providerId="ADAL" clId="{A4D346AA-F248-6444-93C1-EF2F2E65C714}" dt="2024-08-20T11:33:03.837" v="628" actId="1036"/>
+          <ac:picMkLst>
+            <pc:docMk/>
+            <pc:sldMk cId="248048730" sldId="272"/>
+            <ac:picMk id="15" creationId="{1A85A53A-A4EB-808E-BCEA-EEBBAB52ECBA}"/>
+          </ac:picMkLst>
+        </pc:picChg>
+        <pc:picChg chg="mod">
+          <ac:chgData name="Tom Hoyland" userId="736d7a3e-93c7-4109-90c5-e67b8b3e41b2" providerId="ADAL" clId="{A4D346AA-F248-6444-93C1-EF2F2E65C714}" dt="2024-08-20T11:33:03.837" v="628" actId="1036"/>
+          <ac:picMkLst>
+            <pc:docMk/>
+            <pc:sldMk cId="248048730" sldId="272"/>
+            <ac:picMk id="17" creationId="{0FE1B1AD-E962-2850-8199-8B489F405D39}"/>
+          </ac:picMkLst>
+        </pc:picChg>
+        <pc:picChg chg="mod">
+          <ac:chgData name="Tom Hoyland" userId="736d7a3e-93c7-4109-90c5-e67b8b3e41b2" providerId="ADAL" clId="{A4D346AA-F248-6444-93C1-EF2F2E65C714}" dt="2024-08-20T11:33:03.837" v="628" actId="1036"/>
+          <ac:picMkLst>
+            <pc:docMk/>
+            <pc:sldMk cId="248048730" sldId="272"/>
+            <ac:picMk id="21" creationId="{177349E7-5A4C-46C5-B5B8-4980C12E809F}"/>
+          </ac:picMkLst>
+        </pc:picChg>
+      </pc:sldChg>
+    </pc:docChg>
+  </pc:docChgLst>
+  <pc:docChgLst>
     <pc:chgData name="Tom Hoyland" userId="S::tom.hoyland2@flutteruki.com::736d7a3e-93c7-4109-90c5-e67b8b3e41b2" providerId="AD" clId="Web-{F19ABF11-EF07-D527-F7BB-E1FE47E9926D}"/>
     <pc:docChg chg="modSld">
       <pc:chgData name="Tom Hoyland" userId="S::tom.hoyland2@flutteruki.com::736d7a3e-93c7-4109-90c5-e67b8b3e41b2" providerId="AD" clId="Web-{F19ABF11-EF07-D527-F7BB-E1FE47E9926D}" dt="2024-08-01T14:32:23.491" v="527"/>
@@ -280,803 +1077,6 @@
             </pc226:cmChg>
           </p:ext>
         </pc:extLst>
-      </pc:sldChg>
-    </pc:docChg>
-  </pc:docChgLst>
-  <pc:docChgLst>
-    <pc:chgData name="Tom Hoyland" userId="736d7a3e-93c7-4109-90c5-e67b8b3e41b2" providerId="ADAL" clId="{A4D346AA-F248-6444-93C1-EF2F2E65C714}"/>
-    <pc:docChg chg="undo custSel addSld delSld modSld sldOrd">
-      <pc:chgData name="Tom Hoyland" userId="736d7a3e-93c7-4109-90c5-e67b8b3e41b2" providerId="ADAL" clId="{A4D346AA-F248-6444-93C1-EF2F2E65C714}" dt="2024-08-20T11:33:24.572" v="664" actId="404"/>
-      <pc:docMkLst>
-        <pc:docMk/>
-      </pc:docMkLst>
-      <pc:sldChg chg="addSp delSp modSp mod">
-        <pc:chgData name="Tom Hoyland" userId="736d7a3e-93c7-4109-90c5-e67b8b3e41b2" providerId="ADAL" clId="{A4D346AA-F248-6444-93C1-EF2F2E65C714}" dt="2024-08-20T10:35:24.927" v="523" actId="1076"/>
-        <pc:sldMkLst>
-          <pc:docMk/>
-          <pc:sldMk cId="215971509" sldId="258"/>
-        </pc:sldMkLst>
-        <pc:spChg chg="add del mod">
-          <ac:chgData name="Tom Hoyland" userId="736d7a3e-93c7-4109-90c5-e67b8b3e41b2" providerId="ADAL" clId="{A4D346AA-F248-6444-93C1-EF2F2E65C714}" dt="2024-08-20T10:35:16.759" v="521"/>
-          <ac:spMkLst>
-            <pc:docMk/>
-            <pc:sldMk cId="215971509" sldId="258"/>
-            <ac:spMk id="2" creationId="{13C5DC61-1188-B764-894D-18FA2653502D}"/>
-          </ac:spMkLst>
-        </pc:spChg>
-        <pc:graphicFrameChg chg="mod modGraphic">
-          <ac:chgData name="Tom Hoyland" userId="736d7a3e-93c7-4109-90c5-e67b8b3e41b2" providerId="ADAL" clId="{A4D346AA-F248-6444-93C1-EF2F2E65C714}" dt="2024-08-20T10:35:24.927" v="523" actId="1076"/>
-          <ac:graphicFrameMkLst>
-            <pc:docMk/>
-            <pc:sldMk cId="215971509" sldId="258"/>
-            <ac:graphicFrameMk id="4" creationId="{2C24AB31-CFE6-05B1-A05C-CB4B8F5125D5}"/>
-          </ac:graphicFrameMkLst>
-        </pc:graphicFrameChg>
-      </pc:sldChg>
-      <pc:sldChg chg="addSp delSp modSp del mod">
-        <pc:chgData name="Tom Hoyland" userId="736d7a3e-93c7-4109-90c5-e67b8b3e41b2" providerId="ADAL" clId="{A4D346AA-F248-6444-93C1-EF2F2E65C714}" dt="2024-08-20T11:32:51.918" v="598" actId="2696"/>
-        <pc:sldMkLst>
-          <pc:docMk/>
-          <pc:sldMk cId="1551894915" sldId="261"/>
-        </pc:sldMkLst>
-        <pc:spChg chg="del">
-          <ac:chgData name="Tom Hoyland" userId="736d7a3e-93c7-4109-90c5-e67b8b3e41b2" providerId="ADAL" clId="{A4D346AA-F248-6444-93C1-EF2F2E65C714}" dt="2024-08-20T11:32:39.566" v="595" actId="478"/>
-          <ac:spMkLst>
-            <pc:docMk/>
-            <pc:sldMk cId="1551894915" sldId="261"/>
-            <ac:spMk id="2" creationId="{60114F5B-200D-5E80-5596-D97099667249}"/>
-          </ac:spMkLst>
-        </pc:spChg>
-        <pc:spChg chg="add mod">
-          <ac:chgData name="Tom Hoyland" userId="736d7a3e-93c7-4109-90c5-e67b8b3e41b2" providerId="ADAL" clId="{A4D346AA-F248-6444-93C1-EF2F2E65C714}" dt="2024-08-20T11:32:39.566" v="595" actId="478"/>
-          <ac:spMkLst>
-            <pc:docMk/>
-            <pc:sldMk cId="1551894915" sldId="261"/>
-            <ac:spMk id="4" creationId="{D965E8EF-04AD-6DBB-D01A-5F2B61C6026F}"/>
-          </ac:spMkLst>
-        </pc:spChg>
-        <pc:spChg chg="del">
-          <ac:chgData name="Tom Hoyland" userId="736d7a3e-93c7-4109-90c5-e67b8b3e41b2" providerId="ADAL" clId="{A4D346AA-F248-6444-93C1-EF2F2E65C714}" dt="2024-08-20T11:32:39.566" v="595" actId="478"/>
-          <ac:spMkLst>
-            <pc:docMk/>
-            <pc:sldMk cId="1551894915" sldId="261"/>
-            <ac:spMk id="8" creationId="{8CDDB97D-A02F-8254-5432-E930CF01E0FC}"/>
-          </ac:spMkLst>
-        </pc:spChg>
-        <pc:spChg chg="del">
-          <ac:chgData name="Tom Hoyland" userId="736d7a3e-93c7-4109-90c5-e67b8b3e41b2" providerId="ADAL" clId="{A4D346AA-F248-6444-93C1-EF2F2E65C714}" dt="2024-08-20T11:32:39.566" v="595" actId="478"/>
-          <ac:spMkLst>
-            <pc:docMk/>
-            <pc:sldMk cId="1551894915" sldId="261"/>
-            <ac:spMk id="10" creationId="{C258F823-7B51-957A-9C20-93136D988928}"/>
-          </ac:spMkLst>
-        </pc:spChg>
-        <pc:spChg chg="del">
-          <ac:chgData name="Tom Hoyland" userId="736d7a3e-93c7-4109-90c5-e67b8b3e41b2" providerId="ADAL" clId="{A4D346AA-F248-6444-93C1-EF2F2E65C714}" dt="2024-08-20T11:32:39.566" v="595" actId="478"/>
-          <ac:spMkLst>
-            <pc:docMk/>
-            <pc:sldMk cId="1551894915" sldId="261"/>
-            <ac:spMk id="11" creationId="{706FB268-040E-2102-1308-B242A93B903A}"/>
-          </ac:spMkLst>
-        </pc:spChg>
-        <pc:spChg chg="del">
-          <ac:chgData name="Tom Hoyland" userId="736d7a3e-93c7-4109-90c5-e67b8b3e41b2" providerId="ADAL" clId="{A4D346AA-F248-6444-93C1-EF2F2E65C714}" dt="2024-08-20T11:32:39.566" v="595" actId="478"/>
-          <ac:spMkLst>
-            <pc:docMk/>
-            <pc:sldMk cId="1551894915" sldId="261"/>
-            <ac:spMk id="13" creationId="{380E85BC-FF65-970E-3CDA-C005D8E7882F}"/>
-          </ac:spMkLst>
-        </pc:spChg>
-        <pc:spChg chg="del">
-          <ac:chgData name="Tom Hoyland" userId="736d7a3e-93c7-4109-90c5-e67b8b3e41b2" providerId="ADAL" clId="{A4D346AA-F248-6444-93C1-EF2F2E65C714}" dt="2024-08-20T11:32:39.566" v="595" actId="478"/>
-          <ac:spMkLst>
-            <pc:docMk/>
-            <pc:sldMk cId="1551894915" sldId="261"/>
-            <ac:spMk id="14" creationId="{042E4238-C41B-D73B-C28B-0B462803692E}"/>
-          </ac:spMkLst>
-        </pc:spChg>
-        <pc:spChg chg="del">
-          <ac:chgData name="Tom Hoyland" userId="736d7a3e-93c7-4109-90c5-e67b8b3e41b2" providerId="ADAL" clId="{A4D346AA-F248-6444-93C1-EF2F2E65C714}" dt="2024-08-20T11:32:39.566" v="595" actId="478"/>
-          <ac:spMkLst>
-            <pc:docMk/>
-            <pc:sldMk cId="1551894915" sldId="261"/>
-            <ac:spMk id="16" creationId="{24D6D5B8-560A-7C70-9E81-B8EFB579F08E}"/>
-          </ac:spMkLst>
-        </pc:spChg>
-        <pc:spChg chg="del">
-          <ac:chgData name="Tom Hoyland" userId="736d7a3e-93c7-4109-90c5-e67b8b3e41b2" providerId="ADAL" clId="{A4D346AA-F248-6444-93C1-EF2F2E65C714}" dt="2024-08-20T11:32:39.566" v="595" actId="478"/>
-          <ac:spMkLst>
-            <pc:docMk/>
-            <pc:sldMk cId="1551894915" sldId="261"/>
-            <ac:spMk id="18" creationId="{F93BD877-DC0E-E976-9DE4-BE888B19CF0F}"/>
-          </ac:spMkLst>
-        </pc:spChg>
-        <pc:spChg chg="del">
-          <ac:chgData name="Tom Hoyland" userId="736d7a3e-93c7-4109-90c5-e67b8b3e41b2" providerId="ADAL" clId="{A4D346AA-F248-6444-93C1-EF2F2E65C714}" dt="2024-08-20T11:32:39.566" v="595" actId="478"/>
-          <ac:spMkLst>
-            <pc:docMk/>
-            <pc:sldMk cId="1551894915" sldId="261"/>
-            <ac:spMk id="28" creationId="{5ACB057E-5EA7-0F53-3026-546099232574}"/>
-          </ac:spMkLst>
-        </pc:spChg>
-        <pc:spChg chg="del">
-          <ac:chgData name="Tom Hoyland" userId="736d7a3e-93c7-4109-90c5-e67b8b3e41b2" providerId="ADAL" clId="{A4D346AA-F248-6444-93C1-EF2F2E65C714}" dt="2024-08-20T11:32:39.566" v="595" actId="478"/>
-          <ac:spMkLst>
-            <pc:docMk/>
-            <pc:sldMk cId="1551894915" sldId="261"/>
-            <ac:spMk id="29" creationId="{73641E73-F1C1-EAD9-8C93-D55E7BD2CDF8}"/>
-          </ac:spMkLst>
-        </pc:spChg>
-        <pc:spChg chg="del">
-          <ac:chgData name="Tom Hoyland" userId="736d7a3e-93c7-4109-90c5-e67b8b3e41b2" providerId="ADAL" clId="{A4D346AA-F248-6444-93C1-EF2F2E65C714}" dt="2024-08-20T11:32:39.566" v="595" actId="478"/>
-          <ac:spMkLst>
-            <pc:docMk/>
-            <pc:sldMk cId="1551894915" sldId="261"/>
-            <ac:spMk id="30" creationId="{0E4E77C7-934A-84F8-113F-232F677D364F}"/>
-          </ac:spMkLst>
-        </pc:spChg>
-        <pc:spChg chg="del">
-          <ac:chgData name="Tom Hoyland" userId="736d7a3e-93c7-4109-90c5-e67b8b3e41b2" providerId="ADAL" clId="{A4D346AA-F248-6444-93C1-EF2F2E65C714}" dt="2024-08-20T11:32:39.566" v="595" actId="478"/>
-          <ac:spMkLst>
-            <pc:docMk/>
-            <pc:sldMk cId="1551894915" sldId="261"/>
-            <ac:spMk id="31" creationId="{18DF7356-8B91-65DC-8FE8-32BFE8F1A09C}"/>
-          </ac:spMkLst>
-        </pc:spChg>
-        <pc:spChg chg="del">
-          <ac:chgData name="Tom Hoyland" userId="736d7a3e-93c7-4109-90c5-e67b8b3e41b2" providerId="ADAL" clId="{A4D346AA-F248-6444-93C1-EF2F2E65C714}" dt="2024-08-20T11:32:39.566" v="595" actId="478"/>
-          <ac:spMkLst>
-            <pc:docMk/>
-            <pc:sldMk cId="1551894915" sldId="261"/>
-            <ac:spMk id="32" creationId="{CE0A2A4C-DC20-3B09-E6C1-86C7406F3E22}"/>
-          </ac:spMkLst>
-        </pc:spChg>
-        <pc:spChg chg="del">
-          <ac:chgData name="Tom Hoyland" userId="736d7a3e-93c7-4109-90c5-e67b8b3e41b2" providerId="ADAL" clId="{A4D346AA-F248-6444-93C1-EF2F2E65C714}" dt="2024-08-20T11:32:39.566" v="595" actId="478"/>
-          <ac:spMkLst>
-            <pc:docMk/>
-            <pc:sldMk cId="1551894915" sldId="261"/>
-            <ac:spMk id="33" creationId="{B0CF220A-8F25-72EA-707D-3F51885CA3B4}"/>
-          </ac:spMkLst>
-        </pc:spChg>
-        <pc:spChg chg="del">
-          <ac:chgData name="Tom Hoyland" userId="736d7a3e-93c7-4109-90c5-e67b8b3e41b2" providerId="ADAL" clId="{A4D346AA-F248-6444-93C1-EF2F2E65C714}" dt="2024-08-20T11:32:39.566" v="595" actId="478"/>
-          <ac:spMkLst>
-            <pc:docMk/>
-            <pc:sldMk cId="1551894915" sldId="261"/>
-            <ac:spMk id="34" creationId="{FD091573-20FC-A6D7-6867-DCE7669E0934}"/>
-          </ac:spMkLst>
-        </pc:spChg>
-        <pc:spChg chg="del">
-          <ac:chgData name="Tom Hoyland" userId="736d7a3e-93c7-4109-90c5-e67b8b3e41b2" providerId="ADAL" clId="{A4D346AA-F248-6444-93C1-EF2F2E65C714}" dt="2024-08-20T11:32:39.566" v="595" actId="478"/>
-          <ac:spMkLst>
-            <pc:docMk/>
-            <pc:sldMk cId="1551894915" sldId="261"/>
-            <ac:spMk id="35" creationId="{14C3540D-164D-0502-B9B3-99DA425B4CAA}"/>
-          </ac:spMkLst>
-        </pc:spChg>
-        <pc:spChg chg="del">
-          <ac:chgData name="Tom Hoyland" userId="736d7a3e-93c7-4109-90c5-e67b8b3e41b2" providerId="ADAL" clId="{A4D346AA-F248-6444-93C1-EF2F2E65C714}" dt="2024-08-20T11:32:39.566" v="595" actId="478"/>
-          <ac:spMkLst>
-            <pc:docMk/>
-            <pc:sldMk cId="1551894915" sldId="261"/>
-            <ac:spMk id="36" creationId="{E590E56E-C5E5-6786-556B-9FF43F6C6253}"/>
-          </ac:spMkLst>
-        </pc:spChg>
-        <pc:picChg chg="del">
-          <ac:chgData name="Tom Hoyland" userId="736d7a3e-93c7-4109-90c5-e67b8b3e41b2" providerId="ADAL" clId="{A4D346AA-F248-6444-93C1-EF2F2E65C714}" dt="2024-08-20T11:32:39.566" v="595" actId="478"/>
-          <ac:picMkLst>
-            <pc:docMk/>
-            <pc:sldMk cId="1551894915" sldId="261"/>
-            <ac:picMk id="5" creationId="{62116002-A9FA-E0AB-8E6A-8CEE2DB576CB}"/>
-          </ac:picMkLst>
-        </pc:picChg>
-        <pc:picChg chg="del">
-          <ac:chgData name="Tom Hoyland" userId="736d7a3e-93c7-4109-90c5-e67b8b3e41b2" providerId="ADAL" clId="{A4D346AA-F248-6444-93C1-EF2F2E65C714}" dt="2024-08-20T11:32:39.566" v="595" actId="478"/>
-          <ac:picMkLst>
-            <pc:docMk/>
-            <pc:sldMk cId="1551894915" sldId="261"/>
-            <ac:picMk id="6" creationId="{06F97ED0-2646-B792-8B99-24400765AE9E}"/>
-          </ac:picMkLst>
-        </pc:picChg>
-        <pc:picChg chg="del">
-          <ac:chgData name="Tom Hoyland" userId="736d7a3e-93c7-4109-90c5-e67b8b3e41b2" providerId="ADAL" clId="{A4D346AA-F248-6444-93C1-EF2F2E65C714}" dt="2024-08-20T11:32:39.566" v="595" actId="478"/>
-          <ac:picMkLst>
-            <pc:docMk/>
-            <pc:sldMk cId="1551894915" sldId="261"/>
-            <ac:picMk id="7" creationId="{D006BE89-01FB-EFD8-A0B0-468CE5796739}"/>
-          </ac:picMkLst>
-        </pc:picChg>
-        <pc:picChg chg="del">
-          <ac:chgData name="Tom Hoyland" userId="736d7a3e-93c7-4109-90c5-e67b8b3e41b2" providerId="ADAL" clId="{A4D346AA-F248-6444-93C1-EF2F2E65C714}" dt="2024-08-20T11:32:39.566" v="595" actId="478"/>
-          <ac:picMkLst>
-            <pc:docMk/>
-            <pc:sldMk cId="1551894915" sldId="261"/>
-            <ac:picMk id="9" creationId="{08B66EBF-2D1E-6E8B-FCBD-479EDE455568}"/>
-          </ac:picMkLst>
-        </pc:picChg>
-        <pc:picChg chg="del">
-          <ac:chgData name="Tom Hoyland" userId="736d7a3e-93c7-4109-90c5-e67b8b3e41b2" providerId="ADAL" clId="{A4D346AA-F248-6444-93C1-EF2F2E65C714}" dt="2024-08-20T11:32:39.566" v="595" actId="478"/>
-          <ac:picMkLst>
-            <pc:docMk/>
-            <pc:sldMk cId="1551894915" sldId="261"/>
-            <ac:picMk id="12" creationId="{0AF8A365-1CA9-E91D-685E-C97FBF85A01F}"/>
-          </ac:picMkLst>
-        </pc:picChg>
-        <pc:picChg chg="del">
-          <ac:chgData name="Tom Hoyland" userId="736d7a3e-93c7-4109-90c5-e67b8b3e41b2" providerId="ADAL" clId="{A4D346AA-F248-6444-93C1-EF2F2E65C714}" dt="2024-08-20T11:32:39.566" v="595" actId="478"/>
-          <ac:picMkLst>
-            <pc:docMk/>
-            <pc:sldMk cId="1551894915" sldId="261"/>
-            <ac:picMk id="15" creationId="{C1E2E61F-6957-C476-802C-DAA4E8E3D8FC}"/>
-          </ac:picMkLst>
-        </pc:picChg>
-        <pc:picChg chg="del">
-          <ac:chgData name="Tom Hoyland" userId="736d7a3e-93c7-4109-90c5-e67b8b3e41b2" providerId="ADAL" clId="{A4D346AA-F248-6444-93C1-EF2F2E65C714}" dt="2024-08-20T11:32:39.566" v="595" actId="478"/>
-          <ac:picMkLst>
-            <pc:docMk/>
-            <pc:sldMk cId="1551894915" sldId="261"/>
-            <ac:picMk id="17" creationId="{0F35D7D0-03F8-0064-B5AC-20BCCD3C6C55}"/>
-          </ac:picMkLst>
-        </pc:picChg>
-        <pc:picChg chg="del">
-          <ac:chgData name="Tom Hoyland" userId="736d7a3e-93c7-4109-90c5-e67b8b3e41b2" providerId="ADAL" clId="{A4D346AA-F248-6444-93C1-EF2F2E65C714}" dt="2024-08-20T11:32:39.566" v="595" actId="478"/>
-          <ac:picMkLst>
-            <pc:docMk/>
-            <pc:sldMk cId="1551894915" sldId="261"/>
-            <ac:picMk id="21" creationId="{75F00680-C90D-0C50-BAEB-68DD9870452B}"/>
-          </ac:picMkLst>
-        </pc:picChg>
-      </pc:sldChg>
-      <pc:sldChg chg="addSp delSp modSp add mod ord">
-        <pc:chgData name="Tom Hoyland" userId="736d7a3e-93c7-4109-90c5-e67b8b3e41b2" providerId="ADAL" clId="{A4D346AA-F248-6444-93C1-EF2F2E65C714}" dt="2024-08-20T11:32:33.746" v="594" actId="20577"/>
-        <pc:sldMkLst>
-          <pc:docMk/>
-          <pc:sldMk cId="2712193479" sldId="271"/>
-        </pc:sldMkLst>
-        <pc:spChg chg="del">
-          <ac:chgData name="Tom Hoyland" userId="736d7a3e-93c7-4109-90c5-e67b8b3e41b2" providerId="ADAL" clId="{A4D346AA-F248-6444-93C1-EF2F2E65C714}" dt="2024-08-13T07:33:26.326" v="156" actId="478"/>
-          <ac:spMkLst>
-            <pc:docMk/>
-            <pc:sldMk cId="2712193479" sldId="271"/>
-            <ac:spMk id="2" creationId="{60114F5B-200D-5E80-5596-D97099667249}"/>
-          </ac:spMkLst>
-        </pc:spChg>
-        <pc:spChg chg="add mod">
-          <ac:chgData name="Tom Hoyland" userId="736d7a3e-93c7-4109-90c5-e67b8b3e41b2" providerId="ADAL" clId="{A4D346AA-F248-6444-93C1-EF2F2E65C714}" dt="2024-08-13T07:40:02.434" v="517" actId="1076"/>
-          <ac:spMkLst>
-            <pc:docMk/>
-            <pc:sldMk cId="2712193479" sldId="271"/>
-            <ac:spMk id="3" creationId="{43F9F6AE-A5AC-2E03-0D6A-B04BA76B49BC}"/>
-          </ac:spMkLst>
-        </pc:spChg>
-        <pc:spChg chg="add mod">
-          <ac:chgData name="Tom Hoyland" userId="736d7a3e-93c7-4109-90c5-e67b8b3e41b2" providerId="ADAL" clId="{A4D346AA-F248-6444-93C1-EF2F2E65C714}" dt="2024-08-13T07:40:02.434" v="517" actId="1076"/>
-          <ac:spMkLst>
-            <pc:docMk/>
-            <pc:sldMk cId="2712193479" sldId="271"/>
-            <ac:spMk id="4" creationId="{E151A129-60CE-5725-DCEC-DF20AB33301A}"/>
-          </ac:spMkLst>
-        </pc:spChg>
-        <pc:spChg chg="mod">
-          <ac:chgData name="Tom Hoyland" userId="736d7a3e-93c7-4109-90c5-e67b8b3e41b2" providerId="ADAL" clId="{A4D346AA-F248-6444-93C1-EF2F2E65C714}" dt="2024-08-20T11:32:22.457" v="585" actId="20577"/>
-          <ac:spMkLst>
-            <pc:docMk/>
-            <pc:sldMk cId="2712193479" sldId="271"/>
-            <ac:spMk id="8" creationId="{8CDDB97D-A02F-8254-5432-E930CF01E0FC}"/>
-          </ac:spMkLst>
-        </pc:spChg>
-        <pc:spChg chg="mod">
-          <ac:chgData name="Tom Hoyland" userId="736d7a3e-93c7-4109-90c5-e67b8b3e41b2" providerId="ADAL" clId="{A4D346AA-F248-6444-93C1-EF2F2E65C714}" dt="2024-08-20T11:32:20.806" v="584" actId="20577"/>
-          <ac:spMkLst>
-            <pc:docMk/>
-            <pc:sldMk cId="2712193479" sldId="271"/>
-            <ac:spMk id="10" creationId="{C258F823-7B51-957A-9C20-93136D988928}"/>
-          </ac:spMkLst>
-        </pc:spChg>
-        <pc:spChg chg="mod">
-          <ac:chgData name="Tom Hoyland" userId="736d7a3e-93c7-4109-90c5-e67b8b3e41b2" providerId="ADAL" clId="{A4D346AA-F248-6444-93C1-EF2F2E65C714}" dt="2024-08-20T11:32:25.812" v="587" actId="20577"/>
-          <ac:spMkLst>
-            <pc:docMk/>
-            <pc:sldMk cId="2712193479" sldId="271"/>
-            <ac:spMk id="11" creationId="{706FB268-040E-2102-1308-B242A93B903A}"/>
-          </ac:spMkLst>
-        </pc:spChg>
-        <pc:spChg chg="mod">
-          <ac:chgData name="Tom Hoyland" userId="736d7a3e-93c7-4109-90c5-e67b8b3e41b2" providerId="ADAL" clId="{A4D346AA-F248-6444-93C1-EF2F2E65C714}" dt="2024-08-20T11:32:29.695" v="592" actId="20577"/>
-          <ac:spMkLst>
-            <pc:docMk/>
-            <pc:sldMk cId="2712193479" sldId="271"/>
-            <ac:spMk id="13" creationId="{380E85BC-FF65-970E-3CDA-C005D8E7882F}"/>
-          </ac:spMkLst>
-        </pc:spChg>
-        <pc:spChg chg="mod">
-          <ac:chgData name="Tom Hoyland" userId="736d7a3e-93c7-4109-90c5-e67b8b3e41b2" providerId="ADAL" clId="{A4D346AA-F248-6444-93C1-EF2F2E65C714}" dt="2024-08-20T11:32:32.158" v="593" actId="20577"/>
-          <ac:spMkLst>
-            <pc:docMk/>
-            <pc:sldMk cId="2712193479" sldId="271"/>
-            <ac:spMk id="14" creationId="{042E4238-C41B-D73B-C28B-0B462803692E}"/>
-          </ac:spMkLst>
-        </pc:spChg>
-        <pc:spChg chg="mod">
-          <ac:chgData name="Tom Hoyland" userId="736d7a3e-93c7-4109-90c5-e67b8b3e41b2" providerId="ADAL" clId="{A4D346AA-F248-6444-93C1-EF2F2E65C714}" dt="2024-08-20T11:32:24.083" v="586" actId="20577"/>
-          <ac:spMkLst>
-            <pc:docMk/>
-            <pc:sldMk cId="2712193479" sldId="271"/>
-            <ac:spMk id="16" creationId="{24D6D5B8-560A-7C70-9E81-B8EFB579F08E}"/>
-          </ac:spMkLst>
-        </pc:spChg>
-        <pc:spChg chg="mod">
-          <ac:chgData name="Tom Hoyland" userId="736d7a3e-93c7-4109-90c5-e67b8b3e41b2" providerId="ADAL" clId="{A4D346AA-F248-6444-93C1-EF2F2E65C714}" dt="2024-08-20T11:32:19.042" v="583" actId="20577"/>
-          <ac:spMkLst>
-            <pc:docMk/>
-            <pc:sldMk cId="2712193479" sldId="271"/>
-            <ac:spMk id="18" creationId="{F93BD877-DC0E-E976-9DE4-BE888B19CF0F}"/>
-          </ac:spMkLst>
-        </pc:spChg>
-        <pc:spChg chg="add mod">
-          <ac:chgData name="Tom Hoyland" userId="736d7a3e-93c7-4109-90c5-e67b8b3e41b2" providerId="ADAL" clId="{A4D346AA-F248-6444-93C1-EF2F2E65C714}" dt="2024-08-13T07:40:02.434" v="517" actId="1076"/>
-          <ac:spMkLst>
-            <pc:docMk/>
-            <pc:sldMk cId="2712193479" sldId="271"/>
-            <ac:spMk id="19" creationId="{9BC32168-0734-E7F4-DDAC-4419BE1ED0AC}"/>
-          </ac:spMkLst>
-        </pc:spChg>
-        <pc:spChg chg="add mod">
-          <ac:chgData name="Tom Hoyland" userId="736d7a3e-93c7-4109-90c5-e67b8b3e41b2" providerId="ADAL" clId="{A4D346AA-F248-6444-93C1-EF2F2E65C714}" dt="2024-08-13T07:40:02.434" v="517" actId="1076"/>
-          <ac:spMkLst>
-            <pc:docMk/>
-            <pc:sldMk cId="2712193479" sldId="271"/>
-            <ac:spMk id="20" creationId="{69D48872-11CB-3A33-9C96-131727D0AB45}"/>
-          </ac:spMkLst>
-        </pc:spChg>
-        <pc:spChg chg="add del mod">
-          <ac:chgData name="Tom Hoyland" userId="736d7a3e-93c7-4109-90c5-e67b8b3e41b2" providerId="ADAL" clId="{A4D346AA-F248-6444-93C1-EF2F2E65C714}" dt="2024-08-13T07:33:28.075" v="157" actId="478"/>
-          <ac:spMkLst>
-            <pc:docMk/>
-            <pc:sldMk cId="2712193479" sldId="271"/>
-            <ac:spMk id="23" creationId="{97374FD9-56B1-BD38-01AD-42A8332B8E26}"/>
-          </ac:spMkLst>
-        </pc:spChg>
-        <pc:spChg chg="add mod">
-          <ac:chgData name="Tom Hoyland" userId="736d7a3e-93c7-4109-90c5-e67b8b3e41b2" providerId="ADAL" clId="{A4D346AA-F248-6444-93C1-EF2F2E65C714}" dt="2024-08-13T07:40:02.434" v="517" actId="1076"/>
-          <ac:spMkLst>
-            <pc:docMk/>
-            <pc:sldMk cId="2712193479" sldId="271"/>
-            <ac:spMk id="24" creationId="{16C484F4-FF4B-D129-FAEA-02E2EC8CFE4D}"/>
-          </ac:spMkLst>
-        </pc:spChg>
-        <pc:spChg chg="add mod">
-          <ac:chgData name="Tom Hoyland" userId="736d7a3e-93c7-4109-90c5-e67b8b3e41b2" providerId="ADAL" clId="{A4D346AA-F248-6444-93C1-EF2F2E65C714}" dt="2024-08-13T07:40:02.434" v="517" actId="1076"/>
-          <ac:spMkLst>
-            <pc:docMk/>
-            <pc:sldMk cId="2712193479" sldId="271"/>
-            <ac:spMk id="25" creationId="{5772F33A-FAA4-6619-FC37-5A0C0D431A17}"/>
-          </ac:spMkLst>
-        </pc:spChg>
-        <pc:spChg chg="add mod">
-          <ac:chgData name="Tom Hoyland" userId="736d7a3e-93c7-4109-90c5-e67b8b3e41b2" providerId="ADAL" clId="{A4D346AA-F248-6444-93C1-EF2F2E65C714}" dt="2024-08-13T07:40:02.434" v="517" actId="1076"/>
-          <ac:spMkLst>
-            <pc:docMk/>
-            <pc:sldMk cId="2712193479" sldId="271"/>
-            <ac:spMk id="26" creationId="{8DB1EDB7-0892-A3F2-FB78-D990F034BD8D}"/>
-          </ac:spMkLst>
-        </pc:spChg>
-        <pc:spChg chg="add mod">
-          <ac:chgData name="Tom Hoyland" userId="736d7a3e-93c7-4109-90c5-e67b8b3e41b2" providerId="ADAL" clId="{A4D346AA-F248-6444-93C1-EF2F2E65C714}" dt="2024-08-13T07:40:02.434" v="517" actId="1076"/>
-          <ac:spMkLst>
-            <pc:docMk/>
-            <pc:sldMk cId="2712193479" sldId="271"/>
-            <ac:spMk id="27" creationId="{A82AA132-2F6D-308A-92C4-44C23B119428}"/>
-          </ac:spMkLst>
-        </pc:spChg>
-        <pc:spChg chg="mod">
-          <ac:chgData name="Tom Hoyland" userId="736d7a3e-93c7-4109-90c5-e67b8b3e41b2" providerId="ADAL" clId="{A4D346AA-F248-6444-93C1-EF2F2E65C714}" dt="2024-08-20T11:32:33.746" v="594" actId="20577"/>
-          <ac:spMkLst>
-            <pc:docMk/>
-            <pc:sldMk cId="2712193479" sldId="271"/>
-            <ac:spMk id="28" creationId="{5ACB057E-5EA7-0F53-3026-546099232574}"/>
-          </ac:spMkLst>
-        </pc:spChg>
-        <pc:spChg chg="mod">
-          <ac:chgData name="Tom Hoyland" userId="736d7a3e-93c7-4109-90c5-e67b8b3e41b2" providerId="ADAL" clId="{A4D346AA-F248-6444-93C1-EF2F2E65C714}" dt="2024-08-13T07:40:02.434" v="517" actId="1076"/>
-          <ac:spMkLst>
-            <pc:docMk/>
-            <pc:sldMk cId="2712193479" sldId="271"/>
-            <ac:spMk id="29" creationId="{73641E73-F1C1-EAD9-8C93-D55E7BD2CDF8}"/>
-          </ac:spMkLst>
-        </pc:spChg>
-        <pc:spChg chg="mod">
-          <ac:chgData name="Tom Hoyland" userId="736d7a3e-93c7-4109-90c5-e67b8b3e41b2" providerId="ADAL" clId="{A4D346AA-F248-6444-93C1-EF2F2E65C714}" dt="2024-08-13T07:40:02.434" v="517" actId="1076"/>
-          <ac:spMkLst>
-            <pc:docMk/>
-            <pc:sldMk cId="2712193479" sldId="271"/>
-            <ac:spMk id="30" creationId="{0E4E77C7-934A-84F8-113F-232F677D364F}"/>
-          </ac:spMkLst>
-        </pc:spChg>
-        <pc:spChg chg="mod">
-          <ac:chgData name="Tom Hoyland" userId="736d7a3e-93c7-4109-90c5-e67b8b3e41b2" providerId="ADAL" clId="{A4D346AA-F248-6444-93C1-EF2F2E65C714}" dt="2024-08-13T07:40:02.434" v="517" actId="1076"/>
-          <ac:spMkLst>
-            <pc:docMk/>
-            <pc:sldMk cId="2712193479" sldId="271"/>
-            <ac:spMk id="31" creationId="{18DF7356-8B91-65DC-8FE8-32BFE8F1A09C}"/>
-          </ac:spMkLst>
-        </pc:spChg>
-        <pc:spChg chg="mod">
-          <ac:chgData name="Tom Hoyland" userId="736d7a3e-93c7-4109-90c5-e67b8b3e41b2" providerId="ADAL" clId="{A4D346AA-F248-6444-93C1-EF2F2E65C714}" dt="2024-08-13T07:40:02.434" v="517" actId="1076"/>
-          <ac:spMkLst>
-            <pc:docMk/>
-            <pc:sldMk cId="2712193479" sldId="271"/>
-            <ac:spMk id="32" creationId="{CE0A2A4C-DC20-3B09-E6C1-86C7406F3E22}"/>
-          </ac:spMkLst>
-        </pc:spChg>
-        <pc:spChg chg="mod">
-          <ac:chgData name="Tom Hoyland" userId="736d7a3e-93c7-4109-90c5-e67b8b3e41b2" providerId="ADAL" clId="{A4D346AA-F248-6444-93C1-EF2F2E65C714}" dt="2024-08-13T07:40:02.434" v="517" actId="1076"/>
-          <ac:spMkLst>
-            <pc:docMk/>
-            <pc:sldMk cId="2712193479" sldId="271"/>
-            <ac:spMk id="33" creationId="{B0CF220A-8F25-72EA-707D-3F51885CA3B4}"/>
-          </ac:spMkLst>
-        </pc:spChg>
-        <pc:spChg chg="mod">
-          <ac:chgData name="Tom Hoyland" userId="736d7a3e-93c7-4109-90c5-e67b8b3e41b2" providerId="ADAL" clId="{A4D346AA-F248-6444-93C1-EF2F2E65C714}" dt="2024-08-13T07:40:02.434" v="517" actId="1076"/>
-          <ac:spMkLst>
-            <pc:docMk/>
-            <pc:sldMk cId="2712193479" sldId="271"/>
-            <ac:spMk id="34" creationId="{FD091573-20FC-A6D7-6867-DCE7669E0934}"/>
-          </ac:spMkLst>
-        </pc:spChg>
-        <pc:spChg chg="mod">
-          <ac:chgData name="Tom Hoyland" userId="736d7a3e-93c7-4109-90c5-e67b8b3e41b2" providerId="ADAL" clId="{A4D346AA-F248-6444-93C1-EF2F2E65C714}" dt="2024-08-13T07:40:02.434" v="517" actId="1076"/>
-          <ac:spMkLst>
-            <pc:docMk/>
-            <pc:sldMk cId="2712193479" sldId="271"/>
-            <ac:spMk id="35" creationId="{14C3540D-164D-0502-B9B3-99DA425B4CAA}"/>
-          </ac:spMkLst>
-        </pc:spChg>
-        <pc:spChg chg="mod">
-          <ac:chgData name="Tom Hoyland" userId="736d7a3e-93c7-4109-90c5-e67b8b3e41b2" providerId="ADAL" clId="{A4D346AA-F248-6444-93C1-EF2F2E65C714}" dt="2024-08-13T07:40:02.434" v="517" actId="1076"/>
-          <ac:spMkLst>
-            <pc:docMk/>
-            <pc:sldMk cId="2712193479" sldId="271"/>
-            <ac:spMk id="36" creationId="{E590E56E-C5E5-6786-556B-9FF43F6C6253}"/>
-          </ac:spMkLst>
-        </pc:spChg>
-        <pc:picChg chg="mod">
-          <ac:chgData name="Tom Hoyland" userId="736d7a3e-93c7-4109-90c5-e67b8b3e41b2" providerId="ADAL" clId="{A4D346AA-F248-6444-93C1-EF2F2E65C714}" dt="2024-08-13T07:40:02.434" v="517" actId="1076"/>
-          <ac:picMkLst>
-            <pc:docMk/>
-            <pc:sldMk cId="2712193479" sldId="271"/>
-            <ac:picMk id="5" creationId="{62116002-A9FA-E0AB-8E6A-8CEE2DB576CB}"/>
-          </ac:picMkLst>
-        </pc:picChg>
-        <pc:picChg chg="mod">
-          <ac:chgData name="Tom Hoyland" userId="736d7a3e-93c7-4109-90c5-e67b8b3e41b2" providerId="ADAL" clId="{A4D346AA-F248-6444-93C1-EF2F2E65C714}" dt="2024-08-13T07:40:02.434" v="517" actId="1076"/>
-          <ac:picMkLst>
-            <pc:docMk/>
-            <pc:sldMk cId="2712193479" sldId="271"/>
-            <ac:picMk id="6" creationId="{06F97ED0-2646-B792-8B99-24400765AE9E}"/>
-          </ac:picMkLst>
-        </pc:picChg>
-        <pc:picChg chg="mod">
-          <ac:chgData name="Tom Hoyland" userId="736d7a3e-93c7-4109-90c5-e67b8b3e41b2" providerId="ADAL" clId="{A4D346AA-F248-6444-93C1-EF2F2E65C714}" dt="2024-08-13T07:40:02.434" v="517" actId="1076"/>
-          <ac:picMkLst>
-            <pc:docMk/>
-            <pc:sldMk cId="2712193479" sldId="271"/>
-            <ac:picMk id="7" creationId="{D006BE89-01FB-EFD8-A0B0-468CE5796739}"/>
-          </ac:picMkLst>
-        </pc:picChg>
-        <pc:picChg chg="mod">
-          <ac:chgData name="Tom Hoyland" userId="736d7a3e-93c7-4109-90c5-e67b8b3e41b2" providerId="ADAL" clId="{A4D346AA-F248-6444-93C1-EF2F2E65C714}" dt="2024-08-13T07:40:02.434" v="517" actId="1076"/>
-          <ac:picMkLst>
-            <pc:docMk/>
-            <pc:sldMk cId="2712193479" sldId="271"/>
-            <ac:picMk id="9" creationId="{08B66EBF-2D1E-6E8B-FCBD-479EDE455568}"/>
-          </ac:picMkLst>
-        </pc:picChg>
-        <pc:picChg chg="mod">
-          <ac:chgData name="Tom Hoyland" userId="736d7a3e-93c7-4109-90c5-e67b8b3e41b2" providerId="ADAL" clId="{A4D346AA-F248-6444-93C1-EF2F2E65C714}" dt="2024-08-13T07:40:02.434" v="517" actId="1076"/>
-          <ac:picMkLst>
-            <pc:docMk/>
-            <pc:sldMk cId="2712193479" sldId="271"/>
-            <ac:picMk id="12" creationId="{0AF8A365-1CA9-E91D-685E-C97FBF85A01F}"/>
-          </ac:picMkLst>
-        </pc:picChg>
-        <pc:picChg chg="mod">
-          <ac:chgData name="Tom Hoyland" userId="736d7a3e-93c7-4109-90c5-e67b8b3e41b2" providerId="ADAL" clId="{A4D346AA-F248-6444-93C1-EF2F2E65C714}" dt="2024-08-13T07:40:02.434" v="517" actId="1076"/>
-          <ac:picMkLst>
-            <pc:docMk/>
-            <pc:sldMk cId="2712193479" sldId="271"/>
-            <ac:picMk id="15" creationId="{C1E2E61F-6957-C476-802C-DAA4E8E3D8FC}"/>
-          </ac:picMkLst>
-        </pc:picChg>
-        <pc:picChg chg="mod">
-          <ac:chgData name="Tom Hoyland" userId="736d7a3e-93c7-4109-90c5-e67b8b3e41b2" providerId="ADAL" clId="{A4D346AA-F248-6444-93C1-EF2F2E65C714}" dt="2024-08-13T07:40:02.434" v="517" actId="1076"/>
-          <ac:picMkLst>
-            <pc:docMk/>
-            <pc:sldMk cId="2712193479" sldId="271"/>
-            <ac:picMk id="17" creationId="{0F35D7D0-03F8-0064-B5AC-20BCCD3C6C55}"/>
-          </ac:picMkLst>
-        </pc:picChg>
-        <pc:picChg chg="mod">
-          <ac:chgData name="Tom Hoyland" userId="736d7a3e-93c7-4109-90c5-e67b8b3e41b2" providerId="ADAL" clId="{A4D346AA-F248-6444-93C1-EF2F2E65C714}" dt="2024-08-13T07:40:02.434" v="517" actId="1076"/>
-          <ac:picMkLst>
-            <pc:docMk/>
-            <pc:sldMk cId="2712193479" sldId="271"/>
-            <ac:picMk id="21" creationId="{75F00680-C90D-0C50-BAEB-68DD9870452B}"/>
-          </ac:picMkLst>
-        </pc:picChg>
-      </pc:sldChg>
-      <pc:sldChg chg="addSp modSp add mod ord">
-        <pc:chgData name="Tom Hoyland" userId="736d7a3e-93c7-4109-90c5-e67b8b3e41b2" providerId="ADAL" clId="{A4D346AA-F248-6444-93C1-EF2F2E65C714}" dt="2024-08-20T11:33:24.572" v="664" actId="404"/>
-        <pc:sldMkLst>
-          <pc:docMk/>
-          <pc:sldMk cId="248048730" sldId="272"/>
-        </pc:sldMkLst>
-        <pc:spChg chg="add mod">
-          <ac:chgData name="Tom Hoyland" userId="736d7a3e-93c7-4109-90c5-e67b8b3e41b2" providerId="ADAL" clId="{A4D346AA-F248-6444-93C1-EF2F2E65C714}" dt="2024-08-20T11:33:24.572" v="664" actId="404"/>
-          <ac:spMkLst>
-            <pc:docMk/>
-            <pc:sldMk cId="248048730" sldId="272"/>
-            <ac:spMk id="2" creationId="{DE49AD4B-7FB7-DB4B-1892-2174BDB55FDC}"/>
-          </ac:spMkLst>
-        </pc:spChg>
-        <pc:spChg chg="mod">
-          <ac:chgData name="Tom Hoyland" userId="736d7a3e-93c7-4109-90c5-e67b8b3e41b2" providerId="ADAL" clId="{A4D346AA-F248-6444-93C1-EF2F2E65C714}" dt="2024-08-20T11:33:03.837" v="628" actId="1036"/>
-          <ac:spMkLst>
-            <pc:docMk/>
-            <pc:sldMk cId="248048730" sldId="272"/>
-            <ac:spMk id="3" creationId="{213F28A4-07ED-C70E-C1A5-0B32C5A7DD8D}"/>
-          </ac:spMkLst>
-        </pc:spChg>
-        <pc:spChg chg="mod">
-          <ac:chgData name="Tom Hoyland" userId="736d7a3e-93c7-4109-90c5-e67b8b3e41b2" providerId="ADAL" clId="{A4D346AA-F248-6444-93C1-EF2F2E65C714}" dt="2024-08-20T11:33:03.837" v="628" actId="1036"/>
-          <ac:spMkLst>
-            <pc:docMk/>
-            <pc:sldMk cId="248048730" sldId="272"/>
-            <ac:spMk id="4" creationId="{DD555481-A9B5-D5E1-1F1B-EF8ED78D5CD8}"/>
-          </ac:spMkLst>
-        </pc:spChg>
-        <pc:spChg chg="mod">
-          <ac:chgData name="Tom Hoyland" userId="736d7a3e-93c7-4109-90c5-e67b8b3e41b2" providerId="ADAL" clId="{A4D346AA-F248-6444-93C1-EF2F2E65C714}" dt="2024-08-20T11:33:03.837" v="628" actId="1036"/>
-          <ac:spMkLst>
-            <pc:docMk/>
-            <pc:sldMk cId="248048730" sldId="272"/>
-            <ac:spMk id="8" creationId="{AEAF102F-143D-76EF-DF6D-8B165519A4A4}"/>
-          </ac:spMkLst>
-        </pc:spChg>
-        <pc:spChg chg="mod">
-          <ac:chgData name="Tom Hoyland" userId="736d7a3e-93c7-4109-90c5-e67b8b3e41b2" providerId="ADAL" clId="{A4D346AA-F248-6444-93C1-EF2F2E65C714}" dt="2024-08-20T11:33:03.837" v="628" actId="1036"/>
-          <ac:spMkLst>
-            <pc:docMk/>
-            <pc:sldMk cId="248048730" sldId="272"/>
-            <ac:spMk id="10" creationId="{4AFC90E1-B3DD-B446-A88F-D3102C4BE49F}"/>
-          </ac:spMkLst>
-        </pc:spChg>
-        <pc:spChg chg="mod">
-          <ac:chgData name="Tom Hoyland" userId="736d7a3e-93c7-4109-90c5-e67b8b3e41b2" providerId="ADAL" clId="{A4D346AA-F248-6444-93C1-EF2F2E65C714}" dt="2024-08-20T11:33:03.837" v="628" actId="1036"/>
-          <ac:spMkLst>
-            <pc:docMk/>
-            <pc:sldMk cId="248048730" sldId="272"/>
-            <ac:spMk id="11" creationId="{06C0DA98-AF63-8C25-12CC-42A79D849F04}"/>
-          </ac:spMkLst>
-        </pc:spChg>
-        <pc:spChg chg="mod">
-          <ac:chgData name="Tom Hoyland" userId="736d7a3e-93c7-4109-90c5-e67b8b3e41b2" providerId="ADAL" clId="{A4D346AA-F248-6444-93C1-EF2F2E65C714}" dt="2024-08-20T11:33:03.837" v="628" actId="1036"/>
-          <ac:spMkLst>
-            <pc:docMk/>
-            <pc:sldMk cId="248048730" sldId="272"/>
-            <ac:spMk id="13" creationId="{6D7F7EC6-1E57-62EB-8CD1-03BE4F5ADDED}"/>
-          </ac:spMkLst>
-        </pc:spChg>
-        <pc:spChg chg="mod">
-          <ac:chgData name="Tom Hoyland" userId="736d7a3e-93c7-4109-90c5-e67b8b3e41b2" providerId="ADAL" clId="{A4D346AA-F248-6444-93C1-EF2F2E65C714}" dt="2024-08-20T11:33:03.837" v="628" actId="1036"/>
-          <ac:spMkLst>
-            <pc:docMk/>
-            <pc:sldMk cId="248048730" sldId="272"/>
-            <ac:spMk id="14" creationId="{C264D8AC-B086-B921-85C6-5AF1DD6AD8DE}"/>
-          </ac:spMkLst>
-        </pc:spChg>
-        <pc:spChg chg="mod">
-          <ac:chgData name="Tom Hoyland" userId="736d7a3e-93c7-4109-90c5-e67b8b3e41b2" providerId="ADAL" clId="{A4D346AA-F248-6444-93C1-EF2F2E65C714}" dt="2024-08-20T11:33:03.837" v="628" actId="1036"/>
-          <ac:spMkLst>
-            <pc:docMk/>
-            <pc:sldMk cId="248048730" sldId="272"/>
-            <ac:spMk id="16" creationId="{E4800468-3CA0-2964-AA62-A3AA15AEBB24}"/>
-          </ac:spMkLst>
-        </pc:spChg>
-        <pc:spChg chg="mod">
-          <ac:chgData name="Tom Hoyland" userId="736d7a3e-93c7-4109-90c5-e67b8b3e41b2" providerId="ADAL" clId="{A4D346AA-F248-6444-93C1-EF2F2E65C714}" dt="2024-08-20T11:33:03.837" v="628" actId="1036"/>
-          <ac:spMkLst>
-            <pc:docMk/>
-            <pc:sldMk cId="248048730" sldId="272"/>
-            <ac:spMk id="18" creationId="{63271C5F-2656-11FB-BDA0-F18F429D4AB8}"/>
-          </ac:spMkLst>
-        </pc:spChg>
-        <pc:spChg chg="mod">
-          <ac:chgData name="Tom Hoyland" userId="736d7a3e-93c7-4109-90c5-e67b8b3e41b2" providerId="ADAL" clId="{A4D346AA-F248-6444-93C1-EF2F2E65C714}" dt="2024-08-20T11:33:03.837" v="628" actId="1036"/>
-          <ac:spMkLst>
-            <pc:docMk/>
-            <pc:sldMk cId="248048730" sldId="272"/>
-            <ac:spMk id="19" creationId="{70929939-537B-C447-115E-FED5AF8357AE}"/>
-          </ac:spMkLst>
-        </pc:spChg>
-        <pc:spChg chg="mod">
-          <ac:chgData name="Tom Hoyland" userId="736d7a3e-93c7-4109-90c5-e67b8b3e41b2" providerId="ADAL" clId="{A4D346AA-F248-6444-93C1-EF2F2E65C714}" dt="2024-08-20T11:33:03.837" v="628" actId="1036"/>
-          <ac:spMkLst>
-            <pc:docMk/>
-            <pc:sldMk cId="248048730" sldId="272"/>
-            <ac:spMk id="20" creationId="{59B90136-C70C-1F8D-144A-B8DAA91E8BFF}"/>
-          </ac:spMkLst>
-        </pc:spChg>
-        <pc:spChg chg="mod">
-          <ac:chgData name="Tom Hoyland" userId="736d7a3e-93c7-4109-90c5-e67b8b3e41b2" providerId="ADAL" clId="{A4D346AA-F248-6444-93C1-EF2F2E65C714}" dt="2024-08-20T11:33:03.837" v="628" actId="1036"/>
-          <ac:spMkLst>
-            <pc:docMk/>
-            <pc:sldMk cId="248048730" sldId="272"/>
-            <ac:spMk id="24" creationId="{58A0E144-52CD-ECF3-042B-7992A86DA18B}"/>
-          </ac:spMkLst>
-        </pc:spChg>
-        <pc:spChg chg="mod">
-          <ac:chgData name="Tom Hoyland" userId="736d7a3e-93c7-4109-90c5-e67b8b3e41b2" providerId="ADAL" clId="{A4D346AA-F248-6444-93C1-EF2F2E65C714}" dt="2024-08-20T11:33:03.837" v="628" actId="1036"/>
-          <ac:spMkLst>
-            <pc:docMk/>
-            <pc:sldMk cId="248048730" sldId="272"/>
-            <ac:spMk id="25" creationId="{38DEAD3F-0B7F-2B20-993E-A2B1F014B1CD}"/>
-          </ac:spMkLst>
-        </pc:spChg>
-        <pc:spChg chg="mod">
-          <ac:chgData name="Tom Hoyland" userId="736d7a3e-93c7-4109-90c5-e67b8b3e41b2" providerId="ADAL" clId="{A4D346AA-F248-6444-93C1-EF2F2E65C714}" dt="2024-08-20T11:33:03.837" v="628" actId="1036"/>
-          <ac:spMkLst>
-            <pc:docMk/>
-            <pc:sldMk cId="248048730" sldId="272"/>
-            <ac:spMk id="26" creationId="{3A945144-0789-5A0E-FC67-42CABE016FCE}"/>
-          </ac:spMkLst>
-        </pc:spChg>
-        <pc:spChg chg="mod">
-          <ac:chgData name="Tom Hoyland" userId="736d7a3e-93c7-4109-90c5-e67b8b3e41b2" providerId="ADAL" clId="{A4D346AA-F248-6444-93C1-EF2F2E65C714}" dt="2024-08-20T11:33:03.837" v="628" actId="1036"/>
-          <ac:spMkLst>
-            <pc:docMk/>
-            <pc:sldMk cId="248048730" sldId="272"/>
-            <ac:spMk id="27" creationId="{CCBC6816-D39B-700B-F344-1B0D25A1449C}"/>
-          </ac:spMkLst>
-        </pc:spChg>
-        <pc:spChg chg="mod">
-          <ac:chgData name="Tom Hoyland" userId="736d7a3e-93c7-4109-90c5-e67b8b3e41b2" providerId="ADAL" clId="{A4D346AA-F248-6444-93C1-EF2F2E65C714}" dt="2024-08-20T11:33:03.837" v="628" actId="1036"/>
-          <ac:spMkLst>
-            <pc:docMk/>
-            <pc:sldMk cId="248048730" sldId="272"/>
-            <ac:spMk id="28" creationId="{5A0B0504-FBD2-ED5A-4F3B-787A8587C05A}"/>
-          </ac:spMkLst>
-        </pc:spChg>
-        <pc:spChg chg="mod">
-          <ac:chgData name="Tom Hoyland" userId="736d7a3e-93c7-4109-90c5-e67b8b3e41b2" providerId="ADAL" clId="{A4D346AA-F248-6444-93C1-EF2F2E65C714}" dt="2024-08-20T11:33:03.837" v="628" actId="1036"/>
-          <ac:spMkLst>
-            <pc:docMk/>
-            <pc:sldMk cId="248048730" sldId="272"/>
-            <ac:spMk id="29" creationId="{68B58E08-22AA-A82B-48BD-73CAD4C99992}"/>
-          </ac:spMkLst>
-        </pc:spChg>
-        <pc:spChg chg="mod">
-          <ac:chgData name="Tom Hoyland" userId="736d7a3e-93c7-4109-90c5-e67b8b3e41b2" providerId="ADAL" clId="{A4D346AA-F248-6444-93C1-EF2F2E65C714}" dt="2024-08-20T11:33:03.837" v="628" actId="1036"/>
-          <ac:spMkLst>
-            <pc:docMk/>
-            <pc:sldMk cId="248048730" sldId="272"/>
-            <ac:spMk id="30" creationId="{DEFE14F4-97D1-71EF-B066-BF208197EC0B}"/>
-          </ac:spMkLst>
-        </pc:spChg>
-        <pc:spChg chg="mod">
-          <ac:chgData name="Tom Hoyland" userId="736d7a3e-93c7-4109-90c5-e67b8b3e41b2" providerId="ADAL" clId="{A4D346AA-F248-6444-93C1-EF2F2E65C714}" dt="2024-08-20T11:33:03.837" v="628" actId="1036"/>
-          <ac:spMkLst>
-            <pc:docMk/>
-            <pc:sldMk cId="248048730" sldId="272"/>
-            <ac:spMk id="31" creationId="{8D8F7CEF-134A-D3DA-8445-5A753AB0F80F}"/>
-          </ac:spMkLst>
-        </pc:spChg>
-        <pc:spChg chg="mod">
-          <ac:chgData name="Tom Hoyland" userId="736d7a3e-93c7-4109-90c5-e67b8b3e41b2" providerId="ADAL" clId="{A4D346AA-F248-6444-93C1-EF2F2E65C714}" dt="2024-08-20T11:33:03.837" v="628" actId="1036"/>
-          <ac:spMkLst>
-            <pc:docMk/>
-            <pc:sldMk cId="248048730" sldId="272"/>
-            <ac:spMk id="32" creationId="{5057154F-7DCF-A223-0510-F25D7FD2EE6A}"/>
-          </ac:spMkLst>
-        </pc:spChg>
-        <pc:spChg chg="mod">
-          <ac:chgData name="Tom Hoyland" userId="736d7a3e-93c7-4109-90c5-e67b8b3e41b2" providerId="ADAL" clId="{A4D346AA-F248-6444-93C1-EF2F2E65C714}" dt="2024-08-20T11:33:03.837" v="628" actId="1036"/>
-          <ac:spMkLst>
-            <pc:docMk/>
-            <pc:sldMk cId="248048730" sldId="272"/>
-            <ac:spMk id="33" creationId="{E0D8722E-83A8-C310-122A-30EA2816860E}"/>
-          </ac:spMkLst>
-        </pc:spChg>
-        <pc:spChg chg="mod">
-          <ac:chgData name="Tom Hoyland" userId="736d7a3e-93c7-4109-90c5-e67b8b3e41b2" providerId="ADAL" clId="{A4D346AA-F248-6444-93C1-EF2F2E65C714}" dt="2024-08-20T11:33:03.837" v="628" actId="1036"/>
-          <ac:spMkLst>
-            <pc:docMk/>
-            <pc:sldMk cId="248048730" sldId="272"/>
-            <ac:spMk id="34" creationId="{27018EDB-C14A-2175-DA20-52AE83F8940E}"/>
-          </ac:spMkLst>
-        </pc:spChg>
-        <pc:spChg chg="mod">
-          <ac:chgData name="Tom Hoyland" userId="736d7a3e-93c7-4109-90c5-e67b8b3e41b2" providerId="ADAL" clId="{A4D346AA-F248-6444-93C1-EF2F2E65C714}" dt="2024-08-20T11:33:03.837" v="628" actId="1036"/>
-          <ac:spMkLst>
-            <pc:docMk/>
-            <pc:sldMk cId="248048730" sldId="272"/>
-            <ac:spMk id="35" creationId="{64BD6B3C-21B9-94EB-9163-4D7A83A4A297}"/>
-          </ac:spMkLst>
-        </pc:spChg>
-        <pc:spChg chg="mod">
-          <ac:chgData name="Tom Hoyland" userId="736d7a3e-93c7-4109-90c5-e67b8b3e41b2" providerId="ADAL" clId="{A4D346AA-F248-6444-93C1-EF2F2E65C714}" dt="2024-08-20T11:33:03.837" v="628" actId="1036"/>
-          <ac:spMkLst>
-            <pc:docMk/>
-            <pc:sldMk cId="248048730" sldId="272"/>
-            <ac:spMk id="36" creationId="{965DF994-D945-F5CF-02B0-6FD96B778267}"/>
-          </ac:spMkLst>
-        </pc:spChg>
-        <pc:picChg chg="mod">
-          <ac:chgData name="Tom Hoyland" userId="736d7a3e-93c7-4109-90c5-e67b8b3e41b2" providerId="ADAL" clId="{A4D346AA-F248-6444-93C1-EF2F2E65C714}" dt="2024-08-20T11:33:03.837" v="628" actId="1036"/>
-          <ac:picMkLst>
-            <pc:docMk/>
-            <pc:sldMk cId="248048730" sldId="272"/>
-            <ac:picMk id="5" creationId="{6322FBD9-FD8F-9C95-2729-127E6A05B844}"/>
-          </ac:picMkLst>
-        </pc:picChg>
-        <pc:picChg chg="mod">
-          <ac:chgData name="Tom Hoyland" userId="736d7a3e-93c7-4109-90c5-e67b8b3e41b2" providerId="ADAL" clId="{A4D346AA-F248-6444-93C1-EF2F2E65C714}" dt="2024-08-20T11:33:03.837" v="628" actId="1036"/>
-          <ac:picMkLst>
-            <pc:docMk/>
-            <pc:sldMk cId="248048730" sldId="272"/>
-            <ac:picMk id="6" creationId="{2BE0E3B7-67DB-7D22-62F7-F28225398F7E}"/>
-          </ac:picMkLst>
-        </pc:picChg>
-        <pc:picChg chg="mod">
-          <ac:chgData name="Tom Hoyland" userId="736d7a3e-93c7-4109-90c5-e67b8b3e41b2" providerId="ADAL" clId="{A4D346AA-F248-6444-93C1-EF2F2E65C714}" dt="2024-08-20T11:33:03.837" v="628" actId="1036"/>
-          <ac:picMkLst>
-            <pc:docMk/>
-            <pc:sldMk cId="248048730" sldId="272"/>
-            <ac:picMk id="7" creationId="{4025EFFD-6B77-7453-3202-61E018612DB9}"/>
-          </ac:picMkLst>
-        </pc:picChg>
-        <pc:picChg chg="mod">
-          <ac:chgData name="Tom Hoyland" userId="736d7a3e-93c7-4109-90c5-e67b8b3e41b2" providerId="ADAL" clId="{A4D346AA-F248-6444-93C1-EF2F2E65C714}" dt="2024-08-20T11:33:03.837" v="628" actId="1036"/>
-          <ac:picMkLst>
-            <pc:docMk/>
-            <pc:sldMk cId="248048730" sldId="272"/>
-            <ac:picMk id="9" creationId="{AFD2E46D-615E-B65D-1188-F2A6AB1738D7}"/>
-          </ac:picMkLst>
-        </pc:picChg>
-        <pc:picChg chg="mod">
-          <ac:chgData name="Tom Hoyland" userId="736d7a3e-93c7-4109-90c5-e67b8b3e41b2" providerId="ADAL" clId="{A4D346AA-F248-6444-93C1-EF2F2E65C714}" dt="2024-08-20T11:33:03.837" v="628" actId="1036"/>
-          <ac:picMkLst>
-            <pc:docMk/>
-            <pc:sldMk cId="248048730" sldId="272"/>
-            <ac:picMk id="12" creationId="{5C0C4BE6-1C53-E473-95EA-95C0F5CF1564}"/>
-          </ac:picMkLst>
-        </pc:picChg>
-        <pc:picChg chg="mod">
-          <ac:chgData name="Tom Hoyland" userId="736d7a3e-93c7-4109-90c5-e67b8b3e41b2" providerId="ADAL" clId="{A4D346AA-F248-6444-93C1-EF2F2E65C714}" dt="2024-08-20T11:33:03.837" v="628" actId="1036"/>
-          <ac:picMkLst>
-            <pc:docMk/>
-            <pc:sldMk cId="248048730" sldId="272"/>
-            <ac:picMk id="15" creationId="{1A85A53A-A4EB-808E-BCEA-EEBBAB52ECBA}"/>
-          </ac:picMkLst>
-        </pc:picChg>
-        <pc:picChg chg="mod">
-          <ac:chgData name="Tom Hoyland" userId="736d7a3e-93c7-4109-90c5-e67b8b3e41b2" providerId="ADAL" clId="{A4D346AA-F248-6444-93C1-EF2F2E65C714}" dt="2024-08-20T11:33:03.837" v="628" actId="1036"/>
-          <ac:picMkLst>
-            <pc:docMk/>
-            <pc:sldMk cId="248048730" sldId="272"/>
-            <ac:picMk id="17" creationId="{0FE1B1AD-E962-2850-8199-8B489F405D39}"/>
-          </ac:picMkLst>
-        </pc:picChg>
-        <pc:picChg chg="mod">
-          <ac:chgData name="Tom Hoyland" userId="736d7a3e-93c7-4109-90c5-e67b8b3e41b2" providerId="ADAL" clId="{A4D346AA-F248-6444-93C1-EF2F2E65C714}" dt="2024-08-20T11:33:03.837" v="628" actId="1036"/>
-          <ac:picMkLst>
-            <pc:docMk/>
-            <pc:sldMk cId="248048730" sldId="272"/>
-            <ac:picMk id="21" creationId="{177349E7-5A4C-46C5-B5B8-4980C12E809F}"/>
-          </ac:picMkLst>
-        </pc:picChg>
       </pc:sldChg>
     </pc:docChg>
   </pc:docChgLst>
@@ -7330,6 +7330,36 @@
       </p:grpSpPr>
       <p:pic>
         <p:nvPicPr>
+          <p:cNvPr id="6" name="Picture 5">
+            <a:extLst>
+              <a:ext uri="{FF2B5EF4-FFF2-40B4-BE49-F238E27FC236}">
+                <a16:creationId xmlns:a16="http://schemas.microsoft.com/office/drawing/2014/main" id="{368BFFB7-75BD-E53C-9036-6791F382F375}"/>
+              </a:ext>
+            </a:extLst>
+          </p:cNvPr>
+          <p:cNvPicPr>
+            <a:picLocks noChangeAspect="1"/>
+          </p:cNvPicPr>
+          <p:nvPr/>
+        </p:nvPicPr>
+        <p:blipFill>
+          <a:blip r:embed="rId3"/>
+          <a:stretch>
+            <a:fillRect/>
+          </a:stretch>
+        </p:blipFill>
+        <p:spPr>
+          <a:xfrm>
+            <a:off x="9114328" y="3917168"/>
+            <a:ext cx="2488772" cy="1301705"/>
+          </a:xfrm>
+          <a:prstGeom prst="rect">
+            <a:avLst/>
+          </a:prstGeom>
+        </p:spPr>
+      </p:pic>
+      <p:pic>
+        <p:nvPicPr>
           <p:cNvPr id="5" name="Picture 4">
             <a:extLst>
               <a:ext uri="{FF2B5EF4-FFF2-40B4-BE49-F238E27FC236}">
@@ -9429,36 +9459,6 @@
           </a:p>
         </p:txBody>
       </p:sp>
-      <p:pic>
-        <p:nvPicPr>
-          <p:cNvPr id="6" name="Picture 5">
-            <a:extLst>
-              <a:ext uri="{FF2B5EF4-FFF2-40B4-BE49-F238E27FC236}">
-                <a16:creationId xmlns:a16="http://schemas.microsoft.com/office/drawing/2014/main" id="{368BFFB7-75BD-E53C-9036-6791F382F375}"/>
-              </a:ext>
-            </a:extLst>
-          </p:cNvPr>
-          <p:cNvPicPr>
-            <a:picLocks noChangeAspect="1"/>
-          </p:cNvPicPr>
-          <p:nvPr/>
-        </p:nvPicPr>
-        <p:blipFill>
-          <a:blip r:embed="rId3"/>
-          <a:stretch>
-            <a:fillRect/>
-          </a:stretch>
-        </p:blipFill>
-        <p:spPr>
-          <a:xfrm>
-            <a:off x="9114328" y="3917168"/>
-            <a:ext cx="2488772" cy="1301705"/>
-          </a:xfrm>
-          <a:prstGeom prst="rect">
-            <a:avLst/>
-          </a:prstGeom>
-        </p:spPr>
-      </p:pic>
     </p:spTree>
     <p:extLst>
       <p:ext uri="{BB962C8B-B14F-4D97-AF65-F5344CB8AC3E}">

--- a/Agile-Growth-Pathway.pptx
+++ b/Agile-Growth-Pathway.pptx
@@ -248,803 +248,6 @@
     </pc:docChg>
   </pc:docChgLst>
   <pc:docChgLst>
-    <pc:chgData name="Tom Hoyland" userId="736d7a3e-93c7-4109-90c5-e67b8b3e41b2" providerId="ADAL" clId="{A4D346AA-F248-6444-93C1-EF2F2E65C714}"/>
-    <pc:docChg chg="undo custSel addSld delSld modSld sldOrd">
-      <pc:chgData name="Tom Hoyland" userId="736d7a3e-93c7-4109-90c5-e67b8b3e41b2" providerId="ADAL" clId="{A4D346AA-F248-6444-93C1-EF2F2E65C714}" dt="2024-08-20T11:33:24.572" v="664" actId="404"/>
-      <pc:docMkLst>
-        <pc:docMk/>
-      </pc:docMkLst>
-      <pc:sldChg chg="addSp delSp modSp mod">
-        <pc:chgData name="Tom Hoyland" userId="736d7a3e-93c7-4109-90c5-e67b8b3e41b2" providerId="ADAL" clId="{A4D346AA-F248-6444-93C1-EF2F2E65C714}" dt="2024-08-20T10:35:24.927" v="523" actId="1076"/>
-        <pc:sldMkLst>
-          <pc:docMk/>
-          <pc:sldMk cId="215971509" sldId="258"/>
-        </pc:sldMkLst>
-        <pc:spChg chg="add del mod">
-          <ac:chgData name="Tom Hoyland" userId="736d7a3e-93c7-4109-90c5-e67b8b3e41b2" providerId="ADAL" clId="{A4D346AA-F248-6444-93C1-EF2F2E65C714}" dt="2024-08-20T10:35:16.759" v="521"/>
-          <ac:spMkLst>
-            <pc:docMk/>
-            <